--- a/trunk/ImageProcessing/Speeding up GFKM.pptx
+++ b/trunk/ImageProcessing/Speeding up GFKM.pptx
@@ -7,6 +7,9 @@
   <p:sldIdLst>
     <p:sldId id="256" r:id="rId2"/>
     <p:sldId id="257" r:id="rId3"/>
+    <p:sldId id="258" r:id="rId4"/>
+    <p:sldId id="259" r:id="rId5"/>
+    <p:sldId id="260" r:id="rId6"/>
   </p:sldIdLst>
   <p:sldSz cx="12192000" cy="6858000"/>
   <p:notesSz cx="6858000" cy="9144000"/>
@@ -105,6 +108,11 @@
       </a:defRPr>
     </a:lvl9pPr>
   </p:defaultTextStyle>
+  <p:extLst>
+    <p:ext uri="{EFAFB233-063F-42B5-8137-9DF3F51BA10A}">
+      <p15:sldGuideLst xmlns:p15="http://schemas.microsoft.com/office/powerpoint/2012/main"/>
+    </p:ext>
+  </p:extLst>
 </p:presentation>
 </file>
 
@@ -165,7 +173,7 @@
           <a:noFill/>
           <a:extLst>
             <a:ext uri="{909E8E84-426E-40dd-AFC4-6F175D3DCCD1}">
-              <a14:hiddenFill xmlns:a14="http://schemas.microsoft.com/office/drawing/2010/main" xmlns="">
+              <a14:hiddenFill xmlns="" xmlns:a14="http://schemas.microsoft.com/office/drawing/2010/main">
                 <a:solidFill>
                   <a:srgbClr val="FFFFFF"/>
                 </a:solidFill>
@@ -224,7 +232,7 @@
             </a:ln>
             <a:extLst>
               <a:ext uri="{91240B29-F687-4f45-9708-019B960494DF}">
-                <a14:hiddenLine xmlns:a14="http://schemas.microsoft.com/office/drawing/2010/main" xmlns="" w="9525">
+                <a14:hiddenLine xmlns="" xmlns:a14="http://schemas.microsoft.com/office/drawing/2010/main" w="9525">
                   <a:solidFill>
                     <a:srgbClr val="000000"/>
                   </a:solidFill>
@@ -314,7 +322,7 @@
             </a:ln>
             <a:extLst>
               <a:ext uri="{91240B29-F687-4f45-9708-019B960494DF}">
-                <a14:hiddenLine xmlns:a14="http://schemas.microsoft.com/office/drawing/2010/main" xmlns="" w="9525">
+                <a14:hiddenLine xmlns="" xmlns:a14="http://schemas.microsoft.com/office/drawing/2010/main" w="9525">
                   <a:solidFill>
                     <a:srgbClr val="000000"/>
                   </a:solidFill>
@@ -404,7 +412,7 @@
             </a:ln>
             <a:extLst>
               <a:ext uri="{91240B29-F687-4f45-9708-019B960494DF}">
-                <a14:hiddenLine xmlns:a14="http://schemas.microsoft.com/office/drawing/2010/main" xmlns="" w="9525">
+                <a14:hiddenLine xmlns="" xmlns:a14="http://schemas.microsoft.com/office/drawing/2010/main" w="9525">
                   <a:solidFill>
                     <a:srgbClr val="000000"/>
                   </a:solidFill>
@@ -438,7 +446,7 @@
             </a:ln>
             <a:extLst>
               <a:ext uri="{91240B29-F687-4f45-9708-019B960494DF}">
-                <a14:hiddenLine xmlns:a14="http://schemas.microsoft.com/office/drawing/2010/main" xmlns="" w="9525">
+                <a14:hiddenLine xmlns="" xmlns:a14="http://schemas.microsoft.com/office/drawing/2010/main" w="9525">
                   <a:solidFill>
                     <a:srgbClr val="000000"/>
                   </a:solidFill>
@@ -528,7 +536,7 @@
             </a:ln>
             <a:extLst>
               <a:ext uri="{91240B29-F687-4f45-9708-019B960494DF}">
-                <a14:hiddenLine xmlns:a14="http://schemas.microsoft.com/office/drawing/2010/main" xmlns="" w="9525">
+                <a14:hiddenLine xmlns="" xmlns:a14="http://schemas.microsoft.com/office/drawing/2010/main" w="9525">
                   <a:solidFill>
                     <a:srgbClr val="000000"/>
                   </a:solidFill>
@@ -590,7 +598,7 @@
             </a:ln>
             <a:extLst>
               <a:ext uri="{91240B29-F687-4f45-9708-019B960494DF}">
-                <a14:hiddenLine xmlns:a14="http://schemas.microsoft.com/office/drawing/2010/main" xmlns="" w="9525">
+                <a14:hiddenLine xmlns="" xmlns:a14="http://schemas.microsoft.com/office/drawing/2010/main" w="9525">
                   <a:solidFill>
                     <a:srgbClr val="000000"/>
                   </a:solidFill>
@@ -652,7 +660,7 @@
             </a:ln>
             <a:extLst>
               <a:ext uri="{91240B29-F687-4f45-9708-019B960494DF}">
-                <a14:hiddenLine xmlns:a14="http://schemas.microsoft.com/office/drawing/2010/main" xmlns="" w="9525">
+                <a14:hiddenLine xmlns="" xmlns:a14="http://schemas.microsoft.com/office/drawing/2010/main" w="9525">
                   <a:solidFill>
                     <a:srgbClr val="000000"/>
                   </a:solidFill>
@@ -742,7 +750,7 @@
             </a:ln>
             <a:extLst>
               <a:ext uri="{91240B29-F687-4f45-9708-019B960494DF}">
-                <a14:hiddenLine xmlns:a14="http://schemas.microsoft.com/office/drawing/2010/main" xmlns="" w="9525">
+                <a14:hiddenLine xmlns="" xmlns:a14="http://schemas.microsoft.com/office/drawing/2010/main" w="9525">
                   <a:solidFill>
                     <a:srgbClr val="000000"/>
                   </a:solidFill>
@@ -804,7 +812,7 @@
             </a:ln>
             <a:extLst>
               <a:ext uri="{91240B29-F687-4f45-9708-019B960494DF}">
-                <a14:hiddenLine xmlns:a14="http://schemas.microsoft.com/office/drawing/2010/main" xmlns="" w="9525">
+                <a14:hiddenLine xmlns="" xmlns:a14="http://schemas.microsoft.com/office/drawing/2010/main" w="9525">
                   <a:solidFill>
                     <a:srgbClr val="000000"/>
                   </a:solidFill>
@@ -866,7 +874,7 @@
             </a:ln>
             <a:extLst>
               <a:ext uri="{91240B29-F687-4f45-9708-019B960494DF}">
-                <a14:hiddenLine xmlns:a14="http://schemas.microsoft.com/office/drawing/2010/main" xmlns="" w="9525">
+                <a14:hiddenLine xmlns="" xmlns:a14="http://schemas.microsoft.com/office/drawing/2010/main" w="9525">
                   <a:solidFill>
                     <a:srgbClr val="000000"/>
                   </a:solidFill>
@@ -956,7 +964,7 @@
             </a:ln>
             <a:extLst>
               <a:ext uri="{91240B29-F687-4f45-9708-019B960494DF}">
-                <a14:hiddenLine xmlns:a14="http://schemas.microsoft.com/office/drawing/2010/main" xmlns="" w="9525">
+                <a14:hiddenLine xmlns="" xmlns:a14="http://schemas.microsoft.com/office/drawing/2010/main" w="9525">
                   <a:solidFill>
                     <a:srgbClr val="000000"/>
                   </a:solidFill>
@@ -1046,7 +1054,7 @@
             </a:ln>
             <a:extLst>
               <a:ext uri="{91240B29-F687-4f45-9708-019B960494DF}">
-                <a14:hiddenLine xmlns:a14="http://schemas.microsoft.com/office/drawing/2010/main" xmlns="" w="9525">
+                <a14:hiddenLine xmlns="" xmlns:a14="http://schemas.microsoft.com/office/drawing/2010/main" w="9525">
                   <a:solidFill>
                     <a:srgbClr val="000000"/>
                   </a:solidFill>
@@ -1108,7 +1116,7 @@
             </a:ln>
             <a:extLst>
               <a:ext uri="{91240B29-F687-4f45-9708-019B960494DF}">
-                <a14:hiddenLine xmlns:a14="http://schemas.microsoft.com/office/drawing/2010/main" xmlns="" w="9525">
+                <a14:hiddenLine xmlns="" xmlns:a14="http://schemas.microsoft.com/office/drawing/2010/main" w="9525">
                   <a:solidFill>
                     <a:srgbClr val="000000"/>
                   </a:solidFill>
@@ -1218,7 +1226,7 @@
             </a:ln>
             <a:extLst>
               <a:ext uri="{91240B29-F687-4f45-9708-019B960494DF}">
-                <a14:hiddenLine xmlns:a14="http://schemas.microsoft.com/office/drawing/2010/main" xmlns="" w="9525">
+                <a14:hiddenLine xmlns="" xmlns:a14="http://schemas.microsoft.com/office/drawing/2010/main" w="9525">
                   <a:solidFill>
                     <a:srgbClr val="000000"/>
                   </a:solidFill>
@@ -1280,7 +1288,7 @@
             </a:ln>
             <a:extLst>
               <a:ext uri="{91240B29-F687-4f45-9708-019B960494DF}">
-                <a14:hiddenLine xmlns:a14="http://schemas.microsoft.com/office/drawing/2010/main" xmlns="" w="9525">
+                <a14:hiddenLine xmlns="" xmlns:a14="http://schemas.microsoft.com/office/drawing/2010/main" w="9525">
                   <a:solidFill>
                     <a:srgbClr val="000000"/>
                   </a:solidFill>
@@ -1370,7 +1378,7 @@
             </a:ln>
             <a:extLst>
               <a:ext uri="{91240B29-F687-4f45-9708-019B960494DF}">
-                <a14:hiddenLine xmlns:a14="http://schemas.microsoft.com/office/drawing/2010/main" xmlns="" w="9525">
+                <a14:hiddenLine xmlns="" xmlns:a14="http://schemas.microsoft.com/office/drawing/2010/main" w="9525">
                   <a:solidFill>
                     <a:srgbClr val="000000"/>
                   </a:solidFill>
@@ -1460,7 +1468,7 @@
             </a:ln>
             <a:extLst>
               <a:ext uri="{91240B29-F687-4f45-9708-019B960494DF}">
-                <a14:hiddenLine xmlns:a14="http://schemas.microsoft.com/office/drawing/2010/main" xmlns="" w="9525">
+                <a14:hiddenLine xmlns="" xmlns:a14="http://schemas.microsoft.com/office/drawing/2010/main" w="9525">
                   <a:solidFill>
                     <a:srgbClr val="000000"/>
                   </a:solidFill>
@@ -1522,7 +1530,7 @@
             </a:ln>
             <a:extLst>
               <a:ext uri="{91240B29-F687-4f45-9708-019B960494DF}">
-                <a14:hiddenLine xmlns:a14="http://schemas.microsoft.com/office/drawing/2010/main" xmlns="" w="9525">
+                <a14:hiddenLine xmlns="" xmlns:a14="http://schemas.microsoft.com/office/drawing/2010/main" w="9525">
                   <a:solidFill>
                     <a:srgbClr val="000000"/>
                   </a:solidFill>
@@ -1612,7 +1620,7 @@
             </a:ln>
             <a:extLst>
               <a:ext uri="{91240B29-F687-4f45-9708-019B960494DF}">
-                <a14:hiddenLine xmlns:a14="http://schemas.microsoft.com/office/drawing/2010/main" xmlns="" w="9525">
+                <a14:hiddenLine xmlns="" xmlns:a14="http://schemas.microsoft.com/office/drawing/2010/main" w="9525">
                   <a:solidFill>
                     <a:srgbClr val="000000"/>
                   </a:solidFill>
@@ -1702,7 +1710,7 @@
             </a:ln>
             <a:extLst>
               <a:ext uri="{91240B29-F687-4f45-9708-019B960494DF}">
-                <a14:hiddenLine xmlns:a14="http://schemas.microsoft.com/office/drawing/2010/main" xmlns="" w="9525">
+                <a14:hiddenLine xmlns="" xmlns:a14="http://schemas.microsoft.com/office/drawing/2010/main" w="9525">
                   <a:solidFill>
                     <a:srgbClr val="000000"/>
                   </a:solidFill>
@@ -1758,7 +1766,7 @@
             </a:ln>
             <a:extLst>
               <a:ext uri="{91240B29-F687-4f45-9708-019B960494DF}">
-                <a14:hiddenLine xmlns:a14="http://schemas.microsoft.com/office/drawing/2010/main" xmlns="" w="9525">
+                <a14:hiddenLine xmlns="" xmlns:a14="http://schemas.microsoft.com/office/drawing/2010/main" w="9525">
                   <a:solidFill>
                     <a:srgbClr val="000000"/>
                   </a:solidFill>
@@ -1848,7 +1856,7 @@
             </a:ln>
             <a:extLst>
               <a:ext uri="{91240B29-F687-4f45-9708-019B960494DF}">
-                <a14:hiddenLine xmlns:a14="http://schemas.microsoft.com/office/drawing/2010/main" xmlns="" w="9525">
+                <a14:hiddenLine xmlns="" xmlns:a14="http://schemas.microsoft.com/office/drawing/2010/main" w="9525">
                   <a:solidFill>
                     <a:srgbClr val="000000"/>
                   </a:solidFill>
@@ -1904,7 +1912,7 @@
             </a:ln>
             <a:extLst>
               <a:ext uri="{91240B29-F687-4f45-9708-019B960494DF}">
-                <a14:hiddenLine xmlns:a14="http://schemas.microsoft.com/office/drawing/2010/main" xmlns="" w="9525">
+                <a14:hiddenLine xmlns="" xmlns:a14="http://schemas.microsoft.com/office/drawing/2010/main" w="9525">
                   <a:solidFill>
                     <a:srgbClr val="000000"/>
                   </a:solidFill>
@@ -1994,7 +2002,7 @@
             </a:ln>
             <a:extLst>
               <a:ext uri="{91240B29-F687-4f45-9708-019B960494DF}">
-                <a14:hiddenLine xmlns:a14="http://schemas.microsoft.com/office/drawing/2010/main" xmlns="" w="9525">
+                <a14:hiddenLine xmlns="" xmlns:a14="http://schemas.microsoft.com/office/drawing/2010/main" w="9525">
                   <a:solidFill>
                     <a:srgbClr val="000000"/>
                   </a:solidFill>
@@ -2062,7 +2070,7 @@
             </a:ln>
             <a:extLst>
               <a:ext uri="{91240B29-F687-4f45-9708-019B960494DF}">
-                <a14:hiddenLine xmlns:a14="http://schemas.microsoft.com/office/drawing/2010/main" xmlns="" w="9525">
+                <a14:hiddenLine xmlns="" xmlns:a14="http://schemas.microsoft.com/office/drawing/2010/main" w="9525">
                   <a:solidFill>
                     <a:srgbClr val="000000"/>
                   </a:solidFill>
@@ -2152,7 +2160,7 @@
             </a:ln>
             <a:extLst>
               <a:ext uri="{91240B29-F687-4f45-9708-019B960494DF}">
-                <a14:hiddenLine xmlns:a14="http://schemas.microsoft.com/office/drawing/2010/main" xmlns="" w="9525">
+                <a14:hiddenLine xmlns="" xmlns:a14="http://schemas.microsoft.com/office/drawing/2010/main" w="9525">
                   <a:solidFill>
                     <a:srgbClr val="000000"/>
                   </a:solidFill>
@@ -2220,7 +2228,7 @@
             </a:ln>
             <a:extLst>
               <a:ext uri="{91240B29-F687-4f45-9708-019B960494DF}">
-                <a14:hiddenLine xmlns:a14="http://schemas.microsoft.com/office/drawing/2010/main" xmlns="" w="9525">
+                <a14:hiddenLine xmlns="" xmlns:a14="http://schemas.microsoft.com/office/drawing/2010/main" w="9525">
                   <a:solidFill>
                     <a:srgbClr val="000000"/>
                   </a:solidFill>
@@ -2310,7 +2318,7 @@
             </a:ln>
             <a:extLst>
               <a:ext uri="{91240B29-F687-4f45-9708-019B960494DF}">
-                <a14:hiddenLine xmlns:a14="http://schemas.microsoft.com/office/drawing/2010/main" xmlns="" w="9525">
+                <a14:hiddenLine xmlns="" xmlns:a14="http://schemas.microsoft.com/office/drawing/2010/main" w="9525">
                   <a:solidFill>
                     <a:srgbClr val="000000"/>
                   </a:solidFill>
@@ -2344,7 +2352,7 @@
             </a:ln>
             <a:extLst>
               <a:ext uri="{91240B29-F687-4f45-9708-019B960494DF}">
-                <a14:hiddenLine xmlns:a14="http://schemas.microsoft.com/office/drawing/2010/main" xmlns="" w="9525">
+                <a14:hiddenLine xmlns="" xmlns:a14="http://schemas.microsoft.com/office/drawing/2010/main" w="9525">
                   <a:solidFill>
                     <a:srgbClr val="000000"/>
                   </a:solidFill>
@@ -2434,7 +2442,7 @@
             </a:ln>
             <a:extLst>
               <a:ext uri="{91240B29-F687-4f45-9708-019B960494DF}">
-                <a14:hiddenLine xmlns:a14="http://schemas.microsoft.com/office/drawing/2010/main" xmlns="" w="9525">
+                <a14:hiddenLine xmlns="" xmlns:a14="http://schemas.microsoft.com/office/drawing/2010/main" w="9525">
                   <a:solidFill>
                     <a:srgbClr val="000000"/>
                   </a:solidFill>
@@ -2496,7 +2504,7 @@
             </a:ln>
             <a:extLst>
               <a:ext uri="{91240B29-F687-4f45-9708-019B960494DF}">
-                <a14:hiddenLine xmlns:a14="http://schemas.microsoft.com/office/drawing/2010/main" xmlns="" w="9525">
+                <a14:hiddenLine xmlns="" xmlns:a14="http://schemas.microsoft.com/office/drawing/2010/main" w="9525">
                   <a:solidFill>
                     <a:srgbClr val="000000"/>
                   </a:solidFill>
@@ -2558,7 +2566,7 @@
             </a:ln>
             <a:extLst>
               <a:ext uri="{91240B29-F687-4f45-9708-019B960494DF}">
-                <a14:hiddenLine xmlns:a14="http://schemas.microsoft.com/office/drawing/2010/main" xmlns="" w="9525">
+                <a14:hiddenLine xmlns="" xmlns:a14="http://schemas.microsoft.com/office/drawing/2010/main" w="9525">
                   <a:solidFill>
                     <a:srgbClr val="000000"/>
                   </a:solidFill>
@@ -2648,7 +2656,7 @@
             </a:ln>
             <a:extLst>
               <a:ext uri="{91240B29-F687-4f45-9708-019B960494DF}">
-                <a14:hiddenLine xmlns:a14="http://schemas.microsoft.com/office/drawing/2010/main" xmlns="" w="9525">
+                <a14:hiddenLine xmlns="" xmlns:a14="http://schemas.microsoft.com/office/drawing/2010/main" w="9525">
                   <a:solidFill>
                     <a:srgbClr val="000000"/>
                   </a:solidFill>
@@ -2716,7 +2724,7 @@
             </a:ln>
             <a:extLst>
               <a:ext uri="{91240B29-F687-4f45-9708-019B960494DF}">
-                <a14:hiddenLine xmlns:a14="http://schemas.microsoft.com/office/drawing/2010/main" xmlns="" w="9525">
+                <a14:hiddenLine xmlns="" xmlns:a14="http://schemas.microsoft.com/office/drawing/2010/main" w="9525">
                   <a:solidFill>
                     <a:srgbClr val="000000"/>
                   </a:solidFill>
@@ -2778,7 +2786,7 @@
             </a:ln>
             <a:extLst>
               <a:ext uri="{91240B29-F687-4f45-9708-019B960494DF}">
-                <a14:hiddenLine xmlns:a14="http://schemas.microsoft.com/office/drawing/2010/main" xmlns="" w="9525">
+                <a14:hiddenLine xmlns="" xmlns:a14="http://schemas.microsoft.com/office/drawing/2010/main" w="9525">
                   <a:solidFill>
                     <a:srgbClr val="000000"/>
                   </a:solidFill>
@@ -2868,7 +2876,7 @@
             </a:ln>
             <a:extLst>
               <a:ext uri="{91240B29-F687-4f45-9708-019B960494DF}">
-                <a14:hiddenLine xmlns:a14="http://schemas.microsoft.com/office/drawing/2010/main" xmlns="" w="9525">
+                <a14:hiddenLine xmlns="" xmlns:a14="http://schemas.microsoft.com/office/drawing/2010/main" w="9525">
                   <a:solidFill>
                     <a:srgbClr val="000000"/>
                   </a:solidFill>
@@ -2930,7 +2938,7 @@
             </a:ln>
             <a:extLst>
               <a:ext uri="{91240B29-F687-4f45-9708-019B960494DF}">
-                <a14:hiddenLine xmlns:a14="http://schemas.microsoft.com/office/drawing/2010/main" xmlns="" w="9525">
+                <a14:hiddenLine xmlns="" xmlns:a14="http://schemas.microsoft.com/office/drawing/2010/main" w="9525">
                   <a:solidFill>
                     <a:srgbClr val="000000"/>
                   </a:solidFill>
@@ -3020,7 +3028,7 @@
             </a:ln>
             <a:extLst>
               <a:ext uri="{91240B29-F687-4f45-9708-019B960494DF}">
-                <a14:hiddenLine xmlns:a14="http://schemas.microsoft.com/office/drawing/2010/main" xmlns="" w="9525">
+                <a14:hiddenLine xmlns="" xmlns:a14="http://schemas.microsoft.com/office/drawing/2010/main" w="9525">
                   <a:solidFill>
                     <a:srgbClr val="000000"/>
                   </a:solidFill>
@@ -3082,7 +3090,7 @@
             </a:ln>
             <a:extLst>
               <a:ext uri="{91240B29-F687-4f45-9708-019B960494DF}">
-                <a14:hiddenLine xmlns:a14="http://schemas.microsoft.com/office/drawing/2010/main" xmlns="" w="9525">
+                <a14:hiddenLine xmlns="" xmlns:a14="http://schemas.microsoft.com/office/drawing/2010/main" w="9525">
                   <a:solidFill>
                     <a:srgbClr val="000000"/>
                   </a:solidFill>
@@ -3172,7 +3180,7 @@
             </a:ln>
             <a:extLst>
               <a:ext uri="{91240B29-F687-4f45-9708-019B960494DF}">
-                <a14:hiddenLine xmlns:a14="http://schemas.microsoft.com/office/drawing/2010/main" xmlns="" w="9525">
+                <a14:hiddenLine xmlns="" xmlns:a14="http://schemas.microsoft.com/office/drawing/2010/main" w="9525">
                   <a:solidFill>
                     <a:srgbClr val="000000"/>
                   </a:solidFill>
@@ -3206,7 +3214,7 @@
             </a:ln>
             <a:extLst>
               <a:ext uri="{91240B29-F687-4f45-9708-019B960494DF}">
-                <a14:hiddenLine xmlns:a14="http://schemas.microsoft.com/office/drawing/2010/main" xmlns="" w="9525">
+                <a14:hiddenLine xmlns="" xmlns:a14="http://schemas.microsoft.com/office/drawing/2010/main" w="9525">
                   <a:solidFill>
                     <a:srgbClr val="000000"/>
                   </a:solidFill>
@@ -3271,7 +3279,7 @@
             </a:ln>
             <a:extLst>
               <a:ext uri="{91240B29-F687-4f45-9708-019B960494DF}">
-                <a14:hiddenLine xmlns:a14="http://schemas.microsoft.com/office/drawing/2010/main" xmlns="" w="9525">
+                <a14:hiddenLine xmlns="" xmlns:a14="http://schemas.microsoft.com/office/drawing/2010/main" w="9525">
                   <a:solidFill>
                     <a:srgbClr val="000000"/>
                   </a:solidFill>
@@ -3361,7 +3369,7 @@
             </a:ln>
             <a:extLst>
               <a:ext uri="{91240B29-F687-4f45-9708-019B960494DF}">
-                <a14:hiddenLine xmlns:a14="http://schemas.microsoft.com/office/drawing/2010/main" xmlns="" w="9525">
+                <a14:hiddenLine xmlns="" xmlns:a14="http://schemas.microsoft.com/office/drawing/2010/main" w="9525">
                   <a:solidFill>
                     <a:srgbClr val="000000"/>
                   </a:solidFill>
@@ -3423,7 +3431,7 @@
             </a:ln>
             <a:extLst>
               <a:ext uri="{91240B29-F687-4f45-9708-019B960494DF}">
-                <a14:hiddenLine xmlns:a14="http://schemas.microsoft.com/office/drawing/2010/main" xmlns="" w="9525">
+                <a14:hiddenLine xmlns="" xmlns:a14="http://schemas.microsoft.com/office/drawing/2010/main" w="9525">
                   <a:solidFill>
                     <a:srgbClr val="000000"/>
                   </a:solidFill>
@@ -3513,7 +3521,7 @@
             </a:ln>
             <a:extLst>
               <a:ext uri="{91240B29-F687-4f45-9708-019B960494DF}">
-                <a14:hiddenLine xmlns:a14="http://schemas.microsoft.com/office/drawing/2010/main" xmlns="" w="9525">
+                <a14:hiddenLine xmlns="" xmlns:a14="http://schemas.microsoft.com/office/drawing/2010/main" w="9525">
                   <a:solidFill>
                     <a:srgbClr val="000000"/>
                   </a:solidFill>
@@ -3603,7 +3611,7 @@
             </a:ln>
             <a:extLst>
               <a:ext uri="{91240B29-F687-4f45-9708-019B960494DF}">
-                <a14:hiddenLine xmlns:a14="http://schemas.microsoft.com/office/drawing/2010/main" xmlns="" w="9525">
+                <a14:hiddenLine xmlns="" xmlns:a14="http://schemas.microsoft.com/office/drawing/2010/main" w="9525">
                   <a:solidFill>
                     <a:srgbClr val="000000"/>
                   </a:solidFill>
@@ -3668,7 +3676,7 @@
             </a:ln>
             <a:extLst>
               <a:ext uri="{91240B29-F687-4f45-9708-019B960494DF}">
-                <a14:hiddenLine xmlns:a14="http://schemas.microsoft.com/office/drawing/2010/main" xmlns="" w="9525">
+                <a14:hiddenLine xmlns="" xmlns:a14="http://schemas.microsoft.com/office/drawing/2010/main" w="9525">
                   <a:solidFill>
                     <a:srgbClr val="000000"/>
                   </a:solidFill>
@@ -3730,7 +3738,7 @@
             </a:ln>
             <a:extLst>
               <a:ext uri="{91240B29-F687-4f45-9708-019B960494DF}">
-                <a14:hiddenLine xmlns:a14="http://schemas.microsoft.com/office/drawing/2010/main" xmlns="" w="9525">
+                <a14:hiddenLine xmlns="" xmlns:a14="http://schemas.microsoft.com/office/drawing/2010/main" w="9525">
                   <a:solidFill>
                     <a:srgbClr val="000000"/>
                   </a:solidFill>
@@ -3820,7 +3828,7 @@
             </a:ln>
             <a:extLst>
               <a:ext uri="{91240B29-F687-4f45-9708-019B960494DF}">
-                <a14:hiddenLine xmlns:a14="http://schemas.microsoft.com/office/drawing/2010/main" xmlns="" w="9525">
+                <a14:hiddenLine xmlns="" xmlns:a14="http://schemas.microsoft.com/office/drawing/2010/main" w="9525">
                   <a:solidFill>
                     <a:srgbClr val="000000"/>
                   </a:solidFill>
@@ -3910,7 +3918,7 @@
             </a:ln>
             <a:extLst>
               <a:ext uri="{91240B29-F687-4f45-9708-019B960494DF}">
-                <a14:hiddenLine xmlns:a14="http://schemas.microsoft.com/office/drawing/2010/main" xmlns="" w="9525">
+                <a14:hiddenLine xmlns="" xmlns:a14="http://schemas.microsoft.com/office/drawing/2010/main" w="9525">
                   <a:solidFill>
                     <a:srgbClr val="000000"/>
                   </a:solidFill>
@@ -3972,7 +3980,7 @@
             </a:ln>
             <a:extLst>
               <a:ext uri="{91240B29-F687-4f45-9708-019B960494DF}">
-                <a14:hiddenLine xmlns:a14="http://schemas.microsoft.com/office/drawing/2010/main" xmlns="" w="9525">
+                <a14:hiddenLine xmlns="" xmlns:a14="http://schemas.microsoft.com/office/drawing/2010/main" w="9525">
                   <a:solidFill>
                     <a:srgbClr val="000000"/>
                   </a:solidFill>
@@ -4092,7 +4100,7 @@
             </a:ln>
             <a:extLst>
               <a:ext uri="{91240B29-F687-4f45-9708-019B960494DF}">
-                <a14:hiddenLine xmlns:a14="http://schemas.microsoft.com/office/drawing/2010/main" xmlns="" w="9525">
+                <a14:hiddenLine xmlns="" xmlns:a14="http://schemas.microsoft.com/office/drawing/2010/main" w="9525">
                   <a:solidFill>
                     <a:srgbClr val="000000"/>
                   </a:solidFill>
@@ -4160,7 +4168,7 @@
             </a:ln>
             <a:extLst>
               <a:ext uri="{91240B29-F687-4f45-9708-019B960494DF}">
-                <a14:hiddenLine xmlns:a14="http://schemas.microsoft.com/office/drawing/2010/main" xmlns="" w="9525">
+                <a14:hiddenLine xmlns="" xmlns:a14="http://schemas.microsoft.com/office/drawing/2010/main" w="9525">
                   <a:solidFill>
                     <a:srgbClr val="000000"/>
                   </a:solidFill>
@@ -4250,7 +4258,7 @@
             </a:ln>
             <a:extLst>
               <a:ext uri="{91240B29-F687-4f45-9708-019B960494DF}">
-                <a14:hiddenLine xmlns:a14="http://schemas.microsoft.com/office/drawing/2010/main" xmlns="" w="9525">
+                <a14:hiddenLine xmlns="" xmlns:a14="http://schemas.microsoft.com/office/drawing/2010/main" w="9525">
                   <a:solidFill>
                     <a:srgbClr val="000000"/>
                   </a:solidFill>
@@ -4390,7 +4398,7 @@
           <a:p>
             <a:fld id="{87FDB585-DADA-4BA1-A1E3-BDF1D32E1A94}" type="datetimeFigureOut">
               <a:rPr lang="en-GB" smtClean="0"/>
-              <a:t>10/11/2014</a:t>
+              <a:t>18/05/2015</a:t>
             </a:fld>
             <a:endParaRPr lang="en-GB"/>
           </a:p>
@@ -4657,7 +4665,7 @@
           <a:p>
             <a:fld id="{87FDB585-DADA-4BA1-A1E3-BDF1D32E1A94}" type="datetimeFigureOut">
               <a:rPr lang="en-GB" smtClean="0"/>
-              <a:t>10/11/2014</a:t>
+              <a:t>18/05/2015</a:t>
             </a:fld>
             <a:endParaRPr lang="en-GB"/>
           </a:p>
@@ -4853,7 +4861,7 @@
           <a:p>
             <a:fld id="{87FDB585-DADA-4BA1-A1E3-BDF1D32E1A94}" type="datetimeFigureOut">
               <a:rPr lang="en-GB" smtClean="0"/>
-              <a:t>10/11/2014</a:t>
+              <a:t>18/05/2015</a:t>
             </a:fld>
             <a:endParaRPr lang="en-GB"/>
           </a:p>
@@ -5116,7 +5124,7 @@
           <a:p>
             <a:fld id="{87FDB585-DADA-4BA1-A1E3-BDF1D32E1A94}" type="datetimeFigureOut">
               <a:rPr lang="en-GB" smtClean="0"/>
-              <a:t>10/11/2014</a:t>
+              <a:t>18/05/2015</a:t>
             </a:fld>
             <a:endParaRPr lang="en-GB"/>
           </a:p>
@@ -5550,7 +5558,7 @@
           <a:p>
             <a:fld id="{87FDB585-DADA-4BA1-A1E3-BDF1D32E1A94}" type="datetimeFigureOut">
               <a:rPr lang="en-GB" smtClean="0"/>
-              <a:t>10/11/2014</a:t>
+              <a:t>18/05/2015</a:t>
             </a:fld>
             <a:endParaRPr lang="en-GB"/>
           </a:p>
@@ -6096,7 +6104,7 @@
           <a:p>
             <a:fld id="{87FDB585-DADA-4BA1-A1E3-BDF1D32E1A94}" type="datetimeFigureOut">
               <a:rPr lang="en-GB" smtClean="0"/>
-              <a:t>10/11/2014</a:t>
+              <a:t>18/05/2015</a:t>
             </a:fld>
             <a:endParaRPr lang="en-GB"/>
           </a:p>
@@ -6816,7 +6824,7 @@
           <a:p>
             <a:fld id="{87FDB585-DADA-4BA1-A1E3-BDF1D32E1A94}" type="datetimeFigureOut">
               <a:rPr lang="en-GB" smtClean="0"/>
-              <a:t>10/11/2014</a:t>
+              <a:t>18/05/2015</a:t>
             </a:fld>
             <a:endParaRPr lang="en-GB"/>
           </a:p>
@@ -6986,7 +6994,7 @@
           <a:p>
             <a:fld id="{87FDB585-DADA-4BA1-A1E3-BDF1D32E1A94}" type="datetimeFigureOut">
               <a:rPr lang="en-GB" smtClean="0"/>
-              <a:t>10/11/2014</a:t>
+              <a:t>18/05/2015</a:t>
             </a:fld>
             <a:endParaRPr lang="en-GB"/>
           </a:p>
@@ -7166,7 +7174,7 @@
           <a:p>
             <a:fld id="{87FDB585-DADA-4BA1-A1E3-BDF1D32E1A94}" type="datetimeFigureOut">
               <a:rPr lang="en-GB" smtClean="0"/>
-              <a:t>10/11/2014</a:t>
+              <a:t>18/05/2015</a:t>
             </a:fld>
             <a:endParaRPr lang="en-GB"/>
           </a:p>
@@ -7336,7 +7344,7 @@
           <a:p>
             <a:fld id="{87FDB585-DADA-4BA1-A1E3-BDF1D32E1A94}" type="datetimeFigureOut">
               <a:rPr lang="en-GB" smtClean="0"/>
-              <a:t>10/11/2014</a:t>
+              <a:t>18/05/2015</a:t>
             </a:fld>
             <a:endParaRPr lang="en-GB"/>
           </a:p>
@@ -7586,7 +7594,7 @@
           <a:p>
             <a:fld id="{87FDB585-DADA-4BA1-A1E3-BDF1D32E1A94}" type="datetimeFigureOut">
               <a:rPr lang="en-GB" smtClean="0"/>
-              <a:t>10/11/2014</a:t>
+              <a:t>18/05/2015</a:t>
             </a:fld>
             <a:endParaRPr lang="en-GB"/>
           </a:p>
@@ -7818,7 +7826,7 @@
           <a:p>
             <a:fld id="{87FDB585-DADA-4BA1-A1E3-BDF1D32E1A94}" type="datetimeFigureOut">
               <a:rPr lang="en-GB" smtClean="0"/>
-              <a:t>10/11/2014</a:t>
+              <a:t>18/05/2015</a:t>
             </a:fld>
             <a:endParaRPr lang="en-GB"/>
           </a:p>
@@ -8199,7 +8207,7 @@
           <a:p>
             <a:fld id="{87FDB585-DADA-4BA1-A1E3-BDF1D32E1A94}" type="datetimeFigureOut">
               <a:rPr lang="en-GB" smtClean="0"/>
-              <a:t>10/11/2014</a:t>
+              <a:t>18/05/2015</a:t>
             </a:fld>
             <a:endParaRPr lang="en-GB"/>
           </a:p>
@@ -8317,7 +8325,7 @@
           <a:p>
             <a:fld id="{87FDB585-DADA-4BA1-A1E3-BDF1D32E1A94}" type="datetimeFigureOut">
               <a:rPr lang="en-GB" smtClean="0"/>
-              <a:t>10/11/2014</a:t>
+              <a:t>18/05/2015</a:t>
             </a:fld>
             <a:endParaRPr lang="en-GB"/>
           </a:p>
@@ -8412,7 +8420,7 @@
           <a:p>
             <a:fld id="{87FDB585-DADA-4BA1-A1E3-BDF1D32E1A94}" type="datetimeFigureOut">
               <a:rPr lang="en-GB" smtClean="0"/>
-              <a:t>10/11/2014</a:t>
+              <a:t>18/05/2015</a:t>
             </a:fld>
             <a:endParaRPr lang="en-GB"/>
           </a:p>
@@ -8661,7 +8669,7 @@
           <a:p>
             <a:fld id="{87FDB585-DADA-4BA1-A1E3-BDF1D32E1A94}" type="datetimeFigureOut">
               <a:rPr lang="en-GB" smtClean="0"/>
-              <a:t>10/11/2014</a:t>
+              <a:t>18/05/2015</a:t>
             </a:fld>
             <a:endParaRPr lang="en-GB"/>
           </a:p>
@@ -8941,7 +8949,7 @@
           <a:p>
             <a:fld id="{87FDB585-DADA-4BA1-A1E3-BDF1D32E1A94}" type="datetimeFigureOut">
               <a:rPr lang="en-GB" smtClean="0"/>
-              <a:t>10/11/2014</a:t>
+              <a:t>18/05/2015</a:t>
             </a:fld>
             <a:endParaRPr lang="en-GB"/>
           </a:p>
@@ -9064,7 +9072,7 @@
           <a:noFill/>
           <a:extLst>
             <a:ext uri="{909E8E84-426E-40dd-AFC4-6F175D3DCCD1}">
-              <a14:hiddenFill xmlns:a14="http://schemas.microsoft.com/office/drawing/2010/main" xmlns="">
+              <a14:hiddenFill xmlns="" xmlns:a14="http://schemas.microsoft.com/office/drawing/2010/main">
                 <a:solidFill>
                   <a:srgbClr val="FFFFFF"/>
                 </a:solidFill>
@@ -9138,7 +9146,7 @@
               </a:ln>
               <a:extLst>
                 <a:ext uri="{91240B29-F687-4f45-9708-019B960494DF}">
-                  <a14:hiddenLine xmlns:a14="http://schemas.microsoft.com/office/drawing/2010/main" xmlns="" w="9525">
+                  <a14:hiddenLine xmlns="" xmlns:a14="http://schemas.microsoft.com/office/drawing/2010/main" w="9525">
                     <a:solidFill>
                       <a:srgbClr val="000000"/>
                     </a:solidFill>
@@ -9228,7 +9236,7 @@
               </a:ln>
               <a:extLst>
                 <a:ext uri="{91240B29-F687-4f45-9708-019B960494DF}">
-                  <a14:hiddenLine xmlns:a14="http://schemas.microsoft.com/office/drawing/2010/main" xmlns="" w="9525">
+                  <a14:hiddenLine xmlns="" xmlns:a14="http://schemas.microsoft.com/office/drawing/2010/main" w="9525">
                     <a:solidFill>
                       <a:srgbClr val="000000"/>
                     </a:solidFill>
@@ -9318,7 +9326,7 @@
               </a:ln>
               <a:extLst>
                 <a:ext uri="{91240B29-F687-4f45-9708-019B960494DF}">
-                  <a14:hiddenLine xmlns:a14="http://schemas.microsoft.com/office/drawing/2010/main" xmlns="" w="9525">
+                  <a14:hiddenLine xmlns="" xmlns:a14="http://schemas.microsoft.com/office/drawing/2010/main" w="9525">
                     <a:solidFill>
                       <a:srgbClr val="000000"/>
                     </a:solidFill>
@@ -9380,7 +9388,7 @@
               </a:ln>
               <a:extLst>
                 <a:ext uri="{91240B29-F687-4f45-9708-019B960494DF}">
-                  <a14:hiddenLine xmlns:a14="http://schemas.microsoft.com/office/drawing/2010/main" xmlns="" w="9525">
+                  <a14:hiddenLine xmlns="" xmlns:a14="http://schemas.microsoft.com/office/drawing/2010/main" w="9525">
                     <a:solidFill>
                       <a:srgbClr val="000000"/>
                     </a:solidFill>
@@ -9470,7 +9478,7 @@
               </a:ln>
               <a:extLst>
                 <a:ext uri="{91240B29-F687-4f45-9708-019B960494DF}">
-                  <a14:hiddenLine xmlns:a14="http://schemas.microsoft.com/office/drawing/2010/main" xmlns="" w="9525">
+                  <a14:hiddenLine xmlns="" xmlns:a14="http://schemas.microsoft.com/office/drawing/2010/main" w="9525">
                     <a:solidFill>
                       <a:srgbClr val="000000"/>
                     </a:solidFill>
@@ -9532,7 +9540,7 @@
               </a:ln>
               <a:extLst>
                 <a:ext uri="{91240B29-F687-4f45-9708-019B960494DF}">
-                  <a14:hiddenLine xmlns:a14="http://schemas.microsoft.com/office/drawing/2010/main" xmlns="" w="9525">
+                  <a14:hiddenLine xmlns="" xmlns:a14="http://schemas.microsoft.com/office/drawing/2010/main" w="9525">
                     <a:solidFill>
                       <a:srgbClr val="000000"/>
                     </a:solidFill>
@@ -9594,7 +9602,7 @@
               </a:ln>
               <a:extLst>
                 <a:ext uri="{91240B29-F687-4f45-9708-019B960494DF}">
-                  <a14:hiddenLine xmlns:a14="http://schemas.microsoft.com/office/drawing/2010/main" xmlns="" w="9525">
+                  <a14:hiddenLine xmlns="" xmlns:a14="http://schemas.microsoft.com/office/drawing/2010/main" w="9525">
                     <a:solidFill>
                       <a:srgbClr val="000000"/>
                     </a:solidFill>
@@ -9684,7 +9692,7 @@
               </a:ln>
               <a:extLst>
                 <a:ext uri="{91240B29-F687-4f45-9708-019B960494DF}">
-                  <a14:hiddenLine xmlns:a14="http://schemas.microsoft.com/office/drawing/2010/main" xmlns="" w="9525">
+                  <a14:hiddenLine xmlns="" xmlns:a14="http://schemas.microsoft.com/office/drawing/2010/main" w="9525">
                     <a:solidFill>
                       <a:srgbClr val="000000"/>
                     </a:solidFill>
@@ -9774,7 +9782,7 @@
               </a:ln>
               <a:extLst>
                 <a:ext uri="{91240B29-F687-4f45-9708-019B960494DF}">
-                  <a14:hiddenLine xmlns:a14="http://schemas.microsoft.com/office/drawing/2010/main" xmlns="" w="9525">
+                  <a14:hiddenLine xmlns="" xmlns:a14="http://schemas.microsoft.com/office/drawing/2010/main" w="9525">
                     <a:solidFill>
                       <a:srgbClr val="000000"/>
                     </a:solidFill>
@@ -9836,7 +9844,7 @@
               </a:ln>
               <a:extLst>
                 <a:ext uri="{91240B29-F687-4f45-9708-019B960494DF}">
-                  <a14:hiddenLine xmlns:a14="http://schemas.microsoft.com/office/drawing/2010/main" xmlns="" w="9525">
+                  <a14:hiddenLine xmlns="" xmlns:a14="http://schemas.microsoft.com/office/drawing/2010/main" w="9525">
                     <a:solidFill>
                       <a:srgbClr val="000000"/>
                     </a:solidFill>
@@ -9946,7 +9954,7 @@
               </a:ln>
               <a:extLst>
                 <a:ext uri="{91240B29-F687-4f45-9708-019B960494DF}">
-                  <a14:hiddenLine xmlns:a14="http://schemas.microsoft.com/office/drawing/2010/main" xmlns="" w="9525">
+                  <a14:hiddenLine xmlns="" xmlns:a14="http://schemas.microsoft.com/office/drawing/2010/main" w="9525">
                     <a:solidFill>
                       <a:srgbClr val="000000"/>
                     </a:solidFill>
@@ -10030,7 +10038,7 @@
               </a:ln>
               <a:extLst>
                 <a:ext uri="{91240B29-F687-4f45-9708-019B960494DF}">
-                  <a14:hiddenLine xmlns:a14="http://schemas.microsoft.com/office/drawing/2010/main" xmlns="" w="9525">
+                  <a14:hiddenLine xmlns="" xmlns:a14="http://schemas.microsoft.com/office/drawing/2010/main" w="9525">
                     <a:solidFill>
                       <a:srgbClr val="000000"/>
                     </a:solidFill>
@@ -10092,7 +10100,7 @@
               </a:ln>
               <a:extLst>
                 <a:ext uri="{91240B29-F687-4f45-9708-019B960494DF}">
-                  <a14:hiddenLine xmlns:a14="http://schemas.microsoft.com/office/drawing/2010/main" xmlns="" w="9525">
+                  <a14:hiddenLine xmlns="" xmlns:a14="http://schemas.microsoft.com/office/drawing/2010/main" w="9525">
                     <a:solidFill>
                       <a:srgbClr val="000000"/>
                     </a:solidFill>
@@ -10154,7 +10162,7 @@
               </a:ln>
               <a:extLst>
                 <a:ext uri="{91240B29-F687-4f45-9708-019B960494DF}">
-                  <a14:hiddenLine xmlns:a14="http://schemas.microsoft.com/office/drawing/2010/main" xmlns="" w="9525">
+                  <a14:hiddenLine xmlns="" xmlns:a14="http://schemas.microsoft.com/office/drawing/2010/main" w="9525">
                     <a:solidFill>
                       <a:srgbClr val="000000"/>
                     </a:solidFill>
@@ -10244,7 +10252,7 @@
               </a:ln>
               <a:extLst>
                 <a:ext uri="{91240B29-F687-4f45-9708-019B960494DF}">
-                  <a14:hiddenLine xmlns:a14="http://schemas.microsoft.com/office/drawing/2010/main" xmlns="" w="9525">
+                  <a14:hiddenLine xmlns="" xmlns:a14="http://schemas.microsoft.com/office/drawing/2010/main" w="9525">
                     <a:solidFill>
                       <a:srgbClr val="000000"/>
                     </a:solidFill>
@@ -10278,7 +10286,7 @@
               </a:ln>
               <a:extLst>
                 <a:ext uri="{91240B29-F687-4f45-9708-019B960494DF}">
-                  <a14:hiddenLine xmlns:a14="http://schemas.microsoft.com/office/drawing/2010/main" xmlns="" w="9525">
+                  <a14:hiddenLine xmlns="" xmlns:a14="http://schemas.microsoft.com/office/drawing/2010/main" w="9525">
                     <a:solidFill>
                       <a:srgbClr val="000000"/>
                     </a:solidFill>
@@ -10343,7 +10351,7 @@
               </a:ln>
               <a:extLst>
                 <a:ext uri="{91240B29-F687-4f45-9708-019B960494DF}">
-                  <a14:hiddenLine xmlns:a14="http://schemas.microsoft.com/office/drawing/2010/main" xmlns="" w="9525">
+                  <a14:hiddenLine xmlns="" xmlns:a14="http://schemas.microsoft.com/office/drawing/2010/main" w="9525">
                     <a:solidFill>
                       <a:srgbClr val="000000"/>
                     </a:solidFill>
@@ -10433,7 +10441,7 @@
               </a:ln>
               <a:extLst>
                 <a:ext uri="{91240B29-F687-4f45-9708-019B960494DF}">
-                  <a14:hiddenLine xmlns:a14="http://schemas.microsoft.com/office/drawing/2010/main" xmlns="" w="9525">
+                  <a14:hiddenLine xmlns="" xmlns:a14="http://schemas.microsoft.com/office/drawing/2010/main" w="9525">
                     <a:solidFill>
                       <a:srgbClr val="000000"/>
                     </a:solidFill>
@@ -10495,7 +10503,7 @@
               </a:ln>
               <a:extLst>
                 <a:ext uri="{91240B29-F687-4f45-9708-019B960494DF}">
-                  <a14:hiddenLine xmlns:a14="http://schemas.microsoft.com/office/drawing/2010/main" xmlns="" w="9525">
+                  <a14:hiddenLine xmlns="" xmlns:a14="http://schemas.microsoft.com/office/drawing/2010/main" w="9525">
                     <a:solidFill>
                       <a:srgbClr val="000000"/>
                     </a:solidFill>
@@ -10585,7 +10593,7 @@
               </a:ln>
               <a:extLst>
                 <a:ext uri="{91240B29-F687-4f45-9708-019B960494DF}">
-                  <a14:hiddenLine xmlns:a14="http://schemas.microsoft.com/office/drawing/2010/main" xmlns="" w="9525">
+                  <a14:hiddenLine xmlns="" xmlns:a14="http://schemas.microsoft.com/office/drawing/2010/main" w="9525">
                     <a:solidFill>
                       <a:srgbClr val="000000"/>
                     </a:solidFill>
@@ -10650,7 +10658,7 @@
               </a:ln>
               <a:extLst>
                 <a:ext uri="{91240B29-F687-4f45-9708-019B960494DF}">
-                  <a14:hiddenLine xmlns:a14="http://schemas.microsoft.com/office/drawing/2010/main" xmlns="" w="9525">
+                  <a14:hiddenLine xmlns="" xmlns:a14="http://schemas.microsoft.com/office/drawing/2010/main" w="9525">
                     <a:solidFill>
                       <a:srgbClr val="000000"/>
                     </a:solidFill>
@@ -10712,7 +10720,7 @@
               </a:ln>
               <a:extLst>
                 <a:ext uri="{91240B29-F687-4f45-9708-019B960494DF}">
-                  <a14:hiddenLine xmlns:a14="http://schemas.microsoft.com/office/drawing/2010/main" xmlns="" w="9525">
+                  <a14:hiddenLine xmlns="" xmlns:a14="http://schemas.microsoft.com/office/drawing/2010/main" w="9525">
                     <a:solidFill>
                       <a:srgbClr val="000000"/>
                     </a:solidFill>
@@ -10802,7 +10810,7 @@
               </a:ln>
               <a:extLst>
                 <a:ext uri="{91240B29-F687-4f45-9708-019B960494DF}">
-                  <a14:hiddenLine xmlns:a14="http://schemas.microsoft.com/office/drawing/2010/main" xmlns="" w="9525">
+                  <a14:hiddenLine xmlns="" xmlns:a14="http://schemas.microsoft.com/office/drawing/2010/main" w="9525">
                     <a:solidFill>
                       <a:srgbClr val="000000"/>
                     </a:solidFill>
@@ -10892,7 +10900,7 @@
               </a:ln>
               <a:extLst>
                 <a:ext uri="{91240B29-F687-4f45-9708-019B960494DF}">
-                  <a14:hiddenLine xmlns:a14="http://schemas.microsoft.com/office/drawing/2010/main" xmlns="" w="9525">
+                  <a14:hiddenLine xmlns="" xmlns:a14="http://schemas.microsoft.com/office/drawing/2010/main" w="9525">
                     <a:solidFill>
                       <a:srgbClr val="000000"/>
                     </a:solidFill>
@@ -10957,7 +10965,7 @@
               </a:ln>
               <a:extLst>
                 <a:ext uri="{91240B29-F687-4f45-9708-019B960494DF}">
-                  <a14:hiddenLine xmlns:a14="http://schemas.microsoft.com/office/drawing/2010/main" xmlns="" w="9525">
+                  <a14:hiddenLine xmlns="" xmlns:a14="http://schemas.microsoft.com/office/drawing/2010/main" w="9525">
                     <a:solidFill>
                       <a:srgbClr val="000000"/>
                     </a:solidFill>
@@ -11077,7 +11085,7 @@
               </a:ln>
               <a:extLst>
                 <a:ext uri="{91240B29-F687-4f45-9708-019B960494DF}">
-                  <a14:hiddenLine xmlns:a14="http://schemas.microsoft.com/office/drawing/2010/main" xmlns="" w="9525">
+                  <a14:hiddenLine xmlns="" xmlns:a14="http://schemas.microsoft.com/office/drawing/2010/main" w="9525">
                     <a:solidFill>
                       <a:srgbClr val="000000"/>
                     </a:solidFill>
@@ -11158,7 +11166,7 @@
               </a:ln>
               <a:extLst>
                 <a:ext uri="{91240B29-F687-4f45-9708-019B960494DF}">
-                  <a14:hiddenLine xmlns:a14="http://schemas.microsoft.com/office/drawing/2010/main" xmlns="" w="9525">
+                  <a14:hiddenLine xmlns="" xmlns:a14="http://schemas.microsoft.com/office/drawing/2010/main" w="9525">
                     <a:solidFill>
                       <a:srgbClr val="000000"/>
                     </a:solidFill>
@@ -11273,7 +11281,7 @@
               </a:ln>
               <a:extLst>
                 <a:ext uri="{91240B29-F687-4f45-9708-019B960494DF}">
-                  <a14:hiddenLine xmlns:a14="http://schemas.microsoft.com/office/drawing/2010/main" xmlns="" w="9525">
+                  <a14:hiddenLine xmlns="" xmlns:a14="http://schemas.microsoft.com/office/drawing/2010/main" w="9525">
                     <a:solidFill>
                       <a:srgbClr val="000000"/>
                     </a:solidFill>
@@ -11363,7 +11371,7 @@
               </a:ln>
               <a:extLst>
                 <a:ext uri="{91240B29-F687-4f45-9708-019B960494DF}">
-                  <a14:hiddenLine xmlns:a14="http://schemas.microsoft.com/office/drawing/2010/main" xmlns="" w="9525">
+                  <a14:hiddenLine xmlns="" xmlns:a14="http://schemas.microsoft.com/office/drawing/2010/main" w="9525">
                     <a:solidFill>
                       <a:srgbClr val="000000"/>
                     </a:solidFill>
@@ -11428,7 +11436,7 @@
               </a:ln>
               <a:extLst>
                 <a:ext uri="{91240B29-F687-4f45-9708-019B960494DF}">
-                  <a14:hiddenLine xmlns:a14="http://schemas.microsoft.com/office/drawing/2010/main" xmlns="" w="9525">
+                  <a14:hiddenLine xmlns="" xmlns:a14="http://schemas.microsoft.com/office/drawing/2010/main" w="9525">
                     <a:solidFill>
                       <a:srgbClr val="000000"/>
                     </a:solidFill>
@@ -11518,7 +11526,7 @@
               </a:ln>
               <a:extLst>
                 <a:ext uri="{91240B29-F687-4f45-9708-019B960494DF}">
-                  <a14:hiddenLine xmlns:a14="http://schemas.microsoft.com/office/drawing/2010/main" xmlns="" w="9525">
+                  <a14:hiddenLine xmlns="" xmlns:a14="http://schemas.microsoft.com/office/drawing/2010/main" w="9525">
                     <a:solidFill>
                       <a:srgbClr val="000000"/>
                     </a:solidFill>
@@ -11586,7 +11594,7 @@
               </a:ln>
               <a:extLst>
                 <a:ext uri="{91240B29-F687-4f45-9708-019B960494DF}">
-                  <a14:hiddenLine xmlns:a14="http://schemas.microsoft.com/office/drawing/2010/main" xmlns="" w="9525">
+                  <a14:hiddenLine xmlns="" xmlns:a14="http://schemas.microsoft.com/office/drawing/2010/main" w="9525">
                     <a:solidFill>
                       <a:srgbClr val="000000"/>
                     </a:solidFill>
@@ -11676,7 +11684,7 @@
               </a:ln>
               <a:extLst>
                 <a:ext uri="{91240B29-F687-4f45-9708-019B960494DF}">
-                  <a14:hiddenLine xmlns:a14="http://schemas.microsoft.com/office/drawing/2010/main" xmlns="" w="9525">
+                  <a14:hiddenLine xmlns="" xmlns:a14="http://schemas.microsoft.com/office/drawing/2010/main" w="9525">
                     <a:solidFill>
                       <a:srgbClr val="000000"/>
                     </a:solidFill>
@@ -11744,7 +11752,7 @@
               </a:ln>
               <a:extLst>
                 <a:ext uri="{91240B29-F687-4f45-9708-019B960494DF}">
-                  <a14:hiddenLine xmlns:a14="http://schemas.microsoft.com/office/drawing/2010/main" xmlns="" w="9525">
+                  <a14:hiddenLine xmlns="" xmlns:a14="http://schemas.microsoft.com/office/drawing/2010/main" w="9525">
                     <a:solidFill>
                       <a:srgbClr val="000000"/>
                     </a:solidFill>
@@ -11834,7 +11842,7 @@
               </a:ln>
               <a:extLst>
                 <a:ext uri="{91240B29-F687-4f45-9708-019B960494DF}">
-                  <a14:hiddenLine xmlns:a14="http://schemas.microsoft.com/office/drawing/2010/main" xmlns="" w="9525">
+                  <a14:hiddenLine xmlns="" xmlns:a14="http://schemas.microsoft.com/office/drawing/2010/main" w="9525">
                     <a:solidFill>
                       <a:srgbClr val="000000"/>
                     </a:solidFill>
@@ -11868,7 +11876,7 @@
               </a:ln>
               <a:extLst>
                 <a:ext uri="{91240B29-F687-4f45-9708-019B960494DF}">
-                  <a14:hiddenLine xmlns:a14="http://schemas.microsoft.com/office/drawing/2010/main" xmlns="" w="9525">
+                  <a14:hiddenLine xmlns="" xmlns:a14="http://schemas.microsoft.com/office/drawing/2010/main" w="9525">
                     <a:solidFill>
                       <a:srgbClr val="000000"/>
                     </a:solidFill>
@@ -12008,7 +12016,7 @@
           <a:p>
             <a:fld id="{87FDB585-DADA-4BA1-A1E3-BDF1D32E1A94}" type="datetimeFigureOut">
               <a:rPr lang="en-GB" smtClean="0"/>
-              <a:t>10/11/2014</a:t>
+              <a:t>18/05/2015</a:t>
             </a:fld>
             <a:endParaRPr lang="en-GB"/>
           </a:p>
@@ -12440,19 +12448,19 @@
         </p:nvSpPr>
         <p:spPr>
           <a:xfrm>
-            <a:off x="1744617" y="1309816"/>
-            <a:ext cx="9244659" cy="1903584"/>
+            <a:off x="1235676" y="568415"/>
+            <a:ext cx="9943069" cy="1903584"/>
           </a:xfrm>
         </p:spPr>
         <p:txBody>
           <a:bodyPr>
-            <a:normAutofit/>
+            <a:noAutofit/>
           </a:bodyPr>
           <a:lstStyle/>
           <a:p>
             <a:pPr algn="ctr"/>
             <a:r>
-              <a:rPr lang="en-US" sz="4000" dirty="0">
+              <a:rPr lang="en-US" sz="3200" b="1" dirty="0">
                 <a:effectLst>
                   <a:outerShdw blurRad="38100" dist="38100" dir="2700000" algn="tl">
                     <a:srgbClr val="000000">
@@ -12461,10 +12469,10 @@
                   </a:outerShdw>
                 </a:effectLst>
               </a:rPr>
-              <a:t>Speeding up Generalized </a:t>
-            </a:r>
-            <a:r>
-              <a:rPr lang="en-US" sz="4000" dirty="0" smtClean="0">
+              <a:t>Speeding up </a:t>
+            </a:r>
+            <a:r>
+              <a:rPr lang="en-US" sz="3200" b="1" dirty="0" smtClean="0">
                 <a:effectLst>
                   <a:outerShdw blurRad="38100" dist="38100" dir="2700000" algn="tl">
                     <a:srgbClr val="000000">
@@ -12476,7 +12484,7 @@
               <a:t/>
             </a:r>
             <a:br>
-              <a:rPr lang="en-US" sz="4000" dirty="0" smtClean="0">
+              <a:rPr lang="en-US" sz="3200" b="1" dirty="0" smtClean="0">
                 <a:effectLst>
                   <a:outerShdw blurRad="38100" dist="38100" dir="2700000" algn="tl">
                     <a:srgbClr val="000000">
@@ -12487,7 +12495,7 @@
               </a:rPr>
             </a:br>
             <a:r>
-              <a:rPr lang="en-US" sz="4000" dirty="0" smtClean="0">
+              <a:rPr lang="en-US" sz="3200" b="1" dirty="0" smtClean="0">
                 <a:effectLst>
                   <a:outerShdw blurRad="38100" dist="38100" dir="2700000" algn="tl">
                     <a:srgbClr val="000000">
@@ -12496,34 +12504,10 @@
                   </a:outerShdw>
                 </a:effectLst>
               </a:rPr>
-              <a:t>Fuzzy </a:t>
-            </a:r>
-            <a:r>
-              <a:rPr lang="en-US" sz="4000" dirty="0">
-                <a:effectLst>
-                  <a:outerShdw blurRad="38100" dist="38100" dir="2700000" algn="tl">
-                    <a:srgbClr val="000000">
-                      <a:alpha val="43137"/>
-                    </a:srgbClr>
-                  </a:outerShdw>
-                </a:effectLst>
-              </a:rPr>
-              <a:t>k-Means </a:t>
-            </a:r>
-            <a:r>
-              <a:rPr lang="en-US" sz="4000" dirty="0" smtClean="0">
-                <a:effectLst>
-                  <a:outerShdw blurRad="38100" dist="38100" dir="2700000" algn="tl">
-                    <a:srgbClr val="000000">
-                      <a:alpha val="43137"/>
-                    </a:srgbClr>
-                  </a:outerShdw>
-                </a:effectLst>
-              </a:rPr>
-              <a:t>Clustering Algorithm </a:t>
+              <a:t>Generalized Fuzzy k-Means Clustering </a:t>
             </a:r>
             <a:br>
-              <a:rPr lang="en-US" sz="4000" dirty="0" smtClean="0">
+              <a:rPr lang="en-US" sz="3200" b="1" dirty="0" smtClean="0">
                 <a:effectLst>
                   <a:outerShdw blurRad="38100" dist="38100" dir="2700000" algn="tl">
                     <a:srgbClr val="000000">
@@ -12534,7 +12518,30 @@
               </a:rPr>
             </a:br>
             <a:r>
-              <a:rPr lang="en-US" sz="4000" dirty="0" smtClean="0">
+              <a:rPr lang="en-GB" sz="3200" b="1" dirty="0" smtClean="0"/>
+              <a:t>Using </a:t>
+            </a:r>
+            <a:r>
+              <a:rPr lang="en-GB" sz="3200" b="1" dirty="0"/>
+              <a:t>m Nearest Cluster </a:t>
+            </a:r>
+            <a:r>
+              <a:rPr lang="en-GB" sz="3200" b="1" dirty="0" err="1" smtClean="0"/>
+              <a:t>CenterS</a:t>
+            </a:r>
+            <a:r>
+              <a:rPr lang="en-GB" sz="3200" b="1" dirty="0" smtClean="0"/>
+              <a:t/>
+            </a:r>
+            <a:br>
+              <a:rPr lang="en-GB" sz="3200" b="1" dirty="0" smtClean="0"/>
+            </a:br>
+            <a:r>
+              <a:rPr lang="en-GB" sz="3200" b="1" dirty="0" smtClean="0"/>
+              <a:t>Algorithm </a:t>
+            </a:r>
+            <a:r>
+              <a:rPr lang="en-US" sz="3200" b="1" dirty="0" smtClean="0">
                 <a:effectLst>
                   <a:outerShdw blurRad="38100" dist="38100" dir="2700000" algn="tl">
                     <a:srgbClr val="000000">
@@ -12543,21 +12550,9 @@
                   </a:outerShdw>
                 </a:effectLst>
               </a:rPr>
-              <a:t>by </a:t>
-            </a:r>
-            <a:r>
-              <a:rPr lang="en-US" sz="4000" dirty="0">
-                <a:effectLst>
-                  <a:outerShdw blurRad="38100" dist="38100" dir="2700000" algn="tl">
-                    <a:srgbClr val="000000">
-                      <a:alpha val="43137"/>
-                    </a:srgbClr>
-                  </a:outerShdw>
-                </a:effectLst>
-              </a:rPr>
-              <a:t>GPUs</a:t>
-            </a:r>
-            <a:endParaRPr lang="en-GB" sz="4000" dirty="0">
+              <a:t>on GPU</a:t>
+            </a:r>
+            <a:endParaRPr lang="en-GB" sz="3200" b="1" dirty="0">
               <a:effectLst>
                 <a:outerShdw blurRad="38100" dist="38100" dir="2700000" algn="tl">
                   <a:srgbClr val="000000">
@@ -12581,8 +12576,8 @@
         </p:nvSpPr>
         <p:spPr>
           <a:xfrm>
-            <a:off x="1876424" y="3338427"/>
-            <a:ext cx="9112852" cy="1678416"/>
+            <a:off x="1960605" y="4359919"/>
+            <a:ext cx="8592065" cy="1678416"/>
           </a:xfrm>
         </p:spPr>
         <p:txBody>
@@ -12604,8 +12599,45 @@
                   </a:schemeClr>
                 </a:solidFill>
               </a:rPr>
-              <a:t>DINH TRUNG VU</a:t>
-            </a:r>
+              <a:t>DINH-TRUNG VU (</a:t>
+            </a:r>
+            <a:r>
+              <a:rPr lang="zh-TW" altLang="en-US" sz="2100" b="1" dirty="0">
+                <a:solidFill>
+                  <a:schemeClr val="tx1">
+                    <a:lumMod val="85000"/>
+                  </a:schemeClr>
+                </a:solidFill>
+              </a:rPr>
+              <a:t>武亭</a:t>
+            </a:r>
+            <a:r>
+              <a:rPr lang="zh-TW" altLang="en-US" sz="2100" b="1" dirty="0">
+                <a:solidFill>
+                  <a:schemeClr val="tx1">
+                    <a:lumMod val="85000"/>
+                  </a:schemeClr>
+                </a:solidFill>
+              </a:rPr>
+              <a:t>忠</a:t>
+            </a:r>
+            <a:r>
+              <a:rPr lang="en-US" altLang="zh-TW" sz="2100" b="1" dirty="0">
+                <a:solidFill>
+                  <a:schemeClr val="tx1">
+                    <a:lumMod val="85000"/>
+                  </a:schemeClr>
+                </a:solidFill>
+              </a:rPr>
+              <a:t>)</a:t>
+            </a:r>
+            <a:endParaRPr lang="en-US" sz="2100" b="1" dirty="0">
+              <a:solidFill>
+                <a:schemeClr val="tx1">
+                  <a:lumMod val="85000"/>
+                </a:schemeClr>
+              </a:solidFill>
+            </a:endParaRPr>
           </a:p>
           <a:p>
             <a:pPr algn="ctr">
@@ -12700,6 +12732,353 @@
                   <a:lumMod val="85000"/>
                 </a:schemeClr>
               </a:solidFill>
+            </a:endParaRPr>
+          </a:p>
+        </p:txBody>
+      </p:sp>
+      <p:sp>
+        <p:nvSpPr>
+          <p:cNvPr id="4" name="Subtitle 2"/>
+          <p:cNvSpPr txBox="1">
+            <a:spLocks/>
+          </p:cNvSpPr>
+          <p:nvPr/>
+        </p:nvSpPr>
+        <p:spPr>
+          <a:xfrm>
+            <a:off x="1960605" y="2679723"/>
+            <a:ext cx="8592065" cy="1035543"/>
+          </a:xfrm>
+          <a:prstGeom prst="rect">
+            <a:avLst/>
+          </a:prstGeom>
+        </p:spPr>
+        <p:txBody>
+          <a:bodyPr vert="horz" lIns="91440" tIns="45720" rIns="91440" bIns="45720" rtlCol="0">
+            <a:normAutofit/>
+          </a:bodyPr>
+          <a:lstStyle>
+            <a:lvl1pPr marL="0" indent="0" algn="l" defTabSz="914400" rtl="0" eaLnBrk="1" latinLnBrk="0" hangingPunct="1">
+              <a:lnSpc>
+                <a:spcPct val="120000"/>
+              </a:lnSpc>
+              <a:spcBef>
+                <a:spcPts val="1000"/>
+              </a:spcBef>
+              <a:buSzPct val="125000"/>
+              <a:buFont typeface="Arial" panose="020B0604020202020204" pitchFamily="34" charset="0"/>
+              <a:buNone/>
+              <a:defRPr sz="2000" kern="1200" cap="all" baseline="0">
+                <a:solidFill>
+                  <a:schemeClr val="tx2"/>
+                </a:solidFill>
+                <a:latin typeface="+mn-lt"/>
+                <a:ea typeface="+mn-ea"/>
+                <a:cs typeface="+mn-cs"/>
+              </a:defRPr>
+            </a:lvl1pPr>
+            <a:lvl2pPr marL="457200" indent="0" algn="ctr" defTabSz="914400" rtl="0" eaLnBrk="1" latinLnBrk="0" hangingPunct="1">
+              <a:lnSpc>
+                <a:spcPct val="120000"/>
+              </a:lnSpc>
+              <a:spcBef>
+                <a:spcPts val="500"/>
+              </a:spcBef>
+              <a:buSzPct val="125000"/>
+              <a:buFont typeface="Arial" panose="020B0604020202020204" pitchFamily="34" charset="0"/>
+              <a:buNone/>
+              <a:defRPr sz="2000" kern="1200">
+                <a:solidFill>
+                  <a:schemeClr val="tx1"/>
+                </a:solidFill>
+                <a:latin typeface="+mn-lt"/>
+                <a:ea typeface="+mn-ea"/>
+                <a:cs typeface="+mn-cs"/>
+              </a:defRPr>
+            </a:lvl2pPr>
+            <a:lvl3pPr marL="914400" indent="0" algn="ctr" defTabSz="914400" rtl="0" eaLnBrk="1" latinLnBrk="0" hangingPunct="1">
+              <a:lnSpc>
+                <a:spcPct val="120000"/>
+              </a:lnSpc>
+              <a:spcBef>
+                <a:spcPts val="500"/>
+              </a:spcBef>
+              <a:buSzPct val="125000"/>
+              <a:buFont typeface="Arial" panose="020B0604020202020204" pitchFamily="34" charset="0"/>
+              <a:buNone/>
+              <a:defRPr sz="1800" kern="1200">
+                <a:solidFill>
+                  <a:schemeClr val="tx1"/>
+                </a:solidFill>
+                <a:latin typeface="+mn-lt"/>
+                <a:ea typeface="+mn-ea"/>
+                <a:cs typeface="+mn-cs"/>
+              </a:defRPr>
+            </a:lvl3pPr>
+            <a:lvl4pPr marL="1371600" indent="0" algn="ctr" defTabSz="914400" rtl="0" eaLnBrk="1" latinLnBrk="0" hangingPunct="1">
+              <a:lnSpc>
+                <a:spcPct val="120000"/>
+              </a:lnSpc>
+              <a:spcBef>
+                <a:spcPts val="500"/>
+              </a:spcBef>
+              <a:buSzPct val="125000"/>
+              <a:buFont typeface="Arial" panose="020B0604020202020204" pitchFamily="34" charset="0"/>
+              <a:buNone/>
+              <a:defRPr sz="1600" kern="1200">
+                <a:solidFill>
+                  <a:schemeClr val="tx1"/>
+                </a:solidFill>
+                <a:latin typeface="+mn-lt"/>
+                <a:ea typeface="+mn-ea"/>
+                <a:cs typeface="+mn-cs"/>
+              </a:defRPr>
+            </a:lvl4pPr>
+            <a:lvl5pPr marL="1828800" indent="0" algn="ctr" defTabSz="914400" rtl="0" eaLnBrk="1" latinLnBrk="0" hangingPunct="1">
+              <a:lnSpc>
+                <a:spcPct val="120000"/>
+              </a:lnSpc>
+              <a:spcBef>
+                <a:spcPts val="500"/>
+              </a:spcBef>
+              <a:buSzPct val="125000"/>
+              <a:buFont typeface="Arial" panose="020B0604020202020204" pitchFamily="34" charset="0"/>
+              <a:buNone/>
+              <a:defRPr sz="1600" kern="1200">
+                <a:solidFill>
+                  <a:schemeClr val="tx1"/>
+                </a:solidFill>
+                <a:latin typeface="+mn-lt"/>
+                <a:ea typeface="+mn-ea"/>
+                <a:cs typeface="+mn-cs"/>
+              </a:defRPr>
+            </a:lvl5pPr>
+            <a:lvl6pPr marL="2286000" indent="0" algn="ctr" defTabSz="914400" rtl="0" eaLnBrk="1" latinLnBrk="0" hangingPunct="1">
+              <a:lnSpc>
+                <a:spcPct val="120000"/>
+              </a:lnSpc>
+              <a:spcBef>
+                <a:spcPts val="500"/>
+              </a:spcBef>
+              <a:buSzPct val="125000"/>
+              <a:buFont typeface="Arial" panose="020B0604020202020204" pitchFamily="34" charset="0"/>
+              <a:buNone/>
+              <a:defRPr sz="1600" kern="1200">
+                <a:solidFill>
+                  <a:schemeClr val="tx1"/>
+                </a:solidFill>
+                <a:latin typeface="+mn-lt"/>
+                <a:ea typeface="+mn-ea"/>
+                <a:cs typeface="+mn-cs"/>
+              </a:defRPr>
+            </a:lvl6pPr>
+            <a:lvl7pPr marL="2743200" indent="0" algn="ctr" defTabSz="914400" rtl="0" eaLnBrk="1" latinLnBrk="0" hangingPunct="1">
+              <a:lnSpc>
+                <a:spcPct val="120000"/>
+              </a:lnSpc>
+              <a:spcBef>
+                <a:spcPts val="500"/>
+              </a:spcBef>
+              <a:buSzPct val="125000"/>
+              <a:buFont typeface="Arial" panose="020B0604020202020204" pitchFamily="34" charset="0"/>
+              <a:buNone/>
+              <a:defRPr sz="1600" kern="1200">
+                <a:solidFill>
+                  <a:schemeClr val="tx1"/>
+                </a:solidFill>
+                <a:latin typeface="+mn-lt"/>
+                <a:ea typeface="+mn-ea"/>
+                <a:cs typeface="+mn-cs"/>
+              </a:defRPr>
+            </a:lvl7pPr>
+            <a:lvl8pPr marL="3200400" indent="0" algn="ctr" defTabSz="914400" rtl="0" eaLnBrk="1" latinLnBrk="0" hangingPunct="1">
+              <a:lnSpc>
+                <a:spcPct val="120000"/>
+              </a:lnSpc>
+              <a:spcBef>
+                <a:spcPts val="500"/>
+              </a:spcBef>
+              <a:buSzPct val="125000"/>
+              <a:buFont typeface="Arial" panose="020B0604020202020204" pitchFamily="34" charset="0"/>
+              <a:buNone/>
+              <a:defRPr sz="1600" kern="1200">
+                <a:solidFill>
+                  <a:schemeClr val="tx1"/>
+                </a:solidFill>
+                <a:latin typeface="+mn-lt"/>
+                <a:ea typeface="+mn-ea"/>
+                <a:cs typeface="+mn-cs"/>
+              </a:defRPr>
+            </a:lvl8pPr>
+            <a:lvl9pPr marL="3657600" indent="0" algn="ctr" defTabSz="914400" rtl="0" eaLnBrk="1" latinLnBrk="0" hangingPunct="1">
+              <a:lnSpc>
+                <a:spcPct val="120000"/>
+              </a:lnSpc>
+              <a:spcBef>
+                <a:spcPts val="500"/>
+              </a:spcBef>
+              <a:buSzPct val="125000"/>
+              <a:buFont typeface="Arial" panose="020B0604020202020204" pitchFamily="34" charset="0"/>
+              <a:buNone/>
+              <a:defRPr sz="1600" kern="1200">
+                <a:solidFill>
+                  <a:schemeClr val="tx1"/>
+                </a:solidFill>
+                <a:latin typeface="+mn-lt"/>
+                <a:ea typeface="+mn-ea"/>
+                <a:cs typeface="+mn-cs"/>
+              </a:defRPr>
+            </a:lvl9pPr>
+          </a:lstStyle>
+          <a:p>
+            <a:pPr algn="ctr">
+              <a:lnSpc>
+                <a:spcPct val="90000"/>
+              </a:lnSpc>
+              <a:spcBef>
+                <a:spcPct val="0"/>
+              </a:spcBef>
+            </a:pPr>
+            <a:r>
+              <a:rPr lang="zh-TW" altLang="en-US" sz="3200" b="1" dirty="0">
+                <a:solidFill>
+                  <a:schemeClr val="tx1"/>
+                </a:solidFill>
+                <a:effectLst>
+                  <a:outerShdw blurRad="38100" dist="38100" dir="2700000" algn="tl">
+                    <a:srgbClr val="000000">
+                      <a:alpha val="43137"/>
+                    </a:srgbClr>
+                  </a:outerShdw>
+                </a:effectLst>
+                <a:latin typeface="+mj-lt"/>
+                <a:ea typeface="+mj-ea"/>
+                <a:cs typeface="+mj-cs"/>
+              </a:rPr>
+              <a:t>利用</a:t>
+            </a:r>
+            <a:r>
+              <a:rPr lang="en-GB" sz="3200" b="1" dirty="0">
+                <a:solidFill>
+                  <a:schemeClr val="tx1"/>
+                </a:solidFill>
+                <a:effectLst>
+                  <a:outerShdw blurRad="38100" dist="38100" dir="2700000" algn="tl">
+                    <a:srgbClr val="000000">
+                      <a:alpha val="43137"/>
+                    </a:srgbClr>
+                  </a:outerShdw>
+                </a:effectLst>
+                <a:latin typeface="+mj-lt"/>
+                <a:ea typeface="+mj-ea"/>
+                <a:cs typeface="+mj-cs"/>
+              </a:rPr>
+              <a:t>GPU</a:t>
+            </a:r>
+            <a:r>
+              <a:rPr lang="zh-TW" altLang="en-US" sz="3200" b="1" dirty="0">
+                <a:solidFill>
+                  <a:schemeClr val="tx1"/>
+                </a:solidFill>
+                <a:effectLst>
+                  <a:outerShdw blurRad="38100" dist="38100" dir="2700000" algn="tl">
+                    <a:srgbClr val="000000">
+                      <a:alpha val="43137"/>
+                    </a:srgbClr>
+                  </a:outerShdw>
+                </a:effectLst>
+                <a:latin typeface="+mj-lt"/>
+                <a:ea typeface="+mj-ea"/>
+                <a:cs typeface="+mj-cs"/>
+              </a:rPr>
+              <a:t>及</a:t>
+            </a:r>
+            <a:r>
+              <a:rPr lang="en-GB" sz="3200" b="1" dirty="0">
+                <a:solidFill>
+                  <a:schemeClr val="tx1"/>
+                </a:solidFill>
+                <a:effectLst>
+                  <a:outerShdw blurRad="38100" dist="38100" dir="2700000" algn="tl">
+                    <a:srgbClr val="000000">
+                      <a:alpha val="43137"/>
+                    </a:srgbClr>
+                  </a:outerShdw>
+                </a:effectLst>
+                <a:latin typeface="+mj-lt"/>
+                <a:ea typeface="+mj-ea"/>
+                <a:cs typeface="+mj-cs"/>
+              </a:rPr>
+              <a:t>m</a:t>
+            </a:r>
+            <a:r>
+              <a:rPr lang="zh-TW" altLang="en-US" sz="3200" b="1" dirty="0">
+                <a:solidFill>
+                  <a:schemeClr val="tx1"/>
+                </a:solidFill>
+                <a:effectLst>
+                  <a:outerShdw blurRad="38100" dist="38100" dir="2700000" algn="tl">
+                    <a:srgbClr val="000000">
+                      <a:alpha val="43137"/>
+                    </a:srgbClr>
+                  </a:outerShdw>
+                </a:effectLst>
+                <a:latin typeface="+mj-lt"/>
+                <a:ea typeface="+mj-ea"/>
+                <a:cs typeface="+mj-cs"/>
+              </a:rPr>
+              <a:t>最近群中心加速廣義模糊</a:t>
+            </a:r>
+            <a:r>
+              <a:rPr lang="en-GB" sz="3200" b="1" dirty="0">
+                <a:solidFill>
+                  <a:schemeClr val="tx1"/>
+                </a:solidFill>
+                <a:effectLst>
+                  <a:outerShdw blurRad="38100" dist="38100" dir="2700000" algn="tl">
+                    <a:srgbClr val="000000">
+                      <a:alpha val="43137"/>
+                    </a:srgbClr>
+                  </a:outerShdw>
+                </a:effectLst>
+                <a:latin typeface="+mj-lt"/>
+                <a:ea typeface="+mj-ea"/>
+                <a:cs typeface="+mj-cs"/>
+              </a:rPr>
+              <a:t>k</a:t>
+            </a:r>
+            <a:r>
+              <a:rPr lang="zh-TW" altLang="en-US" sz="3200" b="1" dirty="0">
+                <a:solidFill>
+                  <a:schemeClr val="tx1"/>
+                </a:solidFill>
+                <a:effectLst>
+                  <a:outerShdw blurRad="38100" dist="38100" dir="2700000" algn="tl">
+                    <a:srgbClr val="000000">
+                      <a:alpha val="43137"/>
+                    </a:srgbClr>
+                  </a:outerShdw>
+                </a:effectLst>
+                <a:latin typeface="+mj-lt"/>
+                <a:ea typeface="+mj-ea"/>
+                <a:cs typeface="+mj-cs"/>
+              </a:rPr>
+              <a:t>均值分群演算法</a:t>
+            </a:r>
+            <a:endParaRPr lang="en-US" sz="3200" b="1" dirty="0">
+              <a:solidFill>
+                <a:schemeClr val="tx1"/>
+              </a:solidFill>
+              <a:effectLst>
+                <a:outerShdw blurRad="38100" dist="38100" dir="2700000" algn="tl">
+                  <a:srgbClr val="000000">
+                    <a:alpha val="43137"/>
+                  </a:srgbClr>
+                </a:outerShdw>
+              </a:effectLst>
+              <a:latin typeface="+mj-lt"/>
+              <a:ea typeface="+mj-ea"/>
+              <a:cs typeface="+mj-cs"/>
             </a:endParaRPr>
           </a:p>
         </p:txBody>
@@ -12714,6 +13093,13 @@
   <p:clrMapOvr>
     <a:masterClrMapping/>
   </p:clrMapOvr>
+  <p:timing>
+    <p:tnLst>
+      <p:par>
+        <p:cTn id="1" dur="indefinite" restart="never" nodeType="tmRoot"/>
+      </p:par>
+    </p:tnLst>
+  </p:timing>
 </p:sld>
 </file>
 
@@ -12749,6 +13135,18 @@
           <a:bodyPr/>
           <a:lstStyle/>
           <a:p>
+            <a:pPr algn="ctr"/>
+            <a:r>
+              <a:rPr lang="en-GB" b="1" dirty="0"/>
+              <a:t>ABSTRACT</a:t>
+            </a:r>
+            <a:r>
+              <a:rPr lang="en-US" dirty="0"/>
+              <a:t/>
+            </a:r>
+            <a:br>
+              <a:rPr lang="en-US" dirty="0"/>
+            </a:br>
             <a:endParaRPr lang="en-GB" dirty="0"/>
           </a:p>
         </p:txBody>
@@ -12768,6 +13166,70 @@
           <a:bodyPr/>
           <a:lstStyle/>
           <a:p>
+            <a:pPr algn="just"/>
+            <a:r>
+              <a:rPr lang="en-GB" dirty="0" smtClean="0"/>
+              <a:t>This </a:t>
+            </a:r>
+            <a:r>
+              <a:rPr lang="en-GB" dirty="0"/>
+              <a:t>project </a:t>
+            </a:r>
+            <a:r>
+              <a:rPr lang="en-GB" dirty="0" smtClean="0"/>
+              <a:t>will </a:t>
+            </a:r>
+            <a:r>
+              <a:rPr lang="en-GB" dirty="0"/>
+              <a:t>implement </a:t>
+            </a:r>
+            <a:r>
+              <a:rPr lang="en-GB" dirty="0" smtClean="0"/>
+              <a:t>Generalized </a:t>
+            </a:r>
+            <a:r>
+              <a:rPr lang="en-GB" dirty="0"/>
+              <a:t>Fuzzy k-Means Clustering Using m </a:t>
+            </a:r>
+            <a:r>
+              <a:rPr lang="en-GB" dirty="0" smtClean="0"/>
+              <a:t>Nearest Cluster </a:t>
+            </a:r>
+            <a:r>
+              <a:rPr lang="en-GB" dirty="0" err="1"/>
+              <a:t>Centers</a:t>
+            </a:r>
+            <a:r>
+              <a:rPr lang="en-GB" dirty="0"/>
+              <a:t> (GFKM</a:t>
+            </a:r>
+            <a:r>
+              <a:rPr lang="en-GB" dirty="0" smtClean="0"/>
+              <a:t>), </a:t>
+            </a:r>
+            <a:r>
+              <a:rPr lang="en-GB" dirty="0"/>
+              <a:t>on a </a:t>
+            </a:r>
+            <a:r>
+              <a:rPr lang="en-GB" dirty="0" smtClean="0"/>
+              <a:t>GPU.</a:t>
+            </a:r>
+          </a:p>
+          <a:p>
+            <a:pPr algn="just"/>
+            <a:r>
+              <a:rPr lang="en-GB" dirty="0"/>
+              <a:t>Our experimental results show that our GPU-based </a:t>
+            </a:r>
+            <a:r>
+              <a:rPr lang="en-GB" dirty="0" smtClean="0"/>
+              <a:t>GFKM or parallel GFKM (PGFKM) </a:t>
+            </a:r>
+            <a:r>
+              <a:rPr lang="en-GB" dirty="0"/>
+              <a:t>algorithms are about three to eighteen times faster than the optimized CPU code-based GFKM algorithms.</a:t>
+            </a:r>
             <a:endParaRPr lang="en-GB" dirty="0"/>
           </a:p>
         </p:txBody>
@@ -12782,6 +13244,1297 @@
   <p:clrMapOvr>
     <a:masterClrMapping/>
   </p:clrMapOvr>
+  <p:timing>
+    <p:tnLst>
+      <p:par>
+        <p:cTn id="1" dur="indefinite" restart="never" nodeType="tmRoot"/>
+      </p:par>
+    </p:tnLst>
+  </p:timing>
+</p:sld>
+</file>
+
+<file path=ppt/slides/slide3.xml><?xml version="1.0" encoding="utf-8"?>
+<p:sld xmlns:a="http://schemas.openxmlformats.org/drawingml/2006/main" xmlns:r="http://schemas.openxmlformats.org/officeDocument/2006/relationships" xmlns:p="http://schemas.openxmlformats.org/presentationml/2006/main">
+  <p:cSld>
+    <p:spTree>
+      <p:nvGrpSpPr>
+        <p:cNvPr id="1" name=""/>
+        <p:cNvGrpSpPr/>
+        <p:nvPr/>
+      </p:nvGrpSpPr>
+      <p:grpSpPr>
+        <a:xfrm>
+          <a:off x="0" y="0"/>
+          <a:ext cx="0" cy="0"/>
+          <a:chOff x="0" y="0"/>
+          <a:chExt cx="0" cy="0"/>
+        </a:xfrm>
+      </p:grpSpPr>
+      <p:sp>
+        <p:nvSpPr>
+          <p:cNvPr id="2" name="Title 1"/>
+          <p:cNvSpPr>
+            <a:spLocks noGrp="1"/>
+          </p:cNvSpPr>
+          <p:nvPr>
+            <p:ph type="title"/>
+          </p:nvPr>
+        </p:nvSpPr>
+        <p:spPr/>
+        <p:txBody>
+          <a:bodyPr/>
+          <a:lstStyle/>
+          <a:p>
+            <a:pPr algn="ctr"/>
+            <a:r>
+              <a:rPr lang="en-GB" b="1" dirty="0"/>
+              <a:t>Introduction</a:t>
+            </a:r>
+            <a:endParaRPr lang="en-US" dirty="0"/>
+          </a:p>
+        </p:txBody>
+      </p:sp>
+      <p:sp>
+        <p:nvSpPr>
+          <p:cNvPr id="3" name="Content Placeholder 2"/>
+          <p:cNvSpPr>
+            <a:spLocks noGrp="1"/>
+          </p:cNvSpPr>
+          <p:nvPr>
+            <p:ph idx="1"/>
+          </p:nvPr>
+        </p:nvSpPr>
+        <p:spPr/>
+        <p:txBody>
+          <a:bodyPr>
+            <a:normAutofit fontScale="92500" lnSpcReduction="10000"/>
+          </a:bodyPr>
+          <a:lstStyle/>
+          <a:p>
+            <a:pPr algn="just"/>
+            <a:r>
+              <a:rPr lang="en-GB" dirty="0"/>
+              <a:t>The GFKM </a:t>
+            </a:r>
+            <a:r>
+              <a:rPr lang="en-GB" dirty="0" smtClean="0"/>
+              <a:t>algorithm </a:t>
+            </a:r>
+            <a:r>
+              <a:rPr lang="en-GB" dirty="0"/>
+              <a:t>is developed from the fuzzy k-means clustering (FKM) </a:t>
+            </a:r>
+            <a:r>
+              <a:rPr lang="en-GB" dirty="0" smtClean="0"/>
+              <a:t>algorithm.</a:t>
+            </a:r>
+          </a:p>
+          <a:p>
+            <a:pPr algn="just"/>
+            <a:r>
+              <a:rPr lang="en-GB" dirty="0"/>
+              <a:t>The experimental results of method GFKM shown that it has the less computing time and the better clustering quality than method </a:t>
+            </a:r>
+            <a:r>
+              <a:rPr lang="en-GB" dirty="0" smtClean="0"/>
+              <a:t>FKM.</a:t>
+            </a:r>
+          </a:p>
+          <a:p>
+            <a:pPr algn="just"/>
+            <a:r>
+              <a:rPr lang="en-GB" dirty="0" smtClean="0"/>
+              <a:t>The </a:t>
+            </a:r>
+            <a:r>
+              <a:rPr lang="en-GB" dirty="0"/>
+              <a:t>running time of the GFKM algorithm </a:t>
+            </a:r>
+            <a:r>
+              <a:rPr lang="en-GB" dirty="0" smtClean="0"/>
+              <a:t>grows </a:t>
+            </a:r>
+            <a:r>
+              <a:rPr lang="en-GB" dirty="0"/>
+              <a:t>with the increase of the size and also the dimensionality of the data </a:t>
+            </a:r>
+            <a:r>
+              <a:rPr lang="en-GB" dirty="0" smtClean="0"/>
+              <a:t>set.</a:t>
+            </a:r>
+          </a:p>
+          <a:p>
+            <a:pPr algn="just"/>
+            <a:r>
+              <a:rPr lang="en-US" dirty="0"/>
+              <a:t>In our </a:t>
+            </a:r>
+            <a:r>
+              <a:rPr lang="en-US" b="1" dirty="0" smtClean="0"/>
+              <a:t>analysis, </a:t>
+            </a:r>
+            <a:r>
+              <a:rPr lang="en-US" b="1" dirty="0"/>
+              <a:t>w</a:t>
+            </a:r>
+            <a:r>
+              <a:rPr lang="en-US" dirty="0" smtClean="0"/>
+              <a:t>e </a:t>
+            </a:r>
+            <a:r>
+              <a:rPr lang="en-US" dirty="0"/>
+              <a:t>focus </a:t>
+            </a:r>
+            <a:r>
+              <a:rPr lang="en-US" dirty="0" smtClean="0"/>
+              <a:t>on an </a:t>
+            </a:r>
+            <a:r>
+              <a:rPr lang="en-US" dirty="0"/>
+              <a:t>important </a:t>
+            </a:r>
+            <a:r>
+              <a:rPr lang="en-GB" dirty="0" smtClean="0"/>
+              <a:t>factor, which</a:t>
+            </a:r>
+            <a:r>
+              <a:rPr lang="en-US" dirty="0" smtClean="0"/>
+              <a:t> is </a:t>
+            </a:r>
+            <a:r>
+              <a:rPr lang="en-GB" dirty="0" smtClean="0"/>
+              <a:t>the </a:t>
+            </a:r>
+            <a:r>
+              <a:rPr lang="en-GB" dirty="0"/>
+              <a:t>size of the data </a:t>
+            </a:r>
+            <a:r>
+              <a:rPr lang="en-GB" dirty="0" smtClean="0"/>
+              <a:t>set (number </a:t>
+            </a:r>
+            <a:r>
+              <a:rPr lang="en-GB" dirty="0"/>
+              <a:t>of data </a:t>
+            </a:r>
+            <a:r>
+              <a:rPr lang="en-GB" dirty="0" smtClean="0"/>
+              <a:t>points).</a:t>
+            </a:r>
+            <a:endParaRPr lang="en-US" dirty="0"/>
+          </a:p>
+        </p:txBody>
+      </p:sp>
+    </p:spTree>
+    <p:extLst>
+      <p:ext uri="{BB962C8B-B14F-4D97-AF65-F5344CB8AC3E}">
+        <p14:creationId xmlns:p14="http://schemas.microsoft.com/office/powerpoint/2010/main" val="1145369155"/>
+      </p:ext>
+    </p:extLst>
+  </p:cSld>
+  <p:clrMapOvr>
+    <a:masterClrMapping/>
+  </p:clrMapOvr>
+  <p:timing>
+    <p:tnLst>
+      <p:par>
+        <p:cTn id="1" dur="indefinite" restart="never" nodeType="tmRoot"/>
+      </p:par>
+    </p:tnLst>
+  </p:timing>
+</p:sld>
+</file>
+
+<file path=ppt/slides/slide4.xml><?xml version="1.0" encoding="utf-8"?>
+<p:sld xmlns:a="http://schemas.openxmlformats.org/drawingml/2006/main" xmlns:r="http://schemas.openxmlformats.org/officeDocument/2006/relationships" xmlns:p="http://schemas.openxmlformats.org/presentationml/2006/main">
+  <p:cSld>
+    <p:spTree>
+      <p:nvGrpSpPr>
+        <p:cNvPr id="1" name=""/>
+        <p:cNvGrpSpPr/>
+        <p:nvPr/>
+      </p:nvGrpSpPr>
+      <p:grpSpPr>
+        <a:xfrm>
+          <a:off x="0" y="0"/>
+          <a:ext cx="0" cy="0"/>
+          <a:chOff x="0" y="0"/>
+          <a:chExt cx="0" cy="0"/>
+        </a:xfrm>
+      </p:grpSpPr>
+      <p:sp>
+        <p:nvSpPr>
+          <p:cNvPr id="2" name="Title 1"/>
+          <p:cNvSpPr>
+            <a:spLocks noGrp="1"/>
+          </p:cNvSpPr>
+          <p:nvPr>
+            <p:ph type="title"/>
+          </p:nvPr>
+        </p:nvSpPr>
+        <p:spPr/>
+        <p:txBody>
+          <a:bodyPr/>
+          <a:lstStyle/>
+          <a:p>
+            <a:pPr algn="ctr"/>
+            <a:r>
+              <a:rPr lang="en-GB" b="1" dirty="0"/>
+              <a:t>Organization</a:t>
+            </a:r>
+            <a:endParaRPr lang="en-US" dirty="0"/>
+          </a:p>
+        </p:txBody>
+      </p:sp>
+      <p:sp>
+        <p:nvSpPr>
+          <p:cNvPr id="3" name="Content Placeholder 2"/>
+          <p:cNvSpPr>
+            <a:spLocks noGrp="1"/>
+          </p:cNvSpPr>
+          <p:nvPr>
+            <p:ph idx="1"/>
+          </p:nvPr>
+        </p:nvSpPr>
+        <p:spPr/>
+        <p:txBody>
+          <a:bodyPr/>
+          <a:lstStyle/>
+          <a:p>
+            <a:pPr marL="457200" indent="-457200">
+              <a:buFont typeface="+mj-lt"/>
+              <a:buAutoNum type="arabicPeriod"/>
+            </a:pPr>
+            <a:r>
+              <a:rPr lang="en-GB" dirty="0" smtClean="0"/>
+              <a:t>PGFKM Algorithm Model</a:t>
+            </a:r>
+          </a:p>
+          <a:p>
+            <a:pPr marL="457200" indent="-457200">
+              <a:buFont typeface="+mj-lt"/>
+              <a:buAutoNum type="arabicPeriod"/>
+            </a:pPr>
+            <a:r>
+              <a:rPr lang="en-GB" dirty="0" smtClean="0"/>
+              <a:t>Parallel Design For Updating Membership Step</a:t>
+            </a:r>
+          </a:p>
+          <a:p>
+            <a:pPr marL="457200" indent="-457200">
+              <a:buFont typeface="+mj-lt"/>
+              <a:buAutoNum type="arabicPeriod"/>
+            </a:pPr>
+            <a:r>
+              <a:rPr lang="en-GB" dirty="0"/>
+              <a:t>Parallel Design For </a:t>
+            </a:r>
+            <a:r>
+              <a:rPr lang="en-GB" dirty="0" smtClean="0"/>
+              <a:t>Calculating New Centroids Step</a:t>
+            </a:r>
+          </a:p>
+          <a:p>
+            <a:pPr marL="457200" indent="-457200">
+              <a:buFont typeface="+mj-lt"/>
+              <a:buAutoNum type="arabicPeriod"/>
+            </a:pPr>
+            <a:r>
+              <a:rPr lang="en-GB" dirty="0"/>
+              <a:t>Parallel Design For </a:t>
+            </a:r>
+            <a:r>
+              <a:rPr lang="en-GB" dirty="0" smtClean="0"/>
+              <a:t>Checking Convergence Step</a:t>
+            </a:r>
+          </a:p>
+          <a:p>
+            <a:pPr marL="457200" indent="-457200">
+              <a:buFont typeface="+mj-lt"/>
+              <a:buAutoNum type="arabicPeriod"/>
+            </a:pPr>
+            <a:r>
+              <a:rPr lang="en-GB" dirty="0" smtClean="0"/>
+              <a:t>Experimental Results.</a:t>
+            </a:r>
+          </a:p>
+          <a:p>
+            <a:pPr marL="514350" indent="-514350">
+              <a:buFont typeface="+mj-lt"/>
+              <a:buAutoNum type="romanUcPeriod"/>
+            </a:pPr>
+            <a:endParaRPr lang="en-US" dirty="0"/>
+          </a:p>
+        </p:txBody>
+      </p:sp>
+    </p:spTree>
+    <p:extLst>
+      <p:ext uri="{BB962C8B-B14F-4D97-AF65-F5344CB8AC3E}">
+        <p14:creationId xmlns:p14="http://schemas.microsoft.com/office/powerpoint/2010/main" val="1299620985"/>
+      </p:ext>
+    </p:extLst>
+  </p:cSld>
+  <p:clrMapOvr>
+    <a:masterClrMapping/>
+  </p:clrMapOvr>
+  <p:timing>
+    <p:tnLst>
+      <p:par>
+        <p:cTn id="1" dur="indefinite" restart="never" nodeType="tmRoot"/>
+      </p:par>
+    </p:tnLst>
+  </p:timing>
+</p:sld>
+</file>
+
+<file path=ppt/slides/slide5.xml><?xml version="1.0" encoding="utf-8"?>
+<p:sld xmlns:a="http://schemas.openxmlformats.org/drawingml/2006/main" xmlns:r="http://schemas.openxmlformats.org/officeDocument/2006/relationships" xmlns:p="http://schemas.openxmlformats.org/presentationml/2006/main">
+  <p:cSld>
+    <p:spTree>
+      <p:nvGrpSpPr>
+        <p:cNvPr id="1" name=""/>
+        <p:cNvGrpSpPr/>
+        <p:nvPr/>
+      </p:nvGrpSpPr>
+      <p:grpSpPr>
+        <a:xfrm>
+          <a:off x="0" y="0"/>
+          <a:ext cx="0" cy="0"/>
+          <a:chOff x="0" y="0"/>
+          <a:chExt cx="0" cy="0"/>
+        </a:xfrm>
+      </p:grpSpPr>
+      <p:sp>
+        <p:nvSpPr>
+          <p:cNvPr id="2" name="Title 1"/>
+          <p:cNvSpPr>
+            <a:spLocks noGrp="1"/>
+          </p:cNvSpPr>
+          <p:nvPr>
+            <p:ph type="title"/>
+          </p:nvPr>
+        </p:nvSpPr>
+        <p:spPr>
+          <a:xfrm>
+            <a:off x="1140076" y="74741"/>
+            <a:ext cx="9905998" cy="1478570"/>
+          </a:xfrm>
+        </p:spPr>
+        <p:txBody>
+          <a:bodyPr/>
+          <a:lstStyle/>
+          <a:p>
+            <a:pPr algn="ctr"/>
+            <a:r>
+              <a:rPr lang="en-US" dirty="0" smtClean="0"/>
+              <a:t>PGFKM MODEL</a:t>
+            </a:r>
+            <a:endParaRPr lang="en-US" dirty="0"/>
+          </a:p>
+        </p:txBody>
+      </p:sp>
+      <p:sp>
+        <p:nvSpPr>
+          <p:cNvPr id="19" name="Rectangle 18"/>
+          <p:cNvSpPr/>
+          <p:nvPr/>
+        </p:nvSpPr>
+        <p:spPr>
+          <a:xfrm>
+            <a:off x="1752877" y="1475437"/>
+            <a:ext cx="3648416" cy="4482303"/>
+          </a:xfrm>
+          <a:prstGeom prst="rect">
+            <a:avLst/>
+          </a:prstGeom>
+        </p:spPr>
+        <p:style>
+          <a:lnRef idx="1">
+            <a:schemeClr val="accent2"/>
+          </a:lnRef>
+          <a:fillRef idx="2">
+            <a:schemeClr val="accent2"/>
+          </a:fillRef>
+          <a:effectRef idx="1">
+            <a:schemeClr val="accent2"/>
+          </a:effectRef>
+          <a:fontRef idx="minor">
+            <a:schemeClr val="dk1"/>
+          </a:fontRef>
+        </p:style>
+        <p:txBody>
+          <a:bodyPr rtlCol="0" anchor="ctr"/>
+          <a:lstStyle/>
+          <a:p>
+            <a:pPr algn="ctr"/>
+            <a:endParaRPr lang="en-US" dirty="0"/>
+          </a:p>
+        </p:txBody>
+      </p:sp>
+      <p:sp>
+        <p:nvSpPr>
+          <p:cNvPr id="20" name="Rectangle 19"/>
+          <p:cNvSpPr/>
+          <p:nvPr/>
+        </p:nvSpPr>
+        <p:spPr>
+          <a:xfrm>
+            <a:off x="5791465" y="1475438"/>
+            <a:ext cx="4738277" cy="4482302"/>
+          </a:xfrm>
+          <a:prstGeom prst="rect">
+            <a:avLst/>
+          </a:prstGeom>
+        </p:spPr>
+        <p:style>
+          <a:lnRef idx="1">
+            <a:schemeClr val="accent2"/>
+          </a:lnRef>
+          <a:fillRef idx="2">
+            <a:schemeClr val="accent2"/>
+          </a:fillRef>
+          <a:effectRef idx="1">
+            <a:schemeClr val="accent2"/>
+          </a:effectRef>
+          <a:fontRef idx="minor">
+            <a:schemeClr val="dk1"/>
+          </a:fontRef>
+        </p:style>
+        <p:txBody>
+          <a:bodyPr rtlCol="0" anchor="ctr"/>
+          <a:lstStyle/>
+          <a:p>
+            <a:pPr algn="ctr"/>
+            <a:endParaRPr lang="en-US" dirty="0"/>
+          </a:p>
+        </p:txBody>
+      </p:sp>
+      <p:sp>
+        <p:nvSpPr>
+          <p:cNvPr id="21" name="Rounded Rectangle 20"/>
+          <p:cNvSpPr/>
+          <p:nvPr/>
+        </p:nvSpPr>
+        <p:spPr>
+          <a:xfrm>
+            <a:off x="1985611" y="2201111"/>
+            <a:ext cx="3062456" cy="593124"/>
+          </a:xfrm>
+          <a:prstGeom prst="roundRect">
+            <a:avLst/>
+          </a:prstGeom>
+        </p:spPr>
+        <p:style>
+          <a:lnRef idx="2">
+            <a:schemeClr val="accent2">
+              <a:shade val="50000"/>
+            </a:schemeClr>
+          </a:lnRef>
+          <a:fillRef idx="1">
+            <a:schemeClr val="accent2"/>
+          </a:fillRef>
+          <a:effectRef idx="0">
+            <a:schemeClr val="accent2"/>
+          </a:effectRef>
+          <a:fontRef idx="minor">
+            <a:schemeClr val="lt1"/>
+          </a:fontRef>
+        </p:style>
+        <p:txBody>
+          <a:bodyPr rtlCol="0" anchor="ctr"/>
+          <a:lstStyle/>
+          <a:p>
+            <a:pPr algn="ctr"/>
+            <a:r>
+              <a:rPr lang="en-US" b="1" dirty="0" smtClean="0"/>
+              <a:t>Initialize Centroids</a:t>
+            </a:r>
+            <a:endParaRPr lang="en-US" b="1" dirty="0"/>
+          </a:p>
+        </p:txBody>
+      </p:sp>
+      <p:sp>
+        <p:nvSpPr>
+          <p:cNvPr id="22" name="Rounded Rectangle 21"/>
+          <p:cNvSpPr/>
+          <p:nvPr/>
+        </p:nvSpPr>
+        <p:spPr>
+          <a:xfrm>
+            <a:off x="6093075" y="1614462"/>
+            <a:ext cx="691977" cy="399255"/>
+          </a:xfrm>
+          <a:prstGeom prst="roundRect">
+            <a:avLst/>
+          </a:prstGeom>
+        </p:spPr>
+        <p:style>
+          <a:lnRef idx="1">
+            <a:schemeClr val="accent1"/>
+          </a:lnRef>
+          <a:fillRef idx="2">
+            <a:schemeClr val="accent1"/>
+          </a:fillRef>
+          <a:effectRef idx="1">
+            <a:schemeClr val="accent1"/>
+          </a:effectRef>
+          <a:fontRef idx="minor">
+            <a:schemeClr val="dk1"/>
+          </a:fontRef>
+        </p:style>
+        <p:txBody>
+          <a:bodyPr rtlCol="0" anchor="ctr"/>
+          <a:lstStyle/>
+          <a:p>
+            <a:pPr lvl="0" algn="ctr"/>
+            <a:r>
+              <a:rPr lang="en-US" b="1" dirty="0" smtClean="0">
+                <a:ln w="0"/>
+                <a:solidFill>
+                  <a:schemeClr val="bg1"/>
+                </a:solidFill>
+              </a:rPr>
+              <a:t>GPU</a:t>
+            </a:r>
+            <a:endParaRPr lang="en-US" b="1" dirty="0">
+              <a:ln w="0"/>
+              <a:solidFill>
+                <a:schemeClr val="bg1"/>
+              </a:solidFill>
+            </a:endParaRPr>
+          </a:p>
+        </p:txBody>
+      </p:sp>
+      <p:sp>
+        <p:nvSpPr>
+          <p:cNvPr id="23" name="Rounded Rectangle 22"/>
+          <p:cNvSpPr/>
+          <p:nvPr/>
+        </p:nvSpPr>
+        <p:spPr>
+          <a:xfrm>
+            <a:off x="1966510" y="1622289"/>
+            <a:ext cx="667263" cy="399255"/>
+          </a:xfrm>
+          <a:prstGeom prst="roundRect">
+            <a:avLst/>
+          </a:prstGeom>
+        </p:spPr>
+        <p:style>
+          <a:lnRef idx="1">
+            <a:schemeClr val="accent1"/>
+          </a:lnRef>
+          <a:fillRef idx="2">
+            <a:schemeClr val="accent1"/>
+          </a:fillRef>
+          <a:effectRef idx="1">
+            <a:schemeClr val="accent1"/>
+          </a:effectRef>
+          <a:fontRef idx="minor">
+            <a:schemeClr val="dk1"/>
+          </a:fontRef>
+        </p:style>
+        <p:txBody>
+          <a:bodyPr rtlCol="0" anchor="ctr"/>
+          <a:lstStyle/>
+          <a:p>
+            <a:pPr lvl="0" algn="ctr"/>
+            <a:r>
+              <a:rPr lang="en-US" b="1" dirty="0" smtClean="0">
+                <a:ln w="0"/>
+                <a:solidFill>
+                  <a:schemeClr val="bg1"/>
+                </a:solidFill>
+              </a:rPr>
+              <a:t>CPU</a:t>
+            </a:r>
+            <a:endParaRPr lang="en-US" b="1" dirty="0">
+              <a:ln w="0"/>
+              <a:solidFill>
+                <a:schemeClr val="bg1"/>
+              </a:solidFill>
+            </a:endParaRPr>
+          </a:p>
+        </p:txBody>
+      </p:sp>
+      <p:sp>
+        <p:nvSpPr>
+          <p:cNvPr id="24" name="Rounded Rectangle 23"/>
+          <p:cNvSpPr/>
+          <p:nvPr/>
+        </p:nvSpPr>
+        <p:spPr>
+          <a:xfrm>
+            <a:off x="6093075" y="2200765"/>
+            <a:ext cx="3338361" cy="593124"/>
+          </a:xfrm>
+          <a:prstGeom prst="roundRect">
+            <a:avLst/>
+          </a:prstGeom>
+        </p:spPr>
+        <p:style>
+          <a:lnRef idx="2">
+            <a:schemeClr val="accent2">
+              <a:shade val="50000"/>
+            </a:schemeClr>
+          </a:lnRef>
+          <a:fillRef idx="1">
+            <a:schemeClr val="accent2"/>
+          </a:fillRef>
+          <a:effectRef idx="0">
+            <a:schemeClr val="accent2"/>
+          </a:effectRef>
+          <a:fontRef idx="minor">
+            <a:schemeClr val="lt1"/>
+          </a:fontRef>
+        </p:style>
+        <p:txBody>
+          <a:bodyPr rtlCol="0" anchor="ctr"/>
+          <a:lstStyle/>
+          <a:p>
+            <a:pPr algn="ctr"/>
+            <a:r>
+              <a:rPr lang="en-US" b="1" dirty="0" smtClean="0"/>
+              <a:t>Update Membership</a:t>
+            </a:r>
+            <a:endParaRPr lang="en-US" b="1" dirty="0"/>
+          </a:p>
+        </p:txBody>
+      </p:sp>
+      <p:sp>
+        <p:nvSpPr>
+          <p:cNvPr id="25" name="Rounded Rectangle 24"/>
+          <p:cNvSpPr/>
+          <p:nvPr/>
+        </p:nvSpPr>
+        <p:spPr>
+          <a:xfrm>
+            <a:off x="1985611" y="2997837"/>
+            <a:ext cx="3062456" cy="593124"/>
+          </a:xfrm>
+          <a:prstGeom prst="roundRect">
+            <a:avLst/>
+          </a:prstGeom>
+        </p:spPr>
+        <p:style>
+          <a:lnRef idx="2">
+            <a:schemeClr val="accent2">
+              <a:shade val="50000"/>
+            </a:schemeClr>
+          </a:lnRef>
+          <a:fillRef idx="1">
+            <a:schemeClr val="accent2"/>
+          </a:fillRef>
+          <a:effectRef idx="0">
+            <a:schemeClr val="accent2"/>
+          </a:effectRef>
+          <a:fontRef idx="minor">
+            <a:schemeClr val="lt1"/>
+          </a:fontRef>
+        </p:style>
+        <p:txBody>
+          <a:bodyPr rtlCol="0" anchor="ctr"/>
+          <a:lstStyle/>
+          <a:p>
+            <a:pPr algn="ctr"/>
+            <a:r>
+              <a:rPr lang="en-US" b="1" dirty="0" smtClean="0"/>
+              <a:t>Calculate new Centroids</a:t>
+            </a:r>
+            <a:endParaRPr lang="en-US" b="1" dirty="0"/>
+          </a:p>
+        </p:txBody>
+      </p:sp>
+      <p:sp>
+        <p:nvSpPr>
+          <p:cNvPr id="26" name="Rounded Rectangle 25"/>
+          <p:cNvSpPr/>
+          <p:nvPr/>
+        </p:nvSpPr>
+        <p:spPr>
+          <a:xfrm>
+            <a:off x="6093075" y="3535353"/>
+            <a:ext cx="3338361" cy="593124"/>
+          </a:xfrm>
+          <a:prstGeom prst="roundRect">
+            <a:avLst/>
+          </a:prstGeom>
+        </p:spPr>
+        <p:style>
+          <a:lnRef idx="2">
+            <a:schemeClr val="accent2">
+              <a:shade val="50000"/>
+            </a:schemeClr>
+          </a:lnRef>
+          <a:fillRef idx="1">
+            <a:schemeClr val="accent2"/>
+          </a:fillRef>
+          <a:effectRef idx="0">
+            <a:schemeClr val="accent2"/>
+          </a:effectRef>
+          <a:fontRef idx="minor">
+            <a:schemeClr val="lt1"/>
+          </a:fontRef>
+        </p:style>
+        <p:txBody>
+          <a:bodyPr rtlCol="0" anchor="ctr"/>
+          <a:lstStyle/>
+          <a:p>
+            <a:pPr algn="ctr"/>
+            <a:r>
+              <a:rPr lang="en-US" b="1" dirty="0" smtClean="0"/>
+              <a:t>Calculate new Centroids</a:t>
+            </a:r>
+            <a:endParaRPr lang="en-US" b="1" dirty="0"/>
+          </a:p>
+        </p:txBody>
+      </p:sp>
+      <p:sp>
+        <p:nvSpPr>
+          <p:cNvPr id="28" name="Rounded Rectangle 27"/>
+          <p:cNvSpPr/>
+          <p:nvPr/>
+        </p:nvSpPr>
+        <p:spPr>
+          <a:xfrm>
+            <a:off x="6093075" y="4500201"/>
+            <a:ext cx="3338362" cy="593124"/>
+          </a:xfrm>
+          <a:prstGeom prst="roundRect">
+            <a:avLst/>
+          </a:prstGeom>
+        </p:spPr>
+        <p:style>
+          <a:lnRef idx="2">
+            <a:schemeClr val="accent2">
+              <a:shade val="50000"/>
+            </a:schemeClr>
+          </a:lnRef>
+          <a:fillRef idx="1">
+            <a:schemeClr val="accent2"/>
+          </a:fillRef>
+          <a:effectRef idx="0">
+            <a:schemeClr val="accent2"/>
+          </a:effectRef>
+          <a:fontRef idx="minor">
+            <a:schemeClr val="lt1"/>
+          </a:fontRef>
+        </p:style>
+        <p:txBody>
+          <a:bodyPr rtlCol="0" anchor="ctr"/>
+          <a:lstStyle/>
+          <a:p>
+            <a:pPr algn="ctr"/>
+            <a:r>
+              <a:rPr lang="en-US" b="1" dirty="0" smtClean="0"/>
+              <a:t>Check Convergence</a:t>
+            </a:r>
+            <a:endParaRPr lang="en-US" b="1" dirty="0"/>
+          </a:p>
+        </p:txBody>
+      </p:sp>
+      <p:sp>
+        <p:nvSpPr>
+          <p:cNvPr id="45" name="Line Callout 1 44"/>
+          <p:cNvSpPr/>
+          <p:nvPr/>
+        </p:nvSpPr>
+        <p:spPr>
+          <a:xfrm>
+            <a:off x="8023136" y="3024041"/>
+            <a:ext cx="1353230" cy="281160"/>
+          </a:xfrm>
+          <a:prstGeom prst="borderCallout1">
+            <a:avLst>
+              <a:gd name="adj1" fmla="val 49095"/>
+              <a:gd name="adj2" fmla="val 982"/>
+              <a:gd name="adj3" fmla="val 49839"/>
+              <a:gd name="adj4" fmla="val -11810"/>
+            </a:avLst>
+          </a:prstGeom>
+        </p:spPr>
+        <p:style>
+          <a:lnRef idx="2">
+            <a:schemeClr val="accent1">
+              <a:shade val="50000"/>
+            </a:schemeClr>
+          </a:lnRef>
+          <a:fillRef idx="1">
+            <a:schemeClr val="accent1"/>
+          </a:fillRef>
+          <a:effectRef idx="0">
+            <a:schemeClr val="accent1"/>
+          </a:effectRef>
+          <a:fontRef idx="minor">
+            <a:schemeClr val="lt1"/>
+          </a:fontRef>
+        </p:style>
+        <p:txBody>
+          <a:bodyPr rtlCol="0" anchor="ctr"/>
+          <a:lstStyle/>
+          <a:p>
+            <a:pPr algn="ctr"/>
+            <a:r>
+              <a:rPr lang="en-US" sz="1300" dirty="0" smtClean="0"/>
+              <a:t>Large data set</a:t>
+            </a:r>
+            <a:endParaRPr lang="en-US" sz="1300" dirty="0"/>
+          </a:p>
+        </p:txBody>
+      </p:sp>
+      <p:cxnSp>
+        <p:nvCxnSpPr>
+          <p:cNvPr id="83" name="Elbow Connector 82"/>
+          <p:cNvCxnSpPr>
+            <a:stCxn id="28" idx="3"/>
+            <a:endCxn id="24" idx="3"/>
+          </p:cNvCxnSpPr>
+          <p:nvPr/>
+        </p:nvCxnSpPr>
+        <p:spPr>
+          <a:xfrm flipH="1" flipV="1">
+            <a:off x="9431436" y="2497327"/>
+            <a:ext cx="1" cy="2299436"/>
+          </a:xfrm>
+          <a:prstGeom prst="bentConnector3">
+            <a:avLst>
+              <a:gd name="adj1" fmla="val -22860000000"/>
+            </a:avLst>
+          </a:prstGeom>
+          <a:ln w="44450">
+            <a:tailEnd type="triangle"/>
+          </a:ln>
+        </p:spPr>
+        <p:style>
+          <a:lnRef idx="1">
+            <a:schemeClr val="accent1"/>
+          </a:lnRef>
+          <a:fillRef idx="0">
+            <a:schemeClr val="accent1"/>
+          </a:fillRef>
+          <a:effectRef idx="0">
+            <a:schemeClr val="accent1"/>
+          </a:effectRef>
+          <a:fontRef idx="minor">
+            <a:schemeClr val="tx1"/>
+          </a:fontRef>
+        </p:style>
+      </p:cxnSp>
+      <p:cxnSp>
+        <p:nvCxnSpPr>
+          <p:cNvPr id="91" name="Straight Arrow Connector 90"/>
+          <p:cNvCxnSpPr/>
+          <p:nvPr/>
+        </p:nvCxnSpPr>
+        <p:spPr>
+          <a:xfrm>
+            <a:off x="7864598" y="2793889"/>
+            <a:ext cx="0" cy="746990"/>
+          </a:xfrm>
+          <a:prstGeom prst="straightConnector1">
+            <a:avLst/>
+          </a:prstGeom>
+          <a:ln w="44450">
+            <a:tailEnd type="triangle"/>
+          </a:ln>
+        </p:spPr>
+        <p:style>
+          <a:lnRef idx="1">
+            <a:schemeClr val="accent1"/>
+          </a:lnRef>
+          <a:fillRef idx="0">
+            <a:schemeClr val="accent1"/>
+          </a:fillRef>
+          <a:effectRef idx="0">
+            <a:schemeClr val="accent1"/>
+          </a:effectRef>
+          <a:fontRef idx="minor">
+            <a:schemeClr val="tx1"/>
+          </a:fontRef>
+        </p:style>
+      </p:cxnSp>
+      <p:cxnSp>
+        <p:nvCxnSpPr>
+          <p:cNvPr id="95" name="Elbow Connector 94"/>
+          <p:cNvCxnSpPr/>
+          <p:nvPr/>
+        </p:nvCxnSpPr>
+        <p:spPr>
+          <a:xfrm rot="10800000" flipV="1">
+            <a:off x="5051335" y="2812064"/>
+            <a:ext cx="2603707" cy="483080"/>
+          </a:xfrm>
+          <a:prstGeom prst="bentConnector3">
+            <a:avLst>
+              <a:gd name="adj1" fmla="val -687"/>
+            </a:avLst>
+          </a:prstGeom>
+          <a:ln w="44450">
+            <a:tailEnd type="triangle"/>
+          </a:ln>
+        </p:spPr>
+        <p:style>
+          <a:lnRef idx="1">
+            <a:schemeClr val="accent1"/>
+          </a:lnRef>
+          <a:fillRef idx="0">
+            <a:schemeClr val="accent1"/>
+          </a:fillRef>
+          <a:effectRef idx="0">
+            <a:schemeClr val="accent1"/>
+          </a:effectRef>
+          <a:fontRef idx="minor">
+            <a:schemeClr val="tx1"/>
+          </a:fontRef>
+        </p:style>
+      </p:cxnSp>
+      <p:sp>
+        <p:nvSpPr>
+          <p:cNvPr id="110" name="Line Callout 1 109"/>
+          <p:cNvSpPr/>
+          <p:nvPr/>
+        </p:nvSpPr>
+        <p:spPr>
+          <a:xfrm>
+            <a:off x="6099410" y="2900384"/>
+            <a:ext cx="1392736" cy="267427"/>
+          </a:xfrm>
+          <a:prstGeom prst="borderCallout1">
+            <a:avLst>
+              <a:gd name="adj1" fmla="val 50475"/>
+              <a:gd name="adj2" fmla="val 100480"/>
+              <a:gd name="adj3" fmla="val 49050"/>
+              <a:gd name="adj4" fmla="val 111638"/>
+            </a:avLst>
+          </a:prstGeom>
+        </p:spPr>
+        <p:style>
+          <a:lnRef idx="2">
+            <a:schemeClr val="accent1">
+              <a:shade val="50000"/>
+            </a:schemeClr>
+          </a:lnRef>
+          <a:fillRef idx="1">
+            <a:schemeClr val="accent1"/>
+          </a:fillRef>
+          <a:effectRef idx="0">
+            <a:schemeClr val="accent1"/>
+          </a:effectRef>
+          <a:fontRef idx="minor">
+            <a:schemeClr val="lt1"/>
+          </a:fontRef>
+        </p:style>
+        <p:txBody>
+          <a:bodyPr rtlCol="0" anchor="ctr"/>
+          <a:lstStyle/>
+          <a:p>
+            <a:pPr algn="ctr"/>
+            <a:r>
+              <a:rPr lang="en-US" sz="1300" dirty="0" smtClean="0"/>
+              <a:t>Small data set</a:t>
+            </a:r>
+            <a:endParaRPr lang="en-US" sz="1300" dirty="0"/>
+          </a:p>
+        </p:txBody>
+      </p:sp>
+      <p:cxnSp>
+        <p:nvCxnSpPr>
+          <p:cNvPr id="114" name="Straight Arrow Connector 113"/>
+          <p:cNvCxnSpPr/>
+          <p:nvPr/>
+        </p:nvCxnSpPr>
+        <p:spPr>
+          <a:xfrm flipH="1">
+            <a:off x="7762255" y="4137096"/>
+            <a:ext cx="1" cy="372251"/>
+          </a:xfrm>
+          <a:prstGeom prst="straightConnector1">
+            <a:avLst/>
+          </a:prstGeom>
+          <a:ln w="44450">
+            <a:tailEnd type="triangle"/>
+          </a:ln>
+        </p:spPr>
+        <p:style>
+          <a:lnRef idx="1">
+            <a:schemeClr val="accent1"/>
+          </a:lnRef>
+          <a:fillRef idx="0">
+            <a:schemeClr val="accent1"/>
+          </a:fillRef>
+          <a:effectRef idx="0">
+            <a:schemeClr val="accent1"/>
+          </a:effectRef>
+          <a:fontRef idx="minor">
+            <a:schemeClr val="tx1"/>
+          </a:fontRef>
+        </p:style>
+      </p:cxnSp>
+      <p:cxnSp>
+        <p:nvCxnSpPr>
+          <p:cNvPr id="118" name="Straight Arrow Connector 117"/>
+          <p:cNvCxnSpPr>
+            <a:stCxn id="21" idx="3"/>
+            <a:endCxn id="24" idx="1"/>
+          </p:cNvCxnSpPr>
+          <p:nvPr/>
+        </p:nvCxnSpPr>
+        <p:spPr>
+          <a:xfrm flipV="1">
+            <a:off x="5048067" y="2497327"/>
+            <a:ext cx="1045008" cy="346"/>
+          </a:xfrm>
+          <a:prstGeom prst="straightConnector1">
+            <a:avLst/>
+          </a:prstGeom>
+          <a:ln w="44450">
+            <a:tailEnd type="triangle"/>
+          </a:ln>
+        </p:spPr>
+        <p:style>
+          <a:lnRef idx="1">
+            <a:schemeClr val="accent1"/>
+          </a:lnRef>
+          <a:fillRef idx="0">
+            <a:schemeClr val="accent1"/>
+          </a:fillRef>
+          <a:effectRef idx="0">
+            <a:schemeClr val="accent1"/>
+          </a:effectRef>
+          <a:fontRef idx="minor">
+            <a:schemeClr val="tx1"/>
+          </a:fontRef>
+        </p:style>
+      </p:cxnSp>
+      <p:cxnSp>
+        <p:nvCxnSpPr>
+          <p:cNvPr id="120" name="Elbow Connector 119"/>
+          <p:cNvCxnSpPr>
+            <a:stCxn id="25" idx="2"/>
+            <a:endCxn id="28" idx="1"/>
+          </p:cNvCxnSpPr>
+          <p:nvPr/>
+        </p:nvCxnSpPr>
+        <p:spPr>
+          <a:xfrm rot="16200000" flipH="1">
+            <a:off x="4202056" y="2905744"/>
+            <a:ext cx="1205802" cy="2576236"/>
+          </a:xfrm>
+          <a:prstGeom prst="bentConnector2">
+            <a:avLst/>
+          </a:prstGeom>
+          <a:ln w="44450">
+            <a:tailEnd type="triangle"/>
+          </a:ln>
+        </p:spPr>
+        <p:style>
+          <a:lnRef idx="1">
+            <a:schemeClr val="accent1"/>
+          </a:lnRef>
+          <a:fillRef idx="0">
+            <a:schemeClr val="accent1"/>
+          </a:fillRef>
+          <a:effectRef idx="0">
+            <a:schemeClr val="accent1"/>
+          </a:effectRef>
+          <a:fontRef idx="minor">
+            <a:schemeClr val="tx1"/>
+          </a:fontRef>
+        </p:style>
+      </p:cxnSp>
+      <p:sp>
+        <p:nvSpPr>
+          <p:cNvPr id="141" name="Line Callout 1 140"/>
+          <p:cNvSpPr/>
+          <p:nvPr/>
+        </p:nvSpPr>
+        <p:spPr>
+          <a:xfrm>
+            <a:off x="9780183" y="4306979"/>
+            <a:ext cx="500744" cy="397182"/>
+          </a:xfrm>
+          <a:prstGeom prst="borderCallout1">
+            <a:avLst>
+              <a:gd name="adj1" fmla="val 49095"/>
+              <a:gd name="adj2" fmla="val 982"/>
+              <a:gd name="adj3" fmla="val 49839"/>
+              <a:gd name="adj4" fmla="val -23331"/>
+            </a:avLst>
+          </a:prstGeom>
+        </p:spPr>
+        <p:style>
+          <a:lnRef idx="2">
+            <a:schemeClr val="accent1">
+              <a:shade val="50000"/>
+            </a:schemeClr>
+          </a:lnRef>
+          <a:fillRef idx="1">
+            <a:schemeClr val="accent1"/>
+          </a:fillRef>
+          <a:effectRef idx="0">
+            <a:schemeClr val="accent1"/>
+          </a:effectRef>
+          <a:fontRef idx="minor">
+            <a:schemeClr val="lt1"/>
+          </a:fontRef>
+        </p:style>
+        <p:txBody>
+          <a:bodyPr rtlCol="0" anchor="ctr"/>
+          <a:lstStyle/>
+          <a:p>
+            <a:pPr algn="ctr"/>
+            <a:r>
+              <a:rPr lang="en-US" sz="1300" dirty="0" smtClean="0"/>
+              <a:t>No </a:t>
+            </a:r>
+          </a:p>
+        </p:txBody>
+      </p:sp>
+      <p:cxnSp>
+        <p:nvCxnSpPr>
+          <p:cNvPr id="159" name="Elbow Connector 158"/>
+          <p:cNvCxnSpPr>
+            <a:stCxn id="28" idx="2"/>
+          </p:cNvCxnSpPr>
+          <p:nvPr/>
+        </p:nvCxnSpPr>
+        <p:spPr>
+          <a:xfrm rot="5400000">
+            <a:off x="5428870" y="3181295"/>
+            <a:ext cx="421356" cy="4245417"/>
+          </a:xfrm>
+          <a:prstGeom prst="bentConnector2">
+            <a:avLst/>
+          </a:prstGeom>
+          <a:ln w="44450">
+            <a:tailEnd type="triangle"/>
+          </a:ln>
+        </p:spPr>
+        <p:style>
+          <a:lnRef idx="1">
+            <a:schemeClr val="accent1"/>
+          </a:lnRef>
+          <a:fillRef idx="0">
+            <a:schemeClr val="accent1"/>
+          </a:fillRef>
+          <a:effectRef idx="0">
+            <a:schemeClr val="accent1"/>
+          </a:effectRef>
+          <a:fontRef idx="minor">
+            <a:schemeClr val="tx1"/>
+          </a:fontRef>
+        </p:style>
+      </p:cxnSp>
+      <p:sp>
+        <p:nvSpPr>
+          <p:cNvPr id="160" name="Line Callout 1 159"/>
+          <p:cNvSpPr/>
+          <p:nvPr/>
+        </p:nvSpPr>
+        <p:spPr>
+          <a:xfrm>
+            <a:off x="7883452" y="5215449"/>
+            <a:ext cx="500744" cy="397182"/>
+          </a:xfrm>
+          <a:prstGeom prst="borderCallout1">
+            <a:avLst>
+              <a:gd name="adj1" fmla="val 49095"/>
+              <a:gd name="adj2" fmla="val 982"/>
+              <a:gd name="adj3" fmla="val 49839"/>
+              <a:gd name="adj4" fmla="val -23331"/>
+            </a:avLst>
+          </a:prstGeom>
+        </p:spPr>
+        <p:style>
+          <a:lnRef idx="2">
+            <a:schemeClr val="accent1">
+              <a:shade val="50000"/>
+            </a:schemeClr>
+          </a:lnRef>
+          <a:fillRef idx="1">
+            <a:schemeClr val="accent1"/>
+          </a:fillRef>
+          <a:effectRef idx="0">
+            <a:schemeClr val="accent1"/>
+          </a:effectRef>
+          <a:fontRef idx="minor">
+            <a:schemeClr val="lt1"/>
+          </a:fontRef>
+        </p:style>
+        <p:txBody>
+          <a:bodyPr rtlCol="0" anchor="ctr"/>
+          <a:lstStyle/>
+          <a:p>
+            <a:pPr algn="ctr"/>
+            <a:r>
+              <a:rPr lang="en-US" sz="1300" dirty="0" smtClean="0"/>
+              <a:t>Yes </a:t>
+            </a:r>
+          </a:p>
+        </p:txBody>
+      </p:sp>
+      <p:sp>
+        <p:nvSpPr>
+          <p:cNvPr id="162" name="Oval 161"/>
+          <p:cNvSpPr/>
+          <p:nvPr/>
+        </p:nvSpPr>
+        <p:spPr>
+          <a:xfrm>
+            <a:off x="2073899" y="5140444"/>
+            <a:ext cx="1442940" cy="732856"/>
+          </a:xfrm>
+          <a:prstGeom prst="ellipse">
+            <a:avLst/>
+          </a:prstGeom>
+        </p:spPr>
+        <p:style>
+          <a:lnRef idx="2">
+            <a:schemeClr val="accent1">
+              <a:shade val="50000"/>
+            </a:schemeClr>
+          </a:lnRef>
+          <a:fillRef idx="1">
+            <a:schemeClr val="accent1"/>
+          </a:fillRef>
+          <a:effectRef idx="0">
+            <a:schemeClr val="accent1"/>
+          </a:effectRef>
+          <a:fontRef idx="minor">
+            <a:schemeClr val="lt1"/>
+          </a:fontRef>
+        </p:style>
+        <p:txBody>
+          <a:bodyPr rtlCol="0" anchor="ctr"/>
+          <a:lstStyle/>
+          <a:p>
+            <a:pPr algn="ctr"/>
+            <a:r>
+              <a:rPr lang="en-US" dirty="0" smtClean="0"/>
+              <a:t>Results</a:t>
+            </a:r>
+            <a:endParaRPr lang="en-US" dirty="0"/>
+          </a:p>
+        </p:txBody>
+      </p:sp>
+    </p:spTree>
+    <p:extLst>
+      <p:ext uri="{BB962C8B-B14F-4D97-AF65-F5344CB8AC3E}">
+        <p14:creationId xmlns:p14="http://schemas.microsoft.com/office/powerpoint/2010/main" val="2882187303"/>
+      </p:ext>
+    </p:extLst>
+  </p:cSld>
+  <p:clrMapOvr>
+    <a:masterClrMapping/>
+  </p:clrMapOvr>
+  <p:timing>
+    <p:tnLst>
+      <p:par>
+        <p:cTn id="1" dur="indefinite" restart="never" nodeType="tmRoot"/>
+      </p:par>
+    </p:tnLst>
+  </p:timing>
 </p:sld>
 </file>
 

--- a/trunk/ImageProcessing/Speeding up GFKM.pptx
+++ b/trunk/ImageProcessing/Speeding up GFKM.pptx
@@ -10,6 +10,10 @@
     <p:sldId id="258" r:id="rId4"/>
     <p:sldId id="259" r:id="rId5"/>
     <p:sldId id="260" r:id="rId6"/>
+    <p:sldId id="262" r:id="rId7"/>
+    <p:sldId id="265" r:id="rId8"/>
+    <p:sldId id="264" r:id="rId9"/>
+    <p:sldId id="266" r:id="rId10"/>
   </p:sldIdLst>
   <p:sldSz cx="12192000" cy="6858000"/>
   <p:notesSz cx="6858000" cy="9144000"/>
@@ -173,7 +177,7 @@
           <a:noFill/>
           <a:extLst>
             <a:ext uri="{909E8E84-426E-40dd-AFC4-6F175D3DCCD1}">
-              <a14:hiddenFill xmlns="" xmlns:a14="http://schemas.microsoft.com/office/drawing/2010/main">
+              <a14:hiddenFill xmlns:a14="http://schemas.microsoft.com/office/drawing/2010/main" xmlns="">
                 <a:solidFill>
                   <a:srgbClr val="FFFFFF"/>
                 </a:solidFill>
@@ -232,7 +236,7 @@
             </a:ln>
             <a:extLst>
               <a:ext uri="{91240B29-F687-4f45-9708-019B960494DF}">
-                <a14:hiddenLine xmlns="" xmlns:a14="http://schemas.microsoft.com/office/drawing/2010/main" w="9525">
+                <a14:hiddenLine xmlns:a14="http://schemas.microsoft.com/office/drawing/2010/main" xmlns="" w="9525">
                   <a:solidFill>
                     <a:srgbClr val="000000"/>
                   </a:solidFill>
@@ -322,7 +326,7 @@
             </a:ln>
             <a:extLst>
               <a:ext uri="{91240B29-F687-4f45-9708-019B960494DF}">
-                <a14:hiddenLine xmlns="" xmlns:a14="http://schemas.microsoft.com/office/drawing/2010/main" w="9525">
+                <a14:hiddenLine xmlns:a14="http://schemas.microsoft.com/office/drawing/2010/main" xmlns="" w="9525">
                   <a:solidFill>
                     <a:srgbClr val="000000"/>
                   </a:solidFill>
@@ -412,7 +416,7 @@
             </a:ln>
             <a:extLst>
               <a:ext uri="{91240B29-F687-4f45-9708-019B960494DF}">
-                <a14:hiddenLine xmlns="" xmlns:a14="http://schemas.microsoft.com/office/drawing/2010/main" w="9525">
+                <a14:hiddenLine xmlns:a14="http://schemas.microsoft.com/office/drawing/2010/main" xmlns="" w="9525">
                   <a:solidFill>
                     <a:srgbClr val="000000"/>
                   </a:solidFill>
@@ -446,7 +450,7 @@
             </a:ln>
             <a:extLst>
               <a:ext uri="{91240B29-F687-4f45-9708-019B960494DF}">
-                <a14:hiddenLine xmlns="" xmlns:a14="http://schemas.microsoft.com/office/drawing/2010/main" w="9525">
+                <a14:hiddenLine xmlns:a14="http://schemas.microsoft.com/office/drawing/2010/main" xmlns="" w="9525">
                   <a:solidFill>
                     <a:srgbClr val="000000"/>
                   </a:solidFill>
@@ -536,7 +540,7 @@
             </a:ln>
             <a:extLst>
               <a:ext uri="{91240B29-F687-4f45-9708-019B960494DF}">
-                <a14:hiddenLine xmlns="" xmlns:a14="http://schemas.microsoft.com/office/drawing/2010/main" w="9525">
+                <a14:hiddenLine xmlns:a14="http://schemas.microsoft.com/office/drawing/2010/main" xmlns="" w="9525">
                   <a:solidFill>
                     <a:srgbClr val="000000"/>
                   </a:solidFill>
@@ -598,7 +602,7 @@
             </a:ln>
             <a:extLst>
               <a:ext uri="{91240B29-F687-4f45-9708-019B960494DF}">
-                <a14:hiddenLine xmlns="" xmlns:a14="http://schemas.microsoft.com/office/drawing/2010/main" w="9525">
+                <a14:hiddenLine xmlns:a14="http://schemas.microsoft.com/office/drawing/2010/main" xmlns="" w="9525">
                   <a:solidFill>
                     <a:srgbClr val="000000"/>
                   </a:solidFill>
@@ -660,7 +664,7 @@
             </a:ln>
             <a:extLst>
               <a:ext uri="{91240B29-F687-4f45-9708-019B960494DF}">
-                <a14:hiddenLine xmlns="" xmlns:a14="http://schemas.microsoft.com/office/drawing/2010/main" w="9525">
+                <a14:hiddenLine xmlns:a14="http://schemas.microsoft.com/office/drawing/2010/main" xmlns="" w="9525">
                   <a:solidFill>
                     <a:srgbClr val="000000"/>
                   </a:solidFill>
@@ -750,7 +754,7 @@
             </a:ln>
             <a:extLst>
               <a:ext uri="{91240B29-F687-4f45-9708-019B960494DF}">
-                <a14:hiddenLine xmlns="" xmlns:a14="http://schemas.microsoft.com/office/drawing/2010/main" w="9525">
+                <a14:hiddenLine xmlns:a14="http://schemas.microsoft.com/office/drawing/2010/main" xmlns="" w="9525">
                   <a:solidFill>
                     <a:srgbClr val="000000"/>
                   </a:solidFill>
@@ -812,7 +816,7 @@
             </a:ln>
             <a:extLst>
               <a:ext uri="{91240B29-F687-4f45-9708-019B960494DF}">
-                <a14:hiddenLine xmlns="" xmlns:a14="http://schemas.microsoft.com/office/drawing/2010/main" w="9525">
+                <a14:hiddenLine xmlns:a14="http://schemas.microsoft.com/office/drawing/2010/main" xmlns="" w="9525">
                   <a:solidFill>
                     <a:srgbClr val="000000"/>
                   </a:solidFill>
@@ -874,7 +878,7 @@
             </a:ln>
             <a:extLst>
               <a:ext uri="{91240B29-F687-4f45-9708-019B960494DF}">
-                <a14:hiddenLine xmlns="" xmlns:a14="http://schemas.microsoft.com/office/drawing/2010/main" w="9525">
+                <a14:hiddenLine xmlns:a14="http://schemas.microsoft.com/office/drawing/2010/main" xmlns="" w="9525">
                   <a:solidFill>
                     <a:srgbClr val="000000"/>
                   </a:solidFill>
@@ -964,7 +968,7 @@
             </a:ln>
             <a:extLst>
               <a:ext uri="{91240B29-F687-4f45-9708-019B960494DF}">
-                <a14:hiddenLine xmlns="" xmlns:a14="http://schemas.microsoft.com/office/drawing/2010/main" w="9525">
+                <a14:hiddenLine xmlns:a14="http://schemas.microsoft.com/office/drawing/2010/main" xmlns="" w="9525">
                   <a:solidFill>
                     <a:srgbClr val="000000"/>
                   </a:solidFill>
@@ -1054,7 +1058,7 @@
             </a:ln>
             <a:extLst>
               <a:ext uri="{91240B29-F687-4f45-9708-019B960494DF}">
-                <a14:hiddenLine xmlns="" xmlns:a14="http://schemas.microsoft.com/office/drawing/2010/main" w="9525">
+                <a14:hiddenLine xmlns:a14="http://schemas.microsoft.com/office/drawing/2010/main" xmlns="" w="9525">
                   <a:solidFill>
                     <a:srgbClr val="000000"/>
                   </a:solidFill>
@@ -1116,7 +1120,7 @@
             </a:ln>
             <a:extLst>
               <a:ext uri="{91240B29-F687-4f45-9708-019B960494DF}">
-                <a14:hiddenLine xmlns="" xmlns:a14="http://schemas.microsoft.com/office/drawing/2010/main" w="9525">
+                <a14:hiddenLine xmlns:a14="http://schemas.microsoft.com/office/drawing/2010/main" xmlns="" w="9525">
                   <a:solidFill>
                     <a:srgbClr val="000000"/>
                   </a:solidFill>
@@ -1226,7 +1230,7 @@
             </a:ln>
             <a:extLst>
               <a:ext uri="{91240B29-F687-4f45-9708-019B960494DF}">
-                <a14:hiddenLine xmlns="" xmlns:a14="http://schemas.microsoft.com/office/drawing/2010/main" w="9525">
+                <a14:hiddenLine xmlns:a14="http://schemas.microsoft.com/office/drawing/2010/main" xmlns="" w="9525">
                   <a:solidFill>
                     <a:srgbClr val="000000"/>
                   </a:solidFill>
@@ -1288,7 +1292,7 @@
             </a:ln>
             <a:extLst>
               <a:ext uri="{91240B29-F687-4f45-9708-019B960494DF}">
-                <a14:hiddenLine xmlns="" xmlns:a14="http://schemas.microsoft.com/office/drawing/2010/main" w="9525">
+                <a14:hiddenLine xmlns:a14="http://schemas.microsoft.com/office/drawing/2010/main" xmlns="" w="9525">
                   <a:solidFill>
                     <a:srgbClr val="000000"/>
                   </a:solidFill>
@@ -1378,7 +1382,7 @@
             </a:ln>
             <a:extLst>
               <a:ext uri="{91240B29-F687-4f45-9708-019B960494DF}">
-                <a14:hiddenLine xmlns="" xmlns:a14="http://schemas.microsoft.com/office/drawing/2010/main" w="9525">
+                <a14:hiddenLine xmlns:a14="http://schemas.microsoft.com/office/drawing/2010/main" xmlns="" w="9525">
                   <a:solidFill>
                     <a:srgbClr val="000000"/>
                   </a:solidFill>
@@ -1468,7 +1472,7 @@
             </a:ln>
             <a:extLst>
               <a:ext uri="{91240B29-F687-4f45-9708-019B960494DF}">
-                <a14:hiddenLine xmlns="" xmlns:a14="http://schemas.microsoft.com/office/drawing/2010/main" w="9525">
+                <a14:hiddenLine xmlns:a14="http://schemas.microsoft.com/office/drawing/2010/main" xmlns="" w="9525">
                   <a:solidFill>
                     <a:srgbClr val="000000"/>
                   </a:solidFill>
@@ -1530,7 +1534,7 @@
             </a:ln>
             <a:extLst>
               <a:ext uri="{91240B29-F687-4f45-9708-019B960494DF}">
-                <a14:hiddenLine xmlns="" xmlns:a14="http://schemas.microsoft.com/office/drawing/2010/main" w="9525">
+                <a14:hiddenLine xmlns:a14="http://schemas.microsoft.com/office/drawing/2010/main" xmlns="" w="9525">
                   <a:solidFill>
                     <a:srgbClr val="000000"/>
                   </a:solidFill>
@@ -1620,7 +1624,7 @@
             </a:ln>
             <a:extLst>
               <a:ext uri="{91240B29-F687-4f45-9708-019B960494DF}">
-                <a14:hiddenLine xmlns="" xmlns:a14="http://schemas.microsoft.com/office/drawing/2010/main" w="9525">
+                <a14:hiddenLine xmlns:a14="http://schemas.microsoft.com/office/drawing/2010/main" xmlns="" w="9525">
                   <a:solidFill>
                     <a:srgbClr val="000000"/>
                   </a:solidFill>
@@ -1710,7 +1714,7 @@
             </a:ln>
             <a:extLst>
               <a:ext uri="{91240B29-F687-4f45-9708-019B960494DF}">
-                <a14:hiddenLine xmlns="" xmlns:a14="http://schemas.microsoft.com/office/drawing/2010/main" w="9525">
+                <a14:hiddenLine xmlns:a14="http://schemas.microsoft.com/office/drawing/2010/main" xmlns="" w="9525">
                   <a:solidFill>
                     <a:srgbClr val="000000"/>
                   </a:solidFill>
@@ -1766,7 +1770,7 @@
             </a:ln>
             <a:extLst>
               <a:ext uri="{91240B29-F687-4f45-9708-019B960494DF}">
-                <a14:hiddenLine xmlns="" xmlns:a14="http://schemas.microsoft.com/office/drawing/2010/main" w="9525">
+                <a14:hiddenLine xmlns:a14="http://schemas.microsoft.com/office/drawing/2010/main" xmlns="" w="9525">
                   <a:solidFill>
                     <a:srgbClr val="000000"/>
                   </a:solidFill>
@@ -1856,7 +1860,7 @@
             </a:ln>
             <a:extLst>
               <a:ext uri="{91240B29-F687-4f45-9708-019B960494DF}">
-                <a14:hiddenLine xmlns="" xmlns:a14="http://schemas.microsoft.com/office/drawing/2010/main" w="9525">
+                <a14:hiddenLine xmlns:a14="http://schemas.microsoft.com/office/drawing/2010/main" xmlns="" w="9525">
                   <a:solidFill>
                     <a:srgbClr val="000000"/>
                   </a:solidFill>
@@ -1912,7 +1916,7 @@
             </a:ln>
             <a:extLst>
               <a:ext uri="{91240B29-F687-4f45-9708-019B960494DF}">
-                <a14:hiddenLine xmlns="" xmlns:a14="http://schemas.microsoft.com/office/drawing/2010/main" w="9525">
+                <a14:hiddenLine xmlns:a14="http://schemas.microsoft.com/office/drawing/2010/main" xmlns="" w="9525">
                   <a:solidFill>
                     <a:srgbClr val="000000"/>
                   </a:solidFill>
@@ -2002,7 +2006,7 @@
             </a:ln>
             <a:extLst>
               <a:ext uri="{91240B29-F687-4f45-9708-019B960494DF}">
-                <a14:hiddenLine xmlns="" xmlns:a14="http://schemas.microsoft.com/office/drawing/2010/main" w="9525">
+                <a14:hiddenLine xmlns:a14="http://schemas.microsoft.com/office/drawing/2010/main" xmlns="" w="9525">
                   <a:solidFill>
                     <a:srgbClr val="000000"/>
                   </a:solidFill>
@@ -2070,7 +2074,7 @@
             </a:ln>
             <a:extLst>
               <a:ext uri="{91240B29-F687-4f45-9708-019B960494DF}">
-                <a14:hiddenLine xmlns="" xmlns:a14="http://schemas.microsoft.com/office/drawing/2010/main" w="9525">
+                <a14:hiddenLine xmlns:a14="http://schemas.microsoft.com/office/drawing/2010/main" xmlns="" w="9525">
                   <a:solidFill>
                     <a:srgbClr val="000000"/>
                   </a:solidFill>
@@ -2160,7 +2164,7 @@
             </a:ln>
             <a:extLst>
               <a:ext uri="{91240B29-F687-4f45-9708-019B960494DF}">
-                <a14:hiddenLine xmlns="" xmlns:a14="http://schemas.microsoft.com/office/drawing/2010/main" w="9525">
+                <a14:hiddenLine xmlns:a14="http://schemas.microsoft.com/office/drawing/2010/main" xmlns="" w="9525">
                   <a:solidFill>
                     <a:srgbClr val="000000"/>
                   </a:solidFill>
@@ -2228,7 +2232,7 @@
             </a:ln>
             <a:extLst>
               <a:ext uri="{91240B29-F687-4f45-9708-019B960494DF}">
-                <a14:hiddenLine xmlns="" xmlns:a14="http://schemas.microsoft.com/office/drawing/2010/main" w="9525">
+                <a14:hiddenLine xmlns:a14="http://schemas.microsoft.com/office/drawing/2010/main" xmlns="" w="9525">
                   <a:solidFill>
                     <a:srgbClr val="000000"/>
                   </a:solidFill>
@@ -2318,7 +2322,7 @@
             </a:ln>
             <a:extLst>
               <a:ext uri="{91240B29-F687-4f45-9708-019B960494DF}">
-                <a14:hiddenLine xmlns="" xmlns:a14="http://schemas.microsoft.com/office/drawing/2010/main" w="9525">
+                <a14:hiddenLine xmlns:a14="http://schemas.microsoft.com/office/drawing/2010/main" xmlns="" w="9525">
                   <a:solidFill>
                     <a:srgbClr val="000000"/>
                   </a:solidFill>
@@ -2352,7 +2356,7 @@
             </a:ln>
             <a:extLst>
               <a:ext uri="{91240B29-F687-4f45-9708-019B960494DF}">
-                <a14:hiddenLine xmlns="" xmlns:a14="http://schemas.microsoft.com/office/drawing/2010/main" w="9525">
+                <a14:hiddenLine xmlns:a14="http://schemas.microsoft.com/office/drawing/2010/main" xmlns="" w="9525">
                   <a:solidFill>
                     <a:srgbClr val="000000"/>
                   </a:solidFill>
@@ -2442,7 +2446,7 @@
             </a:ln>
             <a:extLst>
               <a:ext uri="{91240B29-F687-4f45-9708-019B960494DF}">
-                <a14:hiddenLine xmlns="" xmlns:a14="http://schemas.microsoft.com/office/drawing/2010/main" w="9525">
+                <a14:hiddenLine xmlns:a14="http://schemas.microsoft.com/office/drawing/2010/main" xmlns="" w="9525">
                   <a:solidFill>
                     <a:srgbClr val="000000"/>
                   </a:solidFill>
@@ -2504,7 +2508,7 @@
             </a:ln>
             <a:extLst>
               <a:ext uri="{91240B29-F687-4f45-9708-019B960494DF}">
-                <a14:hiddenLine xmlns="" xmlns:a14="http://schemas.microsoft.com/office/drawing/2010/main" w="9525">
+                <a14:hiddenLine xmlns:a14="http://schemas.microsoft.com/office/drawing/2010/main" xmlns="" w="9525">
                   <a:solidFill>
                     <a:srgbClr val="000000"/>
                   </a:solidFill>
@@ -2566,7 +2570,7 @@
             </a:ln>
             <a:extLst>
               <a:ext uri="{91240B29-F687-4f45-9708-019B960494DF}">
-                <a14:hiddenLine xmlns="" xmlns:a14="http://schemas.microsoft.com/office/drawing/2010/main" w="9525">
+                <a14:hiddenLine xmlns:a14="http://schemas.microsoft.com/office/drawing/2010/main" xmlns="" w="9525">
                   <a:solidFill>
                     <a:srgbClr val="000000"/>
                   </a:solidFill>
@@ -2656,7 +2660,7 @@
             </a:ln>
             <a:extLst>
               <a:ext uri="{91240B29-F687-4f45-9708-019B960494DF}">
-                <a14:hiddenLine xmlns="" xmlns:a14="http://schemas.microsoft.com/office/drawing/2010/main" w="9525">
+                <a14:hiddenLine xmlns:a14="http://schemas.microsoft.com/office/drawing/2010/main" xmlns="" w="9525">
                   <a:solidFill>
                     <a:srgbClr val="000000"/>
                   </a:solidFill>
@@ -2724,7 +2728,7 @@
             </a:ln>
             <a:extLst>
               <a:ext uri="{91240B29-F687-4f45-9708-019B960494DF}">
-                <a14:hiddenLine xmlns="" xmlns:a14="http://schemas.microsoft.com/office/drawing/2010/main" w="9525">
+                <a14:hiddenLine xmlns:a14="http://schemas.microsoft.com/office/drawing/2010/main" xmlns="" w="9525">
                   <a:solidFill>
                     <a:srgbClr val="000000"/>
                   </a:solidFill>
@@ -2786,7 +2790,7 @@
             </a:ln>
             <a:extLst>
               <a:ext uri="{91240B29-F687-4f45-9708-019B960494DF}">
-                <a14:hiddenLine xmlns="" xmlns:a14="http://schemas.microsoft.com/office/drawing/2010/main" w="9525">
+                <a14:hiddenLine xmlns:a14="http://schemas.microsoft.com/office/drawing/2010/main" xmlns="" w="9525">
                   <a:solidFill>
                     <a:srgbClr val="000000"/>
                   </a:solidFill>
@@ -2876,7 +2880,7 @@
             </a:ln>
             <a:extLst>
               <a:ext uri="{91240B29-F687-4f45-9708-019B960494DF}">
-                <a14:hiddenLine xmlns="" xmlns:a14="http://schemas.microsoft.com/office/drawing/2010/main" w="9525">
+                <a14:hiddenLine xmlns:a14="http://schemas.microsoft.com/office/drawing/2010/main" xmlns="" w="9525">
                   <a:solidFill>
                     <a:srgbClr val="000000"/>
                   </a:solidFill>
@@ -2938,7 +2942,7 @@
             </a:ln>
             <a:extLst>
               <a:ext uri="{91240B29-F687-4f45-9708-019B960494DF}">
-                <a14:hiddenLine xmlns="" xmlns:a14="http://schemas.microsoft.com/office/drawing/2010/main" w="9525">
+                <a14:hiddenLine xmlns:a14="http://schemas.microsoft.com/office/drawing/2010/main" xmlns="" w="9525">
                   <a:solidFill>
                     <a:srgbClr val="000000"/>
                   </a:solidFill>
@@ -3028,7 +3032,7 @@
             </a:ln>
             <a:extLst>
               <a:ext uri="{91240B29-F687-4f45-9708-019B960494DF}">
-                <a14:hiddenLine xmlns="" xmlns:a14="http://schemas.microsoft.com/office/drawing/2010/main" w="9525">
+                <a14:hiddenLine xmlns:a14="http://schemas.microsoft.com/office/drawing/2010/main" xmlns="" w="9525">
                   <a:solidFill>
                     <a:srgbClr val="000000"/>
                   </a:solidFill>
@@ -3090,7 +3094,7 @@
             </a:ln>
             <a:extLst>
               <a:ext uri="{91240B29-F687-4f45-9708-019B960494DF}">
-                <a14:hiddenLine xmlns="" xmlns:a14="http://schemas.microsoft.com/office/drawing/2010/main" w="9525">
+                <a14:hiddenLine xmlns:a14="http://schemas.microsoft.com/office/drawing/2010/main" xmlns="" w="9525">
                   <a:solidFill>
                     <a:srgbClr val="000000"/>
                   </a:solidFill>
@@ -3180,7 +3184,7 @@
             </a:ln>
             <a:extLst>
               <a:ext uri="{91240B29-F687-4f45-9708-019B960494DF}">
-                <a14:hiddenLine xmlns="" xmlns:a14="http://schemas.microsoft.com/office/drawing/2010/main" w="9525">
+                <a14:hiddenLine xmlns:a14="http://schemas.microsoft.com/office/drawing/2010/main" xmlns="" w="9525">
                   <a:solidFill>
                     <a:srgbClr val="000000"/>
                   </a:solidFill>
@@ -3214,7 +3218,7 @@
             </a:ln>
             <a:extLst>
               <a:ext uri="{91240B29-F687-4f45-9708-019B960494DF}">
-                <a14:hiddenLine xmlns="" xmlns:a14="http://schemas.microsoft.com/office/drawing/2010/main" w="9525">
+                <a14:hiddenLine xmlns:a14="http://schemas.microsoft.com/office/drawing/2010/main" xmlns="" w="9525">
                   <a:solidFill>
                     <a:srgbClr val="000000"/>
                   </a:solidFill>
@@ -3279,7 +3283,7 @@
             </a:ln>
             <a:extLst>
               <a:ext uri="{91240B29-F687-4f45-9708-019B960494DF}">
-                <a14:hiddenLine xmlns="" xmlns:a14="http://schemas.microsoft.com/office/drawing/2010/main" w="9525">
+                <a14:hiddenLine xmlns:a14="http://schemas.microsoft.com/office/drawing/2010/main" xmlns="" w="9525">
                   <a:solidFill>
                     <a:srgbClr val="000000"/>
                   </a:solidFill>
@@ -3369,7 +3373,7 @@
             </a:ln>
             <a:extLst>
               <a:ext uri="{91240B29-F687-4f45-9708-019B960494DF}">
-                <a14:hiddenLine xmlns="" xmlns:a14="http://schemas.microsoft.com/office/drawing/2010/main" w="9525">
+                <a14:hiddenLine xmlns:a14="http://schemas.microsoft.com/office/drawing/2010/main" xmlns="" w="9525">
                   <a:solidFill>
                     <a:srgbClr val="000000"/>
                   </a:solidFill>
@@ -3431,7 +3435,7 @@
             </a:ln>
             <a:extLst>
               <a:ext uri="{91240B29-F687-4f45-9708-019B960494DF}">
-                <a14:hiddenLine xmlns="" xmlns:a14="http://schemas.microsoft.com/office/drawing/2010/main" w="9525">
+                <a14:hiddenLine xmlns:a14="http://schemas.microsoft.com/office/drawing/2010/main" xmlns="" w="9525">
                   <a:solidFill>
                     <a:srgbClr val="000000"/>
                   </a:solidFill>
@@ -3521,7 +3525,7 @@
             </a:ln>
             <a:extLst>
               <a:ext uri="{91240B29-F687-4f45-9708-019B960494DF}">
-                <a14:hiddenLine xmlns="" xmlns:a14="http://schemas.microsoft.com/office/drawing/2010/main" w="9525">
+                <a14:hiddenLine xmlns:a14="http://schemas.microsoft.com/office/drawing/2010/main" xmlns="" w="9525">
                   <a:solidFill>
                     <a:srgbClr val="000000"/>
                   </a:solidFill>
@@ -3611,7 +3615,7 @@
             </a:ln>
             <a:extLst>
               <a:ext uri="{91240B29-F687-4f45-9708-019B960494DF}">
-                <a14:hiddenLine xmlns="" xmlns:a14="http://schemas.microsoft.com/office/drawing/2010/main" w="9525">
+                <a14:hiddenLine xmlns:a14="http://schemas.microsoft.com/office/drawing/2010/main" xmlns="" w="9525">
                   <a:solidFill>
                     <a:srgbClr val="000000"/>
                   </a:solidFill>
@@ -3676,7 +3680,7 @@
             </a:ln>
             <a:extLst>
               <a:ext uri="{91240B29-F687-4f45-9708-019B960494DF}">
-                <a14:hiddenLine xmlns="" xmlns:a14="http://schemas.microsoft.com/office/drawing/2010/main" w="9525">
+                <a14:hiddenLine xmlns:a14="http://schemas.microsoft.com/office/drawing/2010/main" xmlns="" w="9525">
                   <a:solidFill>
                     <a:srgbClr val="000000"/>
                   </a:solidFill>
@@ -3738,7 +3742,7 @@
             </a:ln>
             <a:extLst>
               <a:ext uri="{91240B29-F687-4f45-9708-019B960494DF}">
-                <a14:hiddenLine xmlns="" xmlns:a14="http://schemas.microsoft.com/office/drawing/2010/main" w="9525">
+                <a14:hiddenLine xmlns:a14="http://schemas.microsoft.com/office/drawing/2010/main" xmlns="" w="9525">
                   <a:solidFill>
                     <a:srgbClr val="000000"/>
                   </a:solidFill>
@@ -3828,7 +3832,7 @@
             </a:ln>
             <a:extLst>
               <a:ext uri="{91240B29-F687-4f45-9708-019B960494DF}">
-                <a14:hiddenLine xmlns="" xmlns:a14="http://schemas.microsoft.com/office/drawing/2010/main" w="9525">
+                <a14:hiddenLine xmlns:a14="http://schemas.microsoft.com/office/drawing/2010/main" xmlns="" w="9525">
                   <a:solidFill>
                     <a:srgbClr val="000000"/>
                   </a:solidFill>
@@ -3918,7 +3922,7 @@
             </a:ln>
             <a:extLst>
               <a:ext uri="{91240B29-F687-4f45-9708-019B960494DF}">
-                <a14:hiddenLine xmlns="" xmlns:a14="http://schemas.microsoft.com/office/drawing/2010/main" w="9525">
+                <a14:hiddenLine xmlns:a14="http://schemas.microsoft.com/office/drawing/2010/main" xmlns="" w="9525">
                   <a:solidFill>
                     <a:srgbClr val="000000"/>
                   </a:solidFill>
@@ -3980,7 +3984,7 @@
             </a:ln>
             <a:extLst>
               <a:ext uri="{91240B29-F687-4f45-9708-019B960494DF}">
-                <a14:hiddenLine xmlns="" xmlns:a14="http://schemas.microsoft.com/office/drawing/2010/main" w="9525">
+                <a14:hiddenLine xmlns:a14="http://schemas.microsoft.com/office/drawing/2010/main" xmlns="" w="9525">
                   <a:solidFill>
                     <a:srgbClr val="000000"/>
                   </a:solidFill>
@@ -4100,7 +4104,7 @@
             </a:ln>
             <a:extLst>
               <a:ext uri="{91240B29-F687-4f45-9708-019B960494DF}">
-                <a14:hiddenLine xmlns="" xmlns:a14="http://schemas.microsoft.com/office/drawing/2010/main" w="9525">
+                <a14:hiddenLine xmlns:a14="http://schemas.microsoft.com/office/drawing/2010/main" xmlns="" w="9525">
                   <a:solidFill>
                     <a:srgbClr val="000000"/>
                   </a:solidFill>
@@ -4168,7 +4172,7 @@
             </a:ln>
             <a:extLst>
               <a:ext uri="{91240B29-F687-4f45-9708-019B960494DF}">
-                <a14:hiddenLine xmlns="" xmlns:a14="http://schemas.microsoft.com/office/drawing/2010/main" w="9525">
+                <a14:hiddenLine xmlns:a14="http://schemas.microsoft.com/office/drawing/2010/main" xmlns="" w="9525">
                   <a:solidFill>
                     <a:srgbClr val="000000"/>
                   </a:solidFill>
@@ -4258,7 +4262,7 @@
             </a:ln>
             <a:extLst>
               <a:ext uri="{91240B29-F687-4f45-9708-019B960494DF}">
-                <a14:hiddenLine xmlns="" xmlns:a14="http://schemas.microsoft.com/office/drawing/2010/main" w="9525">
+                <a14:hiddenLine xmlns:a14="http://schemas.microsoft.com/office/drawing/2010/main" xmlns="" w="9525">
                   <a:solidFill>
                     <a:srgbClr val="000000"/>
                   </a:solidFill>
@@ -4398,7 +4402,7 @@
           <a:p>
             <a:fld id="{87FDB585-DADA-4BA1-A1E3-BDF1D32E1A94}" type="datetimeFigureOut">
               <a:rPr lang="en-GB" smtClean="0"/>
-              <a:t>18/05/2015</a:t>
+              <a:t>19/05/2015</a:t>
             </a:fld>
             <a:endParaRPr lang="en-GB"/>
           </a:p>
@@ -4665,7 +4669,7 @@
           <a:p>
             <a:fld id="{87FDB585-DADA-4BA1-A1E3-BDF1D32E1A94}" type="datetimeFigureOut">
               <a:rPr lang="en-GB" smtClean="0"/>
-              <a:t>18/05/2015</a:t>
+              <a:t>19/05/2015</a:t>
             </a:fld>
             <a:endParaRPr lang="en-GB"/>
           </a:p>
@@ -4861,7 +4865,7 @@
           <a:p>
             <a:fld id="{87FDB585-DADA-4BA1-A1E3-BDF1D32E1A94}" type="datetimeFigureOut">
               <a:rPr lang="en-GB" smtClean="0"/>
-              <a:t>18/05/2015</a:t>
+              <a:t>19/05/2015</a:t>
             </a:fld>
             <a:endParaRPr lang="en-GB"/>
           </a:p>
@@ -5124,7 +5128,7 @@
           <a:p>
             <a:fld id="{87FDB585-DADA-4BA1-A1E3-BDF1D32E1A94}" type="datetimeFigureOut">
               <a:rPr lang="en-GB" smtClean="0"/>
-              <a:t>18/05/2015</a:t>
+              <a:t>19/05/2015</a:t>
             </a:fld>
             <a:endParaRPr lang="en-GB"/>
           </a:p>
@@ -5558,7 +5562,7 @@
           <a:p>
             <a:fld id="{87FDB585-DADA-4BA1-A1E3-BDF1D32E1A94}" type="datetimeFigureOut">
               <a:rPr lang="en-GB" smtClean="0"/>
-              <a:t>18/05/2015</a:t>
+              <a:t>19/05/2015</a:t>
             </a:fld>
             <a:endParaRPr lang="en-GB"/>
           </a:p>
@@ -6104,7 +6108,7 @@
           <a:p>
             <a:fld id="{87FDB585-DADA-4BA1-A1E3-BDF1D32E1A94}" type="datetimeFigureOut">
               <a:rPr lang="en-GB" smtClean="0"/>
-              <a:t>18/05/2015</a:t>
+              <a:t>19/05/2015</a:t>
             </a:fld>
             <a:endParaRPr lang="en-GB"/>
           </a:p>
@@ -6824,7 +6828,7 @@
           <a:p>
             <a:fld id="{87FDB585-DADA-4BA1-A1E3-BDF1D32E1A94}" type="datetimeFigureOut">
               <a:rPr lang="en-GB" smtClean="0"/>
-              <a:t>18/05/2015</a:t>
+              <a:t>19/05/2015</a:t>
             </a:fld>
             <a:endParaRPr lang="en-GB"/>
           </a:p>
@@ -6994,7 +6998,7 @@
           <a:p>
             <a:fld id="{87FDB585-DADA-4BA1-A1E3-BDF1D32E1A94}" type="datetimeFigureOut">
               <a:rPr lang="en-GB" smtClean="0"/>
-              <a:t>18/05/2015</a:t>
+              <a:t>19/05/2015</a:t>
             </a:fld>
             <a:endParaRPr lang="en-GB"/>
           </a:p>
@@ -7174,7 +7178,7 @@
           <a:p>
             <a:fld id="{87FDB585-DADA-4BA1-A1E3-BDF1D32E1A94}" type="datetimeFigureOut">
               <a:rPr lang="en-GB" smtClean="0"/>
-              <a:t>18/05/2015</a:t>
+              <a:t>19/05/2015</a:t>
             </a:fld>
             <a:endParaRPr lang="en-GB"/>
           </a:p>
@@ -7344,7 +7348,7 @@
           <a:p>
             <a:fld id="{87FDB585-DADA-4BA1-A1E3-BDF1D32E1A94}" type="datetimeFigureOut">
               <a:rPr lang="en-GB" smtClean="0"/>
-              <a:t>18/05/2015</a:t>
+              <a:t>19/05/2015</a:t>
             </a:fld>
             <a:endParaRPr lang="en-GB"/>
           </a:p>
@@ -7594,7 +7598,7 @@
           <a:p>
             <a:fld id="{87FDB585-DADA-4BA1-A1E3-BDF1D32E1A94}" type="datetimeFigureOut">
               <a:rPr lang="en-GB" smtClean="0"/>
-              <a:t>18/05/2015</a:t>
+              <a:t>19/05/2015</a:t>
             </a:fld>
             <a:endParaRPr lang="en-GB"/>
           </a:p>
@@ -7826,7 +7830,7 @@
           <a:p>
             <a:fld id="{87FDB585-DADA-4BA1-A1E3-BDF1D32E1A94}" type="datetimeFigureOut">
               <a:rPr lang="en-GB" smtClean="0"/>
-              <a:t>18/05/2015</a:t>
+              <a:t>19/05/2015</a:t>
             </a:fld>
             <a:endParaRPr lang="en-GB"/>
           </a:p>
@@ -8207,7 +8211,7 @@
           <a:p>
             <a:fld id="{87FDB585-DADA-4BA1-A1E3-BDF1D32E1A94}" type="datetimeFigureOut">
               <a:rPr lang="en-GB" smtClean="0"/>
-              <a:t>18/05/2015</a:t>
+              <a:t>19/05/2015</a:t>
             </a:fld>
             <a:endParaRPr lang="en-GB"/>
           </a:p>
@@ -8325,7 +8329,7 @@
           <a:p>
             <a:fld id="{87FDB585-DADA-4BA1-A1E3-BDF1D32E1A94}" type="datetimeFigureOut">
               <a:rPr lang="en-GB" smtClean="0"/>
-              <a:t>18/05/2015</a:t>
+              <a:t>19/05/2015</a:t>
             </a:fld>
             <a:endParaRPr lang="en-GB"/>
           </a:p>
@@ -8420,7 +8424,7 @@
           <a:p>
             <a:fld id="{87FDB585-DADA-4BA1-A1E3-BDF1D32E1A94}" type="datetimeFigureOut">
               <a:rPr lang="en-GB" smtClean="0"/>
-              <a:t>18/05/2015</a:t>
+              <a:t>19/05/2015</a:t>
             </a:fld>
             <a:endParaRPr lang="en-GB"/>
           </a:p>
@@ -8669,7 +8673,7 @@
           <a:p>
             <a:fld id="{87FDB585-DADA-4BA1-A1E3-BDF1D32E1A94}" type="datetimeFigureOut">
               <a:rPr lang="en-GB" smtClean="0"/>
-              <a:t>18/05/2015</a:t>
+              <a:t>19/05/2015</a:t>
             </a:fld>
             <a:endParaRPr lang="en-GB"/>
           </a:p>
@@ -8949,7 +8953,7 @@
           <a:p>
             <a:fld id="{87FDB585-DADA-4BA1-A1E3-BDF1D32E1A94}" type="datetimeFigureOut">
               <a:rPr lang="en-GB" smtClean="0"/>
-              <a:t>18/05/2015</a:t>
+              <a:t>19/05/2015</a:t>
             </a:fld>
             <a:endParaRPr lang="en-GB"/>
           </a:p>
@@ -9072,7 +9076,7 @@
           <a:noFill/>
           <a:extLst>
             <a:ext uri="{909E8E84-426E-40dd-AFC4-6F175D3DCCD1}">
-              <a14:hiddenFill xmlns="" xmlns:a14="http://schemas.microsoft.com/office/drawing/2010/main">
+              <a14:hiddenFill xmlns:a14="http://schemas.microsoft.com/office/drawing/2010/main" xmlns="">
                 <a:solidFill>
                   <a:srgbClr val="FFFFFF"/>
                 </a:solidFill>
@@ -9146,7 +9150,7 @@
               </a:ln>
               <a:extLst>
                 <a:ext uri="{91240B29-F687-4f45-9708-019B960494DF}">
-                  <a14:hiddenLine xmlns="" xmlns:a14="http://schemas.microsoft.com/office/drawing/2010/main" w="9525">
+                  <a14:hiddenLine xmlns:a14="http://schemas.microsoft.com/office/drawing/2010/main" xmlns="" w="9525">
                     <a:solidFill>
                       <a:srgbClr val="000000"/>
                     </a:solidFill>
@@ -9236,7 +9240,7 @@
               </a:ln>
               <a:extLst>
                 <a:ext uri="{91240B29-F687-4f45-9708-019B960494DF}">
-                  <a14:hiddenLine xmlns="" xmlns:a14="http://schemas.microsoft.com/office/drawing/2010/main" w="9525">
+                  <a14:hiddenLine xmlns:a14="http://schemas.microsoft.com/office/drawing/2010/main" xmlns="" w="9525">
                     <a:solidFill>
                       <a:srgbClr val="000000"/>
                     </a:solidFill>
@@ -9326,7 +9330,7 @@
               </a:ln>
               <a:extLst>
                 <a:ext uri="{91240B29-F687-4f45-9708-019B960494DF}">
-                  <a14:hiddenLine xmlns="" xmlns:a14="http://schemas.microsoft.com/office/drawing/2010/main" w="9525">
+                  <a14:hiddenLine xmlns:a14="http://schemas.microsoft.com/office/drawing/2010/main" xmlns="" w="9525">
                     <a:solidFill>
                       <a:srgbClr val="000000"/>
                     </a:solidFill>
@@ -9388,7 +9392,7 @@
               </a:ln>
               <a:extLst>
                 <a:ext uri="{91240B29-F687-4f45-9708-019B960494DF}">
-                  <a14:hiddenLine xmlns="" xmlns:a14="http://schemas.microsoft.com/office/drawing/2010/main" w="9525">
+                  <a14:hiddenLine xmlns:a14="http://schemas.microsoft.com/office/drawing/2010/main" xmlns="" w="9525">
                     <a:solidFill>
                       <a:srgbClr val="000000"/>
                     </a:solidFill>
@@ -9478,7 +9482,7 @@
               </a:ln>
               <a:extLst>
                 <a:ext uri="{91240B29-F687-4f45-9708-019B960494DF}">
-                  <a14:hiddenLine xmlns="" xmlns:a14="http://schemas.microsoft.com/office/drawing/2010/main" w="9525">
+                  <a14:hiddenLine xmlns:a14="http://schemas.microsoft.com/office/drawing/2010/main" xmlns="" w="9525">
                     <a:solidFill>
                       <a:srgbClr val="000000"/>
                     </a:solidFill>
@@ -9540,7 +9544,7 @@
               </a:ln>
               <a:extLst>
                 <a:ext uri="{91240B29-F687-4f45-9708-019B960494DF}">
-                  <a14:hiddenLine xmlns="" xmlns:a14="http://schemas.microsoft.com/office/drawing/2010/main" w="9525">
+                  <a14:hiddenLine xmlns:a14="http://schemas.microsoft.com/office/drawing/2010/main" xmlns="" w="9525">
                     <a:solidFill>
                       <a:srgbClr val="000000"/>
                     </a:solidFill>
@@ -9602,7 +9606,7 @@
               </a:ln>
               <a:extLst>
                 <a:ext uri="{91240B29-F687-4f45-9708-019B960494DF}">
-                  <a14:hiddenLine xmlns="" xmlns:a14="http://schemas.microsoft.com/office/drawing/2010/main" w="9525">
+                  <a14:hiddenLine xmlns:a14="http://schemas.microsoft.com/office/drawing/2010/main" xmlns="" w="9525">
                     <a:solidFill>
                       <a:srgbClr val="000000"/>
                     </a:solidFill>
@@ -9692,7 +9696,7 @@
               </a:ln>
               <a:extLst>
                 <a:ext uri="{91240B29-F687-4f45-9708-019B960494DF}">
-                  <a14:hiddenLine xmlns="" xmlns:a14="http://schemas.microsoft.com/office/drawing/2010/main" w="9525">
+                  <a14:hiddenLine xmlns:a14="http://schemas.microsoft.com/office/drawing/2010/main" xmlns="" w="9525">
                     <a:solidFill>
                       <a:srgbClr val="000000"/>
                     </a:solidFill>
@@ -9782,7 +9786,7 @@
               </a:ln>
               <a:extLst>
                 <a:ext uri="{91240B29-F687-4f45-9708-019B960494DF}">
-                  <a14:hiddenLine xmlns="" xmlns:a14="http://schemas.microsoft.com/office/drawing/2010/main" w="9525">
+                  <a14:hiddenLine xmlns:a14="http://schemas.microsoft.com/office/drawing/2010/main" xmlns="" w="9525">
                     <a:solidFill>
                       <a:srgbClr val="000000"/>
                     </a:solidFill>
@@ -9844,7 +9848,7 @@
               </a:ln>
               <a:extLst>
                 <a:ext uri="{91240B29-F687-4f45-9708-019B960494DF}">
-                  <a14:hiddenLine xmlns="" xmlns:a14="http://schemas.microsoft.com/office/drawing/2010/main" w="9525">
+                  <a14:hiddenLine xmlns:a14="http://schemas.microsoft.com/office/drawing/2010/main" xmlns="" w="9525">
                     <a:solidFill>
                       <a:srgbClr val="000000"/>
                     </a:solidFill>
@@ -9954,7 +9958,7 @@
               </a:ln>
               <a:extLst>
                 <a:ext uri="{91240B29-F687-4f45-9708-019B960494DF}">
-                  <a14:hiddenLine xmlns="" xmlns:a14="http://schemas.microsoft.com/office/drawing/2010/main" w="9525">
+                  <a14:hiddenLine xmlns:a14="http://schemas.microsoft.com/office/drawing/2010/main" xmlns="" w="9525">
                     <a:solidFill>
                       <a:srgbClr val="000000"/>
                     </a:solidFill>
@@ -10038,7 +10042,7 @@
               </a:ln>
               <a:extLst>
                 <a:ext uri="{91240B29-F687-4f45-9708-019B960494DF}">
-                  <a14:hiddenLine xmlns="" xmlns:a14="http://schemas.microsoft.com/office/drawing/2010/main" w="9525">
+                  <a14:hiddenLine xmlns:a14="http://schemas.microsoft.com/office/drawing/2010/main" xmlns="" w="9525">
                     <a:solidFill>
                       <a:srgbClr val="000000"/>
                     </a:solidFill>
@@ -10100,7 +10104,7 @@
               </a:ln>
               <a:extLst>
                 <a:ext uri="{91240B29-F687-4f45-9708-019B960494DF}">
-                  <a14:hiddenLine xmlns="" xmlns:a14="http://schemas.microsoft.com/office/drawing/2010/main" w="9525">
+                  <a14:hiddenLine xmlns:a14="http://schemas.microsoft.com/office/drawing/2010/main" xmlns="" w="9525">
                     <a:solidFill>
                       <a:srgbClr val="000000"/>
                     </a:solidFill>
@@ -10162,7 +10166,7 @@
               </a:ln>
               <a:extLst>
                 <a:ext uri="{91240B29-F687-4f45-9708-019B960494DF}">
-                  <a14:hiddenLine xmlns="" xmlns:a14="http://schemas.microsoft.com/office/drawing/2010/main" w="9525">
+                  <a14:hiddenLine xmlns:a14="http://schemas.microsoft.com/office/drawing/2010/main" xmlns="" w="9525">
                     <a:solidFill>
                       <a:srgbClr val="000000"/>
                     </a:solidFill>
@@ -10252,7 +10256,7 @@
               </a:ln>
               <a:extLst>
                 <a:ext uri="{91240B29-F687-4f45-9708-019B960494DF}">
-                  <a14:hiddenLine xmlns="" xmlns:a14="http://schemas.microsoft.com/office/drawing/2010/main" w="9525">
+                  <a14:hiddenLine xmlns:a14="http://schemas.microsoft.com/office/drawing/2010/main" xmlns="" w="9525">
                     <a:solidFill>
                       <a:srgbClr val="000000"/>
                     </a:solidFill>
@@ -10286,7 +10290,7 @@
               </a:ln>
               <a:extLst>
                 <a:ext uri="{91240B29-F687-4f45-9708-019B960494DF}">
-                  <a14:hiddenLine xmlns="" xmlns:a14="http://schemas.microsoft.com/office/drawing/2010/main" w="9525">
+                  <a14:hiddenLine xmlns:a14="http://schemas.microsoft.com/office/drawing/2010/main" xmlns="" w="9525">
                     <a:solidFill>
                       <a:srgbClr val="000000"/>
                     </a:solidFill>
@@ -10351,7 +10355,7 @@
               </a:ln>
               <a:extLst>
                 <a:ext uri="{91240B29-F687-4f45-9708-019B960494DF}">
-                  <a14:hiddenLine xmlns="" xmlns:a14="http://schemas.microsoft.com/office/drawing/2010/main" w="9525">
+                  <a14:hiddenLine xmlns:a14="http://schemas.microsoft.com/office/drawing/2010/main" xmlns="" w="9525">
                     <a:solidFill>
                       <a:srgbClr val="000000"/>
                     </a:solidFill>
@@ -10441,7 +10445,7 @@
               </a:ln>
               <a:extLst>
                 <a:ext uri="{91240B29-F687-4f45-9708-019B960494DF}">
-                  <a14:hiddenLine xmlns="" xmlns:a14="http://schemas.microsoft.com/office/drawing/2010/main" w="9525">
+                  <a14:hiddenLine xmlns:a14="http://schemas.microsoft.com/office/drawing/2010/main" xmlns="" w="9525">
                     <a:solidFill>
                       <a:srgbClr val="000000"/>
                     </a:solidFill>
@@ -10503,7 +10507,7 @@
               </a:ln>
               <a:extLst>
                 <a:ext uri="{91240B29-F687-4f45-9708-019B960494DF}">
-                  <a14:hiddenLine xmlns="" xmlns:a14="http://schemas.microsoft.com/office/drawing/2010/main" w="9525">
+                  <a14:hiddenLine xmlns:a14="http://schemas.microsoft.com/office/drawing/2010/main" xmlns="" w="9525">
                     <a:solidFill>
                       <a:srgbClr val="000000"/>
                     </a:solidFill>
@@ -10593,7 +10597,7 @@
               </a:ln>
               <a:extLst>
                 <a:ext uri="{91240B29-F687-4f45-9708-019B960494DF}">
-                  <a14:hiddenLine xmlns="" xmlns:a14="http://schemas.microsoft.com/office/drawing/2010/main" w="9525">
+                  <a14:hiddenLine xmlns:a14="http://schemas.microsoft.com/office/drawing/2010/main" xmlns="" w="9525">
                     <a:solidFill>
                       <a:srgbClr val="000000"/>
                     </a:solidFill>
@@ -10658,7 +10662,7 @@
               </a:ln>
               <a:extLst>
                 <a:ext uri="{91240B29-F687-4f45-9708-019B960494DF}">
-                  <a14:hiddenLine xmlns="" xmlns:a14="http://schemas.microsoft.com/office/drawing/2010/main" w="9525">
+                  <a14:hiddenLine xmlns:a14="http://schemas.microsoft.com/office/drawing/2010/main" xmlns="" w="9525">
                     <a:solidFill>
                       <a:srgbClr val="000000"/>
                     </a:solidFill>
@@ -10720,7 +10724,7 @@
               </a:ln>
               <a:extLst>
                 <a:ext uri="{91240B29-F687-4f45-9708-019B960494DF}">
-                  <a14:hiddenLine xmlns="" xmlns:a14="http://schemas.microsoft.com/office/drawing/2010/main" w="9525">
+                  <a14:hiddenLine xmlns:a14="http://schemas.microsoft.com/office/drawing/2010/main" xmlns="" w="9525">
                     <a:solidFill>
                       <a:srgbClr val="000000"/>
                     </a:solidFill>
@@ -10810,7 +10814,7 @@
               </a:ln>
               <a:extLst>
                 <a:ext uri="{91240B29-F687-4f45-9708-019B960494DF}">
-                  <a14:hiddenLine xmlns="" xmlns:a14="http://schemas.microsoft.com/office/drawing/2010/main" w="9525">
+                  <a14:hiddenLine xmlns:a14="http://schemas.microsoft.com/office/drawing/2010/main" xmlns="" w="9525">
                     <a:solidFill>
                       <a:srgbClr val="000000"/>
                     </a:solidFill>
@@ -10900,7 +10904,7 @@
               </a:ln>
               <a:extLst>
                 <a:ext uri="{91240B29-F687-4f45-9708-019B960494DF}">
-                  <a14:hiddenLine xmlns="" xmlns:a14="http://schemas.microsoft.com/office/drawing/2010/main" w="9525">
+                  <a14:hiddenLine xmlns:a14="http://schemas.microsoft.com/office/drawing/2010/main" xmlns="" w="9525">
                     <a:solidFill>
                       <a:srgbClr val="000000"/>
                     </a:solidFill>
@@ -10965,7 +10969,7 @@
               </a:ln>
               <a:extLst>
                 <a:ext uri="{91240B29-F687-4f45-9708-019B960494DF}">
-                  <a14:hiddenLine xmlns="" xmlns:a14="http://schemas.microsoft.com/office/drawing/2010/main" w="9525">
+                  <a14:hiddenLine xmlns:a14="http://schemas.microsoft.com/office/drawing/2010/main" xmlns="" w="9525">
                     <a:solidFill>
                       <a:srgbClr val="000000"/>
                     </a:solidFill>
@@ -11085,7 +11089,7 @@
               </a:ln>
               <a:extLst>
                 <a:ext uri="{91240B29-F687-4f45-9708-019B960494DF}">
-                  <a14:hiddenLine xmlns="" xmlns:a14="http://schemas.microsoft.com/office/drawing/2010/main" w="9525">
+                  <a14:hiddenLine xmlns:a14="http://schemas.microsoft.com/office/drawing/2010/main" xmlns="" w="9525">
                     <a:solidFill>
                       <a:srgbClr val="000000"/>
                     </a:solidFill>
@@ -11166,7 +11170,7 @@
               </a:ln>
               <a:extLst>
                 <a:ext uri="{91240B29-F687-4f45-9708-019B960494DF}">
-                  <a14:hiddenLine xmlns="" xmlns:a14="http://schemas.microsoft.com/office/drawing/2010/main" w="9525">
+                  <a14:hiddenLine xmlns:a14="http://schemas.microsoft.com/office/drawing/2010/main" xmlns="" w="9525">
                     <a:solidFill>
                       <a:srgbClr val="000000"/>
                     </a:solidFill>
@@ -11281,7 +11285,7 @@
               </a:ln>
               <a:extLst>
                 <a:ext uri="{91240B29-F687-4f45-9708-019B960494DF}">
-                  <a14:hiddenLine xmlns="" xmlns:a14="http://schemas.microsoft.com/office/drawing/2010/main" w="9525">
+                  <a14:hiddenLine xmlns:a14="http://schemas.microsoft.com/office/drawing/2010/main" xmlns="" w="9525">
                     <a:solidFill>
                       <a:srgbClr val="000000"/>
                     </a:solidFill>
@@ -11371,7 +11375,7 @@
               </a:ln>
               <a:extLst>
                 <a:ext uri="{91240B29-F687-4f45-9708-019B960494DF}">
-                  <a14:hiddenLine xmlns="" xmlns:a14="http://schemas.microsoft.com/office/drawing/2010/main" w="9525">
+                  <a14:hiddenLine xmlns:a14="http://schemas.microsoft.com/office/drawing/2010/main" xmlns="" w="9525">
                     <a:solidFill>
                       <a:srgbClr val="000000"/>
                     </a:solidFill>
@@ -11436,7 +11440,7 @@
               </a:ln>
               <a:extLst>
                 <a:ext uri="{91240B29-F687-4f45-9708-019B960494DF}">
-                  <a14:hiddenLine xmlns="" xmlns:a14="http://schemas.microsoft.com/office/drawing/2010/main" w="9525">
+                  <a14:hiddenLine xmlns:a14="http://schemas.microsoft.com/office/drawing/2010/main" xmlns="" w="9525">
                     <a:solidFill>
                       <a:srgbClr val="000000"/>
                     </a:solidFill>
@@ -11526,7 +11530,7 @@
               </a:ln>
               <a:extLst>
                 <a:ext uri="{91240B29-F687-4f45-9708-019B960494DF}">
-                  <a14:hiddenLine xmlns="" xmlns:a14="http://schemas.microsoft.com/office/drawing/2010/main" w="9525">
+                  <a14:hiddenLine xmlns:a14="http://schemas.microsoft.com/office/drawing/2010/main" xmlns="" w="9525">
                     <a:solidFill>
                       <a:srgbClr val="000000"/>
                     </a:solidFill>
@@ -11594,7 +11598,7 @@
               </a:ln>
               <a:extLst>
                 <a:ext uri="{91240B29-F687-4f45-9708-019B960494DF}">
-                  <a14:hiddenLine xmlns="" xmlns:a14="http://schemas.microsoft.com/office/drawing/2010/main" w="9525">
+                  <a14:hiddenLine xmlns:a14="http://schemas.microsoft.com/office/drawing/2010/main" xmlns="" w="9525">
                     <a:solidFill>
                       <a:srgbClr val="000000"/>
                     </a:solidFill>
@@ -11684,7 +11688,7 @@
               </a:ln>
               <a:extLst>
                 <a:ext uri="{91240B29-F687-4f45-9708-019B960494DF}">
-                  <a14:hiddenLine xmlns="" xmlns:a14="http://schemas.microsoft.com/office/drawing/2010/main" w="9525">
+                  <a14:hiddenLine xmlns:a14="http://schemas.microsoft.com/office/drawing/2010/main" xmlns="" w="9525">
                     <a:solidFill>
                       <a:srgbClr val="000000"/>
                     </a:solidFill>
@@ -11752,7 +11756,7 @@
               </a:ln>
               <a:extLst>
                 <a:ext uri="{91240B29-F687-4f45-9708-019B960494DF}">
-                  <a14:hiddenLine xmlns="" xmlns:a14="http://schemas.microsoft.com/office/drawing/2010/main" w="9525">
+                  <a14:hiddenLine xmlns:a14="http://schemas.microsoft.com/office/drawing/2010/main" xmlns="" w="9525">
                     <a:solidFill>
                       <a:srgbClr val="000000"/>
                     </a:solidFill>
@@ -11842,7 +11846,7 @@
               </a:ln>
               <a:extLst>
                 <a:ext uri="{91240B29-F687-4f45-9708-019B960494DF}">
-                  <a14:hiddenLine xmlns="" xmlns:a14="http://schemas.microsoft.com/office/drawing/2010/main" w="9525">
+                  <a14:hiddenLine xmlns:a14="http://schemas.microsoft.com/office/drawing/2010/main" xmlns="" w="9525">
                     <a:solidFill>
                       <a:srgbClr val="000000"/>
                     </a:solidFill>
@@ -11876,7 +11880,7 @@
               </a:ln>
               <a:extLst>
                 <a:ext uri="{91240B29-F687-4f45-9708-019B960494DF}">
-                  <a14:hiddenLine xmlns="" xmlns:a14="http://schemas.microsoft.com/office/drawing/2010/main" w="9525">
+                  <a14:hiddenLine xmlns:a14="http://schemas.microsoft.com/office/drawing/2010/main" xmlns="" w="9525">
                     <a:solidFill>
                       <a:srgbClr val="000000"/>
                     </a:solidFill>
@@ -12016,7 +12020,7 @@
           <a:p>
             <a:fld id="{87FDB585-DADA-4BA1-A1E3-BDF1D32E1A94}" type="datetimeFigureOut">
               <a:rPr lang="en-GB" smtClean="0"/>
-              <a:t>18/05/2015</a:t>
+              <a:t>19/05/2015</a:t>
             </a:fld>
             <a:endParaRPr lang="en-GB"/>
           </a:p>
@@ -12609,17 +12613,7 @@
                   </a:schemeClr>
                 </a:solidFill>
               </a:rPr>
-              <a:t>武亭</a:t>
-            </a:r>
-            <a:r>
-              <a:rPr lang="zh-TW" altLang="en-US" sz="2100" b="1" dirty="0">
-                <a:solidFill>
-                  <a:schemeClr val="tx1">
-                    <a:lumMod val="85000"/>
-                  </a:schemeClr>
-                </a:solidFill>
-              </a:rPr>
-              <a:t>忠</a:t>
+              <a:t>武亭忠</a:t>
             </a:r>
             <a:r>
               <a:rPr lang="en-US" altLang="zh-TW" sz="2100" b="1" dirty="0">
@@ -13230,7 +13224,6 @@
               <a:rPr lang="en-GB" dirty="0"/>
               <a:t>algorithms are about three to eighteen times faster than the optimized CPU code-based GFKM algorithms.</a:t>
             </a:r>
-            <a:endParaRPr lang="en-GB" dirty="0"/>
           </a:p>
         </p:txBody>
       </p:sp>
@@ -13518,7 +13511,11 @@
             </a:pPr>
             <a:r>
               <a:rPr lang="en-GB" dirty="0" smtClean="0"/>
-              <a:t>Parallel Design For Updating Membership Step</a:t>
+              <a:t>Updating </a:t>
+            </a:r>
+            <a:r>
+              <a:rPr lang="en-GB" dirty="0" smtClean="0"/>
+              <a:t>Membership Step</a:t>
             </a:r>
           </a:p>
           <a:p>
@@ -13527,12 +13524,12 @@
               <a:buAutoNum type="arabicPeriod"/>
             </a:pPr>
             <a:r>
-              <a:rPr lang="en-GB" dirty="0"/>
-              <a:t>Parallel Design For </a:t>
-            </a:r>
-            <a:r>
               <a:rPr lang="en-GB" dirty="0" smtClean="0"/>
-              <a:t>Calculating New Centroids Step</a:t>
+              <a:t>Calculating </a:t>
+            </a:r>
+            <a:r>
+              <a:rPr lang="en-GB" dirty="0" smtClean="0"/>
+              <a:t>New Centroids Step</a:t>
             </a:r>
           </a:p>
           <a:p>
@@ -13541,12 +13538,12 @@
               <a:buAutoNum type="arabicPeriod"/>
             </a:pPr>
             <a:r>
-              <a:rPr lang="en-GB" dirty="0"/>
-              <a:t>Parallel Design For </a:t>
-            </a:r>
-            <a:r>
               <a:rPr lang="en-GB" dirty="0" smtClean="0"/>
-              <a:t>Checking Convergence Step</a:t>
+              <a:t>Checking </a:t>
+            </a:r>
+            <a:r>
+              <a:rPr lang="en-GB" dirty="0" smtClean="0"/>
+              <a:t>Convergence Step</a:t>
             </a:r>
           </a:p>
           <a:p>
@@ -13642,8 +13639,8 @@
         </p:nvSpPr>
         <p:spPr>
           <a:xfrm>
-            <a:off x="1752877" y="1475437"/>
-            <a:ext cx="3648416" cy="4482303"/>
+            <a:off x="1785653" y="1475438"/>
+            <a:ext cx="3648416" cy="4623704"/>
           </a:xfrm>
           <a:prstGeom prst="rect">
             <a:avLst/>
@@ -13681,7 +13678,7 @@
         <p:spPr>
           <a:xfrm>
             <a:off x="5791465" y="1475438"/>
-            <a:ext cx="4738277" cy="4482302"/>
+            <a:ext cx="4738277" cy="4623704"/>
           </a:xfrm>
           <a:prstGeom prst="rect">
             <a:avLst/>
@@ -13998,7 +13995,7 @@
         </p:nvSpPr>
         <p:spPr>
           <a:xfrm>
-            <a:off x="6093075" y="4500201"/>
+            <a:off x="6084425" y="4632419"/>
             <a:ext cx="3338362" cy="593124"/>
           </a:xfrm>
           <a:prstGeom prst="roundRect">
@@ -14076,10 +14073,10 @@
           <a:p>
             <a:pPr algn="ctr"/>
             <a:r>
-              <a:rPr lang="en-US" sz="1300" dirty="0" smtClean="0"/>
+              <a:rPr lang="en-US" sz="1300" b="1" dirty="0" smtClean="0"/>
               <a:t>Large data set</a:t>
             </a:r>
-            <a:endParaRPr lang="en-US" sz="1300" dirty="0"/>
+            <a:endParaRPr lang="en-US" sz="1300" b="1" dirty="0"/>
           </a:p>
         </p:txBody>
       </p:sp>
@@ -14093,13 +14090,13 @@
           <p:nvPr/>
         </p:nvCxnSpPr>
         <p:spPr>
-          <a:xfrm flipH="1" flipV="1">
-            <a:off x="9431436" y="2497327"/>
-            <a:ext cx="1" cy="2299436"/>
+          <a:xfrm flipV="1">
+            <a:off x="9422787" y="2497327"/>
+            <a:ext cx="8649" cy="2431654"/>
           </a:xfrm>
           <a:prstGeom prst="bentConnector3">
             <a:avLst>
-              <a:gd name="adj1" fmla="val -22860000000"/>
+              <a:gd name="adj1" fmla="val 2743080"/>
             </a:avLst>
           </a:prstGeom>
           <a:ln w="44450">
@@ -14231,46 +14228,13 @@
           <a:p>
             <a:pPr algn="ctr"/>
             <a:r>
-              <a:rPr lang="en-US" sz="1300" dirty="0" smtClean="0"/>
+              <a:rPr lang="en-US" sz="1300" b="1" dirty="0" smtClean="0"/>
               <a:t>Small data set</a:t>
             </a:r>
-            <a:endParaRPr lang="en-US" sz="1300" dirty="0"/>
+            <a:endParaRPr lang="en-US" sz="1300" b="1" dirty="0"/>
           </a:p>
         </p:txBody>
       </p:sp>
-      <p:cxnSp>
-        <p:nvCxnSpPr>
-          <p:cNvPr id="114" name="Straight Arrow Connector 113"/>
-          <p:cNvCxnSpPr/>
-          <p:nvPr/>
-        </p:nvCxnSpPr>
-        <p:spPr>
-          <a:xfrm flipH="1">
-            <a:off x="7762255" y="4137096"/>
-            <a:ext cx="1" cy="372251"/>
-          </a:xfrm>
-          <a:prstGeom prst="straightConnector1">
-            <a:avLst/>
-          </a:prstGeom>
-          <a:ln w="44450">
-            <a:tailEnd type="triangle"/>
-          </a:ln>
-        </p:spPr>
-        <p:style>
-          <a:lnRef idx="1">
-            <a:schemeClr val="accent1"/>
-          </a:lnRef>
-          <a:fillRef idx="0">
-            <a:schemeClr val="accent1"/>
-          </a:fillRef>
-          <a:effectRef idx="0">
-            <a:schemeClr val="accent1"/>
-          </a:effectRef>
-          <a:fontRef idx="minor">
-            <a:schemeClr val="tx1"/>
-          </a:fontRef>
-        </p:style>
-      </p:cxnSp>
       <p:cxnSp>
         <p:nvCxnSpPr>
           <p:cNvPr id="118" name="Straight Arrow Connector 117"/>
@@ -14318,8 +14282,8 @@
         </p:nvCxnSpPr>
         <p:spPr>
           <a:xfrm rot="16200000" flipH="1">
-            <a:off x="4202056" y="2905744"/>
-            <a:ext cx="1205802" cy="2576236"/>
+            <a:off x="4131622" y="2976178"/>
+            <a:ext cx="1338020" cy="2567586"/>
           </a:xfrm>
           <a:prstGeom prst="bentConnector2">
             <a:avLst/>
@@ -14385,7 +14349,7 @@
           <a:p>
             <a:pPr algn="ctr"/>
             <a:r>
-              <a:rPr lang="en-US" sz="1300" dirty="0" smtClean="0"/>
+              <a:rPr lang="en-US" sz="1300" b="1" dirty="0" smtClean="0"/>
               <a:t>No </a:t>
             </a:r>
           </a:p>
@@ -14396,13 +14360,14 @@
           <p:cNvPr id="159" name="Elbow Connector 158"/>
           <p:cNvCxnSpPr>
             <a:stCxn id="28" idx="2"/>
+            <a:endCxn id="162" idx="6"/>
           </p:cNvCxnSpPr>
           <p:nvPr/>
         </p:nvCxnSpPr>
         <p:spPr>
           <a:xfrm rot="5400000">
-            <a:off x="5428870" y="3181295"/>
-            <a:ext cx="421356" cy="4245417"/>
+            <a:off x="5504892" y="3237491"/>
+            <a:ext cx="260663" cy="4236767"/>
           </a:xfrm>
           <a:prstGeom prst="bentConnector2">
             <a:avLst/>
@@ -14434,15 +14399,15 @@
         </p:nvSpPr>
         <p:spPr>
           <a:xfrm>
-            <a:off x="7883452" y="5215449"/>
+            <a:off x="6439063" y="5633701"/>
             <a:ext cx="500744" cy="397182"/>
           </a:xfrm>
           <a:prstGeom prst="borderCallout1">
             <a:avLst>
-              <a:gd name="adj1" fmla="val 49095"/>
-              <a:gd name="adj2" fmla="val 982"/>
-              <a:gd name="adj3" fmla="val 49839"/>
-              <a:gd name="adj4" fmla="val -23331"/>
+              <a:gd name="adj1" fmla="val 1626"/>
+              <a:gd name="adj2" fmla="val 51811"/>
+              <a:gd name="adj3" fmla="val -35604"/>
+              <a:gd name="adj4" fmla="val 51972"/>
             </a:avLst>
           </a:prstGeom>
         </p:spPr>
@@ -14468,8 +14433,12 @@
           <a:p>
             <a:pPr algn="ctr"/>
             <a:r>
+              <a:rPr lang="en-US" sz="1300" b="1" dirty="0" smtClean="0"/>
+              <a:t>Yes</a:t>
+            </a:r>
+            <a:r>
               <a:rPr lang="en-US" sz="1300" dirty="0" smtClean="0"/>
-              <a:t>Yes </a:t>
+              <a:t> </a:t>
             </a:r>
           </a:p>
         </p:txBody>
@@ -14482,7 +14451,7 @@
         </p:nvSpPr>
         <p:spPr>
           <a:xfrm>
-            <a:off x="2073899" y="5140444"/>
+            <a:off x="2073899" y="5119778"/>
             <a:ext cx="1442940" cy="732856"/>
           </a:xfrm>
           <a:prstGeom prst="ellipse">
@@ -14511,10 +14480,105 @@
           <a:p>
             <a:pPr algn="ctr"/>
             <a:r>
-              <a:rPr lang="en-US" dirty="0" smtClean="0"/>
+              <a:rPr lang="en-US" b="1" dirty="0" smtClean="0"/>
               <a:t>Results</a:t>
             </a:r>
-            <a:endParaRPr lang="en-US" dirty="0"/>
+            <a:endParaRPr lang="en-US" b="1" dirty="0"/>
+          </a:p>
+        </p:txBody>
+      </p:sp>
+      <p:cxnSp>
+        <p:nvCxnSpPr>
+          <p:cNvPr id="5" name="Elbow Connector 4"/>
+          <p:cNvCxnSpPr>
+            <a:stCxn id="26" idx="2"/>
+          </p:cNvCxnSpPr>
+          <p:nvPr/>
+        </p:nvCxnSpPr>
+        <p:spPr>
+          <a:xfrm rot="5400000" flipH="1">
+            <a:off x="5464563" y="1830785"/>
+            <a:ext cx="537863" cy="4057522"/>
+          </a:xfrm>
+          <a:prstGeom prst="bentConnector4">
+            <a:avLst>
+              <a:gd name="adj1" fmla="val -58276"/>
+              <a:gd name="adj2" fmla="val 100075"/>
+            </a:avLst>
+          </a:prstGeom>
+          <a:ln w="44450">
+            <a:tailEnd type="triangle"/>
+          </a:ln>
+        </p:spPr>
+        <p:style>
+          <a:lnRef idx="1">
+            <a:schemeClr val="accent1"/>
+          </a:lnRef>
+          <a:fillRef idx="0">
+            <a:schemeClr val="accent1"/>
+          </a:fillRef>
+          <a:effectRef idx="0">
+            <a:schemeClr val="accent1"/>
+          </a:effectRef>
+          <a:fontRef idx="minor">
+            <a:schemeClr val="tx1"/>
+          </a:fontRef>
+        </p:style>
+      </p:cxnSp>
+      <p:sp>
+        <p:nvSpPr>
+          <p:cNvPr id="29" name="Line Callout 1 28"/>
+          <p:cNvSpPr/>
+          <p:nvPr/>
+        </p:nvSpPr>
+        <p:spPr>
+          <a:xfrm>
+            <a:off x="3868448" y="3991006"/>
+            <a:ext cx="2144880" cy="274941"/>
+          </a:xfrm>
+          <a:prstGeom prst="borderCallout1">
+            <a:avLst>
+              <a:gd name="adj1" fmla="val 99825"/>
+              <a:gd name="adj2" fmla="val 47685"/>
+              <a:gd name="adj3" fmla="val 155618"/>
+              <a:gd name="adj4" fmla="val 47764"/>
+            </a:avLst>
+          </a:prstGeom>
+        </p:spPr>
+        <p:style>
+          <a:lnRef idx="2">
+            <a:schemeClr val="accent1">
+              <a:shade val="50000"/>
+            </a:schemeClr>
+          </a:lnRef>
+          <a:fillRef idx="1">
+            <a:schemeClr val="accent1"/>
+          </a:fillRef>
+          <a:effectRef idx="0">
+            <a:schemeClr val="accent1"/>
+          </a:effectRef>
+          <a:fontRef idx="minor">
+            <a:schemeClr val="lt1"/>
+          </a:fontRef>
+        </p:style>
+        <p:txBody>
+          <a:bodyPr rtlCol="0" anchor="ctr"/>
+          <a:lstStyle/>
+          <a:p>
+            <a:pPr algn="ctr"/>
+            <a:r>
+              <a:rPr lang="en-GB" sz="1400" b="1" dirty="0"/>
+              <a:t>L</a:t>
+            </a:r>
+            <a:r>
+              <a:rPr lang="en-GB" sz="1400" b="1" dirty="0" smtClean="0"/>
+              <a:t>eft </a:t>
+            </a:r>
+            <a:r>
+              <a:rPr lang="en-GB" sz="1400" b="1" dirty="0"/>
+              <a:t>small data blocks </a:t>
+            </a:r>
+            <a:endParaRPr lang="en-US" sz="1300" b="1" dirty="0"/>
           </a:p>
         </p:txBody>
       </p:sp>
@@ -14522,6 +14586,2679 @@
     <p:extLst>
       <p:ext uri="{BB962C8B-B14F-4D97-AF65-F5344CB8AC3E}">
         <p14:creationId xmlns:p14="http://schemas.microsoft.com/office/powerpoint/2010/main" val="2882187303"/>
+      </p:ext>
+    </p:extLst>
+  </p:cSld>
+  <p:clrMapOvr>
+    <a:masterClrMapping/>
+  </p:clrMapOvr>
+  <p:timing>
+    <p:tnLst>
+      <p:par>
+        <p:cTn id="1" dur="indefinite" restart="never" nodeType="tmRoot"/>
+      </p:par>
+    </p:tnLst>
+  </p:timing>
+</p:sld>
+</file>
+
+<file path=ppt/slides/slide6.xml><?xml version="1.0" encoding="utf-8"?>
+<p:sld xmlns:a="http://schemas.openxmlformats.org/drawingml/2006/main" xmlns:r="http://schemas.openxmlformats.org/officeDocument/2006/relationships" xmlns:p="http://schemas.openxmlformats.org/presentationml/2006/main">
+  <p:cSld>
+    <p:spTree>
+      <p:nvGrpSpPr>
+        <p:cNvPr id="1" name=""/>
+        <p:cNvGrpSpPr/>
+        <p:nvPr/>
+      </p:nvGrpSpPr>
+      <p:grpSpPr>
+        <a:xfrm>
+          <a:off x="0" y="0"/>
+          <a:ext cx="0" cy="0"/>
+          <a:chOff x="0" y="0"/>
+          <a:chExt cx="0" cy="0"/>
+        </a:xfrm>
+      </p:grpSpPr>
+      <p:sp>
+        <p:nvSpPr>
+          <p:cNvPr id="2" name="Title 1"/>
+          <p:cNvSpPr>
+            <a:spLocks noGrp="1"/>
+          </p:cNvSpPr>
+          <p:nvPr>
+            <p:ph type="title"/>
+          </p:nvPr>
+        </p:nvSpPr>
+        <p:spPr>
+          <a:xfrm>
+            <a:off x="1197652" y="215483"/>
+            <a:ext cx="9905998" cy="1301398"/>
+          </a:xfrm>
+        </p:spPr>
+        <p:txBody>
+          <a:bodyPr/>
+          <a:lstStyle/>
+          <a:p>
+            <a:pPr algn="ctr"/>
+            <a:r>
+              <a:rPr lang="en-US" dirty="0" smtClean="0"/>
+              <a:t>Updating membership on </a:t>
+            </a:r>
+            <a:r>
+              <a:rPr lang="en-US" dirty="0" err="1" smtClean="0"/>
+              <a:t>cpu</a:t>
+            </a:r>
+            <a:endParaRPr lang="en-US" dirty="0"/>
+          </a:p>
+        </p:txBody>
+      </p:sp>
+      <p:sp>
+        <p:nvSpPr>
+          <p:cNvPr id="20" name="Rectangle 19"/>
+          <p:cNvSpPr/>
+          <p:nvPr/>
+        </p:nvSpPr>
+        <p:spPr>
+          <a:xfrm>
+            <a:off x="1404254" y="1516881"/>
+            <a:ext cx="9492794" cy="4623704"/>
+          </a:xfrm>
+          <a:prstGeom prst="rect">
+            <a:avLst/>
+          </a:prstGeom>
+        </p:spPr>
+        <p:style>
+          <a:lnRef idx="1">
+            <a:schemeClr val="accent2"/>
+          </a:lnRef>
+          <a:fillRef idx="2">
+            <a:schemeClr val="accent2"/>
+          </a:fillRef>
+          <a:effectRef idx="1">
+            <a:schemeClr val="accent2"/>
+          </a:effectRef>
+          <a:fontRef idx="minor">
+            <a:schemeClr val="dk1"/>
+          </a:fontRef>
+        </p:style>
+        <p:txBody>
+          <a:bodyPr rtlCol="0" anchor="ctr"/>
+          <a:lstStyle/>
+          <a:p>
+            <a:pPr algn="ctr"/>
+            <a:endParaRPr lang="en-US" dirty="0"/>
+          </a:p>
+        </p:txBody>
+      </p:sp>
+      <p:sp>
+        <p:nvSpPr>
+          <p:cNvPr id="22" name="Rounded Rectangle 21"/>
+          <p:cNvSpPr/>
+          <p:nvPr/>
+        </p:nvSpPr>
+        <p:spPr>
+          <a:xfrm>
+            <a:off x="1592560" y="1652029"/>
+            <a:ext cx="691977" cy="399255"/>
+          </a:xfrm>
+          <a:prstGeom prst="roundRect">
+            <a:avLst/>
+          </a:prstGeom>
+        </p:spPr>
+        <p:style>
+          <a:lnRef idx="1">
+            <a:schemeClr val="accent1"/>
+          </a:lnRef>
+          <a:fillRef idx="2">
+            <a:schemeClr val="accent1"/>
+          </a:fillRef>
+          <a:effectRef idx="1">
+            <a:schemeClr val="accent1"/>
+          </a:effectRef>
+          <a:fontRef idx="minor">
+            <a:schemeClr val="dk1"/>
+          </a:fontRef>
+        </p:style>
+        <p:txBody>
+          <a:bodyPr rtlCol="0" anchor="ctr"/>
+          <a:lstStyle/>
+          <a:p>
+            <a:pPr lvl="0" algn="ctr"/>
+            <a:r>
+              <a:rPr lang="en-US" b="1" dirty="0">
+                <a:ln w="0"/>
+                <a:solidFill>
+                  <a:schemeClr val="bg1"/>
+                </a:solidFill>
+              </a:rPr>
+              <a:t>C</a:t>
+            </a:r>
+            <a:r>
+              <a:rPr lang="en-US" b="1" dirty="0" smtClean="0">
+                <a:ln w="0"/>
+                <a:solidFill>
+                  <a:schemeClr val="bg1"/>
+                </a:solidFill>
+              </a:rPr>
+              <a:t>PU</a:t>
+            </a:r>
+            <a:endParaRPr lang="en-US" b="1" dirty="0">
+              <a:ln w="0"/>
+              <a:solidFill>
+                <a:schemeClr val="bg1"/>
+              </a:solidFill>
+            </a:endParaRPr>
+          </a:p>
+        </p:txBody>
+      </p:sp>
+      <p:sp>
+        <p:nvSpPr>
+          <p:cNvPr id="45" name="Line Callout 1 44"/>
+          <p:cNvSpPr/>
+          <p:nvPr/>
+        </p:nvSpPr>
+        <p:spPr>
+          <a:xfrm>
+            <a:off x="5103115" y="2501262"/>
+            <a:ext cx="5292380" cy="333104"/>
+          </a:xfrm>
+          <a:prstGeom prst="borderCallout1">
+            <a:avLst>
+              <a:gd name="adj1" fmla="val 54755"/>
+              <a:gd name="adj2" fmla="val 91"/>
+              <a:gd name="adj3" fmla="val 55499"/>
+              <a:gd name="adj4" fmla="val -10028"/>
+            </a:avLst>
+          </a:prstGeom>
+        </p:spPr>
+        <p:style>
+          <a:lnRef idx="2">
+            <a:schemeClr val="accent1">
+              <a:shade val="50000"/>
+            </a:schemeClr>
+          </a:lnRef>
+          <a:fillRef idx="1">
+            <a:schemeClr val="accent1"/>
+          </a:fillRef>
+          <a:effectRef idx="0">
+            <a:schemeClr val="accent1"/>
+          </a:effectRef>
+          <a:fontRef idx="minor">
+            <a:schemeClr val="lt1"/>
+          </a:fontRef>
+        </p:style>
+        <p:txBody>
+          <a:bodyPr rtlCol="0" anchor="ctr"/>
+          <a:lstStyle/>
+          <a:p>
+            <a:pPr algn="ctr"/>
+            <a:r>
+              <a:rPr lang="en-GB" sz="1400" b="1" dirty="0"/>
+              <a:t>DNNT is set of M nearest distances responding to </a:t>
+            </a:r>
+            <a:r>
+              <a:rPr lang="en-GB" sz="1400" b="1" dirty="0" err="1"/>
+              <a:t>NNT</a:t>
+            </a:r>
+            <a:r>
+              <a:rPr lang="en-GB" sz="1400" b="1" baseline="-25000" dirty="0" err="1"/>
+              <a:t>i</a:t>
+            </a:r>
+            <a:endParaRPr lang="en-US" sz="1300" b="1" baseline="-25000" dirty="0"/>
+          </a:p>
+        </p:txBody>
+      </p:sp>
+      <p:sp>
+        <p:nvSpPr>
+          <p:cNvPr id="58" name="Rounded Rectangle 57"/>
+          <p:cNvSpPr/>
+          <p:nvPr/>
+        </p:nvSpPr>
+        <p:spPr>
+          <a:xfrm>
+            <a:off x="2458147" y="1748676"/>
+            <a:ext cx="4205410" cy="542259"/>
+          </a:xfrm>
+          <a:prstGeom prst="roundRect">
+            <a:avLst/>
+          </a:prstGeom>
+        </p:spPr>
+        <p:style>
+          <a:lnRef idx="2">
+            <a:schemeClr val="accent2">
+              <a:shade val="50000"/>
+            </a:schemeClr>
+          </a:lnRef>
+          <a:fillRef idx="1">
+            <a:schemeClr val="accent2"/>
+          </a:fillRef>
+          <a:effectRef idx="0">
+            <a:schemeClr val="accent2"/>
+          </a:effectRef>
+          <a:fontRef idx="minor">
+            <a:schemeClr val="lt1"/>
+          </a:fontRef>
+        </p:style>
+        <p:txBody>
+          <a:bodyPr rtlCol="0" anchor="ctr"/>
+          <a:lstStyle/>
+          <a:p>
+            <a:pPr algn="ctr"/>
+            <a:r>
+              <a:rPr lang="en-US" b="1" dirty="0" smtClean="0"/>
+              <a:t>For each data point X</a:t>
+            </a:r>
+            <a:r>
+              <a:rPr lang="en-US" b="1" baseline="-25000" dirty="0" smtClean="0"/>
+              <a:t>i</a:t>
+            </a:r>
+            <a:endParaRPr lang="en-US" b="1" dirty="0"/>
+          </a:p>
+        </p:txBody>
+      </p:sp>
+      <p:sp>
+        <p:nvSpPr>
+          <p:cNvPr id="72" name="Rectangle 71"/>
+          <p:cNvSpPr/>
+          <p:nvPr/>
+        </p:nvSpPr>
+        <p:spPr>
+          <a:xfrm>
+            <a:off x="2458147" y="2995450"/>
+            <a:ext cx="4205410" cy="2915156"/>
+          </a:xfrm>
+          <a:prstGeom prst="rect">
+            <a:avLst/>
+          </a:prstGeom>
+        </p:spPr>
+        <p:style>
+          <a:lnRef idx="2">
+            <a:schemeClr val="accent1"/>
+          </a:lnRef>
+          <a:fillRef idx="1">
+            <a:schemeClr val="lt1"/>
+          </a:fillRef>
+          <a:effectRef idx="0">
+            <a:schemeClr val="accent1"/>
+          </a:effectRef>
+          <a:fontRef idx="minor">
+            <a:schemeClr val="dk1"/>
+          </a:fontRef>
+        </p:style>
+        <p:txBody>
+          <a:bodyPr rtlCol="0" anchor="ctr"/>
+          <a:lstStyle/>
+          <a:p>
+            <a:pPr algn="ctr"/>
+            <a:endParaRPr lang="en-US"/>
+          </a:p>
+        </p:txBody>
+      </p:sp>
+      <p:sp>
+        <p:nvSpPr>
+          <p:cNvPr id="26" name="Rounded Rectangle 25"/>
+          <p:cNvSpPr/>
+          <p:nvPr/>
+        </p:nvSpPr>
+        <p:spPr>
+          <a:xfrm>
+            <a:off x="2732172" y="3290853"/>
+            <a:ext cx="3657600" cy="493603"/>
+          </a:xfrm>
+          <a:prstGeom prst="roundRect">
+            <a:avLst/>
+          </a:prstGeom>
+        </p:spPr>
+        <p:style>
+          <a:lnRef idx="2">
+            <a:schemeClr val="accent2">
+              <a:shade val="50000"/>
+            </a:schemeClr>
+          </a:lnRef>
+          <a:fillRef idx="1">
+            <a:schemeClr val="accent2"/>
+          </a:fillRef>
+          <a:effectRef idx="0">
+            <a:schemeClr val="accent2"/>
+          </a:effectRef>
+          <a:fontRef idx="minor">
+            <a:schemeClr val="lt1"/>
+          </a:fontRef>
+        </p:style>
+        <p:txBody>
+          <a:bodyPr rtlCol="0" anchor="ctr"/>
+          <a:lstStyle/>
+          <a:p>
+            <a:pPr algn="ctr"/>
+            <a:r>
+              <a:rPr lang="en-US" b="1" dirty="0" smtClean="0"/>
+              <a:t>For each centroid </a:t>
+            </a:r>
+            <a:r>
+              <a:rPr lang="en-US" b="1" dirty="0" err="1" smtClean="0"/>
+              <a:t>C</a:t>
+            </a:r>
+            <a:r>
+              <a:rPr lang="en-US" b="1" baseline="-25000" dirty="0" err="1" smtClean="0"/>
+              <a:t>j</a:t>
+            </a:r>
+            <a:endParaRPr lang="en-US" b="1" dirty="0"/>
+          </a:p>
+        </p:txBody>
+      </p:sp>
+      <p:cxnSp>
+        <p:nvCxnSpPr>
+          <p:cNvPr id="49" name="Straight Arrow Connector 48"/>
+          <p:cNvCxnSpPr>
+            <a:stCxn id="58" idx="2"/>
+            <a:endCxn id="26" idx="0"/>
+          </p:cNvCxnSpPr>
+          <p:nvPr/>
+        </p:nvCxnSpPr>
+        <p:spPr>
+          <a:xfrm>
+            <a:off x="4560852" y="2290935"/>
+            <a:ext cx="120" cy="999918"/>
+          </a:xfrm>
+          <a:prstGeom prst="straightConnector1">
+            <a:avLst/>
+          </a:prstGeom>
+          <a:ln w="44450">
+            <a:tailEnd type="triangle"/>
+          </a:ln>
+        </p:spPr>
+        <p:style>
+          <a:lnRef idx="1">
+            <a:schemeClr val="accent1"/>
+          </a:lnRef>
+          <a:fillRef idx="0">
+            <a:schemeClr val="accent1"/>
+          </a:fillRef>
+          <a:effectRef idx="0">
+            <a:schemeClr val="accent1"/>
+          </a:effectRef>
+          <a:fontRef idx="minor">
+            <a:schemeClr val="tx1"/>
+          </a:fontRef>
+        </p:style>
+      </p:cxnSp>
+      <p:cxnSp>
+        <p:nvCxnSpPr>
+          <p:cNvPr id="92" name="Straight Arrow Connector 91"/>
+          <p:cNvCxnSpPr>
+            <a:stCxn id="72" idx="3"/>
+            <a:endCxn id="94" idx="1"/>
+          </p:cNvCxnSpPr>
+          <p:nvPr/>
+        </p:nvCxnSpPr>
+        <p:spPr>
+          <a:xfrm>
+            <a:off x="6663557" y="4453028"/>
+            <a:ext cx="694131" cy="1661"/>
+          </a:xfrm>
+          <a:prstGeom prst="straightConnector1">
+            <a:avLst/>
+          </a:prstGeom>
+          <a:ln w="44450">
+            <a:tailEnd type="triangle"/>
+          </a:ln>
+        </p:spPr>
+        <p:style>
+          <a:lnRef idx="1">
+            <a:schemeClr val="accent1"/>
+          </a:lnRef>
+          <a:fillRef idx="0">
+            <a:schemeClr val="accent1"/>
+          </a:fillRef>
+          <a:effectRef idx="0">
+            <a:schemeClr val="accent1"/>
+          </a:effectRef>
+          <a:fontRef idx="minor">
+            <a:schemeClr val="tx1"/>
+          </a:fontRef>
+        </p:style>
+      </p:cxnSp>
+      <p:sp>
+        <p:nvSpPr>
+          <p:cNvPr id="94" name="Rounded Rectangle 93"/>
+          <p:cNvSpPr/>
+          <p:nvPr/>
+        </p:nvSpPr>
+        <p:spPr>
+          <a:xfrm>
+            <a:off x="7357688" y="4093155"/>
+            <a:ext cx="3037807" cy="723068"/>
+          </a:xfrm>
+          <a:prstGeom prst="roundRect">
+            <a:avLst/>
+          </a:prstGeom>
+        </p:spPr>
+        <p:style>
+          <a:lnRef idx="2">
+            <a:schemeClr val="accent2">
+              <a:shade val="50000"/>
+            </a:schemeClr>
+          </a:lnRef>
+          <a:fillRef idx="1">
+            <a:schemeClr val="accent2"/>
+          </a:fillRef>
+          <a:effectRef idx="0">
+            <a:schemeClr val="accent2"/>
+          </a:effectRef>
+          <a:fontRef idx="minor">
+            <a:schemeClr val="lt1"/>
+          </a:fontRef>
+        </p:style>
+        <p:txBody>
+          <a:bodyPr rtlCol="0" anchor="ctr"/>
+          <a:lstStyle/>
+          <a:p>
+            <a:pPr algn="ctr"/>
+            <a:r>
+              <a:rPr lang="en-US" b="1" dirty="0" smtClean="0"/>
+              <a:t>Update membership for data </a:t>
+            </a:r>
+            <a:r>
+              <a:rPr lang="en-US" b="1" dirty="0"/>
+              <a:t>point </a:t>
+            </a:r>
+            <a:r>
+              <a:rPr lang="en-US" b="1" dirty="0" smtClean="0"/>
+              <a:t>X</a:t>
+            </a:r>
+            <a:r>
+              <a:rPr lang="en-US" b="1" baseline="-25000" dirty="0" smtClean="0"/>
+              <a:t>i</a:t>
+            </a:r>
+            <a:endParaRPr lang="en-US" b="1" dirty="0"/>
+          </a:p>
+        </p:txBody>
+      </p:sp>
+      <p:sp>
+        <p:nvSpPr>
+          <p:cNvPr id="107" name="Rectangle 106"/>
+          <p:cNvSpPr/>
+          <p:nvPr/>
+        </p:nvSpPr>
+        <p:spPr>
+          <a:xfrm>
+            <a:off x="2732172" y="4017577"/>
+            <a:ext cx="3657600" cy="1713920"/>
+          </a:xfrm>
+          <a:prstGeom prst="rect">
+            <a:avLst/>
+          </a:prstGeom>
+        </p:spPr>
+        <p:style>
+          <a:lnRef idx="2">
+            <a:schemeClr val="accent1"/>
+          </a:lnRef>
+          <a:fillRef idx="1">
+            <a:schemeClr val="lt1"/>
+          </a:fillRef>
+          <a:effectRef idx="0">
+            <a:schemeClr val="accent1"/>
+          </a:effectRef>
+          <a:fontRef idx="minor">
+            <a:schemeClr val="dk1"/>
+          </a:fontRef>
+        </p:style>
+        <p:txBody>
+          <a:bodyPr rtlCol="0" anchor="ctr"/>
+          <a:lstStyle/>
+          <a:p>
+            <a:pPr algn="ctr"/>
+            <a:endParaRPr lang="en-US"/>
+          </a:p>
+        </p:txBody>
+      </p:sp>
+      <p:sp>
+        <p:nvSpPr>
+          <p:cNvPr id="28" name="Rounded Rectangle 27"/>
+          <p:cNvSpPr/>
+          <p:nvPr/>
+        </p:nvSpPr>
+        <p:spPr>
+          <a:xfrm>
+            <a:off x="2885741" y="4230785"/>
+            <a:ext cx="3348623" cy="466061"/>
+          </a:xfrm>
+          <a:prstGeom prst="roundRect">
+            <a:avLst/>
+          </a:prstGeom>
+        </p:spPr>
+        <p:style>
+          <a:lnRef idx="2">
+            <a:schemeClr val="accent2">
+              <a:shade val="50000"/>
+            </a:schemeClr>
+          </a:lnRef>
+          <a:fillRef idx="1">
+            <a:schemeClr val="accent2"/>
+          </a:fillRef>
+          <a:effectRef idx="0">
+            <a:schemeClr val="accent2"/>
+          </a:effectRef>
+          <a:fontRef idx="minor">
+            <a:schemeClr val="lt1"/>
+          </a:fontRef>
+        </p:style>
+        <p:txBody>
+          <a:bodyPr rtlCol="0" anchor="ctr"/>
+          <a:lstStyle/>
+          <a:p>
+            <a:pPr algn="ctr"/>
+            <a:r>
+              <a:rPr lang="en-US" b="1" dirty="0" smtClean="0"/>
+              <a:t>Calculate </a:t>
+            </a:r>
+            <a:r>
+              <a:rPr lang="en-US" b="1" dirty="0"/>
+              <a:t>distance </a:t>
+            </a:r>
+            <a:r>
+              <a:rPr lang="en-US" b="1" dirty="0" smtClean="0"/>
+              <a:t>d(X</a:t>
+            </a:r>
+            <a:r>
+              <a:rPr lang="en-US" b="1" baseline="-25000" dirty="0" smtClean="0"/>
+              <a:t>i</a:t>
+            </a:r>
+            <a:r>
+              <a:rPr lang="en-US" b="1" dirty="0" smtClean="0"/>
+              <a:t>, </a:t>
+            </a:r>
+            <a:r>
+              <a:rPr lang="en-US" b="1" dirty="0" err="1" smtClean="0"/>
+              <a:t>C</a:t>
+            </a:r>
+            <a:r>
+              <a:rPr lang="en-US" b="1" baseline="-25000" dirty="0" err="1" smtClean="0"/>
+              <a:t>j</a:t>
+            </a:r>
+            <a:r>
+              <a:rPr lang="en-US" b="1" dirty="0" smtClean="0"/>
+              <a:t>)</a:t>
+            </a:r>
+            <a:endParaRPr lang="en-US" b="1" dirty="0"/>
+          </a:p>
+        </p:txBody>
+      </p:sp>
+      <p:sp>
+        <p:nvSpPr>
+          <p:cNvPr id="25" name="Rounded Rectangle 24"/>
+          <p:cNvSpPr/>
+          <p:nvPr/>
+        </p:nvSpPr>
+        <p:spPr>
+          <a:xfrm>
+            <a:off x="2885741" y="5052953"/>
+            <a:ext cx="3348623" cy="464523"/>
+          </a:xfrm>
+          <a:prstGeom prst="roundRect">
+            <a:avLst/>
+          </a:prstGeom>
+        </p:spPr>
+        <p:style>
+          <a:lnRef idx="2">
+            <a:schemeClr val="accent2">
+              <a:shade val="50000"/>
+            </a:schemeClr>
+          </a:lnRef>
+          <a:fillRef idx="1">
+            <a:schemeClr val="accent2"/>
+          </a:fillRef>
+          <a:effectRef idx="0">
+            <a:schemeClr val="accent2"/>
+          </a:effectRef>
+          <a:fontRef idx="minor">
+            <a:schemeClr val="lt1"/>
+          </a:fontRef>
+        </p:style>
+        <p:txBody>
+          <a:bodyPr rtlCol="0" anchor="ctr"/>
+          <a:lstStyle/>
+          <a:p>
+            <a:pPr algn="ctr"/>
+            <a:r>
+              <a:rPr lang="en-US" b="1" dirty="0" smtClean="0"/>
+              <a:t>Update </a:t>
+            </a:r>
+            <a:r>
+              <a:rPr lang="en-US" b="1" dirty="0" err="1" smtClean="0"/>
+              <a:t>NNT</a:t>
+            </a:r>
+            <a:r>
+              <a:rPr lang="en-US" b="1" baseline="-25000" dirty="0" err="1" smtClean="0"/>
+              <a:t>i</a:t>
+            </a:r>
+            <a:r>
+              <a:rPr lang="en-US" b="1" dirty="0"/>
+              <a:t> </a:t>
+            </a:r>
+            <a:r>
+              <a:rPr lang="en-US" b="1" dirty="0" smtClean="0"/>
+              <a:t>and DNNT</a:t>
+            </a:r>
+            <a:endParaRPr lang="en-US" b="1" dirty="0"/>
+          </a:p>
+        </p:txBody>
+      </p:sp>
+      <p:cxnSp>
+        <p:nvCxnSpPr>
+          <p:cNvPr id="81" name="Straight Arrow Connector 80"/>
+          <p:cNvCxnSpPr>
+            <a:stCxn id="26" idx="2"/>
+            <a:endCxn id="28" idx="0"/>
+          </p:cNvCxnSpPr>
+          <p:nvPr/>
+        </p:nvCxnSpPr>
+        <p:spPr>
+          <a:xfrm flipH="1">
+            <a:off x="4560053" y="3784456"/>
+            <a:ext cx="919" cy="446329"/>
+          </a:xfrm>
+          <a:prstGeom prst="straightConnector1">
+            <a:avLst/>
+          </a:prstGeom>
+          <a:ln w="44450">
+            <a:tailEnd type="triangle"/>
+          </a:ln>
+        </p:spPr>
+        <p:style>
+          <a:lnRef idx="1">
+            <a:schemeClr val="accent1"/>
+          </a:lnRef>
+          <a:fillRef idx="0">
+            <a:schemeClr val="accent1"/>
+          </a:fillRef>
+          <a:effectRef idx="0">
+            <a:schemeClr val="accent1"/>
+          </a:effectRef>
+          <a:fontRef idx="minor">
+            <a:schemeClr val="tx1"/>
+          </a:fontRef>
+        </p:style>
+      </p:cxnSp>
+      <p:cxnSp>
+        <p:nvCxnSpPr>
+          <p:cNvPr id="71" name="Straight Arrow Connector 70"/>
+          <p:cNvCxnSpPr>
+            <a:stCxn id="28" idx="2"/>
+            <a:endCxn id="25" idx="0"/>
+          </p:cNvCxnSpPr>
+          <p:nvPr/>
+        </p:nvCxnSpPr>
+        <p:spPr>
+          <a:xfrm>
+            <a:off x="4560053" y="4696846"/>
+            <a:ext cx="0" cy="356107"/>
+          </a:xfrm>
+          <a:prstGeom prst="straightConnector1">
+            <a:avLst/>
+          </a:prstGeom>
+          <a:ln w="44450">
+            <a:tailEnd type="triangle"/>
+          </a:ln>
+        </p:spPr>
+        <p:style>
+          <a:lnRef idx="1">
+            <a:schemeClr val="accent1"/>
+          </a:lnRef>
+          <a:fillRef idx="0">
+            <a:schemeClr val="accent1"/>
+          </a:fillRef>
+          <a:effectRef idx="0">
+            <a:schemeClr val="accent1"/>
+          </a:effectRef>
+          <a:fontRef idx="minor">
+            <a:schemeClr val="tx1"/>
+          </a:fontRef>
+        </p:style>
+      </p:cxnSp>
+    </p:spTree>
+    <p:extLst>
+      <p:ext uri="{BB962C8B-B14F-4D97-AF65-F5344CB8AC3E}">
+        <p14:creationId xmlns:p14="http://schemas.microsoft.com/office/powerpoint/2010/main" val="731737099"/>
+      </p:ext>
+    </p:extLst>
+  </p:cSld>
+  <p:clrMapOvr>
+    <a:masterClrMapping/>
+  </p:clrMapOvr>
+  <p:timing>
+    <p:tnLst>
+      <p:par>
+        <p:cTn id="1" dur="indefinite" restart="never" nodeType="tmRoot"/>
+      </p:par>
+    </p:tnLst>
+  </p:timing>
+</p:sld>
+</file>
+
+<file path=ppt/slides/slide7.xml><?xml version="1.0" encoding="utf-8"?>
+<p:sld xmlns:a="http://schemas.openxmlformats.org/drawingml/2006/main" xmlns:r="http://schemas.openxmlformats.org/officeDocument/2006/relationships" xmlns:p="http://schemas.openxmlformats.org/presentationml/2006/main">
+  <p:cSld>
+    <p:spTree>
+      <p:nvGrpSpPr>
+        <p:cNvPr id="1" name=""/>
+        <p:cNvGrpSpPr/>
+        <p:nvPr/>
+      </p:nvGrpSpPr>
+      <p:grpSpPr>
+        <a:xfrm>
+          <a:off x="0" y="0"/>
+          <a:ext cx="0" cy="0"/>
+          <a:chOff x="0" y="0"/>
+          <a:chExt cx="0" cy="0"/>
+        </a:xfrm>
+      </p:grpSpPr>
+      <p:sp>
+        <p:nvSpPr>
+          <p:cNvPr id="2" name="Title 1"/>
+          <p:cNvSpPr>
+            <a:spLocks noGrp="1"/>
+          </p:cNvSpPr>
+          <p:nvPr>
+            <p:ph type="title"/>
+          </p:nvPr>
+        </p:nvSpPr>
+        <p:spPr/>
+        <p:txBody>
+          <a:bodyPr/>
+          <a:lstStyle/>
+          <a:p>
+            <a:pPr algn="ctr"/>
+            <a:r>
+              <a:rPr lang="en-US" dirty="0" smtClean="0"/>
+              <a:t>UPDATING MEMBERSHIP ON GPU</a:t>
+            </a:r>
+            <a:endParaRPr lang="en-US" dirty="0"/>
+          </a:p>
+        </p:txBody>
+      </p:sp>
+      <p:sp>
+        <p:nvSpPr>
+          <p:cNvPr id="3" name="Content Placeholder 2"/>
+          <p:cNvSpPr>
+            <a:spLocks noGrp="1"/>
+          </p:cNvSpPr>
+          <p:nvPr>
+            <p:ph idx="1"/>
+          </p:nvPr>
+        </p:nvSpPr>
+        <p:spPr>
+          <a:xfrm>
+            <a:off x="1141412" y="2097087"/>
+            <a:ext cx="9905999" cy="4105749"/>
+          </a:xfrm>
+        </p:spPr>
+        <p:txBody>
+          <a:bodyPr>
+            <a:normAutofit/>
+          </a:bodyPr>
+          <a:lstStyle/>
+          <a:p>
+            <a:pPr algn="just"/>
+            <a:r>
+              <a:rPr lang="en-US" i="1" dirty="0"/>
+              <a:t>N</a:t>
+            </a:r>
+            <a:r>
+              <a:rPr lang="en-US" dirty="0"/>
+              <a:t> data points has been dispatched to </a:t>
+            </a:r>
+            <a:r>
+              <a:rPr lang="en-US" i="1" dirty="0"/>
+              <a:t>N</a:t>
+            </a:r>
+            <a:r>
+              <a:rPr lang="en-US" dirty="0"/>
+              <a:t> </a:t>
+            </a:r>
+            <a:r>
+              <a:rPr lang="en-US" dirty="0" smtClean="0"/>
+              <a:t>threads, and threads </a:t>
+            </a:r>
+            <a:r>
+              <a:rPr lang="en-US" dirty="0"/>
+              <a:t>are working in </a:t>
+            </a:r>
+            <a:r>
+              <a:rPr lang="en-US" dirty="0" smtClean="0"/>
+              <a:t>parallel</a:t>
+            </a:r>
+          </a:p>
+          <a:p>
+            <a:pPr algn="just"/>
+            <a:r>
+              <a:rPr lang="en-US" dirty="0" smtClean="0"/>
+              <a:t>Each thread loads </a:t>
+            </a:r>
+            <a:r>
+              <a:rPr lang="en-US" dirty="0"/>
+              <a:t>the </a:t>
+            </a:r>
+            <a:r>
+              <a:rPr lang="en-US" dirty="0" smtClean="0"/>
+              <a:t>corresponding data point </a:t>
+            </a:r>
+            <a:r>
+              <a:rPr lang="en-US" dirty="0"/>
+              <a:t>into the on-chip </a:t>
+            </a:r>
+            <a:r>
+              <a:rPr lang="en-US" dirty="0" smtClean="0"/>
+              <a:t>registers</a:t>
+            </a:r>
+          </a:p>
+          <a:p>
+            <a:pPr algn="just"/>
+            <a:r>
+              <a:rPr lang="en-US" dirty="0" smtClean="0"/>
+              <a:t>The shared </a:t>
+            </a:r>
+            <a:r>
+              <a:rPr lang="en-US" dirty="0"/>
+              <a:t>memory </a:t>
+            </a:r>
+            <a:r>
+              <a:rPr lang="en-US" dirty="0" smtClean="0"/>
+              <a:t>is used to </a:t>
+            </a:r>
+            <a:r>
+              <a:rPr lang="en-US" dirty="0"/>
+              <a:t>broadcast centroids </a:t>
+            </a:r>
+            <a:r>
+              <a:rPr lang="en-US" dirty="0" smtClean="0"/>
+              <a:t>to all </a:t>
+            </a:r>
+            <a:r>
+              <a:rPr lang="en-US" dirty="0"/>
+              <a:t>threads inside a thread block as each thread writes less than five values to shared </a:t>
+            </a:r>
+            <a:r>
+              <a:rPr lang="en-US" dirty="0" smtClean="0"/>
+              <a:t>memory. Otherwise, threads </a:t>
+            </a:r>
+            <a:r>
+              <a:rPr lang="en-US" dirty="0"/>
+              <a:t>are read the same centroids in global </a:t>
+            </a:r>
+            <a:r>
+              <a:rPr lang="en-US" dirty="0" smtClean="0"/>
+              <a:t>memory.</a:t>
+            </a:r>
+            <a:endParaRPr lang="en-US" dirty="0"/>
+          </a:p>
+        </p:txBody>
+      </p:sp>
+    </p:spTree>
+    <p:extLst>
+      <p:ext uri="{BB962C8B-B14F-4D97-AF65-F5344CB8AC3E}">
+        <p14:creationId xmlns:p14="http://schemas.microsoft.com/office/powerpoint/2010/main" val="1095900371"/>
+      </p:ext>
+    </p:extLst>
+  </p:cSld>
+  <p:clrMapOvr>
+    <a:masterClrMapping/>
+  </p:clrMapOvr>
+  <p:timing>
+    <p:tnLst>
+      <p:par>
+        <p:cTn id="1" dur="indefinite" restart="never" nodeType="tmRoot"/>
+      </p:par>
+    </p:tnLst>
+  </p:timing>
+</p:sld>
+</file>
+
+<file path=ppt/slides/slide8.xml><?xml version="1.0" encoding="utf-8"?>
+<p:sld xmlns:a="http://schemas.openxmlformats.org/drawingml/2006/main" xmlns:r="http://schemas.openxmlformats.org/officeDocument/2006/relationships" xmlns:p="http://schemas.openxmlformats.org/presentationml/2006/main">
+  <p:cSld>
+    <p:spTree>
+      <p:nvGrpSpPr>
+        <p:cNvPr id="1" name=""/>
+        <p:cNvGrpSpPr/>
+        <p:nvPr/>
+      </p:nvGrpSpPr>
+      <p:grpSpPr>
+        <a:xfrm>
+          <a:off x="0" y="0"/>
+          <a:ext cx="0" cy="0"/>
+          <a:chOff x="0" y="0"/>
+          <a:chExt cx="0" cy="0"/>
+        </a:xfrm>
+      </p:grpSpPr>
+      <p:sp>
+        <p:nvSpPr>
+          <p:cNvPr id="2" name="Title 1"/>
+          <p:cNvSpPr>
+            <a:spLocks noGrp="1"/>
+          </p:cNvSpPr>
+          <p:nvPr>
+            <p:ph type="title"/>
+          </p:nvPr>
+        </p:nvSpPr>
+        <p:spPr>
+          <a:xfrm>
+            <a:off x="1197652" y="215483"/>
+            <a:ext cx="9905998" cy="1301398"/>
+          </a:xfrm>
+        </p:spPr>
+        <p:txBody>
+          <a:bodyPr/>
+          <a:lstStyle/>
+          <a:p>
+            <a:pPr algn="ctr"/>
+            <a:r>
+              <a:rPr lang="en-US" dirty="0" smtClean="0"/>
+              <a:t>Updating membership on </a:t>
+            </a:r>
+            <a:r>
+              <a:rPr lang="en-US" dirty="0" err="1" smtClean="0"/>
+              <a:t>Gpu</a:t>
+            </a:r>
+            <a:endParaRPr lang="en-US" dirty="0"/>
+          </a:p>
+        </p:txBody>
+      </p:sp>
+      <p:sp>
+        <p:nvSpPr>
+          <p:cNvPr id="20" name="Rectangle 19"/>
+          <p:cNvSpPr/>
+          <p:nvPr/>
+        </p:nvSpPr>
+        <p:spPr>
+          <a:xfrm>
+            <a:off x="1291132" y="1511751"/>
+            <a:ext cx="9719375" cy="4719368"/>
+          </a:xfrm>
+          <a:prstGeom prst="rect">
+            <a:avLst/>
+          </a:prstGeom>
+        </p:spPr>
+        <p:style>
+          <a:lnRef idx="1">
+            <a:schemeClr val="accent2"/>
+          </a:lnRef>
+          <a:fillRef idx="2">
+            <a:schemeClr val="accent2"/>
+          </a:fillRef>
+          <a:effectRef idx="1">
+            <a:schemeClr val="accent2"/>
+          </a:effectRef>
+          <a:fontRef idx="minor">
+            <a:schemeClr val="dk1"/>
+          </a:fontRef>
+        </p:style>
+        <p:txBody>
+          <a:bodyPr rtlCol="0" anchor="ctr"/>
+          <a:lstStyle/>
+          <a:p>
+            <a:pPr algn="ctr"/>
+            <a:endParaRPr lang="en-US" dirty="0"/>
+          </a:p>
+        </p:txBody>
+      </p:sp>
+      <p:sp>
+        <p:nvSpPr>
+          <p:cNvPr id="22" name="Rounded Rectangle 21"/>
+          <p:cNvSpPr/>
+          <p:nvPr/>
+        </p:nvSpPr>
+        <p:spPr>
+          <a:xfrm>
+            <a:off x="1545426" y="1696306"/>
+            <a:ext cx="691977" cy="399255"/>
+          </a:xfrm>
+          <a:prstGeom prst="roundRect">
+            <a:avLst/>
+          </a:prstGeom>
+        </p:spPr>
+        <p:style>
+          <a:lnRef idx="1">
+            <a:schemeClr val="accent1"/>
+          </a:lnRef>
+          <a:fillRef idx="2">
+            <a:schemeClr val="accent1"/>
+          </a:fillRef>
+          <a:effectRef idx="1">
+            <a:schemeClr val="accent1"/>
+          </a:effectRef>
+          <a:fontRef idx="minor">
+            <a:schemeClr val="dk1"/>
+          </a:fontRef>
+        </p:style>
+        <p:txBody>
+          <a:bodyPr rtlCol="0" anchor="ctr"/>
+          <a:lstStyle/>
+          <a:p>
+            <a:pPr lvl="0" algn="ctr"/>
+            <a:r>
+              <a:rPr lang="en-US" b="1" dirty="0" smtClean="0">
+                <a:ln w="0"/>
+                <a:solidFill>
+                  <a:schemeClr val="bg1"/>
+                </a:solidFill>
+              </a:rPr>
+              <a:t>G</a:t>
+            </a:r>
+            <a:r>
+              <a:rPr lang="en-US" b="1" dirty="0" smtClean="0">
+                <a:ln w="0"/>
+                <a:solidFill>
+                  <a:schemeClr val="bg1"/>
+                </a:solidFill>
+              </a:rPr>
+              <a:t>PU</a:t>
+            </a:r>
+            <a:endParaRPr lang="en-US" b="1" dirty="0">
+              <a:ln w="0"/>
+              <a:solidFill>
+                <a:schemeClr val="bg1"/>
+              </a:solidFill>
+            </a:endParaRPr>
+          </a:p>
+        </p:txBody>
+      </p:sp>
+      <p:sp>
+        <p:nvSpPr>
+          <p:cNvPr id="58" name="Rounded Rectangle 57"/>
+          <p:cNvSpPr/>
+          <p:nvPr/>
+        </p:nvSpPr>
+        <p:spPr>
+          <a:xfrm>
+            <a:off x="2395946" y="1696390"/>
+            <a:ext cx="8289684" cy="1028376"/>
+          </a:xfrm>
+          <a:prstGeom prst="roundRect">
+            <a:avLst/>
+          </a:prstGeom>
+        </p:spPr>
+        <p:style>
+          <a:lnRef idx="2">
+            <a:schemeClr val="accent2">
+              <a:shade val="50000"/>
+            </a:schemeClr>
+          </a:lnRef>
+          <a:fillRef idx="1">
+            <a:schemeClr val="accent2"/>
+          </a:fillRef>
+          <a:effectRef idx="0">
+            <a:schemeClr val="accent2"/>
+          </a:effectRef>
+          <a:fontRef idx="minor">
+            <a:schemeClr val="lt1"/>
+          </a:fontRef>
+        </p:style>
+        <p:txBody>
+          <a:bodyPr rtlCol="0" anchor="ctr"/>
+          <a:lstStyle/>
+          <a:p>
+            <a:pPr algn="ctr"/>
+            <a:r>
+              <a:rPr lang="en-US" b="1" dirty="0" smtClean="0"/>
+              <a:t>Thread </a:t>
+            </a:r>
+            <a:r>
+              <a:rPr lang="en-US" b="1" dirty="0" err="1" smtClean="0"/>
+              <a:t>T</a:t>
+            </a:r>
+            <a:r>
+              <a:rPr lang="en-US" b="1" baseline="-25000" dirty="0" err="1" smtClean="0"/>
+              <a:t>i</a:t>
+            </a:r>
+            <a:endParaRPr lang="en-US" b="1" baseline="-25000" dirty="0"/>
+          </a:p>
+          <a:p>
+            <a:pPr algn="ctr"/>
+            <a:r>
+              <a:rPr lang="en-GB" b="1" dirty="0" err="1"/>
+              <a:t>i</a:t>
+            </a:r>
+            <a:r>
+              <a:rPr lang="en-GB" b="1" dirty="0"/>
+              <a:t> = </a:t>
+            </a:r>
+            <a:r>
+              <a:rPr lang="en-GB" b="1" dirty="0" err="1"/>
+              <a:t>blockIdx.x</a:t>
+            </a:r>
+            <a:r>
+              <a:rPr lang="en-GB" b="1" dirty="0"/>
+              <a:t> × </a:t>
+            </a:r>
+            <a:r>
+              <a:rPr lang="en-GB" b="1" dirty="0" err="1"/>
+              <a:t>blockDim</a:t>
+            </a:r>
+            <a:r>
+              <a:rPr lang="en-GB" b="1" dirty="0"/>
+              <a:t> + </a:t>
+            </a:r>
+            <a:r>
+              <a:rPr lang="en-GB" b="1" dirty="0" err="1" smtClean="0"/>
+              <a:t>threadIdx.x</a:t>
+            </a:r>
+            <a:endParaRPr lang="en-GB" b="1" dirty="0" smtClean="0"/>
+          </a:p>
+          <a:p>
+            <a:pPr algn="ctr"/>
+            <a:r>
+              <a:rPr lang="en-GB" b="1" dirty="0"/>
+              <a:t>DNNT is set of M nearest distances responding to </a:t>
+            </a:r>
+            <a:r>
+              <a:rPr lang="en-GB" b="1" dirty="0" err="1" smtClean="0"/>
+              <a:t>NNT</a:t>
+            </a:r>
+            <a:r>
+              <a:rPr lang="en-GB" b="1" baseline="-25000" dirty="0" err="1" smtClean="0"/>
+              <a:t>i</a:t>
+            </a:r>
+            <a:endParaRPr lang="en-US" b="1" baseline="-25000" dirty="0"/>
+          </a:p>
+        </p:txBody>
+      </p:sp>
+      <p:sp>
+        <p:nvSpPr>
+          <p:cNvPr id="72" name="Rectangle 71"/>
+          <p:cNvSpPr/>
+          <p:nvPr/>
+        </p:nvSpPr>
+        <p:spPr>
+          <a:xfrm>
+            <a:off x="6480220" y="2997964"/>
+            <a:ext cx="4205410" cy="2915156"/>
+          </a:xfrm>
+          <a:prstGeom prst="rect">
+            <a:avLst/>
+          </a:prstGeom>
+        </p:spPr>
+        <p:style>
+          <a:lnRef idx="2">
+            <a:schemeClr val="accent1"/>
+          </a:lnRef>
+          <a:fillRef idx="1">
+            <a:schemeClr val="lt1"/>
+          </a:fillRef>
+          <a:effectRef idx="0">
+            <a:schemeClr val="accent1"/>
+          </a:effectRef>
+          <a:fontRef idx="minor">
+            <a:schemeClr val="dk1"/>
+          </a:fontRef>
+        </p:style>
+        <p:txBody>
+          <a:bodyPr rtlCol="0" anchor="ctr"/>
+          <a:lstStyle/>
+          <a:p>
+            <a:pPr algn="ctr"/>
+            <a:endParaRPr lang="en-US"/>
+          </a:p>
+        </p:txBody>
+      </p:sp>
+      <p:sp>
+        <p:nvSpPr>
+          <p:cNvPr id="26" name="Rounded Rectangle 25"/>
+          <p:cNvSpPr/>
+          <p:nvPr/>
+        </p:nvSpPr>
+        <p:spPr>
+          <a:xfrm>
+            <a:off x="6806151" y="3154751"/>
+            <a:ext cx="3657600" cy="663106"/>
+          </a:xfrm>
+          <a:prstGeom prst="roundRect">
+            <a:avLst/>
+          </a:prstGeom>
+        </p:spPr>
+        <p:style>
+          <a:lnRef idx="2">
+            <a:schemeClr val="accent2">
+              <a:shade val="50000"/>
+            </a:schemeClr>
+          </a:lnRef>
+          <a:fillRef idx="1">
+            <a:schemeClr val="accent2"/>
+          </a:fillRef>
+          <a:effectRef idx="0">
+            <a:schemeClr val="accent2"/>
+          </a:effectRef>
+          <a:fontRef idx="minor">
+            <a:schemeClr val="lt1"/>
+          </a:fontRef>
+        </p:style>
+        <p:txBody>
+          <a:bodyPr rtlCol="0" anchor="ctr"/>
+          <a:lstStyle/>
+          <a:p>
+            <a:pPr algn="ctr"/>
+            <a:r>
+              <a:rPr lang="en-US" b="1" dirty="0" smtClean="0"/>
+              <a:t>For each centroid </a:t>
+            </a:r>
+            <a:r>
+              <a:rPr lang="en-US" b="1" dirty="0" err="1" smtClean="0"/>
+              <a:t>C</a:t>
+            </a:r>
+            <a:r>
+              <a:rPr lang="en-US" b="1" baseline="-25000" dirty="0" err="1" smtClean="0"/>
+              <a:t>j</a:t>
+            </a:r>
+            <a:r>
+              <a:rPr lang="en-US" b="1" dirty="0" smtClean="0"/>
+              <a:t> in global memory</a:t>
+            </a:r>
+            <a:endParaRPr lang="en-US" b="1" dirty="0"/>
+          </a:p>
+        </p:txBody>
+      </p:sp>
+      <p:cxnSp>
+        <p:nvCxnSpPr>
+          <p:cNvPr id="49" name="Straight Arrow Connector 48"/>
+          <p:cNvCxnSpPr>
+            <a:stCxn id="21" idx="3"/>
+          </p:cNvCxnSpPr>
+          <p:nvPr/>
+        </p:nvCxnSpPr>
+        <p:spPr>
+          <a:xfrm>
+            <a:off x="5271121" y="3793859"/>
+            <a:ext cx="1224166" cy="0"/>
+          </a:xfrm>
+          <a:prstGeom prst="straightConnector1">
+            <a:avLst/>
+          </a:prstGeom>
+          <a:ln w="44450">
+            <a:tailEnd type="triangle"/>
+          </a:ln>
+        </p:spPr>
+        <p:style>
+          <a:lnRef idx="1">
+            <a:schemeClr val="accent1"/>
+          </a:lnRef>
+          <a:fillRef idx="0">
+            <a:schemeClr val="accent1"/>
+          </a:fillRef>
+          <a:effectRef idx="0">
+            <a:schemeClr val="accent1"/>
+          </a:effectRef>
+          <a:fontRef idx="minor">
+            <a:schemeClr val="tx1"/>
+          </a:fontRef>
+        </p:style>
+      </p:cxnSp>
+      <p:cxnSp>
+        <p:nvCxnSpPr>
+          <p:cNvPr id="92" name="Straight Arrow Connector 91"/>
+          <p:cNvCxnSpPr>
+            <a:endCxn id="94" idx="3"/>
+          </p:cNvCxnSpPr>
+          <p:nvPr/>
+        </p:nvCxnSpPr>
+        <p:spPr>
+          <a:xfrm flipH="1">
+            <a:off x="5271122" y="4946348"/>
+            <a:ext cx="1209098" cy="5881"/>
+          </a:xfrm>
+          <a:prstGeom prst="straightConnector1">
+            <a:avLst/>
+          </a:prstGeom>
+          <a:ln w="44450">
+            <a:tailEnd type="triangle"/>
+          </a:ln>
+        </p:spPr>
+        <p:style>
+          <a:lnRef idx="1">
+            <a:schemeClr val="accent1"/>
+          </a:lnRef>
+          <a:fillRef idx="0">
+            <a:schemeClr val="accent1"/>
+          </a:fillRef>
+          <a:effectRef idx="0">
+            <a:schemeClr val="accent1"/>
+          </a:effectRef>
+          <a:fontRef idx="minor">
+            <a:schemeClr val="tx1"/>
+          </a:fontRef>
+        </p:style>
+      </p:cxnSp>
+      <p:sp>
+        <p:nvSpPr>
+          <p:cNvPr id="94" name="Rounded Rectangle 93"/>
+          <p:cNvSpPr/>
+          <p:nvPr/>
+        </p:nvSpPr>
+        <p:spPr>
+          <a:xfrm>
+            <a:off x="2395946" y="4590695"/>
+            <a:ext cx="2875176" cy="723068"/>
+          </a:xfrm>
+          <a:prstGeom prst="roundRect">
+            <a:avLst/>
+          </a:prstGeom>
+        </p:spPr>
+        <p:style>
+          <a:lnRef idx="2">
+            <a:schemeClr val="accent2">
+              <a:shade val="50000"/>
+            </a:schemeClr>
+          </a:lnRef>
+          <a:fillRef idx="1">
+            <a:schemeClr val="accent2"/>
+          </a:fillRef>
+          <a:effectRef idx="0">
+            <a:schemeClr val="accent2"/>
+          </a:effectRef>
+          <a:fontRef idx="minor">
+            <a:schemeClr val="lt1"/>
+          </a:fontRef>
+        </p:style>
+        <p:txBody>
+          <a:bodyPr rtlCol="0" anchor="ctr"/>
+          <a:lstStyle/>
+          <a:p>
+            <a:pPr algn="ctr"/>
+            <a:r>
+              <a:rPr lang="en-US" b="1" dirty="0" smtClean="0"/>
+              <a:t>Update membership for data </a:t>
+            </a:r>
+            <a:r>
+              <a:rPr lang="en-US" b="1" dirty="0"/>
+              <a:t>point </a:t>
+            </a:r>
+            <a:r>
+              <a:rPr lang="en-US" b="1" dirty="0" smtClean="0"/>
+              <a:t>X</a:t>
+            </a:r>
+            <a:r>
+              <a:rPr lang="en-US" b="1" baseline="-25000" dirty="0" smtClean="0"/>
+              <a:t>i</a:t>
+            </a:r>
+            <a:endParaRPr lang="en-US" b="1" dirty="0"/>
+          </a:p>
+        </p:txBody>
+      </p:sp>
+      <p:sp>
+        <p:nvSpPr>
+          <p:cNvPr id="107" name="Rectangle 106"/>
+          <p:cNvSpPr/>
+          <p:nvPr/>
+        </p:nvSpPr>
+        <p:spPr>
+          <a:xfrm>
+            <a:off x="6806151" y="3996529"/>
+            <a:ext cx="3657600" cy="1713920"/>
+          </a:xfrm>
+          <a:prstGeom prst="rect">
+            <a:avLst/>
+          </a:prstGeom>
+        </p:spPr>
+        <p:style>
+          <a:lnRef idx="2">
+            <a:schemeClr val="accent1"/>
+          </a:lnRef>
+          <a:fillRef idx="1">
+            <a:schemeClr val="lt1"/>
+          </a:fillRef>
+          <a:effectRef idx="0">
+            <a:schemeClr val="accent1"/>
+          </a:effectRef>
+          <a:fontRef idx="minor">
+            <a:schemeClr val="dk1"/>
+          </a:fontRef>
+        </p:style>
+        <p:txBody>
+          <a:bodyPr rtlCol="0" anchor="ctr"/>
+          <a:lstStyle/>
+          <a:p>
+            <a:pPr algn="ctr"/>
+            <a:endParaRPr lang="en-US"/>
+          </a:p>
+        </p:txBody>
+      </p:sp>
+      <p:sp>
+        <p:nvSpPr>
+          <p:cNvPr id="28" name="Rounded Rectangle 27"/>
+          <p:cNvSpPr/>
+          <p:nvPr/>
+        </p:nvSpPr>
+        <p:spPr>
+          <a:xfrm>
+            <a:off x="6962482" y="4282380"/>
+            <a:ext cx="3348623" cy="466061"/>
+          </a:xfrm>
+          <a:prstGeom prst="roundRect">
+            <a:avLst/>
+          </a:prstGeom>
+        </p:spPr>
+        <p:style>
+          <a:lnRef idx="2">
+            <a:schemeClr val="accent2">
+              <a:shade val="50000"/>
+            </a:schemeClr>
+          </a:lnRef>
+          <a:fillRef idx="1">
+            <a:schemeClr val="accent2"/>
+          </a:fillRef>
+          <a:effectRef idx="0">
+            <a:schemeClr val="accent2"/>
+          </a:effectRef>
+          <a:fontRef idx="minor">
+            <a:schemeClr val="lt1"/>
+          </a:fontRef>
+        </p:style>
+        <p:txBody>
+          <a:bodyPr rtlCol="0" anchor="ctr"/>
+          <a:lstStyle/>
+          <a:p>
+            <a:pPr algn="ctr"/>
+            <a:r>
+              <a:rPr lang="en-US" b="1" dirty="0" smtClean="0"/>
+              <a:t>Calculate </a:t>
+            </a:r>
+            <a:r>
+              <a:rPr lang="en-US" b="1" dirty="0"/>
+              <a:t>distance </a:t>
+            </a:r>
+            <a:r>
+              <a:rPr lang="en-US" b="1" dirty="0" smtClean="0"/>
+              <a:t>d(X</a:t>
+            </a:r>
+            <a:r>
+              <a:rPr lang="en-US" b="1" baseline="-25000" dirty="0" smtClean="0"/>
+              <a:t>i</a:t>
+            </a:r>
+            <a:r>
+              <a:rPr lang="en-US" b="1" dirty="0" smtClean="0"/>
+              <a:t>, </a:t>
+            </a:r>
+            <a:r>
+              <a:rPr lang="en-US" b="1" dirty="0" err="1" smtClean="0"/>
+              <a:t>C</a:t>
+            </a:r>
+            <a:r>
+              <a:rPr lang="en-US" b="1" baseline="-25000" dirty="0" err="1" smtClean="0"/>
+              <a:t>j</a:t>
+            </a:r>
+            <a:r>
+              <a:rPr lang="en-US" b="1" dirty="0" smtClean="0"/>
+              <a:t>)</a:t>
+            </a:r>
+            <a:endParaRPr lang="en-US" b="1" dirty="0"/>
+          </a:p>
+        </p:txBody>
+      </p:sp>
+      <p:sp>
+        <p:nvSpPr>
+          <p:cNvPr id="25" name="Rounded Rectangle 24"/>
+          <p:cNvSpPr/>
+          <p:nvPr/>
+        </p:nvSpPr>
+        <p:spPr>
+          <a:xfrm>
+            <a:off x="6962482" y="5090126"/>
+            <a:ext cx="3348623" cy="464523"/>
+          </a:xfrm>
+          <a:prstGeom prst="roundRect">
+            <a:avLst/>
+          </a:prstGeom>
+        </p:spPr>
+        <p:style>
+          <a:lnRef idx="2">
+            <a:schemeClr val="accent2">
+              <a:shade val="50000"/>
+            </a:schemeClr>
+          </a:lnRef>
+          <a:fillRef idx="1">
+            <a:schemeClr val="accent2"/>
+          </a:fillRef>
+          <a:effectRef idx="0">
+            <a:schemeClr val="accent2"/>
+          </a:effectRef>
+          <a:fontRef idx="minor">
+            <a:schemeClr val="lt1"/>
+          </a:fontRef>
+        </p:style>
+        <p:txBody>
+          <a:bodyPr rtlCol="0" anchor="ctr"/>
+          <a:lstStyle/>
+          <a:p>
+            <a:pPr algn="ctr"/>
+            <a:r>
+              <a:rPr lang="en-US" b="1" dirty="0" smtClean="0"/>
+              <a:t>Update </a:t>
+            </a:r>
+            <a:r>
+              <a:rPr lang="en-US" b="1" dirty="0" err="1" smtClean="0"/>
+              <a:t>NNT</a:t>
+            </a:r>
+            <a:r>
+              <a:rPr lang="en-US" b="1" baseline="-25000" dirty="0" err="1" smtClean="0"/>
+              <a:t>i</a:t>
+            </a:r>
+            <a:r>
+              <a:rPr lang="en-US" b="1" dirty="0"/>
+              <a:t> </a:t>
+            </a:r>
+            <a:r>
+              <a:rPr lang="en-US" b="1" dirty="0" smtClean="0"/>
+              <a:t>and DNNT</a:t>
+            </a:r>
+            <a:endParaRPr lang="en-US" b="1" dirty="0"/>
+          </a:p>
+        </p:txBody>
+      </p:sp>
+      <p:cxnSp>
+        <p:nvCxnSpPr>
+          <p:cNvPr id="81" name="Straight Arrow Connector 80"/>
+          <p:cNvCxnSpPr>
+            <a:stCxn id="26" idx="2"/>
+            <a:endCxn id="28" idx="0"/>
+          </p:cNvCxnSpPr>
+          <p:nvPr/>
+        </p:nvCxnSpPr>
+        <p:spPr>
+          <a:xfrm>
+            <a:off x="8634951" y="3817857"/>
+            <a:ext cx="1843" cy="464523"/>
+          </a:xfrm>
+          <a:prstGeom prst="straightConnector1">
+            <a:avLst/>
+          </a:prstGeom>
+          <a:ln w="44450">
+            <a:tailEnd type="triangle"/>
+          </a:ln>
+        </p:spPr>
+        <p:style>
+          <a:lnRef idx="1">
+            <a:schemeClr val="accent1"/>
+          </a:lnRef>
+          <a:fillRef idx="0">
+            <a:schemeClr val="accent1"/>
+          </a:fillRef>
+          <a:effectRef idx="0">
+            <a:schemeClr val="accent1"/>
+          </a:effectRef>
+          <a:fontRef idx="minor">
+            <a:schemeClr val="tx1"/>
+          </a:fontRef>
+        </p:style>
+      </p:cxnSp>
+      <p:cxnSp>
+        <p:nvCxnSpPr>
+          <p:cNvPr id="71" name="Straight Arrow Connector 70"/>
+          <p:cNvCxnSpPr>
+            <a:stCxn id="28" idx="2"/>
+            <a:endCxn id="25" idx="0"/>
+          </p:cNvCxnSpPr>
+          <p:nvPr/>
+        </p:nvCxnSpPr>
+        <p:spPr>
+          <a:xfrm>
+            <a:off x="8636794" y="4748441"/>
+            <a:ext cx="0" cy="341685"/>
+          </a:xfrm>
+          <a:prstGeom prst="straightConnector1">
+            <a:avLst/>
+          </a:prstGeom>
+          <a:ln w="44450">
+            <a:tailEnd type="triangle"/>
+          </a:ln>
+        </p:spPr>
+        <p:style>
+          <a:lnRef idx="1">
+            <a:schemeClr val="accent1"/>
+          </a:lnRef>
+          <a:fillRef idx="0">
+            <a:schemeClr val="accent1"/>
+          </a:fillRef>
+          <a:effectRef idx="0">
+            <a:schemeClr val="accent1"/>
+          </a:effectRef>
+          <a:fontRef idx="minor">
+            <a:schemeClr val="tx1"/>
+          </a:fontRef>
+        </p:style>
+      </p:cxnSp>
+      <p:sp>
+        <p:nvSpPr>
+          <p:cNvPr id="21" name="Rounded Rectangle 20"/>
+          <p:cNvSpPr/>
+          <p:nvPr/>
+        </p:nvSpPr>
+        <p:spPr>
+          <a:xfrm>
+            <a:off x="2386822" y="3351239"/>
+            <a:ext cx="2884299" cy="885240"/>
+          </a:xfrm>
+          <a:prstGeom prst="roundRect">
+            <a:avLst/>
+          </a:prstGeom>
+        </p:spPr>
+        <p:style>
+          <a:lnRef idx="2">
+            <a:schemeClr val="accent2">
+              <a:shade val="50000"/>
+            </a:schemeClr>
+          </a:lnRef>
+          <a:fillRef idx="1">
+            <a:schemeClr val="accent2"/>
+          </a:fillRef>
+          <a:effectRef idx="0">
+            <a:schemeClr val="accent2"/>
+          </a:effectRef>
+          <a:fontRef idx="minor">
+            <a:schemeClr val="lt1"/>
+          </a:fontRef>
+        </p:style>
+        <p:txBody>
+          <a:bodyPr rtlCol="0" anchor="ctr"/>
+          <a:lstStyle/>
+          <a:p>
+            <a:pPr algn="ctr"/>
+            <a:r>
+              <a:rPr lang="en-US" b="1" dirty="0" smtClean="0"/>
+              <a:t>Load data </a:t>
+            </a:r>
+            <a:r>
+              <a:rPr lang="en-US" b="1" dirty="0"/>
+              <a:t>point </a:t>
+            </a:r>
+            <a:r>
+              <a:rPr lang="en-US" b="1" dirty="0" smtClean="0"/>
+              <a:t>X</a:t>
+            </a:r>
+            <a:r>
+              <a:rPr lang="en-US" b="1" baseline="-25000" dirty="0" smtClean="0"/>
+              <a:t>i </a:t>
+            </a:r>
+            <a:r>
+              <a:rPr lang="en-US" b="1" dirty="0" smtClean="0"/>
+              <a:t>into </a:t>
+            </a:r>
+            <a:r>
+              <a:rPr lang="en-US" b="1" dirty="0"/>
+              <a:t>the on-chip </a:t>
+            </a:r>
+            <a:r>
+              <a:rPr lang="en-US" b="1" dirty="0" smtClean="0"/>
+              <a:t>registers</a:t>
+            </a:r>
+            <a:endParaRPr lang="en-US" b="1" dirty="0"/>
+          </a:p>
+        </p:txBody>
+      </p:sp>
+      <p:cxnSp>
+        <p:nvCxnSpPr>
+          <p:cNvPr id="35" name="Straight Arrow Connector 34"/>
+          <p:cNvCxnSpPr>
+            <a:endCxn id="21" idx="0"/>
+          </p:cNvCxnSpPr>
+          <p:nvPr/>
+        </p:nvCxnSpPr>
+        <p:spPr>
+          <a:xfrm>
+            <a:off x="3817856" y="2724766"/>
+            <a:ext cx="11116" cy="626473"/>
+          </a:xfrm>
+          <a:prstGeom prst="straightConnector1">
+            <a:avLst/>
+          </a:prstGeom>
+          <a:ln w="44450">
+            <a:tailEnd type="triangle"/>
+          </a:ln>
+        </p:spPr>
+        <p:style>
+          <a:lnRef idx="1">
+            <a:schemeClr val="accent1"/>
+          </a:lnRef>
+          <a:fillRef idx="0">
+            <a:schemeClr val="accent1"/>
+          </a:fillRef>
+          <a:effectRef idx="0">
+            <a:schemeClr val="accent1"/>
+          </a:effectRef>
+          <a:fontRef idx="minor">
+            <a:schemeClr val="tx1"/>
+          </a:fontRef>
+        </p:style>
+      </p:cxnSp>
+    </p:spTree>
+    <p:extLst>
+      <p:ext uri="{BB962C8B-B14F-4D97-AF65-F5344CB8AC3E}">
+        <p14:creationId xmlns:p14="http://schemas.microsoft.com/office/powerpoint/2010/main" val="744682427"/>
+      </p:ext>
+    </p:extLst>
+  </p:cSld>
+  <p:clrMapOvr>
+    <a:masterClrMapping/>
+  </p:clrMapOvr>
+  <p:timing>
+    <p:tnLst>
+      <p:par>
+        <p:cTn id="1" dur="indefinite" restart="never" nodeType="tmRoot"/>
+      </p:par>
+    </p:tnLst>
+  </p:timing>
+</p:sld>
+</file>
+
+<file path=ppt/slides/slide9.xml><?xml version="1.0" encoding="utf-8"?>
+<p:sld xmlns:a="http://schemas.openxmlformats.org/drawingml/2006/main" xmlns:r="http://schemas.openxmlformats.org/officeDocument/2006/relationships" xmlns:p="http://schemas.openxmlformats.org/presentationml/2006/main">
+  <p:cSld>
+    <p:spTree>
+      <p:nvGrpSpPr>
+        <p:cNvPr id="1" name=""/>
+        <p:cNvGrpSpPr/>
+        <p:nvPr/>
+      </p:nvGrpSpPr>
+      <p:grpSpPr>
+        <a:xfrm>
+          <a:off x="0" y="0"/>
+          <a:ext cx="0" cy="0"/>
+          <a:chOff x="0" y="0"/>
+          <a:chExt cx="0" cy="0"/>
+        </a:xfrm>
+      </p:grpSpPr>
+      <p:sp>
+        <p:nvSpPr>
+          <p:cNvPr id="2" name="Title 1"/>
+          <p:cNvSpPr>
+            <a:spLocks noGrp="1"/>
+          </p:cNvSpPr>
+          <p:nvPr>
+            <p:ph type="title"/>
+          </p:nvPr>
+        </p:nvSpPr>
+        <p:spPr>
+          <a:xfrm>
+            <a:off x="1197652" y="215483"/>
+            <a:ext cx="9905998" cy="1301398"/>
+          </a:xfrm>
+        </p:spPr>
+        <p:txBody>
+          <a:bodyPr/>
+          <a:lstStyle/>
+          <a:p>
+            <a:pPr algn="ctr"/>
+            <a:r>
+              <a:rPr lang="en-US" dirty="0" smtClean="0"/>
+              <a:t>Updating membership on </a:t>
+            </a:r>
+            <a:r>
+              <a:rPr lang="en-US" dirty="0" err="1" smtClean="0"/>
+              <a:t>Gpu</a:t>
+            </a:r>
+            <a:endParaRPr lang="en-US" dirty="0"/>
+          </a:p>
+        </p:txBody>
+      </p:sp>
+      <p:sp>
+        <p:nvSpPr>
+          <p:cNvPr id="20" name="Rectangle 19"/>
+          <p:cNvSpPr/>
+          <p:nvPr/>
+        </p:nvSpPr>
+        <p:spPr>
+          <a:xfrm>
+            <a:off x="1291132" y="1511751"/>
+            <a:ext cx="9719375" cy="5068158"/>
+          </a:xfrm>
+          <a:prstGeom prst="rect">
+            <a:avLst/>
+          </a:prstGeom>
+        </p:spPr>
+        <p:style>
+          <a:lnRef idx="1">
+            <a:schemeClr val="accent2"/>
+          </a:lnRef>
+          <a:fillRef idx="2">
+            <a:schemeClr val="accent2"/>
+          </a:fillRef>
+          <a:effectRef idx="1">
+            <a:schemeClr val="accent2"/>
+          </a:effectRef>
+          <a:fontRef idx="minor">
+            <a:schemeClr val="dk1"/>
+          </a:fontRef>
+        </p:style>
+        <p:txBody>
+          <a:bodyPr rtlCol="0" anchor="ctr"/>
+          <a:lstStyle/>
+          <a:p>
+            <a:pPr algn="ctr"/>
+            <a:endParaRPr lang="en-US" dirty="0"/>
+          </a:p>
+        </p:txBody>
+      </p:sp>
+      <p:sp>
+        <p:nvSpPr>
+          <p:cNvPr id="22" name="Rounded Rectangle 21"/>
+          <p:cNvSpPr/>
+          <p:nvPr/>
+        </p:nvSpPr>
+        <p:spPr>
+          <a:xfrm>
+            <a:off x="1545426" y="1696306"/>
+            <a:ext cx="691977" cy="399255"/>
+          </a:xfrm>
+          <a:prstGeom prst="roundRect">
+            <a:avLst/>
+          </a:prstGeom>
+        </p:spPr>
+        <p:style>
+          <a:lnRef idx="1">
+            <a:schemeClr val="accent1"/>
+          </a:lnRef>
+          <a:fillRef idx="2">
+            <a:schemeClr val="accent1"/>
+          </a:fillRef>
+          <a:effectRef idx="1">
+            <a:schemeClr val="accent1"/>
+          </a:effectRef>
+          <a:fontRef idx="minor">
+            <a:schemeClr val="dk1"/>
+          </a:fontRef>
+        </p:style>
+        <p:txBody>
+          <a:bodyPr rtlCol="0" anchor="ctr"/>
+          <a:lstStyle/>
+          <a:p>
+            <a:pPr lvl="0" algn="ctr"/>
+            <a:r>
+              <a:rPr lang="en-US" b="1" dirty="0" smtClean="0">
+                <a:ln w="0"/>
+                <a:solidFill>
+                  <a:schemeClr val="bg1"/>
+                </a:solidFill>
+              </a:rPr>
+              <a:t>G</a:t>
+            </a:r>
+            <a:r>
+              <a:rPr lang="en-US" b="1" dirty="0" smtClean="0">
+                <a:ln w="0"/>
+                <a:solidFill>
+                  <a:schemeClr val="bg1"/>
+                </a:solidFill>
+              </a:rPr>
+              <a:t>PU</a:t>
+            </a:r>
+            <a:endParaRPr lang="en-US" b="1" dirty="0">
+              <a:ln w="0"/>
+              <a:solidFill>
+                <a:schemeClr val="bg1"/>
+              </a:solidFill>
+            </a:endParaRPr>
+          </a:p>
+        </p:txBody>
+      </p:sp>
+      <p:sp>
+        <p:nvSpPr>
+          <p:cNvPr id="58" name="Rounded Rectangle 57"/>
+          <p:cNvSpPr/>
+          <p:nvPr/>
+        </p:nvSpPr>
+        <p:spPr>
+          <a:xfrm>
+            <a:off x="2395946" y="1696390"/>
+            <a:ext cx="8289684" cy="1028376"/>
+          </a:xfrm>
+          <a:prstGeom prst="roundRect">
+            <a:avLst/>
+          </a:prstGeom>
+        </p:spPr>
+        <p:style>
+          <a:lnRef idx="2">
+            <a:schemeClr val="accent2">
+              <a:shade val="50000"/>
+            </a:schemeClr>
+          </a:lnRef>
+          <a:fillRef idx="1">
+            <a:schemeClr val="accent2"/>
+          </a:fillRef>
+          <a:effectRef idx="0">
+            <a:schemeClr val="accent2"/>
+          </a:effectRef>
+          <a:fontRef idx="minor">
+            <a:schemeClr val="lt1"/>
+          </a:fontRef>
+        </p:style>
+        <p:txBody>
+          <a:bodyPr rtlCol="0" anchor="ctr"/>
+          <a:lstStyle/>
+          <a:p>
+            <a:pPr algn="ctr"/>
+            <a:r>
+              <a:rPr lang="en-US" b="1" dirty="0" smtClean="0"/>
+              <a:t>Thread </a:t>
+            </a:r>
+            <a:r>
+              <a:rPr lang="en-US" b="1" dirty="0" err="1" smtClean="0"/>
+              <a:t>T</a:t>
+            </a:r>
+            <a:r>
+              <a:rPr lang="en-US" b="1" baseline="-25000" dirty="0" err="1" smtClean="0"/>
+              <a:t>i</a:t>
+            </a:r>
+            <a:endParaRPr lang="en-US" b="1" baseline="-25000" dirty="0"/>
+          </a:p>
+          <a:p>
+            <a:pPr algn="ctr"/>
+            <a:r>
+              <a:rPr lang="en-GB" b="1" dirty="0" err="1"/>
+              <a:t>i</a:t>
+            </a:r>
+            <a:r>
+              <a:rPr lang="en-GB" b="1" dirty="0"/>
+              <a:t> = </a:t>
+            </a:r>
+            <a:r>
+              <a:rPr lang="en-GB" b="1" dirty="0" err="1"/>
+              <a:t>blockIdx.x</a:t>
+            </a:r>
+            <a:r>
+              <a:rPr lang="en-GB" b="1" dirty="0"/>
+              <a:t> × </a:t>
+            </a:r>
+            <a:r>
+              <a:rPr lang="en-GB" b="1" dirty="0" err="1"/>
+              <a:t>blockDim</a:t>
+            </a:r>
+            <a:r>
+              <a:rPr lang="en-GB" b="1" dirty="0"/>
+              <a:t> + </a:t>
+            </a:r>
+            <a:r>
+              <a:rPr lang="en-GB" b="1" dirty="0" err="1" smtClean="0"/>
+              <a:t>threadIdx.x</a:t>
+            </a:r>
+            <a:endParaRPr lang="en-GB" b="1" dirty="0" smtClean="0"/>
+          </a:p>
+          <a:p>
+            <a:pPr algn="ctr"/>
+            <a:r>
+              <a:rPr lang="en-GB" b="1" dirty="0"/>
+              <a:t>DNNT is set of M nearest distances responding to </a:t>
+            </a:r>
+            <a:r>
+              <a:rPr lang="en-GB" b="1" dirty="0" err="1" smtClean="0"/>
+              <a:t>NNT</a:t>
+            </a:r>
+            <a:r>
+              <a:rPr lang="en-GB" b="1" baseline="-25000" dirty="0" err="1" smtClean="0"/>
+              <a:t>i</a:t>
+            </a:r>
+            <a:endParaRPr lang="en-US" b="1" baseline="-25000" dirty="0"/>
+          </a:p>
+        </p:txBody>
+      </p:sp>
+      <p:sp>
+        <p:nvSpPr>
+          <p:cNvPr id="72" name="Rectangle 71"/>
+          <p:cNvSpPr/>
+          <p:nvPr/>
+        </p:nvSpPr>
+        <p:spPr>
+          <a:xfrm>
+            <a:off x="6571707" y="3461705"/>
+            <a:ext cx="4128990" cy="2915156"/>
+          </a:xfrm>
+          <a:prstGeom prst="rect">
+            <a:avLst/>
+          </a:prstGeom>
+        </p:spPr>
+        <p:style>
+          <a:lnRef idx="2">
+            <a:schemeClr val="accent1"/>
+          </a:lnRef>
+          <a:fillRef idx="1">
+            <a:schemeClr val="lt1"/>
+          </a:fillRef>
+          <a:effectRef idx="0">
+            <a:schemeClr val="accent1"/>
+          </a:effectRef>
+          <a:fontRef idx="minor">
+            <a:schemeClr val="dk1"/>
+          </a:fontRef>
+        </p:style>
+        <p:txBody>
+          <a:bodyPr rtlCol="0" anchor="ctr"/>
+          <a:lstStyle/>
+          <a:p>
+            <a:pPr algn="ctr"/>
+            <a:endParaRPr lang="en-US"/>
+          </a:p>
+        </p:txBody>
+      </p:sp>
+      <p:sp>
+        <p:nvSpPr>
+          <p:cNvPr id="26" name="Rounded Rectangle 25"/>
+          <p:cNvSpPr/>
+          <p:nvPr/>
+        </p:nvSpPr>
+        <p:spPr>
+          <a:xfrm>
+            <a:off x="6806151" y="3639298"/>
+            <a:ext cx="3657600" cy="663106"/>
+          </a:xfrm>
+          <a:prstGeom prst="roundRect">
+            <a:avLst/>
+          </a:prstGeom>
+        </p:spPr>
+        <p:style>
+          <a:lnRef idx="2">
+            <a:schemeClr val="accent2">
+              <a:shade val="50000"/>
+            </a:schemeClr>
+          </a:lnRef>
+          <a:fillRef idx="1">
+            <a:schemeClr val="accent2"/>
+          </a:fillRef>
+          <a:effectRef idx="0">
+            <a:schemeClr val="accent2"/>
+          </a:effectRef>
+          <a:fontRef idx="minor">
+            <a:schemeClr val="lt1"/>
+          </a:fontRef>
+        </p:style>
+        <p:txBody>
+          <a:bodyPr rtlCol="0" anchor="ctr"/>
+          <a:lstStyle/>
+          <a:p>
+            <a:pPr algn="ctr"/>
+            <a:r>
+              <a:rPr lang="en-US" b="1" dirty="0" smtClean="0"/>
+              <a:t>For each centroid </a:t>
+            </a:r>
+            <a:r>
+              <a:rPr lang="en-US" b="1" dirty="0" err="1" smtClean="0"/>
+              <a:t>C</a:t>
+            </a:r>
+            <a:r>
+              <a:rPr lang="en-US" b="1" baseline="-25000" dirty="0" err="1" smtClean="0"/>
+              <a:t>j</a:t>
+            </a:r>
+            <a:r>
+              <a:rPr lang="en-US" b="1" dirty="0" smtClean="0"/>
+              <a:t> in the shared memory</a:t>
+            </a:r>
+            <a:endParaRPr lang="en-US" b="1" dirty="0"/>
+          </a:p>
+        </p:txBody>
+      </p:sp>
+      <p:cxnSp>
+        <p:nvCxnSpPr>
+          <p:cNvPr id="49" name="Straight Arrow Connector 48"/>
+          <p:cNvCxnSpPr>
+            <a:stCxn id="21" idx="3"/>
+          </p:cNvCxnSpPr>
+          <p:nvPr/>
+        </p:nvCxnSpPr>
+        <p:spPr>
+          <a:xfrm>
+            <a:off x="5246780" y="4858341"/>
+            <a:ext cx="1302578" cy="0"/>
+          </a:xfrm>
+          <a:prstGeom prst="straightConnector1">
+            <a:avLst/>
+          </a:prstGeom>
+          <a:ln w="44450">
+            <a:tailEnd type="triangle"/>
+          </a:ln>
+        </p:spPr>
+        <p:style>
+          <a:lnRef idx="1">
+            <a:schemeClr val="accent1"/>
+          </a:lnRef>
+          <a:fillRef idx="0">
+            <a:schemeClr val="accent1"/>
+          </a:fillRef>
+          <a:effectRef idx="0">
+            <a:schemeClr val="accent1"/>
+          </a:effectRef>
+          <a:fontRef idx="minor">
+            <a:schemeClr val="tx1"/>
+          </a:fontRef>
+        </p:style>
+      </p:cxnSp>
+      <p:cxnSp>
+        <p:nvCxnSpPr>
+          <p:cNvPr id="92" name="Straight Arrow Connector 91"/>
+          <p:cNvCxnSpPr>
+            <a:endCxn id="94" idx="3"/>
+          </p:cNvCxnSpPr>
+          <p:nvPr/>
+        </p:nvCxnSpPr>
+        <p:spPr>
+          <a:xfrm flipH="1">
+            <a:off x="5260006" y="5929460"/>
+            <a:ext cx="1309199" cy="10975"/>
+          </a:xfrm>
+          <a:prstGeom prst="straightConnector1">
+            <a:avLst/>
+          </a:prstGeom>
+          <a:ln w="44450">
+            <a:tailEnd type="triangle"/>
+          </a:ln>
+        </p:spPr>
+        <p:style>
+          <a:lnRef idx="1">
+            <a:schemeClr val="accent1"/>
+          </a:lnRef>
+          <a:fillRef idx="0">
+            <a:schemeClr val="accent1"/>
+          </a:fillRef>
+          <a:effectRef idx="0">
+            <a:schemeClr val="accent1"/>
+          </a:effectRef>
+          <a:fontRef idx="minor">
+            <a:schemeClr val="tx1"/>
+          </a:fontRef>
+        </p:style>
+      </p:cxnSp>
+      <p:sp>
+        <p:nvSpPr>
+          <p:cNvPr id="94" name="Rounded Rectangle 93"/>
+          <p:cNvSpPr/>
+          <p:nvPr/>
+        </p:nvSpPr>
+        <p:spPr>
+          <a:xfrm>
+            <a:off x="2384830" y="5578901"/>
+            <a:ext cx="2875176" cy="723068"/>
+          </a:xfrm>
+          <a:prstGeom prst="roundRect">
+            <a:avLst/>
+          </a:prstGeom>
+        </p:spPr>
+        <p:style>
+          <a:lnRef idx="2">
+            <a:schemeClr val="accent2">
+              <a:shade val="50000"/>
+            </a:schemeClr>
+          </a:lnRef>
+          <a:fillRef idx="1">
+            <a:schemeClr val="accent2"/>
+          </a:fillRef>
+          <a:effectRef idx="0">
+            <a:schemeClr val="accent2"/>
+          </a:effectRef>
+          <a:fontRef idx="minor">
+            <a:schemeClr val="lt1"/>
+          </a:fontRef>
+        </p:style>
+        <p:txBody>
+          <a:bodyPr rtlCol="0" anchor="ctr"/>
+          <a:lstStyle/>
+          <a:p>
+            <a:pPr algn="ctr"/>
+            <a:r>
+              <a:rPr lang="en-US" b="1" dirty="0" smtClean="0"/>
+              <a:t>Update membership for data </a:t>
+            </a:r>
+            <a:r>
+              <a:rPr lang="en-US" b="1" dirty="0"/>
+              <a:t>point </a:t>
+            </a:r>
+            <a:r>
+              <a:rPr lang="en-US" b="1" dirty="0" smtClean="0"/>
+              <a:t>X</a:t>
+            </a:r>
+            <a:r>
+              <a:rPr lang="en-US" b="1" baseline="-25000" dirty="0" smtClean="0"/>
+              <a:t>i</a:t>
+            </a:r>
+            <a:endParaRPr lang="en-US" b="1" dirty="0"/>
+          </a:p>
+        </p:txBody>
+      </p:sp>
+      <p:sp>
+        <p:nvSpPr>
+          <p:cNvPr id="107" name="Rectangle 106"/>
+          <p:cNvSpPr/>
+          <p:nvPr/>
+        </p:nvSpPr>
+        <p:spPr>
+          <a:xfrm>
+            <a:off x="6806151" y="4465427"/>
+            <a:ext cx="3657600" cy="1713920"/>
+          </a:xfrm>
+          <a:prstGeom prst="rect">
+            <a:avLst/>
+          </a:prstGeom>
+        </p:spPr>
+        <p:style>
+          <a:lnRef idx="2">
+            <a:schemeClr val="accent1"/>
+          </a:lnRef>
+          <a:fillRef idx="1">
+            <a:schemeClr val="lt1"/>
+          </a:fillRef>
+          <a:effectRef idx="0">
+            <a:schemeClr val="accent1"/>
+          </a:effectRef>
+          <a:fontRef idx="minor">
+            <a:schemeClr val="dk1"/>
+          </a:fontRef>
+        </p:style>
+        <p:txBody>
+          <a:bodyPr rtlCol="0" anchor="ctr"/>
+          <a:lstStyle/>
+          <a:p>
+            <a:pPr algn="ctr"/>
+            <a:endParaRPr lang="en-US"/>
+          </a:p>
+        </p:txBody>
+      </p:sp>
+      <p:sp>
+        <p:nvSpPr>
+          <p:cNvPr id="28" name="Rounded Rectangle 27"/>
+          <p:cNvSpPr/>
+          <p:nvPr/>
+        </p:nvSpPr>
+        <p:spPr>
+          <a:xfrm>
+            <a:off x="6960639" y="4791474"/>
+            <a:ext cx="3348623" cy="466061"/>
+          </a:xfrm>
+          <a:prstGeom prst="roundRect">
+            <a:avLst/>
+          </a:prstGeom>
+        </p:spPr>
+        <p:style>
+          <a:lnRef idx="2">
+            <a:schemeClr val="accent2">
+              <a:shade val="50000"/>
+            </a:schemeClr>
+          </a:lnRef>
+          <a:fillRef idx="1">
+            <a:schemeClr val="accent2"/>
+          </a:fillRef>
+          <a:effectRef idx="0">
+            <a:schemeClr val="accent2"/>
+          </a:effectRef>
+          <a:fontRef idx="minor">
+            <a:schemeClr val="lt1"/>
+          </a:fontRef>
+        </p:style>
+        <p:txBody>
+          <a:bodyPr rtlCol="0" anchor="ctr"/>
+          <a:lstStyle/>
+          <a:p>
+            <a:pPr algn="ctr"/>
+            <a:r>
+              <a:rPr lang="en-US" b="1" dirty="0" smtClean="0"/>
+              <a:t>Calculate </a:t>
+            </a:r>
+            <a:r>
+              <a:rPr lang="en-US" b="1" dirty="0"/>
+              <a:t>distance </a:t>
+            </a:r>
+            <a:r>
+              <a:rPr lang="en-US" b="1" dirty="0" smtClean="0"/>
+              <a:t>d(X</a:t>
+            </a:r>
+            <a:r>
+              <a:rPr lang="en-US" b="1" baseline="-25000" dirty="0" smtClean="0"/>
+              <a:t>i</a:t>
+            </a:r>
+            <a:r>
+              <a:rPr lang="en-US" b="1" dirty="0" smtClean="0"/>
+              <a:t>, </a:t>
+            </a:r>
+            <a:r>
+              <a:rPr lang="en-US" b="1" dirty="0" err="1" smtClean="0"/>
+              <a:t>C</a:t>
+            </a:r>
+            <a:r>
+              <a:rPr lang="en-US" b="1" baseline="-25000" dirty="0" err="1" smtClean="0"/>
+              <a:t>j</a:t>
+            </a:r>
+            <a:r>
+              <a:rPr lang="en-US" b="1" dirty="0" smtClean="0"/>
+              <a:t>)</a:t>
+            </a:r>
+            <a:endParaRPr lang="en-US" b="1" dirty="0"/>
+          </a:p>
+        </p:txBody>
+      </p:sp>
+      <p:sp>
+        <p:nvSpPr>
+          <p:cNvPr id="25" name="Rounded Rectangle 24"/>
+          <p:cNvSpPr/>
+          <p:nvPr/>
+        </p:nvSpPr>
+        <p:spPr>
+          <a:xfrm>
+            <a:off x="6962482" y="5581320"/>
+            <a:ext cx="3348623" cy="464523"/>
+          </a:xfrm>
+          <a:prstGeom prst="roundRect">
+            <a:avLst/>
+          </a:prstGeom>
+        </p:spPr>
+        <p:style>
+          <a:lnRef idx="2">
+            <a:schemeClr val="accent2">
+              <a:shade val="50000"/>
+            </a:schemeClr>
+          </a:lnRef>
+          <a:fillRef idx="1">
+            <a:schemeClr val="accent2"/>
+          </a:fillRef>
+          <a:effectRef idx="0">
+            <a:schemeClr val="accent2"/>
+          </a:effectRef>
+          <a:fontRef idx="minor">
+            <a:schemeClr val="lt1"/>
+          </a:fontRef>
+        </p:style>
+        <p:txBody>
+          <a:bodyPr rtlCol="0" anchor="ctr"/>
+          <a:lstStyle/>
+          <a:p>
+            <a:pPr algn="ctr"/>
+            <a:r>
+              <a:rPr lang="en-US" b="1" dirty="0" smtClean="0"/>
+              <a:t>Update </a:t>
+            </a:r>
+            <a:r>
+              <a:rPr lang="en-US" b="1" dirty="0" err="1" smtClean="0"/>
+              <a:t>NNT</a:t>
+            </a:r>
+            <a:r>
+              <a:rPr lang="en-US" b="1" baseline="-25000" dirty="0" err="1" smtClean="0"/>
+              <a:t>i</a:t>
+            </a:r>
+            <a:r>
+              <a:rPr lang="en-US" b="1" dirty="0"/>
+              <a:t> </a:t>
+            </a:r>
+            <a:r>
+              <a:rPr lang="en-US" b="1" dirty="0" smtClean="0"/>
+              <a:t>and DNNT</a:t>
+            </a:r>
+            <a:endParaRPr lang="en-US" b="1" dirty="0"/>
+          </a:p>
+        </p:txBody>
+      </p:sp>
+      <p:cxnSp>
+        <p:nvCxnSpPr>
+          <p:cNvPr id="81" name="Straight Arrow Connector 80"/>
+          <p:cNvCxnSpPr>
+            <a:stCxn id="26" idx="2"/>
+            <a:endCxn id="28" idx="0"/>
+          </p:cNvCxnSpPr>
+          <p:nvPr/>
+        </p:nvCxnSpPr>
+        <p:spPr>
+          <a:xfrm>
+            <a:off x="8634951" y="4302404"/>
+            <a:ext cx="0" cy="489070"/>
+          </a:xfrm>
+          <a:prstGeom prst="straightConnector1">
+            <a:avLst/>
+          </a:prstGeom>
+          <a:ln w="44450">
+            <a:tailEnd type="triangle"/>
+          </a:ln>
+        </p:spPr>
+        <p:style>
+          <a:lnRef idx="1">
+            <a:schemeClr val="accent1"/>
+          </a:lnRef>
+          <a:fillRef idx="0">
+            <a:schemeClr val="accent1"/>
+          </a:fillRef>
+          <a:effectRef idx="0">
+            <a:schemeClr val="accent1"/>
+          </a:effectRef>
+          <a:fontRef idx="minor">
+            <a:schemeClr val="tx1"/>
+          </a:fontRef>
+        </p:style>
+      </p:cxnSp>
+      <p:cxnSp>
+        <p:nvCxnSpPr>
+          <p:cNvPr id="71" name="Straight Arrow Connector 70"/>
+          <p:cNvCxnSpPr>
+            <a:stCxn id="28" idx="2"/>
+            <a:endCxn id="25" idx="0"/>
+          </p:cNvCxnSpPr>
+          <p:nvPr/>
+        </p:nvCxnSpPr>
+        <p:spPr>
+          <a:xfrm>
+            <a:off x="8634951" y="5257535"/>
+            <a:ext cx="1843" cy="323785"/>
+          </a:xfrm>
+          <a:prstGeom prst="straightConnector1">
+            <a:avLst/>
+          </a:prstGeom>
+          <a:ln w="44450">
+            <a:tailEnd type="triangle"/>
+          </a:ln>
+        </p:spPr>
+        <p:style>
+          <a:lnRef idx="1">
+            <a:schemeClr val="accent1"/>
+          </a:lnRef>
+          <a:fillRef idx="0">
+            <a:schemeClr val="accent1"/>
+          </a:fillRef>
+          <a:effectRef idx="0">
+            <a:schemeClr val="accent1"/>
+          </a:effectRef>
+          <a:fontRef idx="minor">
+            <a:schemeClr val="tx1"/>
+          </a:fontRef>
+        </p:style>
+      </p:cxnSp>
+      <p:sp>
+        <p:nvSpPr>
+          <p:cNvPr id="21" name="Rounded Rectangle 20"/>
+          <p:cNvSpPr/>
+          <p:nvPr/>
+        </p:nvSpPr>
+        <p:spPr>
+          <a:xfrm>
+            <a:off x="2362481" y="4415721"/>
+            <a:ext cx="2884299" cy="885240"/>
+          </a:xfrm>
+          <a:prstGeom prst="roundRect">
+            <a:avLst/>
+          </a:prstGeom>
+        </p:spPr>
+        <p:style>
+          <a:lnRef idx="2">
+            <a:schemeClr val="accent2">
+              <a:shade val="50000"/>
+            </a:schemeClr>
+          </a:lnRef>
+          <a:fillRef idx="1">
+            <a:schemeClr val="accent2"/>
+          </a:fillRef>
+          <a:effectRef idx="0">
+            <a:schemeClr val="accent2"/>
+          </a:effectRef>
+          <a:fontRef idx="minor">
+            <a:schemeClr val="lt1"/>
+          </a:fontRef>
+        </p:style>
+        <p:txBody>
+          <a:bodyPr rtlCol="0" anchor="ctr"/>
+          <a:lstStyle/>
+          <a:p>
+            <a:pPr algn="ctr"/>
+            <a:r>
+              <a:rPr lang="en-US" b="1" dirty="0" smtClean="0"/>
+              <a:t>Load data </a:t>
+            </a:r>
+            <a:r>
+              <a:rPr lang="en-US" b="1" dirty="0"/>
+              <a:t>point </a:t>
+            </a:r>
+            <a:r>
+              <a:rPr lang="en-US" b="1" dirty="0" smtClean="0"/>
+              <a:t>X</a:t>
+            </a:r>
+            <a:r>
+              <a:rPr lang="en-US" b="1" baseline="-25000" dirty="0" smtClean="0"/>
+              <a:t>i </a:t>
+            </a:r>
+            <a:r>
+              <a:rPr lang="en-US" b="1" dirty="0" smtClean="0"/>
+              <a:t>into </a:t>
+            </a:r>
+            <a:r>
+              <a:rPr lang="en-US" b="1" dirty="0"/>
+              <a:t>the on-chip </a:t>
+            </a:r>
+            <a:r>
+              <a:rPr lang="en-US" b="1" dirty="0" smtClean="0"/>
+              <a:t>registers</a:t>
+            </a:r>
+            <a:endParaRPr lang="en-US" b="1" dirty="0"/>
+          </a:p>
+        </p:txBody>
+      </p:sp>
+      <p:cxnSp>
+        <p:nvCxnSpPr>
+          <p:cNvPr id="35" name="Straight Arrow Connector 34"/>
+          <p:cNvCxnSpPr>
+            <a:endCxn id="21" idx="0"/>
+          </p:cNvCxnSpPr>
+          <p:nvPr/>
+        </p:nvCxnSpPr>
+        <p:spPr>
+          <a:xfrm>
+            <a:off x="3804630" y="4079697"/>
+            <a:ext cx="1" cy="336024"/>
+          </a:xfrm>
+          <a:prstGeom prst="straightConnector1">
+            <a:avLst/>
+          </a:prstGeom>
+          <a:ln w="44450">
+            <a:tailEnd type="triangle"/>
+          </a:ln>
+        </p:spPr>
+        <p:style>
+          <a:lnRef idx="1">
+            <a:schemeClr val="accent1"/>
+          </a:lnRef>
+          <a:fillRef idx="0">
+            <a:schemeClr val="accent1"/>
+          </a:fillRef>
+          <a:effectRef idx="0">
+            <a:schemeClr val="accent1"/>
+          </a:effectRef>
+          <a:fontRef idx="minor">
+            <a:schemeClr val="tx1"/>
+          </a:fontRef>
+        </p:style>
+      </p:cxnSp>
+      <p:sp>
+        <p:nvSpPr>
+          <p:cNvPr id="27" name="Rounded Rectangle 26"/>
+          <p:cNvSpPr/>
+          <p:nvPr/>
+        </p:nvSpPr>
+        <p:spPr>
+          <a:xfrm>
+            <a:off x="2395946" y="3035628"/>
+            <a:ext cx="4017314" cy="1069231"/>
+          </a:xfrm>
+          <a:prstGeom prst="roundRect">
+            <a:avLst/>
+          </a:prstGeom>
+        </p:spPr>
+        <p:style>
+          <a:lnRef idx="2">
+            <a:schemeClr val="accent2">
+              <a:shade val="50000"/>
+            </a:schemeClr>
+          </a:lnRef>
+          <a:fillRef idx="1">
+            <a:schemeClr val="accent2"/>
+          </a:fillRef>
+          <a:effectRef idx="0">
+            <a:schemeClr val="accent2"/>
+          </a:effectRef>
+          <a:fontRef idx="minor">
+            <a:schemeClr val="lt1"/>
+          </a:fontRef>
+        </p:style>
+        <p:txBody>
+          <a:bodyPr rtlCol="0" anchor="ctr"/>
+          <a:lstStyle/>
+          <a:p>
+            <a:pPr algn="ctr"/>
+            <a:r>
+              <a:rPr lang="en-US" b="1" dirty="0" smtClean="0"/>
+              <a:t>Load values of centroid from the global memory</a:t>
+            </a:r>
+            <a:r>
+              <a:rPr lang="en-US" b="1" baseline="-25000" dirty="0" smtClean="0"/>
+              <a:t> </a:t>
+            </a:r>
+            <a:r>
+              <a:rPr lang="en-US" b="1" dirty="0" smtClean="0"/>
+              <a:t>into the shared memory </a:t>
+            </a:r>
+            <a:r>
+              <a:rPr lang="en-US" b="1" dirty="0"/>
+              <a:t>and </a:t>
+            </a:r>
+            <a:r>
+              <a:rPr lang="en-US" b="1" dirty="0" smtClean="0"/>
+              <a:t>synchronize threads</a:t>
+            </a:r>
+            <a:endParaRPr lang="en-US" b="1" dirty="0"/>
+          </a:p>
+        </p:txBody>
+      </p:sp>
+      <p:cxnSp>
+        <p:nvCxnSpPr>
+          <p:cNvPr id="40" name="Straight Arrow Connector 39"/>
+          <p:cNvCxnSpPr/>
+          <p:nvPr/>
+        </p:nvCxnSpPr>
+        <p:spPr>
+          <a:xfrm>
+            <a:off x="3822418" y="2724766"/>
+            <a:ext cx="0" cy="310862"/>
+          </a:xfrm>
+          <a:prstGeom prst="straightConnector1">
+            <a:avLst/>
+          </a:prstGeom>
+          <a:ln w="44450">
+            <a:tailEnd type="triangle"/>
+          </a:ln>
+        </p:spPr>
+        <p:style>
+          <a:lnRef idx="1">
+            <a:schemeClr val="accent1"/>
+          </a:lnRef>
+          <a:fillRef idx="0">
+            <a:schemeClr val="accent1"/>
+          </a:fillRef>
+          <a:effectRef idx="0">
+            <a:schemeClr val="accent1"/>
+          </a:effectRef>
+          <a:fontRef idx="minor">
+            <a:schemeClr val="tx1"/>
+          </a:fontRef>
+        </p:style>
+      </p:cxnSp>
+    </p:spTree>
+    <p:extLst>
+      <p:ext uri="{BB962C8B-B14F-4D97-AF65-F5344CB8AC3E}">
+        <p14:creationId xmlns:p14="http://schemas.microsoft.com/office/powerpoint/2010/main" val="1774254631"/>
       </p:ext>
     </p:extLst>
   </p:cSld>

--- a/trunk/ImageProcessing/Speeding up GFKM.pptx
+++ b/trunk/ImageProcessing/Speeding up GFKM.pptx
@@ -11,9 +11,15 @@
     <p:sldId id="259" r:id="rId5"/>
     <p:sldId id="260" r:id="rId6"/>
     <p:sldId id="262" r:id="rId7"/>
-    <p:sldId id="265" r:id="rId8"/>
+    <p:sldId id="268" r:id="rId8"/>
     <p:sldId id="264" r:id="rId9"/>
     <p:sldId id="266" r:id="rId10"/>
+    <p:sldId id="265" r:id="rId11"/>
+    <p:sldId id="267" r:id="rId12"/>
+    <p:sldId id="269" r:id="rId13"/>
+    <p:sldId id="271" r:id="rId14"/>
+    <p:sldId id="272" r:id="rId15"/>
+    <p:sldId id="273" r:id="rId16"/>
   </p:sldIdLst>
   <p:sldSz cx="12192000" cy="6858000"/>
   <p:notesSz cx="6858000" cy="9144000"/>
@@ -177,7 +183,7 @@
           <a:noFill/>
           <a:extLst>
             <a:ext uri="{909E8E84-426E-40dd-AFC4-6F175D3DCCD1}">
-              <a14:hiddenFill xmlns:a14="http://schemas.microsoft.com/office/drawing/2010/main" xmlns="">
+              <a14:hiddenFill xmlns="" xmlns:a14="http://schemas.microsoft.com/office/drawing/2010/main">
                 <a:solidFill>
                   <a:srgbClr val="FFFFFF"/>
                 </a:solidFill>
@@ -236,7 +242,7 @@
             </a:ln>
             <a:extLst>
               <a:ext uri="{91240B29-F687-4f45-9708-019B960494DF}">
-                <a14:hiddenLine xmlns:a14="http://schemas.microsoft.com/office/drawing/2010/main" xmlns="" w="9525">
+                <a14:hiddenLine xmlns="" xmlns:a14="http://schemas.microsoft.com/office/drawing/2010/main" w="9525">
                   <a:solidFill>
                     <a:srgbClr val="000000"/>
                   </a:solidFill>
@@ -326,7 +332,7 @@
             </a:ln>
             <a:extLst>
               <a:ext uri="{91240B29-F687-4f45-9708-019B960494DF}">
-                <a14:hiddenLine xmlns:a14="http://schemas.microsoft.com/office/drawing/2010/main" xmlns="" w="9525">
+                <a14:hiddenLine xmlns="" xmlns:a14="http://schemas.microsoft.com/office/drawing/2010/main" w="9525">
                   <a:solidFill>
                     <a:srgbClr val="000000"/>
                   </a:solidFill>
@@ -416,7 +422,7 @@
             </a:ln>
             <a:extLst>
               <a:ext uri="{91240B29-F687-4f45-9708-019B960494DF}">
-                <a14:hiddenLine xmlns:a14="http://schemas.microsoft.com/office/drawing/2010/main" xmlns="" w="9525">
+                <a14:hiddenLine xmlns="" xmlns:a14="http://schemas.microsoft.com/office/drawing/2010/main" w="9525">
                   <a:solidFill>
                     <a:srgbClr val="000000"/>
                   </a:solidFill>
@@ -450,7 +456,7 @@
             </a:ln>
             <a:extLst>
               <a:ext uri="{91240B29-F687-4f45-9708-019B960494DF}">
-                <a14:hiddenLine xmlns:a14="http://schemas.microsoft.com/office/drawing/2010/main" xmlns="" w="9525">
+                <a14:hiddenLine xmlns="" xmlns:a14="http://schemas.microsoft.com/office/drawing/2010/main" w="9525">
                   <a:solidFill>
                     <a:srgbClr val="000000"/>
                   </a:solidFill>
@@ -540,7 +546,7 @@
             </a:ln>
             <a:extLst>
               <a:ext uri="{91240B29-F687-4f45-9708-019B960494DF}">
-                <a14:hiddenLine xmlns:a14="http://schemas.microsoft.com/office/drawing/2010/main" xmlns="" w="9525">
+                <a14:hiddenLine xmlns="" xmlns:a14="http://schemas.microsoft.com/office/drawing/2010/main" w="9525">
                   <a:solidFill>
                     <a:srgbClr val="000000"/>
                   </a:solidFill>
@@ -602,7 +608,7 @@
             </a:ln>
             <a:extLst>
               <a:ext uri="{91240B29-F687-4f45-9708-019B960494DF}">
-                <a14:hiddenLine xmlns:a14="http://schemas.microsoft.com/office/drawing/2010/main" xmlns="" w="9525">
+                <a14:hiddenLine xmlns="" xmlns:a14="http://schemas.microsoft.com/office/drawing/2010/main" w="9525">
                   <a:solidFill>
                     <a:srgbClr val="000000"/>
                   </a:solidFill>
@@ -664,7 +670,7 @@
             </a:ln>
             <a:extLst>
               <a:ext uri="{91240B29-F687-4f45-9708-019B960494DF}">
-                <a14:hiddenLine xmlns:a14="http://schemas.microsoft.com/office/drawing/2010/main" xmlns="" w="9525">
+                <a14:hiddenLine xmlns="" xmlns:a14="http://schemas.microsoft.com/office/drawing/2010/main" w="9525">
                   <a:solidFill>
                     <a:srgbClr val="000000"/>
                   </a:solidFill>
@@ -754,7 +760,7 @@
             </a:ln>
             <a:extLst>
               <a:ext uri="{91240B29-F687-4f45-9708-019B960494DF}">
-                <a14:hiddenLine xmlns:a14="http://schemas.microsoft.com/office/drawing/2010/main" xmlns="" w="9525">
+                <a14:hiddenLine xmlns="" xmlns:a14="http://schemas.microsoft.com/office/drawing/2010/main" w="9525">
                   <a:solidFill>
                     <a:srgbClr val="000000"/>
                   </a:solidFill>
@@ -816,7 +822,7 @@
             </a:ln>
             <a:extLst>
               <a:ext uri="{91240B29-F687-4f45-9708-019B960494DF}">
-                <a14:hiddenLine xmlns:a14="http://schemas.microsoft.com/office/drawing/2010/main" xmlns="" w="9525">
+                <a14:hiddenLine xmlns="" xmlns:a14="http://schemas.microsoft.com/office/drawing/2010/main" w="9525">
                   <a:solidFill>
                     <a:srgbClr val="000000"/>
                   </a:solidFill>
@@ -878,7 +884,7 @@
             </a:ln>
             <a:extLst>
               <a:ext uri="{91240B29-F687-4f45-9708-019B960494DF}">
-                <a14:hiddenLine xmlns:a14="http://schemas.microsoft.com/office/drawing/2010/main" xmlns="" w="9525">
+                <a14:hiddenLine xmlns="" xmlns:a14="http://schemas.microsoft.com/office/drawing/2010/main" w="9525">
                   <a:solidFill>
                     <a:srgbClr val="000000"/>
                   </a:solidFill>
@@ -968,7 +974,7 @@
             </a:ln>
             <a:extLst>
               <a:ext uri="{91240B29-F687-4f45-9708-019B960494DF}">
-                <a14:hiddenLine xmlns:a14="http://schemas.microsoft.com/office/drawing/2010/main" xmlns="" w="9525">
+                <a14:hiddenLine xmlns="" xmlns:a14="http://schemas.microsoft.com/office/drawing/2010/main" w="9525">
                   <a:solidFill>
                     <a:srgbClr val="000000"/>
                   </a:solidFill>
@@ -1058,7 +1064,7 @@
             </a:ln>
             <a:extLst>
               <a:ext uri="{91240B29-F687-4f45-9708-019B960494DF}">
-                <a14:hiddenLine xmlns:a14="http://schemas.microsoft.com/office/drawing/2010/main" xmlns="" w="9525">
+                <a14:hiddenLine xmlns="" xmlns:a14="http://schemas.microsoft.com/office/drawing/2010/main" w="9525">
                   <a:solidFill>
                     <a:srgbClr val="000000"/>
                   </a:solidFill>
@@ -1120,7 +1126,7 @@
             </a:ln>
             <a:extLst>
               <a:ext uri="{91240B29-F687-4f45-9708-019B960494DF}">
-                <a14:hiddenLine xmlns:a14="http://schemas.microsoft.com/office/drawing/2010/main" xmlns="" w="9525">
+                <a14:hiddenLine xmlns="" xmlns:a14="http://schemas.microsoft.com/office/drawing/2010/main" w="9525">
                   <a:solidFill>
                     <a:srgbClr val="000000"/>
                   </a:solidFill>
@@ -1230,7 +1236,7 @@
             </a:ln>
             <a:extLst>
               <a:ext uri="{91240B29-F687-4f45-9708-019B960494DF}">
-                <a14:hiddenLine xmlns:a14="http://schemas.microsoft.com/office/drawing/2010/main" xmlns="" w="9525">
+                <a14:hiddenLine xmlns="" xmlns:a14="http://schemas.microsoft.com/office/drawing/2010/main" w="9525">
                   <a:solidFill>
                     <a:srgbClr val="000000"/>
                   </a:solidFill>
@@ -1292,7 +1298,7 @@
             </a:ln>
             <a:extLst>
               <a:ext uri="{91240B29-F687-4f45-9708-019B960494DF}">
-                <a14:hiddenLine xmlns:a14="http://schemas.microsoft.com/office/drawing/2010/main" xmlns="" w="9525">
+                <a14:hiddenLine xmlns="" xmlns:a14="http://schemas.microsoft.com/office/drawing/2010/main" w="9525">
                   <a:solidFill>
                     <a:srgbClr val="000000"/>
                   </a:solidFill>
@@ -1382,7 +1388,7 @@
             </a:ln>
             <a:extLst>
               <a:ext uri="{91240B29-F687-4f45-9708-019B960494DF}">
-                <a14:hiddenLine xmlns:a14="http://schemas.microsoft.com/office/drawing/2010/main" xmlns="" w="9525">
+                <a14:hiddenLine xmlns="" xmlns:a14="http://schemas.microsoft.com/office/drawing/2010/main" w="9525">
                   <a:solidFill>
                     <a:srgbClr val="000000"/>
                   </a:solidFill>
@@ -1472,7 +1478,7 @@
             </a:ln>
             <a:extLst>
               <a:ext uri="{91240B29-F687-4f45-9708-019B960494DF}">
-                <a14:hiddenLine xmlns:a14="http://schemas.microsoft.com/office/drawing/2010/main" xmlns="" w="9525">
+                <a14:hiddenLine xmlns="" xmlns:a14="http://schemas.microsoft.com/office/drawing/2010/main" w="9525">
                   <a:solidFill>
                     <a:srgbClr val="000000"/>
                   </a:solidFill>
@@ -1534,7 +1540,7 @@
             </a:ln>
             <a:extLst>
               <a:ext uri="{91240B29-F687-4f45-9708-019B960494DF}">
-                <a14:hiddenLine xmlns:a14="http://schemas.microsoft.com/office/drawing/2010/main" xmlns="" w="9525">
+                <a14:hiddenLine xmlns="" xmlns:a14="http://schemas.microsoft.com/office/drawing/2010/main" w="9525">
                   <a:solidFill>
                     <a:srgbClr val="000000"/>
                   </a:solidFill>
@@ -1624,7 +1630,7 @@
             </a:ln>
             <a:extLst>
               <a:ext uri="{91240B29-F687-4f45-9708-019B960494DF}">
-                <a14:hiddenLine xmlns:a14="http://schemas.microsoft.com/office/drawing/2010/main" xmlns="" w="9525">
+                <a14:hiddenLine xmlns="" xmlns:a14="http://schemas.microsoft.com/office/drawing/2010/main" w="9525">
                   <a:solidFill>
                     <a:srgbClr val="000000"/>
                   </a:solidFill>
@@ -1714,7 +1720,7 @@
             </a:ln>
             <a:extLst>
               <a:ext uri="{91240B29-F687-4f45-9708-019B960494DF}">
-                <a14:hiddenLine xmlns:a14="http://schemas.microsoft.com/office/drawing/2010/main" xmlns="" w="9525">
+                <a14:hiddenLine xmlns="" xmlns:a14="http://schemas.microsoft.com/office/drawing/2010/main" w="9525">
                   <a:solidFill>
                     <a:srgbClr val="000000"/>
                   </a:solidFill>
@@ -1770,7 +1776,7 @@
             </a:ln>
             <a:extLst>
               <a:ext uri="{91240B29-F687-4f45-9708-019B960494DF}">
-                <a14:hiddenLine xmlns:a14="http://schemas.microsoft.com/office/drawing/2010/main" xmlns="" w="9525">
+                <a14:hiddenLine xmlns="" xmlns:a14="http://schemas.microsoft.com/office/drawing/2010/main" w="9525">
                   <a:solidFill>
                     <a:srgbClr val="000000"/>
                   </a:solidFill>
@@ -1860,7 +1866,7 @@
             </a:ln>
             <a:extLst>
               <a:ext uri="{91240B29-F687-4f45-9708-019B960494DF}">
-                <a14:hiddenLine xmlns:a14="http://schemas.microsoft.com/office/drawing/2010/main" xmlns="" w="9525">
+                <a14:hiddenLine xmlns="" xmlns:a14="http://schemas.microsoft.com/office/drawing/2010/main" w="9525">
                   <a:solidFill>
                     <a:srgbClr val="000000"/>
                   </a:solidFill>
@@ -1916,7 +1922,7 @@
             </a:ln>
             <a:extLst>
               <a:ext uri="{91240B29-F687-4f45-9708-019B960494DF}">
-                <a14:hiddenLine xmlns:a14="http://schemas.microsoft.com/office/drawing/2010/main" xmlns="" w="9525">
+                <a14:hiddenLine xmlns="" xmlns:a14="http://schemas.microsoft.com/office/drawing/2010/main" w="9525">
                   <a:solidFill>
                     <a:srgbClr val="000000"/>
                   </a:solidFill>
@@ -2006,7 +2012,7 @@
             </a:ln>
             <a:extLst>
               <a:ext uri="{91240B29-F687-4f45-9708-019B960494DF}">
-                <a14:hiddenLine xmlns:a14="http://schemas.microsoft.com/office/drawing/2010/main" xmlns="" w="9525">
+                <a14:hiddenLine xmlns="" xmlns:a14="http://schemas.microsoft.com/office/drawing/2010/main" w="9525">
                   <a:solidFill>
                     <a:srgbClr val="000000"/>
                   </a:solidFill>
@@ -2074,7 +2080,7 @@
             </a:ln>
             <a:extLst>
               <a:ext uri="{91240B29-F687-4f45-9708-019B960494DF}">
-                <a14:hiddenLine xmlns:a14="http://schemas.microsoft.com/office/drawing/2010/main" xmlns="" w="9525">
+                <a14:hiddenLine xmlns="" xmlns:a14="http://schemas.microsoft.com/office/drawing/2010/main" w="9525">
                   <a:solidFill>
                     <a:srgbClr val="000000"/>
                   </a:solidFill>
@@ -2164,7 +2170,7 @@
             </a:ln>
             <a:extLst>
               <a:ext uri="{91240B29-F687-4f45-9708-019B960494DF}">
-                <a14:hiddenLine xmlns:a14="http://schemas.microsoft.com/office/drawing/2010/main" xmlns="" w="9525">
+                <a14:hiddenLine xmlns="" xmlns:a14="http://schemas.microsoft.com/office/drawing/2010/main" w="9525">
                   <a:solidFill>
                     <a:srgbClr val="000000"/>
                   </a:solidFill>
@@ -2232,7 +2238,7 @@
             </a:ln>
             <a:extLst>
               <a:ext uri="{91240B29-F687-4f45-9708-019B960494DF}">
-                <a14:hiddenLine xmlns:a14="http://schemas.microsoft.com/office/drawing/2010/main" xmlns="" w="9525">
+                <a14:hiddenLine xmlns="" xmlns:a14="http://schemas.microsoft.com/office/drawing/2010/main" w="9525">
                   <a:solidFill>
                     <a:srgbClr val="000000"/>
                   </a:solidFill>
@@ -2322,7 +2328,7 @@
             </a:ln>
             <a:extLst>
               <a:ext uri="{91240B29-F687-4f45-9708-019B960494DF}">
-                <a14:hiddenLine xmlns:a14="http://schemas.microsoft.com/office/drawing/2010/main" xmlns="" w="9525">
+                <a14:hiddenLine xmlns="" xmlns:a14="http://schemas.microsoft.com/office/drawing/2010/main" w="9525">
                   <a:solidFill>
                     <a:srgbClr val="000000"/>
                   </a:solidFill>
@@ -2356,7 +2362,7 @@
             </a:ln>
             <a:extLst>
               <a:ext uri="{91240B29-F687-4f45-9708-019B960494DF}">
-                <a14:hiddenLine xmlns:a14="http://schemas.microsoft.com/office/drawing/2010/main" xmlns="" w="9525">
+                <a14:hiddenLine xmlns="" xmlns:a14="http://schemas.microsoft.com/office/drawing/2010/main" w="9525">
                   <a:solidFill>
                     <a:srgbClr val="000000"/>
                   </a:solidFill>
@@ -2446,7 +2452,7 @@
             </a:ln>
             <a:extLst>
               <a:ext uri="{91240B29-F687-4f45-9708-019B960494DF}">
-                <a14:hiddenLine xmlns:a14="http://schemas.microsoft.com/office/drawing/2010/main" xmlns="" w="9525">
+                <a14:hiddenLine xmlns="" xmlns:a14="http://schemas.microsoft.com/office/drawing/2010/main" w="9525">
                   <a:solidFill>
                     <a:srgbClr val="000000"/>
                   </a:solidFill>
@@ -2508,7 +2514,7 @@
             </a:ln>
             <a:extLst>
               <a:ext uri="{91240B29-F687-4f45-9708-019B960494DF}">
-                <a14:hiddenLine xmlns:a14="http://schemas.microsoft.com/office/drawing/2010/main" xmlns="" w="9525">
+                <a14:hiddenLine xmlns="" xmlns:a14="http://schemas.microsoft.com/office/drawing/2010/main" w="9525">
                   <a:solidFill>
                     <a:srgbClr val="000000"/>
                   </a:solidFill>
@@ -2570,7 +2576,7 @@
             </a:ln>
             <a:extLst>
               <a:ext uri="{91240B29-F687-4f45-9708-019B960494DF}">
-                <a14:hiddenLine xmlns:a14="http://schemas.microsoft.com/office/drawing/2010/main" xmlns="" w="9525">
+                <a14:hiddenLine xmlns="" xmlns:a14="http://schemas.microsoft.com/office/drawing/2010/main" w="9525">
                   <a:solidFill>
                     <a:srgbClr val="000000"/>
                   </a:solidFill>
@@ -2660,7 +2666,7 @@
             </a:ln>
             <a:extLst>
               <a:ext uri="{91240B29-F687-4f45-9708-019B960494DF}">
-                <a14:hiddenLine xmlns:a14="http://schemas.microsoft.com/office/drawing/2010/main" xmlns="" w="9525">
+                <a14:hiddenLine xmlns="" xmlns:a14="http://schemas.microsoft.com/office/drawing/2010/main" w="9525">
                   <a:solidFill>
                     <a:srgbClr val="000000"/>
                   </a:solidFill>
@@ -2728,7 +2734,7 @@
             </a:ln>
             <a:extLst>
               <a:ext uri="{91240B29-F687-4f45-9708-019B960494DF}">
-                <a14:hiddenLine xmlns:a14="http://schemas.microsoft.com/office/drawing/2010/main" xmlns="" w="9525">
+                <a14:hiddenLine xmlns="" xmlns:a14="http://schemas.microsoft.com/office/drawing/2010/main" w="9525">
                   <a:solidFill>
                     <a:srgbClr val="000000"/>
                   </a:solidFill>
@@ -2790,7 +2796,7 @@
             </a:ln>
             <a:extLst>
               <a:ext uri="{91240B29-F687-4f45-9708-019B960494DF}">
-                <a14:hiddenLine xmlns:a14="http://schemas.microsoft.com/office/drawing/2010/main" xmlns="" w="9525">
+                <a14:hiddenLine xmlns="" xmlns:a14="http://schemas.microsoft.com/office/drawing/2010/main" w="9525">
                   <a:solidFill>
                     <a:srgbClr val="000000"/>
                   </a:solidFill>
@@ -2880,7 +2886,7 @@
             </a:ln>
             <a:extLst>
               <a:ext uri="{91240B29-F687-4f45-9708-019B960494DF}">
-                <a14:hiddenLine xmlns:a14="http://schemas.microsoft.com/office/drawing/2010/main" xmlns="" w="9525">
+                <a14:hiddenLine xmlns="" xmlns:a14="http://schemas.microsoft.com/office/drawing/2010/main" w="9525">
                   <a:solidFill>
                     <a:srgbClr val="000000"/>
                   </a:solidFill>
@@ -2942,7 +2948,7 @@
             </a:ln>
             <a:extLst>
               <a:ext uri="{91240B29-F687-4f45-9708-019B960494DF}">
-                <a14:hiddenLine xmlns:a14="http://schemas.microsoft.com/office/drawing/2010/main" xmlns="" w="9525">
+                <a14:hiddenLine xmlns="" xmlns:a14="http://schemas.microsoft.com/office/drawing/2010/main" w="9525">
                   <a:solidFill>
                     <a:srgbClr val="000000"/>
                   </a:solidFill>
@@ -3032,7 +3038,7 @@
             </a:ln>
             <a:extLst>
               <a:ext uri="{91240B29-F687-4f45-9708-019B960494DF}">
-                <a14:hiddenLine xmlns:a14="http://schemas.microsoft.com/office/drawing/2010/main" xmlns="" w="9525">
+                <a14:hiddenLine xmlns="" xmlns:a14="http://schemas.microsoft.com/office/drawing/2010/main" w="9525">
                   <a:solidFill>
                     <a:srgbClr val="000000"/>
                   </a:solidFill>
@@ -3094,7 +3100,7 @@
             </a:ln>
             <a:extLst>
               <a:ext uri="{91240B29-F687-4f45-9708-019B960494DF}">
-                <a14:hiddenLine xmlns:a14="http://schemas.microsoft.com/office/drawing/2010/main" xmlns="" w="9525">
+                <a14:hiddenLine xmlns="" xmlns:a14="http://schemas.microsoft.com/office/drawing/2010/main" w="9525">
                   <a:solidFill>
                     <a:srgbClr val="000000"/>
                   </a:solidFill>
@@ -3184,7 +3190,7 @@
             </a:ln>
             <a:extLst>
               <a:ext uri="{91240B29-F687-4f45-9708-019B960494DF}">
-                <a14:hiddenLine xmlns:a14="http://schemas.microsoft.com/office/drawing/2010/main" xmlns="" w="9525">
+                <a14:hiddenLine xmlns="" xmlns:a14="http://schemas.microsoft.com/office/drawing/2010/main" w="9525">
                   <a:solidFill>
                     <a:srgbClr val="000000"/>
                   </a:solidFill>
@@ -3218,7 +3224,7 @@
             </a:ln>
             <a:extLst>
               <a:ext uri="{91240B29-F687-4f45-9708-019B960494DF}">
-                <a14:hiddenLine xmlns:a14="http://schemas.microsoft.com/office/drawing/2010/main" xmlns="" w="9525">
+                <a14:hiddenLine xmlns="" xmlns:a14="http://schemas.microsoft.com/office/drawing/2010/main" w="9525">
                   <a:solidFill>
                     <a:srgbClr val="000000"/>
                   </a:solidFill>
@@ -3283,7 +3289,7 @@
             </a:ln>
             <a:extLst>
               <a:ext uri="{91240B29-F687-4f45-9708-019B960494DF}">
-                <a14:hiddenLine xmlns:a14="http://schemas.microsoft.com/office/drawing/2010/main" xmlns="" w="9525">
+                <a14:hiddenLine xmlns="" xmlns:a14="http://schemas.microsoft.com/office/drawing/2010/main" w="9525">
                   <a:solidFill>
                     <a:srgbClr val="000000"/>
                   </a:solidFill>
@@ -3373,7 +3379,7 @@
             </a:ln>
             <a:extLst>
               <a:ext uri="{91240B29-F687-4f45-9708-019B960494DF}">
-                <a14:hiddenLine xmlns:a14="http://schemas.microsoft.com/office/drawing/2010/main" xmlns="" w="9525">
+                <a14:hiddenLine xmlns="" xmlns:a14="http://schemas.microsoft.com/office/drawing/2010/main" w="9525">
                   <a:solidFill>
                     <a:srgbClr val="000000"/>
                   </a:solidFill>
@@ -3435,7 +3441,7 @@
             </a:ln>
             <a:extLst>
               <a:ext uri="{91240B29-F687-4f45-9708-019B960494DF}">
-                <a14:hiddenLine xmlns:a14="http://schemas.microsoft.com/office/drawing/2010/main" xmlns="" w="9525">
+                <a14:hiddenLine xmlns="" xmlns:a14="http://schemas.microsoft.com/office/drawing/2010/main" w="9525">
                   <a:solidFill>
                     <a:srgbClr val="000000"/>
                   </a:solidFill>
@@ -3525,7 +3531,7 @@
             </a:ln>
             <a:extLst>
               <a:ext uri="{91240B29-F687-4f45-9708-019B960494DF}">
-                <a14:hiddenLine xmlns:a14="http://schemas.microsoft.com/office/drawing/2010/main" xmlns="" w="9525">
+                <a14:hiddenLine xmlns="" xmlns:a14="http://schemas.microsoft.com/office/drawing/2010/main" w="9525">
                   <a:solidFill>
                     <a:srgbClr val="000000"/>
                   </a:solidFill>
@@ -3615,7 +3621,7 @@
             </a:ln>
             <a:extLst>
               <a:ext uri="{91240B29-F687-4f45-9708-019B960494DF}">
-                <a14:hiddenLine xmlns:a14="http://schemas.microsoft.com/office/drawing/2010/main" xmlns="" w="9525">
+                <a14:hiddenLine xmlns="" xmlns:a14="http://schemas.microsoft.com/office/drawing/2010/main" w="9525">
                   <a:solidFill>
                     <a:srgbClr val="000000"/>
                   </a:solidFill>
@@ -3680,7 +3686,7 @@
             </a:ln>
             <a:extLst>
               <a:ext uri="{91240B29-F687-4f45-9708-019B960494DF}">
-                <a14:hiddenLine xmlns:a14="http://schemas.microsoft.com/office/drawing/2010/main" xmlns="" w="9525">
+                <a14:hiddenLine xmlns="" xmlns:a14="http://schemas.microsoft.com/office/drawing/2010/main" w="9525">
                   <a:solidFill>
                     <a:srgbClr val="000000"/>
                   </a:solidFill>
@@ -3742,7 +3748,7 @@
             </a:ln>
             <a:extLst>
               <a:ext uri="{91240B29-F687-4f45-9708-019B960494DF}">
-                <a14:hiddenLine xmlns:a14="http://schemas.microsoft.com/office/drawing/2010/main" xmlns="" w="9525">
+                <a14:hiddenLine xmlns="" xmlns:a14="http://schemas.microsoft.com/office/drawing/2010/main" w="9525">
                   <a:solidFill>
                     <a:srgbClr val="000000"/>
                   </a:solidFill>
@@ -3832,7 +3838,7 @@
             </a:ln>
             <a:extLst>
               <a:ext uri="{91240B29-F687-4f45-9708-019B960494DF}">
-                <a14:hiddenLine xmlns:a14="http://schemas.microsoft.com/office/drawing/2010/main" xmlns="" w="9525">
+                <a14:hiddenLine xmlns="" xmlns:a14="http://schemas.microsoft.com/office/drawing/2010/main" w="9525">
                   <a:solidFill>
                     <a:srgbClr val="000000"/>
                   </a:solidFill>
@@ -3922,7 +3928,7 @@
             </a:ln>
             <a:extLst>
               <a:ext uri="{91240B29-F687-4f45-9708-019B960494DF}">
-                <a14:hiddenLine xmlns:a14="http://schemas.microsoft.com/office/drawing/2010/main" xmlns="" w="9525">
+                <a14:hiddenLine xmlns="" xmlns:a14="http://schemas.microsoft.com/office/drawing/2010/main" w="9525">
                   <a:solidFill>
                     <a:srgbClr val="000000"/>
                   </a:solidFill>
@@ -3984,7 +3990,7 @@
             </a:ln>
             <a:extLst>
               <a:ext uri="{91240B29-F687-4f45-9708-019B960494DF}">
-                <a14:hiddenLine xmlns:a14="http://schemas.microsoft.com/office/drawing/2010/main" xmlns="" w="9525">
+                <a14:hiddenLine xmlns="" xmlns:a14="http://schemas.microsoft.com/office/drawing/2010/main" w="9525">
                   <a:solidFill>
                     <a:srgbClr val="000000"/>
                   </a:solidFill>
@@ -4104,7 +4110,7 @@
             </a:ln>
             <a:extLst>
               <a:ext uri="{91240B29-F687-4f45-9708-019B960494DF}">
-                <a14:hiddenLine xmlns:a14="http://schemas.microsoft.com/office/drawing/2010/main" xmlns="" w="9525">
+                <a14:hiddenLine xmlns="" xmlns:a14="http://schemas.microsoft.com/office/drawing/2010/main" w="9525">
                   <a:solidFill>
                     <a:srgbClr val="000000"/>
                   </a:solidFill>
@@ -4172,7 +4178,7 @@
             </a:ln>
             <a:extLst>
               <a:ext uri="{91240B29-F687-4f45-9708-019B960494DF}">
-                <a14:hiddenLine xmlns:a14="http://schemas.microsoft.com/office/drawing/2010/main" xmlns="" w="9525">
+                <a14:hiddenLine xmlns="" xmlns:a14="http://schemas.microsoft.com/office/drawing/2010/main" w="9525">
                   <a:solidFill>
                     <a:srgbClr val="000000"/>
                   </a:solidFill>
@@ -4262,7 +4268,7 @@
             </a:ln>
             <a:extLst>
               <a:ext uri="{91240B29-F687-4f45-9708-019B960494DF}">
-                <a14:hiddenLine xmlns:a14="http://schemas.microsoft.com/office/drawing/2010/main" xmlns="" w="9525">
+                <a14:hiddenLine xmlns="" xmlns:a14="http://schemas.microsoft.com/office/drawing/2010/main" w="9525">
                   <a:solidFill>
                     <a:srgbClr val="000000"/>
                   </a:solidFill>
@@ -4402,7 +4408,7 @@
           <a:p>
             <a:fld id="{87FDB585-DADA-4BA1-A1E3-BDF1D32E1A94}" type="datetimeFigureOut">
               <a:rPr lang="en-GB" smtClean="0"/>
-              <a:t>19/05/2015</a:t>
+              <a:t>20/05/2015</a:t>
             </a:fld>
             <a:endParaRPr lang="en-GB"/>
           </a:p>
@@ -4669,7 +4675,7 @@
           <a:p>
             <a:fld id="{87FDB585-DADA-4BA1-A1E3-BDF1D32E1A94}" type="datetimeFigureOut">
               <a:rPr lang="en-GB" smtClean="0"/>
-              <a:t>19/05/2015</a:t>
+              <a:t>20/05/2015</a:t>
             </a:fld>
             <a:endParaRPr lang="en-GB"/>
           </a:p>
@@ -4865,7 +4871,7 @@
           <a:p>
             <a:fld id="{87FDB585-DADA-4BA1-A1E3-BDF1D32E1A94}" type="datetimeFigureOut">
               <a:rPr lang="en-GB" smtClean="0"/>
-              <a:t>19/05/2015</a:t>
+              <a:t>20/05/2015</a:t>
             </a:fld>
             <a:endParaRPr lang="en-GB"/>
           </a:p>
@@ -5128,7 +5134,7 @@
           <a:p>
             <a:fld id="{87FDB585-DADA-4BA1-A1E3-BDF1D32E1A94}" type="datetimeFigureOut">
               <a:rPr lang="en-GB" smtClean="0"/>
-              <a:t>19/05/2015</a:t>
+              <a:t>20/05/2015</a:t>
             </a:fld>
             <a:endParaRPr lang="en-GB"/>
           </a:p>
@@ -5562,7 +5568,7 @@
           <a:p>
             <a:fld id="{87FDB585-DADA-4BA1-A1E3-BDF1D32E1A94}" type="datetimeFigureOut">
               <a:rPr lang="en-GB" smtClean="0"/>
-              <a:t>19/05/2015</a:t>
+              <a:t>20/05/2015</a:t>
             </a:fld>
             <a:endParaRPr lang="en-GB"/>
           </a:p>
@@ -6108,7 +6114,7 @@
           <a:p>
             <a:fld id="{87FDB585-DADA-4BA1-A1E3-BDF1D32E1A94}" type="datetimeFigureOut">
               <a:rPr lang="en-GB" smtClean="0"/>
-              <a:t>19/05/2015</a:t>
+              <a:t>20/05/2015</a:t>
             </a:fld>
             <a:endParaRPr lang="en-GB"/>
           </a:p>
@@ -6828,7 +6834,7 @@
           <a:p>
             <a:fld id="{87FDB585-DADA-4BA1-A1E3-BDF1D32E1A94}" type="datetimeFigureOut">
               <a:rPr lang="en-GB" smtClean="0"/>
-              <a:t>19/05/2015</a:t>
+              <a:t>20/05/2015</a:t>
             </a:fld>
             <a:endParaRPr lang="en-GB"/>
           </a:p>
@@ -6998,7 +7004,7 @@
           <a:p>
             <a:fld id="{87FDB585-DADA-4BA1-A1E3-BDF1D32E1A94}" type="datetimeFigureOut">
               <a:rPr lang="en-GB" smtClean="0"/>
-              <a:t>19/05/2015</a:t>
+              <a:t>20/05/2015</a:t>
             </a:fld>
             <a:endParaRPr lang="en-GB"/>
           </a:p>
@@ -7178,7 +7184,7 @@
           <a:p>
             <a:fld id="{87FDB585-DADA-4BA1-A1E3-BDF1D32E1A94}" type="datetimeFigureOut">
               <a:rPr lang="en-GB" smtClean="0"/>
-              <a:t>19/05/2015</a:t>
+              <a:t>20/05/2015</a:t>
             </a:fld>
             <a:endParaRPr lang="en-GB"/>
           </a:p>
@@ -7348,7 +7354,7 @@
           <a:p>
             <a:fld id="{87FDB585-DADA-4BA1-A1E3-BDF1D32E1A94}" type="datetimeFigureOut">
               <a:rPr lang="en-GB" smtClean="0"/>
-              <a:t>19/05/2015</a:t>
+              <a:t>20/05/2015</a:t>
             </a:fld>
             <a:endParaRPr lang="en-GB"/>
           </a:p>
@@ -7598,7 +7604,7 @@
           <a:p>
             <a:fld id="{87FDB585-DADA-4BA1-A1E3-BDF1D32E1A94}" type="datetimeFigureOut">
               <a:rPr lang="en-GB" smtClean="0"/>
-              <a:t>19/05/2015</a:t>
+              <a:t>20/05/2015</a:t>
             </a:fld>
             <a:endParaRPr lang="en-GB"/>
           </a:p>
@@ -7830,7 +7836,7 @@
           <a:p>
             <a:fld id="{87FDB585-DADA-4BA1-A1E3-BDF1D32E1A94}" type="datetimeFigureOut">
               <a:rPr lang="en-GB" smtClean="0"/>
-              <a:t>19/05/2015</a:t>
+              <a:t>20/05/2015</a:t>
             </a:fld>
             <a:endParaRPr lang="en-GB"/>
           </a:p>
@@ -8211,7 +8217,7 @@
           <a:p>
             <a:fld id="{87FDB585-DADA-4BA1-A1E3-BDF1D32E1A94}" type="datetimeFigureOut">
               <a:rPr lang="en-GB" smtClean="0"/>
-              <a:t>19/05/2015</a:t>
+              <a:t>20/05/2015</a:t>
             </a:fld>
             <a:endParaRPr lang="en-GB"/>
           </a:p>
@@ -8329,7 +8335,7 @@
           <a:p>
             <a:fld id="{87FDB585-DADA-4BA1-A1E3-BDF1D32E1A94}" type="datetimeFigureOut">
               <a:rPr lang="en-GB" smtClean="0"/>
-              <a:t>19/05/2015</a:t>
+              <a:t>20/05/2015</a:t>
             </a:fld>
             <a:endParaRPr lang="en-GB"/>
           </a:p>
@@ -8424,7 +8430,7 @@
           <a:p>
             <a:fld id="{87FDB585-DADA-4BA1-A1E3-BDF1D32E1A94}" type="datetimeFigureOut">
               <a:rPr lang="en-GB" smtClean="0"/>
-              <a:t>19/05/2015</a:t>
+              <a:t>20/05/2015</a:t>
             </a:fld>
             <a:endParaRPr lang="en-GB"/>
           </a:p>
@@ -8673,7 +8679,7 @@
           <a:p>
             <a:fld id="{87FDB585-DADA-4BA1-A1E3-BDF1D32E1A94}" type="datetimeFigureOut">
               <a:rPr lang="en-GB" smtClean="0"/>
-              <a:t>19/05/2015</a:t>
+              <a:t>20/05/2015</a:t>
             </a:fld>
             <a:endParaRPr lang="en-GB"/>
           </a:p>
@@ -8953,7 +8959,7 @@
           <a:p>
             <a:fld id="{87FDB585-DADA-4BA1-A1E3-BDF1D32E1A94}" type="datetimeFigureOut">
               <a:rPr lang="en-GB" smtClean="0"/>
-              <a:t>19/05/2015</a:t>
+              <a:t>20/05/2015</a:t>
             </a:fld>
             <a:endParaRPr lang="en-GB"/>
           </a:p>
@@ -9076,7 +9082,7 @@
           <a:noFill/>
           <a:extLst>
             <a:ext uri="{909E8E84-426E-40dd-AFC4-6F175D3DCCD1}">
-              <a14:hiddenFill xmlns:a14="http://schemas.microsoft.com/office/drawing/2010/main" xmlns="">
+              <a14:hiddenFill xmlns="" xmlns:a14="http://schemas.microsoft.com/office/drawing/2010/main">
                 <a:solidFill>
                   <a:srgbClr val="FFFFFF"/>
                 </a:solidFill>
@@ -9150,7 +9156,7 @@
               </a:ln>
               <a:extLst>
                 <a:ext uri="{91240B29-F687-4f45-9708-019B960494DF}">
-                  <a14:hiddenLine xmlns:a14="http://schemas.microsoft.com/office/drawing/2010/main" xmlns="" w="9525">
+                  <a14:hiddenLine xmlns="" xmlns:a14="http://schemas.microsoft.com/office/drawing/2010/main" w="9525">
                     <a:solidFill>
                       <a:srgbClr val="000000"/>
                     </a:solidFill>
@@ -9240,7 +9246,7 @@
               </a:ln>
               <a:extLst>
                 <a:ext uri="{91240B29-F687-4f45-9708-019B960494DF}">
-                  <a14:hiddenLine xmlns:a14="http://schemas.microsoft.com/office/drawing/2010/main" xmlns="" w="9525">
+                  <a14:hiddenLine xmlns="" xmlns:a14="http://schemas.microsoft.com/office/drawing/2010/main" w="9525">
                     <a:solidFill>
                       <a:srgbClr val="000000"/>
                     </a:solidFill>
@@ -9330,7 +9336,7 @@
               </a:ln>
               <a:extLst>
                 <a:ext uri="{91240B29-F687-4f45-9708-019B960494DF}">
-                  <a14:hiddenLine xmlns:a14="http://schemas.microsoft.com/office/drawing/2010/main" xmlns="" w="9525">
+                  <a14:hiddenLine xmlns="" xmlns:a14="http://schemas.microsoft.com/office/drawing/2010/main" w="9525">
                     <a:solidFill>
                       <a:srgbClr val="000000"/>
                     </a:solidFill>
@@ -9392,7 +9398,7 @@
               </a:ln>
               <a:extLst>
                 <a:ext uri="{91240B29-F687-4f45-9708-019B960494DF}">
-                  <a14:hiddenLine xmlns:a14="http://schemas.microsoft.com/office/drawing/2010/main" xmlns="" w="9525">
+                  <a14:hiddenLine xmlns="" xmlns:a14="http://schemas.microsoft.com/office/drawing/2010/main" w="9525">
                     <a:solidFill>
                       <a:srgbClr val="000000"/>
                     </a:solidFill>
@@ -9482,7 +9488,7 @@
               </a:ln>
               <a:extLst>
                 <a:ext uri="{91240B29-F687-4f45-9708-019B960494DF}">
-                  <a14:hiddenLine xmlns:a14="http://schemas.microsoft.com/office/drawing/2010/main" xmlns="" w="9525">
+                  <a14:hiddenLine xmlns="" xmlns:a14="http://schemas.microsoft.com/office/drawing/2010/main" w="9525">
                     <a:solidFill>
                       <a:srgbClr val="000000"/>
                     </a:solidFill>
@@ -9544,7 +9550,7 @@
               </a:ln>
               <a:extLst>
                 <a:ext uri="{91240B29-F687-4f45-9708-019B960494DF}">
-                  <a14:hiddenLine xmlns:a14="http://schemas.microsoft.com/office/drawing/2010/main" xmlns="" w="9525">
+                  <a14:hiddenLine xmlns="" xmlns:a14="http://schemas.microsoft.com/office/drawing/2010/main" w="9525">
                     <a:solidFill>
                       <a:srgbClr val="000000"/>
                     </a:solidFill>
@@ -9606,7 +9612,7 @@
               </a:ln>
               <a:extLst>
                 <a:ext uri="{91240B29-F687-4f45-9708-019B960494DF}">
-                  <a14:hiddenLine xmlns:a14="http://schemas.microsoft.com/office/drawing/2010/main" xmlns="" w="9525">
+                  <a14:hiddenLine xmlns="" xmlns:a14="http://schemas.microsoft.com/office/drawing/2010/main" w="9525">
                     <a:solidFill>
                       <a:srgbClr val="000000"/>
                     </a:solidFill>
@@ -9696,7 +9702,7 @@
               </a:ln>
               <a:extLst>
                 <a:ext uri="{91240B29-F687-4f45-9708-019B960494DF}">
-                  <a14:hiddenLine xmlns:a14="http://schemas.microsoft.com/office/drawing/2010/main" xmlns="" w="9525">
+                  <a14:hiddenLine xmlns="" xmlns:a14="http://schemas.microsoft.com/office/drawing/2010/main" w="9525">
                     <a:solidFill>
                       <a:srgbClr val="000000"/>
                     </a:solidFill>
@@ -9786,7 +9792,7 @@
               </a:ln>
               <a:extLst>
                 <a:ext uri="{91240B29-F687-4f45-9708-019B960494DF}">
-                  <a14:hiddenLine xmlns:a14="http://schemas.microsoft.com/office/drawing/2010/main" xmlns="" w="9525">
+                  <a14:hiddenLine xmlns="" xmlns:a14="http://schemas.microsoft.com/office/drawing/2010/main" w="9525">
                     <a:solidFill>
                       <a:srgbClr val="000000"/>
                     </a:solidFill>
@@ -9848,7 +9854,7 @@
               </a:ln>
               <a:extLst>
                 <a:ext uri="{91240B29-F687-4f45-9708-019B960494DF}">
-                  <a14:hiddenLine xmlns:a14="http://schemas.microsoft.com/office/drawing/2010/main" xmlns="" w="9525">
+                  <a14:hiddenLine xmlns="" xmlns:a14="http://schemas.microsoft.com/office/drawing/2010/main" w="9525">
                     <a:solidFill>
                       <a:srgbClr val="000000"/>
                     </a:solidFill>
@@ -9958,7 +9964,7 @@
               </a:ln>
               <a:extLst>
                 <a:ext uri="{91240B29-F687-4f45-9708-019B960494DF}">
-                  <a14:hiddenLine xmlns:a14="http://schemas.microsoft.com/office/drawing/2010/main" xmlns="" w="9525">
+                  <a14:hiddenLine xmlns="" xmlns:a14="http://schemas.microsoft.com/office/drawing/2010/main" w="9525">
                     <a:solidFill>
                       <a:srgbClr val="000000"/>
                     </a:solidFill>
@@ -10042,7 +10048,7 @@
               </a:ln>
               <a:extLst>
                 <a:ext uri="{91240B29-F687-4f45-9708-019B960494DF}">
-                  <a14:hiddenLine xmlns:a14="http://schemas.microsoft.com/office/drawing/2010/main" xmlns="" w="9525">
+                  <a14:hiddenLine xmlns="" xmlns:a14="http://schemas.microsoft.com/office/drawing/2010/main" w="9525">
                     <a:solidFill>
                       <a:srgbClr val="000000"/>
                     </a:solidFill>
@@ -10104,7 +10110,7 @@
               </a:ln>
               <a:extLst>
                 <a:ext uri="{91240B29-F687-4f45-9708-019B960494DF}">
-                  <a14:hiddenLine xmlns:a14="http://schemas.microsoft.com/office/drawing/2010/main" xmlns="" w="9525">
+                  <a14:hiddenLine xmlns="" xmlns:a14="http://schemas.microsoft.com/office/drawing/2010/main" w="9525">
                     <a:solidFill>
                       <a:srgbClr val="000000"/>
                     </a:solidFill>
@@ -10166,7 +10172,7 @@
               </a:ln>
               <a:extLst>
                 <a:ext uri="{91240B29-F687-4f45-9708-019B960494DF}">
-                  <a14:hiddenLine xmlns:a14="http://schemas.microsoft.com/office/drawing/2010/main" xmlns="" w="9525">
+                  <a14:hiddenLine xmlns="" xmlns:a14="http://schemas.microsoft.com/office/drawing/2010/main" w="9525">
                     <a:solidFill>
                       <a:srgbClr val="000000"/>
                     </a:solidFill>
@@ -10256,7 +10262,7 @@
               </a:ln>
               <a:extLst>
                 <a:ext uri="{91240B29-F687-4f45-9708-019B960494DF}">
-                  <a14:hiddenLine xmlns:a14="http://schemas.microsoft.com/office/drawing/2010/main" xmlns="" w="9525">
+                  <a14:hiddenLine xmlns="" xmlns:a14="http://schemas.microsoft.com/office/drawing/2010/main" w="9525">
                     <a:solidFill>
                       <a:srgbClr val="000000"/>
                     </a:solidFill>
@@ -10290,7 +10296,7 @@
               </a:ln>
               <a:extLst>
                 <a:ext uri="{91240B29-F687-4f45-9708-019B960494DF}">
-                  <a14:hiddenLine xmlns:a14="http://schemas.microsoft.com/office/drawing/2010/main" xmlns="" w="9525">
+                  <a14:hiddenLine xmlns="" xmlns:a14="http://schemas.microsoft.com/office/drawing/2010/main" w="9525">
                     <a:solidFill>
                       <a:srgbClr val="000000"/>
                     </a:solidFill>
@@ -10355,7 +10361,7 @@
               </a:ln>
               <a:extLst>
                 <a:ext uri="{91240B29-F687-4f45-9708-019B960494DF}">
-                  <a14:hiddenLine xmlns:a14="http://schemas.microsoft.com/office/drawing/2010/main" xmlns="" w="9525">
+                  <a14:hiddenLine xmlns="" xmlns:a14="http://schemas.microsoft.com/office/drawing/2010/main" w="9525">
                     <a:solidFill>
                       <a:srgbClr val="000000"/>
                     </a:solidFill>
@@ -10445,7 +10451,7 @@
               </a:ln>
               <a:extLst>
                 <a:ext uri="{91240B29-F687-4f45-9708-019B960494DF}">
-                  <a14:hiddenLine xmlns:a14="http://schemas.microsoft.com/office/drawing/2010/main" xmlns="" w="9525">
+                  <a14:hiddenLine xmlns="" xmlns:a14="http://schemas.microsoft.com/office/drawing/2010/main" w="9525">
                     <a:solidFill>
                       <a:srgbClr val="000000"/>
                     </a:solidFill>
@@ -10507,7 +10513,7 @@
               </a:ln>
               <a:extLst>
                 <a:ext uri="{91240B29-F687-4f45-9708-019B960494DF}">
-                  <a14:hiddenLine xmlns:a14="http://schemas.microsoft.com/office/drawing/2010/main" xmlns="" w="9525">
+                  <a14:hiddenLine xmlns="" xmlns:a14="http://schemas.microsoft.com/office/drawing/2010/main" w="9525">
                     <a:solidFill>
                       <a:srgbClr val="000000"/>
                     </a:solidFill>
@@ -10597,7 +10603,7 @@
               </a:ln>
               <a:extLst>
                 <a:ext uri="{91240B29-F687-4f45-9708-019B960494DF}">
-                  <a14:hiddenLine xmlns:a14="http://schemas.microsoft.com/office/drawing/2010/main" xmlns="" w="9525">
+                  <a14:hiddenLine xmlns="" xmlns:a14="http://schemas.microsoft.com/office/drawing/2010/main" w="9525">
                     <a:solidFill>
                       <a:srgbClr val="000000"/>
                     </a:solidFill>
@@ -10662,7 +10668,7 @@
               </a:ln>
               <a:extLst>
                 <a:ext uri="{91240B29-F687-4f45-9708-019B960494DF}">
-                  <a14:hiddenLine xmlns:a14="http://schemas.microsoft.com/office/drawing/2010/main" xmlns="" w="9525">
+                  <a14:hiddenLine xmlns="" xmlns:a14="http://schemas.microsoft.com/office/drawing/2010/main" w="9525">
                     <a:solidFill>
                       <a:srgbClr val="000000"/>
                     </a:solidFill>
@@ -10724,7 +10730,7 @@
               </a:ln>
               <a:extLst>
                 <a:ext uri="{91240B29-F687-4f45-9708-019B960494DF}">
-                  <a14:hiddenLine xmlns:a14="http://schemas.microsoft.com/office/drawing/2010/main" xmlns="" w="9525">
+                  <a14:hiddenLine xmlns="" xmlns:a14="http://schemas.microsoft.com/office/drawing/2010/main" w="9525">
                     <a:solidFill>
                       <a:srgbClr val="000000"/>
                     </a:solidFill>
@@ -10814,7 +10820,7 @@
               </a:ln>
               <a:extLst>
                 <a:ext uri="{91240B29-F687-4f45-9708-019B960494DF}">
-                  <a14:hiddenLine xmlns:a14="http://schemas.microsoft.com/office/drawing/2010/main" xmlns="" w="9525">
+                  <a14:hiddenLine xmlns="" xmlns:a14="http://schemas.microsoft.com/office/drawing/2010/main" w="9525">
                     <a:solidFill>
                       <a:srgbClr val="000000"/>
                     </a:solidFill>
@@ -10904,7 +10910,7 @@
               </a:ln>
               <a:extLst>
                 <a:ext uri="{91240B29-F687-4f45-9708-019B960494DF}">
-                  <a14:hiddenLine xmlns:a14="http://schemas.microsoft.com/office/drawing/2010/main" xmlns="" w="9525">
+                  <a14:hiddenLine xmlns="" xmlns:a14="http://schemas.microsoft.com/office/drawing/2010/main" w="9525">
                     <a:solidFill>
                       <a:srgbClr val="000000"/>
                     </a:solidFill>
@@ -10969,7 +10975,7 @@
               </a:ln>
               <a:extLst>
                 <a:ext uri="{91240B29-F687-4f45-9708-019B960494DF}">
-                  <a14:hiddenLine xmlns:a14="http://schemas.microsoft.com/office/drawing/2010/main" xmlns="" w="9525">
+                  <a14:hiddenLine xmlns="" xmlns:a14="http://schemas.microsoft.com/office/drawing/2010/main" w="9525">
                     <a:solidFill>
                       <a:srgbClr val="000000"/>
                     </a:solidFill>
@@ -11089,7 +11095,7 @@
               </a:ln>
               <a:extLst>
                 <a:ext uri="{91240B29-F687-4f45-9708-019B960494DF}">
-                  <a14:hiddenLine xmlns:a14="http://schemas.microsoft.com/office/drawing/2010/main" xmlns="" w="9525">
+                  <a14:hiddenLine xmlns="" xmlns:a14="http://schemas.microsoft.com/office/drawing/2010/main" w="9525">
                     <a:solidFill>
                       <a:srgbClr val="000000"/>
                     </a:solidFill>
@@ -11170,7 +11176,7 @@
               </a:ln>
               <a:extLst>
                 <a:ext uri="{91240B29-F687-4f45-9708-019B960494DF}">
-                  <a14:hiddenLine xmlns:a14="http://schemas.microsoft.com/office/drawing/2010/main" xmlns="" w="9525">
+                  <a14:hiddenLine xmlns="" xmlns:a14="http://schemas.microsoft.com/office/drawing/2010/main" w="9525">
                     <a:solidFill>
                       <a:srgbClr val="000000"/>
                     </a:solidFill>
@@ -11285,7 +11291,7 @@
               </a:ln>
               <a:extLst>
                 <a:ext uri="{91240B29-F687-4f45-9708-019B960494DF}">
-                  <a14:hiddenLine xmlns:a14="http://schemas.microsoft.com/office/drawing/2010/main" xmlns="" w="9525">
+                  <a14:hiddenLine xmlns="" xmlns:a14="http://schemas.microsoft.com/office/drawing/2010/main" w="9525">
                     <a:solidFill>
                       <a:srgbClr val="000000"/>
                     </a:solidFill>
@@ -11375,7 +11381,7 @@
               </a:ln>
               <a:extLst>
                 <a:ext uri="{91240B29-F687-4f45-9708-019B960494DF}">
-                  <a14:hiddenLine xmlns:a14="http://schemas.microsoft.com/office/drawing/2010/main" xmlns="" w="9525">
+                  <a14:hiddenLine xmlns="" xmlns:a14="http://schemas.microsoft.com/office/drawing/2010/main" w="9525">
                     <a:solidFill>
                       <a:srgbClr val="000000"/>
                     </a:solidFill>
@@ -11440,7 +11446,7 @@
               </a:ln>
               <a:extLst>
                 <a:ext uri="{91240B29-F687-4f45-9708-019B960494DF}">
-                  <a14:hiddenLine xmlns:a14="http://schemas.microsoft.com/office/drawing/2010/main" xmlns="" w="9525">
+                  <a14:hiddenLine xmlns="" xmlns:a14="http://schemas.microsoft.com/office/drawing/2010/main" w="9525">
                     <a:solidFill>
                       <a:srgbClr val="000000"/>
                     </a:solidFill>
@@ -11530,7 +11536,7 @@
               </a:ln>
               <a:extLst>
                 <a:ext uri="{91240B29-F687-4f45-9708-019B960494DF}">
-                  <a14:hiddenLine xmlns:a14="http://schemas.microsoft.com/office/drawing/2010/main" xmlns="" w="9525">
+                  <a14:hiddenLine xmlns="" xmlns:a14="http://schemas.microsoft.com/office/drawing/2010/main" w="9525">
                     <a:solidFill>
                       <a:srgbClr val="000000"/>
                     </a:solidFill>
@@ -11598,7 +11604,7 @@
               </a:ln>
               <a:extLst>
                 <a:ext uri="{91240B29-F687-4f45-9708-019B960494DF}">
-                  <a14:hiddenLine xmlns:a14="http://schemas.microsoft.com/office/drawing/2010/main" xmlns="" w="9525">
+                  <a14:hiddenLine xmlns="" xmlns:a14="http://schemas.microsoft.com/office/drawing/2010/main" w="9525">
                     <a:solidFill>
                       <a:srgbClr val="000000"/>
                     </a:solidFill>
@@ -11688,7 +11694,7 @@
               </a:ln>
               <a:extLst>
                 <a:ext uri="{91240B29-F687-4f45-9708-019B960494DF}">
-                  <a14:hiddenLine xmlns:a14="http://schemas.microsoft.com/office/drawing/2010/main" xmlns="" w="9525">
+                  <a14:hiddenLine xmlns="" xmlns:a14="http://schemas.microsoft.com/office/drawing/2010/main" w="9525">
                     <a:solidFill>
                       <a:srgbClr val="000000"/>
                     </a:solidFill>
@@ -11756,7 +11762,7 @@
               </a:ln>
               <a:extLst>
                 <a:ext uri="{91240B29-F687-4f45-9708-019B960494DF}">
-                  <a14:hiddenLine xmlns:a14="http://schemas.microsoft.com/office/drawing/2010/main" xmlns="" w="9525">
+                  <a14:hiddenLine xmlns="" xmlns:a14="http://schemas.microsoft.com/office/drawing/2010/main" w="9525">
                     <a:solidFill>
                       <a:srgbClr val="000000"/>
                     </a:solidFill>
@@ -11846,7 +11852,7 @@
               </a:ln>
               <a:extLst>
                 <a:ext uri="{91240B29-F687-4f45-9708-019B960494DF}">
-                  <a14:hiddenLine xmlns:a14="http://schemas.microsoft.com/office/drawing/2010/main" xmlns="" w="9525">
+                  <a14:hiddenLine xmlns="" xmlns:a14="http://schemas.microsoft.com/office/drawing/2010/main" w="9525">
                     <a:solidFill>
                       <a:srgbClr val="000000"/>
                     </a:solidFill>
@@ -11880,7 +11886,7 @@
               </a:ln>
               <a:extLst>
                 <a:ext uri="{91240B29-F687-4f45-9708-019B960494DF}">
-                  <a14:hiddenLine xmlns:a14="http://schemas.microsoft.com/office/drawing/2010/main" xmlns="" w="9525">
+                  <a14:hiddenLine xmlns="" xmlns:a14="http://schemas.microsoft.com/office/drawing/2010/main" w="9525">
                     <a:solidFill>
                       <a:srgbClr val="000000"/>
                     </a:solidFill>
@@ -12020,7 +12026,7 @@
           <a:p>
             <a:fld id="{87FDB585-DADA-4BA1-A1E3-BDF1D32E1A94}" type="datetimeFigureOut">
               <a:rPr lang="en-GB" smtClean="0"/>
-              <a:t>19/05/2015</a:t>
+              <a:t>20/05/2015</a:t>
             </a:fld>
             <a:endParaRPr lang="en-GB"/>
           </a:p>
@@ -13097,6 +13103,1798 @@
 </p:sld>
 </file>
 
+<file path=ppt/slides/slide10.xml><?xml version="1.0" encoding="utf-8"?>
+<p:sld xmlns:a="http://schemas.openxmlformats.org/drawingml/2006/main" xmlns:r="http://schemas.openxmlformats.org/officeDocument/2006/relationships" xmlns:p="http://schemas.openxmlformats.org/presentationml/2006/main">
+  <p:cSld>
+    <p:spTree>
+      <p:nvGrpSpPr>
+        <p:cNvPr id="1" name=""/>
+        <p:cNvGrpSpPr/>
+        <p:nvPr/>
+      </p:nvGrpSpPr>
+      <p:grpSpPr>
+        <a:xfrm>
+          <a:off x="0" y="0"/>
+          <a:ext cx="0" cy="0"/>
+          <a:chOff x="0" y="0"/>
+          <a:chExt cx="0" cy="0"/>
+        </a:xfrm>
+      </p:grpSpPr>
+      <p:sp>
+        <p:nvSpPr>
+          <p:cNvPr id="2" name="Title 1"/>
+          <p:cNvSpPr>
+            <a:spLocks noGrp="1"/>
+          </p:cNvSpPr>
+          <p:nvPr>
+            <p:ph type="title"/>
+          </p:nvPr>
+        </p:nvSpPr>
+        <p:spPr/>
+        <p:txBody>
+          <a:bodyPr/>
+          <a:lstStyle/>
+          <a:p>
+            <a:pPr algn="ctr"/>
+            <a:r>
+              <a:rPr lang="en-US" dirty="0" smtClean="0"/>
+              <a:t>CALCULATING NEW CENTROIDS</a:t>
+            </a:r>
+            <a:endParaRPr lang="en-US" dirty="0"/>
+          </a:p>
+        </p:txBody>
+      </p:sp>
+      <p:sp>
+        <p:nvSpPr>
+          <p:cNvPr id="3" name="Content Placeholder 2"/>
+          <p:cNvSpPr>
+            <a:spLocks noGrp="1"/>
+          </p:cNvSpPr>
+          <p:nvPr>
+            <p:ph idx="1"/>
+          </p:nvPr>
+        </p:nvSpPr>
+        <p:spPr>
+          <a:xfrm>
+            <a:off x="1141412" y="2097087"/>
+            <a:ext cx="9905999" cy="4105749"/>
+          </a:xfrm>
+        </p:spPr>
+        <p:txBody>
+          <a:bodyPr>
+            <a:normAutofit/>
+          </a:bodyPr>
+          <a:lstStyle/>
+          <a:p>
+            <a:pPr algn="just"/>
+            <a:r>
+              <a:rPr lang="en-US" dirty="0" smtClean="0"/>
+              <a:t>As the </a:t>
+            </a:r>
+            <a:r>
+              <a:rPr lang="en-US" dirty="0"/>
+              <a:t>number of data points </a:t>
+            </a:r>
+            <a:r>
+              <a:rPr lang="en-US" i="1" dirty="0"/>
+              <a:t>N</a:t>
+            </a:r>
+            <a:r>
+              <a:rPr lang="en-US" dirty="0"/>
+              <a:t> is relatively </a:t>
+            </a:r>
+            <a:r>
+              <a:rPr lang="en-US" dirty="0" smtClean="0"/>
+              <a:t>small, </a:t>
+            </a:r>
+            <a:r>
+              <a:rPr lang="en-US" dirty="0"/>
+              <a:t>the algorithms based on CPU are still used because the algorithms based on GPU </a:t>
+            </a:r>
+            <a:r>
+              <a:rPr lang="en-US" dirty="0" smtClean="0"/>
+              <a:t>are </a:t>
+            </a:r>
+            <a:r>
+              <a:rPr lang="en-US" dirty="0"/>
+              <a:t>inefficient when number of active threads in parallel is </a:t>
+            </a:r>
+            <a:r>
+              <a:rPr lang="en-US" dirty="0" smtClean="0"/>
+              <a:t>small.</a:t>
+            </a:r>
+          </a:p>
+          <a:p>
+            <a:pPr algn="just"/>
+            <a:r>
+              <a:rPr lang="en-US" dirty="0" smtClean="0"/>
+              <a:t>The </a:t>
+            </a:r>
+            <a:r>
+              <a:rPr lang="en-US" dirty="0"/>
+              <a:t>computational </a:t>
+            </a:r>
+            <a:r>
+              <a:rPr lang="en-US" dirty="0" smtClean="0"/>
+              <a:t>complexity is O(</a:t>
+            </a:r>
+            <a:r>
+              <a:rPr lang="en-US" i="1" dirty="0" err="1" smtClean="0"/>
+              <a:t>NMd</a:t>
+            </a:r>
+            <a:r>
+              <a:rPr lang="en-US" i="1" dirty="0" smtClean="0"/>
+              <a:t> </a:t>
+            </a:r>
+            <a:r>
+              <a:rPr lang="en-US" dirty="0"/>
+              <a:t>+ </a:t>
+            </a:r>
+            <a:r>
+              <a:rPr lang="en-US" i="1" dirty="0" err="1"/>
+              <a:t>kd</a:t>
+            </a:r>
+            <a:r>
+              <a:rPr lang="en-US" dirty="0"/>
+              <a:t>)</a:t>
+            </a:r>
+            <a:endParaRPr lang="en-US" dirty="0" smtClean="0"/>
+          </a:p>
+        </p:txBody>
+      </p:sp>
+    </p:spTree>
+    <p:extLst>
+      <p:ext uri="{BB962C8B-B14F-4D97-AF65-F5344CB8AC3E}">
+        <p14:creationId xmlns:p14="http://schemas.microsoft.com/office/powerpoint/2010/main" val="1095900371"/>
+      </p:ext>
+    </p:extLst>
+  </p:cSld>
+  <p:clrMapOvr>
+    <a:masterClrMapping/>
+  </p:clrMapOvr>
+  <p:timing>
+    <p:tnLst>
+      <p:par>
+        <p:cTn id="1" dur="indefinite" restart="never" nodeType="tmRoot"/>
+      </p:par>
+    </p:tnLst>
+  </p:timing>
+</p:sld>
+</file>
+
+<file path=ppt/slides/slide11.xml><?xml version="1.0" encoding="utf-8"?>
+<p:sld xmlns:a="http://schemas.openxmlformats.org/drawingml/2006/main" xmlns:r="http://schemas.openxmlformats.org/officeDocument/2006/relationships" xmlns:p="http://schemas.openxmlformats.org/presentationml/2006/main">
+  <p:cSld>
+    <p:spTree>
+      <p:nvGrpSpPr>
+        <p:cNvPr id="1" name=""/>
+        <p:cNvGrpSpPr/>
+        <p:nvPr/>
+      </p:nvGrpSpPr>
+      <p:grpSpPr>
+        <a:xfrm>
+          <a:off x="0" y="0"/>
+          <a:ext cx="0" cy="0"/>
+          <a:chOff x="0" y="0"/>
+          <a:chExt cx="0" cy="0"/>
+        </a:xfrm>
+      </p:grpSpPr>
+      <p:sp>
+        <p:nvSpPr>
+          <p:cNvPr id="2" name="Title 1"/>
+          <p:cNvSpPr>
+            <a:spLocks noGrp="1"/>
+          </p:cNvSpPr>
+          <p:nvPr>
+            <p:ph type="title"/>
+          </p:nvPr>
+        </p:nvSpPr>
+        <p:spPr>
+          <a:xfrm>
+            <a:off x="1197652" y="215483"/>
+            <a:ext cx="9905998" cy="1301398"/>
+          </a:xfrm>
+        </p:spPr>
+        <p:txBody>
+          <a:bodyPr/>
+          <a:lstStyle/>
+          <a:p>
+            <a:pPr algn="ctr"/>
+            <a:r>
+              <a:rPr lang="en-US" dirty="0" smtClean="0"/>
+              <a:t>CALCULATING NEW CENTROIDS on </a:t>
+            </a:r>
+            <a:r>
+              <a:rPr lang="en-US" dirty="0" err="1" smtClean="0"/>
+              <a:t>cpu</a:t>
+            </a:r>
+            <a:endParaRPr lang="en-US" dirty="0"/>
+          </a:p>
+        </p:txBody>
+      </p:sp>
+      <p:sp>
+        <p:nvSpPr>
+          <p:cNvPr id="20" name="Rectangle 19"/>
+          <p:cNvSpPr/>
+          <p:nvPr/>
+        </p:nvSpPr>
+        <p:spPr>
+          <a:xfrm>
+            <a:off x="1404254" y="1516881"/>
+            <a:ext cx="9492794" cy="4623704"/>
+          </a:xfrm>
+          <a:prstGeom prst="rect">
+            <a:avLst/>
+          </a:prstGeom>
+        </p:spPr>
+        <p:style>
+          <a:lnRef idx="1">
+            <a:schemeClr val="accent2"/>
+          </a:lnRef>
+          <a:fillRef idx="2">
+            <a:schemeClr val="accent2"/>
+          </a:fillRef>
+          <a:effectRef idx="1">
+            <a:schemeClr val="accent2"/>
+          </a:effectRef>
+          <a:fontRef idx="minor">
+            <a:schemeClr val="dk1"/>
+          </a:fontRef>
+        </p:style>
+        <p:txBody>
+          <a:bodyPr rtlCol="0" anchor="ctr"/>
+          <a:lstStyle/>
+          <a:p>
+            <a:pPr algn="ctr"/>
+            <a:endParaRPr lang="en-US" dirty="0"/>
+          </a:p>
+        </p:txBody>
+      </p:sp>
+      <p:sp>
+        <p:nvSpPr>
+          <p:cNvPr id="22" name="Rounded Rectangle 21"/>
+          <p:cNvSpPr/>
+          <p:nvPr/>
+        </p:nvSpPr>
+        <p:spPr>
+          <a:xfrm>
+            <a:off x="1585212" y="1748676"/>
+            <a:ext cx="691977" cy="399255"/>
+          </a:xfrm>
+          <a:prstGeom prst="roundRect">
+            <a:avLst/>
+          </a:prstGeom>
+        </p:spPr>
+        <p:style>
+          <a:lnRef idx="1">
+            <a:schemeClr val="accent1"/>
+          </a:lnRef>
+          <a:fillRef idx="2">
+            <a:schemeClr val="accent1"/>
+          </a:fillRef>
+          <a:effectRef idx="1">
+            <a:schemeClr val="accent1"/>
+          </a:effectRef>
+          <a:fontRef idx="minor">
+            <a:schemeClr val="dk1"/>
+          </a:fontRef>
+        </p:style>
+        <p:txBody>
+          <a:bodyPr rtlCol="0" anchor="ctr"/>
+          <a:lstStyle/>
+          <a:p>
+            <a:pPr lvl="0" algn="ctr"/>
+            <a:r>
+              <a:rPr lang="en-US" b="1" dirty="0">
+                <a:ln w="0"/>
+                <a:solidFill>
+                  <a:schemeClr val="bg1"/>
+                </a:solidFill>
+              </a:rPr>
+              <a:t>C</a:t>
+            </a:r>
+            <a:r>
+              <a:rPr lang="en-US" b="1" dirty="0" smtClean="0">
+                <a:ln w="0"/>
+                <a:solidFill>
+                  <a:schemeClr val="bg1"/>
+                </a:solidFill>
+              </a:rPr>
+              <a:t>PU</a:t>
+            </a:r>
+            <a:endParaRPr lang="en-US" b="1" dirty="0">
+              <a:ln w="0"/>
+              <a:solidFill>
+                <a:schemeClr val="bg1"/>
+              </a:solidFill>
+            </a:endParaRPr>
+          </a:p>
+        </p:txBody>
+      </p:sp>
+      <p:sp>
+        <p:nvSpPr>
+          <p:cNvPr id="45" name="Line Callout 1 44"/>
+          <p:cNvSpPr/>
+          <p:nvPr/>
+        </p:nvSpPr>
+        <p:spPr>
+          <a:xfrm>
+            <a:off x="5094230" y="2429225"/>
+            <a:ext cx="5071262" cy="333104"/>
+          </a:xfrm>
+          <a:prstGeom prst="borderCallout1">
+            <a:avLst>
+              <a:gd name="adj1" fmla="val 54755"/>
+              <a:gd name="adj2" fmla="val 91"/>
+              <a:gd name="adj3" fmla="val 55499"/>
+              <a:gd name="adj4" fmla="val -10028"/>
+            </a:avLst>
+          </a:prstGeom>
+        </p:spPr>
+        <p:style>
+          <a:lnRef idx="2">
+            <a:schemeClr val="accent1">
+              <a:shade val="50000"/>
+            </a:schemeClr>
+          </a:lnRef>
+          <a:fillRef idx="1">
+            <a:schemeClr val="accent1"/>
+          </a:fillRef>
+          <a:effectRef idx="0">
+            <a:schemeClr val="accent1"/>
+          </a:effectRef>
+          <a:fontRef idx="minor">
+            <a:schemeClr val="lt1"/>
+          </a:fontRef>
+        </p:style>
+        <p:txBody>
+          <a:bodyPr rtlCol="0" anchor="ctr"/>
+          <a:lstStyle/>
+          <a:p>
+            <a:pPr algn="ctr"/>
+            <a:r>
+              <a:rPr lang="en-GB" sz="1400" b="1" dirty="0" err="1" smtClean="0"/>
+              <a:t>SumU</a:t>
+            </a:r>
+            <a:r>
+              <a:rPr lang="en-US" sz="1400" b="1" baseline="-25000" dirty="0" smtClean="0"/>
+              <a:t>j</a:t>
+            </a:r>
+            <a:r>
+              <a:rPr lang="en-GB" sz="1400" b="1" dirty="0" smtClean="0"/>
+              <a:t> </a:t>
+            </a:r>
+            <a:r>
+              <a:rPr lang="en-GB" sz="1400" b="1" dirty="0" smtClean="0"/>
+              <a:t>stores the sum of memberships of centroid </a:t>
+            </a:r>
+            <a:r>
+              <a:rPr lang="en-US" sz="1400" b="1" dirty="0" err="1"/>
+              <a:t>C</a:t>
+            </a:r>
+            <a:r>
+              <a:rPr lang="en-US" sz="1400" b="1" baseline="-25000" dirty="0" err="1"/>
+              <a:t>j</a:t>
+            </a:r>
+            <a:endParaRPr lang="en-US" sz="1300" b="1" baseline="-25000" dirty="0"/>
+          </a:p>
+        </p:txBody>
+      </p:sp>
+      <p:sp>
+        <p:nvSpPr>
+          <p:cNvPr id="58" name="Rounded Rectangle 57"/>
+          <p:cNvSpPr/>
+          <p:nvPr/>
+        </p:nvSpPr>
+        <p:spPr>
+          <a:xfrm>
+            <a:off x="2458147" y="1748676"/>
+            <a:ext cx="4205410" cy="542259"/>
+          </a:xfrm>
+          <a:prstGeom prst="roundRect">
+            <a:avLst/>
+          </a:prstGeom>
+        </p:spPr>
+        <p:style>
+          <a:lnRef idx="2">
+            <a:schemeClr val="accent2">
+              <a:shade val="50000"/>
+            </a:schemeClr>
+          </a:lnRef>
+          <a:fillRef idx="1">
+            <a:schemeClr val="accent2"/>
+          </a:fillRef>
+          <a:effectRef idx="0">
+            <a:schemeClr val="accent2"/>
+          </a:effectRef>
+          <a:fontRef idx="minor">
+            <a:schemeClr val="lt1"/>
+          </a:fontRef>
+        </p:style>
+        <p:txBody>
+          <a:bodyPr rtlCol="0" anchor="ctr"/>
+          <a:lstStyle/>
+          <a:p>
+            <a:pPr algn="ctr"/>
+            <a:r>
+              <a:rPr lang="en-US" b="1" dirty="0" smtClean="0"/>
+              <a:t>For each data point X</a:t>
+            </a:r>
+            <a:r>
+              <a:rPr lang="en-US" b="1" baseline="-25000" dirty="0" smtClean="0"/>
+              <a:t>i</a:t>
+            </a:r>
+            <a:endParaRPr lang="en-US" b="1" dirty="0"/>
+          </a:p>
+        </p:txBody>
+      </p:sp>
+      <p:sp>
+        <p:nvSpPr>
+          <p:cNvPr id="72" name="Rectangle 71"/>
+          <p:cNvSpPr/>
+          <p:nvPr/>
+        </p:nvSpPr>
+        <p:spPr>
+          <a:xfrm>
+            <a:off x="2458147" y="2995450"/>
+            <a:ext cx="4205410" cy="2915156"/>
+          </a:xfrm>
+          <a:prstGeom prst="rect">
+            <a:avLst/>
+          </a:prstGeom>
+        </p:spPr>
+        <p:style>
+          <a:lnRef idx="2">
+            <a:schemeClr val="accent1"/>
+          </a:lnRef>
+          <a:fillRef idx="1">
+            <a:schemeClr val="lt1"/>
+          </a:fillRef>
+          <a:effectRef idx="0">
+            <a:schemeClr val="accent1"/>
+          </a:effectRef>
+          <a:fontRef idx="minor">
+            <a:schemeClr val="dk1"/>
+          </a:fontRef>
+        </p:style>
+        <p:txBody>
+          <a:bodyPr rtlCol="0" anchor="ctr"/>
+          <a:lstStyle/>
+          <a:p>
+            <a:pPr algn="ctr"/>
+            <a:endParaRPr lang="en-US"/>
+          </a:p>
+        </p:txBody>
+      </p:sp>
+      <p:sp>
+        <p:nvSpPr>
+          <p:cNvPr id="26" name="Rounded Rectangle 25"/>
+          <p:cNvSpPr/>
+          <p:nvPr/>
+        </p:nvSpPr>
+        <p:spPr>
+          <a:xfrm>
+            <a:off x="2732172" y="3203279"/>
+            <a:ext cx="3657600" cy="742442"/>
+          </a:xfrm>
+          <a:prstGeom prst="roundRect">
+            <a:avLst/>
+          </a:prstGeom>
+        </p:spPr>
+        <p:style>
+          <a:lnRef idx="2">
+            <a:schemeClr val="accent2">
+              <a:shade val="50000"/>
+            </a:schemeClr>
+          </a:lnRef>
+          <a:fillRef idx="1">
+            <a:schemeClr val="accent2"/>
+          </a:fillRef>
+          <a:effectRef idx="0">
+            <a:schemeClr val="accent2"/>
+          </a:effectRef>
+          <a:fontRef idx="minor">
+            <a:schemeClr val="lt1"/>
+          </a:fontRef>
+        </p:style>
+        <p:txBody>
+          <a:bodyPr rtlCol="0" anchor="ctr"/>
+          <a:lstStyle/>
+          <a:p>
+            <a:pPr algn="ctr"/>
+            <a:r>
+              <a:rPr lang="en-US" b="1" dirty="0" smtClean="0"/>
+              <a:t>For </a:t>
+            </a:r>
+            <a:r>
+              <a:rPr lang="en-US" b="1" dirty="0" smtClean="0"/>
+              <a:t>each centroid index j in </a:t>
+            </a:r>
+            <a:r>
+              <a:rPr lang="en-US" b="1" dirty="0" err="1" smtClean="0"/>
+              <a:t>NNT</a:t>
+            </a:r>
+            <a:r>
+              <a:rPr lang="en-US" b="1" baseline="-25000" dirty="0" err="1" smtClean="0"/>
+              <a:t>i</a:t>
+            </a:r>
+            <a:r>
+              <a:rPr lang="en-US" b="1" dirty="0" smtClean="0"/>
+              <a:t> </a:t>
+            </a:r>
+            <a:endParaRPr lang="en-US" b="1" dirty="0"/>
+          </a:p>
+        </p:txBody>
+      </p:sp>
+      <p:cxnSp>
+        <p:nvCxnSpPr>
+          <p:cNvPr id="49" name="Straight Arrow Connector 48"/>
+          <p:cNvCxnSpPr>
+            <a:stCxn id="58" idx="2"/>
+            <a:endCxn id="26" idx="0"/>
+          </p:cNvCxnSpPr>
+          <p:nvPr/>
+        </p:nvCxnSpPr>
+        <p:spPr>
+          <a:xfrm>
+            <a:off x="4560852" y="2290935"/>
+            <a:ext cx="120" cy="912344"/>
+          </a:xfrm>
+          <a:prstGeom prst="straightConnector1">
+            <a:avLst/>
+          </a:prstGeom>
+          <a:ln w="44450">
+            <a:tailEnd type="triangle"/>
+          </a:ln>
+        </p:spPr>
+        <p:style>
+          <a:lnRef idx="1">
+            <a:schemeClr val="accent1"/>
+          </a:lnRef>
+          <a:fillRef idx="0">
+            <a:schemeClr val="accent1"/>
+          </a:fillRef>
+          <a:effectRef idx="0">
+            <a:schemeClr val="accent1"/>
+          </a:effectRef>
+          <a:fontRef idx="minor">
+            <a:schemeClr val="tx1"/>
+          </a:fontRef>
+        </p:style>
+      </p:cxnSp>
+      <p:cxnSp>
+        <p:nvCxnSpPr>
+          <p:cNvPr id="92" name="Straight Arrow Connector 91"/>
+          <p:cNvCxnSpPr>
+            <a:stCxn id="72" idx="3"/>
+            <a:endCxn id="23" idx="1"/>
+          </p:cNvCxnSpPr>
+          <p:nvPr/>
+        </p:nvCxnSpPr>
+        <p:spPr>
+          <a:xfrm flipV="1">
+            <a:off x="6663557" y="4451457"/>
+            <a:ext cx="301186" cy="1571"/>
+          </a:xfrm>
+          <a:prstGeom prst="straightConnector1">
+            <a:avLst/>
+          </a:prstGeom>
+          <a:ln w="44450">
+            <a:tailEnd type="triangle"/>
+          </a:ln>
+        </p:spPr>
+        <p:style>
+          <a:lnRef idx="1">
+            <a:schemeClr val="accent1"/>
+          </a:lnRef>
+          <a:fillRef idx="0">
+            <a:schemeClr val="accent1"/>
+          </a:fillRef>
+          <a:effectRef idx="0">
+            <a:schemeClr val="accent1"/>
+          </a:effectRef>
+          <a:fontRef idx="minor">
+            <a:schemeClr val="tx1"/>
+          </a:fontRef>
+        </p:style>
+      </p:cxnSp>
+      <p:sp>
+        <p:nvSpPr>
+          <p:cNvPr id="107" name="Rectangle 106"/>
+          <p:cNvSpPr/>
+          <p:nvPr/>
+        </p:nvSpPr>
+        <p:spPr>
+          <a:xfrm>
+            <a:off x="2731252" y="4063727"/>
+            <a:ext cx="3657600" cy="1595668"/>
+          </a:xfrm>
+          <a:prstGeom prst="rect">
+            <a:avLst/>
+          </a:prstGeom>
+        </p:spPr>
+        <p:style>
+          <a:lnRef idx="2">
+            <a:schemeClr val="accent1"/>
+          </a:lnRef>
+          <a:fillRef idx="1">
+            <a:schemeClr val="lt1"/>
+          </a:fillRef>
+          <a:effectRef idx="0">
+            <a:schemeClr val="accent1"/>
+          </a:effectRef>
+          <a:fontRef idx="minor">
+            <a:schemeClr val="dk1"/>
+          </a:fontRef>
+        </p:style>
+        <p:txBody>
+          <a:bodyPr rtlCol="0" anchor="ctr"/>
+          <a:lstStyle/>
+          <a:p>
+            <a:pPr algn="ctr"/>
+            <a:endParaRPr lang="en-US"/>
+          </a:p>
+        </p:txBody>
+      </p:sp>
+      <p:sp>
+        <p:nvSpPr>
+          <p:cNvPr id="28" name="Rounded Rectangle 27"/>
+          <p:cNvSpPr/>
+          <p:nvPr/>
+        </p:nvSpPr>
+        <p:spPr>
+          <a:xfrm>
+            <a:off x="2885741" y="4271556"/>
+            <a:ext cx="3348623" cy="466061"/>
+          </a:xfrm>
+          <a:prstGeom prst="roundRect">
+            <a:avLst/>
+          </a:prstGeom>
+        </p:spPr>
+        <p:style>
+          <a:lnRef idx="2">
+            <a:schemeClr val="accent2">
+              <a:shade val="50000"/>
+            </a:schemeClr>
+          </a:lnRef>
+          <a:fillRef idx="1">
+            <a:schemeClr val="accent2"/>
+          </a:fillRef>
+          <a:effectRef idx="0">
+            <a:schemeClr val="accent2"/>
+          </a:effectRef>
+          <a:fontRef idx="minor">
+            <a:schemeClr val="lt1"/>
+          </a:fontRef>
+        </p:style>
+        <p:txBody>
+          <a:bodyPr rtlCol="0" anchor="ctr"/>
+          <a:lstStyle/>
+          <a:p>
+            <a:pPr algn="ctr"/>
+            <a:r>
+              <a:rPr lang="en-US" b="1" dirty="0" err="1" smtClean="0"/>
+              <a:t>C</a:t>
+            </a:r>
+            <a:r>
+              <a:rPr lang="en-US" b="1" baseline="-25000" dirty="0" err="1" smtClean="0"/>
+              <a:t>j</a:t>
+            </a:r>
+            <a:r>
+              <a:rPr lang="en-US" b="1" baseline="-25000" dirty="0"/>
+              <a:t> </a:t>
+            </a:r>
+            <a:r>
+              <a:rPr lang="en-US" b="1" dirty="0" smtClean="0"/>
+              <a:t> = </a:t>
+            </a:r>
+            <a:r>
+              <a:rPr lang="en-US" b="1" dirty="0" err="1" smtClean="0"/>
+              <a:t>C</a:t>
+            </a:r>
+            <a:r>
+              <a:rPr lang="en-US" b="1" baseline="-25000" dirty="0" err="1" smtClean="0"/>
+              <a:t>j</a:t>
+            </a:r>
+            <a:r>
+              <a:rPr lang="en-US" b="1" dirty="0" smtClean="0"/>
+              <a:t> + </a:t>
+            </a:r>
+            <a:r>
+              <a:rPr lang="en-US" b="1" dirty="0" err="1" smtClean="0"/>
+              <a:t>U’</a:t>
+            </a:r>
+            <a:r>
+              <a:rPr lang="en-US" b="1" baseline="-25000" dirty="0" err="1" smtClean="0"/>
+              <a:t>i,j</a:t>
+            </a:r>
+            <a:r>
+              <a:rPr lang="en-US" b="1" baseline="30000" dirty="0" err="1" smtClean="0"/>
+              <a:t>q</a:t>
+            </a:r>
+            <a:r>
+              <a:rPr lang="en-US" b="1" dirty="0" smtClean="0"/>
+              <a:t> * X</a:t>
+            </a:r>
+            <a:r>
+              <a:rPr lang="en-US" b="1" baseline="-25000" dirty="0" smtClean="0"/>
+              <a:t>i</a:t>
+            </a:r>
+            <a:r>
+              <a:rPr lang="en-US" b="1" dirty="0" smtClean="0"/>
+              <a:t>  </a:t>
+            </a:r>
+            <a:endParaRPr lang="en-US" b="1" dirty="0"/>
+          </a:p>
+        </p:txBody>
+      </p:sp>
+      <p:sp>
+        <p:nvSpPr>
+          <p:cNvPr id="25" name="Rounded Rectangle 24"/>
+          <p:cNvSpPr/>
+          <p:nvPr/>
+        </p:nvSpPr>
+        <p:spPr>
+          <a:xfrm>
+            <a:off x="2885741" y="4950839"/>
+            <a:ext cx="3348623" cy="464523"/>
+          </a:xfrm>
+          <a:prstGeom prst="roundRect">
+            <a:avLst/>
+          </a:prstGeom>
+        </p:spPr>
+        <p:style>
+          <a:lnRef idx="2">
+            <a:schemeClr val="accent2">
+              <a:shade val="50000"/>
+            </a:schemeClr>
+          </a:lnRef>
+          <a:fillRef idx="1">
+            <a:schemeClr val="accent2"/>
+          </a:fillRef>
+          <a:effectRef idx="0">
+            <a:schemeClr val="accent2"/>
+          </a:effectRef>
+          <a:fontRef idx="minor">
+            <a:schemeClr val="lt1"/>
+          </a:fontRef>
+        </p:style>
+        <p:txBody>
+          <a:bodyPr rtlCol="0" anchor="ctr"/>
+          <a:lstStyle/>
+          <a:p>
+            <a:pPr algn="ctr"/>
+            <a:r>
+              <a:rPr lang="en-US" b="1" dirty="0" err="1" smtClean="0"/>
+              <a:t>SumU</a:t>
+            </a:r>
+            <a:r>
+              <a:rPr lang="en-US" b="1" baseline="-25000" dirty="0" err="1" smtClean="0"/>
+              <a:t>j</a:t>
+            </a:r>
+            <a:r>
+              <a:rPr lang="en-US" b="1" baseline="-25000" dirty="0" smtClean="0"/>
+              <a:t> </a:t>
+            </a:r>
+            <a:r>
+              <a:rPr lang="en-US" b="1" dirty="0" smtClean="0"/>
+              <a:t> </a:t>
+            </a:r>
+            <a:r>
+              <a:rPr lang="en-US" b="1" dirty="0"/>
+              <a:t>= </a:t>
+            </a:r>
+            <a:r>
+              <a:rPr lang="en-US" b="1" dirty="0" err="1" smtClean="0"/>
+              <a:t>SumU</a:t>
+            </a:r>
+            <a:r>
+              <a:rPr lang="en-US" b="1" baseline="-25000" dirty="0" err="1" smtClean="0"/>
+              <a:t>j</a:t>
+            </a:r>
+            <a:r>
+              <a:rPr lang="en-US" b="1" dirty="0" smtClean="0"/>
+              <a:t> </a:t>
+            </a:r>
+            <a:r>
+              <a:rPr lang="en-US" b="1" dirty="0"/>
+              <a:t>+ </a:t>
+            </a:r>
+            <a:r>
+              <a:rPr lang="en-US" b="1" dirty="0" err="1" smtClean="0"/>
+              <a:t>U’</a:t>
+            </a:r>
+            <a:r>
+              <a:rPr lang="en-US" b="1" baseline="-25000" dirty="0" err="1" smtClean="0"/>
+              <a:t>i,j</a:t>
+            </a:r>
+            <a:r>
+              <a:rPr lang="en-US" b="1" baseline="30000" dirty="0" err="1" smtClean="0"/>
+              <a:t>q</a:t>
+            </a:r>
+            <a:endParaRPr lang="en-US" b="1" dirty="0"/>
+          </a:p>
+        </p:txBody>
+      </p:sp>
+      <p:cxnSp>
+        <p:nvCxnSpPr>
+          <p:cNvPr id="81" name="Straight Arrow Connector 80"/>
+          <p:cNvCxnSpPr>
+            <a:stCxn id="26" idx="2"/>
+            <a:endCxn id="28" idx="0"/>
+          </p:cNvCxnSpPr>
+          <p:nvPr/>
+        </p:nvCxnSpPr>
+        <p:spPr>
+          <a:xfrm flipH="1">
+            <a:off x="4560053" y="3945721"/>
+            <a:ext cx="919" cy="325835"/>
+          </a:xfrm>
+          <a:prstGeom prst="straightConnector1">
+            <a:avLst/>
+          </a:prstGeom>
+          <a:ln w="44450">
+            <a:tailEnd type="triangle"/>
+          </a:ln>
+        </p:spPr>
+        <p:style>
+          <a:lnRef idx="1">
+            <a:schemeClr val="accent1"/>
+          </a:lnRef>
+          <a:fillRef idx="0">
+            <a:schemeClr val="accent1"/>
+          </a:fillRef>
+          <a:effectRef idx="0">
+            <a:schemeClr val="accent1"/>
+          </a:effectRef>
+          <a:fontRef idx="minor">
+            <a:schemeClr val="tx1"/>
+          </a:fontRef>
+        </p:style>
+      </p:cxnSp>
+      <p:sp>
+        <p:nvSpPr>
+          <p:cNvPr id="23" name="Rectangle 22"/>
+          <p:cNvSpPr/>
+          <p:nvPr/>
+        </p:nvSpPr>
+        <p:spPr>
+          <a:xfrm>
+            <a:off x="6964743" y="2993879"/>
+            <a:ext cx="3200749" cy="2915156"/>
+          </a:xfrm>
+          <a:prstGeom prst="rect">
+            <a:avLst/>
+          </a:prstGeom>
+        </p:spPr>
+        <p:style>
+          <a:lnRef idx="2">
+            <a:schemeClr val="accent1"/>
+          </a:lnRef>
+          <a:fillRef idx="1">
+            <a:schemeClr val="lt1"/>
+          </a:fillRef>
+          <a:effectRef idx="0">
+            <a:schemeClr val="accent1"/>
+          </a:effectRef>
+          <a:fontRef idx="minor">
+            <a:schemeClr val="dk1"/>
+          </a:fontRef>
+        </p:style>
+        <p:txBody>
+          <a:bodyPr rtlCol="0" anchor="ctr"/>
+          <a:lstStyle/>
+          <a:p>
+            <a:pPr algn="ctr"/>
+            <a:endParaRPr lang="en-US"/>
+          </a:p>
+        </p:txBody>
+      </p:sp>
+      <p:sp>
+        <p:nvSpPr>
+          <p:cNvPr id="24" name="Rounded Rectangle 23"/>
+          <p:cNvSpPr/>
+          <p:nvPr/>
+        </p:nvSpPr>
+        <p:spPr>
+          <a:xfrm>
+            <a:off x="7238768" y="3468611"/>
+            <a:ext cx="2679589" cy="472965"/>
+          </a:xfrm>
+          <a:prstGeom prst="roundRect">
+            <a:avLst/>
+          </a:prstGeom>
+        </p:spPr>
+        <p:style>
+          <a:lnRef idx="2">
+            <a:schemeClr val="accent2">
+              <a:shade val="50000"/>
+            </a:schemeClr>
+          </a:lnRef>
+          <a:fillRef idx="1">
+            <a:schemeClr val="accent2"/>
+          </a:fillRef>
+          <a:effectRef idx="0">
+            <a:schemeClr val="accent2"/>
+          </a:effectRef>
+          <a:fontRef idx="minor">
+            <a:schemeClr val="lt1"/>
+          </a:fontRef>
+        </p:style>
+        <p:txBody>
+          <a:bodyPr rtlCol="0" anchor="ctr"/>
+          <a:lstStyle/>
+          <a:p>
+            <a:pPr algn="ctr"/>
+            <a:r>
+              <a:rPr lang="en-US" b="1" dirty="0" smtClean="0"/>
+              <a:t>For </a:t>
+            </a:r>
+            <a:r>
+              <a:rPr lang="en-US" b="1" dirty="0" smtClean="0"/>
+              <a:t>each centroid </a:t>
+            </a:r>
+            <a:r>
+              <a:rPr lang="en-US" b="1" dirty="0" err="1" smtClean="0"/>
+              <a:t>C</a:t>
+            </a:r>
+            <a:r>
+              <a:rPr lang="en-US" b="1" baseline="-25000" dirty="0" err="1" smtClean="0"/>
+              <a:t>j</a:t>
+            </a:r>
+            <a:r>
+              <a:rPr lang="en-US" b="1" dirty="0" smtClean="0"/>
+              <a:t> </a:t>
+            </a:r>
+            <a:endParaRPr lang="en-US" b="1" dirty="0"/>
+          </a:p>
+        </p:txBody>
+      </p:sp>
+      <p:sp>
+        <p:nvSpPr>
+          <p:cNvPr id="27" name="Rectangle 26"/>
+          <p:cNvSpPr/>
+          <p:nvPr/>
+        </p:nvSpPr>
+        <p:spPr>
+          <a:xfrm>
+            <a:off x="7237848" y="4062156"/>
+            <a:ext cx="2680509" cy="888683"/>
+          </a:xfrm>
+          <a:prstGeom prst="rect">
+            <a:avLst/>
+          </a:prstGeom>
+        </p:spPr>
+        <p:style>
+          <a:lnRef idx="2">
+            <a:schemeClr val="accent1"/>
+          </a:lnRef>
+          <a:fillRef idx="1">
+            <a:schemeClr val="lt1"/>
+          </a:fillRef>
+          <a:effectRef idx="0">
+            <a:schemeClr val="accent1"/>
+          </a:effectRef>
+          <a:fontRef idx="minor">
+            <a:schemeClr val="dk1"/>
+          </a:fontRef>
+        </p:style>
+        <p:txBody>
+          <a:bodyPr rtlCol="0" anchor="ctr"/>
+          <a:lstStyle/>
+          <a:p>
+            <a:pPr algn="ctr"/>
+            <a:endParaRPr lang="en-US"/>
+          </a:p>
+        </p:txBody>
+      </p:sp>
+      <p:sp>
+        <p:nvSpPr>
+          <p:cNvPr id="29" name="Rounded Rectangle 28"/>
+          <p:cNvSpPr/>
+          <p:nvPr/>
+        </p:nvSpPr>
+        <p:spPr>
+          <a:xfrm>
+            <a:off x="7392337" y="4269985"/>
+            <a:ext cx="2377739" cy="466061"/>
+          </a:xfrm>
+          <a:prstGeom prst="roundRect">
+            <a:avLst/>
+          </a:prstGeom>
+        </p:spPr>
+        <p:style>
+          <a:lnRef idx="2">
+            <a:schemeClr val="accent2">
+              <a:shade val="50000"/>
+            </a:schemeClr>
+          </a:lnRef>
+          <a:fillRef idx="1">
+            <a:schemeClr val="accent2"/>
+          </a:fillRef>
+          <a:effectRef idx="0">
+            <a:schemeClr val="accent2"/>
+          </a:effectRef>
+          <a:fontRef idx="minor">
+            <a:schemeClr val="lt1"/>
+          </a:fontRef>
+        </p:style>
+        <p:txBody>
+          <a:bodyPr rtlCol="0" anchor="ctr"/>
+          <a:lstStyle/>
+          <a:p>
+            <a:pPr algn="ctr"/>
+            <a:r>
+              <a:rPr lang="en-US" b="1" dirty="0" err="1" smtClean="0"/>
+              <a:t>C</a:t>
+            </a:r>
+            <a:r>
+              <a:rPr lang="en-US" b="1" baseline="-25000" dirty="0" err="1" smtClean="0"/>
+              <a:t>j</a:t>
+            </a:r>
+            <a:r>
+              <a:rPr lang="en-US" b="1" baseline="-25000" dirty="0"/>
+              <a:t> </a:t>
+            </a:r>
+            <a:r>
+              <a:rPr lang="en-US" b="1" dirty="0" smtClean="0"/>
+              <a:t> = </a:t>
+            </a:r>
+            <a:r>
+              <a:rPr lang="en-US" b="1" dirty="0" err="1" smtClean="0"/>
+              <a:t>C</a:t>
+            </a:r>
+            <a:r>
+              <a:rPr lang="en-US" b="1" baseline="-25000" dirty="0" err="1" smtClean="0"/>
+              <a:t>j</a:t>
+            </a:r>
+            <a:r>
+              <a:rPr lang="en-US" b="1" dirty="0" smtClean="0"/>
+              <a:t> / </a:t>
+            </a:r>
+            <a:r>
+              <a:rPr lang="en-US" b="1" dirty="0" err="1" smtClean="0"/>
+              <a:t>SumU</a:t>
+            </a:r>
+            <a:r>
+              <a:rPr lang="en-US" b="1" baseline="-25000" dirty="0" err="1" smtClean="0"/>
+              <a:t>j</a:t>
+            </a:r>
+            <a:r>
+              <a:rPr lang="en-US" b="1" dirty="0" smtClean="0"/>
+              <a:t>  </a:t>
+            </a:r>
+            <a:endParaRPr lang="en-US" b="1" dirty="0"/>
+          </a:p>
+        </p:txBody>
+      </p:sp>
+      <p:cxnSp>
+        <p:nvCxnSpPr>
+          <p:cNvPr id="31" name="Straight Arrow Connector 30"/>
+          <p:cNvCxnSpPr>
+            <a:stCxn id="24" idx="2"/>
+            <a:endCxn id="29" idx="0"/>
+          </p:cNvCxnSpPr>
+          <p:nvPr/>
+        </p:nvCxnSpPr>
+        <p:spPr>
+          <a:xfrm>
+            <a:off x="8578563" y="3941576"/>
+            <a:ext cx="2644" cy="328409"/>
+          </a:xfrm>
+          <a:prstGeom prst="straightConnector1">
+            <a:avLst/>
+          </a:prstGeom>
+          <a:ln w="44450">
+            <a:tailEnd type="triangle"/>
+          </a:ln>
+        </p:spPr>
+        <p:style>
+          <a:lnRef idx="1">
+            <a:schemeClr val="accent1"/>
+          </a:lnRef>
+          <a:fillRef idx="0">
+            <a:schemeClr val="accent1"/>
+          </a:fillRef>
+          <a:effectRef idx="0">
+            <a:schemeClr val="accent1"/>
+          </a:effectRef>
+          <a:fontRef idx="minor">
+            <a:schemeClr val="tx1"/>
+          </a:fontRef>
+        </p:style>
+      </p:cxnSp>
+    </p:spTree>
+    <p:extLst>
+      <p:ext uri="{BB962C8B-B14F-4D97-AF65-F5344CB8AC3E}">
+        <p14:creationId xmlns:p14="http://schemas.microsoft.com/office/powerpoint/2010/main" val="4227269679"/>
+      </p:ext>
+    </p:extLst>
+  </p:cSld>
+  <p:clrMapOvr>
+    <a:masterClrMapping/>
+  </p:clrMapOvr>
+  <p:timing>
+    <p:tnLst>
+      <p:par>
+        <p:cTn id="1" dur="indefinite" restart="never" nodeType="tmRoot"/>
+      </p:par>
+    </p:tnLst>
+  </p:timing>
+</p:sld>
+</file>
+
+<file path=ppt/slides/slide12.xml><?xml version="1.0" encoding="utf-8"?>
+<p:sld xmlns:a="http://schemas.openxmlformats.org/drawingml/2006/main" xmlns:r="http://schemas.openxmlformats.org/officeDocument/2006/relationships" xmlns:p="http://schemas.openxmlformats.org/presentationml/2006/main">
+  <p:cSld>
+    <p:spTree>
+      <p:nvGrpSpPr>
+        <p:cNvPr id="1" name=""/>
+        <p:cNvGrpSpPr/>
+        <p:nvPr/>
+      </p:nvGrpSpPr>
+      <p:grpSpPr>
+        <a:xfrm>
+          <a:off x="0" y="0"/>
+          <a:ext cx="0" cy="0"/>
+          <a:chOff x="0" y="0"/>
+          <a:chExt cx="0" cy="0"/>
+        </a:xfrm>
+      </p:grpSpPr>
+      <p:sp>
+        <p:nvSpPr>
+          <p:cNvPr id="2" name="Title 1"/>
+          <p:cNvSpPr>
+            <a:spLocks noGrp="1"/>
+          </p:cNvSpPr>
+          <p:nvPr>
+            <p:ph type="title"/>
+          </p:nvPr>
+        </p:nvSpPr>
+        <p:spPr/>
+        <p:txBody>
+          <a:bodyPr/>
+          <a:lstStyle/>
+          <a:p>
+            <a:pPr algn="ctr"/>
+            <a:r>
+              <a:rPr lang="en-US" dirty="0" smtClean="0"/>
+              <a:t>CALCULATING NEW CENTROIDS</a:t>
+            </a:r>
+            <a:endParaRPr lang="en-US" dirty="0"/>
+          </a:p>
+        </p:txBody>
+      </p:sp>
+      <p:sp>
+        <p:nvSpPr>
+          <p:cNvPr id="3" name="Content Placeholder 2"/>
+          <p:cNvSpPr>
+            <a:spLocks noGrp="1"/>
+          </p:cNvSpPr>
+          <p:nvPr>
+            <p:ph idx="1"/>
+          </p:nvPr>
+        </p:nvSpPr>
+        <p:spPr>
+          <a:xfrm>
+            <a:off x="1141412" y="2097087"/>
+            <a:ext cx="9905999" cy="4105749"/>
+          </a:xfrm>
+        </p:spPr>
+        <p:txBody>
+          <a:bodyPr>
+            <a:normAutofit/>
+          </a:bodyPr>
+          <a:lstStyle/>
+          <a:p>
+            <a:pPr algn="just"/>
+            <a:r>
+              <a:rPr lang="en-US" dirty="0" smtClean="0"/>
+              <a:t>As </a:t>
+            </a:r>
+            <a:r>
+              <a:rPr lang="en-US" i="1" dirty="0"/>
+              <a:t>N</a:t>
+            </a:r>
+            <a:r>
+              <a:rPr lang="en-US" dirty="0"/>
+              <a:t> is relatively large, and </a:t>
+            </a:r>
+            <a:r>
+              <a:rPr lang="en-US" i="1" dirty="0"/>
+              <a:t>M</a:t>
+            </a:r>
+            <a:r>
+              <a:rPr lang="en-US" dirty="0"/>
+              <a:t> and </a:t>
+            </a:r>
+            <a:r>
+              <a:rPr lang="en-US" i="1" dirty="0"/>
+              <a:t>k</a:t>
+            </a:r>
+            <a:r>
+              <a:rPr lang="en-US" dirty="0"/>
+              <a:t> are close to each other, we design </a:t>
+            </a:r>
+            <a:r>
+              <a:rPr lang="en-US" dirty="0" smtClean="0"/>
+              <a:t>algorithms on GPU </a:t>
+            </a:r>
+            <a:r>
+              <a:rPr lang="en-US" dirty="0"/>
+              <a:t>using </a:t>
+            </a:r>
+            <a:r>
+              <a:rPr lang="en-US" dirty="0" smtClean="0"/>
+              <a:t>equation with the computational complexity O(</a:t>
+            </a:r>
+            <a:r>
+              <a:rPr lang="en-US" i="1" dirty="0" err="1" smtClean="0"/>
+              <a:t>Nkd</a:t>
+            </a:r>
+            <a:r>
+              <a:rPr lang="en-US" i="1" dirty="0" smtClean="0"/>
+              <a:t> </a:t>
+            </a:r>
+            <a:r>
+              <a:rPr lang="en-US" dirty="0" smtClean="0"/>
+              <a:t>+ </a:t>
+            </a:r>
+            <a:r>
+              <a:rPr lang="en-US" i="1" dirty="0" err="1" smtClean="0"/>
+              <a:t>kd</a:t>
+            </a:r>
+            <a:r>
+              <a:rPr lang="en-US" dirty="0" smtClean="0"/>
+              <a:t>) of </a:t>
+            </a:r>
+            <a:r>
+              <a:rPr lang="en-US" dirty="0"/>
+              <a:t>FKM instead of equation </a:t>
+            </a:r>
+            <a:r>
+              <a:rPr lang="en-US" dirty="0" smtClean="0"/>
+              <a:t>of </a:t>
+            </a:r>
+            <a:r>
+              <a:rPr lang="en-US" dirty="0"/>
+              <a:t>GFKM that do not greatly affect the overall </a:t>
+            </a:r>
+            <a:r>
+              <a:rPr lang="en-US" dirty="0" smtClean="0"/>
+              <a:t>performance.</a:t>
+            </a:r>
+          </a:p>
+          <a:p>
+            <a:pPr algn="just"/>
+            <a:r>
+              <a:rPr lang="en-US" dirty="0"/>
+              <a:t>However, after the previous </a:t>
+            </a:r>
+            <a:r>
+              <a:rPr lang="en-US" dirty="0" smtClean="0"/>
+              <a:t>step, the data </a:t>
+            </a:r>
+            <a:r>
+              <a:rPr lang="en-US" dirty="0"/>
+              <a:t>are not coalesced as shown in </a:t>
+            </a:r>
+            <a:r>
+              <a:rPr lang="en-US" dirty="0" smtClean="0"/>
+              <a:t>next slide.</a:t>
+            </a:r>
+            <a:endParaRPr lang="en-US" dirty="0" smtClean="0"/>
+          </a:p>
+        </p:txBody>
+      </p:sp>
+    </p:spTree>
+    <p:extLst>
+      <p:ext uri="{BB962C8B-B14F-4D97-AF65-F5344CB8AC3E}">
+        <p14:creationId xmlns:p14="http://schemas.microsoft.com/office/powerpoint/2010/main" val="2509479184"/>
+      </p:ext>
+    </p:extLst>
+  </p:cSld>
+  <p:clrMapOvr>
+    <a:masterClrMapping/>
+  </p:clrMapOvr>
+  <p:timing>
+    <p:tnLst>
+      <p:par>
+        <p:cTn id="1" dur="indefinite" restart="never" nodeType="tmRoot"/>
+      </p:par>
+    </p:tnLst>
+  </p:timing>
+</p:sld>
+</file>
+
+<file path=ppt/slides/slide13.xml><?xml version="1.0" encoding="utf-8"?>
+<p:sld xmlns:a="http://schemas.openxmlformats.org/drawingml/2006/main" xmlns:r="http://schemas.openxmlformats.org/officeDocument/2006/relationships" xmlns:p="http://schemas.openxmlformats.org/presentationml/2006/main">
+  <p:cSld>
+    <p:spTree>
+      <p:nvGrpSpPr>
+        <p:cNvPr id="1" name=""/>
+        <p:cNvGrpSpPr/>
+        <p:nvPr/>
+      </p:nvGrpSpPr>
+      <p:grpSpPr>
+        <a:xfrm>
+          <a:off x="0" y="0"/>
+          <a:ext cx="0" cy="0"/>
+          <a:chOff x="0" y="0"/>
+          <a:chExt cx="0" cy="0"/>
+        </a:xfrm>
+      </p:grpSpPr>
+      <p:sp>
+        <p:nvSpPr>
+          <p:cNvPr id="2" name="Title 1"/>
+          <p:cNvSpPr>
+            <a:spLocks noGrp="1"/>
+          </p:cNvSpPr>
+          <p:nvPr>
+            <p:ph type="title"/>
+          </p:nvPr>
+        </p:nvSpPr>
+        <p:spPr/>
+        <p:txBody>
+          <a:bodyPr/>
+          <a:lstStyle/>
+          <a:p>
+            <a:pPr algn="ctr"/>
+            <a:r>
+              <a:rPr lang="en-US" dirty="0" smtClean="0"/>
+              <a:t>CALCULATING NEW CENTROIDS</a:t>
+            </a:r>
+            <a:endParaRPr lang="en-US" dirty="0"/>
+          </a:p>
+        </p:txBody>
+      </p:sp>
+      <p:sp>
+        <p:nvSpPr>
+          <p:cNvPr id="3" name="Content Placeholder 2"/>
+          <p:cNvSpPr>
+            <a:spLocks noGrp="1"/>
+          </p:cNvSpPr>
+          <p:nvPr>
+            <p:ph idx="1"/>
+          </p:nvPr>
+        </p:nvSpPr>
+        <p:spPr>
+          <a:xfrm>
+            <a:off x="1141413" y="1841714"/>
+            <a:ext cx="9905999" cy="4649702"/>
+          </a:xfrm>
+        </p:spPr>
+        <p:txBody>
+          <a:bodyPr>
+            <a:normAutofit/>
+          </a:bodyPr>
+          <a:lstStyle/>
+          <a:p>
+            <a:pPr algn="just"/>
+            <a:r>
+              <a:rPr lang="en-GB" dirty="0"/>
+              <a:t>Un-coalesced data access</a:t>
+            </a:r>
+            <a:endParaRPr lang="en-US" dirty="0" smtClean="0"/>
+          </a:p>
+        </p:txBody>
+      </p:sp>
+      <p:pic>
+        <p:nvPicPr>
+          <p:cNvPr id="1026" name="Picture 2"/>
+          <p:cNvPicPr>
+            <a:picLocks noChangeAspect="1" noChangeArrowheads="1"/>
+          </p:cNvPicPr>
+          <p:nvPr/>
+        </p:nvPicPr>
+        <p:blipFill>
+          <a:blip r:embed="rId2">
+            <a:extLst>
+              <a:ext uri="{28A0092B-C50C-407E-A947-70E740481C1C}">
+                <a14:useLocalDpi xmlns:a14="http://schemas.microsoft.com/office/drawing/2010/main" val="0"/>
+              </a:ext>
+            </a:extLst>
+          </a:blip>
+          <a:srcRect/>
+          <a:stretch>
+            <a:fillRect/>
+          </a:stretch>
+        </p:blipFill>
+        <p:spPr bwMode="auto">
+          <a:xfrm>
+            <a:off x="1990857" y="2467789"/>
+            <a:ext cx="8256538" cy="3781698"/>
+          </a:xfrm>
+          <a:prstGeom prst="rect">
+            <a:avLst/>
+          </a:prstGeom>
+          <a:noFill/>
+          <a:ln>
+            <a:noFill/>
+          </a:ln>
+          <a:extLst>
+            <a:ext uri="{909E8E84-426E-40DD-AFC4-6F175D3DCCD1}">
+              <a14:hiddenFill xmlns:a14="http://schemas.microsoft.com/office/drawing/2010/main">
+                <a:solidFill>
+                  <a:srgbClr val="FFFFFF"/>
+                </a:solidFill>
+              </a14:hiddenFill>
+            </a:ext>
+            <a:ext uri="{91240B29-F687-4F45-9708-019B960494DF}">
+              <a14:hiddenLine xmlns:a14="http://schemas.microsoft.com/office/drawing/2010/main" w="9525">
+                <a:solidFill>
+                  <a:srgbClr val="000000"/>
+                </a:solidFill>
+                <a:miter lim="800000"/>
+                <a:headEnd/>
+                <a:tailEnd/>
+              </a14:hiddenLine>
+            </a:ext>
+          </a:extLst>
+        </p:spPr>
+      </p:pic>
+    </p:spTree>
+    <p:extLst>
+      <p:ext uri="{BB962C8B-B14F-4D97-AF65-F5344CB8AC3E}">
+        <p14:creationId xmlns:p14="http://schemas.microsoft.com/office/powerpoint/2010/main" val="3981428047"/>
+      </p:ext>
+    </p:extLst>
+  </p:cSld>
+  <p:clrMapOvr>
+    <a:masterClrMapping/>
+  </p:clrMapOvr>
+  <p:timing>
+    <p:tnLst>
+      <p:par>
+        <p:cTn id="1" dur="indefinite" restart="never" nodeType="tmRoot"/>
+      </p:par>
+    </p:tnLst>
+  </p:timing>
+</p:sld>
+</file>
+
+<file path=ppt/slides/slide14.xml><?xml version="1.0" encoding="utf-8"?>
+<p:sld xmlns:a="http://schemas.openxmlformats.org/drawingml/2006/main" xmlns:r="http://schemas.openxmlformats.org/officeDocument/2006/relationships" xmlns:p="http://schemas.openxmlformats.org/presentationml/2006/main">
+  <p:cSld>
+    <p:spTree>
+      <p:nvGrpSpPr>
+        <p:cNvPr id="1" name=""/>
+        <p:cNvGrpSpPr/>
+        <p:nvPr/>
+      </p:nvGrpSpPr>
+      <p:grpSpPr>
+        <a:xfrm>
+          <a:off x="0" y="0"/>
+          <a:ext cx="0" cy="0"/>
+          <a:chOff x="0" y="0"/>
+          <a:chExt cx="0" cy="0"/>
+        </a:xfrm>
+      </p:grpSpPr>
+      <p:sp>
+        <p:nvSpPr>
+          <p:cNvPr id="2" name="Title 1"/>
+          <p:cNvSpPr>
+            <a:spLocks noGrp="1"/>
+          </p:cNvSpPr>
+          <p:nvPr>
+            <p:ph type="title"/>
+          </p:nvPr>
+        </p:nvSpPr>
+        <p:spPr/>
+        <p:txBody>
+          <a:bodyPr/>
+          <a:lstStyle/>
+          <a:p>
+            <a:pPr algn="ctr"/>
+            <a:r>
+              <a:rPr lang="en-US" dirty="0" smtClean="0"/>
+              <a:t>CALCULATING NEW CENTROIDS</a:t>
+            </a:r>
+            <a:endParaRPr lang="en-US" dirty="0"/>
+          </a:p>
+        </p:txBody>
+      </p:sp>
+      <p:sp>
+        <p:nvSpPr>
+          <p:cNvPr id="3" name="Content Placeholder 2"/>
+          <p:cNvSpPr>
+            <a:spLocks noGrp="1"/>
+          </p:cNvSpPr>
+          <p:nvPr>
+            <p:ph idx="1"/>
+          </p:nvPr>
+        </p:nvSpPr>
+        <p:spPr>
+          <a:xfrm>
+            <a:off x="1141412" y="2097087"/>
+            <a:ext cx="9905999" cy="4105749"/>
+          </a:xfrm>
+        </p:spPr>
+        <p:txBody>
+          <a:bodyPr>
+            <a:normAutofit/>
+          </a:bodyPr>
+          <a:lstStyle/>
+          <a:p>
+            <a:pPr algn="just"/>
+            <a:r>
+              <a:rPr lang="en-US" dirty="0" smtClean="0"/>
+              <a:t>To achieve </a:t>
+            </a:r>
+            <a:r>
+              <a:rPr lang="en-US" dirty="0"/>
+              <a:t>coalesced access to the global </a:t>
+            </a:r>
+            <a:r>
+              <a:rPr lang="en-US" dirty="0" smtClean="0"/>
+              <a:t>memory, data points are transposed </a:t>
+            </a:r>
+            <a:r>
+              <a:rPr lang="en-US" dirty="0"/>
+              <a:t>from </a:t>
+            </a:r>
+            <a:r>
+              <a:rPr lang="en-US" i="1" dirty="0"/>
+              <a:t>N</a:t>
+            </a:r>
+            <a:r>
+              <a:rPr lang="en-US" dirty="0"/>
+              <a:t>×</a:t>
+            </a:r>
+            <a:r>
+              <a:rPr lang="en-US" i="1" dirty="0"/>
+              <a:t>D</a:t>
+            </a:r>
+            <a:r>
+              <a:rPr lang="en-US" dirty="0"/>
+              <a:t> to </a:t>
+            </a:r>
+            <a:r>
+              <a:rPr lang="en-US" i="1" dirty="0"/>
+              <a:t>D</a:t>
+            </a:r>
+            <a:r>
+              <a:rPr lang="en-US" dirty="0"/>
+              <a:t>×</a:t>
+            </a:r>
+            <a:r>
+              <a:rPr lang="en-US" i="1" dirty="0"/>
+              <a:t>N</a:t>
+            </a:r>
+            <a:r>
+              <a:rPr lang="en-US" dirty="0"/>
+              <a:t>, and memberships </a:t>
+            </a:r>
+            <a:r>
+              <a:rPr lang="en-US" dirty="0" smtClean="0"/>
+              <a:t>from </a:t>
+            </a:r>
+            <a:r>
+              <a:rPr lang="en-US" i="1" dirty="0"/>
+              <a:t>N</a:t>
+            </a:r>
+            <a:r>
+              <a:rPr lang="en-US" dirty="0"/>
+              <a:t>×</a:t>
+            </a:r>
+            <a:r>
+              <a:rPr lang="en-US" i="1" dirty="0"/>
+              <a:t>K</a:t>
+            </a:r>
+            <a:r>
+              <a:rPr lang="en-US" dirty="0"/>
+              <a:t> to </a:t>
+            </a:r>
+            <a:r>
+              <a:rPr lang="en-US" i="1" dirty="0"/>
+              <a:t>K</a:t>
+            </a:r>
+            <a:r>
+              <a:rPr lang="en-US" dirty="0"/>
+              <a:t>×</a:t>
+            </a:r>
+            <a:r>
+              <a:rPr lang="en-US" i="1" dirty="0"/>
+              <a:t>N</a:t>
+            </a:r>
+            <a:r>
+              <a:rPr lang="en-US" dirty="0"/>
+              <a:t> using </a:t>
+            </a:r>
+            <a:r>
+              <a:rPr lang="en-US" dirty="0" err="1"/>
+              <a:t>cuBLAS</a:t>
+            </a:r>
+            <a:r>
+              <a:rPr lang="en-US" dirty="0"/>
+              <a:t> library in CUDA </a:t>
+            </a:r>
+            <a:r>
+              <a:rPr lang="en-US" dirty="0" smtClean="0"/>
+              <a:t>Toolkit as </a:t>
+            </a:r>
+            <a:r>
+              <a:rPr lang="en-US" dirty="0"/>
+              <a:t>shown </a:t>
+            </a:r>
+            <a:r>
+              <a:rPr lang="en-US" dirty="0" smtClean="0"/>
+              <a:t>in next slide.</a:t>
+            </a:r>
+            <a:endParaRPr lang="en-US" dirty="0" smtClean="0"/>
+          </a:p>
+        </p:txBody>
+      </p:sp>
+    </p:spTree>
+    <p:extLst>
+      <p:ext uri="{BB962C8B-B14F-4D97-AF65-F5344CB8AC3E}">
+        <p14:creationId xmlns:p14="http://schemas.microsoft.com/office/powerpoint/2010/main" val="402197639"/>
+      </p:ext>
+    </p:extLst>
+  </p:cSld>
+  <p:clrMapOvr>
+    <a:masterClrMapping/>
+  </p:clrMapOvr>
+  <p:timing>
+    <p:tnLst>
+      <p:par>
+        <p:cTn id="1" dur="indefinite" restart="never" nodeType="tmRoot"/>
+      </p:par>
+    </p:tnLst>
+  </p:timing>
+</p:sld>
+</file>
+
+<file path=ppt/slides/slide15.xml><?xml version="1.0" encoding="utf-8"?>
+<p:sld xmlns:a="http://schemas.openxmlformats.org/drawingml/2006/main" xmlns:r="http://schemas.openxmlformats.org/officeDocument/2006/relationships" xmlns:p="http://schemas.openxmlformats.org/presentationml/2006/main">
+  <p:cSld>
+    <p:spTree>
+      <p:nvGrpSpPr>
+        <p:cNvPr id="1" name=""/>
+        <p:cNvGrpSpPr/>
+        <p:nvPr/>
+      </p:nvGrpSpPr>
+      <p:grpSpPr>
+        <a:xfrm>
+          <a:off x="0" y="0"/>
+          <a:ext cx="0" cy="0"/>
+          <a:chOff x="0" y="0"/>
+          <a:chExt cx="0" cy="0"/>
+        </a:xfrm>
+      </p:grpSpPr>
+      <p:sp>
+        <p:nvSpPr>
+          <p:cNvPr id="2" name="Title 1"/>
+          <p:cNvSpPr>
+            <a:spLocks noGrp="1"/>
+          </p:cNvSpPr>
+          <p:nvPr>
+            <p:ph type="title"/>
+          </p:nvPr>
+        </p:nvSpPr>
+        <p:spPr/>
+        <p:txBody>
+          <a:bodyPr/>
+          <a:lstStyle/>
+          <a:p>
+            <a:pPr algn="ctr"/>
+            <a:r>
+              <a:rPr lang="en-US" dirty="0" smtClean="0"/>
+              <a:t>CALCULATING NEW CENTROIDS</a:t>
+            </a:r>
+            <a:endParaRPr lang="en-US" dirty="0"/>
+          </a:p>
+        </p:txBody>
+      </p:sp>
+      <p:sp>
+        <p:nvSpPr>
+          <p:cNvPr id="3" name="Content Placeholder 2"/>
+          <p:cNvSpPr>
+            <a:spLocks noGrp="1"/>
+          </p:cNvSpPr>
+          <p:nvPr>
+            <p:ph idx="1"/>
+          </p:nvPr>
+        </p:nvSpPr>
+        <p:spPr>
+          <a:xfrm>
+            <a:off x="1141413" y="1841714"/>
+            <a:ext cx="9905999" cy="4649702"/>
+          </a:xfrm>
+        </p:spPr>
+        <p:txBody>
+          <a:bodyPr>
+            <a:normAutofit/>
+          </a:bodyPr>
+          <a:lstStyle/>
+          <a:p>
+            <a:pPr algn="just"/>
+            <a:r>
+              <a:rPr lang="en-GB" dirty="0" smtClean="0"/>
+              <a:t>Coalesced </a:t>
+            </a:r>
+            <a:r>
+              <a:rPr lang="en-GB" dirty="0"/>
+              <a:t>data access</a:t>
+            </a:r>
+            <a:endParaRPr lang="en-US" dirty="0" smtClean="0"/>
+          </a:p>
+        </p:txBody>
+      </p:sp>
+      <p:pic>
+        <p:nvPicPr>
+          <p:cNvPr id="4098" name="Picture 2"/>
+          <p:cNvPicPr>
+            <a:picLocks noChangeAspect="1" noChangeArrowheads="1"/>
+          </p:cNvPicPr>
+          <p:nvPr/>
+        </p:nvPicPr>
+        <p:blipFill>
+          <a:blip r:embed="rId2">
+            <a:extLst>
+              <a:ext uri="{28A0092B-C50C-407E-A947-70E740481C1C}">
+                <a14:useLocalDpi xmlns:a14="http://schemas.microsoft.com/office/drawing/2010/main" val="0"/>
+              </a:ext>
+            </a:extLst>
+          </a:blip>
+          <a:srcRect/>
+          <a:stretch>
+            <a:fillRect/>
+          </a:stretch>
+        </p:blipFill>
+        <p:spPr bwMode="auto">
+          <a:xfrm>
+            <a:off x="2031271" y="2466894"/>
+            <a:ext cx="8266026" cy="3823094"/>
+          </a:xfrm>
+          <a:prstGeom prst="rect">
+            <a:avLst/>
+          </a:prstGeom>
+          <a:noFill/>
+          <a:ln>
+            <a:noFill/>
+          </a:ln>
+          <a:extLst>
+            <a:ext uri="{909E8E84-426E-40DD-AFC4-6F175D3DCCD1}">
+              <a14:hiddenFill xmlns:a14="http://schemas.microsoft.com/office/drawing/2010/main">
+                <a:solidFill>
+                  <a:srgbClr val="FFFFFF"/>
+                </a:solidFill>
+              </a14:hiddenFill>
+            </a:ext>
+            <a:ext uri="{91240B29-F687-4F45-9708-019B960494DF}">
+              <a14:hiddenLine xmlns:a14="http://schemas.microsoft.com/office/drawing/2010/main" w="9525">
+                <a:solidFill>
+                  <a:srgbClr val="000000"/>
+                </a:solidFill>
+                <a:miter lim="800000"/>
+                <a:headEnd/>
+                <a:tailEnd/>
+              </a14:hiddenLine>
+            </a:ext>
+          </a:extLst>
+        </p:spPr>
+      </p:pic>
+    </p:spTree>
+    <p:extLst>
+      <p:ext uri="{BB962C8B-B14F-4D97-AF65-F5344CB8AC3E}">
+        <p14:creationId xmlns:p14="http://schemas.microsoft.com/office/powerpoint/2010/main" val="1316206653"/>
+      </p:ext>
+    </p:extLst>
+  </p:cSld>
+  <p:clrMapOvr>
+    <a:masterClrMapping/>
+  </p:clrMapOvr>
+  <p:timing>
+    <p:tnLst>
+      <p:par>
+        <p:cTn id="1" dur="indefinite" restart="never" nodeType="tmRoot"/>
+      </p:par>
+    </p:tnLst>
+  </p:timing>
+</p:sld>
+</file>
+
 <file path=ppt/slides/slide2.xml><?xml version="1.0" encoding="utf-8"?>
 <p:sld xmlns:a="http://schemas.openxmlformats.org/drawingml/2006/main" xmlns:r="http://schemas.openxmlformats.org/officeDocument/2006/relationships" xmlns:p="http://schemas.openxmlformats.org/presentationml/2006/main">
   <p:cSld>
@@ -13511,11 +15309,7 @@
             </a:pPr>
             <a:r>
               <a:rPr lang="en-GB" dirty="0" smtClean="0"/>
-              <a:t>Updating </a:t>
-            </a:r>
-            <a:r>
-              <a:rPr lang="en-GB" dirty="0" smtClean="0"/>
-              <a:t>Membership Step</a:t>
+              <a:t>Updating Membership Step</a:t>
             </a:r>
           </a:p>
           <a:p>
@@ -13525,11 +15319,7 @@
             </a:pPr>
             <a:r>
               <a:rPr lang="en-GB" dirty="0" smtClean="0"/>
-              <a:t>Calculating </a:t>
-            </a:r>
-            <a:r>
-              <a:rPr lang="en-GB" dirty="0" smtClean="0"/>
-              <a:t>New Centroids Step</a:t>
+              <a:t>Calculating New Centroids Step</a:t>
             </a:r>
           </a:p>
           <a:p>
@@ -13539,11 +15329,7 @@
             </a:pPr>
             <a:r>
               <a:rPr lang="en-GB" dirty="0" smtClean="0"/>
-              <a:t>Checking </a:t>
-            </a:r>
-            <a:r>
-              <a:rPr lang="en-GB" dirty="0" smtClean="0"/>
-              <a:t>Convergence Step</a:t>
+              <a:t>Checking Convergence Step</a:t>
             </a:r>
           </a:p>
           <a:p>
@@ -13742,7 +15528,6 @@
           <a:bodyPr rtlCol="0" anchor="ctr"/>
           <a:lstStyle/>
           <a:p>
-            <a:pPr algn="ctr"/>
             <a:r>
               <a:rPr lang="en-US" b="1" dirty="0" smtClean="0"/>
               <a:t>Initialize Centroids</a:t>
@@ -13934,7 +15719,6 @@
           <a:bodyPr rtlCol="0" anchor="ctr"/>
           <a:lstStyle/>
           <a:p>
-            <a:pPr algn="ctr"/>
             <a:r>
               <a:rPr lang="en-US" b="1" dirty="0" smtClean="0"/>
               <a:t>Calculate new Centroids</a:t>
@@ -14698,7 +16482,7 @@
         </p:nvSpPr>
         <p:spPr>
           <a:xfrm>
-            <a:off x="1592560" y="1652029"/>
+            <a:off x="1585212" y="1748676"/>
             <a:ext cx="691977" cy="399255"/>
           </a:xfrm>
           <a:prstGeom prst="roundRect">
@@ -15497,7 +17281,7 @@
     </p:spTree>
     <p:extLst>
       <p:ext uri="{BB962C8B-B14F-4D97-AF65-F5344CB8AC3E}">
-        <p14:creationId xmlns:p14="http://schemas.microsoft.com/office/powerpoint/2010/main" val="1095900371"/>
+        <p14:creationId xmlns:p14="http://schemas.microsoft.com/office/powerpoint/2010/main" val="168376396"/>
       </p:ext>
     </p:extLst>
   </p:cSld>
@@ -15643,16 +17427,7 @@
                   <a:schemeClr val="bg1"/>
                 </a:solidFill>
               </a:rPr>
-              <a:t>G</a:t>
-            </a:r>
-            <a:r>
-              <a:rPr lang="en-US" b="1" dirty="0" smtClean="0">
-                <a:ln w="0"/>
-                <a:solidFill>
-                  <a:schemeClr val="bg1"/>
-                </a:solidFill>
-              </a:rPr>
-              <a:t>PU</a:t>
+              <a:t>GPU</a:t>
             </a:r>
             <a:endParaRPr lang="en-US" b="1" dirty="0">
               <a:ln w="0"/>
@@ -15962,7 +17737,6 @@
           <a:bodyPr rtlCol="0" anchor="ctr"/>
           <a:lstStyle/>
           <a:p>
-            <a:pPr algn="ctr"/>
             <a:r>
               <a:rPr lang="en-US" b="1" dirty="0" smtClean="0"/>
               <a:t>Update membership for data </a:t>
@@ -16260,7 +18034,6 @@
           <a:bodyPr rtlCol="0" anchor="ctr"/>
           <a:lstStyle/>
           <a:p>
-            <a:pPr algn="ctr"/>
             <a:r>
               <a:rPr lang="en-US" b="1" dirty="0" smtClean="0"/>
               <a:t>Load data </a:t>
@@ -16477,16 +18250,7 @@
                   <a:schemeClr val="bg1"/>
                 </a:solidFill>
               </a:rPr>
-              <a:t>G</a:t>
-            </a:r>
-            <a:r>
-              <a:rPr lang="en-US" b="1" dirty="0" smtClean="0">
-                <a:ln w="0"/>
-                <a:solidFill>
-                  <a:schemeClr val="bg1"/>
-                </a:solidFill>
-              </a:rPr>
-              <a:t>PU</a:t>
+              <a:t>GPU</a:t>
             </a:r>
             <a:endParaRPr lang="en-US" b="1" dirty="0">
               <a:ln w="0"/>
@@ -16563,7 +18327,11 @@
             </a:r>
             <a:r>
               <a:rPr lang="en-GB" b="1" dirty="0"/>
-              <a:t> × </a:t>
+              <a:t> </a:t>
+            </a:r>
+            <a:r>
+              <a:rPr lang="en-GB" b="1" dirty="0" smtClean="0"/>
+              <a:t>* </a:t>
             </a:r>
             <a:r>
               <a:rPr lang="en-GB" b="1" dirty="0" err="1"/>
@@ -16796,7 +18564,6 @@
           <a:bodyPr rtlCol="0" anchor="ctr"/>
           <a:lstStyle/>
           <a:p>
-            <a:pPr algn="ctr"/>
             <a:r>
               <a:rPr lang="en-US" b="1" dirty="0" smtClean="0"/>
               <a:t>Update membership for data </a:t>
@@ -17094,7 +18861,6 @@
           <a:bodyPr rtlCol="0" anchor="ctr"/>
           <a:lstStyle/>
           <a:p>
-            <a:pPr algn="ctr"/>
             <a:r>
               <a:rPr lang="en-US" b="1" dirty="0" smtClean="0"/>
               <a:t>Load data </a:t>
@@ -17197,7 +18963,6 @@
           <a:bodyPr rtlCol="0" anchor="ctr"/>
           <a:lstStyle/>
           <a:p>
-            <a:pPr algn="ctr"/>
             <a:r>
               <a:rPr lang="en-US" b="1" dirty="0" smtClean="0"/>
               <a:t>Load values of centroid from the global memory</a:t>

--- a/trunk/ImageProcessing/Speeding up GFKM.pptx
+++ b/trunk/ImageProcessing/Speeding up GFKM.pptx
@@ -20,6 +20,11 @@
     <p:sldId id="271" r:id="rId14"/>
     <p:sldId id="272" r:id="rId15"/>
     <p:sldId id="273" r:id="rId16"/>
+    <p:sldId id="277" r:id="rId17"/>
+    <p:sldId id="276" r:id="rId18"/>
+    <p:sldId id="274" r:id="rId19"/>
+    <p:sldId id="278" r:id="rId20"/>
+    <p:sldId id="279" r:id="rId21"/>
   </p:sldIdLst>
   <p:sldSz cx="12192000" cy="6858000"/>
   <p:notesSz cx="6858000" cy="9144000"/>
@@ -183,7 +188,7 @@
           <a:noFill/>
           <a:extLst>
             <a:ext uri="{909E8E84-426E-40dd-AFC4-6F175D3DCCD1}">
-              <a14:hiddenFill xmlns="" xmlns:a14="http://schemas.microsoft.com/office/drawing/2010/main">
+              <a14:hiddenFill xmlns:a14="http://schemas.microsoft.com/office/drawing/2010/main" xmlns="">
                 <a:solidFill>
                   <a:srgbClr val="FFFFFF"/>
                 </a:solidFill>
@@ -242,7 +247,7 @@
             </a:ln>
             <a:extLst>
               <a:ext uri="{91240B29-F687-4f45-9708-019B960494DF}">
-                <a14:hiddenLine xmlns="" xmlns:a14="http://schemas.microsoft.com/office/drawing/2010/main" w="9525">
+                <a14:hiddenLine xmlns:a14="http://schemas.microsoft.com/office/drawing/2010/main" xmlns="" w="9525">
                   <a:solidFill>
                     <a:srgbClr val="000000"/>
                   </a:solidFill>
@@ -332,7 +337,7 @@
             </a:ln>
             <a:extLst>
               <a:ext uri="{91240B29-F687-4f45-9708-019B960494DF}">
-                <a14:hiddenLine xmlns="" xmlns:a14="http://schemas.microsoft.com/office/drawing/2010/main" w="9525">
+                <a14:hiddenLine xmlns:a14="http://schemas.microsoft.com/office/drawing/2010/main" xmlns="" w="9525">
                   <a:solidFill>
                     <a:srgbClr val="000000"/>
                   </a:solidFill>
@@ -422,7 +427,7 @@
             </a:ln>
             <a:extLst>
               <a:ext uri="{91240B29-F687-4f45-9708-019B960494DF}">
-                <a14:hiddenLine xmlns="" xmlns:a14="http://schemas.microsoft.com/office/drawing/2010/main" w="9525">
+                <a14:hiddenLine xmlns:a14="http://schemas.microsoft.com/office/drawing/2010/main" xmlns="" w="9525">
                   <a:solidFill>
                     <a:srgbClr val="000000"/>
                   </a:solidFill>
@@ -456,7 +461,7 @@
             </a:ln>
             <a:extLst>
               <a:ext uri="{91240B29-F687-4f45-9708-019B960494DF}">
-                <a14:hiddenLine xmlns="" xmlns:a14="http://schemas.microsoft.com/office/drawing/2010/main" w="9525">
+                <a14:hiddenLine xmlns:a14="http://schemas.microsoft.com/office/drawing/2010/main" xmlns="" w="9525">
                   <a:solidFill>
                     <a:srgbClr val="000000"/>
                   </a:solidFill>
@@ -546,7 +551,7 @@
             </a:ln>
             <a:extLst>
               <a:ext uri="{91240B29-F687-4f45-9708-019B960494DF}">
-                <a14:hiddenLine xmlns="" xmlns:a14="http://schemas.microsoft.com/office/drawing/2010/main" w="9525">
+                <a14:hiddenLine xmlns:a14="http://schemas.microsoft.com/office/drawing/2010/main" xmlns="" w="9525">
                   <a:solidFill>
                     <a:srgbClr val="000000"/>
                   </a:solidFill>
@@ -608,7 +613,7 @@
             </a:ln>
             <a:extLst>
               <a:ext uri="{91240B29-F687-4f45-9708-019B960494DF}">
-                <a14:hiddenLine xmlns="" xmlns:a14="http://schemas.microsoft.com/office/drawing/2010/main" w="9525">
+                <a14:hiddenLine xmlns:a14="http://schemas.microsoft.com/office/drawing/2010/main" xmlns="" w="9525">
                   <a:solidFill>
                     <a:srgbClr val="000000"/>
                   </a:solidFill>
@@ -670,7 +675,7 @@
             </a:ln>
             <a:extLst>
               <a:ext uri="{91240B29-F687-4f45-9708-019B960494DF}">
-                <a14:hiddenLine xmlns="" xmlns:a14="http://schemas.microsoft.com/office/drawing/2010/main" w="9525">
+                <a14:hiddenLine xmlns:a14="http://schemas.microsoft.com/office/drawing/2010/main" xmlns="" w="9525">
                   <a:solidFill>
                     <a:srgbClr val="000000"/>
                   </a:solidFill>
@@ -760,7 +765,7 @@
             </a:ln>
             <a:extLst>
               <a:ext uri="{91240B29-F687-4f45-9708-019B960494DF}">
-                <a14:hiddenLine xmlns="" xmlns:a14="http://schemas.microsoft.com/office/drawing/2010/main" w="9525">
+                <a14:hiddenLine xmlns:a14="http://schemas.microsoft.com/office/drawing/2010/main" xmlns="" w="9525">
                   <a:solidFill>
                     <a:srgbClr val="000000"/>
                   </a:solidFill>
@@ -822,7 +827,7 @@
             </a:ln>
             <a:extLst>
               <a:ext uri="{91240B29-F687-4f45-9708-019B960494DF}">
-                <a14:hiddenLine xmlns="" xmlns:a14="http://schemas.microsoft.com/office/drawing/2010/main" w="9525">
+                <a14:hiddenLine xmlns:a14="http://schemas.microsoft.com/office/drawing/2010/main" xmlns="" w="9525">
                   <a:solidFill>
                     <a:srgbClr val="000000"/>
                   </a:solidFill>
@@ -884,7 +889,7 @@
             </a:ln>
             <a:extLst>
               <a:ext uri="{91240B29-F687-4f45-9708-019B960494DF}">
-                <a14:hiddenLine xmlns="" xmlns:a14="http://schemas.microsoft.com/office/drawing/2010/main" w="9525">
+                <a14:hiddenLine xmlns:a14="http://schemas.microsoft.com/office/drawing/2010/main" xmlns="" w="9525">
                   <a:solidFill>
                     <a:srgbClr val="000000"/>
                   </a:solidFill>
@@ -974,7 +979,7 @@
             </a:ln>
             <a:extLst>
               <a:ext uri="{91240B29-F687-4f45-9708-019B960494DF}">
-                <a14:hiddenLine xmlns="" xmlns:a14="http://schemas.microsoft.com/office/drawing/2010/main" w="9525">
+                <a14:hiddenLine xmlns:a14="http://schemas.microsoft.com/office/drawing/2010/main" xmlns="" w="9525">
                   <a:solidFill>
                     <a:srgbClr val="000000"/>
                   </a:solidFill>
@@ -1064,7 +1069,7 @@
             </a:ln>
             <a:extLst>
               <a:ext uri="{91240B29-F687-4f45-9708-019B960494DF}">
-                <a14:hiddenLine xmlns="" xmlns:a14="http://schemas.microsoft.com/office/drawing/2010/main" w="9525">
+                <a14:hiddenLine xmlns:a14="http://schemas.microsoft.com/office/drawing/2010/main" xmlns="" w="9525">
                   <a:solidFill>
                     <a:srgbClr val="000000"/>
                   </a:solidFill>
@@ -1126,7 +1131,7 @@
             </a:ln>
             <a:extLst>
               <a:ext uri="{91240B29-F687-4f45-9708-019B960494DF}">
-                <a14:hiddenLine xmlns="" xmlns:a14="http://schemas.microsoft.com/office/drawing/2010/main" w="9525">
+                <a14:hiddenLine xmlns:a14="http://schemas.microsoft.com/office/drawing/2010/main" xmlns="" w="9525">
                   <a:solidFill>
                     <a:srgbClr val="000000"/>
                   </a:solidFill>
@@ -1236,7 +1241,7 @@
             </a:ln>
             <a:extLst>
               <a:ext uri="{91240B29-F687-4f45-9708-019B960494DF}">
-                <a14:hiddenLine xmlns="" xmlns:a14="http://schemas.microsoft.com/office/drawing/2010/main" w="9525">
+                <a14:hiddenLine xmlns:a14="http://schemas.microsoft.com/office/drawing/2010/main" xmlns="" w="9525">
                   <a:solidFill>
                     <a:srgbClr val="000000"/>
                   </a:solidFill>
@@ -1298,7 +1303,7 @@
             </a:ln>
             <a:extLst>
               <a:ext uri="{91240B29-F687-4f45-9708-019B960494DF}">
-                <a14:hiddenLine xmlns="" xmlns:a14="http://schemas.microsoft.com/office/drawing/2010/main" w="9525">
+                <a14:hiddenLine xmlns:a14="http://schemas.microsoft.com/office/drawing/2010/main" xmlns="" w="9525">
                   <a:solidFill>
                     <a:srgbClr val="000000"/>
                   </a:solidFill>
@@ -1388,7 +1393,7 @@
             </a:ln>
             <a:extLst>
               <a:ext uri="{91240B29-F687-4f45-9708-019B960494DF}">
-                <a14:hiddenLine xmlns="" xmlns:a14="http://schemas.microsoft.com/office/drawing/2010/main" w="9525">
+                <a14:hiddenLine xmlns:a14="http://schemas.microsoft.com/office/drawing/2010/main" xmlns="" w="9525">
                   <a:solidFill>
                     <a:srgbClr val="000000"/>
                   </a:solidFill>
@@ -1478,7 +1483,7 @@
             </a:ln>
             <a:extLst>
               <a:ext uri="{91240B29-F687-4f45-9708-019B960494DF}">
-                <a14:hiddenLine xmlns="" xmlns:a14="http://schemas.microsoft.com/office/drawing/2010/main" w="9525">
+                <a14:hiddenLine xmlns:a14="http://schemas.microsoft.com/office/drawing/2010/main" xmlns="" w="9525">
                   <a:solidFill>
                     <a:srgbClr val="000000"/>
                   </a:solidFill>
@@ -1540,7 +1545,7 @@
             </a:ln>
             <a:extLst>
               <a:ext uri="{91240B29-F687-4f45-9708-019B960494DF}">
-                <a14:hiddenLine xmlns="" xmlns:a14="http://schemas.microsoft.com/office/drawing/2010/main" w="9525">
+                <a14:hiddenLine xmlns:a14="http://schemas.microsoft.com/office/drawing/2010/main" xmlns="" w="9525">
                   <a:solidFill>
                     <a:srgbClr val="000000"/>
                   </a:solidFill>
@@ -1630,7 +1635,7 @@
             </a:ln>
             <a:extLst>
               <a:ext uri="{91240B29-F687-4f45-9708-019B960494DF}">
-                <a14:hiddenLine xmlns="" xmlns:a14="http://schemas.microsoft.com/office/drawing/2010/main" w="9525">
+                <a14:hiddenLine xmlns:a14="http://schemas.microsoft.com/office/drawing/2010/main" xmlns="" w="9525">
                   <a:solidFill>
                     <a:srgbClr val="000000"/>
                   </a:solidFill>
@@ -1720,7 +1725,7 @@
             </a:ln>
             <a:extLst>
               <a:ext uri="{91240B29-F687-4f45-9708-019B960494DF}">
-                <a14:hiddenLine xmlns="" xmlns:a14="http://schemas.microsoft.com/office/drawing/2010/main" w="9525">
+                <a14:hiddenLine xmlns:a14="http://schemas.microsoft.com/office/drawing/2010/main" xmlns="" w="9525">
                   <a:solidFill>
                     <a:srgbClr val="000000"/>
                   </a:solidFill>
@@ -1776,7 +1781,7 @@
             </a:ln>
             <a:extLst>
               <a:ext uri="{91240B29-F687-4f45-9708-019B960494DF}">
-                <a14:hiddenLine xmlns="" xmlns:a14="http://schemas.microsoft.com/office/drawing/2010/main" w="9525">
+                <a14:hiddenLine xmlns:a14="http://schemas.microsoft.com/office/drawing/2010/main" xmlns="" w="9525">
                   <a:solidFill>
                     <a:srgbClr val="000000"/>
                   </a:solidFill>
@@ -1866,7 +1871,7 @@
             </a:ln>
             <a:extLst>
               <a:ext uri="{91240B29-F687-4f45-9708-019B960494DF}">
-                <a14:hiddenLine xmlns="" xmlns:a14="http://schemas.microsoft.com/office/drawing/2010/main" w="9525">
+                <a14:hiddenLine xmlns:a14="http://schemas.microsoft.com/office/drawing/2010/main" xmlns="" w="9525">
                   <a:solidFill>
                     <a:srgbClr val="000000"/>
                   </a:solidFill>
@@ -1922,7 +1927,7 @@
             </a:ln>
             <a:extLst>
               <a:ext uri="{91240B29-F687-4f45-9708-019B960494DF}">
-                <a14:hiddenLine xmlns="" xmlns:a14="http://schemas.microsoft.com/office/drawing/2010/main" w="9525">
+                <a14:hiddenLine xmlns:a14="http://schemas.microsoft.com/office/drawing/2010/main" xmlns="" w="9525">
                   <a:solidFill>
                     <a:srgbClr val="000000"/>
                   </a:solidFill>
@@ -2012,7 +2017,7 @@
             </a:ln>
             <a:extLst>
               <a:ext uri="{91240B29-F687-4f45-9708-019B960494DF}">
-                <a14:hiddenLine xmlns="" xmlns:a14="http://schemas.microsoft.com/office/drawing/2010/main" w="9525">
+                <a14:hiddenLine xmlns:a14="http://schemas.microsoft.com/office/drawing/2010/main" xmlns="" w="9525">
                   <a:solidFill>
                     <a:srgbClr val="000000"/>
                   </a:solidFill>
@@ -2080,7 +2085,7 @@
             </a:ln>
             <a:extLst>
               <a:ext uri="{91240B29-F687-4f45-9708-019B960494DF}">
-                <a14:hiddenLine xmlns="" xmlns:a14="http://schemas.microsoft.com/office/drawing/2010/main" w="9525">
+                <a14:hiddenLine xmlns:a14="http://schemas.microsoft.com/office/drawing/2010/main" xmlns="" w="9525">
                   <a:solidFill>
                     <a:srgbClr val="000000"/>
                   </a:solidFill>
@@ -2170,7 +2175,7 @@
             </a:ln>
             <a:extLst>
               <a:ext uri="{91240B29-F687-4f45-9708-019B960494DF}">
-                <a14:hiddenLine xmlns="" xmlns:a14="http://schemas.microsoft.com/office/drawing/2010/main" w="9525">
+                <a14:hiddenLine xmlns:a14="http://schemas.microsoft.com/office/drawing/2010/main" xmlns="" w="9525">
                   <a:solidFill>
                     <a:srgbClr val="000000"/>
                   </a:solidFill>
@@ -2238,7 +2243,7 @@
             </a:ln>
             <a:extLst>
               <a:ext uri="{91240B29-F687-4f45-9708-019B960494DF}">
-                <a14:hiddenLine xmlns="" xmlns:a14="http://schemas.microsoft.com/office/drawing/2010/main" w="9525">
+                <a14:hiddenLine xmlns:a14="http://schemas.microsoft.com/office/drawing/2010/main" xmlns="" w="9525">
                   <a:solidFill>
                     <a:srgbClr val="000000"/>
                   </a:solidFill>
@@ -2328,7 +2333,7 @@
             </a:ln>
             <a:extLst>
               <a:ext uri="{91240B29-F687-4f45-9708-019B960494DF}">
-                <a14:hiddenLine xmlns="" xmlns:a14="http://schemas.microsoft.com/office/drawing/2010/main" w="9525">
+                <a14:hiddenLine xmlns:a14="http://schemas.microsoft.com/office/drawing/2010/main" xmlns="" w="9525">
                   <a:solidFill>
                     <a:srgbClr val="000000"/>
                   </a:solidFill>
@@ -2362,7 +2367,7 @@
             </a:ln>
             <a:extLst>
               <a:ext uri="{91240B29-F687-4f45-9708-019B960494DF}">
-                <a14:hiddenLine xmlns="" xmlns:a14="http://schemas.microsoft.com/office/drawing/2010/main" w="9525">
+                <a14:hiddenLine xmlns:a14="http://schemas.microsoft.com/office/drawing/2010/main" xmlns="" w="9525">
                   <a:solidFill>
                     <a:srgbClr val="000000"/>
                   </a:solidFill>
@@ -2452,7 +2457,7 @@
             </a:ln>
             <a:extLst>
               <a:ext uri="{91240B29-F687-4f45-9708-019B960494DF}">
-                <a14:hiddenLine xmlns="" xmlns:a14="http://schemas.microsoft.com/office/drawing/2010/main" w="9525">
+                <a14:hiddenLine xmlns:a14="http://schemas.microsoft.com/office/drawing/2010/main" xmlns="" w="9525">
                   <a:solidFill>
                     <a:srgbClr val="000000"/>
                   </a:solidFill>
@@ -2514,7 +2519,7 @@
             </a:ln>
             <a:extLst>
               <a:ext uri="{91240B29-F687-4f45-9708-019B960494DF}">
-                <a14:hiddenLine xmlns="" xmlns:a14="http://schemas.microsoft.com/office/drawing/2010/main" w="9525">
+                <a14:hiddenLine xmlns:a14="http://schemas.microsoft.com/office/drawing/2010/main" xmlns="" w="9525">
                   <a:solidFill>
                     <a:srgbClr val="000000"/>
                   </a:solidFill>
@@ -2576,7 +2581,7 @@
             </a:ln>
             <a:extLst>
               <a:ext uri="{91240B29-F687-4f45-9708-019B960494DF}">
-                <a14:hiddenLine xmlns="" xmlns:a14="http://schemas.microsoft.com/office/drawing/2010/main" w="9525">
+                <a14:hiddenLine xmlns:a14="http://schemas.microsoft.com/office/drawing/2010/main" xmlns="" w="9525">
                   <a:solidFill>
                     <a:srgbClr val="000000"/>
                   </a:solidFill>
@@ -2666,7 +2671,7 @@
             </a:ln>
             <a:extLst>
               <a:ext uri="{91240B29-F687-4f45-9708-019B960494DF}">
-                <a14:hiddenLine xmlns="" xmlns:a14="http://schemas.microsoft.com/office/drawing/2010/main" w="9525">
+                <a14:hiddenLine xmlns:a14="http://schemas.microsoft.com/office/drawing/2010/main" xmlns="" w="9525">
                   <a:solidFill>
                     <a:srgbClr val="000000"/>
                   </a:solidFill>
@@ -2734,7 +2739,7 @@
             </a:ln>
             <a:extLst>
               <a:ext uri="{91240B29-F687-4f45-9708-019B960494DF}">
-                <a14:hiddenLine xmlns="" xmlns:a14="http://schemas.microsoft.com/office/drawing/2010/main" w="9525">
+                <a14:hiddenLine xmlns:a14="http://schemas.microsoft.com/office/drawing/2010/main" xmlns="" w="9525">
                   <a:solidFill>
                     <a:srgbClr val="000000"/>
                   </a:solidFill>
@@ -2796,7 +2801,7 @@
             </a:ln>
             <a:extLst>
               <a:ext uri="{91240B29-F687-4f45-9708-019B960494DF}">
-                <a14:hiddenLine xmlns="" xmlns:a14="http://schemas.microsoft.com/office/drawing/2010/main" w="9525">
+                <a14:hiddenLine xmlns:a14="http://schemas.microsoft.com/office/drawing/2010/main" xmlns="" w="9525">
                   <a:solidFill>
                     <a:srgbClr val="000000"/>
                   </a:solidFill>
@@ -2886,7 +2891,7 @@
             </a:ln>
             <a:extLst>
               <a:ext uri="{91240B29-F687-4f45-9708-019B960494DF}">
-                <a14:hiddenLine xmlns="" xmlns:a14="http://schemas.microsoft.com/office/drawing/2010/main" w="9525">
+                <a14:hiddenLine xmlns:a14="http://schemas.microsoft.com/office/drawing/2010/main" xmlns="" w="9525">
                   <a:solidFill>
                     <a:srgbClr val="000000"/>
                   </a:solidFill>
@@ -2948,7 +2953,7 @@
             </a:ln>
             <a:extLst>
               <a:ext uri="{91240B29-F687-4f45-9708-019B960494DF}">
-                <a14:hiddenLine xmlns="" xmlns:a14="http://schemas.microsoft.com/office/drawing/2010/main" w="9525">
+                <a14:hiddenLine xmlns:a14="http://schemas.microsoft.com/office/drawing/2010/main" xmlns="" w="9525">
                   <a:solidFill>
                     <a:srgbClr val="000000"/>
                   </a:solidFill>
@@ -3038,7 +3043,7 @@
             </a:ln>
             <a:extLst>
               <a:ext uri="{91240B29-F687-4f45-9708-019B960494DF}">
-                <a14:hiddenLine xmlns="" xmlns:a14="http://schemas.microsoft.com/office/drawing/2010/main" w="9525">
+                <a14:hiddenLine xmlns:a14="http://schemas.microsoft.com/office/drawing/2010/main" xmlns="" w="9525">
                   <a:solidFill>
                     <a:srgbClr val="000000"/>
                   </a:solidFill>
@@ -3100,7 +3105,7 @@
             </a:ln>
             <a:extLst>
               <a:ext uri="{91240B29-F687-4f45-9708-019B960494DF}">
-                <a14:hiddenLine xmlns="" xmlns:a14="http://schemas.microsoft.com/office/drawing/2010/main" w="9525">
+                <a14:hiddenLine xmlns:a14="http://schemas.microsoft.com/office/drawing/2010/main" xmlns="" w="9525">
                   <a:solidFill>
                     <a:srgbClr val="000000"/>
                   </a:solidFill>
@@ -3190,7 +3195,7 @@
             </a:ln>
             <a:extLst>
               <a:ext uri="{91240B29-F687-4f45-9708-019B960494DF}">
-                <a14:hiddenLine xmlns="" xmlns:a14="http://schemas.microsoft.com/office/drawing/2010/main" w="9525">
+                <a14:hiddenLine xmlns:a14="http://schemas.microsoft.com/office/drawing/2010/main" xmlns="" w="9525">
                   <a:solidFill>
                     <a:srgbClr val="000000"/>
                   </a:solidFill>
@@ -3224,7 +3229,7 @@
             </a:ln>
             <a:extLst>
               <a:ext uri="{91240B29-F687-4f45-9708-019B960494DF}">
-                <a14:hiddenLine xmlns="" xmlns:a14="http://schemas.microsoft.com/office/drawing/2010/main" w="9525">
+                <a14:hiddenLine xmlns:a14="http://schemas.microsoft.com/office/drawing/2010/main" xmlns="" w="9525">
                   <a:solidFill>
                     <a:srgbClr val="000000"/>
                   </a:solidFill>
@@ -3289,7 +3294,7 @@
             </a:ln>
             <a:extLst>
               <a:ext uri="{91240B29-F687-4f45-9708-019B960494DF}">
-                <a14:hiddenLine xmlns="" xmlns:a14="http://schemas.microsoft.com/office/drawing/2010/main" w="9525">
+                <a14:hiddenLine xmlns:a14="http://schemas.microsoft.com/office/drawing/2010/main" xmlns="" w="9525">
                   <a:solidFill>
                     <a:srgbClr val="000000"/>
                   </a:solidFill>
@@ -3379,7 +3384,7 @@
             </a:ln>
             <a:extLst>
               <a:ext uri="{91240B29-F687-4f45-9708-019B960494DF}">
-                <a14:hiddenLine xmlns="" xmlns:a14="http://schemas.microsoft.com/office/drawing/2010/main" w="9525">
+                <a14:hiddenLine xmlns:a14="http://schemas.microsoft.com/office/drawing/2010/main" xmlns="" w="9525">
                   <a:solidFill>
                     <a:srgbClr val="000000"/>
                   </a:solidFill>
@@ -3441,7 +3446,7 @@
             </a:ln>
             <a:extLst>
               <a:ext uri="{91240B29-F687-4f45-9708-019B960494DF}">
-                <a14:hiddenLine xmlns="" xmlns:a14="http://schemas.microsoft.com/office/drawing/2010/main" w="9525">
+                <a14:hiddenLine xmlns:a14="http://schemas.microsoft.com/office/drawing/2010/main" xmlns="" w="9525">
                   <a:solidFill>
                     <a:srgbClr val="000000"/>
                   </a:solidFill>
@@ -3531,7 +3536,7 @@
             </a:ln>
             <a:extLst>
               <a:ext uri="{91240B29-F687-4f45-9708-019B960494DF}">
-                <a14:hiddenLine xmlns="" xmlns:a14="http://schemas.microsoft.com/office/drawing/2010/main" w="9525">
+                <a14:hiddenLine xmlns:a14="http://schemas.microsoft.com/office/drawing/2010/main" xmlns="" w="9525">
                   <a:solidFill>
                     <a:srgbClr val="000000"/>
                   </a:solidFill>
@@ -3621,7 +3626,7 @@
             </a:ln>
             <a:extLst>
               <a:ext uri="{91240B29-F687-4f45-9708-019B960494DF}">
-                <a14:hiddenLine xmlns="" xmlns:a14="http://schemas.microsoft.com/office/drawing/2010/main" w="9525">
+                <a14:hiddenLine xmlns:a14="http://schemas.microsoft.com/office/drawing/2010/main" xmlns="" w="9525">
                   <a:solidFill>
                     <a:srgbClr val="000000"/>
                   </a:solidFill>
@@ -3686,7 +3691,7 @@
             </a:ln>
             <a:extLst>
               <a:ext uri="{91240B29-F687-4f45-9708-019B960494DF}">
-                <a14:hiddenLine xmlns="" xmlns:a14="http://schemas.microsoft.com/office/drawing/2010/main" w="9525">
+                <a14:hiddenLine xmlns:a14="http://schemas.microsoft.com/office/drawing/2010/main" xmlns="" w="9525">
                   <a:solidFill>
                     <a:srgbClr val="000000"/>
                   </a:solidFill>
@@ -3748,7 +3753,7 @@
             </a:ln>
             <a:extLst>
               <a:ext uri="{91240B29-F687-4f45-9708-019B960494DF}">
-                <a14:hiddenLine xmlns="" xmlns:a14="http://schemas.microsoft.com/office/drawing/2010/main" w="9525">
+                <a14:hiddenLine xmlns:a14="http://schemas.microsoft.com/office/drawing/2010/main" xmlns="" w="9525">
                   <a:solidFill>
                     <a:srgbClr val="000000"/>
                   </a:solidFill>
@@ -3838,7 +3843,7 @@
             </a:ln>
             <a:extLst>
               <a:ext uri="{91240B29-F687-4f45-9708-019B960494DF}">
-                <a14:hiddenLine xmlns="" xmlns:a14="http://schemas.microsoft.com/office/drawing/2010/main" w="9525">
+                <a14:hiddenLine xmlns:a14="http://schemas.microsoft.com/office/drawing/2010/main" xmlns="" w="9525">
                   <a:solidFill>
                     <a:srgbClr val="000000"/>
                   </a:solidFill>
@@ -3928,7 +3933,7 @@
             </a:ln>
             <a:extLst>
               <a:ext uri="{91240B29-F687-4f45-9708-019B960494DF}">
-                <a14:hiddenLine xmlns="" xmlns:a14="http://schemas.microsoft.com/office/drawing/2010/main" w="9525">
+                <a14:hiddenLine xmlns:a14="http://schemas.microsoft.com/office/drawing/2010/main" xmlns="" w="9525">
                   <a:solidFill>
                     <a:srgbClr val="000000"/>
                   </a:solidFill>
@@ -3990,7 +3995,7 @@
             </a:ln>
             <a:extLst>
               <a:ext uri="{91240B29-F687-4f45-9708-019B960494DF}">
-                <a14:hiddenLine xmlns="" xmlns:a14="http://schemas.microsoft.com/office/drawing/2010/main" w="9525">
+                <a14:hiddenLine xmlns:a14="http://schemas.microsoft.com/office/drawing/2010/main" xmlns="" w="9525">
                   <a:solidFill>
                     <a:srgbClr val="000000"/>
                   </a:solidFill>
@@ -4110,7 +4115,7 @@
             </a:ln>
             <a:extLst>
               <a:ext uri="{91240B29-F687-4f45-9708-019B960494DF}">
-                <a14:hiddenLine xmlns="" xmlns:a14="http://schemas.microsoft.com/office/drawing/2010/main" w="9525">
+                <a14:hiddenLine xmlns:a14="http://schemas.microsoft.com/office/drawing/2010/main" xmlns="" w="9525">
                   <a:solidFill>
                     <a:srgbClr val="000000"/>
                   </a:solidFill>
@@ -4178,7 +4183,7 @@
             </a:ln>
             <a:extLst>
               <a:ext uri="{91240B29-F687-4f45-9708-019B960494DF}">
-                <a14:hiddenLine xmlns="" xmlns:a14="http://schemas.microsoft.com/office/drawing/2010/main" w="9525">
+                <a14:hiddenLine xmlns:a14="http://schemas.microsoft.com/office/drawing/2010/main" xmlns="" w="9525">
                   <a:solidFill>
                     <a:srgbClr val="000000"/>
                   </a:solidFill>
@@ -4268,7 +4273,7 @@
             </a:ln>
             <a:extLst>
               <a:ext uri="{91240B29-F687-4f45-9708-019B960494DF}">
-                <a14:hiddenLine xmlns="" xmlns:a14="http://schemas.microsoft.com/office/drawing/2010/main" w="9525">
+                <a14:hiddenLine xmlns:a14="http://schemas.microsoft.com/office/drawing/2010/main" xmlns="" w="9525">
                   <a:solidFill>
                     <a:srgbClr val="000000"/>
                   </a:solidFill>
@@ -4408,7 +4413,7 @@
           <a:p>
             <a:fld id="{87FDB585-DADA-4BA1-A1E3-BDF1D32E1A94}" type="datetimeFigureOut">
               <a:rPr lang="en-GB" smtClean="0"/>
-              <a:t>20/05/2015</a:t>
+              <a:t>21/05/2015</a:t>
             </a:fld>
             <a:endParaRPr lang="en-GB"/>
           </a:p>
@@ -4675,7 +4680,7 @@
           <a:p>
             <a:fld id="{87FDB585-DADA-4BA1-A1E3-BDF1D32E1A94}" type="datetimeFigureOut">
               <a:rPr lang="en-GB" smtClean="0"/>
-              <a:t>20/05/2015</a:t>
+              <a:t>21/05/2015</a:t>
             </a:fld>
             <a:endParaRPr lang="en-GB"/>
           </a:p>
@@ -4871,7 +4876,7 @@
           <a:p>
             <a:fld id="{87FDB585-DADA-4BA1-A1E3-BDF1D32E1A94}" type="datetimeFigureOut">
               <a:rPr lang="en-GB" smtClean="0"/>
-              <a:t>20/05/2015</a:t>
+              <a:t>21/05/2015</a:t>
             </a:fld>
             <a:endParaRPr lang="en-GB"/>
           </a:p>
@@ -5134,7 +5139,7 @@
           <a:p>
             <a:fld id="{87FDB585-DADA-4BA1-A1E3-BDF1D32E1A94}" type="datetimeFigureOut">
               <a:rPr lang="en-GB" smtClean="0"/>
-              <a:t>20/05/2015</a:t>
+              <a:t>21/05/2015</a:t>
             </a:fld>
             <a:endParaRPr lang="en-GB"/>
           </a:p>
@@ -5568,7 +5573,7 @@
           <a:p>
             <a:fld id="{87FDB585-DADA-4BA1-A1E3-BDF1D32E1A94}" type="datetimeFigureOut">
               <a:rPr lang="en-GB" smtClean="0"/>
-              <a:t>20/05/2015</a:t>
+              <a:t>21/05/2015</a:t>
             </a:fld>
             <a:endParaRPr lang="en-GB"/>
           </a:p>
@@ -6114,7 +6119,7 @@
           <a:p>
             <a:fld id="{87FDB585-DADA-4BA1-A1E3-BDF1D32E1A94}" type="datetimeFigureOut">
               <a:rPr lang="en-GB" smtClean="0"/>
-              <a:t>20/05/2015</a:t>
+              <a:t>21/05/2015</a:t>
             </a:fld>
             <a:endParaRPr lang="en-GB"/>
           </a:p>
@@ -6834,7 +6839,7 @@
           <a:p>
             <a:fld id="{87FDB585-DADA-4BA1-A1E3-BDF1D32E1A94}" type="datetimeFigureOut">
               <a:rPr lang="en-GB" smtClean="0"/>
-              <a:t>20/05/2015</a:t>
+              <a:t>21/05/2015</a:t>
             </a:fld>
             <a:endParaRPr lang="en-GB"/>
           </a:p>
@@ -7004,7 +7009,7 @@
           <a:p>
             <a:fld id="{87FDB585-DADA-4BA1-A1E3-BDF1D32E1A94}" type="datetimeFigureOut">
               <a:rPr lang="en-GB" smtClean="0"/>
-              <a:t>20/05/2015</a:t>
+              <a:t>21/05/2015</a:t>
             </a:fld>
             <a:endParaRPr lang="en-GB"/>
           </a:p>
@@ -7184,7 +7189,7 @@
           <a:p>
             <a:fld id="{87FDB585-DADA-4BA1-A1E3-BDF1D32E1A94}" type="datetimeFigureOut">
               <a:rPr lang="en-GB" smtClean="0"/>
-              <a:t>20/05/2015</a:t>
+              <a:t>21/05/2015</a:t>
             </a:fld>
             <a:endParaRPr lang="en-GB"/>
           </a:p>
@@ -7354,7 +7359,7 @@
           <a:p>
             <a:fld id="{87FDB585-DADA-4BA1-A1E3-BDF1D32E1A94}" type="datetimeFigureOut">
               <a:rPr lang="en-GB" smtClean="0"/>
-              <a:t>20/05/2015</a:t>
+              <a:t>21/05/2015</a:t>
             </a:fld>
             <a:endParaRPr lang="en-GB"/>
           </a:p>
@@ -7604,7 +7609,7 @@
           <a:p>
             <a:fld id="{87FDB585-DADA-4BA1-A1E3-BDF1D32E1A94}" type="datetimeFigureOut">
               <a:rPr lang="en-GB" smtClean="0"/>
-              <a:t>20/05/2015</a:t>
+              <a:t>21/05/2015</a:t>
             </a:fld>
             <a:endParaRPr lang="en-GB"/>
           </a:p>
@@ -7836,7 +7841,7 @@
           <a:p>
             <a:fld id="{87FDB585-DADA-4BA1-A1E3-BDF1D32E1A94}" type="datetimeFigureOut">
               <a:rPr lang="en-GB" smtClean="0"/>
-              <a:t>20/05/2015</a:t>
+              <a:t>21/05/2015</a:t>
             </a:fld>
             <a:endParaRPr lang="en-GB"/>
           </a:p>
@@ -8217,7 +8222,7 @@
           <a:p>
             <a:fld id="{87FDB585-DADA-4BA1-A1E3-BDF1D32E1A94}" type="datetimeFigureOut">
               <a:rPr lang="en-GB" smtClean="0"/>
-              <a:t>20/05/2015</a:t>
+              <a:t>21/05/2015</a:t>
             </a:fld>
             <a:endParaRPr lang="en-GB"/>
           </a:p>
@@ -8335,7 +8340,7 @@
           <a:p>
             <a:fld id="{87FDB585-DADA-4BA1-A1E3-BDF1D32E1A94}" type="datetimeFigureOut">
               <a:rPr lang="en-GB" smtClean="0"/>
-              <a:t>20/05/2015</a:t>
+              <a:t>21/05/2015</a:t>
             </a:fld>
             <a:endParaRPr lang="en-GB"/>
           </a:p>
@@ -8430,7 +8435,7 @@
           <a:p>
             <a:fld id="{87FDB585-DADA-4BA1-A1E3-BDF1D32E1A94}" type="datetimeFigureOut">
               <a:rPr lang="en-GB" smtClean="0"/>
-              <a:t>20/05/2015</a:t>
+              <a:t>21/05/2015</a:t>
             </a:fld>
             <a:endParaRPr lang="en-GB"/>
           </a:p>
@@ -8679,7 +8684,7 @@
           <a:p>
             <a:fld id="{87FDB585-DADA-4BA1-A1E3-BDF1D32E1A94}" type="datetimeFigureOut">
               <a:rPr lang="en-GB" smtClean="0"/>
-              <a:t>20/05/2015</a:t>
+              <a:t>21/05/2015</a:t>
             </a:fld>
             <a:endParaRPr lang="en-GB"/>
           </a:p>
@@ -8959,7 +8964,7 @@
           <a:p>
             <a:fld id="{87FDB585-DADA-4BA1-A1E3-BDF1D32E1A94}" type="datetimeFigureOut">
               <a:rPr lang="en-GB" smtClean="0"/>
-              <a:t>20/05/2015</a:t>
+              <a:t>21/05/2015</a:t>
             </a:fld>
             <a:endParaRPr lang="en-GB"/>
           </a:p>
@@ -9082,7 +9087,7 @@
           <a:noFill/>
           <a:extLst>
             <a:ext uri="{909E8E84-426E-40dd-AFC4-6F175D3DCCD1}">
-              <a14:hiddenFill xmlns="" xmlns:a14="http://schemas.microsoft.com/office/drawing/2010/main">
+              <a14:hiddenFill xmlns:a14="http://schemas.microsoft.com/office/drawing/2010/main" xmlns="">
                 <a:solidFill>
                   <a:srgbClr val="FFFFFF"/>
                 </a:solidFill>
@@ -9156,7 +9161,7 @@
               </a:ln>
               <a:extLst>
                 <a:ext uri="{91240B29-F687-4f45-9708-019B960494DF}">
-                  <a14:hiddenLine xmlns="" xmlns:a14="http://schemas.microsoft.com/office/drawing/2010/main" w="9525">
+                  <a14:hiddenLine xmlns:a14="http://schemas.microsoft.com/office/drawing/2010/main" xmlns="" w="9525">
                     <a:solidFill>
                       <a:srgbClr val="000000"/>
                     </a:solidFill>
@@ -9246,7 +9251,7 @@
               </a:ln>
               <a:extLst>
                 <a:ext uri="{91240B29-F687-4f45-9708-019B960494DF}">
-                  <a14:hiddenLine xmlns="" xmlns:a14="http://schemas.microsoft.com/office/drawing/2010/main" w="9525">
+                  <a14:hiddenLine xmlns:a14="http://schemas.microsoft.com/office/drawing/2010/main" xmlns="" w="9525">
                     <a:solidFill>
                       <a:srgbClr val="000000"/>
                     </a:solidFill>
@@ -9336,7 +9341,7 @@
               </a:ln>
               <a:extLst>
                 <a:ext uri="{91240B29-F687-4f45-9708-019B960494DF}">
-                  <a14:hiddenLine xmlns="" xmlns:a14="http://schemas.microsoft.com/office/drawing/2010/main" w="9525">
+                  <a14:hiddenLine xmlns:a14="http://schemas.microsoft.com/office/drawing/2010/main" xmlns="" w="9525">
                     <a:solidFill>
                       <a:srgbClr val="000000"/>
                     </a:solidFill>
@@ -9398,7 +9403,7 @@
               </a:ln>
               <a:extLst>
                 <a:ext uri="{91240B29-F687-4f45-9708-019B960494DF}">
-                  <a14:hiddenLine xmlns="" xmlns:a14="http://schemas.microsoft.com/office/drawing/2010/main" w="9525">
+                  <a14:hiddenLine xmlns:a14="http://schemas.microsoft.com/office/drawing/2010/main" xmlns="" w="9525">
                     <a:solidFill>
                       <a:srgbClr val="000000"/>
                     </a:solidFill>
@@ -9488,7 +9493,7 @@
               </a:ln>
               <a:extLst>
                 <a:ext uri="{91240B29-F687-4f45-9708-019B960494DF}">
-                  <a14:hiddenLine xmlns="" xmlns:a14="http://schemas.microsoft.com/office/drawing/2010/main" w="9525">
+                  <a14:hiddenLine xmlns:a14="http://schemas.microsoft.com/office/drawing/2010/main" xmlns="" w="9525">
                     <a:solidFill>
                       <a:srgbClr val="000000"/>
                     </a:solidFill>
@@ -9550,7 +9555,7 @@
               </a:ln>
               <a:extLst>
                 <a:ext uri="{91240B29-F687-4f45-9708-019B960494DF}">
-                  <a14:hiddenLine xmlns="" xmlns:a14="http://schemas.microsoft.com/office/drawing/2010/main" w="9525">
+                  <a14:hiddenLine xmlns:a14="http://schemas.microsoft.com/office/drawing/2010/main" xmlns="" w="9525">
                     <a:solidFill>
                       <a:srgbClr val="000000"/>
                     </a:solidFill>
@@ -9612,7 +9617,7 @@
               </a:ln>
               <a:extLst>
                 <a:ext uri="{91240B29-F687-4f45-9708-019B960494DF}">
-                  <a14:hiddenLine xmlns="" xmlns:a14="http://schemas.microsoft.com/office/drawing/2010/main" w="9525">
+                  <a14:hiddenLine xmlns:a14="http://schemas.microsoft.com/office/drawing/2010/main" xmlns="" w="9525">
                     <a:solidFill>
                       <a:srgbClr val="000000"/>
                     </a:solidFill>
@@ -9702,7 +9707,7 @@
               </a:ln>
               <a:extLst>
                 <a:ext uri="{91240B29-F687-4f45-9708-019B960494DF}">
-                  <a14:hiddenLine xmlns="" xmlns:a14="http://schemas.microsoft.com/office/drawing/2010/main" w="9525">
+                  <a14:hiddenLine xmlns:a14="http://schemas.microsoft.com/office/drawing/2010/main" xmlns="" w="9525">
                     <a:solidFill>
                       <a:srgbClr val="000000"/>
                     </a:solidFill>
@@ -9792,7 +9797,7 @@
               </a:ln>
               <a:extLst>
                 <a:ext uri="{91240B29-F687-4f45-9708-019B960494DF}">
-                  <a14:hiddenLine xmlns="" xmlns:a14="http://schemas.microsoft.com/office/drawing/2010/main" w="9525">
+                  <a14:hiddenLine xmlns:a14="http://schemas.microsoft.com/office/drawing/2010/main" xmlns="" w="9525">
                     <a:solidFill>
                       <a:srgbClr val="000000"/>
                     </a:solidFill>
@@ -9854,7 +9859,7 @@
               </a:ln>
               <a:extLst>
                 <a:ext uri="{91240B29-F687-4f45-9708-019B960494DF}">
-                  <a14:hiddenLine xmlns="" xmlns:a14="http://schemas.microsoft.com/office/drawing/2010/main" w="9525">
+                  <a14:hiddenLine xmlns:a14="http://schemas.microsoft.com/office/drawing/2010/main" xmlns="" w="9525">
                     <a:solidFill>
                       <a:srgbClr val="000000"/>
                     </a:solidFill>
@@ -9964,7 +9969,7 @@
               </a:ln>
               <a:extLst>
                 <a:ext uri="{91240B29-F687-4f45-9708-019B960494DF}">
-                  <a14:hiddenLine xmlns="" xmlns:a14="http://schemas.microsoft.com/office/drawing/2010/main" w="9525">
+                  <a14:hiddenLine xmlns:a14="http://schemas.microsoft.com/office/drawing/2010/main" xmlns="" w="9525">
                     <a:solidFill>
                       <a:srgbClr val="000000"/>
                     </a:solidFill>
@@ -10048,7 +10053,7 @@
               </a:ln>
               <a:extLst>
                 <a:ext uri="{91240B29-F687-4f45-9708-019B960494DF}">
-                  <a14:hiddenLine xmlns="" xmlns:a14="http://schemas.microsoft.com/office/drawing/2010/main" w="9525">
+                  <a14:hiddenLine xmlns:a14="http://schemas.microsoft.com/office/drawing/2010/main" xmlns="" w="9525">
                     <a:solidFill>
                       <a:srgbClr val="000000"/>
                     </a:solidFill>
@@ -10110,7 +10115,7 @@
               </a:ln>
               <a:extLst>
                 <a:ext uri="{91240B29-F687-4f45-9708-019B960494DF}">
-                  <a14:hiddenLine xmlns="" xmlns:a14="http://schemas.microsoft.com/office/drawing/2010/main" w="9525">
+                  <a14:hiddenLine xmlns:a14="http://schemas.microsoft.com/office/drawing/2010/main" xmlns="" w="9525">
                     <a:solidFill>
                       <a:srgbClr val="000000"/>
                     </a:solidFill>
@@ -10172,7 +10177,7 @@
               </a:ln>
               <a:extLst>
                 <a:ext uri="{91240B29-F687-4f45-9708-019B960494DF}">
-                  <a14:hiddenLine xmlns="" xmlns:a14="http://schemas.microsoft.com/office/drawing/2010/main" w="9525">
+                  <a14:hiddenLine xmlns:a14="http://schemas.microsoft.com/office/drawing/2010/main" xmlns="" w="9525">
                     <a:solidFill>
                       <a:srgbClr val="000000"/>
                     </a:solidFill>
@@ -10262,7 +10267,7 @@
               </a:ln>
               <a:extLst>
                 <a:ext uri="{91240B29-F687-4f45-9708-019B960494DF}">
-                  <a14:hiddenLine xmlns="" xmlns:a14="http://schemas.microsoft.com/office/drawing/2010/main" w="9525">
+                  <a14:hiddenLine xmlns:a14="http://schemas.microsoft.com/office/drawing/2010/main" xmlns="" w="9525">
                     <a:solidFill>
                       <a:srgbClr val="000000"/>
                     </a:solidFill>
@@ -10296,7 +10301,7 @@
               </a:ln>
               <a:extLst>
                 <a:ext uri="{91240B29-F687-4f45-9708-019B960494DF}">
-                  <a14:hiddenLine xmlns="" xmlns:a14="http://schemas.microsoft.com/office/drawing/2010/main" w="9525">
+                  <a14:hiddenLine xmlns:a14="http://schemas.microsoft.com/office/drawing/2010/main" xmlns="" w="9525">
                     <a:solidFill>
                       <a:srgbClr val="000000"/>
                     </a:solidFill>
@@ -10361,7 +10366,7 @@
               </a:ln>
               <a:extLst>
                 <a:ext uri="{91240B29-F687-4f45-9708-019B960494DF}">
-                  <a14:hiddenLine xmlns="" xmlns:a14="http://schemas.microsoft.com/office/drawing/2010/main" w="9525">
+                  <a14:hiddenLine xmlns:a14="http://schemas.microsoft.com/office/drawing/2010/main" xmlns="" w="9525">
                     <a:solidFill>
                       <a:srgbClr val="000000"/>
                     </a:solidFill>
@@ -10451,7 +10456,7 @@
               </a:ln>
               <a:extLst>
                 <a:ext uri="{91240B29-F687-4f45-9708-019B960494DF}">
-                  <a14:hiddenLine xmlns="" xmlns:a14="http://schemas.microsoft.com/office/drawing/2010/main" w="9525">
+                  <a14:hiddenLine xmlns:a14="http://schemas.microsoft.com/office/drawing/2010/main" xmlns="" w="9525">
                     <a:solidFill>
                       <a:srgbClr val="000000"/>
                     </a:solidFill>
@@ -10513,7 +10518,7 @@
               </a:ln>
               <a:extLst>
                 <a:ext uri="{91240B29-F687-4f45-9708-019B960494DF}">
-                  <a14:hiddenLine xmlns="" xmlns:a14="http://schemas.microsoft.com/office/drawing/2010/main" w="9525">
+                  <a14:hiddenLine xmlns:a14="http://schemas.microsoft.com/office/drawing/2010/main" xmlns="" w="9525">
                     <a:solidFill>
                       <a:srgbClr val="000000"/>
                     </a:solidFill>
@@ -10603,7 +10608,7 @@
               </a:ln>
               <a:extLst>
                 <a:ext uri="{91240B29-F687-4f45-9708-019B960494DF}">
-                  <a14:hiddenLine xmlns="" xmlns:a14="http://schemas.microsoft.com/office/drawing/2010/main" w="9525">
+                  <a14:hiddenLine xmlns:a14="http://schemas.microsoft.com/office/drawing/2010/main" xmlns="" w="9525">
                     <a:solidFill>
                       <a:srgbClr val="000000"/>
                     </a:solidFill>
@@ -10668,7 +10673,7 @@
               </a:ln>
               <a:extLst>
                 <a:ext uri="{91240B29-F687-4f45-9708-019B960494DF}">
-                  <a14:hiddenLine xmlns="" xmlns:a14="http://schemas.microsoft.com/office/drawing/2010/main" w="9525">
+                  <a14:hiddenLine xmlns:a14="http://schemas.microsoft.com/office/drawing/2010/main" xmlns="" w="9525">
                     <a:solidFill>
                       <a:srgbClr val="000000"/>
                     </a:solidFill>
@@ -10730,7 +10735,7 @@
               </a:ln>
               <a:extLst>
                 <a:ext uri="{91240B29-F687-4f45-9708-019B960494DF}">
-                  <a14:hiddenLine xmlns="" xmlns:a14="http://schemas.microsoft.com/office/drawing/2010/main" w="9525">
+                  <a14:hiddenLine xmlns:a14="http://schemas.microsoft.com/office/drawing/2010/main" xmlns="" w="9525">
                     <a:solidFill>
                       <a:srgbClr val="000000"/>
                     </a:solidFill>
@@ -10820,7 +10825,7 @@
               </a:ln>
               <a:extLst>
                 <a:ext uri="{91240B29-F687-4f45-9708-019B960494DF}">
-                  <a14:hiddenLine xmlns="" xmlns:a14="http://schemas.microsoft.com/office/drawing/2010/main" w="9525">
+                  <a14:hiddenLine xmlns:a14="http://schemas.microsoft.com/office/drawing/2010/main" xmlns="" w="9525">
                     <a:solidFill>
                       <a:srgbClr val="000000"/>
                     </a:solidFill>
@@ -10910,7 +10915,7 @@
               </a:ln>
               <a:extLst>
                 <a:ext uri="{91240B29-F687-4f45-9708-019B960494DF}">
-                  <a14:hiddenLine xmlns="" xmlns:a14="http://schemas.microsoft.com/office/drawing/2010/main" w="9525">
+                  <a14:hiddenLine xmlns:a14="http://schemas.microsoft.com/office/drawing/2010/main" xmlns="" w="9525">
                     <a:solidFill>
                       <a:srgbClr val="000000"/>
                     </a:solidFill>
@@ -10975,7 +10980,7 @@
               </a:ln>
               <a:extLst>
                 <a:ext uri="{91240B29-F687-4f45-9708-019B960494DF}">
-                  <a14:hiddenLine xmlns="" xmlns:a14="http://schemas.microsoft.com/office/drawing/2010/main" w="9525">
+                  <a14:hiddenLine xmlns:a14="http://schemas.microsoft.com/office/drawing/2010/main" xmlns="" w="9525">
                     <a:solidFill>
                       <a:srgbClr val="000000"/>
                     </a:solidFill>
@@ -11095,7 +11100,7 @@
               </a:ln>
               <a:extLst>
                 <a:ext uri="{91240B29-F687-4f45-9708-019B960494DF}">
-                  <a14:hiddenLine xmlns="" xmlns:a14="http://schemas.microsoft.com/office/drawing/2010/main" w="9525">
+                  <a14:hiddenLine xmlns:a14="http://schemas.microsoft.com/office/drawing/2010/main" xmlns="" w="9525">
                     <a:solidFill>
                       <a:srgbClr val="000000"/>
                     </a:solidFill>
@@ -11176,7 +11181,7 @@
               </a:ln>
               <a:extLst>
                 <a:ext uri="{91240B29-F687-4f45-9708-019B960494DF}">
-                  <a14:hiddenLine xmlns="" xmlns:a14="http://schemas.microsoft.com/office/drawing/2010/main" w="9525">
+                  <a14:hiddenLine xmlns:a14="http://schemas.microsoft.com/office/drawing/2010/main" xmlns="" w="9525">
                     <a:solidFill>
                       <a:srgbClr val="000000"/>
                     </a:solidFill>
@@ -11291,7 +11296,7 @@
               </a:ln>
               <a:extLst>
                 <a:ext uri="{91240B29-F687-4f45-9708-019B960494DF}">
-                  <a14:hiddenLine xmlns="" xmlns:a14="http://schemas.microsoft.com/office/drawing/2010/main" w="9525">
+                  <a14:hiddenLine xmlns:a14="http://schemas.microsoft.com/office/drawing/2010/main" xmlns="" w="9525">
                     <a:solidFill>
                       <a:srgbClr val="000000"/>
                     </a:solidFill>
@@ -11381,7 +11386,7 @@
               </a:ln>
               <a:extLst>
                 <a:ext uri="{91240B29-F687-4f45-9708-019B960494DF}">
-                  <a14:hiddenLine xmlns="" xmlns:a14="http://schemas.microsoft.com/office/drawing/2010/main" w="9525">
+                  <a14:hiddenLine xmlns:a14="http://schemas.microsoft.com/office/drawing/2010/main" xmlns="" w="9525">
                     <a:solidFill>
                       <a:srgbClr val="000000"/>
                     </a:solidFill>
@@ -11446,7 +11451,7 @@
               </a:ln>
               <a:extLst>
                 <a:ext uri="{91240B29-F687-4f45-9708-019B960494DF}">
-                  <a14:hiddenLine xmlns="" xmlns:a14="http://schemas.microsoft.com/office/drawing/2010/main" w="9525">
+                  <a14:hiddenLine xmlns:a14="http://schemas.microsoft.com/office/drawing/2010/main" xmlns="" w="9525">
                     <a:solidFill>
                       <a:srgbClr val="000000"/>
                     </a:solidFill>
@@ -11536,7 +11541,7 @@
               </a:ln>
               <a:extLst>
                 <a:ext uri="{91240B29-F687-4f45-9708-019B960494DF}">
-                  <a14:hiddenLine xmlns="" xmlns:a14="http://schemas.microsoft.com/office/drawing/2010/main" w="9525">
+                  <a14:hiddenLine xmlns:a14="http://schemas.microsoft.com/office/drawing/2010/main" xmlns="" w="9525">
                     <a:solidFill>
                       <a:srgbClr val="000000"/>
                     </a:solidFill>
@@ -11604,7 +11609,7 @@
               </a:ln>
               <a:extLst>
                 <a:ext uri="{91240B29-F687-4f45-9708-019B960494DF}">
-                  <a14:hiddenLine xmlns="" xmlns:a14="http://schemas.microsoft.com/office/drawing/2010/main" w="9525">
+                  <a14:hiddenLine xmlns:a14="http://schemas.microsoft.com/office/drawing/2010/main" xmlns="" w="9525">
                     <a:solidFill>
                       <a:srgbClr val="000000"/>
                     </a:solidFill>
@@ -11694,7 +11699,7 @@
               </a:ln>
               <a:extLst>
                 <a:ext uri="{91240B29-F687-4f45-9708-019B960494DF}">
-                  <a14:hiddenLine xmlns="" xmlns:a14="http://schemas.microsoft.com/office/drawing/2010/main" w="9525">
+                  <a14:hiddenLine xmlns:a14="http://schemas.microsoft.com/office/drawing/2010/main" xmlns="" w="9525">
                     <a:solidFill>
                       <a:srgbClr val="000000"/>
                     </a:solidFill>
@@ -11762,7 +11767,7 @@
               </a:ln>
               <a:extLst>
                 <a:ext uri="{91240B29-F687-4f45-9708-019B960494DF}">
-                  <a14:hiddenLine xmlns="" xmlns:a14="http://schemas.microsoft.com/office/drawing/2010/main" w="9525">
+                  <a14:hiddenLine xmlns:a14="http://schemas.microsoft.com/office/drawing/2010/main" xmlns="" w="9525">
                     <a:solidFill>
                       <a:srgbClr val="000000"/>
                     </a:solidFill>
@@ -11852,7 +11857,7 @@
               </a:ln>
               <a:extLst>
                 <a:ext uri="{91240B29-F687-4f45-9708-019B960494DF}">
-                  <a14:hiddenLine xmlns="" xmlns:a14="http://schemas.microsoft.com/office/drawing/2010/main" w="9525">
+                  <a14:hiddenLine xmlns:a14="http://schemas.microsoft.com/office/drawing/2010/main" xmlns="" w="9525">
                     <a:solidFill>
                       <a:srgbClr val="000000"/>
                     </a:solidFill>
@@ -11886,7 +11891,7 @@
               </a:ln>
               <a:extLst>
                 <a:ext uri="{91240B29-F687-4f45-9708-019B960494DF}">
-                  <a14:hiddenLine xmlns="" xmlns:a14="http://schemas.microsoft.com/office/drawing/2010/main" w="9525">
+                  <a14:hiddenLine xmlns:a14="http://schemas.microsoft.com/office/drawing/2010/main" xmlns="" w="9525">
                     <a:solidFill>
                       <a:srgbClr val="000000"/>
                     </a:solidFill>
@@ -12026,7 +12031,7 @@
           <a:p>
             <a:fld id="{87FDB585-DADA-4BA1-A1E3-BDF1D32E1A94}" type="datetimeFigureOut">
               <a:rPr lang="en-GB" smtClean="0"/>
-              <a:t>20/05/2015</a:t>
+              <a:t>21/05/2015</a:t>
             </a:fld>
             <a:endParaRPr lang="en-GB"/>
           </a:p>
@@ -13462,11 +13467,7 @@
             </a:r>
             <a:r>
               <a:rPr lang="en-GB" sz="1400" b="1" dirty="0" smtClean="0"/>
-              <a:t> </a:t>
-            </a:r>
-            <a:r>
-              <a:rPr lang="en-GB" sz="1400" b="1" dirty="0" smtClean="0"/>
-              <a:t>stores the sum of memberships of centroid </a:t>
+              <a:t> stores the sum of memberships of centroid </a:t>
             </a:r>
             <a:r>
               <a:rPr lang="en-US" sz="1400" b="1" dirty="0" err="1"/>
@@ -13604,11 +13605,7 @@
             <a:pPr algn="ctr"/>
             <a:r>
               <a:rPr lang="en-US" b="1" dirty="0" smtClean="0"/>
-              <a:t>For </a:t>
-            </a:r>
-            <a:r>
-              <a:rPr lang="en-US" b="1" dirty="0" smtClean="0"/>
-              <a:t>each centroid index j in </a:t>
+              <a:t>For each centroid index j in </a:t>
             </a:r>
             <a:r>
               <a:rPr lang="en-US" b="1" dirty="0" err="1" smtClean="0"/>
@@ -13814,7 +13811,11 @@
             </a:r>
             <a:r>
               <a:rPr lang="en-US" b="1" dirty="0" smtClean="0"/>
-              <a:t> * X</a:t>
+              <a:t> </a:t>
+            </a:r>
+            <a:r>
+              <a:rPr lang="en-US" b="1" dirty="0" smtClean="0"/>
+              <a:t>* X</a:t>
             </a:r>
             <a:r>
               <a:rPr lang="en-US" b="1" baseline="-25000" dirty="0" smtClean="0"/>
@@ -14028,11 +14029,7 @@
             <a:pPr algn="ctr"/>
             <a:r>
               <a:rPr lang="en-US" b="1" dirty="0" smtClean="0"/>
-              <a:t>For </a:t>
-            </a:r>
-            <a:r>
-              <a:rPr lang="en-US" b="1" dirty="0" smtClean="0"/>
-              <a:t>each centroid </a:t>
+              <a:t>For each centroid </a:t>
             </a:r>
             <a:r>
               <a:rPr lang="en-US" b="1" dirty="0" err="1" smtClean="0"/>
@@ -14383,7 +14380,6 @@
               <a:rPr lang="en-US" dirty="0" smtClean="0"/>
               <a:t>next slide.</a:t>
             </a:r>
-            <a:endParaRPr lang="en-US" dirty="0" smtClean="0"/>
           </a:p>
         </p:txBody>
       </p:sp>
@@ -14721,7 +14717,6 @@
               <a:rPr lang="en-US" dirty="0" smtClean="0"/>
               <a:t>in next slide.</a:t>
             </a:r>
-            <a:endParaRPr lang="en-US" dirty="0" smtClean="0"/>
           </a:p>
         </p:txBody>
       </p:sp>
@@ -14895,6 +14890,1490 @@
 </p:sld>
 </file>
 
+<file path=ppt/slides/slide16.xml><?xml version="1.0" encoding="utf-8"?>
+<p:sld xmlns:a="http://schemas.openxmlformats.org/drawingml/2006/main" xmlns:r="http://schemas.openxmlformats.org/officeDocument/2006/relationships" xmlns:p="http://schemas.openxmlformats.org/presentationml/2006/main">
+  <p:cSld>
+    <p:spTree>
+      <p:nvGrpSpPr>
+        <p:cNvPr id="1" name=""/>
+        <p:cNvGrpSpPr/>
+        <p:nvPr/>
+      </p:nvGrpSpPr>
+      <p:grpSpPr>
+        <a:xfrm>
+          <a:off x="0" y="0"/>
+          <a:ext cx="0" cy="0"/>
+          <a:chOff x="0" y="0"/>
+          <a:chExt cx="0" cy="0"/>
+        </a:xfrm>
+      </p:grpSpPr>
+      <p:sp>
+        <p:nvSpPr>
+          <p:cNvPr id="2" name="Title 1"/>
+          <p:cNvSpPr>
+            <a:spLocks noGrp="1"/>
+          </p:cNvSpPr>
+          <p:nvPr>
+            <p:ph type="title"/>
+          </p:nvPr>
+        </p:nvSpPr>
+        <p:spPr/>
+        <p:txBody>
+          <a:bodyPr/>
+          <a:lstStyle/>
+          <a:p>
+            <a:pPr algn="ctr"/>
+            <a:r>
+              <a:rPr lang="en-US" dirty="0" smtClean="0"/>
+              <a:t>CALCULATING NEW CENTROIDS</a:t>
+            </a:r>
+            <a:endParaRPr lang="en-US" dirty="0"/>
+          </a:p>
+        </p:txBody>
+      </p:sp>
+      <p:sp>
+        <p:nvSpPr>
+          <p:cNvPr id="3" name="Content Placeholder 2"/>
+          <p:cNvSpPr>
+            <a:spLocks noGrp="1"/>
+          </p:cNvSpPr>
+          <p:nvPr>
+            <p:ph idx="1"/>
+          </p:nvPr>
+        </p:nvSpPr>
+        <p:spPr>
+          <a:xfrm>
+            <a:off x="1141412" y="2097087"/>
+            <a:ext cx="9905999" cy="4105749"/>
+          </a:xfrm>
+        </p:spPr>
+        <p:txBody>
+          <a:bodyPr>
+            <a:normAutofit lnSpcReduction="10000"/>
+          </a:bodyPr>
+          <a:lstStyle/>
+          <a:p>
+            <a:pPr algn="just"/>
+            <a:r>
+              <a:rPr lang="en-US" dirty="0"/>
+              <a:t>After </a:t>
+            </a:r>
+            <a:r>
+              <a:rPr lang="en-US" dirty="0" smtClean="0"/>
+              <a:t>transposing the data, </a:t>
+            </a:r>
+            <a:r>
+              <a:rPr lang="en-US" dirty="0"/>
+              <a:t>we </a:t>
+            </a:r>
+            <a:r>
+              <a:rPr lang="en-US" dirty="0" smtClean="0"/>
+              <a:t>use </a:t>
+            </a:r>
+            <a:r>
+              <a:rPr lang="en-US" dirty="0"/>
+              <a:t>the parallel reduction algorithm developed by Mark Harris </a:t>
+            </a:r>
+            <a:r>
+              <a:rPr lang="en-US" dirty="0" smtClean="0"/>
+              <a:t>for </a:t>
+            </a:r>
+            <a:r>
+              <a:rPr lang="en-US" dirty="0"/>
+              <a:t>the </a:t>
+            </a:r>
+            <a:r>
+              <a:rPr lang="en-US" dirty="0" smtClean="0"/>
+              <a:t>reducing </a:t>
+            </a:r>
+            <a:r>
+              <a:rPr lang="en-US" b="1" dirty="0" err="1" smtClean="0"/>
+              <a:t>U</a:t>
+            </a:r>
+            <a:r>
+              <a:rPr lang="en-US" b="1" baseline="-25000" dirty="0" err="1" smtClean="0"/>
+              <a:t>i,j</a:t>
+            </a:r>
+            <a:r>
+              <a:rPr lang="en-US" b="1" baseline="30000" dirty="0" err="1" smtClean="0"/>
+              <a:t>q</a:t>
+            </a:r>
+            <a:r>
+              <a:rPr lang="en-US" b="1" dirty="0" smtClean="0"/>
+              <a:t> </a:t>
+            </a:r>
+            <a:r>
+              <a:rPr lang="en-US" dirty="0" smtClean="0"/>
+              <a:t>for </a:t>
+            </a:r>
+            <a:r>
+              <a:rPr lang="en-US" dirty="0"/>
+              <a:t>the </a:t>
+            </a:r>
+            <a:r>
+              <a:rPr lang="en-US" i="1" dirty="0" err="1"/>
+              <a:t>j</a:t>
+            </a:r>
+            <a:r>
+              <a:rPr lang="en-US" dirty="0" err="1"/>
+              <a:t>th</a:t>
+            </a:r>
+            <a:r>
+              <a:rPr lang="en-US" dirty="0"/>
+              <a:t> cluster as </a:t>
+            </a:r>
+            <a:r>
+              <a:rPr lang="en-US" dirty="0" smtClean="0"/>
+              <a:t>well </a:t>
+            </a:r>
+            <a:r>
+              <a:rPr lang="en-US" b="1" dirty="0" err="1" smtClean="0"/>
+              <a:t>U</a:t>
+            </a:r>
+            <a:r>
+              <a:rPr lang="en-US" b="1" baseline="-25000" dirty="0" err="1" smtClean="0"/>
+              <a:t>i,j</a:t>
+            </a:r>
+            <a:r>
+              <a:rPr lang="en-US" b="1" baseline="30000" dirty="0" err="1" smtClean="0"/>
+              <a:t>q</a:t>
+            </a:r>
+            <a:r>
+              <a:rPr lang="en-US" b="1" dirty="0" smtClean="0"/>
+              <a:t> </a:t>
+            </a:r>
+            <a:r>
+              <a:rPr lang="en-US" b="1" dirty="0"/>
+              <a:t>* X</a:t>
+            </a:r>
+            <a:r>
+              <a:rPr lang="en-US" b="1" baseline="-25000" dirty="0"/>
+              <a:t>i</a:t>
+            </a:r>
+            <a:r>
+              <a:rPr lang="en-US" dirty="0" smtClean="0"/>
+              <a:t> </a:t>
+            </a:r>
+            <a:r>
+              <a:rPr lang="en-US" dirty="0"/>
+              <a:t>for the </a:t>
+            </a:r>
+            <a:r>
+              <a:rPr lang="en-US" i="1" dirty="0" err="1"/>
+              <a:t>j</a:t>
+            </a:r>
+            <a:r>
+              <a:rPr lang="en-US" dirty="0" err="1"/>
+              <a:t>th</a:t>
+            </a:r>
+            <a:r>
+              <a:rPr lang="en-US" dirty="0"/>
+              <a:t> cluster and the </a:t>
+            </a:r>
+            <a:r>
+              <a:rPr lang="en-US" i="1" dirty="0" err="1"/>
+              <a:t>x</a:t>
+            </a:r>
+            <a:r>
+              <a:rPr lang="en-US" dirty="0" err="1"/>
+              <a:t>th</a:t>
+            </a:r>
+            <a:r>
+              <a:rPr lang="en-US" dirty="0"/>
+              <a:t> dimension</a:t>
+            </a:r>
+            <a:r>
+              <a:rPr lang="en-US" dirty="0" smtClean="0"/>
+              <a:t>.</a:t>
+            </a:r>
+          </a:p>
+          <a:p>
+            <a:pPr algn="just"/>
+            <a:r>
+              <a:rPr lang="en-US" dirty="0"/>
+              <a:t>The above algorithms may be executed concurrently or </a:t>
+            </a:r>
+            <a:r>
+              <a:rPr lang="en-US" dirty="0" smtClean="0"/>
+              <a:t>interleaved in six </a:t>
+            </a:r>
+            <a:r>
+              <a:rPr lang="en-US" dirty="0"/>
+              <a:t>different streams in our experimental condition. </a:t>
+            </a:r>
+          </a:p>
+          <a:p>
+            <a:pPr algn="just"/>
+            <a:r>
+              <a:rPr lang="en-US" dirty="0" smtClean="0"/>
+              <a:t>Then, on the small output </a:t>
+            </a:r>
+            <a:r>
+              <a:rPr lang="en-US" dirty="0"/>
+              <a:t>block </a:t>
+            </a:r>
+            <a:r>
+              <a:rPr lang="en-US" dirty="0" smtClean="0"/>
+              <a:t>sums, </a:t>
+            </a:r>
+            <a:r>
+              <a:rPr lang="en-US" dirty="0"/>
+              <a:t>the calculating new centroids</a:t>
+            </a:r>
+            <a:r>
+              <a:rPr lang="en-US" dirty="0" smtClean="0"/>
+              <a:t> can </a:t>
+            </a:r>
+            <a:r>
+              <a:rPr lang="en-US" dirty="0"/>
+              <a:t>run very fast on CPUs.</a:t>
+            </a:r>
+            <a:endParaRPr lang="en-US" dirty="0" smtClean="0"/>
+          </a:p>
+          <a:p>
+            <a:pPr algn="just"/>
+            <a:endParaRPr lang="en-US" dirty="0" smtClean="0"/>
+          </a:p>
+        </p:txBody>
+      </p:sp>
+    </p:spTree>
+    <p:extLst>
+      <p:ext uri="{BB962C8B-B14F-4D97-AF65-F5344CB8AC3E}">
+        <p14:creationId xmlns:p14="http://schemas.microsoft.com/office/powerpoint/2010/main" val="46117517"/>
+      </p:ext>
+    </p:extLst>
+  </p:cSld>
+  <p:clrMapOvr>
+    <a:masterClrMapping/>
+  </p:clrMapOvr>
+  <p:timing>
+    <p:tnLst>
+      <p:par>
+        <p:cTn id="1" dur="indefinite" restart="never" nodeType="tmRoot"/>
+      </p:par>
+    </p:tnLst>
+  </p:timing>
+</p:sld>
+</file>
+
+<file path=ppt/slides/slide17.xml><?xml version="1.0" encoding="utf-8"?>
+<p:sld xmlns:a="http://schemas.openxmlformats.org/drawingml/2006/main" xmlns:r="http://schemas.openxmlformats.org/officeDocument/2006/relationships" xmlns:p="http://schemas.openxmlformats.org/presentationml/2006/main">
+  <p:cSld>
+    <p:spTree>
+      <p:nvGrpSpPr>
+        <p:cNvPr id="1" name=""/>
+        <p:cNvGrpSpPr/>
+        <p:nvPr/>
+      </p:nvGrpSpPr>
+      <p:grpSpPr>
+        <a:xfrm>
+          <a:off x="0" y="0"/>
+          <a:ext cx="0" cy="0"/>
+          <a:chOff x="0" y="0"/>
+          <a:chExt cx="0" cy="0"/>
+        </a:xfrm>
+      </p:grpSpPr>
+      <p:sp>
+        <p:nvSpPr>
+          <p:cNvPr id="2" name="Title 1"/>
+          <p:cNvSpPr>
+            <a:spLocks noGrp="1"/>
+          </p:cNvSpPr>
+          <p:nvPr>
+            <p:ph type="title"/>
+          </p:nvPr>
+        </p:nvSpPr>
+        <p:spPr>
+          <a:xfrm>
+            <a:off x="1140076" y="74741"/>
+            <a:ext cx="9905998" cy="1478570"/>
+          </a:xfrm>
+        </p:spPr>
+        <p:txBody>
+          <a:bodyPr/>
+          <a:lstStyle/>
+          <a:p>
+            <a:pPr algn="ctr"/>
+            <a:r>
+              <a:rPr lang="en-US" dirty="0"/>
+              <a:t>CALCULATING </a:t>
+            </a:r>
+            <a:r>
+              <a:rPr lang="en-US" dirty="0" smtClean="0"/>
+              <a:t>NEW CENTROIDS ON GPU</a:t>
+            </a:r>
+            <a:endParaRPr lang="en-US" dirty="0"/>
+          </a:p>
+        </p:txBody>
+      </p:sp>
+      <p:sp>
+        <p:nvSpPr>
+          <p:cNvPr id="19" name="Rectangle 18"/>
+          <p:cNvSpPr/>
+          <p:nvPr/>
+        </p:nvSpPr>
+        <p:spPr>
+          <a:xfrm>
+            <a:off x="1520490" y="1429447"/>
+            <a:ext cx="3505212" cy="4793557"/>
+          </a:xfrm>
+          <a:prstGeom prst="rect">
+            <a:avLst/>
+          </a:prstGeom>
+        </p:spPr>
+        <p:style>
+          <a:lnRef idx="1">
+            <a:schemeClr val="accent2"/>
+          </a:lnRef>
+          <a:fillRef idx="2">
+            <a:schemeClr val="accent2"/>
+          </a:fillRef>
+          <a:effectRef idx="1">
+            <a:schemeClr val="accent2"/>
+          </a:effectRef>
+          <a:fontRef idx="minor">
+            <a:schemeClr val="dk1"/>
+          </a:fontRef>
+        </p:style>
+        <p:txBody>
+          <a:bodyPr rtlCol="0" anchor="ctr"/>
+          <a:lstStyle/>
+          <a:p>
+            <a:pPr algn="ctr"/>
+            <a:endParaRPr lang="en-US" dirty="0"/>
+          </a:p>
+        </p:txBody>
+      </p:sp>
+      <p:sp>
+        <p:nvSpPr>
+          <p:cNvPr id="20" name="Rectangle 19"/>
+          <p:cNvSpPr/>
+          <p:nvPr/>
+        </p:nvSpPr>
+        <p:spPr>
+          <a:xfrm>
+            <a:off x="5346436" y="1429448"/>
+            <a:ext cx="5193430" cy="4793557"/>
+          </a:xfrm>
+          <a:prstGeom prst="rect">
+            <a:avLst/>
+          </a:prstGeom>
+        </p:spPr>
+        <p:style>
+          <a:lnRef idx="1">
+            <a:schemeClr val="accent2"/>
+          </a:lnRef>
+          <a:fillRef idx="2">
+            <a:schemeClr val="accent2"/>
+          </a:fillRef>
+          <a:effectRef idx="1">
+            <a:schemeClr val="accent2"/>
+          </a:effectRef>
+          <a:fontRef idx="minor">
+            <a:schemeClr val="dk1"/>
+          </a:fontRef>
+        </p:style>
+        <p:txBody>
+          <a:bodyPr rtlCol="0" anchor="ctr"/>
+          <a:lstStyle/>
+          <a:p>
+            <a:pPr algn="ctr"/>
+            <a:endParaRPr lang="en-US" dirty="0"/>
+          </a:p>
+        </p:txBody>
+      </p:sp>
+      <p:sp>
+        <p:nvSpPr>
+          <p:cNvPr id="22" name="Rounded Rectangle 21"/>
+          <p:cNvSpPr/>
+          <p:nvPr/>
+        </p:nvSpPr>
+        <p:spPr>
+          <a:xfrm>
+            <a:off x="5575780" y="1549916"/>
+            <a:ext cx="691977" cy="399255"/>
+          </a:xfrm>
+          <a:prstGeom prst="roundRect">
+            <a:avLst/>
+          </a:prstGeom>
+        </p:spPr>
+        <p:style>
+          <a:lnRef idx="1">
+            <a:schemeClr val="accent1"/>
+          </a:lnRef>
+          <a:fillRef idx="2">
+            <a:schemeClr val="accent1"/>
+          </a:fillRef>
+          <a:effectRef idx="1">
+            <a:schemeClr val="accent1"/>
+          </a:effectRef>
+          <a:fontRef idx="minor">
+            <a:schemeClr val="dk1"/>
+          </a:fontRef>
+        </p:style>
+        <p:txBody>
+          <a:bodyPr rtlCol="0" anchor="ctr"/>
+          <a:lstStyle/>
+          <a:p>
+            <a:pPr lvl="0" algn="ctr"/>
+            <a:r>
+              <a:rPr lang="en-US" b="1" dirty="0" smtClean="0">
+                <a:ln w="0"/>
+                <a:solidFill>
+                  <a:schemeClr val="bg1"/>
+                </a:solidFill>
+              </a:rPr>
+              <a:t>GPU</a:t>
+            </a:r>
+            <a:endParaRPr lang="en-US" b="1" dirty="0">
+              <a:ln w="0"/>
+              <a:solidFill>
+                <a:schemeClr val="bg1"/>
+              </a:solidFill>
+            </a:endParaRPr>
+          </a:p>
+        </p:txBody>
+      </p:sp>
+      <p:sp>
+        <p:nvSpPr>
+          <p:cNvPr id="23" name="Rounded Rectangle 22"/>
+          <p:cNvSpPr/>
+          <p:nvPr/>
+        </p:nvSpPr>
+        <p:spPr>
+          <a:xfrm>
+            <a:off x="1730696" y="1549916"/>
+            <a:ext cx="667263" cy="399255"/>
+          </a:xfrm>
+          <a:prstGeom prst="roundRect">
+            <a:avLst/>
+          </a:prstGeom>
+        </p:spPr>
+        <p:style>
+          <a:lnRef idx="1">
+            <a:schemeClr val="accent1"/>
+          </a:lnRef>
+          <a:fillRef idx="2">
+            <a:schemeClr val="accent1"/>
+          </a:fillRef>
+          <a:effectRef idx="1">
+            <a:schemeClr val="accent1"/>
+          </a:effectRef>
+          <a:fontRef idx="minor">
+            <a:schemeClr val="dk1"/>
+          </a:fontRef>
+        </p:style>
+        <p:txBody>
+          <a:bodyPr rtlCol="0" anchor="ctr"/>
+          <a:lstStyle/>
+          <a:p>
+            <a:pPr lvl="0" algn="ctr"/>
+            <a:r>
+              <a:rPr lang="en-US" b="1" dirty="0" smtClean="0">
+                <a:ln w="0"/>
+                <a:solidFill>
+                  <a:schemeClr val="bg1"/>
+                </a:solidFill>
+              </a:rPr>
+              <a:t>CPU</a:t>
+            </a:r>
+            <a:endParaRPr lang="en-US" b="1" dirty="0">
+              <a:ln w="0"/>
+              <a:solidFill>
+                <a:schemeClr val="bg1"/>
+              </a:solidFill>
+            </a:endParaRPr>
+          </a:p>
+        </p:txBody>
+      </p:sp>
+      <p:sp>
+        <p:nvSpPr>
+          <p:cNvPr id="24" name="Rounded Rectangle 23"/>
+          <p:cNvSpPr/>
+          <p:nvPr/>
+        </p:nvSpPr>
+        <p:spPr>
+          <a:xfrm>
+            <a:off x="5598672" y="2883964"/>
+            <a:ext cx="4695672" cy="405729"/>
+          </a:xfrm>
+          <a:prstGeom prst="roundRect">
+            <a:avLst/>
+          </a:prstGeom>
+        </p:spPr>
+        <p:style>
+          <a:lnRef idx="2">
+            <a:schemeClr val="accent2">
+              <a:shade val="50000"/>
+            </a:schemeClr>
+          </a:lnRef>
+          <a:fillRef idx="1">
+            <a:schemeClr val="accent2"/>
+          </a:fillRef>
+          <a:effectRef idx="0">
+            <a:schemeClr val="accent2"/>
+          </a:effectRef>
+          <a:fontRef idx="minor">
+            <a:schemeClr val="lt1"/>
+          </a:fontRef>
+        </p:style>
+        <p:txBody>
+          <a:bodyPr rtlCol="0" anchor="ctr"/>
+          <a:lstStyle/>
+          <a:p>
+            <a:pPr algn="ctr"/>
+            <a:r>
+              <a:rPr lang="en-US" b="1" dirty="0" smtClean="0"/>
+              <a:t>For j = 1 to k</a:t>
+            </a:r>
+            <a:endParaRPr lang="en-US" b="1" dirty="0"/>
+          </a:p>
+        </p:txBody>
+      </p:sp>
+      <p:sp>
+        <p:nvSpPr>
+          <p:cNvPr id="25" name="Rounded Rectangle 24"/>
+          <p:cNvSpPr/>
+          <p:nvPr/>
+        </p:nvSpPr>
+        <p:spPr>
+          <a:xfrm>
+            <a:off x="1730696" y="3529664"/>
+            <a:ext cx="2989586" cy="593124"/>
+          </a:xfrm>
+          <a:prstGeom prst="roundRect">
+            <a:avLst/>
+          </a:prstGeom>
+        </p:spPr>
+        <p:style>
+          <a:lnRef idx="2">
+            <a:schemeClr val="accent2">
+              <a:shade val="50000"/>
+            </a:schemeClr>
+          </a:lnRef>
+          <a:fillRef idx="1">
+            <a:schemeClr val="accent2"/>
+          </a:fillRef>
+          <a:effectRef idx="0">
+            <a:schemeClr val="accent2"/>
+          </a:effectRef>
+          <a:fontRef idx="minor">
+            <a:schemeClr val="lt1"/>
+          </a:fontRef>
+        </p:style>
+        <p:txBody>
+          <a:bodyPr rtlCol="0" anchor="ctr"/>
+          <a:lstStyle/>
+          <a:p>
+            <a:r>
+              <a:rPr lang="en-US" b="1" dirty="0" smtClean="0"/>
+              <a:t>Calculate new Centroids</a:t>
+            </a:r>
+            <a:endParaRPr lang="en-US" b="1" dirty="0"/>
+          </a:p>
+        </p:txBody>
+      </p:sp>
+      <p:sp>
+        <p:nvSpPr>
+          <p:cNvPr id="27" name="Rectangle 26"/>
+          <p:cNvSpPr/>
+          <p:nvPr/>
+        </p:nvSpPr>
+        <p:spPr>
+          <a:xfrm>
+            <a:off x="5598672" y="3399792"/>
+            <a:ext cx="4695672" cy="2729619"/>
+          </a:xfrm>
+          <a:prstGeom prst="rect">
+            <a:avLst/>
+          </a:prstGeom>
+        </p:spPr>
+        <p:style>
+          <a:lnRef idx="2">
+            <a:schemeClr val="accent1"/>
+          </a:lnRef>
+          <a:fillRef idx="1">
+            <a:schemeClr val="lt1"/>
+          </a:fillRef>
+          <a:effectRef idx="0">
+            <a:schemeClr val="accent1"/>
+          </a:effectRef>
+          <a:fontRef idx="minor">
+            <a:schemeClr val="dk1"/>
+          </a:fontRef>
+        </p:style>
+        <p:txBody>
+          <a:bodyPr rtlCol="0" anchor="ctr"/>
+          <a:lstStyle/>
+          <a:p>
+            <a:pPr algn="ctr"/>
+            <a:endParaRPr lang="en-US"/>
+          </a:p>
+        </p:txBody>
+      </p:sp>
+      <p:sp>
+        <p:nvSpPr>
+          <p:cNvPr id="26" name="Rounded Rectangle 25"/>
+          <p:cNvSpPr/>
+          <p:nvPr/>
+        </p:nvSpPr>
+        <p:spPr>
+          <a:xfrm>
+            <a:off x="5863099" y="3590307"/>
+            <a:ext cx="4160107" cy="471838"/>
+          </a:xfrm>
+          <a:prstGeom prst="roundRect">
+            <a:avLst/>
+          </a:prstGeom>
+        </p:spPr>
+        <p:style>
+          <a:lnRef idx="2">
+            <a:schemeClr val="accent2">
+              <a:shade val="50000"/>
+            </a:schemeClr>
+          </a:lnRef>
+          <a:fillRef idx="1">
+            <a:schemeClr val="accent2"/>
+          </a:fillRef>
+          <a:effectRef idx="0">
+            <a:schemeClr val="accent2"/>
+          </a:effectRef>
+          <a:fontRef idx="minor">
+            <a:schemeClr val="lt1"/>
+          </a:fontRef>
+        </p:style>
+        <p:txBody>
+          <a:bodyPr rtlCol="0" anchor="ctr"/>
+          <a:lstStyle/>
+          <a:p>
+            <a:pPr algn="ctr"/>
+            <a:r>
+              <a:rPr lang="en-US" b="1" dirty="0" smtClean="0"/>
+              <a:t>Stream </a:t>
+            </a:r>
+            <a:r>
+              <a:rPr lang="en-US" b="1" dirty="0"/>
+              <a:t>#1 </a:t>
+            </a:r>
+            <a:r>
+              <a:rPr lang="en-US" b="1" dirty="0" smtClean="0"/>
+              <a:t>reduces </a:t>
+            </a:r>
+            <a:r>
+              <a:rPr lang="en-US" b="1" dirty="0" err="1" smtClean="0"/>
+              <a:t>U</a:t>
+            </a:r>
+            <a:r>
+              <a:rPr lang="en-US" b="1" baseline="-25000" dirty="0" err="1" smtClean="0"/>
+              <a:t>i,j</a:t>
+            </a:r>
+            <a:r>
+              <a:rPr lang="en-US" b="1" baseline="30000" dirty="0" err="1" smtClean="0"/>
+              <a:t>q</a:t>
+            </a:r>
+            <a:r>
+              <a:rPr lang="en-US" b="1" dirty="0" smtClean="0"/>
+              <a:t> (</a:t>
+            </a:r>
+            <a:r>
+              <a:rPr lang="en-US" b="1" dirty="0" err="1" smtClean="0"/>
+              <a:t>i</a:t>
+            </a:r>
+            <a:r>
+              <a:rPr lang="en-US" b="1" dirty="0" smtClean="0"/>
+              <a:t> = 1 to N)</a:t>
+            </a:r>
+            <a:endParaRPr lang="en-US" b="1" dirty="0"/>
+          </a:p>
+        </p:txBody>
+      </p:sp>
+      <p:cxnSp>
+        <p:nvCxnSpPr>
+          <p:cNvPr id="91" name="Straight Arrow Connector 90"/>
+          <p:cNvCxnSpPr>
+            <a:stCxn id="24" idx="2"/>
+            <a:endCxn id="26" idx="0"/>
+          </p:cNvCxnSpPr>
+          <p:nvPr/>
+        </p:nvCxnSpPr>
+        <p:spPr>
+          <a:xfrm flipH="1">
+            <a:off x="7943153" y="3289693"/>
+            <a:ext cx="3355" cy="300614"/>
+          </a:xfrm>
+          <a:prstGeom prst="straightConnector1">
+            <a:avLst/>
+          </a:prstGeom>
+          <a:ln w="44450">
+            <a:tailEnd type="triangle"/>
+          </a:ln>
+        </p:spPr>
+        <p:style>
+          <a:lnRef idx="1">
+            <a:schemeClr val="accent1"/>
+          </a:lnRef>
+          <a:fillRef idx="0">
+            <a:schemeClr val="accent1"/>
+          </a:fillRef>
+          <a:effectRef idx="0">
+            <a:schemeClr val="accent1"/>
+          </a:effectRef>
+          <a:fontRef idx="minor">
+            <a:schemeClr val="tx1"/>
+          </a:fontRef>
+        </p:style>
+      </p:cxnSp>
+      <p:sp>
+        <p:nvSpPr>
+          <p:cNvPr id="28" name="Rounded Rectangle 27"/>
+          <p:cNvSpPr/>
+          <p:nvPr/>
+        </p:nvSpPr>
+        <p:spPr>
+          <a:xfrm>
+            <a:off x="5866454" y="4304071"/>
+            <a:ext cx="4160107" cy="449588"/>
+          </a:xfrm>
+          <a:prstGeom prst="roundRect">
+            <a:avLst/>
+          </a:prstGeom>
+        </p:spPr>
+        <p:style>
+          <a:lnRef idx="2">
+            <a:schemeClr val="accent2">
+              <a:shade val="50000"/>
+            </a:schemeClr>
+          </a:lnRef>
+          <a:fillRef idx="1">
+            <a:schemeClr val="accent2"/>
+          </a:fillRef>
+          <a:effectRef idx="0">
+            <a:schemeClr val="accent2"/>
+          </a:effectRef>
+          <a:fontRef idx="minor">
+            <a:schemeClr val="lt1"/>
+          </a:fontRef>
+        </p:style>
+        <p:txBody>
+          <a:bodyPr rtlCol="0" anchor="ctr"/>
+          <a:lstStyle/>
+          <a:p>
+            <a:pPr algn="ctr"/>
+            <a:r>
+              <a:rPr lang="en-US" b="1" dirty="0" smtClean="0"/>
+              <a:t>For x = 1 to d</a:t>
+            </a:r>
+            <a:endParaRPr lang="en-US" b="1" dirty="0"/>
+          </a:p>
+        </p:txBody>
+      </p:sp>
+      <p:cxnSp>
+        <p:nvCxnSpPr>
+          <p:cNvPr id="5" name="Elbow Connector 4"/>
+          <p:cNvCxnSpPr>
+            <a:stCxn id="26" idx="2"/>
+            <a:endCxn id="28" idx="0"/>
+          </p:cNvCxnSpPr>
+          <p:nvPr/>
+        </p:nvCxnSpPr>
+        <p:spPr>
+          <a:xfrm rot="16200000" flipH="1">
+            <a:off x="7823867" y="4181430"/>
+            <a:ext cx="241926" cy="3355"/>
+          </a:xfrm>
+          <a:prstGeom prst="bentConnector3">
+            <a:avLst>
+              <a:gd name="adj1" fmla="val 50000"/>
+            </a:avLst>
+          </a:prstGeom>
+          <a:ln w="44450">
+            <a:tailEnd type="triangle"/>
+          </a:ln>
+        </p:spPr>
+        <p:style>
+          <a:lnRef idx="1">
+            <a:schemeClr val="accent1"/>
+          </a:lnRef>
+          <a:fillRef idx="0">
+            <a:schemeClr val="accent1"/>
+          </a:fillRef>
+          <a:effectRef idx="0">
+            <a:schemeClr val="accent1"/>
+          </a:effectRef>
+          <a:fontRef idx="minor">
+            <a:schemeClr val="tx1"/>
+          </a:fontRef>
+        </p:style>
+      </p:cxnSp>
+      <p:sp>
+        <p:nvSpPr>
+          <p:cNvPr id="75" name="Rectangle 74"/>
+          <p:cNvSpPr/>
+          <p:nvPr/>
+        </p:nvSpPr>
+        <p:spPr>
+          <a:xfrm>
+            <a:off x="5863098" y="4916735"/>
+            <a:ext cx="4160107" cy="1051369"/>
+          </a:xfrm>
+          <a:prstGeom prst="rect">
+            <a:avLst/>
+          </a:prstGeom>
+        </p:spPr>
+        <p:style>
+          <a:lnRef idx="2">
+            <a:schemeClr val="accent1"/>
+          </a:lnRef>
+          <a:fillRef idx="1">
+            <a:schemeClr val="lt1"/>
+          </a:fillRef>
+          <a:effectRef idx="0">
+            <a:schemeClr val="accent1"/>
+          </a:effectRef>
+          <a:fontRef idx="minor">
+            <a:schemeClr val="dk1"/>
+          </a:fontRef>
+        </p:style>
+        <p:txBody>
+          <a:bodyPr rtlCol="0" anchor="ctr"/>
+          <a:lstStyle/>
+          <a:p>
+            <a:pPr algn="ctr"/>
+            <a:endParaRPr lang="en-US"/>
+          </a:p>
+        </p:txBody>
+      </p:sp>
+      <p:cxnSp>
+        <p:nvCxnSpPr>
+          <p:cNvPr id="80" name="Straight Arrow Connector 79"/>
+          <p:cNvCxnSpPr>
+            <a:stCxn id="28" idx="2"/>
+            <a:endCxn id="96" idx="0"/>
+          </p:cNvCxnSpPr>
+          <p:nvPr/>
+        </p:nvCxnSpPr>
+        <p:spPr>
+          <a:xfrm flipH="1">
+            <a:off x="7943152" y="4753659"/>
+            <a:ext cx="3356" cy="331470"/>
+          </a:xfrm>
+          <a:prstGeom prst="straightConnector1">
+            <a:avLst/>
+          </a:prstGeom>
+          <a:ln w="44450">
+            <a:tailEnd type="triangle"/>
+          </a:ln>
+        </p:spPr>
+        <p:style>
+          <a:lnRef idx="1">
+            <a:schemeClr val="accent1"/>
+          </a:lnRef>
+          <a:fillRef idx="0">
+            <a:schemeClr val="accent1"/>
+          </a:fillRef>
+          <a:effectRef idx="0">
+            <a:schemeClr val="accent1"/>
+          </a:effectRef>
+          <a:fontRef idx="minor">
+            <a:schemeClr val="tx1"/>
+          </a:fontRef>
+        </p:style>
+      </p:cxnSp>
+      <p:sp>
+        <p:nvSpPr>
+          <p:cNvPr id="96" name="Rounded Rectangle 95"/>
+          <p:cNvSpPr/>
+          <p:nvPr/>
+        </p:nvSpPr>
+        <p:spPr>
+          <a:xfrm>
+            <a:off x="6038911" y="5085129"/>
+            <a:ext cx="3808481" cy="742716"/>
+          </a:xfrm>
+          <a:prstGeom prst="roundRect">
+            <a:avLst/>
+          </a:prstGeom>
+        </p:spPr>
+        <p:style>
+          <a:lnRef idx="2">
+            <a:schemeClr val="accent2">
+              <a:shade val="50000"/>
+            </a:schemeClr>
+          </a:lnRef>
+          <a:fillRef idx="1">
+            <a:schemeClr val="accent2"/>
+          </a:fillRef>
+          <a:effectRef idx="0">
+            <a:schemeClr val="accent2"/>
+          </a:effectRef>
+          <a:fontRef idx="minor">
+            <a:schemeClr val="lt1"/>
+          </a:fontRef>
+        </p:style>
+        <p:txBody>
+          <a:bodyPr rtlCol="0" anchor="ctr"/>
+          <a:lstStyle/>
+          <a:p>
+            <a:pPr algn="ctr"/>
+            <a:r>
+              <a:rPr lang="en-US" b="1" dirty="0" smtClean="0"/>
+              <a:t>Stream #(x </a:t>
+            </a:r>
+            <a:r>
+              <a:rPr lang="en-US" b="1" dirty="0"/>
+              <a:t>mod </a:t>
+            </a:r>
+            <a:r>
+              <a:rPr lang="en-US" b="1" dirty="0"/>
+              <a:t>5</a:t>
+            </a:r>
+            <a:r>
+              <a:rPr lang="en-US" b="1" dirty="0" smtClean="0"/>
+              <a:t> </a:t>
+            </a:r>
+            <a:r>
+              <a:rPr lang="en-US" b="1" dirty="0"/>
+              <a:t>+ </a:t>
+            </a:r>
+            <a:r>
+              <a:rPr lang="en-US" b="1" dirty="0" smtClean="0"/>
+              <a:t>1) reduces </a:t>
+            </a:r>
+            <a:r>
+              <a:rPr lang="en-US" b="1" dirty="0" err="1" smtClean="0"/>
+              <a:t>U</a:t>
+            </a:r>
+            <a:r>
+              <a:rPr lang="en-US" b="1" baseline="-25000" dirty="0" err="1" smtClean="0"/>
+              <a:t>i,j</a:t>
+            </a:r>
+            <a:r>
+              <a:rPr lang="en-US" b="1" baseline="30000" dirty="0" err="1" smtClean="0"/>
+              <a:t>q</a:t>
+            </a:r>
+            <a:r>
+              <a:rPr lang="en-US" b="1" dirty="0" smtClean="0"/>
+              <a:t> * X</a:t>
+            </a:r>
+            <a:r>
+              <a:rPr lang="en-US" b="1" baseline="-25000" dirty="0" smtClean="0"/>
+              <a:t>i</a:t>
+            </a:r>
+            <a:r>
+              <a:rPr lang="en-US" b="1" dirty="0" smtClean="0"/>
+              <a:t> (</a:t>
+            </a:r>
+            <a:r>
+              <a:rPr lang="en-US" b="1" dirty="0" err="1" smtClean="0"/>
+              <a:t>i</a:t>
+            </a:r>
+            <a:r>
+              <a:rPr lang="en-US" b="1" dirty="0" smtClean="0"/>
+              <a:t> = 1 to N)</a:t>
+            </a:r>
+            <a:endParaRPr lang="en-US" b="1" dirty="0"/>
+          </a:p>
+        </p:txBody>
+      </p:sp>
+      <p:sp>
+        <p:nvSpPr>
+          <p:cNvPr id="206" name="Line Callout 1 205"/>
+          <p:cNvSpPr/>
+          <p:nvPr/>
+        </p:nvSpPr>
+        <p:spPr>
+          <a:xfrm>
+            <a:off x="3595932" y="2920276"/>
+            <a:ext cx="1842373" cy="333104"/>
+          </a:xfrm>
+          <a:prstGeom prst="borderCallout1">
+            <a:avLst>
+              <a:gd name="adj1" fmla="val 99270"/>
+              <a:gd name="adj2" fmla="val 49545"/>
+              <a:gd name="adj3" fmla="val 265709"/>
+              <a:gd name="adj4" fmla="val 83527"/>
+            </a:avLst>
+          </a:prstGeom>
+        </p:spPr>
+        <p:style>
+          <a:lnRef idx="2">
+            <a:schemeClr val="accent1">
+              <a:shade val="50000"/>
+            </a:schemeClr>
+          </a:lnRef>
+          <a:fillRef idx="1">
+            <a:schemeClr val="accent1"/>
+          </a:fillRef>
+          <a:effectRef idx="0">
+            <a:schemeClr val="accent1"/>
+          </a:effectRef>
+          <a:fontRef idx="minor">
+            <a:schemeClr val="lt1"/>
+          </a:fontRef>
+        </p:style>
+        <p:txBody>
+          <a:bodyPr rtlCol="0" anchor="ctr"/>
+          <a:lstStyle/>
+          <a:p>
+            <a:pPr algn="ctr"/>
+            <a:r>
+              <a:rPr lang="en-US" sz="1400" b="1" dirty="0" smtClean="0"/>
+              <a:t>Small block sums</a:t>
+            </a:r>
+            <a:endParaRPr lang="en-US" sz="1300" b="1" baseline="-25000" dirty="0"/>
+          </a:p>
+        </p:txBody>
+      </p:sp>
+      <p:cxnSp>
+        <p:nvCxnSpPr>
+          <p:cNvPr id="207" name="Straight Arrow Connector 206"/>
+          <p:cNvCxnSpPr>
+            <a:stCxn id="20" idx="1"/>
+            <a:endCxn id="25" idx="3"/>
+          </p:cNvCxnSpPr>
+          <p:nvPr/>
+        </p:nvCxnSpPr>
+        <p:spPr>
+          <a:xfrm flipH="1" flipV="1">
+            <a:off x="4720282" y="3826226"/>
+            <a:ext cx="626154" cy="1"/>
+          </a:xfrm>
+          <a:prstGeom prst="straightConnector1">
+            <a:avLst/>
+          </a:prstGeom>
+          <a:ln w="44450">
+            <a:tailEnd type="triangle"/>
+          </a:ln>
+        </p:spPr>
+        <p:style>
+          <a:lnRef idx="1">
+            <a:schemeClr val="accent1"/>
+          </a:lnRef>
+          <a:fillRef idx="0">
+            <a:schemeClr val="accent1"/>
+          </a:fillRef>
+          <a:effectRef idx="0">
+            <a:schemeClr val="accent1"/>
+          </a:effectRef>
+          <a:fontRef idx="minor">
+            <a:schemeClr val="tx1"/>
+          </a:fontRef>
+        </p:style>
+      </p:cxnSp>
+      <p:sp>
+        <p:nvSpPr>
+          <p:cNvPr id="220" name="Rounded Rectangle 219"/>
+          <p:cNvSpPr/>
+          <p:nvPr/>
+        </p:nvSpPr>
+        <p:spPr>
+          <a:xfrm>
+            <a:off x="5595315" y="2042765"/>
+            <a:ext cx="4695672" cy="593124"/>
+          </a:xfrm>
+          <a:prstGeom prst="roundRect">
+            <a:avLst/>
+          </a:prstGeom>
+        </p:spPr>
+        <p:style>
+          <a:lnRef idx="2">
+            <a:schemeClr val="accent2">
+              <a:shade val="50000"/>
+            </a:schemeClr>
+          </a:lnRef>
+          <a:fillRef idx="1">
+            <a:schemeClr val="accent2"/>
+          </a:fillRef>
+          <a:effectRef idx="0">
+            <a:schemeClr val="accent2"/>
+          </a:effectRef>
+          <a:fontRef idx="minor">
+            <a:schemeClr val="lt1"/>
+          </a:fontRef>
+        </p:style>
+        <p:txBody>
+          <a:bodyPr rtlCol="0" anchor="ctr"/>
+          <a:lstStyle/>
+          <a:p>
+            <a:pPr algn="ctr"/>
+            <a:r>
+              <a:rPr lang="en-US" b="1" dirty="0" smtClean="0"/>
+              <a:t>Transpose data points and memberships using </a:t>
+            </a:r>
+            <a:r>
+              <a:rPr lang="en-US" b="1" dirty="0" err="1" smtClean="0"/>
+              <a:t>cuBLAS</a:t>
+            </a:r>
+            <a:r>
+              <a:rPr lang="en-US" b="1" dirty="0" smtClean="0"/>
+              <a:t> function</a:t>
+            </a:r>
+            <a:endParaRPr lang="en-US" b="1" dirty="0"/>
+          </a:p>
+        </p:txBody>
+      </p:sp>
+      <p:cxnSp>
+        <p:nvCxnSpPr>
+          <p:cNvPr id="237" name="Elbow Connector 236"/>
+          <p:cNvCxnSpPr>
+            <a:stCxn id="220" idx="2"/>
+            <a:endCxn id="24" idx="0"/>
+          </p:cNvCxnSpPr>
+          <p:nvPr/>
+        </p:nvCxnSpPr>
+        <p:spPr>
+          <a:xfrm rot="16200000" flipH="1">
+            <a:off x="7820792" y="2758247"/>
+            <a:ext cx="248075" cy="3357"/>
+          </a:xfrm>
+          <a:prstGeom prst="bentConnector3">
+            <a:avLst>
+              <a:gd name="adj1" fmla="val 50000"/>
+            </a:avLst>
+          </a:prstGeom>
+          <a:ln w="44450">
+            <a:tailEnd type="triangle"/>
+          </a:ln>
+        </p:spPr>
+        <p:style>
+          <a:lnRef idx="1">
+            <a:schemeClr val="accent1"/>
+          </a:lnRef>
+          <a:fillRef idx="0">
+            <a:schemeClr val="accent1"/>
+          </a:fillRef>
+          <a:effectRef idx="0">
+            <a:schemeClr val="accent1"/>
+          </a:effectRef>
+          <a:fontRef idx="minor">
+            <a:schemeClr val="tx1"/>
+          </a:fontRef>
+        </p:style>
+      </p:cxnSp>
+    </p:spTree>
+    <p:extLst>
+      <p:ext uri="{BB962C8B-B14F-4D97-AF65-F5344CB8AC3E}">
+        <p14:creationId xmlns:p14="http://schemas.microsoft.com/office/powerpoint/2010/main" val="3872068836"/>
+      </p:ext>
+    </p:extLst>
+  </p:cSld>
+  <p:clrMapOvr>
+    <a:masterClrMapping/>
+  </p:clrMapOvr>
+  <p:timing>
+    <p:tnLst>
+      <p:par>
+        <p:cTn id="1" dur="indefinite" restart="never" nodeType="tmRoot"/>
+      </p:par>
+    </p:tnLst>
+  </p:timing>
+</p:sld>
+</file>
+
+<file path=ppt/slides/slide18.xml><?xml version="1.0" encoding="utf-8"?>
+<p:sld xmlns:a="http://schemas.openxmlformats.org/drawingml/2006/main" xmlns:r="http://schemas.openxmlformats.org/officeDocument/2006/relationships" xmlns:p="http://schemas.openxmlformats.org/presentationml/2006/main">
+  <p:cSld>
+    <p:spTree>
+      <p:nvGrpSpPr>
+        <p:cNvPr id="1" name=""/>
+        <p:cNvGrpSpPr/>
+        <p:nvPr/>
+      </p:nvGrpSpPr>
+      <p:grpSpPr>
+        <a:xfrm>
+          <a:off x="0" y="0"/>
+          <a:ext cx="0" cy="0"/>
+          <a:chOff x="0" y="0"/>
+          <a:chExt cx="0" cy="0"/>
+        </a:xfrm>
+      </p:grpSpPr>
+      <p:sp>
+        <p:nvSpPr>
+          <p:cNvPr id="2" name="Title 1"/>
+          <p:cNvSpPr>
+            <a:spLocks noGrp="1"/>
+          </p:cNvSpPr>
+          <p:nvPr>
+            <p:ph type="title"/>
+          </p:nvPr>
+        </p:nvSpPr>
+        <p:spPr/>
+        <p:txBody>
+          <a:bodyPr/>
+          <a:lstStyle/>
+          <a:p>
+            <a:pPr algn="ctr"/>
+            <a:r>
+              <a:rPr lang="en-US" dirty="0" smtClean="0"/>
+              <a:t>CALCULATING NEW CENTROIDS</a:t>
+            </a:r>
+            <a:endParaRPr lang="en-US" dirty="0"/>
+          </a:p>
+        </p:txBody>
+      </p:sp>
+      <p:sp>
+        <p:nvSpPr>
+          <p:cNvPr id="3" name="Content Placeholder 2"/>
+          <p:cNvSpPr>
+            <a:spLocks noGrp="1"/>
+          </p:cNvSpPr>
+          <p:nvPr>
+            <p:ph idx="1"/>
+          </p:nvPr>
+        </p:nvSpPr>
+        <p:spPr>
+          <a:xfrm>
+            <a:off x="1141412" y="2097087"/>
+            <a:ext cx="9905999" cy="4105749"/>
+          </a:xfrm>
+        </p:spPr>
+        <p:txBody>
+          <a:bodyPr>
+            <a:normAutofit/>
+          </a:bodyPr>
+          <a:lstStyle/>
+          <a:p>
+            <a:pPr algn="just"/>
+            <a:r>
+              <a:rPr lang="en-US" dirty="0"/>
+              <a:t>When N is relatively large, and k is significantly greater than </a:t>
+            </a:r>
+            <a:r>
+              <a:rPr lang="en-US" dirty="0" smtClean="0"/>
+              <a:t>M, the equation of GFKM is still used for designing algorithm</a:t>
+            </a:r>
+          </a:p>
+          <a:p>
+            <a:pPr algn="just"/>
+            <a:r>
+              <a:rPr lang="en-US" dirty="0" smtClean="0"/>
+              <a:t>Data points is also transposed </a:t>
+            </a:r>
+            <a:r>
+              <a:rPr lang="en-US" dirty="0"/>
+              <a:t>from </a:t>
+            </a:r>
+            <a:r>
+              <a:rPr lang="en-US" i="1" dirty="0"/>
+              <a:t>N</a:t>
+            </a:r>
+            <a:r>
+              <a:rPr lang="en-US" dirty="0"/>
+              <a:t>×</a:t>
+            </a:r>
+            <a:r>
+              <a:rPr lang="en-US" i="1" dirty="0"/>
+              <a:t>D</a:t>
+            </a:r>
+            <a:r>
+              <a:rPr lang="en-US" dirty="0"/>
+              <a:t> to </a:t>
+            </a:r>
+            <a:r>
+              <a:rPr lang="en-US" i="1" dirty="0"/>
+              <a:t>D</a:t>
+            </a:r>
+            <a:r>
+              <a:rPr lang="en-US" dirty="0"/>
+              <a:t>×</a:t>
+            </a:r>
+            <a:r>
+              <a:rPr lang="en-US" i="1" dirty="0"/>
+              <a:t>N</a:t>
+            </a:r>
+            <a:r>
+              <a:rPr lang="en-US" dirty="0"/>
+              <a:t> first to reduce the number of un-coalesced data point </a:t>
+            </a:r>
+            <a:r>
+              <a:rPr lang="en-US" dirty="0" smtClean="0"/>
+              <a:t>accesses.</a:t>
+            </a:r>
+          </a:p>
+          <a:p>
+            <a:pPr algn="just"/>
+            <a:r>
+              <a:rPr lang="en-US" dirty="0" smtClean="0"/>
+              <a:t>Then, array NNT is sorted </a:t>
+            </a:r>
+            <a:r>
+              <a:rPr lang="en-US" dirty="0"/>
+              <a:t>with keys, values are cluster indices, point indices and memberships, respectively, to </a:t>
+            </a:r>
+            <a:r>
+              <a:rPr lang="en-US" dirty="0" smtClean="0"/>
+              <a:t>reduce or hide </a:t>
+            </a:r>
+            <a:r>
+              <a:rPr lang="en-US" dirty="0"/>
+              <a:t>un-coalesced membership accesses.</a:t>
+            </a:r>
+            <a:endParaRPr lang="en-US" dirty="0" smtClean="0"/>
+          </a:p>
+        </p:txBody>
+      </p:sp>
+    </p:spTree>
+    <p:extLst>
+      <p:ext uri="{BB962C8B-B14F-4D97-AF65-F5344CB8AC3E}">
+        <p14:creationId xmlns:p14="http://schemas.microsoft.com/office/powerpoint/2010/main" val="1653327041"/>
+      </p:ext>
+    </p:extLst>
+  </p:cSld>
+  <p:clrMapOvr>
+    <a:masterClrMapping/>
+  </p:clrMapOvr>
+  <p:timing>
+    <p:tnLst>
+      <p:par>
+        <p:cTn id="1" dur="indefinite" restart="never" nodeType="tmRoot"/>
+      </p:par>
+    </p:tnLst>
+  </p:timing>
+</p:sld>
+</file>
+
+<file path=ppt/slides/slide19.xml><?xml version="1.0" encoding="utf-8"?>
+<p:sld xmlns:a="http://schemas.openxmlformats.org/drawingml/2006/main" xmlns:r="http://schemas.openxmlformats.org/officeDocument/2006/relationships" xmlns:p="http://schemas.openxmlformats.org/presentationml/2006/main">
+  <p:cSld>
+    <p:spTree>
+      <p:nvGrpSpPr>
+        <p:cNvPr id="1" name=""/>
+        <p:cNvGrpSpPr/>
+        <p:nvPr/>
+      </p:nvGrpSpPr>
+      <p:grpSpPr>
+        <a:xfrm>
+          <a:off x="0" y="0"/>
+          <a:ext cx="0" cy="0"/>
+          <a:chOff x="0" y="0"/>
+          <a:chExt cx="0" cy="0"/>
+        </a:xfrm>
+      </p:grpSpPr>
+      <p:sp>
+        <p:nvSpPr>
+          <p:cNvPr id="2" name="Title 1"/>
+          <p:cNvSpPr>
+            <a:spLocks noGrp="1"/>
+          </p:cNvSpPr>
+          <p:nvPr>
+            <p:ph type="title"/>
+          </p:nvPr>
+        </p:nvSpPr>
+        <p:spPr/>
+        <p:txBody>
+          <a:bodyPr/>
+          <a:lstStyle/>
+          <a:p>
+            <a:pPr algn="ctr"/>
+            <a:r>
+              <a:rPr lang="en-US" dirty="0" smtClean="0"/>
+              <a:t>CALCULATING NEW CENTROIDS</a:t>
+            </a:r>
+            <a:endParaRPr lang="en-US" dirty="0"/>
+          </a:p>
+        </p:txBody>
+      </p:sp>
+      <p:sp>
+        <p:nvSpPr>
+          <p:cNvPr id="3" name="Content Placeholder 2"/>
+          <p:cNvSpPr>
+            <a:spLocks noGrp="1"/>
+          </p:cNvSpPr>
+          <p:nvPr>
+            <p:ph idx="1"/>
+          </p:nvPr>
+        </p:nvSpPr>
+        <p:spPr>
+          <a:xfrm>
+            <a:off x="1141412" y="2097087"/>
+            <a:ext cx="9905999" cy="4105749"/>
+          </a:xfrm>
+        </p:spPr>
+        <p:txBody>
+          <a:bodyPr>
+            <a:normAutofit/>
+          </a:bodyPr>
+          <a:lstStyle/>
+          <a:p>
+            <a:pPr algn="just"/>
+            <a:r>
+              <a:rPr lang="en-US" dirty="0"/>
+              <a:t>For sorting array NNT, </a:t>
+            </a:r>
+            <a:r>
+              <a:rPr lang="en-US" dirty="0" smtClean="0"/>
+              <a:t>it has two </a:t>
+            </a:r>
+            <a:r>
+              <a:rPr lang="en-US" dirty="0"/>
+              <a:t>different scenarios: (1) using the GPU-based counting sort algorithm; (2) using the stable sort by keys of Thrust library in CUDA </a:t>
+            </a:r>
+            <a:r>
+              <a:rPr lang="en-US" dirty="0" smtClean="0"/>
+              <a:t>Toolkit</a:t>
+            </a:r>
+          </a:p>
+          <a:p>
+            <a:pPr algn="just"/>
+            <a:r>
+              <a:rPr lang="en-US" dirty="0" smtClean="0"/>
+              <a:t>For the first scenarios</a:t>
+            </a:r>
+            <a:r>
+              <a:rPr lang="en-US" dirty="0"/>
+              <a:t>, the histogram </a:t>
+            </a:r>
+            <a:r>
+              <a:rPr lang="en-US" dirty="0" smtClean="0"/>
+              <a:t>of NNT is calculated first</a:t>
+            </a:r>
+          </a:p>
+          <a:p>
+            <a:pPr algn="just"/>
+            <a:r>
+              <a:rPr lang="en-US" dirty="0" smtClean="0"/>
+              <a:t>The </a:t>
+            </a:r>
+            <a:r>
+              <a:rPr lang="en-US" dirty="0"/>
+              <a:t>atomic </a:t>
+            </a:r>
+            <a:r>
+              <a:rPr lang="en-US" dirty="0" smtClean="0"/>
+              <a:t>operation is used </a:t>
+            </a:r>
+            <a:r>
+              <a:rPr lang="en-US" dirty="0"/>
+              <a:t>since lots of threads with the same cluster index increase the histogram array conflict with each other as shown in </a:t>
+            </a:r>
+            <a:r>
+              <a:rPr lang="en-US" dirty="0" smtClean="0"/>
+              <a:t>next slide.</a:t>
+            </a:r>
+            <a:endParaRPr lang="en-US" dirty="0" smtClean="0"/>
+          </a:p>
+        </p:txBody>
+      </p:sp>
+    </p:spTree>
+    <p:extLst>
+      <p:ext uri="{BB962C8B-B14F-4D97-AF65-F5344CB8AC3E}">
+        <p14:creationId xmlns:p14="http://schemas.microsoft.com/office/powerpoint/2010/main" val="3713202446"/>
+      </p:ext>
+    </p:extLst>
+  </p:cSld>
+  <p:clrMapOvr>
+    <a:masterClrMapping/>
+  </p:clrMapOvr>
+  <p:timing>
+    <p:tnLst>
+      <p:par>
+        <p:cTn id="1" dur="indefinite" restart="never" nodeType="tmRoot"/>
+      </p:par>
+    </p:tnLst>
+  </p:timing>
+</p:sld>
+</file>
+
 <file path=ppt/slides/slide2.xml><?xml version="1.0" encoding="utf-8"?>
 <p:sld xmlns:a="http://schemas.openxmlformats.org/drawingml/2006/main" xmlns:r="http://schemas.openxmlformats.org/officeDocument/2006/relationships" xmlns:p="http://schemas.openxmlformats.org/presentationml/2006/main">
   <p:cSld>
@@ -15029,6 +16508,152 @@
     <p:extLst>
       <p:ext uri="{BB962C8B-B14F-4D97-AF65-F5344CB8AC3E}">
         <p14:creationId xmlns:p14="http://schemas.microsoft.com/office/powerpoint/2010/main" val="1419222121"/>
+      </p:ext>
+    </p:extLst>
+  </p:cSld>
+  <p:clrMapOvr>
+    <a:masterClrMapping/>
+  </p:clrMapOvr>
+  <p:timing>
+    <p:tnLst>
+      <p:par>
+        <p:cTn id="1" dur="indefinite" restart="never" nodeType="tmRoot"/>
+      </p:par>
+    </p:tnLst>
+  </p:timing>
+</p:sld>
+</file>
+
+<file path=ppt/slides/slide20.xml><?xml version="1.0" encoding="utf-8"?>
+<p:sld xmlns:a="http://schemas.openxmlformats.org/drawingml/2006/main" xmlns:r="http://schemas.openxmlformats.org/officeDocument/2006/relationships" xmlns:p="http://schemas.openxmlformats.org/presentationml/2006/main">
+  <p:cSld>
+    <p:spTree>
+      <p:nvGrpSpPr>
+        <p:cNvPr id="1" name=""/>
+        <p:cNvGrpSpPr/>
+        <p:nvPr/>
+      </p:nvGrpSpPr>
+      <p:grpSpPr>
+        <a:xfrm>
+          <a:off x="0" y="0"/>
+          <a:ext cx="0" cy="0"/>
+          <a:chOff x="0" y="0"/>
+          <a:chExt cx="0" cy="0"/>
+        </a:xfrm>
+      </p:grpSpPr>
+      <p:sp>
+        <p:nvSpPr>
+          <p:cNvPr id="2" name="Title 1"/>
+          <p:cNvSpPr>
+            <a:spLocks noGrp="1"/>
+          </p:cNvSpPr>
+          <p:nvPr>
+            <p:ph type="title"/>
+          </p:nvPr>
+        </p:nvSpPr>
+        <p:spPr/>
+        <p:txBody>
+          <a:bodyPr/>
+          <a:lstStyle/>
+          <a:p>
+            <a:pPr algn="ctr"/>
+            <a:r>
+              <a:rPr lang="en-US" dirty="0" smtClean="0"/>
+              <a:t>CALCULATING NEW CENTROIDS</a:t>
+            </a:r>
+            <a:endParaRPr lang="en-US" dirty="0"/>
+          </a:p>
+        </p:txBody>
+      </p:sp>
+      <p:sp>
+        <p:nvSpPr>
+          <p:cNvPr id="3" name="Content Placeholder 2"/>
+          <p:cNvSpPr>
+            <a:spLocks noGrp="1"/>
+          </p:cNvSpPr>
+          <p:nvPr>
+            <p:ph idx="1"/>
+          </p:nvPr>
+        </p:nvSpPr>
+        <p:spPr>
+          <a:xfrm>
+            <a:off x="1141412" y="2097087"/>
+            <a:ext cx="9905999" cy="4105749"/>
+          </a:xfrm>
+        </p:spPr>
+        <p:txBody>
+          <a:bodyPr>
+            <a:normAutofit/>
+          </a:bodyPr>
+          <a:lstStyle/>
+          <a:p>
+            <a:pPr algn="just"/>
+            <a:r>
+              <a:rPr lang="en-US" dirty="0" smtClean="0"/>
+              <a:t>Histogram write conflicts</a:t>
+            </a:r>
+            <a:endParaRPr lang="en-US" dirty="0" smtClean="0"/>
+          </a:p>
+        </p:txBody>
+      </p:sp>
+      <p:pic>
+        <p:nvPicPr>
+          <p:cNvPr id="2050" name="Picture 18"/>
+          <p:cNvPicPr>
+            <a:picLocks noChangeAspect="1" noChangeArrowheads="1"/>
+          </p:cNvPicPr>
+          <p:nvPr/>
+        </p:nvPicPr>
+        <p:blipFill>
+          <a:blip r:embed="rId2">
+            <a:extLst>
+              <a:ext uri="{28A0092B-C50C-407E-A947-70E740481C1C}">
+                <a14:useLocalDpi xmlns:a14="http://schemas.microsoft.com/office/drawing/2010/main" val="0"/>
+              </a:ext>
+            </a:extLst>
+          </a:blip>
+          <a:srcRect/>
+          <a:stretch>
+            <a:fillRect/>
+          </a:stretch>
+        </p:blipFill>
+        <p:spPr bwMode="auto">
+          <a:xfrm>
+            <a:off x="3232406" y="2754611"/>
+            <a:ext cx="6235921" cy="2171615"/>
+          </a:xfrm>
+          <a:prstGeom prst="rect">
+            <a:avLst/>
+          </a:prstGeom>
+          <a:noFill/>
+          <a:ln>
+            <a:noFill/>
+          </a:ln>
+          <a:extLst>
+            <a:ext uri="{909E8E84-426E-40DD-AFC4-6F175D3DCCD1}">
+              <a14:hiddenFill xmlns:a14="http://schemas.microsoft.com/office/drawing/2010/main">
+                <a:solidFill>
+                  <a:srgbClr val="FFFFFF"/>
+                </a:solidFill>
+              </a14:hiddenFill>
+            </a:ext>
+            <a:ext uri="{91240B29-F687-4F45-9708-019B960494DF}">
+              <a14:hiddenLine xmlns:a14="http://schemas.microsoft.com/office/drawing/2010/main" w="9525">
+                <a:solidFill>
+                  <a:srgbClr val="000000"/>
+                </a:solidFill>
+                <a:miter lim="800000"/>
+                <a:headEnd/>
+                <a:tailEnd/>
+              </a14:hiddenLine>
+            </a:ext>
+          </a:extLst>
+        </p:spPr>
+      </p:pic>
+    </p:spTree>
+    <p:extLst>
+      <p:ext uri="{BB962C8B-B14F-4D97-AF65-F5344CB8AC3E}">
+        <p14:creationId xmlns:p14="http://schemas.microsoft.com/office/powerpoint/2010/main" val="3671359089"/>
       </p:ext>
     </p:extLst>
   </p:cSld>

--- a/trunk/ImageProcessing/Speeding up GFKM.pptx
+++ b/trunk/ImageProcessing/Speeding up GFKM.pptx
@@ -25,6 +25,11 @@
     <p:sldId id="274" r:id="rId19"/>
     <p:sldId id="278" r:id="rId20"/>
     <p:sldId id="279" r:id="rId21"/>
+    <p:sldId id="280" r:id="rId22"/>
+    <p:sldId id="281" r:id="rId23"/>
+    <p:sldId id="282" r:id="rId24"/>
+    <p:sldId id="283" r:id="rId25"/>
+    <p:sldId id="285" r:id="rId26"/>
   </p:sldIdLst>
   <p:sldSz cx="12192000" cy="6858000"/>
   <p:notesSz cx="6858000" cy="9144000"/>
@@ -188,7 +193,7 @@
           <a:noFill/>
           <a:extLst>
             <a:ext uri="{909E8E84-426E-40dd-AFC4-6F175D3DCCD1}">
-              <a14:hiddenFill xmlns:a14="http://schemas.microsoft.com/office/drawing/2010/main" xmlns="">
+              <a14:hiddenFill xmlns="" xmlns:a14="http://schemas.microsoft.com/office/drawing/2010/main">
                 <a:solidFill>
                   <a:srgbClr val="FFFFFF"/>
                 </a:solidFill>
@@ -247,7 +252,7 @@
             </a:ln>
             <a:extLst>
               <a:ext uri="{91240B29-F687-4f45-9708-019B960494DF}">
-                <a14:hiddenLine xmlns:a14="http://schemas.microsoft.com/office/drawing/2010/main" xmlns="" w="9525">
+                <a14:hiddenLine xmlns="" xmlns:a14="http://schemas.microsoft.com/office/drawing/2010/main" w="9525">
                   <a:solidFill>
                     <a:srgbClr val="000000"/>
                   </a:solidFill>
@@ -337,7 +342,7 @@
             </a:ln>
             <a:extLst>
               <a:ext uri="{91240B29-F687-4f45-9708-019B960494DF}">
-                <a14:hiddenLine xmlns:a14="http://schemas.microsoft.com/office/drawing/2010/main" xmlns="" w="9525">
+                <a14:hiddenLine xmlns="" xmlns:a14="http://schemas.microsoft.com/office/drawing/2010/main" w="9525">
                   <a:solidFill>
                     <a:srgbClr val="000000"/>
                   </a:solidFill>
@@ -427,7 +432,7 @@
             </a:ln>
             <a:extLst>
               <a:ext uri="{91240B29-F687-4f45-9708-019B960494DF}">
-                <a14:hiddenLine xmlns:a14="http://schemas.microsoft.com/office/drawing/2010/main" xmlns="" w="9525">
+                <a14:hiddenLine xmlns="" xmlns:a14="http://schemas.microsoft.com/office/drawing/2010/main" w="9525">
                   <a:solidFill>
                     <a:srgbClr val="000000"/>
                   </a:solidFill>
@@ -461,7 +466,7 @@
             </a:ln>
             <a:extLst>
               <a:ext uri="{91240B29-F687-4f45-9708-019B960494DF}">
-                <a14:hiddenLine xmlns:a14="http://schemas.microsoft.com/office/drawing/2010/main" xmlns="" w="9525">
+                <a14:hiddenLine xmlns="" xmlns:a14="http://schemas.microsoft.com/office/drawing/2010/main" w="9525">
                   <a:solidFill>
                     <a:srgbClr val="000000"/>
                   </a:solidFill>
@@ -551,7 +556,7 @@
             </a:ln>
             <a:extLst>
               <a:ext uri="{91240B29-F687-4f45-9708-019B960494DF}">
-                <a14:hiddenLine xmlns:a14="http://schemas.microsoft.com/office/drawing/2010/main" xmlns="" w="9525">
+                <a14:hiddenLine xmlns="" xmlns:a14="http://schemas.microsoft.com/office/drawing/2010/main" w="9525">
                   <a:solidFill>
                     <a:srgbClr val="000000"/>
                   </a:solidFill>
@@ -613,7 +618,7 @@
             </a:ln>
             <a:extLst>
               <a:ext uri="{91240B29-F687-4f45-9708-019B960494DF}">
-                <a14:hiddenLine xmlns:a14="http://schemas.microsoft.com/office/drawing/2010/main" xmlns="" w="9525">
+                <a14:hiddenLine xmlns="" xmlns:a14="http://schemas.microsoft.com/office/drawing/2010/main" w="9525">
                   <a:solidFill>
                     <a:srgbClr val="000000"/>
                   </a:solidFill>
@@ -675,7 +680,7 @@
             </a:ln>
             <a:extLst>
               <a:ext uri="{91240B29-F687-4f45-9708-019B960494DF}">
-                <a14:hiddenLine xmlns:a14="http://schemas.microsoft.com/office/drawing/2010/main" xmlns="" w="9525">
+                <a14:hiddenLine xmlns="" xmlns:a14="http://schemas.microsoft.com/office/drawing/2010/main" w="9525">
                   <a:solidFill>
                     <a:srgbClr val="000000"/>
                   </a:solidFill>
@@ -765,7 +770,7 @@
             </a:ln>
             <a:extLst>
               <a:ext uri="{91240B29-F687-4f45-9708-019B960494DF}">
-                <a14:hiddenLine xmlns:a14="http://schemas.microsoft.com/office/drawing/2010/main" xmlns="" w="9525">
+                <a14:hiddenLine xmlns="" xmlns:a14="http://schemas.microsoft.com/office/drawing/2010/main" w="9525">
                   <a:solidFill>
                     <a:srgbClr val="000000"/>
                   </a:solidFill>
@@ -827,7 +832,7 @@
             </a:ln>
             <a:extLst>
               <a:ext uri="{91240B29-F687-4f45-9708-019B960494DF}">
-                <a14:hiddenLine xmlns:a14="http://schemas.microsoft.com/office/drawing/2010/main" xmlns="" w="9525">
+                <a14:hiddenLine xmlns="" xmlns:a14="http://schemas.microsoft.com/office/drawing/2010/main" w="9525">
                   <a:solidFill>
                     <a:srgbClr val="000000"/>
                   </a:solidFill>
@@ -889,7 +894,7 @@
             </a:ln>
             <a:extLst>
               <a:ext uri="{91240B29-F687-4f45-9708-019B960494DF}">
-                <a14:hiddenLine xmlns:a14="http://schemas.microsoft.com/office/drawing/2010/main" xmlns="" w="9525">
+                <a14:hiddenLine xmlns="" xmlns:a14="http://schemas.microsoft.com/office/drawing/2010/main" w="9525">
                   <a:solidFill>
                     <a:srgbClr val="000000"/>
                   </a:solidFill>
@@ -979,7 +984,7 @@
             </a:ln>
             <a:extLst>
               <a:ext uri="{91240B29-F687-4f45-9708-019B960494DF}">
-                <a14:hiddenLine xmlns:a14="http://schemas.microsoft.com/office/drawing/2010/main" xmlns="" w="9525">
+                <a14:hiddenLine xmlns="" xmlns:a14="http://schemas.microsoft.com/office/drawing/2010/main" w="9525">
                   <a:solidFill>
                     <a:srgbClr val="000000"/>
                   </a:solidFill>
@@ -1069,7 +1074,7 @@
             </a:ln>
             <a:extLst>
               <a:ext uri="{91240B29-F687-4f45-9708-019B960494DF}">
-                <a14:hiddenLine xmlns:a14="http://schemas.microsoft.com/office/drawing/2010/main" xmlns="" w="9525">
+                <a14:hiddenLine xmlns="" xmlns:a14="http://schemas.microsoft.com/office/drawing/2010/main" w="9525">
                   <a:solidFill>
                     <a:srgbClr val="000000"/>
                   </a:solidFill>
@@ -1131,7 +1136,7 @@
             </a:ln>
             <a:extLst>
               <a:ext uri="{91240B29-F687-4f45-9708-019B960494DF}">
-                <a14:hiddenLine xmlns:a14="http://schemas.microsoft.com/office/drawing/2010/main" xmlns="" w="9525">
+                <a14:hiddenLine xmlns="" xmlns:a14="http://schemas.microsoft.com/office/drawing/2010/main" w="9525">
                   <a:solidFill>
                     <a:srgbClr val="000000"/>
                   </a:solidFill>
@@ -1241,7 +1246,7 @@
             </a:ln>
             <a:extLst>
               <a:ext uri="{91240B29-F687-4f45-9708-019B960494DF}">
-                <a14:hiddenLine xmlns:a14="http://schemas.microsoft.com/office/drawing/2010/main" xmlns="" w="9525">
+                <a14:hiddenLine xmlns="" xmlns:a14="http://schemas.microsoft.com/office/drawing/2010/main" w="9525">
                   <a:solidFill>
                     <a:srgbClr val="000000"/>
                   </a:solidFill>
@@ -1303,7 +1308,7 @@
             </a:ln>
             <a:extLst>
               <a:ext uri="{91240B29-F687-4f45-9708-019B960494DF}">
-                <a14:hiddenLine xmlns:a14="http://schemas.microsoft.com/office/drawing/2010/main" xmlns="" w="9525">
+                <a14:hiddenLine xmlns="" xmlns:a14="http://schemas.microsoft.com/office/drawing/2010/main" w="9525">
                   <a:solidFill>
                     <a:srgbClr val="000000"/>
                   </a:solidFill>
@@ -1393,7 +1398,7 @@
             </a:ln>
             <a:extLst>
               <a:ext uri="{91240B29-F687-4f45-9708-019B960494DF}">
-                <a14:hiddenLine xmlns:a14="http://schemas.microsoft.com/office/drawing/2010/main" xmlns="" w="9525">
+                <a14:hiddenLine xmlns="" xmlns:a14="http://schemas.microsoft.com/office/drawing/2010/main" w="9525">
                   <a:solidFill>
                     <a:srgbClr val="000000"/>
                   </a:solidFill>
@@ -1483,7 +1488,7 @@
             </a:ln>
             <a:extLst>
               <a:ext uri="{91240B29-F687-4f45-9708-019B960494DF}">
-                <a14:hiddenLine xmlns:a14="http://schemas.microsoft.com/office/drawing/2010/main" xmlns="" w="9525">
+                <a14:hiddenLine xmlns="" xmlns:a14="http://schemas.microsoft.com/office/drawing/2010/main" w="9525">
                   <a:solidFill>
                     <a:srgbClr val="000000"/>
                   </a:solidFill>
@@ -1545,7 +1550,7 @@
             </a:ln>
             <a:extLst>
               <a:ext uri="{91240B29-F687-4f45-9708-019B960494DF}">
-                <a14:hiddenLine xmlns:a14="http://schemas.microsoft.com/office/drawing/2010/main" xmlns="" w="9525">
+                <a14:hiddenLine xmlns="" xmlns:a14="http://schemas.microsoft.com/office/drawing/2010/main" w="9525">
                   <a:solidFill>
                     <a:srgbClr val="000000"/>
                   </a:solidFill>
@@ -1635,7 +1640,7 @@
             </a:ln>
             <a:extLst>
               <a:ext uri="{91240B29-F687-4f45-9708-019B960494DF}">
-                <a14:hiddenLine xmlns:a14="http://schemas.microsoft.com/office/drawing/2010/main" xmlns="" w="9525">
+                <a14:hiddenLine xmlns="" xmlns:a14="http://schemas.microsoft.com/office/drawing/2010/main" w="9525">
                   <a:solidFill>
                     <a:srgbClr val="000000"/>
                   </a:solidFill>
@@ -1725,7 +1730,7 @@
             </a:ln>
             <a:extLst>
               <a:ext uri="{91240B29-F687-4f45-9708-019B960494DF}">
-                <a14:hiddenLine xmlns:a14="http://schemas.microsoft.com/office/drawing/2010/main" xmlns="" w="9525">
+                <a14:hiddenLine xmlns="" xmlns:a14="http://schemas.microsoft.com/office/drawing/2010/main" w="9525">
                   <a:solidFill>
                     <a:srgbClr val="000000"/>
                   </a:solidFill>
@@ -1781,7 +1786,7 @@
             </a:ln>
             <a:extLst>
               <a:ext uri="{91240B29-F687-4f45-9708-019B960494DF}">
-                <a14:hiddenLine xmlns:a14="http://schemas.microsoft.com/office/drawing/2010/main" xmlns="" w="9525">
+                <a14:hiddenLine xmlns="" xmlns:a14="http://schemas.microsoft.com/office/drawing/2010/main" w="9525">
                   <a:solidFill>
                     <a:srgbClr val="000000"/>
                   </a:solidFill>
@@ -1871,7 +1876,7 @@
             </a:ln>
             <a:extLst>
               <a:ext uri="{91240B29-F687-4f45-9708-019B960494DF}">
-                <a14:hiddenLine xmlns:a14="http://schemas.microsoft.com/office/drawing/2010/main" xmlns="" w="9525">
+                <a14:hiddenLine xmlns="" xmlns:a14="http://schemas.microsoft.com/office/drawing/2010/main" w="9525">
                   <a:solidFill>
                     <a:srgbClr val="000000"/>
                   </a:solidFill>
@@ -1927,7 +1932,7 @@
             </a:ln>
             <a:extLst>
               <a:ext uri="{91240B29-F687-4f45-9708-019B960494DF}">
-                <a14:hiddenLine xmlns:a14="http://schemas.microsoft.com/office/drawing/2010/main" xmlns="" w="9525">
+                <a14:hiddenLine xmlns="" xmlns:a14="http://schemas.microsoft.com/office/drawing/2010/main" w="9525">
                   <a:solidFill>
                     <a:srgbClr val="000000"/>
                   </a:solidFill>
@@ -2017,7 +2022,7 @@
             </a:ln>
             <a:extLst>
               <a:ext uri="{91240B29-F687-4f45-9708-019B960494DF}">
-                <a14:hiddenLine xmlns:a14="http://schemas.microsoft.com/office/drawing/2010/main" xmlns="" w="9525">
+                <a14:hiddenLine xmlns="" xmlns:a14="http://schemas.microsoft.com/office/drawing/2010/main" w="9525">
                   <a:solidFill>
                     <a:srgbClr val="000000"/>
                   </a:solidFill>
@@ -2085,7 +2090,7 @@
             </a:ln>
             <a:extLst>
               <a:ext uri="{91240B29-F687-4f45-9708-019B960494DF}">
-                <a14:hiddenLine xmlns:a14="http://schemas.microsoft.com/office/drawing/2010/main" xmlns="" w="9525">
+                <a14:hiddenLine xmlns="" xmlns:a14="http://schemas.microsoft.com/office/drawing/2010/main" w="9525">
                   <a:solidFill>
                     <a:srgbClr val="000000"/>
                   </a:solidFill>
@@ -2175,7 +2180,7 @@
             </a:ln>
             <a:extLst>
               <a:ext uri="{91240B29-F687-4f45-9708-019B960494DF}">
-                <a14:hiddenLine xmlns:a14="http://schemas.microsoft.com/office/drawing/2010/main" xmlns="" w="9525">
+                <a14:hiddenLine xmlns="" xmlns:a14="http://schemas.microsoft.com/office/drawing/2010/main" w="9525">
                   <a:solidFill>
                     <a:srgbClr val="000000"/>
                   </a:solidFill>
@@ -2243,7 +2248,7 @@
             </a:ln>
             <a:extLst>
               <a:ext uri="{91240B29-F687-4f45-9708-019B960494DF}">
-                <a14:hiddenLine xmlns:a14="http://schemas.microsoft.com/office/drawing/2010/main" xmlns="" w="9525">
+                <a14:hiddenLine xmlns="" xmlns:a14="http://schemas.microsoft.com/office/drawing/2010/main" w="9525">
                   <a:solidFill>
                     <a:srgbClr val="000000"/>
                   </a:solidFill>
@@ -2333,7 +2338,7 @@
             </a:ln>
             <a:extLst>
               <a:ext uri="{91240B29-F687-4f45-9708-019B960494DF}">
-                <a14:hiddenLine xmlns:a14="http://schemas.microsoft.com/office/drawing/2010/main" xmlns="" w="9525">
+                <a14:hiddenLine xmlns="" xmlns:a14="http://schemas.microsoft.com/office/drawing/2010/main" w="9525">
                   <a:solidFill>
                     <a:srgbClr val="000000"/>
                   </a:solidFill>
@@ -2367,7 +2372,7 @@
             </a:ln>
             <a:extLst>
               <a:ext uri="{91240B29-F687-4f45-9708-019B960494DF}">
-                <a14:hiddenLine xmlns:a14="http://schemas.microsoft.com/office/drawing/2010/main" xmlns="" w="9525">
+                <a14:hiddenLine xmlns="" xmlns:a14="http://schemas.microsoft.com/office/drawing/2010/main" w="9525">
                   <a:solidFill>
                     <a:srgbClr val="000000"/>
                   </a:solidFill>
@@ -2457,7 +2462,7 @@
             </a:ln>
             <a:extLst>
               <a:ext uri="{91240B29-F687-4f45-9708-019B960494DF}">
-                <a14:hiddenLine xmlns:a14="http://schemas.microsoft.com/office/drawing/2010/main" xmlns="" w="9525">
+                <a14:hiddenLine xmlns="" xmlns:a14="http://schemas.microsoft.com/office/drawing/2010/main" w="9525">
                   <a:solidFill>
                     <a:srgbClr val="000000"/>
                   </a:solidFill>
@@ -2519,7 +2524,7 @@
             </a:ln>
             <a:extLst>
               <a:ext uri="{91240B29-F687-4f45-9708-019B960494DF}">
-                <a14:hiddenLine xmlns:a14="http://schemas.microsoft.com/office/drawing/2010/main" xmlns="" w="9525">
+                <a14:hiddenLine xmlns="" xmlns:a14="http://schemas.microsoft.com/office/drawing/2010/main" w="9525">
                   <a:solidFill>
                     <a:srgbClr val="000000"/>
                   </a:solidFill>
@@ -2581,7 +2586,7 @@
             </a:ln>
             <a:extLst>
               <a:ext uri="{91240B29-F687-4f45-9708-019B960494DF}">
-                <a14:hiddenLine xmlns:a14="http://schemas.microsoft.com/office/drawing/2010/main" xmlns="" w="9525">
+                <a14:hiddenLine xmlns="" xmlns:a14="http://schemas.microsoft.com/office/drawing/2010/main" w="9525">
                   <a:solidFill>
                     <a:srgbClr val="000000"/>
                   </a:solidFill>
@@ -2671,7 +2676,7 @@
             </a:ln>
             <a:extLst>
               <a:ext uri="{91240B29-F687-4f45-9708-019B960494DF}">
-                <a14:hiddenLine xmlns:a14="http://schemas.microsoft.com/office/drawing/2010/main" xmlns="" w="9525">
+                <a14:hiddenLine xmlns="" xmlns:a14="http://schemas.microsoft.com/office/drawing/2010/main" w="9525">
                   <a:solidFill>
                     <a:srgbClr val="000000"/>
                   </a:solidFill>
@@ -2739,7 +2744,7 @@
             </a:ln>
             <a:extLst>
               <a:ext uri="{91240B29-F687-4f45-9708-019B960494DF}">
-                <a14:hiddenLine xmlns:a14="http://schemas.microsoft.com/office/drawing/2010/main" xmlns="" w="9525">
+                <a14:hiddenLine xmlns="" xmlns:a14="http://schemas.microsoft.com/office/drawing/2010/main" w="9525">
                   <a:solidFill>
                     <a:srgbClr val="000000"/>
                   </a:solidFill>
@@ -2801,7 +2806,7 @@
             </a:ln>
             <a:extLst>
               <a:ext uri="{91240B29-F687-4f45-9708-019B960494DF}">
-                <a14:hiddenLine xmlns:a14="http://schemas.microsoft.com/office/drawing/2010/main" xmlns="" w="9525">
+                <a14:hiddenLine xmlns="" xmlns:a14="http://schemas.microsoft.com/office/drawing/2010/main" w="9525">
                   <a:solidFill>
                     <a:srgbClr val="000000"/>
                   </a:solidFill>
@@ -2891,7 +2896,7 @@
             </a:ln>
             <a:extLst>
               <a:ext uri="{91240B29-F687-4f45-9708-019B960494DF}">
-                <a14:hiddenLine xmlns:a14="http://schemas.microsoft.com/office/drawing/2010/main" xmlns="" w="9525">
+                <a14:hiddenLine xmlns="" xmlns:a14="http://schemas.microsoft.com/office/drawing/2010/main" w="9525">
                   <a:solidFill>
                     <a:srgbClr val="000000"/>
                   </a:solidFill>
@@ -2953,7 +2958,7 @@
             </a:ln>
             <a:extLst>
               <a:ext uri="{91240B29-F687-4f45-9708-019B960494DF}">
-                <a14:hiddenLine xmlns:a14="http://schemas.microsoft.com/office/drawing/2010/main" xmlns="" w="9525">
+                <a14:hiddenLine xmlns="" xmlns:a14="http://schemas.microsoft.com/office/drawing/2010/main" w="9525">
                   <a:solidFill>
                     <a:srgbClr val="000000"/>
                   </a:solidFill>
@@ -3043,7 +3048,7 @@
             </a:ln>
             <a:extLst>
               <a:ext uri="{91240B29-F687-4f45-9708-019B960494DF}">
-                <a14:hiddenLine xmlns:a14="http://schemas.microsoft.com/office/drawing/2010/main" xmlns="" w="9525">
+                <a14:hiddenLine xmlns="" xmlns:a14="http://schemas.microsoft.com/office/drawing/2010/main" w="9525">
                   <a:solidFill>
                     <a:srgbClr val="000000"/>
                   </a:solidFill>
@@ -3105,7 +3110,7 @@
             </a:ln>
             <a:extLst>
               <a:ext uri="{91240B29-F687-4f45-9708-019B960494DF}">
-                <a14:hiddenLine xmlns:a14="http://schemas.microsoft.com/office/drawing/2010/main" xmlns="" w="9525">
+                <a14:hiddenLine xmlns="" xmlns:a14="http://schemas.microsoft.com/office/drawing/2010/main" w="9525">
                   <a:solidFill>
                     <a:srgbClr val="000000"/>
                   </a:solidFill>
@@ -3195,7 +3200,7 @@
             </a:ln>
             <a:extLst>
               <a:ext uri="{91240B29-F687-4f45-9708-019B960494DF}">
-                <a14:hiddenLine xmlns:a14="http://schemas.microsoft.com/office/drawing/2010/main" xmlns="" w="9525">
+                <a14:hiddenLine xmlns="" xmlns:a14="http://schemas.microsoft.com/office/drawing/2010/main" w="9525">
                   <a:solidFill>
                     <a:srgbClr val="000000"/>
                   </a:solidFill>
@@ -3229,7 +3234,7 @@
             </a:ln>
             <a:extLst>
               <a:ext uri="{91240B29-F687-4f45-9708-019B960494DF}">
-                <a14:hiddenLine xmlns:a14="http://schemas.microsoft.com/office/drawing/2010/main" xmlns="" w="9525">
+                <a14:hiddenLine xmlns="" xmlns:a14="http://schemas.microsoft.com/office/drawing/2010/main" w="9525">
                   <a:solidFill>
                     <a:srgbClr val="000000"/>
                   </a:solidFill>
@@ -3294,7 +3299,7 @@
             </a:ln>
             <a:extLst>
               <a:ext uri="{91240B29-F687-4f45-9708-019B960494DF}">
-                <a14:hiddenLine xmlns:a14="http://schemas.microsoft.com/office/drawing/2010/main" xmlns="" w="9525">
+                <a14:hiddenLine xmlns="" xmlns:a14="http://schemas.microsoft.com/office/drawing/2010/main" w="9525">
                   <a:solidFill>
                     <a:srgbClr val="000000"/>
                   </a:solidFill>
@@ -3384,7 +3389,7 @@
             </a:ln>
             <a:extLst>
               <a:ext uri="{91240B29-F687-4f45-9708-019B960494DF}">
-                <a14:hiddenLine xmlns:a14="http://schemas.microsoft.com/office/drawing/2010/main" xmlns="" w="9525">
+                <a14:hiddenLine xmlns="" xmlns:a14="http://schemas.microsoft.com/office/drawing/2010/main" w="9525">
                   <a:solidFill>
                     <a:srgbClr val="000000"/>
                   </a:solidFill>
@@ -3446,7 +3451,7 @@
             </a:ln>
             <a:extLst>
               <a:ext uri="{91240B29-F687-4f45-9708-019B960494DF}">
-                <a14:hiddenLine xmlns:a14="http://schemas.microsoft.com/office/drawing/2010/main" xmlns="" w="9525">
+                <a14:hiddenLine xmlns="" xmlns:a14="http://schemas.microsoft.com/office/drawing/2010/main" w="9525">
                   <a:solidFill>
                     <a:srgbClr val="000000"/>
                   </a:solidFill>
@@ -3536,7 +3541,7 @@
             </a:ln>
             <a:extLst>
               <a:ext uri="{91240B29-F687-4f45-9708-019B960494DF}">
-                <a14:hiddenLine xmlns:a14="http://schemas.microsoft.com/office/drawing/2010/main" xmlns="" w="9525">
+                <a14:hiddenLine xmlns="" xmlns:a14="http://schemas.microsoft.com/office/drawing/2010/main" w="9525">
                   <a:solidFill>
                     <a:srgbClr val="000000"/>
                   </a:solidFill>
@@ -3626,7 +3631,7 @@
             </a:ln>
             <a:extLst>
               <a:ext uri="{91240B29-F687-4f45-9708-019B960494DF}">
-                <a14:hiddenLine xmlns:a14="http://schemas.microsoft.com/office/drawing/2010/main" xmlns="" w="9525">
+                <a14:hiddenLine xmlns="" xmlns:a14="http://schemas.microsoft.com/office/drawing/2010/main" w="9525">
                   <a:solidFill>
                     <a:srgbClr val="000000"/>
                   </a:solidFill>
@@ -3691,7 +3696,7 @@
             </a:ln>
             <a:extLst>
               <a:ext uri="{91240B29-F687-4f45-9708-019B960494DF}">
-                <a14:hiddenLine xmlns:a14="http://schemas.microsoft.com/office/drawing/2010/main" xmlns="" w="9525">
+                <a14:hiddenLine xmlns="" xmlns:a14="http://schemas.microsoft.com/office/drawing/2010/main" w="9525">
                   <a:solidFill>
                     <a:srgbClr val="000000"/>
                   </a:solidFill>
@@ -3753,7 +3758,7 @@
             </a:ln>
             <a:extLst>
               <a:ext uri="{91240B29-F687-4f45-9708-019B960494DF}">
-                <a14:hiddenLine xmlns:a14="http://schemas.microsoft.com/office/drawing/2010/main" xmlns="" w="9525">
+                <a14:hiddenLine xmlns="" xmlns:a14="http://schemas.microsoft.com/office/drawing/2010/main" w="9525">
                   <a:solidFill>
                     <a:srgbClr val="000000"/>
                   </a:solidFill>
@@ -3843,7 +3848,7 @@
             </a:ln>
             <a:extLst>
               <a:ext uri="{91240B29-F687-4f45-9708-019B960494DF}">
-                <a14:hiddenLine xmlns:a14="http://schemas.microsoft.com/office/drawing/2010/main" xmlns="" w="9525">
+                <a14:hiddenLine xmlns="" xmlns:a14="http://schemas.microsoft.com/office/drawing/2010/main" w="9525">
                   <a:solidFill>
                     <a:srgbClr val="000000"/>
                   </a:solidFill>
@@ -3933,7 +3938,7 @@
             </a:ln>
             <a:extLst>
               <a:ext uri="{91240B29-F687-4f45-9708-019B960494DF}">
-                <a14:hiddenLine xmlns:a14="http://schemas.microsoft.com/office/drawing/2010/main" xmlns="" w="9525">
+                <a14:hiddenLine xmlns="" xmlns:a14="http://schemas.microsoft.com/office/drawing/2010/main" w="9525">
                   <a:solidFill>
                     <a:srgbClr val="000000"/>
                   </a:solidFill>
@@ -3995,7 +4000,7 @@
             </a:ln>
             <a:extLst>
               <a:ext uri="{91240B29-F687-4f45-9708-019B960494DF}">
-                <a14:hiddenLine xmlns:a14="http://schemas.microsoft.com/office/drawing/2010/main" xmlns="" w="9525">
+                <a14:hiddenLine xmlns="" xmlns:a14="http://schemas.microsoft.com/office/drawing/2010/main" w="9525">
                   <a:solidFill>
                     <a:srgbClr val="000000"/>
                   </a:solidFill>
@@ -4115,7 +4120,7 @@
             </a:ln>
             <a:extLst>
               <a:ext uri="{91240B29-F687-4f45-9708-019B960494DF}">
-                <a14:hiddenLine xmlns:a14="http://schemas.microsoft.com/office/drawing/2010/main" xmlns="" w="9525">
+                <a14:hiddenLine xmlns="" xmlns:a14="http://schemas.microsoft.com/office/drawing/2010/main" w="9525">
                   <a:solidFill>
                     <a:srgbClr val="000000"/>
                   </a:solidFill>
@@ -4183,7 +4188,7 @@
             </a:ln>
             <a:extLst>
               <a:ext uri="{91240B29-F687-4f45-9708-019B960494DF}">
-                <a14:hiddenLine xmlns:a14="http://schemas.microsoft.com/office/drawing/2010/main" xmlns="" w="9525">
+                <a14:hiddenLine xmlns="" xmlns:a14="http://schemas.microsoft.com/office/drawing/2010/main" w="9525">
                   <a:solidFill>
                     <a:srgbClr val="000000"/>
                   </a:solidFill>
@@ -4273,7 +4278,7 @@
             </a:ln>
             <a:extLst>
               <a:ext uri="{91240B29-F687-4f45-9708-019B960494DF}">
-                <a14:hiddenLine xmlns:a14="http://schemas.microsoft.com/office/drawing/2010/main" xmlns="" w="9525">
+                <a14:hiddenLine xmlns="" xmlns:a14="http://schemas.microsoft.com/office/drawing/2010/main" w="9525">
                   <a:solidFill>
                     <a:srgbClr val="000000"/>
                   </a:solidFill>
@@ -4413,7 +4418,7 @@
           <a:p>
             <a:fld id="{87FDB585-DADA-4BA1-A1E3-BDF1D32E1A94}" type="datetimeFigureOut">
               <a:rPr lang="en-GB" smtClean="0"/>
-              <a:t>21/05/2015</a:t>
+              <a:t>22/05/2015</a:t>
             </a:fld>
             <a:endParaRPr lang="en-GB"/>
           </a:p>
@@ -4680,7 +4685,7 @@
           <a:p>
             <a:fld id="{87FDB585-DADA-4BA1-A1E3-BDF1D32E1A94}" type="datetimeFigureOut">
               <a:rPr lang="en-GB" smtClean="0"/>
-              <a:t>21/05/2015</a:t>
+              <a:t>22/05/2015</a:t>
             </a:fld>
             <a:endParaRPr lang="en-GB"/>
           </a:p>
@@ -4876,7 +4881,7 @@
           <a:p>
             <a:fld id="{87FDB585-DADA-4BA1-A1E3-BDF1D32E1A94}" type="datetimeFigureOut">
               <a:rPr lang="en-GB" smtClean="0"/>
-              <a:t>21/05/2015</a:t>
+              <a:t>22/05/2015</a:t>
             </a:fld>
             <a:endParaRPr lang="en-GB"/>
           </a:p>
@@ -5139,7 +5144,7 @@
           <a:p>
             <a:fld id="{87FDB585-DADA-4BA1-A1E3-BDF1D32E1A94}" type="datetimeFigureOut">
               <a:rPr lang="en-GB" smtClean="0"/>
-              <a:t>21/05/2015</a:t>
+              <a:t>22/05/2015</a:t>
             </a:fld>
             <a:endParaRPr lang="en-GB"/>
           </a:p>
@@ -5573,7 +5578,7 @@
           <a:p>
             <a:fld id="{87FDB585-DADA-4BA1-A1E3-BDF1D32E1A94}" type="datetimeFigureOut">
               <a:rPr lang="en-GB" smtClean="0"/>
-              <a:t>21/05/2015</a:t>
+              <a:t>22/05/2015</a:t>
             </a:fld>
             <a:endParaRPr lang="en-GB"/>
           </a:p>
@@ -6119,7 +6124,7 @@
           <a:p>
             <a:fld id="{87FDB585-DADA-4BA1-A1E3-BDF1D32E1A94}" type="datetimeFigureOut">
               <a:rPr lang="en-GB" smtClean="0"/>
-              <a:t>21/05/2015</a:t>
+              <a:t>22/05/2015</a:t>
             </a:fld>
             <a:endParaRPr lang="en-GB"/>
           </a:p>
@@ -6839,7 +6844,7 @@
           <a:p>
             <a:fld id="{87FDB585-DADA-4BA1-A1E3-BDF1D32E1A94}" type="datetimeFigureOut">
               <a:rPr lang="en-GB" smtClean="0"/>
-              <a:t>21/05/2015</a:t>
+              <a:t>22/05/2015</a:t>
             </a:fld>
             <a:endParaRPr lang="en-GB"/>
           </a:p>
@@ -7009,7 +7014,7 @@
           <a:p>
             <a:fld id="{87FDB585-DADA-4BA1-A1E3-BDF1D32E1A94}" type="datetimeFigureOut">
               <a:rPr lang="en-GB" smtClean="0"/>
-              <a:t>21/05/2015</a:t>
+              <a:t>22/05/2015</a:t>
             </a:fld>
             <a:endParaRPr lang="en-GB"/>
           </a:p>
@@ -7189,7 +7194,7 @@
           <a:p>
             <a:fld id="{87FDB585-DADA-4BA1-A1E3-BDF1D32E1A94}" type="datetimeFigureOut">
               <a:rPr lang="en-GB" smtClean="0"/>
-              <a:t>21/05/2015</a:t>
+              <a:t>22/05/2015</a:t>
             </a:fld>
             <a:endParaRPr lang="en-GB"/>
           </a:p>
@@ -7359,7 +7364,7 @@
           <a:p>
             <a:fld id="{87FDB585-DADA-4BA1-A1E3-BDF1D32E1A94}" type="datetimeFigureOut">
               <a:rPr lang="en-GB" smtClean="0"/>
-              <a:t>21/05/2015</a:t>
+              <a:t>22/05/2015</a:t>
             </a:fld>
             <a:endParaRPr lang="en-GB"/>
           </a:p>
@@ -7609,7 +7614,7 @@
           <a:p>
             <a:fld id="{87FDB585-DADA-4BA1-A1E3-BDF1D32E1A94}" type="datetimeFigureOut">
               <a:rPr lang="en-GB" smtClean="0"/>
-              <a:t>21/05/2015</a:t>
+              <a:t>22/05/2015</a:t>
             </a:fld>
             <a:endParaRPr lang="en-GB"/>
           </a:p>
@@ -7841,7 +7846,7 @@
           <a:p>
             <a:fld id="{87FDB585-DADA-4BA1-A1E3-BDF1D32E1A94}" type="datetimeFigureOut">
               <a:rPr lang="en-GB" smtClean="0"/>
-              <a:t>21/05/2015</a:t>
+              <a:t>22/05/2015</a:t>
             </a:fld>
             <a:endParaRPr lang="en-GB"/>
           </a:p>
@@ -8222,7 +8227,7 @@
           <a:p>
             <a:fld id="{87FDB585-DADA-4BA1-A1E3-BDF1D32E1A94}" type="datetimeFigureOut">
               <a:rPr lang="en-GB" smtClean="0"/>
-              <a:t>21/05/2015</a:t>
+              <a:t>22/05/2015</a:t>
             </a:fld>
             <a:endParaRPr lang="en-GB"/>
           </a:p>
@@ -8340,7 +8345,7 @@
           <a:p>
             <a:fld id="{87FDB585-DADA-4BA1-A1E3-BDF1D32E1A94}" type="datetimeFigureOut">
               <a:rPr lang="en-GB" smtClean="0"/>
-              <a:t>21/05/2015</a:t>
+              <a:t>22/05/2015</a:t>
             </a:fld>
             <a:endParaRPr lang="en-GB"/>
           </a:p>
@@ -8435,7 +8440,7 @@
           <a:p>
             <a:fld id="{87FDB585-DADA-4BA1-A1E3-BDF1D32E1A94}" type="datetimeFigureOut">
               <a:rPr lang="en-GB" smtClean="0"/>
-              <a:t>21/05/2015</a:t>
+              <a:t>22/05/2015</a:t>
             </a:fld>
             <a:endParaRPr lang="en-GB"/>
           </a:p>
@@ -8684,7 +8689,7 @@
           <a:p>
             <a:fld id="{87FDB585-DADA-4BA1-A1E3-BDF1D32E1A94}" type="datetimeFigureOut">
               <a:rPr lang="en-GB" smtClean="0"/>
-              <a:t>21/05/2015</a:t>
+              <a:t>22/05/2015</a:t>
             </a:fld>
             <a:endParaRPr lang="en-GB"/>
           </a:p>
@@ -8964,7 +8969,7 @@
           <a:p>
             <a:fld id="{87FDB585-DADA-4BA1-A1E3-BDF1D32E1A94}" type="datetimeFigureOut">
               <a:rPr lang="en-GB" smtClean="0"/>
-              <a:t>21/05/2015</a:t>
+              <a:t>22/05/2015</a:t>
             </a:fld>
             <a:endParaRPr lang="en-GB"/>
           </a:p>
@@ -9087,7 +9092,7 @@
           <a:noFill/>
           <a:extLst>
             <a:ext uri="{909E8E84-426E-40dd-AFC4-6F175D3DCCD1}">
-              <a14:hiddenFill xmlns:a14="http://schemas.microsoft.com/office/drawing/2010/main" xmlns="">
+              <a14:hiddenFill xmlns="" xmlns:a14="http://schemas.microsoft.com/office/drawing/2010/main">
                 <a:solidFill>
                   <a:srgbClr val="FFFFFF"/>
                 </a:solidFill>
@@ -9161,7 +9166,7 @@
               </a:ln>
               <a:extLst>
                 <a:ext uri="{91240B29-F687-4f45-9708-019B960494DF}">
-                  <a14:hiddenLine xmlns:a14="http://schemas.microsoft.com/office/drawing/2010/main" xmlns="" w="9525">
+                  <a14:hiddenLine xmlns="" xmlns:a14="http://schemas.microsoft.com/office/drawing/2010/main" w="9525">
                     <a:solidFill>
                       <a:srgbClr val="000000"/>
                     </a:solidFill>
@@ -9251,7 +9256,7 @@
               </a:ln>
               <a:extLst>
                 <a:ext uri="{91240B29-F687-4f45-9708-019B960494DF}">
-                  <a14:hiddenLine xmlns:a14="http://schemas.microsoft.com/office/drawing/2010/main" xmlns="" w="9525">
+                  <a14:hiddenLine xmlns="" xmlns:a14="http://schemas.microsoft.com/office/drawing/2010/main" w="9525">
                     <a:solidFill>
                       <a:srgbClr val="000000"/>
                     </a:solidFill>
@@ -9341,7 +9346,7 @@
               </a:ln>
               <a:extLst>
                 <a:ext uri="{91240B29-F687-4f45-9708-019B960494DF}">
-                  <a14:hiddenLine xmlns:a14="http://schemas.microsoft.com/office/drawing/2010/main" xmlns="" w="9525">
+                  <a14:hiddenLine xmlns="" xmlns:a14="http://schemas.microsoft.com/office/drawing/2010/main" w="9525">
                     <a:solidFill>
                       <a:srgbClr val="000000"/>
                     </a:solidFill>
@@ -9403,7 +9408,7 @@
               </a:ln>
               <a:extLst>
                 <a:ext uri="{91240B29-F687-4f45-9708-019B960494DF}">
-                  <a14:hiddenLine xmlns:a14="http://schemas.microsoft.com/office/drawing/2010/main" xmlns="" w="9525">
+                  <a14:hiddenLine xmlns="" xmlns:a14="http://schemas.microsoft.com/office/drawing/2010/main" w="9525">
                     <a:solidFill>
                       <a:srgbClr val="000000"/>
                     </a:solidFill>
@@ -9493,7 +9498,7 @@
               </a:ln>
               <a:extLst>
                 <a:ext uri="{91240B29-F687-4f45-9708-019B960494DF}">
-                  <a14:hiddenLine xmlns:a14="http://schemas.microsoft.com/office/drawing/2010/main" xmlns="" w="9525">
+                  <a14:hiddenLine xmlns="" xmlns:a14="http://schemas.microsoft.com/office/drawing/2010/main" w="9525">
                     <a:solidFill>
                       <a:srgbClr val="000000"/>
                     </a:solidFill>
@@ -9555,7 +9560,7 @@
               </a:ln>
               <a:extLst>
                 <a:ext uri="{91240B29-F687-4f45-9708-019B960494DF}">
-                  <a14:hiddenLine xmlns:a14="http://schemas.microsoft.com/office/drawing/2010/main" xmlns="" w="9525">
+                  <a14:hiddenLine xmlns="" xmlns:a14="http://schemas.microsoft.com/office/drawing/2010/main" w="9525">
                     <a:solidFill>
                       <a:srgbClr val="000000"/>
                     </a:solidFill>
@@ -9617,7 +9622,7 @@
               </a:ln>
               <a:extLst>
                 <a:ext uri="{91240B29-F687-4f45-9708-019B960494DF}">
-                  <a14:hiddenLine xmlns:a14="http://schemas.microsoft.com/office/drawing/2010/main" xmlns="" w="9525">
+                  <a14:hiddenLine xmlns="" xmlns:a14="http://schemas.microsoft.com/office/drawing/2010/main" w="9525">
                     <a:solidFill>
                       <a:srgbClr val="000000"/>
                     </a:solidFill>
@@ -9707,7 +9712,7 @@
               </a:ln>
               <a:extLst>
                 <a:ext uri="{91240B29-F687-4f45-9708-019B960494DF}">
-                  <a14:hiddenLine xmlns:a14="http://schemas.microsoft.com/office/drawing/2010/main" xmlns="" w="9525">
+                  <a14:hiddenLine xmlns="" xmlns:a14="http://schemas.microsoft.com/office/drawing/2010/main" w="9525">
                     <a:solidFill>
                       <a:srgbClr val="000000"/>
                     </a:solidFill>
@@ -9797,7 +9802,7 @@
               </a:ln>
               <a:extLst>
                 <a:ext uri="{91240B29-F687-4f45-9708-019B960494DF}">
-                  <a14:hiddenLine xmlns:a14="http://schemas.microsoft.com/office/drawing/2010/main" xmlns="" w="9525">
+                  <a14:hiddenLine xmlns="" xmlns:a14="http://schemas.microsoft.com/office/drawing/2010/main" w="9525">
                     <a:solidFill>
                       <a:srgbClr val="000000"/>
                     </a:solidFill>
@@ -9859,7 +9864,7 @@
               </a:ln>
               <a:extLst>
                 <a:ext uri="{91240B29-F687-4f45-9708-019B960494DF}">
-                  <a14:hiddenLine xmlns:a14="http://schemas.microsoft.com/office/drawing/2010/main" xmlns="" w="9525">
+                  <a14:hiddenLine xmlns="" xmlns:a14="http://schemas.microsoft.com/office/drawing/2010/main" w="9525">
                     <a:solidFill>
                       <a:srgbClr val="000000"/>
                     </a:solidFill>
@@ -9969,7 +9974,7 @@
               </a:ln>
               <a:extLst>
                 <a:ext uri="{91240B29-F687-4f45-9708-019B960494DF}">
-                  <a14:hiddenLine xmlns:a14="http://schemas.microsoft.com/office/drawing/2010/main" xmlns="" w="9525">
+                  <a14:hiddenLine xmlns="" xmlns:a14="http://schemas.microsoft.com/office/drawing/2010/main" w="9525">
                     <a:solidFill>
                       <a:srgbClr val="000000"/>
                     </a:solidFill>
@@ -10053,7 +10058,7 @@
               </a:ln>
               <a:extLst>
                 <a:ext uri="{91240B29-F687-4f45-9708-019B960494DF}">
-                  <a14:hiddenLine xmlns:a14="http://schemas.microsoft.com/office/drawing/2010/main" xmlns="" w="9525">
+                  <a14:hiddenLine xmlns="" xmlns:a14="http://schemas.microsoft.com/office/drawing/2010/main" w="9525">
                     <a:solidFill>
                       <a:srgbClr val="000000"/>
                     </a:solidFill>
@@ -10115,7 +10120,7 @@
               </a:ln>
               <a:extLst>
                 <a:ext uri="{91240B29-F687-4f45-9708-019B960494DF}">
-                  <a14:hiddenLine xmlns:a14="http://schemas.microsoft.com/office/drawing/2010/main" xmlns="" w="9525">
+                  <a14:hiddenLine xmlns="" xmlns:a14="http://schemas.microsoft.com/office/drawing/2010/main" w="9525">
                     <a:solidFill>
                       <a:srgbClr val="000000"/>
                     </a:solidFill>
@@ -10177,7 +10182,7 @@
               </a:ln>
               <a:extLst>
                 <a:ext uri="{91240B29-F687-4f45-9708-019B960494DF}">
-                  <a14:hiddenLine xmlns:a14="http://schemas.microsoft.com/office/drawing/2010/main" xmlns="" w="9525">
+                  <a14:hiddenLine xmlns="" xmlns:a14="http://schemas.microsoft.com/office/drawing/2010/main" w="9525">
                     <a:solidFill>
                       <a:srgbClr val="000000"/>
                     </a:solidFill>
@@ -10267,7 +10272,7 @@
               </a:ln>
               <a:extLst>
                 <a:ext uri="{91240B29-F687-4f45-9708-019B960494DF}">
-                  <a14:hiddenLine xmlns:a14="http://schemas.microsoft.com/office/drawing/2010/main" xmlns="" w="9525">
+                  <a14:hiddenLine xmlns="" xmlns:a14="http://schemas.microsoft.com/office/drawing/2010/main" w="9525">
                     <a:solidFill>
                       <a:srgbClr val="000000"/>
                     </a:solidFill>
@@ -10301,7 +10306,7 @@
               </a:ln>
               <a:extLst>
                 <a:ext uri="{91240B29-F687-4f45-9708-019B960494DF}">
-                  <a14:hiddenLine xmlns:a14="http://schemas.microsoft.com/office/drawing/2010/main" xmlns="" w="9525">
+                  <a14:hiddenLine xmlns="" xmlns:a14="http://schemas.microsoft.com/office/drawing/2010/main" w="9525">
                     <a:solidFill>
                       <a:srgbClr val="000000"/>
                     </a:solidFill>
@@ -10366,7 +10371,7 @@
               </a:ln>
               <a:extLst>
                 <a:ext uri="{91240B29-F687-4f45-9708-019B960494DF}">
-                  <a14:hiddenLine xmlns:a14="http://schemas.microsoft.com/office/drawing/2010/main" xmlns="" w="9525">
+                  <a14:hiddenLine xmlns="" xmlns:a14="http://schemas.microsoft.com/office/drawing/2010/main" w="9525">
                     <a:solidFill>
                       <a:srgbClr val="000000"/>
                     </a:solidFill>
@@ -10456,7 +10461,7 @@
               </a:ln>
               <a:extLst>
                 <a:ext uri="{91240B29-F687-4f45-9708-019B960494DF}">
-                  <a14:hiddenLine xmlns:a14="http://schemas.microsoft.com/office/drawing/2010/main" xmlns="" w="9525">
+                  <a14:hiddenLine xmlns="" xmlns:a14="http://schemas.microsoft.com/office/drawing/2010/main" w="9525">
                     <a:solidFill>
                       <a:srgbClr val="000000"/>
                     </a:solidFill>
@@ -10518,7 +10523,7 @@
               </a:ln>
               <a:extLst>
                 <a:ext uri="{91240B29-F687-4f45-9708-019B960494DF}">
-                  <a14:hiddenLine xmlns:a14="http://schemas.microsoft.com/office/drawing/2010/main" xmlns="" w="9525">
+                  <a14:hiddenLine xmlns="" xmlns:a14="http://schemas.microsoft.com/office/drawing/2010/main" w="9525">
                     <a:solidFill>
                       <a:srgbClr val="000000"/>
                     </a:solidFill>
@@ -10608,7 +10613,7 @@
               </a:ln>
               <a:extLst>
                 <a:ext uri="{91240B29-F687-4f45-9708-019B960494DF}">
-                  <a14:hiddenLine xmlns:a14="http://schemas.microsoft.com/office/drawing/2010/main" xmlns="" w="9525">
+                  <a14:hiddenLine xmlns="" xmlns:a14="http://schemas.microsoft.com/office/drawing/2010/main" w="9525">
                     <a:solidFill>
                       <a:srgbClr val="000000"/>
                     </a:solidFill>
@@ -10673,7 +10678,7 @@
               </a:ln>
               <a:extLst>
                 <a:ext uri="{91240B29-F687-4f45-9708-019B960494DF}">
-                  <a14:hiddenLine xmlns:a14="http://schemas.microsoft.com/office/drawing/2010/main" xmlns="" w="9525">
+                  <a14:hiddenLine xmlns="" xmlns:a14="http://schemas.microsoft.com/office/drawing/2010/main" w="9525">
                     <a:solidFill>
                       <a:srgbClr val="000000"/>
                     </a:solidFill>
@@ -10735,7 +10740,7 @@
               </a:ln>
               <a:extLst>
                 <a:ext uri="{91240B29-F687-4f45-9708-019B960494DF}">
-                  <a14:hiddenLine xmlns:a14="http://schemas.microsoft.com/office/drawing/2010/main" xmlns="" w="9525">
+                  <a14:hiddenLine xmlns="" xmlns:a14="http://schemas.microsoft.com/office/drawing/2010/main" w="9525">
                     <a:solidFill>
                       <a:srgbClr val="000000"/>
                     </a:solidFill>
@@ -10825,7 +10830,7 @@
               </a:ln>
               <a:extLst>
                 <a:ext uri="{91240B29-F687-4f45-9708-019B960494DF}">
-                  <a14:hiddenLine xmlns:a14="http://schemas.microsoft.com/office/drawing/2010/main" xmlns="" w="9525">
+                  <a14:hiddenLine xmlns="" xmlns:a14="http://schemas.microsoft.com/office/drawing/2010/main" w="9525">
                     <a:solidFill>
                       <a:srgbClr val="000000"/>
                     </a:solidFill>
@@ -10915,7 +10920,7 @@
               </a:ln>
               <a:extLst>
                 <a:ext uri="{91240B29-F687-4f45-9708-019B960494DF}">
-                  <a14:hiddenLine xmlns:a14="http://schemas.microsoft.com/office/drawing/2010/main" xmlns="" w="9525">
+                  <a14:hiddenLine xmlns="" xmlns:a14="http://schemas.microsoft.com/office/drawing/2010/main" w="9525">
                     <a:solidFill>
                       <a:srgbClr val="000000"/>
                     </a:solidFill>
@@ -10980,7 +10985,7 @@
               </a:ln>
               <a:extLst>
                 <a:ext uri="{91240B29-F687-4f45-9708-019B960494DF}">
-                  <a14:hiddenLine xmlns:a14="http://schemas.microsoft.com/office/drawing/2010/main" xmlns="" w="9525">
+                  <a14:hiddenLine xmlns="" xmlns:a14="http://schemas.microsoft.com/office/drawing/2010/main" w="9525">
                     <a:solidFill>
                       <a:srgbClr val="000000"/>
                     </a:solidFill>
@@ -11100,7 +11105,7 @@
               </a:ln>
               <a:extLst>
                 <a:ext uri="{91240B29-F687-4f45-9708-019B960494DF}">
-                  <a14:hiddenLine xmlns:a14="http://schemas.microsoft.com/office/drawing/2010/main" xmlns="" w="9525">
+                  <a14:hiddenLine xmlns="" xmlns:a14="http://schemas.microsoft.com/office/drawing/2010/main" w="9525">
                     <a:solidFill>
                       <a:srgbClr val="000000"/>
                     </a:solidFill>
@@ -11181,7 +11186,7 @@
               </a:ln>
               <a:extLst>
                 <a:ext uri="{91240B29-F687-4f45-9708-019B960494DF}">
-                  <a14:hiddenLine xmlns:a14="http://schemas.microsoft.com/office/drawing/2010/main" xmlns="" w="9525">
+                  <a14:hiddenLine xmlns="" xmlns:a14="http://schemas.microsoft.com/office/drawing/2010/main" w="9525">
                     <a:solidFill>
                       <a:srgbClr val="000000"/>
                     </a:solidFill>
@@ -11296,7 +11301,7 @@
               </a:ln>
               <a:extLst>
                 <a:ext uri="{91240B29-F687-4f45-9708-019B960494DF}">
-                  <a14:hiddenLine xmlns:a14="http://schemas.microsoft.com/office/drawing/2010/main" xmlns="" w="9525">
+                  <a14:hiddenLine xmlns="" xmlns:a14="http://schemas.microsoft.com/office/drawing/2010/main" w="9525">
                     <a:solidFill>
                       <a:srgbClr val="000000"/>
                     </a:solidFill>
@@ -11386,7 +11391,7 @@
               </a:ln>
               <a:extLst>
                 <a:ext uri="{91240B29-F687-4f45-9708-019B960494DF}">
-                  <a14:hiddenLine xmlns:a14="http://schemas.microsoft.com/office/drawing/2010/main" xmlns="" w="9525">
+                  <a14:hiddenLine xmlns="" xmlns:a14="http://schemas.microsoft.com/office/drawing/2010/main" w="9525">
                     <a:solidFill>
                       <a:srgbClr val="000000"/>
                     </a:solidFill>
@@ -11451,7 +11456,7 @@
               </a:ln>
               <a:extLst>
                 <a:ext uri="{91240B29-F687-4f45-9708-019B960494DF}">
-                  <a14:hiddenLine xmlns:a14="http://schemas.microsoft.com/office/drawing/2010/main" xmlns="" w="9525">
+                  <a14:hiddenLine xmlns="" xmlns:a14="http://schemas.microsoft.com/office/drawing/2010/main" w="9525">
                     <a:solidFill>
                       <a:srgbClr val="000000"/>
                     </a:solidFill>
@@ -11541,7 +11546,7 @@
               </a:ln>
               <a:extLst>
                 <a:ext uri="{91240B29-F687-4f45-9708-019B960494DF}">
-                  <a14:hiddenLine xmlns:a14="http://schemas.microsoft.com/office/drawing/2010/main" xmlns="" w="9525">
+                  <a14:hiddenLine xmlns="" xmlns:a14="http://schemas.microsoft.com/office/drawing/2010/main" w="9525">
                     <a:solidFill>
                       <a:srgbClr val="000000"/>
                     </a:solidFill>
@@ -11609,7 +11614,7 @@
               </a:ln>
               <a:extLst>
                 <a:ext uri="{91240B29-F687-4f45-9708-019B960494DF}">
-                  <a14:hiddenLine xmlns:a14="http://schemas.microsoft.com/office/drawing/2010/main" xmlns="" w="9525">
+                  <a14:hiddenLine xmlns="" xmlns:a14="http://schemas.microsoft.com/office/drawing/2010/main" w="9525">
                     <a:solidFill>
                       <a:srgbClr val="000000"/>
                     </a:solidFill>
@@ -11699,7 +11704,7 @@
               </a:ln>
               <a:extLst>
                 <a:ext uri="{91240B29-F687-4f45-9708-019B960494DF}">
-                  <a14:hiddenLine xmlns:a14="http://schemas.microsoft.com/office/drawing/2010/main" xmlns="" w="9525">
+                  <a14:hiddenLine xmlns="" xmlns:a14="http://schemas.microsoft.com/office/drawing/2010/main" w="9525">
                     <a:solidFill>
                       <a:srgbClr val="000000"/>
                     </a:solidFill>
@@ -11767,7 +11772,7 @@
               </a:ln>
               <a:extLst>
                 <a:ext uri="{91240B29-F687-4f45-9708-019B960494DF}">
-                  <a14:hiddenLine xmlns:a14="http://schemas.microsoft.com/office/drawing/2010/main" xmlns="" w="9525">
+                  <a14:hiddenLine xmlns="" xmlns:a14="http://schemas.microsoft.com/office/drawing/2010/main" w="9525">
                     <a:solidFill>
                       <a:srgbClr val="000000"/>
                     </a:solidFill>
@@ -11857,7 +11862,7 @@
               </a:ln>
               <a:extLst>
                 <a:ext uri="{91240B29-F687-4f45-9708-019B960494DF}">
-                  <a14:hiddenLine xmlns:a14="http://schemas.microsoft.com/office/drawing/2010/main" xmlns="" w="9525">
+                  <a14:hiddenLine xmlns="" xmlns:a14="http://schemas.microsoft.com/office/drawing/2010/main" w="9525">
                     <a:solidFill>
                       <a:srgbClr val="000000"/>
                     </a:solidFill>
@@ -11891,7 +11896,7 @@
               </a:ln>
               <a:extLst>
                 <a:ext uri="{91240B29-F687-4f45-9708-019B960494DF}">
-                  <a14:hiddenLine xmlns:a14="http://schemas.microsoft.com/office/drawing/2010/main" xmlns="" w="9525">
+                  <a14:hiddenLine xmlns="" xmlns:a14="http://schemas.microsoft.com/office/drawing/2010/main" w="9525">
                     <a:solidFill>
                       <a:srgbClr val="000000"/>
                     </a:solidFill>
@@ -12031,7 +12036,7 @@
           <a:p>
             <a:fld id="{87FDB585-DADA-4BA1-A1E3-BDF1D32E1A94}" type="datetimeFigureOut">
               <a:rPr lang="en-GB" smtClean="0"/>
-              <a:t>21/05/2015</a:t>
+              <a:t>22/05/2015</a:t>
             </a:fld>
             <a:endParaRPr lang="en-GB"/>
           </a:p>
@@ -13143,7 +13148,11 @@
             <a:pPr algn="ctr"/>
             <a:r>
               <a:rPr lang="en-US" dirty="0" smtClean="0"/>
-              <a:t>CALCULATING NEW CENTROIDS</a:t>
+              <a:t>CALCULATING NEW </a:t>
+            </a:r>
+            <a:r>
+              <a:rPr lang="en-US" dirty="0" smtClean="0"/>
+              <a:t>CENTROIDS ON CPU</a:t>
             </a:r>
             <a:endParaRPr lang="en-US" dirty="0"/>
           </a:p>
@@ -13811,11 +13820,7 @@
             </a:r>
             <a:r>
               <a:rPr lang="en-US" b="1" dirty="0" smtClean="0"/>
-              <a:t> </a:t>
-            </a:r>
-            <a:r>
-              <a:rPr lang="en-US" b="1" dirty="0" smtClean="0"/>
-              <a:t>* X</a:t>
+              <a:t> * X</a:t>
             </a:r>
             <a:r>
               <a:rPr lang="en-US" b="1" baseline="-25000" dirty="0" smtClean="0"/>
@@ -14256,7 +14261,11 @@
             <a:pPr algn="ctr"/>
             <a:r>
               <a:rPr lang="en-US" dirty="0" smtClean="0"/>
-              <a:t>CALCULATING NEW CENTROIDS</a:t>
+              <a:t>CALCULATING NEW </a:t>
+            </a:r>
+            <a:r>
+              <a:rPr lang="en-US" dirty="0" smtClean="0"/>
+              <a:t>CENTROIDS ON GPU</a:t>
             </a:r>
             <a:endParaRPr lang="en-US" dirty="0"/>
           </a:p>
@@ -14438,7 +14447,11 @@
             <a:pPr algn="ctr"/>
             <a:r>
               <a:rPr lang="en-US" dirty="0" smtClean="0"/>
-              <a:t>CALCULATING NEW CENTROIDS</a:t>
+              <a:t>CALCULATING NEW </a:t>
+            </a:r>
+            <a:r>
+              <a:rPr lang="en-US" dirty="0" smtClean="0"/>
+              <a:t>CENTROIDS ON GPU</a:t>
             </a:r>
             <a:endParaRPr lang="en-US" dirty="0"/>
           </a:p>
@@ -14584,7 +14597,11 @@
             <a:pPr algn="ctr"/>
             <a:r>
               <a:rPr lang="en-US" dirty="0" smtClean="0"/>
-              <a:t>CALCULATING NEW CENTROIDS</a:t>
+              <a:t>CALCULATING NEW </a:t>
+            </a:r>
+            <a:r>
+              <a:rPr lang="en-US" dirty="0" smtClean="0"/>
+              <a:t>CENTROIDS ON GPU</a:t>
             </a:r>
             <a:endParaRPr lang="en-US" dirty="0"/>
           </a:p>
@@ -14775,7 +14792,11 @@
             <a:pPr algn="ctr"/>
             <a:r>
               <a:rPr lang="en-US" dirty="0" smtClean="0"/>
-              <a:t>CALCULATING NEW CENTROIDS</a:t>
+              <a:t>CALCULATING NEW </a:t>
+            </a:r>
+            <a:r>
+              <a:rPr lang="en-US" dirty="0" smtClean="0"/>
+              <a:t>CENTROIDS ON GPU</a:t>
             </a:r>
             <a:endParaRPr lang="en-US" dirty="0"/>
           </a:p>
@@ -15821,11 +15842,7 @@
             </a:r>
             <a:r>
               <a:rPr lang="en-US" b="1" dirty="0"/>
-              <a:t>mod </a:t>
-            </a:r>
-            <a:r>
-              <a:rPr lang="en-US" b="1" dirty="0"/>
-              <a:t>5</a:t>
+              <a:t>mod 5</a:t>
             </a:r>
             <a:r>
               <a:rPr lang="en-US" b="1" dirty="0" smtClean="0"/>
@@ -16105,7 +16122,11 @@
             <a:pPr algn="ctr"/>
             <a:r>
               <a:rPr lang="en-US" dirty="0" smtClean="0"/>
-              <a:t>CALCULATING NEW CENTROIDS</a:t>
+              <a:t>CALCULATING NEW </a:t>
+            </a:r>
+            <a:r>
+              <a:rPr lang="en-US" dirty="0" smtClean="0"/>
+              <a:t>CENTROIDS ON GPU</a:t>
             </a:r>
             <a:endParaRPr lang="en-US" dirty="0"/>
           </a:p>
@@ -16267,7 +16288,11 @@
             <a:pPr algn="ctr"/>
             <a:r>
               <a:rPr lang="en-US" dirty="0" smtClean="0"/>
-              <a:t>CALCULATING NEW CENTROIDS</a:t>
+              <a:t>CALCULATING NEW </a:t>
+            </a:r>
+            <a:r>
+              <a:rPr lang="en-US" dirty="0" smtClean="0"/>
+              <a:t>CENTROIDS ON GPU</a:t>
             </a:r>
             <a:endParaRPr lang="en-US" dirty="0"/>
           </a:p>
@@ -16350,7 +16375,6 @@
               <a:rPr lang="en-US" dirty="0" smtClean="0"/>
               <a:t>next slide.</a:t>
             </a:r>
-            <a:endParaRPr lang="en-US" dirty="0" smtClean="0"/>
           </a:p>
         </p:txBody>
       </p:sp>
@@ -16559,7 +16583,11 @@
             <a:pPr algn="ctr"/>
             <a:r>
               <a:rPr lang="en-US" dirty="0" smtClean="0"/>
-              <a:t>CALCULATING NEW CENTROIDS</a:t>
+              <a:t>CALCULATING NEW </a:t>
+            </a:r>
+            <a:r>
+              <a:rPr lang="en-US" dirty="0" smtClean="0"/>
+              <a:t>CENTROIDS ON GPU</a:t>
             </a:r>
             <a:endParaRPr lang="en-US" dirty="0"/>
           </a:p>
@@ -16592,7 +16620,6 @@
               <a:rPr lang="en-US" dirty="0" smtClean="0"/>
               <a:t>Histogram write conflicts</a:t>
             </a:r>
-            <a:endParaRPr lang="en-US" dirty="0" smtClean="0"/>
           </a:p>
         </p:txBody>
       </p:sp>
@@ -16654,6 +16681,1676 @@
     <p:extLst>
       <p:ext uri="{BB962C8B-B14F-4D97-AF65-F5344CB8AC3E}">
         <p14:creationId xmlns:p14="http://schemas.microsoft.com/office/powerpoint/2010/main" val="3671359089"/>
+      </p:ext>
+    </p:extLst>
+  </p:cSld>
+  <p:clrMapOvr>
+    <a:masterClrMapping/>
+  </p:clrMapOvr>
+  <p:timing>
+    <p:tnLst>
+      <p:par>
+        <p:cTn id="1" dur="indefinite" restart="never" nodeType="tmRoot"/>
+      </p:par>
+    </p:tnLst>
+  </p:timing>
+</p:sld>
+</file>
+
+<file path=ppt/slides/slide21.xml><?xml version="1.0" encoding="utf-8"?>
+<p:sld xmlns:a="http://schemas.openxmlformats.org/drawingml/2006/main" xmlns:r="http://schemas.openxmlformats.org/officeDocument/2006/relationships" xmlns:p="http://schemas.openxmlformats.org/presentationml/2006/main">
+  <p:cSld>
+    <p:spTree>
+      <p:nvGrpSpPr>
+        <p:cNvPr id="1" name=""/>
+        <p:cNvGrpSpPr/>
+        <p:nvPr/>
+      </p:nvGrpSpPr>
+      <p:grpSpPr>
+        <a:xfrm>
+          <a:off x="0" y="0"/>
+          <a:ext cx="0" cy="0"/>
+          <a:chOff x="0" y="0"/>
+          <a:chExt cx="0" cy="0"/>
+        </a:xfrm>
+      </p:grpSpPr>
+      <p:sp>
+        <p:nvSpPr>
+          <p:cNvPr id="48" name="Rectangle 47"/>
+          <p:cNvSpPr/>
+          <p:nvPr/>
+        </p:nvSpPr>
+        <p:spPr>
+          <a:xfrm>
+            <a:off x="1302365" y="1745702"/>
+            <a:ext cx="9719375" cy="4539768"/>
+          </a:xfrm>
+          <a:prstGeom prst="rect">
+            <a:avLst/>
+          </a:prstGeom>
+        </p:spPr>
+        <p:style>
+          <a:lnRef idx="1">
+            <a:schemeClr val="accent2"/>
+          </a:lnRef>
+          <a:fillRef idx="2">
+            <a:schemeClr val="accent2"/>
+          </a:fillRef>
+          <a:effectRef idx="1">
+            <a:schemeClr val="accent2"/>
+          </a:effectRef>
+          <a:fontRef idx="minor">
+            <a:schemeClr val="dk1"/>
+          </a:fontRef>
+        </p:style>
+        <p:txBody>
+          <a:bodyPr rtlCol="0" anchor="ctr"/>
+          <a:lstStyle/>
+          <a:p>
+            <a:pPr algn="ctr"/>
+            <a:endParaRPr lang="en-US" dirty="0"/>
+          </a:p>
+        </p:txBody>
+      </p:sp>
+      <p:sp>
+        <p:nvSpPr>
+          <p:cNvPr id="2" name="Title 1"/>
+          <p:cNvSpPr>
+            <a:spLocks noGrp="1"/>
+          </p:cNvSpPr>
+          <p:nvPr>
+            <p:ph type="title"/>
+          </p:nvPr>
+        </p:nvSpPr>
+        <p:spPr>
+          <a:xfrm>
+            <a:off x="1197652" y="215483"/>
+            <a:ext cx="9905998" cy="1301398"/>
+          </a:xfrm>
+        </p:spPr>
+        <p:txBody>
+          <a:bodyPr/>
+          <a:lstStyle/>
+          <a:p>
+            <a:pPr algn="ctr"/>
+            <a:r>
+              <a:rPr lang="en-US" dirty="0" smtClean="0"/>
+              <a:t>CALCULATING NEW CENTROIDS on </a:t>
+            </a:r>
+            <a:r>
+              <a:rPr lang="en-US" dirty="0" err="1" smtClean="0"/>
+              <a:t>Gpu</a:t>
+            </a:r>
+            <a:endParaRPr lang="en-US" dirty="0"/>
+          </a:p>
+        </p:txBody>
+      </p:sp>
+      <p:sp>
+        <p:nvSpPr>
+          <p:cNvPr id="21" name="Content Placeholder 2"/>
+          <p:cNvSpPr>
+            <a:spLocks noGrp="1"/>
+          </p:cNvSpPr>
+          <p:nvPr>
+            <p:ph idx="1"/>
+          </p:nvPr>
+        </p:nvSpPr>
+        <p:spPr>
+          <a:xfrm>
+            <a:off x="1209054" y="1309614"/>
+            <a:ext cx="9905999" cy="436088"/>
+          </a:xfrm>
+        </p:spPr>
+        <p:txBody>
+          <a:bodyPr>
+            <a:normAutofit fontScale="92500" lnSpcReduction="20000"/>
+          </a:bodyPr>
+          <a:lstStyle/>
+          <a:p>
+            <a:pPr algn="just"/>
+            <a:r>
+              <a:rPr lang="en-US" dirty="0" smtClean="0"/>
+              <a:t>Counting sort on GPU</a:t>
+            </a:r>
+            <a:endParaRPr lang="en-US" dirty="0" smtClean="0"/>
+          </a:p>
+        </p:txBody>
+      </p:sp>
+      <p:sp>
+        <p:nvSpPr>
+          <p:cNvPr id="30" name="Rounded Rectangle 29"/>
+          <p:cNvSpPr/>
+          <p:nvPr/>
+        </p:nvSpPr>
+        <p:spPr>
+          <a:xfrm>
+            <a:off x="1480991" y="1935288"/>
+            <a:ext cx="691977" cy="399255"/>
+          </a:xfrm>
+          <a:prstGeom prst="roundRect">
+            <a:avLst/>
+          </a:prstGeom>
+        </p:spPr>
+        <p:style>
+          <a:lnRef idx="1">
+            <a:schemeClr val="accent1"/>
+          </a:lnRef>
+          <a:fillRef idx="2">
+            <a:schemeClr val="accent1"/>
+          </a:fillRef>
+          <a:effectRef idx="1">
+            <a:schemeClr val="accent1"/>
+          </a:effectRef>
+          <a:fontRef idx="minor">
+            <a:schemeClr val="dk1"/>
+          </a:fontRef>
+        </p:style>
+        <p:txBody>
+          <a:bodyPr rtlCol="0" anchor="ctr"/>
+          <a:lstStyle/>
+          <a:p>
+            <a:pPr lvl="0" algn="ctr"/>
+            <a:r>
+              <a:rPr lang="en-US" b="1" dirty="0" smtClean="0">
+                <a:ln w="0"/>
+                <a:solidFill>
+                  <a:schemeClr val="bg1"/>
+                </a:solidFill>
+              </a:rPr>
+              <a:t>GPU</a:t>
+            </a:r>
+            <a:endParaRPr lang="en-US" b="1" dirty="0">
+              <a:ln w="0"/>
+              <a:solidFill>
+                <a:schemeClr val="bg1"/>
+              </a:solidFill>
+            </a:endParaRPr>
+          </a:p>
+        </p:txBody>
+      </p:sp>
+      <p:sp>
+        <p:nvSpPr>
+          <p:cNvPr id="32" name="Rounded Rectangle 31"/>
+          <p:cNvSpPr/>
+          <p:nvPr/>
+        </p:nvSpPr>
+        <p:spPr>
+          <a:xfrm>
+            <a:off x="2362995" y="1935288"/>
+            <a:ext cx="8453286" cy="1110418"/>
+          </a:xfrm>
+          <a:prstGeom prst="roundRect">
+            <a:avLst/>
+          </a:prstGeom>
+        </p:spPr>
+        <p:style>
+          <a:lnRef idx="2">
+            <a:schemeClr val="accent2">
+              <a:shade val="50000"/>
+            </a:schemeClr>
+          </a:lnRef>
+          <a:fillRef idx="1">
+            <a:schemeClr val="accent2"/>
+          </a:fillRef>
+          <a:effectRef idx="0">
+            <a:schemeClr val="accent2"/>
+          </a:effectRef>
+          <a:fontRef idx="minor">
+            <a:schemeClr val="lt1"/>
+          </a:fontRef>
+        </p:style>
+        <p:txBody>
+          <a:bodyPr rtlCol="0" anchor="ctr"/>
+          <a:lstStyle/>
+          <a:p>
+            <a:pPr algn="ctr"/>
+            <a:r>
+              <a:rPr lang="en-US" b="1" dirty="0" smtClean="0"/>
+              <a:t>Thread </a:t>
+            </a:r>
+            <a:r>
+              <a:rPr lang="en-US" b="1" dirty="0" err="1" smtClean="0"/>
+              <a:t>T</a:t>
+            </a:r>
+            <a:r>
+              <a:rPr lang="en-US" b="1" baseline="-25000" dirty="0" err="1" smtClean="0"/>
+              <a:t>i</a:t>
+            </a:r>
+            <a:endParaRPr lang="en-US" b="1" baseline="-25000" dirty="0"/>
+          </a:p>
+          <a:p>
+            <a:pPr algn="ctr"/>
+            <a:r>
+              <a:rPr lang="en-GB" b="1" dirty="0" err="1" smtClean="0"/>
+              <a:t>i</a:t>
+            </a:r>
+            <a:r>
+              <a:rPr lang="en-GB" b="1" dirty="0" smtClean="0"/>
+              <a:t> </a:t>
+            </a:r>
+            <a:r>
+              <a:rPr lang="en-GB" b="1" dirty="0"/>
+              <a:t>= </a:t>
+            </a:r>
+            <a:r>
+              <a:rPr lang="en-GB" b="1" dirty="0" err="1"/>
+              <a:t>blockIdx.x</a:t>
+            </a:r>
+            <a:r>
+              <a:rPr lang="en-GB" b="1" dirty="0"/>
+              <a:t> × </a:t>
+            </a:r>
+            <a:r>
+              <a:rPr lang="en-GB" b="1" dirty="0" err="1"/>
+              <a:t>blockDim</a:t>
+            </a:r>
+            <a:r>
+              <a:rPr lang="en-GB" b="1" dirty="0"/>
+              <a:t> + </a:t>
+            </a:r>
+            <a:r>
+              <a:rPr lang="en-GB" b="1" dirty="0" err="1" smtClean="0"/>
+              <a:t>threadIdx.x</a:t>
+            </a:r>
+            <a:r>
+              <a:rPr lang="en-GB" b="1" dirty="0"/>
+              <a:t>;</a:t>
+            </a:r>
+            <a:r>
+              <a:rPr lang="en-GB" b="1" dirty="0" smtClean="0"/>
+              <a:t> </a:t>
+            </a:r>
+            <a:r>
+              <a:rPr lang="en-GB" b="1" dirty="0" err="1"/>
+              <a:t>gridDim</a:t>
+            </a:r>
+            <a:r>
+              <a:rPr lang="en-GB" b="1" dirty="0"/>
+              <a:t> = (N * M) / </a:t>
+            </a:r>
+            <a:r>
+              <a:rPr lang="en-GB" b="1" dirty="0" err="1"/>
+              <a:t>blockDim</a:t>
+            </a:r>
+            <a:r>
+              <a:rPr lang="en-GB" b="1" dirty="0" smtClean="0"/>
+              <a:t>;</a:t>
+            </a:r>
+          </a:p>
+          <a:p>
+            <a:pPr algn="ctr"/>
+            <a:r>
+              <a:rPr lang="en-US" b="1" dirty="0" err="1" smtClean="0"/>
+              <a:t>atomicAdd</a:t>
+            </a:r>
+            <a:r>
+              <a:rPr lang="en-US" b="1" dirty="0" smtClean="0"/>
+              <a:t>(histogram(NNT(</a:t>
+            </a:r>
+            <a:r>
+              <a:rPr lang="en-US" b="1" dirty="0" err="1" smtClean="0"/>
+              <a:t>i</a:t>
+            </a:r>
+            <a:r>
+              <a:rPr lang="en-US" b="1" dirty="0"/>
+              <a:t>)), 1</a:t>
+            </a:r>
+            <a:r>
+              <a:rPr lang="en-US" b="1" dirty="0" smtClean="0"/>
+              <a:t>)</a:t>
+            </a:r>
+            <a:r>
+              <a:rPr lang="en-GB" b="1" dirty="0"/>
+              <a:t>;</a:t>
+            </a:r>
+            <a:endParaRPr lang="en-US" b="1" baseline="-25000" dirty="0"/>
+          </a:p>
+        </p:txBody>
+      </p:sp>
+      <p:cxnSp>
+        <p:nvCxnSpPr>
+          <p:cNvPr id="44" name="Straight Arrow Connector 43"/>
+          <p:cNvCxnSpPr>
+            <a:stCxn id="52" idx="2"/>
+            <a:endCxn id="51" idx="0"/>
+          </p:cNvCxnSpPr>
+          <p:nvPr/>
+        </p:nvCxnSpPr>
+        <p:spPr>
+          <a:xfrm>
+            <a:off x="6589638" y="4430170"/>
+            <a:ext cx="0" cy="274046"/>
+          </a:xfrm>
+          <a:prstGeom prst="straightConnector1">
+            <a:avLst/>
+          </a:prstGeom>
+          <a:ln w="44450">
+            <a:tailEnd type="triangle"/>
+          </a:ln>
+        </p:spPr>
+        <p:style>
+          <a:lnRef idx="1">
+            <a:schemeClr val="accent1"/>
+          </a:lnRef>
+          <a:fillRef idx="0">
+            <a:schemeClr val="accent1"/>
+          </a:fillRef>
+          <a:effectRef idx="0">
+            <a:schemeClr val="accent1"/>
+          </a:effectRef>
+          <a:fontRef idx="minor">
+            <a:schemeClr val="tx1"/>
+          </a:fontRef>
+        </p:style>
+      </p:cxnSp>
+      <p:cxnSp>
+        <p:nvCxnSpPr>
+          <p:cNvPr id="41" name="Straight Arrow Connector 40"/>
+          <p:cNvCxnSpPr>
+            <a:stCxn id="32" idx="2"/>
+            <a:endCxn id="52" idx="0"/>
+          </p:cNvCxnSpPr>
+          <p:nvPr/>
+        </p:nvCxnSpPr>
+        <p:spPr>
+          <a:xfrm>
+            <a:off x="6589638" y="3045706"/>
+            <a:ext cx="0" cy="274046"/>
+          </a:xfrm>
+          <a:prstGeom prst="straightConnector1">
+            <a:avLst/>
+          </a:prstGeom>
+          <a:ln w="44450">
+            <a:tailEnd type="triangle"/>
+          </a:ln>
+        </p:spPr>
+        <p:style>
+          <a:lnRef idx="1">
+            <a:schemeClr val="accent1"/>
+          </a:lnRef>
+          <a:fillRef idx="0">
+            <a:schemeClr val="accent1"/>
+          </a:fillRef>
+          <a:effectRef idx="0">
+            <a:schemeClr val="accent1"/>
+          </a:effectRef>
+          <a:fontRef idx="minor">
+            <a:schemeClr val="tx1"/>
+          </a:fontRef>
+        </p:style>
+      </p:cxnSp>
+      <p:sp>
+        <p:nvSpPr>
+          <p:cNvPr id="51" name="Rounded Rectangle 50"/>
+          <p:cNvSpPr/>
+          <p:nvPr/>
+        </p:nvSpPr>
+        <p:spPr>
+          <a:xfrm>
+            <a:off x="2362995" y="4704216"/>
+            <a:ext cx="8453286" cy="1354001"/>
+          </a:xfrm>
+          <a:prstGeom prst="roundRect">
+            <a:avLst/>
+          </a:prstGeom>
+        </p:spPr>
+        <p:style>
+          <a:lnRef idx="2">
+            <a:schemeClr val="accent2">
+              <a:shade val="50000"/>
+            </a:schemeClr>
+          </a:lnRef>
+          <a:fillRef idx="1">
+            <a:schemeClr val="accent2"/>
+          </a:fillRef>
+          <a:effectRef idx="0">
+            <a:schemeClr val="accent2"/>
+          </a:effectRef>
+          <a:fontRef idx="minor">
+            <a:schemeClr val="lt1"/>
+          </a:fontRef>
+        </p:style>
+        <p:txBody>
+          <a:bodyPr rtlCol="0" anchor="ctr"/>
+          <a:lstStyle/>
+          <a:p>
+            <a:pPr algn="ctr"/>
+            <a:r>
+              <a:rPr lang="en-US" b="1" dirty="0" smtClean="0"/>
+              <a:t>Thread </a:t>
+            </a:r>
+            <a:r>
+              <a:rPr lang="en-US" b="1" dirty="0" err="1" smtClean="0"/>
+              <a:t>T</a:t>
+            </a:r>
+            <a:r>
+              <a:rPr lang="en-US" b="1" baseline="-25000" dirty="0" err="1" smtClean="0"/>
+              <a:t>i</a:t>
+            </a:r>
+            <a:endParaRPr lang="en-US" b="1" baseline="-25000" dirty="0"/>
+          </a:p>
+          <a:p>
+            <a:pPr algn="ctr"/>
+            <a:r>
+              <a:rPr lang="en-GB" b="1" dirty="0" err="1" smtClean="0"/>
+              <a:t>i</a:t>
+            </a:r>
+            <a:r>
+              <a:rPr lang="en-GB" b="1" dirty="0" smtClean="0"/>
+              <a:t> </a:t>
+            </a:r>
+            <a:r>
+              <a:rPr lang="en-GB" b="1" dirty="0"/>
+              <a:t>= </a:t>
+            </a:r>
+            <a:r>
+              <a:rPr lang="en-GB" b="1" dirty="0" err="1"/>
+              <a:t>blockIdx.x</a:t>
+            </a:r>
+            <a:r>
+              <a:rPr lang="en-GB" b="1" dirty="0"/>
+              <a:t> × </a:t>
+            </a:r>
+            <a:r>
+              <a:rPr lang="en-GB" b="1" dirty="0" err="1"/>
+              <a:t>blockDim</a:t>
+            </a:r>
+            <a:r>
+              <a:rPr lang="en-GB" b="1" dirty="0"/>
+              <a:t> + </a:t>
+            </a:r>
+            <a:r>
+              <a:rPr lang="en-GB" b="1" dirty="0" err="1"/>
+              <a:t>threadIdx.x</a:t>
+            </a:r>
+            <a:r>
+              <a:rPr lang="en-GB" b="1" dirty="0" smtClean="0"/>
+              <a:t>; </a:t>
+            </a:r>
+            <a:r>
+              <a:rPr lang="en-GB" b="1" dirty="0" err="1"/>
+              <a:t>gridDim</a:t>
+            </a:r>
+            <a:r>
+              <a:rPr lang="en-GB" b="1" dirty="0"/>
+              <a:t> = (N * M) / </a:t>
+            </a:r>
+            <a:r>
+              <a:rPr lang="en-GB" b="1" dirty="0" err="1"/>
+              <a:t>blockDim</a:t>
+            </a:r>
+            <a:r>
+              <a:rPr lang="en-GB" b="1" dirty="0" smtClean="0"/>
+              <a:t>;</a:t>
+            </a:r>
+          </a:p>
+          <a:p>
+            <a:pPr algn="ctr"/>
+            <a:r>
+              <a:rPr lang="en-US" b="1" dirty="0" err="1" smtClean="0"/>
+              <a:t>idx</a:t>
+            </a:r>
+            <a:r>
+              <a:rPr lang="en-US" b="1" dirty="0" smtClean="0"/>
+              <a:t> </a:t>
+            </a:r>
+            <a:r>
+              <a:rPr lang="en-US" b="1" dirty="0"/>
+              <a:t>= </a:t>
+            </a:r>
+            <a:r>
+              <a:rPr lang="en-US" b="1" dirty="0" err="1" smtClean="0"/>
+              <a:t>atomicAdd</a:t>
+            </a:r>
+            <a:r>
+              <a:rPr lang="en-US" b="1" dirty="0" smtClean="0"/>
+              <a:t>(scan(NNT(</a:t>
+            </a:r>
+            <a:r>
+              <a:rPr lang="en-US" b="1" dirty="0" err="1" smtClean="0"/>
+              <a:t>i</a:t>
+            </a:r>
+            <a:r>
+              <a:rPr lang="en-US" b="1" dirty="0" smtClean="0"/>
+              <a:t>)), </a:t>
+            </a:r>
+            <a:r>
+              <a:rPr lang="en-US" b="1" dirty="0"/>
+              <a:t>1);</a:t>
+            </a:r>
+          </a:p>
+          <a:p>
+            <a:pPr algn="ctr"/>
+            <a:r>
+              <a:rPr lang="en-US" b="1" dirty="0" err="1" smtClean="0"/>
+              <a:t>sortedPointIndices</a:t>
+            </a:r>
+            <a:r>
+              <a:rPr lang="en-US" b="1" dirty="0" smtClean="0"/>
+              <a:t>(</a:t>
+            </a:r>
+            <a:r>
+              <a:rPr lang="en-US" b="1" dirty="0" err="1" smtClean="0"/>
+              <a:t>idx</a:t>
+            </a:r>
+            <a:r>
+              <a:rPr lang="en-US" b="1" dirty="0"/>
+              <a:t>) = </a:t>
+            </a:r>
+            <a:r>
+              <a:rPr lang="en-US" b="1" dirty="0" err="1" smtClean="0"/>
+              <a:t>i</a:t>
+            </a:r>
+            <a:r>
+              <a:rPr lang="en-US" b="1" dirty="0" smtClean="0"/>
+              <a:t>/M; </a:t>
+            </a:r>
+            <a:r>
+              <a:rPr lang="en-US" b="1" dirty="0" err="1" smtClean="0"/>
+              <a:t>sortedMemberships</a:t>
+            </a:r>
+            <a:r>
+              <a:rPr lang="en-US" b="1" dirty="0" smtClean="0"/>
+              <a:t>(</a:t>
+            </a:r>
+            <a:r>
+              <a:rPr lang="en-US" b="1" dirty="0" err="1" smtClean="0"/>
+              <a:t>idx</a:t>
+            </a:r>
+            <a:r>
+              <a:rPr lang="en-US" b="1" dirty="0"/>
+              <a:t>) = </a:t>
+            </a:r>
+            <a:r>
+              <a:rPr lang="en-US" b="1" dirty="0" smtClean="0"/>
+              <a:t>U(</a:t>
+            </a:r>
+            <a:r>
+              <a:rPr lang="en-US" b="1" dirty="0" err="1" smtClean="0"/>
+              <a:t>i</a:t>
+            </a:r>
+            <a:r>
+              <a:rPr lang="en-US" b="1" dirty="0" smtClean="0"/>
+              <a:t>);</a:t>
+            </a:r>
+            <a:endParaRPr lang="en-US" b="1" dirty="0"/>
+          </a:p>
+        </p:txBody>
+      </p:sp>
+      <p:sp>
+        <p:nvSpPr>
+          <p:cNvPr id="52" name="Rounded Rectangle 51"/>
+          <p:cNvSpPr/>
+          <p:nvPr/>
+        </p:nvSpPr>
+        <p:spPr>
+          <a:xfrm>
+            <a:off x="2362995" y="3319752"/>
+            <a:ext cx="8453286" cy="1110418"/>
+          </a:xfrm>
+          <a:prstGeom prst="roundRect">
+            <a:avLst/>
+          </a:prstGeom>
+        </p:spPr>
+        <p:style>
+          <a:lnRef idx="2">
+            <a:schemeClr val="accent2">
+              <a:shade val="50000"/>
+            </a:schemeClr>
+          </a:lnRef>
+          <a:fillRef idx="1">
+            <a:schemeClr val="accent2"/>
+          </a:fillRef>
+          <a:effectRef idx="0">
+            <a:schemeClr val="accent2"/>
+          </a:effectRef>
+          <a:fontRef idx="minor">
+            <a:schemeClr val="lt1"/>
+          </a:fontRef>
+        </p:style>
+        <p:txBody>
+          <a:bodyPr rtlCol="0" anchor="ctr"/>
+          <a:lstStyle/>
+          <a:p>
+            <a:pPr algn="ctr"/>
+            <a:r>
+              <a:rPr lang="en-US" b="1" dirty="0"/>
+              <a:t>Calculating the starting index for each </a:t>
+            </a:r>
+            <a:r>
+              <a:rPr lang="en-US" b="1" dirty="0" smtClean="0"/>
+              <a:t>cluster </a:t>
+            </a:r>
+          </a:p>
+          <a:p>
+            <a:pPr algn="ctr"/>
+            <a:r>
+              <a:rPr lang="en-US" b="1" dirty="0"/>
+              <a:t>Thread </a:t>
+            </a:r>
+            <a:r>
+              <a:rPr lang="en-US" b="1" dirty="0" smtClean="0"/>
+              <a:t>T</a:t>
+            </a:r>
+            <a:r>
+              <a:rPr lang="en-US" b="1" baseline="-25000" dirty="0" smtClean="0"/>
+              <a:t>0</a:t>
+            </a:r>
+            <a:r>
+              <a:rPr lang="en-US" b="1" dirty="0" smtClean="0"/>
+              <a:t>; scan(1) = 0;</a:t>
+            </a:r>
+            <a:endParaRPr lang="en-US" b="1" baseline="-25000" dirty="0"/>
+          </a:p>
+          <a:p>
+            <a:pPr algn="ctr"/>
+            <a:r>
+              <a:rPr lang="en-US" b="1" dirty="0" smtClean="0"/>
+              <a:t>For </a:t>
+            </a:r>
+            <a:r>
+              <a:rPr lang="en-US" b="1" dirty="0" err="1" smtClean="0"/>
+              <a:t>i</a:t>
+            </a:r>
+            <a:r>
+              <a:rPr lang="en-US" b="1" dirty="0" smtClean="0"/>
+              <a:t> = 1 to k do scan(</a:t>
+            </a:r>
+            <a:r>
+              <a:rPr lang="en-US" b="1" dirty="0" err="1" smtClean="0"/>
+              <a:t>i</a:t>
+            </a:r>
+            <a:r>
+              <a:rPr lang="en-US" b="1" dirty="0" smtClean="0"/>
+              <a:t> + 1) = scan(</a:t>
+            </a:r>
+            <a:r>
+              <a:rPr lang="en-US" b="1" dirty="0" err="1" smtClean="0"/>
+              <a:t>i</a:t>
+            </a:r>
+            <a:r>
+              <a:rPr lang="en-US" b="1" dirty="0" smtClean="0"/>
+              <a:t>) + </a:t>
+            </a:r>
+            <a:r>
+              <a:rPr lang="en-US" b="1" dirty="0" err="1" smtClean="0"/>
+              <a:t>histo</a:t>
+            </a:r>
+            <a:r>
+              <a:rPr lang="en-US" b="1" dirty="0" smtClean="0"/>
+              <a:t>(</a:t>
+            </a:r>
+            <a:r>
+              <a:rPr lang="en-US" b="1" dirty="0" err="1" smtClean="0"/>
+              <a:t>i</a:t>
+            </a:r>
+            <a:r>
+              <a:rPr lang="en-US" b="1" dirty="0" smtClean="0"/>
+              <a:t>);</a:t>
+            </a:r>
+            <a:endParaRPr lang="en-US" b="1" baseline="-25000" dirty="0"/>
+          </a:p>
+        </p:txBody>
+      </p:sp>
+    </p:spTree>
+    <p:extLst>
+      <p:ext uri="{BB962C8B-B14F-4D97-AF65-F5344CB8AC3E}">
+        <p14:creationId xmlns:p14="http://schemas.microsoft.com/office/powerpoint/2010/main" val="3196506123"/>
+      </p:ext>
+    </p:extLst>
+  </p:cSld>
+  <p:clrMapOvr>
+    <a:masterClrMapping/>
+  </p:clrMapOvr>
+  <p:timing>
+    <p:tnLst>
+      <p:par>
+        <p:cTn id="1" dur="indefinite" restart="never" nodeType="tmRoot"/>
+      </p:par>
+    </p:tnLst>
+  </p:timing>
+</p:sld>
+</file>
+
+<file path=ppt/slides/slide22.xml><?xml version="1.0" encoding="utf-8"?>
+<p:sld xmlns:a="http://schemas.openxmlformats.org/drawingml/2006/main" xmlns:r="http://schemas.openxmlformats.org/officeDocument/2006/relationships" xmlns:p="http://schemas.openxmlformats.org/presentationml/2006/main">
+  <p:cSld>
+    <p:spTree>
+      <p:nvGrpSpPr>
+        <p:cNvPr id="1" name=""/>
+        <p:cNvGrpSpPr/>
+        <p:nvPr/>
+      </p:nvGrpSpPr>
+      <p:grpSpPr>
+        <a:xfrm>
+          <a:off x="0" y="0"/>
+          <a:ext cx="0" cy="0"/>
+          <a:chOff x="0" y="0"/>
+          <a:chExt cx="0" cy="0"/>
+        </a:xfrm>
+      </p:grpSpPr>
+      <p:sp>
+        <p:nvSpPr>
+          <p:cNvPr id="2" name="Title 1"/>
+          <p:cNvSpPr>
+            <a:spLocks noGrp="1"/>
+          </p:cNvSpPr>
+          <p:nvPr>
+            <p:ph type="title"/>
+          </p:nvPr>
+        </p:nvSpPr>
+        <p:spPr/>
+        <p:txBody>
+          <a:bodyPr/>
+          <a:lstStyle/>
+          <a:p>
+            <a:pPr algn="ctr"/>
+            <a:r>
+              <a:rPr lang="en-US" dirty="0" smtClean="0"/>
+              <a:t>CALCULATING NEW </a:t>
+            </a:r>
+            <a:r>
+              <a:rPr lang="en-US" dirty="0" smtClean="0"/>
+              <a:t>CENTROIDS ON GPU</a:t>
+            </a:r>
+            <a:endParaRPr lang="en-US" dirty="0"/>
+          </a:p>
+        </p:txBody>
+      </p:sp>
+      <p:sp>
+        <p:nvSpPr>
+          <p:cNvPr id="3" name="Content Placeholder 2"/>
+          <p:cNvSpPr>
+            <a:spLocks noGrp="1"/>
+          </p:cNvSpPr>
+          <p:nvPr>
+            <p:ph idx="1"/>
+          </p:nvPr>
+        </p:nvSpPr>
+        <p:spPr>
+          <a:xfrm>
+            <a:off x="1141412" y="1891161"/>
+            <a:ext cx="9905999" cy="4105749"/>
+          </a:xfrm>
+        </p:spPr>
+        <p:txBody>
+          <a:bodyPr>
+            <a:normAutofit/>
+          </a:bodyPr>
+          <a:lstStyle/>
+          <a:p>
+            <a:pPr algn="just"/>
+            <a:r>
+              <a:rPr lang="en-US" dirty="0" smtClean="0"/>
+              <a:t>The </a:t>
+            </a:r>
+            <a:r>
+              <a:rPr lang="en-US" dirty="0"/>
+              <a:t>using atomic functions for counting sort will not ensure the stability of point indices in each </a:t>
+            </a:r>
+            <a:r>
+              <a:rPr lang="en-US" dirty="0" smtClean="0"/>
+              <a:t>cluster. This causes </a:t>
+            </a:r>
+            <a:r>
+              <a:rPr lang="en-US" dirty="0"/>
+              <a:t>the crossover accesses of threads to data points </a:t>
+            </a:r>
+            <a:r>
+              <a:rPr lang="en-US" dirty="0" smtClean="0"/>
+              <a:t>and </a:t>
+            </a:r>
+            <a:r>
+              <a:rPr lang="en-US" dirty="0"/>
+              <a:t>reduces the </a:t>
+            </a:r>
+            <a:r>
+              <a:rPr lang="en-US" dirty="0" smtClean="0"/>
+              <a:t>performance as shown below:</a:t>
+            </a:r>
+            <a:endParaRPr lang="en-US" dirty="0" smtClean="0"/>
+          </a:p>
+        </p:txBody>
+      </p:sp>
+      <p:pic>
+        <p:nvPicPr>
+          <p:cNvPr id="1026" name="Picture 2"/>
+          <p:cNvPicPr>
+            <a:picLocks noChangeAspect="1" noChangeArrowheads="1"/>
+          </p:cNvPicPr>
+          <p:nvPr/>
+        </p:nvPicPr>
+        <p:blipFill>
+          <a:blip r:embed="rId2">
+            <a:extLst>
+              <a:ext uri="{28A0092B-C50C-407E-A947-70E740481C1C}">
+                <a14:useLocalDpi xmlns:a14="http://schemas.microsoft.com/office/drawing/2010/main" val="0"/>
+              </a:ext>
+            </a:extLst>
+          </a:blip>
+          <a:srcRect/>
+          <a:stretch>
+            <a:fillRect/>
+          </a:stretch>
+        </p:blipFill>
+        <p:spPr bwMode="auto">
+          <a:xfrm>
+            <a:off x="1442977" y="3861657"/>
+            <a:ext cx="9447446" cy="1791364"/>
+          </a:xfrm>
+          <a:prstGeom prst="rect">
+            <a:avLst/>
+          </a:prstGeom>
+          <a:noFill/>
+          <a:ln>
+            <a:noFill/>
+          </a:ln>
+          <a:extLst>
+            <a:ext uri="{909E8E84-426E-40DD-AFC4-6F175D3DCCD1}">
+              <a14:hiddenFill xmlns:a14="http://schemas.microsoft.com/office/drawing/2010/main">
+                <a:solidFill>
+                  <a:srgbClr val="FFFFFF"/>
+                </a:solidFill>
+              </a14:hiddenFill>
+            </a:ext>
+            <a:ext uri="{91240B29-F687-4F45-9708-019B960494DF}">
+              <a14:hiddenLine xmlns:a14="http://schemas.microsoft.com/office/drawing/2010/main" w="9525">
+                <a:solidFill>
+                  <a:srgbClr val="000000"/>
+                </a:solidFill>
+                <a:miter lim="800000"/>
+                <a:headEnd/>
+                <a:tailEnd/>
+              </a14:hiddenLine>
+            </a:ext>
+          </a:extLst>
+        </p:spPr>
+      </p:pic>
+    </p:spTree>
+    <p:extLst>
+      <p:ext uri="{BB962C8B-B14F-4D97-AF65-F5344CB8AC3E}">
+        <p14:creationId xmlns:p14="http://schemas.microsoft.com/office/powerpoint/2010/main" val="415313413"/>
+      </p:ext>
+    </p:extLst>
+  </p:cSld>
+  <p:clrMapOvr>
+    <a:masterClrMapping/>
+  </p:clrMapOvr>
+  <p:timing>
+    <p:tnLst>
+      <p:par>
+        <p:cTn id="1" dur="indefinite" restart="never" nodeType="tmRoot"/>
+      </p:par>
+    </p:tnLst>
+  </p:timing>
+</p:sld>
+</file>
+
+<file path=ppt/slides/slide23.xml><?xml version="1.0" encoding="utf-8"?>
+<p:sld xmlns:a="http://schemas.openxmlformats.org/drawingml/2006/main" xmlns:r="http://schemas.openxmlformats.org/officeDocument/2006/relationships" xmlns:p="http://schemas.openxmlformats.org/presentationml/2006/main">
+  <p:cSld>
+    <p:spTree>
+      <p:nvGrpSpPr>
+        <p:cNvPr id="1" name=""/>
+        <p:cNvGrpSpPr/>
+        <p:nvPr/>
+      </p:nvGrpSpPr>
+      <p:grpSpPr>
+        <a:xfrm>
+          <a:off x="0" y="0"/>
+          <a:ext cx="0" cy="0"/>
+          <a:chOff x="0" y="0"/>
+          <a:chExt cx="0" cy="0"/>
+        </a:xfrm>
+      </p:grpSpPr>
+      <p:sp>
+        <p:nvSpPr>
+          <p:cNvPr id="2" name="Title 1"/>
+          <p:cNvSpPr>
+            <a:spLocks noGrp="1"/>
+          </p:cNvSpPr>
+          <p:nvPr>
+            <p:ph type="title"/>
+          </p:nvPr>
+        </p:nvSpPr>
+        <p:spPr/>
+        <p:txBody>
+          <a:bodyPr/>
+          <a:lstStyle/>
+          <a:p>
+            <a:pPr algn="ctr"/>
+            <a:r>
+              <a:rPr lang="en-US" dirty="0" smtClean="0"/>
+              <a:t>CALCULATING NEW </a:t>
+            </a:r>
+            <a:r>
+              <a:rPr lang="en-US" dirty="0" smtClean="0"/>
+              <a:t>CENTROIDS ON GPU</a:t>
+            </a:r>
+            <a:endParaRPr lang="en-US" dirty="0"/>
+          </a:p>
+        </p:txBody>
+      </p:sp>
+      <p:sp>
+        <p:nvSpPr>
+          <p:cNvPr id="3" name="Content Placeholder 2"/>
+          <p:cNvSpPr>
+            <a:spLocks noGrp="1"/>
+          </p:cNvSpPr>
+          <p:nvPr>
+            <p:ph idx="1"/>
+          </p:nvPr>
+        </p:nvSpPr>
+        <p:spPr>
+          <a:xfrm>
+            <a:off x="1141412" y="1891161"/>
+            <a:ext cx="9905999" cy="4105749"/>
+          </a:xfrm>
+        </p:spPr>
+        <p:txBody>
+          <a:bodyPr>
+            <a:normAutofit/>
+          </a:bodyPr>
+          <a:lstStyle/>
+          <a:p>
+            <a:pPr algn="just"/>
+            <a:r>
+              <a:rPr lang="en-US" dirty="0" smtClean="0"/>
+              <a:t>To solve the problem of atomic functions, the </a:t>
+            </a:r>
+            <a:r>
+              <a:rPr lang="en-US" dirty="0"/>
+              <a:t>stable sort by keys of Thrust library in CUDA Toolkit </a:t>
+            </a:r>
+            <a:r>
+              <a:rPr lang="en-US" dirty="0" smtClean="0"/>
+              <a:t>is used for </a:t>
+            </a:r>
+            <a:r>
+              <a:rPr lang="en-US" dirty="0"/>
+              <a:t>sorting NNT </a:t>
+            </a:r>
+            <a:r>
+              <a:rPr lang="en-US" dirty="0" smtClean="0"/>
+              <a:t>array. The stable sort helps avoid cross accesses as shown below:</a:t>
+            </a:r>
+            <a:endParaRPr lang="en-US" dirty="0" smtClean="0"/>
+          </a:p>
+        </p:txBody>
+      </p:sp>
+      <p:pic>
+        <p:nvPicPr>
+          <p:cNvPr id="1026" name="Picture 2"/>
+          <p:cNvPicPr>
+            <a:picLocks noChangeAspect="1" noChangeArrowheads="1"/>
+          </p:cNvPicPr>
+          <p:nvPr/>
+        </p:nvPicPr>
+        <p:blipFill>
+          <a:blip r:embed="rId2">
+            <a:extLst>
+              <a:ext uri="{28A0092B-C50C-407E-A947-70E740481C1C}">
+                <a14:useLocalDpi xmlns:a14="http://schemas.microsoft.com/office/drawing/2010/main" val="0"/>
+              </a:ext>
+            </a:extLst>
+          </a:blip>
+          <a:srcRect/>
+          <a:stretch>
+            <a:fillRect/>
+          </a:stretch>
+        </p:blipFill>
+        <p:spPr bwMode="auto">
+          <a:xfrm>
+            <a:off x="1442977" y="3861657"/>
+            <a:ext cx="9447446" cy="1791364"/>
+          </a:xfrm>
+          <a:prstGeom prst="rect">
+            <a:avLst/>
+          </a:prstGeom>
+          <a:noFill/>
+          <a:ln>
+            <a:noFill/>
+          </a:ln>
+          <a:extLst>
+            <a:ext uri="{909E8E84-426E-40DD-AFC4-6F175D3DCCD1}">
+              <a14:hiddenFill xmlns:a14="http://schemas.microsoft.com/office/drawing/2010/main">
+                <a:solidFill>
+                  <a:srgbClr val="FFFFFF"/>
+                </a:solidFill>
+              </a14:hiddenFill>
+            </a:ext>
+            <a:ext uri="{91240B29-F687-4F45-9708-019B960494DF}">
+              <a14:hiddenLine xmlns:a14="http://schemas.microsoft.com/office/drawing/2010/main" w="9525">
+                <a:solidFill>
+                  <a:srgbClr val="000000"/>
+                </a:solidFill>
+                <a:miter lim="800000"/>
+                <a:headEnd/>
+                <a:tailEnd/>
+              </a14:hiddenLine>
+            </a:ext>
+          </a:extLst>
+        </p:spPr>
+      </p:pic>
+    </p:spTree>
+    <p:extLst>
+      <p:ext uri="{BB962C8B-B14F-4D97-AF65-F5344CB8AC3E}">
+        <p14:creationId xmlns:p14="http://schemas.microsoft.com/office/powerpoint/2010/main" val="38934966"/>
+      </p:ext>
+    </p:extLst>
+  </p:cSld>
+  <p:clrMapOvr>
+    <a:masterClrMapping/>
+  </p:clrMapOvr>
+  <p:timing>
+    <p:tnLst>
+      <p:par>
+        <p:cTn id="1" dur="indefinite" restart="never" nodeType="tmRoot"/>
+      </p:par>
+    </p:tnLst>
+  </p:timing>
+</p:sld>
+</file>
+
+<file path=ppt/slides/slide24.xml><?xml version="1.0" encoding="utf-8"?>
+<p:sld xmlns:a="http://schemas.openxmlformats.org/drawingml/2006/main" xmlns:r="http://schemas.openxmlformats.org/officeDocument/2006/relationships" xmlns:p="http://schemas.openxmlformats.org/presentationml/2006/main">
+  <p:cSld>
+    <p:spTree>
+      <p:nvGrpSpPr>
+        <p:cNvPr id="1" name=""/>
+        <p:cNvGrpSpPr/>
+        <p:nvPr/>
+      </p:nvGrpSpPr>
+      <p:grpSpPr>
+        <a:xfrm>
+          <a:off x="0" y="0"/>
+          <a:ext cx="0" cy="0"/>
+          <a:chOff x="0" y="0"/>
+          <a:chExt cx="0" cy="0"/>
+        </a:xfrm>
+      </p:grpSpPr>
+      <p:sp>
+        <p:nvSpPr>
+          <p:cNvPr id="2" name="Title 1"/>
+          <p:cNvSpPr>
+            <a:spLocks noGrp="1"/>
+          </p:cNvSpPr>
+          <p:nvPr>
+            <p:ph type="title"/>
+          </p:nvPr>
+        </p:nvSpPr>
+        <p:spPr/>
+        <p:txBody>
+          <a:bodyPr/>
+          <a:lstStyle/>
+          <a:p>
+            <a:pPr algn="ctr"/>
+            <a:r>
+              <a:rPr lang="en-US" dirty="0" smtClean="0"/>
+              <a:t>CALCULATING NEW </a:t>
+            </a:r>
+            <a:r>
+              <a:rPr lang="en-US" dirty="0" smtClean="0"/>
+              <a:t>CENTROIDS ON GPU</a:t>
+            </a:r>
+            <a:endParaRPr lang="en-US" dirty="0"/>
+          </a:p>
+        </p:txBody>
+      </p:sp>
+      <p:sp>
+        <p:nvSpPr>
+          <p:cNvPr id="3" name="Content Placeholder 2"/>
+          <p:cNvSpPr>
+            <a:spLocks noGrp="1"/>
+          </p:cNvSpPr>
+          <p:nvPr>
+            <p:ph idx="1"/>
+          </p:nvPr>
+        </p:nvSpPr>
+        <p:spPr>
+          <a:xfrm>
+            <a:off x="1141412" y="1891161"/>
+            <a:ext cx="9905999" cy="4105749"/>
+          </a:xfrm>
+        </p:spPr>
+        <p:txBody>
+          <a:bodyPr>
+            <a:normAutofit/>
+          </a:bodyPr>
+          <a:lstStyle/>
+          <a:p>
+            <a:pPr algn="just"/>
+            <a:r>
+              <a:rPr lang="en-US" dirty="0" smtClean="0"/>
+              <a:t>Stable sort by key NNT and output corresponding index values of NNT: thrust</a:t>
+            </a:r>
+            <a:r>
+              <a:rPr lang="en-US" dirty="0"/>
+              <a:t>::</a:t>
+            </a:r>
+            <a:r>
+              <a:rPr lang="en-US" dirty="0" err="1" smtClean="0"/>
+              <a:t>stable_sort_by_key</a:t>
+            </a:r>
+            <a:r>
+              <a:rPr lang="en-US" dirty="0" smtClean="0"/>
+              <a:t>(NNT</a:t>
+            </a:r>
+            <a:r>
+              <a:rPr lang="en-US" dirty="0"/>
+              <a:t>, </a:t>
+            </a:r>
+            <a:r>
+              <a:rPr lang="en-US" dirty="0" smtClean="0"/>
+              <a:t>indices);</a:t>
+            </a:r>
+            <a:endParaRPr lang="en-US" dirty="0"/>
+          </a:p>
+          <a:p>
+            <a:pPr algn="just"/>
+            <a:r>
+              <a:rPr lang="en-US" dirty="0" smtClean="0"/>
+              <a:t>Calculate the histogram, where search is the </a:t>
+            </a:r>
+            <a:r>
+              <a:rPr lang="en-US" dirty="0"/>
+              <a:t>set of </a:t>
+            </a:r>
+            <a:r>
+              <a:rPr lang="en-US" dirty="0" smtClean="0"/>
+              <a:t>keys from </a:t>
+            </a:r>
+            <a:r>
+              <a:rPr lang="en-US" dirty="0"/>
+              <a:t>1 to k for binary </a:t>
+            </a:r>
+            <a:r>
+              <a:rPr lang="en-US" dirty="0" smtClean="0"/>
+              <a:t>searching: </a:t>
+            </a:r>
+            <a:r>
+              <a:rPr lang="en-US" dirty="0"/>
+              <a:t>thrust::</a:t>
+            </a:r>
+            <a:r>
+              <a:rPr lang="en-US" dirty="0" err="1" smtClean="0"/>
+              <a:t>upper_bound</a:t>
+            </a:r>
+            <a:r>
+              <a:rPr lang="en-US" dirty="0" smtClean="0"/>
+              <a:t>(NNT</a:t>
+            </a:r>
+            <a:r>
+              <a:rPr lang="en-US" dirty="0"/>
+              <a:t>, search, histogram</a:t>
+            </a:r>
+            <a:r>
+              <a:rPr lang="en-US" dirty="0" smtClean="0"/>
+              <a:t>);</a:t>
+            </a:r>
+          </a:p>
+          <a:p>
+            <a:pPr algn="just"/>
+            <a:r>
+              <a:rPr lang="en-US" b="1" dirty="0"/>
+              <a:t>Calculating the starting index for each </a:t>
+            </a:r>
+            <a:r>
+              <a:rPr lang="en-US" b="1" dirty="0" smtClean="0"/>
+              <a:t>cluster</a:t>
+            </a:r>
+            <a:r>
+              <a:rPr lang="en-US" dirty="0" smtClean="0"/>
+              <a:t>: thrust</a:t>
+            </a:r>
+            <a:r>
+              <a:rPr lang="en-US" dirty="0"/>
+              <a:t>::</a:t>
+            </a:r>
+            <a:r>
+              <a:rPr lang="en-US" dirty="0" err="1" smtClean="0"/>
+              <a:t>adjacent_difference</a:t>
+            </a:r>
+            <a:r>
+              <a:rPr lang="en-US" dirty="0" smtClean="0"/>
+              <a:t>(histogram);</a:t>
+            </a:r>
+          </a:p>
+          <a:p>
+            <a:pPr algn="just"/>
+            <a:endParaRPr lang="en-US" dirty="0"/>
+          </a:p>
+          <a:p>
+            <a:pPr algn="just"/>
+            <a:endParaRPr lang="en-US" dirty="0" smtClean="0"/>
+          </a:p>
+        </p:txBody>
+      </p:sp>
+    </p:spTree>
+    <p:extLst>
+      <p:ext uri="{BB962C8B-B14F-4D97-AF65-F5344CB8AC3E}">
+        <p14:creationId xmlns:p14="http://schemas.microsoft.com/office/powerpoint/2010/main" val="1544289118"/>
+      </p:ext>
+    </p:extLst>
+  </p:cSld>
+  <p:clrMapOvr>
+    <a:masterClrMapping/>
+  </p:clrMapOvr>
+  <p:timing>
+    <p:tnLst>
+      <p:par>
+        <p:cTn id="1" dur="indefinite" restart="never" nodeType="tmRoot"/>
+      </p:par>
+    </p:tnLst>
+  </p:timing>
+</p:sld>
+</file>
+
+<file path=ppt/slides/slide25.xml><?xml version="1.0" encoding="utf-8"?>
+<p:sld xmlns:a="http://schemas.openxmlformats.org/drawingml/2006/main" xmlns:r="http://schemas.openxmlformats.org/officeDocument/2006/relationships" xmlns:p="http://schemas.openxmlformats.org/presentationml/2006/main">
+  <p:cSld>
+    <p:spTree>
+      <p:nvGrpSpPr>
+        <p:cNvPr id="1" name=""/>
+        <p:cNvGrpSpPr/>
+        <p:nvPr/>
+      </p:nvGrpSpPr>
+      <p:grpSpPr>
+        <a:xfrm>
+          <a:off x="0" y="0"/>
+          <a:ext cx="0" cy="0"/>
+          <a:chOff x="0" y="0"/>
+          <a:chExt cx="0" cy="0"/>
+        </a:xfrm>
+      </p:grpSpPr>
+      <p:sp>
+        <p:nvSpPr>
+          <p:cNvPr id="2" name="Title 1"/>
+          <p:cNvSpPr>
+            <a:spLocks noGrp="1"/>
+          </p:cNvSpPr>
+          <p:nvPr>
+            <p:ph type="title"/>
+          </p:nvPr>
+        </p:nvSpPr>
+        <p:spPr>
+          <a:xfrm>
+            <a:off x="1197652" y="215483"/>
+            <a:ext cx="9905998" cy="1301398"/>
+          </a:xfrm>
+        </p:spPr>
+        <p:txBody>
+          <a:bodyPr/>
+          <a:lstStyle/>
+          <a:p>
+            <a:pPr algn="ctr"/>
+            <a:r>
+              <a:rPr lang="en-US" dirty="0" smtClean="0"/>
+              <a:t>CALCULATING NEW CENTROIDS on </a:t>
+            </a:r>
+            <a:r>
+              <a:rPr lang="en-US" dirty="0" err="1" smtClean="0"/>
+              <a:t>Gpu</a:t>
+            </a:r>
+            <a:endParaRPr lang="en-US" dirty="0"/>
+          </a:p>
+        </p:txBody>
+      </p:sp>
+      <p:sp>
+        <p:nvSpPr>
+          <p:cNvPr id="21" name="Content Placeholder 2"/>
+          <p:cNvSpPr>
+            <a:spLocks noGrp="1"/>
+          </p:cNvSpPr>
+          <p:nvPr>
+            <p:ph idx="1"/>
+          </p:nvPr>
+        </p:nvSpPr>
+        <p:spPr>
+          <a:xfrm>
+            <a:off x="1209054" y="1309613"/>
+            <a:ext cx="9905999" cy="601565"/>
+          </a:xfrm>
+        </p:spPr>
+        <p:txBody>
+          <a:bodyPr>
+            <a:normAutofit/>
+          </a:bodyPr>
+          <a:lstStyle/>
+          <a:p>
+            <a:r>
+              <a:rPr lang="en-US" dirty="0"/>
+              <a:t>Gathering </a:t>
+            </a:r>
+            <a:r>
+              <a:rPr lang="en-US" dirty="0" err="1"/>
+              <a:t>membeships</a:t>
+            </a:r>
+            <a:r>
+              <a:rPr lang="en-US" dirty="0"/>
+              <a:t> and point </a:t>
+            </a:r>
+            <a:r>
+              <a:rPr lang="en-US" dirty="0" smtClean="0"/>
+              <a:t>indices:</a:t>
+            </a:r>
+          </a:p>
+          <a:p>
+            <a:endParaRPr lang="en-US" dirty="0"/>
+          </a:p>
+        </p:txBody>
+      </p:sp>
+      <p:sp>
+        <p:nvSpPr>
+          <p:cNvPr id="11" name="Rectangle 10"/>
+          <p:cNvSpPr/>
+          <p:nvPr/>
+        </p:nvSpPr>
+        <p:spPr>
+          <a:xfrm>
+            <a:off x="1318840" y="2002178"/>
+            <a:ext cx="9719375" cy="3336325"/>
+          </a:xfrm>
+          <a:prstGeom prst="rect">
+            <a:avLst/>
+          </a:prstGeom>
+        </p:spPr>
+        <p:style>
+          <a:lnRef idx="1">
+            <a:schemeClr val="accent2"/>
+          </a:lnRef>
+          <a:fillRef idx="2">
+            <a:schemeClr val="accent2"/>
+          </a:fillRef>
+          <a:effectRef idx="1">
+            <a:schemeClr val="accent2"/>
+          </a:effectRef>
+          <a:fontRef idx="minor">
+            <a:schemeClr val="dk1"/>
+          </a:fontRef>
+        </p:style>
+        <p:txBody>
+          <a:bodyPr rtlCol="0" anchor="ctr"/>
+          <a:lstStyle/>
+          <a:p>
+            <a:pPr algn="ctr"/>
+            <a:endParaRPr lang="en-US" dirty="0"/>
+          </a:p>
+        </p:txBody>
+      </p:sp>
+      <p:sp>
+        <p:nvSpPr>
+          <p:cNvPr id="12" name="Rounded Rectangle 11"/>
+          <p:cNvSpPr/>
+          <p:nvPr/>
+        </p:nvSpPr>
+        <p:spPr>
+          <a:xfrm>
+            <a:off x="1505705" y="2146264"/>
+            <a:ext cx="691977" cy="399255"/>
+          </a:xfrm>
+          <a:prstGeom prst="roundRect">
+            <a:avLst/>
+          </a:prstGeom>
+        </p:spPr>
+        <p:style>
+          <a:lnRef idx="1">
+            <a:schemeClr val="accent1"/>
+          </a:lnRef>
+          <a:fillRef idx="2">
+            <a:schemeClr val="accent1"/>
+          </a:fillRef>
+          <a:effectRef idx="1">
+            <a:schemeClr val="accent1"/>
+          </a:effectRef>
+          <a:fontRef idx="minor">
+            <a:schemeClr val="dk1"/>
+          </a:fontRef>
+        </p:style>
+        <p:txBody>
+          <a:bodyPr rtlCol="0" anchor="ctr"/>
+          <a:lstStyle/>
+          <a:p>
+            <a:pPr lvl="0" algn="ctr"/>
+            <a:r>
+              <a:rPr lang="en-US" b="1" dirty="0" smtClean="0">
+                <a:ln w="0"/>
+                <a:solidFill>
+                  <a:schemeClr val="bg1"/>
+                </a:solidFill>
+              </a:rPr>
+              <a:t>GPU</a:t>
+            </a:r>
+            <a:endParaRPr lang="en-US" b="1" dirty="0">
+              <a:ln w="0"/>
+              <a:solidFill>
+                <a:schemeClr val="bg1"/>
+              </a:solidFill>
+            </a:endParaRPr>
+          </a:p>
+        </p:txBody>
+      </p:sp>
+      <p:sp>
+        <p:nvSpPr>
+          <p:cNvPr id="16" name="Rounded Rectangle 15"/>
+          <p:cNvSpPr/>
+          <p:nvPr/>
+        </p:nvSpPr>
+        <p:spPr>
+          <a:xfrm>
+            <a:off x="1951885" y="2689605"/>
+            <a:ext cx="8453286" cy="1961472"/>
+          </a:xfrm>
+          <a:prstGeom prst="roundRect">
+            <a:avLst/>
+          </a:prstGeom>
+        </p:spPr>
+        <p:style>
+          <a:lnRef idx="2">
+            <a:schemeClr val="accent2">
+              <a:shade val="50000"/>
+            </a:schemeClr>
+          </a:lnRef>
+          <a:fillRef idx="1">
+            <a:schemeClr val="accent2"/>
+          </a:fillRef>
+          <a:effectRef idx="0">
+            <a:schemeClr val="accent2"/>
+          </a:effectRef>
+          <a:fontRef idx="minor">
+            <a:schemeClr val="lt1"/>
+          </a:fontRef>
+        </p:style>
+        <p:txBody>
+          <a:bodyPr rtlCol="0" anchor="ctr"/>
+          <a:lstStyle/>
+          <a:p>
+            <a:pPr algn="ctr"/>
+            <a:endParaRPr lang="en-US" b="1" dirty="0" smtClean="0"/>
+          </a:p>
+          <a:p>
+            <a:pPr algn="ctr"/>
+            <a:r>
+              <a:rPr lang="en-US" b="1" dirty="0" smtClean="0"/>
+              <a:t>Thread </a:t>
+            </a:r>
+            <a:r>
+              <a:rPr lang="en-US" b="1" dirty="0" err="1" smtClean="0"/>
+              <a:t>T</a:t>
+            </a:r>
+            <a:r>
+              <a:rPr lang="en-US" b="1" baseline="-25000" dirty="0" err="1" smtClean="0"/>
+              <a:t>i</a:t>
+            </a:r>
+            <a:endParaRPr lang="en-US" b="1" baseline="-25000" dirty="0"/>
+          </a:p>
+          <a:p>
+            <a:pPr algn="ctr"/>
+            <a:r>
+              <a:rPr lang="en-GB" b="1" dirty="0" err="1" smtClean="0"/>
+              <a:t>i</a:t>
+            </a:r>
+            <a:r>
+              <a:rPr lang="en-GB" b="1" dirty="0" smtClean="0"/>
+              <a:t> </a:t>
+            </a:r>
+            <a:r>
+              <a:rPr lang="en-GB" b="1" dirty="0"/>
+              <a:t>= </a:t>
+            </a:r>
+            <a:r>
+              <a:rPr lang="en-GB" b="1" dirty="0" err="1"/>
+              <a:t>blockIdx.x</a:t>
+            </a:r>
+            <a:r>
+              <a:rPr lang="en-GB" b="1" dirty="0"/>
+              <a:t> × </a:t>
+            </a:r>
+            <a:r>
+              <a:rPr lang="en-GB" b="1" dirty="0" err="1"/>
+              <a:t>blockDim</a:t>
+            </a:r>
+            <a:r>
+              <a:rPr lang="en-GB" b="1" dirty="0"/>
+              <a:t> + </a:t>
+            </a:r>
+            <a:r>
+              <a:rPr lang="en-GB" b="1" dirty="0" err="1"/>
+              <a:t>threadIdx.x</a:t>
+            </a:r>
+            <a:r>
+              <a:rPr lang="en-GB" b="1" dirty="0" smtClean="0"/>
+              <a:t>; </a:t>
+            </a:r>
+          </a:p>
+          <a:p>
+            <a:pPr algn="ctr"/>
+            <a:r>
+              <a:rPr lang="en-GB" b="1" dirty="0" err="1" smtClean="0"/>
+              <a:t>gridDim</a:t>
+            </a:r>
+            <a:r>
+              <a:rPr lang="en-GB" b="1" dirty="0" smtClean="0"/>
+              <a:t> </a:t>
+            </a:r>
+            <a:r>
+              <a:rPr lang="en-GB" b="1" dirty="0"/>
+              <a:t>= (N * M) / </a:t>
+            </a:r>
+            <a:r>
+              <a:rPr lang="en-GB" b="1" dirty="0" err="1"/>
+              <a:t>blockDim</a:t>
+            </a:r>
+            <a:r>
+              <a:rPr lang="en-GB" b="1" dirty="0" smtClean="0"/>
+              <a:t>;</a:t>
+            </a:r>
+          </a:p>
+          <a:p>
+            <a:pPr algn="ctr"/>
+            <a:r>
+              <a:rPr lang="en-US" b="1" dirty="0" err="1" smtClean="0"/>
+              <a:t>idx</a:t>
+            </a:r>
+            <a:r>
+              <a:rPr lang="en-US" b="1" dirty="0" smtClean="0"/>
+              <a:t> </a:t>
+            </a:r>
+            <a:r>
+              <a:rPr lang="en-US" b="1" dirty="0"/>
+              <a:t>= </a:t>
+            </a:r>
+            <a:r>
+              <a:rPr lang="en-US" b="1" dirty="0" smtClean="0"/>
+              <a:t>indices(</a:t>
+            </a:r>
+            <a:r>
+              <a:rPr lang="en-US" b="1" dirty="0" err="1" smtClean="0"/>
+              <a:t>i</a:t>
+            </a:r>
+            <a:r>
+              <a:rPr lang="en-US" b="1" dirty="0" smtClean="0"/>
+              <a:t>);</a:t>
+            </a:r>
+            <a:endParaRPr lang="en-US" b="1" dirty="0"/>
+          </a:p>
+          <a:p>
+            <a:pPr algn="ctr"/>
+            <a:r>
+              <a:rPr lang="en-US" b="1" dirty="0" err="1" smtClean="0"/>
+              <a:t>sortedMemberships</a:t>
+            </a:r>
+            <a:r>
+              <a:rPr lang="en-US" b="1" dirty="0" smtClean="0"/>
+              <a:t>(</a:t>
+            </a:r>
+            <a:r>
+              <a:rPr lang="en-US" b="1" dirty="0" err="1" smtClean="0"/>
+              <a:t>i</a:t>
+            </a:r>
+            <a:r>
+              <a:rPr lang="en-US" b="1" dirty="0" smtClean="0"/>
+              <a:t>) </a:t>
+            </a:r>
+            <a:r>
+              <a:rPr lang="en-US" b="1" dirty="0"/>
+              <a:t>= </a:t>
+            </a:r>
+            <a:r>
+              <a:rPr lang="en-US" b="1" dirty="0" smtClean="0"/>
+              <a:t>U(</a:t>
+            </a:r>
+            <a:r>
+              <a:rPr lang="en-US" b="1" dirty="0" err="1" smtClean="0"/>
+              <a:t>idx</a:t>
+            </a:r>
+            <a:r>
+              <a:rPr lang="en-US" b="1" dirty="0" smtClean="0"/>
+              <a:t>);</a:t>
+            </a:r>
+          </a:p>
+          <a:p>
+            <a:pPr algn="ctr"/>
+            <a:r>
+              <a:rPr lang="en-US" b="1" dirty="0" err="1" smtClean="0"/>
+              <a:t>sortedPointIndices</a:t>
+            </a:r>
+            <a:r>
+              <a:rPr lang="en-US" b="1" dirty="0" smtClean="0"/>
+              <a:t>(</a:t>
+            </a:r>
+            <a:r>
+              <a:rPr lang="en-US" b="1" dirty="0" err="1" smtClean="0"/>
+              <a:t>i</a:t>
+            </a:r>
+            <a:r>
+              <a:rPr lang="en-US" b="1" dirty="0" smtClean="0"/>
+              <a:t>) </a:t>
+            </a:r>
+            <a:r>
+              <a:rPr lang="en-US" b="1" dirty="0"/>
+              <a:t>= </a:t>
+            </a:r>
+            <a:r>
+              <a:rPr lang="en-US" b="1" dirty="0" err="1" smtClean="0"/>
+              <a:t>idx</a:t>
+            </a:r>
+            <a:r>
+              <a:rPr lang="en-US" b="1" dirty="0" smtClean="0"/>
+              <a:t>/M</a:t>
+            </a:r>
+            <a:endParaRPr lang="en-US" b="1" dirty="0"/>
+          </a:p>
+          <a:p>
+            <a:pPr algn="ctr"/>
+            <a:endParaRPr lang="en-US" b="1" dirty="0"/>
+          </a:p>
+        </p:txBody>
+      </p:sp>
+    </p:spTree>
+    <p:extLst>
+      <p:ext uri="{BB962C8B-B14F-4D97-AF65-F5344CB8AC3E}">
+        <p14:creationId xmlns:p14="http://schemas.microsoft.com/office/powerpoint/2010/main" val="3409882444"/>
       </p:ext>
     </p:extLst>
   </p:cSld>
@@ -19116,12 +20813,16 @@
           <a:p>
             <a:pPr algn="ctr"/>
             <a:r>
-              <a:rPr lang="en-GB" b="1" dirty="0" err="1"/>
+              <a:rPr lang="en-GB" b="1" dirty="0" err="1" smtClean="0"/>
               <a:t>i</a:t>
             </a:r>
             <a:r>
+              <a:rPr lang="en-GB" b="1" dirty="0" smtClean="0"/>
+              <a:t> </a:t>
+            </a:r>
+            <a:r>
               <a:rPr lang="en-GB" b="1" dirty="0"/>
-              <a:t> = </a:t>
+              <a:t>= </a:t>
             </a:r>
             <a:r>
               <a:rPr lang="en-GB" b="1" dirty="0" err="1"/>
@@ -19143,13 +20844,33 @@
               <a:rPr lang="en-GB" b="1" dirty="0" err="1" smtClean="0"/>
               <a:t>threadIdx.x</a:t>
             </a:r>
-            <a:endParaRPr lang="en-GB" b="1" dirty="0" smtClean="0"/>
-          </a:p>
-          <a:p>
-            <a:pPr algn="ctr"/>
             <a:r>
               <a:rPr lang="en-GB" b="1" dirty="0"/>
-              <a:t>DNNT is set of M nearest distances responding to </a:t>
+              <a:t>; </a:t>
+            </a:r>
+            <a:r>
+              <a:rPr lang="en-GB" b="1" dirty="0" err="1"/>
+              <a:t>gridDim</a:t>
+            </a:r>
+            <a:r>
+              <a:rPr lang="en-GB" b="1" dirty="0"/>
+              <a:t> = N / </a:t>
+            </a:r>
+            <a:r>
+              <a:rPr lang="en-GB" b="1" dirty="0" err="1"/>
+              <a:t>blockDim</a:t>
+            </a:r>
+            <a:r>
+              <a:rPr lang="en-GB" b="1" dirty="0"/>
+              <a:t>; </a:t>
+            </a:r>
+            <a:r>
+              <a:rPr lang="en-GB" b="1" dirty="0" smtClean="0"/>
+              <a:t>DNNT </a:t>
+            </a:r>
+            <a:r>
+              <a:rPr lang="en-GB" b="1" dirty="0"/>
+              <a:t>is set of M nearest distances responding to </a:t>
             </a:r>
             <a:r>
               <a:rPr lang="en-GB" b="1" dirty="0" err="1" smtClean="0"/>
@@ -19969,6 +21690,26 @@
             <a:r>
               <a:rPr lang="en-GB" b="1" dirty="0" err="1" smtClean="0"/>
               <a:t>threadIdx.x</a:t>
+            </a:r>
+            <a:r>
+              <a:rPr lang="en-GB" b="1" dirty="0"/>
+              <a:t>; </a:t>
+            </a:r>
+            <a:r>
+              <a:rPr lang="en-GB" b="1" dirty="0" err="1"/>
+              <a:t>gridDim</a:t>
+            </a:r>
+            <a:r>
+              <a:rPr lang="en-GB" b="1" dirty="0"/>
+              <a:t> = N / </a:t>
+            </a:r>
+            <a:r>
+              <a:rPr lang="en-GB" b="1" dirty="0" err="1"/>
+              <a:t>blockDim</a:t>
+            </a:r>
+            <a:r>
+              <a:rPr lang="en-GB" b="1" dirty="0"/>
+              <a:t>;</a:t>
             </a:r>
             <a:endParaRPr lang="en-GB" b="1" dirty="0" smtClean="0"/>
           </a:p>

--- a/trunk/ImageProcessing/Speeding up GFKM.pptx
+++ b/trunk/ImageProcessing/Speeding up GFKM.pptx
@@ -30,6 +30,8 @@
     <p:sldId id="282" r:id="rId24"/>
     <p:sldId id="283" r:id="rId25"/>
     <p:sldId id="285" r:id="rId26"/>
+    <p:sldId id="286" r:id="rId27"/>
+    <p:sldId id="287" r:id="rId28"/>
   </p:sldIdLst>
   <p:sldSz cx="12192000" cy="6858000"/>
   <p:notesSz cx="6858000" cy="9144000"/>
@@ -16723,7 +16725,7 @@
         <p:spPr>
           <a:xfrm>
             <a:off x="1302365" y="1745702"/>
-            <a:ext cx="9719375" cy="4539768"/>
+            <a:ext cx="9719375" cy="4613910"/>
           </a:xfrm>
           <a:prstGeom prst="rect">
             <a:avLst/>
@@ -16877,7 +16879,7 @@
         <p:spPr>
           <a:xfrm>
             <a:off x="2362995" y="1935288"/>
-            <a:ext cx="8453286" cy="1110418"/>
+            <a:ext cx="8453286" cy="1005620"/>
           </a:xfrm>
           <a:prstGeom prst="roundRect">
             <a:avLst/>
@@ -17018,8 +17020,8 @@
         </p:nvCxnSpPr>
         <p:spPr>
           <a:xfrm>
-            <a:off x="6589638" y="4430170"/>
-            <a:ext cx="0" cy="274046"/>
+            <a:off x="6589638" y="4234249"/>
+            <a:ext cx="0" cy="288734"/>
           </a:xfrm>
           <a:prstGeom prst="straightConnector1">
             <a:avLst/>
@@ -17054,8 +17056,8 @@
         </p:nvCxnSpPr>
         <p:spPr>
           <a:xfrm>
-            <a:off x="6589638" y="3045706"/>
-            <a:ext cx="0" cy="274046"/>
+            <a:off x="6589638" y="2940908"/>
+            <a:ext cx="0" cy="288226"/>
           </a:xfrm>
           <a:prstGeom prst="straightConnector1">
             <a:avLst/>
@@ -17087,8 +17089,8 @@
         </p:nvSpPr>
         <p:spPr>
           <a:xfrm>
-            <a:off x="2362995" y="4704216"/>
-            <a:ext cx="8453286" cy="1354001"/>
+            <a:off x="2362995" y="4522983"/>
+            <a:ext cx="8453286" cy="1605968"/>
           </a:xfrm>
           <a:prstGeom prst="roundRect">
             <a:avLst/>
@@ -17117,6 +17119,18 @@
             <a:pPr algn="ctr"/>
             <a:r>
               <a:rPr lang="en-US" b="1" dirty="0" smtClean="0"/>
+              <a:t>Gathering memberships </a:t>
+            </a:r>
+            <a:r>
+              <a:rPr lang="en-US" b="1" dirty="0"/>
+              <a:t>and point indices</a:t>
+            </a:r>
+            <a:endParaRPr lang="en-US" b="1" dirty="0" smtClean="0"/>
+          </a:p>
+          <a:p>
+            <a:pPr algn="ctr"/>
+            <a:r>
+              <a:rPr lang="en-US" b="1" dirty="0" smtClean="0"/>
               <a:t>Thread </a:t>
             </a:r>
             <a:r>
@@ -17222,6 +17236,30 @@
           <a:p>
             <a:pPr algn="ctr"/>
             <a:r>
+              <a:rPr lang="en-US" b="1" dirty="0" err="1"/>
+              <a:t>sortedMemberships</a:t>
+            </a:r>
+            <a:r>
+              <a:rPr lang="en-US" b="1" dirty="0"/>
+              <a:t>(</a:t>
+            </a:r>
+            <a:r>
+              <a:rPr lang="en-US" b="1" dirty="0" err="1"/>
+              <a:t>idx</a:t>
+            </a:r>
+            <a:r>
+              <a:rPr lang="en-US" b="1" dirty="0"/>
+              <a:t>) = U(</a:t>
+            </a:r>
+            <a:r>
+              <a:rPr lang="en-US" b="1" dirty="0" err="1"/>
+              <a:t>i</a:t>
+            </a:r>
+            <a:r>
+              <a:rPr lang="en-US" b="1" dirty="0" smtClean="0"/>
+              <a:t>); </a:t>
+            </a:r>
+            <a:r>
               <a:rPr lang="en-US" b="1" dirty="0" err="1" smtClean="0"/>
               <a:t>sortedPointIndices</a:t>
             </a:r>
@@ -17243,35 +17281,7 @@
             </a:r>
             <a:r>
               <a:rPr lang="en-US" b="1" dirty="0" smtClean="0"/>
-              <a:t>/M; </a:t>
-            </a:r>
-            <a:r>
-              <a:rPr lang="en-US" b="1" dirty="0" err="1" smtClean="0"/>
-              <a:t>sortedMemberships</a:t>
-            </a:r>
-            <a:r>
-              <a:rPr lang="en-US" b="1" dirty="0" smtClean="0"/>
-              <a:t>(</a:t>
-            </a:r>
-            <a:r>
-              <a:rPr lang="en-US" b="1" dirty="0" err="1" smtClean="0"/>
-              <a:t>idx</a:t>
-            </a:r>
-            <a:r>
-              <a:rPr lang="en-US" b="1" dirty="0"/>
-              <a:t>) = </a:t>
-            </a:r>
-            <a:r>
-              <a:rPr lang="en-US" b="1" dirty="0" smtClean="0"/>
-              <a:t>U(</a:t>
-            </a:r>
-            <a:r>
-              <a:rPr lang="en-US" b="1" dirty="0" err="1" smtClean="0"/>
-              <a:t>i</a:t>
-            </a:r>
-            <a:r>
-              <a:rPr lang="en-US" b="1" dirty="0" smtClean="0"/>
-              <a:t>);</a:t>
+              <a:t>/M;</a:t>
             </a:r>
             <a:endParaRPr lang="en-US" b="1" dirty="0"/>
           </a:p>
@@ -17285,8 +17295,8 @@
         </p:nvSpPr>
         <p:spPr>
           <a:xfrm>
-            <a:off x="2362995" y="3319752"/>
-            <a:ext cx="8453286" cy="1110418"/>
+            <a:off x="2362995" y="3229134"/>
+            <a:ext cx="8453286" cy="1005115"/>
           </a:xfrm>
           <a:prstGeom prst="roundRect">
             <a:avLst/>
@@ -17892,16 +17902,12 @@
           <a:p>
             <a:pPr algn="just"/>
             <a:r>
-              <a:rPr lang="en-US" b="1" dirty="0"/>
+              <a:rPr lang="en-US" dirty="0"/>
               <a:t>Calculating the starting index for each </a:t>
             </a:r>
             <a:r>
-              <a:rPr lang="en-US" b="1" dirty="0" smtClean="0"/>
-              <a:t>cluster</a:t>
-            </a:r>
-            <a:r>
               <a:rPr lang="en-US" dirty="0" smtClean="0"/>
-              <a:t>: thrust</a:t>
+              <a:t>cluster: thrust</a:t>
             </a:r>
             <a:r>
               <a:rPr lang="en-US" dirty="0"/>
@@ -18023,12 +18029,12 @@
               <a:t>Gathering </a:t>
             </a:r>
             <a:r>
-              <a:rPr lang="en-US" dirty="0" err="1"/>
-              <a:t>membeships</a:t>
+              <a:rPr lang="en-US" dirty="0" smtClean="0"/>
+              <a:t>memberships </a:t>
             </a:r>
             <a:r>
               <a:rPr lang="en-US" dirty="0"/>
-              <a:t> and point </a:t>
+              <a:t>and point </a:t>
             </a:r>
             <a:r>
               <a:rPr lang="en-US" dirty="0" smtClean="0"/>
@@ -18351,6 +18357,1249 @@
     <p:extLst>
       <p:ext uri="{BB962C8B-B14F-4D97-AF65-F5344CB8AC3E}">
         <p14:creationId xmlns:p14="http://schemas.microsoft.com/office/powerpoint/2010/main" val="3409882444"/>
+      </p:ext>
+    </p:extLst>
+  </p:cSld>
+  <p:clrMapOvr>
+    <a:masterClrMapping/>
+  </p:clrMapOvr>
+  <p:timing>
+    <p:tnLst>
+      <p:par>
+        <p:cTn id="1" dur="indefinite" restart="never" nodeType="tmRoot"/>
+      </p:par>
+    </p:tnLst>
+  </p:timing>
+</p:sld>
+</file>
+
+<file path=ppt/slides/slide26.xml><?xml version="1.0" encoding="utf-8"?>
+<p:sld xmlns:a="http://schemas.openxmlformats.org/drawingml/2006/main" xmlns:r="http://schemas.openxmlformats.org/officeDocument/2006/relationships" xmlns:p="http://schemas.openxmlformats.org/presentationml/2006/main">
+  <p:cSld>
+    <p:spTree>
+      <p:nvGrpSpPr>
+        <p:cNvPr id="1" name=""/>
+        <p:cNvGrpSpPr/>
+        <p:nvPr/>
+      </p:nvGrpSpPr>
+      <p:grpSpPr>
+        <a:xfrm>
+          <a:off x="0" y="0"/>
+          <a:ext cx="0" cy="0"/>
+          <a:chOff x="0" y="0"/>
+          <a:chExt cx="0" cy="0"/>
+        </a:xfrm>
+      </p:grpSpPr>
+      <p:sp>
+        <p:nvSpPr>
+          <p:cNvPr id="2" name="Title 1"/>
+          <p:cNvSpPr>
+            <a:spLocks noGrp="1"/>
+          </p:cNvSpPr>
+          <p:nvPr>
+            <p:ph type="title"/>
+          </p:nvPr>
+        </p:nvSpPr>
+        <p:spPr/>
+        <p:txBody>
+          <a:bodyPr/>
+          <a:lstStyle/>
+          <a:p>
+            <a:pPr algn="ctr"/>
+            <a:r>
+              <a:rPr lang="en-US" dirty="0" smtClean="0"/>
+              <a:t>CALCULATING NEW CENTROIDS</a:t>
+            </a:r>
+            <a:endParaRPr lang="en-US" dirty="0"/>
+          </a:p>
+        </p:txBody>
+      </p:sp>
+      <p:sp>
+        <p:nvSpPr>
+          <p:cNvPr id="3" name="Content Placeholder 2"/>
+          <p:cNvSpPr>
+            <a:spLocks noGrp="1"/>
+          </p:cNvSpPr>
+          <p:nvPr>
+            <p:ph idx="1"/>
+          </p:nvPr>
+        </p:nvSpPr>
+        <p:spPr>
+          <a:xfrm>
+            <a:off x="1141412" y="2097087"/>
+            <a:ext cx="9905999" cy="4105749"/>
+          </a:xfrm>
+        </p:spPr>
+        <p:txBody>
+          <a:bodyPr>
+            <a:normAutofit fontScale="92500"/>
+          </a:bodyPr>
+          <a:lstStyle/>
+          <a:p>
+            <a:pPr algn="just"/>
+            <a:r>
+              <a:rPr lang="en-US" dirty="0"/>
+              <a:t>After </a:t>
+            </a:r>
+            <a:r>
+              <a:rPr lang="en-US" dirty="0" smtClean="0"/>
+              <a:t>transposing the </a:t>
+            </a:r>
+            <a:r>
+              <a:rPr lang="en-US" dirty="0" smtClean="0"/>
+              <a:t>data point, sorting array NNT, </a:t>
+            </a:r>
+            <a:r>
+              <a:rPr lang="en-US" dirty="0"/>
+              <a:t>and gathering </a:t>
+            </a:r>
+            <a:r>
+              <a:rPr lang="en-US" dirty="0" smtClean="0"/>
+              <a:t>memberships </a:t>
+            </a:r>
+            <a:r>
+              <a:rPr lang="en-US" dirty="0"/>
+              <a:t>and point </a:t>
+            </a:r>
+            <a:r>
+              <a:rPr lang="en-US" dirty="0" smtClean="0"/>
+              <a:t>indices</a:t>
+            </a:r>
+            <a:r>
+              <a:rPr lang="en-US" dirty="0" smtClean="0"/>
+              <a:t>, </a:t>
+            </a:r>
+            <a:r>
+              <a:rPr lang="en-US" dirty="0"/>
+              <a:t>we </a:t>
+            </a:r>
+            <a:r>
+              <a:rPr lang="en-US" dirty="0" smtClean="0"/>
+              <a:t>also use </a:t>
+            </a:r>
+            <a:r>
+              <a:rPr lang="en-US" dirty="0"/>
+              <a:t>the parallel reduction algorithm </a:t>
+            </a:r>
+            <a:r>
+              <a:rPr lang="en-US" dirty="0" smtClean="0"/>
+              <a:t>for </a:t>
+            </a:r>
+            <a:r>
+              <a:rPr lang="en-US" dirty="0"/>
+              <a:t>the </a:t>
+            </a:r>
+            <a:r>
+              <a:rPr lang="en-US" dirty="0" smtClean="0"/>
+              <a:t>reducing </a:t>
+            </a:r>
+            <a:r>
+              <a:rPr lang="en-US" b="1" dirty="0" err="1" smtClean="0"/>
+              <a:t>U’</a:t>
+            </a:r>
+            <a:r>
+              <a:rPr lang="en-US" b="1" baseline="-25000" dirty="0" err="1" smtClean="0"/>
+              <a:t>i,l</a:t>
+            </a:r>
+            <a:r>
+              <a:rPr lang="en-US" b="1" baseline="30000" dirty="0" err="1" smtClean="0"/>
+              <a:t>q</a:t>
+            </a:r>
+            <a:r>
+              <a:rPr lang="en-US" b="1" dirty="0" smtClean="0"/>
+              <a:t> </a:t>
+            </a:r>
+            <a:r>
+              <a:rPr lang="en-US" dirty="0" smtClean="0"/>
+              <a:t>for </a:t>
+            </a:r>
+            <a:r>
+              <a:rPr lang="en-US" dirty="0"/>
+              <a:t>the </a:t>
+            </a:r>
+            <a:r>
+              <a:rPr lang="en-US" i="1" dirty="0" err="1"/>
+              <a:t>j</a:t>
+            </a:r>
+            <a:r>
+              <a:rPr lang="en-US" dirty="0" err="1"/>
+              <a:t>th</a:t>
+            </a:r>
+            <a:r>
+              <a:rPr lang="en-US" dirty="0"/>
+              <a:t> cluster as </a:t>
+            </a:r>
+            <a:r>
+              <a:rPr lang="en-US" dirty="0" smtClean="0"/>
+              <a:t>well </a:t>
+            </a:r>
+            <a:r>
+              <a:rPr lang="en-US" b="1" dirty="0" err="1" smtClean="0"/>
+              <a:t>U’</a:t>
+            </a:r>
+            <a:r>
+              <a:rPr lang="en-US" b="1" baseline="-25000" dirty="0" err="1" smtClean="0"/>
+              <a:t>i,l</a:t>
+            </a:r>
+            <a:r>
+              <a:rPr lang="en-US" b="1" baseline="30000" dirty="0" err="1" smtClean="0"/>
+              <a:t>q</a:t>
+            </a:r>
+            <a:r>
+              <a:rPr lang="en-US" b="1" dirty="0" smtClean="0"/>
+              <a:t> </a:t>
+            </a:r>
+            <a:r>
+              <a:rPr lang="en-US" b="1" dirty="0"/>
+              <a:t>* X</a:t>
+            </a:r>
+            <a:r>
+              <a:rPr lang="en-US" b="1" baseline="-25000" dirty="0"/>
+              <a:t>i</a:t>
+            </a:r>
+            <a:r>
+              <a:rPr lang="en-US" dirty="0" smtClean="0"/>
+              <a:t> </a:t>
+            </a:r>
+            <a:r>
+              <a:rPr lang="en-US" dirty="0"/>
+              <a:t>for the </a:t>
+            </a:r>
+            <a:r>
+              <a:rPr lang="en-US" i="1" dirty="0" err="1"/>
+              <a:t>j</a:t>
+            </a:r>
+            <a:r>
+              <a:rPr lang="en-US" dirty="0" err="1"/>
+              <a:t>th</a:t>
+            </a:r>
+            <a:r>
+              <a:rPr lang="en-US" dirty="0"/>
+              <a:t> cluster and the </a:t>
+            </a:r>
+            <a:r>
+              <a:rPr lang="en-US" i="1" dirty="0" err="1"/>
+              <a:t>x</a:t>
+            </a:r>
+            <a:r>
+              <a:rPr lang="en-US" dirty="0" err="1"/>
+              <a:t>th</a:t>
+            </a:r>
+            <a:r>
+              <a:rPr lang="en-US" dirty="0"/>
+              <a:t> dimension</a:t>
+            </a:r>
+            <a:r>
+              <a:rPr lang="en-US" dirty="0" smtClean="0"/>
+              <a:t>.</a:t>
+            </a:r>
+          </a:p>
+          <a:p>
+            <a:pPr algn="just"/>
+            <a:r>
+              <a:rPr lang="en-US" dirty="0"/>
+              <a:t>The above algorithms may be executed concurrently or </a:t>
+            </a:r>
+            <a:r>
+              <a:rPr lang="en-US" dirty="0" smtClean="0"/>
+              <a:t>interleaved in six </a:t>
+            </a:r>
+            <a:r>
+              <a:rPr lang="en-US" dirty="0"/>
+              <a:t>different streams in our experimental condition. </a:t>
+            </a:r>
+          </a:p>
+          <a:p>
+            <a:pPr algn="just"/>
+            <a:r>
+              <a:rPr lang="en-US" dirty="0" smtClean="0"/>
+              <a:t>Then, on the small output </a:t>
+            </a:r>
+            <a:r>
+              <a:rPr lang="en-US" dirty="0"/>
+              <a:t>block </a:t>
+            </a:r>
+            <a:r>
+              <a:rPr lang="en-US" dirty="0" smtClean="0"/>
+              <a:t>sums, </a:t>
+            </a:r>
+            <a:r>
+              <a:rPr lang="en-US" dirty="0"/>
+              <a:t>the calculating new centroids</a:t>
+            </a:r>
+            <a:r>
+              <a:rPr lang="en-US" dirty="0" smtClean="0"/>
+              <a:t> can </a:t>
+            </a:r>
+            <a:r>
+              <a:rPr lang="en-US" dirty="0"/>
+              <a:t>run very fast on CPUs.</a:t>
+            </a:r>
+            <a:endParaRPr lang="en-US" dirty="0" smtClean="0"/>
+          </a:p>
+          <a:p>
+            <a:pPr algn="just"/>
+            <a:endParaRPr lang="en-US" dirty="0" smtClean="0"/>
+          </a:p>
+        </p:txBody>
+      </p:sp>
+    </p:spTree>
+    <p:extLst>
+      <p:ext uri="{BB962C8B-B14F-4D97-AF65-F5344CB8AC3E}">
+        <p14:creationId xmlns:p14="http://schemas.microsoft.com/office/powerpoint/2010/main" val="1576716881"/>
+      </p:ext>
+    </p:extLst>
+  </p:cSld>
+  <p:clrMapOvr>
+    <a:masterClrMapping/>
+  </p:clrMapOvr>
+  <p:timing>
+    <p:tnLst>
+      <p:par>
+        <p:cTn id="1" dur="indefinite" restart="never" nodeType="tmRoot"/>
+      </p:par>
+    </p:tnLst>
+  </p:timing>
+</p:sld>
+</file>
+
+<file path=ppt/slides/slide27.xml><?xml version="1.0" encoding="utf-8"?>
+<p:sld xmlns:a="http://schemas.openxmlformats.org/drawingml/2006/main" xmlns:r="http://schemas.openxmlformats.org/officeDocument/2006/relationships" xmlns:p="http://schemas.openxmlformats.org/presentationml/2006/main">
+  <p:cSld>
+    <p:spTree>
+      <p:nvGrpSpPr>
+        <p:cNvPr id="1" name=""/>
+        <p:cNvGrpSpPr/>
+        <p:nvPr/>
+      </p:nvGrpSpPr>
+      <p:grpSpPr>
+        <a:xfrm>
+          <a:off x="0" y="0"/>
+          <a:ext cx="0" cy="0"/>
+          <a:chOff x="0" y="0"/>
+          <a:chExt cx="0" cy="0"/>
+        </a:xfrm>
+      </p:grpSpPr>
+      <p:sp>
+        <p:nvSpPr>
+          <p:cNvPr id="2" name="Title 1"/>
+          <p:cNvSpPr>
+            <a:spLocks noGrp="1"/>
+          </p:cNvSpPr>
+          <p:nvPr>
+            <p:ph type="title"/>
+          </p:nvPr>
+        </p:nvSpPr>
+        <p:spPr>
+          <a:xfrm>
+            <a:off x="1140076" y="74741"/>
+            <a:ext cx="9905998" cy="1478570"/>
+          </a:xfrm>
+        </p:spPr>
+        <p:txBody>
+          <a:bodyPr/>
+          <a:lstStyle/>
+          <a:p>
+            <a:pPr algn="ctr"/>
+            <a:r>
+              <a:rPr lang="en-US" dirty="0"/>
+              <a:t>CALCULATING </a:t>
+            </a:r>
+            <a:r>
+              <a:rPr lang="en-US" dirty="0" smtClean="0"/>
+              <a:t>NEW CENTROIDS ON GPU</a:t>
+            </a:r>
+            <a:endParaRPr lang="en-US" dirty="0"/>
+          </a:p>
+        </p:txBody>
+      </p:sp>
+      <p:sp>
+        <p:nvSpPr>
+          <p:cNvPr id="19" name="Rectangle 18"/>
+          <p:cNvSpPr/>
+          <p:nvPr/>
+        </p:nvSpPr>
+        <p:spPr>
+          <a:xfrm>
+            <a:off x="1520491" y="1429447"/>
+            <a:ext cx="2746710" cy="4793557"/>
+          </a:xfrm>
+          <a:prstGeom prst="rect">
+            <a:avLst/>
+          </a:prstGeom>
+        </p:spPr>
+        <p:style>
+          <a:lnRef idx="1">
+            <a:schemeClr val="accent2"/>
+          </a:lnRef>
+          <a:fillRef idx="2">
+            <a:schemeClr val="accent2"/>
+          </a:fillRef>
+          <a:effectRef idx="1">
+            <a:schemeClr val="accent2"/>
+          </a:effectRef>
+          <a:fontRef idx="minor">
+            <a:schemeClr val="dk1"/>
+          </a:fontRef>
+        </p:style>
+        <p:txBody>
+          <a:bodyPr rtlCol="0" anchor="ctr"/>
+          <a:lstStyle/>
+          <a:p>
+            <a:pPr algn="ctr"/>
+            <a:endParaRPr lang="en-US" dirty="0"/>
+          </a:p>
+        </p:txBody>
+      </p:sp>
+      <p:sp>
+        <p:nvSpPr>
+          <p:cNvPr id="20" name="Rectangle 19"/>
+          <p:cNvSpPr/>
+          <p:nvPr/>
+        </p:nvSpPr>
+        <p:spPr>
+          <a:xfrm>
+            <a:off x="4754675" y="1429448"/>
+            <a:ext cx="5921563" cy="4793557"/>
+          </a:xfrm>
+          <a:prstGeom prst="rect">
+            <a:avLst/>
+          </a:prstGeom>
+        </p:spPr>
+        <p:style>
+          <a:lnRef idx="1">
+            <a:schemeClr val="accent2"/>
+          </a:lnRef>
+          <a:fillRef idx="2">
+            <a:schemeClr val="accent2"/>
+          </a:fillRef>
+          <a:effectRef idx="1">
+            <a:schemeClr val="accent2"/>
+          </a:effectRef>
+          <a:fontRef idx="minor">
+            <a:schemeClr val="dk1"/>
+          </a:fontRef>
+        </p:style>
+        <p:txBody>
+          <a:bodyPr rtlCol="0" anchor="ctr"/>
+          <a:lstStyle/>
+          <a:p>
+            <a:pPr algn="ctr"/>
+            <a:endParaRPr lang="en-US" dirty="0"/>
+          </a:p>
+        </p:txBody>
+      </p:sp>
+      <p:sp>
+        <p:nvSpPr>
+          <p:cNvPr id="22" name="Rounded Rectangle 21"/>
+          <p:cNvSpPr/>
+          <p:nvPr/>
+        </p:nvSpPr>
+        <p:spPr>
+          <a:xfrm>
+            <a:off x="4982655" y="1549916"/>
+            <a:ext cx="691977" cy="399255"/>
+          </a:xfrm>
+          <a:prstGeom prst="roundRect">
+            <a:avLst/>
+          </a:prstGeom>
+        </p:spPr>
+        <p:style>
+          <a:lnRef idx="1">
+            <a:schemeClr val="accent1"/>
+          </a:lnRef>
+          <a:fillRef idx="2">
+            <a:schemeClr val="accent1"/>
+          </a:fillRef>
+          <a:effectRef idx="1">
+            <a:schemeClr val="accent1"/>
+          </a:effectRef>
+          <a:fontRef idx="minor">
+            <a:schemeClr val="dk1"/>
+          </a:fontRef>
+        </p:style>
+        <p:txBody>
+          <a:bodyPr rtlCol="0" anchor="ctr"/>
+          <a:lstStyle/>
+          <a:p>
+            <a:pPr lvl="0" algn="ctr"/>
+            <a:r>
+              <a:rPr lang="en-US" b="1" dirty="0" smtClean="0">
+                <a:ln w="0"/>
+                <a:solidFill>
+                  <a:schemeClr val="bg1"/>
+                </a:solidFill>
+              </a:rPr>
+              <a:t>GPU</a:t>
+            </a:r>
+            <a:endParaRPr lang="en-US" b="1" dirty="0">
+              <a:ln w="0"/>
+              <a:solidFill>
+                <a:schemeClr val="bg1"/>
+              </a:solidFill>
+            </a:endParaRPr>
+          </a:p>
+        </p:txBody>
+      </p:sp>
+      <p:sp>
+        <p:nvSpPr>
+          <p:cNvPr id="23" name="Rounded Rectangle 22"/>
+          <p:cNvSpPr/>
+          <p:nvPr/>
+        </p:nvSpPr>
+        <p:spPr>
+          <a:xfrm>
+            <a:off x="1730696" y="1549916"/>
+            <a:ext cx="667263" cy="399255"/>
+          </a:xfrm>
+          <a:prstGeom prst="roundRect">
+            <a:avLst/>
+          </a:prstGeom>
+        </p:spPr>
+        <p:style>
+          <a:lnRef idx="1">
+            <a:schemeClr val="accent1"/>
+          </a:lnRef>
+          <a:fillRef idx="2">
+            <a:schemeClr val="accent1"/>
+          </a:fillRef>
+          <a:effectRef idx="1">
+            <a:schemeClr val="accent1"/>
+          </a:effectRef>
+          <a:fontRef idx="minor">
+            <a:schemeClr val="dk1"/>
+          </a:fontRef>
+        </p:style>
+        <p:txBody>
+          <a:bodyPr rtlCol="0" anchor="ctr"/>
+          <a:lstStyle/>
+          <a:p>
+            <a:pPr lvl="0" algn="ctr"/>
+            <a:r>
+              <a:rPr lang="en-US" b="1" dirty="0" smtClean="0">
+                <a:ln w="0"/>
+                <a:solidFill>
+                  <a:schemeClr val="bg1"/>
+                </a:solidFill>
+              </a:rPr>
+              <a:t>CPU</a:t>
+            </a:r>
+            <a:endParaRPr lang="en-US" b="1" dirty="0">
+              <a:ln w="0"/>
+              <a:solidFill>
+                <a:schemeClr val="bg1"/>
+              </a:solidFill>
+            </a:endParaRPr>
+          </a:p>
+        </p:txBody>
+      </p:sp>
+      <p:sp>
+        <p:nvSpPr>
+          <p:cNvPr id="24" name="Rounded Rectangle 23"/>
+          <p:cNvSpPr/>
+          <p:nvPr/>
+        </p:nvSpPr>
+        <p:spPr>
+          <a:xfrm>
+            <a:off x="4994916" y="2870613"/>
+            <a:ext cx="5450758" cy="405729"/>
+          </a:xfrm>
+          <a:prstGeom prst="roundRect">
+            <a:avLst/>
+          </a:prstGeom>
+        </p:spPr>
+        <p:style>
+          <a:lnRef idx="2">
+            <a:schemeClr val="accent2">
+              <a:shade val="50000"/>
+            </a:schemeClr>
+          </a:lnRef>
+          <a:fillRef idx="1">
+            <a:schemeClr val="accent2"/>
+          </a:fillRef>
+          <a:effectRef idx="0">
+            <a:schemeClr val="accent2"/>
+          </a:effectRef>
+          <a:fontRef idx="minor">
+            <a:schemeClr val="lt1"/>
+          </a:fontRef>
+        </p:style>
+        <p:txBody>
+          <a:bodyPr rtlCol="0" anchor="ctr"/>
+          <a:lstStyle/>
+          <a:p>
+            <a:pPr algn="ctr"/>
+            <a:r>
+              <a:rPr lang="en-US" b="1" dirty="0" smtClean="0"/>
+              <a:t>For j = 1 to k</a:t>
+            </a:r>
+            <a:endParaRPr lang="en-US" b="1" dirty="0"/>
+          </a:p>
+        </p:txBody>
+      </p:sp>
+      <p:sp>
+        <p:nvSpPr>
+          <p:cNvPr id="25" name="Rounded Rectangle 24"/>
+          <p:cNvSpPr/>
+          <p:nvPr/>
+        </p:nvSpPr>
+        <p:spPr>
+          <a:xfrm>
+            <a:off x="1798733" y="3473932"/>
+            <a:ext cx="1828050" cy="704585"/>
+          </a:xfrm>
+          <a:prstGeom prst="roundRect">
+            <a:avLst/>
+          </a:prstGeom>
+        </p:spPr>
+        <p:style>
+          <a:lnRef idx="2">
+            <a:schemeClr val="accent2">
+              <a:shade val="50000"/>
+            </a:schemeClr>
+          </a:lnRef>
+          <a:fillRef idx="1">
+            <a:schemeClr val="accent2"/>
+          </a:fillRef>
+          <a:effectRef idx="0">
+            <a:schemeClr val="accent2"/>
+          </a:effectRef>
+          <a:fontRef idx="minor">
+            <a:schemeClr val="lt1"/>
+          </a:fontRef>
+        </p:style>
+        <p:txBody>
+          <a:bodyPr rtlCol="0" anchor="ctr"/>
+          <a:lstStyle/>
+          <a:p>
+            <a:r>
+              <a:rPr lang="en-US" b="1" dirty="0" smtClean="0"/>
+              <a:t>Calculate new Centroids</a:t>
+            </a:r>
+            <a:endParaRPr lang="en-US" b="1" dirty="0"/>
+          </a:p>
+        </p:txBody>
+      </p:sp>
+      <p:sp>
+        <p:nvSpPr>
+          <p:cNvPr id="27" name="Rectangle 26"/>
+          <p:cNvSpPr/>
+          <p:nvPr/>
+        </p:nvSpPr>
+        <p:spPr>
+          <a:xfrm>
+            <a:off x="4982655" y="3399792"/>
+            <a:ext cx="5450759" cy="2729619"/>
+          </a:xfrm>
+          <a:prstGeom prst="rect">
+            <a:avLst/>
+          </a:prstGeom>
+        </p:spPr>
+        <p:style>
+          <a:lnRef idx="2">
+            <a:schemeClr val="accent1"/>
+          </a:lnRef>
+          <a:fillRef idx="1">
+            <a:schemeClr val="lt1"/>
+          </a:fillRef>
+          <a:effectRef idx="0">
+            <a:schemeClr val="accent1"/>
+          </a:effectRef>
+          <a:fontRef idx="minor">
+            <a:schemeClr val="dk1"/>
+          </a:fontRef>
+        </p:style>
+        <p:txBody>
+          <a:bodyPr rtlCol="0" anchor="ctr"/>
+          <a:lstStyle/>
+          <a:p>
+            <a:pPr algn="ctr"/>
+            <a:endParaRPr lang="en-US"/>
+          </a:p>
+        </p:txBody>
+      </p:sp>
+      <p:sp>
+        <p:nvSpPr>
+          <p:cNvPr id="26" name="Rounded Rectangle 25"/>
+          <p:cNvSpPr/>
+          <p:nvPr/>
+        </p:nvSpPr>
+        <p:spPr>
+          <a:xfrm>
+            <a:off x="5242148" y="3590307"/>
+            <a:ext cx="4956293" cy="471838"/>
+          </a:xfrm>
+          <a:prstGeom prst="roundRect">
+            <a:avLst/>
+          </a:prstGeom>
+        </p:spPr>
+        <p:style>
+          <a:lnRef idx="2">
+            <a:schemeClr val="accent2">
+              <a:shade val="50000"/>
+            </a:schemeClr>
+          </a:lnRef>
+          <a:fillRef idx="1">
+            <a:schemeClr val="accent2"/>
+          </a:fillRef>
+          <a:effectRef idx="0">
+            <a:schemeClr val="accent2"/>
+          </a:effectRef>
+          <a:fontRef idx="minor">
+            <a:schemeClr val="lt1"/>
+          </a:fontRef>
+        </p:style>
+        <p:txBody>
+          <a:bodyPr rtlCol="0" anchor="ctr"/>
+          <a:lstStyle/>
+          <a:p>
+            <a:pPr algn="ctr"/>
+            <a:r>
+              <a:rPr lang="en-US" b="1" dirty="0" smtClean="0"/>
+              <a:t>Stream </a:t>
+            </a:r>
+            <a:r>
+              <a:rPr lang="en-US" b="1" dirty="0"/>
+              <a:t>#1 </a:t>
+            </a:r>
+            <a:r>
+              <a:rPr lang="en-US" b="1" dirty="0" smtClean="0"/>
+              <a:t>reduces </a:t>
+            </a:r>
+            <a:r>
+              <a:rPr lang="en-US" b="1" dirty="0" err="1" smtClean="0"/>
+              <a:t>U’</a:t>
+            </a:r>
+            <a:r>
+              <a:rPr lang="en-US" b="1" baseline="-25000" dirty="0" err="1" smtClean="0"/>
+              <a:t>i,l</a:t>
+            </a:r>
+            <a:r>
+              <a:rPr lang="en-US" b="1" baseline="30000" dirty="0" err="1" smtClean="0"/>
+              <a:t>q</a:t>
+            </a:r>
+            <a:r>
+              <a:rPr lang="en-US" b="1" dirty="0"/>
+              <a:t> </a:t>
+            </a:r>
+            <a:r>
+              <a:rPr lang="en-US" b="1" dirty="0" smtClean="0"/>
+              <a:t>(</a:t>
+            </a:r>
+            <a:r>
+              <a:rPr lang="en-US" b="1" dirty="0" err="1" smtClean="0"/>
+              <a:t>U’</a:t>
+            </a:r>
+            <a:r>
+              <a:rPr lang="en-US" b="1" baseline="-25000" dirty="0" err="1" smtClean="0"/>
+              <a:t>i,l</a:t>
+            </a:r>
+            <a:r>
+              <a:rPr lang="en-US" b="1" baseline="30000" dirty="0" err="1" smtClean="0"/>
+              <a:t>q</a:t>
+            </a:r>
+            <a:r>
+              <a:rPr lang="en-US" b="1" dirty="0" smtClean="0"/>
+              <a:t> ∈ cluster #j)</a:t>
+            </a:r>
+            <a:endParaRPr lang="en-US" b="1" dirty="0"/>
+          </a:p>
+        </p:txBody>
+      </p:sp>
+      <p:cxnSp>
+        <p:nvCxnSpPr>
+          <p:cNvPr id="91" name="Straight Arrow Connector 90"/>
+          <p:cNvCxnSpPr>
+            <a:stCxn id="24" idx="2"/>
+            <a:endCxn id="26" idx="0"/>
+          </p:cNvCxnSpPr>
+          <p:nvPr/>
+        </p:nvCxnSpPr>
+        <p:spPr>
+          <a:xfrm>
+            <a:off x="7720295" y="3276342"/>
+            <a:ext cx="0" cy="313965"/>
+          </a:xfrm>
+          <a:prstGeom prst="straightConnector1">
+            <a:avLst/>
+          </a:prstGeom>
+          <a:ln w="44450">
+            <a:tailEnd type="triangle"/>
+          </a:ln>
+        </p:spPr>
+        <p:style>
+          <a:lnRef idx="1">
+            <a:schemeClr val="accent1"/>
+          </a:lnRef>
+          <a:fillRef idx="0">
+            <a:schemeClr val="accent1"/>
+          </a:fillRef>
+          <a:effectRef idx="0">
+            <a:schemeClr val="accent1"/>
+          </a:effectRef>
+          <a:fontRef idx="minor">
+            <a:schemeClr val="tx1"/>
+          </a:fontRef>
+        </p:style>
+      </p:cxnSp>
+      <p:sp>
+        <p:nvSpPr>
+          <p:cNvPr id="28" name="Rounded Rectangle 27"/>
+          <p:cNvSpPr/>
+          <p:nvPr/>
+        </p:nvSpPr>
+        <p:spPr>
+          <a:xfrm>
+            <a:off x="5242149" y="4312107"/>
+            <a:ext cx="4956294" cy="449588"/>
+          </a:xfrm>
+          <a:prstGeom prst="roundRect">
+            <a:avLst/>
+          </a:prstGeom>
+        </p:spPr>
+        <p:style>
+          <a:lnRef idx="2">
+            <a:schemeClr val="accent2">
+              <a:shade val="50000"/>
+            </a:schemeClr>
+          </a:lnRef>
+          <a:fillRef idx="1">
+            <a:schemeClr val="accent2"/>
+          </a:fillRef>
+          <a:effectRef idx="0">
+            <a:schemeClr val="accent2"/>
+          </a:effectRef>
+          <a:fontRef idx="minor">
+            <a:schemeClr val="lt1"/>
+          </a:fontRef>
+        </p:style>
+        <p:txBody>
+          <a:bodyPr rtlCol="0" anchor="ctr"/>
+          <a:lstStyle/>
+          <a:p>
+            <a:pPr algn="ctr"/>
+            <a:r>
+              <a:rPr lang="en-US" b="1" dirty="0" smtClean="0"/>
+              <a:t>For x = 1 to d</a:t>
+            </a:r>
+            <a:endParaRPr lang="en-US" b="1" dirty="0"/>
+          </a:p>
+        </p:txBody>
+      </p:sp>
+      <p:cxnSp>
+        <p:nvCxnSpPr>
+          <p:cNvPr id="5" name="Elbow Connector 4"/>
+          <p:cNvCxnSpPr>
+            <a:stCxn id="26" idx="2"/>
+            <a:endCxn id="28" idx="0"/>
+          </p:cNvCxnSpPr>
+          <p:nvPr/>
+        </p:nvCxnSpPr>
+        <p:spPr>
+          <a:xfrm rot="16200000" flipH="1">
+            <a:off x="7595314" y="4187125"/>
+            <a:ext cx="249962" cy="1"/>
+          </a:xfrm>
+          <a:prstGeom prst="bentConnector3">
+            <a:avLst>
+              <a:gd name="adj1" fmla="val 50000"/>
+            </a:avLst>
+          </a:prstGeom>
+          <a:ln w="44450">
+            <a:tailEnd type="triangle"/>
+          </a:ln>
+        </p:spPr>
+        <p:style>
+          <a:lnRef idx="1">
+            <a:schemeClr val="accent1"/>
+          </a:lnRef>
+          <a:fillRef idx="0">
+            <a:schemeClr val="accent1"/>
+          </a:fillRef>
+          <a:effectRef idx="0">
+            <a:schemeClr val="accent1"/>
+          </a:effectRef>
+          <a:fontRef idx="minor">
+            <a:schemeClr val="tx1"/>
+          </a:fontRef>
+        </p:style>
+      </p:cxnSp>
+      <p:sp>
+        <p:nvSpPr>
+          <p:cNvPr id="75" name="Rectangle 74"/>
+          <p:cNvSpPr/>
+          <p:nvPr/>
+        </p:nvSpPr>
+        <p:spPr>
+          <a:xfrm>
+            <a:off x="5242149" y="4916735"/>
+            <a:ext cx="4956293" cy="1051369"/>
+          </a:xfrm>
+          <a:prstGeom prst="rect">
+            <a:avLst/>
+          </a:prstGeom>
+        </p:spPr>
+        <p:style>
+          <a:lnRef idx="2">
+            <a:schemeClr val="accent1"/>
+          </a:lnRef>
+          <a:fillRef idx="1">
+            <a:schemeClr val="lt1"/>
+          </a:fillRef>
+          <a:effectRef idx="0">
+            <a:schemeClr val="accent1"/>
+          </a:effectRef>
+          <a:fontRef idx="minor">
+            <a:schemeClr val="dk1"/>
+          </a:fontRef>
+        </p:style>
+        <p:txBody>
+          <a:bodyPr rtlCol="0" anchor="ctr"/>
+          <a:lstStyle/>
+          <a:p>
+            <a:pPr algn="ctr"/>
+            <a:endParaRPr lang="en-US"/>
+          </a:p>
+        </p:txBody>
+      </p:sp>
+      <p:cxnSp>
+        <p:nvCxnSpPr>
+          <p:cNvPr id="80" name="Straight Arrow Connector 79"/>
+          <p:cNvCxnSpPr>
+            <a:stCxn id="28" idx="2"/>
+            <a:endCxn id="96" idx="0"/>
+          </p:cNvCxnSpPr>
+          <p:nvPr/>
+        </p:nvCxnSpPr>
+        <p:spPr>
+          <a:xfrm flipH="1">
+            <a:off x="7718854" y="4761695"/>
+            <a:ext cx="1442" cy="323434"/>
+          </a:xfrm>
+          <a:prstGeom prst="straightConnector1">
+            <a:avLst/>
+          </a:prstGeom>
+          <a:ln w="44450">
+            <a:tailEnd type="triangle"/>
+          </a:ln>
+        </p:spPr>
+        <p:style>
+          <a:lnRef idx="1">
+            <a:schemeClr val="accent1"/>
+          </a:lnRef>
+          <a:fillRef idx="0">
+            <a:schemeClr val="accent1"/>
+          </a:fillRef>
+          <a:effectRef idx="0">
+            <a:schemeClr val="accent1"/>
+          </a:effectRef>
+          <a:fontRef idx="minor">
+            <a:schemeClr val="tx1"/>
+          </a:fontRef>
+        </p:style>
+      </p:cxnSp>
+      <p:sp>
+        <p:nvSpPr>
+          <p:cNvPr id="96" name="Rounded Rectangle 95"/>
+          <p:cNvSpPr/>
+          <p:nvPr/>
+        </p:nvSpPr>
+        <p:spPr>
+          <a:xfrm>
+            <a:off x="5420497" y="5085129"/>
+            <a:ext cx="4596713" cy="742716"/>
+          </a:xfrm>
+          <a:prstGeom prst="roundRect">
+            <a:avLst/>
+          </a:prstGeom>
+        </p:spPr>
+        <p:style>
+          <a:lnRef idx="2">
+            <a:schemeClr val="accent2">
+              <a:shade val="50000"/>
+            </a:schemeClr>
+          </a:lnRef>
+          <a:fillRef idx="1">
+            <a:schemeClr val="accent2"/>
+          </a:fillRef>
+          <a:effectRef idx="0">
+            <a:schemeClr val="accent2"/>
+          </a:effectRef>
+          <a:fontRef idx="minor">
+            <a:schemeClr val="lt1"/>
+          </a:fontRef>
+        </p:style>
+        <p:txBody>
+          <a:bodyPr rtlCol="0" anchor="ctr"/>
+          <a:lstStyle/>
+          <a:p>
+            <a:pPr algn="ctr"/>
+            <a:r>
+              <a:rPr lang="en-US" b="1" dirty="0" smtClean="0"/>
+              <a:t>Stream #(x </a:t>
+            </a:r>
+            <a:r>
+              <a:rPr lang="en-US" b="1" dirty="0"/>
+              <a:t>mod 5</a:t>
+            </a:r>
+            <a:r>
+              <a:rPr lang="en-US" b="1" dirty="0" smtClean="0"/>
+              <a:t> </a:t>
+            </a:r>
+            <a:r>
+              <a:rPr lang="en-US" b="1" dirty="0"/>
+              <a:t>+ </a:t>
+            </a:r>
+            <a:r>
+              <a:rPr lang="en-US" b="1" dirty="0" smtClean="0"/>
+              <a:t>1) </a:t>
+            </a:r>
+            <a:r>
+              <a:rPr lang="en-US" b="1" dirty="0" smtClean="0"/>
+              <a:t>reduces</a:t>
+            </a:r>
+          </a:p>
+          <a:p>
+            <a:pPr algn="ctr"/>
+            <a:r>
+              <a:rPr lang="en-US" b="1" dirty="0" err="1" smtClean="0"/>
+              <a:t>U’</a:t>
+            </a:r>
+            <a:r>
+              <a:rPr lang="en-US" b="1" baseline="-25000" dirty="0" err="1" smtClean="0"/>
+              <a:t>i,l</a:t>
+            </a:r>
+            <a:r>
+              <a:rPr lang="en-US" b="1" baseline="30000" dirty="0" err="1" smtClean="0"/>
+              <a:t>q</a:t>
+            </a:r>
+            <a:r>
+              <a:rPr lang="en-US" b="1" dirty="0" smtClean="0"/>
+              <a:t> </a:t>
+            </a:r>
+            <a:r>
+              <a:rPr lang="en-US" b="1" dirty="0" smtClean="0"/>
+              <a:t>* </a:t>
+            </a:r>
+            <a:r>
+              <a:rPr lang="en-US" b="1" dirty="0" smtClean="0"/>
+              <a:t>X</a:t>
+            </a:r>
+            <a:r>
+              <a:rPr lang="en-US" b="1" baseline="-25000" dirty="0" smtClean="0"/>
+              <a:t>i </a:t>
+            </a:r>
+            <a:r>
+              <a:rPr lang="en-US" b="1" dirty="0"/>
+              <a:t>(</a:t>
+            </a:r>
+            <a:r>
+              <a:rPr lang="en-US" b="1" dirty="0" smtClean="0"/>
+              <a:t>X</a:t>
+            </a:r>
+            <a:r>
+              <a:rPr lang="en-US" b="1" baseline="-25000" dirty="0" smtClean="0"/>
+              <a:t>i</a:t>
+            </a:r>
+            <a:r>
+              <a:rPr lang="en-US" b="1" dirty="0" smtClean="0"/>
+              <a:t> </a:t>
+            </a:r>
+            <a:r>
+              <a:rPr lang="en-US" b="1" dirty="0"/>
+              <a:t>∈ cluster #</a:t>
+            </a:r>
+            <a:r>
+              <a:rPr lang="en-US" b="1" dirty="0" smtClean="0"/>
+              <a:t>j, dimension x)</a:t>
+            </a:r>
+            <a:endParaRPr lang="en-US" b="1" dirty="0"/>
+          </a:p>
+        </p:txBody>
+      </p:sp>
+      <p:sp>
+        <p:nvSpPr>
+          <p:cNvPr id="206" name="Line Callout 1 205"/>
+          <p:cNvSpPr/>
+          <p:nvPr/>
+        </p:nvSpPr>
+        <p:spPr>
+          <a:xfrm>
+            <a:off x="3032479" y="2881727"/>
+            <a:ext cx="1842373" cy="333104"/>
+          </a:xfrm>
+          <a:prstGeom prst="borderCallout1">
+            <a:avLst>
+              <a:gd name="adj1" fmla="val 99270"/>
+              <a:gd name="adj2" fmla="val 49545"/>
+              <a:gd name="adj3" fmla="val 283021"/>
+              <a:gd name="adj4" fmla="val 79503"/>
+            </a:avLst>
+          </a:prstGeom>
+        </p:spPr>
+        <p:style>
+          <a:lnRef idx="2">
+            <a:schemeClr val="accent1">
+              <a:shade val="50000"/>
+            </a:schemeClr>
+          </a:lnRef>
+          <a:fillRef idx="1">
+            <a:schemeClr val="accent1"/>
+          </a:fillRef>
+          <a:effectRef idx="0">
+            <a:schemeClr val="accent1"/>
+          </a:effectRef>
+          <a:fontRef idx="minor">
+            <a:schemeClr val="lt1"/>
+          </a:fontRef>
+        </p:style>
+        <p:txBody>
+          <a:bodyPr rtlCol="0" anchor="ctr"/>
+          <a:lstStyle/>
+          <a:p>
+            <a:pPr algn="ctr"/>
+            <a:r>
+              <a:rPr lang="en-US" sz="1400" b="1" dirty="0" smtClean="0"/>
+              <a:t>Small block sums</a:t>
+            </a:r>
+            <a:endParaRPr lang="en-US" sz="1300" b="1" baseline="-25000" dirty="0"/>
+          </a:p>
+        </p:txBody>
+      </p:sp>
+      <p:cxnSp>
+        <p:nvCxnSpPr>
+          <p:cNvPr id="207" name="Straight Arrow Connector 206"/>
+          <p:cNvCxnSpPr>
+            <a:stCxn id="20" idx="1"/>
+            <a:endCxn id="25" idx="3"/>
+          </p:cNvCxnSpPr>
+          <p:nvPr/>
+        </p:nvCxnSpPr>
+        <p:spPr>
+          <a:xfrm flipH="1" flipV="1">
+            <a:off x="3626783" y="3826225"/>
+            <a:ext cx="1127892" cy="2"/>
+          </a:xfrm>
+          <a:prstGeom prst="straightConnector1">
+            <a:avLst/>
+          </a:prstGeom>
+          <a:ln w="44450">
+            <a:tailEnd type="triangle"/>
+          </a:ln>
+        </p:spPr>
+        <p:style>
+          <a:lnRef idx="1">
+            <a:schemeClr val="accent1"/>
+          </a:lnRef>
+          <a:fillRef idx="0">
+            <a:schemeClr val="accent1"/>
+          </a:fillRef>
+          <a:effectRef idx="0">
+            <a:schemeClr val="accent1"/>
+          </a:effectRef>
+          <a:fontRef idx="minor">
+            <a:schemeClr val="tx1"/>
+          </a:fontRef>
+        </p:style>
+      </p:cxnSp>
+      <p:sp>
+        <p:nvSpPr>
+          <p:cNvPr id="220" name="Rounded Rectangle 219"/>
+          <p:cNvSpPr/>
+          <p:nvPr/>
+        </p:nvSpPr>
+        <p:spPr>
+          <a:xfrm>
+            <a:off x="4994915" y="2016022"/>
+            <a:ext cx="5450758" cy="629169"/>
+          </a:xfrm>
+          <a:prstGeom prst="roundRect">
+            <a:avLst/>
+          </a:prstGeom>
+        </p:spPr>
+        <p:style>
+          <a:lnRef idx="2">
+            <a:schemeClr val="accent2">
+              <a:shade val="50000"/>
+            </a:schemeClr>
+          </a:lnRef>
+          <a:fillRef idx="1">
+            <a:schemeClr val="accent2"/>
+          </a:fillRef>
+          <a:effectRef idx="0">
+            <a:schemeClr val="accent2"/>
+          </a:effectRef>
+          <a:fontRef idx="minor">
+            <a:schemeClr val="lt1"/>
+          </a:fontRef>
+        </p:style>
+        <p:txBody>
+          <a:bodyPr rtlCol="0" anchor="ctr"/>
+          <a:lstStyle/>
+          <a:p>
+            <a:pPr algn="ctr"/>
+            <a:r>
+              <a:rPr lang="en-US" b="1" dirty="0" smtClean="0"/>
+              <a:t>Transpose data </a:t>
+            </a:r>
+            <a:r>
+              <a:rPr lang="en-US" b="1" dirty="0" smtClean="0"/>
+              <a:t>points,</a:t>
+            </a:r>
+            <a:r>
+              <a:rPr lang="en-US" b="1" dirty="0"/>
+              <a:t> </a:t>
+            </a:r>
+            <a:r>
+              <a:rPr lang="en-US" b="1" dirty="0" smtClean="0"/>
+              <a:t>sort array NNT, gather memberships and point indices</a:t>
+            </a:r>
+            <a:endParaRPr lang="en-US" b="1" dirty="0"/>
+          </a:p>
+        </p:txBody>
+      </p:sp>
+      <p:cxnSp>
+        <p:nvCxnSpPr>
+          <p:cNvPr id="237" name="Elbow Connector 236"/>
+          <p:cNvCxnSpPr>
+            <a:stCxn id="220" idx="2"/>
+            <a:endCxn id="24" idx="0"/>
+          </p:cNvCxnSpPr>
+          <p:nvPr/>
+        </p:nvCxnSpPr>
+        <p:spPr>
+          <a:xfrm rot="16200000" flipH="1">
+            <a:off x="7607583" y="2757901"/>
+            <a:ext cx="225422" cy="1"/>
+          </a:xfrm>
+          <a:prstGeom prst="bentConnector3">
+            <a:avLst>
+              <a:gd name="adj1" fmla="val 50000"/>
+            </a:avLst>
+          </a:prstGeom>
+          <a:ln w="44450">
+            <a:tailEnd type="triangle"/>
+          </a:ln>
+        </p:spPr>
+        <p:style>
+          <a:lnRef idx="1">
+            <a:schemeClr val="accent1"/>
+          </a:lnRef>
+          <a:fillRef idx="0">
+            <a:schemeClr val="accent1"/>
+          </a:fillRef>
+          <a:effectRef idx="0">
+            <a:schemeClr val="accent1"/>
+          </a:effectRef>
+          <a:fontRef idx="minor">
+            <a:schemeClr val="tx1"/>
+          </a:fontRef>
+        </p:style>
+      </p:cxnSp>
+    </p:spTree>
+    <p:extLst>
+      <p:ext uri="{BB962C8B-B14F-4D97-AF65-F5344CB8AC3E}">
+        <p14:creationId xmlns:p14="http://schemas.microsoft.com/office/powerpoint/2010/main" val="530714340"/>
       </p:ext>
     </p:extLst>
   </p:cSld>
@@ -18418,10 +19667,15 @@
             <p:ph idx="1"/>
           </p:nvPr>
         </p:nvSpPr>
-        <p:spPr/>
+        <p:spPr>
+          <a:xfrm>
+            <a:off x="1141412" y="2249486"/>
+            <a:ext cx="9905999" cy="3970081"/>
+          </a:xfrm>
+        </p:spPr>
         <p:txBody>
           <a:bodyPr>
-            <a:normAutofit fontScale="92500" lnSpcReduction="10000"/>
+            <a:normAutofit fontScale="92500"/>
           </a:bodyPr>
           <a:lstStyle/>
           <a:p>
@@ -21085,7 +22339,15 @@
           <a:p>
             <a:r>
               <a:rPr lang="en-US" b="1" dirty="0" smtClean="0"/>
-              <a:t>Update membership for data </a:t>
+              <a:t>Update </a:t>
+            </a:r>
+            <a:r>
+              <a:rPr lang="en-US" b="1" dirty="0" smtClean="0"/>
+              <a:t>memberships </a:t>
+            </a:r>
+            <a:r>
+              <a:rPr lang="en-US" b="1" dirty="0" smtClean="0"/>
+              <a:t>for data </a:t>
             </a:r>
             <a:r>
               <a:rPr lang="en-US" b="1" dirty="0"/>
@@ -21932,7 +23194,15 @@
           <a:p>
             <a:r>
               <a:rPr lang="en-US" b="1" dirty="0" smtClean="0"/>
-              <a:t>Update membership for data </a:t>
+              <a:t>Update </a:t>
+            </a:r>
+            <a:r>
+              <a:rPr lang="en-US" b="1" dirty="0" smtClean="0"/>
+              <a:t>memberships </a:t>
+            </a:r>
+            <a:r>
+              <a:rPr lang="en-US" b="1" dirty="0" smtClean="0"/>
+              <a:t>for data </a:t>
             </a:r>
             <a:r>
               <a:rPr lang="en-US" b="1" dirty="0"/>

--- a/trunk/ImageProcessing/Speeding up GFKM.pptx
+++ b/trunk/ImageProcessing/Speeding up GFKM.pptx
@@ -33,6 +33,10 @@
     <p:sldId id="295" r:id="rId27"/>
     <p:sldId id="296" r:id="rId28"/>
     <p:sldId id="294" r:id="rId29"/>
+    <p:sldId id="297" r:id="rId30"/>
+    <p:sldId id="298" r:id="rId31"/>
+    <p:sldId id="300" r:id="rId32"/>
+    <p:sldId id="299" r:id="rId33"/>
   </p:sldIdLst>
   <p:sldSz cx="12192000" cy="6858000"/>
   <p:notesSz cx="6858000" cy="9144000"/>
@@ -7826,21 +7830,60 @@
         </p:nvSpPr>
         <p:spPr>
           <a:xfrm>
-            <a:off x="1960605" y="4359919"/>
-            <a:ext cx="8592065" cy="1678416"/>
+            <a:off x="1960604" y="4417775"/>
+            <a:ext cx="8592065" cy="801925"/>
           </a:xfrm>
         </p:spPr>
         <p:txBody>
           <a:bodyPr>
-            <a:normAutofit/>
+            <a:normAutofit lnSpcReduction="10000"/>
           </a:bodyPr>
           <a:lstStyle/>
           <a:p>
             <a:pPr algn="ctr">
+              <a:lnSpc>
+                <a:spcPct val="125000"/>
+              </a:lnSpc>
               <a:spcBef>
                 <a:spcPts val="0"/>
               </a:spcBef>
             </a:pPr>
+            <a:r>
+              <a:rPr lang="ja-JP" altLang="en-US" sz="1900" b="1" dirty="0" smtClean="0">
+                <a:solidFill>
+                  <a:schemeClr val="tx1">
+                    <a:lumMod val="85000"/>
+                  </a:schemeClr>
+                </a:solidFill>
+                <a:latin typeface="Arial" panose="020B0604020202020204" pitchFamily="34" charset="0"/>
+                <a:cs typeface="Arial" panose="020B0604020202020204" pitchFamily="34" charset="0"/>
+              </a:rPr>
+              <a:t> 研 究 </a:t>
+            </a:r>
+            <a:r>
+              <a:rPr lang="ja-JP" altLang="en-US" sz="1900" b="1" dirty="0">
+                <a:solidFill>
+                  <a:schemeClr val="tx1">
+                    <a:lumMod val="85000"/>
+                  </a:schemeClr>
+                </a:solidFill>
+                <a:latin typeface="Arial" panose="020B0604020202020204" pitchFamily="34" charset="0"/>
+                <a:cs typeface="Arial" panose="020B0604020202020204" pitchFamily="34" charset="0"/>
+              </a:rPr>
+              <a:t>生：武亭忠          	</a:t>
+            </a:r>
+            <a:r>
+              <a:rPr lang="en-US" sz="1900" b="1" dirty="0" err="1" smtClean="0">
+                <a:solidFill>
+                  <a:schemeClr val="tx1">
+                    <a:lumMod val="85000"/>
+                  </a:schemeClr>
+                </a:solidFill>
+                <a:latin typeface="Arial" panose="020B0604020202020204" pitchFamily="34" charset="0"/>
+                <a:cs typeface="Arial" panose="020B0604020202020204" pitchFamily="34" charset="0"/>
+              </a:rPr>
+              <a:t>Student：Dinh-Trung</a:t>
+            </a:r>
             <a:r>
               <a:rPr lang="en-US" sz="1900" b="1" dirty="0" smtClean="0">
                 <a:solidFill>
@@ -7851,10 +7894,20 @@
                 <a:latin typeface="Arial" panose="020B0604020202020204" pitchFamily="34" charset="0"/>
                 <a:cs typeface="Arial" panose="020B0604020202020204" pitchFamily="34" charset="0"/>
               </a:rPr>
-              <a:t>DINH-TRUNG VU (</a:t>
-            </a:r>
-            <a:r>
-              <a:rPr lang="zh-TW" altLang="en-US" sz="1900" b="1" dirty="0">
+              <a:t> Vu</a:t>
+            </a:r>
+          </a:p>
+          <a:p>
+            <a:pPr algn="ctr">
+              <a:lnSpc>
+                <a:spcPct val="125000"/>
+              </a:lnSpc>
+              <a:spcBef>
+                <a:spcPts val="0"/>
+              </a:spcBef>
+            </a:pPr>
+            <a:r>
+              <a:rPr lang="ja-JP" altLang="en-US" sz="1900" b="1" dirty="0" smtClean="0">
                 <a:solidFill>
                   <a:schemeClr val="tx1">
                     <a:lumMod val="85000"/>
@@ -7863,10 +7916,10 @@
                 <a:latin typeface="Arial" panose="020B0604020202020204" pitchFamily="34" charset="0"/>
                 <a:cs typeface="Arial" panose="020B0604020202020204" pitchFamily="34" charset="0"/>
               </a:rPr>
-              <a:t>武亭忠</a:t>
-            </a:r>
-            <a:r>
-              <a:rPr lang="en-US" altLang="zh-TW" sz="1900" b="1" dirty="0">
+              <a:t>  指</a:t>
+            </a:r>
+            <a:r>
+              <a:rPr lang="ja-JP" altLang="en-US" sz="1900" b="1" dirty="0">
                 <a:solidFill>
                   <a:schemeClr val="tx1">
                     <a:lumMod val="85000"/>
@@ -7875,24 +7928,32 @@
                 <a:latin typeface="Arial" panose="020B0604020202020204" pitchFamily="34" charset="0"/>
                 <a:cs typeface="Arial" panose="020B0604020202020204" pitchFamily="34" charset="0"/>
               </a:rPr>
-              <a:t>)</a:t>
-            </a:r>
-            <a:endParaRPr lang="en-US" sz="1900" b="1" dirty="0">
-              <a:solidFill>
-                <a:schemeClr val="tx1">
-                  <a:lumMod val="85000"/>
-                </a:schemeClr>
-              </a:solidFill>
-              <a:latin typeface="Arial" panose="020B0604020202020204" pitchFamily="34" charset="0"/>
-              <a:cs typeface="Arial" panose="020B0604020202020204" pitchFamily="34" charset="0"/>
-            </a:endParaRPr>
-          </a:p>
-          <a:p>
-            <a:pPr algn="ctr">
-              <a:spcBef>
-                <a:spcPts val="0"/>
-              </a:spcBef>
-            </a:pPr>
+              <a:t>導教授：賴榮</a:t>
+            </a:r>
+            <a:r>
+              <a:rPr lang="ja-JP" altLang="en-US" sz="1900" b="1" dirty="0" smtClean="0">
+                <a:solidFill>
+                  <a:schemeClr val="tx1">
+                    <a:lumMod val="85000"/>
+                  </a:schemeClr>
+                </a:solidFill>
+                <a:latin typeface="Arial" panose="020B0604020202020204" pitchFamily="34" charset="0"/>
+                <a:cs typeface="Arial" panose="020B0604020202020204" pitchFamily="34" charset="0"/>
+              </a:rPr>
+              <a:t>滄             </a:t>
+            </a:r>
+            <a:r>
+              <a:rPr lang="en-GB" sz="1900" b="1" dirty="0" err="1" smtClean="0">
+                <a:solidFill>
+                  <a:schemeClr val="tx1">
+                    <a:lumMod val="85000"/>
+                  </a:schemeClr>
+                </a:solidFill>
+                <a:latin typeface="Arial" panose="020B0604020202020204" pitchFamily="34" charset="0"/>
+                <a:cs typeface="Arial" panose="020B0604020202020204" pitchFamily="34" charset="0"/>
+              </a:rPr>
+              <a:t>Advisor：Zone-Chang</a:t>
+            </a:r>
             <a:r>
               <a:rPr lang="en-GB" sz="1900" b="1" dirty="0" smtClean="0">
                 <a:solidFill>
@@ -7903,88 +7964,7 @@
                 <a:latin typeface="Arial" panose="020B0604020202020204" pitchFamily="34" charset="0"/>
                 <a:cs typeface="Arial" panose="020B0604020202020204" pitchFamily="34" charset="0"/>
               </a:rPr>
-              <a:t>Department </a:t>
-            </a:r>
-            <a:r>
-              <a:rPr lang="en-GB" sz="1900" b="1" dirty="0">
-                <a:solidFill>
-                  <a:schemeClr val="tx1">
-                    <a:lumMod val="85000"/>
-                  </a:schemeClr>
-                </a:solidFill>
-                <a:latin typeface="Arial" panose="020B0604020202020204" pitchFamily="34" charset="0"/>
-                <a:cs typeface="Arial" panose="020B0604020202020204" pitchFamily="34" charset="0"/>
-              </a:rPr>
-              <a:t>of Computer Science and Engineering</a:t>
-            </a:r>
-          </a:p>
-          <a:p>
-            <a:pPr algn="ctr">
-              <a:spcBef>
-                <a:spcPts val="0"/>
-              </a:spcBef>
-            </a:pPr>
-            <a:r>
-              <a:rPr lang="en-GB" sz="1900" b="1" dirty="0">
-                <a:solidFill>
-                  <a:schemeClr val="tx1">
-                    <a:lumMod val="85000"/>
-                  </a:schemeClr>
-                </a:solidFill>
-                <a:latin typeface="Arial" panose="020B0604020202020204" pitchFamily="34" charset="0"/>
-                <a:cs typeface="Arial" panose="020B0604020202020204" pitchFamily="34" charset="0"/>
-              </a:rPr>
-              <a:t>National Taiwan Ocean University</a:t>
-            </a:r>
-          </a:p>
-          <a:p>
-            <a:pPr algn="ctr">
-              <a:spcBef>
-                <a:spcPts val="0"/>
-              </a:spcBef>
-            </a:pPr>
-            <a:r>
-              <a:rPr lang="en-GB" sz="1900" b="1" dirty="0">
-                <a:solidFill>
-                  <a:schemeClr val="tx1">
-                    <a:lumMod val="85000"/>
-                  </a:schemeClr>
-                </a:solidFill>
-                <a:latin typeface="Arial" panose="020B0604020202020204" pitchFamily="34" charset="0"/>
-                <a:cs typeface="Arial" panose="020B0604020202020204" pitchFamily="34" charset="0"/>
-              </a:rPr>
-              <a:t>Keelung, Taiwan 202</a:t>
-            </a:r>
-          </a:p>
-          <a:p>
-            <a:pPr algn="ctr">
-              <a:spcBef>
-                <a:spcPts val="0"/>
-              </a:spcBef>
-            </a:pPr>
-            <a:r>
-              <a:rPr lang="en-GB" sz="1900" b="1" dirty="0">
-                <a:solidFill>
-                  <a:schemeClr val="tx1">
-                    <a:lumMod val="85000"/>
-                  </a:schemeClr>
-                </a:solidFill>
-                <a:latin typeface="Arial" panose="020B0604020202020204" pitchFamily="34" charset="0"/>
-                <a:cs typeface="Arial" panose="020B0604020202020204" pitchFamily="34" charset="0"/>
-              </a:rPr>
-              <a:t>R. O. C</a:t>
-            </a:r>
-            <a:r>
-              <a:rPr lang="en-GB" sz="1900" b="1" dirty="0" smtClean="0">
-                <a:solidFill>
-                  <a:schemeClr val="tx1">
-                    <a:lumMod val="85000"/>
-                  </a:schemeClr>
-                </a:solidFill>
-                <a:latin typeface="Arial" panose="020B0604020202020204" pitchFamily="34" charset="0"/>
-                <a:cs typeface="Arial" panose="020B0604020202020204" pitchFamily="34" charset="0"/>
-              </a:rPr>
-              <a:t>.</a:t>
+              <a:t> Lai</a:t>
             </a:r>
             <a:endParaRPr lang="en-GB" sz="1900" b="1" dirty="0">
               <a:solidFill>
@@ -8775,7 +8755,7 @@
         </p:nvSpPr>
         <p:spPr>
           <a:xfrm>
-            <a:off x="2429572" y="2320176"/>
+            <a:off x="2435959" y="2396322"/>
             <a:ext cx="4330144" cy="457200"/>
           </a:xfrm>
           <a:prstGeom prst="roundRect">
@@ -8956,8 +8936,8 @@
         </p:nvCxnSpPr>
         <p:spPr>
           <a:xfrm>
-            <a:off x="4594644" y="2777376"/>
-            <a:ext cx="6387" cy="480606"/>
+            <a:off x="4601031" y="2853522"/>
+            <a:ext cx="0" cy="404460"/>
           </a:xfrm>
           <a:prstGeom prst="straightConnector1">
             <a:avLst/>
@@ -9403,11 +9383,13 @@
         </p:nvSpPr>
         <p:spPr>
           <a:xfrm>
-            <a:off x="7274168" y="3222329"/>
+            <a:off x="7282286" y="3282371"/>
             <a:ext cx="2808481" cy="457200"/>
           </a:xfrm>
           <a:prstGeom prst="roundRect">
-            <a:avLst/>
+            <a:avLst>
+              <a:gd name="adj" fmla="val 16668"/>
+            </a:avLst>
           </a:prstGeom>
         </p:spPr>
         <p:style>
@@ -9474,7 +9456,7 @@
         </p:nvSpPr>
         <p:spPr>
           <a:xfrm>
-            <a:off x="7274167" y="4063727"/>
+            <a:off x="7282285" y="4063727"/>
             <a:ext cx="2808481" cy="1595668"/>
           </a:xfrm>
           <a:prstGeom prst="rect">
@@ -9628,13 +9610,13 @@
         </p:nvCxnSpPr>
         <p:spPr>
           <a:xfrm>
-            <a:off x="8678409" y="3679529"/>
-            <a:ext cx="8118" cy="802074"/>
+            <a:off x="8686527" y="3739571"/>
+            <a:ext cx="0" cy="742032"/>
           </a:xfrm>
           <a:prstGeom prst="straightConnector1">
             <a:avLst/>
           </a:prstGeom>
-          <a:ln w="44450">
+          <a:ln w="38100">
             <a:tailEnd type="triangle"/>
           </a:ln>
         </p:spPr>
@@ -16460,14 +16442,35 @@
               </a:lnSpc>
             </a:pPr>
             <a:r>
+              <a:rPr lang="en-US" sz="2200" b="1" dirty="0" smtClean="0">
+                <a:latin typeface="Arial" panose="020B0604020202020204" pitchFamily="34" charset="0"/>
+                <a:cs typeface="Arial" panose="020B0604020202020204" pitchFamily="34" charset="0"/>
+              </a:rPr>
+              <a:t>First test</a:t>
+            </a:r>
+            <a:r>
               <a:rPr lang="en-US" sz="2200" dirty="0" smtClean="0">
                 <a:latin typeface="Arial" panose="020B0604020202020204" pitchFamily="34" charset="0"/>
                 <a:cs typeface="Arial" panose="020B0604020202020204" pitchFamily="34" charset="0"/>
               </a:rPr>
-              <a:t>First test on a </a:t>
-            </a:r>
-            <a:r>
-              <a:rPr lang="en-US" sz="2200" dirty="0" smtClean="0">
+              <a:t> : </a:t>
+            </a:r>
+            <a:r>
+              <a:rPr lang="en-US" sz="2000" dirty="0" smtClean="0">
+                <a:latin typeface="Arial" panose="020B0604020202020204" pitchFamily="34" charset="0"/>
+                <a:cs typeface="Arial" panose="020B0604020202020204" pitchFamily="34" charset="0"/>
+              </a:rPr>
+              <a:t>speedup </a:t>
+            </a:r>
+            <a:r>
+              <a:rPr lang="en-US" sz="2000" dirty="0">
+                <a:latin typeface="Arial" panose="020B0604020202020204" pitchFamily="34" charset="0"/>
+                <a:cs typeface="Arial" panose="020B0604020202020204" pitchFamily="34" charset="0"/>
+              </a:rPr>
+              <a:t>on a </a:t>
+            </a:r>
+            <a:r>
+              <a:rPr lang="en-US" sz="2000" dirty="0" smtClean="0">
                 <a:solidFill>
                   <a:srgbClr val="00B050"/>
                 </a:solidFill>
@@ -16477,7 +16480,7 @@
               <a:t>real data </a:t>
             </a:r>
             <a:r>
-              <a:rPr lang="en-US" sz="2200" dirty="0">
+              <a:rPr lang="en-US" sz="2000" dirty="0">
                 <a:solidFill>
                   <a:srgbClr val="00B050"/>
                 </a:solidFill>
@@ -16487,165 +16490,109 @@
               <a:t>set </a:t>
             </a:r>
             <a:r>
-              <a:rPr lang="en-US" sz="2200" dirty="0" smtClean="0">
-                <a:latin typeface="Arial" panose="020B0604020202020204" pitchFamily="34" charset="0"/>
-                <a:cs typeface="Arial" panose="020B0604020202020204" pitchFamily="34" charset="0"/>
-              </a:rPr>
-              <a:t>from </a:t>
-            </a:r>
-            <a:r>
-              <a:rPr lang="en-US" sz="2200" dirty="0">
-                <a:latin typeface="Arial" panose="020B0604020202020204" pitchFamily="34" charset="0"/>
-                <a:cs typeface="Arial" panose="020B0604020202020204" pitchFamily="34" charset="0"/>
-              </a:rPr>
-              <a:t>three </a:t>
-            </a:r>
-            <a:r>
-              <a:rPr lang="en-US" sz="2200" dirty="0" smtClean="0">
-                <a:latin typeface="Arial" panose="020B0604020202020204" pitchFamily="34" charset="0"/>
-                <a:cs typeface="Arial" panose="020B0604020202020204" pitchFamily="34" charset="0"/>
-              </a:rPr>
-              <a:t>real images</a:t>
-            </a:r>
-            <a:r>
-              <a:rPr lang="en-US" sz="2200" dirty="0">
-                <a:latin typeface="Arial" panose="020B0604020202020204" pitchFamily="34" charset="0"/>
-                <a:cs typeface="Arial" panose="020B0604020202020204" pitchFamily="34" charset="0"/>
-              </a:rPr>
-              <a:t>: “Lena,” “Baboon,” and “Peppers</a:t>
-            </a:r>
-            <a:r>
-              <a:rPr lang="en-US" sz="2200" dirty="0" smtClean="0">
-                <a:latin typeface="Arial" panose="020B0604020202020204" pitchFamily="34" charset="0"/>
-                <a:cs typeface="Arial" panose="020B0604020202020204" pitchFamily="34" charset="0"/>
-              </a:rPr>
-              <a:t>,” : </a:t>
-            </a:r>
-            <a:r>
-              <a:rPr lang="en-US" sz="2200" i="1" dirty="0" smtClean="0">
-                <a:latin typeface="Arial" panose="020B0604020202020204" pitchFamily="34" charset="0"/>
-                <a:cs typeface="Arial" panose="020B0604020202020204" pitchFamily="34" charset="0"/>
-              </a:rPr>
-              <a:t>N</a:t>
-            </a:r>
-            <a:r>
-              <a:rPr lang="en-US" sz="2200" dirty="0" smtClean="0">
+              <a:rPr lang="en-US" sz="2000" dirty="0">
+                <a:latin typeface="Arial" panose="020B0604020202020204" pitchFamily="34" charset="0"/>
+                <a:cs typeface="Arial" panose="020B0604020202020204" pitchFamily="34" charset="0"/>
+              </a:rPr>
+              <a:t>: “Lena,” “Baboon,” and “Peppers” with </a:t>
+            </a:r>
+            <a:r>
+              <a:rPr lang="en-US" sz="2000" i="1" dirty="0" smtClean="0">
+                <a:latin typeface="Arial" panose="020B0604020202020204" pitchFamily="34" charset="0"/>
+                <a:cs typeface="Arial" panose="020B0604020202020204" pitchFamily="34" charset="0"/>
+              </a:rPr>
+              <a:t>N </a:t>
+            </a:r>
+            <a:r>
+              <a:rPr lang="en-US" sz="2000" dirty="0" smtClean="0">
+                <a:latin typeface="Arial" panose="020B0604020202020204" pitchFamily="34" charset="0"/>
+                <a:cs typeface="Arial" panose="020B0604020202020204" pitchFamily="34" charset="0"/>
+              </a:rPr>
+              <a:t>= 49152, </a:t>
+            </a:r>
+            <a:r>
+              <a:rPr lang="en-US" sz="2000" i="1" dirty="0" smtClean="0">
+                <a:latin typeface="Arial" panose="020B0604020202020204" pitchFamily="34" charset="0"/>
+                <a:cs typeface="Arial" panose="020B0604020202020204" pitchFamily="34" charset="0"/>
+              </a:rPr>
+              <a:t>d</a:t>
+            </a:r>
+            <a:r>
+              <a:rPr lang="en-US" sz="2000" dirty="0" smtClean="0">
                 <a:latin typeface="Arial" panose="020B0604020202020204" pitchFamily="34" charset="0"/>
                 <a:cs typeface="Arial" panose="020B0604020202020204" pitchFamily="34" charset="0"/>
               </a:rPr>
               <a:t> </a:t>
             </a:r>
             <a:r>
-              <a:rPr lang="en-US" sz="2200" dirty="0">
+              <a:rPr lang="en-US" sz="2000" dirty="0">
                 <a:latin typeface="Arial" panose="020B0604020202020204" pitchFamily="34" charset="0"/>
                 <a:cs typeface="Arial" panose="020B0604020202020204" pitchFamily="34" charset="0"/>
               </a:rPr>
               <a:t>= </a:t>
             </a:r>
             <a:r>
-              <a:rPr lang="en-US" sz="2200" dirty="0" smtClean="0">
-                <a:latin typeface="Arial" panose="020B0604020202020204" pitchFamily="34" charset="0"/>
-                <a:cs typeface="Arial" panose="020B0604020202020204" pitchFamily="34" charset="0"/>
-              </a:rPr>
-              <a:t>49,152, </a:t>
-            </a:r>
-            <a:r>
-              <a:rPr lang="en-US" sz="2200" i="1" dirty="0" smtClean="0">
-                <a:latin typeface="Arial" panose="020B0604020202020204" pitchFamily="34" charset="0"/>
-                <a:cs typeface="Arial" panose="020B0604020202020204" pitchFamily="34" charset="0"/>
-              </a:rPr>
-              <a:t>d</a:t>
-            </a:r>
-            <a:r>
-              <a:rPr lang="en-US" sz="2200" dirty="0" smtClean="0">
-                <a:latin typeface="Arial" panose="020B0604020202020204" pitchFamily="34" charset="0"/>
-                <a:cs typeface="Arial" panose="020B0604020202020204" pitchFamily="34" charset="0"/>
-              </a:rPr>
-              <a:t> </a:t>
-            </a:r>
-            <a:r>
-              <a:rPr lang="en-US" sz="2200" dirty="0">
-                <a:latin typeface="Arial" panose="020B0604020202020204" pitchFamily="34" charset="0"/>
-                <a:cs typeface="Arial" panose="020B0604020202020204" pitchFamily="34" charset="0"/>
-              </a:rPr>
-              <a:t>= </a:t>
-            </a:r>
-            <a:r>
-              <a:rPr lang="en-US" sz="2200" dirty="0" smtClean="0">
+              <a:rPr lang="en-US" sz="2000" dirty="0" smtClean="0">
                 <a:latin typeface="Arial" panose="020B0604020202020204" pitchFamily="34" charset="0"/>
                 <a:cs typeface="Arial" panose="020B0604020202020204" pitchFamily="34" charset="0"/>
               </a:rPr>
               <a:t>16, </a:t>
             </a:r>
             <a:r>
-              <a:rPr lang="en-US" sz="2200" i="1" dirty="0" smtClean="0">
+              <a:rPr lang="en-US" sz="2000" i="1" dirty="0">
                 <a:latin typeface="Arial" panose="020B0604020202020204" pitchFamily="34" charset="0"/>
                 <a:cs typeface="Arial" panose="020B0604020202020204" pitchFamily="34" charset="0"/>
               </a:rPr>
               <a:t>M</a:t>
             </a:r>
             <a:r>
-              <a:rPr lang="en-US" sz="2200" dirty="0" smtClean="0">
-                <a:latin typeface="Arial" panose="020B0604020202020204" pitchFamily="34" charset="0"/>
-                <a:cs typeface="Arial" panose="020B0604020202020204" pitchFamily="34" charset="0"/>
-              </a:rPr>
-              <a:t> </a:t>
-            </a:r>
-            <a:r>
-              <a:rPr lang="en-US" sz="2200" dirty="0">
-                <a:latin typeface="Arial" panose="020B0604020202020204" pitchFamily="34" charset="0"/>
-                <a:cs typeface="Arial" panose="020B0604020202020204" pitchFamily="34" charset="0"/>
-              </a:rPr>
-              <a:t>= 2, </a:t>
-            </a:r>
-            <a:r>
-              <a:rPr lang="en-US" sz="2200" i="1" dirty="0">
+              <a:rPr lang="en-US" sz="2000" dirty="0">
+                <a:latin typeface="Arial" panose="020B0604020202020204" pitchFamily="34" charset="0"/>
+                <a:cs typeface="Arial" panose="020B0604020202020204" pitchFamily="34" charset="0"/>
+              </a:rPr>
+              <a:t> = 2, </a:t>
+            </a:r>
+            <a:r>
+              <a:rPr lang="en-US" sz="2000" i="1" dirty="0">
                 <a:latin typeface="Arial" panose="020B0604020202020204" pitchFamily="34" charset="0"/>
                 <a:cs typeface="Arial" panose="020B0604020202020204" pitchFamily="34" charset="0"/>
               </a:rPr>
               <a:t>k</a:t>
             </a:r>
             <a:r>
-              <a:rPr lang="en-US" sz="2200" dirty="0">
-                <a:latin typeface="Arial" panose="020B0604020202020204" pitchFamily="34" charset="0"/>
-                <a:cs typeface="Arial" panose="020B0604020202020204" pitchFamily="34" charset="0"/>
-              </a:rPr>
-              <a:t> = 8, </a:t>
-            </a:r>
-            <a:r>
-              <a:rPr lang="en-US" sz="2200" dirty="0" smtClean="0">
-                <a:latin typeface="Arial" panose="020B0604020202020204" pitchFamily="34" charset="0"/>
-                <a:cs typeface="Arial" panose="020B0604020202020204" pitchFamily="34" charset="0"/>
-              </a:rPr>
-              <a:t>and </a:t>
-            </a:r>
-            <a:r>
-              <a:rPr lang="el-GR" sz="2200" dirty="0" smtClean="0">
-                <a:latin typeface="Arial" panose="020B0604020202020204" pitchFamily="34" charset="0"/>
-                <a:cs typeface="Arial" panose="020B0604020202020204" pitchFamily="34" charset="0"/>
-              </a:rPr>
-              <a:t>ε</a:t>
-            </a:r>
-            <a:r>
-              <a:rPr lang="en-US" sz="2200" dirty="0" smtClean="0">
-                <a:latin typeface="Arial" panose="020B0604020202020204" pitchFamily="34" charset="0"/>
-                <a:cs typeface="Arial" panose="020B0604020202020204" pitchFamily="34" charset="0"/>
-              </a:rPr>
-              <a:t> </a:t>
-            </a:r>
-            <a:r>
-              <a:rPr lang="en-US" sz="2200" dirty="0">
-                <a:latin typeface="Arial" panose="020B0604020202020204" pitchFamily="34" charset="0"/>
-                <a:cs typeface="Arial" panose="020B0604020202020204" pitchFamily="34" charset="0"/>
-              </a:rPr>
-              <a:t>= </a:t>
-            </a:r>
-            <a:r>
-              <a:rPr lang="en-US" sz="2200" dirty="0" smtClean="0">
-                <a:latin typeface="Arial" panose="020B0604020202020204" pitchFamily="34" charset="0"/>
-                <a:cs typeface="Arial" panose="020B0604020202020204" pitchFamily="34" charset="0"/>
-              </a:rPr>
-              <a:t>1e-8.</a:t>
+              <a:rPr lang="en-US" sz="2000" dirty="0">
+                <a:latin typeface="Arial" panose="020B0604020202020204" pitchFamily="34" charset="0"/>
+                <a:cs typeface="Arial" panose="020B0604020202020204" pitchFamily="34" charset="0"/>
+              </a:rPr>
+              <a:t> = </a:t>
+            </a:r>
+            <a:r>
+              <a:rPr lang="en-US" sz="2000" dirty="0" smtClean="0">
+                <a:latin typeface="Arial" panose="020B0604020202020204" pitchFamily="34" charset="0"/>
+                <a:cs typeface="Arial" panose="020B0604020202020204" pitchFamily="34" charset="0"/>
+              </a:rPr>
+              <a:t>8, </a:t>
+            </a:r>
+            <a:r>
+              <a:rPr lang="en-US" sz="2000" dirty="0">
+                <a:latin typeface="Arial" panose="020B0604020202020204" pitchFamily="34" charset="0"/>
+                <a:cs typeface="Arial" panose="020B0604020202020204" pitchFamily="34" charset="0"/>
+              </a:rPr>
+              <a:t>ε = 1e-8, and </a:t>
+            </a:r>
+            <a:r>
+              <a:rPr lang="en-US" sz="2000" dirty="0" smtClean="0">
+                <a:latin typeface="Arial" panose="020B0604020202020204" pitchFamily="34" charset="0"/>
+                <a:cs typeface="Arial" panose="020B0604020202020204" pitchFamily="34" charset="0"/>
+              </a:rPr>
+              <a:t>maximum </a:t>
+            </a:r>
+            <a:r>
+              <a:rPr lang="en-US" sz="2000" dirty="0">
+                <a:latin typeface="Arial" panose="020B0604020202020204" pitchFamily="34" charset="0"/>
+                <a:cs typeface="Arial" panose="020B0604020202020204" pitchFamily="34" charset="0"/>
+              </a:rPr>
+              <a:t>iterations = 200.</a:t>
             </a:r>
           </a:p>
           <a:p>
@@ -16707,14 +16654,14 @@
           <p:nvPr>
             <p:extLst>
               <p:ext uri="{D42A27DB-BD31-4B8C-83A1-F6EECF244321}">
-                <p14:modId xmlns:p14="http://schemas.microsoft.com/office/powerpoint/2010/main" val="3515482572"/>
+                <p14:modId xmlns:p14="http://schemas.microsoft.com/office/powerpoint/2010/main" val="1116463087"/>
               </p:ext>
             </p:extLst>
           </p:nvPr>
         </p:nvGraphicFramePr>
         <p:xfrm>
           <a:off x="2143127" y="2738326"/>
-          <a:ext cx="8724897" cy="2348024"/>
+          <a:ext cx="8543923" cy="2348024"/>
         </p:xfrm>
         <a:graphic>
           <a:graphicData uri="http://schemas.openxmlformats.org/drawingml/2006/table">
@@ -16723,11 +16670,11 @@
                 <a:tableStyleId>{5C22544A-7EE6-4342-B048-85BDC9FD1C3A}</a:tableStyleId>
               </a:tblPr>
               <a:tblGrid>
-                <a:gridCol w="3178873"/>
-                <a:gridCol w="1399670"/>
-                <a:gridCol w="1349210"/>
-                <a:gridCol w="1398572"/>
-                <a:gridCol w="1398572"/>
+                <a:gridCol w="3112936"/>
+                <a:gridCol w="1370638"/>
+                <a:gridCol w="1321225"/>
+                <a:gridCol w="1369562"/>
+                <a:gridCol w="1369562"/>
               </a:tblGrid>
               <a:tr h="331316">
                 <a:tc rowSpan="2">
@@ -17716,7 +17663,44 @@
       </p:grpSpPr>
       <p:sp>
         <p:nvSpPr>
-          <p:cNvPr id="3" name="Content Placeholder 2"/>
+          <p:cNvPr id="5" name="Title 1"/>
+          <p:cNvSpPr>
+            <a:spLocks noGrp="1"/>
+          </p:cNvSpPr>
+          <p:nvPr>
+            <p:ph type="title"/>
+          </p:nvPr>
+        </p:nvSpPr>
+        <p:spPr>
+          <a:xfrm>
+            <a:off x="1585212" y="262698"/>
+            <a:ext cx="9311836" cy="570200"/>
+          </a:xfrm>
+        </p:spPr>
+        <p:txBody>
+          <a:bodyPr>
+            <a:normAutofit fontScale="90000"/>
+          </a:bodyPr>
+          <a:lstStyle/>
+          <a:p>
+            <a:pPr algn="ctr"/>
+            <a:r>
+              <a:rPr lang="en-US" sz="3200" b="1" dirty="0">
+                <a:latin typeface="Arial" panose="020B0604020202020204" pitchFamily="34" charset="0"/>
+                <a:cs typeface="Arial" panose="020B0604020202020204" pitchFamily="34" charset="0"/>
+              </a:rPr>
+              <a:t>Experimental Results</a:t>
+            </a:r>
+            <a:endParaRPr lang="en-US" sz="3000" b="1" dirty="0">
+              <a:latin typeface="Arial" panose="020B0604020202020204" pitchFamily="34" charset="0"/>
+              <a:cs typeface="Arial" panose="020B0604020202020204" pitchFamily="34" charset="0"/>
+            </a:endParaRPr>
+          </a:p>
+        </p:txBody>
+      </p:sp>
+      <p:sp>
+        <p:nvSpPr>
+          <p:cNvPr id="7" name="Content Placeholder 2"/>
           <p:cNvSpPr>
             <a:spLocks noGrp="1"/>
           </p:cNvSpPr>
@@ -17726,8 +17710,8 @@
         </p:nvSpPr>
         <p:spPr>
           <a:xfrm>
-            <a:off x="1737613" y="1242473"/>
-            <a:ext cx="9282812" cy="940798"/>
+            <a:off x="1904523" y="5562601"/>
+            <a:ext cx="8673213" cy="995902"/>
           </a:xfrm>
         </p:spPr>
         <p:txBody>
@@ -17736,27 +17720,27 @@
           </a:bodyPr>
           <a:lstStyle/>
           <a:p>
-            <a:pPr algn="just">
+            <a:pPr algn="ctr">
               <a:lnSpc>
                 <a:spcPct val="135000"/>
               </a:lnSpc>
             </a:pPr>
             <a:r>
+              <a:rPr lang="en-US" sz="2000" b="1" dirty="0" smtClean="0">
+                <a:latin typeface="Arial" panose="020B0604020202020204" pitchFamily="34" charset="0"/>
+                <a:cs typeface="Arial" panose="020B0604020202020204" pitchFamily="34" charset="0"/>
+              </a:rPr>
+              <a:t>Second test </a:t>
+            </a:r>
+            <a:r>
               <a:rPr lang="en-US" sz="2000" dirty="0" smtClean="0">
                 <a:latin typeface="Arial" panose="020B0604020202020204" pitchFamily="34" charset="0"/>
                 <a:cs typeface="Arial" panose="020B0604020202020204" pitchFamily="34" charset="0"/>
               </a:rPr>
-              <a:t>Second test shows the changing </a:t>
-            </a:r>
-            <a:r>
-              <a:rPr lang="en-US" sz="2000" dirty="0">
-                <a:latin typeface="Arial" panose="020B0604020202020204" pitchFamily="34" charset="0"/>
-                <a:cs typeface="Arial" panose="020B0604020202020204" pitchFamily="34" charset="0"/>
-              </a:rPr>
-              <a:t>speedup with </a:t>
-            </a:r>
-            <a:r>
-              <a:rPr lang="en-US" sz="2000" dirty="0">
+              <a:t>: changing speedup with </a:t>
+            </a:r>
+            <a:r>
+              <a:rPr lang="en-US" sz="2000" dirty="0" smtClean="0">
                 <a:solidFill>
                   <a:srgbClr val="00B050"/>
                 </a:solidFill>
@@ -17780,119 +17764,63 @@
                 <a:latin typeface="Arial" panose="020B0604020202020204" pitchFamily="34" charset="0"/>
                 <a:cs typeface="Arial" panose="020B0604020202020204" pitchFamily="34" charset="0"/>
               </a:rPr>
-              <a:t> </a:t>
-            </a:r>
-            <a:r>
-              <a:rPr lang="en-US" sz="2000" dirty="0">
-                <a:latin typeface="Arial" panose="020B0604020202020204" pitchFamily="34" charset="0"/>
-                <a:cs typeface="Arial" panose="020B0604020202020204" pitchFamily="34" charset="0"/>
-              </a:rPr>
-              <a:t>on the “poker” data set </a:t>
+              <a:t> on “poker” data set with </a:t>
+            </a:r>
+            <a:r>
+              <a:rPr lang="en-US" sz="2000" i="1" dirty="0" smtClean="0">
+                <a:latin typeface="Arial" panose="020B0604020202020204" pitchFamily="34" charset="0"/>
+                <a:cs typeface="Arial" panose="020B0604020202020204" pitchFamily="34" charset="0"/>
+              </a:rPr>
+              <a:t>d</a:t>
             </a:r>
             <a:r>
               <a:rPr lang="en-US" sz="2000" dirty="0" smtClean="0">
                 <a:latin typeface="Arial" panose="020B0604020202020204" pitchFamily="34" charset="0"/>
                 <a:cs typeface="Arial" panose="020B0604020202020204" pitchFamily="34" charset="0"/>
               </a:rPr>
-              <a:t>: </a:t>
+              <a:t> = 10, </a:t>
             </a:r>
             <a:r>
               <a:rPr lang="en-US" sz="2000" i="1" dirty="0" smtClean="0">
                 <a:latin typeface="Arial" panose="020B0604020202020204" pitchFamily="34" charset="0"/>
                 <a:cs typeface="Arial" panose="020B0604020202020204" pitchFamily="34" charset="0"/>
               </a:rPr>
-              <a:t>d</a:t>
+              <a:t>M</a:t>
             </a:r>
             <a:r>
               <a:rPr lang="en-US" sz="2000" dirty="0" smtClean="0">
                 <a:latin typeface="Arial" panose="020B0604020202020204" pitchFamily="34" charset="0"/>
                 <a:cs typeface="Arial" panose="020B0604020202020204" pitchFamily="34" charset="0"/>
               </a:rPr>
-              <a:t> </a:t>
-            </a:r>
-            <a:r>
-              <a:rPr lang="en-US" sz="2000" dirty="0">
-                <a:latin typeface="Arial" panose="020B0604020202020204" pitchFamily="34" charset="0"/>
-                <a:cs typeface="Arial" panose="020B0604020202020204" pitchFamily="34" charset="0"/>
-              </a:rPr>
-              <a:t>= </a:t>
+              <a:t> = 2, </a:t>
+            </a:r>
+            <a:r>
+              <a:rPr lang="en-US" sz="2000" i="1" dirty="0" smtClean="0">
+                <a:latin typeface="Arial" panose="020B0604020202020204" pitchFamily="34" charset="0"/>
+                <a:cs typeface="Arial" panose="020B0604020202020204" pitchFamily="34" charset="0"/>
+              </a:rPr>
+              <a:t>k</a:t>
             </a:r>
             <a:r>
               <a:rPr lang="en-US" sz="2000" dirty="0" smtClean="0">
                 <a:latin typeface="Arial" panose="020B0604020202020204" pitchFamily="34" charset="0"/>
                 <a:cs typeface="Arial" panose="020B0604020202020204" pitchFamily="34" charset="0"/>
               </a:rPr>
-              <a:t>10, </a:t>
-            </a:r>
-            <a:r>
-              <a:rPr lang="en-US" sz="2000" i="1" dirty="0" smtClean="0">
-                <a:latin typeface="Arial" panose="020B0604020202020204" pitchFamily="34" charset="0"/>
-                <a:cs typeface="Arial" panose="020B0604020202020204" pitchFamily="34" charset="0"/>
-              </a:rPr>
-              <a:t>M</a:t>
+              <a:t> = 10, </a:t>
+            </a:r>
+            <a:r>
+              <a:rPr lang="el-GR" sz="2000" dirty="0" smtClean="0">
+                <a:latin typeface="Arial" panose="020B0604020202020204" pitchFamily="34" charset="0"/>
+                <a:cs typeface="Arial" panose="020B0604020202020204" pitchFamily="34" charset="0"/>
+              </a:rPr>
+              <a:t>ε</a:t>
             </a:r>
             <a:r>
               <a:rPr lang="en-US" sz="2000" dirty="0" smtClean="0">
                 <a:latin typeface="Arial" panose="020B0604020202020204" pitchFamily="34" charset="0"/>
                 <a:cs typeface="Arial" panose="020B0604020202020204" pitchFamily="34" charset="0"/>
               </a:rPr>
-              <a:t> </a:t>
-            </a:r>
-            <a:r>
-              <a:rPr lang="en-US" sz="2000" dirty="0">
-                <a:latin typeface="Arial" panose="020B0604020202020204" pitchFamily="34" charset="0"/>
-                <a:cs typeface="Arial" panose="020B0604020202020204" pitchFamily="34" charset="0"/>
-              </a:rPr>
-              <a:t>= 2, </a:t>
-            </a:r>
-            <a:r>
-              <a:rPr lang="en-US" sz="2000" i="1" dirty="0">
-                <a:latin typeface="Arial" panose="020B0604020202020204" pitchFamily="34" charset="0"/>
-                <a:cs typeface="Arial" panose="020B0604020202020204" pitchFamily="34" charset="0"/>
-              </a:rPr>
-              <a:t>k</a:t>
-            </a:r>
-            <a:r>
-              <a:rPr lang="en-US" sz="2000" dirty="0">
-                <a:latin typeface="Arial" panose="020B0604020202020204" pitchFamily="34" charset="0"/>
-                <a:cs typeface="Arial" panose="020B0604020202020204" pitchFamily="34" charset="0"/>
-              </a:rPr>
-              <a:t> = </a:t>
-            </a:r>
-            <a:r>
-              <a:rPr lang="en-US" sz="2000" dirty="0" smtClean="0">
-                <a:latin typeface="Arial" panose="020B0604020202020204" pitchFamily="34" charset="0"/>
-                <a:cs typeface="Arial" panose="020B0604020202020204" pitchFamily="34" charset="0"/>
-              </a:rPr>
-              <a:t>10, </a:t>
-            </a:r>
-            <a:r>
-              <a:rPr lang="el-GR" sz="2000" dirty="0" smtClean="0">
-                <a:latin typeface="Arial" panose="020B0604020202020204" pitchFamily="34" charset="0"/>
-                <a:cs typeface="Arial" panose="020B0604020202020204" pitchFamily="34" charset="0"/>
-              </a:rPr>
-              <a:t>ε</a:t>
-            </a:r>
-            <a:r>
-              <a:rPr lang="en-US" sz="2000" dirty="0" smtClean="0">
-                <a:latin typeface="Arial" panose="020B0604020202020204" pitchFamily="34" charset="0"/>
-                <a:cs typeface="Arial" panose="020B0604020202020204" pitchFamily="34" charset="0"/>
-              </a:rPr>
-              <a:t> </a:t>
-            </a:r>
-            <a:r>
-              <a:rPr lang="en-US" sz="2000" dirty="0">
-                <a:latin typeface="Arial" panose="020B0604020202020204" pitchFamily="34" charset="0"/>
-                <a:cs typeface="Arial" panose="020B0604020202020204" pitchFamily="34" charset="0"/>
-              </a:rPr>
-              <a:t>= </a:t>
-            </a:r>
-            <a:r>
-              <a:rPr lang="en-US" sz="2000" dirty="0" smtClean="0">
-                <a:latin typeface="Arial" panose="020B0604020202020204" pitchFamily="34" charset="0"/>
-                <a:cs typeface="Arial" panose="020B0604020202020204" pitchFamily="34" charset="0"/>
-              </a:rPr>
-              <a:t>1e-8, max iterations = 200.</a:t>
+              <a:t> = 1e-8, and maximum iterations = 200.</a:t>
             </a:r>
           </a:p>
           <a:p>
@@ -17920,46 +17848,9 @@
           </a:p>
         </p:txBody>
       </p:sp>
-      <p:sp>
-        <p:nvSpPr>
-          <p:cNvPr id="5" name="Title 1"/>
-          <p:cNvSpPr>
-            <a:spLocks noGrp="1"/>
-          </p:cNvSpPr>
-          <p:nvPr>
-            <p:ph type="title"/>
-          </p:nvPr>
-        </p:nvSpPr>
-        <p:spPr>
-          <a:xfrm>
-            <a:off x="1585212" y="672273"/>
-            <a:ext cx="9311836" cy="570200"/>
-          </a:xfrm>
-        </p:spPr>
-        <p:txBody>
-          <a:bodyPr>
-            <a:normAutofit fontScale="90000"/>
-          </a:bodyPr>
-          <a:lstStyle/>
-          <a:p>
-            <a:pPr algn="ctr"/>
-            <a:r>
-              <a:rPr lang="en-US" sz="3200" b="1" dirty="0">
-                <a:latin typeface="Arial" panose="020B0604020202020204" pitchFamily="34" charset="0"/>
-                <a:cs typeface="Arial" panose="020B0604020202020204" pitchFamily="34" charset="0"/>
-              </a:rPr>
-              <a:t>Experimental Results</a:t>
-            </a:r>
-            <a:endParaRPr lang="en-US" sz="3000" b="1" dirty="0">
-              <a:latin typeface="Arial" panose="020B0604020202020204" pitchFamily="34" charset="0"/>
-              <a:cs typeface="Arial" panose="020B0604020202020204" pitchFamily="34" charset="0"/>
-            </a:endParaRPr>
-          </a:p>
-        </p:txBody>
-      </p:sp>
       <p:pic>
         <p:nvPicPr>
-          <p:cNvPr id="4" name="Picture 3"/>
+          <p:cNvPr id="8" name="Picture 7"/>
           <p:cNvPicPr>
             <a:picLocks noChangeAspect="1"/>
           </p:cNvPicPr>
@@ -17973,8 +17864,8 @@
         </p:blipFill>
         <p:spPr>
           <a:xfrm>
-            <a:off x="2486026" y="2199686"/>
-            <a:ext cx="7600950" cy="4382090"/>
+            <a:off x="2725445" y="990601"/>
+            <a:ext cx="7031370" cy="4572000"/>
           </a:xfrm>
           <a:prstGeom prst="rect">
             <a:avLst/>
@@ -17985,6 +17876,425 @@
     <p:extLst>
       <p:ext uri="{BB962C8B-B14F-4D97-AF65-F5344CB8AC3E}">
         <p14:creationId xmlns:p14="http://schemas.microsoft.com/office/powerpoint/2010/main" val="3280229050"/>
+      </p:ext>
+    </p:extLst>
+  </p:cSld>
+  <p:clrMapOvr>
+    <a:masterClrMapping/>
+  </p:clrMapOvr>
+  <p:timing>
+    <p:tnLst>
+      <p:par>
+        <p:cTn id="1" dur="indefinite" restart="never" nodeType="tmRoot"/>
+      </p:par>
+    </p:tnLst>
+  </p:timing>
+</p:sld>
+</file>
+
+<file path=ppt/slides/slide29.xml><?xml version="1.0" encoding="utf-8"?>
+<p:sld xmlns:a="http://schemas.openxmlformats.org/drawingml/2006/main" xmlns:r="http://schemas.openxmlformats.org/officeDocument/2006/relationships" xmlns:p="http://schemas.openxmlformats.org/presentationml/2006/main">
+  <p:cSld>
+    <p:spTree>
+      <p:nvGrpSpPr>
+        <p:cNvPr id="1" name=""/>
+        <p:cNvGrpSpPr/>
+        <p:nvPr/>
+      </p:nvGrpSpPr>
+      <p:grpSpPr>
+        <a:xfrm>
+          <a:off x="0" y="0"/>
+          <a:ext cx="0" cy="0"/>
+          <a:chOff x="0" y="0"/>
+          <a:chExt cx="0" cy="0"/>
+        </a:xfrm>
+      </p:grpSpPr>
+      <p:sp>
+        <p:nvSpPr>
+          <p:cNvPr id="5" name="Title 1"/>
+          <p:cNvSpPr>
+            <a:spLocks noGrp="1"/>
+          </p:cNvSpPr>
+          <p:nvPr>
+            <p:ph type="title"/>
+          </p:nvPr>
+        </p:nvSpPr>
+        <p:spPr>
+          <a:xfrm>
+            <a:off x="1585212" y="262698"/>
+            <a:ext cx="9311836" cy="570200"/>
+          </a:xfrm>
+        </p:spPr>
+        <p:txBody>
+          <a:bodyPr>
+            <a:normAutofit fontScale="90000"/>
+          </a:bodyPr>
+          <a:lstStyle/>
+          <a:p>
+            <a:pPr algn="ctr"/>
+            <a:r>
+              <a:rPr lang="en-US" sz="3200" b="1" dirty="0">
+                <a:latin typeface="Arial" panose="020B0604020202020204" pitchFamily="34" charset="0"/>
+                <a:cs typeface="Arial" panose="020B0604020202020204" pitchFamily="34" charset="0"/>
+              </a:rPr>
+              <a:t>Experimental Results</a:t>
+            </a:r>
+            <a:endParaRPr lang="en-US" sz="3000" b="1" dirty="0">
+              <a:latin typeface="Arial" panose="020B0604020202020204" pitchFamily="34" charset="0"/>
+              <a:cs typeface="Arial" panose="020B0604020202020204" pitchFamily="34" charset="0"/>
+            </a:endParaRPr>
+          </a:p>
+        </p:txBody>
+      </p:sp>
+      <p:sp>
+        <p:nvSpPr>
+          <p:cNvPr id="7" name="Content Placeholder 2"/>
+          <p:cNvSpPr>
+            <a:spLocks noGrp="1"/>
+          </p:cNvSpPr>
+          <p:nvPr>
+            <p:ph idx="1"/>
+          </p:nvPr>
+        </p:nvSpPr>
+        <p:spPr>
+          <a:xfrm>
+            <a:off x="2042635" y="5527177"/>
+            <a:ext cx="8396988" cy="940798"/>
+          </a:xfrm>
+        </p:spPr>
+        <p:txBody>
+          <a:bodyPr>
+            <a:normAutofit/>
+          </a:bodyPr>
+          <a:lstStyle/>
+          <a:p>
+            <a:pPr algn="ctr">
+              <a:lnSpc>
+                <a:spcPct val="135000"/>
+              </a:lnSpc>
+            </a:pPr>
+            <a:r>
+              <a:rPr lang="en-US" sz="2000" b="1" dirty="0" smtClean="0">
+                <a:latin typeface="Arial" panose="020B0604020202020204" pitchFamily="34" charset="0"/>
+                <a:cs typeface="Arial" panose="020B0604020202020204" pitchFamily="34" charset="0"/>
+              </a:rPr>
+              <a:t>Third test </a:t>
+            </a:r>
+            <a:r>
+              <a:rPr lang="en-US" sz="2000" dirty="0" smtClean="0">
+                <a:latin typeface="Arial" panose="020B0604020202020204" pitchFamily="34" charset="0"/>
+                <a:cs typeface="Arial" panose="020B0604020202020204" pitchFamily="34" charset="0"/>
+              </a:rPr>
+              <a:t>:</a:t>
+            </a:r>
+            <a:r>
+              <a:rPr lang="en-US" sz="2000" b="1" dirty="0" smtClean="0">
+                <a:latin typeface="Arial" panose="020B0604020202020204" pitchFamily="34" charset="0"/>
+                <a:cs typeface="Arial" panose="020B0604020202020204" pitchFamily="34" charset="0"/>
+              </a:rPr>
+              <a:t> </a:t>
+            </a:r>
+            <a:r>
+              <a:rPr lang="en-US" sz="2000" dirty="0" smtClean="0">
+                <a:latin typeface="Arial" panose="020B0604020202020204" pitchFamily="34" charset="0"/>
+                <a:cs typeface="Arial" panose="020B0604020202020204" pitchFamily="34" charset="0"/>
+              </a:rPr>
+              <a:t>changing </a:t>
+            </a:r>
+            <a:r>
+              <a:rPr lang="en-US" sz="2000" dirty="0">
+                <a:latin typeface="Arial" panose="020B0604020202020204" pitchFamily="34" charset="0"/>
+                <a:cs typeface="Arial" panose="020B0604020202020204" pitchFamily="34" charset="0"/>
+              </a:rPr>
+              <a:t>speedup with </a:t>
+            </a:r>
+            <a:r>
+              <a:rPr lang="en-US" sz="2000" dirty="0">
+                <a:solidFill>
+                  <a:srgbClr val="00B050"/>
+                </a:solidFill>
+                <a:latin typeface="Arial" panose="020B0604020202020204" pitchFamily="34" charset="0"/>
+                <a:cs typeface="Arial" panose="020B0604020202020204" pitchFamily="34" charset="0"/>
+              </a:rPr>
+              <a:t>various </a:t>
+            </a:r>
+            <a:r>
+              <a:rPr lang="en-US" sz="2000" i="1" dirty="0" smtClean="0">
+                <a:solidFill>
+                  <a:srgbClr val="00B050"/>
+                </a:solidFill>
+                <a:latin typeface="Arial" panose="020B0604020202020204" pitchFamily="34" charset="0"/>
+                <a:cs typeface="Arial" panose="020B0604020202020204" pitchFamily="34" charset="0"/>
+              </a:rPr>
+              <a:t>k</a:t>
+            </a:r>
+            <a:r>
+              <a:rPr lang="en-US" sz="2000" dirty="0" smtClean="0">
+                <a:latin typeface="Arial" panose="020B0604020202020204" pitchFamily="34" charset="0"/>
+                <a:cs typeface="Arial" panose="020B0604020202020204" pitchFamily="34" charset="0"/>
+              </a:rPr>
+              <a:t> </a:t>
+            </a:r>
+            <a:r>
+              <a:rPr lang="en-US" sz="2000" dirty="0">
+                <a:latin typeface="Arial" panose="020B0604020202020204" pitchFamily="34" charset="0"/>
+                <a:cs typeface="Arial" panose="020B0604020202020204" pitchFamily="34" charset="0"/>
+              </a:rPr>
+              <a:t>on </a:t>
+            </a:r>
+            <a:r>
+              <a:rPr lang="en-US" sz="2000" dirty="0" smtClean="0">
+                <a:latin typeface="Arial" panose="020B0604020202020204" pitchFamily="34" charset="0"/>
+                <a:cs typeface="Arial" panose="020B0604020202020204" pitchFamily="34" charset="0"/>
+              </a:rPr>
+              <a:t>“</a:t>
+            </a:r>
+            <a:r>
+              <a:rPr lang="en-US" sz="2000" dirty="0">
+                <a:latin typeface="Arial" panose="020B0604020202020204" pitchFamily="34" charset="0"/>
+                <a:cs typeface="Arial" panose="020B0604020202020204" pitchFamily="34" charset="0"/>
+              </a:rPr>
+              <a:t>poker” data set </a:t>
+            </a:r>
+            <a:r>
+              <a:rPr lang="en-US" sz="2000" dirty="0" smtClean="0">
+                <a:latin typeface="Arial" panose="020B0604020202020204" pitchFamily="34" charset="0"/>
+                <a:cs typeface="Arial" panose="020B0604020202020204" pitchFamily="34" charset="0"/>
+              </a:rPr>
+              <a:t>with  </a:t>
+            </a:r>
+            <a:r>
+              <a:rPr lang="en-US" sz="2000" i="1" dirty="0" smtClean="0">
+                <a:latin typeface="Arial" panose="020B0604020202020204" pitchFamily="34" charset="0"/>
+                <a:cs typeface="Arial" panose="020B0604020202020204" pitchFamily="34" charset="0"/>
+              </a:rPr>
+              <a:t>N </a:t>
+            </a:r>
+            <a:r>
+              <a:rPr lang="en-US" sz="2000" dirty="0" smtClean="0">
+                <a:latin typeface="Arial" panose="020B0604020202020204" pitchFamily="34" charset="0"/>
+                <a:cs typeface="Arial" panose="020B0604020202020204" pitchFamily="34" charset="0"/>
+              </a:rPr>
+              <a:t>= 1025100, </a:t>
+            </a:r>
+            <a:r>
+              <a:rPr lang="en-US" sz="2000" i="1" dirty="0" smtClean="0">
+                <a:latin typeface="Arial" panose="020B0604020202020204" pitchFamily="34" charset="0"/>
+                <a:cs typeface="Arial" panose="020B0604020202020204" pitchFamily="34" charset="0"/>
+              </a:rPr>
+              <a:t>d</a:t>
+            </a:r>
+            <a:r>
+              <a:rPr lang="en-US" sz="2000" dirty="0" smtClean="0">
+                <a:latin typeface="Arial" panose="020B0604020202020204" pitchFamily="34" charset="0"/>
+                <a:cs typeface="Arial" panose="020B0604020202020204" pitchFamily="34" charset="0"/>
+              </a:rPr>
+              <a:t> </a:t>
+            </a:r>
+            <a:r>
+              <a:rPr lang="en-US" sz="2000" dirty="0">
+                <a:latin typeface="Arial" panose="020B0604020202020204" pitchFamily="34" charset="0"/>
+                <a:cs typeface="Arial" panose="020B0604020202020204" pitchFamily="34" charset="0"/>
+              </a:rPr>
+              <a:t>= </a:t>
+            </a:r>
+            <a:r>
+              <a:rPr lang="en-US" sz="2000" dirty="0" smtClean="0">
+                <a:latin typeface="Arial" panose="020B0604020202020204" pitchFamily="34" charset="0"/>
+                <a:cs typeface="Arial" panose="020B0604020202020204" pitchFamily="34" charset="0"/>
+              </a:rPr>
+              <a:t>10, </a:t>
+            </a:r>
+            <a:r>
+              <a:rPr lang="en-US" sz="2000" i="1" dirty="0" smtClean="0">
+                <a:latin typeface="Arial" panose="020B0604020202020204" pitchFamily="34" charset="0"/>
+                <a:cs typeface="Arial" panose="020B0604020202020204" pitchFamily="34" charset="0"/>
+              </a:rPr>
+              <a:t>M</a:t>
+            </a:r>
+            <a:r>
+              <a:rPr lang="en-US" sz="2000" dirty="0" smtClean="0">
+                <a:latin typeface="Arial" panose="020B0604020202020204" pitchFamily="34" charset="0"/>
+                <a:cs typeface="Arial" panose="020B0604020202020204" pitchFamily="34" charset="0"/>
+              </a:rPr>
+              <a:t> </a:t>
+            </a:r>
+            <a:r>
+              <a:rPr lang="en-US" sz="2000" dirty="0">
+                <a:latin typeface="Arial" panose="020B0604020202020204" pitchFamily="34" charset="0"/>
+                <a:cs typeface="Arial" panose="020B0604020202020204" pitchFamily="34" charset="0"/>
+              </a:rPr>
+              <a:t>= </a:t>
+            </a:r>
+            <a:r>
+              <a:rPr lang="en-US" sz="2000" dirty="0" smtClean="0">
+                <a:latin typeface="Arial" panose="020B0604020202020204" pitchFamily="34" charset="0"/>
+                <a:cs typeface="Arial" panose="020B0604020202020204" pitchFamily="34" charset="0"/>
+              </a:rPr>
+              <a:t>2, </a:t>
+            </a:r>
+            <a:r>
+              <a:rPr lang="el-GR" sz="2000" dirty="0" smtClean="0">
+                <a:latin typeface="Arial" panose="020B0604020202020204" pitchFamily="34" charset="0"/>
+                <a:cs typeface="Arial" panose="020B0604020202020204" pitchFamily="34" charset="0"/>
+              </a:rPr>
+              <a:t>ε</a:t>
+            </a:r>
+            <a:r>
+              <a:rPr lang="en-US" sz="2000" dirty="0" smtClean="0">
+                <a:latin typeface="Arial" panose="020B0604020202020204" pitchFamily="34" charset="0"/>
+                <a:cs typeface="Arial" panose="020B0604020202020204" pitchFamily="34" charset="0"/>
+              </a:rPr>
+              <a:t> </a:t>
+            </a:r>
+            <a:r>
+              <a:rPr lang="en-US" sz="2000" dirty="0">
+                <a:latin typeface="Arial" panose="020B0604020202020204" pitchFamily="34" charset="0"/>
+                <a:cs typeface="Arial" panose="020B0604020202020204" pitchFamily="34" charset="0"/>
+              </a:rPr>
+              <a:t>= </a:t>
+            </a:r>
+            <a:r>
+              <a:rPr lang="en-US" sz="2000" dirty="0" smtClean="0">
+                <a:latin typeface="Arial" panose="020B0604020202020204" pitchFamily="34" charset="0"/>
+                <a:cs typeface="Arial" panose="020B0604020202020204" pitchFamily="34" charset="0"/>
+              </a:rPr>
+              <a:t>1e-8, maximum iterations = 200.</a:t>
+            </a:r>
+          </a:p>
+          <a:p>
+            <a:pPr marL="0" indent="0" algn="just">
+              <a:lnSpc>
+                <a:spcPct val="135000"/>
+              </a:lnSpc>
+              <a:buNone/>
+            </a:pPr>
+            <a:endParaRPr lang="en-US" sz="2000" dirty="0" smtClean="0">
+              <a:latin typeface="Arial" panose="020B0604020202020204" pitchFamily="34" charset="0"/>
+              <a:cs typeface="Arial" panose="020B0604020202020204" pitchFamily="34" charset="0"/>
+            </a:endParaRPr>
+          </a:p>
+          <a:p>
+            <a:pPr algn="just">
+              <a:lnSpc>
+                <a:spcPct val="135000"/>
+              </a:lnSpc>
+            </a:pPr>
+            <a:endParaRPr lang="en-US" sz="2000" dirty="0" smtClean="0">
+              <a:latin typeface="Arial" panose="020B0604020202020204" pitchFamily="34" charset="0"/>
+              <a:cs typeface="Arial" panose="020B0604020202020204" pitchFamily="34" charset="0"/>
+            </a:endParaRPr>
+          </a:p>
+        </p:txBody>
+      </p:sp>
+      <p:sp>
+        <p:nvSpPr>
+          <p:cNvPr id="8" name="Rectangle 2"/>
+          <p:cNvSpPr>
+            <a:spLocks noChangeArrowheads="1"/>
+          </p:cNvSpPr>
+          <p:nvPr/>
+        </p:nvSpPr>
+        <p:spPr bwMode="auto">
+          <a:xfrm>
+            <a:off x="0" y="0"/>
+            <a:ext cx="12192000" cy="0"/>
+          </a:xfrm>
+          <a:prstGeom prst="rect">
+            <a:avLst/>
+          </a:prstGeom>
+          <a:noFill/>
+          <a:ln>
+            <a:noFill/>
+          </a:ln>
+          <a:effectLst/>
+          <a:extLst>
+            <a:ext uri="{909E8E84-426E-40DD-AFC4-6F175D3DCCD1}">
+              <a14:hiddenFill xmlns:a14="http://schemas.microsoft.com/office/drawing/2010/main">
+                <a:solidFill>
+                  <a:schemeClr val="accent1"/>
+                </a:solidFill>
+              </a14:hiddenFill>
+            </a:ext>
+            <a:ext uri="{91240B29-F687-4F45-9708-019B960494DF}">
+              <a14:hiddenLine xmlns:a14="http://schemas.microsoft.com/office/drawing/2010/main" w="9525">
+                <a:solidFill>
+                  <a:schemeClr val="tx1"/>
+                </a:solidFill>
+                <a:miter lim="800000"/>
+                <a:headEnd/>
+                <a:tailEnd/>
+              </a14:hiddenLine>
+            </a:ext>
+            <a:ext uri="{AF507438-7753-43E0-B8FC-AC1667EBCBE1}">
+              <a14:hiddenEffects xmlns:a14="http://schemas.microsoft.com/office/drawing/2010/main">
+                <a:effectLst>
+                  <a:outerShdw dist="35921" dir="2700000" algn="ctr" rotWithShape="0">
+                    <a:schemeClr val="bg2"/>
+                  </a:outerShdw>
+                </a:effectLst>
+              </a14:hiddenEffects>
+            </a:ext>
+          </a:extLst>
+        </p:spPr>
+        <p:txBody>
+          <a:bodyPr vert="horz" wrap="none" lIns="91440" tIns="45720" rIns="91440" bIns="45720" numCol="1" anchor="ctr" anchorCtr="0" compatLnSpc="1">
+            <a:prstTxWarp prst="textNoShape">
+              <a:avLst/>
+            </a:prstTxWarp>
+            <a:spAutoFit/>
+          </a:bodyPr>
+          <a:lstStyle/>
+          <a:p>
+            <a:endParaRPr lang="en-US"/>
+          </a:p>
+        </p:txBody>
+      </p:sp>
+      <p:pic>
+        <p:nvPicPr>
+          <p:cNvPr id="22529" name="Picture 1"/>
+          <p:cNvPicPr>
+            <a:picLocks noChangeAspect="1" noChangeArrowheads="1"/>
+          </p:cNvPicPr>
+          <p:nvPr/>
+        </p:nvPicPr>
+        <p:blipFill>
+          <a:blip r:embed="rId2">
+            <a:extLst>
+              <a:ext uri="{28A0092B-C50C-407E-A947-70E740481C1C}">
+                <a14:useLocalDpi xmlns:a14="http://schemas.microsoft.com/office/drawing/2010/main" val="0"/>
+              </a:ext>
+            </a:extLst>
+          </a:blip>
+          <a:srcRect/>
+          <a:stretch>
+            <a:fillRect/>
+          </a:stretch>
+        </p:blipFill>
+        <p:spPr bwMode="auto">
+          <a:xfrm>
+            <a:off x="2584851" y="919875"/>
+            <a:ext cx="7312557" cy="4572000"/>
+          </a:xfrm>
+          <a:prstGeom prst="rect">
+            <a:avLst/>
+          </a:prstGeom>
+          <a:noFill/>
+          <a:extLst>
+            <a:ext uri="{909E8E84-426E-40DD-AFC4-6F175D3DCCD1}">
+              <a14:hiddenFill xmlns:a14="http://schemas.microsoft.com/office/drawing/2010/main">
+                <a:solidFill>
+                  <a:srgbClr val="FFFFFF"/>
+                </a:solidFill>
+              </a14:hiddenFill>
+            </a:ext>
+          </a:extLst>
+        </p:spPr>
+      </p:pic>
+    </p:spTree>
+    <p:extLst>
+      <p:ext uri="{BB962C8B-B14F-4D97-AF65-F5344CB8AC3E}">
+        <p14:creationId xmlns:p14="http://schemas.microsoft.com/office/powerpoint/2010/main" val="4289273099"/>
       </p:ext>
     </p:extLst>
   </p:cSld>
@@ -18250,6 +18560,468 @@
     <p:extLst>
       <p:ext uri="{BB962C8B-B14F-4D97-AF65-F5344CB8AC3E}">
         <p14:creationId xmlns:p14="http://schemas.microsoft.com/office/powerpoint/2010/main" val="1320736254"/>
+      </p:ext>
+    </p:extLst>
+  </p:cSld>
+  <p:clrMapOvr>
+    <a:masterClrMapping/>
+  </p:clrMapOvr>
+  <p:timing>
+    <p:tnLst>
+      <p:par>
+        <p:cTn id="1" dur="indefinite" restart="never" nodeType="tmRoot"/>
+      </p:par>
+    </p:tnLst>
+  </p:timing>
+</p:sld>
+</file>
+
+<file path=ppt/slides/slide30.xml><?xml version="1.0" encoding="utf-8"?>
+<p:sld xmlns:a="http://schemas.openxmlformats.org/drawingml/2006/main" xmlns:r="http://schemas.openxmlformats.org/officeDocument/2006/relationships" xmlns:p="http://schemas.openxmlformats.org/presentationml/2006/main">
+  <p:cSld>
+    <p:spTree>
+      <p:nvGrpSpPr>
+        <p:cNvPr id="1" name=""/>
+        <p:cNvGrpSpPr/>
+        <p:nvPr/>
+      </p:nvGrpSpPr>
+      <p:grpSpPr>
+        <a:xfrm>
+          <a:off x="0" y="0"/>
+          <a:ext cx="0" cy="0"/>
+          <a:chOff x="0" y="0"/>
+          <a:chExt cx="0" cy="0"/>
+        </a:xfrm>
+      </p:grpSpPr>
+      <p:sp>
+        <p:nvSpPr>
+          <p:cNvPr id="3" name="Content Placeholder 2"/>
+          <p:cNvSpPr>
+            <a:spLocks noGrp="1"/>
+          </p:cNvSpPr>
+          <p:nvPr>
+            <p:ph idx="1"/>
+          </p:nvPr>
+        </p:nvSpPr>
+        <p:spPr>
+          <a:xfrm>
+            <a:off x="1740329" y="5425342"/>
+            <a:ext cx="9001601" cy="940798"/>
+          </a:xfrm>
+        </p:spPr>
+        <p:txBody>
+          <a:bodyPr>
+            <a:normAutofit/>
+          </a:bodyPr>
+          <a:lstStyle/>
+          <a:p>
+            <a:pPr algn="ctr">
+              <a:lnSpc>
+                <a:spcPct val="135000"/>
+              </a:lnSpc>
+            </a:pPr>
+            <a:r>
+              <a:rPr lang="en-US" sz="2000" b="1" dirty="0" smtClean="0">
+                <a:latin typeface="Arial" panose="020B0604020202020204" pitchFamily="34" charset="0"/>
+                <a:cs typeface="Arial" panose="020B0604020202020204" pitchFamily="34" charset="0"/>
+              </a:rPr>
+              <a:t>Fourth test </a:t>
+            </a:r>
+            <a:r>
+              <a:rPr lang="en-US" sz="2000" dirty="0" smtClean="0">
+                <a:latin typeface="Arial" panose="020B0604020202020204" pitchFamily="34" charset="0"/>
+                <a:cs typeface="Arial" panose="020B0604020202020204" pitchFamily="34" charset="0"/>
+              </a:rPr>
+              <a:t>: changing </a:t>
+            </a:r>
+            <a:r>
+              <a:rPr lang="en-US" sz="2000" dirty="0">
+                <a:latin typeface="Arial" panose="020B0604020202020204" pitchFamily="34" charset="0"/>
+                <a:cs typeface="Arial" panose="020B0604020202020204" pitchFamily="34" charset="0"/>
+              </a:rPr>
+              <a:t>speedup with </a:t>
+            </a:r>
+            <a:r>
+              <a:rPr lang="en-US" sz="2000" dirty="0">
+                <a:solidFill>
+                  <a:srgbClr val="00B050"/>
+                </a:solidFill>
+                <a:latin typeface="Arial" panose="020B0604020202020204" pitchFamily="34" charset="0"/>
+                <a:cs typeface="Arial" panose="020B0604020202020204" pitchFamily="34" charset="0"/>
+              </a:rPr>
+              <a:t>various </a:t>
+            </a:r>
+            <a:r>
+              <a:rPr lang="en-US" sz="2000" i="1" dirty="0" smtClean="0">
+                <a:solidFill>
+                  <a:srgbClr val="00B050"/>
+                </a:solidFill>
+                <a:latin typeface="Arial" panose="020B0604020202020204" pitchFamily="34" charset="0"/>
+                <a:cs typeface="Arial" panose="020B0604020202020204" pitchFamily="34" charset="0"/>
+              </a:rPr>
+              <a:t>d</a:t>
+            </a:r>
+            <a:r>
+              <a:rPr lang="en-US" sz="2000" dirty="0" smtClean="0">
+                <a:latin typeface="Arial" panose="020B0604020202020204" pitchFamily="34" charset="0"/>
+                <a:cs typeface="Arial" panose="020B0604020202020204" pitchFamily="34" charset="0"/>
+              </a:rPr>
+              <a:t> </a:t>
+            </a:r>
+            <a:r>
+              <a:rPr lang="en-US" sz="2000" dirty="0">
+                <a:latin typeface="Arial" panose="020B0604020202020204" pitchFamily="34" charset="0"/>
+                <a:cs typeface="Arial" panose="020B0604020202020204" pitchFamily="34" charset="0"/>
+              </a:rPr>
+              <a:t>on </a:t>
+            </a:r>
+            <a:r>
+              <a:rPr lang="en-US" sz="2000" dirty="0" smtClean="0">
+                <a:latin typeface="Arial" panose="020B0604020202020204" pitchFamily="34" charset="0"/>
+                <a:cs typeface="Arial" panose="020B0604020202020204" pitchFamily="34" charset="0"/>
+              </a:rPr>
+              <a:t>“Synthetic” </a:t>
+            </a:r>
+            <a:r>
+              <a:rPr lang="en-US" sz="2000" dirty="0">
+                <a:latin typeface="Arial" panose="020B0604020202020204" pitchFamily="34" charset="0"/>
+                <a:cs typeface="Arial" panose="020B0604020202020204" pitchFamily="34" charset="0"/>
+              </a:rPr>
+              <a:t>data set </a:t>
+            </a:r>
+            <a:r>
+              <a:rPr lang="en-US" sz="2000" dirty="0" smtClean="0">
+                <a:latin typeface="Arial" panose="020B0604020202020204" pitchFamily="34" charset="0"/>
+                <a:cs typeface="Arial" panose="020B0604020202020204" pitchFamily="34" charset="0"/>
+              </a:rPr>
+              <a:t>with </a:t>
+            </a:r>
+            <a:r>
+              <a:rPr lang="en-US" sz="2000" i="1" dirty="0" smtClean="0">
+                <a:latin typeface="Arial" panose="020B0604020202020204" pitchFamily="34" charset="0"/>
+                <a:cs typeface="Arial" panose="020B0604020202020204" pitchFamily="34" charset="0"/>
+              </a:rPr>
+              <a:t>N </a:t>
+            </a:r>
+            <a:r>
+              <a:rPr lang="en-US" sz="2000" dirty="0" smtClean="0">
+                <a:latin typeface="Arial" panose="020B0604020202020204" pitchFamily="34" charset="0"/>
+                <a:cs typeface="Arial" panose="020B0604020202020204" pitchFamily="34" charset="0"/>
+              </a:rPr>
+              <a:t>= 491520, </a:t>
+            </a:r>
+            <a:r>
+              <a:rPr lang="en-US" sz="2000" i="1" dirty="0" smtClean="0">
+                <a:latin typeface="Arial" panose="020B0604020202020204" pitchFamily="34" charset="0"/>
+                <a:cs typeface="Arial" panose="020B0604020202020204" pitchFamily="34" charset="0"/>
+              </a:rPr>
+              <a:t>M</a:t>
+            </a:r>
+            <a:r>
+              <a:rPr lang="en-US" sz="2000" dirty="0" smtClean="0">
+                <a:latin typeface="Arial" panose="020B0604020202020204" pitchFamily="34" charset="0"/>
+                <a:cs typeface="Arial" panose="020B0604020202020204" pitchFamily="34" charset="0"/>
+              </a:rPr>
+              <a:t> </a:t>
+            </a:r>
+            <a:r>
+              <a:rPr lang="en-US" sz="2000" dirty="0">
+                <a:latin typeface="Arial" panose="020B0604020202020204" pitchFamily="34" charset="0"/>
+                <a:cs typeface="Arial" panose="020B0604020202020204" pitchFamily="34" charset="0"/>
+              </a:rPr>
+              <a:t>= 2, </a:t>
+            </a:r>
+            <a:r>
+              <a:rPr lang="en-US" sz="2000" i="1" dirty="0">
+                <a:latin typeface="Arial" panose="020B0604020202020204" pitchFamily="34" charset="0"/>
+                <a:cs typeface="Arial" panose="020B0604020202020204" pitchFamily="34" charset="0"/>
+              </a:rPr>
+              <a:t>k</a:t>
+            </a:r>
+            <a:r>
+              <a:rPr lang="en-US" sz="2000" dirty="0">
+                <a:latin typeface="Arial" panose="020B0604020202020204" pitchFamily="34" charset="0"/>
+                <a:cs typeface="Arial" panose="020B0604020202020204" pitchFamily="34" charset="0"/>
+              </a:rPr>
+              <a:t> = </a:t>
+            </a:r>
+            <a:r>
+              <a:rPr lang="en-US" sz="2000" dirty="0" smtClean="0">
+                <a:latin typeface="Arial" panose="020B0604020202020204" pitchFamily="34" charset="0"/>
+                <a:cs typeface="Arial" panose="020B0604020202020204" pitchFamily="34" charset="0"/>
+              </a:rPr>
+              <a:t>8, </a:t>
+            </a:r>
+            <a:r>
+              <a:rPr lang="el-GR" sz="2000" dirty="0" smtClean="0">
+                <a:latin typeface="Arial" panose="020B0604020202020204" pitchFamily="34" charset="0"/>
+                <a:cs typeface="Arial" panose="020B0604020202020204" pitchFamily="34" charset="0"/>
+              </a:rPr>
+              <a:t>ε</a:t>
+            </a:r>
+            <a:r>
+              <a:rPr lang="en-US" sz="2000" dirty="0" smtClean="0">
+                <a:latin typeface="Arial" panose="020B0604020202020204" pitchFamily="34" charset="0"/>
+                <a:cs typeface="Arial" panose="020B0604020202020204" pitchFamily="34" charset="0"/>
+              </a:rPr>
+              <a:t> </a:t>
+            </a:r>
+            <a:r>
+              <a:rPr lang="en-US" sz="2000" dirty="0">
+                <a:latin typeface="Arial" panose="020B0604020202020204" pitchFamily="34" charset="0"/>
+                <a:cs typeface="Arial" panose="020B0604020202020204" pitchFamily="34" charset="0"/>
+              </a:rPr>
+              <a:t>= </a:t>
+            </a:r>
+            <a:r>
+              <a:rPr lang="en-US" sz="2000" dirty="0" smtClean="0">
+                <a:latin typeface="Arial" panose="020B0604020202020204" pitchFamily="34" charset="0"/>
+                <a:cs typeface="Arial" panose="020B0604020202020204" pitchFamily="34" charset="0"/>
+              </a:rPr>
+              <a:t>1e-8, and maximum iterations = 200.</a:t>
+            </a:r>
+          </a:p>
+          <a:p>
+            <a:pPr marL="0" indent="0" algn="just">
+              <a:lnSpc>
+                <a:spcPct val="135000"/>
+              </a:lnSpc>
+              <a:buNone/>
+            </a:pPr>
+            <a:endParaRPr lang="en-US" sz="2000" dirty="0" smtClean="0">
+              <a:latin typeface="Arial" panose="020B0604020202020204" pitchFamily="34" charset="0"/>
+              <a:cs typeface="Arial" panose="020B0604020202020204" pitchFamily="34" charset="0"/>
+            </a:endParaRPr>
+          </a:p>
+          <a:p>
+            <a:pPr algn="just">
+              <a:lnSpc>
+                <a:spcPct val="135000"/>
+              </a:lnSpc>
+            </a:pPr>
+            <a:endParaRPr lang="en-US" sz="2000" dirty="0" smtClean="0">
+              <a:latin typeface="Arial" panose="020B0604020202020204" pitchFamily="34" charset="0"/>
+              <a:cs typeface="Arial" panose="020B0604020202020204" pitchFamily="34" charset="0"/>
+            </a:endParaRPr>
+          </a:p>
+        </p:txBody>
+      </p:sp>
+      <p:sp>
+        <p:nvSpPr>
+          <p:cNvPr id="6" name="Title 1"/>
+          <p:cNvSpPr>
+            <a:spLocks noGrp="1"/>
+          </p:cNvSpPr>
+          <p:nvPr>
+            <p:ph type="title"/>
+          </p:nvPr>
+        </p:nvSpPr>
+        <p:spPr>
+          <a:xfrm>
+            <a:off x="1585212" y="262698"/>
+            <a:ext cx="9311836" cy="570200"/>
+          </a:xfrm>
+        </p:spPr>
+        <p:txBody>
+          <a:bodyPr>
+            <a:normAutofit fontScale="90000"/>
+          </a:bodyPr>
+          <a:lstStyle/>
+          <a:p>
+            <a:pPr algn="ctr"/>
+            <a:r>
+              <a:rPr lang="en-US" sz="3200" b="1" dirty="0">
+                <a:latin typeface="Arial" panose="020B0604020202020204" pitchFamily="34" charset="0"/>
+                <a:cs typeface="Arial" panose="020B0604020202020204" pitchFamily="34" charset="0"/>
+              </a:rPr>
+              <a:t>Experimental Results</a:t>
+            </a:r>
+            <a:endParaRPr lang="en-US" sz="3000" b="1" dirty="0">
+              <a:latin typeface="Arial" panose="020B0604020202020204" pitchFamily="34" charset="0"/>
+              <a:cs typeface="Arial" panose="020B0604020202020204" pitchFamily="34" charset="0"/>
+            </a:endParaRPr>
+          </a:p>
+        </p:txBody>
+      </p:sp>
+      <p:pic>
+        <p:nvPicPr>
+          <p:cNvPr id="7" name="Picture 6"/>
+          <p:cNvPicPr>
+            <a:picLocks noChangeAspect="1"/>
+          </p:cNvPicPr>
+          <p:nvPr/>
+        </p:nvPicPr>
+        <p:blipFill>
+          <a:blip r:embed="rId2"/>
+          <a:stretch>
+            <a:fillRect/>
+          </a:stretch>
+        </p:blipFill>
+        <p:spPr>
+          <a:xfrm>
+            <a:off x="2725445" y="920855"/>
+            <a:ext cx="7031370" cy="4572000"/>
+          </a:xfrm>
+          <a:prstGeom prst="rect">
+            <a:avLst/>
+          </a:prstGeom>
+        </p:spPr>
+      </p:pic>
+    </p:spTree>
+    <p:extLst>
+      <p:ext uri="{BB962C8B-B14F-4D97-AF65-F5344CB8AC3E}">
+        <p14:creationId xmlns:p14="http://schemas.microsoft.com/office/powerpoint/2010/main" val="1827552620"/>
+      </p:ext>
+    </p:extLst>
+  </p:cSld>
+  <p:clrMapOvr>
+    <a:masterClrMapping/>
+  </p:clrMapOvr>
+  <p:timing>
+    <p:tnLst>
+      <p:par>
+        <p:cTn id="1" dur="indefinite" restart="never" nodeType="tmRoot"/>
+      </p:par>
+    </p:tnLst>
+  </p:timing>
+</p:sld>
+</file>
+
+<file path=ppt/slides/slide31.xml><?xml version="1.0" encoding="utf-8"?>
+<p:sld xmlns:a="http://schemas.openxmlformats.org/drawingml/2006/main" xmlns:r="http://schemas.openxmlformats.org/officeDocument/2006/relationships" xmlns:p="http://schemas.openxmlformats.org/presentationml/2006/main">
+  <p:cSld>
+    <p:spTree>
+      <p:nvGrpSpPr>
+        <p:cNvPr id="1" name=""/>
+        <p:cNvGrpSpPr/>
+        <p:nvPr/>
+      </p:nvGrpSpPr>
+      <p:grpSpPr>
+        <a:xfrm>
+          <a:off x="0" y="0"/>
+          <a:ext cx="0" cy="0"/>
+          <a:chOff x="0" y="0"/>
+          <a:chExt cx="0" cy="0"/>
+        </a:xfrm>
+      </p:grpSpPr>
+      <p:pic>
+        <p:nvPicPr>
+          <p:cNvPr id="7" name="Picture 6"/>
+          <p:cNvPicPr>
+            <a:picLocks noChangeAspect="1"/>
+          </p:cNvPicPr>
+          <p:nvPr/>
+        </p:nvPicPr>
+        <p:blipFill>
+          <a:blip r:embed="rId2"/>
+          <a:stretch>
+            <a:fillRect/>
+          </a:stretch>
+        </p:blipFill>
+        <p:spPr>
+          <a:xfrm>
+            <a:off x="4147668" y="861670"/>
+            <a:ext cx="4567707" cy="3340176"/>
+          </a:xfrm>
+          <a:prstGeom prst="rect">
+            <a:avLst/>
+          </a:prstGeom>
+        </p:spPr>
+      </p:pic>
+    </p:spTree>
+    <p:extLst>
+      <p:ext uri="{BB962C8B-B14F-4D97-AF65-F5344CB8AC3E}">
+        <p14:creationId xmlns:p14="http://schemas.microsoft.com/office/powerpoint/2010/main" val="1945091560"/>
+      </p:ext>
+    </p:extLst>
+  </p:cSld>
+  <p:clrMapOvr>
+    <a:masterClrMapping/>
+  </p:clrMapOvr>
+  <p:timing>
+    <p:tnLst>
+      <p:par>
+        <p:cTn id="1" dur="indefinite" restart="never" nodeType="tmRoot"/>
+      </p:par>
+    </p:tnLst>
+  </p:timing>
+</p:sld>
+</file>
+
+<file path=ppt/slides/slide32.xml><?xml version="1.0" encoding="utf-8"?>
+<p:sld xmlns:a="http://schemas.openxmlformats.org/drawingml/2006/main" xmlns:r="http://schemas.openxmlformats.org/officeDocument/2006/relationships" xmlns:p="http://schemas.openxmlformats.org/presentationml/2006/main">
+  <p:cSld>
+    <p:spTree>
+      <p:nvGrpSpPr>
+        <p:cNvPr id="1" name=""/>
+        <p:cNvGrpSpPr/>
+        <p:nvPr/>
+      </p:nvGrpSpPr>
+      <p:grpSpPr>
+        <a:xfrm>
+          <a:off x="0" y="0"/>
+          <a:ext cx="0" cy="0"/>
+          <a:chOff x="0" y="0"/>
+          <a:chExt cx="0" cy="0"/>
+        </a:xfrm>
+      </p:grpSpPr>
+      <p:sp>
+        <p:nvSpPr>
+          <p:cNvPr id="8" name="Rectangle 7"/>
+          <p:cNvSpPr/>
+          <p:nvPr/>
+        </p:nvSpPr>
+        <p:spPr>
+          <a:xfrm>
+            <a:off x="3000376" y="2043410"/>
+            <a:ext cx="6638924" cy="1107996"/>
+          </a:xfrm>
+          <a:prstGeom prst="rect">
+            <a:avLst/>
+          </a:prstGeom>
+          <a:noFill/>
+        </p:spPr>
+        <p:txBody>
+          <a:bodyPr wrap="square" lIns="91440" tIns="45720" rIns="91440" bIns="45720">
+            <a:spAutoFit/>
+          </a:bodyPr>
+          <a:lstStyle/>
+          <a:p>
+            <a:pPr algn="ctr"/>
+            <a:r>
+              <a:rPr lang="en-US" sz="6600" dirty="0" smtClean="0">
+                <a:ln w="0"/>
+                <a:effectLst>
+                  <a:outerShdw blurRad="38100" dist="38100" dir="2700000" algn="tl">
+                    <a:srgbClr val="000000">
+                      <a:alpha val="43137"/>
+                    </a:srgbClr>
+                  </a:outerShdw>
+                </a:effectLst>
+                <a:latin typeface="Arial" panose="020B0604020202020204" pitchFamily="34" charset="0"/>
+                <a:cs typeface="Arial" panose="020B0604020202020204" pitchFamily="34" charset="0"/>
+              </a:rPr>
+              <a:t>Thank You</a:t>
+            </a:r>
+            <a:endParaRPr lang="en-US" sz="6600" dirty="0">
+              <a:ln w="0"/>
+              <a:effectLst>
+                <a:outerShdw blurRad="38100" dist="38100" dir="2700000" algn="tl">
+                  <a:srgbClr val="000000">
+                    <a:alpha val="43137"/>
+                  </a:srgbClr>
+                </a:outerShdw>
+              </a:effectLst>
+              <a:latin typeface="Arial" panose="020B0604020202020204" pitchFamily="34" charset="0"/>
+              <a:cs typeface="Arial" panose="020B0604020202020204" pitchFamily="34" charset="0"/>
+            </a:endParaRPr>
+          </a:p>
+        </p:txBody>
+      </p:sp>
+    </p:spTree>
+    <p:extLst>
+      <p:ext uri="{BB962C8B-B14F-4D97-AF65-F5344CB8AC3E}">
+        <p14:creationId xmlns:p14="http://schemas.microsoft.com/office/powerpoint/2010/main" val="2170099206"/>
       </p:ext>
     </p:extLst>
   </p:cSld>
@@ -19083,8 +19855,8 @@
         </p:nvCxnSpPr>
         <p:spPr>
           <a:xfrm>
-            <a:off x="7858897" y="2651806"/>
-            <a:ext cx="5701" cy="889073"/>
+            <a:off x="7858125" y="2656558"/>
+            <a:ext cx="6473" cy="884321"/>
           </a:xfrm>
           <a:prstGeom prst="straightConnector1">
             <a:avLst/>
@@ -19334,19 +20106,18 @@
       <p:cxnSp>
         <p:nvCxnSpPr>
           <p:cNvPr id="159" name="Elbow Connector 158"/>
-          <p:cNvCxnSpPr>
-            <a:stCxn id="28" idx="2"/>
-            <a:endCxn id="162" idx="6"/>
-          </p:cNvCxnSpPr>
+          <p:cNvCxnSpPr/>
           <p:nvPr/>
         </p:nvCxnSpPr>
         <p:spPr>
-          <a:xfrm rot="5400000">
-            <a:off x="5829238" y="3011075"/>
-            <a:ext cx="454010" cy="4500720"/>
-          </a:xfrm>
-          <a:prstGeom prst="bentConnector2">
-            <a:avLst/>
+          <a:xfrm rot="10800000" flipV="1">
+            <a:off x="3816211" y="5034430"/>
+            <a:ext cx="4490392" cy="454010"/>
+          </a:xfrm>
+          <a:prstGeom prst="bentConnector3">
+            <a:avLst>
+              <a:gd name="adj1" fmla="val -60"/>
+            </a:avLst>
           </a:prstGeom>
           <a:ln w="38100">
             <a:tailEnd type="triangle"/>
@@ -20484,6 +21255,9 @@
             </a:r>
             <a:r>
               <a:rPr lang="en-US" sz="2200" i="1" dirty="0">
+                <a:solidFill>
+                  <a:srgbClr val="00B050"/>
+                </a:solidFill>
                 <a:latin typeface="Arial" panose="020B0604020202020204" pitchFamily="34" charset="0"/>
                 <a:cs typeface="Arial" panose="020B0604020202020204" pitchFamily="34" charset="0"/>
               </a:rPr>
@@ -20491,6 +21265,9 @@
             </a:r>
             <a:r>
               <a:rPr lang="en-US" sz="2200" dirty="0">
+                <a:solidFill>
+                  <a:srgbClr val="00B050"/>
+                </a:solidFill>
                 <a:latin typeface="Arial" panose="020B0604020202020204" pitchFamily="34" charset="0"/>
                 <a:cs typeface="Arial" panose="020B0604020202020204" pitchFamily="34" charset="0"/>
               </a:rPr>
@@ -20498,6 +21275,9 @@
             </a:r>
             <a:r>
               <a:rPr lang="en-US" sz="2200" dirty="0" smtClean="0">
+                <a:solidFill>
+                  <a:srgbClr val="00B050"/>
+                </a:solidFill>
                 <a:latin typeface="Arial" panose="020B0604020202020204" pitchFamily="34" charset="0"/>
                 <a:cs typeface="Arial" panose="020B0604020202020204" pitchFamily="34" charset="0"/>
               </a:rPr>
@@ -20505,6 +21285,9 @@
             </a:r>
             <a:r>
               <a:rPr lang="en-US" sz="2200" dirty="0">
+                <a:solidFill>
+                  <a:srgbClr val="00B050"/>
+                </a:solidFill>
                 <a:latin typeface="Arial" panose="020B0604020202020204" pitchFamily="34" charset="0"/>
                 <a:cs typeface="Arial" panose="020B0604020202020204" pitchFamily="34" charset="0"/>
               </a:rPr>
@@ -20512,12 +21295,18 @@
             </a:r>
             <a:r>
               <a:rPr lang="en-US" sz="2200" dirty="0" smtClean="0">
+                <a:solidFill>
+                  <a:srgbClr val="00B050"/>
+                </a:solidFill>
                 <a:latin typeface="Arial" panose="020B0604020202020204" pitchFamily="34" charset="0"/>
                 <a:cs typeface="Arial" panose="020B0604020202020204" pitchFamily="34" charset="0"/>
               </a:rPr>
               <a:t>parallel</a:t>
             </a:r>
             <a:endParaRPr lang="en-US" sz="2200" dirty="0" smtClean="0">
+              <a:solidFill>
+                <a:srgbClr val="00B050"/>
+              </a:solidFill>
               <a:latin typeface="Arial" panose="020B0604020202020204" pitchFamily="34" charset="0"/>
               <a:cs typeface="Arial" panose="020B0604020202020204" pitchFamily="34" charset="0"/>
             </a:endParaRPr>
@@ -20561,9 +21350,22 @@
                 <a:latin typeface="Arial" panose="020B0604020202020204" pitchFamily="34" charset="0"/>
                 <a:cs typeface="Arial" panose="020B0604020202020204" pitchFamily="34" charset="0"/>
               </a:rPr>
-              <a:t> on-chip registers</a:t>
+              <a:t> </a:t>
+            </a:r>
+            <a:r>
+              <a:rPr lang="en-US" sz="2200" dirty="0" smtClean="0">
+                <a:solidFill>
+                  <a:srgbClr val="00B050"/>
+                </a:solidFill>
+                <a:latin typeface="Arial" panose="020B0604020202020204" pitchFamily="34" charset="0"/>
+                <a:cs typeface="Arial" panose="020B0604020202020204" pitchFamily="34" charset="0"/>
+              </a:rPr>
+              <a:t>on-chip registers</a:t>
             </a:r>
             <a:endParaRPr lang="en-US" sz="2200" dirty="0" smtClean="0">
+              <a:solidFill>
+                <a:srgbClr val="00B050"/>
+              </a:solidFill>
               <a:latin typeface="Arial" panose="020B0604020202020204" pitchFamily="34" charset="0"/>
               <a:cs typeface="Arial" panose="020B0604020202020204" pitchFamily="34" charset="0"/>
             </a:endParaRPr>
@@ -20603,7 +21405,24 @@
                 <a:latin typeface="Arial" panose="020B0604020202020204" pitchFamily="34" charset="0"/>
                 <a:cs typeface="Arial" panose="020B0604020202020204" pitchFamily="34" charset="0"/>
               </a:rPr>
-              <a:t> shared memory (SM) </a:t>
+              <a:t> </a:t>
+            </a:r>
+            <a:r>
+              <a:rPr lang="en-US" sz="2200" dirty="0" smtClean="0">
+                <a:solidFill>
+                  <a:srgbClr val="00B050"/>
+                </a:solidFill>
+                <a:latin typeface="Arial" panose="020B0604020202020204" pitchFamily="34" charset="0"/>
+                <a:cs typeface="Arial" panose="020B0604020202020204" pitchFamily="34" charset="0"/>
+              </a:rPr>
+              <a:t>shared memory </a:t>
+            </a:r>
+            <a:r>
+              <a:rPr lang="en-US" sz="2200" dirty="0" smtClean="0">
+                <a:latin typeface="Arial" panose="020B0604020202020204" pitchFamily="34" charset="0"/>
+                <a:cs typeface="Arial" panose="020B0604020202020204" pitchFamily="34" charset="0"/>
+              </a:rPr>
+              <a:t>(SM) </a:t>
             </a:r>
             <a:r>
               <a:rPr lang="en-US" sz="2000" dirty="0" smtClean="0">
@@ -20666,14 +21485,34 @@
                 <a:latin typeface="Arial" panose="020B0604020202020204" pitchFamily="34" charset="0"/>
                 <a:cs typeface="Arial" panose="020B0604020202020204" pitchFamily="34" charset="0"/>
               </a:rPr>
-              <a:t>are read the same centroids in global </a:t>
+              <a:t>are read the same centroids in </a:t>
+            </a:r>
+            <a:r>
+              <a:rPr lang="en-US" sz="2200" dirty="0">
+                <a:solidFill>
+                  <a:srgbClr val="00B050"/>
+                </a:solidFill>
+                <a:latin typeface="Arial" panose="020B0604020202020204" pitchFamily="34" charset="0"/>
+                <a:cs typeface="Arial" panose="020B0604020202020204" pitchFamily="34" charset="0"/>
+              </a:rPr>
+              <a:t>global </a:t>
             </a:r>
             <a:r>
               <a:rPr lang="en-US" sz="2200" dirty="0" smtClean="0">
-                <a:latin typeface="Arial" panose="020B0604020202020204" pitchFamily="34" charset="0"/>
-                <a:cs typeface="Arial" panose="020B0604020202020204" pitchFamily="34" charset="0"/>
-              </a:rPr>
-              <a:t>memory (GM).</a:t>
+                <a:solidFill>
+                  <a:srgbClr val="00B050"/>
+                </a:solidFill>
+                <a:latin typeface="Arial" panose="020B0604020202020204" pitchFamily="34" charset="0"/>
+                <a:cs typeface="Arial" panose="020B0604020202020204" pitchFamily="34" charset="0"/>
+              </a:rPr>
+              <a:t>memory</a:t>
+            </a:r>
+            <a:r>
+              <a:rPr lang="en-US" sz="2200" dirty="0" smtClean="0">
+                <a:latin typeface="Arial" panose="020B0604020202020204" pitchFamily="34" charset="0"/>
+                <a:cs typeface="Arial" panose="020B0604020202020204" pitchFamily="34" charset="0"/>
+              </a:rPr>
+              <a:t> (GM).</a:t>
             </a:r>
             <a:endParaRPr lang="en-US" sz="2200" dirty="0">
               <a:latin typeface="Arial" panose="020B0604020202020204" pitchFamily="34" charset="0"/>
@@ -21100,8 +21939,8 @@
         </p:nvCxnSpPr>
         <p:spPr>
           <a:xfrm flipV="1">
-            <a:off x="5981700" y="3629025"/>
-            <a:ext cx="409488" cy="10368"/>
+            <a:off x="5981700" y="3725117"/>
+            <a:ext cx="409487" cy="1"/>
           </a:xfrm>
           <a:prstGeom prst="straightConnector1">
             <a:avLst/>
@@ -21133,8 +21972,8 @@
         </p:nvCxnSpPr>
         <p:spPr>
           <a:xfrm flipH="1">
-            <a:off x="5981700" y="4748441"/>
-            <a:ext cx="409488" cy="0"/>
+            <a:off x="5981700" y="4746219"/>
+            <a:ext cx="400275" cy="2224"/>
           </a:xfrm>
           <a:prstGeom prst="straightConnector1">
             <a:avLst/>
@@ -21509,7 +22348,7 @@
           <a:prstGeom prst="straightConnector1">
             <a:avLst/>
           </a:prstGeom>
-          <a:ln w="44450">
+          <a:ln w="38100">
             <a:tailEnd type="triangle"/>
           </a:ln>
         </p:spPr>
@@ -21536,7 +22375,7 @@
         </p:nvSpPr>
         <p:spPr>
           <a:xfrm>
-            <a:off x="2310221" y="3402827"/>
+            <a:off x="2310221" y="3488552"/>
             <a:ext cx="3671479" cy="473131"/>
           </a:xfrm>
           <a:prstGeom prst="roundRect">
@@ -21623,7 +22462,7 @@
         <p:spPr>
           <a:xfrm>
             <a:off x="4143375" y="2826281"/>
-            <a:ext cx="2586" cy="576546"/>
+            <a:ext cx="2586" cy="662271"/>
           </a:xfrm>
           <a:prstGeom prst="straightConnector1">
             <a:avLst/>
@@ -22125,7 +22964,7 @@
           <a:prstGeom prst="straightConnector1">
             <a:avLst/>
           </a:prstGeom>
-          <a:ln w="44450">
+          <a:ln w="38100">
             <a:tailEnd type="triangle"/>
           </a:ln>
         </p:spPr>
@@ -22160,7 +22999,7 @@
           <a:prstGeom prst="straightConnector1">
             <a:avLst/>
           </a:prstGeom>
-          <a:ln w="44450">
+          <a:ln w="38100">
             <a:tailEnd type="triangle"/>
           </a:ln>
         </p:spPr>
@@ -22495,7 +23334,7 @@
           <a:prstGeom prst="straightConnector1">
             <a:avLst/>
           </a:prstGeom>
-          <a:ln w="44450">
+          <a:ln w="38100">
             <a:tailEnd type="triangle"/>
           </a:ln>
         </p:spPr>
@@ -22531,7 +23370,7 @@
           <a:prstGeom prst="straightConnector1">
             <a:avLst/>
           </a:prstGeom>
-          <a:ln w="44450">
+          <a:ln w="38100">
             <a:tailEnd type="triangle"/>
           </a:ln>
         </p:spPr>
@@ -22651,7 +23490,7 @@
           <a:prstGeom prst="straightConnector1">
             <a:avLst/>
           </a:prstGeom>
-          <a:ln w="44450">
+          <a:ln w="38100">
             <a:tailEnd type="triangle"/>
           </a:ln>
         </p:spPr>
@@ -22778,7 +23617,7 @@
           <a:prstGeom prst="straightConnector1">
             <a:avLst/>
           </a:prstGeom>
-          <a:ln w="44450">
+          <a:ln w="38100">
             <a:tailEnd type="triangle"/>
           </a:ln>
         </p:spPr>

--- a/trunk/ImageProcessing/Speeding up GFKM.pptx
+++ b/trunk/ImageProcessing/Speeding up GFKM.pptx
@@ -4,18 +4,21 @@
   <p:sldMasterIdLst>
     <p:sldMasterId id="2147484340" r:id="rId1"/>
   </p:sldMasterIdLst>
+  <p:notesMasterIdLst>
+    <p:notesMasterId r:id="rId38"/>
+  </p:notesMasterIdLst>
   <p:sldIdLst>
     <p:sldId id="256" r:id="rId2"/>
-    <p:sldId id="289" r:id="rId3"/>
-    <p:sldId id="302" r:id="rId4"/>
-    <p:sldId id="301" r:id="rId5"/>
+    <p:sldId id="302" r:id="rId3"/>
+    <p:sldId id="289" r:id="rId4"/>
+    <p:sldId id="307" r:id="rId5"/>
     <p:sldId id="260" r:id="rId6"/>
-    <p:sldId id="290" r:id="rId7"/>
+    <p:sldId id="308" r:id="rId7"/>
     <p:sldId id="262" r:id="rId8"/>
     <p:sldId id="268" r:id="rId9"/>
     <p:sldId id="264" r:id="rId10"/>
     <p:sldId id="266" r:id="rId11"/>
-    <p:sldId id="303" r:id="rId12"/>
+    <p:sldId id="309" r:id="rId12"/>
     <p:sldId id="265" r:id="rId13"/>
     <p:sldId id="267" r:id="rId14"/>
     <p:sldId id="269" r:id="rId15"/>
@@ -30,9 +33,9 @@
     <p:sldId id="281" r:id="rId24"/>
     <p:sldId id="282" r:id="rId25"/>
     <p:sldId id="292" r:id="rId26"/>
-    <p:sldId id="304" r:id="rId27"/>
+    <p:sldId id="310" r:id="rId27"/>
     <p:sldId id="288" r:id="rId28"/>
-    <p:sldId id="305" r:id="rId29"/>
+    <p:sldId id="311" r:id="rId29"/>
     <p:sldId id="293" r:id="rId30"/>
     <p:sldId id="295" r:id="rId31"/>
     <p:sldId id="296" r:id="rId32"/>
@@ -145,6 +148,457 @@
     </p:ext>
   </p:extLst>
 </p:presentation>
+</file>
+
+<file path=ppt/notesMasters/notesMaster1.xml><?xml version="1.0" encoding="utf-8"?>
+<p:notesMaster xmlns:a="http://schemas.openxmlformats.org/drawingml/2006/main" xmlns:r="http://schemas.openxmlformats.org/officeDocument/2006/relationships" xmlns:p="http://schemas.openxmlformats.org/presentationml/2006/main">
+  <p:cSld>
+    <p:bg>
+      <p:bgRef idx="1001">
+        <a:schemeClr val="bg1"/>
+      </p:bgRef>
+    </p:bg>
+    <p:spTree>
+      <p:nvGrpSpPr>
+        <p:cNvPr id="1" name=""/>
+        <p:cNvGrpSpPr/>
+        <p:nvPr/>
+      </p:nvGrpSpPr>
+      <p:grpSpPr>
+        <a:xfrm>
+          <a:off x="0" y="0"/>
+          <a:ext cx="0" cy="0"/>
+          <a:chOff x="0" y="0"/>
+          <a:chExt cx="0" cy="0"/>
+        </a:xfrm>
+      </p:grpSpPr>
+      <p:sp>
+        <p:nvSpPr>
+          <p:cNvPr id="2" name="Header Placeholder 1"/>
+          <p:cNvSpPr>
+            <a:spLocks noGrp="1"/>
+          </p:cNvSpPr>
+          <p:nvPr>
+            <p:ph type="hdr" sz="quarter"/>
+          </p:nvPr>
+        </p:nvSpPr>
+        <p:spPr>
+          <a:xfrm>
+            <a:off x="0" y="0"/>
+            <a:ext cx="2971800" cy="458788"/>
+          </a:xfrm>
+          <a:prstGeom prst="rect">
+            <a:avLst/>
+          </a:prstGeom>
+        </p:spPr>
+        <p:txBody>
+          <a:bodyPr vert="horz" lIns="91440" tIns="45720" rIns="91440" bIns="45720" rtlCol="0"/>
+          <a:lstStyle>
+            <a:lvl1pPr algn="l">
+              <a:defRPr sz="1200"/>
+            </a:lvl1pPr>
+          </a:lstStyle>
+          <a:p>
+            <a:endParaRPr lang="en-US"/>
+          </a:p>
+        </p:txBody>
+      </p:sp>
+      <p:sp>
+        <p:nvSpPr>
+          <p:cNvPr id="3" name="Date Placeholder 2"/>
+          <p:cNvSpPr>
+            <a:spLocks noGrp="1"/>
+          </p:cNvSpPr>
+          <p:nvPr>
+            <p:ph type="dt" idx="1"/>
+          </p:nvPr>
+        </p:nvSpPr>
+        <p:spPr>
+          <a:xfrm>
+            <a:off x="3884613" y="0"/>
+            <a:ext cx="2971800" cy="458788"/>
+          </a:xfrm>
+          <a:prstGeom prst="rect">
+            <a:avLst/>
+          </a:prstGeom>
+        </p:spPr>
+        <p:txBody>
+          <a:bodyPr vert="horz" lIns="91440" tIns="45720" rIns="91440" bIns="45720" rtlCol="0"/>
+          <a:lstStyle>
+            <a:lvl1pPr algn="r">
+              <a:defRPr sz="1200"/>
+            </a:lvl1pPr>
+          </a:lstStyle>
+          <a:p>
+            <a:fld id="{D37D42FB-FA45-4107-A941-3E82E6204A4A}" type="datetimeFigureOut">
+              <a:rPr lang="en-US" smtClean="0"/>
+              <a:t>6/7/2015</a:t>
+            </a:fld>
+            <a:endParaRPr lang="en-US"/>
+          </a:p>
+        </p:txBody>
+      </p:sp>
+      <p:sp>
+        <p:nvSpPr>
+          <p:cNvPr id="4" name="Slide Image Placeholder 3"/>
+          <p:cNvSpPr>
+            <a:spLocks noGrp="1" noRot="1" noChangeAspect="1"/>
+          </p:cNvSpPr>
+          <p:nvPr>
+            <p:ph type="sldImg" idx="2"/>
+          </p:nvPr>
+        </p:nvSpPr>
+        <p:spPr>
+          <a:xfrm>
+            <a:off x="685800" y="1143000"/>
+            <a:ext cx="5486400" cy="3086100"/>
+          </a:xfrm>
+          <a:prstGeom prst="rect">
+            <a:avLst/>
+          </a:prstGeom>
+          <a:noFill/>
+          <a:ln w="12700">
+            <a:solidFill>
+              <a:prstClr val="black"/>
+            </a:solidFill>
+          </a:ln>
+        </p:spPr>
+        <p:txBody>
+          <a:bodyPr vert="horz" lIns="91440" tIns="45720" rIns="91440" bIns="45720" rtlCol="0" anchor="ctr"/>
+          <a:lstStyle/>
+          <a:p>
+            <a:endParaRPr lang="en-US"/>
+          </a:p>
+        </p:txBody>
+      </p:sp>
+      <p:sp>
+        <p:nvSpPr>
+          <p:cNvPr id="5" name="Notes Placeholder 4"/>
+          <p:cNvSpPr>
+            <a:spLocks noGrp="1"/>
+          </p:cNvSpPr>
+          <p:nvPr>
+            <p:ph type="body" sz="quarter" idx="3"/>
+          </p:nvPr>
+        </p:nvSpPr>
+        <p:spPr>
+          <a:xfrm>
+            <a:off x="685800" y="4400550"/>
+            <a:ext cx="5486400" cy="3600450"/>
+          </a:xfrm>
+          <a:prstGeom prst="rect">
+            <a:avLst/>
+          </a:prstGeom>
+        </p:spPr>
+        <p:txBody>
+          <a:bodyPr vert="horz" lIns="91440" tIns="45720" rIns="91440" bIns="45720" rtlCol="0"/>
+          <a:lstStyle/>
+          <a:p>
+            <a:pPr lvl="0"/>
+            <a:r>
+              <a:rPr lang="en-US" smtClean="0"/>
+              <a:t>Click to edit Master text styles</a:t>
+            </a:r>
+          </a:p>
+          <a:p>
+            <a:pPr lvl="1"/>
+            <a:r>
+              <a:rPr lang="en-US" smtClean="0"/>
+              <a:t>Second level</a:t>
+            </a:r>
+          </a:p>
+          <a:p>
+            <a:pPr lvl="2"/>
+            <a:r>
+              <a:rPr lang="en-US" smtClean="0"/>
+              <a:t>Third level</a:t>
+            </a:r>
+          </a:p>
+          <a:p>
+            <a:pPr lvl="3"/>
+            <a:r>
+              <a:rPr lang="en-US" smtClean="0"/>
+              <a:t>Fourth level</a:t>
+            </a:r>
+          </a:p>
+          <a:p>
+            <a:pPr lvl="4"/>
+            <a:r>
+              <a:rPr lang="en-US" smtClean="0"/>
+              <a:t>Fifth level</a:t>
+            </a:r>
+            <a:endParaRPr lang="en-US"/>
+          </a:p>
+        </p:txBody>
+      </p:sp>
+      <p:sp>
+        <p:nvSpPr>
+          <p:cNvPr id="6" name="Footer Placeholder 5"/>
+          <p:cNvSpPr>
+            <a:spLocks noGrp="1"/>
+          </p:cNvSpPr>
+          <p:nvPr>
+            <p:ph type="ftr" sz="quarter" idx="4"/>
+          </p:nvPr>
+        </p:nvSpPr>
+        <p:spPr>
+          <a:xfrm>
+            <a:off x="0" y="8685213"/>
+            <a:ext cx="2971800" cy="458787"/>
+          </a:xfrm>
+          <a:prstGeom prst="rect">
+            <a:avLst/>
+          </a:prstGeom>
+        </p:spPr>
+        <p:txBody>
+          <a:bodyPr vert="horz" lIns="91440" tIns="45720" rIns="91440" bIns="45720" rtlCol="0" anchor="b"/>
+          <a:lstStyle>
+            <a:lvl1pPr algn="l">
+              <a:defRPr sz="1200"/>
+            </a:lvl1pPr>
+          </a:lstStyle>
+          <a:p>
+            <a:endParaRPr lang="en-US"/>
+          </a:p>
+        </p:txBody>
+      </p:sp>
+      <p:sp>
+        <p:nvSpPr>
+          <p:cNvPr id="7" name="Slide Number Placeholder 6"/>
+          <p:cNvSpPr>
+            <a:spLocks noGrp="1"/>
+          </p:cNvSpPr>
+          <p:nvPr>
+            <p:ph type="sldNum" sz="quarter" idx="5"/>
+          </p:nvPr>
+        </p:nvSpPr>
+        <p:spPr>
+          <a:xfrm>
+            <a:off x="3884613" y="8685213"/>
+            <a:ext cx="2971800" cy="458787"/>
+          </a:xfrm>
+          <a:prstGeom prst="rect">
+            <a:avLst/>
+          </a:prstGeom>
+        </p:spPr>
+        <p:txBody>
+          <a:bodyPr vert="horz" lIns="91440" tIns="45720" rIns="91440" bIns="45720" rtlCol="0" anchor="b"/>
+          <a:lstStyle>
+            <a:lvl1pPr algn="r">
+              <a:defRPr sz="1200"/>
+            </a:lvl1pPr>
+          </a:lstStyle>
+          <a:p>
+            <a:fld id="{BB362548-9E8D-4C32-8DD1-2032220F2A30}" type="slidenum">
+              <a:rPr lang="en-US" smtClean="0"/>
+              <a:t>‹#›</a:t>
+            </a:fld>
+            <a:endParaRPr lang="en-US"/>
+          </a:p>
+        </p:txBody>
+      </p:sp>
+    </p:spTree>
+    <p:extLst>
+      <p:ext uri="{BB962C8B-B14F-4D97-AF65-F5344CB8AC3E}">
+        <p14:creationId xmlns:p14="http://schemas.microsoft.com/office/powerpoint/2010/main" val="2537347168"/>
+      </p:ext>
+    </p:extLst>
+  </p:cSld>
+  <p:clrMap bg1="lt1" tx1="dk1" bg2="lt2" tx2="dk2" accent1="accent1" accent2="accent2" accent3="accent3" accent4="accent4" accent5="accent5" accent6="accent6" hlink="hlink" folHlink="folHlink"/>
+  <p:notesStyle>
+    <a:lvl1pPr marL="0" algn="l" defTabSz="914400" rtl="0" eaLnBrk="1" latinLnBrk="0" hangingPunct="1">
+      <a:defRPr sz="1200" kern="1200">
+        <a:solidFill>
+          <a:schemeClr val="tx1"/>
+        </a:solidFill>
+        <a:latin typeface="+mn-lt"/>
+        <a:ea typeface="+mn-ea"/>
+        <a:cs typeface="+mn-cs"/>
+      </a:defRPr>
+    </a:lvl1pPr>
+    <a:lvl2pPr marL="457200" algn="l" defTabSz="914400" rtl="0" eaLnBrk="1" latinLnBrk="0" hangingPunct="1">
+      <a:defRPr sz="1200" kern="1200">
+        <a:solidFill>
+          <a:schemeClr val="tx1"/>
+        </a:solidFill>
+        <a:latin typeface="+mn-lt"/>
+        <a:ea typeface="+mn-ea"/>
+        <a:cs typeface="+mn-cs"/>
+      </a:defRPr>
+    </a:lvl2pPr>
+    <a:lvl3pPr marL="914400" algn="l" defTabSz="914400" rtl="0" eaLnBrk="1" latinLnBrk="0" hangingPunct="1">
+      <a:defRPr sz="1200" kern="1200">
+        <a:solidFill>
+          <a:schemeClr val="tx1"/>
+        </a:solidFill>
+        <a:latin typeface="+mn-lt"/>
+        <a:ea typeface="+mn-ea"/>
+        <a:cs typeface="+mn-cs"/>
+      </a:defRPr>
+    </a:lvl3pPr>
+    <a:lvl4pPr marL="1371600" algn="l" defTabSz="914400" rtl="0" eaLnBrk="1" latinLnBrk="0" hangingPunct="1">
+      <a:defRPr sz="1200" kern="1200">
+        <a:solidFill>
+          <a:schemeClr val="tx1"/>
+        </a:solidFill>
+        <a:latin typeface="+mn-lt"/>
+        <a:ea typeface="+mn-ea"/>
+        <a:cs typeface="+mn-cs"/>
+      </a:defRPr>
+    </a:lvl4pPr>
+    <a:lvl5pPr marL="1828800" algn="l" defTabSz="914400" rtl="0" eaLnBrk="1" latinLnBrk="0" hangingPunct="1">
+      <a:defRPr sz="1200" kern="1200">
+        <a:solidFill>
+          <a:schemeClr val="tx1"/>
+        </a:solidFill>
+        <a:latin typeface="+mn-lt"/>
+        <a:ea typeface="+mn-ea"/>
+        <a:cs typeface="+mn-cs"/>
+      </a:defRPr>
+    </a:lvl5pPr>
+    <a:lvl6pPr marL="2286000" algn="l" defTabSz="914400" rtl="0" eaLnBrk="1" latinLnBrk="0" hangingPunct="1">
+      <a:defRPr sz="1200" kern="1200">
+        <a:solidFill>
+          <a:schemeClr val="tx1"/>
+        </a:solidFill>
+        <a:latin typeface="+mn-lt"/>
+        <a:ea typeface="+mn-ea"/>
+        <a:cs typeface="+mn-cs"/>
+      </a:defRPr>
+    </a:lvl6pPr>
+    <a:lvl7pPr marL="2743200" algn="l" defTabSz="914400" rtl="0" eaLnBrk="1" latinLnBrk="0" hangingPunct="1">
+      <a:defRPr sz="1200" kern="1200">
+        <a:solidFill>
+          <a:schemeClr val="tx1"/>
+        </a:solidFill>
+        <a:latin typeface="+mn-lt"/>
+        <a:ea typeface="+mn-ea"/>
+        <a:cs typeface="+mn-cs"/>
+      </a:defRPr>
+    </a:lvl7pPr>
+    <a:lvl8pPr marL="3200400" algn="l" defTabSz="914400" rtl="0" eaLnBrk="1" latinLnBrk="0" hangingPunct="1">
+      <a:defRPr sz="1200" kern="1200">
+        <a:solidFill>
+          <a:schemeClr val="tx1"/>
+        </a:solidFill>
+        <a:latin typeface="+mn-lt"/>
+        <a:ea typeface="+mn-ea"/>
+        <a:cs typeface="+mn-cs"/>
+      </a:defRPr>
+    </a:lvl8pPr>
+    <a:lvl9pPr marL="3657600" algn="l" defTabSz="914400" rtl="0" eaLnBrk="1" latinLnBrk="0" hangingPunct="1">
+      <a:defRPr sz="1200" kern="1200">
+        <a:solidFill>
+          <a:schemeClr val="tx1"/>
+        </a:solidFill>
+        <a:latin typeface="+mn-lt"/>
+        <a:ea typeface="+mn-ea"/>
+        <a:cs typeface="+mn-cs"/>
+      </a:defRPr>
+    </a:lvl9pPr>
+  </p:notesStyle>
+</p:notesMaster>
+</file>
+
+<file path=ppt/notesSlides/notesSlide1.xml><?xml version="1.0" encoding="utf-8"?>
+<p:notes xmlns:a="http://schemas.openxmlformats.org/drawingml/2006/main" xmlns:r="http://schemas.openxmlformats.org/officeDocument/2006/relationships" xmlns:p="http://schemas.openxmlformats.org/presentationml/2006/main">
+  <p:cSld>
+    <p:spTree>
+      <p:nvGrpSpPr>
+        <p:cNvPr id="1" name=""/>
+        <p:cNvGrpSpPr/>
+        <p:nvPr/>
+      </p:nvGrpSpPr>
+      <p:grpSpPr>
+        <a:xfrm>
+          <a:off x="0" y="0"/>
+          <a:ext cx="0" cy="0"/>
+          <a:chOff x="0" y="0"/>
+          <a:chExt cx="0" cy="0"/>
+        </a:xfrm>
+      </p:grpSpPr>
+      <p:sp>
+        <p:nvSpPr>
+          <p:cNvPr id="2" name="Slide Image Placeholder 1"/>
+          <p:cNvSpPr>
+            <a:spLocks noGrp="1" noRot="1" noChangeAspect="1"/>
+          </p:cNvSpPr>
+          <p:nvPr>
+            <p:ph type="sldImg"/>
+          </p:nvPr>
+        </p:nvSpPr>
+        <p:spPr/>
+      </p:sp>
+      <p:sp>
+        <p:nvSpPr>
+          <p:cNvPr id="3" name="Notes Placeholder 2"/>
+          <p:cNvSpPr>
+            <a:spLocks noGrp="1"/>
+          </p:cNvSpPr>
+          <p:nvPr>
+            <p:ph type="body" idx="1"/>
+          </p:nvPr>
+        </p:nvSpPr>
+        <p:spPr/>
+        <p:txBody>
+          <a:bodyPr/>
+          <a:lstStyle/>
+          <a:p>
+            <a:r>
+              <a:rPr lang="en-US" sz="1200" dirty="0" smtClean="0">
+                <a:latin typeface="Arial" panose="020B0604020202020204" pitchFamily="34" charset="0"/>
+                <a:cs typeface="Arial" panose="020B0604020202020204" pitchFamily="34" charset="0"/>
+              </a:rPr>
+              <a:t>Average</a:t>
+            </a:r>
+            <a:r>
+              <a:rPr lang="en-US" sz="1200" baseline="0" dirty="0" smtClean="0">
+                <a:latin typeface="Arial" panose="020B0604020202020204" pitchFamily="34" charset="0"/>
+                <a:cs typeface="Arial" panose="020B0604020202020204" pitchFamily="34" charset="0"/>
+              </a:rPr>
+              <a:t> speedup is about seven to ten times</a:t>
+            </a:r>
+            <a:endParaRPr lang="en-US" sz="1200" dirty="0">
+              <a:latin typeface="Arial" panose="020B0604020202020204" pitchFamily="34" charset="0"/>
+              <a:cs typeface="Arial" panose="020B0604020202020204" pitchFamily="34" charset="0"/>
+            </a:endParaRPr>
+          </a:p>
+        </p:txBody>
+      </p:sp>
+      <p:sp>
+        <p:nvSpPr>
+          <p:cNvPr id="4" name="Slide Number Placeholder 3"/>
+          <p:cNvSpPr>
+            <a:spLocks noGrp="1"/>
+          </p:cNvSpPr>
+          <p:nvPr>
+            <p:ph type="sldNum" sz="quarter" idx="10"/>
+          </p:nvPr>
+        </p:nvSpPr>
+        <p:spPr/>
+        <p:txBody>
+          <a:bodyPr/>
+          <a:lstStyle/>
+          <a:p>
+            <a:fld id="{BB362548-9E8D-4C32-8DD1-2032220F2A30}" type="slidenum">
+              <a:rPr lang="en-US" smtClean="0"/>
+              <a:t>3</a:t>
+            </a:fld>
+            <a:endParaRPr lang="en-US"/>
+          </a:p>
+        </p:txBody>
+      </p:sp>
+    </p:spTree>
+    <p:extLst>
+      <p:ext uri="{BB962C8B-B14F-4D97-AF65-F5344CB8AC3E}">
+        <p14:creationId xmlns:p14="http://schemas.microsoft.com/office/powerpoint/2010/main" val="1699616573"/>
+      </p:ext>
+    </p:extLst>
+  </p:cSld>
+  <p:clrMapOvr>
+    <a:masterClrMapping/>
+  </p:clrMapOvr>
+</p:notes>
 </file>
 
 <file path=ppt/slideLayouts/slideLayout1.xml><?xml version="1.0" encoding="utf-8"?>
@@ -7874,8 +8328,8 @@
         </p:nvSpPr>
         <p:spPr>
           <a:xfrm>
-            <a:off x="4395689" y="4103450"/>
-            <a:ext cx="3663716" cy="801925"/>
+            <a:off x="4509557" y="4171183"/>
+            <a:ext cx="3435978" cy="801925"/>
           </a:xfrm>
         </p:spPr>
         <p:txBody>
@@ -7893,7 +8347,7 @@
               </a:spcBef>
             </a:pPr>
             <a:r>
-              <a:rPr lang="en-US" sz="2200" b="1" dirty="0" err="1" smtClean="0">
+              <a:rPr lang="en-US" sz="2200" dirty="0" err="1" smtClean="0">
                 <a:solidFill>
                   <a:schemeClr val="tx1"/>
                 </a:solidFill>
@@ -7903,7 +8357,7 @@
               <a:t>Student：Dinh-Trung</a:t>
             </a:r>
             <a:r>
-              <a:rPr lang="en-US" sz="2200" b="1" dirty="0" smtClean="0">
+              <a:rPr lang="en-US" sz="2200" dirty="0" smtClean="0">
                 <a:solidFill>
                   <a:schemeClr val="tx1"/>
                 </a:solidFill>
@@ -7923,7 +8377,7 @@
               </a:spcBef>
             </a:pPr>
             <a:r>
-              <a:rPr lang="en-GB" sz="2200" b="1" dirty="0" err="1" smtClean="0">
+              <a:rPr lang="en-GB" sz="2200" dirty="0" err="1" smtClean="0">
                 <a:solidFill>
                   <a:schemeClr val="tx1"/>
                 </a:solidFill>
@@ -7933,7 +8387,7 @@
               <a:t>Advisor：Zone-Chang</a:t>
             </a:r>
             <a:r>
-              <a:rPr lang="en-GB" sz="2200" b="1" dirty="0" smtClean="0">
+              <a:rPr lang="en-GB" sz="2200" dirty="0" smtClean="0">
                 <a:solidFill>
                   <a:schemeClr val="tx1"/>
                 </a:solidFill>
@@ -7942,7 +8396,7 @@
               </a:rPr>
               <a:t> Lai</a:t>
             </a:r>
-            <a:endParaRPr lang="en-GB" sz="2200" b="1" dirty="0">
+            <a:endParaRPr lang="en-GB" sz="2200" dirty="0">
               <a:solidFill>
                 <a:schemeClr val="tx1"/>
               </a:solidFill>
@@ -8045,7 +8499,7 @@
         <p:spPr>
           <a:xfrm>
             <a:off x="2147105" y="2219444"/>
-            <a:ext cx="8324991" cy="663960"/>
+            <a:ext cx="8324991" cy="731274"/>
           </a:xfrm>
           <a:prstGeom prst="roundRect">
             <a:avLst/>
@@ -8071,7 +8525,11 @@
           <a:bodyPr rtlCol="0" anchor="ctr"/>
           <a:lstStyle/>
           <a:p>
-            <a:pPr algn="ctr"/>
+            <a:pPr algn="ctr">
+              <a:spcAft>
+                <a:spcPts val="300"/>
+              </a:spcAft>
+            </a:pPr>
             <a:r>
               <a:rPr lang="en-US" b="1" dirty="0" smtClean="0">
                 <a:latin typeface="Arial" panose="020B0604020202020204" pitchFamily="34" charset="0"/>
@@ -8099,7 +8557,11 @@
             </a:endParaRPr>
           </a:p>
           <a:p>
-            <a:pPr algn="ctr"/>
+            <a:pPr algn="ctr">
+              <a:spcAft>
+                <a:spcPts val="300"/>
+              </a:spcAft>
+            </a:pPr>
             <a:r>
               <a:rPr lang="en-GB" b="1" dirty="0" err="1">
                 <a:latin typeface="Arial" panose="020B0604020202020204" pitchFamily="34" charset="0"/>
@@ -8841,7 +9303,11 @@
           <a:bodyPr rtlCol="0" anchor="ctr"/>
           <a:lstStyle/>
           <a:p>
-            <a:pPr algn="ctr"/>
+            <a:pPr algn="ctr">
+              <a:spcAft>
+                <a:spcPts val="300"/>
+              </a:spcAft>
+            </a:pPr>
             <a:r>
               <a:rPr lang="en-US" b="1" dirty="0" smtClean="0">
                 <a:latin typeface="Arial" panose="020B0604020202020204" pitchFamily="34" charset="0"/>
@@ -8851,6 +9317,11 @@
             </a:r>
           </a:p>
           <a:p>
+            <a:pPr>
+              <a:spcAft>
+                <a:spcPts val="300"/>
+              </a:spcAft>
+            </a:pPr>
             <a:r>
               <a:rPr lang="en-US" b="1" dirty="0" smtClean="0">
                 <a:latin typeface="Arial" panose="020B0604020202020204" pitchFamily="34" charset="0"/>
@@ -8873,8 +9344,8 @@
         </p:nvCxnSpPr>
         <p:spPr>
           <a:xfrm>
-            <a:off x="3924821" y="2883404"/>
-            <a:ext cx="0" cy="421502"/>
+            <a:off x="3916965" y="2950718"/>
+            <a:ext cx="7856" cy="354188"/>
           </a:xfrm>
           <a:prstGeom prst="straightConnector1">
             <a:avLst/>
@@ -9079,11 +9550,11 @@
           <a:p>
             <a:pPr algn="ctr"/>
             <a:r>
-              <a:rPr lang="en-GB" sz="3000" b="1" cap="all" dirty="0" smtClean="0">
-                <a:latin typeface="Arial" panose="020B0604020202020204" pitchFamily="34" charset="0"/>
-                <a:cs typeface="Arial" panose="020B0604020202020204" pitchFamily="34" charset="0"/>
-              </a:rPr>
-              <a:t>OUTLINE</a:t>
+              <a:rPr lang="en-GB" sz="3000" b="1" cap="all" dirty="0" err="1" smtClean="0">
+                <a:latin typeface="Arial" panose="020B0604020202020204" pitchFamily="34" charset="0"/>
+                <a:cs typeface="Arial" panose="020B0604020202020204" pitchFamily="34" charset="0"/>
+              </a:rPr>
+              <a:t>OUTlINE</a:t>
             </a:r>
             <a:endParaRPr lang="en-GB" sz="3000" cap="all" dirty="0">
               <a:latin typeface="Arial" panose="020B0604020202020204" pitchFamily="34" charset="0"/>
@@ -9104,8 +9575,8 @@
         </p:nvSpPr>
         <p:spPr>
           <a:xfrm>
-            <a:off x="2010031" y="1878780"/>
-            <a:ext cx="8484973" cy="3442862"/>
+            <a:off x="2484164" y="1709446"/>
+            <a:ext cx="7404903" cy="3802353"/>
           </a:xfrm>
         </p:spPr>
         <p:txBody>
@@ -9114,96 +9585,266 @@
           </a:bodyPr>
           <a:lstStyle/>
           <a:p>
-            <a:pPr>
+            <a:pPr marL="514350" indent="-514350">
               <a:lnSpc>
                 <a:spcPct val="125000"/>
               </a:lnSpc>
+              <a:buFont typeface="+mj-lt"/>
+              <a:buAutoNum type="arabicPeriod"/>
             </a:pPr>
             <a:r>
-              <a:rPr lang="en-US" sz="2400" dirty="0">
-                <a:latin typeface="Arial" panose="020B0604020202020204" pitchFamily="34" charset="0"/>
-                <a:cs typeface="Arial" panose="020B0604020202020204" pitchFamily="34" charset="0"/>
-              </a:rPr>
-              <a:t>PGFKM </a:t>
-            </a:r>
-            <a:r>
-              <a:rPr lang="en-US" sz="2400" dirty="0" smtClean="0">
-                <a:latin typeface="Arial" panose="020B0604020202020204" pitchFamily="34" charset="0"/>
-                <a:cs typeface="Arial" panose="020B0604020202020204" pitchFamily="34" charset="0"/>
-              </a:rPr>
-              <a:t>Model</a:t>
-            </a:r>
-            <a:endParaRPr lang="en-US" sz="2400" dirty="0">
+              <a:rPr lang="en-US" sz="2600" dirty="0">
+                <a:solidFill>
+                  <a:schemeClr val="tx1">
+                    <a:lumMod val="85000"/>
+                    <a:lumOff val="15000"/>
+                  </a:schemeClr>
+                </a:solidFill>
+                <a:latin typeface="Arial" panose="020B0604020202020204" pitchFamily="34" charset="0"/>
+                <a:cs typeface="Arial" panose="020B0604020202020204" pitchFamily="34" charset="0"/>
+              </a:rPr>
+              <a:t>Introduction</a:t>
+            </a:r>
+          </a:p>
+          <a:p>
+            <a:pPr marL="514350" indent="-514350">
+              <a:lnSpc>
+                <a:spcPct val="125000"/>
+              </a:lnSpc>
+              <a:buFont typeface="+mj-lt"/>
+              <a:buAutoNum type="arabicPeriod"/>
+            </a:pPr>
+            <a:r>
+              <a:rPr lang="en-US" sz="2600" dirty="0">
+                <a:solidFill>
+                  <a:schemeClr val="tx1">
+                    <a:lumMod val="85000"/>
+                    <a:lumOff val="15000"/>
+                  </a:schemeClr>
+                </a:solidFill>
+                <a:latin typeface="Arial" panose="020B0604020202020204" pitchFamily="34" charset="0"/>
+                <a:cs typeface="Arial" panose="020B0604020202020204" pitchFamily="34" charset="0"/>
+              </a:rPr>
+              <a:t>PGFKM model</a:t>
+            </a:r>
+            <a:endParaRPr lang="en-US" sz="2600" dirty="0">
+              <a:solidFill>
+                <a:schemeClr val="tx1">
+                  <a:lumMod val="85000"/>
+                  <a:lumOff val="15000"/>
+                </a:schemeClr>
+              </a:solidFill>
               <a:latin typeface="Arial" panose="020B0604020202020204" pitchFamily="34" charset="0"/>
               <a:cs typeface="Arial" panose="020B0604020202020204" pitchFamily="34" charset="0"/>
             </a:endParaRPr>
           </a:p>
           <a:p>
-            <a:pPr>
+            <a:pPr marL="514350" indent="-514350">
               <a:lnSpc>
                 <a:spcPct val="125000"/>
               </a:lnSpc>
+              <a:buFont typeface="+mj-lt"/>
+              <a:buAutoNum type="arabicPeriod"/>
             </a:pPr>
             <a:r>
-              <a:rPr lang="en-US" sz="2400" dirty="0">
-                <a:latin typeface="Arial" panose="020B0604020202020204" pitchFamily="34" charset="0"/>
-                <a:cs typeface="Arial" panose="020B0604020202020204" pitchFamily="34" charset="0"/>
-              </a:rPr>
-              <a:t>Updating Membership Step</a:t>
-            </a:r>
-          </a:p>
-          <a:p>
-            <a:pPr>
+              <a:rPr lang="en-US" sz="2600" dirty="0">
+                <a:solidFill>
+                  <a:schemeClr val="tx1">
+                    <a:lumMod val="85000"/>
+                    <a:lumOff val="15000"/>
+                  </a:schemeClr>
+                </a:solidFill>
+                <a:latin typeface="Arial" panose="020B0604020202020204" pitchFamily="34" charset="0"/>
+                <a:cs typeface="Arial" panose="020B0604020202020204" pitchFamily="34" charset="0"/>
+              </a:rPr>
+              <a:t>Updating </a:t>
+            </a:r>
+            <a:r>
+              <a:rPr lang="en-US" sz="2600" dirty="0">
+                <a:solidFill>
+                  <a:schemeClr val="tx1">
+                    <a:lumMod val="85000"/>
+                    <a:lumOff val="15000"/>
+                  </a:schemeClr>
+                </a:solidFill>
+                <a:latin typeface="Arial" panose="020B0604020202020204" pitchFamily="34" charset="0"/>
+                <a:cs typeface="Arial" panose="020B0604020202020204" pitchFamily="34" charset="0"/>
+              </a:rPr>
+              <a:t>membership step</a:t>
+            </a:r>
+            <a:endParaRPr lang="en-US" sz="2600" dirty="0">
+              <a:solidFill>
+                <a:schemeClr val="tx1">
+                  <a:lumMod val="85000"/>
+                  <a:lumOff val="15000"/>
+                </a:schemeClr>
+              </a:solidFill>
+              <a:latin typeface="Arial" panose="020B0604020202020204" pitchFamily="34" charset="0"/>
+              <a:cs typeface="Arial" panose="020B0604020202020204" pitchFamily="34" charset="0"/>
+            </a:endParaRPr>
+          </a:p>
+          <a:p>
+            <a:pPr marL="514350" indent="-514350">
               <a:lnSpc>
                 <a:spcPct val="125000"/>
               </a:lnSpc>
+              <a:buFont typeface="+mj-lt"/>
+              <a:buAutoNum type="arabicPeriod"/>
             </a:pPr>
             <a:r>
-              <a:rPr lang="en-US" sz="2400" dirty="0">
+              <a:rPr lang="en-US" sz="2600" dirty="0">
                 <a:solidFill>
                   <a:srgbClr val="FF0000"/>
                 </a:solidFill>
                 <a:latin typeface="Arial" panose="020B0604020202020204" pitchFamily="34" charset="0"/>
                 <a:cs typeface="Arial" panose="020B0604020202020204" pitchFamily="34" charset="0"/>
               </a:rPr>
-              <a:t>Calculating New Centroids Step</a:t>
-            </a:r>
-          </a:p>
-          <a:p>
-            <a:pPr>
+              <a:t>Calculating </a:t>
+            </a:r>
+            <a:r>
+              <a:rPr lang="en-US" sz="2600" dirty="0" smtClean="0">
+                <a:solidFill>
+                  <a:srgbClr val="FF0000"/>
+                </a:solidFill>
+                <a:latin typeface="Arial" panose="020B0604020202020204" pitchFamily="34" charset="0"/>
+                <a:cs typeface="Arial" panose="020B0604020202020204" pitchFamily="34" charset="0"/>
+              </a:rPr>
+              <a:t>new </a:t>
+            </a:r>
+            <a:r>
+              <a:rPr lang="en-US" sz="2600" dirty="0">
+                <a:solidFill>
+                  <a:srgbClr val="FF0000"/>
+                </a:solidFill>
+                <a:latin typeface="Arial" panose="020B0604020202020204" pitchFamily="34" charset="0"/>
+                <a:cs typeface="Arial" panose="020B0604020202020204" pitchFamily="34" charset="0"/>
+              </a:rPr>
+              <a:t>c</a:t>
+            </a:r>
+            <a:r>
+              <a:rPr lang="en-US" sz="2600" dirty="0" smtClean="0">
+                <a:solidFill>
+                  <a:srgbClr val="FF0000"/>
+                </a:solidFill>
+                <a:latin typeface="Arial" panose="020B0604020202020204" pitchFamily="34" charset="0"/>
+                <a:cs typeface="Arial" panose="020B0604020202020204" pitchFamily="34" charset="0"/>
+              </a:rPr>
+              <a:t>entroids </a:t>
+            </a:r>
+            <a:r>
+              <a:rPr lang="en-US" sz="2600" dirty="0">
+                <a:solidFill>
+                  <a:srgbClr val="FF0000"/>
+                </a:solidFill>
+                <a:latin typeface="Arial" panose="020B0604020202020204" pitchFamily="34" charset="0"/>
+                <a:cs typeface="Arial" panose="020B0604020202020204" pitchFamily="34" charset="0"/>
+              </a:rPr>
+              <a:t>s</a:t>
+            </a:r>
+            <a:r>
+              <a:rPr lang="en-US" sz="2600" dirty="0" smtClean="0">
+                <a:solidFill>
+                  <a:srgbClr val="FF0000"/>
+                </a:solidFill>
+                <a:latin typeface="Arial" panose="020B0604020202020204" pitchFamily="34" charset="0"/>
+                <a:cs typeface="Arial" panose="020B0604020202020204" pitchFamily="34" charset="0"/>
+              </a:rPr>
+              <a:t>tep</a:t>
+            </a:r>
+            <a:endParaRPr lang="en-US" sz="2600" dirty="0">
+              <a:solidFill>
+                <a:srgbClr val="FF0000"/>
+              </a:solidFill>
+              <a:latin typeface="Arial" panose="020B0604020202020204" pitchFamily="34" charset="0"/>
+              <a:cs typeface="Arial" panose="020B0604020202020204" pitchFamily="34" charset="0"/>
+            </a:endParaRPr>
+          </a:p>
+          <a:p>
+            <a:pPr marL="514350" indent="-514350">
               <a:lnSpc>
                 <a:spcPct val="125000"/>
               </a:lnSpc>
+              <a:buFont typeface="+mj-lt"/>
+              <a:buAutoNum type="arabicPeriod"/>
             </a:pPr>
             <a:r>
-              <a:rPr lang="en-US" sz="2400" dirty="0">
-                <a:latin typeface="Arial" panose="020B0604020202020204" pitchFamily="34" charset="0"/>
-                <a:cs typeface="Arial" panose="020B0604020202020204" pitchFamily="34" charset="0"/>
-              </a:rPr>
-              <a:t>Checking Convergence Step</a:t>
-            </a:r>
-          </a:p>
-          <a:p>
-            <a:pPr>
+              <a:rPr lang="en-US" sz="2600" dirty="0">
+                <a:solidFill>
+                  <a:schemeClr val="tx1">
+                    <a:lumMod val="85000"/>
+                    <a:lumOff val="15000"/>
+                  </a:schemeClr>
+                </a:solidFill>
+                <a:latin typeface="Arial" panose="020B0604020202020204" pitchFamily="34" charset="0"/>
+                <a:cs typeface="Arial" panose="020B0604020202020204" pitchFamily="34" charset="0"/>
+              </a:rPr>
+              <a:t>Checking </a:t>
+            </a:r>
+            <a:r>
+              <a:rPr lang="en-US" sz="2600" dirty="0" smtClean="0">
+                <a:solidFill>
+                  <a:schemeClr val="tx1">
+                    <a:lumMod val="85000"/>
+                    <a:lumOff val="15000"/>
+                  </a:schemeClr>
+                </a:solidFill>
+                <a:latin typeface="Arial" panose="020B0604020202020204" pitchFamily="34" charset="0"/>
+                <a:cs typeface="Arial" panose="020B0604020202020204" pitchFamily="34" charset="0"/>
+              </a:rPr>
+              <a:t>convergence step</a:t>
+            </a:r>
+            <a:endParaRPr lang="en-US" sz="2600" dirty="0">
+              <a:solidFill>
+                <a:schemeClr val="tx1">
+                  <a:lumMod val="85000"/>
+                  <a:lumOff val="15000"/>
+                </a:schemeClr>
+              </a:solidFill>
+              <a:latin typeface="Arial" panose="020B0604020202020204" pitchFamily="34" charset="0"/>
+              <a:cs typeface="Arial" panose="020B0604020202020204" pitchFamily="34" charset="0"/>
+            </a:endParaRPr>
+          </a:p>
+          <a:p>
+            <a:pPr marL="514350" indent="-514350">
               <a:lnSpc>
                 <a:spcPct val="125000"/>
               </a:lnSpc>
+              <a:buFont typeface="+mj-lt"/>
+              <a:buAutoNum type="arabicPeriod"/>
             </a:pPr>
             <a:r>
-              <a:rPr lang="en-US" sz="2400" dirty="0">
+              <a:rPr lang="en-US" sz="2600" dirty="0">
+                <a:solidFill>
+                  <a:schemeClr val="tx1">
+                    <a:lumMod val="85000"/>
+                    <a:lumOff val="15000"/>
+                  </a:schemeClr>
+                </a:solidFill>
                 <a:latin typeface="Arial" panose="020B0604020202020204" pitchFamily="34" charset="0"/>
                 <a:cs typeface="Arial" panose="020B0604020202020204" pitchFamily="34" charset="0"/>
               </a:rPr>
               <a:t>Experimental </a:t>
             </a:r>
             <a:r>
-              <a:rPr lang="en-US" sz="2400" dirty="0" smtClean="0">
-                <a:latin typeface="Arial" panose="020B0604020202020204" pitchFamily="34" charset="0"/>
-                <a:cs typeface="Arial" panose="020B0604020202020204" pitchFamily="34" charset="0"/>
-              </a:rPr>
-              <a:t>Results</a:t>
-            </a:r>
-            <a:endParaRPr lang="en-US" sz="2400" dirty="0">
+              <a:rPr lang="en-US" sz="2600" dirty="0" smtClean="0">
+                <a:solidFill>
+                  <a:schemeClr val="tx1">
+                    <a:lumMod val="85000"/>
+                    <a:lumOff val="15000"/>
+                  </a:schemeClr>
+                </a:solidFill>
+                <a:latin typeface="Arial" panose="020B0604020202020204" pitchFamily="34" charset="0"/>
+                <a:cs typeface="Arial" panose="020B0604020202020204" pitchFamily="34" charset="0"/>
+              </a:rPr>
+              <a:t>results</a:t>
+            </a:r>
+            <a:endParaRPr lang="en-US" sz="2600" dirty="0">
+              <a:solidFill>
+                <a:schemeClr val="tx1">
+                  <a:lumMod val="85000"/>
+                  <a:lumOff val="15000"/>
+                </a:schemeClr>
+              </a:solidFill>
               <a:latin typeface="Arial" panose="020B0604020202020204" pitchFamily="34" charset="0"/>
               <a:cs typeface="Arial" panose="020B0604020202020204" pitchFamily="34" charset="0"/>
             </a:endParaRPr>
@@ -9213,7 +9854,7 @@
     </p:spTree>
     <p:extLst>
       <p:ext uri="{BB962C8B-B14F-4D97-AF65-F5344CB8AC3E}">
-        <p14:creationId xmlns:p14="http://schemas.microsoft.com/office/powerpoint/2010/main" val="2818695353"/>
+        <p14:creationId xmlns:p14="http://schemas.microsoft.com/office/powerpoint/2010/main" val="1343790452"/>
       </p:ext>
     </p:extLst>
   </p:cSld>
@@ -9276,6 +9917,12 @@
             </a:pPr>
             <a:r>
               <a:rPr lang="en-US" sz="2400" i="1" dirty="0" smtClean="0">
+                <a:solidFill>
+                  <a:schemeClr val="tx1">
+                    <a:lumMod val="85000"/>
+                    <a:lumOff val="15000"/>
+                  </a:schemeClr>
+                </a:solidFill>
                 <a:latin typeface="Arial" panose="020B0604020202020204" pitchFamily="34" charset="0"/>
                 <a:cs typeface="Arial" panose="020B0604020202020204" pitchFamily="34" charset="0"/>
               </a:rPr>
@@ -9283,6 +9930,12 @@
             </a:r>
             <a:r>
               <a:rPr lang="en-US" sz="2400" dirty="0" smtClean="0">
+                <a:solidFill>
+                  <a:schemeClr val="tx1">
+                    <a:lumMod val="85000"/>
+                    <a:lumOff val="15000"/>
+                  </a:schemeClr>
+                </a:solidFill>
                 <a:latin typeface="Arial" panose="020B0604020202020204" pitchFamily="34" charset="0"/>
                 <a:cs typeface="Arial" panose="020B0604020202020204" pitchFamily="34" charset="0"/>
               </a:rPr>
@@ -9290,6 +9943,12 @@
             </a:r>
             <a:r>
               <a:rPr lang="en-US" sz="2400" dirty="0">
+                <a:solidFill>
+                  <a:schemeClr val="tx1">
+                    <a:lumMod val="85000"/>
+                    <a:lumOff val="15000"/>
+                  </a:schemeClr>
+                </a:solidFill>
                 <a:latin typeface="Arial" panose="020B0604020202020204" pitchFamily="34" charset="0"/>
                 <a:cs typeface="Arial" panose="020B0604020202020204" pitchFamily="34" charset="0"/>
               </a:rPr>
@@ -9297,10 +9956,16 @@
             </a:r>
             <a:r>
               <a:rPr lang="en-US" sz="2400" dirty="0" smtClean="0">
-                <a:latin typeface="Arial" panose="020B0604020202020204" pitchFamily="34" charset="0"/>
-                <a:cs typeface="Arial" panose="020B0604020202020204" pitchFamily="34" charset="0"/>
-              </a:rPr>
-              <a:t>small: </a:t>
+                <a:solidFill>
+                  <a:schemeClr val="tx1">
+                    <a:lumMod val="85000"/>
+                    <a:lumOff val="15000"/>
+                  </a:schemeClr>
+                </a:solidFill>
+                <a:latin typeface="Arial" panose="020B0604020202020204" pitchFamily="34" charset="0"/>
+                <a:cs typeface="Arial" panose="020B0604020202020204" pitchFamily="34" charset="0"/>
+              </a:rPr>
+              <a:t>small : </a:t>
             </a:r>
             <a:r>
               <a:rPr lang="en-US" sz="2400" dirty="0" smtClean="0">
@@ -9334,6 +9999,12 @@
             </a:r>
             <a:r>
               <a:rPr lang="en-US" sz="2400" b="1" dirty="0" smtClean="0">
+                <a:solidFill>
+                  <a:schemeClr val="tx1">
+                    <a:lumMod val="85000"/>
+                    <a:lumOff val="15000"/>
+                  </a:schemeClr>
+                </a:solidFill>
                 <a:latin typeface="Arial" panose="020B0604020202020204" pitchFamily="34" charset="0"/>
                 <a:cs typeface="Arial" panose="020B0604020202020204" pitchFamily="34" charset="0"/>
               </a:rPr>
@@ -9341,6 +10012,12 @@
             </a:r>
             <a:r>
               <a:rPr lang="en-US" sz="2400" dirty="0" smtClean="0">
+                <a:solidFill>
+                  <a:schemeClr val="tx1">
+                    <a:lumMod val="85000"/>
+                    <a:lumOff val="15000"/>
+                  </a:schemeClr>
+                </a:solidFill>
                 <a:latin typeface="Arial" panose="020B0604020202020204" pitchFamily="34" charset="0"/>
                 <a:cs typeface="Arial" panose="020B0604020202020204" pitchFamily="34" charset="0"/>
               </a:rPr>
@@ -9348,6 +10025,12 @@
             </a:r>
             <a:r>
               <a:rPr lang="en-US" sz="2400" dirty="0">
+                <a:solidFill>
+                  <a:schemeClr val="tx1">
+                    <a:lumMod val="85000"/>
+                    <a:lumOff val="15000"/>
+                  </a:schemeClr>
+                </a:solidFill>
                 <a:latin typeface="Arial" panose="020B0604020202020204" pitchFamily="34" charset="0"/>
                 <a:cs typeface="Arial" panose="020B0604020202020204" pitchFamily="34" charset="0"/>
               </a:rPr>
@@ -9355,6 +10038,12 @@
             </a:r>
             <a:r>
               <a:rPr lang="en-US" sz="2400" dirty="0" smtClean="0">
+                <a:solidFill>
+                  <a:schemeClr val="tx1">
+                    <a:lumMod val="85000"/>
+                    <a:lumOff val="15000"/>
+                  </a:schemeClr>
+                </a:solidFill>
                 <a:latin typeface="Arial" panose="020B0604020202020204" pitchFamily="34" charset="0"/>
                 <a:cs typeface="Arial" panose="020B0604020202020204" pitchFamily="34" charset="0"/>
               </a:rPr>
@@ -9362,6 +10051,12 @@
             </a:r>
             <a:r>
               <a:rPr lang="en-US" sz="2400" b="1" dirty="0" smtClean="0">
+                <a:solidFill>
+                  <a:schemeClr val="tx1">
+                    <a:lumMod val="85000"/>
+                    <a:lumOff val="15000"/>
+                  </a:schemeClr>
+                </a:solidFill>
                 <a:latin typeface="Arial" panose="020B0604020202020204" pitchFamily="34" charset="0"/>
                 <a:cs typeface="Arial" panose="020B0604020202020204" pitchFamily="34" charset="0"/>
               </a:rPr>
@@ -9407,6 +10102,12 @@
             </a:pPr>
             <a:r>
               <a:rPr lang="en-US" sz="2400" dirty="0" smtClean="0">
+                <a:solidFill>
+                  <a:schemeClr val="tx1">
+                    <a:lumMod val="85000"/>
+                    <a:lumOff val="15000"/>
+                  </a:schemeClr>
+                </a:solidFill>
                 <a:latin typeface="Arial" panose="020B0604020202020204" pitchFamily="34" charset="0"/>
                 <a:cs typeface="Arial" panose="020B0604020202020204" pitchFamily="34" charset="0"/>
               </a:rPr>
@@ -9414,6 +10115,12 @@
             </a:r>
             <a:r>
               <a:rPr lang="en-US" sz="2400" dirty="0">
+                <a:solidFill>
+                  <a:schemeClr val="tx1">
+                    <a:lumMod val="85000"/>
+                    <a:lumOff val="15000"/>
+                  </a:schemeClr>
+                </a:solidFill>
                 <a:latin typeface="Arial" panose="020B0604020202020204" pitchFamily="34" charset="0"/>
                 <a:cs typeface="Arial" panose="020B0604020202020204" pitchFamily="34" charset="0"/>
               </a:rPr>
@@ -9421,6 +10128,12 @@
             </a:r>
             <a:r>
               <a:rPr lang="en-US" sz="2400" dirty="0" smtClean="0">
+                <a:solidFill>
+                  <a:schemeClr val="tx1">
+                    <a:lumMod val="85000"/>
+                    <a:lumOff val="15000"/>
+                  </a:schemeClr>
+                </a:solidFill>
                 <a:latin typeface="Arial" panose="020B0604020202020204" pitchFamily="34" charset="0"/>
                 <a:cs typeface="Arial" panose="020B0604020202020204" pitchFamily="34" charset="0"/>
               </a:rPr>
@@ -9716,8 +10429,8 @@
         </p:nvSpPr>
         <p:spPr>
           <a:xfrm>
-            <a:off x="2435959" y="2396322"/>
-            <a:ext cx="4330144" cy="457200"/>
+            <a:off x="2435958" y="2396322"/>
+            <a:ext cx="7870241" cy="457200"/>
           </a:xfrm>
           <a:prstGeom prst="roundRect">
             <a:avLst/>
@@ -9883,7 +10596,6 @@
         <p:nvCxnSpPr>
           <p:cNvPr id="49" name="Straight Arrow Connector 48"/>
           <p:cNvCxnSpPr>
-            <a:stCxn id="58" idx="2"/>
             <a:endCxn id="26" idx="0"/>
           </p:cNvCxnSpPr>
           <p:nvPr/>
@@ -10692,6 +11404,12 @@
             </a:pPr>
             <a:r>
               <a:rPr lang="en-US" sz="2400" i="1" dirty="0" smtClean="0">
+                <a:solidFill>
+                  <a:schemeClr val="tx1">
+                    <a:lumMod val="85000"/>
+                    <a:lumOff val="15000"/>
+                  </a:schemeClr>
+                </a:solidFill>
                 <a:latin typeface="Arial" panose="020B0604020202020204" pitchFamily="34" charset="0"/>
                 <a:cs typeface="Arial" panose="020B0604020202020204" pitchFamily="34" charset="0"/>
               </a:rPr>
@@ -10699,6 +11417,12 @@
             </a:r>
             <a:r>
               <a:rPr lang="en-US" sz="2400" dirty="0" smtClean="0">
+                <a:solidFill>
+                  <a:schemeClr val="tx1">
+                    <a:lumMod val="85000"/>
+                    <a:lumOff val="15000"/>
+                  </a:schemeClr>
+                </a:solidFill>
                 <a:latin typeface="Arial" panose="020B0604020202020204" pitchFamily="34" charset="0"/>
                 <a:cs typeface="Arial" panose="020B0604020202020204" pitchFamily="34" charset="0"/>
               </a:rPr>
@@ -10706,6 +11430,12 @@
             </a:r>
             <a:r>
               <a:rPr lang="en-US" sz="2400" i="1" dirty="0" smtClean="0">
+                <a:solidFill>
+                  <a:schemeClr val="tx1">
+                    <a:lumMod val="85000"/>
+                    <a:lumOff val="15000"/>
+                  </a:schemeClr>
+                </a:solidFill>
                 <a:latin typeface="Arial" panose="020B0604020202020204" pitchFamily="34" charset="0"/>
                 <a:cs typeface="Arial" panose="020B0604020202020204" pitchFamily="34" charset="0"/>
               </a:rPr>
@@ -10713,6 +11443,12 @@
             </a:r>
             <a:r>
               <a:rPr lang="en-US" sz="2400" dirty="0" smtClean="0">
+                <a:solidFill>
+                  <a:schemeClr val="tx1">
+                    <a:lumMod val="85000"/>
+                    <a:lumOff val="15000"/>
+                  </a:schemeClr>
+                </a:solidFill>
                 <a:latin typeface="Arial" panose="020B0604020202020204" pitchFamily="34" charset="0"/>
                 <a:cs typeface="Arial" panose="020B0604020202020204" pitchFamily="34" charset="0"/>
               </a:rPr>
@@ -10720,6 +11456,12 @@
             </a:r>
             <a:r>
               <a:rPr lang="en-US" sz="2400" i="1" dirty="0" smtClean="0">
+                <a:solidFill>
+                  <a:schemeClr val="tx1">
+                    <a:lumMod val="85000"/>
+                    <a:lumOff val="15000"/>
+                  </a:schemeClr>
+                </a:solidFill>
                 <a:latin typeface="Arial" panose="020B0604020202020204" pitchFamily="34" charset="0"/>
                 <a:cs typeface="Arial" panose="020B0604020202020204" pitchFamily="34" charset="0"/>
               </a:rPr>
@@ -10727,6 +11469,12 @@
             </a:r>
             <a:r>
               <a:rPr lang="en-US" sz="2400" dirty="0" smtClean="0">
+                <a:solidFill>
+                  <a:schemeClr val="tx1">
+                    <a:lumMod val="85000"/>
+                    <a:lumOff val="15000"/>
+                  </a:schemeClr>
+                </a:solidFill>
                 <a:latin typeface="Arial" panose="020B0604020202020204" pitchFamily="34" charset="0"/>
                 <a:cs typeface="Arial" panose="020B0604020202020204" pitchFamily="34" charset="0"/>
               </a:rPr>
@@ -10785,6 +11533,12 @@
             </a:pPr>
             <a:r>
               <a:rPr lang="en-US" sz="2400" dirty="0">
+                <a:solidFill>
+                  <a:schemeClr val="tx1">
+                    <a:lumMod val="85000"/>
+                    <a:lumOff val="15000"/>
+                  </a:schemeClr>
+                </a:solidFill>
                 <a:latin typeface="Arial" panose="020B0604020202020204" pitchFamily="34" charset="0"/>
                 <a:cs typeface="Arial" panose="020B0604020202020204" pitchFamily="34" charset="0"/>
               </a:rPr>
@@ -10873,6 +11627,12 @@
             </a:pPr>
             <a:r>
               <a:rPr lang="en-US" sz="2400" dirty="0" smtClean="0">
+                <a:solidFill>
+                  <a:schemeClr val="tx1">
+                    <a:lumMod val="85000"/>
+                    <a:lumOff val="15000"/>
+                  </a:schemeClr>
+                </a:solidFill>
                 <a:latin typeface="Arial" panose="020B0604020202020204" pitchFamily="34" charset="0"/>
                 <a:cs typeface="Arial" panose="020B0604020202020204" pitchFamily="34" charset="0"/>
               </a:rPr>
@@ -10897,6 +11657,12 @@
             </a:r>
             <a:r>
               <a:rPr lang="en-US" sz="2400" dirty="0">
+                <a:solidFill>
+                  <a:schemeClr val="tx1">
+                    <a:lumMod val="85000"/>
+                    <a:lumOff val="15000"/>
+                  </a:schemeClr>
+                </a:solidFill>
                 <a:latin typeface="Arial" panose="020B0604020202020204" pitchFamily="34" charset="0"/>
                 <a:cs typeface="Arial" panose="020B0604020202020204" pitchFamily="34" charset="0"/>
               </a:rPr>
@@ -10904,12 +11670,24 @@
             </a:r>
             <a:r>
               <a:rPr lang="en-US" sz="2400" dirty="0" smtClean="0">
+                <a:solidFill>
+                  <a:schemeClr val="tx1">
+                    <a:lumMod val="85000"/>
+                    <a:lumOff val="15000"/>
+                  </a:schemeClr>
+                </a:solidFill>
                 <a:latin typeface="Arial" panose="020B0604020202020204" pitchFamily="34" charset="0"/>
                 <a:cs typeface="Arial" panose="020B0604020202020204" pitchFamily="34" charset="0"/>
               </a:rPr>
               <a:t>access,</a:t>
             </a:r>
             <a:endParaRPr lang="en-US" sz="2400" dirty="0" smtClean="0">
+              <a:solidFill>
+                <a:schemeClr val="tx1">
+                  <a:lumMod val="85000"/>
+                  <a:lumOff val="15000"/>
+                </a:schemeClr>
+              </a:solidFill>
               <a:latin typeface="Arial" panose="020B0604020202020204" pitchFamily="34" charset="0"/>
               <a:cs typeface="Arial" panose="020B0604020202020204" pitchFamily="34" charset="0"/>
             </a:endParaRPr>
@@ -10922,6 +11700,12 @@
             </a:pPr>
             <a:r>
               <a:rPr lang="en-US" sz="2400" dirty="0" smtClean="0">
+                <a:solidFill>
+                  <a:schemeClr val="tx1">
+                    <a:lumMod val="85000"/>
+                    <a:lumOff val="15000"/>
+                  </a:schemeClr>
+                </a:solidFill>
                 <a:latin typeface="Arial" panose="020B0604020202020204" pitchFamily="34" charset="0"/>
                 <a:cs typeface="Arial" panose="020B0604020202020204" pitchFamily="34" charset="0"/>
               </a:rPr>
@@ -10942,7 +11726,20 @@
                 <a:latin typeface="Arial" panose="020B0604020202020204" pitchFamily="34" charset="0"/>
                 <a:cs typeface="Arial" panose="020B0604020202020204" pitchFamily="34" charset="0"/>
               </a:rPr>
-              <a:t> data access, using </a:t>
+              <a:t> </a:t>
+            </a:r>
+            <a:r>
+              <a:rPr lang="en-US" sz="2400" dirty="0" smtClean="0">
+                <a:solidFill>
+                  <a:schemeClr val="tx1">
+                    <a:lumMod val="85000"/>
+                    <a:lumOff val="15000"/>
+                  </a:schemeClr>
+                </a:solidFill>
+                <a:latin typeface="Arial" panose="020B0604020202020204" pitchFamily="34" charset="0"/>
+                <a:cs typeface="Arial" panose="020B0604020202020204" pitchFamily="34" charset="0"/>
+              </a:rPr>
+              <a:t>data access, using </a:t>
             </a:r>
             <a:r>
               <a:rPr lang="en-US" sz="2400" dirty="0" err="1">
@@ -10963,6 +11760,12 @@
             </a:r>
             <a:r>
               <a:rPr lang="en-US" sz="2400" dirty="0" smtClean="0">
+                <a:solidFill>
+                  <a:schemeClr val="tx1">
+                    <a:lumMod val="85000"/>
+                    <a:lumOff val="15000"/>
+                  </a:schemeClr>
+                </a:solidFill>
                 <a:latin typeface="Arial" panose="020B0604020202020204" pitchFamily="34" charset="0"/>
                 <a:cs typeface="Arial" panose="020B0604020202020204" pitchFamily="34" charset="0"/>
               </a:rPr>
@@ -11000,10 +11803,29 @@
                 <a:latin typeface="Arial" panose="020B0604020202020204" pitchFamily="34" charset="0"/>
                 <a:cs typeface="Arial" panose="020B0604020202020204" pitchFamily="34" charset="0"/>
               </a:rPr>
-              <a:t> from </a:t>
+              <a:t> </a:t>
+            </a:r>
+            <a:r>
+              <a:rPr lang="en-US" sz="2200" dirty="0">
+                <a:solidFill>
+                  <a:schemeClr val="tx1">
+                    <a:lumMod val="85000"/>
+                    <a:lumOff val="15000"/>
+                  </a:schemeClr>
+                </a:solidFill>
+                <a:latin typeface="Arial" panose="020B0604020202020204" pitchFamily="34" charset="0"/>
+                <a:cs typeface="Arial" panose="020B0604020202020204" pitchFamily="34" charset="0"/>
+              </a:rPr>
+              <a:t>from </a:t>
             </a:r>
             <a:r>
               <a:rPr lang="en-US" sz="2200" i="1" dirty="0" err="1" smtClean="0">
+                <a:solidFill>
+                  <a:schemeClr val="tx1">
+                    <a:lumMod val="85000"/>
+                    <a:lumOff val="15000"/>
+                  </a:schemeClr>
+                </a:solidFill>
                 <a:latin typeface="Arial" panose="020B0604020202020204" pitchFamily="34" charset="0"/>
                 <a:cs typeface="Arial" panose="020B0604020202020204" pitchFamily="34" charset="0"/>
               </a:rPr>
@@ -11011,6 +11833,12 @@
             </a:r>
             <a:r>
               <a:rPr lang="en-US" sz="2200" dirty="0" err="1" smtClean="0">
+                <a:solidFill>
+                  <a:schemeClr val="tx1">
+                    <a:lumMod val="85000"/>
+                    <a:lumOff val="15000"/>
+                  </a:schemeClr>
+                </a:solidFill>
                 <a:latin typeface="Arial" panose="020B0604020202020204" pitchFamily="34" charset="0"/>
                 <a:cs typeface="Arial" panose="020B0604020202020204" pitchFamily="34" charset="0"/>
               </a:rPr>
@@ -11018,6 +11846,12 @@
             </a:r>
             <a:r>
               <a:rPr lang="en-US" sz="2200" i="1" dirty="0" err="1" smtClean="0">
+                <a:solidFill>
+                  <a:schemeClr val="tx1">
+                    <a:lumMod val="85000"/>
+                    <a:lumOff val="15000"/>
+                  </a:schemeClr>
+                </a:solidFill>
                 <a:latin typeface="Arial" panose="020B0604020202020204" pitchFamily="34" charset="0"/>
                 <a:cs typeface="Arial" panose="020B0604020202020204" pitchFamily="34" charset="0"/>
               </a:rPr>
@@ -11025,6 +11859,12 @@
             </a:r>
             <a:r>
               <a:rPr lang="en-US" sz="2200" dirty="0" smtClean="0">
+                <a:solidFill>
+                  <a:schemeClr val="tx1">
+                    <a:lumMod val="85000"/>
+                    <a:lumOff val="15000"/>
+                  </a:schemeClr>
+                </a:solidFill>
                 <a:latin typeface="Arial" panose="020B0604020202020204" pitchFamily="34" charset="0"/>
                 <a:cs typeface="Arial" panose="020B0604020202020204" pitchFamily="34" charset="0"/>
               </a:rPr>
@@ -11032,6 +11872,12 @@
             </a:r>
             <a:r>
               <a:rPr lang="en-US" sz="2200" dirty="0">
+                <a:solidFill>
+                  <a:schemeClr val="tx1">
+                    <a:lumMod val="85000"/>
+                    <a:lumOff val="15000"/>
+                  </a:schemeClr>
+                </a:solidFill>
                 <a:latin typeface="Arial" panose="020B0604020202020204" pitchFamily="34" charset="0"/>
                 <a:cs typeface="Arial" panose="020B0604020202020204" pitchFamily="34" charset="0"/>
               </a:rPr>
@@ -11039,6 +11885,12 @@
             </a:r>
             <a:r>
               <a:rPr lang="en-US" sz="2200" i="1" dirty="0" err="1" smtClean="0">
+                <a:solidFill>
+                  <a:schemeClr val="tx1">
+                    <a:lumMod val="85000"/>
+                    <a:lumOff val="15000"/>
+                  </a:schemeClr>
+                </a:solidFill>
                 <a:latin typeface="Arial" panose="020B0604020202020204" pitchFamily="34" charset="0"/>
                 <a:cs typeface="Arial" panose="020B0604020202020204" pitchFamily="34" charset="0"/>
               </a:rPr>
@@ -11046,6 +11898,12 @@
             </a:r>
             <a:r>
               <a:rPr lang="en-US" sz="2200" dirty="0" err="1" smtClean="0">
+                <a:solidFill>
+                  <a:schemeClr val="tx1">
+                    <a:lumMod val="85000"/>
+                    <a:lumOff val="15000"/>
+                  </a:schemeClr>
+                </a:solidFill>
                 <a:latin typeface="Arial" panose="020B0604020202020204" pitchFamily="34" charset="0"/>
                 <a:cs typeface="Arial" panose="020B0604020202020204" pitchFamily="34" charset="0"/>
               </a:rPr>
@@ -11053,6 +11911,12 @@
             </a:r>
             <a:r>
               <a:rPr lang="en-US" sz="2200" i="1" dirty="0" err="1" smtClean="0">
+                <a:solidFill>
+                  <a:schemeClr val="tx1">
+                    <a:lumMod val="85000"/>
+                    <a:lumOff val="15000"/>
+                  </a:schemeClr>
+                </a:solidFill>
                 <a:latin typeface="Arial" panose="020B0604020202020204" pitchFamily="34" charset="0"/>
                 <a:cs typeface="Arial" panose="020B0604020202020204" pitchFamily="34" charset="0"/>
               </a:rPr>
@@ -11060,12 +11924,24 @@
             </a:r>
             <a:r>
               <a:rPr lang="en-US" sz="2200" dirty="0">
+                <a:solidFill>
+                  <a:schemeClr val="tx1">
+                    <a:lumMod val="85000"/>
+                    <a:lumOff val="15000"/>
+                  </a:schemeClr>
+                </a:solidFill>
                 <a:latin typeface="Arial" panose="020B0604020202020204" pitchFamily="34" charset="0"/>
                 <a:cs typeface="Arial" panose="020B0604020202020204" pitchFamily="34" charset="0"/>
               </a:rPr>
               <a:t>, </a:t>
             </a:r>
             <a:endParaRPr lang="en-US" sz="2200" dirty="0" smtClean="0">
+              <a:solidFill>
+                <a:schemeClr val="tx1">
+                  <a:lumMod val="85000"/>
+                  <a:lumOff val="15000"/>
+                </a:schemeClr>
+              </a:solidFill>
               <a:latin typeface="Arial" panose="020B0604020202020204" pitchFamily="34" charset="0"/>
               <a:cs typeface="Arial" panose="020B0604020202020204" pitchFamily="34" charset="0"/>
             </a:endParaRPr>
@@ -11095,6 +11971,12 @@
             </a:r>
             <a:r>
               <a:rPr lang="en-US" sz="2200" dirty="0">
+                <a:solidFill>
+                  <a:schemeClr val="tx1">
+                    <a:lumMod val="85000"/>
+                    <a:lumOff val="15000"/>
+                  </a:schemeClr>
+                </a:solidFill>
                 <a:latin typeface="Arial" panose="020B0604020202020204" pitchFamily="34" charset="0"/>
                 <a:cs typeface="Arial" panose="020B0604020202020204" pitchFamily="34" charset="0"/>
               </a:rPr>
@@ -11102,6 +11984,12 @@
             </a:r>
             <a:r>
               <a:rPr lang="en-US" sz="2200" i="1" dirty="0" err="1" smtClean="0">
+                <a:solidFill>
+                  <a:schemeClr val="tx1">
+                    <a:lumMod val="85000"/>
+                    <a:lumOff val="15000"/>
+                  </a:schemeClr>
+                </a:solidFill>
                 <a:latin typeface="Arial" panose="020B0604020202020204" pitchFamily="34" charset="0"/>
                 <a:cs typeface="Arial" panose="020B0604020202020204" pitchFamily="34" charset="0"/>
               </a:rPr>
@@ -11109,6 +11997,12 @@
             </a:r>
             <a:r>
               <a:rPr lang="en-US" sz="2200" dirty="0" err="1" smtClean="0">
+                <a:solidFill>
+                  <a:schemeClr val="tx1">
+                    <a:lumMod val="85000"/>
+                    <a:lumOff val="15000"/>
+                  </a:schemeClr>
+                </a:solidFill>
                 <a:latin typeface="Arial" panose="020B0604020202020204" pitchFamily="34" charset="0"/>
                 <a:cs typeface="Arial" panose="020B0604020202020204" pitchFamily="34" charset="0"/>
               </a:rPr>
@@ -11116,6 +12010,12 @@
             </a:r>
             <a:r>
               <a:rPr lang="en-US" sz="2200" i="1" dirty="0" err="1" smtClean="0">
+                <a:solidFill>
+                  <a:schemeClr val="tx1">
+                    <a:lumMod val="85000"/>
+                    <a:lumOff val="15000"/>
+                  </a:schemeClr>
+                </a:solidFill>
                 <a:latin typeface="Arial" panose="020B0604020202020204" pitchFamily="34" charset="0"/>
                 <a:cs typeface="Arial" panose="020B0604020202020204" pitchFamily="34" charset="0"/>
               </a:rPr>
@@ -11123,6 +12023,12 @@
             </a:r>
             <a:r>
               <a:rPr lang="en-US" sz="2200" dirty="0" smtClean="0">
+                <a:solidFill>
+                  <a:schemeClr val="tx1">
+                    <a:lumMod val="85000"/>
+                    <a:lumOff val="15000"/>
+                  </a:schemeClr>
+                </a:solidFill>
                 <a:latin typeface="Arial" panose="020B0604020202020204" pitchFamily="34" charset="0"/>
                 <a:cs typeface="Arial" panose="020B0604020202020204" pitchFamily="34" charset="0"/>
               </a:rPr>
@@ -11130,6 +12036,12 @@
             </a:r>
             <a:r>
               <a:rPr lang="en-US" sz="2200" dirty="0">
+                <a:solidFill>
+                  <a:schemeClr val="tx1">
+                    <a:lumMod val="85000"/>
+                    <a:lumOff val="15000"/>
+                  </a:schemeClr>
+                </a:solidFill>
                 <a:latin typeface="Arial" panose="020B0604020202020204" pitchFamily="34" charset="0"/>
                 <a:cs typeface="Arial" panose="020B0604020202020204" pitchFamily="34" charset="0"/>
               </a:rPr>
@@ -11137,6 +12049,12 @@
             </a:r>
             <a:r>
               <a:rPr lang="en-US" sz="2200" i="1" dirty="0" err="1" smtClean="0">
+                <a:solidFill>
+                  <a:schemeClr val="tx1">
+                    <a:lumMod val="85000"/>
+                    <a:lumOff val="15000"/>
+                  </a:schemeClr>
+                </a:solidFill>
                 <a:latin typeface="Arial" panose="020B0604020202020204" pitchFamily="34" charset="0"/>
                 <a:cs typeface="Arial" panose="020B0604020202020204" pitchFamily="34" charset="0"/>
               </a:rPr>
@@ -11144,6 +12062,12 @@
             </a:r>
             <a:r>
               <a:rPr lang="en-US" sz="2200" dirty="0" err="1" smtClean="0">
+                <a:solidFill>
+                  <a:schemeClr val="tx1">
+                    <a:lumMod val="85000"/>
+                    <a:lumOff val="15000"/>
+                  </a:schemeClr>
+                </a:solidFill>
                 <a:latin typeface="Arial" panose="020B0604020202020204" pitchFamily="34" charset="0"/>
                 <a:cs typeface="Arial" panose="020B0604020202020204" pitchFamily="34" charset="0"/>
               </a:rPr>
@@ -11151,6 +12075,12 @@
             </a:r>
             <a:r>
               <a:rPr lang="en-US" sz="2200" i="1" dirty="0" err="1" smtClean="0">
+                <a:solidFill>
+                  <a:schemeClr val="tx1">
+                    <a:lumMod val="85000"/>
+                    <a:lumOff val="15000"/>
+                  </a:schemeClr>
+                </a:solidFill>
                 <a:latin typeface="Arial" panose="020B0604020202020204" pitchFamily="34" charset="0"/>
                 <a:cs typeface="Arial" panose="020B0604020202020204" pitchFamily="34" charset="0"/>
               </a:rPr>
@@ -11158,12 +12088,24 @@
             </a:r>
             <a:r>
               <a:rPr lang="en-US" sz="2200" i="1" dirty="0" smtClean="0">
+                <a:solidFill>
+                  <a:schemeClr val="tx1">
+                    <a:lumMod val="85000"/>
+                    <a:lumOff val="15000"/>
+                  </a:schemeClr>
+                </a:solidFill>
                 <a:latin typeface="Arial" panose="020B0604020202020204" pitchFamily="34" charset="0"/>
                 <a:cs typeface="Arial" panose="020B0604020202020204" pitchFamily="34" charset="0"/>
               </a:rPr>
               <a:t>.</a:t>
             </a:r>
             <a:endParaRPr lang="en-US" sz="2200" dirty="0">
+              <a:solidFill>
+                <a:schemeClr val="tx1">
+                  <a:lumMod val="85000"/>
+                  <a:lumOff val="15000"/>
+                </a:schemeClr>
+              </a:solidFill>
               <a:latin typeface="Arial" panose="020B0604020202020204" pitchFamily="34" charset="0"/>
               <a:cs typeface="Arial" panose="020B0604020202020204" pitchFamily="34" charset="0"/>
             </a:endParaRPr>
@@ -11673,6 +12615,12 @@
             </a:pPr>
             <a:r>
               <a:rPr lang="en-US" sz="2400" dirty="0" smtClean="0">
+                <a:solidFill>
+                  <a:schemeClr val="tx1">
+                    <a:lumMod val="85000"/>
+                    <a:lumOff val="15000"/>
+                  </a:schemeClr>
+                </a:solidFill>
                 <a:latin typeface="Arial" panose="020B0604020202020204" pitchFamily="34" charset="0"/>
                 <a:cs typeface="Arial" panose="020B0604020202020204" pitchFamily="34" charset="0"/>
               </a:rPr>
@@ -11680,6 +12628,12 @@
             </a:r>
             <a:r>
               <a:rPr lang="en-US" sz="2400" b="1" dirty="0" err="1" smtClean="0">
+                <a:solidFill>
+                  <a:schemeClr val="tx1">
+                    <a:lumMod val="85000"/>
+                    <a:lumOff val="15000"/>
+                  </a:schemeClr>
+                </a:solidFill>
                 <a:latin typeface="Arial" panose="020B0604020202020204" pitchFamily="34" charset="0"/>
                 <a:cs typeface="Arial" panose="020B0604020202020204" pitchFamily="34" charset="0"/>
               </a:rPr>
@@ -11687,6 +12641,12 @@
             </a:r>
             <a:r>
               <a:rPr lang="en-US" sz="2400" b="1" baseline="-25000" dirty="0" err="1" smtClean="0">
+                <a:solidFill>
+                  <a:schemeClr val="tx1">
+                    <a:lumMod val="85000"/>
+                    <a:lumOff val="15000"/>
+                  </a:schemeClr>
+                </a:solidFill>
                 <a:latin typeface="Arial" panose="020B0604020202020204" pitchFamily="34" charset="0"/>
                 <a:cs typeface="Arial" panose="020B0604020202020204" pitchFamily="34" charset="0"/>
               </a:rPr>
@@ -11694,6 +12654,12 @@
             </a:r>
             <a:r>
               <a:rPr lang="en-US" sz="2400" b="1" baseline="30000" dirty="0" err="1" smtClean="0">
+                <a:solidFill>
+                  <a:schemeClr val="tx1">
+                    <a:lumMod val="85000"/>
+                    <a:lumOff val="15000"/>
+                  </a:schemeClr>
+                </a:solidFill>
                 <a:latin typeface="Arial" panose="020B0604020202020204" pitchFamily="34" charset="0"/>
                 <a:cs typeface="Arial" panose="020B0604020202020204" pitchFamily="34" charset="0"/>
               </a:rPr>
@@ -11701,6 +12667,12 @@
             </a:r>
             <a:r>
               <a:rPr lang="en-US" sz="2400" b="1" dirty="0" smtClean="0">
+                <a:solidFill>
+                  <a:schemeClr val="tx1">
+                    <a:lumMod val="85000"/>
+                    <a:lumOff val="15000"/>
+                  </a:schemeClr>
+                </a:solidFill>
                 <a:latin typeface="Arial" panose="020B0604020202020204" pitchFamily="34" charset="0"/>
                 <a:cs typeface="Arial" panose="020B0604020202020204" pitchFamily="34" charset="0"/>
               </a:rPr>
@@ -11708,6 +12680,12 @@
             </a:r>
             <a:r>
               <a:rPr lang="en-US" sz="2400" dirty="0" smtClean="0">
+                <a:solidFill>
+                  <a:schemeClr val="tx1">
+                    <a:lumMod val="85000"/>
+                    <a:lumOff val="15000"/>
+                  </a:schemeClr>
+                </a:solidFill>
                 <a:latin typeface="Arial" panose="020B0604020202020204" pitchFamily="34" charset="0"/>
                 <a:cs typeface="Arial" panose="020B0604020202020204" pitchFamily="34" charset="0"/>
               </a:rPr>
@@ -11715,6 +12693,12 @@
             </a:r>
             <a:r>
               <a:rPr lang="en-US" sz="2400" i="1" dirty="0" err="1" smtClean="0">
+                <a:solidFill>
+                  <a:schemeClr val="tx1">
+                    <a:lumMod val="85000"/>
+                    <a:lumOff val="15000"/>
+                  </a:schemeClr>
+                </a:solidFill>
                 <a:latin typeface="Arial" panose="020B0604020202020204" pitchFamily="34" charset="0"/>
                 <a:cs typeface="Arial" panose="020B0604020202020204" pitchFamily="34" charset="0"/>
               </a:rPr>
@@ -11722,6 +12706,12 @@
             </a:r>
             <a:r>
               <a:rPr lang="en-US" sz="2400" dirty="0" err="1" smtClean="0">
+                <a:solidFill>
+                  <a:schemeClr val="tx1">
+                    <a:lumMod val="85000"/>
+                    <a:lumOff val="15000"/>
+                  </a:schemeClr>
+                </a:solidFill>
                 <a:latin typeface="Arial" panose="020B0604020202020204" pitchFamily="34" charset="0"/>
                 <a:cs typeface="Arial" panose="020B0604020202020204" pitchFamily="34" charset="0"/>
               </a:rPr>
@@ -11729,6 +12719,12 @@
             </a:r>
             <a:r>
               <a:rPr lang="en-US" sz="2400" dirty="0" smtClean="0">
+                <a:solidFill>
+                  <a:schemeClr val="tx1">
+                    <a:lumMod val="85000"/>
+                    <a:lumOff val="15000"/>
+                  </a:schemeClr>
+                </a:solidFill>
                 <a:latin typeface="Arial" panose="020B0604020202020204" pitchFamily="34" charset="0"/>
                 <a:cs typeface="Arial" panose="020B0604020202020204" pitchFamily="34" charset="0"/>
               </a:rPr>
@@ -11736,12 +12732,24 @@
             </a:r>
             <a:r>
               <a:rPr lang="en-US" sz="2400" dirty="0" smtClean="0">
+                <a:solidFill>
+                  <a:schemeClr val="tx1">
+                    <a:lumMod val="85000"/>
+                    <a:lumOff val="15000"/>
+                  </a:schemeClr>
+                </a:solidFill>
                 <a:latin typeface="Arial" panose="020B0604020202020204" pitchFamily="34" charset="0"/>
                 <a:cs typeface="Arial" panose="020B0604020202020204" pitchFamily="34" charset="0"/>
               </a:rPr>
               <a:t>cluster,</a:t>
             </a:r>
             <a:endParaRPr lang="en-US" sz="2400" dirty="0" smtClean="0">
+              <a:solidFill>
+                <a:schemeClr val="tx1">
+                  <a:lumMod val="85000"/>
+                  <a:lumOff val="15000"/>
+                </a:schemeClr>
+              </a:solidFill>
               <a:latin typeface="Arial" panose="020B0604020202020204" pitchFamily="34" charset="0"/>
               <a:cs typeface="Arial" panose="020B0604020202020204" pitchFamily="34" charset="0"/>
             </a:endParaRPr>
@@ -11754,6 +12762,12 @@
             </a:pPr>
             <a:r>
               <a:rPr lang="en-US" sz="2400" dirty="0" smtClean="0">
+                <a:solidFill>
+                  <a:schemeClr val="tx1">
+                    <a:lumMod val="85000"/>
+                    <a:lumOff val="15000"/>
+                  </a:schemeClr>
+                </a:solidFill>
                 <a:latin typeface="Arial" panose="020B0604020202020204" pitchFamily="34" charset="0"/>
                 <a:cs typeface="Arial" panose="020B0604020202020204" pitchFamily="34" charset="0"/>
               </a:rPr>
@@ -11761,6 +12775,12 @@
             </a:r>
             <a:r>
               <a:rPr lang="en-US" sz="2400" b="1" dirty="0" smtClean="0">
+                <a:solidFill>
+                  <a:schemeClr val="tx1">
+                    <a:lumMod val="85000"/>
+                    <a:lumOff val="15000"/>
+                  </a:schemeClr>
+                </a:solidFill>
                 <a:latin typeface="Arial" panose="020B0604020202020204" pitchFamily="34" charset="0"/>
                 <a:cs typeface="Arial" panose="020B0604020202020204" pitchFamily="34" charset="0"/>
               </a:rPr>
@@ -11768,6 +12788,12 @@
             </a:r>
             <a:r>
               <a:rPr lang="en-US" sz="2400" b="1" dirty="0" err="1" smtClean="0">
+                <a:solidFill>
+                  <a:schemeClr val="tx1">
+                    <a:lumMod val="85000"/>
+                    <a:lumOff val="15000"/>
+                  </a:schemeClr>
+                </a:solidFill>
                 <a:latin typeface="Arial" panose="020B0604020202020204" pitchFamily="34" charset="0"/>
                 <a:cs typeface="Arial" panose="020B0604020202020204" pitchFamily="34" charset="0"/>
               </a:rPr>
@@ -11775,6 +12801,12 @@
             </a:r>
             <a:r>
               <a:rPr lang="en-US" sz="2400" b="1" baseline="-25000" dirty="0" err="1" smtClean="0">
+                <a:solidFill>
+                  <a:schemeClr val="tx1">
+                    <a:lumMod val="85000"/>
+                    <a:lumOff val="15000"/>
+                  </a:schemeClr>
+                </a:solidFill>
                 <a:latin typeface="Arial" panose="020B0604020202020204" pitchFamily="34" charset="0"/>
                 <a:cs typeface="Arial" panose="020B0604020202020204" pitchFamily="34" charset="0"/>
               </a:rPr>
@@ -11782,6 +12814,12 @@
             </a:r>
             <a:r>
               <a:rPr lang="en-US" sz="2400" b="1" baseline="30000" dirty="0" err="1" smtClean="0">
+                <a:solidFill>
+                  <a:schemeClr val="tx1">
+                    <a:lumMod val="85000"/>
+                    <a:lumOff val="15000"/>
+                  </a:schemeClr>
+                </a:solidFill>
                 <a:latin typeface="Arial" panose="020B0604020202020204" pitchFamily="34" charset="0"/>
                 <a:cs typeface="Arial" panose="020B0604020202020204" pitchFamily="34" charset="0"/>
               </a:rPr>
@@ -11789,6 +12827,12 @@
             </a:r>
             <a:r>
               <a:rPr lang="en-US" sz="2400" b="1" dirty="0" smtClean="0">
+                <a:solidFill>
+                  <a:schemeClr val="tx1">
+                    <a:lumMod val="85000"/>
+                    <a:lumOff val="15000"/>
+                  </a:schemeClr>
+                </a:solidFill>
                 <a:latin typeface="Arial" panose="020B0604020202020204" pitchFamily="34" charset="0"/>
                 <a:cs typeface="Arial" panose="020B0604020202020204" pitchFamily="34" charset="0"/>
               </a:rPr>
@@ -11796,6 +12840,12 @@
             </a:r>
             <a:r>
               <a:rPr lang="en-US" sz="2400" b="1" dirty="0">
+                <a:solidFill>
+                  <a:schemeClr val="tx1">
+                    <a:lumMod val="85000"/>
+                    <a:lumOff val="15000"/>
+                  </a:schemeClr>
+                </a:solidFill>
                 <a:latin typeface="Arial" panose="020B0604020202020204" pitchFamily="34" charset="0"/>
                 <a:cs typeface="Arial" panose="020B0604020202020204" pitchFamily="34" charset="0"/>
               </a:rPr>
@@ -11803,6 +12853,12 @@
             </a:r>
             <a:r>
               <a:rPr lang="en-US" sz="2400" b="1" dirty="0" smtClean="0">
+                <a:solidFill>
+                  <a:schemeClr val="tx1">
+                    <a:lumMod val="85000"/>
+                    <a:lumOff val="15000"/>
+                  </a:schemeClr>
+                </a:solidFill>
                 <a:latin typeface="Arial" panose="020B0604020202020204" pitchFamily="34" charset="0"/>
                 <a:cs typeface="Arial" panose="020B0604020202020204" pitchFamily="34" charset="0"/>
               </a:rPr>
@@ -11810,6 +12866,12 @@
             </a:r>
             <a:r>
               <a:rPr lang="en-US" sz="2400" b="1" baseline="-25000" dirty="0" smtClean="0">
+                <a:solidFill>
+                  <a:schemeClr val="tx1">
+                    <a:lumMod val="85000"/>
+                    <a:lumOff val="15000"/>
+                  </a:schemeClr>
+                </a:solidFill>
                 <a:latin typeface="Arial" panose="020B0604020202020204" pitchFamily="34" charset="0"/>
                 <a:cs typeface="Arial" panose="020B0604020202020204" pitchFamily="34" charset="0"/>
               </a:rPr>
@@ -11817,6 +12879,12 @@
             </a:r>
             <a:r>
               <a:rPr lang="en-US" sz="2400" dirty="0" smtClean="0">
+                <a:solidFill>
+                  <a:schemeClr val="tx1">
+                    <a:lumMod val="85000"/>
+                    <a:lumOff val="15000"/>
+                  </a:schemeClr>
+                </a:solidFill>
                 <a:latin typeface="Arial" panose="020B0604020202020204" pitchFamily="34" charset="0"/>
                 <a:cs typeface="Arial" panose="020B0604020202020204" pitchFamily="34" charset="0"/>
               </a:rPr>
@@ -11824,6 +12892,12 @@
             </a:r>
             <a:r>
               <a:rPr lang="en-US" sz="2400" i="1" dirty="0" err="1" smtClean="0">
+                <a:solidFill>
+                  <a:schemeClr val="tx1">
+                    <a:lumMod val="85000"/>
+                    <a:lumOff val="15000"/>
+                  </a:schemeClr>
+                </a:solidFill>
                 <a:latin typeface="Arial" panose="020B0604020202020204" pitchFamily="34" charset="0"/>
                 <a:cs typeface="Arial" panose="020B0604020202020204" pitchFamily="34" charset="0"/>
               </a:rPr>
@@ -11831,6 +12905,12 @@
             </a:r>
             <a:r>
               <a:rPr lang="en-US" sz="2400" dirty="0" err="1" smtClean="0">
+                <a:solidFill>
+                  <a:schemeClr val="tx1">
+                    <a:lumMod val="85000"/>
+                    <a:lumOff val="15000"/>
+                  </a:schemeClr>
+                </a:solidFill>
                 <a:latin typeface="Arial" panose="020B0604020202020204" pitchFamily="34" charset="0"/>
                 <a:cs typeface="Arial" panose="020B0604020202020204" pitchFamily="34" charset="0"/>
               </a:rPr>
@@ -11838,6 +12918,12 @@
             </a:r>
             <a:r>
               <a:rPr lang="en-US" sz="2400" dirty="0" smtClean="0">
+                <a:solidFill>
+                  <a:schemeClr val="tx1">
+                    <a:lumMod val="85000"/>
+                    <a:lumOff val="15000"/>
+                  </a:schemeClr>
+                </a:solidFill>
                 <a:latin typeface="Arial" panose="020B0604020202020204" pitchFamily="34" charset="0"/>
                 <a:cs typeface="Arial" panose="020B0604020202020204" pitchFamily="34" charset="0"/>
               </a:rPr>
@@ -11845,6 +12931,12 @@
             </a:r>
             <a:r>
               <a:rPr lang="en-US" sz="2400" i="1" dirty="0" err="1" smtClean="0">
+                <a:solidFill>
+                  <a:schemeClr val="tx1">
+                    <a:lumMod val="85000"/>
+                    <a:lumOff val="15000"/>
+                  </a:schemeClr>
+                </a:solidFill>
                 <a:latin typeface="Arial" panose="020B0604020202020204" pitchFamily="34" charset="0"/>
                 <a:cs typeface="Arial" panose="020B0604020202020204" pitchFamily="34" charset="0"/>
               </a:rPr>
@@ -11852,6 +12944,12 @@
             </a:r>
             <a:r>
               <a:rPr lang="en-US" sz="2400" dirty="0" err="1" smtClean="0">
+                <a:solidFill>
+                  <a:schemeClr val="tx1">
+                    <a:lumMod val="85000"/>
+                    <a:lumOff val="15000"/>
+                  </a:schemeClr>
+                </a:solidFill>
                 <a:latin typeface="Arial" panose="020B0604020202020204" pitchFamily="34" charset="0"/>
                 <a:cs typeface="Arial" panose="020B0604020202020204" pitchFamily="34" charset="0"/>
               </a:rPr>
@@ -11859,6 +12957,12 @@
             </a:r>
             <a:r>
               <a:rPr lang="en-US" sz="2400" dirty="0" smtClean="0">
+                <a:solidFill>
+                  <a:schemeClr val="tx1">
+                    <a:lumMod val="85000"/>
+                    <a:lumOff val="15000"/>
+                  </a:schemeClr>
+                </a:solidFill>
                 <a:latin typeface="Arial" panose="020B0604020202020204" pitchFamily="34" charset="0"/>
                 <a:cs typeface="Arial" panose="020B0604020202020204" pitchFamily="34" charset="0"/>
               </a:rPr>
@@ -11866,12 +12970,24 @@
             </a:r>
             <a:r>
               <a:rPr lang="en-US" sz="2400" dirty="0" smtClean="0">
+                <a:solidFill>
+                  <a:schemeClr val="tx1">
+                    <a:lumMod val="85000"/>
+                    <a:lumOff val="15000"/>
+                  </a:schemeClr>
+                </a:solidFill>
                 <a:latin typeface="Arial" panose="020B0604020202020204" pitchFamily="34" charset="0"/>
                 <a:cs typeface="Arial" panose="020B0604020202020204" pitchFamily="34" charset="0"/>
               </a:rPr>
               <a:t>dimension,</a:t>
             </a:r>
             <a:endParaRPr lang="en-US" sz="2400" dirty="0" smtClean="0">
+              <a:solidFill>
+                <a:schemeClr val="tx1">
+                  <a:lumMod val="85000"/>
+                  <a:lumOff val="15000"/>
+                </a:schemeClr>
+              </a:solidFill>
               <a:latin typeface="Arial" panose="020B0604020202020204" pitchFamily="34" charset="0"/>
               <a:cs typeface="Arial" panose="020B0604020202020204" pitchFamily="34" charset="0"/>
             </a:endParaRPr>
@@ -11884,6 +13000,12 @@
             </a:pPr>
             <a:r>
               <a:rPr lang="en-US" sz="2400" dirty="0" smtClean="0">
+                <a:solidFill>
+                  <a:schemeClr val="tx1">
+                    <a:lumMod val="85000"/>
+                    <a:lumOff val="15000"/>
+                  </a:schemeClr>
+                </a:solidFill>
                 <a:latin typeface="Arial" panose="020B0604020202020204" pitchFamily="34" charset="0"/>
                 <a:cs typeface="Arial" panose="020B0604020202020204" pitchFamily="34" charset="0"/>
               </a:rPr>
@@ -11904,11 +13026,31 @@
                 <a:latin typeface="Arial" panose="020B0604020202020204" pitchFamily="34" charset="0"/>
                 <a:cs typeface="Arial" panose="020B0604020202020204" pitchFamily="34" charset="0"/>
               </a:rPr>
-              <a:t> or </a:t>
+              <a:t> </a:t>
             </a:r>
             <a:r>
               <a:rPr lang="en-US" sz="2400" dirty="0" smtClean="0">
                 <a:solidFill>
+                  <a:schemeClr val="tx1">
+                    <a:lumMod val="85000"/>
+                    <a:lumOff val="15000"/>
+                  </a:schemeClr>
+                </a:solidFill>
+                <a:latin typeface="Arial" panose="020B0604020202020204" pitchFamily="34" charset="0"/>
+                <a:cs typeface="Arial" panose="020B0604020202020204" pitchFamily="34" charset="0"/>
+              </a:rPr>
+              <a:t>or</a:t>
+            </a:r>
+            <a:r>
+              <a:rPr lang="en-US" sz="2400" dirty="0" smtClean="0">
+                <a:latin typeface="Arial" panose="020B0604020202020204" pitchFamily="34" charset="0"/>
+                <a:cs typeface="Arial" panose="020B0604020202020204" pitchFamily="34" charset="0"/>
+              </a:rPr>
+              <a:t> </a:t>
+            </a:r>
+            <a:r>
+              <a:rPr lang="en-US" sz="2400" dirty="0" smtClean="0">
+                <a:solidFill>
                   <a:srgbClr val="00B050"/>
                 </a:solidFill>
                 <a:latin typeface="Arial" panose="020B0604020202020204" pitchFamily="34" charset="0"/>
@@ -11921,11 +13063,31 @@
                 <a:latin typeface="Arial" panose="020B0604020202020204" pitchFamily="34" charset="0"/>
                 <a:cs typeface="Arial" panose="020B0604020202020204" pitchFamily="34" charset="0"/>
               </a:rPr>
-              <a:t> in </a:t>
+              <a:t> </a:t>
             </a:r>
             <a:r>
               <a:rPr lang="en-US" sz="2400" dirty="0" smtClean="0">
                 <a:solidFill>
+                  <a:schemeClr val="tx1">
+                    <a:lumMod val="85000"/>
+                    <a:lumOff val="15000"/>
+                  </a:schemeClr>
+                </a:solidFill>
+                <a:latin typeface="Arial" panose="020B0604020202020204" pitchFamily="34" charset="0"/>
+                <a:cs typeface="Arial" panose="020B0604020202020204" pitchFamily="34" charset="0"/>
+              </a:rPr>
+              <a:t>in</a:t>
+            </a:r>
+            <a:r>
+              <a:rPr lang="en-US" sz="2400" dirty="0" smtClean="0">
+                <a:latin typeface="Arial" panose="020B0604020202020204" pitchFamily="34" charset="0"/>
+                <a:cs typeface="Arial" panose="020B0604020202020204" pitchFamily="34" charset="0"/>
+              </a:rPr>
+              <a:t> </a:t>
+            </a:r>
+            <a:r>
+              <a:rPr lang="en-US" sz="2400" dirty="0" smtClean="0">
+                <a:solidFill>
                   <a:srgbClr val="00B050"/>
                 </a:solidFill>
                 <a:latin typeface="Arial" panose="020B0604020202020204" pitchFamily="34" charset="0"/>
@@ -11938,16 +13100,41 @@
                 <a:latin typeface="Arial" panose="020B0604020202020204" pitchFamily="34" charset="0"/>
                 <a:cs typeface="Arial" panose="020B0604020202020204" pitchFamily="34" charset="0"/>
               </a:rPr>
-              <a:t> different </a:t>
+              <a:t> </a:t>
             </a:r>
             <a:r>
               <a:rPr lang="en-US" sz="2400" dirty="0" smtClean="0">
+                <a:solidFill>
+                  <a:schemeClr val="tx1">
+                    <a:lumMod val="85000"/>
+                    <a:lumOff val="15000"/>
+                  </a:schemeClr>
+                </a:solidFill>
+                <a:latin typeface="Arial" panose="020B0604020202020204" pitchFamily="34" charset="0"/>
+                <a:cs typeface="Arial" panose="020B0604020202020204" pitchFamily="34" charset="0"/>
+              </a:rPr>
+              <a:t>different </a:t>
+            </a:r>
+            <a:r>
+              <a:rPr lang="en-US" sz="2400" dirty="0" smtClean="0">
+                <a:solidFill>
+                  <a:schemeClr val="tx1">
+                    <a:lumMod val="85000"/>
+                    <a:lumOff val="15000"/>
+                  </a:schemeClr>
+                </a:solidFill>
                 <a:latin typeface="Arial" panose="020B0604020202020204" pitchFamily="34" charset="0"/>
                 <a:cs typeface="Arial" panose="020B0604020202020204" pitchFamily="34" charset="0"/>
               </a:rPr>
               <a:t>streams, </a:t>
             </a:r>
             <a:endParaRPr lang="en-US" sz="2400" dirty="0" smtClean="0">
+              <a:solidFill>
+                <a:schemeClr val="tx1">
+                  <a:lumMod val="85000"/>
+                  <a:lumOff val="15000"/>
+                </a:schemeClr>
+              </a:solidFill>
               <a:latin typeface="Arial" panose="020B0604020202020204" pitchFamily="34" charset="0"/>
               <a:cs typeface="Arial" panose="020B0604020202020204" pitchFamily="34" charset="0"/>
             </a:endParaRPr>
@@ -11960,6 +13147,12 @@
             </a:pPr>
             <a:r>
               <a:rPr lang="en-US" sz="2400" dirty="0" smtClean="0">
+                <a:solidFill>
+                  <a:schemeClr val="tx1">
+                    <a:lumMod val="85000"/>
+                    <a:lumOff val="15000"/>
+                  </a:schemeClr>
+                </a:solidFill>
                 <a:latin typeface="Arial" panose="020B0604020202020204" pitchFamily="34" charset="0"/>
                 <a:cs typeface="Arial" panose="020B0604020202020204" pitchFamily="34" charset="0"/>
               </a:rPr>
@@ -11967,6 +13160,12 @@
             </a:r>
             <a:r>
               <a:rPr lang="en-US" sz="2400" dirty="0">
+                <a:solidFill>
+                  <a:schemeClr val="tx1">
+                    <a:lumMod val="85000"/>
+                    <a:lumOff val="15000"/>
+                  </a:schemeClr>
+                </a:solidFill>
                 <a:latin typeface="Arial" panose="020B0604020202020204" pitchFamily="34" charset="0"/>
                 <a:cs typeface="Arial" panose="020B0604020202020204" pitchFamily="34" charset="0"/>
               </a:rPr>
@@ -11974,6 +13173,12 @@
             </a:r>
             <a:r>
               <a:rPr lang="en-US" sz="2400" dirty="0" smtClean="0">
+                <a:solidFill>
+                  <a:schemeClr val="tx1">
+                    <a:lumMod val="85000"/>
+                    <a:lumOff val="15000"/>
+                  </a:schemeClr>
+                </a:solidFill>
                 <a:latin typeface="Arial" panose="020B0604020202020204" pitchFamily="34" charset="0"/>
                 <a:cs typeface="Arial" panose="020B0604020202020204" pitchFamily="34" charset="0"/>
               </a:rPr>
@@ -11981,12 +13186,24 @@
             </a:r>
             <a:r>
               <a:rPr lang="en-US" sz="2400" dirty="0">
+                <a:solidFill>
+                  <a:schemeClr val="tx1">
+                    <a:lumMod val="85000"/>
+                    <a:lumOff val="15000"/>
+                  </a:schemeClr>
+                </a:solidFill>
                 <a:latin typeface="Arial" panose="020B0604020202020204" pitchFamily="34" charset="0"/>
                 <a:cs typeface="Arial" panose="020B0604020202020204" pitchFamily="34" charset="0"/>
               </a:rPr>
               <a:t>fast on CPUs.</a:t>
             </a:r>
             <a:endParaRPr lang="en-US" sz="2400" dirty="0" smtClean="0">
+              <a:solidFill>
+                <a:schemeClr val="tx1">
+                  <a:lumMod val="85000"/>
+                  <a:lumOff val="15000"/>
+                </a:schemeClr>
+              </a:solidFill>
               <a:latin typeface="Arial" panose="020B0604020202020204" pitchFamily="34" charset="0"/>
               <a:cs typeface="Arial" panose="020B0604020202020204" pitchFamily="34" charset="0"/>
             </a:endParaRPr>
@@ -13154,6 +14371,12 @@
             </a:pPr>
             <a:r>
               <a:rPr lang="en-US" sz="2400" i="1" dirty="0" smtClean="0">
+                <a:solidFill>
+                  <a:schemeClr val="tx1">
+                    <a:lumMod val="85000"/>
+                    <a:lumOff val="15000"/>
+                  </a:schemeClr>
+                </a:solidFill>
                 <a:latin typeface="Arial" panose="020B0604020202020204" pitchFamily="34" charset="0"/>
                 <a:cs typeface="Arial" panose="020B0604020202020204" pitchFamily="34" charset="0"/>
               </a:rPr>
@@ -13161,6 +14384,12 @@
             </a:r>
             <a:r>
               <a:rPr lang="en-US" sz="2400" dirty="0" smtClean="0">
+                <a:solidFill>
+                  <a:schemeClr val="tx1">
+                    <a:lumMod val="85000"/>
+                    <a:lumOff val="15000"/>
+                  </a:schemeClr>
+                </a:solidFill>
                 <a:latin typeface="Arial" panose="020B0604020202020204" pitchFamily="34" charset="0"/>
                 <a:cs typeface="Arial" panose="020B0604020202020204" pitchFamily="34" charset="0"/>
               </a:rPr>
@@ -13168,6 +14397,12 @@
             </a:r>
             <a:r>
               <a:rPr lang="en-US" sz="2400" dirty="0">
+                <a:solidFill>
+                  <a:schemeClr val="tx1">
+                    <a:lumMod val="85000"/>
+                    <a:lumOff val="15000"/>
+                  </a:schemeClr>
+                </a:solidFill>
                 <a:latin typeface="Arial" panose="020B0604020202020204" pitchFamily="34" charset="0"/>
                 <a:cs typeface="Arial" panose="020B0604020202020204" pitchFamily="34" charset="0"/>
               </a:rPr>
@@ -13175,6 +14410,12 @@
             </a:r>
             <a:r>
               <a:rPr lang="en-US" sz="2400" dirty="0" smtClean="0">
+                <a:solidFill>
+                  <a:schemeClr val="tx1">
+                    <a:lumMod val="85000"/>
+                    <a:lumOff val="15000"/>
+                  </a:schemeClr>
+                </a:solidFill>
                 <a:latin typeface="Arial" panose="020B0604020202020204" pitchFamily="34" charset="0"/>
                 <a:cs typeface="Arial" panose="020B0604020202020204" pitchFamily="34" charset="0"/>
               </a:rPr>
@@ -13182,6 +14423,12 @@
             </a:r>
             <a:r>
               <a:rPr lang="en-US" sz="2400" dirty="0">
+                <a:solidFill>
+                  <a:schemeClr val="tx1">
+                    <a:lumMod val="85000"/>
+                    <a:lumOff val="15000"/>
+                  </a:schemeClr>
+                </a:solidFill>
                 <a:latin typeface="Arial" panose="020B0604020202020204" pitchFamily="34" charset="0"/>
                 <a:cs typeface="Arial" panose="020B0604020202020204" pitchFamily="34" charset="0"/>
               </a:rPr>
@@ -13189,6 +14436,12 @@
             </a:r>
             <a:r>
               <a:rPr lang="en-US" sz="2400" dirty="0" smtClean="0">
+                <a:solidFill>
+                  <a:schemeClr val="tx1">
+                    <a:lumMod val="85000"/>
+                    <a:lumOff val="15000"/>
+                  </a:schemeClr>
+                </a:solidFill>
                 <a:latin typeface="Arial" panose="020B0604020202020204" pitchFamily="34" charset="0"/>
                 <a:cs typeface="Arial" panose="020B0604020202020204" pitchFamily="34" charset="0"/>
               </a:rPr>
@@ -13196,6 +14449,12 @@
             </a:r>
             <a:r>
               <a:rPr lang="en-US" sz="2400" dirty="0">
+                <a:solidFill>
+                  <a:schemeClr val="tx1">
+                    <a:lumMod val="85000"/>
+                    <a:lumOff val="15000"/>
+                  </a:schemeClr>
+                </a:solidFill>
                 <a:latin typeface="Arial" panose="020B0604020202020204" pitchFamily="34" charset="0"/>
                 <a:cs typeface="Arial" panose="020B0604020202020204" pitchFamily="34" charset="0"/>
               </a:rPr>
@@ -13203,6 +14462,12 @@
             </a:r>
             <a:r>
               <a:rPr lang="en-US" sz="2400" dirty="0" smtClean="0">
+                <a:solidFill>
+                  <a:schemeClr val="tx1">
+                    <a:lumMod val="85000"/>
+                    <a:lumOff val="15000"/>
+                  </a:schemeClr>
+                </a:solidFill>
                 <a:latin typeface="Arial" panose="020B0604020202020204" pitchFamily="34" charset="0"/>
                 <a:cs typeface="Arial" panose="020B0604020202020204" pitchFamily="34" charset="0"/>
               </a:rPr>
@@ -13271,6 +14536,12 @@
             </a:r>
             <a:r>
               <a:rPr lang="en-US" sz="2400" dirty="0" smtClean="0">
+                <a:solidFill>
+                  <a:schemeClr val="tx1">
+                    <a:lumMod val="85000"/>
+                    <a:lumOff val="15000"/>
+                  </a:schemeClr>
+                </a:solidFill>
                 <a:latin typeface="Arial" panose="020B0604020202020204" pitchFamily="34" charset="0"/>
                 <a:cs typeface="Arial" panose="020B0604020202020204" pitchFamily="34" charset="0"/>
               </a:rPr>
@@ -13278,6 +14549,12 @@
             </a:r>
             <a:r>
               <a:rPr lang="en-US" sz="2200" dirty="0" smtClean="0">
+                <a:solidFill>
+                  <a:schemeClr val="tx1">
+                    <a:lumMod val="85000"/>
+                    <a:lumOff val="15000"/>
+                  </a:schemeClr>
+                </a:solidFill>
                 <a:latin typeface="Arial" panose="020B0604020202020204" pitchFamily="34" charset="0"/>
                 <a:cs typeface="Arial" panose="020B0604020202020204" pitchFamily="34" charset="0"/>
               </a:rPr>
@@ -13285,6 +14562,12 @@
             </a:r>
             <a:r>
               <a:rPr lang="en-US" sz="2200" dirty="0" smtClean="0">
+                <a:solidFill>
+                  <a:schemeClr val="tx1">
+                    <a:lumMod val="85000"/>
+                    <a:lumOff val="15000"/>
+                  </a:schemeClr>
+                </a:solidFill>
                 <a:latin typeface="Arial" panose="020B0604020202020204" pitchFamily="34" charset="0"/>
                 <a:cs typeface="Arial" panose="020B0604020202020204" pitchFamily="34" charset="0"/>
               </a:rPr>
@@ -13292,6 +14575,12 @@
             </a:r>
             <a:r>
               <a:rPr lang="en-US" sz="2200" i="1" dirty="0" err="1" smtClean="0">
+                <a:solidFill>
+                  <a:schemeClr val="tx1">
+                    <a:lumMod val="85000"/>
+                    <a:lumOff val="15000"/>
+                  </a:schemeClr>
+                </a:solidFill>
                 <a:latin typeface="Arial" panose="020B0604020202020204" pitchFamily="34" charset="0"/>
                 <a:cs typeface="Arial" panose="020B0604020202020204" pitchFamily="34" charset="0"/>
               </a:rPr>
@@ -13299,6 +14588,12 @@
             </a:r>
             <a:r>
               <a:rPr lang="en-US" sz="2200" dirty="0" err="1" smtClean="0">
+                <a:solidFill>
+                  <a:schemeClr val="tx1">
+                    <a:lumMod val="85000"/>
+                    <a:lumOff val="15000"/>
+                  </a:schemeClr>
+                </a:solidFill>
                 <a:latin typeface="Arial" panose="020B0604020202020204" pitchFamily="34" charset="0"/>
                 <a:cs typeface="Arial" panose="020B0604020202020204" pitchFamily="34" charset="0"/>
               </a:rPr>
@@ -13306,6 +14601,12 @@
             </a:r>
             <a:r>
               <a:rPr lang="en-US" sz="2200" i="1" dirty="0" err="1" smtClean="0">
+                <a:solidFill>
+                  <a:schemeClr val="tx1">
+                    <a:lumMod val="85000"/>
+                    <a:lumOff val="15000"/>
+                  </a:schemeClr>
+                </a:solidFill>
                 <a:latin typeface="Arial" panose="020B0604020202020204" pitchFamily="34" charset="0"/>
                 <a:cs typeface="Arial" panose="020B0604020202020204" pitchFamily="34" charset="0"/>
               </a:rPr>
@@ -13313,6 +14614,12 @@
             </a:r>
             <a:r>
               <a:rPr lang="en-US" sz="2200" dirty="0" smtClean="0">
+                <a:solidFill>
+                  <a:schemeClr val="tx1">
+                    <a:lumMod val="85000"/>
+                    <a:lumOff val="15000"/>
+                  </a:schemeClr>
+                </a:solidFill>
                 <a:latin typeface="Arial" panose="020B0604020202020204" pitchFamily="34" charset="0"/>
                 <a:cs typeface="Arial" panose="020B0604020202020204" pitchFamily="34" charset="0"/>
               </a:rPr>
@@ -13320,6 +14627,12 @@
             </a:r>
             <a:r>
               <a:rPr lang="en-US" sz="2200" dirty="0">
+                <a:solidFill>
+                  <a:schemeClr val="tx1">
+                    <a:lumMod val="85000"/>
+                    <a:lumOff val="15000"/>
+                  </a:schemeClr>
+                </a:solidFill>
                 <a:latin typeface="Arial" panose="020B0604020202020204" pitchFamily="34" charset="0"/>
                 <a:cs typeface="Arial" panose="020B0604020202020204" pitchFamily="34" charset="0"/>
               </a:rPr>
@@ -13327,6 +14640,12 @@
             </a:r>
             <a:r>
               <a:rPr lang="en-US" sz="2200" i="1" dirty="0" err="1" smtClean="0">
+                <a:solidFill>
+                  <a:schemeClr val="tx1">
+                    <a:lumMod val="85000"/>
+                    <a:lumOff val="15000"/>
+                  </a:schemeClr>
+                </a:solidFill>
                 <a:latin typeface="Arial" panose="020B0604020202020204" pitchFamily="34" charset="0"/>
                 <a:cs typeface="Arial" panose="020B0604020202020204" pitchFamily="34" charset="0"/>
               </a:rPr>
@@ -13334,6 +14653,12 @@
             </a:r>
             <a:r>
               <a:rPr lang="en-US" sz="2200" dirty="0" err="1" smtClean="0">
+                <a:solidFill>
+                  <a:schemeClr val="tx1">
+                    <a:lumMod val="85000"/>
+                    <a:lumOff val="15000"/>
+                  </a:schemeClr>
+                </a:solidFill>
                 <a:latin typeface="Arial" panose="020B0604020202020204" pitchFamily="34" charset="0"/>
                 <a:cs typeface="Arial" panose="020B0604020202020204" pitchFamily="34" charset="0"/>
               </a:rPr>
@@ -13341,6 +14666,12 @@
             </a:r>
             <a:r>
               <a:rPr lang="en-US" sz="2200" i="1" dirty="0" err="1" smtClean="0">
+                <a:solidFill>
+                  <a:schemeClr val="tx1">
+                    <a:lumMod val="85000"/>
+                    <a:lumOff val="15000"/>
+                  </a:schemeClr>
+                </a:solidFill>
                 <a:latin typeface="Arial" panose="020B0604020202020204" pitchFamily="34" charset="0"/>
                 <a:cs typeface="Arial" panose="020B0604020202020204" pitchFamily="34" charset="0"/>
               </a:rPr>
@@ -13348,12 +14679,24 @@
             </a:r>
             <a:r>
               <a:rPr lang="en-US" sz="2200" i="1" dirty="0" smtClean="0">
+                <a:solidFill>
+                  <a:schemeClr val="tx1">
+                    <a:lumMod val="85000"/>
+                    <a:lumOff val="15000"/>
+                  </a:schemeClr>
+                </a:solidFill>
                 <a:latin typeface="Arial" panose="020B0604020202020204" pitchFamily="34" charset="0"/>
                 <a:cs typeface="Arial" panose="020B0604020202020204" pitchFamily="34" charset="0"/>
               </a:rPr>
               <a:t>,</a:t>
             </a:r>
             <a:endParaRPr lang="en-US" sz="2200" dirty="0" smtClean="0">
+              <a:solidFill>
+                <a:schemeClr val="tx1">
+                  <a:lumMod val="85000"/>
+                  <a:lumOff val="15000"/>
+                </a:schemeClr>
+              </a:solidFill>
               <a:latin typeface="Arial" panose="020B0604020202020204" pitchFamily="34" charset="0"/>
               <a:cs typeface="Arial" panose="020B0604020202020204" pitchFamily="34" charset="0"/>
             </a:endParaRPr>
@@ -13414,6 +14757,12 @@
             </a:pPr>
             <a:r>
               <a:rPr lang="en-US" sz="2400" dirty="0" smtClean="0">
+                <a:solidFill>
+                  <a:schemeClr val="tx1">
+                    <a:lumMod val="85000"/>
+                    <a:lumOff val="15000"/>
+                  </a:schemeClr>
+                </a:solidFill>
                 <a:latin typeface="Arial" panose="020B0604020202020204" pitchFamily="34" charset="0"/>
                 <a:cs typeface="Arial" panose="020B0604020202020204" pitchFamily="34" charset="0"/>
               </a:rPr>
@@ -13421,6 +14770,12 @@
             </a:r>
             <a:r>
               <a:rPr lang="en-US" sz="2400" dirty="0" smtClean="0">
+                <a:solidFill>
+                  <a:schemeClr val="tx1">
+                    <a:lumMod val="85000"/>
+                    <a:lumOff val="15000"/>
+                  </a:schemeClr>
+                </a:solidFill>
                 <a:latin typeface="Arial" panose="020B0604020202020204" pitchFamily="34" charset="0"/>
                 <a:cs typeface="Arial" panose="020B0604020202020204" pitchFamily="34" charset="0"/>
               </a:rPr>
@@ -13428,6 +14783,12 @@
             </a:r>
             <a:r>
               <a:rPr lang="en-US" sz="2400" dirty="0">
+                <a:solidFill>
+                  <a:schemeClr val="tx1">
+                    <a:lumMod val="85000"/>
+                    <a:lumOff val="15000"/>
+                  </a:schemeClr>
+                </a:solidFill>
                 <a:latin typeface="Arial" panose="020B0604020202020204" pitchFamily="34" charset="0"/>
                 <a:cs typeface="Arial" panose="020B0604020202020204" pitchFamily="34" charset="0"/>
               </a:rPr>
@@ -13435,6 +14796,12 @@
             </a:r>
             <a:r>
               <a:rPr lang="en-US" sz="2400" dirty="0" smtClean="0">
+                <a:solidFill>
+                  <a:schemeClr val="tx1">
+                    <a:lumMod val="85000"/>
+                    <a:lumOff val="15000"/>
+                  </a:schemeClr>
+                </a:solidFill>
                 <a:latin typeface="Arial" panose="020B0604020202020204" pitchFamily="34" charset="0"/>
                 <a:cs typeface="Arial" panose="020B0604020202020204" pitchFamily="34" charset="0"/>
               </a:rPr>
@@ -13442,6 +14809,12 @@
             </a:r>
             <a:r>
               <a:rPr lang="en-US" sz="2400" dirty="0">
+                <a:solidFill>
+                  <a:schemeClr val="tx1">
+                    <a:lumMod val="85000"/>
+                    <a:lumOff val="15000"/>
+                  </a:schemeClr>
+                </a:solidFill>
                 <a:latin typeface="Arial" panose="020B0604020202020204" pitchFamily="34" charset="0"/>
                 <a:cs typeface="Arial" panose="020B0604020202020204" pitchFamily="34" charset="0"/>
               </a:rPr>
@@ -13449,6 +14822,12 @@
             </a:r>
             <a:r>
               <a:rPr lang="en-US" sz="2400" dirty="0" smtClean="0">
+                <a:solidFill>
+                  <a:schemeClr val="tx1">
+                    <a:lumMod val="85000"/>
+                    <a:lumOff val="15000"/>
+                  </a:schemeClr>
+                </a:solidFill>
                 <a:latin typeface="Arial" panose="020B0604020202020204" pitchFamily="34" charset="0"/>
                 <a:cs typeface="Arial" panose="020B0604020202020204" pitchFamily="34" charset="0"/>
               </a:rPr>
@@ -13506,7 +14885,7 @@
         </p:nvSpPr>
         <p:spPr>
           <a:xfrm>
-            <a:off x="2010030" y="632347"/>
+            <a:off x="2010032" y="640585"/>
             <a:ext cx="8484973" cy="669231"/>
           </a:xfrm>
         </p:spPr>
@@ -13518,11 +14897,11 @@
           <a:p>
             <a:pPr algn="ctr"/>
             <a:r>
-              <a:rPr lang="en-GB" sz="3000" b="1" cap="all" dirty="0" smtClean="0">
-                <a:latin typeface="Arial" panose="020B0604020202020204" pitchFamily="34" charset="0"/>
-                <a:cs typeface="Arial" panose="020B0604020202020204" pitchFamily="34" charset="0"/>
-              </a:rPr>
-              <a:t>introduction</a:t>
+              <a:rPr lang="en-GB" sz="3000" b="1" cap="all" dirty="0" err="1" smtClean="0">
+                <a:latin typeface="Arial" panose="020B0604020202020204" pitchFamily="34" charset="0"/>
+                <a:cs typeface="Arial" panose="020B0604020202020204" pitchFamily="34" charset="0"/>
+              </a:rPr>
+              <a:t>OUTlINE</a:t>
             </a:r>
             <a:endParaRPr lang="en-GB" sz="3000" cap="all" dirty="0">
               <a:latin typeface="Arial" panose="020B0604020202020204" pitchFamily="34" charset="0"/>
@@ -13543,8 +14922,8 @@
         </p:nvSpPr>
         <p:spPr>
           <a:xfrm>
-            <a:off x="1778478" y="1714481"/>
-            <a:ext cx="9522405" cy="4991576"/>
+            <a:off x="2484164" y="1709446"/>
+            <a:ext cx="7404903" cy="3802353"/>
           </a:xfrm>
         </p:spPr>
         <p:txBody>
@@ -13553,265 +14932,294 @@
           </a:bodyPr>
           <a:lstStyle/>
           <a:p>
-            <a:pPr algn="just">
+            <a:pPr marL="514350" indent="-514350">
               <a:lnSpc>
-                <a:spcPct val="135000"/>
+                <a:spcPct val="125000"/>
               </a:lnSpc>
+              <a:buFont typeface="+mj-lt"/>
+              <a:buAutoNum type="arabicPeriod"/>
             </a:pPr>
             <a:r>
-              <a:rPr lang="en-GB" sz="2400" dirty="0" smtClean="0">
-                <a:latin typeface="Arial" panose="020B0604020202020204" pitchFamily="34" charset="0"/>
-                <a:cs typeface="Arial" panose="020B0604020202020204" pitchFamily="34" charset="0"/>
-              </a:rPr>
-              <a:t>GFKM: </a:t>
-            </a:r>
-            <a:r>
-              <a:rPr lang="en-GB" sz="2400" dirty="0" smtClean="0">
-                <a:latin typeface="Arial" panose="020B0604020202020204" pitchFamily="34" charset="0"/>
-                <a:cs typeface="Arial" panose="020B0604020202020204" pitchFamily="34" charset="0"/>
-              </a:rPr>
-              <a:t>less </a:t>
-            </a:r>
-            <a:r>
-              <a:rPr lang="en-GB" sz="2400" dirty="0">
-                <a:latin typeface="Arial" panose="020B0604020202020204" pitchFamily="34" charset="0"/>
-                <a:cs typeface="Arial" panose="020B0604020202020204" pitchFamily="34" charset="0"/>
-              </a:rPr>
-              <a:t>computing </a:t>
-            </a:r>
-            <a:r>
-              <a:rPr lang="en-GB" sz="2400" dirty="0" smtClean="0">
-                <a:latin typeface="Arial" panose="020B0604020202020204" pitchFamily="34" charset="0"/>
-                <a:cs typeface="Arial" panose="020B0604020202020204" pitchFamily="34" charset="0"/>
-              </a:rPr>
-              <a:t>time, better </a:t>
-            </a:r>
-            <a:r>
-              <a:rPr lang="en-GB" sz="2400" dirty="0">
-                <a:latin typeface="Arial" panose="020B0604020202020204" pitchFamily="34" charset="0"/>
-                <a:cs typeface="Arial" panose="020B0604020202020204" pitchFamily="34" charset="0"/>
-              </a:rPr>
-              <a:t>clustering quality than </a:t>
-            </a:r>
-            <a:r>
-              <a:rPr lang="en-GB" sz="2400" dirty="0" smtClean="0">
-                <a:latin typeface="Arial" panose="020B0604020202020204" pitchFamily="34" charset="0"/>
-                <a:cs typeface="Arial" panose="020B0604020202020204" pitchFamily="34" charset="0"/>
-              </a:rPr>
-              <a:t>FKM,</a:t>
-            </a:r>
-            <a:endParaRPr lang="en-GB" sz="2400" dirty="0">
+              <a:rPr lang="en-US" sz="2600" dirty="0" smtClean="0">
+                <a:solidFill>
+                  <a:srgbClr val="FF0000"/>
+                </a:solidFill>
+                <a:latin typeface="Arial" panose="020B0604020202020204" pitchFamily="34" charset="0"/>
+                <a:cs typeface="Arial" panose="020B0604020202020204" pitchFamily="34" charset="0"/>
+              </a:rPr>
+              <a:t>Introduction</a:t>
+            </a:r>
+          </a:p>
+          <a:p>
+            <a:pPr marL="514350" indent="-514350">
+              <a:lnSpc>
+                <a:spcPct val="125000"/>
+              </a:lnSpc>
+              <a:buFont typeface="+mj-lt"/>
+              <a:buAutoNum type="arabicPeriod"/>
+            </a:pPr>
+            <a:r>
+              <a:rPr lang="en-US" sz="2600" dirty="0" smtClean="0">
+                <a:solidFill>
+                  <a:schemeClr val="tx1">
+                    <a:lumMod val="85000"/>
+                    <a:lumOff val="15000"/>
+                  </a:schemeClr>
+                </a:solidFill>
+                <a:latin typeface="Arial" panose="020B0604020202020204" pitchFamily="34" charset="0"/>
+                <a:cs typeface="Arial" panose="020B0604020202020204" pitchFamily="34" charset="0"/>
+              </a:rPr>
+              <a:t>PGFKM model</a:t>
+            </a:r>
+            <a:endParaRPr lang="en-US" sz="2600" dirty="0">
+              <a:solidFill>
+                <a:schemeClr val="tx1">
+                  <a:lumMod val="85000"/>
+                  <a:lumOff val="15000"/>
+                </a:schemeClr>
+              </a:solidFill>
               <a:latin typeface="Arial" panose="020B0604020202020204" pitchFamily="34" charset="0"/>
               <a:cs typeface="Arial" panose="020B0604020202020204" pitchFamily="34" charset="0"/>
             </a:endParaRPr>
           </a:p>
           <a:p>
-            <a:pPr algn="just">
+            <a:pPr marL="514350" indent="-514350">
               <a:lnSpc>
-                <a:spcPct val="135000"/>
+                <a:spcPct val="125000"/>
               </a:lnSpc>
+              <a:buFont typeface="+mj-lt"/>
+              <a:buAutoNum type="arabicPeriod"/>
             </a:pPr>
             <a:r>
-              <a:rPr lang="en-GB" sz="2400" dirty="0" smtClean="0">
-                <a:latin typeface="Arial" panose="020B0604020202020204" pitchFamily="34" charset="0"/>
-                <a:cs typeface="Arial" panose="020B0604020202020204" pitchFamily="34" charset="0"/>
-              </a:rPr>
-              <a:t>Size, dimensionality grow </a:t>
-            </a:r>
-            <a:r>
-              <a:rPr lang="en-US" sz="2400" b="1" dirty="0" smtClean="0">
-                <a:latin typeface="Arial" panose="020B0604020202020204" pitchFamily="34" charset="0"/>
-                <a:cs typeface="Arial" panose="020B0604020202020204" pitchFamily="34" charset="0"/>
-              </a:rPr>
-              <a:t>→ </a:t>
-            </a:r>
-            <a:r>
-              <a:rPr lang="en-US" sz="2400" dirty="0" smtClean="0">
-                <a:latin typeface="Arial" panose="020B0604020202020204" pitchFamily="34" charset="0"/>
-                <a:cs typeface="Arial" panose="020B0604020202020204" pitchFamily="34" charset="0"/>
-              </a:rPr>
-              <a:t>GFKM’s running time grows,</a:t>
-            </a:r>
-            <a:endParaRPr lang="en-GB" sz="2400" dirty="0" smtClean="0">
+              <a:rPr lang="en-US" sz="2600" dirty="0">
+                <a:solidFill>
+                  <a:schemeClr val="tx1">
+                    <a:lumMod val="85000"/>
+                    <a:lumOff val="15000"/>
+                  </a:schemeClr>
+                </a:solidFill>
+                <a:latin typeface="Arial" panose="020B0604020202020204" pitchFamily="34" charset="0"/>
+                <a:cs typeface="Arial" panose="020B0604020202020204" pitchFamily="34" charset="0"/>
+              </a:rPr>
+              <a:t>Updating </a:t>
+            </a:r>
+            <a:r>
+              <a:rPr lang="en-US" sz="2600" dirty="0" smtClean="0">
+                <a:solidFill>
+                  <a:schemeClr val="tx1">
+                    <a:lumMod val="85000"/>
+                    <a:lumOff val="15000"/>
+                  </a:schemeClr>
+                </a:solidFill>
+                <a:latin typeface="Arial" panose="020B0604020202020204" pitchFamily="34" charset="0"/>
+                <a:cs typeface="Arial" panose="020B0604020202020204" pitchFamily="34" charset="0"/>
+              </a:rPr>
+              <a:t>membership step</a:t>
+            </a:r>
+            <a:endParaRPr lang="en-US" sz="2600" dirty="0">
+              <a:solidFill>
+                <a:schemeClr val="tx1">
+                  <a:lumMod val="85000"/>
+                  <a:lumOff val="15000"/>
+                </a:schemeClr>
+              </a:solidFill>
               <a:latin typeface="Arial" panose="020B0604020202020204" pitchFamily="34" charset="0"/>
               <a:cs typeface="Arial" panose="020B0604020202020204" pitchFamily="34" charset="0"/>
             </a:endParaRPr>
           </a:p>
           <a:p>
-            <a:pPr algn="just">
+            <a:pPr marL="514350" indent="-514350">
               <a:lnSpc>
-                <a:spcPct val="135000"/>
+                <a:spcPct val="125000"/>
               </a:lnSpc>
+              <a:buFont typeface="+mj-lt"/>
+              <a:buAutoNum type="arabicPeriod"/>
             </a:pPr>
             <a:r>
-              <a:rPr lang="en-US" sz="2400" dirty="0" smtClean="0">
-                <a:latin typeface="Arial" panose="020B0604020202020204" pitchFamily="34" charset="0"/>
-                <a:cs typeface="Arial" panose="020B0604020202020204" pitchFamily="34" charset="0"/>
-              </a:rPr>
-              <a:t>Focus </a:t>
-            </a:r>
-            <a:r>
-              <a:rPr lang="en-US" sz="2400" dirty="0">
-                <a:latin typeface="Arial" panose="020B0604020202020204" pitchFamily="34" charset="0"/>
-                <a:cs typeface="Arial" panose="020B0604020202020204" pitchFamily="34" charset="0"/>
-              </a:rPr>
-              <a:t>on </a:t>
-            </a:r>
-            <a:r>
-              <a:rPr lang="en-GB" sz="2400" dirty="0" smtClean="0">
-                <a:solidFill>
-                  <a:srgbClr val="00B050"/>
-                </a:solidFill>
-                <a:latin typeface="Arial" panose="020B0604020202020204" pitchFamily="34" charset="0"/>
-                <a:cs typeface="Arial" panose="020B0604020202020204" pitchFamily="34" charset="0"/>
-              </a:rPr>
-              <a:t>the </a:t>
-            </a:r>
-            <a:r>
-              <a:rPr lang="en-GB" sz="2400" dirty="0">
-                <a:solidFill>
-                  <a:srgbClr val="00B050"/>
-                </a:solidFill>
-                <a:latin typeface="Arial" panose="020B0604020202020204" pitchFamily="34" charset="0"/>
-                <a:cs typeface="Arial" panose="020B0604020202020204" pitchFamily="34" charset="0"/>
-              </a:rPr>
-              <a:t>size of </a:t>
-            </a:r>
-            <a:r>
-              <a:rPr lang="en-GB" sz="2400" dirty="0" smtClean="0">
-                <a:solidFill>
-                  <a:srgbClr val="00B050"/>
-                </a:solidFill>
-                <a:latin typeface="Arial" panose="020B0604020202020204" pitchFamily="34" charset="0"/>
-                <a:cs typeface="Arial" panose="020B0604020202020204" pitchFamily="34" charset="0"/>
-              </a:rPr>
-              <a:t>data </a:t>
-            </a:r>
-            <a:r>
-              <a:rPr lang="en-GB" sz="2400" dirty="0" smtClean="0">
-                <a:solidFill>
-                  <a:srgbClr val="00B050"/>
-                </a:solidFill>
-                <a:latin typeface="Arial" panose="020B0604020202020204" pitchFamily="34" charset="0"/>
-                <a:cs typeface="Arial" panose="020B0604020202020204" pitchFamily="34" charset="0"/>
-              </a:rPr>
-              <a:t>set</a:t>
-            </a:r>
-            <a:r>
-              <a:rPr lang="en-GB" sz="2400" dirty="0" smtClean="0">
-                <a:latin typeface="Arial" panose="020B0604020202020204" pitchFamily="34" charset="0"/>
-                <a:cs typeface="Arial" panose="020B0604020202020204" pitchFamily="34" charset="0"/>
-              </a:rPr>
-              <a:t>,</a:t>
-            </a:r>
-          </a:p>
-          <a:p>
-            <a:pPr algn="just">
-              <a:lnSpc>
-                <a:spcPct val="135000"/>
-              </a:lnSpc>
-            </a:pPr>
-            <a:r>
-              <a:rPr lang="en-GB" sz="2400" dirty="0">
-                <a:latin typeface="Arial" panose="020B0604020202020204" pitchFamily="34" charset="0"/>
-                <a:cs typeface="Arial" panose="020B0604020202020204" pitchFamily="34" charset="0"/>
-              </a:rPr>
-              <a:t>Implement parallel </a:t>
-            </a:r>
-            <a:r>
-              <a:rPr lang="en-GB" sz="2400" dirty="0" smtClean="0">
-                <a:latin typeface="Arial" panose="020B0604020202020204" pitchFamily="34" charset="0"/>
-                <a:cs typeface="Arial" panose="020B0604020202020204" pitchFamily="34" charset="0"/>
-              </a:rPr>
-              <a:t>GFKM </a:t>
-            </a:r>
-            <a:r>
-              <a:rPr lang="en-GB" sz="2400" dirty="0">
-                <a:latin typeface="Arial" panose="020B0604020202020204" pitchFamily="34" charset="0"/>
-                <a:cs typeface="Arial" panose="020B0604020202020204" pitchFamily="34" charset="0"/>
-              </a:rPr>
-              <a:t>(</a:t>
-            </a:r>
-            <a:r>
-              <a:rPr lang="en-GB" sz="2400" dirty="0">
-                <a:solidFill>
-                  <a:srgbClr val="00B050"/>
-                </a:solidFill>
-                <a:latin typeface="Arial" panose="020B0604020202020204" pitchFamily="34" charset="0"/>
-                <a:cs typeface="Arial" panose="020B0604020202020204" pitchFamily="34" charset="0"/>
-              </a:rPr>
-              <a:t>PGFKM</a:t>
-            </a:r>
-            <a:r>
-              <a:rPr lang="en-GB" sz="2400" dirty="0">
-                <a:latin typeface="Arial" panose="020B0604020202020204" pitchFamily="34" charset="0"/>
-                <a:cs typeface="Arial" panose="020B0604020202020204" pitchFamily="34" charset="0"/>
-              </a:rPr>
-              <a:t>) on a </a:t>
-            </a:r>
-            <a:r>
-              <a:rPr lang="en-GB" sz="2400" dirty="0" smtClean="0">
-                <a:latin typeface="Arial" panose="020B0604020202020204" pitchFamily="34" charset="0"/>
-                <a:cs typeface="Arial" panose="020B0604020202020204" pitchFamily="34" charset="0"/>
-              </a:rPr>
-              <a:t>GPU,</a:t>
-            </a:r>
-            <a:endParaRPr lang="en-GB" sz="2400" dirty="0">
+              <a:rPr lang="en-US" sz="2600" dirty="0">
+                <a:solidFill>
+                  <a:schemeClr val="tx1">
+                    <a:lumMod val="85000"/>
+                    <a:lumOff val="15000"/>
+                  </a:schemeClr>
+                </a:solidFill>
+                <a:latin typeface="Arial" panose="020B0604020202020204" pitchFamily="34" charset="0"/>
+                <a:cs typeface="Arial" panose="020B0604020202020204" pitchFamily="34" charset="0"/>
+              </a:rPr>
+              <a:t>Calculating </a:t>
+            </a:r>
+            <a:r>
+              <a:rPr lang="en-US" sz="2600" dirty="0" smtClean="0">
+                <a:solidFill>
+                  <a:schemeClr val="tx1">
+                    <a:lumMod val="85000"/>
+                    <a:lumOff val="15000"/>
+                  </a:schemeClr>
+                </a:solidFill>
+                <a:latin typeface="Arial" panose="020B0604020202020204" pitchFamily="34" charset="0"/>
+                <a:cs typeface="Arial" panose="020B0604020202020204" pitchFamily="34" charset="0"/>
+              </a:rPr>
+              <a:t>new </a:t>
+            </a:r>
+            <a:r>
+              <a:rPr lang="en-US" sz="2600" dirty="0">
+                <a:solidFill>
+                  <a:schemeClr val="tx1">
+                    <a:lumMod val="85000"/>
+                    <a:lumOff val="15000"/>
+                  </a:schemeClr>
+                </a:solidFill>
+                <a:latin typeface="Arial" panose="020B0604020202020204" pitchFamily="34" charset="0"/>
+                <a:cs typeface="Arial" panose="020B0604020202020204" pitchFamily="34" charset="0"/>
+              </a:rPr>
+              <a:t>c</a:t>
+            </a:r>
+            <a:r>
+              <a:rPr lang="en-US" sz="2600" dirty="0" smtClean="0">
+                <a:solidFill>
+                  <a:schemeClr val="tx1">
+                    <a:lumMod val="85000"/>
+                    <a:lumOff val="15000"/>
+                  </a:schemeClr>
+                </a:solidFill>
+                <a:latin typeface="Arial" panose="020B0604020202020204" pitchFamily="34" charset="0"/>
+                <a:cs typeface="Arial" panose="020B0604020202020204" pitchFamily="34" charset="0"/>
+              </a:rPr>
+              <a:t>entroids </a:t>
+            </a:r>
+            <a:r>
+              <a:rPr lang="en-US" sz="2600" dirty="0">
+                <a:solidFill>
+                  <a:schemeClr val="tx1">
+                    <a:lumMod val="85000"/>
+                    <a:lumOff val="15000"/>
+                  </a:schemeClr>
+                </a:solidFill>
+                <a:latin typeface="Arial" panose="020B0604020202020204" pitchFamily="34" charset="0"/>
+                <a:cs typeface="Arial" panose="020B0604020202020204" pitchFamily="34" charset="0"/>
+              </a:rPr>
+              <a:t>s</a:t>
+            </a:r>
+            <a:r>
+              <a:rPr lang="en-US" sz="2600" dirty="0" smtClean="0">
+                <a:solidFill>
+                  <a:schemeClr val="tx1">
+                    <a:lumMod val="85000"/>
+                    <a:lumOff val="15000"/>
+                  </a:schemeClr>
+                </a:solidFill>
+                <a:latin typeface="Arial" panose="020B0604020202020204" pitchFamily="34" charset="0"/>
+                <a:cs typeface="Arial" panose="020B0604020202020204" pitchFamily="34" charset="0"/>
+              </a:rPr>
+              <a:t>tep</a:t>
+            </a:r>
+            <a:endParaRPr lang="en-US" sz="2600" dirty="0">
+              <a:solidFill>
+                <a:schemeClr val="tx1">
+                  <a:lumMod val="85000"/>
+                  <a:lumOff val="15000"/>
+                </a:schemeClr>
+              </a:solidFill>
               <a:latin typeface="Arial" panose="020B0604020202020204" pitchFamily="34" charset="0"/>
               <a:cs typeface="Arial" panose="020B0604020202020204" pitchFamily="34" charset="0"/>
             </a:endParaRPr>
           </a:p>
           <a:p>
-            <a:pPr algn="just">
+            <a:pPr marL="514350" indent="-514350">
               <a:lnSpc>
-                <a:spcPct val="135000"/>
+                <a:spcPct val="125000"/>
               </a:lnSpc>
+              <a:buFont typeface="+mj-lt"/>
+              <a:buAutoNum type="arabicPeriod"/>
             </a:pPr>
             <a:r>
-              <a:rPr lang="en-GB" sz="2400" dirty="0" smtClean="0">
-                <a:latin typeface="Arial" panose="020B0604020202020204" pitchFamily="34" charset="0"/>
-                <a:cs typeface="Arial" panose="020B0604020202020204" pitchFamily="34" charset="0"/>
-              </a:rPr>
-              <a:t>PGFKM: </a:t>
-            </a:r>
-            <a:r>
-              <a:rPr lang="en-GB" sz="2400" dirty="0">
-                <a:solidFill>
-                  <a:srgbClr val="00B050"/>
-                </a:solidFill>
-                <a:latin typeface="Arial" panose="020B0604020202020204" pitchFamily="34" charset="0"/>
-                <a:cs typeface="Arial" panose="020B0604020202020204" pitchFamily="34" charset="0"/>
-              </a:rPr>
-              <a:t>3 to 18 times </a:t>
-            </a:r>
-            <a:r>
-              <a:rPr lang="en-GB" sz="2400" dirty="0">
-                <a:latin typeface="Arial" panose="020B0604020202020204" pitchFamily="34" charset="0"/>
-                <a:cs typeface="Arial" panose="020B0604020202020204" pitchFamily="34" charset="0"/>
-              </a:rPr>
-              <a:t>faster than the optimized CPU </a:t>
-            </a:r>
-            <a:r>
-              <a:rPr lang="en-GB" sz="2400" dirty="0" smtClean="0">
-                <a:latin typeface="Arial" panose="020B0604020202020204" pitchFamily="34" charset="0"/>
-                <a:cs typeface="Arial" panose="020B0604020202020204" pitchFamily="34" charset="0"/>
-              </a:rPr>
-              <a:t>code</a:t>
-            </a:r>
-            <a:r>
-              <a:rPr lang="en-GB" sz="2400" dirty="0">
-                <a:latin typeface="Arial" panose="020B0604020202020204" pitchFamily="34" charset="0"/>
-                <a:cs typeface="Arial" panose="020B0604020202020204" pitchFamily="34" charset="0"/>
-              </a:rPr>
-              <a:t>.</a:t>
-            </a:r>
+              <a:rPr lang="en-US" sz="2600" dirty="0">
+                <a:solidFill>
+                  <a:schemeClr val="tx1">
+                    <a:lumMod val="85000"/>
+                    <a:lumOff val="15000"/>
+                  </a:schemeClr>
+                </a:solidFill>
+                <a:latin typeface="Arial" panose="020B0604020202020204" pitchFamily="34" charset="0"/>
+                <a:cs typeface="Arial" panose="020B0604020202020204" pitchFamily="34" charset="0"/>
+              </a:rPr>
+              <a:t>Checking </a:t>
+            </a:r>
+            <a:r>
+              <a:rPr lang="en-US" sz="2600" dirty="0" smtClean="0">
+                <a:solidFill>
+                  <a:schemeClr val="tx1">
+                    <a:lumMod val="85000"/>
+                    <a:lumOff val="15000"/>
+                  </a:schemeClr>
+                </a:solidFill>
+                <a:latin typeface="Arial" panose="020B0604020202020204" pitchFamily="34" charset="0"/>
+                <a:cs typeface="Arial" panose="020B0604020202020204" pitchFamily="34" charset="0"/>
+              </a:rPr>
+              <a:t>convergence step</a:t>
+            </a:r>
+            <a:endParaRPr lang="en-US" sz="2600" dirty="0">
+              <a:solidFill>
+                <a:schemeClr val="tx1">
+                  <a:lumMod val="85000"/>
+                  <a:lumOff val="15000"/>
+                </a:schemeClr>
+              </a:solidFill>
+              <a:latin typeface="Arial" panose="020B0604020202020204" pitchFamily="34" charset="0"/>
+              <a:cs typeface="Arial" panose="020B0604020202020204" pitchFamily="34" charset="0"/>
+            </a:endParaRPr>
+          </a:p>
+          <a:p>
+            <a:pPr marL="514350" indent="-514350">
+              <a:lnSpc>
+                <a:spcPct val="125000"/>
+              </a:lnSpc>
+              <a:buFont typeface="+mj-lt"/>
+              <a:buAutoNum type="arabicPeriod"/>
+            </a:pPr>
+            <a:r>
+              <a:rPr lang="en-US" sz="2600" dirty="0">
+                <a:solidFill>
+                  <a:schemeClr val="tx1">
+                    <a:lumMod val="85000"/>
+                    <a:lumOff val="15000"/>
+                  </a:schemeClr>
+                </a:solidFill>
+                <a:latin typeface="Arial" panose="020B0604020202020204" pitchFamily="34" charset="0"/>
+                <a:cs typeface="Arial" panose="020B0604020202020204" pitchFamily="34" charset="0"/>
+              </a:rPr>
+              <a:t>Experimental </a:t>
+            </a:r>
+            <a:r>
+              <a:rPr lang="en-US" sz="2600" dirty="0" smtClean="0">
+                <a:solidFill>
+                  <a:schemeClr val="tx1">
+                    <a:lumMod val="85000"/>
+                    <a:lumOff val="15000"/>
+                  </a:schemeClr>
+                </a:solidFill>
+                <a:latin typeface="Arial" panose="020B0604020202020204" pitchFamily="34" charset="0"/>
+                <a:cs typeface="Arial" panose="020B0604020202020204" pitchFamily="34" charset="0"/>
+              </a:rPr>
+              <a:t>results</a:t>
+            </a:r>
+            <a:endParaRPr lang="en-US" sz="2600" dirty="0">
+              <a:solidFill>
+                <a:schemeClr val="tx1">
+                  <a:lumMod val="85000"/>
+                  <a:lumOff val="15000"/>
+                </a:schemeClr>
+              </a:solidFill>
+              <a:latin typeface="Arial" panose="020B0604020202020204" pitchFamily="34" charset="0"/>
+              <a:cs typeface="Arial" panose="020B0604020202020204" pitchFamily="34" charset="0"/>
+            </a:endParaRPr>
           </a:p>
         </p:txBody>
       </p:sp>
     </p:spTree>
     <p:extLst>
       <p:ext uri="{BB962C8B-B14F-4D97-AF65-F5344CB8AC3E}">
-        <p14:creationId xmlns:p14="http://schemas.microsoft.com/office/powerpoint/2010/main" val="1320736254"/>
+        <p14:creationId xmlns:p14="http://schemas.microsoft.com/office/powerpoint/2010/main" val="1616324381"/>
       </p:ext>
     </p:extLst>
   </p:cSld>
@@ -13911,6 +15319,12 @@
             </a:pPr>
             <a:r>
               <a:rPr lang="en-US" sz="2400" dirty="0" smtClean="0">
+                <a:solidFill>
+                  <a:schemeClr val="tx1">
+                    <a:lumMod val="85000"/>
+                    <a:lumOff val="15000"/>
+                  </a:schemeClr>
+                </a:solidFill>
                 <a:latin typeface="Arial" panose="020B0604020202020204" pitchFamily="34" charset="0"/>
                 <a:cs typeface="Arial" panose="020B0604020202020204" pitchFamily="34" charset="0"/>
               </a:rPr>
@@ -13918,6 +15332,12 @@
             </a:r>
             <a:r>
               <a:rPr lang="en-US" sz="2400" dirty="0">
+                <a:solidFill>
+                  <a:schemeClr val="tx1">
+                    <a:lumMod val="85000"/>
+                    <a:lumOff val="15000"/>
+                  </a:schemeClr>
+                </a:solidFill>
                 <a:latin typeface="Arial" panose="020B0604020202020204" pitchFamily="34" charset="0"/>
                 <a:cs typeface="Arial" panose="020B0604020202020204" pitchFamily="34" charset="0"/>
               </a:rPr>
@@ -13925,6 +15345,12 @@
             </a:r>
             <a:r>
               <a:rPr lang="en-US" sz="2400" dirty="0" smtClean="0">
+                <a:solidFill>
+                  <a:schemeClr val="tx1">
+                    <a:lumMod val="85000"/>
+                    <a:lumOff val="15000"/>
+                  </a:schemeClr>
+                </a:solidFill>
                 <a:latin typeface="Arial" panose="020B0604020202020204" pitchFamily="34" charset="0"/>
                 <a:cs typeface="Arial" panose="020B0604020202020204" pitchFamily="34" charset="0"/>
               </a:rPr>
@@ -13932,12 +15358,24 @@
             </a:r>
             <a:r>
               <a:rPr lang="en-US" sz="2400" dirty="0" smtClean="0">
+                <a:solidFill>
+                  <a:schemeClr val="tx1">
+                    <a:lumMod val="85000"/>
+                    <a:lumOff val="15000"/>
+                  </a:schemeClr>
+                </a:solidFill>
                 <a:latin typeface="Arial" panose="020B0604020202020204" pitchFamily="34" charset="0"/>
                 <a:cs typeface="Arial" panose="020B0604020202020204" pitchFamily="34" charset="0"/>
               </a:rPr>
               <a:t>scenarios :</a:t>
             </a:r>
             <a:endParaRPr lang="en-US" sz="2400" dirty="0" smtClean="0">
+              <a:solidFill>
+                <a:schemeClr val="tx1">
+                  <a:lumMod val="85000"/>
+                  <a:lumOff val="15000"/>
+                </a:schemeClr>
+              </a:solidFill>
               <a:latin typeface="Arial" panose="020B0604020202020204" pitchFamily="34" charset="0"/>
               <a:cs typeface="Arial" panose="020B0604020202020204" pitchFamily="34" charset="0"/>
             </a:endParaRPr>
@@ -13950,6 +15388,12 @@
             </a:pPr>
             <a:r>
               <a:rPr lang="en-US" sz="2400" dirty="0" smtClean="0">
+                <a:solidFill>
+                  <a:schemeClr val="tx1">
+                    <a:lumMod val="85000"/>
+                    <a:lumOff val="15000"/>
+                  </a:schemeClr>
+                </a:solidFill>
                 <a:latin typeface="Arial" panose="020B0604020202020204" pitchFamily="34" charset="0"/>
                 <a:cs typeface="Arial" panose="020B0604020202020204" pitchFamily="34" charset="0"/>
               </a:rPr>
@@ -13957,6 +15401,12 @@
             </a:r>
             <a:r>
               <a:rPr lang="en-US" sz="2400" dirty="0">
+                <a:solidFill>
+                  <a:schemeClr val="tx1">
+                    <a:lumMod val="85000"/>
+                    <a:lumOff val="15000"/>
+                  </a:schemeClr>
+                </a:solidFill>
                 <a:latin typeface="Arial" panose="020B0604020202020204" pitchFamily="34" charset="0"/>
                 <a:cs typeface="Arial" panose="020B0604020202020204" pitchFamily="34" charset="0"/>
               </a:rPr>
@@ -13984,12 +15434,24 @@
             </a:r>
             <a:r>
               <a:rPr lang="en-US" sz="2400" dirty="0" smtClean="0">
+                <a:solidFill>
+                  <a:schemeClr val="tx1">
+                    <a:lumMod val="85000"/>
+                    <a:lumOff val="15000"/>
+                  </a:schemeClr>
+                </a:solidFill>
                 <a:latin typeface="Arial" panose="020B0604020202020204" pitchFamily="34" charset="0"/>
                 <a:cs typeface="Arial" panose="020B0604020202020204" pitchFamily="34" charset="0"/>
               </a:rPr>
               <a:t>algorithm,</a:t>
             </a:r>
             <a:endParaRPr lang="en-US" sz="2400" dirty="0" smtClean="0">
+              <a:solidFill>
+                <a:schemeClr val="tx1">
+                  <a:lumMod val="85000"/>
+                  <a:lumOff val="15000"/>
+                </a:schemeClr>
+              </a:solidFill>
               <a:latin typeface="Arial" panose="020B0604020202020204" pitchFamily="34" charset="0"/>
               <a:cs typeface="Arial" panose="020B0604020202020204" pitchFamily="34" charset="0"/>
             </a:endParaRPr>
@@ -14002,6 +15464,12 @@
             </a:pPr>
             <a:r>
               <a:rPr lang="en-US" sz="2400" dirty="0" smtClean="0">
+                <a:solidFill>
+                  <a:schemeClr val="tx1">
+                    <a:lumMod val="85000"/>
+                    <a:lumOff val="15000"/>
+                  </a:schemeClr>
+                </a:solidFill>
                 <a:latin typeface="Arial" panose="020B0604020202020204" pitchFamily="34" charset="0"/>
                 <a:cs typeface="Arial" panose="020B0604020202020204" pitchFamily="34" charset="0"/>
               </a:rPr>
@@ -14009,6 +15477,12 @@
             </a:r>
             <a:r>
               <a:rPr lang="en-US" sz="2400" dirty="0">
+                <a:solidFill>
+                  <a:schemeClr val="tx1">
+                    <a:lumMod val="85000"/>
+                    <a:lumOff val="15000"/>
+                  </a:schemeClr>
+                </a:solidFill>
                 <a:latin typeface="Arial" panose="020B0604020202020204" pitchFamily="34" charset="0"/>
                 <a:cs typeface="Arial" panose="020B0604020202020204" pitchFamily="34" charset="0"/>
               </a:rPr>
@@ -14036,6 +15510,12 @@
             </a:r>
             <a:r>
               <a:rPr lang="en-US" sz="2400" dirty="0">
+                <a:solidFill>
+                  <a:schemeClr val="tx1">
+                    <a:lumMod val="85000"/>
+                    <a:lumOff val="15000"/>
+                  </a:schemeClr>
+                </a:solidFill>
                 <a:latin typeface="Arial" panose="020B0604020202020204" pitchFamily="34" charset="0"/>
                 <a:cs typeface="Arial" panose="020B0604020202020204" pitchFamily="34" charset="0"/>
               </a:rPr>
@@ -14043,12 +15523,24 @@
             </a:r>
             <a:r>
               <a:rPr lang="en-US" sz="2400" dirty="0" smtClean="0">
+                <a:solidFill>
+                  <a:schemeClr val="tx1">
+                    <a:lumMod val="85000"/>
+                    <a:lumOff val="15000"/>
+                  </a:schemeClr>
+                </a:solidFill>
                 <a:latin typeface="Arial" panose="020B0604020202020204" pitchFamily="34" charset="0"/>
                 <a:cs typeface="Arial" panose="020B0604020202020204" pitchFamily="34" charset="0"/>
               </a:rPr>
               <a:t>Toolkit.</a:t>
             </a:r>
             <a:endParaRPr lang="en-US" sz="2400" dirty="0" smtClean="0">
+              <a:solidFill>
+                <a:schemeClr val="tx1">
+                  <a:lumMod val="85000"/>
+                  <a:lumOff val="15000"/>
+                </a:schemeClr>
+              </a:solidFill>
               <a:latin typeface="Arial" panose="020B0604020202020204" pitchFamily="34" charset="0"/>
               <a:cs typeface="Arial" panose="020B0604020202020204" pitchFamily="34" charset="0"/>
             </a:endParaRPr>
@@ -14061,20 +15553,19 @@
             </a:pPr>
             <a:r>
               <a:rPr lang="en-US" sz="2400" dirty="0" smtClean="0">
+                <a:solidFill>
+                  <a:schemeClr val="tx1">
+                    <a:lumMod val="85000"/>
+                    <a:lumOff val="15000"/>
+                  </a:schemeClr>
+                </a:solidFill>
                 <a:latin typeface="Arial" panose="020B0604020202020204" pitchFamily="34" charset="0"/>
                 <a:cs typeface="Arial" panose="020B0604020202020204" pitchFamily="34" charset="0"/>
               </a:rPr>
               <a:t>Scenario (1) : </a:t>
             </a:r>
             <a:r>
-              <a:rPr lang="en-US" sz="2400" dirty="0">
-                <a:latin typeface="Arial" panose="020B0604020202020204" pitchFamily="34" charset="0"/>
-                <a:cs typeface="Arial" panose="020B0604020202020204" pitchFamily="34" charset="0"/>
-              </a:rPr>
-              <a:t>the </a:t>
-            </a:r>
-            <a:r>
-              <a:rPr lang="en-US" sz="2400" dirty="0">
+              <a:rPr lang="en-US" sz="2400" dirty="0" smtClean="0">
                 <a:solidFill>
                   <a:srgbClr val="00B050"/>
                 </a:solidFill>
@@ -14095,6 +15586,12 @@
             </a:r>
             <a:r>
               <a:rPr lang="en-US" sz="2400" dirty="0" smtClean="0">
+                <a:solidFill>
+                  <a:schemeClr val="tx1">
+                    <a:lumMod val="85000"/>
+                    <a:lumOff val="15000"/>
+                  </a:schemeClr>
+                </a:solidFill>
                 <a:latin typeface="Arial" panose="020B0604020202020204" pitchFamily="34" charset="0"/>
                 <a:cs typeface="Arial" panose="020B0604020202020204" pitchFamily="34" charset="0"/>
               </a:rPr>
@@ -14102,12 +15599,24 @@
             </a:r>
             <a:r>
               <a:rPr lang="en-US" sz="2400" dirty="0" smtClean="0">
+                <a:solidFill>
+                  <a:schemeClr val="tx1">
+                    <a:lumMod val="85000"/>
+                    <a:lumOff val="15000"/>
+                  </a:schemeClr>
+                </a:solidFill>
                 <a:latin typeface="Arial" panose="020B0604020202020204" pitchFamily="34" charset="0"/>
                 <a:cs typeface="Arial" panose="020B0604020202020204" pitchFamily="34" charset="0"/>
               </a:rPr>
               <a:t>first.</a:t>
             </a:r>
             <a:endParaRPr lang="en-US" sz="2400" dirty="0" smtClean="0">
+              <a:solidFill>
+                <a:schemeClr val="tx1">
+                  <a:lumMod val="85000"/>
+                  <a:lumOff val="15000"/>
+                </a:schemeClr>
+              </a:solidFill>
               <a:latin typeface="Arial" panose="020B0604020202020204" pitchFamily="34" charset="0"/>
               <a:cs typeface="Arial" panose="020B0604020202020204" pitchFamily="34" charset="0"/>
             </a:endParaRPr>
@@ -14186,17 +15695,52 @@
                 <a:latin typeface="Arial" panose="020B0604020202020204" pitchFamily="34" charset="0"/>
                 <a:cs typeface="Arial" panose="020B0604020202020204" pitchFamily="34" charset="0"/>
               </a:rPr>
-              <a:t>Histogram write conflicts</a:t>
+              <a:t>Histogram write </a:t>
             </a:r>
             <a:r>
               <a:rPr lang="en-US" sz="2400" dirty="0" smtClean="0">
-                <a:latin typeface="Arial" panose="020B0604020202020204" pitchFamily="34" charset="0"/>
-                <a:cs typeface="Arial" panose="020B0604020202020204" pitchFamily="34" charset="0"/>
-              </a:rPr>
-              <a:t>: a </a:t>
+                <a:solidFill>
+                  <a:srgbClr val="FF0000"/>
+                </a:solidFill>
+                <a:latin typeface="Arial" panose="020B0604020202020204" pitchFamily="34" charset="0"/>
+                <a:cs typeface="Arial" panose="020B0604020202020204" pitchFamily="34" charset="0"/>
+              </a:rPr>
+              <a:t>conflicts </a:t>
+            </a:r>
+            <a:r>
+              <a:rPr lang="en-US" sz="2400" dirty="0" smtClean="0">
+                <a:solidFill>
+                  <a:schemeClr val="tx1">
+                    <a:lumMod val="85000"/>
+                    <a:lumOff val="15000"/>
+                  </a:schemeClr>
+                </a:solidFill>
+                <a:latin typeface="Arial" panose="020B0604020202020204" pitchFamily="34" charset="0"/>
+                <a:cs typeface="Arial" panose="020B0604020202020204" pitchFamily="34" charset="0"/>
+              </a:rPr>
+              <a:t>: </a:t>
+            </a:r>
+            <a:r>
+              <a:rPr lang="en-US" sz="2400" dirty="0" smtClean="0">
+                <a:solidFill>
+                  <a:schemeClr val="tx1">
+                    <a:lumMod val="85000"/>
+                    <a:lumOff val="15000"/>
+                  </a:schemeClr>
+                </a:solidFill>
+                <a:latin typeface="Arial" panose="020B0604020202020204" pitchFamily="34" charset="0"/>
+                <a:cs typeface="Arial" panose="020B0604020202020204" pitchFamily="34" charset="0"/>
+              </a:rPr>
+              <a:t>a </a:t>
             </a:r>
             <a:r>
               <a:rPr lang="en-US" sz="2400" dirty="0">
+                <a:solidFill>
+                  <a:schemeClr val="tx1">
+                    <a:lumMod val="85000"/>
+                    <a:lumOff val="15000"/>
+                  </a:schemeClr>
+                </a:solidFill>
                 <a:latin typeface="Arial" panose="020B0604020202020204" pitchFamily="34" charset="0"/>
                 <a:cs typeface="Arial" panose="020B0604020202020204" pitchFamily="34" charset="0"/>
               </a:rPr>
@@ -14352,8 +15896,8 @@
         </p:nvSpPr>
         <p:spPr>
           <a:xfrm>
-            <a:off x="1647825" y="1590675"/>
-            <a:ext cx="9296400" cy="4352926"/>
+            <a:off x="1947332" y="1693333"/>
+            <a:ext cx="8737601" cy="4309534"/>
           </a:xfrm>
           <a:prstGeom prst="rect">
             <a:avLst/>
@@ -14407,7 +15951,7 @@
         </p:nvSpPr>
         <p:spPr>
           <a:xfrm>
-            <a:off x="6724650" y="1924615"/>
+            <a:off x="6496041" y="1924615"/>
             <a:ext cx="3920180" cy="759118"/>
           </a:xfrm>
           <a:prstGeom prst="roundRect">
@@ -14434,7 +15978,11 @@
           <a:bodyPr rtlCol="0" anchor="ctr"/>
           <a:lstStyle/>
           <a:p>
-            <a:pPr algn="ctr"/>
+            <a:pPr algn="ctr">
+              <a:spcAft>
+                <a:spcPts val="300"/>
+              </a:spcAft>
+            </a:pPr>
             <a:r>
               <a:rPr lang="en-US" b="1" dirty="0" smtClean="0">
                 <a:latin typeface="Arial" panose="020B0604020202020204" pitchFamily="34" charset="0"/>
@@ -14462,7 +16010,11 @@
             </a:endParaRPr>
           </a:p>
           <a:p>
-            <a:pPr algn="ctr"/>
+            <a:pPr algn="ctr">
+              <a:spcAft>
+                <a:spcPts val="300"/>
+              </a:spcAft>
+            </a:pPr>
             <a:r>
               <a:rPr lang="en-US" b="1" dirty="0" err="1" smtClean="0">
                 <a:latin typeface="Arial" panose="020B0604020202020204" pitchFamily="34" charset="0"/>
@@ -14516,8 +16068,8 @@
         </p:nvCxnSpPr>
         <p:spPr>
           <a:xfrm>
-            <a:off x="8684740" y="3955854"/>
-            <a:ext cx="0" cy="309953"/>
+            <a:off x="8456131" y="4054140"/>
+            <a:ext cx="0" cy="262469"/>
           </a:xfrm>
           <a:prstGeom prst="straightConnector1">
             <a:avLst/>
@@ -14552,7 +16104,7 @@
         </p:nvCxnSpPr>
         <p:spPr>
           <a:xfrm>
-            <a:off x="8684740" y="2683733"/>
+            <a:off x="8456131" y="2683733"/>
             <a:ext cx="0" cy="309953"/>
           </a:xfrm>
           <a:prstGeom prst="straightConnector1">
@@ -14585,8 +16137,8 @@
         </p:nvSpPr>
         <p:spPr>
           <a:xfrm>
-            <a:off x="6724650" y="4265807"/>
-            <a:ext cx="3920180" cy="1419166"/>
+            <a:off x="6496041" y="4316609"/>
+            <a:ext cx="3920180" cy="1389924"/>
           </a:xfrm>
           <a:prstGeom prst="roundRect">
             <a:avLst/>
@@ -14612,7 +16164,11 @@
           <a:bodyPr rtlCol="0" anchor="ctr"/>
           <a:lstStyle/>
           <a:p>
-            <a:pPr algn="ctr"/>
+            <a:pPr algn="ctr">
+              <a:spcAft>
+                <a:spcPts val="300"/>
+              </a:spcAft>
+            </a:pPr>
             <a:r>
               <a:rPr lang="en-US" b="1" dirty="0" smtClean="0">
                 <a:latin typeface="Arial" panose="020B0604020202020204" pitchFamily="34" charset="0"/>
@@ -14640,6 +16196,11 @@
             </a:endParaRPr>
           </a:p>
           <a:p>
+            <a:pPr>
+              <a:spcAft>
+                <a:spcPts val="300"/>
+              </a:spcAft>
+            </a:pPr>
             <a:r>
               <a:rPr lang="en-US" b="1" dirty="0" err="1" smtClean="0">
                 <a:latin typeface="Arial" panose="020B0604020202020204" pitchFamily="34" charset="0"/>
@@ -14709,6 +16270,11 @@
             </a:endParaRPr>
           </a:p>
           <a:p>
+            <a:pPr>
+              <a:spcAft>
+                <a:spcPts val="300"/>
+              </a:spcAft>
+            </a:pPr>
             <a:r>
               <a:rPr lang="en-US" b="1" dirty="0" err="1">
                 <a:latin typeface="Arial" panose="020B0604020202020204" pitchFamily="34" charset="0"/>
@@ -14753,6 +16319,11 @@
             </a:r>
           </a:p>
           <a:p>
+            <a:pPr>
+              <a:spcAft>
+                <a:spcPts val="300"/>
+              </a:spcAft>
+            </a:pPr>
             <a:r>
               <a:rPr lang="en-US" b="1" dirty="0" err="1" smtClean="0">
                 <a:latin typeface="Arial" panose="020B0604020202020204" pitchFamily="34" charset="0"/>
@@ -14810,8 +16381,8 @@
         </p:nvSpPr>
         <p:spPr>
           <a:xfrm>
-            <a:off x="6724650" y="2993686"/>
-            <a:ext cx="3920180" cy="962168"/>
+            <a:off x="6496041" y="2993686"/>
+            <a:ext cx="3920180" cy="1060454"/>
           </a:xfrm>
           <a:prstGeom prst="roundRect">
             <a:avLst/>
@@ -14837,7 +16408,11 @@
           <a:bodyPr rtlCol="0" anchor="ctr"/>
           <a:lstStyle/>
           <a:p>
-            <a:pPr algn="ctr"/>
+            <a:pPr algn="ctr">
+              <a:spcAft>
+                <a:spcPts val="300"/>
+              </a:spcAft>
+            </a:pPr>
             <a:r>
               <a:rPr lang="en-US" b="1" dirty="0" smtClean="0">
                 <a:latin typeface="Arial" panose="020B0604020202020204" pitchFamily="34" charset="0"/>
@@ -14861,7 +16436,11 @@
             </a:r>
           </a:p>
           <a:p>
-            <a:pPr algn="ctr"/>
+            <a:pPr algn="ctr">
+              <a:spcAft>
+                <a:spcPts val="300"/>
+              </a:spcAft>
+            </a:pPr>
             <a:r>
               <a:rPr lang="en-US" b="1" dirty="0" smtClean="0">
                 <a:latin typeface="Arial" panose="020B0604020202020204" pitchFamily="34" charset="0"/>
@@ -14885,7 +16464,11 @@
             </a:r>
           </a:p>
           <a:p>
-            <a:pPr algn="ctr"/>
+            <a:pPr algn="ctr">
+              <a:spcAft>
+                <a:spcPts val="300"/>
+              </a:spcAft>
+            </a:pPr>
             <a:r>
               <a:rPr lang="en-US" b="1" dirty="0" smtClean="0">
                 <a:latin typeface="Arial" panose="020B0604020202020204" pitchFamily="34" charset="0"/>
@@ -14964,15 +16547,15 @@
         </p:nvSpPr>
         <p:spPr>
           <a:xfrm>
-            <a:off x="1971675" y="1923646"/>
-            <a:ext cx="4210049" cy="760087"/>
+            <a:off x="2260591" y="1923646"/>
+            <a:ext cx="3692524" cy="760087"/>
           </a:xfrm>
           <a:prstGeom prst="borderCallout1">
             <a:avLst>
               <a:gd name="adj1" fmla="val 51916"/>
               <a:gd name="adj2" fmla="val 100079"/>
               <a:gd name="adj3" fmla="val 51736"/>
-              <a:gd name="adj4" fmla="val 112417"/>
+              <a:gd name="adj4" fmla="val 114251"/>
             </a:avLst>
           </a:prstGeom>
         </p:spPr>
@@ -14996,7 +16579,11 @@
           <a:bodyPr rtlCol="0" anchor="ctr"/>
           <a:lstStyle/>
           <a:p>
-            <a:pPr algn="ctr"/>
+            <a:pPr algn="ctr">
+              <a:spcAft>
+                <a:spcPts val="300"/>
+              </a:spcAft>
+            </a:pPr>
             <a:r>
               <a:rPr lang="en-US" b="1" dirty="0">
                 <a:latin typeface="Arial" panose="020B0604020202020204" pitchFamily="34" charset="0"/>
@@ -15020,7 +16607,11 @@
             </a:r>
           </a:p>
           <a:p>
-            <a:pPr algn="ctr"/>
+            <a:pPr algn="ctr">
+              <a:spcAft>
+                <a:spcPts val="300"/>
+              </a:spcAft>
+            </a:pPr>
             <a:r>
               <a:rPr lang="en-US" b="1" dirty="0">
                 <a:latin typeface="Arial" panose="020B0604020202020204" pitchFamily="34" charset="0"/>
@@ -15071,15 +16662,15 @@
         </p:nvSpPr>
         <p:spPr>
           <a:xfrm>
-            <a:off x="1971675" y="3141368"/>
-            <a:ext cx="4210050" cy="666804"/>
+            <a:off x="2260591" y="3141367"/>
+            <a:ext cx="3692525" cy="727899"/>
           </a:xfrm>
           <a:prstGeom prst="borderCallout1">
             <a:avLst>
               <a:gd name="adj1" fmla="val 52467"/>
               <a:gd name="adj2" fmla="val 99667"/>
               <a:gd name="adj3" fmla="val 52471"/>
-              <a:gd name="adj4" fmla="val 112390"/>
+              <a:gd name="adj4" fmla="val 114454"/>
             </a:avLst>
           </a:prstGeom>
         </p:spPr>
@@ -15103,7 +16694,14 @@
           <a:bodyPr rtlCol="0" anchor="ctr"/>
           <a:lstStyle/>
           <a:p>
-            <a:pPr algn="ctr"/>
+            <a:pPr algn="ctr">
+              <a:lnSpc>
+                <a:spcPct val="114000"/>
+              </a:lnSpc>
+              <a:spcAft>
+                <a:spcPts val="300"/>
+              </a:spcAft>
+            </a:pPr>
             <a:r>
               <a:rPr lang="en-US" b="1" dirty="0" smtClean="0">
                 <a:latin typeface="Arial" panose="020B0604020202020204" pitchFamily="34" charset="0"/>
@@ -15147,15 +16745,15 @@
         </p:nvSpPr>
         <p:spPr>
           <a:xfrm>
-            <a:off x="1971675" y="4543058"/>
-            <a:ext cx="4210050" cy="952867"/>
+            <a:off x="2260590" y="4428067"/>
+            <a:ext cx="3692525" cy="1109131"/>
           </a:xfrm>
           <a:prstGeom prst="borderCallout1">
             <a:avLst>
               <a:gd name="adj1" fmla="val 49770"/>
               <a:gd name="adj2" fmla="val 99776"/>
               <a:gd name="adj3" fmla="val 49597"/>
-              <a:gd name="adj4" fmla="val 112807"/>
+              <a:gd name="adj4" fmla="val 114641"/>
             </a:avLst>
           </a:prstGeom>
         </p:spPr>
@@ -15179,7 +16777,14 @@
           <a:bodyPr rtlCol="0" anchor="ctr"/>
           <a:lstStyle/>
           <a:p>
-            <a:pPr algn="ctr"/>
+            <a:pPr algn="ctr">
+              <a:lnSpc>
+                <a:spcPct val="114000"/>
+              </a:lnSpc>
+              <a:spcAft>
+                <a:spcPts val="300"/>
+              </a:spcAft>
+            </a:pPr>
             <a:r>
               <a:rPr lang="en-US" b="1" dirty="0">
                 <a:latin typeface="Arial" panose="020B0604020202020204" pitchFamily="34" charset="0"/>
@@ -15196,7 +16801,14 @@
             </a:r>
           </a:p>
           <a:p>
-            <a:pPr algn="ctr"/>
+            <a:pPr algn="ctr">
+              <a:lnSpc>
+                <a:spcPct val="114000"/>
+              </a:lnSpc>
+              <a:spcAft>
+                <a:spcPts val="300"/>
+              </a:spcAft>
+            </a:pPr>
             <a:r>
               <a:rPr lang="en-US" b="1" dirty="0" smtClean="0">
                 <a:latin typeface="Arial" panose="020B0604020202020204" pitchFamily="34" charset="0"/>
@@ -15379,81 +16991,106 @@
             </a:r>
             <a:r>
               <a:rPr lang="en-US" sz="2400" dirty="0">
-                <a:latin typeface="Arial" panose="020B0604020202020204" pitchFamily="34" charset="0"/>
-                <a:cs typeface="Arial" panose="020B0604020202020204" pitchFamily="34" charset="0"/>
-              </a:rPr>
-              <a:t>of point indices</a:t>
+                <a:solidFill>
+                  <a:schemeClr val="tx1">
+                    <a:lumMod val="85000"/>
+                    <a:lumOff val="15000"/>
+                  </a:schemeClr>
+                </a:solidFill>
+                <a:latin typeface="Arial" panose="020B0604020202020204" pitchFamily="34" charset="0"/>
+                <a:cs typeface="Arial" panose="020B0604020202020204" pitchFamily="34" charset="0"/>
+              </a:rPr>
+              <a:t>of point indices in each </a:t>
+            </a:r>
+            <a:r>
+              <a:rPr lang="en-US" sz="2400" dirty="0" smtClean="0">
+                <a:solidFill>
+                  <a:schemeClr val="tx1">
+                    <a:lumMod val="85000"/>
+                    <a:lumOff val="15000"/>
+                  </a:schemeClr>
+                </a:solidFill>
+                <a:latin typeface="Arial" panose="020B0604020202020204" pitchFamily="34" charset="0"/>
+                <a:cs typeface="Arial" panose="020B0604020202020204" pitchFamily="34" charset="0"/>
+              </a:rPr>
+              <a:t>cluster </a:t>
             </a:r>
             <a:r>
               <a:rPr lang="en-US" sz="2400" dirty="0">
                 <a:solidFill>
+                  <a:schemeClr val="tx1">
+                    <a:lumMod val="85000"/>
+                    <a:lumOff val="15000"/>
+                  </a:schemeClr>
+                </a:solidFill>
+                <a:latin typeface="Arial" panose="020B0604020202020204" pitchFamily="34" charset="0"/>
+                <a:cs typeface="Arial" panose="020B0604020202020204" pitchFamily="34" charset="0"/>
+              </a:rPr>
+              <a:t>→ </a:t>
+            </a:r>
+            <a:r>
+              <a:rPr lang="en-US" sz="2400" dirty="0" smtClean="0">
+                <a:solidFill>
                   <a:srgbClr val="FF0000"/>
                 </a:solidFill>
                 <a:latin typeface="Arial" panose="020B0604020202020204" pitchFamily="34" charset="0"/>
                 <a:cs typeface="Arial" panose="020B0604020202020204" pitchFamily="34" charset="0"/>
               </a:rPr>
+              <a:t>crossover data accesses</a:t>
+            </a:r>
+            <a:r>
+              <a:rPr lang="en-US" sz="2400" dirty="0" smtClean="0">
+                <a:latin typeface="Arial" panose="020B0604020202020204" pitchFamily="34" charset="0"/>
+                <a:cs typeface="Arial" panose="020B0604020202020204" pitchFamily="34" charset="0"/>
+              </a:rPr>
               <a:t> </a:t>
             </a:r>
             <a:r>
               <a:rPr lang="en-US" sz="2400" dirty="0">
-                <a:latin typeface="Arial" panose="020B0604020202020204" pitchFamily="34" charset="0"/>
-                <a:cs typeface="Arial" panose="020B0604020202020204" pitchFamily="34" charset="0"/>
-              </a:rPr>
-              <a:t>in each </a:t>
+                <a:solidFill>
+                  <a:schemeClr val="tx1">
+                    <a:lumMod val="85000"/>
+                    <a:lumOff val="15000"/>
+                  </a:schemeClr>
+                </a:solidFill>
+                <a:latin typeface="Arial" panose="020B0604020202020204" pitchFamily="34" charset="0"/>
+                <a:cs typeface="Arial" panose="020B0604020202020204" pitchFamily="34" charset="0"/>
+              </a:rPr>
+              <a:t>of threads </a:t>
             </a:r>
             <a:r>
               <a:rPr lang="en-US" sz="2400" dirty="0" smtClean="0">
-                <a:latin typeface="Arial" panose="020B0604020202020204" pitchFamily="34" charset="0"/>
-                <a:cs typeface="Arial" panose="020B0604020202020204" pitchFamily="34" charset="0"/>
-              </a:rPr>
-              <a:t>cluster </a:t>
-            </a:r>
-            <a:r>
-              <a:rPr lang="en-US" sz="2400" dirty="0">
-                <a:latin typeface="Arial" panose="020B0604020202020204" pitchFamily="34" charset="0"/>
-                <a:cs typeface="Arial" panose="020B0604020202020204" pitchFamily="34" charset="0"/>
-              </a:rPr>
-              <a:t>→ </a:t>
+                <a:solidFill>
+                  <a:schemeClr val="tx1">
+                    <a:lumMod val="85000"/>
+                    <a:lumOff val="15000"/>
+                  </a:schemeClr>
+                </a:solidFill>
+                <a:latin typeface="Arial" panose="020B0604020202020204" pitchFamily="34" charset="0"/>
+                <a:cs typeface="Arial" panose="020B0604020202020204" pitchFamily="34" charset="0"/>
+              </a:rPr>
+              <a:t>reduce </a:t>
             </a:r>
             <a:r>
               <a:rPr lang="en-US" sz="2400" dirty="0" smtClean="0">
                 <a:solidFill>
-                  <a:srgbClr val="FF0000"/>
-                </a:solidFill>
-                <a:latin typeface="Arial" panose="020B0604020202020204" pitchFamily="34" charset="0"/>
-                <a:cs typeface="Arial" panose="020B0604020202020204" pitchFamily="34" charset="0"/>
-              </a:rPr>
-              <a:t>crossover data accesses</a:t>
-            </a:r>
-            <a:r>
-              <a:rPr lang="en-US" sz="2400" dirty="0" smtClean="0">
-                <a:latin typeface="Arial" panose="020B0604020202020204" pitchFamily="34" charset="0"/>
-                <a:cs typeface="Arial" panose="020B0604020202020204" pitchFamily="34" charset="0"/>
-              </a:rPr>
-              <a:t> </a:t>
-            </a:r>
-            <a:r>
-              <a:rPr lang="en-US" sz="2400" dirty="0">
-                <a:latin typeface="Arial" panose="020B0604020202020204" pitchFamily="34" charset="0"/>
-                <a:cs typeface="Arial" panose="020B0604020202020204" pitchFamily="34" charset="0"/>
-              </a:rPr>
-              <a:t>of threads </a:t>
-            </a:r>
-            <a:r>
-              <a:rPr lang="en-US" sz="2400" dirty="0" smtClean="0">
-                <a:latin typeface="Arial" panose="020B0604020202020204" pitchFamily="34" charset="0"/>
-                <a:cs typeface="Arial" panose="020B0604020202020204" pitchFamily="34" charset="0"/>
-              </a:rPr>
-              <a:t>reduce </a:t>
-            </a:r>
-            <a:r>
-              <a:rPr lang="en-US" sz="2400" dirty="0" smtClean="0">
+                  <a:schemeClr val="tx1">
+                    <a:lumMod val="85000"/>
+                    <a:lumOff val="15000"/>
+                  </a:schemeClr>
+                </a:solidFill>
                 <a:latin typeface="Arial" panose="020B0604020202020204" pitchFamily="34" charset="0"/>
                 <a:cs typeface="Arial" panose="020B0604020202020204" pitchFamily="34" charset="0"/>
               </a:rPr>
               <a:t>performance.</a:t>
             </a:r>
             <a:endParaRPr lang="en-US" sz="2400" dirty="0" smtClean="0">
+              <a:solidFill>
+                <a:schemeClr val="tx1">
+                  <a:lumMod val="85000"/>
+                  <a:lumOff val="15000"/>
+                </a:schemeClr>
+              </a:solidFill>
               <a:latin typeface="Arial" panose="020B0604020202020204" pitchFamily="34" charset="0"/>
               <a:cs typeface="Arial" panose="020B0604020202020204" pitchFamily="34" charset="0"/>
             </a:endParaRPr>
@@ -15633,81 +17270,95 @@
                 <a:latin typeface="Arial" panose="020B0604020202020204" pitchFamily="34" charset="0"/>
                 <a:cs typeface="Arial" panose="020B0604020202020204" pitchFamily="34" charset="0"/>
               </a:rPr>
-              <a:t>data accesses</a:t>
+              <a:t>data </a:t>
+            </a:r>
+            <a:r>
+              <a:rPr lang="en-US" sz="2400" dirty="0" smtClean="0">
+                <a:solidFill>
+                  <a:srgbClr val="00B050"/>
+                </a:solidFill>
+                <a:latin typeface="Arial" panose="020B0604020202020204" pitchFamily="34" charset="0"/>
+                <a:cs typeface="Arial" panose="020B0604020202020204" pitchFamily="34" charset="0"/>
+              </a:rPr>
+              <a:t>accesses </a:t>
+            </a:r>
+            <a:r>
+              <a:rPr lang="en-US" sz="2400" dirty="0" smtClean="0">
+                <a:solidFill>
+                  <a:schemeClr val="tx1">
+                    <a:lumMod val="85000"/>
+                    <a:lumOff val="15000"/>
+                  </a:schemeClr>
+                </a:solidFill>
+                <a:latin typeface="Arial" panose="020B0604020202020204" pitchFamily="34" charset="0"/>
+                <a:cs typeface="Arial" panose="020B0604020202020204" pitchFamily="34" charset="0"/>
+              </a:rPr>
+              <a:t>: </a:t>
+            </a:r>
+            <a:r>
+              <a:rPr lang="en-US" sz="2400" dirty="0" smtClean="0">
+                <a:solidFill>
+                  <a:schemeClr val="tx1">
+                    <a:lumMod val="85000"/>
+                    <a:lumOff val="15000"/>
+                  </a:schemeClr>
+                </a:solidFill>
+                <a:latin typeface="Arial" panose="020B0604020202020204" pitchFamily="34" charset="0"/>
+                <a:cs typeface="Arial" panose="020B0604020202020204" pitchFamily="34" charset="0"/>
+              </a:rPr>
+              <a:t>use </a:t>
+            </a:r>
+            <a:r>
+              <a:rPr lang="en-US" sz="2400" dirty="0" smtClean="0">
+                <a:solidFill>
+                  <a:srgbClr val="00B050"/>
+                </a:solidFill>
+                <a:latin typeface="Arial" panose="020B0604020202020204" pitchFamily="34" charset="0"/>
+                <a:cs typeface="Arial" panose="020B0604020202020204" pitchFamily="34" charset="0"/>
+              </a:rPr>
+              <a:t>stable </a:t>
             </a:r>
             <a:r>
               <a:rPr lang="en-US" sz="2400" dirty="0">
-                <a:latin typeface="Arial" panose="020B0604020202020204" pitchFamily="34" charset="0"/>
-                <a:cs typeface="Arial" panose="020B0604020202020204" pitchFamily="34" charset="0"/>
-              </a:rPr>
-              <a:t>:</a:t>
+                <a:solidFill>
+                  <a:srgbClr val="00B050"/>
+                </a:solidFill>
+                <a:latin typeface="Arial" panose="020B0604020202020204" pitchFamily="34" charset="0"/>
+                <a:cs typeface="Arial" panose="020B0604020202020204" pitchFamily="34" charset="0"/>
+              </a:rPr>
+              <a:t>sort by keys of Thrust</a:t>
+            </a:r>
+            <a:r>
+              <a:rPr lang="en-US" sz="2400" dirty="0">
+                <a:solidFill>
+                  <a:srgbClr val="00B0F0"/>
+                </a:solidFill>
+                <a:latin typeface="Arial" panose="020B0604020202020204" pitchFamily="34" charset="0"/>
+                <a:cs typeface="Arial" panose="020B0604020202020204" pitchFamily="34" charset="0"/>
+              </a:rPr>
+              <a:t> </a:t>
+            </a:r>
+            <a:r>
+              <a:rPr lang="en-US" sz="2400" dirty="0">
+                <a:solidFill>
+                  <a:schemeClr val="tx1">
+                    <a:lumMod val="85000"/>
+                    <a:lumOff val="15000"/>
+                  </a:schemeClr>
+                </a:solidFill>
+                <a:latin typeface="Arial" panose="020B0604020202020204" pitchFamily="34" charset="0"/>
+                <a:cs typeface="Arial" panose="020B0604020202020204" pitchFamily="34" charset="0"/>
+              </a:rPr>
+              <a:t>library in CUDA </a:t>
             </a:r>
             <a:r>
               <a:rPr lang="en-US" sz="2400" dirty="0" smtClean="0">
                 <a:solidFill>
-                  <a:srgbClr val="00B050"/>
-                </a:solidFill>
-                <a:latin typeface="Arial" panose="020B0604020202020204" pitchFamily="34" charset="0"/>
-                <a:cs typeface="Arial" panose="020B0604020202020204" pitchFamily="34" charset="0"/>
-              </a:rPr>
-              <a:t> </a:t>
-            </a:r>
-            <a:r>
-              <a:rPr lang="en-US" sz="2400" dirty="0" smtClean="0">
-                <a:latin typeface="Arial" panose="020B0604020202020204" pitchFamily="34" charset="0"/>
-                <a:cs typeface="Arial" panose="020B0604020202020204" pitchFamily="34" charset="0"/>
-              </a:rPr>
-              <a:t>use</a:t>
-            </a:r>
-            <a:r>
-              <a:rPr lang="en-US" sz="2400" dirty="0" smtClean="0">
-                <a:solidFill>
-                  <a:srgbClr val="00B050"/>
-                </a:solidFill>
-                <a:latin typeface="Arial" panose="020B0604020202020204" pitchFamily="34" charset="0"/>
-                <a:cs typeface="Arial" panose="020B0604020202020204" pitchFamily="34" charset="0"/>
-              </a:rPr>
-              <a:t> </a:t>
-            </a:r>
-            <a:r>
-              <a:rPr lang="en-US" sz="2400" dirty="0" smtClean="0">
-                <a:solidFill>
-                  <a:srgbClr val="00B050"/>
-                </a:solidFill>
-                <a:latin typeface="Arial" panose="020B0604020202020204" pitchFamily="34" charset="0"/>
-                <a:cs typeface="Arial" panose="020B0604020202020204" pitchFamily="34" charset="0"/>
-              </a:rPr>
-              <a:t>stable </a:t>
-            </a:r>
-            <a:r>
-              <a:rPr lang="en-US" sz="2400" dirty="0">
-                <a:solidFill>
-                  <a:srgbClr val="00B050"/>
-                </a:solidFill>
-                <a:latin typeface="Arial" panose="020B0604020202020204" pitchFamily="34" charset="0"/>
-                <a:cs typeface="Arial" panose="020B0604020202020204" pitchFamily="34" charset="0"/>
-              </a:rPr>
-              <a:t>sort by keys of Thrust</a:t>
-            </a:r>
-            <a:r>
-              <a:rPr lang="en-US" sz="2400" dirty="0">
-                <a:solidFill>
-                  <a:srgbClr val="00B0F0"/>
-                </a:solidFill>
-                <a:latin typeface="Arial" panose="020B0604020202020204" pitchFamily="34" charset="0"/>
-                <a:cs typeface="Arial" panose="020B0604020202020204" pitchFamily="34" charset="0"/>
-              </a:rPr>
-              <a:t> </a:t>
-            </a:r>
-            <a:r>
-              <a:rPr lang="en-US" sz="2400" dirty="0">
-                <a:latin typeface="Arial" panose="020B0604020202020204" pitchFamily="34" charset="0"/>
-                <a:cs typeface="Arial" panose="020B0604020202020204" pitchFamily="34" charset="0"/>
-              </a:rPr>
-              <a:t>library in CUDA </a:t>
-            </a:r>
-            <a:r>
-              <a:rPr lang="en-US" sz="2400" dirty="0" smtClean="0">
+                  <a:schemeClr val="tx1">
+                    <a:lumMod val="85000"/>
+                    <a:lumOff val="15000"/>
+                  </a:schemeClr>
+                </a:solidFill>
                 <a:latin typeface="Arial" panose="020B0604020202020204" pitchFamily="34" charset="0"/>
                 <a:cs typeface="Arial" panose="020B0604020202020204" pitchFamily="34" charset="0"/>
               </a:rPr>
@@ -16012,8 +17663,8 @@
         </p:nvSpPr>
         <p:spPr>
           <a:xfrm>
-            <a:off x="2101143" y="3663372"/>
-            <a:ext cx="1702508" cy="618643"/>
+            <a:off x="1994464" y="3621325"/>
+            <a:ext cx="1839384" cy="702734"/>
           </a:xfrm>
           <a:prstGeom prst="roundRect">
             <a:avLst/>
@@ -16039,12 +17690,27 @@
           <a:bodyPr rtlCol="0" anchor="ctr"/>
           <a:lstStyle/>
           <a:p>
+            <a:pPr algn="ctr"/>
             <a:r>
               <a:rPr lang="en-US" b="1" dirty="0" smtClean="0">
                 <a:latin typeface="Arial" panose="020B0604020202020204" pitchFamily="34" charset="0"/>
                 <a:cs typeface="Arial" panose="020B0604020202020204" pitchFamily="34" charset="0"/>
               </a:rPr>
-              <a:t>Reduce new centroids</a:t>
+              <a:t>Reduce </a:t>
+            </a:r>
+            <a:endParaRPr lang="en-US" b="1" dirty="0" smtClean="0">
+              <a:latin typeface="Arial" panose="020B0604020202020204" pitchFamily="34" charset="0"/>
+              <a:cs typeface="Arial" panose="020B0604020202020204" pitchFamily="34" charset="0"/>
+            </a:endParaRPr>
+          </a:p>
+          <a:p>
+            <a:pPr algn="ctr"/>
+            <a:r>
+              <a:rPr lang="en-US" b="1" dirty="0" smtClean="0">
+                <a:latin typeface="Arial" panose="020B0604020202020204" pitchFamily="34" charset="0"/>
+                <a:cs typeface="Arial" panose="020B0604020202020204" pitchFamily="34" charset="0"/>
+              </a:rPr>
+              <a:t>new centroids</a:t>
             </a:r>
             <a:endParaRPr lang="en-US" b="1" dirty="0">
               <a:latin typeface="Arial" panose="020B0604020202020204" pitchFamily="34" charset="0"/>
@@ -16131,39 +17797,66 @@
           <a:p>
             <a:pPr algn="ctr"/>
             <a:r>
-              <a:rPr lang="en-US" b="1" dirty="0"/>
+              <a:rPr lang="en-US" b="1" dirty="0">
+                <a:latin typeface="Arial" panose="020B0604020202020204" pitchFamily="34" charset="0"/>
+                <a:cs typeface="Arial" panose="020B0604020202020204" pitchFamily="34" charset="0"/>
+              </a:rPr>
               <a:t>Stream #1 reduces </a:t>
             </a:r>
             <a:r>
-              <a:rPr lang="en-US" b="1" dirty="0" err="1"/>
+              <a:rPr lang="en-US" b="1" dirty="0" err="1">
+                <a:latin typeface="Arial" panose="020B0604020202020204" pitchFamily="34" charset="0"/>
+                <a:cs typeface="Arial" panose="020B0604020202020204" pitchFamily="34" charset="0"/>
+              </a:rPr>
               <a:t>U’</a:t>
             </a:r>
             <a:r>
-              <a:rPr lang="en-US" b="1" baseline="-25000" dirty="0" err="1"/>
+              <a:rPr lang="en-US" b="1" baseline="-25000" dirty="0" err="1">
+                <a:latin typeface="Arial" panose="020B0604020202020204" pitchFamily="34" charset="0"/>
+                <a:cs typeface="Arial" panose="020B0604020202020204" pitchFamily="34" charset="0"/>
+              </a:rPr>
               <a:t>i,l</a:t>
             </a:r>
             <a:r>
-              <a:rPr lang="en-US" b="1" baseline="30000" dirty="0" err="1"/>
+              <a:rPr lang="en-US" b="1" baseline="30000" dirty="0" err="1">
+                <a:latin typeface="Arial" panose="020B0604020202020204" pitchFamily="34" charset="0"/>
+                <a:cs typeface="Arial" panose="020B0604020202020204" pitchFamily="34" charset="0"/>
+              </a:rPr>
               <a:t>q</a:t>
             </a:r>
             <a:r>
-              <a:rPr lang="en-US" b="1" dirty="0"/>
+              <a:rPr lang="en-US" b="1" dirty="0">
+                <a:latin typeface="Arial" panose="020B0604020202020204" pitchFamily="34" charset="0"/>
+                <a:cs typeface="Arial" panose="020B0604020202020204" pitchFamily="34" charset="0"/>
+              </a:rPr>
               <a:t> (</a:t>
             </a:r>
             <a:r>
-              <a:rPr lang="en-US" b="1" dirty="0" err="1"/>
+              <a:rPr lang="en-US" b="1" dirty="0" err="1">
+                <a:latin typeface="Arial" panose="020B0604020202020204" pitchFamily="34" charset="0"/>
+                <a:cs typeface="Arial" panose="020B0604020202020204" pitchFamily="34" charset="0"/>
+              </a:rPr>
               <a:t>U’</a:t>
             </a:r>
             <a:r>
-              <a:rPr lang="en-US" b="1" baseline="-25000" dirty="0" err="1"/>
+              <a:rPr lang="en-US" b="1" baseline="-25000" dirty="0" err="1">
+                <a:latin typeface="Arial" panose="020B0604020202020204" pitchFamily="34" charset="0"/>
+                <a:cs typeface="Arial" panose="020B0604020202020204" pitchFamily="34" charset="0"/>
+              </a:rPr>
               <a:t>i,l</a:t>
             </a:r>
             <a:r>
-              <a:rPr lang="en-US" b="1" baseline="30000" dirty="0" err="1"/>
+              <a:rPr lang="en-US" b="1" baseline="30000" dirty="0" err="1">
+                <a:latin typeface="Arial" panose="020B0604020202020204" pitchFamily="34" charset="0"/>
+                <a:cs typeface="Arial" panose="020B0604020202020204" pitchFamily="34" charset="0"/>
+              </a:rPr>
               <a:t>q</a:t>
             </a:r>
             <a:r>
-              <a:rPr lang="en-US" b="1" dirty="0"/>
+              <a:rPr lang="en-US" b="1" dirty="0">
+                <a:latin typeface="Arial" panose="020B0604020202020204" pitchFamily="34" charset="0"/>
+                <a:cs typeface="Arial" panose="020B0604020202020204" pitchFamily="34" charset="0"/>
+              </a:rPr>
               <a:t> ∈ cluster #j)</a:t>
             </a:r>
           </a:p>
@@ -16308,7 +18001,7 @@
         <p:spPr>
           <a:xfrm>
             <a:off x="7622612" y="4933551"/>
-            <a:ext cx="2181" cy="256353"/>
+            <a:ext cx="2181" cy="256352"/>
           </a:xfrm>
           <a:prstGeom prst="straightConnector1">
             <a:avLst/>
@@ -16340,8 +18033,8 @@
         </p:nvSpPr>
         <p:spPr>
           <a:xfrm>
-            <a:off x="5334061" y="5189904"/>
-            <a:ext cx="4581464" cy="742716"/>
+            <a:off x="5334061" y="5189903"/>
+            <a:ext cx="4581464" cy="787563"/>
           </a:xfrm>
           <a:prstGeom prst="roundRect">
             <a:avLst/>
@@ -16367,44 +18060,79 @@
           <a:bodyPr rtlCol="0" anchor="ctr"/>
           <a:lstStyle/>
           <a:p>
-            <a:pPr algn="ctr"/>
-            <a:r>
-              <a:rPr lang="en-US" b="1" dirty="0"/>
+            <a:pPr algn="ctr">
+              <a:spcAft>
+                <a:spcPts val="300"/>
+              </a:spcAft>
+            </a:pPr>
+            <a:r>
+              <a:rPr lang="en-US" b="1" dirty="0">
+                <a:latin typeface="Arial" panose="020B0604020202020204" pitchFamily="34" charset="0"/>
+                <a:cs typeface="Arial" panose="020B0604020202020204" pitchFamily="34" charset="0"/>
+              </a:rPr>
               <a:t>Stream #(x mod 5 + 1) reduces</a:t>
             </a:r>
           </a:p>
           <a:p>
-            <a:pPr algn="ctr"/>
-            <a:r>
-              <a:rPr lang="en-US" b="1" dirty="0" err="1"/>
+            <a:pPr algn="ctr">
+              <a:spcAft>
+                <a:spcPts val="300"/>
+              </a:spcAft>
+            </a:pPr>
+            <a:r>
+              <a:rPr lang="en-US" b="1" dirty="0" err="1">
+                <a:latin typeface="Arial" panose="020B0604020202020204" pitchFamily="34" charset="0"/>
+                <a:cs typeface="Arial" panose="020B0604020202020204" pitchFamily="34" charset="0"/>
+              </a:rPr>
               <a:t>U’</a:t>
             </a:r>
             <a:r>
-              <a:rPr lang="en-US" b="1" baseline="-25000" dirty="0" err="1"/>
+              <a:rPr lang="en-US" b="1" baseline="-25000" dirty="0" err="1">
+                <a:latin typeface="Arial" panose="020B0604020202020204" pitchFamily="34" charset="0"/>
+                <a:cs typeface="Arial" panose="020B0604020202020204" pitchFamily="34" charset="0"/>
+              </a:rPr>
               <a:t>i,l</a:t>
             </a:r>
             <a:r>
-              <a:rPr lang="en-US" b="1" baseline="30000" dirty="0" err="1"/>
+              <a:rPr lang="en-US" b="1" baseline="30000" dirty="0" err="1">
+                <a:latin typeface="Arial" panose="020B0604020202020204" pitchFamily="34" charset="0"/>
+                <a:cs typeface="Arial" panose="020B0604020202020204" pitchFamily="34" charset="0"/>
+              </a:rPr>
               <a:t>q</a:t>
             </a:r>
             <a:r>
-              <a:rPr lang="en-US" b="1" dirty="0"/>
+              <a:rPr lang="en-US" b="1" dirty="0">
+                <a:latin typeface="Arial" panose="020B0604020202020204" pitchFamily="34" charset="0"/>
+                <a:cs typeface="Arial" panose="020B0604020202020204" pitchFamily="34" charset="0"/>
+              </a:rPr>
               <a:t> * X</a:t>
             </a:r>
             <a:r>
-              <a:rPr lang="en-US" b="1" baseline="-25000" dirty="0"/>
+              <a:rPr lang="en-US" b="1" baseline="-25000" dirty="0">
+                <a:latin typeface="Arial" panose="020B0604020202020204" pitchFamily="34" charset="0"/>
+                <a:cs typeface="Arial" panose="020B0604020202020204" pitchFamily="34" charset="0"/>
+              </a:rPr>
               <a:t>i </a:t>
             </a:r>
             <a:r>
-              <a:rPr lang="en-US" b="1" dirty="0"/>
+              <a:rPr lang="en-US" b="1" dirty="0">
+                <a:latin typeface="Arial" panose="020B0604020202020204" pitchFamily="34" charset="0"/>
+                <a:cs typeface="Arial" panose="020B0604020202020204" pitchFamily="34" charset="0"/>
+              </a:rPr>
               <a:t>(X</a:t>
             </a:r>
             <a:r>
-              <a:rPr lang="en-US" b="1" baseline="-25000" dirty="0"/>
+              <a:rPr lang="en-US" b="1" baseline="-25000" dirty="0">
+                <a:latin typeface="Arial" panose="020B0604020202020204" pitchFamily="34" charset="0"/>
+                <a:cs typeface="Arial" panose="020B0604020202020204" pitchFamily="34" charset="0"/>
+              </a:rPr>
               <a:t>i</a:t>
             </a:r>
             <a:r>
-              <a:rPr lang="en-US" b="1" dirty="0"/>
+              <a:rPr lang="en-US" b="1" dirty="0">
+                <a:latin typeface="Arial" panose="020B0604020202020204" pitchFamily="34" charset="0"/>
+                <a:cs typeface="Arial" panose="020B0604020202020204" pitchFamily="34" charset="0"/>
+              </a:rPr>
               <a:t> ∈ cluster #j, dimension x)</a:t>
             </a:r>
           </a:p>
@@ -16418,7 +18146,7 @@
         </p:nvSpPr>
         <p:spPr>
           <a:xfrm>
-            <a:off x="2654922" y="3122958"/>
+            <a:off x="2733152" y="3142346"/>
             <a:ext cx="2020388" cy="333104"/>
           </a:xfrm>
           <a:prstGeom prst="borderCallout1">
@@ -16476,8 +18204,8 @@
         </p:nvCxnSpPr>
         <p:spPr>
           <a:xfrm flipH="1" flipV="1">
-            <a:off x="3803651" y="3972694"/>
-            <a:ext cx="816523" cy="4343"/>
+            <a:off x="3833848" y="3972692"/>
+            <a:ext cx="786326" cy="4345"/>
           </a:xfrm>
           <a:prstGeom prst="straightConnector1">
             <a:avLst/>
@@ -16536,7 +18264,14 @@
           <a:bodyPr rtlCol="0" anchor="ctr"/>
           <a:lstStyle/>
           <a:p>
-            <a:pPr algn="ctr"/>
+            <a:pPr algn="ctr">
+              <a:lnSpc>
+                <a:spcPct val="114000"/>
+              </a:lnSpc>
+              <a:spcAft>
+                <a:spcPts val="300"/>
+              </a:spcAft>
+            </a:pPr>
             <a:r>
               <a:rPr lang="en-US" b="1" dirty="0">
                 <a:latin typeface="Arial" panose="020B0604020202020204" pitchFamily="34" charset="0"/>
@@ -16829,11 +18564,11 @@
           <a:p>
             <a:pPr algn="ctr"/>
             <a:r>
-              <a:rPr lang="en-GB" sz="3000" b="1" cap="all" dirty="0" smtClean="0">
-                <a:latin typeface="Arial" panose="020B0604020202020204" pitchFamily="34" charset="0"/>
-                <a:cs typeface="Arial" panose="020B0604020202020204" pitchFamily="34" charset="0"/>
-              </a:rPr>
-              <a:t>OUTLINE</a:t>
+              <a:rPr lang="en-GB" sz="3000" b="1" cap="all" dirty="0" err="1" smtClean="0">
+                <a:latin typeface="Arial" panose="020B0604020202020204" pitchFamily="34" charset="0"/>
+                <a:cs typeface="Arial" panose="020B0604020202020204" pitchFamily="34" charset="0"/>
+              </a:rPr>
+              <a:t>OUTlINE</a:t>
             </a:r>
             <a:endParaRPr lang="en-GB" sz="3000" cap="all" dirty="0">
               <a:latin typeface="Arial" panose="020B0604020202020204" pitchFamily="34" charset="0"/>
@@ -16854,8 +18589,8 @@
         </p:nvSpPr>
         <p:spPr>
           <a:xfrm>
-            <a:off x="2010031" y="1878780"/>
-            <a:ext cx="8484973" cy="3442862"/>
+            <a:off x="2484164" y="1709446"/>
+            <a:ext cx="7404903" cy="3802353"/>
           </a:xfrm>
         </p:spPr>
         <p:txBody>
@@ -16864,96 +18599,278 @@
           </a:bodyPr>
           <a:lstStyle/>
           <a:p>
-            <a:pPr>
+            <a:pPr marL="514350" indent="-514350">
               <a:lnSpc>
                 <a:spcPct val="125000"/>
               </a:lnSpc>
+              <a:buFont typeface="+mj-lt"/>
+              <a:buAutoNum type="arabicPeriod"/>
             </a:pPr>
             <a:r>
-              <a:rPr lang="en-US" sz="2400" dirty="0">
-                <a:latin typeface="Arial" panose="020B0604020202020204" pitchFamily="34" charset="0"/>
-                <a:cs typeface="Arial" panose="020B0604020202020204" pitchFamily="34" charset="0"/>
-              </a:rPr>
-              <a:t>PGFKM </a:t>
-            </a:r>
-            <a:r>
-              <a:rPr lang="en-US" sz="2400" dirty="0" smtClean="0">
-                <a:latin typeface="Arial" panose="020B0604020202020204" pitchFamily="34" charset="0"/>
-                <a:cs typeface="Arial" panose="020B0604020202020204" pitchFamily="34" charset="0"/>
-              </a:rPr>
-              <a:t>Model</a:t>
-            </a:r>
-            <a:endParaRPr lang="en-US" sz="2400" dirty="0">
+              <a:rPr lang="en-US" sz="2600" dirty="0">
+                <a:solidFill>
+                  <a:schemeClr val="tx1">
+                    <a:lumMod val="85000"/>
+                    <a:lumOff val="15000"/>
+                  </a:schemeClr>
+                </a:solidFill>
+                <a:latin typeface="Arial" panose="020B0604020202020204" pitchFamily="34" charset="0"/>
+                <a:cs typeface="Arial" panose="020B0604020202020204" pitchFamily="34" charset="0"/>
+              </a:rPr>
+              <a:t>Introduction</a:t>
+            </a:r>
+          </a:p>
+          <a:p>
+            <a:pPr marL="514350" indent="-514350">
+              <a:lnSpc>
+                <a:spcPct val="125000"/>
+              </a:lnSpc>
+              <a:buFont typeface="+mj-lt"/>
+              <a:buAutoNum type="arabicPeriod"/>
+            </a:pPr>
+            <a:r>
+              <a:rPr lang="en-US" sz="2600" dirty="0">
+                <a:solidFill>
+                  <a:schemeClr val="tx1">
+                    <a:lumMod val="85000"/>
+                    <a:lumOff val="15000"/>
+                  </a:schemeClr>
+                </a:solidFill>
+                <a:latin typeface="Arial" panose="020B0604020202020204" pitchFamily="34" charset="0"/>
+                <a:cs typeface="Arial" panose="020B0604020202020204" pitchFamily="34" charset="0"/>
+              </a:rPr>
+              <a:t>PGFKM model</a:t>
+            </a:r>
+            <a:endParaRPr lang="en-US" sz="2600" dirty="0">
+              <a:solidFill>
+                <a:schemeClr val="tx1">
+                  <a:lumMod val="85000"/>
+                  <a:lumOff val="15000"/>
+                </a:schemeClr>
+              </a:solidFill>
               <a:latin typeface="Arial" panose="020B0604020202020204" pitchFamily="34" charset="0"/>
               <a:cs typeface="Arial" panose="020B0604020202020204" pitchFamily="34" charset="0"/>
             </a:endParaRPr>
           </a:p>
           <a:p>
-            <a:pPr>
+            <a:pPr marL="514350" indent="-514350">
               <a:lnSpc>
                 <a:spcPct val="125000"/>
               </a:lnSpc>
+              <a:buFont typeface="+mj-lt"/>
+              <a:buAutoNum type="arabicPeriod"/>
             </a:pPr>
             <a:r>
-              <a:rPr lang="en-US" sz="2400" dirty="0">
-                <a:latin typeface="Arial" panose="020B0604020202020204" pitchFamily="34" charset="0"/>
-                <a:cs typeface="Arial" panose="020B0604020202020204" pitchFamily="34" charset="0"/>
-              </a:rPr>
-              <a:t>Updating Membership Step</a:t>
-            </a:r>
-          </a:p>
-          <a:p>
-            <a:pPr>
+              <a:rPr lang="en-US" sz="2600" dirty="0">
+                <a:solidFill>
+                  <a:schemeClr val="tx1">
+                    <a:lumMod val="85000"/>
+                    <a:lumOff val="15000"/>
+                  </a:schemeClr>
+                </a:solidFill>
+                <a:latin typeface="Arial" panose="020B0604020202020204" pitchFamily="34" charset="0"/>
+                <a:cs typeface="Arial" panose="020B0604020202020204" pitchFamily="34" charset="0"/>
+              </a:rPr>
+              <a:t>Updating </a:t>
+            </a:r>
+            <a:r>
+              <a:rPr lang="en-US" sz="2600" dirty="0">
+                <a:solidFill>
+                  <a:schemeClr val="tx1">
+                    <a:lumMod val="85000"/>
+                    <a:lumOff val="15000"/>
+                  </a:schemeClr>
+                </a:solidFill>
+                <a:latin typeface="Arial" panose="020B0604020202020204" pitchFamily="34" charset="0"/>
+                <a:cs typeface="Arial" panose="020B0604020202020204" pitchFamily="34" charset="0"/>
+              </a:rPr>
+              <a:t>membership step</a:t>
+            </a:r>
+            <a:endParaRPr lang="en-US" sz="2600" dirty="0">
+              <a:solidFill>
+                <a:schemeClr val="tx1">
+                  <a:lumMod val="85000"/>
+                  <a:lumOff val="15000"/>
+                </a:schemeClr>
+              </a:solidFill>
+              <a:latin typeface="Arial" panose="020B0604020202020204" pitchFamily="34" charset="0"/>
+              <a:cs typeface="Arial" panose="020B0604020202020204" pitchFamily="34" charset="0"/>
+            </a:endParaRPr>
+          </a:p>
+          <a:p>
+            <a:pPr marL="514350" indent="-514350">
               <a:lnSpc>
                 <a:spcPct val="125000"/>
               </a:lnSpc>
+              <a:buFont typeface="+mj-lt"/>
+              <a:buAutoNum type="arabicPeriod"/>
             </a:pPr>
             <a:r>
-              <a:rPr lang="en-US" sz="2400" dirty="0">
-                <a:latin typeface="Arial" panose="020B0604020202020204" pitchFamily="34" charset="0"/>
-                <a:cs typeface="Arial" panose="020B0604020202020204" pitchFamily="34" charset="0"/>
-              </a:rPr>
-              <a:t>Calculating New Centroids Step</a:t>
-            </a:r>
-          </a:p>
-          <a:p>
-            <a:pPr>
+              <a:rPr lang="en-US" sz="2600" dirty="0">
+                <a:solidFill>
+                  <a:schemeClr val="tx1">
+                    <a:lumMod val="85000"/>
+                    <a:lumOff val="15000"/>
+                  </a:schemeClr>
+                </a:solidFill>
+                <a:latin typeface="Arial" panose="020B0604020202020204" pitchFamily="34" charset="0"/>
+                <a:cs typeface="Arial" panose="020B0604020202020204" pitchFamily="34" charset="0"/>
+              </a:rPr>
+              <a:t>Calculating </a:t>
+            </a:r>
+            <a:r>
+              <a:rPr lang="en-US" sz="2600" dirty="0">
+                <a:solidFill>
+                  <a:schemeClr val="tx1">
+                    <a:lumMod val="85000"/>
+                    <a:lumOff val="15000"/>
+                  </a:schemeClr>
+                </a:solidFill>
+                <a:latin typeface="Arial" panose="020B0604020202020204" pitchFamily="34" charset="0"/>
+                <a:cs typeface="Arial" panose="020B0604020202020204" pitchFamily="34" charset="0"/>
+              </a:rPr>
+              <a:t>new </a:t>
+            </a:r>
+            <a:r>
+              <a:rPr lang="en-US" sz="2600" dirty="0">
+                <a:solidFill>
+                  <a:schemeClr val="tx1">
+                    <a:lumMod val="85000"/>
+                    <a:lumOff val="15000"/>
+                  </a:schemeClr>
+                </a:solidFill>
+                <a:latin typeface="Arial" panose="020B0604020202020204" pitchFamily="34" charset="0"/>
+                <a:cs typeface="Arial" panose="020B0604020202020204" pitchFamily="34" charset="0"/>
+              </a:rPr>
+              <a:t>c</a:t>
+            </a:r>
+            <a:r>
+              <a:rPr lang="en-US" sz="2600" dirty="0">
+                <a:solidFill>
+                  <a:schemeClr val="tx1">
+                    <a:lumMod val="85000"/>
+                    <a:lumOff val="15000"/>
+                  </a:schemeClr>
+                </a:solidFill>
+                <a:latin typeface="Arial" panose="020B0604020202020204" pitchFamily="34" charset="0"/>
+                <a:cs typeface="Arial" panose="020B0604020202020204" pitchFamily="34" charset="0"/>
+              </a:rPr>
+              <a:t>entroids </a:t>
+            </a:r>
+            <a:r>
+              <a:rPr lang="en-US" sz="2600" dirty="0">
+                <a:solidFill>
+                  <a:schemeClr val="tx1">
+                    <a:lumMod val="85000"/>
+                    <a:lumOff val="15000"/>
+                  </a:schemeClr>
+                </a:solidFill>
+                <a:latin typeface="Arial" panose="020B0604020202020204" pitchFamily="34" charset="0"/>
+                <a:cs typeface="Arial" panose="020B0604020202020204" pitchFamily="34" charset="0"/>
+              </a:rPr>
+              <a:t>s</a:t>
+            </a:r>
+            <a:r>
+              <a:rPr lang="en-US" sz="2600" dirty="0">
+                <a:solidFill>
+                  <a:schemeClr val="tx1">
+                    <a:lumMod val="85000"/>
+                    <a:lumOff val="15000"/>
+                  </a:schemeClr>
+                </a:solidFill>
+                <a:latin typeface="Arial" panose="020B0604020202020204" pitchFamily="34" charset="0"/>
+                <a:cs typeface="Arial" panose="020B0604020202020204" pitchFamily="34" charset="0"/>
+              </a:rPr>
+              <a:t>tep</a:t>
+            </a:r>
+            <a:endParaRPr lang="en-US" sz="2600" dirty="0">
+              <a:solidFill>
+                <a:schemeClr val="tx1">
+                  <a:lumMod val="85000"/>
+                  <a:lumOff val="15000"/>
+                </a:schemeClr>
+              </a:solidFill>
+              <a:latin typeface="Arial" panose="020B0604020202020204" pitchFamily="34" charset="0"/>
+              <a:cs typeface="Arial" panose="020B0604020202020204" pitchFamily="34" charset="0"/>
+            </a:endParaRPr>
+          </a:p>
+          <a:p>
+            <a:pPr marL="514350" indent="-514350">
               <a:lnSpc>
                 <a:spcPct val="125000"/>
               </a:lnSpc>
+              <a:buFont typeface="+mj-lt"/>
+              <a:buAutoNum type="arabicPeriod"/>
             </a:pPr>
             <a:r>
-              <a:rPr lang="en-US" sz="2400" dirty="0">
+              <a:rPr lang="en-US" sz="2600" dirty="0">
                 <a:solidFill>
                   <a:srgbClr val="FF0000"/>
                 </a:solidFill>
                 <a:latin typeface="Arial" panose="020B0604020202020204" pitchFamily="34" charset="0"/>
                 <a:cs typeface="Arial" panose="020B0604020202020204" pitchFamily="34" charset="0"/>
               </a:rPr>
-              <a:t>Checking Convergence Step</a:t>
-            </a:r>
-          </a:p>
-          <a:p>
-            <a:pPr>
+              <a:t>Checking </a:t>
+            </a:r>
+            <a:r>
+              <a:rPr lang="en-US" sz="2600" dirty="0" smtClean="0">
+                <a:solidFill>
+                  <a:srgbClr val="FF0000"/>
+                </a:solidFill>
+                <a:latin typeface="Arial" panose="020B0604020202020204" pitchFamily="34" charset="0"/>
+                <a:cs typeface="Arial" panose="020B0604020202020204" pitchFamily="34" charset="0"/>
+              </a:rPr>
+              <a:t>convergence step</a:t>
+            </a:r>
+            <a:endParaRPr lang="en-US" sz="2600" dirty="0">
+              <a:solidFill>
+                <a:srgbClr val="FF0000"/>
+              </a:solidFill>
+              <a:latin typeface="Arial" panose="020B0604020202020204" pitchFamily="34" charset="0"/>
+              <a:cs typeface="Arial" panose="020B0604020202020204" pitchFamily="34" charset="0"/>
+            </a:endParaRPr>
+          </a:p>
+          <a:p>
+            <a:pPr marL="514350" indent="-514350">
               <a:lnSpc>
                 <a:spcPct val="125000"/>
               </a:lnSpc>
+              <a:buFont typeface="+mj-lt"/>
+              <a:buAutoNum type="arabicPeriod"/>
             </a:pPr>
             <a:r>
-              <a:rPr lang="en-US" sz="2400" dirty="0">
+              <a:rPr lang="en-US" sz="2600" dirty="0">
+                <a:solidFill>
+                  <a:schemeClr val="tx1">
+                    <a:lumMod val="85000"/>
+                    <a:lumOff val="15000"/>
+                  </a:schemeClr>
+                </a:solidFill>
                 <a:latin typeface="Arial" panose="020B0604020202020204" pitchFamily="34" charset="0"/>
                 <a:cs typeface="Arial" panose="020B0604020202020204" pitchFamily="34" charset="0"/>
               </a:rPr>
               <a:t>Experimental </a:t>
             </a:r>
             <a:r>
-              <a:rPr lang="en-US" sz="2400" dirty="0" smtClean="0">
-                <a:latin typeface="Arial" panose="020B0604020202020204" pitchFamily="34" charset="0"/>
-                <a:cs typeface="Arial" panose="020B0604020202020204" pitchFamily="34" charset="0"/>
-              </a:rPr>
-              <a:t>Results</a:t>
-            </a:r>
-            <a:endParaRPr lang="en-US" sz="2400" dirty="0">
+              <a:rPr lang="en-US" sz="2600" dirty="0" smtClean="0">
+                <a:solidFill>
+                  <a:schemeClr val="tx1">
+                    <a:lumMod val="85000"/>
+                    <a:lumOff val="15000"/>
+                  </a:schemeClr>
+                </a:solidFill>
+                <a:latin typeface="Arial" panose="020B0604020202020204" pitchFamily="34" charset="0"/>
+                <a:cs typeface="Arial" panose="020B0604020202020204" pitchFamily="34" charset="0"/>
+              </a:rPr>
+              <a:t>results</a:t>
+            </a:r>
+            <a:endParaRPr lang="en-US" sz="2600" dirty="0">
+              <a:solidFill>
+                <a:schemeClr val="tx1">
+                  <a:lumMod val="85000"/>
+                  <a:lumOff val="15000"/>
+                </a:schemeClr>
+              </a:solidFill>
               <a:latin typeface="Arial" panose="020B0604020202020204" pitchFamily="34" charset="0"/>
               <a:cs typeface="Arial" panose="020B0604020202020204" pitchFamily="34" charset="0"/>
             </a:endParaRPr>
@@ -16963,7 +18880,7 @@
     </p:spTree>
     <p:extLst>
       <p:ext uri="{BB962C8B-B14F-4D97-AF65-F5344CB8AC3E}">
-        <p14:creationId xmlns:p14="http://schemas.microsoft.com/office/powerpoint/2010/main" val="1141715702"/>
+        <p14:creationId xmlns:p14="http://schemas.microsoft.com/office/powerpoint/2010/main" val="28398441"/>
       </p:ext>
     </p:extLst>
   </p:cSld>
@@ -17026,6 +18943,12 @@
             </a:pPr>
             <a:r>
               <a:rPr lang="en-US" sz="2400" dirty="0" smtClean="0">
+                <a:solidFill>
+                  <a:schemeClr val="tx1">
+                    <a:lumMod val="85000"/>
+                    <a:lumOff val="15000"/>
+                  </a:schemeClr>
+                </a:solidFill>
                 <a:latin typeface="Arial" panose="020B0604020202020204" pitchFamily="34" charset="0"/>
                 <a:cs typeface="Arial" panose="020B0604020202020204" pitchFamily="34" charset="0"/>
               </a:rPr>
@@ -17033,6 +18956,12 @@
             </a:r>
             <a:r>
               <a:rPr lang="en-US" sz="2400" dirty="0">
+                <a:solidFill>
+                  <a:schemeClr val="tx1">
+                    <a:lumMod val="85000"/>
+                    <a:lumOff val="15000"/>
+                  </a:schemeClr>
+                </a:solidFill>
                 <a:latin typeface="Arial" panose="020B0604020202020204" pitchFamily="34" charset="0"/>
                 <a:cs typeface="Arial" panose="020B0604020202020204" pitchFamily="34" charset="0"/>
               </a:rPr>
@@ -17060,6 +18989,12 @@
             </a:r>
             <a:r>
               <a:rPr lang="en-US" sz="2400" dirty="0">
+                <a:solidFill>
+                  <a:schemeClr val="tx1">
+                    <a:lumMod val="85000"/>
+                    <a:lumOff val="15000"/>
+                  </a:schemeClr>
+                </a:solidFill>
                 <a:latin typeface="Arial" panose="020B0604020202020204" pitchFamily="34" charset="0"/>
                 <a:cs typeface="Arial" panose="020B0604020202020204" pitchFamily="34" charset="0"/>
               </a:rPr>
@@ -17067,6 +19002,12 @@
             </a:r>
             <a:r>
               <a:rPr lang="en-US" sz="2400" dirty="0" smtClean="0">
+                <a:solidFill>
+                  <a:schemeClr val="tx1">
+                    <a:lumMod val="85000"/>
+                    <a:lumOff val="15000"/>
+                  </a:schemeClr>
+                </a:solidFill>
                 <a:latin typeface="Arial" panose="020B0604020202020204" pitchFamily="34" charset="0"/>
                 <a:cs typeface="Arial" panose="020B0604020202020204" pitchFamily="34" charset="0"/>
               </a:rPr>
@@ -17075,7 +19016,7 @@
             <a:r>
               <a:rPr lang="en-US" sz="2400" dirty="0" smtClean="0">
                 <a:solidFill>
-                  <a:srgbClr val="00B0F0"/>
+                  <a:srgbClr val="00B050"/>
                 </a:solidFill>
                 <a:latin typeface="Arial" panose="020B0604020202020204" pitchFamily="34" charset="0"/>
                 <a:cs typeface="Arial" panose="020B0604020202020204" pitchFamily="34" charset="0"/>
@@ -17085,7 +19026,7 @@
             <a:r>
               <a:rPr lang="en-US" sz="2400" dirty="0">
                 <a:solidFill>
-                  <a:srgbClr val="00B0F0"/>
+                  <a:srgbClr val="00B050"/>
                 </a:solidFill>
                 <a:latin typeface="Arial" panose="020B0604020202020204" pitchFamily="34" charset="0"/>
                 <a:cs typeface="Arial" panose="020B0604020202020204" pitchFamily="34" charset="0"/>
@@ -17095,7 +19036,7 @@
             <a:r>
               <a:rPr lang="en-US" sz="2400" dirty="0" smtClean="0">
                 <a:solidFill>
-                  <a:srgbClr val="00B0F0"/>
+                  <a:srgbClr val="00B050"/>
                 </a:solidFill>
                 <a:latin typeface="Arial" panose="020B0604020202020204" pitchFamily="34" charset="0"/>
                 <a:cs typeface="Arial" panose="020B0604020202020204" pitchFamily="34" charset="0"/>
@@ -17122,6 +19063,12 @@
             </a:pPr>
             <a:r>
               <a:rPr lang="en-US" sz="2400" dirty="0" smtClean="0">
+                <a:solidFill>
+                  <a:schemeClr val="tx1">
+                    <a:lumMod val="85000"/>
+                    <a:lumOff val="15000"/>
+                  </a:schemeClr>
+                </a:solidFill>
                 <a:latin typeface="Arial" panose="020B0604020202020204" pitchFamily="34" charset="0"/>
                 <a:cs typeface="Arial" panose="020B0604020202020204" pitchFamily="34" charset="0"/>
               </a:rPr>
@@ -17129,13 +19076,16 @@
             </a:r>
           </a:p>
           <a:p>
-            <a:pPr marL="914400" lvl="1" algn="just">
+            <a:pPr marL="1033463" lvl="1" indent="-404813" algn="just">
               <a:lnSpc>
                 <a:spcPct val="135000"/>
               </a:lnSpc>
             </a:pPr>
             <a:r>
               <a:rPr lang="en-US" sz="2400" dirty="0" smtClean="0">
+                <a:solidFill>
+                  <a:srgbClr val="00B050"/>
+                </a:solidFill>
                 <a:latin typeface="Arial" panose="020B0604020202020204" pitchFamily="34" charset="0"/>
                 <a:cs typeface="Arial" panose="020B0604020202020204" pitchFamily="34" charset="0"/>
               </a:rPr>
@@ -17143,31 +19093,85 @@
             </a:r>
             <a:r>
               <a:rPr lang="en-US" sz="2400" dirty="0">
-                <a:latin typeface="Arial" panose="020B0604020202020204" pitchFamily="34" charset="0"/>
-                <a:cs typeface="Arial" panose="020B0604020202020204" pitchFamily="34" charset="0"/>
-              </a:rPr>
-              <a:t>thread executes one dimensional of </a:t>
+                <a:solidFill>
+                  <a:srgbClr val="00B050"/>
+                </a:solidFill>
+                <a:latin typeface="Arial" panose="020B0604020202020204" pitchFamily="34" charset="0"/>
+                <a:cs typeface="Arial" panose="020B0604020202020204" pitchFamily="34" charset="0"/>
+              </a:rPr>
+              <a:t>thread </a:t>
+            </a:r>
+            <a:r>
+              <a:rPr lang="en-US" sz="2400" dirty="0">
+                <a:solidFill>
+                  <a:schemeClr val="tx1">
+                    <a:lumMod val="85000"/>
+                    <a:lumOff val="15000"/>
+                  </a:schemeClr>
+                </a:solidFill>
+                <a:latin typeface="Arial" panose="020B0604020202020204" pitchFamily="34" charset="0"/>
+                <a:cs typeface="Arial" panose="020B0604020202020204" pitchFamily="34" charset="0"/>
+              </a:rPr>
+              <a:t>executes </a:t>
+            </a:r>
+            <a:r>
+              <a:rPr lang="en-US" sz="2400" dirty="0">
+                <a:solidFill>
+                  <a:srgbClr val="00B050"/>
+                </a:solidFill>
+                <a:latin typeface="Arial" panose="020B0604020202020204" pitchFamily="34" charset="0"/>
+                <a:cs typeface="Arial" panose="020B0604020202020204" pitchFamily="34" charset="0"/>
+              </a:rPr>
+              <a:t>one dimensional </a:t>
+            </a:r>
+            <a:r>
+              <a:rPr lang="en-US" sz="2400" dirty="0">
+                <a:solidFill>
+                  <a:schemeClr val="tx1">
+                    <a:lumMod val="85000"/>
+                    <a:lumOff val="15000"/>
+                  </a:schemeClr>
+                </a:solidFill>
+                <a:latin typeface="Arial" panose="020B0604020202020204" pitchFamily="34" charset="0"/>
+                <a:cs typeface="Arial" panose="020B0604020202020204" pitchFamily="34" charset="0"/>
+              </a:rPr>
+              <a:t>of </a:t>
             </a:r>
             <a:r>
               <a:rPr lang="en-US" sz="2400" dirty="0" smtClean="0">
+                <a:solidFill>
+                  <a:schemeClr val="tx1">
+                    <a:lumMod val="85000"/>
+                    <a:lumOff val="15000"/>
+                  </a:schemeClr>
+                </a:solidFill>
                 <a:latin typeface="Arial" panose="020B0604020202020204" pitchFamily="34" charset="0"/>
                 <a:cs typeface="Arial" panose="020B0604020202020204" pitchFamily="34" charset="0"/>
               </a:rPr>
               <a:t>centroid,</a:t>
             </a:r>
             <a:endParaRPr lang="en-US" sz="2400" dirty="0" smtClean="0">
+              <a:solidFill>
+                <a:schemeClr val="tx1">
+                  <a:lumMod val="85000"/>
+                  <a:lumOff val="15000"/>
+                </a:schemeClr>
+              </a:solidFill>
               <a:latin typeface="Arial" panose="020B0604020202020204" pitchFamily="34" charset="0"/>
               <a:cs typeface="Arial" panose="020B0604020202020204" pitchFamily="34" charset="0"/>
             </a:endParaRPr>
           </a:p>
           <a:p>
-            <a:pPr marL="914400" lvl="1" algn="just">
+            <a:pPr marL="1033463" lvl="1" indent="-404813" algn="just">
               <a:lnSpc>
                 <a:spcPct val="135000"/>
               </a:lnSpc>
             </a:pPr>
             <a:r>
               <a:rPr lang="en-US" sz="2400" dirty="0" smtClean="0">
+                <a:solidFill>
+                  <a:srgbClr val="00B050"/>
+                </a:solidFill>
                 <a:latin typeface="Arial" panose="020B0604020202020204" pitchFamily="34" charset="0"/>
                 <a:cs typeface="Arial" panose="020B0604020202020204" pitchFamily="34" charset="0"/>
               </a:rPr>
@@ -17175,17 +19179,59 @@
             </a:r>
             <a:r>
               <a:rPr lang="en-US" sz="2400" dirty="0">
-                <a:latin typeface="Arial" panose="020B0604020202020204" pitchFamily="34" charset="0"/>
-                <a:cs typeface="Arial" panose="020B0604020202020204" pitchFamily="34" charset="0"/>
-              </a:rPr>
-              <a:t>thread block executes for one </a:t>
+                <a:solidFill>
+                  <a:srgbClr val="00B050"/>
+                </a:solidFill>
+                <a:latin typeface="Arial" panose="020B0604020202020204" pitchFamily="34" charset="0"/>
+                <a:cs typeface="Arial" panose="020B0604020202020204" pitchFamily="34" charset="0"/>
+              </a:rPr>
+              <a:t>thread block </a:t>
+            </a:r>
+            <a:r>
+              <a:rPr lang="en-US" sz="2400" dirty="0">
+                <a:solidFill>
+                  <a:schemeClr val="tx1">
+                    <a:lumMod val="85000"/>
+                    <a:lumOff val="15000"/>
+                  </a:schemeClr>
+                </a:solidFill>
+                <a:latin typeface="Arial" panose="020B0604020202020204" pitchFamily="34" charset="0"/>
+                <a:cs typeface="Arial" panose="020B0604020202020204" pitchFamily="34" charset="0"/>
+              </a:rPr>
+              <a:t>executes for </a:t>
+            </a:r>
+            <a:r>
+              <a:rPr lang="en-US" sz="2400" dirty="0">
+                <a:solidFill>
+                  <a:srgbClr val="00B050"/>
+                </a:solidFill>
+                <a:latin typeface="Arial" panose="020B0604020202020204" pitchFamily="34" charset="0"/>
+                <a:cs typeface="Arial" panose="020B0604020202020204" pitchFamily="34" charset="0"/>
+              </a:rPr>
+              <a:t>one </a:t>
             </a:r>
             <a:r>
               <a:rPr lang="en-US" sz="2400" dirty="0" smtClean="0">
-                <a:latin typeface="Arial" panose="020B0604020202020204" pitchFamily="34" charset="0"/>
-                <a:cs typeface="Arial" panose="020B0604020202020204" pitchFamily="34" charset="0"/>
-              </a:rPr>
-              <a:t>centroid.</a:t>
+                <a:solidFill>
+                  <a:srgbClr val="00B050"/>
+                </a:solidFill>
+                <a:latin typeface="Arial" panose="020B0604020202020204" pitchFamily="34" charset="0"/>
+                <a:cs typeface="Arial" panose="020B0604020202020204" pitchFamily="34" charset="0"/>
+              </a:rPr>
+              <a:t>centroid</a:t>
+            </a:r>
+            <a:r>
+              <a:rPr lang="en-US" sz="2400" dirty="0" smtClean="0">
+                <a:solidFill>
+                  <a:schemeClr val="tx1">
+                    <a:lumMod val="85000"/>
+                    <a:lumOff val="15000"/>
+                  </a:schemeClr>
+                </a:solidFill>
+                <a:latin typeface="Arial" panose="020B0604020202020204" pitchFamily="34" charset="0"/>
+                <a:cs typeface="Arial" panose="020B0604020202020204" pitchFamily="34" charset="0"/>
+              </a:rPr>
+              <a:t>.</a:t>
             </a:r>
           </a:p>
           <a:p>
@@ -17299,11 +19345,11 @@
           <a:p>
             <a:pPr algn="ctr"/>
             <a:r>
-              <a:rPr lang="en-GB" sz="3000" b="1" cap="all" dirty="0" smtClean="0">
-                <a:latin typeface="Arial" panose="020B0604020202020204" pitchFamily="34" charset="0"/>
-                <a:cs typeface="Arial" panose="020B0604020202020204" pitchFamily="34" charset="0"/>
-              </a:rPr>
-              <a:t>OUTLINE</a:t>
+              <a:rPr lang="en-GB" sz="3000" b="1" cap="all" dirty="0" err="1" smtClean="0">
+                <a:latin typeface="Arial" panose="020B0604020202020204" pitchFamily="34" charset="0"/>
+                <a:cs typeface="Arial" panose="020B0604020202020204" pitchFamily="34" charset="0"/>
+              </a:rPr>
+              <a:t>OUTlINE</a:t>
             </a:r>
             <a:endParaRPr lang="en-GB" sz="3000" cap="all" dirty="0">
               <a:latin typeface="Arial" panose="020B0604020202020204" pitchFamily="34" charset="0"/>
@@ -17324,8 +19370,8 @@
         </p:nvSpPr>
         <p:spPr>
           <a:xfrm>
-            <a:off x="2010031" y="1878780"/>
-            <a:ext cx="8484973" cy="3442862"/>
+            <a:off x="2484164" y="1709446"/>
+            <a:ext cx="7404903" cy="3802353"/>
           </a:xfrm>
         </p:spPr>
         <p:txBody>
@@ -17334,95 +19380,288 @@
           </a:bodyPr>
           <a:lstStyle/>
           <a:p>
-            <a:pPr>
+            <a:pPr marL="514350" indent="-514350">
               <a:lnSpc>
                 <a:spcPct val="125000"/>
               </a:lnSpc>
+              <a:buFont typeface="+mj-lt"/>
+              <a:buAutoNum type="arabicPeriod"/>
             </a:pPr>
             <a:r>
-              <a:rPr lang="en-US" sz="2400" dirty="0">
-                <a:latin typeface="Arial" panose="020B0604020202020204" pitchFamily="34" charset="0"/>
-                <a:cs typeface="Arial" panose="020B0604020202020204" pitchFamily="34" charset="0"/>
-              </a:rPr>
-              <a:t>PGFKM </a:t>
-            </a:r>
-            <a:r>
-              <a:rPr lang="en-US" sz="2400" dirty="0" smtClean="0">
-                <a:latin typeface="Arial" panose="020B0604020202020204" pitchFamily="34" charset="0"/>
-                <a:cs typeface="Arial" panose="020B0604020202020204" pitchFamily="34" charset="0"/>
-              </a:rPr>
-              <a:t>Model</a:t>
-            </a:r>
-            <a:endParaRPr lang="en-US" sz="2400" dirty="0">
+              <a:rPr lang="en-US" sz="2600" dirty="0">
+                <a:solidFill>
+                  <a:schemeClr val="tx1">
+                    <a:lumMod val="85000"/>
+                    <a:lumOff val="15000"/>
+                  </a:schemeClr>
+                </a:solidFill>
+                <a:latin typeface="Arial" panose="020B0604020202020204" pitchFamily="34" charset="0"/>
+                <a:cs typeface="Arial" panose="020B0604020202020204" pitchFamily="34" charset="0"/>
+              </a:rPr>
+              <a:t>Introduction</a:t>
+            </a:r>
+          </a:p>
+          <a:p>
+            <a:pPr marL="514350" indent="-514350">
+              <a:lnSpc>
+                <a:spcPct val="125000"/>
+              </a:lnSpc>
+              <a:buFont typeface="+mj-lt"/>
+              <a:buAutoNum type="arabicPeriod"/>
+            </a:pPr>
+            <a:r>
+              <a:rPr lang="en-US" sz="2600" dirty="0">
+                <a:solidFill>
+                  <a:schemeClr val="tx1">
+                    <a:lumMod val="85000"/>
+                    <a:lumOff val="15000"/>
+                  </a:schemeClr>
+                </a:solidFill>
+                <a:latin typeface="Arial" panose="020B0604020202020204" pitchFamily="34" charset="0"/>
+                <a:cs typeface="Arial" panose="020B0604020202020204" pitchFamily="34" charset="0"/>
+              </a:rPr>
+              <a:t>PGFKM model</a:t>
+            </a:r>
+            <a:endParaRPr lang="en-US" sz="2600" dirty="0">
+              <a:solidFill>
+                <a:schemeClr val="tx1">
+                  <a:lumMod val="85000"/>
+                  <a:lumOff val="15000"/>
+                </a:schemeClr>
+              </a:solidFill>
               <a:latin typeface="Arial" panose="020B0604020202020204" pitchFamily="34" charset="0"/>
               <a:cs typeface="Arial" panose="020B0604020202020204" pitchFamily="34" charset="0"/>
             </a:endParaRPr>
           </a:p>
           <a:p>
-            <a:pPr>
+            <a:pPr marL="514350" indent="-514350">
               <a:lnSpc>
                 <a:spcPct val="125000"/>
               </a:lnSpc>
+              <a:buFont typeface="+mj-lt"/>
+              <a:buAutoNum type="arabicPeriod"/>
             </a:pPr>
             <a:r>
-              <a:rPr lang="en-US" sz="2400" dirty="0">
-                <a:latin typeface="Arial" panose="020B0604020202020204" pitchFamily="34" charset="0"/>
-                <a:cs typeface="Arial" panose="020B0604020202020204" pitchFamily="34" charset="0"/>
-              </a:rPr>
-              <a:t>Updating Membership Step</a:t>
-            </a:r>
-          </a:p>
-          <a:p>
-            <a:pPr>
+              <a:rPr lang="en-US" sz="2600" dirty="0">
+                <a:solidFill>
+                  <a:schemeClr val="tx1">
+                    <a:lumMod val="85000"/>
+                    <a:lumOff val="15000"/>
+                  </a:schemeClr>
+                </a:solidFill>
+                <a:latin typeface="Arial" panose="020B0604020202020204" pitchFamily="34" charset="0"/>
+                <a:cs typeface="Arial" panose="020B0604020202020204" pitchFamily="34" charset="0"/>
+              </a:rPr>
+              <a:t>Updating </a:t>
+            </a:r>
+            <a:r>
+              <a:rPr lang="en-US" sz="2600" dirty="0">
+                <a:solidFill>
+                  <a:schemeClr val="tx1">
+                    <a:lumMod val="85000"/>
+                    <a:lumOff val="15000"/>
+                  </a:schemeClr>
+                </a:solidFill>
+                <a:latin typeface="Arial" panose="020B0604020202020204" pitchFamily="34" charset="0"/>
+                <a:cs typeface="Arial" panose="020B0604020202020204" pitchFamily="34" charset="0"/>
+              </a:rPr>
+              <a:t>membership step</a:t>
+            </a:r>
+            <a:endParaRPr lang="en-US" sz="2600" dirty="0">
+              <a:solidFill>
+                <a:schemeClr val="tx1">
+                  <a:lumMod val="85000"/>
+                  <a:lumOff val="15000"/>
+                </a:schemeClr>
+              </a:solidFill>
+              <a:latin typeface="Arial" panose="020B0604020202020204" pitchFamily="34" charset="0"/>
+              <a:cs typeface="Arial" panose="020B0604020202020204" pitchFamily="34" charset="0"/>
+            </a:endParaRPr>
+          </a:p>
+          <a:p>
+            <a:pPr marL="514350" indent="-514350">
               <a:lnSpc>
                 <a:spcPct val="125000"/>
               </a:lnSpc>
+              <a:buFont typeface="+mj-lt"/>
+              <a:buAutoNum type="arabicPeriod"/>
             </a:pPr>
             <a:r>
-              <a:rPr lang="en-US" sz="2400" dirty="0">
-                <a:latin typeface="Arial" panose="020B0604020202020204" pitchFamily="34" charset="0"/>
-                <a:cs typeface="Arial" panose="020B0604020202020204" pitchFamily="34" charset="0"/>
-              </a:rPr>
-              <a:t>Calculating New Centroids Step</a:t>
-            </a:r>
-          </a:p>
-          <a:p>
-            <a:pPr>
+              <a:rPr lang="en-US" sz="2600" dirty="0">
+                <a:solidFill>
+                  <a:schemeClr val="tx1">
+                    <a:lumMod val="85000"/>
+                    <a:lumOff val="15000"/>
+                  </a:schemeClr>
+                </a:solidFill>
+                <a:latin typeface="Arial" panose="020B0604020202020204" pitchFamily="34" charset="0"/>
+                <a:cs typeface="Arial" panose="020B0604020202020204" pitchFamily="34" charset="0"/>
+              </a:rPr>
+              <a:t>Calculating </a:t>
+            </a:r>
+            <a:r>
+              <a:rPr lang="en-US" sz="2600" dirty="0">
+                <a:solidFill>
+                  <a:schemeClr val="tx1">
+                    <a:lumMod val="85000"/>
+                    <a:lumOff val="15000"/>
+                  </a:schemeClr>
+                </a:solidFill>
+                <a:latin typeface="Arial" panose="020B0604020202020204" pitchFamily="34" charset="0"/>
+                <a:cs typeface="Arial" panose="020B0604020202020204" pitchFamily="34" charset="0"/>
+              </a:rPr>
+              <a:t>new </a:t>
+            </a:r>
+            <a:r>
+              <a:rPr lang="en-US" sz="2600" dirty="0">
+                <a:solidFill>
+                  <a:schemeClr val="tx1">
+                    <a:lumMod val="85000"/>
+                    <a:lumOff val="15000"/>
+                  </a:schemeClr>
+                </a:solidFill>
+                <a:latin typeface="Arial" panose="020B0604020202020204" pitchFamily="34" charset="0"/>
+                <a:cs typeface="Arial" panose="020B0604020202020204" pitchFamily="34" charset="0"/>
+              </a:rPr>
+              <a:t>c</a:t>
+            </a:r>
+            <a:r>
+              <a:rPr lang="en-US" sz="2600" dirty="0">
+                <a:solidFill>
+                  <a:schemeClr val="tx1">
+                    <a:lumMod val="85000"/>
+                    <a:lumOff val="15000"/>
+                  </a:schemeClr>
+                </a:solidFill>
+                <a:latin typeface="Arial" panose="020B0604020202020204" pitchFamily="34" charset="0"/>
+                <a:cs typeface="Arial" panose="020B0604020202020204" pitchFamily="34" charset="0"/>
+              </a:rPr>
+              <a:t>entroids </a:t>
+            </a:r>
+            <a:r>
+              <a:rPr lang="en-US" sz="2600" dirty="0">
+                <a:solidFill>
+                  <a:schemeClr val="tx1">
+                    <a:lumMod val="85000"/>
+                    <a:lumOff val="15000"/>
+                  </a:schemeClr>
+                </a:solidFill>
+                <a:latin typeface="Arial" panose="020B0604020202020204" pitchFamily="34" charset="0"/>
+                <a:cs typeface="Arial" panose="020B0604020202020204" pitchFamily="34" charset="0"/>
+              </a:rPr>
+              <a:t>s</a:t>
+            </a:r>
+            <a:r>
+              <a:rPr lang="en-US" sz="2600" dirty="0">
+                <a:solidFill>
+                  <a:schemeClr val="tx1">
+                    <a:lumMod val="85000"/>
+                    <a:lumOff val="15000"/>
+                  </a:schemeClr>
+                </a:solidFill>
+                <a:latin typeface="Arial" panose="020B0604020202020204" pitchFamily="34" charset="0"/>
+                <a:cs typeface="Arial" panose="020B0604020202020204" pitchFamily="34" charset="0"/>
+              </a:rPr>
+              <a:t>tep</a:t>
+            </a:r>
+            <a:endParaRPr lang="en-US" sz="2600" dirty="0">
+              <a:solidFill>
+                <a:schemeClr val="tx1">
+                  <a:lumMod val="85000"/>
+                  <a:lumOff val="15000"/>
+                </a:schemeClr>
+              </a:solidFill>
+              <a:latin typeface="Arial" panose="020B0604020202020204" pitchFamily="34" charset="0"/>
+              <a:cs typeface="Arial" panose="020B0604020202020204" pitchFamily="34" charset="0"/>
+            </a:endParaRPr>
+          </a:p>
+          <a:p>
+            <a:pPr marL="514350" indent="-514350">
               <a:lnSpc>
                 <a:spcPct val="125000"/>
               </a:lnSpc>
+              <a:buFont typeface="+mj-lt"/>
+              <a:buAutoNum type="arabicPeriod"/>
             </a:pPr>
             <a:r>
-              <a:rPr lang="en-US" sz="2400" dirty="0">
-                <a:latin typeface="Arial" panose="020B0604020202020204" pitchFamily="34" charset="0"/>
-                <a:cs typeface="Arial" panose="020B0604020202020204" pitchFamily="34" charset="0"/>
-              </a:rPr>
-              <a:t>Checking Convergence Step</a:t>
-            </a:r>
-          </a:p>
-          <a:p>
-            <a:pPr>
+              <a:rPr lang="en-US" sz="2600" dirty="0">
+                <a:solidFill>
+                  <a:schemeClr val="tx1">
+                    <a:lumMod val="85000"/>
+                    <a:lumOff val="15000"/>
+                  </a:schemeClr>
+                </a:solidFill>
+                <a:latin typeface="Arial" panose="020B0604020202020204" pitchFamily="34" charset="0"/>
+                <a:cs typeface="Arial" panose="020B0604020202020204" pitchFamily="34" charset="0"/>
+              </a:rPr>
+              <a:t>Checking </a:t>
+            </a:r>
+            <a:r>
+              <a:rPr lang="en-US" sz="2600" dirty="0">
+                <a:solidFill>
+                  <a:schemeClr val="tx1">
+                    <a:lumMod val="85000"/>
+                    <a:lumOff val="15000"/>
+                  </a:schemeClr>
+                </a:solidFill>
+                <a:latin typeface="Arial" panose="020B0604020202020204" pitchFamily="34" charset="0"/>
+                <a:cs typeface="Arial" panose="020B0604020202020204" pitchFamily="34" charset="0"/>
+              </a:rPr>
+              <a:t>convergence step</a:t>
+            </a:r>
+            <a:endParaRPr lang="en-US" sz="2600" dirty="0">
+              <a:solidFill>
+                <a:schemeClr val="tx1">
+                  <a:lumMod val="85000"/>
+                  <a:lumOff val="15000"/>
+                </a:schemeClr>
+              </a:solidFill>
+              <a:latin typeface="Arial" panose="020B0604020202020204" pitchFamily="34" charset="0"/>
+              <a:cs typeface="Arial" panose="020B0604020202020204" pitchFamily="34" charset="0"/>
+            </a:endParaRPr>
+          </a:p>
+          <a:p>
+            <a:pPr marL="514350" indent="-514350">
               <a:lnSpc>
                 <a:spcPct val="125000"/>
               </a:lnSpc>
+              <a:buFont typeface="+mj-lt"/>
+              <a:buAutoNum type="arabicPeriod"/>
             </a:pPr>
             <a:r>
-              <a:rPr lang="en-US" sz="2400" dirty="0">
+              <a:rPr lang="en-US" sz="2600" dirty="0">
                 <a:solidFill>
                   <a:srgbClr val="FF0000"/>
                 </a:solidFill>
                 <a:latin typeface="Arial" panose="020B0604020202020204" pitchFamily="34" charset="0"/>
                 <a:cs typeface="Arial" panose="020B0604020202020204" pitchFamily="34" charset="0"/>
               </a:rPr>
-              <a:t>Experimental Results.</a:t>
-            </a:r>
+              <a:t>Experimental </a:t>
+            </a:r>
+            <a:r>
+              <a:rPr lang="en-US" sz="2600" dirty="0" smtClean="0">
+                <a:solidFill>
+                  <a:srgbClr val="FF0000"/>
+                </a:solidFill>
+                <a:latin typeface="Arial" panose="020B0604020202020204" pitchFamily="34" charset="0"/>
+                <a:cs typeface="Arial" panose="020B0604020202020204" pitchFamily="34" charset="0"/>
+              </a:rPr>
+              <a:t>results</a:t>
+            </a:r>
+            <a:endParaRPr lang="en-US" sz="2600" dirty="0">
+              <a:solidFill>
+                <a:srgbClr val="FF0000"/>
+              </a:solidFill>
+              <a:latin typeface="Arial" panose="020B0604020202020204" pitchFamily="34" charset="0"/>
+              <a:cs typeface="Arial" panose="020B0604020202020204" pitchFamily="34" charset="0"/>
+            </a:endParaRPr>
           </a:p>
         </p:txBody>
       </p:sp>
     </p:spTree>
     <p:extLst>
       <p:ext uri="{BB962C8B-B14F-4D97-AF65-F5344CB8AC3E}">
-        <p14:creationId xmlns:p14="http://schemas.microsoft.com/office/powerpoint/2010/main" val="1274010039"/>
+        <p14:creationId xmlns:p14="http://schemas.microsoft.com/office/powerpoint/2010/main" val="3956511230"/>
       </p:ext>
     </p:extLst>
   </p:cSld>
@@ -17515,18 +19754,17 @@
             </a:r>
             <a:r>
               <a:rPr lang="en-US" sz="2400" dirty="0" smtClean="0">
+                <a:solidFill>
+                  <a:schemeClr val="tx1">
+                    <a:lumMod val="85000"/>
+                    <a:lumOff val="15000"/>
+                  </a:schemeClr>
+                </a:solidFill>
                 <a:latin typeface="Arial" panose="020B0604020202020204" pitchFamily="34" charset="0"/>
                 <a:cs typeface="Arial" panose="020B0604020202020204" pitchFamily="34" charset="0"/>
               </a:rPr>
               <a:t>: 64 bit</a:t>
             </a:r>
-            <a:endParaRPr lang="en-US" sz="2400" dirty="0" smtClean="0">
-              <a:solidFill>
-                <a:srgbClr val="00B050"/>
-              </a:solidFill>
-              <a:latin typeface="Arial" panose="020B0604020202020204" pitchFamily="34" charset="0"/>
-              <a:cs typeface="Arial" panose="020B0604020202020204" pitchFamily="34" charset="0"/>
-            </a:endParaRPr>
           </a:p>
           <a:p>
             <a:pPr marL="347663" lvl="1" indent="-347663" algn="just">
@@ -17565,7 +19803,7 @@
             <a:r>
               <a:rPr lang="en-US" sz="2400" dirty="0" smtClean="0">
                 <a:solidFill>
-                  <a:srgbClr val="00B0F0"/>
+                  <a:srgbClr val="FF0000"/>
                 </a:solidFill>
                 <a:latin typeface="Arial" panose="020B0604020202020204" pitchFamily="34" charset="0"/>
                 <a:cs typeface="Arial" panose="020B0604020202020204" pitchFamily="34" charset="0"/>
@@ -17581,6 +19819,12 @@
             </a:r>
             <a:r>
               <a:rPr lang="en-US" sz="2400" dirty="0">
+                <a:solidFill>
+                  <a:schemeClr val="tx1">
+                    <a:lumMod val="85000"/>
+                    <a:lumOff val="15000"/>
+                  </a:schemeClr>
+                </a:solidFill>
                 <a:latin typeface="Arial" panose="020B0604020202020204" pitchFamily="34" charset="0"/>
                 <a:cs typeface="Arial" panose="020B0604020202020204" pitchFamily="34" charset="0"/>
               </a:rPr>
@@ -17588,15 +19832,28 @@
             </a:r>
             <a:r>
               <a:rPr lang="en-US" sz="2400" dirty="0" smtClean="0">
-                <a:latin typeface="Arial" panose="020B0604020202020204" pitchFamily="34" charset="0"/>
-                <a:cs typeface="Arial" panose="020B0604020202020204" pitchFamily="34" charset="0"/>
-              </a:rPr>
-              <a:t>multi-processors </a:t>
+                <a:solidFill>
+                  <a:schemeClr val="tx1">
+                    <a:lumMod val="85000"/>
+                    <a:lumOff val="15000"/>
+                  </a:schemeClr>
+                </a:solidFill>
+                <a:latin typeface="Arial" panose="020B0604020202020204" pitchFamily="34" charset="0"/>
+                <a:cs typeface="Arial" panose="020B0604020202020204" pitchFamily="34" charset="0"/>
+              </a:rPr>
+              <a:t>multi-processors</a:t>
             </a:r>
             <a:r>
               <a:rPr lang="en-US" sz="2400" dirty="0" smtClean="0">
-                <a:solidFill>
-                  <a:srgbClr val="00B0F0"/>
+                <a:latin typeface="Arial" panose="020B0604020202020204" pitchFamily="34" charset="0"/>
+                <a:cs typeface="Arial" panose="020B0604020202020204" pitchFamily="34" charset="0"/>
+              </a:rPr>
+              <a:t> </a:t>
+            </a:r>
+            <a:r>
+              <a:rPr lang="en-US" sz="2400" dirty="0" smtClean="0">
+                <a:solidFill>
+                  <a:srgbClr val="FF0000"/>
                 </a:solidFill>
                 <a:latin typeface="Arial" panose="020B0604020202020204" pitchFamily="34" charset="0"/>
                 <a:cs typeface="Arial" panose="020B0604020202020204" pitchFamily="34" charset="0"/>
@@ -17605,6 +19862,12 @@
             </a:r>
             <a:r>
               <a:rPr lang="en-US" sz="2400" dirty="0" smtClean="0">
+                <a:solidFill>
+                  <a:schemeClr val="tx1">
+                    <a:lumMod val="85000"/>
+                    <a:lumOff val="15000"/>
+                  </a:schemeClr>
+                </a:solidFill>
                 <a:latin typeface="Arial" panose="020B0604020202020204" pitchFamily="34" charset="0"/>
                 <a:cs typeface="Arial" panose="020B0604020202020204" pitchFamily="34" charset="0"/>
               </a:rPr>
@@ -17613,7 +19876,7 @@
             <a:r>
               <a:rPr lang="en-US" sz="2400" dirty="0" smtClean="0">
                 <a:solidFill>
-                  <a:srgbClr val="00B0F0"/>
+                  <a:srgbClr val="FF0000"/>
                 </a:solidFill>
                 <a:latin typeface="Arial" panose="020B0604020202020204" pitchFamily="34" charset="0"/>
                 <a:cs typeface="Arial" panose="020B0604020202020204" pitchFamily="34" charset="0"/>
@@ -17688,7 +19951,7 @@
             <a:r>
               <a:rPr lang="en-US" sz="2400" dirty="0" smtClean="0">
                 <a:solidFill>
-                  <a:srgbClr val="00B0F0"/>
+                  <a:srgbClr val="FF0000"/>
                 </a:solidFill>
                 <a:latin typeface="Arial" panose="020B0604020202020204" pitchFamily="34" charset="0"/>
                 <a:cs typeface="Arial" panose="020B0604020202020204" pitchFamily="34" charset="0"/>
@@ -17700,10 +19963,29 @@
                 <a:latin typeface="Arial" panose="020B0604020202020204" pitchFamily="34" charset="0"/>
                 <a:cs typeface="Arial" panose="020B0604020202020204" pitchFamily="34" charset="0"/>
               </a:rPr>
-              <a:t> cores, </a:t>
+              <a:t> </a:t>
             </a:r>
             <a:r>
               <a:rPr lang="en-US" sz="2400" dirty="0" smtClean="0">
+                <a:solidFill>
+                  <a:schemeClr val="tx1">
+                    <a:lumMod val="85000"/>
+                    <a:lumOff val="15000"/>
+                  </a:schemeClr>
+                </a:solidFill>
+                <a:latin typeface="Arial" panose="020B0604020202020204" pitchFamily="34" charset="0"/>
+                <a:cs typeface="Arial" panose="020B0604020202020204" pitchFamily="34" charset="0"/>
+              </a:rPr>
+              <a:t>cores, </a:t>
+            </a:r>
+            <a:r>
+              <a:rPr lang="en-US" sz="2400" dirty="0" smtClean="0">
+                <a:solidFill>
+                  <a:schemeClr val="tx1">
+                    <a:lumMod val="85000"/>
+                    <a:lumOff val="15000"/>
+                  </a:schemeClr>
+                </a:solidFill>
                 <a:latin typeface="Arial" panose="020B0604020202020204" pitchFamily="34" charset="0"/>
                 <a:cs typeface="Arial" panose="020B0604020202020204" pitchFamily="34" charset="0"/>
               </a:rPr>
@@ -17712,7 +19994,7 @@
             <a:r>
               <a:rPr lang="en-US" sz="2400" dirty="0" smtClean="0">
                 <a:solidFill>
-                  <a:srgbClr val="00B0F0"/>
+                  <a:srgbClr val="FF0000"/>
                 </a:solidFill>
                 <a:latin typeface="Arial" panose="020B0604020202020204" pitchFamily="34" charset="0"/>
                 <a:cs typeface="Arial" panose="020B0604020202020204" pitchFamily="34" charset="0"/>
@@ -17808,7 +20090,7 @@
         </p:nvSpPr>
         <p:spPr>
           <a:xfrm>
-            <a:off x="2010032" y="640585"/>
+            <a:off x="2010030" y="632347"/>
             <a:ext cx="8484973" cy="669231"/>
           </a:xfrm>
         </p:spPr>
@@ -17820,11 +20102,11 @@
           <a:p>
             <a:pPr algn="ctr"/>
             <a:r>
-              <a:rPr lang="en-GB" sz="3000" b="1" cap="all" dirty="0" err="1" smtClean="0">
-                <a:latin typeface="Arial" panose="020B0604020202020204" pitchFamily="34" charset="0"/>
-                <a:cs typeface="Arial" panose="020B0604020202020204" pitchFamily="34" charset="0"/>
-              </a:rPr>
-              <a:t>OUTlINE</a:t>
+              <a:rPr lang="en-GB" sz="3000" b="1" cap="all" dirty="0" smtClean="0">
+                <a:latin typeface="Arial" panose="020B0604020202020204" pitchFamily="34" charset="0"/>
+                <a:cs typeface="Arial" panose="020B0604020202020204" pitchFamily="34" charset="0"/>
+              </a:rPr>
+              <a:t>introduction</a:t>
             </a:r>
             <a:endParaRPr lang="en-GB" sz="3000" cap="all" dirty="0">
               <a:latin typeface="Arial" panose="020B0604020202020204" pitchFamily="34" charset="0"/>
@@ -17845,8 +20127,8 @@
         </p:nvSpPr>
         <p:spPr>
           <a:xfrm>
-            <a:off x="2010031" y="1878780"/>
-            <a:ext cx="8484973" cy="3442862"/>
+            <a:off x="1778478" y="1714481"/>
+            <a:ext cx="9522405" cy="4991576"/>
           </a:xfrm>
         </p:spPr>
         <p:txBody>
@@ -17855,103 +20137,412 @@
           </a:bodyPr>
           <a:lstStyle/>
           <a:p>
-            <a:pPr>
+            <a:pPr algn="just">
               <a:lnSpc>
-                <a:spcPct val="125000"/>
+                <a:spcPct val="135000"/>
               </a:lnSpc>
             </a:pPr>
             <a:r>
-              <a:rPr lang="en-US" sz="2400" dirty="0">
-                <a:latin typeface="Arial" panose="020B0604020202020204" pitchFamily="34" charset="0"/>
-                <a:cs typeface="Arial" panose="020B0604020202020204" pitchFamily="34" charset="0"/>
-              </a:rPr>
-              <a:t>PGFKM </a:t>
-            </a:r>
-            <a:r>
-              <a:rPr lang="en-US" sz="2400" dirty="0" smtClean="0">
-                <a:latin typeface="Arial" panose="020B0604020202020204" pitchFamily="34" charset="0"/>
-                <a:cs typeface="Arial" panose="020B0604020202020204" pitchFamily="34" charset="0"/>
-              </a:rPr>
-              <a:t>Model</a:t>
-            </a:r>
-            <a:endParaRPr lang="en-US" sz="2400" dirty="0">
+              <a:rPr lang="en-GB" sz="2400" dirty="0" smtClean="0">
+                <a:solidFill>
+                  <a:schemeClr val="tx1">
+                    <a:lumMod val="85000"/>
+                    <a:lumOff val="15000"/>
+                  </a:schemeClr>
+                </a:solidFill>
+                <a:latin typeface="Arial" panose="020B0604020202020204" pitchFamily="34" charset="0"/>
+                <a:cs typeface="Arial" panose="020B0604020202020204" pitchFamily="34" charset="0"/>
+              </a:rPr>
+              <a:t>GFKM: </a:t>
+            </a:r>
+            <a:r>
+              <a:rPr lang="en-GB" sz="2400" dirty="0" smtClean="0">
+                <a:solidFill>
+                  <a:schemeClr val="tx1">
+                    <a:lumMod val="85000"/>
+                    <a:lumOff val="15000"/>
+                  </a:schemeClr>
+                </a:solidFill>
+                <a:latin typeface="Arial" panose="020B0604020202020204" pitchFamily="34" charset="0"/>
+                <a:cs typeface="Arial" panose="020B0604020202020204" pitchFamily="34" charset="0"/>
+              </a:rPr>
+              <a:t>less </a:t>
+            </a:r>
+            <a:r>
+              <a:rPr lang="en-GB" sz="2400" dirty="0">
+                <a:solidFill>
+                  <a:schemeClr val="tx1">
+                    <a:lumMod val="85000"/>
+                    <a:lumOff val="15000"/>
+                  </a:schemeClr>
+                </a:solidFill>
+                <a:latin typeface="Arial" panose="020B0604020202020204" pitchFamily="34" charset="0"/>
+                <a:cs typeface="Arial" panose="020B0604020202020204" pitchFamily="34" charset="0"/>
+              </a:rPr>
+              <a:t>computing </a:t>
+            </a:r>
+            <a:r>
+              <a:rPr lang="en-GB" sz="2400" dirty="0" smtClean="0">
+                <a:solidFill>
+                  <a:schemeClr val="tx1">
+                    <a:lumMod val="85000"/>
+                    <a:lumOff val="15000"/>
+                  </a:schemeClr>
+                </a:solidFill>
+                <a:latin typeface="Arial" panose="020B0604020202020204" pitchFamily="34" charset="0"/>
+                <a:cs typeface="Arial" panose="020B0604020202020204" pitchFamily="34" charset="0"/>
+              </a:rPr>
+              <a:t>time, better </a:t>
+            </a:r>
+            <a:r>
+              <a:rPr lang="en-GB" sz="2400" dirty="0">
+                <a:solidFill>
+                  <a:schemeClr val="tx1">
+                    <a:lumMod val="85000"/>
+                    <a:lumOff val="15000"/>
+                  </a:schemeClr>
+                </a:solidFill>
+                <a:latin typeface="Arial" panose="020B0604020202020204" pitchFamily="34" charset="0"/>
+                <a:cs typeface="Arial" panose="020B0604020202020204" pitchFamily="34" charset="0"/>
+              </a:rPr>
+              <a:t>clustering quality than </a:t>
+            </a:r>
+            <a:r>
+              <a:rPr lang="en-GB" sz="2400" dirty="0" smtClean="0">
+                <a:solidFill>
+                  <a:schemeClr val="tx1">
+                    <a:lumMod val="85000"/>
+                    <a:lumOff val="15000"/>
+                  </a:schemeClr>
+                </a:solidFill>
+                <a:latin typeface="Arial" panose="020B0604020202020204" pitchFamily="34" charset="0"/>
+                <a:cs typeface="Arial" panose="020B0604020202020204" pitchFamily="34" charset="0"/>
+              </a:rPr>
+              <a:t>FKM,</a:t>
+            </a:r>
+            <a:endParaRPr lang="en-GB" sz="2400" dirty="0">
+              <a:solidFill>
+                <a:schemeClr val="tx1">
+                  <a:lumMod val="85000"/>
+                  <a:lumOff val="15000"/>
+                </a:schemeClr>
+              </a:solidFill>
               <a:latin typeface="Arial" panose="020B0604020202020204" pitchFamily="34" charset="0"/>
               <a:cs typeface="Arial" panose="020B0604020202020204" pitchFamily="34" charset="0"/>
             </a:endParaRPr>
           </a:p>
           <a:p>
-            <a:pPr>
+            <a:pPr algn="just">
               <a:lnSpc>
-                <a:spcPct val="125000"/>
+                <a:spcPct val="135000"/>
               </a:lnSpc>
             </a:pPr>
             <a:r>
-              <a:rPr lang="en-US" sz="2400" dirty="0">
-                <a:latin typeface="Arial" panose="020B0604020202020204" pitchFamily="34" charset="0"/>
-                <a:cs typeface="Arial" panose="020B0604020202020204" pitchFamily="34" charset="0"/>
-              </a:rPr>
-              <a:t>Updating Membership Step</a:t>
-            </a:r>
-          </a:p>
-          <a:p>
-            <a:pPr>
-              <a:lnSpc>
-                <a:spcPct val="125000"/>
-              </a:lnSpc>
-            </a:pPr>
-            <a:r>
-              <a:rPr lang="en-US" sz="2400" dirty="0">
-                <a:latin typeface="Arial" panose="020B0604020202020204" pitchFamily="34" charset="0"/>
-                <a:cs typeface="Arial" panose="020B0604020202020204" pitchFamily="34" charset="0"/>
-              </a:rPr>
-              <a:t>Calculating New Centroids Step</a:t>
-            </a:r>
-          </a:p>
-          <a:p>
-            <a:pPr>
-              <a:lnSpc>
-                <a:spcPct val="125000"/>
-              </a:lnSpc>
-            </a:pPr>
-            <a:r>
-              <a:rPr lang="en-US" sz="2400" dirty="0">
-                <a:latin typeface="Arial" panose="020B0604020202020204" pitchFamily="34" charset="0"/>
-                <a:cs typeface="Arial" panose="020B0604020202020204" pitchFamily="34" charset="0"/>
-              </a:rPr>
-              <a:t>Checking Convergence Step</a:t>
-            </a:r>
-          </a:p>
-          <a:p>
-            <a:pPr>
-              <a:lnSpc>
-                <a:spcPct val="125000"/>
-              </a:lnSpc>
-            </a:pPr>
-            <a:r>
-              <a:rPr lang="en-US" sz="2400" dirty="0">
-                <a:latin typeface="Arial" panose="020B0604020202020204" pitchFamily="34" charset="0"/>
-                <a:cs typeface="Arial" panose="020B0604020202020204" pitchFamily="34" charset="0"/>
-              </a:rPr>
-              <a:t>Experimental </a:t>
+              <a:rPr lang="en-GB" sz="2400" dirty="0" smtClean="0">
+                <a:solidFill>
+                  <a:schemeClr val="tx1">
+                    <a:lumMod val="85000"/>
+                    <a:lumOff val="15000"/>
+                  </a:schemeClr>
+                </a:solidFill>
+                <a:latin typeface="Arial" panose="020B0604020202020204" pitchFamily="34" charset="0"/>
+                <a:cs typeface="Arial" panose="020B0604020202020204" pitchFamily="34" charset="0"/>
+              </a:rPr>
+              <a:t>Size, dimensionality grow </a:t>
+            </a:r>
+            <a:r>
+              <a:rPr lang="en-US" sz="2400" b="1" dirty="0" smtClean="0">
+                <a:solidFill>
+                  <a:schemeClr val="tx1">
+                    <a:lumMod val="85000"/>
+                    <a:lumOff val="15000"/>
+                  </a:schemeClr>
+                </a:solidFill>
+                <a:latin typeface="Arial" panose="020B0604020202020204" pitchFamily="34" charset="0"/>
+                <a:cs typeface="Arial" panose="020B0604020202020204" pitchFamily="34" charset="0"/>
+              </a:rPr>
+              <a:t>→ </a:t>
             </a:r>
             <a:r>
               <a:rPr lang="en-US" sz="2400" dirty="0" smtClean="0">
-                <a:latin typeface="Arial" panose="020B0604020202020204" pitchFamily="34" charset="0"/>
-                <a:cs typeface="Arial" panose="020B0604020202020204" pitchFamily="34" charset="0"/>
-              </a:rPr>
-              <a:t>Results</a:t>
-            </a:r>
-            <a:endParaRPr lang="en-US" sz="2400" dirty="0">
+                <a:solidFill>
+                  <a:schemeClr val="tx1">
+                    <a:lumMod val="85000"/>
+                    <a:lumOff val="15000"/>
+                  </a:schemeClr>
+                </a:solidFill>
+                <a:latin typeface="Arial" panose="020B0604020202020204" pitchFamily="34" charset="0"/>
+                <a:cs typeface="Arial" panose="020B0604020202020204" pitchFamily="34" charset="0"/>
+              </a:rPr>
+              <a:t>GFKM’s running time grows,</a:t>
+            </a:r>
+            <a:endParaRPr lang="en-GB" sz="2400" dirty="0" smtClean="0">
+              <a:solidFill>
+                <a:schemeClr val="tx1">
+                  <a:lumMod val="85000"/>
+                  <a:lumOff val="15000"/>
+                </a:schemeClr>
+              </a:solidFill>
               <a:latin typeface="Arial" panose="020B0604020202020204" pitchFamily="34" charset="0"/>
               <a:cs typeface="Arial" panose="020B0604020202020204" pitchFamily="34" charset="0"/>
             </a:endParaRPr>
+          </a:p>
+          <a:p>
+            <a:pPr algn="just">
+              <a:lnSpc>
+                <a:spcPct val="135000"/>
+              </a:lnSpc>
+            </a:pPr>
+            <a:r>
+              <a:rPr lang="en-US" sz="2400" dirty="0" smtClean="0">
+                <a:solidFill>
+                  <a:schemeClr val="tx1">
+                    <a:lumMod val="85000"/>
+                    <a:lumOff val="15000"/>
+                  </a:schemeClr>
+                </a:solidFill>
+                <a:latin typeface="Arial" panose="020B0604020202020204" pitchFamily="34" charset="0"/>
+                <a:cs typeface="Arial" panose="020B0604020202020204" pitchFamily="34" charset="0"/>
+              </a:rPr>
+              <a:t>Focus </a:t>
+            </a:r>
+            <a:r>
+              <a:rPr lang="en-US" sz="2400" dirty="0">
+                <a:solidFill>
+                  <a:schemeClr val="tx1">
+                    <a:lumMod val="85000"/>
+                    <a:lumOff val="15000"/>
+                  </a:schemeClr>
+                </a:solidFill>
+                <a:latin typeface="Arial" panose="020B0604020202020204" pitchFamily="34" charset="0"/>
+                <a:cs typeface="Arial" panose="020B0604020202020204" pitchFamily="34" charset="0"/>
+              </a:rPr>
+              <a:t>on </a:t>
+            </a:r>
+            <a:r>
+              <a:rPr lang="en-GB" sz="2400" dirty="0" smtClean="0">
+                <a:solidFill>
+                  <a:srgbClr val="00B050"/>
+                </a:solidFill>
+                <a:latin typeface="Arial" panose="020B0604020202020204" pitchFamily="34" charset="0"/>
+                <a:cs typeface="Arial" panose="020B0604020202020204" pitchFamily="34" charset="0"/>
+              </a:rPr>
+              <a:t>the </a:t>
+            </a:r>
+            <a:r>
+              <a:rPr lang="en-GB" sz="2400" dirty="0">
+                <a:solidFill>
+                  <a:srgbClr val="00B050"/>
+                </a:solidFill>
+                <a:latin typeface="Arial" panose="020B0604020202020204" pitchFamily="34" charset="0"/>
+                <a:cs typeface="Arial" panose="020B0604020202020204" pitchFamily="34" charset="0"/>
+              </a:rPr>
+              <a:t>size of </a:t>
+            </a:r>
+            <a:r>
+              <a:rPr lang="en-GB" sz="2400" dirty="0" smtClean="0">
+                <a:solidFill>
+                  <a:srgbClr val="00B050"/>
+                </a:solidFill>
+                <a:latin typeface="Arial" panose="020B0604020202020204" pitchFamily="34" charset="0"/>
+                <a:cs typeface="Arial" panose="020B0604020202020204" pitchFamily="34" charset="0"/>
+              </a:rPr>
+              <a:t>data </a:t>
+            </a:r>
+            <a:r>
+              <a:rPr lang="en-GB" sz="2400" dirty="0" smtClean="0">
+                <a:solidFill>
+                  <a:srgbClr val="00B050"/>
+                </a:solidFill>
+                <a:latin typeface="Arial" panose="020B0604020202020204" pitchFamily="34" charset="0"/>
+                <a:cs typeface="Arial" panose="020B0604020202020204" pitchFamily="34" charset="0"/>
+              </a:rPr>
+              <a:t>set</a:t>
+            </a:r>
+            <a:r>
+              <a:rPr lang="en-GB" sz="2400" dirty="0" smtClean="0">
+                <a:latin typeface="Arial" panose="020B0604020202020204" pitchFamily="34" charset="0"/>
+                <a:cs typeface="Arial" panose="020B0604020202020204" pitchFamily="34" charset="0"/>
+              </a:rPr>
+              <a:t>,</a:t>
+            </a:r>
+          </a:p>
+          <a:p>
+            <a:pPr algn="just">
+              <a:lnSpc>
+                <a:spcPct val="135000"/>
+              </a:lnSpc>
+            </a:pPr>
+            <a:r>
+              <a:rPr lang="en-GB" sz="2400" dirty="0">
+                <a:solidFill>
+                  <a:schemeClr val="tx1">
+                    <a:lumMod val="85000"/>
+                    <a:lumOff val="15000"/>
+                  </a:schemeClr>
+                </a:solidFill>
+                <a:latin typeface="Arial" panose="020B0604020202020204" pitchFamily="34" charset="0"/>
+                <a:cs typeface="Arial" panose="020B0604020202020204" pitchFamily="34" charset="0"/>
+              </a:rPr>
+              <a:t>Implement parallel </a:t>
+            </a:r>
+            <a:r>
+              <a:rPr lang="en-GB" sz="2400" dirty="0" smtClean="0">
+                <a:solidFill>
+                  <a:schemeClr val="tx1">
+                    <a:lumMod val="85000"/>
+                    <a:lumOff val="15000"/>
+                  </a:schemeClr>
+                </a:solidFill>
+                <a:latin typeface="Arial" panose="020B0604020202020204" pitchFamily="34" charset="0"/>
+                <a:cs typeface="Arial" panose="020B0604020202020204" pitchFamily="34" charset="0"/>
+              </a:rPr>
+              <a:t>GFKM </a:t>
+            </a:r>
+            <a:r>
+              <a:rPr lang="en-GB" sz="2400" dirty="0">
+                <a:latin typeface="Arial" panose="020B0604020202020204" pitchFamily="34" charset="0"/>
+                <a:cs typeface="Arial" panose="020B0604020202020204" pitchFamily="34" charset="0"/>
+              </a:rPr>
+              <a:t>(</a:t>
+            </a:r>
+            <a:r>
+              <a:rPr lang="en-GB" sz="2400" dirty="0">
+                <a:solidFill>
+                  <a:srgbClr val="00B050"/>
+                </a:solidFill>
+                <a:latin typeface="Arial" panose="020B0604020202020204" pitchFamily="34" charset="0"/>
+                <a:cs typeface="Arial" panose="020B0604020202020204" pitchFamily="34" charset="0"/>
+              </a:rPr>
+              <a:t>PGFKM</a:t>
+            </a:r>
+            <a:r>
+              <a:rPr lang="en-GB" sz="2400" dirty="0">
+                <a:latin typeface="Arial" panose="020B0604020202020204" pitchFamily="34" charset="0"/>
+                <a:cs typeface="Arial" panose="020B0604020202020204" pitchFamily="34" charset="0"/>
+              </a:rPr>
+              <a:t>) </a:t>
+            </a:r>
+            <a:r>
+              <a:rPr lang="en-GB" sz="2400" dirty="0">
+                <a:solidFill>
+                  <a:schemeClr val="tx1">
+                    <a:lumMod val="85000"/>
+                    <a:lumOff val="15000"/>
+                  </a:schemeClr>
+                </a:solidFill>
+                <a:latin typeface="Arial" panose="020B0604020202020204" pitchFamily="34" charset="0"/>
+                <a:cs typeface="Arial" panose="020B0604020202020204" pitchFamily="34" charset="0"/>
+              </a:rPr>
+              <a:t>on a </a:t>
+            </a:r>
+            <a:r>
+              <a:rPr lang="en-GB" sz="2400" dirty="0" smtClean="0">
+                <a:solidFill>
+                  <a:schemeClr val="tx1">
+                    <a:lumMod val="85000"/>
+                    <a:lumOff val="15000"/>
+                  </a:schemeClr>
+                </a:solidFill>
+                <a:latin typeface="Arial" panose="020B0604020202020204" pitchFamily="34" charset="0"/>
+                <a:cs typeface="Arial" panose="020B0604020202020204" pitchFamily="34" charset="0"/>
+              </a:rPr>
+              <a:t>GPU</a:t>
+            </a:r>
+            <a:r>
+              <a:rPr lang="en-GB" sz="2400" dirty="0" smtClean="0">
+                <a:latin typeface="Arial" panose="020B0604020202020204" pitchFamily="34" charset="0"/>
+                <a:cs typeface="Arial" panose="020B0604020202020204" pitchFamily="34" charset="0"/>
+              </a:rPr>
+              <a:t>,</a:t>
+            </a:r>
+            <a:endParaRPr lang="en-GB" sz="2400" dirty="0">
+              <a:latin typeface="Arial" panose="020B0604020202020204" pitchFamily="34" charset="0"/>
+              <a:cs typeface="Arial" panose="020B0604020202020204" pitchFamily="34" charset="0"/>
+            </a:endParaRPr>
+          </a:p>
+          <a:p>
+            <a:pPr algn="just">
+              <a:lnSpc>
+                <a:spcPct val="135000"/>
+              </a:lnSpc>
+            </a:pPr>
+            <a:r>
+              <a:rPr lang="en-GB" sz="2400" dirty="0" smtClean="0">
+                <a:solidFill>
+                  <a:schemeClr val="tx1">
+                    <a:lumMod val="85000"/>
+                    <a:lumOff val="15000"/>
+                  </a:schemeClr>
+                </a:solidFill>
+                <a:latin typeface="Arial" panose="020B0604020202020204" pitchFamily="34" charset="0"/>
+                <a:cs typeface="Arial" panose="020B0604020202020204" pitchFamily="34" charset="0"/>
+              </a:rPr>
+              <a:t>PGFKM :</a:t>
+            </a:r>
+            <a:r>
+              <a:rPr lang="en-GB" sz="2400" dirty="0" smtClean="0">
+                <a:latin typeface="Arial" panose="020B0604020202020204" pitchFamily="34" charset="0"/>
+                <a:cs typeface="Arial" panose="020B0604020202020204" pitchFamily="34" charset="0"/>
+              </a:rPr>
+              <a:t> </a:t>
+            </a:r>
+            <a:r>
+              <a:rPr lang="en-GB" sz="2400" dirty="0">
+                <a:solidFill>
+                  <a:srgbClr val="00B050"/>
+                </a:solidFill>
+                <a:latin typeface="Arial" panose="020B0604020202020204" pitchFamily="34" charset="0"/>
+                <a:cs typeface="Arial" panose="020B0604020202020204" pitchFamily="34" charset="0"/>
+              </a:rPr>
+              <a:t>3 to 18 times </a:t>
+            </a:r>
+            <a:r>
+              <a:rPr lang="en-GB" sz="2400" dirty="0">
+                <a:solidFill>
+                  <a:schemeClr val="tx1">
+                    <a:lumMod val="85000"/>
+                    <a:lumOff val="15000"/>
+                  </a:schemeClr>
+                </a:solidFill>
+                <a:latin typeface="Arial" panose="020B0604020202020204" pitchFamily="34" charset="0"/>
+                <a:cs typeface="Arial" panose="020B0604020202020204" pitchFamily="34" charset="0"/>
+              </a:rPr>
+              <a:t>faster than the optimized CPU </a:t>
+            </a:r>
+            <a:r>
+              <a:rPr lang="en-GB" sz="2400" dirty="0" smtClean="0">
+                <a:solidFill>
+                  <a:schemeClr val="tx1">
+                    <a:lumMod val="85000"/>
+                    <a:lumOff val="15000"/>
+                  </a:schemeClr>
+                </a:solidFill>
+                <a:latin typeface="Arial" panose="020B0604020202020204" pitchFamily="34" charset="0"/>
+                <a:cs typeface="Arial" panose="020B0604020202020204" pitchFamily="34" charset="0"/>
+              </a:rPr>
+              <a:t>code</a:t>
+            </a:r>
+            <a:r>
+              <a:rPr lang="en-GB" sz="2400" dirty="0">
+                <a:solidFill>
+                  <a:schemeClr val="tx1">
+                    <a:lumMod val="85000"/>
+                    <a:lumOff val="15000"/>
+                  </a:schemeClr>
+                </a:solidFill>
+                <a:latin typeface="Arial" panose="020B0604020202020204" pitchFamily="34" charset="0"/>
+                <a:cs typeface="Arial" panose="020B0604020202020204" pitchFamily="34" charset="0"/>
+              </a:rPr>
+              <a:t>.</a:t>
+            </a:r>
           </a:p>
         </p:txBody>
       </p:sp>
     </p:spTree>
     <p:extLst>
       <p:ext uri="{BB962C8B-B14F-4D97-AF65-F5344CB8AC3E}">
-        <p14:creationId xmlns:p14="http://schemas.microsoft.com/office/powerpoint/2010/main" val="1616324381"/>
+        <p14:creationId xmlns:p14="http://schemas.microsoft.com/office/powerpoint/2010/main" val="1320736254"/>
       </p:ext>
     </p:extLst>
   </p:cSld>
@@ -18014,6 +20605,12 @@
             </a:pPr>
             <a:r>
               <a:rPr lang="en-US" sz="2400" dirty="0" smtClean="0">
+                <a:solidFill>
+                  <a:schemeClr val="tx1">
+                    <a:lumMod val="85000"/>
+                    <a:lumOff val="15000"/>
+                  </a:schemeClr>
+                </a:solidFill>
                 <a:latin typeface="Arial" panose="020B0604020202020204" pitchFamily="34" charset="0"/>
                 <a:cs typeface="Arial" panose="020B0604020202020204" pitchFamily="34" charset="0"/>
               </a:rPr>
@@ -18021,6 +20618,12 @@
             </a:r>
             <a:r>
               <a:rPr lang="en-US" sz="2400" dirty="0">
+                <a:solidFill>
+                  <a:schemeClr val="tx1">
+                    <a:lumMod val="85000"/>
+                    <a:lumOff val="15000"/>
+                  </a:schemeClr>
+                </a:solidFill>
                 <a:latin typeface="Arial" panose="020B0604020202020204" pitchFamily="34" charset="0"/>
                 <a:cs typeface="Arial" panose="020B0604020202020204" pitchFamily="34" charset="0"/>
               </a:rPr>
@@ -18028,6 +20631,12 @@
             </a:r>
             <a:r>
               <a:rPr lang="en-US" sz="2400" dirty="0" smtClean="0">
+                <a:solidFill>
+                  <a:schemeClr val="tx1">
+                    <a:lumMod val="85000"/>
+                    <a:lumOff val="15000"/>
+                  </a:schemeClr>
+                </a:solidFill>
                 <a:latin typeface="Arial" panose="020B0604020202020204" pitchFamily="34" charset="0"/>
                 <a:cs typeface="Arial" panose="020B0604020202020204" pitchFamily="34" charset="0"/>
               </a:rPr>
@@ -18035,7 +20644,10 @@
             </a:r>
             <a:endParaRPr lang="en-US" sz="2400" dirty="0" smtClean="0">
               <a:solidFill>
-                <a:srgbClr val="00B050"/>
+                <a:schemeClr val="tx1">
+                  <a:lumMod val="85000"/>
+                  <a:lumOff val="15000"/>
+                </a:schemeClr>
               </a:solidFill>
               <a:latin typeface="Arial" panose="020B0604020202020204" pitchFamily="34" charset="0"/>
               <a:cs typeface="Arial" panose="020B0604020202020204" pitchFamily="34" charset="0"/>
@@ -18079,6 +20691,12 @@
             </a:r>
             <a:r>
               <a:rPr lang="en-US" sz="2400" dirty="0" smtClean="0">
+                <a:solidFill>
+                  <a:schemeClr val="tx1">
+                    <a:lumMod val="85000"/>
+                    <a:lumOff val="15000"/>
+                  </a:schemeClr>
+                </a:solidFill>
                 <a:latin typeface="Arial" panose="020B0604020202020204" pitchFamily="34" charset="0"/>
                 <a:cs typeface="Arial" panose="020B0604020202020204" pitchFamily="34" charset="0"/>
               </a:rPr>
@@ -18086,6 +20704,12 @@
             </a:r>
             <a:r>
               <a:rPr lang="en-US" sz="2400" dirty="0" smtClean="0">
+                <a:solidFill>
+                  <a:schemeClr val="tx1">
+                    <a:lumMod val="85000"/>
+                    <a:lumOff val="15000"/>
+                  </a:schemeClr>
+                </a:solidFill>
                 <a:latin typeface="Arial" panose="020B0604020202020204" pitchFamily="34" charset="0"/>
                 <a:cs typeface="Arial" panose="020B0604020202020204" pitchFamily="34" charset="0"/>
               </a:rPr>
@@ -18093,18 +20717,17 @@
             </a:r>
             <a:r>
               <a:rPr lang="en-US" sz="2400" dirty="0" smtClean="0">
+                <a:solidFill>
+                  <a:schemeClr val="tx1">
+                    <a:lumMod val="85000"/>
+                    <a:lumOff val="15000"/>
+                  </a:schemeClr>
+                </a:solidFill>
                 <a:latin typeface="Arial" panose="020B0604020202020204" pitchFamily="34" charset="0"/>
                 <a:cs typeface="Arial" panose="020B0604020202020204" pitchFamily="34" charset="0"/>
               </a:rPr>
               <a:t>CPU</a:t>
             </a:r>
-            <a:endParaRPr lang="en-US" sz="2400" dirty="0" smtClean="0">
-              <a:solidFill>
-                <a:srgbClr val="00B050"/>
-              </a:solidFill>
-              <a:latin typeface="Arial" panose="020B0604020202020204" pitchFamily="34" charset="0"/>
-              <a:cs typeface="Arial" panose="020B0604020202020204" pitchFamily="34" charset="0"/>
-            </a:endParaRPr>
           </a:p>
           <a:p>
             <a:pPr marL="685800" lvl="2" algn="just">
@@ -18124,6 +20747,12 @@
             </a:r>
             <a:r>
               <a:rPr lang="en-US" sz="2400" dirty="0" smtClean="0">
+                <a:solidFill>
+                  <a:schemeClr val="tx1">
+                    <a:lumMod val="85000"/>
+                    <a:lumOff val="15000"/>
+                  </a:schemeClr>
+                </a:solidFill>
                 <a:latin typeface="Arial" panose="020B0604020202020204" pitchFamily="34" charset="0"/>
                 <a:cs typeface="Arial" panose="020B0604020202020204" pitchFamily="34" charset="0"/>
               </a:rPr>
@@ -18131,6 +20760,12 @@
             </a:r>
             <a:r>
               <a:rPr lang="en-US" sz="2400" dirty="0" smtClean="0">
+                <a:solidFill>
+                  <a:schemeClr val="tx1">
+                    <a:lumMod val="85000"/>
+                    <a:lumOff val="15000"/>
+                  </a:schemeClr>
+                </a:solidFill>
                 <a:latin typeface="Arial" panose="020B0604020202020204" pitchFamily="34" charset="0"/>
                 <a:cs typeface="Arial" panose="020B0604020202020204" pitchFamily="34" charset="0"/>
               </a:rPr>
@@ -18138,6 +20773,12 @@
             </a:r>
             <a:r>
               <a:rPr lang="en-US" sz="2400" dirty="0" smtClean="0">
+                <a:solidFill>
+                  <a:schemeClr val="tx1">
+                    <a:lumMod val="85000"/>
+                    <a:lumOff val="15000"/>
+                  </a:schemeClr>
+                </a:solidFill>
                 <a:latin typeface="Arial" panose="020B0604020202020204" pitchFamily="34" charset="0"/>
                 <a:cs typeface="Arial" panose="020B0604020202020204" pitchFamily="34" charset="0"/>
               </a:rPr>
@@ -18172,6 +20813,12 @@
             </a:r>
             <a:r>
               <a:rPr lang="en-US" sz="2400" dirty="0">
+                <a:solidFill>
+                  <a:schemeClr val="tx1">
+                    <a:lumMod val="85000"/>
+                    <a:lumOff val="15000"/>
+                  </a:schemeClr>
+                </a:solidFill>
                 <a:latin typeface="Arial" panose="020B0604020202020204" pitchFamily="34" charset="0"/>
                 <a:cs typeface="Arial" panose="020B0604020202020204" pitchFamily="34" charset="0"/>
               </a:rPr>
@@ -18179,6 +20826,12 @@
             </a:r>
             <a:r>
               <a:rPr lang="en-US" sz="2400" dirty="0" smtClean="0">
+                <a:solidFill>
+                  <a:schemeClr val="tx1">
+                    <a:lumMod val="85000"/>
+                    <a:lumOff val="15000"/>
+                  </a:schemeClr>
+                </a:solidFill>
                 <a:latin typeface="Arial" panose="020B0604020202020204" pitchFamily="34" charset="0"/>
                 <a:cs typeface="Arial" panose="020B0604020202020204" pitchFamily="34" charset="0"/>
               </a:rPr>
@@ -18186,6 +20839,12 @@
             </a:r>
             <a:r>
               <a:rPr lang="en-US" sz="2400" dirty="0">
+                <a:solidFill>
+                  <a:schemeClr val="tx1">
+                    <a:lumMod val="85000"/>
+                    <a:lumOff val="15000"/>
+                  </a:schemeClr>
+                </a:solidFill>
                 <a:latin typeface="Arial" panose="020B0604020202020204" pitchFamily="34" charset="0"/>
                 <a:cs typeface="Arial" panose="020B0604020202020204" pitchFamily="34" charset="0"/>
               </a:rPr>
@@ -18193,6 +20852,12 @@
             </a:r>
             <a:r>
               <a:rPr lang="en-US" sz="2400" dirty="0" smtClean="0">
+                <a:solidFill>
+                  <a:schemeClr val="tx1">
+                    <a:lumMod val="85000"/>
+                    <a:lumOff val="15000"/>
+                  </a:schemeClr>
+                </a:solidFill>
                 <a:latin typeface="Arial" panose="020B0604020202020204" pitchFamily="34" charset="0"/>
                 <a:cs typeface="Arial" panose="020B0604020202020204" pitchFamily="34" charset="0"/>
               </a:rPr>
@@ -18217,6 +20882,12 @@
             </a:r>
             <a:r>
               <a:rPr lang="en-US" sz="2400" dirty="0">
+                <a:solidFill>
+                  <a:schemeClr val="tx1">
+                    <a:lumMod val="85000"/>
+                    <a:lumOff val="15000"/>
+                  </a:schemeClr>
+                </a:solidFill>
                 <a:latin typeface="Arial" panose="020B0604020202020204" pitchFamily="34" charset="0"/>
                 <a:cs typeface="Arial" panose="020B0604020202020204" pitchFamily="34" charset="0"/>
               </a:rPr>
@@ -18224,6 +20895,12 @@
             </a:r>
             <a:r>
               <a:rPr lang="en-US" sz="2400" dirty="0" smtClean="0">
+                <a:solidFill>
+                  <a:schemeClr val="tx1">
+                    <a:lumMod val="85000"/>
+                    <a:lumOff val="15000"/>
+                  </a:schemeClr>
+                </a:solidFill>
                 <a:latin typeface="Arial" panose="020B0604020202020204" pitchFamily="34" charset="0"/>
                 <a:cs typeface="Arial" panose="020B0604020202020204" pitchFamily="34" charset="0"/>
               </a:rPr>
@@ -18231,6 +20908,12 @@
             </a:r>
             <a:r>
               <a:rPr lang="en-US" sz="2400" dirty="0">
+                <a:solidFill>
+                  <a:schemeClr val="tx1">
+                    <a:lumMod val="85000"/>
+                    <a:lumOff val="15000"/>
+                  </a:schemeClr>
+                </a:solidFill>
                 <a:latin typeface="Arial" panose="020B0604020202020204" pitchFamily="34" charset="0"/>
                 <a:cs typeface="Arial" panose="020B0604020202020204" pitchFamily="34" charset="0"/>
               </a:rPr>
@@ -18238,6 +20921,12 @@
             </a:r>
             <a:r>
               <a:rPr lang="en-US" sz="2400" dirty="0" smtClean="0">
+                <a:solidFill>
+                  <a:schemeClr val="tx1">
+                    <a:lumMod val="85000"/>
+                    <a:lumOff val="15000"/>
+                  </a:schemeClr>
+                </a:solidFill>
                 <a:latin typeface="Arial" panose="020B0604020202020204" pitchFamily="34" charset="0"/>
                 <a:cs typeface="Arial" panose="020B0604020202020204" pitchFamily="34" charset="0"/>
               </a:rPr>
@@ -18370,10 +21059,29 @@
                 <a:latin typeface="Arial" panose="020B0604020202020204" pitchFamily="34" charset="0"/>
                 <a:cs typeface="Arial" panose="020B0604020202020204" pitchFamily="34" charset="0"/>
               </a:rPr>
-              <a:t> : </a:t>
+              <a:t> </a:t>
             </a:r>
             <a:r>
               <a:rPr lang="en-US" sz="2200" dirty="0" smtClean="0">
+                <a:solidFill>
+                  <a:schemeClr val="tx1">
+                    <a:lumMod val="85000"/>
+                    <a:lumOff val="15000"/>
+                  </a:schemeClr>
+                </a:solidFill>
+                <a:latin typeface="Arial" panose="020B0604020202020204" pitchFamily="34" charset="0"/>
+                <a:cs typeface="Arial" panose="020B0604020202020204" pitchFamily="34" charset="0"/>
+              </a:rPr>
+              <a:t>: </a:t>
+            </a:r>
+            <a:r>
+              <a:rPr lang="en-US" sz="2200" dirty="0" smtClean="0">
+                <a:solidFill>
+                  <a:schemeClr val="tx1">
+                    <a:lumMod val="85000"/>
+                    <a:lumOff val="15000"/>
+                  </a:schemeClr>
+                </a:solidFill>
                 <a:latin typeface="Arial" panose="020B0604020202020204" pitchFamily="34" charset="0"/>
                 <a:cs typeface="Arial" panose="020B0604020202020204" pitchFamily="34" charset="0"/>
               </a:rPr>
@@ -18391,6 +21099,12 @@
             </a:r>
             <a:r>
               <a:rPr lang="en-US" sz="2200" dirty="0" smtClean="0">
+                <a:solidFill>
+                  <a:schemeClr val="tx1">
+                    <a:lumMod val="85000"/>
+                    <a:lumOff val="15000"/>
+                  </a:schemeClr>
+                </a:solidFill>
                 <a:latin typeface="Arial" panose="020B0604020202020204" pitchFamily="34" charset="0"/>
                 <a:cs typeface="Arial" panose="020B0604020202020204" pitchFamily="34" charset="0"/>
               </a:rPr>
@@ -18406,6 +21120,12 @@
             </a:pPr>
             <a:r>
               <a:rPr lang="en-US" sz="2200" i="1" dirty="0" smtClean="0">
+                <a:solidFill>
+                  <a:schemeClr val="tx1">
+                    <a:lumMod val="85000"/>
+                    <a:lumOff val="15000"/>
+                  </a:schemeClr>
+                </a:solidFill>
                 <a:latin typeface="Arial" panose="020B0604020202020204" pitchFamily="34" charset="0"/>
                 <a:cs typeface="Arial" panose="020B0604020202020204" pitchFamily="34" charset="0"/>
               </a:rPr>
@@ -18413,6 +21133,12 @@
             </a:r>
             <a:r>
               <a:rPr lang="en-US" sz="2200" dirty="0" smtClean="0">
+                <a:solidFill>
+                  <a:schemeClr val="tx1">
+                    <a:lumMod val="85000"/>
+                    <a:lumOff val="15000"/>
+                  </a:schemeClr>
+                </a:solidFill>
                 <a:latin typeface="Arial" panose="020B0604020202020204" pitchFamily="34" charset="0"/>
                 <a:cs typeface="Arial" panose="020B0604020202020204" pitchFamily="34" charset="0"/>
               </a:rPr>
@@ -18420,6 +21146,12 @@
             </a:r>
             <a:r>
               <a:rPr lang="en-US" sz="2200" i="1" dirty="0" smtClean="0">
+                <a:solidFill>
+                  <a:schemeClr val="tx1">
+                    <a:lumMod val="85000"/>
+                    <a:lumOff val="15000"/>
+                  </a:schemeClr>
+                </a:solidFill>
                 <a:latin typeface="Arial" panose="020B0604020202020204" pitchFamily="34" charset="0"/>
                 <a:cs typeface="Arial" panose="020B0604020202020204" pitchFamily="34" charset="0"/>
               </a:rPr>
@@ -18427,6 +21159,12 @@
             </a:r>
             <a:r>
               <a:rPr lang="en-US" sz="2200" dirty="0" smtClean="0">
+                <a:solidFill>
+                  <a:schemeClr val="tx1">
+                    <a:lumMod val="85000"/>
+                    <a:lumOff val="15000"/>
+                  </a:schemeClr>
+                </a:solidFill>
                 <a:latin typeface="Arial" panose="020B0604020202020204" pitchFamily="34" charset="0"/>
                 <a:cs typeface="Arial" panose="020B0604020202020204" pitchFamily="34" charset="0"/>
               </a:rPr>
@@ -18434,6 +21172,12 @@
             </a:r>
             <a:r>
               <a:rPr lang="en-US" sz="2200" i="1" dirty="0" smtClean="0">
+                <a:solidFill>
+                  <a:schemeClr val="tx1">
+                    <a:lumMod val="85000"/>
+                    <a:lumOff val="15000"/>
+                  </a:schemeClr>
+                </a:solidFill>
                 <a:latin typeface="Arial" panose="020B0604020202020204" pitchFamily="34" charset="0"/>
                 <a:cs typeface="Arial" panose="020B0604020202020204" pitchFamily="34" charset="0"/>
               </a:rPr>
@@ -18441,6 +21185,12 @@
             </a:r>
             <a:r>
               <a:rPr lang="en-US" sz="2200" dirty="0" smtClean="0">
+                <a:solidFill>
+                  <a:schemeClr val="tx1">
+                    <a:lumMod val="85000"/>
+                    <a:lumOff val="15000"/>
+                  </a:schemeClr>
+                </a:solidFill>
                 <a:latin typeface="Arial" panose="020B0604020202020204" pitchFamily="34" charset="0"/>
                 <a:cs typeface="Arial" panose="020B0604020202020204" pitchFamily="34" charset="0"/>
               </a:rPr>
@@ -18448,6 +21198,12 @@
             </a:r>
             <a:r>
               <a:rPr lang="en-US" sz="2200" i="1" dirty="0" smtClean="0">
+                <a:solidFill>
+                  <a:schemeClr val="tx1">
+                    <a:lumMod val="85000"/>
+                    <a:lumOff val="15000"/>
+                  </a:schemeClr>
+                </a:solidFill>
                 <a:latin typeface="Arial" panose="020B0604020202020204" pitchFamily="34" charset="0"/>
                 <a:cs typeface="Arial" panose="020B0604020202020204" pitchFamily="34" charset="0"/>
               </a:rPr>
@@ -18455,12 +21211,24 @@
             </a:r>
             <a:r>
               <a:rPr lang="en-US" sz="2200" dirty="0" smtClean="0">
+                <a:solidFill>
+                  <a:schemeClr val="tx1">
+                    <a:lumMod val="85000"/>
+                    <a:lumOff val="15000"/>
+                  </a:schemeClr>
+                </a:solidFill>
                 <a:latin typeface="Arial" panose="020B0604020202020204" pitchFamily="34" charset="0"/>
                 <a:cs typeface="Arial" panose="020B0604020202020204" pitchFamily="34" charset="0"/>
               </a:rPr>
               <a:t> = 8, ε = 1e-8, maximum iterations = 200.</a:t>
             </a:r>
             <a:endParaRPr lang="en-US" sz="2200" dirty="0">
+              <a:solidFill>
+                <a:schemeClr val="tx1">
+                  <a:lumMod val="85000"/>
+                  <a:lumOff val="15000"/>
+                </a:schemeClr>
+              </a:solidFill>
               <a:latin typeface="Arial" panose="020B0604020202020204" pitchFamily="34" charset="0"/>
               <a:cs typeface="Arial" panose="020B0604020202020204" pitchFamily="34" charset="0"/>
             </a:endParaRPr>
@@ -19604,6 +22372,12 @@
             </a:r>
             <a:r>
               <a:rPr lang="en-US" sz="2200" dirty="0" smtClean="0">
+                <a:solidFill>
+                  <a:schemeClr val="tx1">
+                    <a:lumMod val="85000"/>
+                    <a:lumOff val="15000"/>
+                  </a:schemeClr>
+                </a:solidFill>
                 <a:latin typeface="Arial" panose="020B0604020202020204" pitchFamily="34" charset="0"/>
                 <a:cs typeface="Arial" panose="020B0604020202020204" pitchFamily="34" charset="0"/>
               </a:rPr>
@@ -19631,6 +22405,12 @@
             </a:r>
             <a:r>
               <a:rPr lang="en-US" sz="2200" dirty="0" smtClean="0">
+                <a:solidFill>
+                  <a:schemeClr val="tx1">
+                    <a:lumMod val="85000"/>
+                    <a:lumOff val="15000"/>
+                  </a:schemeClr>
+                </a:solidFill>
                 <a:latin typeface="Arial" panose="020B0604020202020204" pitchFamily="34" charset="0"/>
                 <a:cs typeface="Arial" panose="020B0604020202020204" pitchFamily="34" charset="0"/>
               </a:rPr>
@@ -19638,6 +22418,12 @@
             </a:r>
             <a:r>
               <a:rPr lang="en-US" sz="2200" i="1" dirty="0" smtClean="0">
+                <a:solidFill>
+                  <a:schemeClr val="tx1">
+                    <a:lumMod val="85000"/>
+                    <a:lumOff val="15000"/>
+                  </a:schemeClr>
+                </a:solidFill>
                 <a:latin typeface="Arial" panose="020B0604020202020204" pitchFamily="34" charset="0"/>
                 <a:cs typeface="Arial" panose="020B0604020202020204" pitchFamily="34" charset="0"/>
               </a:rPr>
@@ -19645,6 +22431,12 @@
             </a:r>
             <a:r>
               <a:rPr lang="en-US" sz="2200" dirty="0" smtClean="0">
+                <a:solidFill>
+                  <a:schemeClr val="tx1">
+                    <a:lumMod val="85000"/>
+                    <a:lumOff val="15000"/>
+                  </a:schemeClr>
+                </a:solidFill>
                 <a:latin typeface="Arial" panose="020B0604020202020204" pitchFamily="34" charset="0"/>
                 <a:cs typeface="Arial" panose="020B0604020202020204" pitchFamily="34" charset="0"/>
               </a:rPr>
@@ -19652,6 +22444,12 @@
             </a:r>
             <a:r>
               <a:rPr lang="en-US" sz="2200" i="1" dirty="0" smtClean="0">
+                <a:solidFill>
+                  <a:schemeClr val="tx1">
+                    <a:lumMod val="85000"/>
+                    <a:lumOff val="15000"/>
+                  </a:schemeClr>
+                </a:solidFill>
                 <a:latin typeface="Arial" panose="020B0604020202020204" pitchFamily="34" charset="0"/>
                 <a:cs typeface="Arial" panose="020B0604020202020204" pitchFamily="34" charset="0"/>
               </a:rPr>
@@ -19659,6 +22457,12 @@
             </a:r>
             <a:r>
               <a:rPr lang="en-US" sz="2200" dirty="0" smtClean="0">
+                <a:solidFill>
+                  <a:schemeClr val="tx1">
+                    <a:lumMod val="85000"/>
+                    <a:lumOff val="15000"/>
+                  </a:schemeClr>
+                </a:solidFill>
                 <a:latin typeface="Arial" panose="020B0604020202020204" pitchFamily="34" charset="0"/>
                 <a:cs typeface="Arial" panose="020B0604020202020204" pitchFamily="34" charset="0"/>
               </a:rPr>
@@ -19666,6 +22470,12 @@
             </a:r>
             <a:r>
               <a:rPr lang="en-US" sz="2200" i="1" dirty="0" smtClean="0">
+                <a:solidFill>
+                  <a:schemeClr val="tx1">
+                    <a:lumMod val="85000"/>
+                    <a:lumOff val="15000"/>
+                  </a:schemeClr>
+                </a:solidFill>
                 <a:latin typeface="Arial" panose="020B0604020202020204" pitchFamily="34" charset="0"/>
                 <a:cs typeface="Arial" panose="020B0604020202020204" pitchFamily="34" charset="0"/>
               </a:rPr>
@@ -19673,6 +22483,12 @@
             </a:r>
             <a:r>
               <a:rPr lang="en-US" sz="2200" dirty="0" smtClean="0">
+                <a:solidFill>
+                  <a:schemeClr val="tx1">
+                    <a:lumMod val="85000"/>
+                    <a:lumOff val="15000"/>
+                  </a:schemeClr>
+                </a:solidFill>
                 <a:latin typeface="Arial" panose="020B0604020202020204" pitchFamily="34" charset="0"/>
                 <a:cs typeface="Arial" panose="020B0604020202020204" pitchFamily="34" charset="0"/>
               </a:rPr>
@@ -19680,6 +22496,12 @@
             </a:r>
             <a:r>
               <a:rPr lang="el-GR" sz="2200" dirty="0" smtClean="0">
+                <a:solidFill>
+                  <a:schemeClr val="tx1">
+                    <a:lumMod val="85000"/>
+                    <a:lumOff val="15000"/>
+                  </a:schemeClr>
+                </a:solidFill>
                 <a:latin typeface="Arial" panose="020B0604020202020204" pitchFamily="34" charset="0"/>
                 <a:cs typeface="Arial" panose="020B0604020202020204" pitchFamily="34" charset="0"/>
               </a:rPr>
@@ -19687,6 +22509,12 @@
             </a:r>
             <a:r>
               <a:rPr lang="en-US" sz="2200" dirty="0" smtClean="0">
+                <a:solidFill>
+                  <a:schemeClr val="tx1">
+                    <a:lumMod val="85000"/>
+                    <a:lumOff val="15000"/>
+                  </a:schemeClr>
+                </a:solidFill>
                 <a:latin typeface="Arial" panose="020B0604020202020204" pitchFamily="34" charset="0"/>
                 <a:cs typeface="Arial" panose="020B0604020202020204" pitchFamily="34" charset="0"/>
               </a:rPr>
@@ -19852,6 +22680,12 @@
             </a:r>
             <a:r>
               <a:rPr lang="en-US" sz="2000" dirty="0" smtClean="0">
+                <a:solidFill>
+                  <a:schemeClr val="tx1">
+                    <a:lumMod val="85000"/>
+                    <a:lumOff val="15000"/>
+                  </a:schemeClr>
+                </a:solidFill>
                 <a:latin typeface="Arial" panose="020B0604020202020204" pitchFamily="34" charset="0"/>
                 <a:cs typeface="Arial" panose="020B0604020202020204" pitchFamily="34" charset="0"/>
               </a:rPr>
@@ -19859,6 +22693,12 @@
             </a:r>
             <a:r>
               <a:rPr lang="en-US" sz="2000" b="1" dirty="0" smtClean="0">
+                <a:solidFill>
+                  <a:schemeClr val="tx1">
+                    <a:lumMod val="85000"/>
+                    <a:lumOff val="15000"/>
+                  </a:schemeClr>
+                </a:solidFill>
                 <a:latin typeface="Arial" panose="020B0604020202020204" pitchFamily="34" charset="0"/>
                 <a:cs typeface="Arial" panose="020B0604020202020204" pitchFamily="34" charset="0"/>
               </a:rPr>
@@ -19866,6 +22706,12 @@
             </a:r>
             <a:r>
               <a:rPr lang="en-US" sz="2000" dirty="0" smtClean="0">
+                <a:solidFill>
+                  <a:schemeClr val="tx1">
+                    <a:lumMod val="85000"/>
+                    <a:lumOff val="15000"/>
+                  </a:schemeClr>
+                </a:solidFill>
                 <a:latin typeface="Arial" panose="020B0604020202020204" pitchFamily="34" charset="0"/>
                 <a:cs typeface="Arial" panose="020B0604020202020204" pitchFamily="34" charset="0"/>
               </a:rPr>
@@ -19873,6 +22719,12 @@
             </a:r>
             <a:r>
               <a:rPr lang="en-US" sz="2000" dirty="0">
+                <a:solidFill>
+                  <a:schemeClr val="tx1">
+                    <a:lumMod val="85000"/>
+                    <a:lumOff val="15000"/>
+                  </a:schemeClr>
+                </a:solidFill>
                 <a:latin typeface="Arial" panose="020B0604020202020204" pitchFamily="34" charset="0"/>
                 <a:cs typeface="Arial" panose="020B0604020202020204" pitchFamily="34" charset="0"/>
               </a:rPr>
@@ -19907,6 +22759,12 @@
             </a:r>
             <a:r>
               <a:rPr lang="en-US" sz="2000" dirty="0">
+                <a:solidFill>
+                  <a:schemeClr val="tx1">
+                    <a:lumMod val="85000"/>
+                    <a:lumOff val="15000"/>
+                  </a:schemeClr>
+                </a:solidFill>
                 <a:latin typeface="Arial" panose="020B0604020202020204" pitchFamily="34" charset="0"/>
                 <a:cs typeface="Arial" panose="020B0604020202020204" pitchFamily="34" charset="0"/>
               </a:rPr>
@@ -19914,6 +22772,12 @@
             </a:r>
             <a:r>
               <a:rPr lang="en-US" sz="2000" dirty="0" smtClean="0">
+                <a:solidFill>
+                  <a:schemeClr val="tx1">
+                    <a:lumMod val="85000"/>
+                    <a:lumOff val="15000"/>
+                  </a:schemeClr>
+                </a:solidFill>
                 <a:latin typeface="Arial" panose="020B0604020202020204" pitchFamily="34" charset="0"/>
                 <a:cs typeface="Arial" panose="020B0604020202020204" pitchFamily="34" charset="0"/>
               </a:rPr>
@@ -19921,6 +22785,12 @@
             </a:r>
             <a:r>
               <a:rPr lang="en-US" sz="2000" dirty="0">
+                <a:solidFill>
+                  <a:schemeClr val="tx1">
+                    <a:lumMod val="85000"/>
+                    <a:lumOff val="15000"/>
+                  </a:schemeClr>
+                </a:solidFill>
                 <a:latin typeface="Arial" panose="020B0604020202020204" pitchFamily="34" charset="0"/>
                 <a:cs typeface="Arial" panose="020B0604020202020204" pitchFamily="34" charset="0"/>
               </a:rPr>
@@ -19928,6 +22798,12 @@
             </a:r>
             <a:r>
               <a:rPr lang="en-US" sz="2000" dirty="0" smtClean="0">
+                <a:solidFill>
+                  <a:schemeClr val="tx1">
+                    <a:lumMod val="85000"/>
+                    <a:lumOff val="15000"/>
+                  </a:schemeClr>
+                </a:solidFill>
                 <a:latin typeface="Arial" panose="020B0604020202020204" pitchFamily="34" charset="0"/>
                 <a:cs typeface="Arial" panose="020B0604020202020204" pitchFamily="34" charset="0"/>
               </a:rPr>
@@ -19935,6 +22811,12 @@
             </a:r>
             <a:r>
               <a:rPr lang="en-US" sz="2000" i="1" dirty="0" smtClean="0">
+                <a:solidFill>
+                  <a:schemeClr val="tx1">
+                    <a:lumMod val="85000"/>
+                    <a:lumOff val="15000"/>
+                  </a:schemeClr>
+                </a:solidFill>
                 <a:latin typeface="Arial" panose="020B0604020202020204" pitchFamily="34" charset="0"/>
                 <a:cs typeface="Arial" panose="020B0604020202020204" pitchFamily="34" charset="0"/>
               </a:rPr>
@@ -19942,6 +22824,12 @@
             </a:r>
             <a:r>
               <a:rPr lang="en-US" sz="2000" dirty="0" smtClean="0">
+                <a:solidFill>
+                  <a:schemeClr val="tx1">
+                    <a:lumMod val="85000"/>
+                    <a:lumOff val="15000"/>
+                  </a:schemeClr>
+                </a:solidFill>
                 <a:latin typeface="Arial" panose="020B0604020202020204" pitchFamily="34" charset="0"/>
                 <a:cs typeface="Arial" panose="020B0604020202020204" pitchFamily="34" charset="0"/>
               </a:rPr>
@@ -19949,6 +22837,12 @@
             </a:r>
             <a:r>
               <a:rPr lang="en-US" sz="2000" i="1" dirty="0" smtClean="0">
+                <a:solidFill>
+                  <a:schemeClr val="tx1">
+                    <a:lumMod val="85000"/>
+                    <a:lumOff val="15000"/>
+                  </a:schemeClr>
+                </a:solidFill>
                 <a:latin typeface="Arial" panose="020B0604020202020204" pitchFamily="34" charset="0"/>
                 <a:cs typeface="Arial" panose="020B0604020202020204" pitchFamily="34" charset="0"/>
               </a:rPr>
@@ -19956,6 +22850,12 @@
             </a:r>
             <a:r>
               <a:rPr lang="en-US" sz="2000" dirty="0" smtClean="0">
+                <a:solidFill>
+                  <a:schemeClr val="tx1">
+                    <a:lumMod val="85000"/>
+                    <a:lumOff val="15000"/>
+                  </a:schemeClr>
+                </a:solidFill>
                 <a:latin typeface="Arial" panose="020B0604020202020204" pitchFamily="34" charset="0"/>
                 <a:cs typeface="Arial" panose="020B0604020202020204" pitchFamily="34" charset="0"/>
               </a:rPr>
@@ -19963,6 +22863,12 @@
             </a:r>
             <a:r>
               <a:rPr lang="en-US" sz="2000" dirty="0">
+                <a:solidFill>
+                  <a:schemeClr val="tx1">
+                    <a:lumMod val="85000"/>
+                    <a:lumOff val="15000"/>
+                  </a:schemeClr>
+                </a:solidFill>
                 <a:latin typeface="Arial" panose="020B0604020202020204" pitchFamily="34" charset="0"/>
                 <a:cs typeface="Arial" panose="020B0604020202020204" pitchFamily="34" charset="0"/>
               </a:rPr>
@@ -19970,6 +22876,12 @@
             </a:r>
             <a:r>
               <a:rPr lang="en-US" sz="2000" dirty="0" smtClean="0">
+                <a:solidFill>
+                  <a:schemeClr val="tx1">
+                    <a:lumMod val="85000"/>
+                    <a:lumOff val="15000"/>
+                  </a:schemeClr>
+                </a:solidFill>
                 <a:latin typeface="Arial" panose="020B0604020202020204" pitchFamily="34" charset="0"/>
                 <a:cs typeface="Arial" panose="020B0604020202020204" pitchFamily="34" charset="0"/>
               </a:rPr>
@@ -19977,6 +22889,12 @@
             </a:r>
             <a:r>
               <a:rPr lang="en-US" sz="2000" i="1" dirty="0" smtClean="0">
+                <a:solidFill>
+                  <a:schemeClr val="tx1">
+                    <a:lumMod val="85000"/>
+                    <a:lumOff val="15000"/>
+                  </a:schemeClr>
+                </a:solidFill>
                 <a:latin typeface="Arial" panose="020B0604020202020204" pitchFamily="34" charset="0"/>
                 <a:cs typeface="Arial" panose="020B0604020202020204" pitchFamily="34" charset="0"/>
               </a:rPr>
@@ -19984,6 +22902,12 @@
             </a:r>
             <a:r>
               <a:rPr lang="en-US" sz="2000" dirty="0" smtClean="0">
+                <a:solidFill>
+                  <a:schemeClr val="tx1">
+                    <a:lumMod val="85000"/>
+                    <a:lumOff val="15000"/>
+                  </a:schemeClr>
+                </a:solidFill>
                 <a:latin typeface="Arial" panose="020B0604020202020204" pitchFamily="34" charset="0"/>
                 <a:cs typeface="Arial" panose="020B0604020202020204" pitchFamily="34" charset="0"/>
               </a:rPr>
@@ -19991,6 +22915,12 @@
             </a:r>
             <a:r>
               <a:rPr lang="en-US" sz="2000" dirty="0">
+                <a:solidFill>
+                  <a:schemeClr val="tx1">
+                    <a:lumMod val="85000"/>
+                    <a:lumOff val="15000"/>
+                  </a:schemeClr>
+                </a:solidFill>
                 <a:latin typeface="Arial" panose="020B0604020202020204" pitchFamily="34" charset="0"/>
                 <a:cs typeface="Arial" panose="020B0604020202020204" pitchFamily="34" charset="0"/>
               </a:rPr>
@@ -19998,6 +22928,12 @@
             </a:r>
             <a:r>
               <a:rPr lang="en-US" sz="2000" dirty="0" smtClean="0">
+                <a:solidFill>
+                  <a:schemeClr val="tx1">
+                    <a:lumMod val="85000"/>
+                    <a:lumOff val="15000"/>
+                  </a:schemeClr>
+                </a:solidFill>
                 <a:latin typeface="Arial" panose="020B0604020202020204" pitchFamily="34" charset="0"/>
                 <a:cs typeface="Arial" panose="020B0604020202020204" pitchFamily="34" charset="0"/>
               </a:rPr>
@@ -20005,6 +22941,12 @@
             </a:r>
             <a:r>
               <a:rPr lang="el-GR" sz="2000" dirty="0" smtClean="0">
+                <a:solidFill>
+                  <a:schemeClr val="tx1">
+                    <a:lumMod val="85000"/>
+                    <a:lumOff val="15000"/>
+                  </a:schemeClr>
+                </a:solidFill>
                 <a:latin typeface="Arial" panose="020B0604020202020204" pitchFamily="34" charset="0"/>
                 <a:cs typeface="Arial" panose="020B0604020202020204" pitchFamily="34" charset="0"/>
               </a:rPr>
@@ -20012,6 +22954,12 @@
             </a:r>
             <a:r>
               <a:rPr lang="en-US" sz="2000" dirty="0" smtClean="0">
+                <a:solidFill>
+                  <a:schemeClr val="tx1">
+                    <a:lumMod val="85000"/>
+                    <a:lumOff val="15000"/>
+                  </a:schemeClr>
+                </a:solidFill>
                 <a:latin typeface="Arial" panose="020B0604020202020204" pitchFamily="34" charset="0"/>
                 <a:cs typeface="Arial" panose="020B0604020202020204" pitchFamily="34" charset="0"/>
               </a:rPr>
@@ -20019,6 +22967,12 @@
             </a:r>
             <a:r>
               <a:rPr lang="en-US" sz="2000" dirty="0">
+                <a:solidFill>
+                  <a:schemeClr val="tx1">
+                    <a:lumMod val="85000"/>
+                    <a:lumOff val="15000"/>
+                  </a:schemeClr>
+                </a:solidFill>
                 <a:latin typeface="Arial" panose="020B0604020202020204" pitchFamily="34" charset="0"/>
                 <a:cs typeface="Arial" panose="020B0604020202020204" pitchFamily="34" charset="0"/>
               </a:rPr>
@@ -20026,6 +22980,12 @@
             </a:r>
             <a:r>
               <a:rPr lang="en-US" sz="2000" dirty="0" smtClean="0">
+                <a:solidFill>
+                  <a:schemeClr val="tx1">
+                    <a:lumMod val="85000"/>
+                    <a:lumOff val="15000"/>
+                  </a:schemeClr>
+                </a:solidFill>
                 <a:latin typeface="Arial" panose="020B0604020202020204" pitchFamily="34" charset="0"/>
                 <a:cs typeface="Arial" panose="020B0604020202020204" pitchFamily="34" charset="0"/>
               </a:rPr>
@@ -20234,6 +23194,12 @@
             </a:r>
             <a:r>
               <a:rPr lang="en-US" sz="2000" dirty="0" smtClean="0">
+                <a:solidFill>
+                  <a:schemeClr val="tx1">
+                    <a:lumMod val="85000"/>
+                    <a:lumOff val="15000"/>
+                  </a:schemeClr>
+                </a:solidFill>
                 <a:latin typeface="Arial" panose="020B0604020202020204" pitchFamily="34" charset="0"/>
                 <a:cs typeface="Arial" panose="020B0604020202020204" pitchFamily="34" charset="0"/>
               </a:rPr>
@@ -20241,13 +23207,26 @@
             </a:r>
             <a:r>
               <a:rPr lang="en-US" sz="2000" dirty="0">
-                <a:latin typeface="Arial" panose="020B0604020202020204" pitchFamily="34" charset="0"/>
-                <a:cs typeface="Arial" panose="020B0604020202020204" pitchFamily="34" charset="0"/>
-              </a:rPr>
-              <a:t>speedup with </a:t>
+                <a:solidFill>
+                  <a:schemeClr val="tx1">
+                    <a:lumMod val="85000"/>
+                    <a:lumOff val="15000"/>
+                  </a:schemeClr>
+                </a:solidFill>
+                <a:latin typeface="Arial" panose="020B0604020202020204" pitchFamily="34" charset="0"/>
+                <a:cs typeface="Arial" panose="020B0604020202020204" pitchFamily="34" charset="0"/>
+              </a:rPr>
+              <a:t>speedup with</a:t>
             </a:r>
             <a:r>
               <a:rPr lang="en-US" sz="2000" dirty="0">
+                <a:latin typeface="Arial" panose="020B0604020202020204" pitchFamily="34" charset="0"/>
+                <a:cs typeface="Arial" panose="020B0604020202020204" pitchFamily="34" charset="0"/>
+              </a:rPr>
+              <a:t> </a:t>
+            </a:r>
+            <a:r>
+              <a:rPr lang="en-US" sz="2000" dirty="0">
                 <a:solidFill>
                   <a:srgbClr val="00B050"/>
                 </a:solidFill>
@@ -20275,6 +23254,12 @@
             </a:r>
             <a:r>
               <a:rPr lang="en-US" sz="2000" dirty="0">
+                <a:solidFill>
+                  <a:schemeClr val="tx1">
+                    <a:lumMod val="85000"/>
+                    <a:lumOff val="15000"/>
+                  </a:schemeClr>
+                </a:solidFill>
                 <a:latin typeface="Arial" panose="020B0604020202020204" pitchFamily="34" charset="0"/>
                 <a:cs typeface="Arial" panose="020B0604020202020204" pitchFamily="34" charset="0"/>
               </a:rPr>
@@ -20282,6 +23267,12 @@
             </a:r>
             <a:r>
               <a:rPr lang="en-US" sz="2000" dirty="0" smtClean="0">
+                <a:solidFill>
+                  <a:schemeClr val="tx1">
+                    <a:lumMod val="85000"/>
+                    <a:lumOff val="15000"/>
+                  </a:schemeClr>
+                </a:solidFill>
                 <a:latin typeface="Arial" panose="020B0604020202020204" pitchFamily="34" charset="0"/>
                 <a:cs typeface="Arial" panose="020B0604020202020204" pitchFamily="34" charset="0"/>
               </a:rPr>
@@ -20289,6 +23280,12 @@
             </a:r>
             <a:r>
               <a:rPr lang="en-US" sz="2000" dirty="0">
+                <a:solidFill>
+                  <a:schemeClr val="tx1">
+                    <a:lumMod val="85000"/>
+                    <a:lumOff val="15000"/>
+                  </a:schemeClr>
+                </a:solidFill>
                 <a:latin typeface="Arial" panose="020B0604020202020204" pitchFamily="34" charset="0"/>
                 <a:cs typeface="Arial" panose="020B0604020202020204" pitchFamily="34" charset="0"/>
               </a:rPr>
@@ -20296,6 +23293,12 @@
             </a:r>
             <a:r>
               <a:rPr lang="en-US" sz="2000" dirty="0" smtClean="0">
+                <a:solidFill>
+                  <a:schemeClr val="tx1">
+                    <a:lumMod val="85000"/>
+                    <a:lumOff val="15000"/>
+                  </a:schemeClr>
+                </a:solidFill>
                 <a:latin typeface="Arial" panose="020B0604020202020204" pitchFamily="34" charset="0"/>
                 <a:cs typeface="Arial" panose="020B0604020202020204" pitchFamily="34" charset="0"/>
               </a:rPr>
@@ -20303,6 +23306,12 @@
             </a:r>
             <a:r>
               <a:rPr lang="en-US" sz="2000" i="1" dirty="0" smtClean="0">
+                <a:solidFill>
+                  <a:schemeClr val="tx1">
+                    <a:lumMod val="85000"/>
+                    <a:lumOff val="15000"/>
+                  </a:schemeClr>
+                </a:solidFill>
                 <a:latin typeface="Arial" panose="020B0604020202020204" pitchFamily="34" charset="0"/>
                 <a:cs typeface="Arial" panose="020B0604020202020204" pitchFamily="34" charset="0"/>
               </a:rPr>
@@ -20310,6 +23319,12 @@
             </a:r>
             <a:r>
               <a:rPr lang="en-US" sz="2000" dirty="0" smtClean="0">
+                <a:solidFill>
+                  <a:schemeClr val="tx1">
+                    <a:lumMod val="85000"/>
+                    <a:lumOff val="15000"/>
+                  </a:schemeClr>
+                </a:solidFill>
                 <a:latin typeface="Arial" panose="020B0604020202020204" pitchFamily="34" charset="0"/>
                 <a:cs typeface="Arial" panose="020B0604020202020204" pitchFamily="34" charset="0"/>
               </a:rPr>
@@ -20317,6 +23332,12 @@
             </a:r>
             <a:r>
               <a:rPr lang="en-US" sz="2000" i="1" dirty="0" smtClean="0">
+                <a:solidFill>
+                  <a:schemeClr val="tx1">
+                    <a:lumMod val="85000"/>
+                    <a:lumOff val="15000"/>
+                  </a:schemeClr>
+                </a:solidFill>
                 <a:latin typeface="Arial" panose="020B0604020202020204" pitchFamily="34" charset="0"/>
                 <a:cs typeface="Arial" panose="020B0604020202020204" pitchFamily="34" charset="0"/>
               </a:rPr>
@@ -20324,6 +23345,12 @@
             </a:r>
             <a:r>
               <a:rPr lang="en-US" sz="2000" dirty="0" smtClean="0">
+                <a:solidFill>
+                  <a:schemeClr val="tx1">
+                    <a:lumMod val="85000"/>
+                    <a:lumOff val="15000"/>
+                  </a:schemeClr>
+                </a:solidFill>
                 <a:latin typeface="Arial" panose="020B0604020202020204" pitchFamily="34" charset="0"/>
                 <a:cs typeface="Arial" panose="020B0604020202020204" pitchFamily="34" charset="0"/>
               </a:rPr>
@@ -20331,6 +23358,12 @@
             </a:r>
             <a:r>
               <a:rPr lang="en-US" sz="2000" dirty="0">
+                <a:solidFill>
+                  <a:schemeClr val="tx1">
+                    <a:lumMod val="85000"/>
+                    <a:lumOff val="15000"/>
+                  </a:schemeClr>
+                </a:solidFill>
                 <a:latin typeface="Arial" panose="020B0604020202020204" pitchFamily="34" charset="0"/>
                 <a:cs typeface="Arial" panose="020B0604020202020204" pitchFamily="34" charset="0"/>
               </a:rPr>
@@ -20338,6 +23371,12 @@
             </a:r>
             <a:r>
               <a:rPr lang="en-US" sz="2000" i="1" dirty="0">
+                <a:solidFill>
+                  <a:schemeClr val="tx1">
+                    <a:lumMod val="85000"/>
+                    <a:lumOff val="15000"/>
+                  </a:schemeClr>
+                </a:solidFill>
                 <a:latin typeface="Arial" panose="020B0604020202020204" pitchFamily="34" charset="0"/>
                 <a:cs typeface="Arial" panose="020B0604020202020204" pitchFamily="34" charset="0"/>
               </a:rPr>
@@ -20345,6 +23384,12 @@
             </a:r>
             <a:r>
               <a:rPr lang="en-US" sz="2000" dirty="0">
+                <a:solidFill>
+                  <a:schemeClr val="tx1">
+                    <a:lumMod val="85000"/>
+                    <a:lumOff val="15000"/>
+                  </a:schemeClr>
+                </a:solidFill>
                 <a:latin typeface="Arial" panose="020B0604020202020204" pitchFamily="34" charset="0"/>
                 <a:cs typeface="Arial" panose="020B0604020202020204" pitchFamily="34" charset="0"/>
               </a:rPr>
@@ -20352,6 +23397,12 @@
             </a:r>
             <a:r>
               <a:rPr lang="en-US" sz="2000" dirty="0" smtClean="0">
+                <a:solidFill>
+                  <a:schemeClr val="tx1">
+                    <a:lumMod val="85000"/>
+                    <a:lumOff val="15000"/>
+                  </a:schemeClr>
+                </a:solidFill>
                 <a:latin typeface="Arial" panose="020B0604020202020204" pitchFamily="34" charset="0"/>
                 <a:cs typeface="Arial" panose="020B0604020202020204" pitchFamily="34" charset="0"/>
               </a:rPr>
@@ -20359,6 +23410,12 @@
             </a:r>
             <a:r>
               <a:rPr lang="el-GR" sz="2000" dirty="0" smtClean="0">
+                <a:solidFill>
+                  <a:schemeClr val="tx1">
+                    <a:lumMod val="85000"/>
+                    <a:lumOff val="15000"/>
+                  </a:schemeClr>
+                </a:solidFill>
                 <a:latin typeface="Arial" panose="020B0604020202020204" pitchFamily="34" charset="0"/>
                 <a:cs typeface="Arial" panose="020B0604020202020204" pitchFamily="34" charset="0"/>
               </a:rPr>
@@ -20366,6 +23423,12 @@
             </a:r>
             <a:r>
               <a:rPr lang="en-US" sz="2000" dirty="0" smtClean="0">
+                <a:solidFill>
+                  <a:schemeClr val="tx1">
+                    <a:lumMod val="85000"/>
+                    <a:lumOff val="15000"/>
+                  </a:schemeClr>
+                </a:solidFill>
                 <a:latin typeface="Arial" panose="020B0604020202020204" pitchFamily="34" charset="0"/>
                 <a:cs typeface="Arial" panose="020B0604020202020204" pitchFamily="34" charset="0"/>
               </a:rPr>
@@ -20373,6 +23436,12 @@
             </a:r>
             <a:r>
               <a:rPr lang="en-US" sz="2000" dirty="0">
+                <a:solidFill>
+                  <a:schemeClr val="tx1">
+                    <a:lumMod val="85000"/>
+                    <a:lumOff val="15000"/>
+                  </a:schemeClr>
+                </a:solidFill>
                 <a:latin typeface="Arial" panose="020B0604020202020204" pitchFamily="34" charset="0"/>
                 <a:cs typeface="Arial" panose="020B0604020202020204" pitchFamily="34" charset="0"/>
               </a:rPr>
@@ -20380,6 +23449,12 @@
             </a:r>
             <a:r>
               <a:rPr lang="en-US" sz="2000" dirty="0" smtClean="0">
+                <a:solidFill>
+                  <a:schemeClr val="tx1">
+                    <a:lumMod val="85000"/>
+                    <a:lumOff val="15000"/>
+                  </a:schemeClr>
+                </a:solidFill>
                 <a:latin typeface="Arial" panose="020B0604020202020204" pitchFamily="34" charset="0"/>
                 <a:cs typeface="Arial" panose="020B0604020202020204" pitchFamily="34" charset="0"/>
               </a:rPr>
@@ -20684,11 +23759,11 @@
           <a:p>
             <a:pPr algn="ctr"/>
             <a:r>
-              <a:rPr lang="en-GB" sz="3000" b="1" cap="all" dirty="0" smtClean="0">
-                <a:latin typeface="Arial" panose="020B0604020202020204" pitchFamily="34" charset="0"/>
-                <a:cs typeface="Arial" panose="020B0604020202020204" pitchFamily="34" charset="0"/>
-              </a:rPr>
-              <a:t>OUTLINE</a:t>
+              <a:rPr lang="en-GB" sz="3000" b="1" cap="all" dirty="0" err="1" smtClean="0">
+                <a:latin typeface="Arial" panose="020B0604020202020204" pitchFamily="34" charset="0"/>
+                <a:cs typeface="Arial" panose="020B0604020202020204" pitchFamily="34" charset="0"/>
+              </a:rPr>
+              <a:t>OUTlINE</a:t>
             </a:r>
             <a:endParaRPr lang="en-GB" sz="3000" cap="all" dirty="0">
               <a:latin typeface="Arial" panose="020B0604020202020204" pitchFamily="34" charset="0"/>
@@ -20709,8 +23784,8 @@
         </p:nvSpPr>
         <p:spPr>
           <a:xfrm>
-            <a:off x="2010031" y="1878780"/>
-            <a:ext cx="8484973" cy="3442862"/>
+            <a:off x="2484164" y="1709446"/>
+            <a:ext cx="7404903" cy="3802353"/>
           </a:xfrm>
         </p:spPr>
         <p:txBody>
@@ -20719,32 +23794,46 @@
           </a:bodyPr>
           <a:lstStyle/>
           <a:p>
-            <a:pPr>
+            <a:pPr marL="514350" indent="-514350">
               <a:lnSpc>
                 <a:spcPct val="125000"/>
               </a:lnSpc>
+              <a:buFont typeface="+mj-lt"/>
+              <a:buAutoNum type="arabicPeriod"/>
             </a:pPr>
             <a:r>
-              <a:rPr lang="en-US" sz="2400" dirty="0">
+              <a:rPr lang="en-US" sz="2600" dirty="0">
+                <a:solidFill>
+                  <a:schemeClr val="tx1">
+                    <a:lumMod val="85000"/>
+                    <a:lumOff val="15000"/>
+                  </a:schemeClr>
+                </a:solidFill>
+                <a:latin typeface="Arial" panose="020B0604020202020204" pitchFamily="34" charset="0"/>
+                <a:cs typeface="Arial" panose="020B0604020202020204" pitchFamily="34" charset="0"/>
+              </a:rPr>
+              <a:t>Introduction</a:t>
+            </a:r>
+          </a:p>
+          <a:p>
+            <a:pPr marL="514350" indent="-514350">
+              <a:lnSpc>
+                <a:spcPct val="125000"/>
+              </a:lnSpc>
+              <a:buFont typeface="+mj-lt"/>
+              <a:buAutoNum type="arabicPeriod"/>
+            </a:pPr>
+            <a:r>
+              <a:rPr lang="en-US" sz="2600" dirty="0" smtClean="0">
                 <a:solidFill>
                   <a:srgbClr val="FF0000"/>
                 </a:solidFill>
                 <a:latin typeface="Arial" panose="020B0604020202020204" pitchFamily="34" charset="0"/>
                 <a:cs typeface="Arial" panose="020B0604020202020204" pitchFamily="34" charset="0"/>
               </a:rPr>
-              <a:t>PGFKM </a:t>
-            </a:r>
-            <a:r>
-              <a:rPr lang="en-US" sz="2400" dirty="0" smtClean="0">
-                <a:solidFill>
-                  <a:srgbClr val="FF0000"/>
-                </a:solidFill>
-                <a:latin typeface="Arial" panose="020B0604020202020204" pitchFamily="34" charset="0"/>
-                <a:cs typeface="Arial" panose="020B0604020202020204" pitchFamily="34" charset="0"/>
-              </a:rPr>
-              <a:t>Model</a:t>
-            </a:r>
-            <a:endParaRPr lang="en-US" sz="2400" dirty="0">
+              <a:t>PGFKM model</a:t>
+            </a:r>
+            <a:endParaRPr lang="en-US" sz="2600" dirty="0">
               <a:solidFill>
                 <a:srgbClr val="FF0000"/>
               </a:solidFill>
@@ -20753,68 +23842,233 @@
             </a:endParaRPr>
           </a:p>
           <a:p>
-            <a:pPr>
+            <a:pPr marL="514350" indent="-514350">
               <a:lnSpc>
                 <a:spcPct val="125000"/>
               </a:lnSpc>
+              <a:buFont typeface="+mj-lt"/>
+              <a:buAutoNum type="arabicPeriod"/>
             </a:pPr>
             <a:r>
-              <a:rPr lang="en-US" sz="2400" dirty="0">
-                <a:latin typeface="Arial" panose="020B0604020202020204" pitchFamily="34" charset="0"/>
-                <a:cs typeface="Arial" panose="020B0604020202020204" pitchFamily="34" charset="0"/>
-              </a:rPr>
-              <a:t>Updating Membership Step</a:t>
-            </a:r>
-          </a:p>
-          <a:p>
-            <a:pPr>
+              <a:rPr lang="en-US" sz="2600" dirty="0">
+                <a:solidFill>
+                  <a:schemeClr val="tx1">
+                    <a:lumMod val="85000"/>
+                    <a:lumOff val="15000"/>
+                  </a:schemeClr>
+                </a:solidFill>
+                <a:latin typeface="Arial" panose="020B0604020202020204" pitchFamily="34" charset="0"/>
+                <a:cs typeface="Arial" panose="020B0604020202020204" pitchFamily="34" charset="0"/>
+              </a:rPr>
+              <a:t>Updating </a:t>
+            </a:r>
+            <a:r>
+              <a:rPr lang="en-US" sz="2600" dirty="0" smtClean="0">
+                <a:solidFill>
+                  <a:schemeClr val="tx1">
+                    <a:lumMod val="85000"/>
+                    <a:lumOff val="15000"/>
+                  </a:schemeClr>
+                </a:solidFill>
+                <a:latin typeface="Arial" panose="020B0604020202020204" pitchFamily="34" charset="0"/>
+                <a:cs typeface="Arial" panose="020B0604020202020204" pitchFamily="34" charset="0"/>
+              </a:rPr>
+              <a:t>membership step</a:t>
+            </a:r>
+            <a:endParaRPr lang="en-US" sz="2600" dirty="0">
+              <a:solidFill>
+                <a:schemeClr val="tx1">
+                  <a:lumMod val="85000"/>
+                  <a:lumOff val="15000"/>
+                </a:schemeClr>
+              </a:solidFill>
+              <a:latin typeface="Arial" panose="020B0604020202020204" pitchFamily="34" charset="0"/>
+              <a:cs typeface="Arial" panose="020B0604020202020204" pitchFamily="34" charset="0"/>
+            </a:endParaRPr>
+          </a:p>
+          <a:p>
+            <a:pPr marL="514350" indent="-514350">
               <a:lnSpc>
                 <a:spcPct val="125000"/>
               </a:lnSpc>
+              <a:buFont typeface="+mj-lt"/>
+              <a:buAutoNum type="arabicPeriod"/>
             </a:pPr>
             <a:r>
-              <a:rPr lang="en-US" sz="2400" dirty="0">
-                <a:latin typeface="Arial" panose="020B0604020202020204" pitchFamily="34" charset="0"/>
-                <a:cs typeface="Arial" panose="020B0604020202020204" pitchFamily="34" charset="0"/>
-              </a:rPr>
-              <a:t>Calculating New Centroids Step</a:t>
-            </a:r>
-          </a:p>
-          <a:p>
-            <a:pPr>
+              <a:rPr lang="en-US" sz="2600" dirty="0">
+                <a:solidFill>
+                  <a:schemeClr val="tx1">
+                    <a:lumMod val="85000"/>
+                    <a:lumOff val="15000"/>
+                  </a:schemeClr>
+                </a:solidFill>
+                <a:latin typeface="Arial" panose="020B0604020202020204" pitchFamily="34" charset="0"/>
+                <a:cs typeface="Arial" panose="020B0604020202020204" pitchFamily="34" charset="0"/>
+              </a:rPr>
+              <a:t>Calculating </a:t>
+            </a:r>
+            <a:r>
+              <a:rPr lang="en-US" sz="2600" dirty="0" smtClean="0">
+                <a:solidFill>
+                  <a:schemeClr val="tx1">
+                    <a:lumMod val="85000"/>
+                    <a:lumOff val="15000"/>
+                  </a:schemeClr>
+                </a:solidFill>
+                <a:latin typeface="Arial" panose="020B0604020202020204" pitchFamily="34" charset="0"/>
+                <a:cs typeface="Arial" panose="020B0604020202020204" pitchFamily="34" charset="0"/>
+              </a:rPr>
+              <a:t>new </a:t>
+            </a:r>
+            <a:r>
+              <a:rPr lang="en-US" sz="2600" dirty="0">
+                <a:solidFill>
+                  <a:schemeClr val="tx1">
+                    <a:lumMod val="85000"/>
+                    <a:lumOff val="15000"/>
+                  </a:schemeClr>
+                </a:solidFill>
+                <a:latin typeface="Arial" panose="020B0604020202020204" pitchFamily="34" charset="0"/>
+                <a:cs typeface="Arial" panose="020B0604020202020204" pitchFamily="34" charset="0"/>
+              </a:rPr>
+              <a:t>c</a:t>
+            </a:r>
+            <a:r>
+              <a:rPr lang="en-US" sz="2600" dirty="0" smtClean="0">
+                <a:solidFill>
+                  <a:schemeClr val="tx1">
+                    <a:lumMod val="85000"/>
+                    <a:lumOff val="15000"/>
+                  </a:schemeClr>
+                </a:solidFill>
+                <a:latin typeface="Arial" panose="020B0604020202020204" pitchFamily="34" charset="0"/>
+                <a:cs typeface="Arial" panose="020B0604020202020204" pitchFamily="34" charset="0"/>
+              </a:rPr>
+              <a:t>entroids </a:t>
+            </a:r>
+            <a:r>
+              <a:rPr lang="en-US" sz="2600" dirty="0">
+                <a:solidFill>
+                  <a:schemeClr val="tx1">
+                    <a:lumMod val="85000"/>
+                    <a:lumOff val="15000"/>
+                  </a:schemeClr>
+                </a:solidFill>
+                <a:latin typeface="Arial" panose="020B0604020202020204" pitchFamily="34" charset="0"/>
+                <a:cs typeface="Arial" panose="020B0604020202020204" pitchFamily="34" charset="0"/>
+              </a:rPr>
+              <a:t>s</a:t>
+            </a:r>
+            <a:r>
+              <a:rPr lang="en-US" sz="2600" dirty="0" smtClean="0">
+                <a:solidFill>
+                  <a:schemeClr val="tx1">
+                    <a:lumMod val="85000"/>
+                    <a:lumOff val="15000"/>
+                  </a:schemeClr>
+                </a:solidFill>
+                <a:latin typeface="Arial" panose="020B0604020202020204" pitchFamily="34" charset="0"/>
+                <a:cs typeface="Arial" panose="020B0604020202020204" pitchFamily="34" charset="0"/>
+              </a:rPr>
+              <a:t>tep</a:t>
+            </a:r>
+            <a:endParaRPr lang="en-US" sz="2600" dirty="0">
+              <a:solidFill>
+                <a:schemeClr val="tx1">
+                  <a:lumMod val="85000"/>
+                  <a:lumOff val="15000"/>
+                </a:schemeClr>
+              </a:solidFill>
+              <a:latin typeface="Arial" panose="020B0604020202020204" pitchFamily="34" charset="0"/>
+              <a:cs typeface="Arial" panose="020B0604020202020204" pitchFamily="34" charset="0"/>
+            </a:endParaRPr>
+          </a:p>
+          <a:p>
+            <a:pPr marL="514350" indent="-514350">
               <a:lnSpc>
                 <a:spcPct val="125000"/>
               </a:lnSpc>
+              <a:buFont typeface="+mj-lt"/>
+              <a:buAutoNum type="arabicPeriod"/>
             </a:pPr>
             <a:r>
-              <a:rPr lang="en-US" sz="2400" dirty="0">
-                <a:latin typeface="Arial" panose="020B0604020202020204" pitchFamily="34" charset="0"/>
-                <a:cs typeface="Arial" panose="020B0604020202020204" pitchFamily="34" charset="0"/>
-              </a:rPr>
-              <a:t>Checking Convergence Step</a:t>
-            </a:r>
-          </a:p>
-          <a:p>
-            <a:pPr>
+              <a:rPr lang="en-US" sz="2600" dirty="0">
+                <a:solidFill>
+                  <a:schemeClr val="tx1">
+                    <a:lumMod val="85000"/>
+                    <a:lumOff val="15000"/>
+                  </a:schemeClr>
+                </a:solidFill>
+                <a:latin typeface="Arial" panose="020B0604020202020204" pitchFamily="34" charset="0"/>
+                <a:cs typeface="Arial" panose="020B0604020202020204" pitchFamily="34" charset="0"/>
+              </a:rPr>
+              <a:t>Checking </a:t>
+            </a:r>
+            <a:r>
+              <a:rPr lang="en-US" sz="2600" dirty="0" smtClean="0">
+                <a:solidFill>
+                  <a:schemeClr val="tx1">
+                    <a:lumMod val="85000"/>
+                    <a:lumOff val="15000"/>
+                  </a:schemeClr>
+                </a:solidFill>
+                <a:latin typeface="Arial" panose="020B0604020202020204" pitchFamily="34" charset="0"/>
+                <a:cs typeface="Arial" panose="020B0604020202020204" pitchFamily="34" charset="0"/>
+              </a:rPr>
+              <a:t>convergence step</a:t>
+            </a:r>
+            <a:endParaRPr lang="en-US" sz="2600" dirty="0">
+              <a:solidFill>
+                <a:schemeClr val="tx1">
+                  <a:lumMod val="85000"/>
+                  <a:lumOff val="15000"/>
+                </a:schemeClr>
+              </a:solidFill>
+              <a:latin typeface="Arial" panose="020B0604020202020204" pitchFamily="34" charset="0"/>
+              <a:cs typeface="Arial" panose="020B0604020202020204" pitchFamily="34" charset="0"/>
+            </a:endParaRPr>
+          </a:p>
+          <a:p>
+            <a:pPr marL="514350" indent="-514350">
               <a:lnSpc>
                 <a:spcPct val="125000"/>
               </a:lnSpc>
+              <a:buFont typeface="+mj-lt"/>
+              <a:buAutoNum type="arabicPeriod"/>
             </a:pPr>
             <a:r>
-              <a:rPr lang="en-US" sz="2400" dirty="0">
+              <a:rPr lang="en-US" sz="2600" dirty="0">
+                <a:solidFill>
+                  <a:schemeClr val="tx1">
+                    <a:lumMod val="85000"/>
+                    <a:lumOff val="15000"/>
+                  </a:schemeClr>
+                </a:solidFill>
                 <a:latin typeface="Arial" panose="020B0604020202020204" pitchFamily="34" charset="0"/>
                 <a:cs typeface="Arial" panose="020B0604020202020204" pitchFamily="34" charset="0"/>
               </a:rPr>
               <a:t>Experimental </a:t>
             </a:r>
             <a:r>
-              <a:rPr lang="en-US" sz="2400" dirty="0" smtClean="0">
-                <a:latin typeface="Arial" panose="020B0604020202020204" pitchFamily="34" charset="0"/>
-                <a:cs typeface="Arial" panose="020B0604020202020204" pitchFamily="34" charset="0"/>
-              </a:rPr>
-              <a:t>Results</a:t>
-            </a:r>
-            <a:endParaRPr lang="en-US" sz="2400" dirty="0">
+              <a:rPr lang="en-US" sz="2600" dirty="0" smtClean="0">
+                <a:solidFill>
+                  <a:schemeClr val="tx1">
+                    <a:lumMod val="85000"/>
+                    <a:lumOff val="15000"/>
+                  </a:schemeClr>
+                </a:solidFill>
+                <a:latin typeface="Arial" panose="020B0604020202020204" pitchFamily="34" charset="0"/>
+                <a:cs typeface="Arial" panose="020B0604020202020204" pitchFamily="34" charset="0"/>
+              </a:rPr>
+              <a:t>results</a:t>
+            </a:r>
+            <a:endParaRPr lang="en-US" sz="2600" dirty="0">
+              <a:solidFill>
+                <a:schemeClr val="tx1">
+                  <a:lumMod val="85000"/>
+                  <a:lumOff val="15000"/>
+                </a:schemeClr>
+              </a:solidFill>
               <a:latin typeface="Arial" panose="020B0604020202020204" pitchFamily="34" charset="0"/>
               <a:cs typeface="Arial" panose="020B0604020202020204" pitchFamily="34" charset="0"/>
             </a:endParaRPr>
@@ -20824,7 +24078,7 @@
     </p:spTree>
     <p:extLst>
       <p:ext uri="{BB962C8B-B14F-4D97-AF65-F5344CB8AC3E}">
-        <p14:creationId xmlns:p14="http://schemas.microsoft.com/office/powerpoint/2010/main" val="1875733865"/>
+        <p14:creationId xmlns:p14="http://schemas.microsoft.com/office/powerpoint/2010/main" val="3436796896"/>
       </p:ext>
     </p:extLst>
   </p:cSld>
@@ -22018,11 +25272,11 @@
           <a:p>
             <a:pPr algn="ctr"/>
             <a:r>
-              <a:rPr lang="en-GB" sz="3000" b="1" cap="all" dirty="0" smtClean="0">
-                <a:latin typeface="Arial" panose="020B0604020202020204" pitchFamily="34" charset="0"/>
-                <a:cs typeface="Arial" panose="020B0604020202020204" pitchFamily="34" charset="0"/>
-              </a:rPr>
-              <a:t>OUTLINE</a:t>
+              <a:rPr lang="en-GB" sz="3000" b="1" cap="all" dirty="0" err="1" smtClean="0">
+                <a:latin typeface="Arial" panose="020B0604020202020204" pitchFamily="34" charset="0"/>
+                <a:cs typeface="Arial" panose="020B0604020202020204" pitchFamily="34" charset="0"/>
+              </a:rPr>
+              <a:t>OUTlINE</a:t>
             </a:r>
             <a:endParaRPr lang="en-GB" sz="3000" cap="all" dirty="0">
               <a:latin typeface="Arial" panose="020B0604020202020204" pitchFamily="34" charset="0"/>
@@ -22043,8 +25297,8 @@
         </p:nvSpPr>
         <p:spPr>
           <a:xfrm>
-            <a:off x="2010031" y="1878780"/>
-            <a:ext cx="8484973" cy="3442862"/>
+            <a:off x="2484164" y="1709446"/>
+            <a:ext cx="7404903" cy="3802353"/>
           </a:xfrm>
         </p:spPr>
         <p:txBody>
@@ -22053,96 +25307,278 @@
           </a:bodyPr>
           <a:lstStyle/>
           <a:p>
-            <a:pPr>
+            <a:pPr marL="514350" indent="-514350">
               <a:lnSpc>
                 <a:spcPct val="125000"/>
               </a:lnSpc>
+              <a:buFont typeface="+mj-lt"/>
+              <a:buAutoNum type="arabicPeriod"/>
             </a:pPr>
             <a:r>
-              <a:rPr lang="en-US" sz="2400" dirty="0">
-                <a:latin typeface="Arial" panose="020B0604020202020204" pitchFamily="34" charset="0"/>
-                <a:cs typeface="Arial" panose="020B0604020202020204" pitchFamily="34" charset="0"/>
-              </a:rPr>
-              <a:t>PGFKM </a:t>
-            </a:r>
-            <a:r>
-              <a:rPr lang="en-US" sz="2400" dirty="0" smtClean="0">
-                <a:latin typeface="Arial" panose="020B0604020202020204" pitchFamily="34" charset="0"/>
-                <a:cs typeface="Arial" panose="020B0604020202020204" pitchFamily="34" charset="0"/>
-              </a:rPr>
-              <a:t>Model</a:t>
-            </a:r>
-            <a:endParaRPr lang="en-US" sz="2400" dirty="0">
+              <a:rPr lang="en-US" sz="2600" dirty="0">
+                <a:solidFill>
+                  <a:schemeClr val="tx1">
+                    <a:lumMod val="85000"/>
+                    <a:lumOff val="15000"/>
+                  </a:schemeClr>
+                </a:solidFill>
+                <a:latin typeface="Arial" panose="020B0604020202020204" pitchFamily="34" charset="0"/>
+                <a:cs typeface="Arial" panose="020B0604020202020204" pitchFamily="34" charset="0"/>
+              </a:rPr>
+              <a:t>Introduction</a:t>
+            </a:r>
+          </a:p>
+          <a:p>
+            <a:pPr marL="514350" indent="-514350">
+              <a:lnSpc>
+                <a:spcPct val="125000"/>
+              </a:lnSpc>
+              <a:buFont typeface="+mj-lt"/>
+              <a:buAutoNum type="arabicPeriod"/>
+            </a:pPr>
+            <a:r>
+              <a:rPr lang="en-US" sz="2600" dirty="0">
+                <a:solidFill>
+                  <a:schemeClr val="tx1">
+                    <a:lumMod val="85000"/>
+                    <a:lumOff val="15000"/>
+                  </a:schemeClr>
+                </a:solidFill>
+                <a:latin typeface="Arial" panose="020B0604020202020204" pitchFamily="34" charset="0"/>
+                <a:cs typeface="Arial" panose="020B0604020202020204" pitchFamily="34" charset="0"/>
+              </a:rPr>
+              <a:t>PGFKM model</a:t>
+            </a:r>
+            <a:endParaRPr lang="en-US" sz="2600" dirty="0">
+              <a:solidFill>
+                <a:schemeClr val="tx1">
+                  <a:lumMod val="85000"/>
+                  <a:lumOff val="15000"/>
+                </a:schemeClr>
+              </a:solidFill>
               <a:latin typeface="Arial" panose="020B0604020202020204" pitchFamily="34" charset="0"/>
               <a:cs typeface="Arial" panose="020B0604020202020204" pitchFamily="34" charset="0"/>
             </a:endParaRPr>
           </a:p>
           <a:p>
-            <a:pPr>
+            <a:pPr marL="514350" indent="-514350">
               <a:lnSpc>
                 <a:spcPct val="125000"/>
               </a:lnSpc>
+              <a:buFont typeface="+mj-lt"/>
+              <a:buAutoNum type="arabicPeriod"/>
             </a:pPr>
             <a:r>
-              <a:rPr lang="en-US" sz="2400" dirty="0">
+              <a:rPr lang="en-US" sz="2600" dirty="0">
                 <a:solidFill>
                   <a:srgbClr val="FF0000"/>
                 </a:solidFill>
                 <a:latin typeface="Arial" panose="020B0604020202020204" pitchFamily="34" charset="0"/>
                 <a:cs typeface="Arial" panose="020B0604020202020204" pitchFamily="34" charset="0"/>
               </a:rPr>
-              <a:t>Updating Membership Step</a:t>
-            </a:r>
-          </a:p>
-          <a:p>
-            <a:pPr>
+              <a:t>Updating </a:t>
+            </a:r>
+            <a:r>
+              <a:rPr lang="en-US" sz="2600" dirty="0" smtClean="0">
+                <a:solidFill>
+                  <a:srgbClr val="FF0000"/>
+                </a:solidFill>
+                <a:latin typeface="Arial" panose="020B0604020202020204" pitchFamily="34" charset="0"/>
+                <a:cs typeface="Arial" panose="020B0604020202020204" pitchFamily="34" charset="0"/>
+              </a:rPr>
+              <a:t>membership step</a:t>
+            </a:r>
+            <a:endParaRPr lang="en-US" sz="2600" dirty="0">
+              <a:solidFill>
+                <a:srgbClr val="FF0000"/>
+              </a:solidFill>
+              <a:latin typeface="Arial" panose="020B0604020202020204" pitchFamily="34" charset="0"/>
+              <a:cs typeface="Arial" panose="020B0604020202020204" pitchFamily="34" charset="0"/>
+            </a:endParaRPr>
+          </a:p>
+          <a:p>
+            <a:pPr marL="514350" indent="-514350">
               <a:lnSpc>
                 <a:spcPct val="125000"/>
               </a:lnSpc>
+              <a:buFont typeface="+mj-lt"/>
+              <a:buAutoNum type="arabicPeriod"/>
             </a:pPr>
             <a:r>
-              <a:rPr lang="en-US" sz="2400" dirty="0">
-                <a:latin typeface="Arial" panose="020B0604020202020204" pitchFamily="34" charset="0"/>
-                <a:cs typeface="Arial" panose="020B0604020202020204" pitchFamily="34" charset="0"/>
-              </a:rPr>
-              <a:t>Calculating New Centroids Step</a:t>
-            </a:r>
-          </a:p>
-          <a:p>
-            <a:pPr>
+              <a:rPr lang="en-US" sz="2600" dirty="0">
+                <a:solidFill>
+                  <a:schemeClr val="tx1">
+                    <a:lumMod val="85000"/>
+                    <a:lumOff val="15000"/>
+                  </a:schemeClr>
+                </a:solidFill>
+                <a:latin typeface="Arial" panose="020B0604020202020204" pitchFamily="34" charset="0"/>
+                <a:cs typeface="Arial" panose="020B0604020202020204" pitchFamily="34" charset="0"/>
+              </a:rPr>
+              <a:t>Calculating </a:t>
+            </a:r>
+            <a:r>
+              <a:rPr lang="en-US" sz="2600" dirty="0" smtClean="0">
+                <a:solidFill>
+                  <a:schemeClr val="tx1">
+                    <a:lumMod val="85000"/>
+                    <a:lumOff val="15000"/>
+                  </a:schemeClr>
+                </a:solidFill>
+                <a:latin typeface="Arial" panose="020B0604020202020204" pitchFamily="34" charset="0"/>
+                <a:cs typeface="Arial" panose="020B0604020202020204" pitchFamily="34" charset="0"/>
+              </a:rPr>
+              <a:t>new </a:t>
+            </a:r>
+            <a:r>
+              <a:rPr lang="en-US" sz="2600" dirty="0">
+                <a:solidFill>
+                  <a:schemeClr val="tx1">
+                    <a:lumMod val="85000"/>
+                    <a:lumOff val="15000"/>
+                  </a:schemeClr>
+                </a:solidFill>
+                <a:latin typeface="Arial" panose="020B0604020202020204" pitchFamily="34" charset="0"/>
+                <a:cs typeface="Arial" panose="020B0604020202020204" pitchFamily="34" charset="0"/>
+              </a:rPr>
+              <a:t>c</a:t>
+            </a:r>
+            <a:r>
+              <a:rPr lang="en-US" sz="2600" dirty="0" smtClean="0">
+                <a:solidFill>
+                  <a:schemeClr val="tx1">
+                    <a:lumMod val="85000"/>
+                    <a:lumOff val="15000"/>
+                  </a:schemeClr>
+                </a:solidFill>
+                <a:latin typeface="Arial" panose="020B0604020202020204" pitchFamily="34" charset="0"/>
+                <a:cs typeface="Arial" panose="020B0604020202020204" pitchFamily="34" charset="0"/>
+              </a:rPr>
+              <a:t>entroids </a:t>
+            </a:r>
+            <a:r>
+              <a:rPr lang="en-US" sz="2600" dirty="0">
+                <a:solidFill>
+                  <a:schemeClr val="tx1">
+                    <a:lumMod val="85000"/>
+                    <a:lumOff val="15000"/>
+                  </a:schemeClr>
+                </a:solidFill>
+                <a:latin typeface="Arial" panose="020B0604020202020204" pitchFamily="34" charset="0"/>
+                <a:cs typeface="Arial" panose="020B0604020202020204" pitchFamily="34" charset="0"/>
+              </a:rPr>
+              <a:t>s</a:t>
+            </a:r>
+            <a:r>
+              <a:rPr lang="en-US" sz="2600" dirty="0" smtClean="0">
+                <a:solidFill>
+                  <a:schemeClr val="tx1">
+                    <a:lumMod val="85000"/>
+                    <a:lumOff val="15000"/>
+                  </a:schemeClr>
+                </a:solidFill>
+                <a:latin typeface="Arial" panose="020B0604020202020204" pitchFamily="34" charset="0"/>
+                <a:cs typeface="Arial" panose="020B0604020202020204" pitchFamily="34" charset="0"/>
+              </a:rPr>
+              <a:t>tep</a:t>
+            </a:r>
+            <a:endParaRPr lang="en-US" sz="2600" dirty="0">
+              <a:solidFill>
+                <a:schemeClr val="tx1">
+                  <a:lumMod val="85000"/>
+                  <a:lumOff val="15000"/>
+                </a:schemeClr>
+              </a:solidFill>
+              <a:latin typeface="Arial" panose="020B0604020202020204" pitchFamily="34" charset="0"/>
+              <a:cs typeface="Arial" panose="020B0604020202020204" pitchFamily="34" charset="0"/>
+            </a:endParaRPr>
+          </a:p>
+          <a:p>
+            <a:pPr marL="514350" indent="-514350">
               <a:lnSpc>
                 <a:spcPct val="125000"/>
               </a:lnSpc>
+              <a:buFont typeface="+mj-lt"/>
+              <a:buAutoNum type="arabicPeriod"/>
             </a:pPr>
             <a:r>
-              <a:rPr lang="en-US" sz="2400" dirty="0">
-                <a:latin typeface="Arial" panose="020B0604020202020204" pitchFamily="34" charset="0"/>
-                <a:cs typeface="Arial" panose="020B0604020202020204" pitchFamily="34" charset="0"/>
-              </a:rPr>
-              <a:t>Checking Convergence Step</a:t>
-            </a:r>
-          </a:p>
-          <a:p>
-            <a:pPr>
+              <a:rPr lang="en-US" sz="2600" dirty="0">
+                <a:solidFill>
+                  <a:schemeClr val="tx1">
+                    <a:lumMod val="85000"/>
+                    <a:lumOff val="15000"/>
+                  </a:schemeClr>
+                </a:solidFill>
+                <a:latin typeface="Arial" panose="020B0604020202020204" pitchFamily="34" charset="0"/>
+                <a:cs typeface="Arial" panose="020B0604020202020204" pitchFamily="34" charset="0"/>
+              </a:rPr>
+              <a:t>Checking </a:t>
+            </a:r>
+            <a:r>
+              <a:rPr lang="en-US" sz="2600" dirty="0" smtClean="0">
+                <a:solidFill>
+                  <a:schemeClr val="tx1">
+                    <a:lumMod val="85000"/>
+                    <a:lumOff val="15000"/>
+                  </a:schemeClr>
+                </a:solidFill>
+                <a:latin typeface="Arial" panose="020B0604020202020204" pitchFamily="34" charset="0"/>
+                <a:cs typeface="Arial" panose="020B0604020202020204" pitchFamily="34" charset="0"/>
+              </a:rPr>
+              <a:t>convergence step</a:t>
+            </a:r>
+            <a:endParaRPr lang="en-US" sz="2600" dirty="0">
+              <a:solidFill>
+                <a:schemeClr val="tx1">
+                  <a:lumMod val="85000"/>
+                  <a:lumOff val="15000"/>
+                </a:schemeClr>
+              </a:solidFill>
+              <a:latin typeface="Arial" panose="020B0604020202020204" pitchFamily="34" charset="0"/>
+              <a:cs typeface="Arial" panose="020B0604020202020204" pitchFamily="34" charset="0"/>
+            </a:endParaRPr>
+          </a:p>
+          <a:p>
+            <a:pPr marL="514350" indent="-514350">
               <a:lnSpc>
                 <a:spcPct val="125000"/>
               </a:lnSpc>
+              <a:buFont typeface="+mj-lt"/>
+              <a:buAutoNum type="arabicPeriod"/>
             </a:pPr>
             <a:r>
-              <a:rPr lang="en-US" sz="2400" dirty="0">
+              <a:rPr lang="en-US" sz="2600" dirty="0">
+                <a:solidFill>
+                  <a:schemeClr val="tx1">
+                    <a:lumMod val="85000"/>
+                    <a:lumOff val="15000"/>
+                  </a:schemeClr>
+                </a:solidFill>
                 <a:latin typeface="Arial" panose="020B0604020202020204" pitchFamily="34" charset="0"/>
                 <a:cs typeface="Arial" panose="020B0604020202020204" pitchFamily="34" charset="0"/>
               </a:rPr>
               <a:t>Experimental </a:t>
             </a:r>
             <a:r>
-              <a:rPr lang="en-US" sz="2400" dirty="0" smtClean="0">
-                <a:latin typeface="Arial" panose="020B0604020202020204" pitchFamily="34" charset="0"/>
-                <a:cs typeface="Arial" panose="020B0604020202020204" pitchFamily="34" charset="0"/>
-              </a:rPr>
-              <a:t>Results</a:t>
-            </a:r>
-            <a:endParaRPr lang="en-US" sz="2400" dirty="0">
+              <a:rPr lang="en-US" sz="2600" dirty="0" smtClean="0">
+                <a:solidFill>
+                  <a:schemeClr val="tx1">
+                    <a:lumMod val="85000"/>
+                    <a:lumOff val="15000"/>
+                  </a:schemeClr>
+                </a:solidFill>
+                <a:latin typeface="Arial" panose="020B0604020202020204" pitchFamily="34" charset="0"/>
+                <a:cs typeface="Arial" panose="020B0604020202020204" pitchFamily="34" charset="0"/>
+              </a:rPr>
+              <a:t>results</a:t>
+            </a:r>
+            <a:endParaRPr lang="en-US" sz="2600" dirty="0">
+              <a:solidFill>
+                <a:schemeClr val="tx1">
+                  <a:lumMod val="85000"/>
+                  <a:lumOff val="15000"/>
+                </a:schemeClr>
+              </a:solidFill>
               <a:latin typeface="Arial" panose="020B0604020202020204" pitchFamily="34" charset="0"/>
               <a:cs typeface="Arial" panose="020B0604020202020204" pitchFamily="34" charset="0"/>
             </a:endParaRPr>
@@ -22152,7 +25588,7 @@
     </p:spTree>
     <p:extLst>
       <p:ext uri="{BB962C8B-B14F-4D97-AF65-F5344CB8AC3E}">
-        <p14:creationId xmlns:p14="http://schemas.microsoft.com/office/powerpoint/2010/main" val="676562343"/>
+        <p14:creationId xmlns:p14="http://schemas.microsoft.com/office/powerpoint/2010/main" val="3673080010"/>
       </p:ext>
     </p:extLst>
   </p:cSld>
@@ -22569,7 +26005,7 @@
         <p:spPr>
           <a:xfrm>
             <a:off x="6663557" y="4453028"/>
-            <a:ext cx="694131" cy="1661"/>
+            <a:ext cx="694131" cy="6357"/>
           </a:xfrm>
           <a:prstGeom prst="straightConnector1">
             <a:avLst/>
@@ -22601,8 +26037,8 @@
         </p:nvSpPr>
         <p:spPr>
           <a:xfrm>
-            <a:off x="7357688" y="4093155"/>
-            <a:ext cx="3037807" cy="723068"/>
+            <a:off x="7357688" y="4067562"/>
+            <a:ext cx="3037807" cy="783645"/>
           </a:xfrm>
           <a:prstGeom prst="roundRect">
             <a:avLst/>
@@ -22628,7 +26064,11 @@
           <a:bodyPr rtlCol="0" anchor="ctr"/>
           <a:lstStyle/>
           <a:p>
-            <a:pPr algn="ctr"/>
+            <a:pPr algn="ctr">
+              <a:lnSpc>
+                <a:spcPct val="114000"/>
+              </a:lnSpc>
+            </a:pPr>
             <a:r>
               <a:rPr lang="en-US" b="1" dirty="0" smtClean="0">
                 <a:latin typeface="Arial" panose="020B0604020202020204" pitchFamily="34" charset="0"/>
@@ -23023,6 +26463,12 @@
             </a:pPr>
             <a:r>
               <a:rPr lang="en-US" sz="2400" i="1" dirty="0">
+                <a:solidFill>
+                  <a:schemeClr val="tx1">
+                    <a:lumMod val="85000"/>
+                    <a:lumOff val="15000"/>
+                  </a:schemeClr>
+                </a:solidFill>
                 <a:latin typeface="Arial" panose="020B0604020202020204" pitchFamily="34" charset="0"/>
                 <a:cs typeface="Arial" panose="020B0604020202020204" pitchFamily="34" charset="0"/>
               </a:rPr>
@@ -23030,6 +26476,12 @@
             </a:r>
             <a:r>
               <a:rPr lang="en-US" sz="2400" dirty="0">
+                <a:solidFill>
+                  <a:schemeClr val="tx1">
+                    <a:lumMod val="85000"/>
+                    <a:lumOff val="15000"/>
+                  </a:schemeClr>
+                </a:solidFill>
                 <a:latin typeface="Arial" panose="020B0604020202020204" pitchFamily="34" charset="0"/>
                 <a:cs typeface="Arial" panose="020B0604020202020204" pitchFamily="34" charset="0"/>
               </a:rPr>
@@ -23037,6 +26489,12 @@
             </a:r>
             <a:r>
               <a:rPr lang="en-US" sz="2400" b="1" dirty="0" smtClean="0">
+                <a:solidFill>
+                  <a:schemeClr val="tx1">
+                    <a:lumMod val="85000"/>
+                    <a:lumOff val="15000"/>
+                  </a:schemeClr>
+                </a:solidFill>
                 <a:latin typeface="Arial" panose="020B0604020202020204" pitchFamily="34" charset="0"/>
                 <a:cs typeface="Arial" panose="020B0604020202020204" pitchFamily="34" charset="0"/>
               </a:rPr>
@@ -23044,6 +26502,12 @@
             </a:r>
             <a:r>
               <a:rPr lang="en-US" sz="2400" dirty="0" smtClean="0">
+                <a:solidFill>
+                  <a:schemeClr val="tx1">
+                    <a:lumMod val="85000"/>
+                    <a:lumOff val="15000"/>
+                  </a:schemeClr>
+                </a:solidFill>
                 <a:latin typeface="Arial" panose="020B0604020202020204" pitchFamily="34" charset="0"/>
                 <a:cs typeface="Arial" panose="020B0604020202020204" pitchFamily="34" charset="0"/>
               </a:rPr>
@@ -23119,6 +26583,12 @@
             </a:pPr>
             <a:r>
               <a:rPr lang="en-US" sz="2400" dirty="0" smtClean="0">
+                <a:solidFill>
+                  <a:schemeClr val="tx1">
+                    <a:lumMod val="85000"/>
+                    <a:lumOff val="15000"/>
+                  </a:schemeClr>
+                </a:solidFill>
                 <a:latin typeface="Arial" panose="020B0604020202020204" pitchFamily="34" charset="0"/>
                 <a:cs typeface="Arial" panose="020B0604020202020204" pitchFamily="34" charset="0"/>
               </a:rPr>
@@ -23126,10 +26596,16 @@
             </a:r>
             <a:r>
               <a:rPr lang="en-US" sz="2400" dirty="0" smtClean="0">
-                <a:latin typeface="Arial" panose="020B0604020202020204" pitchFamily="34" charset="0"/>
-                <a:cs typeface="Arial" panose="020B0604020202020204" pitchFamily="34" charset="0"/>
-              </a:rPr>
-              <a:t>a</a:t>
+                <a:solidFill>
+                  <a:schemeClr val="tx1">
+                    <a:lumMod val="85000"/>
+                    <a:lumOff val="15000"/>
+                  </a:schemeClr>
+                </a:solidFill>
+                <a:latin typeface="Arial" panose="020B0604020202020204" pitchFamily="34" charset="0"/>
+                <a:cs typeface="Arial" panose="020B0604020202020204" pitchFamily="34" charset="0"/>
+              </a:rPr>
+              <a:t>a </a:t>
             </a:r>
             <a:r>
               <a:rPr lang="en-US" sz="2400" dirty="0" smtClean="0">
@@ -23139,7 +26615,7 @@
                 <a:latin typeface="Arial" panose="020B0604020202020204" pitchFamily="34" charset="0"/>
                 <a:cs typeface="Arial" panose="020B0604020202020204" pitchFamily="34" charset="0"/>
               </a:rPr>
-              <a:t> data </a:t>
+              <a:t>data </a:t>
             </a:r>
             <a:r>
               <a:rPr lang="en-US" sz="2400" dirty="0" smtClean="0">
@@ -23201,6 +26677,12 @@
             </a:pPr>
             <a:r>
               <a:rPr lang="en-US" sz="2400" dirty="0">
+                <a:solidFill>
+                  <a:schemeClr val="tx1">
+                    <a:lumMod val="85000"/>
+                    <a:lumOff val="15000"/>
+                  </a:schemeClr>
+                </a:solidFill>
                 <a:latin typeface="Arial" panose="020B0604020202020204" pitchFamily="34" charset="0"/>
                 <a:cs typeface="Arial" panose="020B0604020202020204" pitchFamily="34" charset="0"/>
               </a:rPr>
@@ -23286,6 +26768,12 @@
             </a:pPr>
             <a:r>
               <a:rPr lang="en-US" sz="2400" dirty="0">
+                <a:solidFill>
+                  <a:schemeClr val="tx1">
+                    <a:lumMod val="85000"/>
+                    <a:lumOff val="15000"/>
+                  </a:schemeClr>
+                </a:solidFill>
                 <a:latin typeface="Arial" panose="020B0604020202020204" pitchFamily="34" charset="0"/>
                 <a:cs typeface="Arial" panose="020B0604020202020204" pitchFamily="34" charset="0"/>
               </a:rPr>
@@ -23326,7 +26814,27 @@
                 <a:latin typeface="Arial" panose="020B0604020202020204" pitchFamily="34" charset="0"/>
                 <a:cs typeface="Arial" panose="020B0604020202020204" pitchFamily="34" charset="0"/>
               </a:rPr>
-              <a:t> in </a:t>
+              <a:t> </a:t>
+            </a:r>
+            <a:r>
+              <a:rPr lang="en-US" sz="2400" dirty="0">
+                <a:solidFill>
+                  <a:schemeClr val="tx1">
+                    <a:lumMod val="85000"/>
+                    <a:lumOff val="15000"/>
+                  </a:schemeClr>
+                </a:solidFill>
+                <a:latin typeface="Arial" panose="020B0604020202020204" pitchFamily="34" charset="0"/>
+                <a:cs typeface="Arial" panose="020B0604020202020204" pitchFamily="34" charset="0"/>
+              </a:rPr>
+              <a:t>in</a:t>
+            </a:r>
+            <a:r>
+              <a:rPr lang="en-US" sz="2400" dirty="0">
+                <a:latin typeface="Arial" panose="020B0604020202020204" pitchFamily="34" charset="0"/>
+                <a:cs typeface="Arial" panose="020B0604020202020204" pitchFamily="34" charset="0"/>
+              </a:rPr>
+              <a:t> </a:t>
             </a:r>
             <a:r>
               <a:rPr lang="en-US" sz="2400" dirty="0" smtClean="0">
@@ -23354,6 +26862,12 @@
             </a:pPr>
             <a:r>
               <a:rPr lang="en-US" sz="2400" dirty="0" smtClean="0">
+                <a:solidFill>
+                  <a:schemeClr val="tx1">
+                    <a:lumMod val="85000"/>
+                    <a:lumOff val="15000"/>
+                  </a:schemeClr>
+                </a:solidFill>
                 <a:latin typeface="Arial" panose="020B0604020202020204" pitchFamily="34" charset="0"/>
                 <a:cs typeface="Arial" panose="020B0604020202020204" pitchFamily="34" charset="0"/>
               </a:rPr>
@@ -23381,10 +26895,23 @@
             </a:r>
             <a:r>
               <a:rPr lang="en-US" sz="2400" dirty="0">
-                <a:latin typeface="Arial" panose="020B0604020202020204" pitchFamily="34" charset="0"/>
-                <a:cs typeface="Arial" panose="020B0604020202020204" pitchFamily="34" charset="0"/>
-              </a:rPr>
-              <a:t>in </a:t>
+                <a:solidFill>
+                  <a:schemeClr val="tx1">
+                    <a:lumMod val="85000"/>
+                    <a:lumOff val="15000"/>
+                  </a:schemeClr>
+                </a:solidFill>
+                <a:latin typeface="Arial" panose="020B0604020202020204" pitchFamily="34" charset="0"/>
+                <a:cs typeface="Arial" panose="020B0604020202020204" pitchFamily="34" charset="0"/>
+              </a:rPr>
+              <a:t>in</a:t>
+            </a:r>
+            <a:r>
+              <a:rPr lang="en-US" sz="2400" dirty="0">
+                <a:latin typeface="Arial" panose="020B0604020202020204" pitchFamily="34" charset="0"/>
+                <a:cs typeface="Arial" panose="020B0604020202020204" pitchFamily="34" charset="0"/>
+              </a:rPr>
+              <a:t> </a:t>
             </a:r>
             <a:r>
               <a:rPr lang="en-US" sz="2400" dirty="0">
@@ -23520,7 +27047,7 @@
         <p:spPr>
           <a:xfrm>
             <a:off x="1952626" y="1511751"/>
-            <a:ext cx="8858698" cy="4574724"/>
+            <a:ext cx="8858698" cy="4482649"/>
           </a:xfrm>
           <a:prstGeom prst="rect">
             <a:avLst/>
@@ -23575,7 +27102,7 @@
         <p:spPr>
           <a:xfrm>
             <a:off x="2310221" y="2185245"/>
-            <a:ext cx="8167279" cy="641036"/>
+            <a:ext cx="8167279" cy="736284"/>
           </a:xfrm>
           <a:prstGeom prst="roundRect">
             <a:avLst/>
@@ -23601,7 +27128,11 @@
           <a:bodyPr rtlCol="0" anchor="ctr"/>
           <a:lstStyle/>
           <a:p>
-            <a:pPr algn="ctr"/>
+            <a:pPr algn="ctr">
+              <a:spcAft>
+                <a:spcPts val="300"/>
+              </a:spcAft>
+            </a:pPr>
             <a:r>
               <a:rPr lang="en-US" b="1" dirty="0" smtClean="0">
                 <a:latin typeface="Arial" panose="020B0604020202020204" pitchFamily="34" charset="0"/>
@@ -23629,7 +27160,11 @@
             </a:endParaRPr>
           </a:p>
           <a:p>
-            <a:pPr algn="ctr"/>
+            <a:pPr algn="ctr">
+              <a:spcAft>
+                <a:spcPts val="300"/>
+              </a:spcAft>
+            </a:pPr>
             <a:r>
               <a:rPr lang="en-GB" b="1" dirty="0" err="1" smtClean="0">
                 <a:latin typeface="Arial" panose="020B0604020202020204" pitchFamily="34" charset="0"/>
@@ -23715,8 +27250,8 @@
         </p:nvSpPr>
         <p:spPr>
           <a:xfrm>
-            <a:off x="6391188" y="2997964"/>
-            <a:ext cx="4084891" cy="2802761"/>
+            <a:off x="6391188" y="3048767"/>
+            <a:ext cx="4084891" cy="2691634"/>
           </a:xfrm>
           <a:prstGeom prst="rect">
             <a:avLst/>
@@ -24313,9 +27848,9 @@
           <p:nvPr/>
         </p:nvCxnSpPr>
         <p:spPr>
-          <a:xfrm>
-            <a:off x="4143375" y="2826281"/>
-            <a:ext cx="2586" cy="662271"/>
+          <a:xfrm flipH="1">
+            <a:off x="4145961" y="2921529"/>
+            <a:ext cx="2706" cy="567023"/>
           </a:xfrm>
           <a:prstGeom prst="straightConnector1">
             <a:avLst/>
@@ -24720,4 +28255,265 @@
     </a:ext>
   </a:extLst>
 </a:theme>
+</file>
+
+<file path=ppt/theme/theme2.xml><?xml version="1.0" encoding="utf-8"?>
+<a:theme xmlns:a="http://schemas.openxmlformats.org/drawingml/2006/main" name="Office Theme">
+  <a:themeElements>
+    <a:clrScheme name="Office">
+      <a:dk1>
+        <a:sysClr val="windowText" lastClr="000000"/>
+      </a:dk1>
+      <a:lt1>
+        <a:sysClr val="window" lastClr="FFFFFF"/>
+      </a:lt1>
+      <a:dk2>
+        <a:srgbClr val="44546A"/>
+      </a:dk2>
+      <a:lt2>
+        <a:srgbClr val="E7E6E6"/>
+      </a:lt2>
+      <a:accent1>
+        <a:srgbClr val="5B9BD5"/>
+      </a:accent1>
+      <a:accent2>
+        <a:srgbClr val="ED7D31"/>
+      </a:accent2>
+      <a:accent3>
+        <a:srgbClr val="A5A5A5"/>
+      </a:accent3>
+      <a:accent4>
+        <a:srgbClr val="FFC000"/>
+      </a:accent4>
+      <a:accent5>
+        <a:srgbClr val="4472C4"/>
+      </a:accent5>
+      <a:accent6>
+        <a:srgbClr val="70AD47"/>
+      </a:accent6>
+      <a:hlink>
+        <a:srgbClr val="0563C1"/>
+      </a:hlink>
+      <a:folHlink>
+        <a:srgbClr val="954F72"/>
+      </a:folHlink>
+    </a:clrScheme>
+    <a:fontScheme name="Office">
+      <a:majorFont>
+        <a:latin typeface="Calibri Light" panose="020F0302020204030204"/>
+        <a:ea typeface=""/>
+        <a:cs typeface=""/>
+        <a:font script="Jpan" typeface="ＭＳ Ｐゴシック"/>
+        <a:font script="Hang" typeface="맑은 고딕"/>
+        <a:font script="Hans" typeface="宋体"/>
+        <a:font script="Hant" typeface="新細明體"/>
+        <a:font script="Arab" typeface="Times New Roman"/>
+        <a:font script="Hebr" typeface="Times New Roman"/>
+        <a:font script="Thai" typeface="Angsana New"/>
+        <a:font script="Ethi" typeface="Nyala"/>
+        <a:font script="Beng" typeface="Vrinda"/>
+        <a:font script="Gujr" typeface="Shruti"/>
+        <a:font script="Khmr" typeface="MoolBoran"/>
+        <a:font script="Knda" typeface="Tunga"/>
+        <a:font script="Guru" typeface="Raavi"/>
+        <a:font script="Cans" typeface="Euphemia"/>
+        <a:font script="Cher" typeface="Plantagenet Cherokee"/>
+        <a:font script="Yiii" typeface="Microsoft Yi Baiti"/>
+        <a:font script="Tibt" typeface="Microsoft Himalaya"/>
+        <a:font script="Thaa" typeface="MV Boli"/>
+        <a:font script="Deva" typeface="Mangal"/>
+        <a:font script="Telu" typeface="Gautami"/>
+        <a:font script="Taml" typeface="Latha"/>
+        <a:font script="Syrc" typeface="Estrangelo Edessa"/>
+        <a:font script="Orya" typeface="Kalinga"/>
+        <a:font script="Mlym" typeface="Kartika"/>
+        <a:font script="Laoo" typeface="DokChampa"/>
+        <a:font script="Sinh" typeface="Iskoola Pota"/>
+        <a:font script="Mong" typeface="Mongolian Baiti"/>
+        <a:font script="Viet" typeface="Times New Roman"/>
+        <a:font script="Uigh" typeface="Microsoft Uighur"/>
+        <a:font script="Geor" typeface="Sylfaen"/>
+      </a:majorFont>
+      <a:minorFont>
+        <a:latin typeface="Calibri" panose="020F0502020204030204"/>
+        <a:ea typeface=""/>
+        <a:cs typeface=""/>
+        <a:font script="Jpan" typeface="ＭＳ Ｐゴシック"/>
+        <a:font script="Hang" typeface="맑은 고딕"/>
+        <a:font script="Hans" typeface="宋体"/>
+        <a:font script="Hant" typeface="新細明體"/>
+        <a:font script="Arab" typeface="Arial"/>
+        <a:font script="Hebr" typeface="Arial"/>
+        <a:font script="Thai" typeface="Cordia New"/>
+        <a:font script="Ethi" typeface="Nyala"/>
+        <a:font script="Beng" typeface="Vrinda"/>
+        <a:font script="Gujr" typeface="Shruti"/>
+        <a:font script="Khmr" typeface="DaunPenh"/>
+        <a:font script="Knda" typeface="Tunga"/>
+        <a:font script="Guru" typeface="Raavi"/>
+        <a:font script="Cans" typeface="Euphemia"/>
+        <a:font script="Cher" typeface="Plantagenet Cherokee"/>
+        <a:font script="Yiii" typeface="Microsoft Yi Baiti"/>
+        <a:font script="Tibt" typeface="Microsoft Himalaya"/>
+        <a:font script="Thaa" typeface="MV Boli"/>
+        <a:font script="Deva" typeface="Mangal"/>
+        <a:font script="Telu" typeface="Gautami"/>
+        <a:font script="Taml" typeface="Latha"/>
+        <a:font script="Syrc" typeface="Estrangelo Edessa"/>
+        <a:font script="Orya" typeface="Kalinga"/>
+        <a:font script="Mlym" typeface="Kartika"/>
+        <a:font script="Laoo" typeface="DokChampa"/>
+        <a:font script="Sinh" typeface="Iskoola Pota"/>
+        <a:font script="Mong" typeface="Mongolian Baiti"/>
+        <a:font script="Viet" typeface="Arial"/>
+        <a:font script="Uigh" typeface="Microsoft Uighur"/>
+        <a:font script="Geor" typeface="Sylfaen"/>
+      </a:minorFont>
+    </a:fontScheme>
+    <a:fmtScheme name="Office">
+      <a:fillStyleLst>
+        <a:solidFill>
+          <a:schemeClr val="phClr"/>
+        </a:solidFill>
+        <a:gradFill rotWithShape="1">
+          <a:gsLst>
+            <a:gs pos="0">
+              <a:schemeClr val="phClr">
+                <a:lumMod val="110000"/>
+                <a:satMod val="105000"/>
+                <a:tint val="67000"/>
+              </a:schemeClr>
+            </a:gs>
+            <a:gs pos="50000">
+              <a:schemeClr val="phClr">
+                <a:lumMod val="105000"/>
+                <a:satMod val="103000"/>
+                <a:tint val="73000"/>
+              </a:schemeClr>
+            </a:gs>
+            <a:gs pos="100000">
+              <a:schemeClr val="phClr">
+                <a:lumMod val="105000"/>
+                <a:satMod val="109000"/>
+                <a:tint val="81000"/>
+              </a:schemeClr>
+            </a:gs>
+          </a:gsLst>
+          <a:lin ang="5400000" scaled="0"/>
+        </a:gradFill>
+        <a:gradFill rotWithShape="1">
+          <a:gsLst>
+            <a:gs pos="0">
+              <a:schemeClr val="phClr">
+                <a:satMod val="103000"/>
+                <a:lumMod val="102000"/>
+                <a:tint val="94000"/>
+              </a:schemeClr>
+            </a:gs>
+            <a:gs pos="50000">
+              <a:schemeClr val="phClr">
+                <a:satMod val="110000"/>
+                <a:lumMod val="100000"/>
+                <a:shade val="100000"/>
+              </a:schemeClr>
+            </a:gs>
+            <a:gs pos="100000">
+              <a:schemeClr val="phClr">
+                <a:lumMod val="99000"/>
+                <a:satMod val="120000"/>
+                <a:shade val="78000"/>
+              </a:schemeClr>
+            </a:gs>
+          </a:gsLst>
+          <a:lin ang="5400000" scaled="0"/>
+        </a:gradFill>
+      </a:fillStyleLst>
+      <a:lnStyleLst>
+        <a:ln w="6350" cap="flat" cmpd="sng" algn="ctr">
+          <a:solidFill>
+            <a:schemeClr val="phClr"/>
+          </a:solidFill>
+          <a:prstDash val="solid"/>
+          <a:miter lim="800000"/>
+        </a:ln>
+        <a:ln w="12700" cap="flat" cmpd="sng" algn="ctr">
+          <a:solidFill>
+            <a:schemeClr val="phClr"/>
+          </a:solidFill>
+          <a:prstDash val="solid"/>
+          <a:miter lim="800000"/>
+        </a:ln>
+        <a:ln w="19050" cap="flat" cmpd="sng" algn="ctr">
+          <a:solidFill>
+            <a:schemeClr val="phClr"/>
+          </a:solidFill>
+          <a:prstDash val="solid"/>
+          <a:miter lim="800000"/>
+        </a:ln>
+      </a:lnStyleLst>
+      <a:effectStyleLst>
+        <a:effectStyle>
+          <a:effectLst/>
+        </a:effectStyle>
+        <a:effectStyle>
+          <a:effectLst/>
+        </a:effectStyle>
+        <a:effectStyle>
+          <a:effectLst>
+            <a:outerShdw blurRad="57150" dist="19050" dir="5400000" algn="ctr" rotWithShape="0">
+              <a:srgbClr val="000000">
+                <a:alpha val="63000"/>
+              </a:srgbClr>
+            </a:outerShdw>
+          </a:effectLst>
+        </a:effectStyle>
+      </a:effectStyleLst>
+      <a:bgFillStyleLst>
+        <a:solidFill>
+          <a:schemeClr val="phClr"/>
+        </a:solidFill>
+        <a:solidFill>
+          <a:schemeClr val="phClr">
+            <a:tint val="95000"/>
+            <a:satMod val="170000"/>
+          </a:schemeClr>
+        </a:solidFill>
+        <a:gradFill rotWithShape="1">
+          <a:gsLst>
+            <a:gs pos="0">
+              <a:schemeClr val="phClr">
+                <a:tint val="93000"/>
+                <a:satMod val="150000"/>
+                <a:shade val="98000"/>
+                <a:lumMod val="102000"/>
+              </a:schemeClr>
+            </a:gs>
+            <a:gs pos="50000">
+              <a:schemeClr val="phClr">
+                <a:tint val="98000"/>
+                <a:satMod val="130000"/>
+                <a:shade val="90000"/>
+                <a:lumMod val="103000"/>
+              </a:schemeClr>
+            </a:gs>
+            <a:gs pos="100000">
+              <a:schemeClr val="phClr">
+                <a:shade val="63000"/>
+                <a:satMod val="120000"/>
+              </a:schemeClr>
+            </a:gs>
+          </a:gsLst>
+          <a:lin ang="5400000" scaled="0"/>
+        </a:gradFill>
+      </a:bgFillStyleLst>
+    </a:fmtScheme>
+  </a:themeElements>
+  <a:objectDefaults/>
+  <a:extraClrSchemeLst/>
+  <a:extLst>
+    <a:ext uri="{05A4C25C-085E-4340-85A3-A5531E510DB2}">
+      <thm15:themeFamily xmlns:thm15="http://schemas.microsoft.com/office/thememl/2012/main" name="Office Theme" id="{62F939B6-93AF-4DB8-9C6B-D6C7DFDC589F}" vid="{4A3C46E8-61CC-4603-A589-7422A47A8E4A}"/>
+    </a:ext>
+  </a:extLst>
+</a:theme>
 </file>
--- a/trunk/ImageProcessing/Speeding up GFKM.pptx
+++ b/trunk/ImageProcessing/Speeding up GFKM.pptx
@@ -5,20 +5,20 @@
     <p:sldMasterId id="2147484340" r:id="rId1"/>
   </p:sldMasterIdLst>
   <p:notesMasterIdLst>
-    <p:notesMasterId r:id="rId38"/>
+    <p:notesMasterId r:id="rId40"/>
   </p:notesMasterIdLst>
   <p:sldIdLst>
     <p:sldId id="256" r:id="rId2"/>
     <p:sldId id="302" r:id="rId3"/>
     <p:sldId id="289" r:id="rId4"/>
-    <p:sldId id="307" r:id="rId5"/>
+    <p:sldId id="312" r:id="rId5"/>
     <p:sldId id="260" r:id="rId6"/>
-    <p:sldId id="308" r:id="rId7"/>
+    <p:sldId id="313" r:id="rId7"/>
     <p:sldId id="262" r:id="rId8"/>
     <p:sldId id="268" r:id="rId9"/>
     <p:sldId id="264" r:id="rId10"/>
     <p:sldId id="266" r:id="rId11"/>
-    <p:sldId id="309" r:id="rId12"/>
+    <p:sldId id="314" r:id="rId12"/>
     <p:sldId id="265" r:id="rId13"/>
     <p:sldId id="267" r:id="rId14"/>
     <p:sldId id="269" r:id="rId15"/>
@@ -33,17 +33,19 @@
     <p:sldId id="281" r:id="rId24"/>
     <p:sldId id="282" r:id="rId25"/>
     <p:sldId id="292" r:id="rId26"/>
-    <p:sldId id="310" r:id="rId27"/>
+    <p:sldId id="315" r:id="rId27"/>
     <p:sldId id="288" r:id="rId28"/>
-    <p:sldId id="311" r:id="rId29"/>
+    <p:sldId id="316" r:id="rId29"/>
     <p:sldId id="293" r:id="rId30"/>
     <p:sldId id="295" r:id="rId31"/>
     <p:sldId id="296" r:id="rId32"/>
     <p:sldId id="294" r:id="rId33"/>
     <p:sldId id="297" r:id="rId34"/>
     <p:sldId id="298" r:id="rId35"/>
-    <p:sldId id="300" r:id="rId36"/>
-    <p:sldId id="299" r:id="rId37"/>
+    <p:sldId id="317" r:id="rId36"/>
+    <p:sldId id="318" r:id="rId37"/>
+    <p:sldId id="300" r:id="rId38"/>
+    <p:sldId id="299" r:id="rId39"/>
   </p:sldIdLst>
   <p:sldSz cx="12192000" cy="6858000"/>
   <p:notesSz cx="6858000" cy="9144000"/>
@@ -232,7 +234,7 @@
           <a:p>
             <a:fld id="{D37D42FB-FA45-4107-A941-3E82E6204A4A}" type="datetimeFigureOut">
               <a:rPr lang="en-US" smtClean="0"/>
-              <a:t>6/7/2015</a:t>
+              <a:t>6/17/2015</a:t>
             </a:fld>
             <a:endParaRPr lang="en-US"/>
           </a:p>
@@ -544,24 +546,7 @@
           <a:bodyPr/>
           <a:lstStyle/>
           <a:p>
-            <a:r>
-              <a:rPr lang="en-US" sz="1200" dirty="0" smtClean="0">
-                <a:latin typeface="Arial" panose="020B0604020202020204" pitchFamily="34" charset="0"/>
-                <a:cs typeface="Arial" panose="020B0604020202020204" pitchFamily="34" charset="0"/>
-              </a:rPr>
-              <a:t>Average</a:t>
-            </a:r>
-            <a:r>
-              <a:rPr lang="en-US" sz="1200" baseline="0" dirty="0" smtClean="0">
-                <a:latin typeface="Arial" panose="020B0604020202020204" pitchFamily="34" charset="0"/>
-                <a:cs typeface="Arial" panose="020B0604020202020204" pitchFamily="34" charset="0"/>
-              </a:rPr>
-              <a:t> speedup is about seven to ten times</a:t>
-            </a:r>
-            <a:endParaRPr lang="en-US" sz="1200" dirty="0">
-              <a:latin typeface="Arial" panose="020B0604020202020204" pitchFamily="34" charset="0"/>
-              <a:cs typeface="Arial" panose="020B0604020202020204" pitchFamily="34" charset="0"/>
-            </a:endParaRPr>
+            <a:endParaRPr lang="en-US"/>
           </a:p>
         </p:txBody>
       </p:sp>
@@ -582,6 +567,107 @@
           <a:p>
             <a:fld id="{BB362548-9E8D-4C32-8DD1-2032220F2A30}" type="slidenum">
               <a:rPr lang="en-US" smtClean="0"/>
+              <a:t>2</a:t>
+            </a:fld>
+            <a:endParaRPr lang="en-US"/>
+          </a:p>
+        </p:txBody>
+      </p:sp>
+    </p:spTree>
+    <p:extLst>
+      <p:ext uri="{BB962C8B-B14F-4D97-AF65-F5344CB8AC3E}">
+        <p14:creationId xmlns:p14="http://schemas.microsoft.com/office/powerpoint/2010/main" val="1510847856"/>
+      </p:ext>
+    </p:extLst>
+  </p:cSld>
+  <p:clrMapOvr>
+    <a:masterClrMapping/>
+  </p:clrMapOvr>
+</p:notes>
+</file>
+
+<file path=ppt/notesSlides/notesSlide2.xml><?xml version="1.0" encoding="utf-8"?>
+<p:notes xmlns:a="http://schemas.openxmlformats.org/drawingml/2006/main" xmlns:r="http://schemas.openxmlformats.org/officeDocument/2006/relationships" xmlns:p="http://schemas.openxmlformats.org/presentationml/2006/main">
+  <p:cSld>
+    <p:spTree>
+      <p:nvGrpSpPr>
+        <p:cNvPr id="1" name=""/>
+        <p:cNvGrpSpPr/>
+        <p:nvPr/>
+      </p:nvGrpSpPr>
+      <p:grpSpPr>
+        <a:xfrm>
+          <a:off x="0" y="0"/>
+          <a:ext cx="0" cy="0"/>
+          <a:chOff x="0" y="0"/>
+          <a:chExt cx="0" cy="0"/>
+        </a:xfrm>
+      </p:grpSpPr>
+      <p:sp>
+        <p:nvSpPr>
+          <p:cNvPr id="2" name="Slide Image Placeholder 1"/>
+          <p:cNvSpPr>
+            <a:spLocks noGrp="1" noRot="1" noChangeAspect="1"/>
+          </p:cNvSpPr>
+          <p:nvPr>
+            <p:ph type="sldImg"/>
+          </p:nvPr>
+        </p:nvSpPr>
+        <p:spPr/>
+      </p:sp>
+      <p:sp>
+        <p:nvSpPr>
+          <p:cNvPr id="3" name="Notes Placeholder 2"/>
+          <p:cNvSpPr>
+            <a:spLocks noGrp="1"/>
+          </p:cNvSpPr>
+          <p:nvPr>
+            <p:ph type="body" idx="1"/>
+          </p:nvPr>
+        </p:nvSpPr>
+        <p:spPr/>
+        <p:txBody>
+          <a:bodyPr/>
+          <a:lstStyle/>
+          <a:p>
+            <a:r>
+              <a:rPr lang="en-US" sz="1200" dirty="0" smtClean="0">
+                <a:latin typeface="Arial" panose="020B0604020202020204" pitchFamily="34" charset="0"/>
+                <a:cs typeface="Arial" panose="020B0604020202020204" pitchFamily="34" charset="0"/>
+              </a:rPr>
+              <a:t>Average</a:t>
+            </a:r>
+            <a:r>
+              <a:rPr lang="en-US" sz="1200" baseline="0" dirty="0" smtClean="0">
+                <a:latin typeface="Arial" panose="020B0604020202020204" pitchFamily="34" charset="0"/>
+                <a:cs typeface="Arial" panose="020B0604020202020204" pitchFamily="34" charset="0"/>
+              </a:rPr>
+              <a:t> speedup is about seven to ten times</a:t>
+            </a:r>
+            <a:endParaRPr lang="en-US" sz="1200" dirty="0">
+              <a:latin typeface="Arial" panose="020B0604020202020204" pitchFamily="34" charset="0"/>
+              <a:cs typeface="Arial" panose="020B0604020202020204" pitchFamily="34" charset="0"/>
+            </a:endParaRPr>
+          </a:p>
+        </p:txBody>
+      </p:sp>
+      <p:sp>
+        <p:nvSpPr>
+          <p:cNvPr id="4" name="Slide Number Placeholder 3"/>
+          <p:cNvSpPr>
+            <a:spLocks noGrp="1"/>
+          </p:cNvSpPr>
+          <p:nvPr>
+            <p:ph type="sldNum" sz="quarter" idx="10"/>
+          </p:nvPr>
+        </p:nvSpPr>
+        <p:spPr/>
+        <p:txBody>
+          <a:bodyPr/>
+          <a:lstStyle/>
+          <a:p>
+            <a:fld id="{BB362548-9E8D-4C32-8DD1-2032220F2A30}" type="slidenum">
+              <a:rPr lang="en-US" smtClean="0"/>
               <a:t>3</a:t>
             </a:fld>
             <a:endParaRPr lang="en-US"/>
@@ -592,6 +678,107 @@
     <p:extLst>
       <p:ext uri="{BB962C8B-B14F-4D97-AF65-F5344CB8AC3E}">
         <p14:creationId xmlns:p14="http://schemas.microsoft.com/office/powerpoint/2010/main" val="1699616573"/>
+      </p:ext>
+    </p:extLst>
+  </p:cSld>
+  <p:clrMapOvr>
+    <a:masterClrMapping/>
+  </p:clrMapOvr>
+</p:notes>
+</file>
+
+<file path=ppt/notesSlides/notesSlide3.xml><?xml version="1.0" encoding="utf-8"?>
+<p:notes xmlns:a="http://schemas.openxmlformats.org/drawingml/2006/main" xmlns:r="http://schemas.openxmlformats.org/officeDocument/2006/relationships" xmlns:p="http://schemas.openxmlformats.org/presentationml/2006/main">
+  <p:cSld>
+    <p:spTree>
+      <p:nvGrpSpPr>
+        <p:cNvPr id="1" name=""/>
+        <p:cNvGrpSpPr/>
+        <p:nvPr/>
+      </p:nvGrpSpPr>
+      <p:grpSpPr>
+        <a:xfrm>
+          <a:off x="0" y="0"/>
+          <a:ext cx="0" cy="0"/>
+          <a:chOff x="0" y="0"/>
+          <a:chExt cx="0" cy="0"/>
+        </a:xfrm>
+      </p:grpSpPr>
+      <p:sp>
+        <p:nvSpPr>
+          <p:cNvPr id="2" name="Slide Image Placeholder 1"/>
+          <p:cNvSpPr>
+            <a:spLocks noGrp="1" noRot="1" noChangeAspect="1"/>
+          </p:cNvSpPr>
+          <p:nvPr>
+            <p:ph type="sldImg"/>
+          </p:nvPr>
+        </p:nvSpPr>
+        <p:spPr/>
+      </p:sp>
+      <p:sp>
+        <p:nvSpPr>
+          <p:cNvPr id="3" name="Notes Placeholder 2"/>
+          <p:cNvSpPr>
+            <a:spLocks noGrp="1"/>
+          </p:cNvSpPr>
+          <p:nvPr>
+            <p:ph type="body" idx="1"/>
+          </p:nvPr>
+        </p:nvSpPr>
+        <p:spPr/>
+        <p:txBody>
+          <a:bodyPr/>
+          <a:lstStyle/>
+          <a:p>
+            <a:r>
+              <a:rPr lang="en-US" sz="1200" dirty="0" smtClean="0">
+                <a:latin typeface="Arial" panose="020B0604020202020204" pitchFamily="34" charset="0"/>
+                <a:cs typeface="Arial" panose="020B0604020202020204" pitchFamily="34" charset="0"/>
+              </a:rPr>
+              <a:t>Average</a:t>
+            </a:r>
+            <a:r>
+              <a:rPr lang="en-US" sz="1200" baseline="0" dirty="0" smtClean="0">
+                <a:latin typeface="Arial" panose="020B0604020202020204" pitchFamily="34" charset="0"/>
+                <a:cs typeface="Arial" panose="020B0604020202020204" pitchFamily="34" charset="0"/>
+              </a:rPr>
+              <a:t> speedup is about seven to ten times</a:t>
+            </a:r>
+            <a:endParaRPr lang="en-US" sz="1200" dirty="0">
+              <a:latin typeface="Arial" panose="020B0604020202020204" pitchFamily="34" charset="0"/>
+              <a:cs typeface="Arial" panose="020B0604020202020204" pitchFamily="34" charset="0"/>
+            </a:endParaRPr>
+          </a:p>
+        </p:txBody>
+      </p:sp>
+      <p:sp>
+        <p:nvSpPr>
+          <p:cNvPr id="4" name="Slide Number Placeholder 3"/>
+          <p:cNvSpPr>
+            <a:spLocks noGrp="1"/>
+          </p:cNvSpPr>
+          <p:nvPr>
+            <p:ph type="sldNum" sz="quarter" idx="10"/>
+          </p:nvPr>
+        </p:nvSpPr>
+        <p:spPr/>
+        <p:txBody>
+          <a:bodyPr/>
+          <a:lstStyle/>
+          <a:p>
+            <a:fld id="{BB362548-9E8D-4C32-8DD1-2032220F2A30}" type="slidenum">
+              <a:rPr lang="en-US" smtClean="0"/>
+              <a:t>36</a:t>
+            </a:fld>
+            <a:endParaRPr lang="en-US"/>
+          </a:p>
+        </p:txBody>
+      </p:sp>
+    </p:spTree>
+    <p:extLst>
+      <p:ext uri="{BB962C8B-B14F-4D97-AF65-F5344CB8AC3E}">
+        <p14:creationId xmlns:p14="http://schemas.microsoft.com/office/powerpoint/2010/main" val="568587531"/>
       </p:ext>
     </p:extLst>
   </p:cSld>
@@ -787,9 +974,9 @@
           <a:bodyPr/>
           <a:lstStyle/>
           <a:p>
-            <a:fld id="{87FDB585-DADA-4BA1-A1E3-BDF1D32E1A94}" type="datetimeFigureOut">
+            <a:fld id="{1ADBA217-48A2-4457-AEA2-289958AB4AD1}" type="datetime1">
               <a:rPr lang="en-GB" smtClean="0"/>
-              <a:t>06/06/2015</a:t>
+              <a:t>18/06/2015</a:t>
             </a:fld>
             <a:endParaRPr lang="en-GB"/>
           </a:p>
@@ -1125,9 +1312,9 @@
           <a:bodyPr/>
           <a:lstStyle/>
           <a:p>
-            <a:fld id="{87FDB585-DADA-4BA1-A1E3-BDF1D32E1A94}" type="datetimeFigureOut">
+            <a:fld id="{3103EA12-C617-44A2-AF1E-5E62C0C3D39A}" type="datetime1">
               <a:rPr lang="en-GB" smtClean="0"/>
-              <a:t>06/06/2015</a:t>
+              <a:t>18/06/2015</a:t>
             </a:fld>
             <a:endParaRPr lang="en-GB"/>
           </a:p>
@@ -1526,9 +1713,9 @@
           <a:bodyPr/>
           <a:lstStyle/>
           <a:p>
-            <a:fld id="{87FDB585-DADA-4BA1-A1E3-BDF1D32E1A94}" type="datetimeFigureOut">
+            <a:fld id="{14988C82-5F10-4B35-85D0-4B6B6722D8EB}" type="datetime1">
               <a:rPr lang="en-GB" smtClean="0"/>
-              <a:t>06/06/2015</a:t>
+              <a:t>18/06/2015</a:t>
             </a:fld>
             <a:endParaRPr lang="en-GB"/>
           </a:p>
@@ -1862,9 +2049,9 @@
           <a:bodyPr/>
           <a:lstStyle/>
           <a:p>
-            <a:fld id="{87FDB585-DADA-4BA1-A1E3-BDF1D32E1A94}" type="datetimeFigureOut">
+            <a:fld id="{5B2736EA-1DED-4777-9CD6-85B30498CC99}" type="datetime1">
               <a:rPr lang="en-GB" smtClean="0"/>
-              <a:t>06/06/2015</a:t>
+              <a:t>18/06/2015</a:t>
             </a:fld>
             <a:endParaRPr lang="en-GB"/>
           </a:p>
@@ -2182,9 +2369,9 @@
           <a:bodyPr/>
           <a:lstStyle/>
           <a:p>
-            <a:fld id="{87FDB585-DADA-4BA1-A1E3-BDF1D32E1A94}" type="datetimeFigureOut">
+            <a:fld id="{ADDBF132-628C-4475-973C-953F79D6709A}" type="datetime1">
               <a:rPr lang="en-GB" smtClean="0"/>
-              <a:t>06/06/2015</a:t>
+              <a:t>18/06/2015</a:t>
             </a:fld>
             <a:endParaRPr lang="en-GB"/>
           </a:p>
@@ -2578,9 +2765,9 @@
           <a:bodyPr/>
           <a:lstStyle/>
           <a:p>
-            <a:fld id="{87FDB585-DADA-4BA1-A1E3-BDF1D32E1A94}" type="datetimeFigureOut">
+            <a:fld id="{766F239F-ABAF-42DC-AB03-C19FC59BBCFB}" type="datetime1">
               <a:rPr lang="en-GB" smtClean="0"/>
-              <a:t>06/06/2015</a:t>
+              <a:t>18/06/2015</a:t>
             </a:fld>
             <a:endParaRPr lang="en-GB"/>
           </a:p>
@@ -2835,9 +3022,9 @@
           <a:bodyPr/>
           <a:lstStyle/>
           <a:p>
-            <a:fld id="{87FDB585-DADA-4BA1-A1E3-BDF1D32E1A94}" type="datetimeFigureOut">
+            <a:fld id="{01DFFBEF-A7B9-44BF-9F82-F3F3FE49053B}" type="datetime1">
               <a:rPr lang="en-GB" smtClean="0"/>
-              <a:t>06/06/2015</a:t>
+              <a:t>18/06/2015</a:t>
             </a:fld>
             <a:endParaRPr lang="en-GB"/>
           </a:p>
@@ -3097,9 +3284,9 @@
           <a:bodyPr/>
           <a:lstStyle/>
           <a:p>
-            <a:fld id="{87FDB585-DADA-4BA1-A1E3-BDF1D32E1A94}" type="datetimeFigureOut">
+            <a:fld id="{31C790A0-1064-421B-9DAD-E99DB337BE7F}" type="datetime1">
               <a:rPr lang="en-GB" smtClean="0"/>
-              <a:t>06/06/2015</a:t>
+              <a:t>18/06/2015</a:t>
             </a:fld>
             <a:endParaRPr lang="en-GB"/>
           </a:p>
@@ -3359,9 +3546,9 @@
           <a:bodyPr/>
           <a:lstStyle/>
           <a:p>
-            <a:fld id="{87FDB585-DADA-4BA1-A1E3-BDF1D32E1A94}" type="datetimeFigureOut">
+            <a:fld id="{EDF53D54-9AC6-4CC0-85C5-9F4D5624A244}" type="datetime1">
               <a:rPr lang="en-GB" smtClean="0"/>
-              <a:t>06/06/2015</a:t>
+              <a:t>18/06/2015</a:t>
             </a:fld>
             <a:endParaRPr lang="en-GB"/>
           </a:p>
@@ -3688,9 +3875,9 @@
           <a:bodyPr/>
           <a:lstStyle/>
           <a:p>
-            <a:fld id="{87FDB585-DADA-4BA1-A1E3-BDF1D32E1A94}" type="datetimeFigureOut">
+            <a:fld id="{BB4C28DD-680B-4E3C-8C09-C9EEB53AAC8E}" type="datetime1">
               <a:rPr lang="en-GB" smtClean="0"/>
-              <a:t>06/06/2015</a:t>
+              <a:t>18/06/2015</a:t>
             </a:fld>
             <a:endParaRPr lang="en-GB"/>
           </a:p>
@@ -4011,9 +4198,9 @@
           <a:bodyPr/>
           <a:lstStyle/>
           <a:p>
-            <a:fld id="{87FDB585-DADA-4BA1-A1E3-BDF1D32E1A94}" type="datetimeFigureOut">
+            <a:fld id="{75437382-4B96-4B54-A82D-757190B77570}" type="datetime1">
               <a:rPr lang="en-GB" smtClean="0"/>
-              <a:t>06/06/2015</a:t>
+              <a:t>18/06/2015</a:t>
             </a:fld>
             <a:endParaRPr lang="en-GB"/>
           </a:p>
@@ -4468,9 +4655,9 @@
           <a:bodyPr/>
           <a:lstStyle/>
           <a:p>
-            <a:fld id="{87FDB585-DADA-4BA1-A1E3-BDF1D32E1A94}" type="datetimeFigureOut">
+            <a:fld id="{F006BD73-D09B-4642-AB1D-19FAEA13E4D9}" type="datetime1">
               <a:rPr lang="en-GB" smtClean="0"/>
-              <a:t>06/06/2015</a:t>
+              <a:t>18/06/2015</a:t>
             </a:fld>
             <a:endParaRPr lang="en-GB"/>
           </a:p>
@@ -4673,9 +4860,9 @@
           <a:bodyPr/>
           <a:lstStyle/>
           <a:p>
-            <a:fld id="{87FDB585-DADA-4BA1-A1E3-BDF1D32E1A94}" type="datetimeFigureOut">
+            <a:fld id="{F383F302-7D42-4C1F-9E4D-4C9CFC4083DC}" type="datetime1">
               <a:rPr lang="en-GB" smtClean="0"/>
-              <a:t>06/06/2015</a:t>
+              <a:t>18/06/2015</a:t>
             </a:fld>
             <a:endParaRPr lang="en-GB"/>
           </a:p>
@@ -4850,9 +5037,9 @@
           <a:bodyPr/>
           <a:lstStyle/>
           <a:p>
-            <a:fld id="{87FDB585-DADA-4BA1-A1E3-BDF1D32E1A94}" type="datetimeFigureOut">
+            <a:fld id="{6B0405F5-605C-43CB-83B0-5FA07EB2367F}" type="datetime1">
               <a:rPr lang="en-GB" smtClean="0"/>
-              <a:t>06/06/2015</a:t>
+              <a:t>18/06/2015</a:t>
             </a:fld>
             <a:endParaRPr lang="en-GB"/>
           </a:p>
@@ -5183,9 +5370,9 @@
           <a:bodyPr/>
           <a:lstStyle/>
           <a:p>
-            <a:fld id="{87FDB585-DADA-4BA1-A1E3-BDF1D32E1A94}" type="datetimeFigureOut">
+            <a:fld id="{BD000BB2-B955-4565-B0A0-08F85A784DDA}" type="datetime1">
               <a:rPr lang="en-GB" smtClean="0"/>
-              <a:t>06/06/2015</a:t>
+              <a:t>18/06/2015</a:t>
             </a:fld>
             <a:endParaRPr lang="en-GB"/>
           </a:p>
@@ -5528,9 +5715,9 @@
           <a:bodyPr/>
           <a:lstStyle/>
           <a:p>
-            <a:fld id="{87FDB585-DADA-4BA1-A1E3-BDF1D32E1A94}" type="datetimeFigureOut">
+            <a:fld id="{B1B1B889-4EF2-4A28-A1AC-80ADFBC29BEE}" type="datetime1">
               <a:rPr lang="en-GB" smtClean="0"/>
-              <a:t>06/06/2015</a:t>
+              <a:t>18/06/2015</a:t>
             </a:fld>
             <a:endParaRPr lang="en-GB"/>
           </a:p>
@@ -7645,9 +7832,9 @@
             </a:lvl1pPr>
           </a:lstStyle>
           <a:p>
-            <a:fld id="{87FDB585-DADA-4BA1-A1E3-BDF1D32E1A94}" type="datetimeFigureOut">
+            <a:fld id="{6676C93A-78DF-4047-B061-E1FEFA9C6FC6}" type="datetime1">
               <a:rPr lang="en-GB" smtClean="0"/>
-              <a:t>06/06/2015</a:t>
+              <a:t>18/06/2015</a:t>
             </a:fld>
             <a:endParaRPr lang="en-GB"/>
           </a:p>
@@ -7755,6 +7942,7 @@
     <p:sldLayoutId id="2147484355" r:id="rId15"/>
     <p:sldLayoutId id="2147484356" r:id="rId16"/>
   </p:sldLayoutIdLst>
+  <p:hf hdr="0" ftr="0" dt="0"/>
   <p:txStyles>
     <p:titleStyle>
       <a:lvl1pPr algn="l" defTabSz="457200" rtl="0" eaLnBrk="1" latinLnBrk="0" hangingPunct="1">
@@ -8228,7 +8416,29 @@
                 <a:ea typeface="+mn-ea"/>
                 <a:cs typeface="Arial" panose="020B0604020202020204" pitchFamily="34" charset="0"/>
               </a:rPr>
-              <a:t>Generalized Fuzzy k-Means Clustering </a:t>
+              <a:t>Generalized Fuzzy </a:t>
+            </a:r>
+            <a:r>
+              <a:rPr lang="en-US" sz="3200" b="1" i="1" dirty="0">
+                <a:solidFill>
+                  <a:schemeClr val="tx1"/>
+                </a:solidFill>
+                <a:latin typeface="Arial" panose="020B0604020202020204" pitchFamily="34" charset="0"/>
+                <a:ea typeface="+mn-ea"/>
+                <a:cs typeface="Arial" panose="020B0604020202020204" pitchFamily="34" charset="0"/>
+              </a:rPr>
+              <a:t>k</a:t>
+            </a:r>
+            <a:r>
+              <a:rPr lang="en-US" sz="3200" b="1" dirty="0">
+                <a:solidFill>
+                  <a:schemeClr val="tx1"/>
+                </a:solidFill>
+                <a:latin typeface="Arial" panose="020B0604020202020204" pitchFamily="34" charset="0"/>
+                <a:ea typeface="+mn-ea"/>
+                <a:cs typeface="Arial" panose="020B0604020202020204" pitchFamily="34" charset="0"/>
+              </a:rPr>
+              <a:t>-Means Clustering </a:t>
             </a:r>
             <a:br>
               <a:rPr lang="en-US" sz="3200" b="1" dirty="0">
@@ -8249,7 +8459,29 @@
                 <a:ea typeface="+mn-ea"/>
                 <a:cs typeface="Arial" panose="020B0604020202020204" pitchFamily="34" charset="0"/>
               </a:rPr>
-              <a:t>Using m Nearest Cluster </a:t>
+              <a:t>Using </a:t>
+            </a:r>
+            <a:r>
+              <a:rPr lang="en-GB" sz="3200" b="1" i="1" dirty="0">
+                <a:solidFill>
+                  <a:schemeClr val="tx1"/>
+                </a:solidFill>
+                <a:latin typeface="Arial" panose="020B0604020202020204" pitchFamily="34" charset="0"/>
+                <a:ea typeface="+mn-ea"/>
+                <a:cs typeface="Arial" panose="020B0604020202020204" pitchFamily="34" charset="0"/>
+              </a:rPr>
+              <a:t>m</a:t>
+            </a:r>
+            <a:r>
+              <a:rPr lang="en-GB" sz="3200" b="1" dirty="0">
+                <a:solidFill>
+                  <a:schemeClr val="tx1"/>
+                </a:solidFill>
+                <a:latin typeface="Arial" panose="020B0604020202020204" pitchFamily="34" charset="0"/>
+                <a:ea typeface="+mn-ea"/>
+                <a:cs typeface="Arial" panose="020B0604020202020204" pitchFamily="34" charset="0"/>
+              </a:rPr>
+              <a:t> Nearest Cluster </a:t>
             </a:r>
             <a:r>
               <a:rPr lang="en-GB" sz="3200" b="1" dirty="0" err="1">
@@ -9489,6 +9721,35 @@
           </a:p>
         </p:txBody>
       </p:sp>
+      <p:sp>
+        <p:nvSpPr>
+          <p:cNvPr id="2" name="Slide Number Placeholder 1"/>
+          <p:cNvSpPr>
+            <a:spLocks noGrp="1"/>
+          </p:cNvSpPr>
+          <p:nvPr>
+            <p:ph type="sldNum" sz="quarter" idx="12"/>
+          </p:nvPr>
+        </p:nvSpPr>
+        <p:spPr/>
+        <p:txBody>
+          <a:bodyPr/>
+          <a:lstStyle/>
+          <a:p>
+            <a:fld id="{8EACBB75-E6F3-4170-A8E4-CB655E34A25B}" type="slidenum">
+              <a:rPr lang="en-GB" smtClean="0">
+                <a:latin typeface="Arial" panose="020B0604020202020204" pitchFamily="34" charset="0"/>
+                <a:cs typeface="Arial" panose="020B0604020202020204" pitchFamily="34" charset="0"/>
+              </a:rPr>
+              <a:t>10</a:t>
+            </a:fld>
+            <a:endParaRPr lang="en-GB">
+              <a:latin typeface="Arial" panose="020B0604020202020204" pitchFamily="34" charset="0"/>
+              <a:cs typeface="Arial" panose="020B0604020202020204" pitchFamily="34" charset="0"/>
+            </a:endParaRPr>
+          </a:p>
+        </p:txBody>
+      </p:sp>
     </p:spTree>
     <p:extLst>
       <p:ext uri="{BB962C8B-B14F-4D97-AF65-F5344CB8AC3E}">
@@ -9575,8 +9836,8 @@
         </p:nvSpPr>
         <p:spPr>
           <a:xfrm>
-            <a:off x="2484164" y="1709446"/>
-            <a:ext cx="7404903" cy="3802353"/>
+            <a:off x="2692391" y="1528381"/>
+            <a:ext cx="7404903" cy="4555552"/>
           </a:xfrm>
         </p:spPr>
         <p:txBody>
@@ -9593,7 +9854,7 @@
               <a:buAutoNum type="arabicPeriod"/>
             </a:pPr>
             <a:r>
-              <a:rPr lang="en-US" sz="2600" dirty="0">
+              <a:rPr lang="en-US" sz="2400" dirty="0">
                 <a:solidFill>
                   <a:schemeClr val="tx1">
                     <a:lumMod val="85000"/>
@@ -9615,7 +9876,7 @@
               <a:buAutoNum type="arabicPeriod"/>
             </a:pPr>
             <a:r>
-              <a:rPr lang="en-US" sz="2600" dirty="0">
+              <a:rPr lang="en-US" sz="2400" dirty="0" smtClean="0">
                 <a:solidFill>
                   <a:schemeClr val="tx1">
                     <a:lumMod val="85000"/>
@@ -9627,7 +9888,7 @@
               </a:rPr>
               <a:t>PGFKM model</a:t>
             </a:r>
-            <a:endParaRPr lang="en-US" sz="2600" dirty="0">
+            <a:endParaRPr lang="en-US" sz="2400" dirty="0">
               <a:solidFill>
                 <a:schemeClr val="tx1">
                   <a:lumMod val="85000"/>
@@ -9647,7 +9908,7 @@
               <a:buAutoNum type="arabicPeriod"/>
             </a:pPr>
             <a:r>
-              <a:rPr lang="en-US" sz="2600" dirty="0">
+              <a:rPr lang="en-US" sz="2400" dirty="0">
                 <a:solidFill>
                   <a:schemeClr val="tx1">
                     <a:lumMod val="85000"/>
@@ -9660,7 +9921,7 @@
               <a:t>Updating </a:t>
             </a:r>
             <a:r>
-              <a:rPr lang="en-US" sz="2600" dirty="0">
+              <a:rPr lang="en-US" sz="2400" dirty="0" smtClean="0">
                 <a:solidFill>
                   <a:schemeClr val="tx1">
                     <a:lumMod val="85000"/>
@@ -9672,7 +9933,7 @@
               </a:rPr>
               <a:t>membership step</a:t>
             </a:r>
-            <a:endParaRPr lang="en-US" sz="2600" dirty="0">
+            <a:endParaRPr lang="en-US" sz="2400" dirty="0">
               <a:solidFill>
                 <a:schemeClr val="tx1">
                   <a:lumMod val="85000"/>
@@ -9692,7 +9953,7 @@
               <a:buAutoNum type="arabicPeriod"/>
             </a:pPr>
             <a:r>
-              <a:rPr lang="en-US" sz="2600" dirty="0">
+              <a:rPr lang="en-US" sz="2400" dirty="0">
                 <a:solidFill>
                   <a:srgbClr val="FF0000"/>
                 </a:solidFill>
@@ -9702,7 +9963,7 @@
               <a:t>Calculating </a:t>
             </a:r>
             <a:r>
-              <a:rPr lang="en-US" sz="2600" dirty="0" smtClean="0">
+              <a:rPr lang="en-US" sz="2400" dirty="0" smtClean="0">
                 <a:solidFill>
                   <a:srgbClr val="FF0000"/>
                 </a:solidFill>
@@ -9712,7 +9973,7 @@
               <a:t>new </a:t>
             </a:r>
             <a:r>
-              <a:rPr lang="en-US" sz="2600" dirty="0">
+              <a:rPr lang="en-US" sz="2400" dirty="0">
                 <a:solidFill>
                   <a:srgbClr val="FF0000"/>
                 </a:solidFill>
@@ -9722,7 +9983,7 @@
               <a:t>c</a:t>
             </a:r>
             <a:r>
-              <a:rPr lang="en-US" sz="2600" dirty="0" smtClean="0">
+              <a:rPr lang="en-US" sz="2400" dirty="0" smtClean="0">
                 <a:solidFill>
                   <a:srgbClr val="FF0000"/>
                 </a:solidFill>
@@ -9732,7 +9993,7 @@
               <a:t>entroids </a:t>
             </a:r>
             <a:r>
-              <a:rPr lang="en-US" sz="2600" dirty="0">
+              <a:rPr lang="en-US" sz="2400" dirty="0">
                 <a:solidFill>
                   <a:srgbClr val="FF0000"/>
                 </a:solidFill>
@@ -9742,7 +10003,7 @@
               <a:t>s</a:t>
             </a:r>
             <a:r>
-              <a:rPr lang="en-US" sz="2600" dirty="0" smtClean="0">
+              <a:rPr lang="en-US" sz="2400" dirty="0" smtClean="0">
                 <a:solidFill>
                   <a:srgbClr val="FF0000"/>
                 </a:solidFill>
@@ -9751,7 +10012,7 @@
               </a:rPr>
               <a:t>tep</a:t>
             </a:r>
-            <a:endParaRPr lang="en-US" sz="2600" dirty="0">
+            <a:endParaRPr lang="en-US" sz="2400" dirty="0">
               <a:solidFill>
                 <a:srgbClr val="FF0000"/>
               </a:solidFill>
@@ -9768,7 +10029,7 @@
               <a:buAutoNum type="arabicPeriod"/>
             </a:pPr>
             <a:r>
-              <a:rPr lang="en-US" sz="2600" dirty="0">
+              <a:rPr lang="en-US" sz="2400" dirty="0">
                 <a:solidFill>
                   <a:schemeClr val="tx1">
                     <a:lumMod val="85000"/>
@@ -9781,7 +10042,7 @@
               <a:t>Checking </a:t>
             </a:r>
             <a:r>
-              <a:rPr lang="en-US" sz="2600" dirty="0" smtClean="0">
+              <a:rPr lang="en-US" sz="2400" dirty="0" smtClean="0">
                 <a:solidFill>
                   <a:schemeClr val="tx1">
                     <a:lumMod val="85000"/>
@@ -9793,7 +10054,7 @@
               </a:rPr>
               <a:t>convergence step</a:t>
             </a:r>
-            <a:endParaRPr lang="en-US" sz="2600" dirty="0">
+            <a:endParaRPr lang="en-US" sz="2400" dirty="0">
               <a:solidFill>
                 <a:schemeClr val="tx1">
                   <a:lumMod val="85000"/>
@@ -9813,7 +10074,7 @@
               <a:buAutoNum type="arabicPeriod"/>
             </a:pPr>
             <a:r>
-              <a:rPr lang="en-US" sz="2600" dirty="0">
+              <a:rPr lang="en-US" sz="2400" dirty="0">
                 <a:solidFill>
                   <a:schemeClr val="tx1">
                     <a:lumMod val="85000"/>
@@ -9826,7 +10087,7 @@
               <a:t>Experimental </a:t>
             </a:r>
             <a:r>
-              <a:rPr lang="en-US" sz="2600" dirty="0" smtClean="0">
+              <a:rPr lang="en-US" sz="2400" dirty="0" smtClean="0">
                 <a:solidFill>
                   <a:schemeClr val="tx1">
                     <a:lumMod val="85000"/>
@@ -9838,7 +10099,55 @@
               </a:rPr>
               <a:t>results</a:t>
             </a:r>
-            <a:endParaRPr lang="en-US" sz="2600" dirty="0">
+          </a:p>
+          <a:p>
+            <a:pPr marL="514350" indent="-514350">
+              <a:lnSpc>
+                <a:spcPct val="125000"/>
+              </a:lnSpc>
+              <a:buFont typeface="+mj-lt"/>
+              <a:buAutoNum type="arabicPeriod"/>
+            </a:pPr>
+            <a:r>
+              <a:rPr lang="en-US" sz="2400" dirty="0" smtClean="0">
+                <a:solidFill>
+                  <a:schemeClr val="tx1">
+                    <a:lumMod val="85000"/>
+                    <a:lumOff val="15000"/>
+                  </a:schemeClr>
+                </a:solidFill>
+                <a:latin typeface="Arial" panose="020B0604020202020204" pitchFamily="34" charset="0"/>
+                <a:cs typeface="Arial" panose="020B0604020202020204" pitchFamily="34" charset="0"/>
+              </a:rPr>
+              <a:t>Conclusion </a:t>
+            </a:r>
+            <a:r>
+              <a:rPr lang="en-US" sz="2400" dirty="0">
+                <a:solidFill>
+                  <a:schemeClr val="tx1">
+                    <a:lumMod val="85000"/>
+                    <a:lumOff val="15000"/>
+                  </a:schemeClr>
+                </a:solidFill>
+                <a:latin typeface="Arial" panose="020B0604020202020204" pitchFamily="34" charset="0"/>
+                <a:cs typeface="Arial" panose="020B0604020202020204" pitchFamily="34" charset="0"/>
+              </a:rPr>
+              <a:t>and Future </a:t>
+            </a:r>
+            <a:r>
+              <a:rPr lang="en-US" sz="2400" dirty="0" smtClean="0">
+                <a:solidFill>
+                  <a:schemeClr val="tx1">
+                    <a:lumMod val="85000"/>
+                    <a:lumOff val="15000"/>
+                  </a:schemeClr>
+                </a:solidFill>
+                <a:latin typeface="Arial" panose="020B0604020202020204" pitchFamily="34" charset="0"/>
+                <a:cs typeface="Arial" panose="020B0604020202020204" pitchFamily="34" charset="0"/>
+              </a:rPr>
+              <a:t>work</a:t>
+            </a:r>
+            <a:endParaRPr lang="en-US" sz="2400" dirty="0">
               <a:solidFill>
                 <a:schemeClr val="tx1">
                   <a:lumMod val="85000"/>
@@ -9851,10 +10160,39 @@
           </a:p>
         </p:txBody>
       </p:sp>
+      <p:sp>
+        <p:nvSpPr>
+          <p:cNvPr id="4" name="Slide Number Placeholder 3"/>
+          <p:cNvSpPr>
+            <a:spLocks noGrp="1"/>
+          </p:cNvSpPr>
+          <p:nvPr>
+            <p:ph type="sldNum" sz="quarter" idx="12"/>
+          </p:nvPr>
+        </p:nvSpPr>
+        <p:spPr/>
+        <p:txBody>
+          <a:bodyPr/>
+          <a:lstStyle/>
+          <a:p>
+            <a:fld id="{8EACBB75-E6F3-4170-A8E4-CB655E34A25B}" type="slidenum">
+              <a:rPr lang="en-GB" smtClean="0">
+                <a:latin typeface="Arial" panose="020B0604020202020204" pitchFamily="34" charset="0"/>
+                <a:cs typeface="Arial" panose="020B0604020202020204" pitchFamily="34" charset="0"/>
+              </a:rPr>
+              <a:t>11</a:t>
+            </a:fld>
+            <a:endParaRPr lang="en-GB" dirty="0">
+              <a:latin typeface="Arial" panose="020B0604020202020204" pitchFamily="34" charset="0"/>
+              <a:cs typeface="Arial" panose="020B0604020202020204" pitchFamily="34" charset="0"/>
+            </a:endParaRPr>
+          </a:p>
+        </p:txBody>
+      </p:sp>
     </p:spTree>
     <p:extLst>
       <p:ext uri="{BB962C8B-B14F-4D97-AF65-F5344CB8AC3E}">
-        <p14:creationId xmlns:p14="http://schemas.microsoft.com/office/powerpoint/2010/main" val="1343790452"/>
+        <p14:creationId xmlns:p14="http://schemas.microsoft.com/office/powerpoint/2010/main" val="3721585469"/>
       </p:ext>
     </p:extLst>
   </p:cSld>
@@ -9900,8 +10238,8 @@
         </p:nvSpPr>
         <p:spPr>
           <a:xfrm>
-            <a:off x="1693862" y="1839912"/>
-            <a:ext cx="9536113" cy="4105749"/>
+            <a:off x="1711970" y="1939500"/>
+            <a:ext cx="8989226" cy="4105749"/>
           </a:xfrm>
         </p:spPr>
         <p:txBody>
@@ -10240,6 +10578,35 @@
               <a:t>Calculating new centroids on CPU</a:t>
             </a:r>
             <a:endParaRPr lang="en-US" sz="3000" b="1" dirty="0">
+              <a:latin typeface="Arial" panose="020B0604020202020204" pitchFamily="34" charset="0"/>
+              <a:cs typeface="Arial" panose="020B0604020202020204" pitchFamily="34" charset="0"/>
+            </a:endParaRPr>
+          </a:p>
+        </p:txBody>
+      </p:sp>
+      <p:sp>
+        <p:nvSpPr>
+          <p:cNvPr id="2" name="Slide Number Placeholder 1"/>
+          <p:cNvSpPr>
+            <a:spLocks noGrp="1"/>
+          </p:cNvSpPr>
+          <p:nvPr>
+            <p:ph type="sldNum" sz="quarter" idx="12"/>
+          </p:nvPr>
+        </p:nvSpPr>
+        <p:spPr/>
+        <p:txBody>
+          <a:bodyPr/>
+          <a:lstStyle/>
+          <a:p>
+            <a:fld id="{8EACBB75-E6F3-4170-A8E4-CB655E34A25B}" type="slidenum">
+              <a:rPr lang="en-GB" smtClean="0">
+                <a:latin typeface="Arial" panose="020B0604020202020204" pitchFamily="34" charset="0"/>
+                <a:cs typeface="Arial" panose="020B0604020202020204" pitchFamily="34" charset="0"/>
+              </a:rPr>
+              <a:t>12</a:t>
+            </a:fld>
+            <a:endParaRPr lang="en-GB" dirty="0">
               <a:latin typeface="Arial" panose="020B0604020202020204" pitchFamily="34" charset="0"/>
               <a:cs typeface="Arial" panose="020B0604020202020204" pitchFamily="34" charset="0"/>
             </a:endParaRPr>
@@ -11338,6 +11705,35 @@
           </a:p>
         </p:txBody>
       </p:sp>
+      <p:sp>
+        <p:nvSpPr>
+          <p:cNvPr id="2" name="Slide Number Placeholder 1"/>
+          <p:cNvSpPr>
+            <a:spLocks noGrp="1"/>
+          </p:cNvSpPr>
+          <p:nvPr>
+            <p:ph type="sldNum" sz="quarter" idx="12"/>
+          </p:nvPr>
+        </p:nvSpPr>
+        <p:spPr/>
+        <p:txBody>
+          <a:bodyPr/>
+          <a:lstStyle/>
+          <a:p>
+            <a:fld id="{8EACBB75-E6F3-4170-A8E4-CB655E34A25B}" type="slidenum">
+              <a:rPr lang="en-GB" smtClean="0">
+                <a:latin typeface="Arial" panose="020B0604020202020204" pitchFamily="34" charset="0"/>
+                <a:cs typeface="Arial" panose="020B0604020202020204" pitchFamily="34" charset="0"/>
+              </a:rPr>
+              <a:t>13</a:t>
+            </a:fld>
+            <a:endParaRPr lang="en-GB" dirty="0">
+              <a:latin typeface="Arial" panose="020B0604020202020204" pitchFamily="34" charset="0"/>
+              <a:cs typeface="Arial" panose="020B0604020202020204" pitchFamily="34" charset="0"/>
+            </a:endParaRPr>
+          </a:p>
+        </p:txBody>
+      </p:sp>
     </p:spTree>
     <p:extLst>
       <p:ext uri="{BB962C8B-B14F-4D97-AF65-F5344CB8AC3E}">
@@ -11387,8 +11783,8 @@
         </p:nvSpPr>
         <p:spPr>
           <a:xfrm>
-            <a:off x="1661501" y="1860687"/>
-            <a:ext cx="9387498" cy="4625838"/>
+            <a:off x="2166689" y="1788260"/>
+            <a:ext cx="8308170" cy="4625838"/>
           </a:xfrm>
         </p:spPr>
         <p:txBody>
@@ -11488,17 +11884,7 @@
                 <a:latin typeface="Arial" panose="020B0604020202020204" pitchFamily="34" charset="0"/>
                 <a:cs typeface="Arial" panose="020B0604020202020204" pitchFamily="34" charset="0"/>
               </a:rPr>
-              <a:t>using </a:t>
-            </a:r>
-            <a:r>
-              <a:rPr lang="en-US" sz="2400" dirty="0" smtClean="0">
-                <a:solidFill>
-                  <a:srgbClr val="00B050"/>
-                </a:solidFill>
-                <a:latin typeface="Arial" panose="020B0604020202020204" pitchFamily="34" charset="0"/>
-                <a:cs typeface="Arial" panose="020B0604020202020204" pitchFamily="34" charset="0"/>
-              </a:rPr>
-              <a:t>equation of </a:t>
+              <a:t>using equation of </a:t>
             </a:r>
             <a:r>
               <a:rPr lang="en-US" sz="2400" dirty="0" smtClean="0">
@@ -11923,7 +12309,7 @@
               <a:t>N</a:t>
             </a:r>
             <a:r>
-              <a:rPr lang="en-US" sz="2200" dirty="0">
+              <a:rPr lang="en-US" sz="2200" dirty="0" smtClean="0">
                 <a:solidFill>
                   <a:schemeClr val="tx1">
                     <a:lumMod val="85000"/>
@@ -12165,6 +12551,35 @@
               <a:t>Calculating new centroids on GPU</a:t>
             </a:r>
             <a:endParaRPr lang="en-US" sz="3000" b="1" dirty="0">
+              <a:latin typeface="Arial" panose="020B0604020202020204" pitchFamily="34" charset="0"/>
+              <a:cs typeface="Arial" panose="020B0604020202020204" pitchFamily="34" charset="0"/>
+            </a:endParaRPr>
+          </a:p>
+        </p:txBody>
+      </p:sp>
+      <p:sp>
+        <p:nvSpPr>
+          <p:cNvPr id="2" name="Slide Number Placeholder 1"/>
+          <p:cNvSpPr>
+            <a:spLocks noGrp="1"/>
+          </p:cNvSpPr>
+          <p:nvPr>
+            <p:ph type="sldNum" sz="quarter" idx="12"/>
+          </p:nvPr>
+        </p:nvSpPr>
+        <p:spPr/>
+        <p:txBody>
+          <a:bodyPr/>
+          <a:lstStyle/>
+          <a:p>
+            <a:fld id="{8EACBB75-E6F3-4170-A8E4-CB655E34A25B}" type="slidenum">
+              <a:rPr lang="en-GB" smtClean="0">
+                <a:latin typeface="Arial" panose="020B0604020202020204" pitchFamily="34" charset="0"/>
+                <a:cs typeface="Arial" panose="020B0604020202020204" pitchFamily="34" charset="0"/>
+              </a:rPr>
+              <a:t>14</a:t>
+            </a:fld>
+            <a:endParaRPr lang="en-GB" dirty="0">
               <a:latin typeface="Arial" panose="020B0604020202020204" pitchFamily="34" charset="0"/>
               <a:cs typeface="Arial" panose="020B0604020202020204" pitchFamily="34" charset="0"/>
             </a:endParaRPr>
@@ -12360,6 +12775,35 @@
           </a:extLst>
         </p:spPr>
       </p:pic>
+      <p:sp>
+        <p:nvSpPr>
+          <p:cNvPr id="2" name="Slide Number Placeholder 1"/>
+          <p:cNvSpPr>
+            <a:spLocks noGrp="1"/>
+          </p:cNvSpPr>
+          <p:nvPr>
+            <p:ph type="sldNum" sz="quarter" idx="12"/>
+          </p:nvPr>
+        </p:nvSpPr>
+        <p:spPr/>
+        <p:txBody>
+          <a:bodyPr/>
+          <a:lstStyle/>
+          <a:p>
+            <a:fld id="{8EACBB75-E6F3-4170-A8E4-CB655E34A25B}" type="slidenum">
+              <a:rPr lang="en-GB" smtClean="0">
+                <a:latin typeface="Arial" panose="020B0604020202020204" pitchFamily="34" charset="0"/>
+                <a:cs typeface="Arial" panose="020B0604020202020204" pitchFamily="34" charset="0"/>
+              </a:rPr>
+              <a:t>15</a:t>
+            </a:fld>
+            <a:endParaRPr lang="en-GB" dirty="0">
+              <a:latin typeface="Arial" panose="020B0604020202020204" pitchFamily="34" charset="0"/>
+              <a:cs typeface="Arial" panose="020B0604020202020204" pitchFamily="34" charset="0"/>
+            </a:endParaRPr>
+          </a:p>
+        </p:txBody>
+      </p:sp>
     </p:spTree>
     <p:extLst>
       <p:ext uri="{BB962C8B-B14F-4D97-AF65-F5344CB8AC3E}">
@@ -12549,6 +12993,35 @@
           </a:p>
         </p:txBody>
       </p:sp>
+      <p:sp>
+        <p:nvSpPr>
+          <p:cNvPr id="2" name="Slide Number Placeholder 1"/>
+          <p:cNvSpPr>
+            <a:spLocks noGrp="1"/>
+          </p:cNvSpPr>
+          <p:nvPr>
+            <p:ph type="sldNum" sz="quarter" idx="12"/>
+          </p:nvPr>
+        </p:nvSpPr>
+        <p:spPr/>
+        <p:txBody>
+          <a:bodyPr/>
+          <a:lstStyle/>
+          <a:p>
+            <a:fld id="{8EACBB75-E6F3-4170-A8E4-CB655E34A25B}" type="slidenum">
+              <a:rPr lang="en-GB" smtClean="0">
+                <a:latin typeface="Arial" panose="020B0604020202020204" pitchFamily="34" charset="0"/>
+                <a:cs typeface="Arial" panose="020B0604020202020204" pitchFamily="34" charset="0"/>
+              </a:rPr>
+              <a:t>16</a:t>
+            </a:fld>
+            <a:endParaRPr lang="en-GB" dirty="0">
+              <a:latin typeface="Arial" panose="020B0604020202020204" pitchFamily="34" charset="0"/>
+              <a:cs typeface="Arial" panose="020B0604020202020204" pitchFamily="34" charset="0"/>
+            </a:endParaRPr>
+          </a:p>
+        </p:txBody>
+      </p:sp>
     </p:spTree>
     <p:extLst>
       <p:ext uri="{BB962C8B-B14F-4D97-AF65-F5344CB8AC3E}">
@@ -12599,7 +13072,7 @@
         <p:spPr>
           <a:xfrm>
             <a:off x="2004313" y="1992312"/>
-            <a:ext cx="9311836" cy="4105749"/>
+            <a:ext cx="8892735" cy="4105749"/>
           </a:xfrm>
         </p:spPr>
         <p:txBody>
@@ -12741,7 +13214,7 @@
                 <a:latin typeface="Arial" panose="020B0604020202020204" pitchFamily="34" charset="0"/>
                 <a:cs typeface="Arial" panose="020B0604020202020204" pitchFamily="34" charset="0"/>
               </a:rPr>
-              <a:t>cluster,</a:t>
+              <a:t>cluster on GPU,</a:t>
             </a:r>
             <a:endParaRPr lang="en-US" sz="2400" dirty="0" smtClean="0">
               <a:solidFill>
@@ -12927,7 +13400,7 @@
                 <a:latin typeface="Arial" panose="020B0604020202020204" pitchFamily="34" charset="0"/>
                 <a:cs typeface="Arial" panose="020B0604020202020204" pitchFamily="34" charset="0"/>
               </a:rPr>
-              <a:t> cluster and the </a:t>
+              <a:t> cluster and </a:t>
             </a:r>
             <a:r>
               <a:rPr lang="en-US" sz="2400" i="1" dirty="0" err="1" smtClean="0">
@@ -12966,20 +13439,7 @@
                 <a:latin typeface="Arial" panose="020B0604020202020204" pitchFamily="34" charset="0"/>
                 <a:cs typeface="Arial" panose="020B0604020202020204" pitchFamily="34" charset="0"/>
               </a:rPr>
-              <a:t> </a:t>
-            </a:r>
-            <a:r>
-              <a:rPr lang="en-US" sz="2400" dirty="0" smtClean="0">
-                <a:solidFill>
-                  <a:schemeClr val="tx1">
-                    <a:lumMod val="85000"/>
-                    <a:lumOff val="15000"/>
-                  </a:schemeClr>
-                </a:solidFill>
-                <a:latin typeface="Arial" panose="020B0604020202020204" pitchFamily="34" charset="0"/>
-                <a:cs typeface="Arial" panose="020B0604020202020204" pitchFamily="34" charset="0"/>
-              </a:rPr>
-              <a:t>dimension,</a:t>
+              <a:t> dimension on GPU,</a:t>
             </a:r>
             <a:endParaRPr lang="en-US" sz="2400" dirty="0" smtClean="0">
               <a:solidFill>
@@ -13113,31 +13573,8 @@
                 <a:latin typeface="Arial" panose="020B0604020202020204" pitchFamily="34" charset="0"/>
                 <a:cs typeface="Arial" panose="020B0604020202020204" pitchFamily="34" charset="0"/>
               </a:rPr>
-              <a:t>different </a:t>
-            </a:r>
-            <a:r>
-              <a:rPr lang="en-US" sz="2400" dirty="0" smtClean="0">
-                <a:solidFill>
-                  <a:schemeClr val="tx1">
-                    <a:lumMod val="85000"/>
-                    <a:lumOff val="15000"/>
-                  </a:schemeClr>
-                </a:solidFill>
-                <a:latin typeface="Arial" panose="020B0604020202020204" pitchFamily="34" charset="0"/>
-                <a:cs typeface="Arial" panose="020B0604020202020204" pitchFamily="34" charset="0"/>
-              </a:rPr>
-              <a:t>streams, </a:t>
-            </a:r>
-            <a:endParaRPr lang="en-US" sz="2400" dirty="0" smtClean="0">
-              <a:solidFill>
-                <a:schemeClr val="tx1">
-                  <a:lumMod val="85000"/>
-                  <a:lumOff val="15000"/>
-                </a:schemeClr>
-              </a:solidFill>
-              <a:latin typeface="Arial" panose="020B0604020202020204" pitchFamily="34" charset="0"/>
-              <a:cs typeface="Arial" panose="020B0604020202020204" pitchFamily="34" charset="0"/>
-            </a:endParaRPr>
+              <a:t>different streams, </a:t>
+            </a:r>
           </a:p>
           <a:p>
             <a:pPr algn="just">
@@ -13252,6 +13689,35 @@
               <a:t>Calculating new centroids on GPU</a:t>
             </a:r>
             <a:endParaRPr lang="en-US" sz="3000" b="1" dirty="0">
+              <a:latin typeface="Arial" panose="020B0604020202020204" pitchFamily="34" charset="0"/>
+              <a:cs typeface="Arial" panose="020B0604020202020204" pitchFamily="34" charset="0"/>
+            </a:endParaRPr>
+          </a:p>
+        </p:txBody>
+      </p:sp>
+      <p:sp>
+        <p:nvSpPr>
+          <p:cNvPr id="2" name="Slide Number Placeholder 1"/>
+          <p:cNvSpPr>
+            <a:spLocks noGrp="1"/>
+          </p:cNvSpPr>
+          <p:nvPr>
+            <p:ph type="sldNum" sz="quarter" idx="12"/>
+          </p:nvPr>
+        </p:nvSpPr>
+        <p:spPr/>
+        <p:txBody>
+          <a:bodyPr/>
+          <a:lstStyle/>
+          <a:p>
+            <a:fld id="{8EACBB75-E6F3-4170-A8E4-CB655E34A25B}" type="slidenum">
+              <a:rPr lang="en-GB" smtClean="0">
+                <a:latin typeface="Arial" panose="020B0604020202020204" pitchFamily="34" charset="0"/>
+                <a:cs typeface="Arial" panose="020B0604020202020204" pitchFamily="34" charset="0"/>
+              </a:rPr>
+              <a:t>17</a:t>
+            </a:fld>
+            <a:endParaRPr lang="en-GB" dirty="0">
               <a:latin typeface="Arial" panose="020B0604020202020204" pitchFamily="34" charset="0"/>
               <a:cs typeface="Arial" panose="020B0604020202020204" pitchFamily="34" charset="0"/>
             </a:endParaRPr>
@@ -13914,7 +14380,7 @@
         </p:nvSpPr>
         <p:spPr>
           <a:xfrm>
-            <a:off x="3318816" y="3061597"/>
+            <a:off x="3318816" y="3025385"/>
             <a:ext cx="2020388" cy="333104"/>
           </a:xfrm>
           <a:prstGeom prst="borderCallout1">
@@ -14268,6 +14734,35 @@
           </a:fontRef>
         </p:style>
       </p:cxnSp>
+      <p:sp>
+        <p:nvSpPr>
+          <p:cNvPr id="2" name="Slide Number Placeholder 1"/>
+          <p:cNvSpPr>
+            <a:spLocks noGrp="1"/>
+          </p:cNvSpPr>
+          <p:nvPr>
+            <p:ph type="sldNum" sz="quarter" idx="12"/>
+          </p:nvPr>
+        </p:nvSpPr>
+        <p:spPr/>
+        <p:txBody>
+          <a:bodyPr/>
+          <a:lstStyle/>
+          <a:p>
+            <a:fld id="{8EACBB75-E6F3-4170-A8E4-CB655E34A25B}" type="slidenum">
+              <a:rPr lang="en-GB" smtClean="0">
+                <a:latin typeface="Arial" panose="020B0604020202020204" pitchFamily="34" charset="0"/>
+                <a:cs typeface="Arial" panose="020B0604020202020204" pitchFamily="34" charset="0"/>
+              </a:rPr>
+              <a:t>18</a:t>
+            </a:fld>
+            <a:endParaRPr lang="en-GB" dirty="0">
+              <a:latin typeface="Arial" panose="020B0604020202020204" pitchFamily="34" charset="0"/>
+              <a:cs typeface="Arial" panose="020B0604020202020204" pitchFamily="34" charset="0"/>
+            </a:endParaRPr>
+          </a:p>
+        </p:txBody>
+      </p:sp>
     </p:spTree>
     <p:extLst>
       <p:ext uri="{BB962C8B-B14F-4D97-AF65-F5344CB8AC3E}">
@@ -14354,13 +14849,13 @@
         </p:nvSpPr>
         <p:spPr>
           <a:xfrm>
-            <a:off x="1684338" y="1954212"/>
-            <a:ext cx="9212709" cy="4105749"/>
+            <a:off x="1796075" y="1999480"/>
+            <a:ext cx="8890110" cy="4105749"/>
           </a:xfrm>
         </p:spPr>
         <p:txBody>
           <a:bodyPr>
-            <a:normAutofit/>
+            <a:normAutofit lnSpcReduction="10000"/>
           </a:bodyPr>
           <a:lstStyle/>
           <a:p>
@@ -14471,42 +14966,34 @@
                 <a:latin typeface="Arial" panose="020B0604020202020204" pitchFamily="34" charset="0"/>
                 <a:cs typeface="Arial" panose="020B0604020202020204" pitchFamily="34" charset="0"/>
               </a:rPr>
-              <a:t>not close to M : </a:t>
+              <a:t>not close to M </a:t>
+            </a:r>
+            <a:r>
+              <a:rPr lang="en-US" sz="2400" dirty="0">
+                <a:solidFill>
+                  <a:schemeClr val="tx1">
+                    <a:lumMod val="85000"/>
+                    <a:lumOff val="15000"/>
+                  </a:schemeClr>
+                </a:solidFill>
+                <a:latin typeface="Arial" panose="020B0604020202020204" pitchFamily="34" charset="0"/>
+                <a:cs typeface="Arial" panose="020B0604020202020204" pitchFamily="34" charset="0"/>
+              </a:rPr>
+              <a:t>: using equation of GFKM</a:t>
             </a:r>
             <a:r>
               <a:rPr lang="en-US" sz="2400" dirty="0" smtClean="0">
                 <a:solidFill>
-                  <a:srgbClr val="00B050"/>
-                </a:solidFill>
-                <a:latin typeface="Arial" panose="020B0604020202020204" pitchFamily="34" charset="0"/>
-                <a:cs typeface="Arial" panose="020B0604020202020204" pitchFamily="34" charset="0"/>
-              </a:rPr>
-              <a:t>using equation of </a:t>
-            </a:r>
-            <a:r>
-              <a:rPr lang="en-US" sz="2400" dirty="0" smtClean="0">
-                <a:solidFill>
-                  <a:srgbClr val="00B050"/>
-                </a:solidFill>
-                <a:latin typeface="Arial" panose="020B0604020202020204" pitchFamily="34" charset="0"/>
-                <a:cs typeface="Arial" panose="020B0604020202020204" pitchFamily="34" charset="0"/>
-              </a:rPr>
-              <a:t>GFKM</a:t>
-            </a:r>
-            <a:r>
-              <a:rPr lang="en-US" sz="2400" dirty="0" smtClean="0">
+                  <a:schemeClr val="tx1">
+                    <a:lumMod val="85000"/>
+                    <a:lumOff val="15000"/>
+                  </a:schemeClr>
+                </a:solidFill>
                 <a:latin typeface="Arial" panose="020B0604020202020204" pitchFamily="34" charset="0"/>
                 <a:cs typeface="Arial" panose="020B0604020202020204" pitchFamily="34" charset="0"/>
               </a:rPr>
               <a:t>,</a:t>
             </a:r>
-            <a:endParaRPr lang="en-US" sz="2400" dirty="0" smtClean="0">
-              <a:solidFill>
-                <a:srgbClr val="00B050"/>
-              </a:solidFill>
-              <a:latin typeface="Arial" panose="020B0604020202020204" pitchFamily="34" charset="0"/>
-              <a:cs typeface="Arial" panose="020B0604020202020204" pitchFamily="34" charset="0"/>
-            </a:endParaRPr>
           </a:p>
           <a:p>
             <a:pPr algn="just">
@@ -14515,6 +15002,19 @@
               </a:lnSpc>
             </a:pPr>
             <a:r>
+              <a:rPr lang="en-US" sz="2400" dirty="0">
+                <a:solidFill>
+                  <a:schemeClr val="tx1">
+                    <a:lumMod val="85000"/>
+                    <a:lumOff val="15000"/>
+                  </a:schemeClr>
+                </a:solidFill>
+                <a:latin typeface="Arial" panose="020B0604020202020204" pitchFamily="34" charset="0"/>
+                <a:cs typeface="Arial" panose="020B0604020202020204" pitchFamily="34" charset="0"/>
+              </a:rPr>
+              <a:t>The computational complexity : </a:t>
+            </a:r>
+            <a:r>
               <a:rPr lang="en-US" sz="2400" dirty="0" smtClean="0">
                 <a:solidFill>
                   <a:srgbClr val="00B050"/>
@@ -14522,6 +15022,90 @@
                 <a:latin typeface="Arial" panose="020B0604020202020204" pitchFamily="34" charset="0"/>
                 <a:cs typeface="Arial" panose="020B0604020202020204" pitchFamily="34" charset="0"/>
               </a:rPr>
+              <a:t>O(</a:t>
+            </a:r>
+            <a:r>
+              <a:rPr lang="en-US" sz="2400" i="1" dirty="0" err="1" smtClean="0">
+                <a:solidFill>
+                  <a:srgbClr val="00B050"/>
+                </a:solidFill>
+                <a:latin typeface="Arial" panose="020B0604020202020204" pitchFamily="34" charset="0"/>
+                <a:cs typeface="Arial" panose="020B0604020202020204" pitchFamily="34" charset="0"/>
+              </a:rPr>
+              <a:t>NMd</a:t>
+            </a:r>
+            <a:r>
+              <a:rPr lang="en-US" sz="2400" i="1" dirty="0" smtClean="0">
+                <a:solidFill>
+                  <a:srgbClr val="00B050"/>
+                </a:solidFill>
+                <a:latin typeface="Arial" panose="020B0604020202020204" pitchFamily="34" charset="0"/>
+                <a:cs typeface="Arial" panose="020B0604020202020204" pitchFamily="34" charset="0"/>
+              </a:rPr>
+              <a:t> </a:t>
+            </a:r>
+            <a:r>
+              <a:rPr lang="en-US" sz="2400" dirty="0">
+                <a:solidFill>
+                  <a:srgbClr val="00B050"/>
+                </a:solidFill>
+                <a:latin typeface="Arial" panose="020B0604020202020204" pitchFamily="34" charset="0"/>
+                <a:cs typeface="Arial" panose="020B0604020202020204" pitchFamily="34" charset="0"/>
+              </a:rPr>
+              <a:t>+ </a:t>
+            </a:r>
+            <a:r>
+              <a:rPr lang="en-US" sz="2400" i="1" dirty="0" err="1">
+                <a:solidFill>
+                  <a:srgbClr val="00B050"/>
+                </a:solidFill>
+                <a:latin typeface="Arial" panose="020B0604020202020204" pitchFamily="34" charset="0"/>
+                <a:cs typeface="Arial" panose="020B0604020202020204" pitchFamily="34" charset="0"/>
+              </a:rPr>
+              <a:t>kd</a:t>
+            </a:r>
+            <a:r>
+              <a:rPr lang="en-US" sz="2400" dirty="0" smtClean="0">
+                <a:solidFill>
+                  <a:srgbClr val="00B050"/>
+                </a:solidFill>
+                <a:latin typeface="Arial" panose="020B0604020202020204" pitchFamily="34" charset="0"/>
+                <a:cs typeface="Arial" panose="020B0604020202020204" pitchFamily="34" charset="0"/>
+              </a:rPr>
+              <a:t>)</a:t>
+            </a:r>
+            <a:r>
+              <a:rPr lang="en-US" sz="2400" dirty="0" smtClean="0">
+                <a:latin typeface="Arial" panose="020B0604020202020204" pitchFamily="34" charset="0"/>
+                <a:cs typeface="Arial" panose="020B0604020202020204" pitchFamily="34" charset="0"/>
+              </a:rPr>
+              <a:t>,</a:t>
+            </a:r>
+            <a:endParaRPr lang="en-US" sz="2400" dirty="0">
+              <a:solidFill>
+                <a:schemeClr val="tx1">
+                  <a:lumMod val="85000"/>
+                  <a:lumOff val="15000"/>
+                </a:schemeClr>
+              </a:solidFill>
+              <a:latin typeface="Arial" panose="020B0604020202020204" pitchFamily="34" charset="0"/>
+              <a:cs typeface="Arial" panose="020B0604020202020204" pitchFamily="34" charset="0"/>
+            </a:endParaRPr>
+          </a:p>
+          <a:p>
+            <a:pPr algn="just">
+              <a:lnSpc>
+                <a:spcPct val="135000"/>
+              </a:lnSpc>
+            </a:pPr>
+            <a:r>
+              <a:rPr lang="en-US" sz="2400" dirty="0" smtClean="0">
+                <a:solidFill>
+                  <a:srgbClr val="00B050"/>
+                </a:solidFill>
+                <a:latin typeface="Arial" panose="020B0604020202020204" pitchFamily="34" charset="0"/>
+                <a:cs typeface="Arial" panose="020B0604020202020204" pitchFamily="34" charset="0"/>
+              </a:rPr>
               <a:t>Reduce un-coalesced data accesses</a:t>
             </a:r>
             <a:r>
@@ -14545,36 +15129,23 @@
                 <a:latin typeface="Arial" panose="020B0604020202020204" pitchFamily="34" charset="0"/>
                 <a:cs typeface="Arial" panose="020B0604020202020204" pitchFamily="34" charset="0"/>
               </a:rPr>
-              <a:t>: </a:t>
-            </a:r>
-            <a:r>
-              <a:rPr lang="en-US" sz="2200" dirty="0" smtClean="0">
-                <a:solidFill>
-                  <a:schemeClr val="tx1">
-                    <a:lumMod val="85000"/>
-                    <a:lumOff val="15000"/>
-                  </a:schemeClr>
-                </a:solidFill>
-                <a:latin typeface="Arial" panose="020B0604020202020204" pitchFamily="34" charset="0"/>
-                <a:cs typeface="Arial" panose="020B0604020202020204" pitchFamily="34" charset="0"/>
-              </a:rPr>
-              <a:t>transpose </a:t>
-            </a:r>
-            <a:r>
-              <a:rPr lang="en-US" sz="2200" dirty="0" smtClean="0">
-                <a:solidFill>
-                  <a:schemeClr val="tx1">
-                    <a:lumMod val="85000"/>
-                    <a:lumOff val="15000"/>
-                  </a:schemeClr>
-                </a:solidFill>
-                <a:latin typeface="Arial" panose="020B0604020202020204" pitchFamily="34" charset="0"/>
-                <a:cs typeface="Arial" panose="020B0604020202020204" pitchFamily="34" charset="0"/>
-              </a:rPr>
-              <a:t>data </a:t>
-            </a:r>
-            <a:r>
-              <a:rPr lang="en-US" sz="2200" i="1" dirty="0" err="1" smtClean="0">
+              <a:t>: transpose </a:t>
+            </a:r>
+            <a:r>
+              <a:rPr lang="en-US" sz="2400" dirty="0" smtClean="0">
+                <a:solidFill>
+                  <a:schemeClr val="tx1">
+                    <a:lumMod val="85000"/>
+                    <a:lumOff val="15000"/>
+                  </a:schemeClr>
+                </a:solidFill>
+                <a:latin typeface="Arial" panose="020B0604020202020204" pitchFamily="34" charset="0"/>
+                <a:cs typeface="Arial" panose="020B0604020202020204" pitchFamily="34" charset="0"/>
+              </a:rPr>
+              <a:t>data points from </a:t>
+            </a:r>
+            <a:r>
+              <a:rPr lang="en-US" sz="2400" i="1" dirty="0" err="1" smtClean="0">
                 <a:solidFill>
                   <a:schemeClr val="tx1">
                     <a:lumMod val="85000"/>
@@ -14587,7 +15158,7 @@
               <a:t>N</a:t>
             </a:r>
             <a:r>
-              <a:rPr lang="en-US" sz="2200" dirty="0" err="1" smtClean="0">
+              <a:rPr lang="en-US" sz="2400" dirty="0" err="1" smtClean="0">
                 <a:solidFill>
                   <a:schemeClr val="tx1">
                     <a:lumMod val="85000"/>
@@ -14600,7 +15171,7 @@
               <a:t>×</a:t>
             </a:r>
             <a:r>
-              <a:rPr lang="en-US" sz="2200" i="1" dirty="0" err="1" smtClean="0">
+              <a:rPr lang="en-US" sz="2400" i="1" dirty="0" err="1" smtClean="0">
                 <a:solidFill>
                   <a:schemeClr val="tx1">
                     <a:lumMod val="85000"/>
@@ -14613,7 +15184,7 @@
               <a:t>d</a:t>
             </a:r>
             <a:r>
-              <a:rPr lang="en-US" sz="2200" dirty="0" smtClean="0">
+              <a:rPr lang="en-US" sz="2400" dirty="0" smtClean="0">
                 <a:solidFill>
                   <a:schemeClr val="tx1">
                     <a:lumMod val="85000"/>
@@ -14626,7 +15197,7 @@
               <a:t> </a:t>
             </a:r>
             <a:r>
-              <a:rPr lang="en-US" sz="2200" dirty="0">
+              <a:rPr lang="en-US" sz="2400" dirty="0">
                 <a:solidFill>
                   <a:schemeClr val="tx1">
                     <a:lumMod val="85000"/>
@@ -14639,7 +15210,7 @@
               <a:t>to </a:t>
             </a:r>
             <a:r>
-              <a:rPr lang="en-US" sz="2200" i="1" dirty="0" err="1" smtClean="0">
+              <a:rPr lang="en-US" sz="2400" i="1" dirty="0" err="1" smtClean="0">
                 <a:solidFill>
                   <a:schemeClr val="tx1">
                     <a:lumMod val="85000"/>
@@ -14652,7 +15223,7 @@
               <a:t>d</a:t>
             </a:r>
             <a:r>
-              <a:rPr lang="en-US" sz="2200" dirty="0" err="1" smtClean="0">
+              <a:rPr lang="en-US" sz="2400" dirty="0" err="1" smtClean="0">
                 <a:solidFill>
                   <a:schemeClr val="tx1">
                     <a:lumMod val="85000"/>
@@ -14665,7 +15236,7 @@
               <a:t>×</a:t>
             </a:r>
             <a:r>
-              <a:rPr lang="en-US" sz="2200" i="1" dirty="0" err="1" smtClean="0">
+              <a:rPr lang="en-US" sz="2400" i="1" dirty="0" err="1" smtClean="0">
                 <a:solidFill>
                   <a:schemeClr val="tx1">
                     <a:lumMod val="85000"/>
@@ -14744,13 +15315,39 @@
               </a:rPr>
               <a:t>: </a:t>
             </a:r>
+            <a:r>
+              <a:rPr lang="en-US" sz="2400" dirty="0">
+                <a:solidFill>
+                  <a:schemeClr val="tx1">
+                    <a:lumMod val="85000"/>
+                    <a:lumOff val="15000"/>
+                  </a:schemeClr>
+                </a:solidFill>
+                <a:latin typeface="Arial" panose="020B0604020202020204" pitchFamily="34" charset="0"/>
+                <a:cs typeface="Arial" panose="020B0604020202020204" pitchFamily="34" charset="0"/>
+              </a:rPr>
+              <a:t>sort </a:t>
+            </a:r>
+            <a:r>
+              <a:rPr lang="en-US" sz="2400" dirty="0" smtClean="0">
+                <a:solidFill>
+                  <a:schemeClr val="tx1">
+                    <a:lumMod val="85000"/>
+                    <a:lumOff val="15000"/>
+                  </a:schemeClr>
+                </a:solidFill>
+                <a:latin typeface="Arial" panose="020B0604020202020204" pitchFamily="34" charset="0"/>
+                <a:cs typeface="Arial" panose="020B0604020202020204" pitchFamily="34" charset="0"/>
+              </a:rPr>
+              <a:t>NNT with</a:t>
+            </a:r>
             <a:endParaRPr lang="en-US" sz="2400" dirty="0">
               <a:latin typeface="Arial" panose="020B0604020202020204" pitchFamily="34" charset="0"/>
               <a:cs typeface="Arial" panose="020B0604020202020204" pitchFamily="34" charset="0"/>
             </a:endParaRPr>
           </a:p>
           <a:p>
-            <a:pPr marL="914400" lvl="1" algn="just">
+            <a:pPr marL="1031875" lvl="1" indent="-403225" algn="just">
               <a:lnSpc>
                 <a:spcPct val="135000"/>
               </a:lnSpc>
@@ -14766,8 +15363,15 @@
                 <a:latin typeface="Arial" panose="020B0604020202020204" pitchFamily="34" charset="0"/>
                 <a:cs typeface="Arial" panose="020B0604020202020204" pitchFamily="34" charset="0"/>
               </a:rPr>
-              <a:t>sort </a:t>
-            </a:r>
+              <a:t>keys : cluster indices, </a:t>
+            </a:r>
+          </a:p>
+          <a:p>
+            <a:pPr marL="1031875" lvl="1" indent="-403225" algn="just">
+              <a:lnSpc>
+                <a:spcPct val="135000"/>
+              </a:lnSpc>
+            </a:pPr>
             <a:r>
               <a:rPr lang="en-US" sz="2400" dirty="0" smtClean="0">
                 <a:solidFill>
@@ -14779,20 +15383,7 @@
                 <a:latin typeface="Arial" panose="020B0604020202020204" pitchFamily="34" charset="0"/>
                 <a:cs typeface="Arial" panose="020B0604020202020204" pitchFamily="34" charset="0"/>
               </a:rPr>
-              <a:t>NNT </a:t>
-            </a:r>
-            <a:r>
-              <a:rPr lang="en-US" sz="2400" dirty="0">
-                <a:solidFill>
-                  <a:schemeClr val="tx1">
-                    <a:lumMod val="85000"/>
-                    <a:lumOff val="15000"/>
-                  </a:schemeClr>
-                </a:solidFill>
-                <a:latin typeface="Arial" panose="020B0604020202020204" pitchFamily="34" charset="0"/>
-                <a:cs typeface="Arial" panose="020B0604020202020204" pitchFamily="34" charset="0"/>
-              </a:rPr>
-              <a:t>with keys (cluster </a:t>
+              <a:t>values : point </a:t>
             </a:r>
             <a:r>
               <a:rPr lang="en-US" sz="2400" dirty="0" smtClean="0">
@@ -14805,20 +15396,7 @@
                 <a:latin typeface="Arial" panose="020B0604020202020204" pitchFamily="34" charset="0"/>
                 <a:cs typeface="Arial" panose="020B0604020202020204" pitchFamily="34" charset="0"/>
               </a:rPr>
-              <a:t>indices), </a:t>
-            </a:r>
-            <a:r>
-              <a:rPr lang="en-US" sz="2400" dirty="0">
-                <a:solidFill>
-                  <a:schemeClr val="tx1">
-                    <a:lumMod val="85000"/>
-                    <a:lumOff val="15000"/>
-                  </a:schemeClr>
-                </a:solidFill>
-                <a:latin typeface="Arial" panose="020B0604020202020204" pitchFamily="34" charset="0"/>
-                <a:cs typeface="Arial" panose="020B0604020202020204" pitchFamily="34" charset="0"/>
-              </a:rPr>
-              <a:t>values </a:t>
+              <a:t>indices, </a:t>
             </a:r>
             <a:r>
               <a:rPr lang="en-US" sz="2400" dirty="0" smtClean="0">
@@ -14831,8 +15409,47 @@
                 <a:latin typeface="Arial" panose="020B0604020202020204" pitchFamily="34" charset="0"/>
                 <a:cs typeface="Arial" panose="020B0604020202020204" pitchFamily="34" charset="0"/>
               </a:rPr>
-              <a:t>(point indices, memberships).</a:t>
-            </a:r>
+              <a:t>memberships.</a:t>
+            </a:r>
+            <a:endParaRPr lang="en-US" sz="2400" dirty="0" smtClean="0">
+              <a:solidFill>
+                <a:schemeClr val="tx1">
+                  <a:lumMod val="85000"/>
+                  <a:lumOff val="15000"/>
+                </a:schemeClr>
+              </a:solidFill>
+              <a:latin typeface="Arial" panose="020B0604020202020204" pitchFamily="34" charset="0"/>
+              <a:cs typeface="Arial" panose="020B0604020202020204" pitchFamily="34" charset="0"/>
+            </a:endParaRPr>
+          </a:p>
+        </p:txBody>
+      </p:sp>
+      <p:sp>
+        <p:nvSpPr>
+          <p:cNvPr id="2" name="Slide Number Placeholder 1"/>
+          <p:cNvSpPr>
+            <a:spLocks noGrp="1"/>
+          </p:cNvSpPr>
+          <p:nvPr>
+            <p:ph type="sldNum" sz="quarter" idx="12"/>
+          </p:nvPr>
+        </p:nvSpPr>
+        <p:spPr/>
+        <p:txBody>
+          <a:bodyPr/>
+          <a:lstStyle/>
+          <a:p>
+            <a:fld id="{8EACBB75-E6F3-4170-A8E4-CB655E34A25B}" type="slidenum">
+              <a:rPr lang="en-GB" smtClean="0">
+                <a:latin typeface="Arial" panose="020B0604020202020204" pitchFamily="34" charset="0"/>
+                <a:cs typeface="Arial" panose="020B0604020202020204" pitchFamily="34" charset="0"/>
+              </a:rPr>
+              <a:t>19</a:t>
+            </a:fld>
+            <a:endParaRPr lang="en-GB" dirty="0">
+              <a:latin typeface="Arial" panose="020B0604020202020204" pitchFamily="34" charset="0"/>
+              <a:cs typeface="Arial" panose="020B0604020202020204" pitchFamily="34" charset="0"/>
+            </a:endParaRPr>
           </a:p>
         </p:txBody>
       </p:sp>
@@ -14922,8 +15539,8 @@
         </p:nvSpPr>
         <p:spPr>
           <a:xfrm>
-            <a:off x="2484164" y="1709446"/>
-            <a:ext cx="7404903" cy="3802353"/>
+            <a:off x="2692391" y="1528381"/>
+            <a:ext cx="7404903" cy="4555552"/>
           </a:xfrm>
         </p:spPr>
         <p:txBody>
@@ -14940,7 +15557,7 @@
               <a:buAutoNum type="arabicPeriod"/>
             </a:pPr>
             <a:r>
-              <a:rPr lang="en-US" sz="2600" dirty="0" smtClean="0">
+              <a:rPr lang="en-US" sz="2400" dirty="0" smtClean="0">
                 <a:solidFill>
                   <a:srgbClr val="FF0000"/>
                 </a:solidFill>
@@ -14959,7 +15576,7 @@
               <a:buAutoNum type="arabicPeriod"/>
             </a:pPr>
             <a:r>
-              <a:rPr lang="en-US" sz="2600" dirty="0" smtClean="0">
+              <a:rPr lang="en-US" sz="2400" dirty="0" smtClean="0">
                 <a:solidFill>
                   <a:schemeClr val="tx1">
                     <a:lumMod val="85000"/>
@@ -14971,7 +15588,7 @@
               </a:rPr>
               <a:t>PGFKM model</a:t>
             </a:r>
-            <a:endParaRPr lang="en-US" sz="2600" dirty="0">
+            <a:endParaRPr lang="en-US" sz="2400" dirty="0">
               <a:solidFill>
                 <a:schemeClr val="tx1">
                   <a:lumMod val="85000"/>
@@ -14991,7 +15608,7 @@
               <a:buAutoNum type="arabicPeriod"/>
             </a:pPr>
             <a:r>
-              <a:rPr lang="en-US" sz="2600" dirty="0">
+              <a:rPr lang="en-US" sz="2400" dirty="0">
                 <a:solidFill>
                   <a:schemeClr val="tx1">
                     <a:lumMod val="85000"/>
@@ -15004,7 +15621,7 @@
               <a:t>Updating </a:t>
             </a:r>
             <a:r>
-              <a:rPr lang="en-US" sz="2600" dirty="0" smtClean="0">
+              <a:rPr lang="en-US" sz="2400" dirty="0" smtClean="0">
                 <a:solidFill>
                   <a:schemeClr val="tx1">
                     <a:lumMod val="85000"/>
@@ -15016,7 +15633,7 @@
               </a:rPr>
               <a:t>membership step</a:t>
             </a:r>
-            <a:endParaRPr lang="en-US" sz="2600" dirty="0">
+            <a:endParaRPr lang="en-US" sz="2400" dirty="0">
               <a:solidFill>
                 <a:schemeClr val="tx1">
                   <a:lumMod val="85000"/>
@@ -15036,7 +15653,7 @@
               <a:buAutoNum type="arabicPeriod"/>
             </a:pPr>
             <a:r>
-              <a:rPr lang="en-US" sz="2600" dirty="0">
+              <a:rPr lang="en-US" sz="2400" dirty="0">
                 <a:solidFill>
                   <a:schemeClr val="tx1">
                     <a:lumMod val="85000"/>
@@ -15049,7 +15666,7 @@
               <a:t>Calculating </a:t>
             </a:r>
             <a:r>
-              <a:rPr lang="en-US" sz="2600" dirty="0" smtClean="0">
+              <a:rPr lang="en-US" sz="2400" dirty="0" smtClean="0">
                 <a:solidFill>
                   <a:schemeClr val="tx1">
                     <a:lumMod val="85000"/>
@@ -15062,7 +15679,7 @@
               <a:t>new </a:t>
             </a:r>
             <a:r>
-              <a:rPr lang="en-US" sz="2600" dirty="0">
+              <a:rPr lang="en-US" sz="2400" dirty="0">
                 <a:solidFill>
                   <a:schemeClr val="tx1">
                     <a:lumMod val="85000"/>
@@ -15075,7 +15692,7 @@
               <a:t>c</a:t>
             </a:r>
             <a:r>
-              <a:rPr lang="en-US" sz="2600" dirty="0" smtClean="0">
+              <a:rPr lang="en-US" sz="2400" dirty="0" smtClean="0">
                 <a:solidFill>
                   <a:schemeClr val="tx1">
                     <a:lumMod val="85000"/>
@@ -15088,7 +15705,7 @@
               <a:t>entroids </a:t>
             </a:r>
             <a:r>
-              <a:rPr lang="en-US" sz="2600" dirty="0">
+              <a:rPr lang="en-US" sz="2400" dirty="0">
                 <a:solidFill>
                   <a:schemeClr val="tx1">
                     <a:lumMod val="85000"/>
@@ -15101,7 +15718,7 @@
               <a:t>s</a:t>
             </a:r>
             <a:r>
-              <a:rPr lang="en-US" sz="2600" dirty="0" smtClean="0">
+              <a:rPr lang="en-US" sz="2400" dirty="0" smtClean="0">
                 <a:solidFill>
                   <a:schemeClr val="tx1">
                     <a:lumMod val="85000"/>
@@ -15113,7 +15730,7 @@
               </a:rPr>
               <a:t>tep</a:t>
             </a:r>
-            <a:endParaRPr lang="en-US" sz="2600" dirty="0">
+            <a:endParaRPr lang="en-US" sz="2400" dirty="0">
               <a:solidFill>
                 <a:schemeClr val="tx1">
                   <a:lumMod val="85000"/>
@@ -15133,7 +15750,7 @@
               <a:buAutoNum type="arabicPeriod"/>
             </a:pPr>
             <a:r>
-              <a:rPr lang="en-US" sz="2600" dirty="0">
+              <a:rPr lang="en-US" sz="2400" dirty="0">
                 <a:solidFill>
                   <a:schemeClr val="tx1">
                     <a:lumMod val="85000"/>
@@ -15146,7 +15763,7 @@
               <a:t>Checking </a:t>
             </a:r>
             <a:r>
-              <a:rPr lang="en-US" sz="2600" dirty="0" smtClean="0">
+              <a:rPr lang="en-US" sz="2400" dirty="0" smtClean="0">
                 <a:solidFill>
                   <a:schemeClr val="tx1">
                     <a:lumMod val="85000"/>
@@ -15158,7 +15775,7 @@
               </a:rPr>
               <a:t>convergence step</a:t>
             </a:r>
-            <a:endParaRPr lang="en-US" sz="2600" dirty="0">
+            <a:endParaRPr lang="en-US" sz="2400" dirty="0">
               <a:solidFill>
                 <a:schemeClr val="tx1">
                   <a:lumMod val="85000"/>
@@ -15178,7 +15795,7 @@
               <a:buAutoNum type="arabicPeriod"/>
             </a:pPr>
             <a:r>
-              <a:rPr lang="en-US" sz="2600" dirty="0">
+              <a:rPr lang="en-US" sz="2400" dirty="0">
                 <a:solidFill>
                   <a:schemeClr val="tx1">
                     <a:lumMod val="85000"/>
@@ -15191,7 +15808,7 @@
               <a:t>Experimental </a:t>
             </a:r>
             <a:r>
-              <a:rPr lang="en-US" sz="2600" dirty="0" smtClean="0">
+              <a:rPr lang="en-US" sz="2400" dirty="0" smtClean="0">
                 <a:solidFill>
                   <a:schemeClr val="tx1">
                     <a:lumMod val="85000"/>
@@ -15203,13 +15820,64 @@
               </a:rPr>
               <a:t>results</a:t>
             </a:r>
-            <a:endParaRPr lang="en-US" sz="2600" dirty="0">
+          </a:p>
+          <a:p>
+            <a:pPr marL="514350" indent="-514350">
+              <a:lnSpc>
+                <a:spcPct val="125000"/>
+              </a:lnSpc>
+              <a:buFont typeface="+mj-lt"/>
+              <a:buAutoNum type="arabicPeriod"/>
+            </a:pPr>
+            <a:r>
+              <a:rPr lang="en-US" sz="2400" dirty="0" smtClean="0">
+                <a:solidFill>
+                  <a:schemeClr val="tx1">
+                    <a:lumMod val="85000"/>
+                    <a:lumOff val="15000"/>
+                  </a:schemeClr>
+                </a:solidFill>
+                <a:latin typeface="Arial" panose="020B0604020202020204" pitchFamily="34" charset="0"/>
+                <a:cs typeface="Arial" panose="020B0604020202020204" pitchFamily="34" charset="0"/>
+              </a:rPr>
+              <a:t>Conclusion and Future work</a:t>
+            </a:r>
+            <a:endParaRPr lang="en-US" sz="2400" dirty="0">
               <a:solidFill>
                 <a:schemeClr val="tx1">
                   <a:lumMod val="85000"/>
                   <a:lumOff val="15000"/>
                 </a:schemeClr>
               </a:solidFill>
+              <a:latin typeface="Arial" panose="020B0604020202020204" pitchFamily="34" charset="0"/>
+              <a:cs typeface="Arial" panose="020B0604020202020204" pitchFamily="34" charset="0"/>
+            </a:endParaRPr>
+          </a:p>
+        </p:txBody>
+      </p:sp>
+      <p:sp>
+        <p:nvSpPr>
+          <p:cNvPr id="4" name="Slide Number Placeholder 3"/>
+          <p:cNvSpPr>
+            <a:spLocks noGrp="1"/>
+          </p:cNvSpPr>
+          <p:nvPr>
+            <p:ph type="sldNum" sz="quarter" idx="12"/>
+          </p:nvPr>
+        </p:nvSpPr>
+        <p:spPr/>
+        <p:txBody>
+          <a:bodyPr/>
+          <a:lstStyle/>
+          <a:p>
+            <a:fld id="{8EACBB75-E6F3-4170-A8E4-CB655E34A25B}" type="slidenum">
+              <a:rPr lang="en-GB" smtClean="0">
+                <a:latin typeface="Arial" panose="020B0604020202020204" pitchFamily="34" charset="0"/>
+                <a:cs typeface="Arial" panose="020B0604020202020204" pitchFamily="34" charset="0"/>
+              </a:rPr>
+              <a:t>2</a:t>
+            </a:fld>
+            <a:endParaRPr lang="en-GB" dirty="0">
               <a:latin typeface="Arial" panose="020B0604020202020204" pitchFamily="34" charset="0"/>
               <a:cs typeface="Arial" panose="020B0604020202020204" pitchFamily="34" charset="0"/>
             </a:endParaRPr>
@@ -15302,8 +15970,8 @@
         </p:nvSpPr>
         <p:spPr>
           <a:xfrm>
-            <a:off x="1706436" y="1916112"/>
-            <a:ext cx="9401831" cy="4105749"/>
+            <a:off x="2498001" y="2033807"/>
+            <a:ext cx="7486258" cy="4105749"/>
           </a:xfrm>
         </p:spPr>
         <p:txBody>
@@ -15354,8 +16022,15 @@
                 <a:latin typeface="Arial" panose="020B0604020202020204" pitchFamily="34" charset="0"/>
                 <a:cs typeface="Arial" panose="020B0604020202020204" pitchFamily="34" charset="0"/>
               </a:rPr>
-              <a:t>has two </a:t>
-            </a:r>
+              <a:t>has two scenarios :</a:t>
+            </a:r>
+          </a:p>
+          <a:p>
+            <a:pPr marL="1031875" lvl="1" indent="-403225" algn="just">
+              <a:lnSpc>
+                <a:spcPct val="135000"/>
+              </a:lnSpc>
+            </a:pPr>
             <a:r>
               <a:rPr lang="en-US" sz="2400" dirty="0" smtClean="0">
                 <a:solidFill>
@@ -15367,7 +16042,119 @@
                 <a:latin typeface="Arial" panose="020B0604020202020204" pitchFamily="34" charset="0"/>
                 <a:cs typeface="Arial" panose="020B0604020202020204" pitchFamily="34" charset="0"/>
               </a:rPr>
-              <a:t>scenarios :</a:t>
+              <a:t>(</a:t>
+            </a:r>
+            <a:r>
+              <a:rPr lang="en-US" sz="2400" dirty="0">
+                <a:solidFill>
+                  <a:schemeClr val="tx1">
+                    <a:lumMod val="85000"/>
+                    <a:lumOff val="15000"/>
+                  </a:schemeClr>
+                </a:solidFill>
+                <a:latin typeface="Arial" panose="020B0604020202020204" pitchFamily="34" charset="0"/>
+                <a:cs typeface="Arial" panose="020B0604020202020204" pitchFamily="34" charset="0"/>
+              </a:rPr>
+              <a:t>1) using </a:t>
+            </a:r>
+            <a:r>
+              <a:rPr lang="en-US" sz="2400" dirty="0" smtClean="0">
+                <a:solidFill>
+                  <a:srgbClr val="00B050"/>
+                </a:solidFill>
+                <a:latin typeface="Arial" panose="020B0604020202020204" pitchFamily="34" charset="0"/>
+                <a:cs typeface="Arial" panose="020B0604020202020204" pitchFamily="34" charset="0"/>
+              </a:rPr>
+              <a:t>GPU-based </a:t>
+            </a:r>
+            <a:r>
+              <a:rPr lang="en-US" sz="2400" dirty="0">
+                <a:solidFill>
+                  <a:srgbClr val="00B050"/>
+                </a:solidFill>
+                <a:latin typeface="Arial" panose="020B0604020202020204" pitchFamily="34" charset="0"/>
+                <a:cs typeface="Arial" panose="020B0604020202020204" pitchFamily="34" charset="0"/>
+              </a:rPr>
+              <a:t>counting sort </a:t>
+            </a:r>
+            <a:r>
+              <a:rPr lang="en-US" sz="2400" dirty="0" smtClean="0">
+                <a:solidFill>
+                  <a:schemeClr val="tx1">
+                    <a:lumMod val="85000"/>
+                    <a:lumOff val="15000"/>
+                  </a:schemeClr>
+                </a:solidFill>
+                <a:latin typeface="Arial" panose="020B0604020202020204" pitchFamily="34" charset="0"/>
+                <a:cs typeface="Arial" panose="020B0604020202020204" pitchFamily="34" charset="0"/>
+              </a:rPr>
+              <a:t>algorithm,</a:t>
+            </a:r>
+          </a:p>
+          <a:p>
+            <a:pPr marL="1031875" lvl="1" indent="-403225" algn="just">
+              <a:lnSpc>
+                <a:spcPct val="135000"/>
+              </a:lnSpc>
+            </a:pPr>
+            <a:r>
+              <a:rPr lang="en-US" sz="2400" dirty="0" smtClean="0">
+                <a:solidFill>
+                  <a:schemeClr val="tx1">
+                    <a:lumMod val="85000"/>
+                    <a:lumOff val="15000"/>
+                  </a:schemeClr>
+                </a:solidFill>
+                <a:latin typeface="Arial" panose="020B0604020202020204" pitchFamily="34" charset="0"/>
+                <a:cs typeface="Arial" panose="020B0604020202020204" pitchFamily="34" charset="0"/>
+              </a:rPr>
+              <a:t>(</a:t>
+            </a:r>
+            <a:r>
+              <a:rPr lang="en-US" sz="2400" dirty="0">
+                <a:solidFill>
+                  <a:schemeClr val="tx1">
+                    <a:lumMod val="85000"/>
+                    <a:lumOff val="15000"/>
+                  </a:schemeClr>
+                </a:solidFill>
+                <a:latin typeface="Arial" panose="020B0604020202020204" pitchFamily="34" charset="0"/>
+                <a:cs typeface="Arial" panose="020B0604020202020204" pitchFamily="34" charset="0"/>
+              </a:rPr>
+              <a:t>2) using </a:t>
+            </a:r>
+            <a:r>
+              <a:rPr lang="en-US" sz="2400" dirty="0" smtClean="0">
+                <a:solidFill>
+                  <a:srgbClr val="00B050"/>
+                </a:solidFill>
+                <a:latin typeface="Arial" panose="020B0604020202020204" pitchFamily="34" charset="0"/>
+                <a:cs typeface="Arial" panose="020B0604020202020204" pitchFamily="34" charset="0"/>
+              </a:rPr>
+              <a:t>stable </a:t>
+            </a:r>
+            <a:r>
+              <a:rPr lang="en-US" sz="2400" dirty="0">
+                <a:solidFill>
+                  <a:srgbClr val="00B050"/>
+                </a:solidFill>
+                <a:latin typeface="Arial" panose="020B0604020202020204" pitchFamily="34" charset="0"/>
+                <a:cs typeface="Arial" panose="020B0604020202020204" pitchFamily="34" charset="0"/>
+              </a:rPr>
+              <a:t>sort by keys of Thrust </a:t>
+            </a:r>
+            <a:r>
+              <a:rPr lang="en-US" sz="2400" dirty="0" smtClean="0">
+                <a:solidFill>
+                  <a:schemeClr val="tx1">
+                    <a:lumMod val="85000"/>
+                    <a:lumOff val="15000"/>
+                  </a:schemeClr>
+                </a:solidFill>
+                <a:latin typeface="Arial" panose="020B0604020202020204" pitchFamily="34" charset="0"/>
+                <a:cs typeface="Arial" panose="020B0604020202020204" pitchFamily="34" charset="0"/>
+              </a:rPr>
+              <a:t>library.</a:t>
             </a:r>
             <a:endParaRPr lang="en-US" sz="2400" dirty="0" smtClean="0">
               <a:solidFill>
@@ -15381,171 +16168,6 @@
             </a:endParaRPr>
           </a:p>
           <a:p>
-            <a:pPr marL="914400" lvl="1" algn="just">
-              <a:lnSpc>
-                <a:spcPct val="135000"/>
-              </a:lnSpc>
-            </a:pPr>
-            <a:r>
-              <a:rPr lang="en-US" sz="2400" dirty="0" smtClean="0">
-                <a:solidFill>
-                  <a:schemeClr val="tx1">
-                    <a:lumMod val="85000"/>
-                    <a:lumOff val="15000"/>
-                  </a:schemeClr>
-                </a:solidFill>
-                <a:latin typeface="Arial" panose="020B0604020202020204" pitchFamily="34" charset="0"/>
-                <a:cs typeface="Arial" panose="020B0604020202020204" pitchFamily="34" charset="0"/>
-              </a:rPr>
-              <a:t>(</a:t>
-            </a:r>
-            <a:r>
-              <a:rPr lang="en-US" sz="2400" dirty="0">
-                <a:solidFill>
-                  <a:schemeClr val="tx1">
-                    <a:lumMod val="85000"/>
-                    <a:lumOff val="15000"/>
-                  </a:schemeClr>
-                </a:solidFill>
-                <a:latin typeface="Arial" panose="020B0604020202020204" pitchFamily="34" charset="0"/>
-                <a:cs typeface="Arial" panose="020B0604020202020204" pitchFamily="34" charset="0"/>
-              </a:rPr>
-              <a:t>1) using </a:t>
-            </a:r>
-            <a:r>
-              <a:rPr lang="en-US" sz="2400" dirty="0" smtClean="0">
-                <a:solidFill>
-                  <a:srgbClr val="00B050"/>
-                </a:solidFill>
-                <a:latin typeface="Arial" panose="020B0604020202020204" pitchFamily="34" charset="0"/>
-                <a:cs typeface="Arial" panose="020B0604020202020204" pitchFamily="34" charset="0"/>
-              </a:rPr>
-              <a:t>GPU-based </a:t>
-            </a:r>
-            <a:r>
-              <a:rPr lang="en-US" sz="2400" dirty="0">
-                <a:solidFill>
-                  <a:srgbClr val="00B050"/>
-                </a:solidFill>
-                <a:latin typeface="Arial" panose="020B0604020202020204" pitchFamily="34" charset="0"/>
-                <a:cs typeface="Arial" panose="020B0604020202020204" pitchFamily="34" charset="0"/>
-              </a:rPr>
-              <a:t>counting sort </a:t>
-            </a:r>
-            <a:r>
-              <a:rPr lang="en-US" sz="2400" dirty="0" smtClean="0">
-                <a:solidFill>
-                  <a:schemeClr val="tx1">
-                    <a:lumMod val="85000"/>
-                    <a:lumOff val="15000"/>
-                  </a:schemeClr>
-                </a:solidFill>
-                <a:latin typeface="Arial" panose="020B0604020202020204" pitchFamily="34" charset="0"/>
-                <a:cs typeface="Arial" panose="020B0604020202020204" pitchFamily="34" charset="0"/>
-              </a:rPr>
-              <a:t>algorithm,</a:t>
-            </a:r>
-            <a:endParaRPr lang="en-US" sz="2400" dirty="0" smtClean="0">
-              <a:solidFill>
-                <a:schemeClr val="tx1">
-                  <a:lumMod val="85000"/>
-                  <a:lumOff val="15000"/>
-                </a:schemeClr>
-              </a:solidFill>
-              <a:latin typeface="Arial" panose="020B0604020202020204" pitchFamily="34" charset="0"/>
-              <a:cs typeface="Arial" panose="020B0604020202020204" pitchFamily="34" charset="0"/>
-            </a:endParaRPr>
-          </a:p>
-          <a:p>
-            <a:pPr marL="914400" lvl="1" algn="just">
-              <a:lnSpc>
-                <a:spcPct val="135000"/>
-              </a:lnSpc>
-            </a:pPr>
-            <a:r>
-              <a:rPr lang="en-US" sz="2400" dirty="0" smtClean="0">
-                <a:solidFill>
-                  <a:schemeClr val="tx1">
-                    <a:lumMod val="85000"/>
-                    <a:lumOff val="15000"/>
-                  </a:schemeClr>
-                </a:solidFill>
-                <a:latin typeface="Arial" panose="020B0604020202020204" pitchFamily="34" charset="0"/>
-                <a:cs typeface="Arial" panose="020B0604020202020204" pitchFamily="34" charset="0"/>
-              </a:rPr>
-              <a:t>(</a:t>
-            </a:r>
-            <a:r>
-              <a:rPr lang="en-US" sz="2400" dirty="0">
-                <a:solidFill>
-                  <a:schemeClr val="tx1">
-                    <a:lumMod val="85000"/>
-                    <a:lumOff val="15000"/>
-                  </a:schemeClr>
-                </a:solidFill>
-                <a:latin typeface="Arial" panose="020B0604020202020204" pitchFamily="34" charset="0"/>
-                <a:cs typeface="Arial" panose="020B0604020202020204" pitchFamily="34" charset="0"/>
-              </a:rPr>
-              <a:t>2) using </a:t>
-            </a:r>
-            <a:r>
-              <a:rPr lang="en-US" sz="2400" dirty="0" smtClean="0">
-                <a:solidFill>
-                  <a:srgbClr val="00B050"/>
-                </a:solidFill>
-                <a:latin typeface="Arial" panose="020B0604020202020204" pitchFamily="34" charset="0"/>
-                <a:cs typeface="Arial" panose="020B0604020202020204" pitchFamily="34" charset="0"/>
-              </a:rPr>
-              <a:t>stable </a:t>
-            </a:r>
-            <a:r>
-              <a:rPr lang="en-US" sz="2400" dirty="0">
-                <a:solidFill>
-                  <a:srgbClr val="00B050"/>
-                </a:solidFill>
-                <a:latin typeface="Arial" panose="020B0604020202020204" pitchFamily="34" charset="0"/>
-                <a:cs typeface="Arial" panose="020B0604020202020204" pitchFamily="34" charset="0"/>
-              </a:rPr>
-              <a:t>sort by keys of Thrust </a:t>
-            </a:r>
-            <a:r>
-              <a:rPr lang="en-US" sz="2400" dirty="0">
-                <a:solidFill>
-                  <a:schemeClr val="tx1">
-                    <a:lumMod val="85000"/>
-                    <a:lumOff val="15000"/>
-                  </a:schemeClr>
-                </a:solidFill>
-                <a:latin typeface="Arial" panose="020B0604020202020204" pitchFamily="34" charset="0"/>
-                <a:cs typeface="Arial" panose="020B0604020202020204" pitchFamily="34" charset="0"/>
-              </a:rPr>
-              <a:t>library in CUDA </a:t>
-            </a:r>
-            <a:r>
-              <a:rPr lang="en-US" sz="2400" dirty="0" smtClean="0">
-                <a:solidFill>
-                  <a:schemeClr val="tx1">
-                    <a:lumMod val="85000"/>
-                    <a:lumOff val="15000"/>
-                  </a:schemeClr>
-                </a:solidFill>
-                <a:latin typeface="Arial" panose="020B0604020202020204" pitchFamily="34" charset="0"/>
-                <a:cs typeface="Arial" panose="020B0604020202020204" pitchFamily="34" charset="0"/>
-              </a:rPr>
-              <a:t>Toolkit.</a:t>
-            </a:r>
-            <a:endParaRPr lang="en-US" sz="2400" dirty="0" smtClean="0">
-              <a:solidFill>
-                <a:schemeClr val="tx1">
-                  <a:lumMod val="85000"/>
-                  <a:lumOff val="15000"/>
-                </a:schemeClr>
-              </a:solidFill>
-              <a:latin typeface="Arial" panose="020B0604020202020204" pitchFamily="34" charset="0"/>
-              <a:cs typeface="Arial" panose="020B0604020202020204" pitchFamily="34" charset="0"/>
-            </a:endParaRPr>
-          </a:p>
-          <a:p>
             <a:pPr algn="just">
               <a:lnSpc>
                 <a:spcPct val="135000"/>
@@ -15572,51 +16194,47 @@
                 <a:latin typeface="Arial" panose="020B0604020202020204" pitchFamily="34" charset="0"/>
                 <a:cs typeface="Arial" panose="020B0604020202020204" pitchFamily="34" charset="0"/>
               </a:rPr>
-              <a:t>histogram </a:t>
+              <a:t>histogram of NNT </a:t>
             </a:r>
             <a:r>
               <a:rPr lang="en-US" sz="2400" dirty="0" smtClean="0">
                 <a:solidFill>
-                  <a:srgbClr val="00B050"/>
-                </a:solidFill>
-                <a:latin typeface="Arial" panose="020B0604020202020204" pitchFamily="34" charset="0"/>
-                <a:cs typeface="Arial" panose="020B0604020202020204" pitchFamily="34" charset="0"/>
-              </a:rPr>
-              <a:t>of NNT </a:t>
-            </a:r>
-            <a:r>
-              <a:rPr lang="en-US" sz="2400" dirty="0" smtClean="0">
-                <a:solidFill>
-                  <a:schemeClr val="tx1">
-                    <a:lumMod val="85000"/>
-                    <a:lumOff val="15000"/>
-                  </a:schemeClr>
-                </a:solidFill>
-                <a:latin typeface="Arial" panose="020B0604020202020204" pitchFamily="34" charset="0"/>
-                <a:cs typeface="Arial" panose="020B0604020202020204" pitchFamily="34" charset="0"/>
-              </a:rPr>
-              <a:t>is calculated </a:t>
-            </a:r>
-            <a:r>
-              <a:rPr lang="en-US" sz="2400" dirty="0" smtClean="0">
-                <a:solidFill>
-                  <a:schemeClr val="tx1">
-                    <a:lumMod val="85000"/>
-                    <a:lumOff val="15000"/>
-                  </a:schemeClr>
-                </a:solidFill>
-                <a:latin typeface="Arial" panose="020B0604020202020204" pitchFamily="34" charset="0"/>
-                <a:cs typeface="Arial" panose="020B0604020202020204" pitchFamily="34" charset="0"/>
-              </a:rPr>
-              <a:t>first.</a:t>
-            </a:r>
-            <a:endParaRPr lang="en-US" sz="2400" dirty="0" smtClean="0">
-              <a:solidFill>
-                <a:schemeClr val="tx1">
-                  <a:lumMod val="85000"/>
-                  <a:lumOff val="15000"/>
-                </a:schemeClr>
-              </a:solidFill>
+                  <a:schemeClr val="tx1">
+                    <a:lumMod val="85000"/>
+                    <a:lumOff val="15000"/>
+                  </a:schemeClr>
+                </a:solidFill>
+                <a:latin typeface="Arial" panose="020B0604020202020204" pitchFamily="34" charset="0"/>
+                <a:cs typeface="Arial" panose="020B0604020202020204" pitchFamily="34" charset="0"/>
+              </a:rPr>
+              <a:t>is calculated first.</a:t>
+            </a:r>
+          </a:p>
+        </p:txBody>
+      </p:sp>
+      <p:sp>
+        <p:nvSpPr>
+          <p:cNvPr id="2" name="Slide Number Placeholder 1"/>
+          <p:cNvSpPr>
+            <a:spLocks noGrp="1"/>
+          </p:cNvSpPr>
+          <p:nvPr>
+            <p:ph type="sldNum" sz="quarter" idx="12"/>
+          </p:nvPr>
+        </p:nvSpPr>
+        <p:spPr/>
+        <p:txBody>
+          <a:bodyPr/>
+          <a:lstStyle/>
+          <a:p>
+            <a:fld id="{8EACBB75-E6F3-4170-A8E4-CB655E34A25B}" type="slidenum">
+              <a:rPr lang="en-GB" smtClean="0">
+                <a:latin typeface="Arial" panose="020B0604020202020204" pitchFamily="34" charset="0"/>
+                <a:cs typeface="Arial" panose="020B0604020202020204" pitchFamily="34" charset="0"/>
+              </a:rPr>
+              <a:t>20</a:t>
+            </a:fld>
+            <a:endParaRPr lang="en-GB" dirty="0">
               <a:latin typeface="Arial" panose="020B0604020202020204" pitchFamily="34" charset="0"/>
               <a:cs typeface="Arial" panose="020B0604020202020204" pitchFamily="34" charset="0"/>
             </a:endParaRPr>
@@ -15672,8 +16290,8 @@
         </p:nvSpPr>
         <p:spPr>
           <a:xfrm>
-            <a:off x="1760537" y="1811339"/>
-            <a:ext cx="9136511" cy="4105749"/>
+            <a:off x="2204005" y="1811339"/>
+            <a:ext cx="8074249" cy="4105749"/>
           </a:xfrm>
         </p:spPr>
         <p:txBody>
@@ -15695,17 +16313,33 @@
                 <a:latin typeface="Arial" panose="020B0604020202020204" pitchFamily="34" charset="0"/>
                 <a:cs typeface="Arial" panose="020B0604020202020204" pitchFamily="34" charset="0"/>
               </a:rPr>
-              <a:t>Histogram write </a:t>
+              <a:t>Histogram write conflicts </a:t>
             </a:r>
             <a:r>
               <a:rPr lang="en-US" sz="2400" dirty="0" smtClean="0">
                 <a:solidFill>
-                  <a:srgbClr val="FF0000"/>
-                </a:solidFill>
-                <a:latin typeface="Arial" panose="020B0604020202020204" pitchFamily="34" charset="0"/>
-                <a:cs typeface="Arial" panose="020B0604020202020204" pitchFamily="34" charset="0"/>
-              </a:rPr>
-              <a:t>conflicts </a:t>
+                  <a:schemeClr val="tx1">
+                    <a:lumMod val="85000"/>
+                    <a:lumOff val="15000"/>
+                  </a:schemeClr>
+                </a:solidFill>
+                <a:latin typeface="Arial" panose="020B0604020202020204" pitchFamily="34" charset="0"/>
+                <a:cs typeface="Arial" panose="020B0604020202020204" pitchFamily="34" charset="0"/>
+              </a:rPr>
+              <a:t>: a </a:t>
+            </a:r>
+            <a:r>
+              <a:rPr lang="en-US" sz="2400" dirty="0">
+                <a:solidFill>
+                  <a:schemeClr val="tx1">
+                    <a:lumMod val="85000"/>
+                    <a:lumOff val="15000"/>
+                  </a:schemeClr>
+                </a:solidFill>
+                <a:latin typeface="Arial" panose="020B0604020202020204" pitchFamily="34" charset="0"/>
+                <a:cs typeface="Arial" panose="020B0604020202020204" pitchFamily="34" charset="0"/>
+              </a:rPr>
+              <a:t>lots of threads with the same cluster index increase the histogram </a:t>
             </a:r>
             <a:r>
               <a:rPr lang="en-US" sz="2400" dirty="0" smtClean="0">
@@ -15718,34 +16352,18 @@
                 <a:latin typeface="Arial" panose="020B0604020202020204" pitchFamily="34" charset="0"/>
                 <a:cs typeface="Arial" panose="020B0604020202020204" pitchFamily="34" charset="0"/>
               </a:rPr>
-              <a:t>: </a:t>
-            </a:r>
-            <a:r>
-              <a:rPr lang="en-US" sz="2400" dirty="0" smtClean="0">
-                <a:solidFill>
-                  <a:schemeClr val="tx1">
-                    <a:lumMod val="85000"/>
-                    <a:lumOff val="15000"/>
-                  </a:schemeClr>
-                </a:solidFill>
-                <a:latin typeface="Arial" panose="020B0604020202020204" pitchFamily="34" charset="0"/>
-                <a:cs typeface="Arial" panose="020B0604020202020204" pitchFamily="34" charset="0"/>
-              </a:rPr>
-              <a:t>a </a:t>
-            </a:r>
-            <a:r>
-              <a:rPr lang="en-US" sz="2400" dirty="0">
-                <a:solidFill>
-                  <a:schemeClr val="tx1">
-                    <a:lumMod val="85000"/>
-                    <a:lumOff val="15000"/>
-                  </a:schemeClr>
-                </a:solidFill>
-                <a:latin typeface="Arial" panose="020B0604020202020204" pitchFamily="34" charset="0"/>
-                <a:cs typeface="Arial" panose="020B0604020202020204" pitchFamily="34" charset="0"/>
-              </a:rPr>
-              <a:t>lots of threads with the same cluster index increase the histogram array.</a:t>
-            </a:r>
+              <a:t>array</a:t>
+            </a:r>
+            <a:endParaRPr lang="en-US" sz="2400" dirty="0">
+              <a:solidFill>
+                <a:schemeClr val="tx1">
+                  <a:lumMod val="85000"/>
+                  <a:lumOff val="15000"/>
+                </a:schemeClr>
+              </a:solidFill>
+              <a:latin typeface="Arial" panose="020B0604020202020204" pitchFamily="34" charset="0"/>
+              <a:cs typeface="Arial" panose="020B0604020202020204" pitchFamily="34" charset="0"/>
+            </a:endParaRPr>
           </a:p>
           <a:p>
             <a:pPr algn="just">
@@ -15783,7 +16401,7 @@
         </p:blipFill>
         <p:spPr bwMode="auto">
           <a:xfrm>
-            <a:off x="3232406" y="3086931"/>
+            <a:off x="3123168" y="3168413"/>
             <a:ext cx="6235921" cy="2171615"/>
           </a:xfrm>
           <a:prstGeom prst="rect">
@@ -15845,6 +16463,35 @@
               <a:t>Calculating new centroids on GPU</a:t>
             </a:r>
             <a:endParaRPr lang="en-US" sz="3000" b="1" dirty="0">
+              <a:latin typeface="Arial" panose="020B0604020202020204" pitchFamily="34" charset="0"/>
+              <a:cs typeface="Arial" panose="020B0604020202020204" pitchFamily="34" charset="0"/>
+            </a:endParaRPr>
+          </a:p>
+        </p:txBody>
+      </p:sp>
+      <p:sp>
+        <p:nvSpPr>
+          <p:cNvPr id="2" name="Slide Number Placeholder 1"/>
+          <p:cNvSpPr>
+            <a:spLocks noGrp="1"/>
+          </p:cNvSpPr>
+          <p:nvPr>
+            <p:ph type="sldNum" sz="quarter" idx="12"/>
+          </p:nvPr>
+        </p:nvSpPr>
+        <p:spPr/>
+        <p:txBody>
+          <a:bodyPr/>
+          <a:lstStyle/>
+          <a:p>
+            <a:fld id="{8EACBB75-E6F3-4170-A8E4-CB655E34A25B}" type="slidenum">
+              <a:rPr lang="en-GB" smtClean="0">
+                <a:latin typeface="Arial" panose="020B0604020202020204" pitchFamily="34" charset="0"/>
+                <a:cs typeface="Arial" panose="020B0604020202020204" pitchFamily="34" charset="0"/>
+              </a:rPr>
+              <a:t>21</a:t>
+            </a:fld>
+            <a:endParaRPr lang="en-GB" dirty="0">
               <a:latin typeface="Arial" panose="020B0604020202020204" pitchFamily="34" charset="0"/>
               <a:cs typeface="Arial" panose="020B0604020202020204" pitchFamily="34" charset="0"/>
             </a:endParaRPr>
@@ -16596,14 +17243,7 @@
                 <a:latin typeface="Arial" panose="020B0604020202020204" pitchFamily="34" charset="0"/>
                 <a:cs typeface="Arial" panose="020B0604020202020204" pitchFamily="34" charset="0"/>
               </a:rPr>
-              <a:t>histogram </a:t>
-            </a:r>
-            <a:r>
-              <a:rPr lang="en-US" b="1" dirty="0" smtClean="0">
-                <a:latin typeface="Arial" panose="020B0604020202020204" pitchFamily="34" charset="0"/>
-                <a:cs typeface="Arial" panose="020B0604020202020204" pitchFamily="34" charset="0"/>
-              </a:rPr>
-              <a:t>of NNT</a:t>
+              <a:t>histogram of NNT</a:t>
             </a:r>
           </a:p>
           <a:p>
@@ -16707,14 +17347,7 @@
                 <a:latin typeface="Arial" panose="020B0604020202020204" pitchFamily="34" charset="0"/>
                 <a:cs typeface="Arial" panose="020B0604020202020204" pitchFamily="34" charset="0"/>
               </a:rPr>
-              <a:t>Calculating </a:t>
-            </a:r>
-            <a:r>
-              <a:rPr lang="en-US" b="1" dirty="0" smtClean="0">
-                <a:latin typeface="Arial" panose="020B0604020202020204" pitchFamily="34" charset="0"/>
-                <a:cs typeface="Arial" panose="020B0604020202020204" pitchFamily="34" charset="0"/>
-              </a:rPr>
-              <a:t>starting </a:t>
+              <a:t>Calculating starting </a:t>
             </a:r>
             <a:r>
               <a:rPr lang="en-US" b="1" dirty="0">
@@ -16882,6 +17515,35 @@
               <a:t>Calculating new centroids on GPU</a:t>
             </a:r>
             <a:endParaRPr lang="en-US" sz="3000" b="1" dirty="0">
+              <a:latin typeface="Arial" panose="020B0604020202020204" pitchFamily="34" charset="0"/>
+              <a:cs typeface="Arial" panose="020B0604020202020204" pitchFamily="34" charset="0"/>
+            </a:endParaRPr>
+          </a:p>
+        </p:txBody>
+      </p:sp>
+      <p:sp>
+        <p:nvSpPr>
+          <p:cNvPr id="2" name="Slide Number Placeholder 1"/>
+          <p:cNvSpPr>
+            <a:spLocks noGrp="1"/>
+          </p:cNvSpPr>
+          <p:nvPr>
+            <p:ph type="sldNum" sz="quarter" idx="12"/>
+          </p:nvPr>
+        </p:nvSpPr>
+        <p:spPr/>
+        <p:txBody>
+          <a:bodyPr/>
+          <a:lstStyle/>
+          <a:p>
+            <a:fld id="{8EACBB75-E6F3-4170-A8E4-CB655E34A25B}" type="slidenum">
+              <a:rPr lang="en-GB" smtClean="0">
+                <a:latin typeface="Arial" panose="020B0604020202020204" pitchFamily="34" charset="0"/>
+                <a:cs typeface="Arial" panose="020B0604020202020204" pitchFamily="34" charset="0"/>
+              </a:rPr>
+              <a:t>22</a:t>
+            </a:fld>
+            <a:endParaRPr lang="en-GB" dirty="0">
               <a:latin typeface="Arial" panose="020B0604020202020204" pitchFamily="34" charset="0"/>
               <a:cs typeface="Arial" panose="020B0604020202020204" pitchFamily="34" charset="0"/>
             </a:endParaRPr>
@@ -16937,7 +17599,7 @@
         </p:nvSpPr>
         <p:spPr>
           <a:xfrm>
-            <a:off x="1693862" y="1767336"/>
+            <a:off x="1867998" y="1767336"/>
             <a:ext cx="9203185" cy="4105749"/>
           </a:xfrm>
         </p:spPr>
@@ -17069,31 +17731,8 @@
                 <a:latin typeface="Arial" panose="020B0604020202020204" pitchFamily="34" charset="0"/>
                 <a:cs typeface="Arial" panose="020B0604020202020204" pitchFamily="34" charset="0"/>
               </a:rPr>
-              <a:t>reduce </a:t>
-            </a:r>
-            <a:r>
-              <a:rPr lang="en-US" sz="2400" dirty="0" smtClean="0">
-                <a:solidFill>
-                  <a:schemeClr val="tx1">
-                    <a:lumMod val="85000"/>
-                    <a:lumOff val="15000"/>
-                  </a:schemeClr>
-                </a:solidFill>
-                <a:latin typeface="Arial" panose="020B0604020202020204" pitchFamily="34" charset="0"/>
-                <a:cs typeface="Arial" panose="020B0604020202020204" pitchFamily="34" charset="0"/>
-              </a:rPr>
-              <a:t>performance.</a:t>
-            </a:r>
-            <a:endParaRPr lang="en-US" sz="2400" dirty="0" smtClean="0">
-              <a:solidFill>
-                <a:schemeClr val="tx1">
-                  <a:lumMod val="85000"/>
-                  <a:lumOff val="15000"/>
-                </a:schemeClr>
-              </a:solidFill>
-              <a:latin typeface="Arial" panose="020B0604020202020204" pitchFamily="34" charset="0"/>
-              <a:cs typeface="Arial" panose="020B0604020202020204" pitchFamily="34" charset="0"/>
-            </a:endParaRPr>
+              <a:t>reduce performance.</a:t>
+            </a:r>
           </a:p>
         </p:txBody>
       </p:sp>
@@ -17120,7 +17759,7 @@
         </p:blipFill>
         <p:spPr bwMode="auto">
           <a:xfrm>
-            <a:off x="2126191" y="3528483"/>
+            <a:off x="2307260" y="3537537"/>
             <a:ext cx="8686800" cy="1823971"/>
           </a:xfrm>
           <a:prstGeom prst="rect">
@@ -17182,6 +17821,35 @@
               <a:t>Calculating new centroids on GPU</a:t>
             </a:r>
             <a:endParaRPr lang="en-US" sz="3000" b="1" dirty="0">
+              <a:latin typeface="Arial" panose="020B0604020202020204" pitchFamily="34" charset="0"/>
+              <a:cs typeface="Arial" panose="020B0604020202020204" pitchFamily="34" charset="0"/>
+            </a:endParaRPr>
+          </a:p>
+        </p:txBody>
+      </p:sp>
+      <p:sp>
+        <p:nvSpPr>
+          <p:cNvPr id="2" name="Slide Number Placeholder 1"/>
+          <p:cNvSpPr>
+            <a:spLocks noGrp="1"/>
+          </p:cNvSpPr>
+          <p:nvPr>
+            <p:ph type="sldNum" sz="quarter" idx="12"/>
+          </p:nvPr>
+        </p:nvSpPr>
+        <p:spPr/>
+        <p:txBody>
+          <a:bodyPr/>
+          <a:lstStyle/>
+          <a:p>
+            <a:fld id="{8EACBB75-E6F3-4170-A8E4-CB655E34A25B}" type="slidenum">
+              <a:rPr lang="en-GB" smtClean="0">
+                <a:latin typeface="Arial" panose="020B0604020202020204" pitchFamily="34" charset="0"/>
+                <a:cs typeface="Arial" panose="020B0604020202020204" pitchFamily="34" charset="0"/>
+              </a:rPr>
+              <a:t>23</a:t>
+            </a:fld>
+            <a:endParaRPr lang="en-GB" dirty="0">
               <a:latin typeface="Arial" panose="020B0604020202020204" pitchFamily="34" charset="0"/>
               <a:cs typeface="Arial" panose="020B0604020202020204" pitchFamily="34" charset="0"/>
             </a:endParaRPr>
@@ -17293,20 +17961,7 @@
                 <a:latin typeface="Arial" panose="020B0604020202020204" pitchFamily="34" charset="0"/>
                 <a:cs typeface="Arial" panose="020B0604020202020204" pitchFamily="34" charset="0"/>
               </a:rPr>
-              <a:t>: </a:t>
-            </a:r>
-            <a:r>
-              <a:rPr lang="en-US" sz="2400" dirty="0" smtClean="0">
-                <a:solidFill>
-                  <a:schemeClr val="tx1">
-                    <a:lumMod val="85000"/>
-                    <a:lumOff val="15000"/>
-                  </a:schemeClr>
-                </a:solidFill>
-                <a:latin typeface="Arial" panose="020B0604020202020204" pitchFamily="34" charset="0"/>
-                <a:cs typeface="Arial" panose="020B0604020202020204" pitchFamily="34" charset="0"/>
-              </a:rPr>
-              <a:t>use </a:t>
+              <a:t>: use </a:t>
             </a:r>
             <a:r>
               <a:rPr lang="en-US" sz="2400" dirty="0" smtClean="0">
@@ -17427,7 +18082,7 @@
         </p:blipFill>
         <p:spPr bwMode="auto">
           <a:xfrm>
-            <a:off x="2092325" y="3142193"/>
+            <a:off x="2092325" y="3151246"/>
             <a:ext cx="8731228" cy="1774826"/>
           </a:xfrm>
           <a:prstGeom prst="rect">
@@ -17458,6 +18113,35 @@
           </a:extLst>
         </p:spPr>
       </p:pic>
+      <p:sp>
+        <p:nvSpPr>
+          <p:cNvPr id="2" name="Slide Number Placeholder 1"/>
+          <p:cNvSpPr>
+            <a:spLocks noGrp="1"/>
+          </p:cNvSpPr>
+          <p:nvPr>
+            <p:ph type="sldNum" sz="quarter" idx="12"/>
+          </p:nvPr>
+        </p:nvSpPr>
+        <p:spPr/>
+        <p:txBody>
+          <a:bodyPr/>
+          <a:lstStyle/>
+          <a:p>
+            <a:fld id="{8EACBB75-E6F3-4170-A8E4-CB655E34A25B}" type="slidenum">
+              <a:rPr lang="en-GB" smtClean="0">
+                <a:latin typeface="Arial" panose="020B0604020202020204" pitchFamily="34" charset="0"/>
+                <a:cs typeface="Arial" panose="020B0604020202020204" pitchFamily="34" charset="0"/>
+              </a:rPr>
+              <a:t>24</a:t>
+            </a:fld>
+            <a:endParaRPr lang="en-GB" dirty="0">
+              <a:latin typeface="Arial" panose="020B0604020202020204" pitchFamily="34" charset="0"/>
+              <a:cs typeface="Arial" panose="020B0604020202020204" pitchFamily="34" charset="0"/>
+            </a:endParaRPr>
+          </a:p>
+        </p:txBody>
+      </p:sp>
     </p:spTree>
     <p:extLst>
       <p:ext uri="{BB962C8B-B14F-4D97-AF65-F5344CB8AC3E}">
@@ -17698,10 +18382,6 @@
               </a:rPr>
               <a:t>Reduce </a:t>
             </a:r>
-            <a:endParaRPr lang="en-US" b="1" dirty="0" smtClean="0">
-              <a:latin typeface="Arial" panose="020B0604020202020204" pitchFamily="34" charset="0"/>
-              <a:cs typeface="Arial" panose="020B0604020202020204" pitchFamily="34" charset="0"/>
-            </a:endParaRPr>
           </a:p>
           <a:p>
             <a:pPr algn="ctr"/>
@@ -18503,6 +19183,35 @@
           </a:fontRef>
         </p:style>
       </p:cxnSp>
+      <p:sp>
+        <p:nvSpPr>
+          <p:cNvPr id="2" name="Slide Number Placeholder 1"/>
+          <p:cNvSpPr>
+            <a:spLocks noGrp="1"/>
+          </p:cNvSpPr>
+          <p:nvPr>
+            <p:ph type="sldNum" sz="quarter" idx="12"/>
+          </p:nvPr>
+        </p:nvSpPr>
+        <p:spPr/>
+        <p:txBody>
+          <a:bodyPr/>
+          <a:lstStyle/>
+          <a:p>
+            <a:fld id="{8EACBB75-E6F3-4170-A8E4-CB655E34A25B}" type="slidenum">
+              <a:rPr lang="en-GB" smtClean="0">
+                <a:latin typeface="Arial" panose="020B0604020202020204" pitchFamily="34" charset="0"/>
+                <a:cs typeface="Arial" panose="020B0604020202020204" pitchFamily="34" charset="0"/>
+              </a:rPr>
+              <a:t>25</a:t>
+            </a:fld>
+            <a:endParaRPr lang="en-GB" dirty="0">
+              <a:latin typeface="Arial" panose="020B0604020202020204" pitchFamily="34" charset="0"/>
+              <a:cs typeface="Arial" panose="020B0604020202020204" pitchFamily="34" charset="0"/>
+            </a:endParaRPr>
+          </a:p>
+        </p:txBody>
+      </p:sp>
     </p:spTree>
     <p:extLst>
       <p:ext uri="{BB962C8B-B14F-4D97-AF65-F5344CB8AC3E}">
@@ -18589,8 +19298,8 @@
         </p:nvSpPr>
         <p:spPr>
           <a:xfrm>
-            <a:off x="2484164" y="1709446"/>
-            <a:ext cx="7404903" cy="3802353"/>
+            <a:off x="2692391" y="1528381"/>
+            <a:ext cx="7404903" cy="4555552"/>
           </a:xfrm>
         </p:spPr>
         <p:txBody>
@@ -18607,7 +19316,7 @@
               <a:buAutoNum type="arabicPeriod"/>
             </a:pPr>
             <a:r>
-              <a:rPr lang="en-US" sz="2600" dirty="0">
+              <a:rPr lang="en-US" sz="2400" dirty="0">
                 <a:solidFill>
                   <a:schemeClr val="tx1">
                     <a:lumMod val="85000"/>
@@ -18629,7 +19338,7 @@
               <a:buAutoNum type="arabicPeriod"/>
             </a:pPr>
             <a:r>
-              <a:rPr lang="en-US" sz="2600" dirty="0">
+              <a:rPr lang="en-US" sz="2400" dirty="0" smtClean="0">
                 <a:solidFill>
                   <a:schemeClr val="tx1">
                     <a:lumMod val="85000"/>
@@ -18641,7 +19350,7 @@
               </a:rPr>
               <a:t>PGFKM model</a:t>
             </a:r>
-            <a:endParaRPr lang="en-US" sz="2600" dirty="0">
+            <a:endParaRPr lang="en-US" sz="2400" dirty="0">
               <a:solidFill>
                 <a:schemeClr val="tx1">
                   <a:lumMod val="85000"/>
@@ -18661,7 +19370,7 @@
               <a:buAutoNum type="arabicPeriod"/>
             </a:pPr>
             <a:r>
-              <a:rPr lang="en-US" sz="2600" dirty="0">
+              <a:rPr lang="en-US" sz="2400" dirty="0">
                 <a:solidFill>
                   <a:schemeClr val="tx1">
                     <a:lumMod val="85000"/>
@@ -18674,7 +19383,7 @@
               <a:t>Updating </a:t>
             </a:r>
             <a:r>
-              <a:rPr lang="en-US" sz="2600" dirty="0">
+              <a:rPr lang="en-US" sz="2400" dirty="0" smtClean="0">
                 <a:solidFill>
                   <a:schemeClr val="tx1">
                     <a:lumMod val="85000"/>
@@ -18686,7 +19395,7 @@
               </a:rPr>
               <a:t>membership step</a:t>
             </a:r>
-            <a:endParaRPr lang="en-US" sz="2600" dirty="0">
+            <a:endParaRPr lang="en-US" sz="2400" dirty="0">
               <a:solidFill>
                 <a:schemeClr val="tx1">
                   <a:lumMod val="85000"/>
@@ -18706,7 +19415,7 @@
               <a:buAutoNum type="arabicPeriod"/>
             </a:pPr>
             <a:r>
-              <a:rPr lang="en-US" sz="2600" dirty="0">
+              <a:rPr lang="en-US" sz="2400" dirty="0">
                 <a:solidFill>
                   <a:schemeClr val="tx1">
                     <a:lumMod val="85000"/>
@@ -18719,7 +19428,7 @@
               <a:t>Calculating </a:t>
             </a:r>
             <a:r>
-              <a:rPr lang="en-US" sz="2600" dirty="0">
+              <a:rPr lang="en-US" sz="2400" dirty="0" smtClean="0">
                 <a:solidFill>
                   <a:schemeClr val="tx1">
                     <a:lumMod val="85000"/>
@@ -18732,7 +19441,7 @@
               <a:t>new </a:t>
             </a:r>
             <a:r>
-              <a:rPr lang="en-US" sz="2600" dirty="0">
+              <a:rPr lang="en-US" sz="2400" dirty="0">
                 <a:solidFill>
                   <a:schemeClr val="tx1">
                     <a:lumMod val="85000"/>
@@ -18745,7 +19454,7 @@
               <a:t>c</a:t>
             </a:r>
             <a:r>
-              <a:rPr lang="en-US" sz="2600" dirty="0">
+              <a:rPr lang="en-US" sz="2400" dirty="0" smtClean="0">
                 <a:solidFill>
                   <a:schemeClr val="tx1">
                     <a:lumMod val="85000"/>
@@ -18758,7 +19467,7 @@
               <a:t>entroids </a:t>
             </a:r>
             <a:r>
-              <a:rPr lang="en-US" sz="2600" dirty="0">
+              <a:rPr lang="en-US" sz="2400" dirty="0">
                 <a:solidFill>
                   <a:schemeClr val="tx1">
                     <a:lumMod val="85000"/>
@@ -18771,7 +19480,7 @@
               <a:t>s</a:t>
             </a:r>
             <a:r>
-              <a:rPr lang="en-US" sz="2600" dirty="0">
+              <a:rPr lang="en-US" sz="2400" dirty="0" smtClean="0">
                 <a:solidFill>
                   <a:schemeClr val="tx1">
                     <a:lumMod val="85000"/>
@@ -18783,7 +19492,7 @@
               </a:rPr>
               <a:t>tep</a:t>
             </a:r>
-            <a:endParaRPr lang="en-US" sz="2600" dirty="0">
+            <a:endParaRPr lang="en-US" sz="2400" dirty="0">
               <a:solidFill>
                 <a:schemeClr val="tx1">
                   <a:lumMod val="85000"/>
@@ -18803,7 +19512,7 @@
               <a:buAutoNum type="arabicPeriod"/>
             </a:pPr>
             <a:r>
-              <a:rPr lang="en-US" sz="2600" dirty="0">
+              <a:rPr lang="en-US" sz="2400" dirty="0">
                 <a:solidFill>
                   <a:srgbClr val="FF0000"/>
                 </a:solidFill>
@@ -18813,7 +19522,7 @@
               <a:t>Checking </a:t>
             </a:r>
             <a:r>
-              <a:rPr lang="en-US" sz="2600" dirty="0" smtClean="0">
+              <a:rPr lang="en-US" sz="2400" dirty="0" smtClean="0">
                 <a:solidFill>
                   <a:srgbClr val="FF0000"/>
                 </a:solidFill>
@@ -18822,7 +19531,7 @@
               </a:rPr>
               <a:t>convergence step</a:t>
             </a:r>
-            <a:endParaRPr lang="en-US" sz="2600" dirty="0">
+            <a:endParaRPr lang="en-US" sz="2400" dirty="0">
               <a:solidFill>
                 <a:srgbClr val="FF0000"/>
               </a:solidFill>
@@ -18839,7 +19548,7 @@
               <a:buAutoNum type="arabicPeriod"/>
             </a:pPr>
             <a:r>
-              <a:rPr lang="en-US" sz="2600" dirty="0">
+              <a:rPr lang="en-US" sz="2400" dirty="0">
                 <a:solidFill>
                   <a:schemeClr val="tx1">
                     <a:lumMod val="85000"/>
@@ -18852,7 +19561,7 @@
               <a:t>Experimental </a:t>
             </a:r>
             <a:r>
-              <a:rPr lang="en-US" sz="2600" dirty="0" smtClean="0">
+              <a:rPr lang="en-US" sz="2400" dirty="0" smtClean="0">
                 <a:solidFill>
                   <a:schemeClr val="tx1">
                     <a:lumMod val="85000"/>
@@ -18864,7 +19573,51 @@
               </a:rPr>
               <a:t>results</a:t>
             </a:r>
-            <a:endParaRPr lang="en-US" sz="2600" dirty="0">
+          </a:p>
+          <a:p>
+            <a:pPr marL="514350" indent="-514350">
+              <a:lnSpc>
+                <a:spcPct val="125000"/>
+              </a:lnSpc>
+              <a:buFont typeface="+mj-lt"/>
+              <a:buAutoNum type="arabicPeriod"/>
+            </a:pPr>
+            <a:r>
+              <a:rPr lang="en-US" sz="2400" dirty="0" smtClean="0">
+                <a:solidFill>
+                  <a:schemeClr val="tx1">
+                    <a:lumMod val="85000"/>
+                    <a:lumOff val="15000"/>
+                  </a:schemeClr>
+                </a:solidFill>
+                <a:latin typeface="Arial" panose="020B0604020202020204" pitchFamily="34" charset="0"/>
+                <a:cs typeface="Arial" panose="020B0604020202020204" pitchFamily="34" charset="0"/>
+              </a:rPr>
+              <a:t>Conclusion </a:t>
+            </a:r>
+            <a:r>
+              <a:rPr lang="en-US" sz="2400" dirty="0">
+                <a:solidFill>
+                  <a:schemeClr val="tx1">
+                    <a:lumMod val="85000"/>
+                    <a:lumOff val="15000"/>
+                  </a:schemeClr>
+                </a:solidFill>
+                <a:latin typeface="Arial" panose="020B0604020202020204" pitchFamily="34" charset="0"/>
+                <a:cs typeface="Arial" panose="020B0604020202020204" pitchFamily="34" charset="0"/>
+              </a:rPr>
+              <a:t>and Future work</a:t>
+            </a:r>
+          </a:p>
+          <a:p>
+            <a:pPr marL="514350" indent="-514350">
+              <a:lnSpc>
+                <a:spcPct val="125000"/>
+              </a:lnSpc>
+              <a:buFont typeface="+mj-lt"/>
+              <a:buAutoNum type="arabicPeriod"/>
+            </a:pPr>
+            <a:endParaRPr lang="en-US" sz="2400" dirty="0">
               <a:solidFill>
                 <a:schemeClr val="tx1">
                   <a:lumMod val="85000"/>
@@ -18877,10 +19630,39 @@
           </a:p>
         </p:txBody>
       </p:sp>
+      <p:sp>
+        <p:nvSpPr>
+          <p:cNvPr id="4" name="Slide Number Placeholder 3"/>
+          <p:cNvSpPr>
+            <a:spLocks noGrp="1"/>
+          </p:cNvSpPr>
+          <p:nvPr>
+            <p:ph type="sldNum" sz="quarter" idx="12"/>
+          </p:nvPr>
+        </p:nvSpPr>
+        <p:spPr/>
+        <p:txBody>
+          <a:bodyPr/>
+          <a:lstStyle/>
+          <a:p>
+            <a:fld id="{8EACBB75-E6F3-4170-A8E4-CB655E34A25B}" type="slidenum">
+              <a:rPr lang="en-GB" smtClean="0">
+                <a:latin typeface="Arial" panose="020B0604020202020204" pitchFamily="34" charset="0"/>
+                <a:cs typeface="Arial" panose="020B0604020202020204" pitchFamily="34" charset="0"/>
+              </a:rPr>
+              <a:t>26</a:t>
+            </a:fld>
+            <a:endParaRPr lang="en-GB" dirty="0">
+              <a:latin typeface="Arial" panose="020B0604020202020204" pitchFamily="34" charset="0"/>
+              <a:cs typeface="Arial" panose="020B0604020202020204" pitchFamily="34" charset="0"/>
+            </a:endParaRPr>
+          </a:p>
+        </p:txBody>
+      </p:sp>
     </p:spTree>
     <p:extLst>
       <p:ext uri="{BB962C8B-B14F-4D97-AF65-F5344CB8AC3E}">
-        <p14:creationId xmlns:p14="http://schemas.microsoft.com/office/powerpoint/2010/main" val="28398441"/>
+        <p14:creationId xmlns:p14="http://schemas.microsoft.com/office/powerpoint/2010/main" val="908274750"/>
       </p:ext>
     </p:extLst>
   </p:cSld>
@@ -18926,8 +19708,8 @@
         </p:nvSpPr>
         <p:spPr>
           <a:xfrm>
-            <a:off x="1747138" y="1906587"/>
-            <a:ext cx="9311836" cy="4105749"/>
+            <a:off x="1755047" y="1997121"/>
+            <a:ext cx="8972165" cy="4105749"/>
           </a:xfrm>
         </p:spPr>
         <p:txBody>
@@ -19050,10 +19832,6 @@
               </a:rPr>
               <a:t>,</a:t>
             </a:r>
-            <a:endParaRPr lang="en-US" sz="2400" dirty="0" smtClean="0">
-              <a:latin typeface="Arial" panose="020B0604020202020204" pitchFamily="34" charset="0"/>
-              <a:cs typeface="Arial" panose="020B0604020202020204" pitchFamily="34" charset="0"/>
-            </a:endParaRPr>
           </a:p>
           <a:p>
             <a:pPr algn="just">
@@ -19082,7 +19860,7 @@
               </a:lnSpc>
             </a:pPr>
             <a:r>
-              <a:rPr lang="en-US" sz="2400" dirty="0" smtClean="0">
+              <a:rPr lang="en-US" sz="2200" dirty="0" smtClean="0">
                 <a:solidFill>
                   <a:srgbClr val="00B050"/>
                 </a:solidFill>
@@ -19092,7 +19870,7 @@
               <a:t>each </a:t>
             </a:r>
             <a:r>
-              <a:rPr lang="en-US" sz="2400" dirty="0">
+              <a:rPr lang="en-US" sz="2200" dirty="0">
                 <a:solidFill>
                   <a:srgbClr val="00B050"/>
                 </a:solidFill>
@@ -19102,7 +19880,7 @@
               <a:t>thread </a:t>
             </a:r>
             <a:r>
-              <a:rPr lang="en-US" sz="2400" dirty="0">
+              <a:rPr lang="en-US" sz="2200" dirty="0">
                 <a:solidFill>
                   <a:schemeClr val="tx1">
                     <a:lumMod val="85000"/>
@@ -19115,7 +19893,7 @@
               <a:t>executes </a:t>
             </a:r>
             <a:r>
-              <a:rPr lang="en-US" sz="2400" dirty="0">
+              <a:rPr lang="en-US" sz="2200" dirty="0">
                 <a:solidFill>
                   <a:srgbClr val="00B050"/>
                 </a:solidFill>
@@ -19125,7 +19903,7 @@
               <a:t>one dimensional </a:t>
             </a:r>
             <a:r>
-              <a:rPr lang="en-US" sz="2400" dirty="0">
+              <a:rPr lang="en-US" sz="2200" dirty="0">
                 <a:solidFill>
                   <a:schemeClr val="tx1">
                     <a:lumMod val="85000"/>
@@ -19138,7 +19916,7 @@
               <a:t>of </a:t>
             </a:r>
             <a:r>
-              <a:rPr lang="en-US" sz="2400" dirty="0" smtClean="0">
+              <a:rPr lang="en-US" sz="2200" dirty="0" smtClean="0">
                 <a:solidFill>
                   <a:schemeClr val="tx1">
                     <a:lumMod val="85000"/>
@@ -19150,16 +19928,6 @@
               </a:rPr>
               <a:t>centroid,</a:t>
             </a:r>
-            <a:endParaRPr lang="en-US" sz="2400" dirty="0" smtClean="0">
-              <a:solidFill>
-                <a:schemeClr val="tx1">
-                  <a:lumMod val="85000"/>
-                  <a:lumOff val="15000"/>
-                </a:schemeClr>
-              </a:solidFill>
-              <a:latin typeface="Arial" panose="020B0604020202020204" pitchFamily="34" charset="0"/>
-              <a:cs typeface="Arial" panose="020B0604020202020204" pitchFamily="34" charset="0"/>
-            </a:endParaRPr>
           </a:p>
           <a:p>
             <a:pPr marL="1033463" lvl="1" indent="-404813" algn="just">
@@ -19168,7 +19936,7 @@
               </a:lnSpc>
             </a:pPr>
             <a:r>
-              <a:rPr lang="en-US" sz="2400" dirty="0" smtClean="0">
+              <a:rPr lang="en-US" sz="2200" dirty="0" smtClean="0">
                 <a:solidFill>
                   <a:srgbClr val="00B050"/>
                 </a:solidFill>
@@ -19178,7 +19946,7 @@
               <a:t>each </a:t>
             </a:r>
             <a:r>
-              <a:rPr lang="en-US" sz="2400" dirty="0">
+              <a:rPr lang="en-US" sz="2200" dirty="0">
                 <a:solidFill>
                   <a:srgbClr val="00B050"/>
                 </a:solidFill>
@@ -19188,7 +19956,7 @@
               <a:t>thread block </a:t>
             </a:r>
             <a:r>
-              <a:rPr lang="en-US" sz="2400" dirty="0">
+              <a:rPr lang="en-US" sz="2200" dirty="0">
                 <a:solidFill>
                   <a:schemeClr val="tx1">
                     <a:lumMod val="85000"/>
@@ -19201,7 +19969,7 @@
               <a:t>executes for </a:t>
             </a:r>
             <a:r>
-              <a:rPr lang="en-US" sz="2400" dirty="0">
+              <a:rPr lang="en-US" sz="2200" dirty="0">
                 <a:solidFill>
                   <a:srgbClr val="00B050"/>
                 </a:solidFill>
@@ -19211,7 +19979,7 @@
               <a:t>one </a:t>
             </a:r>
             <a:r>
-              <a:rPr lang="en-US" sz="2400" dirty="0" smtClean="0">
+              <a:rPr lang="en-US" sz="2200" dirty="0" smtClean="0">
                 <a:solidFill>
                   <a:srgbClr val="00B050"/>
                 </a:solidFill>
@@ -19221,7 +19989,7 @@
               <a:t>centroid</a:t>
             </a:r>
             <a:r>
-              <a:rPr lang="en-US" sz="2400" dirty="0" smtClean="0">
+              <a:rPr lang="en-US" sz="2200" dirty="0" smtClean="0">
                 <a:solidFill>
                   <a:schemeClr val="tx1">
                     <a:lumMod val="85000"/>
@@ -19278,6 +20046,35 @@
               <a:t>Checking convergence</a:t>
             </a:r>
             <a:endParaRPr lang="en-US" sz="3000" b="1" dirty="0">
+              <a:latin typeface="Arial" panose="020B0604020202020204" pitchFamily="34" charset="0"/>
+              <a:cs typeface="Arial" panose="020B0604020202020204" pitchFamily="34" charset="0"/>
+            </a:endParaRPr>
+          </a:p>
+        </p:txBody>
+      </p:sp>
+      <p:sp>
+        <p:nvSpPr>
+          <p:cNvPr id="2" name="Slide Number Placeholder 1"/>
+          <p:cNvSpPr>
+            <a:spLocks noGrp="1"/>
+          </p:cNvSpPr>
+          <p:nvPr>
+            <p:ph type="sldNum" sz="quarter" idx="12"/>
+          </p:nvPr>
+        </p:nvSpPr>
+        <p:spPr/>
+        <p:txBody>
+          <a:bodyPr/>
+          <a:lstStyle/>
+          <a:p>
+            <a:fld id="{8EACBB75-E6F3-4170-A8E4-CB655E34A25B}" type="slidenum">
+              <a:rPr lang="en-GB" smtClean="0">
+                <a:latin typeface="Arial" panose="020B0604020202020204" pitchFamily="34" charset="0"/>
+                <a:cs typeface="Arial" panose="020B0604020202020204" pitchFamily="34" charset="0"/>
+              </a:rPr>
+              <a:t>27</a:t>
+            </a:fld>
+            <a:endParaRPr lang="en-GB" dirty="0">
               <a:latin typeface="Arial" panose="020B0604020202020204" pitchFamily="34" charset="0"/>
               <a:cs typeface="Arial" panose="020B0604020202020204" pitchFamily="34" charset="0"/>
             </a:endParaRPr>
@@ -19370,8 +20167,8 @@
         </p:nvSpPr>
         <p:spPr>
           <a:xfrm>
-            <a:off x="2484164" y="1709446"/>
-            <a:ext cx="7404903" cy="3802353"/>
+            <a:off x="2692391" y="1528381"/>
+            <a:ext cx="7404903" cy="4555552"/>
           </a:xfrm>
         </p:spPr>
         <p:txBody>
@@ -19388,7 +20185,7 @@
               <a:buAutoNum type="arabicPeriod"/>
             </a:pPr>
             <a:r>
-              <a:rPr lang="en-US" sz="2600" dirty="0">
+              <a:rPr lang="en-US" sz="2400" dirty="0">
                 <a:solidFill>
                   <a:schemeClr val="tx1">
                     <a:lumMod val="85000"/>
@@ -19410,7 +20207,7 @@
               <a:buAutoNum type="arabicPeriod"/>
             </a:pPr>
             <a:r>
-              <a:rPr lang="en-US" sz="2600" dirty="0">
+              <a:rPr lang="en-US" sz="2400" dirty="0" smtClean="0">
                 <a:solidFill>
                   <a:schemeClr val="tx1">
                     <a:lumMod val="85000"/>
@@ -19422,7 +20219,7 @@
               </a:rPr>
               <a:t>PGFKM model</a:t>
             </a:r>
-            <a:endParaRPr lang="en-US" sz="2600" dirty="0">
+            <a:endParaRPr lang="en-US" sz="2400" dirty="0">
               <a:solidFill>
                 <a:schemeClr val="tx1">
                   <a:lumMod val="85000"/>
@@ -19442,7 +20239,7 @@
               <a:buAutoNum type="arabicPeriod"/>
             </a:pPr>
             <a:r>
-              <a:rPr lang="en-US" sz="2600" dirty="0">
+              <a:rPr lang="en-US" sz="2400" dirty="0">
                 <a:solidFill>
                   <a:schemeClr val="tx1">
                     <a:lumMod val="85000"/>
@@ -19455,7 +20252,7 @@
               <a:t>Updating </a:t>
             </a:r>
             <a:r>
-              <a:rPr lang="en-US" sz="2600" dirty="0">
+              <a:rPr lang="en-US" sz="2400" dirty="0" smtClean="0">
                 <a:solidFill>
                   <a:schemeClr val="tx1">
                     <a:lumMod val="85000"/>
@@ -19467,7 +20264,7 @@
               </a:rPr>
               <a:t>membership step</a:t>
             </a:r>
-            <a:endParaRPr lang="en-US" sz="2600" dirty="0">
+            <a:endParaRPr lang="en-US" sz="2400" dirty="0">
               <a:solidFill>
                 <a:schemeClr val="tx1">
                   <a:lumMod val="85000"/>
@@ -19487,7 +20284,7 @@
               <a:buAutoNum type="arabicPeriod"/>
             </a:pPr>
             <a:r>
-              <a:rPr lang="en-US" sz="2600" dirty="0">
+              <a:rPr lang="en-US" sz="2400" dirty="0">
                 <a:solidFill>
                   <a:schemeClr val="tx1">
                     <a:lumMod val="85000"/>
@@ -19500,7 +20297,7 @@
               <a:t>Calculating </a:t>
             </a:r>
             <a:r>
-              <a:rPr lang="en-US" sz="2600" dirty="0">
+              <a:rPr lang="en-US" sz="2400" dirty="0" smtClean="0">
                 <a:solidFill>
                   <a:schemeClr val="tx1">
                     <a:lumMod val="85000"/>
@@ -19513,7 +20310,7 @@
               <a:t>new </a:t>
             </a:r>
             <a:r>
-              <a:rPr lang="en-US" sz="2600" dirty="0">
+              <a:rPr lang="en-US" sz="2400" dirty="0">
                 <a:solidFill>
                   <a:schemeClr val="tx1">
                     <a:lumMod val="85000"/>
@@ -19526,7 +20323,7 @@
               <a:t>c</a:t>
             </a:r>
             <a:r>
-              <a:rPr lang="en-US" sz="2600" dirty="0">
+              <a:rPr lang="en-US" sz="2400" dirty="0" smtClean="0">
                 <a:solidFill>
                   <a:schemeClr val="tx1">
                     <a:lumMod val="85000"/>
@@ -19539,7 +20336,7 @@
               <a:t>entroids </a:t>
             </a:r>
             <a:r>
-              <a:rPr lang="en-US" sz="2600" dirty="0">
+              <a:rPr lang="en-US" sz="2400" dirty="0">
                 <a:solidFill>
                   <a:schemeClr val="tx1">
                     <a:lumMod val="85000"/>
@@ -19552,7 +20349,7 @@
               <a:t>s</a:t>
             </a:r>
             <a:r>
-              <a:rPr lang="en-US" sz="2600" dirty="0">
+              <a:rPr lang="en-US" sz="2400" dirty="0" smtClean="0">
                 <a:solidFill>
                   <a:schemeClr val="tx1">
                     <a:lumMod val="85000"/>
@@ -19564,7 +20361,7 @@
               </a:rPr>
               <a:t>tep</a:t>
             </a:r>
-            <a:endParaRPr lang="en-US" sz="2600" dirty="0">
+            <a:endParaRPr lang="en-US" sz="2400" dirty="0">
               <a:solidFill>
                 <a:schemeClr val="tx1">
                   <a:lumMod val="85000"/>
@@ -19584,7 +20381,7 @@
               <a:buAutoNum type="arabicPeriod"/>
             </a:pPr>
             <a:r>
-              <a:rPr lang="en-US" sz="2600" dirty="0">
+              <a:rPr lang="en-US" sz="2400" dirty="0">
                 <a:solidFill>
                   <a:schemeClr val="tx1">
                     <a:lumMod val="85000"/>
@@ -19597,7 +20394,7 @@
               <a:t>Checking </a:t>
             </a:r>
             <a:r>
-              <a:rPr lang="en-US" sz="2600" dirty="0">
+              <a:rPr lang="en-US" sz="2400" dirty="0" smtClean="0">
                 <a:solidFill>
                   <a:schemeClr val="tx1">
                     <a:lumMod val="85000"/>
@@ -19609,7 +20406,7 @@
               </a:rPr>
               <a:t>convergence step</a:t>
             </a:r>
-            <a:endParaRPr lang="en-US" sz="2600" dirty="0">
+            <a:endParaRPr lang="en-US" sz="2400" dirty="0">
               <a:solidFill>
                 <a:schemeClr val="tx1">
                   <a:lumMod val="85000"/>
@@ -19629,7 +20426,7 @@
               <a:buAutoNum type="arabicPeriod"/>
             </a:pPr>
             <a:r>
-              <a:rPr lang="en-US" sz="2600" dirty="0">
+              <a:rPr lang="en-US" sz="2400" dirty="0">
                 <a:solidFill>
                   <a:srgbClr val="FF0000"/>
                 </a:solidFill>
@@ -19639,7 +20436,7 @@
               <a:t>Experimental </a:t>
             </a:r>
             <a:r>
-              <a:rPr lang="en-US" sz="2600" dirty="0" smtClean="0">
+              <a:rPr lang="en-US" sz="2400" dirty="0" smtClean="0">
                 <a:solidFill>
                   <a:srgbClr val="FF0000"/>
                 </a:solidFill>
@@ -19648,9 +20445,56 @@
               </a:rPr>
               <a:t>results</a:t>
             </a:r>
-            <a:endParaRPr lang="en-US" sz="2600" dirty="0">
+          </a:p>
+          <a:p>
+            <a:pPr marL="514350" indent="-514350">
+              <a:lnSpc>
+                <a:spcPct val="125000"/>
+              </a:lnSpc>
+              <a:buFont typeface="+mj-lt"/>
+              <a:buAutoNum type="arabicPeriod"/>
+            </a:pPr>
+            <a:r>
+              <a:rPr lang="en-US" sz="2400" dirty="0" smtClean="0">
+                <a:solidFill>
+                  <a:schemeClr val="tx1">
+                    <a:lumMod val="85000"/>
+                    <a:lumOff val="15000"/>
+                  </a:schemeClr>
+                </a:solidFill>
+                <a:latin typeface="Arial" panose="020B0604020202020204" pitchFamily="34" charset="0"/>
+                <a:cs typeface="Arial" panose="020B0604020202020204" pitchFamily="34" charset="0"/>
+              </a:rPr>
+              <a:t>Conclusion </a:t>
+            </a:r>
+            <a:r>
+              <a:rPr lang="en-US" sz="2400" dirty="0">
+                <a:solidFill>
+                  <a:schemeClr val="tx1">
+                    <a:lumMod val="85000"/>
+                    <a:lumOff val="15000"/>
+                  </a:schemeClr>
+                </a:solidFill>
+                <a:latin typeface="Arial" panose="020B0604020202020204" pitchFamily="34" charset="0"/>
+                <a:cs typeface="Arial" panose="020B0604020202020204" pitchFamily="34" charset="0"/>
+              </a:rPr>
+              <a:t>and Future work</a:t>
+            </a:r>
+          </a:p>
+          <a:p>
+            <a:pPr marL="514350" indent="-514350">
+              <a:lnSpc>
+                <a:spcPct val="125000"/>
+              </a:lnSpc>
+              <a:buFont typeface="+mj-lt"/>
+              <a:buAutoNum type="arabicPeriod"/>
+            </a:pPr>
+            <a:endParaRPr lang="en-US" sz="2400" dirty="0">
               <a:solidFill>
-                <a:srgbClr val="FF0000"/>
+                <a:schemeClr val="tx1">
+                  <a:lumMod val="85000"/>
+                  <a:lumOff val="15000"/>
+                </a:schemeClr>
               </a:solidFill>
               <a:latin typeface="Arial" panose="020B0604020202020204" pitchFamily="34" charset="0"/>
               <a:cs typeface="Arial" panose="020B0604020202020204" pitchFamily="34" charset="0"/>
@@ -19658,10 +20502,39 @@
           </a:p>
         </p:txBody>
       </p:sp>
+      <p:sp>
+        <p:nvSpPr>
+          <p:cNvPr id="4" name="Slide Number Placeholder 3"/>
+          <p:cNvSpPr>
+            <a:spLocks noGrp="1"/>
+          </p:cNvSpPr>
+          <p:nvPr>
+            <p:ph type="sldNum" sz="quarter" idx="12"/>
+          </p:nvPr>
+        </p:nvSpPr>
+        <p:spPr/>
+        <p:txBody>
+          <a:bodyPr/>
+          <a:lstStyle/>
+          <a:p>
+            <a:fld id="{8EACBB75-E6F3-4170-A8E4-CB655E34A25B}" type="slidenum">
+              <a:rPr lang="en-GB" smtClean="0">
+                <a:latin typeface="Arial" panose="020B0604020202020204" pitchFamily="34" charset="0"/>
+                <a:cs typeface="Arial" panose="020B0604020202020204" pitchFamily="34" charset="0"/>
+              </a:rPr>
+              <a:t>28</a:t>
+            </a:fld>
+            <a:endParaRPr lang="en-GB">
+              <a:latin typeface="Arial" panose="020B0604020202020204" pitchFamily="34" charset="0"/>
+              <a:cs typeface="Arial" panose="020B0604020202020204" pitchFamily="34" charset="0"/>
+            </a:endParaRPr>
+          </a:p>
+        </p:txBody>
+      </p:sp>
     </p:spTree>
     <p:extLst>
       <p:ext uri="{BB962C8B-B14F-4D97-AF65-F5344CB8AC3E}">
-        <p14:creationId xmlns:p14="http://schemas.microsoft.com/office/powerpoint/2010/main" val="3956511230"/>
+        <p14:creationId xmlns:p14="http://schemas.microsoft.com/office/powerpoint/2010/main" val="1206294440"/>
       </p:ext>
     </p:extLst>
   </p:cSld>
@@ -19801,7 +20674,7 @@
               </a:lnSpc>
             </a:pPr>
             <a:r>
-              <a:rPr lang="en-US" sz="2400" dirty="0" smtClean="0">
+              <a:rPr lang="en-US" sz="2200" dirty="0" smtClean="0">
                 <a:solidFill>
                   <a:srgbClr val="FF0000"/>
                 </a:solidFill>
@@ -19811,14 +20684,14 @@
               <a:t>six</a:t>
             </a:r>
             <a:r>
-              <a:rPr lang="en-US" sz="2400" dirty="0" smtClean="0">
+              <a:rPr lang="en-US" sz="2200" dirty="0" smtClean="0">
                 <a:latin typeface="Arial" panose="020B0604020202020204" pitchFamily="34" charset="0"/>
                 <a:cs typeface="Arial" panose="020B0604020202020204" pitchFamily="34" charset="0"/>
               </a:rPr>
               <a:t> </a:t>
             </a:r>
             <a:r>
-              <a:rPr lang="en-US" sz="2400" dirty="0">
+              <a:rPr lang="en-US" sz="2200" dirty="0">
                 <a:solidFill>
                   <a:schemeClr val="tx1">
                     <a:lumMod val="85000"/>
@@ -19831,7 +20704,7 @@
               <a:t>SIMD </a:t>
             </a:r>
             <a:r>
-              <a:rPr lang="en-US" sz="2400" dirty="0" smtClean="0">
+              <a:rPr lang="en-US" sz="2200" dirty="0" smtClean="0">
                 <a:solidFill>
                   <a:schemeClr val="tx1">
                     <a:lumMod val="85000"/>
@@ -19844,14 +20717,14 @@
               <a:t>multi-processors</a:t>
             </a:r>
             <a:r>
-              <a:rPr lang="en-US" sz="2400" dirty="0" smtClean="0">
+              <a:rPr lang="en-US" sz="2200" dirty="0" smtClean="0">
                 <a:latin typeface="Arial" panose="020B0604020202020204" pitchFamily="34" charset="0"/>
                 <a:cs typeface="Arial" panose="020B0604020202020204" pitchFamily="34" charset="0"/>
               </a:rPr>
               <a:t> </a:t>
             </a:r>
             <a:r>
-              <a:rPr lang="en-US" sz="2400" dirty="0" smtClean="0">
+              <a:rPr lang="en-US" sz="2200" dirty="0" smtClean="0">
                 <a:solidFill>
                   <a:srgbClr val="FF0000"/>
                 </a:solidFill>
@@ -19861,7 +20734,7 @@
               <a:t>× 192</a:t>
             </a:r>
             <a:r>
-              <a:rPr lang="en-US" sz="2400" dirty="0" smtClean="0">
+              <a:rPr lang="en-US" sz="2200" dirty="0" smtClean="0">
                 <a:solidFill>
                   <a:schemeClr val="tx1">
                     <a:lumMod val="85000"/>
@@ -19874,7 +20747,7 @@
               <a:t>, 1.5 GHz, 2GB, </a:t>
             </a:r>
             <a:r>
-              <a:rPr lang="en-US" sz="2400" dirty="0" smtClean="0">
+              <a:rPr lang="en-US" sz="2200" dirty="0" smtClean="0">
                 <a:solidFill>
                   <a:srgbClr val="FF0000"/>
                 </a:solidFill>
@@ -19937,10 +20810,6 @@
               </a:rPr>
               <a:t>: </a:t>
             </a:r>
-            <a:endParaRPr lang="en-US" sz="2400" dirty="0" smtClean="0">
-              <a:latin typeface="Arial" panose="020B0604020202020204" pitchFamily="34" charset="0"/>
-              <a:cs typeface="Arial" panose="020B0604020202020204" pitchFamily="34" charset="0"/>
-            </a:endParaRPr>
           </a:p>
           <a:p>
             <a:pPr marL="914400" lvl="2" indent="-347663" algn="just">
@@ -19949,7 +20818,7 @@
               </a:lnSpc>
             </a:pPr>
             <a:r>
-              <a:rPr lang="en-US" sz="2400" dirty="0" smtClean="0">
+              <a:rPr lang="en-US" sz="2200" dirty="0" smtClean="0">
                 <a:solidFill>
                   <a:srgbClr val="FF0000"/>
                 </a:solidFill>
@@ -19959,40 +20828,27 @@
               <a:t>four</a:t>
             </a:r>
             <a:r>
-              <a:rPr lang="en-US" sz="2400" dirty="0" smtClean="0">
+              <a:rPr lang="en-US" sz="2200" dirty="0" smtClean="0">
                 <a:latin typeface="Arial" panose="020B0604020202020204" pitchFamily="34" charset="0"/>
                 <a:cs typeface="Arial" panose="020B0604020202020204" pitchFamily="34" charset="0"/>
               </a:rPr>
               <a:t> </a:t>
             </a:r>
             <a:r>
-              <a:rPr lang="en-US" sz="2400" dirty="0" smtClean="0">
-                <a:solidFill>
-                  <a:schemeClr val="tx1">
-                    <a:lumMod val="85000"/>
-                    <a:lumOff val="15000"/>
-                  </a:schemeClr>
-                </a:solidFill>
-                <a:latin typeface="Arial" panose="020B0604020202020204" pitchFamily="34" charset="0"/>
-                <a:cs typeface="Arial" panose="020B0604020202020204" pitchFamily="34" charset="0"/>
-              </a:rPr>
-              <a:t>cores, </a:t>
-            </a:r>
-            <a:r>
-              <a:rPr lang="en-US" sz="2400" dirty="0" smtClean="0">
-                <a:solidFill>
-                  <a:schemeClr val="tx1">
-                    <a:lumMod val="85000"/>
-                    <a:lumOff val="15000"/>
-                  </a:schemeClr>
-                </a:solidFill>
-                <a:latin typeface="Arial" panose="020B0604020202020204" pitchFamily="34" charset="0"/>
-                <a:cs typeface="Arial" panose="020B0604020202020204" pitchFamily="34" charset="0"/>
-              </a:rPr>
-              <a:t>3.5 GHz, 8GB, </a:t>
-            </a:r>
-            <a:r>
-              <a:rPr lang="en-US" sz="2400" dirty="0" smtClean="0">
+              <a:rPr lang="en-US" sz="2200" dirty="0" smtClean="0">
+                <a:solidFill>
+                  <a:schemeClr val="tx1">
+                    <a:lumMod val="85000"/>
+                    <a:lumOff val="15000"/>
+                  </a:schemeClr>
+                </a:solidFill>
+                <a:latin typeface="Arial" panose="020B0604020202020204" pitchFamily="34" charset="0"/>
+                <a:cs typeface="Arial" panose="020B0604020202020204" pitchFamily="34" charset="0"/>
+              </a:rPr>
+              <a:t>cores, 3.5 GHz, 8GB, </a:t>
+            </a:r>
+            <a:r>
+              <a:rPr lang="en-US" sz="2200" dirty="0" smtClean="0">
                 <a:solidFill>
                   <a:srgbClr val="FF0000"/>
                 </a:solidFill>
@@ -20035,6 +20891,35 @@
               <a:t>Experimental Results</a:t>
             </a:r>
             <a:endParaRPr lang="en-US" sz="3000" b="1" dirty="0">
+              <a:latin typeface="Arial" panose="020B0604020202020204" pitchFamily="34" charset="0"/>
+              <a:cs typeface="Arial" panose="020B0604020202020204" pitchFamily="34" charset="0"/>
+            </a:endParaRPr>
+          </a:p>
+        </p:txBody>
+      </p:sp>
+      <p:sp>
+        <p:nvSpPr>
+          <p:cNvPr id="2" name="Slide Number Placeholder 1"/>
+          <p:cNvSpPr>
+            <a:spLocks noGrp="1"/>
+          </p:cNvSpPr>
+          <p:nvPr>
+            <p:ph type="sldNum" sz="quarter" idx="12"/>
+          </p:nvPr>
+        </p:nvSpPr>
+        <p:spPr/>
+        <p:txBody>
+          <a:bodyPr/>
+          <a:lstStyle/>
+          <a:p>
+            <a:fld id="{8EACBB75-E6F3-4170-A8E4-CB655E34A25B}" type="slidenum">
+              <a:rPr lang="en-GB" smtClean="0">
+                <a:latin typeface="Arial" panose="020B0604020202020204" pitchFamily="34" charset="0"/>
+                <a:cs typeface="Arial" panose="020B0604020202020204" pitchFamily="34" charset="0"/>
+              </a:rPr>
+              <a:t>29</a:t>
+            </a:fld>
+            <a:endParaRPr lang="en-GB">
               <a:latin typeface="Arial" panose="020B0604020202020204" pitchFamily="34" charset="0"/>
               <a:cs typeface="Arial" panose="020B0604020202020204" pitchFamily="34" charset="0"/>
             </a:endParaRPr>
@@ -20153,7 +21038,20 @@
                 <a:latin typeface="Arial" panose="020B0604020202020204" pitchFamily="34" charset="0"/>
                 <a:cs typeface="Arial" panose="020B0604020202020204" pitchFamily="34" charset="0"/>
               </a:rPr>
-              <a:t>GFKM: </a:t>
+              <a:t>GFKM: less </a:t>
+            </a:r>
+            <a:r>
+              <a:rPr lang="en-GB" sz="2400" dirty="0">
+                <a:solidFill>
+                  <a:schemeClr val="tx1">
+                    <a:lumMod val="85000"/>
+                    <a:lumOff val="15000"/>
+                  </a:schemeClr>
+                </a:solidFill>
+                <a:latin typeface="Arial" panose="020B0604020202020204" pitchFamily="34" charset="0"/>
+                <a:cs typeface="Arial" panose="020B0604020202020204" pitchFamily="34" charset="0"/>
+              </a:rPr>
+              <a:t>computing </a:t>
             </a:r>
             <a:r>
               <a:rPr lang="en-GB" sz="2400" dirty="0" smtClean="0">
@@ -20166,7 +21064,7 @@
                 <a:latin typeface="Arial" panose="020B0604020202020204" pitchFamily="34" charset="0"/>
                 <a:cs typeface="Arial" panose="020B0604020202020204" pitchFamily="34" charset="0"/>
               </a:rPr>
-              <a:t>less </a:t>
+              <a:t>time, better </a:t>
             </a:r>
             <a:r>
               <a:rPr lang="en-GB" sz="2400" dirty="0">
@@ -20179,7 +21077,7 @@
                 <a:latin typeface="Arial" panose="020B0604020202020204" pitchFamily="34" charset="0"/>
                 <a:cs typeface="Arial" panose="020B0604020202020204" pitchFamily="34" charset="0"/>
               </a:rPr>
-              <a:t>computing </a:t>
+              <a:t>clustering quality than </a:t>
             </a:r>
             <a:r>
               <a:rPr lang="en-GB" sz="2400" dirty="0" smtClean="0">
@@ -20192,20 +21090,7 @@
                 <a:latin typeface="Arial" panose="020B0604020202020204" pitchFamily="34" charset="0"/>
                 <a:cs typeface="Arial" panose="020B0604020202020204" pitchFamily="34" charset="0"/>
               </a:rPr>
-              <a:t>time, better </a:t>
-            </a:r>
-            <a:r>
-              <a:rPr lang="en-GB" sz="2400" dirty="0">
-                <a:solidFill>
-                  <a:schemeClr val="tx1">
-                    <a:lumMod val="85000"/>
-                    <a:lumOff val="15000"/>
-                  </a:schemeClr>
-                </a:solidFill>
-                <a:latin typeface="Arial" panose="020B0604020202020204" pitchFamily="34" charset="0"/>
-                <a:cs typeface="Arial" panose="020B0604020202020204" pitchFamily="34" charset="0"/>
-              </a:rPr>
-              <a:t>clustering quality than </a:t>
+              <a:t>FKM</a:t>
             </a:r>
             <a:r>
               <a:rPr lang="en-GB" sz="2400" dirty="0" smtClean="0">
@@ -20218,7 +21103,105 @@
                 <a:latin typeface="Arial" panose="020B0604020202020204" pitchFamily="34" charset="0"/>
                 <a:cs typeface="Arial" panose="020B0604020202020204" pitchFamily="34" charset="0"/>
               </a:rPr>
-              <a:t>FKM,</a:t>
+              <a:t>,</a:t>
+            </a:r>
+          </a:p>
+          <a:p>
+            <a:pPr algn="just">
+              <a:lnSpc>
+                <a:spcPct val="135000"/>
+              </a:lnSpc>
+            </a:pPr>
+            <a:r>
+              <a:rPr lang="en-US" sz="2400" dirty="0" smtClean="0">
+                <a:solidFill>
+                  <a:schemeClr val="tx1">
+                    <a:lumMod val="85000"/>
+                    <a:lumOff val="15000"/>
+                  </a:schemeClr>
+                </a:solidFill>
+                <a:latin typeface="Arial" panose="020B0604020202020204" pitchFamily="34" charset="0"/>
+                <a:cs typeface="Arial" panose="020B0604020202020204" pitchFamily="34" charset="0"/>
+              </a:rPr>
+              <a:t>The optimal </a:t>
+            </a:r>
+            <a:r>
+              <a:rPr lang="en-US" sz="2400" dirty="0">
+                <a:solidFill>
+                  <a:schemeClr val="tx1">
+                    <a:lumMod val="85000"/>
+                    <a:lumOff val="15000"/>
+                  </a:schemeClr>
+                </a:solidFill>
+                <a:latin typeface="Arial" panose="020B0604020202020204" pitchFamily="34" charset="0"/>
+                <a:cs typeface="Arial" panose="020B0604020202020204" pitchFamily="34" charset="0"/>
+              </a:rPr>
+              <a:t>value of M </a:t>
+            </a:r>
+            <a:r>
+              <a:rPr lang="en-US" sz="2400" dirty="0" smtClean="0">
+                <a:solidFill>
+                  <a:schemeClr val="tx1">
+                    <a:lumMod val="85000"/>
+                    <a:lumOff val="15000"/>
+                  </a:schemeClr>
+                </a:solidFill>
+                <a:latin typeface="Arial" panose="020B0604020202020204" pitchFamily="34" charset="0"/>
+                <a:cs typeface="Arial" panose="020B0604020202020204" pitchFamily="34" charset="0"/>
+              </a:rPr>
+              <a:t>is 2 </a:t>
+            </a:r>
+            <a:r>
+              <a:rPr lang="en-US" sz="2400" b="1" dirty="0">
+                <a:solidFill>
+                  <a:schemeClr val="tx1">
+                    <a:lumMod val="85000"/>
+                    <a:lumOff val="15000"/>
+                  </a:schemeClr>
+                </a:solidFill>
+                <a:latin typeface="Arial" panose="020B0604020202020204" pitchFamily="34" charset="0"/>
+                <a:cs typeface="Arial" panose="020B0604020202020204" pitchFamily="34" charset="0"/>
+              </a:rPr>
+              <a:t>→ </a:t>
+            </a:r>
+            <a:r>
+              <a:rPr lang="en-US" sz="2400" dirty="0" smtClean="0">
+                <a:solidFill>
+                  <a:schemeClr val="tx1">
+                    <a:lumMod val="85000"/>
+                    <a:lumOff val="15000"/>
+                  </a:schemeClr>
+                </a:solidFill>
+                <a:latin typeface="Arial" panose="020B0604020202020204" pitchFamily="34" charset="0"/>
+                <a:cs typeface="Arial" panose="020B0604020202020204" pitchFamily="34" charset="0"/>
+              </a:rPr>
+              <a:t>the </a:t>
+            </a:r>
+            <a:r>
+              <a:rPr lang="en-US" sz="2400" dirty="0">
+                <a:solidFill>
+                  <a:schemeClr val="tx1">
+                    <a:lumMod val="85000"/>
+                    <a:lumOff val="15000"/>
+                  </a:schemeClr>
+                </a:solidFill>
+                <a:latin typeface="Arial" panose="020B0604020202020204" pitchFamily="34" charset="0"/>
+                <a:cs typeface="Arial" panose="020B0604020202020204" pitchFamily="34" charset="0"/>
+              </a:rPr>
+              <a:t>better clustering </a:t>
+            </a:r>
+            <a:r>
+              <a:rPr lang="en-US" sz="2400" dirty="0" smtClean="0">
+                <a:solidFill>
+                  <a:schemeClr val="tx1">
+                    <a:lumMod val="85000"/>
+                    <a:lumOff val="15000"/>
+                  </a:schemeClr>
+                </a:solidFill>
+                <a:latin typeface="Arial" panose="020B0604020202020204" pitchFamily="34" charset="0"/>
+                <a:cs typeface="Arial" panose="020B0604020202020204" pitchFamily="34" charset="0"/>
+              </a:rPr>
+              <a:t>results,</a:t>
             </a:r>
             <a:endParaRPr lang="en-GB" sz="2400" dirty="0">
               <a:solidFill>
@@ -20347,17 +21330,7 @@
                 <a:latin typeface="Arial" panose="020B0604020202020204" pitchFamily="34" charset="0"/>
                 <a:cs typeface="Arial" panose="020B0604020202020204" pitchFamily="34" charset="0"/>
               </a:rPr>
-              <a:t>data </a:t>
-            </a:r>
-            <a:r>
-              <a:rPr lang="en-GB" sz="2400" dirty="0" smtClean="0">
-                <a:solidFill>
-                  <a:srgbClr val="00B050"/>
-                </a:solidFill>
-                <a:latin typeface="Arial" panose="020B0604020202020204" pitchFamily="34" charset="0"/>
-                <a:cs typeface="Arial" panose="020B0604020202020204" pitchFamily="34" charset="0"/>
-              </a:rPr>
-              <a:t>set</a:t>
+              <a:t>data set</a:t>
             </a:r>
             <a:r>
               <a:rPr lang="en-GB" sz="2400" dirty="0" smtClean="0">
@@ -20536,6 +21509,35 @@
               </a:rPr>
               <a:t>.</a:t>
             </a:r>
+          </a:p>
+        </p:txBody>
+      </p:sp>
+      <p:sp>
+        <p:nvSpPr>
+          <p:cNvPr id="4" name="Slide Number Placeholder 3"/>
+          <p:cNvSpPr>
+            <a:spLocks noGrp="1"/>
+          </p:cNvSpPr>
+          <p:nvPr>
+            <p:ph type="sldNum" sz="quarter" idx="12"/>
+          </p:nvPr>
+        </p:nvSpPr>
+        <p:spPr/>
+        <p:txBody>
+          <a:bodyPr/>
+          <a:lstStyle/>
+          <a:p>
+            <a:fld id="{8EACBB75-E6F3-4170-A8E4-CB655E34A25B}" type="slidenum">
+              <a:rPr lang="en-GB" smtClean="0">
+                <a:latin typeface="Arial" panose="020B0604020202020204" pitchFamily="34" charset="0"/>
+                <a:cs typeface="Arial" panose="020B0604020202020204" pitchFamily="34" charset="0"/>
+              </a:rPr>
+              <a:t>3</a:t>
+            </a:fld>
+            <a:endParaRPr lang="en-GB" dirty="0">
+              <a:latin typeface="Arial" panose="020B0604020202020204" pitchFamily="34" charset="0"/>
+              <a:cs typeface="Arial" panose="020B0604020202020204" pitchFamily="34" charset="0"/>
+            </a:endParaRPr>
           </a:p>
         </p:txBody>
       </p:sp>
@@ -20588,8 +21590,8 @@
         </p:nvSpPr>
         <p:spPr>
           <a:xfrm>
-            <a:off x="1585211" y="1881187"/>
-            <a:ext cx="9734721" cy="4105749"/>
+            <a:off x="2043614" y="1971722"/>
+            <a:ext cx="8395032" cy="4105749"/>
           </a:xfrm>
         </p:spPr>
         <p:txBody>
@@ -20598,7 +21600,7 @@
           </a:bodyPr>
           <a:lstStyle/>
           <a:p>
-            <a:pPr marL="285750" lvl="1" algn="just">
+            <a:pPr marL="344488" lvl="1" indent="-344488" algn="just">
               <a:lnSpc>
                 <a:spcPct val="135000"/>
               </a:lnSpc>
@@ -20641,6 +21643,59 @@
                 <a:cs typeface="Arial" panose="020B0604020202020204" pitchFamily="34" charset="0"/>
               </a:rPr>
               <a:t>centroids step:</a:t>
+            </a:r>
+          </a:p>
+          <a:p>
+            <a:pPr marL="914400" lvl="2" indent="-339725" algn="just">
+              <a:lnSpc>
+                <a:spcPct val="135000"/>
+              </a:lnSpc>
+            </a:pPr>
+            <a:r>
+              <a:rPr lang="en-US" sz="2400" dirty="0" smtClean="0">
+                <a:solidFill>
+                  <a:srgbClr val="00B050"/>
+                </a:solidFill>
+                <a:latin typeface="Arial" panose="020B0604020202020204" pitchFamily="34" charset="0"/>
+                <a:cs typeface="Arial" panose="020B0604020202020204" pitchFamily="34" charset="0"/>
+              </a:rPr>
+              <a:t>Version 1</a:t>
+            </a:r>
+            <a:r>
+              <a:rPr lang="en-US" sz="2400" dirty="0" smtClean="0">
+                <a:solidFill>
+                  <a:srgbClr val="00B0F0"/>
+                </a:solidFill>
+                <a:latin typeface="Arial" panose="020B0604020202020204" pitchFamily="34" charset="0"/>
+                <a:cs typeface="Arial" panose="020B0604020202020204" pitchFamily="34" charset="0"/>
+              </a:rPr>
+              <a:t> </a:t>
+            </a:r>
+            <a:r>
+              <a:rPr lang="en-US" sz="2400" dirty="0" smtClean="0">
+                <a:solidFill>
+                  <a:schemeClr val="tx1">
+                    <a:lumMod val="85000"/>
+                    <a:lumOff val="15000"/>
+                  </a:schemeClr>
+                </a:solidFill>
+                <a:latin typeface="Arial" panose="020B0604020202020204" pitchFamily="34" charset="0"/>
+                <a:cs typeface="Arial" panose="020B0604020202020204" pitchFamily="34" charset="0"/>
+              </a:rPr>
+              <a:t>: on </a:t>
+            </a:r>
+            <a:r>
+              <a:rPr lang="en-US" sz="2400" dirty="0" smtClean="0">
+                <a:solidFill>
+                  <a:schemeClr val="tx1">
+                    <a:lumMod val="85000"/>
+                    <a:lumOff val="15000"/>
+                  </a:schemeClr>
+                </a:solidFill>
+                <a:latin typeface="Arial" panose="020B0604020202020204" pitchFamily="34" charset="0"/>
+                <a:cs typeface="Arial" panose="020B0604020202020204" pitchFamily="34" charset="0"/>
+              </a:rPr>
+              <a:t>CPU,</a:t>
             </a:r>
             <a:endParaRPr lang="en-US" sz="2400" dirty="0" smtClean="0">
               <a:solidFill>
@@ -20654,7 +21709,7 @@
             </a:endParaRPr>
           </a:p>
           <a:p>
-            <a:pPr marL="685800" lvl="2" algn="just">
+            <a:pPr marL="914400" lvl="2" indent="-339725" algn="just">
               <a:lnSpc>
                 <a:spcPct val="135000"/>
               </a:lnSpc>
@@ -20667,70 +21722,47 @@
                 <a:latin typeface="Arial" panose="020B0604020202020204" pitchFamily="34" charset="0"/>
                 <a:cs typeface="Arial" panose="020B0604020202020204" pitchFamily="34" charset="0"/>
               </a:rPr>
-              <a:t>Version </a:t>
+              <a:t>Version 2 </a:t>
             </a:r>
             <a:r>
               <a:rPr lang="en-US" sz="2400" dirty="0" smtClean="0">
                 <a:solidFill>
-                  <a:srgbClr val="00B050"/>
-                </a:solidFill>
-                <a:latin typeface="Arial" panose="020B0604020202020204" pitchFamily="34" charset="0"/>
-                <a:cs typeface="Arial" panose="020B0604020202020204" pitchFamily="34" charset="0"/>
-              </a:rPr>
-              <a:t>1</a:t>
+                  <a:schemeClr val="tx1">
+                    <a:lumMod val="85000"/>
+                    <a:lumOff val="15000"/>
+                  </a:schemeClr>
+                </a:solidFill>
+                <a:latin typeface="Arial" panose="020B0604020202020204" pitchFamily="34" charset="0"/>
+                <a:cs typeface="Arial" panose="020B0604020202020204" pitchFamily="34" charset="0"/>
+              </a:rPr>
+              <a:t>: on GPU using equation of </a:t>
             </a:r>
             <a:r>
               <a:rPr lang="en-US" sz="2400" dirty="0" smtClean="0">
                 <a:solidFill>
-                  <a:srgbClr val="00B0F0"/>
-                </a:solidFill>
-                <a:latin typeface="Arial" panose="020B0604020202020204" pitchFamily="34" charset="0"/>
-                <a:cs typeface="Arial" panose="020B0604020202020204" pitchFamily="34" charset="0"/>
-              </a:rPr>
-              <a:t> </a:t>
-            </a:r>
-            <a:r>
-              <a:rPr lang="en-US" sz="2400" dirty="0" smtClean="0">
-                <a:solidFill>
-                  <a:schemeClr val="tx1">
-                    <a:lumMod val="85000"/>
-                    <a:lumOff val="15000"/>
-                  </a:schemeClr>
-                </a:solidFill>
-                <a:latin typeface="Arial" panose="020B0604020202020204" pitchFamily="34" charset="0"/>
-                <a:cs typeface="Arial" panose="020B0604020202020204" pitchFamily="34" charset="0"/>
-              </a:rPr>
-              <a:t>: </a:t>
-            </a:r>
-            <a:r>
-              <a:rPr lang="en-US" sz="2400" dirty="0" smtClean="0">
-                <a:solidFill>
-                  <a:schemeClr val="tx1">
-                    <a:lumMod val="85000"/>
-                    <a:lumOff val="15000"/>
-                  </a:schemeClr>
-                </a:solidFill>
-                <a:latin typeface="Arial" panose="020B0604020202020204" pitchFamily="34" charset="0"/>
-                <a:cs typeface="Arial" panose="020B0604020202020204" pitchFamily="34" charset="0"/>
-              </a:rPr>
-              <a:t>on </a:t>
-            </a:r>
-            <a:r>
-              <a:rPr lang="en-US" sz="2400" dirty="0" smtClean="0">
-                <a:solidFill>
-                  <a:schemeClr val="tx1">
-                    <a:lumMod val="85000"/>
-                    <a:lumOff val="15000"/>
-                  </a:schemeClr>
-                </a:solidFill>
-                <a:latin typeface="Arial" panose="020B0604020202020204" pitchFamily="34" charset="0"/>
-                <a:cs typeface="Arial" panose="020B0604020202020204" pitchFamily="34" charset="0"/>
-              </a:rPr>
-              <a:t>CPU</a:t>
-            </a:r>
-          </a:p>
-          <a:p>
-            <a:pPr marL="685800" lvl="2" algn="just">
+                  <a:schemeClr val="tx1">
+                    <a:lumMod val="85000"/>
+                    <a:lumOff val="15000"/>
+                  </a:schemeClr>
+                </a:solidFill>
+                <a:latin typeface="Arial" panose="020B0604020202020204" pitchFamily="34" charset="0"/>
+                <a:cs typeface="Arial" panose="020B0604020202020204" pitchFamily="34" charset="0"/>
+              </a:rPr>
+              <a:t>FKM,</a:t>
+            </a:r>
+            <a:endParaRPr lang="en-US" sz="2400" dirty="0" smtClean="0">
+              <a:solidFill>
+                <a:schemeClr val="tx1">
+                  <a:lumMod val="85000"/>
+                  <a:lumOff val="15000"/>
+                </a:schemeClr>
+              </a:solidFill>
+              <a:latin typeface="Arial" panose="020B0604020202020204" pitchFamily="34" charset="0"/>
+              <a:cs typeface="Arial" panose="020B0604020202020204" pitchFamily="34" charset="0"/>
+            </a:endParaRPr>
+          </a:p>
+          <a:p>
+            <a:pPr marL="914400" lvl="2" indent="-339725" algn="just">
               <a:lnSpc>
                 <a:spcPct val="135000"/>
               </a:lnSpc>
@@ -20743,11 +21775,21 @@
                 <a:latin typeface="Arial" panose="020B0604020202020204" pitchFamily="34" charset="0"/>
                 <a:cs typeface="Arial" panose="020B0604020202020204" pitchFamily="34" charset="0"/>
               </a:rPr>
-              <a:t>Version 2 </a:t>
+              <a:t>Version 3</a:t>
             </a:r>
             <a:r>
               <a:rPr lang="en-US" sz="2400" dirty="0" smtClean="0">
                 <a:solidFill>
+                  <a:srgbClr val="00B0F0"/>
+                </a:solidFill>
+                <a:latin typeface="Arial" panose="020B0604020202020204" pitchFamily="34" charset="0"/>
+                <a:cs typeface="Arial" panose="020B0604020202020204" pitchFamily="34" charset="0"/>
+              </a:rPr>
+              <a:t> </a:t>
+            </a:r>
+            <a:r>
+              <a:rPr lang="en-US" sz="2400" dirty="0">
+                <a:solidFill>
                   <a:schemeClr val="tx1">
                     <a:lumMod val="85000"/>
                     <a:lumOff val="15000"/>
@@ -20772,6 +21814,19 @@
               <a:t>on </a:t>
             </a:r>
             <a:r>
+              <a:rPr lang="en-US" sz="2400" dirty="0">
+                <a:solidFill>
+                  <a:schemeClr val="tx1">
+                    <a:lumMod val="85000"/>
+                    <a:lumOff val="15000"/>
+                  </a:schemeClr>
+                </a:solidFill>
+                <a:latin typeface="Arial" panose="020B0604020202020204" pitchFamily="34" charset="0"/>
+                <a:cs typeface="Arial" panose="020B0604020202020204" pitchFamily="34" charset="0"/>
+              </a:rPr>
+              <a:t>GPU using counting </a:t>
+            </a:r>
+            <a:r>
               <a:rPr lang="en-US" sz="2400" dirty="0" smtClean="0">
                 <a:solidFill>
                   <a:schemeClr val="tx1">
@@ -20782,90 +21837,21 @@
                 <a:latin typeface="Arial" panose="020B0604020202020204" pitchFamily="34" charset="0"/>
                 <a:cs typeface="Arial" panose="020B0604020202020204" pitchFamily="34" charset="0"/>
               </a:rPr>
-              <a:t>GPU using equation of FKM</a:t>
-            </a:r>
-          </a:p>
-          <a:p>
-            <a:pPr marL="685800" lvl="2" algn="just">
-              <a:lnSpc>
-                <a:spcPct val="135000"/>
-              </a:lnSpc>
-            </a:pPr>
-            <a:r>
-              <a:rPr lang="en-US" sz="2400" dirty="0" smtClean="0">
-                <a:solidFill>
-                  <a:srgbClr val="00B050"/>
-                </a:solidFill>
-                <a:latin typeface="Arial" panose="020B0604020202020204" pitchFamily="34" charset="0"/>
-                <a:cs typeface="Arial" panose="020B0604020202020204" pitchFamily="34" charset="0"/>
-              </a:rPr>
-              <a:t>Version 3</a:t>
-            </a:r>
-            <a:r>
-              <a:rPr lang="en-US" sz="2400" dirty="0" smtClean="0">
-                <a:solidFill>
-                  <a:srgbClr val="00B0F0"/>
-                </a:solidFill>
-                <a:latin typeface="Arial" panose="020B0604020202020204" pitchFamily="34" charset="0"/>
-                <a:cs typeface="Arial" panose="020B0604020202020204" pitchFamily="34" charset="0"/>
-              </a:rPr>
-              <a:t> </a:t>
-            </a:r>
-            <a:r>
-              <a:rPr lang="en-US" sz="2400" dirty="0">
-                <a:solidFill>
-                  <a:schemeClr val="tx1">
-                    <a:lumMod val="85000"/>
-                    <a:lumOff val="15000"/>
-                  </a:schemeClr>
-                </a:solidFill>
-                <a:latin typeface="Arial" panose="020B0604020202020204" pitchFamily="34" charset="0"/>
-                <a:cs typeface="Arial" panose="020B0604020202020204" pitchFamily="34" charset="0"/>
-              </a:rPr>
-              <a:t>: </a:t>
-            </a:r>
-            <a:r>
-              <a:rPr lang="en-US" sz="2400" dirty="0" smtClean="0">
-                <a:solidFill>
-                  <a:schemeClr val="tx1">
-                    <a:lumMod val="85000"/>
-                    <a:lumOff val="15000"/>
-                  </a:schemeClr>
-                </a:solidFill>
-                <a:latin typeface="Arial" panose="020B0604020202020204" pitchFamily="34" charset="0"/>
-                <a:cs typeface="Arial" panose="020B0604020202020204" pitchFamily="34" charset="0"/>
-              </a:rPr>
-              <a:t>on </a:t>
-            </a:r>
-            <a:r>
-              <a:rPr lang="en-US" sz="2400" dirty="0">
-                <a:solidFill>
-                  <a:schemeClr val="tx1">
-                    <a:lumMod val="85000"/>
-                    <a:lumOff val="15000"/>
-                  </a:schemeClr>
-                </a:solidFill>
-                <a:latin typeface="Arial" panose="020B0604020202020204" pitchFamily="34" charset="0"/>
-                <a:cs typeface="Arial" panose="020B0604020202020204" pitchFamily="34" charset="0"/>
-              </a:rPr>
-              <a:t>GPU using counting </a:t>
-            </a:r>
-            <a:r>
-              <a:rPr lang="en-US" sz="2400" dirty="0" smtClean="0">
-                <a:solidFill>
-                  <a:schemeClr val="tx1">
-                    <a:lumMod val="85000"/>
-                    <a:lumOff val="15000"/>
-                  </a:schemeClr>
-                </a:solidFill>
-                <a:latin typeface="Arial" panose="020B0604020202020204" pitchFamily="34" charset="0"/>
-                <a:cs typeface="Arial" panose="020B0604020202020204" pitchFamily="34" charset="0"/>
-              </a:rPr>
-              <a:t>sort</a:t>
-            </a:r>
-          </a:p>
-          <a:p>
-            <a:pPr marL="685800" lvl="2" algn="just">
+              <a:t>sort,</a:t>
+            </a:r>
+            <a:endParaRPr lang="en-US" sz="2400" dirty="0" smtClean="0">
+              <a:solidFill>
+                <a:schemeClr val="tx1">
+                  <a:lumMod val="85000"/>
+                  <a:lumOff val="15000"/>
+                </a:schemeClr>
+              </a:solidFill>
+              <a:latin typeface="Arial" panose="020B0604020202020204" pitchFamily="34" charset="0"/>
+              <a:cs typeface="Arial" panose="020B0604020202020204" pitchFamily="34" charset="0"/>
+            </a:endParaRPr>
+          </a:p>
+          <a:p>
+            <a:pPr marL="914400" lvl="2" indent="-339725" algn="just">
               <a:lnSpc>
                 <a:spcPct val="135000"/>
               </a:lnSpc>
@@ -20977,6 +21963,35 @@
               <a:t>Experimental Results</a:t>
             </a:r>
             <a:endParaRPr lang="en-US" sz="3000" b="1" dirty="0">
+              <a:latin typeface="Arial" panose="020B0604020202020204" pitchFamily="34" charset="0"/>
+              <a:cs typeface="Arial" panose="020B0604020202020204" pitchFamily="34" charset="0"/>
+            </a:endParaRPr>
+          </a:p>
+        </p:txBody>
+      </p:sp>
+      <p:sp>
+        <p:nvSpPr>
+          <p:cNvPr id="2" name="Slide Number Placeholder 1"/>
+          <p:cNvSpPr>
+            <a:spLocks noGrp="1"/>
+          </p:cNvSpPr>
+          <p:nvPr>
+            <p:ph type="sldNum" sz="quarter" idx="12"/>
+          </p:nvPr>
+        </p:nvSpPr>
+        <p:spPr/>
+        <p:txBody>
+          <a:bodyPr/>
+          <a:lstStyle/>
+          <a:p>
+            <a:fld id="{8EACBB75-E6F3-4170-A8E4-CB655E34A25B}" type="slidenum">
+              <a:rPr lang="en-GB" smtClean="0">
+                <a:latin typeface="Arial" panose="020B0604020202020204" pitchFamily="34" charset="0"/>
+                <a:cs typeface="Arial" panose="020B0604020202020204" pitchFamily="34" charset="0"/>
+              </a:rPr>
+              <a:t>30</a:t>
+            </a:fld>
+            <a:endParaRPr lang="en-GB" dirty="0">
               <a:latin typeface="Arial" panose="020B0604020202020204" pitchFamily="34" charset="0"/>
               <a:cs typeface="Arial" panose="020B0604020202020204" pitchFamily="34" charset="0"/>
             </a:endParaRPr>
@@ -21072,20 +22087,7 @@
                 <a:latin typeface="Arial" panose="020B0604020202020204" pitchFamily="34" charset="0"/>
                 <a:cs typeface="Arial" panose="020B0604020202020204" pitchFamily="34" charset="0"/>
               </a:rPr>
-              <a:t>: </a:t>
-            </a:r>
-            <a:r>
-              <a:rPr lang="en-US" sz="2200" dirty="0" smtClean="0">
-                <a:solidFill>
-                  <a:schemeClr val="tx1">
-                    <a:lumMod val="85000"/>
-                    <a:lumOff val="15000"/>
-                  </a:schemeClr>
-                </a:solidFill>
-                <a:latin typeface="Arial" panose="020B0604020202020204" pitchFamily="34" charset="0"/>
-                <a:cs typeface="Arial" panose="020B0604020202020204" pitchFamily="34" charset="0"/>
-              </a:rPr>
-              <a:t>speedup on a </a:t>
+              <a:t>: speedup on a </a:t>
             </a:r>
             <a:r>
               <a:rPr lang="en-US" sz="2200" dirty="0" smtClean="0">
@@ -22262,6 +23264,35 @@
           </a:graphicData>
         </a:graphic>
       </p:graphicFrame>
+      <p:sp>
+        <p:nvSpPr>
+          <p:cNvPr id="4" name="Slide Number Placeholder 3"/>
+          <p:cNvSpPr>
+            <a:spLocks noGrp="1"/>
+          </p:cNvSpPr>
+          <p:nvPr>
+            <p:ph type="sldNum" sz="quarter" idx="12"/>
+          </p:nvPr>
+        </p:nvSpPr>
+        <p:spPr/>
+        <p:txBody>
+          <a:bodyPr/>
+          <a:lstStyle/>
+          <a:p>
+            <a:fld id="{8EACBB75-E6F3-4170-A8E4-CB655E34A25B}" type="slidenum">
+              <a:rPr lang="en-GB" smtClean="0">
+                <a:latin typeface="Arial" panose="020B0604020202020204" pitchFamily="34" charset="0"/>
+                <a:cs typeface="Arial" panose="020B0604020202020204" pitchFamily="34" charset="0"/>
+              </a:rPr>
+              <a:t>31</a:t>
+            </a:fld>
+            <a:endParaRPr lang="en-GB" dirty="0">
+              <a:latin typeface="Arial" panose="020B0604020202020204" pitchFamily="34" charset="0"/>
+              <a:cs typeface="Arial" panose="020B0604020202020204" pitchFamily="34" charset="0"/>
+            </a:endParaRPr>
+          </a:p>
+        </p:txBody>
+      </p:sp>
     </p:spTree>
     <p:extLst>
       <p:ext uri="{BB962C8B-B14F-4D97-AF65-F5344CB8AC3E}">
@@ -22570,6 +23601,35 @@
           </a:prstGeom>
         </p:spPr>
       </p:pic>
+      <p:sp>
+        <p:nvSpPr>
+          <p:cNvPr id="2" name="Slide Number Placeholder 1"/>
+          <p:cNvSpPr>
+            <a:spLocks noGrp="1"/>
+          </p:cNvSpPr>
+          <p:nvPr>
+            <p:ph type="sldNum" sz="quarter" idx="12"/>
+          </p:nvPr>
+        </p:nvSpPr>
+        <p:spPr/>
+        <p:txBody>
+          <a:bodyPr/>
+          <a:lstStyle/>
+          <a:p>
+            <a:fld id="{8EACBB75-E6F3-4170-A8E4-CB655E34A25B}" type="slidenum">
+              <a:rPr lang="en-GB" smtClean="0">
+                <a:latin typeface="Arial" panose="020B0604020202020204" pitchFamily="34" charset="0"/>
+                <a:cs typeface="Arial" panose="020B0604020202020204" pitchFamily="34" charset="0"/>
+              </a:rPr>
+              <a:t>32</a:t>
+            </a:fld>
+            <a:endParaRPr lang="en-GB" dirty="0">
+              <a:latin typeface="Arial" panose="020B0604020202020204" pitchFamily="34" charset="0"/>
+              <a:cs typeface="Arial" panose="020B0604020202020204" pitchFamily="34" charset="0"/>
+            </a:endParaRPr>
+          </a:p>
+        </p:txBody>
+      </p:sp>
     </p:spTree>
     <p:extLst>
       <p:ext uri="{BB962C8B-B14F-4D97-AF65-F5344CB8AC3E}">
@@ -23121,6 +24181,35 @@
           </a:extLst>
         </p:spPr>
       </p:pic>
+      <p:sp>
+        <p:nvSpPr>
+          <p:cNvPr id="2" name="Slide Number Placeholder 1"/>
+          <p:cNvSpPr>
+            <a:spLocks noGrp="1"/>
+          </p:cNvSpPr>
+          <p:nvPr>
+            <p:ph type="sldNum" sz="quarter" idx="12"/>
+          </p:nvPr>
+        </p:nvSpPr>
+        <p:spPr/>
+        <p:txBody>
+          <a:bodyPr/>
+          <a:lstStyle/>
+          <a:p>
+            <a:fld id="{8EACBB75-E6F3-4170-A8E4-CB655E34A25B}" type="slidenum">
+              <a:rPr lang="en-GB" smtClean="0">
+                <a:latin typeface="Arial" panose="020B0604020202020204" pitchFamily="34" charset="0"/>
+                <a:cs typeface="Arial" panose="020B0604020202020204" pitchFamily="34" charset="0"/>
+              </a:rPr>
+              <a:t>33</a:t>
+            </a:fld>
+            <a:endParaRPr lang="en-GB">
+              <a:latin typeface="Arial" panose="020B0604020202020204" pitchFamily="34" charset="0"/>
+              <a:cs typeface="Arial" panose="020B0604020202020204" pitchFamily="34" charset="0"/>
+            </a:endParaRPr>
+          </a:p>
+        </p:txBody>
+      </p:sp>
     </p:spTree>
     <p:extLst>
       <p:ext uri="{BB962C8B-B14F-4D97-AF65-F5344CB8AC3E}">
@@ -23547,6 +24636,35 @@
           </a:prstGeom>
         </p:spPr>
       </p:pic>
+      <p:sp>
+        <p:nvSpPr>
+          <p:cNvPr id="2" name="Slide Number Placeholder 1"/>
+          <p:cNvSpPr>
+            <a:spLocks noGrp="1"/>
+          </p:cNvSpPr>
+          <p:nvPr>
+            <p:ph type="sldNum" sz="quarter" idx="12"/>
+          </p:nvPr>
+        </p:nvSpPr>
+        <p:spPr/>
+        <p:txBody>
+          <a:bodyPr/>
+          <a:lstStyle/>
+          <a:p>
+            <a:fld id="{8EACBB75-E6F3-4170-A8E4-CB655E34A25B}" type="slidenum">
+              <a:rPr lang="en-GB" smtClean="0">
+                <a:latin typeface="Arial" panose="020B0604020202020204" pitchFamily="34" charset="0"/>
+                <a:cs typeface="Arial" panose="020B0604020202020204" pitchFamily="34" charset="0"/>
+              </a:rPr>
+              <a:t>34</a:t>
+            </a:fld>
+            <a:endParaRPr lang="en-GB" dirty="0">
+              <a:latin typeface="Arial" panose="020B0604020202020204" pitchFamily="34" charset="0"/>
+              <a:cs typeface="Arial" panose="020B0604020202020204" pitchFamily="34" charset="0"/>
+            </a:endParaRPr>
+          </a:p>
+        </p:txBody>
+      </p:sp>
     </p:spTree>
     <p:extLst>
       <p:ext uri="{BB962C8B-B14F-4D97-AF65-F5344CB8AC3E}">
@@ -23568,6 +24686,1087 @@
 </file>
 
 <file path=ppt/slides/slide35.xml><?xml version="1.0" encoding="utf-8"?>
+<p:sld xmlns:a="http://schemas.openxmlformats.org/drawingml/2006/main" xmlns:r="http://schemas.openxmlformats.org/officeDocument/2006/relationships" xmlns:p="http://schemas.openxmlformats.org/presentationml/2006/main">
+  <p:cSld>
+    <p:spTree>
+      <p:nvGrpSpPr>
+        <p:cNvPr id="1" name=""/>
+        <p:cNvGrpSpPr/>
+        <p:nvPr/>
+      </p:nvGrpSpPr>
+      <p:grpSpPr>
+        <a:xfrm>
+          <a:off x="0" y="0"/>
+          <a:ext cx="0" cy="0"/>
+          <a:chOff x="0" y="0"/>
+          <a:chExt cx="0" cy="0"/>
+        </a:xfrm>
+      </p:grpSpPr>
+      <p:sp>
+        <p:nvSpPr>
+          <p:cNvPr id="2" name="Title 1"/>
+          <p:cNvSpPr>
+            <a:spLocks noGrp="1"/>
+          </p:cNvSpPr>
+          <p:nvPr>
+            <p:ph type="title"/>
+          </p:nvPr>
+        </p:nvSpPr>
+        <p:spPr>
+          <a:xfrm>
+            <a:off x="2010032" y="640585"/>
+            <a:ext cx="8484973" cy="669231"/>
+          </a:xfrm>
+        </p:spPr>
+        <p:txBody>
+          <a:bodyPr>
+            <a:normAutofit/>
+          </a:bodyPr>
+          <a:lstStyle/>
+          <a:p>
+            <a:pPr algn="ctr"/>
+            <a:r>
+              <a:rPr lang="en-GB" sz="3000" b="1" cap="all" dirty="0" err="1" smtClean="0">
+                <a:latin typeface="Arial" panose="020B0604020202020204" pitchFamily="34" charset="0"/>
+                <a:cs typeface="Arial" panose="020B0604020202020204" pitchFamily="34" charset="0"/>
+              </a:rPr>
+              <a:t>OUTlINE</a:t>
+            </a:r>
+            <a:endParaRPr lang="en-GB" sz="3000" cap="all" dirty="0">
+              <a:latin typeface="Arial" panose="020B0604020202020204" pitchFamily="34" charset="0"/>
+              <a:cs typeface="Arial" panose="020B0604020202020204" pitchFamily="34" charset="0"/>
+            </a:endParaRPr>
+          </a:p>
+        </p:txBody>
+      </p:sp>
+      <p:sp>
+        <p:nvSpPr>
+          <p:cNvPr id="3" name="Content Placeholder 2"/>
+          <p:cNvSpPr>
+            <a:spLocks noGrp="1"/>
+          </p:cNvSpPr>
+          <p:nvPr>
+            <p:ph idx="1"/>
+          </p:nvPr>
+        </p:nvSpPr>
+        <p:spPr>
+          <a:xfrm>
+            <a:off x="2692391" y="1528381"/>
+            <a:ext cx="7404903" cy="4555552"/>
+          </a:xfrm>
+        </p:spPr>
+        <p:txBody>
+          <a:bodyPr>
+            <a:noAutofit/>
+          </a:bodyPr>
+          <a:lstStyle/>
+          <a:p>
+            <a:pPr marL="514350" indent="-514350">
+              <a:lnSpc>
+                <a:spcPct val="125000"/>
+              </a:lnSpc>
+              <a:buFont typeface="+mj-lt"/>
+              <a:buAutoNum type="arabicPeriod"/>
+            </a:pPr>
+            <a:r>
+              <a:rPr lang="en-US" sz="2400" dirty="0">
+                <a:solidFill>
+                  <a:schemeClr val="tx1">
+                    <a:lumMod val="85000"/>
+                    <a:lumOff val="15000"/>
+                  </a:schemeClr>
+                </a:solidFill>
+                <a:latin typeface="Arial" panose="020B0604020202020204" pitchFamily="34" charset="0"/>
+                <a:cs typeface="Arial" panose="020B0604020202020204" pitchFamily="34" charset="0"/>
+              </a:rPr>
+              <a:t>Introduction</a:t>
+            </a:r>
+          </a:p>
+          <a:p>
+            <a:pPr marL="514350" indent="-514350">
+              <a:lnSpc>
+                <a:spcPct val="125000"/>
+              </a:lnSpc>
+              <a:buFont typeface="+mj-lt"/>
+              <a:buAutoNum type="arabicPeriod"/>
+            </a:pPr>
+            <a:r>
+              <a:rPr lang="en-US" sz="2400" dirty="0" smtClean="0">
+                <a:solidFill>
+                  <a:schemeClr val="tx1">
+                    <a:lumMod val="85000"/>
+                    <a:lumOff val="15000"/>
+                  </a:schemeClr>
+                </a:solidFill>
+                <a:latin typeface="Arial" panose="020B0604020202020204" pitchFamily="34" charset="0"/>
+                <a:cs typeface="Arial" panose="020B0604020202020204" pitchFamily="34" charset="0"/>
+              </a:rPr>
+              <a:t>PGFKM model</a:t>
+            </a:r>
+            <a:endParaRPr lang="en-US" sz="2400" dirty="0">
+              <a:solidFill>
+                <a:schemeClr val="tx1">
+                  <a:lumMod val="85000"/>
+                  <a:lumOff val="15000"/>
+                </a:schemeClr>
+              </a:solidFill>
+              <a:latin typeface="Arial" panose="020B0604020202020204" pitchFamily="34" charset="0"/>
+              <a:cs typeface="Arial" panose="020B0604020202020204" pitchFamily="34" charset="0"/>
+            </a:endParaRPr>
+          </a:p>
+          <a:p>
+            <a:pPr marL="514350" indent="-514350">
+              <a:lnSpc>
+                <a:spcPct val="125000"/>
+              </a:lnSpc>
+              <a:buFont typeface="+mj-lt"/>
+              <a:buAutoNum type="arabicPeriod"/>
+            </a:pPr>
+            <a:r>
+              <a:rPr lang="en-US" sz="2400" dirty="0">
+                <a:solidFill>
+                  <a:schemeClr val="tx1">
+                    <a:lumMod val="85000"/>
+                    <a:lumOff val="15000"/>
+                  </a:schemeClr>
+                </a:solidFill>
+                <a:latin typeface="Arial" panose="020B0604020202020204" pitchFamily="34" charset="0"/>
+                <a:cs typeface="Arial" panose="020B0604020202020204" pitchFamily="34" charset="0"/>
+              </a:rPr>
+              <a:t>Updating </a:t>
+            </a:r>
+            <a:r>
+              <a:rPr lang="en-US" sz="2400" dirty="0" smtClean="0">
+                <a:solidFill>
+                  <a:schemeClr val="tx1">
+                    <a:lumMod val="85000"/>
+                    <a:lumOff val="15000"/>
+                  </a:schemeClr>
+                </a:solidFill>
+                <a:latin typeface="Arial" panose="020B0604020202020204" pitchFamily="34" charset="0"/>
+                <a:cs typeface="Arial" panose="020B0604020202020204" pitchFamily="34" charset="0"/>
+              </a:rPr>
+              <a:t>membership step</a:t>
+            </a:r>
+            <a:endParaRPr lang="en-US" sz="2400" dirty="0">
+              <a:solidFill>
+                <a:schemeClr val="tx1">
+                  <a:lumMod val="85000"/>
+                  <a:lumOff val="15000"/>
+                </a:schemeClr>
+              </a:solidFill>
+              <a:latin typeface="Arial" panose="020B0604020202020204" pitchFamily="34" charset="0"/>
+              <a:cs typeface="Arial" panose="020B0604020202020204" pitchFamily="34" charset="0"/>
+            </a:endParaRPr>
+          </a:p>
+          <a:p>
+            <a:pPr marL="514350" indent="-514350">
+              <a:lnSpc>
+                <a:spcPct val="125000"/>
+              </a:lnSpc>
+              <a:buFont typeface="+mj-lt"/>
+              <a:buAutoNum type="arabicPeriod"/>
+            </a:pPr>
+            <a:r>
+              <a:rPr lang="en-US" sz="2400" dirty="0">
+                <a:solidFill>
+                  <a:schemeClr val="tx1">
+                    <a:lumMod val="85000"/>
+                    <a:lumOff val="15000"/>
+                  </a:schemeClr>
+                </a:solidFill>
+                <a:latin typeface="Arial" panose="020B0604020202020204" pitchFamily="34" charset="0"/>
+                <a:cs typeface="Arial" panose="020B0604020202020204" pitchFamily="34" charset="0"/>
+              </a:rPr>
+              <a:t>Calculating </a:t>
+            </a:r>
+            <a:r>
+              <a:rPr lang="en-US" sz="2400" dirty="0" smtClean="0">
+                <a:solidFill>
+                  <a:schemeClr val="tx1">
+                    <a:lumMod val="85000"/>
+                    <a:lumOff val="15000"/>
+                  </a:schemeClr>
+                </a:solidFill>
+                <a:latin typeface="Arial" panose="020B0604020202020204" pitchFamily="34" charset="0"/>
+                <a:cs typeface="Arial" panose="020B0604020202020204" pitchFamily="34" charset="0"/>
+              </a:rPr>
+              <a:t>new </a:t>
+            </a:r>
+            <a:r>
+              <a:rPr lang="en-US" sz="2400" dirty="0">
+                <a:solidFill>
+                  <a:schemeClr val="tx1">
+                    <a:lumMod val="85000"/>
+                    <a:lumOff val="15000"/>
+                  </a:schemeClr>
+                </a:solidFill>
+                <a:latin typeface="Arial" panose="020B0604020202020204" pitchFamily="34" charset="0"/>
+                <a:cs typeface="Arial" panose="020B0604020202020204" pitchFamily="34" charset="0"/>
+              </a:rPr>
+              <a:t>c</a:t>
+            </a:r>
+            <a:r>
+              <a:rPr lang="en-US" sz="2400" dirty="0" smtClean="0">
+                <a:solidFill>
+                  <a:schemeClr val="tx1">
+                    <a:lumMod val="85000"/>
+                    <a:lumOff val="15000"/>
+                  </a:schemeClr>
+                </a:solidFill>
+                <a:latin typeface="Arial" panose="020B0604020202020204" pitchFamily="34" charset="0"/>
+                <a:cs typeface="Arial" panose="020B0604020202020204" pitchFamily="34" charset="0"/>
+              </a:rPr>
+              <a:t>entroids </a:t>
+            </a:r>
+            <a:r>
+              <a:rPr lang="en-US" sz="2400" dirty="0">
+                <a:solidFill>
+                  <a:schemeClr val="tx1">
+                    <a:lumMod val="85000"/>
+                    <a:lumOff val="15000"/>
+                  </a:schemeClr>
+                </a:solidFill>
+                <a:latin typeface="Arial" panose="020B0604020202020204" pitchFamily="34" charset="0"/>
+                <a:cs typeface="Arial" panose="020B0604020202020204" pitchFamily="34" charset="0"/>
+              </a:rPr>
+              <a:t>s</a:t>
+            </a:r>
+            <a:r>
+              <a:rPr lang="en-US" sz="2400" dirty="0" smtClean="0">
+                <a:solidFill>
+                  <a:schemeClr val="tx1">
+                    <a:lumMod val="85000"/>
+                    <a:lumOff val="15000"/>
+                  </a:schemeClr>
+                </a:solidFill>
+                <a:latin typeface="Arial" panose="020B0604020202020204" pitchFamily="34" charset="0"/>
+                <a:cs typeface="Arial" panose="020B0604020202020204" pitchFamily="34" charset="0"/>
+              </a:rPr>
+              <a:t>tep</a:t>
+            </a:r>
+            <a:endParaRPr lang="en-US" sz="2400" dirty="0">
+              <a:solidFill>
+                <a:schemeClr val="tx1">
+                  <a:lumMod val="85000"/>
+                  <a:lumOff val="15000"/>
+                </a:schemeClr>
+              </a:solidFill>
+              <a:latin typeface="Arial" panose="020B0604020202020204" pitchFamily="34" charset="0"/>
+              <a:cs typeface="Arial" panose="020B0604020202020204" pitchFamily="34" charset="0"/>
+            </a:endParaRPr>
+          </a:p>
+          <a:p>
+            <a:pPr marL="514350" indent="-514350">
+              <a:lnSpc>
+                <a:spcPct val="125000"/>
+              </a:lnSpc>
+              <a:buFont typeface="+mj-lt"/>
+              <a:buAutoNum type="arabicPeriod"/>
+            </a:pPr>
+            <a:r>
+              <a:rPr lang="en-US" sz="2400" dirty="0">
+                <a:solidFill>
+                  <a:schemeClr val="tx1">
+                    <a:lumMod val="85000"/>
+                    <a:lumOff val="15000"/>
+                  </a:schemeClr>
+                </a:solidFill>
+                <a:latin typeface="Arial" panose="020B0604020202020204" pitchFamily="34" charset="0"/>
+                <a:cs typeface="Arial" panose="020B0604020202020204" pitchFamily="34" charset="0"/>
+              </a:rPr>
+              <a:t>Checking </a:t>
+            </a:r>
+            <a:r>
+              <a:rPr lang="en-US" sz="2400" dirty="0" smtClean="0">
+                <a:solidFill>
+                  <a:schemeClr val="tx1">
+                    <a:lumMod val="85000"/>
+                    <a:lumOff val="15000"/>
+                  </a:schemeClr>
+                </a:solidFill>
+                <a:latin typeface="Arial" panose="020B0604020202020204" pitchFamily="34" charset="0"/>
+                <a:cs typeface="Arial" panose="020B0604020202020204" pitchFamily="34" charset="0"/>
+              </a:rPr>
+              <a:t>convergence step</a:t>
+            </a:r>
+            <a:endParaRPr lang="en-US" sz="2400" dirty="0">
+              <a:solidFill>
+                <a:schemeClr val="tx1">
+                  <a:lumMod val="85000"/>
+                  <a:lumOff val="15000"/>
+                </a:schemeClr>
+              </a:solidFill>
+              <a:latin typeface="Arial" panose="020B0604020202020204" pitchFamily="34" charset="0"/>
+              <a:cs typeface="Arial" panose="020B0604020202020204" pitchFamily="34" charset="0"/>
+            </a:endParaRPr>
+          </a:p>
+          <a:p>
+            <a:pPr marL="514350" indent="-514350">
+              <a:lnSpc>
+                <a:spcPct val="125000"/>
+              </a:lnSpc>
+              <a:buFont typeface="+mj-lt"/>
+              <a:buAutoNum type="arabicPeriod"/>
+            </a:pPr>
+            <a:r>
+              <a:rPr lang="en-US" sz="2400" dirty="0">
+                <a:solidFill>
+                  <a:schemeClr val="tx1">
+                    <a:lumMod val="85000"/>
+                    <a:lumOff val="15000"/>
+                  </a:schemeClr>
+                </a:solidFill>
+                <a:latin typeface="Arial" panose="020B0604020202020204" pitchFamily="34" charset="0"/>
+                <a:cs typeface="Arial" panose="020B0604020202020204" pitchFamily="34" charset="0"/>
+              </a:rPr>
+              <a:t>Experimental </a:t>
+            </a:r>
+            <a:r>
+              <a:rPr lang="en-US" sz="2400" dirty="0" smtClean="0">
+                <a:solidFill>
+                  <a:schemeClr val="tx1">
+                    <a:lumMod val="85000"/>
+                    <a:lumOff val="15000"/>
+                  </a:schemeClr>
+                </a:solidFill>
+                <a:latin typeface="Arial" panose="020B0604020202020204" pitchFamily="34" charset="0"/>
+                <a:cs typeface="Arial" panose="020B0604020202020204" pitchFamily="34" charset="0"/>
+              </a:rPr>
+              <a:t>results</a:t>
+            </a:r>
+          </a:p>
+          <a:p>
+            <a:pPr marL="514350" indent="-514350">
+              <a:lnSpc>
+                <a:spcPct val="125000"/>
+              </a:lnSpc>
+              <a:buFont typeface="+mj-lt"/>
+              <a:buAutoNum type="arabicPeriod"/>
+            </a:pPr>
+            <a:r>
+              <a:rPr lang="en-US" sz="2400" dirty="0" smtClean="0">
+                <a:solidFill>
+                  <a:srgbClr val="FF0000"/>
+                </a:solidFill>
+                <a:latin typeface="Arial" panose="020B0604020202020204" pitchFamily="34" charset="0"/>
+                <a:cs typeface="Arial" panose="020B0604020202020204" pitchFamily="34" charset="0"/>
+              </a:rPr>
+              <a:t>Conclusion </a:t>
+            </a:r>
+            <a:r>
+              <a:rPr lang="en-US" sz="2400" dirty="0">
+                <a:solidFill>
+                  <a:srgbClr val="FF0000"/>
+                </a:solidFill>
+                <a:latin typeface="Arial" panose="020B0604020202020204" pitchFamily="34" charset="0"/>
+                <a:cs typeface="Arial" panose="020B0604020202020204" pitchFamily="34" charset="0"/>
+              </a:rPr>
+              <a:t>and Future work</a:t>
+            </a:r>
+          </a:p>
+          <a:p>
+            <a:pPr marL="514350" indent="-514350">
+              <a:lnSpc>
+                <a:spcPct val="125000"/>
+              </a:lnSpc>
+              <a:buFont typeface="+mj-lt"/>
+              <a:buAutoNum type="arabicPeriod"/>
+            </a:pPr>
+            <a:endParaRPr lang="en-US" sz="2400" dirty="0">
+              <a:solidFill>
+                <a:srgbClr val="FF0000"/>
+              </a:solidFill>
+              <a:latin typeface="Arial" panose="020B0604020202020204" pitchFamily="34" charset="0"/>
+              <a:cs typeface="Arial" panose="020B0604020202020204" pitchFamily="34" charset="0"/>
+            </a:endParaRPr>
+          </a:p>
+        </p:txBody>
+      </p:sp>
+      <p:sp>
+        <p:nvSpPr>
+          <p:cNvPr id="4" name="Slide Number Placeholder 3"/>
+          <p:cNvSpPr>
+            <a:spLocks noGrp="1"/>
+          </p:cNvSpPr>
+          <p:nvPr>
+            <p:ph type="sldNum" sz="quarter" idx="12"/>
+          </p:nvPr>
+        </p:nvSpPr>
+        <p:spPr/>
+        <p:txBody>
+          <a:bodyPr/>
+          <a:lstStyle/>
+          <a:p>
+            <a:fld id="{8EACBB75-E6F3-4170-A8E4-CB655E34A25B}" type="slidenum">
+              <a:rPr lang="en-GB" smtClean="0">
+                <a:latin typeface="Arial" panose="020B0604020202020204" pitchFamily="34" charset="0"/>
+                <a:cs typeface="Arial" panose="020B0604020202020204" pitchFamily="34" charset="0"/>
+              </a:rPr>
+              <a:t>35</a:t>
+            </a:fld>
+            <a:endParaRPr lang="en-GB" dirty="0">
+              <a:latin typeface="Arial" panose="020B0604020202020204" pitchFamily="34" charset="0"/>
+              <a:cs typeface="Arial" panose="020B0604020202020204" pitchFamily="34" charset="0"/>
+            </a:endParaRPr>
+          </a:p>
+        </p:txBody>
+      </p:sp>
+    </p:spTree>
+    <p:extLst>
+      <p:ext uri="{BB962C8B-B14F-4D97-AF65-F5344CB8AC3E}">
+        <p14:creationId xmlns:p14="http://schemas.microsoft.com/office/powerpoint/2010/main" val="3245634060"/>
+      </p:ext>
+    </p:extLst>
+  </p:cSld>
+  <p:clrMapOvr>
+    <a:masterClrMapping/>
+  </p:clrMapOvr>
+  <p:timing>
+    <p:tnLst>
+      <p:par>
+        <p:cTn id="1" dur="indefinite" restart="never" nodeType="tmRoot"/>
+      </p:par>
+    </p:tnLst>
+  </p:timing>
+</p:sld>
+</file>
+
+<file path=ppt/slides/slide36.xml><?xml version="1.0" encoding="utf-8"?>
+<p:sld xmlns:a="http://schemas.openxmlformats.org/drawingml/2006/main" xmlns:r="http://schemas.openxmlformats.org/officeDocument/2006/relationships" xmlns:p="http://schemas.openxmlformats.org/presentationml/2006/main">
+  <p:cSld>
+    <p:spTree>
+      <p:nvGrpSpPr>
+        <p:cNvPr id="1" name=""/>
+        <p:cNvGrpSpPr/>
+        <p:nvPr/>
+      </p:nvGrpSpPr>
+      <p:grpSpPr>
+        <a:xfrm>
+          <a:off x="0" y="0"/>
+          <a:ext cx="0" cy="0"/>
+          <a:chOff x="0" y="0"/>
+          <a:chExt cx="0" cy="0"/>
+        </a:xfrm>
+      </p:grpSpPr>
+      <p:sp>
+        <p:nvSpPr>
+          <p:cNvPr id="2" name="Title 1"/>
+          <p:cNvSpPr>
+            <a:spLocks noGrp="1"/>
+          </p:cNvSpPr>
+          <p:nvPr>
+            <p:ph type="title"/>
+          </p:nvPr>
+        </p:nvSpPr>
+        <p:spPr>
+          <a:xfrm>
+            <a:off x="2010030" y="632347"/>
+            <a:ext cx="8484973" cy="669231"/>
+          </a:xfrm>
+        </p:spPr>
+        <p:txBody>
+          <a:bodyPr>
+            <a:normAutofit/>
+          </a:bodyPr>
+          <a:lstStyle/>
+          <a:p>
+            <a:pPr algn="ctr"/>
+            <a:r>
+              <a:rPr lang="en-GB" sz="3000" b="1" cap="all" dirty="0" smtClean="0">
+                <a:latin typeface="Arial" panose="020B0604020202020204" pitchFamily="34" charset="0"/>
+                <a:cs typeface="Arial" panose="020B0604020202020204" pitchFamily="34" charset="0"/>
+              </a:rPr>
+              <a:t>Conclusion and future work</a:t>
+            </a:r>
+            <a:endParaRPr lang="en-GB" sz="3000" cap="all" dirty="0">
+              <a:latin typeface="Arial" panose="020B0604020202020204" pitchFamily="34" charset="0"/>
+              <a:cs typeface="Arial" panose="020B0604020202020204" pitchFamily="34" charset="0"/>
+            </a:endParaRPr>
+          </a:p>
+        </p:txBody>
+      </p:sp>
+      <p:sp>
+        <p:nvSpPr>
+          <p:cNvPr id="3" name="Content Placeholder 2"/>
+          <p:cNvSpPr>
+            <a:spLocks noGrp="1"/>
+          </p:cNvSpPr>
+          <p:nvPr>
+            <p:ph idx="1"/>
+          </p:nvPr>
+        </p:nvSpPr>
+        <p:spPr>
+          <a:xfrm>
+            <a:off x="2255491" y="1669213"/>
+            <a:ext cx="7994049" cy="4613891"/>
+          </a:xfrm>
+        </p:spPr>
+        <p:txBody>
+          <a:bodyPr>
+            <a:noAutofit/>
+          </a:bodyPr>
+          <a:lstStyle/>
+          <a:p>
+            <a:pPr algn="just">
+              <a:lnSpc>
+                <a:spcPct val="135000"/>
+              </a:lnSpc>
+            </a:pPr>
+            <a:r>
+              <a:rPr lang="en-US" sz="2400" dirty="0">
+                <a:solidFill>
+                  <a:schemeClr val="tx1">
+                    <a:lumMod val="85000"/>
+                    <a:lumOff val="15000"/>
+                  </a:schemeClr>
+                </a:solidFill>
+                <a:latin typeface="Arial" panose="020B0604020202020204" pitchFamily="34" charset="0"/>
+                <a:cs typeface="Arial" panose="020B0604020202020204" pitchFamily="34" charset="0"/>
+              </a:rPr>
+              <a:t>The better </a:t>
+            </a:r>
+            <a:r>
+              <a:rPr lang="en-US" sz="2400" dirty="0" smtClean="0">
+                <a:solidFill>
+                  <a:schemeClr val="tx1">
+                    <a:lumMod val="85000"/>
+                    <a:lumOff val="15000"/>
+                  </a:schemeClr>
+                </a:solidFill>
+                <a:latin typeface="Arial" panose="020B0604020202020204" pitchFamily="34" charset="0"/>
+                <a:cs typeface="Arial" panose="020B0604020202020204" pitchFamily="34" charset="0"/>
+              </a:rPr>
+              <a:t>speedups : the </a:t>
+            </a:r>
+            <a:r>
+              <a:rPr lang="en-US" sz="2400" dirty="0">
+                <a:solidFill>
+                  <a:schemeClr val="tx1">
+                    <a:lumMod val="85000"/>
+                    <a:lumOff val="15000"/>
+                  </a:schemeClr>
+                </a:solidFill>
+                <a:latin typeface="Arial" panose="020B0604020202020204" pitchFamily="34" charset="0"/>
+                <a:cs typeface="Arial" panose="020B0604020202020204" pitchFamily="34" charset="0"/>
+              </a:rPr>
+              <a:t>larger </a:t>
+            </a:r>
+            <a:r>
+              <a:rPr lang="en-US" sz="2400" i="1" dirty="0">
+                <a:solidFill>
+                  <a:schemeClr val="tx1">
+                    <a:lumMod val="85000"/>
+                    <a:lumOff val="15000"/>
+                  </a:schemeClr>
+                </a:solidFill>
+                <a:latin typeface="Arial" panose="020B0604020202020204" pitchFamily="34" charset="0"/>
+                <a:cs typeface="Arial" panose="020B0604020202020204" pitchFamily="34" charset="0"/>
+              </a:rPr>
+              <a:t>N</a:t>
+            </a:r>
+            <a:r>
+              <a:rPr lang="en-US" sz="2400" dirty="0" smtClean="0">
+                <a:solidFill>
+                  <a:schemeClr val="tx1">
+                    <a:lumMod val="85000"/>
+                    <a:lumOff val="15000"/>
+                  </a:schemeClr>
+                </a:solidFill>
+                <a:latin typeface="Arial" panose="020B0604020202020204" pitchFamily="34" charset="0"/>
+                <a:cs typeface="Arial" panose="020B0604020202020204" pitchFamily="34" charset="0"/>
+              </a:rPr>
+              <a:t>, </a:t>
+            </a:r>
+            <a:r>
+              <a:rPr lang="en-US" sz="2400" dirty="0">
+                <a:solidFill>
+                  <a:schemeClr val="tx1">
+                    <a:lumMod val="85000"/>
+                    <a:lumOff val="15000"/>
+                  </a:schemeClr>
+                </a:solidFill>
+                <a:latin typeface="Arial" panose="020B0604020202020204" pitchFamily="34" charset="0"/>
+                <a:cs typeface="Arial" panose="020B0604020202020204" pitchFamily="34" charset="0"/>
+              </a:rPr>
+              <a:t>smaller </a:t>
+            </a:r>
+            <a:r>
+              <a:rPr lang="en-US" sz="2400" i="1" dirty="0" smtClean="0">
+                <a:solidFill>
+                  <a:schemeClr val="tx1">
+                    <a:lumMod val="85000"/>
+                    <a:lumOff val="15000"/>
+                  </a:schemeClr>
+                </a:solidFill>
+                <a:latin typeface="Arial" panose="020B0604020202020204" pitchFamily="34" charset="0"/>
+                <a:cs typeface="Arial" panose="020B0604020202020204" pitchFamily="34" charset="0"/>
+              </a:rPr>
+              <a:t>d</a:t>
+            </a:r>
+            <a:r>
+              <a:rPr lang="en-US" sz="2400" dirty="0" smtClean="0">
+                <a:solidFill>
+                  <a:schemeClr val="tx1">
+                    <a:lumMod val="85000"/>
+                    <a:lumOff val="15000"/>
+                  </a:schemeClr>
+                </a:solidFill>
+                <a:latin typeface="Arial" panose="020B0604020202020204" pitchFamily="34" charset="0"/>
+                <a:cs typeface="Arial" panose="020B0604020202020204" pitchFamily="34" charset="0"/>
+              </a:rPr>
+              <a:t> </a:t>
+            </a:r>
+            <a:r>
+              <a:rPr lang="en-US" sz="2400" dirty="0">
+                <a:solidFill>
+                  <a:schemeClr val="tx1">
+                    <a:lumMod val="85000"/>
+                    <a:lumOff val="15000"/>
+                  </a:schemeClr>
+                </a:solidFill>
+                <a:latin typeface="Arial" panose="020B0604020202020204" pitchFamily="34" charset="0"/>
+                <a:cs typeface="Arial" panose="020B0604020202020204" pitchFamily="34" charset="0"/>
+              </a:rPr>
+              <a:t>and </a:t>
+            </a:r>
+            <a:r>
+              <a:rPr lang="en-US" sz="2400" i="1" dirty="0" smtClean="0">
+                <a:solidFill>
+                  <a:schemeClr val="tx1">
+                    <a:lumMod val="85000"/>
+                    <a:lumOff val="15000"/>
+                  </a:schemeClr>
+                </a:solidFill>
+                <a:latin typeface="Arial" panose="020B0604020202020204" pitchFamily="34" charset="0"/>
+                <a:cs typeface="Arial" panose="020B0604020202020204" pitchFamily="34" charset="0"/>
+              </a:rPr>
+              <a:t>k</a:t>
+            </a:r>
+          </a:p>
+          <a:p>
+            <a:pPr algn="just">
+              <a:lnSpc>
+                <a:spcPct val="135000"/>
+              </a:lnSpc>
+            </a:pPr>
+            <a:r>
+              <a:rPr lang="en-GB" sz="2400" dirty="0" smtClean="0">
+                <a:solidFill>
+                  <a:schemeClr val="tx1">
+                    <a:lumMod val="85000"/>
+                    <a:lumOff val="15000"/>
+                  </a:schemeClr>
+                </a:solidFill>
+                <a:latin typeface="Arial" panose="020B0604020202020204" pitchFamily="34" charset="0"/>
+                <a:cs typeface="Arial" panose="020B0604020202020204" pitchFamily="34" charset="0"/>
+              </a:rPr>
+              <a:t>High-dimensional : </a:t>
+            </a:r>
+            <a:r>
+              <a:rPr lang="en-US" sz="2400" dirty="0">
+                <a:solidFill>
+                  <a:schemeClr val="tx1">
+                    <a:lumMod val="85000"/>
+                    <a:lumOff val="15000"/>
+                  </a:schemeClr>
+                </a:solidFill>
+                <a:latin typeface="Arial" panose="020B0604020202020204" pitchFamily="34" charset="0"/>
+                <a:cs typeface="Arial" panose="020B0604020202020204" pitchFamily="34" charset="0"/>
+              </a:rPr>
+              <a:t>data point </a:t>
+            </a:r>
+            <a:r>
+              <a:rPr lang="en-US" sz="2400" dirty="0" smtClean="0">
+                <a:solidFill>
+                  <a:schemeClr val="tx1">
+                    <a:lumMod val="85000"/>
+                    <a:lumOff val="15000"/>
+                  </a:schemeClr>
+                </a:solidFill>
+                <a:latin typeface="Arial" panose="020B0604020202020204" pitchFamily="34" charset="0"/>
+                <a:cs typeface="Arial" panose="020B0604020202020204" pitchFamily="34" charset="0"/>
+              </a:rPr>
+              <a:t>can not </a:t>
+            </a:r>
+            <a:r>
+              <a:rPr lang="en-US" sz="2400" dirty="0">
+                <a:solidFill>
+                  <a:schemeClr val="tx1">
+                    <a:lumMod val="85000"/>
+                    <a:lumOff val="15000"/>
+                  </a:schemeClr>
+                </a:solidFill>
+                <a:latin typeface="Arial" panose="020B0604020202020204" pitchFamily="34" charset="0"/>
+                <a:cs typeface="Arial" panose="020B0604020202020204" pitchFamily="34" charset="0"/>
+              </a:rPr>
+              <a:t>be loaded into </a:t>
+            </a:r>
+            <a:r>
+              <a:rPr lang="en-US" sz="2400" dirty="0" smtClean="0">
+                <a:solidFill>
+                  <a:schemeClr val="tx1">
+                    <a:lumMod val="85000"/>
+                    <a:lumOff val="15000"/>
+                  </a:schemeClr>
+                </a:solidFill>
+                <a:latin typeface="Arial" panose="020B0604020202020204" pitchFamily="34" charset="0"/>
+                <a:cs typeface="Arial" panose="020B0604020202020204" pitchFamily="34" charset="0"/>
+              </a:rPr>
+              <a:t>registers </a:t>
+            </a:r>
+            <a:r>
+              <a:rPr lang="en-US" sz="2400" b="1" dirty="0" smtClean="0">
+                <a:solidFill>
+                  <a:schemeClr val="tx1">
+                    <a:lumMod val="85000"/>
+                    <a:lumOff val="15000"/>
+                  </a:schemeClr>
+                </a:solidFill>
+                <a:latin typeface="Arial" panose="020B0604020202020204" pitchFamily="34" charset="0"/>
+                <a:cs typeface="Arial" panose="020B0604020202020204" pitchFamily="34" charset="0"/>
+              </a:rPr>
+              <a:t>→ </a:t>
+            </a:r>
+            <a:r>
+              <a:rPr lang="en-US" sz="2400" dirty="0" smtClean="0">
+                <a:solidFill>
+                  <a:schemeClr val="tx1">
+                    <a:lumMod val="85000"/>
+                    <a:lumOff val="15000"/>
+                  </a:schemeClr>
+                </a:solidFill>
+                <a:latin typeface="Arial" panose="020B0604020202020204" pitchFamily="34" charset="0"/>
+                <a:cs typeface="Arial" panose="020B0604020202020204" pitchFamily="34" charset="0"/>
+              </a:rPr>
+              <a:t>reduce performance</a:t>
+            </a:r>
+          </a:p>
+          <a:p>
+            <a:pPr algn="just">
+              <a:lnSpc>
+                <a:spcPct val="135000"/>
+              </a:lnSpc>
+            </a:pPr>
+            <a:r>
+              <a:rPr lang="en-US" sz="2400" dirty="0" smtClean="0">
+                <a:solidFill>
+                  <a:schemeClr val="tx1">
+                    <a:lumMod val="85000"/>
+                    <a:lumOff val="15000"/>
+                  </a:schemeClr>
+                </a:solidFill>
+                <a:latin typeface="Arial" panose="020B0604020202020204" pitchFamily="34" charset="0"/>
+                <a:cs typeface="Arial" panose="020B0604020202020204" pitchFamily="34" charset="0"/>
+              </a:rPr>
+              <a:t>In future, calculate </a:t>
+            </a:r>
+            <a:r>
+              <a:rPr lang="en-US" sz="2400" dirty="0">
+                <a:solidFill>
+                  <a:schemeClr val="tx1">
+                    <a:lumMod val="85000"/>
+                    <a:lumOff val="15000"/>
+                  </a:schemeClr>
+                </a:solidFill>
+                <a:latin typeface="Arial" panose="020B0604020202020204" pitchFamily="34" charset="0"/>
+                <a:cs typeface="Arial" panose="020B0604020202020204" pitchFamily="34" charset="0"/>
+              </a:rPr>
+              <a:t>the </a:t>
+            </a:r>
+            <a:r>
+              <a:rPr lang="en-US" sz="2400" dirty="0">
+                <a:solidFill>
+                  <a:srgbClr val="00B050"/>
+                </a:solidFill>
+                <a:latin typeface="Arial" panose="020B0604020202020204" pitchFamily="34" charset="0"/>
+                <a:cs typeface="Arial" panose="020B0604020202020204" pitchFamily="34" charset="0"/>
+              </a:rPr>
+              <a:t>temporary distance</a:t>
+            </a:r>
+            <a:r>
+              <a:rPr lang="en-US" sz="2400" dirty="0">
+                <a:solidFill>
+                  <a:schemeClr val="tx1">
+                    <a:lumMod val="85000"/>
+                    <a:lumOff val="15000"/>
+                  </a:schemeClr>
+                </a:solidFill>
+                <a:latin typeface="Arial" panose="020B0604020202020204" pitchFamily="34" charset="0"/>
+                <a:cs typeface="Arial" panose="020B0604020202020204" pitchFamily="34" charset="0"/>
+              </a:rPr>
+              <a:t> and store in the </a:t>
+            </a:r>
+            <a:r>
+              <a:rPr lang="en-US" sz="2400" dirty="0">
+                <a:solidFill>
+                  <a:srgbClr val="00B050"/>
+                </a:solidFill>
+                <a:latin typeface="Arial" panose="020B0604020202020204" pitchFamily="34" charset="0"/>
+                <a:cs typeface="Arial" panose="020B0604020202020204" pitchFamily="34" charset="0"/>
+              </a:rPr>
+              <a:t>on-chip </a:t>
+            </a:r>
+            <a:r>
+              <a:rPr lang="en-US" sz="2400" dirty="0" smtClean="0">
+                <a:solidFill>
+                  <a:srgbClr val="00B050"/>
+                </a:solidFill>
+                <a:latin typeface="Arial" panose="020B0604020202020204" pitchFamily="34" charset="0"/>
+                <a:cs typeface="Arial" panose="020B0604020202020204" pitchFamily="34" charset="0"/>
+              </a:rPr>
+              <a:t>registers</a:t>
+            </a:r>
+            <a:r>
+              <a:rPr lang="en-US" sz="2400" dirty="0" smtClean="0">
+                <a:solidFill>
+                  <a:schemeClr val="tx1">
+                    <a:lumMod val="85000"/>
+                    <a:lumOff val="15000"/>
+                  </a:schemeClr>
+                </a:solidFill>
+                <a:latin typeface="Arial" panose="020B0604020202020204" pitchFamily="34" charset="0"/>
+                <a:cs typeface="Arial" panose="020B0604020202020204" pitchFamily="34" charset="0"/>
+              </a:rPr>
+              <a:t> by :</a:t>
+            </a:r>
+          </a:p>
+          <a:p>
+            <a:pPr marL="1031875" lvl="1" indent="-403225" algn="just">
+              <a:lnSpc>
+                <a:spcPct val="135000"/>
+              </a:lnSpc>
+            </a:pPr>
+            <a:r>
+              <a:rPr lang="en-US" sz="2400" dirty="0" smtClean="0">
+                <a:solidFill>
+                  <a:schemeClr val="tx1">
+                    <a:lumMod val="85000"/>
+                    <a:lumOff val="15000"/>
+                  </a:schemeClr>
+                </a:solidFill>
+                <a:latin typeface="Arial" panose="020B0604020202020204" pitchFamily="34" charset="0"/>
+                <a:cs typeface="Arial" panose="020B0604020202020204" pitchFamily="34" charset="0"/>
+              </a:rPr>
+              <a:t>loading </a:t>
+            </a:r>
+            <a:r>
+              <a:rPr lang="en-US" sz="2400" dirty="0">
+                <a:solidFill>
+                  <a:schemeClr val="tx1">
+                    <a:lumMod val="85000"/>
+                    <a:lumOff val="15000"/>
+                  </a:schemeClr>
+                </a:solidFill>
+                <a:latin typeface="Arial" panose="020B0604020202020204" pitchFamily="34" charset="0"/>
+                <a:cs typeface="Arial" panose="020B0604020202020204" pitchFamily="34" charset="0"/>
+              </a:rPr>
+              <a:t>the data </a:t>
+            </a:r>
+            <a:r>
+              <a:rPr lang="en-US" sz="2400" b="1" dirty="0">
+                <a:solidFill>
+                  <a:schemeClr val="tx1">
+                    <a:lumMod val="85000"/>
+                    <a:lumOff val="15000"/>
+                  </a:schemeClr>
+                </a:solidFill>
+                <a:latin typeface="Arial" panose="020B0604020202020204" pitchFamily="34" charset="0"/>
+                <a:cs typeface="Arial" panose="020B0604020202020204" pitchFamily="34" charset="0"/>
+              </a:rPr>
+              <a:t>→</a:t>
+            </a:r>
+            <a:r>
+              <a:rPr lang="en-US" sz="2400" dirty="0" smtClean="0">
+                <a:solidFill>
+                  <a:schemeClr val="tx1">
+                    <a:lumMod val="85000"/>
+                    <a:lumOff val="15000"/>
+                  </a:schemeClr>
+                </a:solidFill>
+                <a:latin typeface="Arial" panose="020B0604020202020204" pitchFamily="34" charset="0"/>
+                <a:cs typeface="Arial" panose="020B0604020202020204" pitchFamily="34" charset="0"/>
+              </a:rPr>
+              <a:t> </a:t>
+            </a:r>
+            <a:r>
+              <a:rPr lang="en-US" sz="2400" dirty="0" smtClean="0">
+                <a:solidFill>
+                  <a:srgbClr val="00B050"/>
+                </a:solidFill>
+                <a:latin typeface="Arial" panose="020B0604020202020204" pitchFamily="34" charset="0"/>
+                <a:cs typeface="Arial" panose="020B0604020202020204" pitchFamily="34" charset="0"/>
+              </a:rPr>
+              <a:t>SM</a:t>
+            </a:r>
+            <a:r>
+              <a:rPr lang="en-US" sz="2400" dirty="0" smtClean="0">
+                <a:solidFill>
+                  <a:schemeClr val="tx1">
+                    <a:lumMod val="85000"/>
+                    <a:lumOff val="15000"/>
+                  </a:schemeClr>
+                </a:solidFill>
+                <a:latin typeface="Arial" panose="020B0604020202020204" pitchFamily="34" charset="0"/>
+                <a:cs typeface="Arial" panose="020B0604020202020204" pitchFamily="34" charset="0"/>
+              </a:rPr>
+              <a:t>, </a:t>
+            </a:r>
+            <a:r>
+              <a:rPr lang="en-US" sz="2400" dirty="0">
+                <a:solidFill>
+                  <a:schemeClr val="tx1">
+                    <a:lumMod val="85000"/>
+                    <a:lumOff val="15000"/>
+                  </a:schemeClr>
+                </a:solidFill>
+                <a:latin typeface="Arial" panose="020B0604020202020204" pitchFamily="34" charset="0"/>
+                <a:cs typeface="Arial" panose="020B0604020202020204" pitchFamily="34" charset="0"/>
+              </a:rPr>
+              <a:t>tile by </a:t>
+            </a:r>
+            <a:r>
+              <a:rPr lang="en-US" sz="2400" dirty="0" smtClean="0">
+                <a:solidFill>
+                  <a:schemeClr val="tx1">
+                    <a:lumMod val="85000"/>
+                    <a:lumOff val="15000"/>
+                  </a:schemeClr>
+                </a:solidFill>
+                <a:latin typeface="Arial" panose="020B0604020202020204" pitchFamily="34" charset="0"/>
+                <a:cs typeface="Arial" panose="020B0604020202020204" pitchFamily="34" charset="0"/>
+              </a:rPr>
+              <a:t>tile,</a:t>
+            </a:r>
+          </a:p>
+          <a:p>
+            <a:pPr marL="1031875" lvl="1" indent="-403225" algn="just">
+              <a:lnSpc>
+                <a:spcPct val="135000"/>
+              </a:lnSpc>
+            </a:pPr>
+            <a:r>
+              <a:rPr lang="en-US" sz="2400" dirty="0" smtClean="0">
+                <a:solidFill>
+                  <a:schemeClr val="tx1">
+                    <a:lumMod val="85000"/>
+                    <a:lumOff val="15000"/>
+                  </a:schemeClr>
+                </a:solidFill>
+                <a:latin typeface="Arial" panose="020B0604020202020204" pitchFamily="34" charset="0"/>
+                <a:cs typeface="Arial" panose="020B0604020202020204" pitchFamily="34" charset="0"/>
+              </a:rPr>
+              <a:t>adopting </a:t>
+            </a:r>
+            <a:r>
+              <a:rPr lang="en-US" sz="2400" dirty="0">
+                <a:solidFill>
+                  <a:schemeClr val="tx1">
+                    <a:lumMod val="85000"/>
+                    <a:lumOff val="15000"/>
+                  </a:schemeClr>
+                </a:solidFill>
+                <a:latin typeface="Arial" panose="020B0604020202020204" pitchFamily="34" charset="0"/>
+                <a:cs typeface="Arial" panose="020B0604020202020204" pitchFamily="34" charset="0"/>
+              </a:rPr>
+              <a:t>the idea of </a:t>
+            </a:r>
+            <a:r>
+              <a:rPr lang="en-US" sz="2400" dirty="0">
+                <a:solidFill>
+                  <a:srgbClr val="00B050"/>
+                </a:solidFill>
+                <a:latin typeface="Arial" panose="020B0604020202020204" pitchFamily="34" charset="0"/>
+                <a:cs typeface="Arial" panose="020B0604020202020204" pitchFamily="34" charset="0"/>
+              </a:rPr>
+              <a:t>matrix </a:t>
+            </a:r>
+            <a:r>
+              <a:rPr lang="en-US" sz="2400" dirty="0" smtClean="0">
+                <a:solidFill>
+                  <a:srgbClr val="00B050"/>
+                </a:solidFill>
+                <a:latin typeface="Arial" panose="020B0604020202020204" pitchFamily="34" charset="0"/>
+                <a:cs typeface="Arial" panose="020B0604020202020204" pitchFamily="34" charset="0"/>
+              </a:rPr>
+              <a:t>multiplication</a:t>
+            </a:r>
+            <a:r>
+              <a:rPr lang="en-US" sz="2400" dirty="0" smtClean="0">
+                <a:solidFill>
+                  <a:schemeClr val="tx1">
+                    <a:lumMod val="85000"/>
+                    <a:lumOff val="15000"/>
+                  </a:schemeClr>
+                </a:solidFill>
+                <a:latin typeface="Arial" panose="020B0604020202020204" pitchFamily="34" charset="0"/>
+                <a:cs typeface="Arial" panose="020B0604020202020204" pitchFamily="34" charset="0"/>
+              </a:rPr>
+              <a:t>.</a:t>
+            </a:r>
+            <a:endParaRPr lang="en-GB" sz="2400" dirty="0">
+              <a:solidFill>
+                <a:schemeClr val="tx1">
+                  <a:lumMod val="85000"/>
+                  <a:lumOff val="15000"/>
+                </a:schemeClr>
+              </a:solidFill>
+              <a:latin typeface="Arial" panose="020B0604020202020204" pitchFamily="34" charset="0"/>
+              <a:cs typeface="Arial" panose="020B0604020202020204" pitchFamily="34" charset="0"/>
+            </a:endParaRPr>
+          </a:p>
+        </p:txBody>
+      </p:sp>
+      <p:sp>
+        <p:nvSpPr>
+          <p:cNvPr id="4" name="Slide Number Placeholder 3"/>
+          <p:cNvSpPr>
+            <a:spLocks noGrp="1"/>
+          </p:cNvSpPr>
+          <p:nvPr>
+            <p:ph type="sldNum" sz="quarter" idx="12"/>
+          </p:nvPr>
+        </p:nvSpPr>
+        <p:spPr/>
+        <p:txBody>
+          <a:bodyPr/>
+          <a:lstStyle/>
+          <a:p>
+            <a:fld id="{8EACBB75-E6F3-4170-A8E4-CB655E34A25B}" type="slidenum">
+              <a:rPr lang="en-GB" smtClean="0">
+                <a:latin typeface="Arial" panose="020B0604020202020204" pitchFamily="34" charset="0"/>
+                <a:cs typeface="Arial" panose="020B0604020202020204" pitchFamily="34" charset="0"/>
+              </a:rPr>
+              <a:t>36</a:t>
+            </a:fld>
+            <a:endParaRPr lang="en-GB" dirty="0">
+              <a:latin typeface="Arial" panose="020B0604020202020204" pitchFamily="34" charset="0"/>
+              <a:cs typeface="Arial" panose="020B0604020202020204" pitchFamily="34" charset="0"/>
+            </a:endParaRPr>
+          </a:p>
+        </p:txBody>
+      </p:sp>
+    </p:spTree>
+    <p:extLst>
+      <p:ext uri="{BB962C8B-B14F-4D97-AF65-F5344CB8AC3E}">
+        <p14:creationId xmlns:p14="http://schemas.microsoft.com/office/powerpoint/2010/main" val="1175053624"/>
+      </p:ext>
+    </p:extLst>
+  </p:cSld>
+  <p:clrMapOvr>
+    <a:masterClrMapping/>
+  </p:clrMapOvr>
+  <p:timing>
+    <p:tnLst>
+      <p:par>
+        <p:cTn id="1" dur="indefinite" restart="never" nodeType="tmRoot"/>
+      </p:par>
+    </p:tnLst>
+  </p:timing>
+</p:sld>
+</file>
+
+<file path=ppt/slides/slide37.xml><?xml version="1.0" encoding="utf-8"?>
 <p:sld xmlns:a="http://schemas.openxmlformats.org/drawingml/2006/main" xmlns:r="http://schemas.openxmlformats.org/officeDocument/2006/relationships" xmlns:p="http://schemas.openxmlformats.org/presentationml/2006/main">
   <p:cSld>
     <p:spTree>
@@ -23628,7 +25827,7 @@
 </p:sld>
 </file>
 
-<file path=ppt/slides/slide36.xml><?xml version="1.0" encoding="utf-8"?>
+<file path=ppt/slides/slide38.xml><?xml version="1.0" encoding="utf-8"?>
 <p:sld xmlns:a="http://schemas.openxmlformats.org/drawingml/2006/main" xmlns:r="http://schemas.openxmlformats.org/officeDocument/2006/relationships" xmlns:p="http://schemas.openxmlformats.org/presentationml/2006/main">
   <p:cSld>
     <p:spTree>
@@ -23784,8 +25983,8 @@
         </p:nvSpPr>
         <p:spPr>
           <a:xfrm>
-            <a:off x="2484164" y="1709446"/>
-            <a:ext cx="7404903" cy="3802353"/>
+            <a:off x="2692391" y="1528381"/>
+            <a:ext cx="7404903" cy="4555552"/>
           </a:xfrm>
         </p:spPr>
         <p:txBody>
@@ -23802,7 +26001,7 @@
               <a:buAutoNum type="arabicPeriod"/>
             </a:pPr>
             <a:r>
-              <a:rPr lang="en-US" sz="2600" dirty="0">
+              <a:rPr lang="en-US" sz="2400" dirty="0">
                 <a:solidFill>
                   <a:schemeClr val="tx1">
                     <a:lumMod val="85000"/>
@@ -23824,7 +26023,7 @@
               <a:buAutoNum type="arabicPeriod"/>
             </a:pPr>
             <a:r>
-              <a:rPr lang="en-US" sz="2600" dirty="0" smtClean="0">
+              <a:rPr lang="en-US" sz="2400" dirty="0" smtClean="0">
                 <a:solidFill>
                   <a:srgbClr val="FF0000"/>
                 </a:solidFill>
@@ -23833,7 +26032,7 @@
               </a:rPr>
               <a:t>PGFKM model</a:t>
             </a:r>
-            <a:endParaRPr lang="en-US" sz="2600" dirty="0">
+            <a:endParaRPr lang="en-US" sz="2400" dirty="0">
               <a:solidFill>
                 <a:srgbClr val="FF0000"/>
               </a:solidFill>
@@ -23850,7 +26049,7 @@
               <a:buAutoNum type="arabicPeriod"/>
             </a:pPr>
             <a:r>
-              <a:rPr lang="en-US" sz="2600" dirty="0">
+              <a:rPr lang="en-US" sz="2400" dirty="0">
                 <a:solidFill>
                   <a:schemeClr val="tx1">
                     <a:lumMod val="85000"/>
@@ -23863,7 +26062,7 @@
               <a:t>Updating </a:t>
             </a:r>
             <a:r>
-              <a:rPr lang="en-US" sz="2600" dirty="0" smtClean="0">
+              <a:rPr lang="en-US" sz="2400" dirty="0" smtClean="0">
                 <a:solidFill>
                   <a:schemeClr val="tx1">
                     <a:lumMod val="85000"/>
@@ -23875,7 +26074,7 @@
               </a:rPr>
               <a:t>membership step</a:t>
             </a:r>
-            <a:endParaRPr lang="en-US" sz="2600" dirty="0">
+            <a:endParaRPr lang="en-US" sz="2400" dirty="0">
               <a:solidFill>
                 <a:schemeClr val="tx1">
                   <a:lumMod val="85000"/>
@@ -23895,7 +26094,7 @@
               <a:buAutoNum type="arabicPeriod"/>
             </a:pPr>
             <a:r>
-              <a:rPr lang="en-US" sz="2600" dirty="0">
+              <a:rPr lang="en-US" sz="2400" dirty="0">
                 <a:solidFill>
                   <a:schemeClr val="tx1">
                     <a:lumMod val="85000"/>
@@ -23908,7 +26107,7 @@
               <a:t>Calculating </a:t>
             </a:r>
             <a:r>
-              <a:rPr lang="en-US" sz="2600" dirty="0" smtClean="0">
+              <a:rPr lang="en-US" sz="2400" dirty="0" smtClean="0">
                 <a:solidFill>
                   <a:schemeClr val="tx1">
                     <a:lumMod val="85000"/>
@@ -23921,7 +26120,7 @@
               <a:t>new </a:t>
             </a:r>
             <a:r>
-              <a:rPr lang="en-US" sz="2600" dirty="0">
+              <a:rPr lang="en-US" sz="2400" dirty="0">
                 <a:solidFill>
                   <a:schemeClr val="tx1">
                     <a:lumMod val="85000"/>
@@ -23934,7 +26133,7 @@
               <a:t>c</a:t>
             </a:r>
             <a:r>
-              <a:rPr lang="en-US" sz="2600" dirty="0" smtClean="0">
+              <a:rPr lang="en-US" sz="2400" dirty="0" smtClean="0">
                 <a:solidFill>
                   <a:schemeClr val="tx1">
                     <a:lumMod val="85000"/>
@@ -23947,7 +26146,7 @@
               <a:t>entroids </a:t>
             </a:r>
             <a:r>
-              <a:rPr lang="en-US" sz="2600" dirty="0">
+              <a:rPr lang="en-US" sz="2400" dirty="0">
                 <a:solidFill>
                   <a:schemeClr val="tx1">
                     <a:lumMod val="85000"/>
@@ -23960,7 +26159,7 @@
               <a:t>s</a:t>
             </a:r>
             <a:r>
-              <a:rPr lang="en-US" sz="2600" dirty="0" smtClean="0">
+              <a:rPr lang="en-US" sz="2400" dirty="0" smtClean="0">
                 <a:solidFill>
                   <a:schemeClr val="tx1">
                     <a:lumMod val="85000"/>
@@ -23972,7 +26171,7 @@
               </a:rPr>
               <a:t>tep</a:t>
             </a:r>
-            <a:endParaRPr lang="en-US" sz="2600" dirty="0">
+            <a:endParaRPr lang="en-US" sz="2400" dirty="0">
               <a:solidFill>
                 <a:schemeClr val="tx1">
                   <a:lumMod val="85000"/>
@@ -23992,7 +26191,7 @@
               <a:buAutoNum type="arabicPeriod"/>
             </a:pPr>
             <a:r>
-              <a:rPr lang="en-US" sz="2600" dirty="0">
+              <a:rPr lang="en-US" sz="2400" dirty="0">
                 <a:solidFill>
                   <a:schemeClr val="tx1">
                     <a:lumMod val="85000"/>
@@ -24005,7 +26204,7 @@
               <a:t>Checking </a:t>
             </a:r>
             <a:r>
-              <a:rPr lang="en-US" sz="2600" dirty="0" smtClean="0">
+              <a:rPr lang="en-US" sz="2400" dirty="0" smtClean="0">
                 <a:solidFill>
                   <a:schemeClr val="tx1">
                     <a:lumMod val="85000"/>
@@ -24017,7 +26216,7 @@
               </a:rPr>
               <a:t>convergence step</a:t>
             </a:r>
-            <a:endParaRPr lang="en-US" sz="2600" dirty="0">
+            <a:endParaRPr lang="en-US" sz="2400" dirty="0">
               <a:solidFill>
                 <a:schemeClr val="tx1">
                   <a:lumMod val="85000"/>
@@ -24037,7 +26236,7 @@
               <a:buAutoNum type="arabicPeriod"/>
             </a:pPr>
             <a:r>
-              <a:rPr lang="en-US" sz="2600" dirty="0">
+              <a:rPr lang="en-US" sz="2400" dirty="0">
                 <a:solidFill>
                   <a:schemeClr val="tx1">
                     <a:lumMod val="85000"/>
@@ -24050,7 +26249,7 @@
               <a:t>Experimental </a:t>
             </a:r>
             <a:r>
-              <a:rPr lang="en-US" sz="2600" dirty="0" smtClean="0">
+              <a:rPr lang="en-US" sz="2400" dirty="0" smtClean="0">
                 <a:solidFill>
                   <a:schemeClr val="tx1">
                     <a:lumMod val="85000"/>
@@ -24062,7 +26261,29 @@
               </a:rPr>
               <a:t>results</a:t>
             </a:r>
-            <a:endParaRPr lang="en-US" sz="2600" dirty="0">
+          </a:p>
+          <a:p>
+            <a:pPr marL="514350" indent="-514350">
+              <a:lnSpc>
+                <a:spcPct val="125000"/>
+              </a:lnSpc>
+              <a:buFont typeface="+mj-lt"/>
+              <a:buAutoNum type="arabicPeriod"/>
+            </a:pPr>
+            <a:r>
+              <a:rPr lang="en-US" sz="2400" dirty="0" smtClean="0">
+                <a:solidFill>
+                  <a:schemeClr val="tx1">
+                    <a:lumMod val="85000"/>
+                    <a:lumOff val="15000"/>
+                  </a:schemeClr>
+                </a:solidFill>
+                <a:latin typeface="Arial" panose="020B0604020202020204" pitchFamily="34" charset="0"/>
+                <a:cs typeface="Arial" panose="020B0604020202020204" pitchFamily="34" charset="0"/>
+              </a:rPr>
+              <a:t>Conclusion and Future work</a:t>
+            </a:r>
+            <a:endParaRPr lang="en-US" sz="2400" dirty="0">
               <a:solidFill>
                 <a:schemeClr val="tx1">
                   <a:lumMod val="85000"/>
@@ -24075,10 +26296,39 @@
           </a:p>
         </p:txBody>
       </p:sp>
+      <p:sp>
+        <p:nvSpPr>
+          <p:cNvPr id="4" name="Slide Number Placeholder 3"/>
+          <p:cNvSpPr>
+            <a:spLocks noGrp="1"/>
+          </p:cNvSpPr>
+          <p:nvPr>
+            <p:ph type="sldNum" sz="quarter" idx="12"/>
+          </p:nvPr>
+        </p:nvSpPr>
+        <p:spPr/>
+        <p:txBody>
+          <a:bodyPr/>
+          <a:lstStyle/>
+          <a:p>
+            <a:fld id="{8EACBB75-E6F3-4170-A8E4-CB655E34A25B}" type="slidenum">
+              <a:rPr lang="en-GB" smtClean="0">
+                <a:latin typeface="Arial" panose="020B0604020202020204" pitchFamily="34" charset="0"/>
+                <a:cs typeface="Arial" panose="020B0604020202020204" pitchFamily="34" charset="0"/>
+              </a:rPr>
+              <a:t>4</a:t>
+            </a:fld>
+            <a:endParaRPr lang="en-GB">
+              <a:latin typeface="Arial" panose="020B0604020202020204" pitchFamily="34" charset="0"/>
+              <a:cs typeface="Arial" panose="020B0604020202020204" pitchFamily="34" charset="0"/>
+            </a:endParaRPr>
+          </a:p>
+        </p:txBody>
+      </p:sp>
     </p:spTree>
     <p:extLst>
       <p:ext uri="{BB962C8B-B14F-4D97-AF65-F5344CB8AC3E}">
-        <p14:creationId xmlns:p14="http://schemas.microsoft.com/office/powerpoint/2010/main" val="3436796896"/>
+        <p14:creationId xmlns:p14="http://schemas.microsoft.com/office/powerpoint/2010/main" val="2029545245"/>
       </p:ext>
     </p:extLst>
   </p:cSld>
@@ -25211,6 +27461,35 @@
           </a:p>
         </p:txBody>
       </p:sp>
+      <p:sp>
+        <p:nvSpPr>
+          <p:cNvPr id="3" name="Slide Number Placeholder 2"/>
+          <p:cNvSpPr>
+            <a:spLocks noGrp="1"/>
+          </p:cNvSpPr>
+          <p:nvPr>
+            <p:ph type="sldNum" sz="quarter" idx="12"/>
+          </p:nvPr>
+        </p:nvSpPr>
+        <p:spPr/>
+        <p:txBody>
+          <a:bodyPr/>
+          <a:lstStyle/>
+          <a:p>
+            <a:fld id="{8EACBB75-E6F3-4170-A8E4-CB655E34A25B}" type="slidenum">
+              <a:rPr lang="en-GB" smtClean="0">
+                <a:latin typeface="Arial" panose="020B0604020202020204" pitchFamily="34" charset="0"/>
+                <a:cs typeface="Arial" panose="020B0604020202020204" pitchFamily="34" charset="0"/>
+              </a:rPr>
+              <a:t>5</a:t>
+            </a:fld>
+            <a:endParaRPr lang="en-GB" dirty="0">
+              <a:latin typeface="Arial" panose="020B0604020202020204" pitchFamily="34" charset="0"/>
+              <a:cs typeface="Arial" panose="020B0604020202020204" pitchFamily="34" charset="0"/>
+            </a:endParaRPr>
+          </a:p>
+        </p:txBody>
+      </p:sp>
     </p:spTree>
     <p:extLst>
       <p:ext uri="{BB962C8B-B14F-4D97-AF65-F5344CB8AC3E}">
@@ -25297,8 +27576,8 @@
         </p:nvSpPr>
         <p:spPr>
           <a:xfrm>
-            <a:off x="2484164" y="1709446"/>
-            <a:ext cx="7404903" cy="3802353"/>
+            <a:off x="2692391" y="1528381"/>
+            <a:ext cx="7404903" cy="4555552"/>
           </a:xfrm>
         </p:spPr>
         <p:txBody>
@@ -25315,7 +27594,7 @@
               <a:buAutoNum type="arabicPeriod"/>
             </a:pPr>
             <a:r>
-              <a:rPr lang="en-US" sz="2600" dirty="0">
+              <a:rPr lang="en-US" sz="2400" dirty="0">
                 <a:solidFill>
                   <a:schemeClr val="tx1">
                     <a:lumMod val="85000"/>
@@ -25337,7 +27616,7 @@
               <a:buAutoNum type="arabicPeriod"/>
             </a:pPr>
             <a:r>
-              <a:rPr lang="en-US" sz="2600" dirty="0">
+              <a:rPr lang="en-US" sz="2400" dirty="0" smtClean="0">
                 <a:solidFill>
                   <a:schemeClr val="tx1">
                     <a:lumMod val="85000"/>
@@ -25349,7 +27628,7 @@
               </a:rPr>
               <a:t>PGFKM model</a:t>
             </a:r>
-            <a:endParaRPr lang="en-US" sz="2600" dirty="0">
+            <a:endParaRPr lang="en-US" sz="2400" dirty="0">
               <a:solidFill>
                 <a:schemeClr val="tx1">
                   <a:lumMod val="85000"/>
@@ -25369,7 +27648,7 @@
               <a:buAutoNum type="arabicPeriod"/>
             </a:pPr>
             <a:r>
-              <a:rPr lang="en-US" sz="2600" dirty="0">
+              <a:rPr lang="en-US" sz="2400" dirty="0">
                 <a:solidFill>
                   <a:srgbClr val="FF0000"/>
                 </a:solidFill>
@@ -25379,7 +27658,7 @@
               <a:t>Updating </a:t>
             </a:r>
             <a:r>
-              <a:rPr lang="en-US" sz="2600" dirty="0" smtClean="0">
+              <a:rPr lang="en-US" sz="2400" dirty="0" smtClean="0">
                 <a:solidFill>
                   <a:srgbClr val="FF0000"/>
                 </a:solidFill>
@@ -25388,7 +27667,7 @@
               </a:rPr>
               <a:t>membership step</a:t>
             </a:r>
-            <a:endParaRPr lang="en-US" sz="2600" dirty="0">
+            <a:endParaRPr lang="en-US" sz="2400" dirty="0">
               <a:solidFill>
                 <a:srgbClr val="FF0000"/>
               </a:solidFill>
@@ -25405,7 +27684,7 @@
               <a:buAutoNum type="arabicPeriod"/>
             </a:pPr>
             <a:r>
-              <a:rPr lang="en-US" sz="2600" dirty="0">
+              <a:rPr lang="en-US" sz="2400" dirty="0">
                 <a:solidFill>
                   <a:schemeClr val="tx1">
                     <a:lumMod val="85000"/>
@@ -25418,7 +27697,7 @@
               <a:t>Calculating </a:t>
             </a:r>
             <a:r>
-              <a:rPr lang="en-US" sz="2600" dirty="0" smtClean="0">
+              <a:rPr lang="en-US" sz="2400" dirty="0" smtClean="0">
                 <a:solidFill>
                   <a:schemeClr val="tx1">
                     <a:lumMod val="85000"/>
@@ -25431,7 +27710,7 @@
               <a:t>new </a:t>
             </a:r>
             <a:r>
-              <a:rPr lang="en-US" sz="2600" dirty="0">
+              <a:rPr lang="en-US" sz="2400" dirty="0">
                 <a:solidFill>
                   <a:schemeClr val="tx1">
                     <a:lumMod val="85000"/>
@@ -25444,7 +27723,7 @@
               <a:t>c</a:t>
             </a:r>
             <a:r>
-              <a:rPr lang="en-US" sz="2600" dirty="0" smtClean="0">
+              <a:rPr lang="en-US" sz="2400" dirty="0" smtClean="0">
                 <a:solidFill>
                   <a:schemeClr val="tx1">
                     <a:lumMod val="85000"/>
@@ -25457,7 +27736,7 @@
               <a:t>entroids </a:t>
             </a:r>
             <a:r>
-              <a:rPr lang="en-US" sz="2600" dirty="0">
+              <a:rPr lang="en-US" sz="2400" dirty="0">
                 <a:solidFill>
                   <a:schemeClr val="tx1">
                     <a:lumMod val="85000"/>
@@ -25470,7 +27749,7 @@
               <a:t>s</a:t>
             </a:r>
             <a:r>
-              <a:rPr lang="en-US" sz="2600" dirty="0" smtClean="0">
+              <a:rPr lang="en-US" sz="2400" dirty="0" smtClean="0">
                 <a:solidFill>
                   <a:schemeClr val="tx1">
                     <a:lumMod val="85000"/>
@@ -25482,7 +27761,7 @@
               </a:rPr>
               <a:t>tep</a:t>
             </a:r>
-            <a:endParaRPr lang="en-US" sz="2600" dirty="0">
+            <a:endParaRPr lang="en-US" sz="2400" dirty="0">
               <a:solidFill>
                 <a:schemeClr val="tx1">
                   <a:lumMod val="85000"/>
@@ -25502,7 +27781,7 @@
               <a:buAutoNum type="arabicPeriod"/>
             </a:pPr>
             <a:r>
-              <a:rPr lang="en-US" sz="2600" dirty="0">
+              <a:rPr lang="en-US" sz="2400" dirty="0">
                 <a:solidFill>
                   <a:schemeClr val="tx1">
                     <a:lumMod val="85000"/>
@@ -25515,7 +27794,7 @@
               <a:t>Checking </a:t>
             </a:r>
             <a:r>
-              <a:rPr lang="en-US" sz="2600" dirty="0" smtClean="0">
+              <a:rPr lang="en-US" sz="2400" dirty="0" smtClean="0">
                 <a:solidFill>
                   <a:schemeClr val="tx1">
                     <a:lumMod val="85000"/>
@@ -25527,7 +27806,7 @@
               </a:rPr>
               <a:t>convergence step</a:t>
             </a:r>
-            <a:endParaRPr lang="en-US" sz="2600" dirty="0">
+            <a:endParaRPr lang="en-US" sz="2400" dirty="0">
               <a:solidFill>
                 <a:schemeClr val="tx1">
                   <a:lumMod val="85000"/>
@@ -25547,7 +27826,7 @@
               <a:buAutoNum type="arabicPeriod"/>
             </a:pPr>
             <a:r>
-              <a:rPr lang="en-US" sz="2600" dirty="0">
+              <a:rPr lang="en-US" sz="2400" dirty="0">
                 <a:solidFill>
                   <a:schemeClr val="tx1">
                     <a:lumMod val="85000"/>
@@ -25560,7 +27839,7 @@
               <a:t>Experimental </a:t>
             </a:r>
             <a:r>
-              <a:rPr lang="en-US" sz="2600" dirty="0" smtClean="0">
+              <a:rPr lang="en-US" sz="2400" dirty="0" smtClean="0">
                 <a:solidFill>
                   <a:schemeClr val="tx1">
                     <a:lumMod val="85000"/>
@@ -25572,7 +27851,51 @@
               </a:rPr>
               <a:t>results</a:t>
             </a:r>
-            <a:endParaRPr lang="en-US" sz="2600" dirty="0">
+          </a:p>
+          <a:p>
+            <a:pPr marL="514350" indent="-514350">
+              <a:lnSpc>
+                <a:spcPct val="125000"/>
+              </a:lnSpc>
+              <a:buFont typeface="+mj-lt"/>
+              <a:buAutoNum type="arabicPeriod"/>
+            </a:pPr>
+            <a:r>
+              <a:rPr lang="en-US" sz="2400" dirty="0" smtClean="0">
+                <a:solidFill>
+                  <a:schemeClr val="tx1">
+                    <a:lumMod val="85000"/>
+                    <a:lumOff val="15000"/>
+                  </a:schemeClr>
+                </a:solidFill>
+                <a:latin typeface="Arial" panose="020B0604020202020204" pitchFamily="34" charset="0"/>
+                <a:cs typeface="Arial" panose="020B0604020202020204" pitchFamily="34" charset="0"/>
+              </a:rPr>
+              <a:t>Conclusion </a:t>
+            </a:r>
+            <a:r>
+              <a:rPr lang="en-US" sz="2400" dirty="0">
+                <a:solidFill>
+                  <a:schemeClr val="tx1">
+                    <a:lumMod val="85000"/>
+                    <a:lumOff val="15000"/>
+                  </a:schemeClr>
+                </a:solidFill>
+                <a:latin typeface="Arial" panose="020B0604020202020204" pitchFamily="34" charset="0"/>
+                <a:cs typeface="Arial" panose="020B0604020202020204" pitchFamily="34" charset="0"/>
+              </a:rPr>
+              <a:t>and Future work</a:t>
+            </a:r>
+          </a:p>
+          <a:p>
+            <a:pPr marL="514350" indent="-514350">
+              <a:lnSpc>
+                <a:spcPct val="125000"/>
+              </a:lnSpc>
+              <a:buFont typeface="+mj-lt"/>
+              <a:buAutoNum type="arabicPeriod"/>
+            </a:pPr>
+            <a:endParaRPr lang="en-US" sz="2400" dirty="0">
               <a:solidFill>
                 <a:schemeClr val="tx1">
                   <a:lumMod val="85000"/>
@@ -25585,10 +27908,39 @@
           </a:p>
         </p:txBody>
       </p:sp>
+      <p:sp>
+        <p:nvSpPr>
+          <p:cNvPr id="4" name="Slide Number Placeholder 3"/>
+          <p:cNvSpPr>
+            <a:spLocks noGrp="1"/>
+          </p:cNvSpPr>
+          <p:nvPr>
+            <p:ph type="sldNum" sz="quarter" idx="12"/>
+          </p:nvPr>
+        </p:nvSpPr>
+        <p:spPr/>
+        <p:txBody>
+          <a:bodyPr/>
+          <a:lstStyle/>
+          <a:p>
+            <a:fld id="{8EACBB75-E6F3-4170-A8E4-CB655E34A25B}" type="slidenum">
+              <a:rPr lang="en-GB" smtClean="0">
+                <a:latin typeface="Arial" panose="020B0604020202020204" pitchFamily="34" charset="0"/>
+                <a:cs typeface="Arial" panose="020B0604020202020204" pitchFamily="34" charset="0"/>
+              </a:rPr>
+              <a:t>6</a:t>
+            </a:fld>
+            <a:endParaRPr lang="en-GB">
+              <a:latin typeface="Arial" panose="020B0604020202020204" pitchFamily="34" charset="0"/>
+              <a:cs typeface="Arial" panose="020B0604020202020204" pitchFamily="34" charset="0"/>
+            </a:endParaRPr>
+          </a:p>
+        </p:txBody>
+      </p:sp>
     </p:spTree>
     <p:extLst>
       <p:ext uri="{BB962C8B-B14F-4D97-AF65-F5344CB8AC3E}">
-        <p14:creationId xmlns:p14="http://schemas.microsoft.com/office/powerpoint/2010/main" val="3673080010"/>
+        <p14:creationId xmlns:p14="http://schemas.microsoft.com/office/powerpoint/2010/main" val="4175109403"/>
       </p:ext>
     </p:extLst>
   </p:cSld>
@@ -26397,6 +28749,35 @@
           </a:fontRef>
         </p:style>
       </p:cxnSp>
+      <p:sp>
+        <p:nvSpPr>
+          <p:cNvPr id="3" name="Slide Number Placeholder 2"/>
+          <p:cNvSpPr>
+            <a:spLocks noGrp="1"/>
+          </p:cNvSpPr>
+          <p:nvPr>
+            <p:ph type="sldNum" sz="quarter" idx="12"/>
+          </p:nvPr>
+        </p:nvSpPr>
+        <p:spPr/>
+        <p:txBody>
+          <a:bodyPr/>
+          <a:lstStyle/>
+          <a:p>
+            <a:fld id="{8EACBB75-E6F3-4170-A8E4-CB655E34A25B}" type="slidenum">
+              <a:rPr lang="en-GB" smtClean="0">
+                <a:latin typeface="Arial" panose="020B0604020202020204" pitchFamily="34" charset="0"/>
+                <a:cs typeface="Arial" panose="020B0604020202020204" pitchFamily="34" charset="0"/>
+              </a:rPr>
+              <a:t>7</a:t>
+            </a:fld>
+            <a:endParaRPr lang="en-GB" dirty="0">
+              <a:latin typeface="Arial" panose="020B0604020202020204" pitchFamily="34" charset="0"/>
+              <a:cs typeface="Arial" panose="020B0604020202020204" pitchFamily="34" charset="0"/>
+            </a:endParaRPr>
+          </a:p>
+        </p:txBody>
+      </p:sp>
     </p:spTree>
     <p:extLst>
       <p:ext uri="{BB962C8B-B14F-4D97-AF65-F5344CB8AC3E}">
@@ -26446,8 +28827,8 @@
         </p:nvSpPr>
         <p:spPr>
           <a:xfrm>
-            <a:off x="1684337" y="1782762"/>
-            <a:ext cx="9469437" cy="4105749"/>
+            <a:off x="1904717" y="1755601"/>
+            <a:ext cx="8262325" cy="4105749"/>
           </a:xfrm>
         </p:spPr>
         <p:txBody>
@@ -26570,10 +28951,6 @@
               </a:rPr>
               <a:t>,</a:t>
             </a:r>
-            <a:endParaRPr lang="en-US" sz="2400" dirty="0" smtClean="0">
-              <a:latin typeface="Arial" panose="020B0604020202020204" pitchFamily="34" charset="0"/>
-              <a:cs typeface="Arial" panose="020B0604020202020204" pitchFamily="34" charset="0"/>
-            </a:endParaRPr>
           </a:p>
           <a:p>
             <a:pPr algn="just">
@@ -26592,7 +28969,7 @@
                 <a:latin typeface="Arial" panose="020B0604020202020204" pitchFamily="34" charset="0"/>
                 <a:cs typeface="Arial" panose="020B0604020202020204" pitchFamily="34" charset="0"/>
               </a:rPr>
-              <a:t>Each thread loads </a:t>
+              <a:t>Each </a:t>
             </a:r>
             <a:r>
               <a:rPr lang="en-US" sz="2400" dirty="0" smtClean="0">
@@ -26605,182 +28982,91 @@
                 <a:latin typeface="Arial" panose="020B0604020202020204" pitchFamily="34" charset="0"/>
                 <a:cs typeface="Arial" panose="020B0604020202020204" pitchFamily="34" charset="0"/>
               </a:rPr>
-              <a:t>a </a:t>
-            </a:r>
-            <a:r>
-              <a:rPr lang="en-US" sz="2400" dirty="0" smtClean="0">
-                <a:solidFill>
-                  <a:srgbClr val="00B050"/>
-                </a:solidFill>
-                <a:latin typeface="Arial" panose="020B0604020202020204" pitchFamily="34" charset="0"/>
-                <a:cs typeface="Arial" panose="020B0604020202020204" pitchFamily="34" charset="0"/>
-              </a:rPr>
-              <a:t>data </a:t>
-            </a:r>
-            <a:r>
-              <a:rPr lang="en-US" sz="2400" dirty="0" smtClean="0">
-                <a:solidFill>
-                  <a:srgbClr val="00B050"/>
-                </a:solidFill>
-                <a:latin typeface="Arial" panose="020B0604020202020204" pitchFamily="34" charset="0"/>
-                <a:cs typeface="Arial" panose="020B0604020202020204" pitchFamily="34" charset="0"/>
-              </a:rPr>
-              <a:t>point </a:t>
-            </a:r>
-            <a:r>
-              <a:rPr lang="en-US" sz="2400" b="1" dirty="0" smtClean="0">
-                <a:latin typeface="Arial" panose="020B0604020202020204" pitchFamily="34" charset="0"/>
-                <a:cs typeface="Arial" panose="020B0604020202020204" pitchFamily="34" charset="0"/>
-              </a:rPr>
-              <a:t>→</a:t>
-            </a:r>
-            <a:r>
-              <a:rPr lang="en-US" sz="2400" dirty="0" smtClean="0">
-                <a:latin typeface="Arial" panose="020B0604020202020204" pitchFamily="34" charset="0"/>
-                <a:cs typeface="Arial" panose="020B0604020202020204" pitchFamily="34" charset="0"/>
-              </a:rPr>
-              <a:t> </a:t>
-            </a:r>
-            <a:r>
-              <a:rPr lang="en-US" sz="2400" dirty="0" smtClean="0">
-                <a:solidFill>
-                  <a:srgbClr val="00B050"/>
-                </a:solidFill>
-                <a:latin typeface="Arial" panose="020B0604020202020204" pitchFamily="34" charset="0"/>
-                <a:cs typeface="Arial" panose="020B0604020202020204" pitchFamily="34" charset="0"/>
-              </a:rPr>
-              <a:t>on-chip </a:t>
-            </a:r>
-            <a:r>
-              <a:rPr lang="en-US" sz="2400" dirty="0" smtClean="0">
-                <a:solidFill>
-                  <a:srgbClr val="00B050"/>
-                </a:solidFill>
-                <a:latin typeface="Arial" panose="020B0604020202020204" pitchFamily="34" charset="0"/>
-                <a:cs typeface="Arial" panose="020B0604020202020204" pitchFamily="34" charset="0"/>
-              </a:rPr>
-              <a:t>registers</a:t>
-            </a:r>
-            <a:r>
-              <a:rPr lang="en-US" sz="2400" dirty="0" smtClean="0">
-                <a:latin typeface="Arial" panose="020B0604020202020204" pitchFamily="34" charset="0"/>
-                <a:cs typeface="Arial" panose="020B0604020202020204" pitchFamily="34" charset="0"/>
-              </a:rPr>
-              <a:t>,</a:t>
-            </a:r>
-          </a:p>
-          <a:p>
-            <a:pPr algn="just">
+              <a:t>thread : </a:t>
+            </a:r>
+          </a:p>
+          <a:p>
+            <a:pPr marL="796925" lvl="1" indent="-339725" algn="just">
               <a:lnSpc>
                 <a:spcPct val="135000"/>
               </a:lnSpc>
             </a:pPr>
             <a:r>
-              <a:rPr lang="en-US" sz="2400" dirty="0">
-                <a:solidFill>
-                  <a:schemeClr val="tx1">
-                    <a:lumMod val="85000"/>
-                    <a:lumOff val="15000"/>
-                  </a:schemeClr>
-                </a:solidFill>
-                <a:latin typeface="Arial" panose="020B0604020202020204" pitchFamily="34" charset="0"/>
-                <a:cs typeface="Arial" panose="020B0604020202020204" pitchFamily="34" charset="0"/>
-              </a:rPr>
-              <a:t>Each thread </a:t>
-            </a:r>
-            <a:r>
-              <a:rPr lang="en-US" sz="2400" dirty="0" smtClean="0">
+              <a:rPr lang="en-US" sz="2200" dirty="0" smtClean="0">
+                <a:solidFill>
+                  <a:schemeClr val="tx1">
+                    <a:lumMod val="85000"/>
+                    <a:lumOff val="15000"/>
+                  </a:schemeClr>
+                </a:solidFill>
+                <a:latin typeface="Arial" panose="020B0604020202020204" pitchFamily="34" charset="0"/>
+                <a:cs typeface="Arial" panose="020B0604020202020204" pitchFamily="34" charset="0"/>
+              </a:rPr>
+              <a:t>loads </a:t>
+            </a:r>
+            <a:r>
+              <a:rPr lang="en-US" sz="2200" dirty="0" smtClean="0">
+                <a:solidFill>
+                  <a:schemeClr val="tx1">
+                    <a:lumMod val="85000"/>
+                    <a:lumOff val="15000"/>
+                  </a:schemeClr>
+                </a:solidFill>
+                <a:latin typeface="Arial" panose="020B0604020202020204" pitchFamily="34" charset="0"/>
+                <a:cs typeface="Arial" panose="020B0604020202020204" pitchFamily="34" charset="0"/>
+              </a:rPr>
+              <a:t>a </a:t>
+            </a:r>
+            <a:r>
+              <a:rPr lang="en-US" sz="2200" dirty="0" smtClean="0">
                 <a:solidFill>
                   <a:srgbClr val="00B050"/>
                 </a:solidFill>
                 <a:latin typeface="Arial" panose="020B0604020202020204" pitchFamily="34" charset="0"/>
                 <a:cs typeface="Arial" panose="020B0604020202020204" pitchFamily="34" charset="0"/>
               </a:rPr>
-              <a:t>writes &lt; 5 values </a:t>
-            </a:r>
-            <a:r>
-              <a:rPr lang="en-US" sz="2400" b="1" dirty="0">
+              <a:t>data point </a:t>
+            </a:r>
+            <a:r>
+              <a:rPr lang="en-US" sz="2200" b="1" dirty="0" smtClean="0">
+                <a:latin typeface="Arial" panose="020B0604020202020204" pitchFamily="34" charset="0"/>
+                <a:cs typeface="Arial" panose="020B0604020202020204" pitchFamily="34" charset="0"/>
+              </a:rPr>
+              <a:t>→</a:t>
+            </a:r>
+            <a:r>
+              <a:rPr lang="en-US" sz="2200" dirty="0" smtClean="0">
+                <a:latin typeface="Arial" panose="020B0604020202020204" pitchFamily="34" charset="0"/>
+                <a:cs typeface="Arial" panose="020B0604020202020204" pitchFamily="34" charset="0"/>
+              </a:rPr>
+              <a:t> </a:t>
+            </a:r>
+            <a:r>
+              <a:rPr lang="en-US" sz="2200" dirty="0" smtClean="0">
                 <a:solidFill>
                   <a:srgbClr val="00B050"/>
                 </a:solidFill>
                 <a:latin typeface="Arial" panose="020B0604020202020204" pitchFamily="34" charset="0"/>
                 <a:cs typeface="Arial" panose="020B0604020202020204" pitchFamily="34" charset="0"/>
               </a:rPr>
-              <a:t>→</a:t>
-            </a:r>
-            <a:r>
-              <a:rPr lang="en-US" sz="2400" dirty="0" smtClean="0">
-                <a:solidFill>
-                  <a:srgbClr val="00B050"/>
-                </a:solidFill>
-                <a:latin typeface="Arial" panose="020B0604020202020204" pitchFamily="34" charset="0"/>
-                <a:cs typeface="Arial" panose="020B0604020202020204" pitchFamily="34" charset="0"/>
-              </a:rPr>
-              <a:t> shared </a:t>
-            </a:r>
-            <a:r>
-              <a:rPr lang="en-US" sz="2400" dirty="0">
-                <a:solidFill>
-                  <a:srgbClr val="00B050"/>
-                </a:solidFill>
-                <a:latin typeface="Arial" panose="020B0604020202020204" pitchFamily="34" charset="0"/>
-                <a:cs typeface="Arial" panose="020B0604020202020204" pitchFamily="34" charset="0"/>
-              </a:rPr>
-              <a:t>memory </a:t>
-            </a:r>
-            <a:r>
-              <a:rPr lang="en-US" sz="2400" dirty="0">
-                <a:latin typeface="Arial" panose="020B0604020202020204" pitchFamily="34" charset="0"/>
-                <a:cs typeface="Arial" panose="020B0604020202020204" pitchFamily="34" charset="0"/>
-              </a:rPr>
-              <a:t>(</a:t>
-            </a:r>
-            <a:r>
-              <a:rPr lang="en-US" sz="2400" dirty="0">
-                <a:solidFill>
-                  <a:srgbClr val="00B0F0"/>
-                </a:solidFill>
-                <a:latin typeface="Arial" panose="020B0604020202020204" pitchFamily="34" charset="0"/>
-                <a:cs typeface="Arial" panose="020B0604020202020204" pitchFamily="34" charset="0"/>
-              </a:rPr>
-              <a:t>SM</a:t>
-            </a:r>
-            <a:r>
-              <a:rPr lang="en-US" sz="2400" dirty="0" smtClean="0">
-                <a:latin typeface="Arial" panose="020B0604020202020204" pitchFamily="34" charset="0"/>
-                <a:cs typeface="Arial" panose="020B0604020202020204" pitchFamily="34" charset="0"/>
-              </a:rPr>
-              <a:t>),</a:t>
-            </a:r>
-            <a:endParaRPr lang="en-US" sz="2400" dirty="0" smtClean="0">
-              <a:solidFill>
-                <a:srgbClr val="00B050"/>
-              </a:solidFill>
-              <a:latin typeface="Arial" panose="020B0604020202020204" pitchFamily="34" charset="0"/>
-              <a:cs typeface="Arial" panose="020B0604020202020204" pitchFamily="34" charset="0"/>
-            </a:endParaRPr>
-          </a:p>
-          <a:p>
-            <a:pPr algn="just">
+              <a:t>on-chip registers</a:t>
+            </a:r>
+            <a:r>
+              <a:rPr lang="en-US" sz="2200" dirty="0" smtClean="0">
+                <a:latin typeface="Arial" panose="020B0604020202020204" pitchFamily="34" charset="0"/>
+                <a:cs typeface="Arial" panose="020B0604020202020204" pitchFamily="34" charset="0"/>
+              </a:rPr>
+              <a:t>,</a:t>
+            </a:r>
+          </a:p>
+          <a:p>
+            <a:pPr marL="796925" lvl="1" indent="-339725" algn="just">
               <a:lnSpc>
                 <a:spcPct val="135000"/>
               </a:lnSpc>
             </a:pPr>
             <a:r>
-              <a:rPr lang="en-US" sz="2400" dirty="0">
-                <a:solidFill>
-                  <a:schemeClr val="tx1">
-                    <a:lumMod val="85000"/>
-                    <a:lumOff val="15000"/>
-                  </a:schemeClr>
-                </a:solidFill>
-                <a:latin typeface="Arial" panose="020B0604020202020204" pitchFamily="34" charset="0"/>
-                <a:cs typeface="Arial" panose="020B0604020202020204" pitchFamily="34" charset="0"/>
-              </a:rPr>
-              <a:t>Each thread </a:t>
-            </a:r>
-            <a:r>
-              <a:rPr lang="en-US" sz="2400" dirty="0">
+              <a:rPr lang="en-US" sz="2200" dirty="0" smtClean="0">
                 <a:solidFill>
                   <a:srgbClr val="00B050"/>
                 </a:solidFill>
@@ -26790,7 +29076,7 @@
               <a:t>reads </a:t>
             </a:r>
             <a:r>
-              <a:rPr lang="en-US" sz="2400" dirty="0" smtClean="0">
+              <a:rPr lang="en-US" sz="2200" dirty="0" smtClean="0">
                 <a:solidFill>
                   <a:srgbClr val="00B050"/>
                 </a:solidFill>
@@ -26800,7 +29086,7 @@
               <a:t>same </a:t>
             </a:r>
             <a:r>
-              <a:rPr lang="en-US" sz="2400" dirty="0">
+              <a:rPr lang="en-US" sz="2200" dirty="0">
                 <a:solidFill>
                   <a:srgbClr val="00B050"/>
                 </a:solidFill>
@@ -26810,14 +29096,14 @@
               <a:t>centroids</a:t>
             </a:r>
             <a:r>
-              <a:rPr lang="en-US" sz="2400" dirty="0">
+              <a:rPr lang="en-US" sz="2200" dirty="0">
                 <a:latin typeface="Arial" panose="020B0604020202020204" pitchFamily="34" charset="0"/>
                 <a:cs typeface="Arial" panose="020B0604020202020204" pitchFamily="34" charset="0"/>
               </a:rPr>
               <a:t> </a:t>
             </a:r>
             <a:r>
-              <a:rPr lang="en-US" sz="2400" dirty="0">
+              <a:rPr lang="en-US" sz="2200" dirty="0">
                 <a:solidFill>
                   <a:schemeClr val="tx1">
                     <a:lumMod val="85000"/>
@@ -26830,71 +29116,189 @@
               <a:t>in</a:t>
             </a:r>
             <a:r>
-              <a:rPr lang="en-US" sz="2400" dirty="0">
+              <a:rPr lang="en-US" sz="2200" dirty="0">
                 <a:latin typeface="Arial" panose="020B0604020202020204" pitchFamily="34" charset="0"/>
                 <a:cs typeface="Arial" panose="020B0604020202020204" pitchFamily="34" charset="0"/>
               </a:rPr>
               <a:t> </a:t>
             </a:r>
             <a:r>
-              <a:rPr lang="en-US" sz="2400" dirty="0" smtClean="0">
+              <a:rPr lang="en-US" sz="2200" dirty="0" smtClean="0">
                 <a:solidFill>
                   <a:srgbClr val="00B050"/>
                 </a:solidFill>
                 <a:latin typeface="Arial" panose="020B0604020202020204" pitchFamily="34" charset="0"/>
                 <a:cs typeface="Arial" panose="020B0604020202020204" pitchFamily="34" charset="0"/>
               </a:rPr>
-              <a:t>shared memory</a:t>
-            </a:r>
-            <a:r>
-              <a:rPr lang="en-US" sz="2400" dirty="0" smtClean="0">
+              <a:t>shared </a:t>
+            </a:r>
+            <a:r>
+              <a:rPr lang="en-US" sz="2200" dirty="0" smtClean="0">
+                <a:solidFill>
+                  <a:srgbClr val="00B050"/>
+                </a:solidFill>
+                <a:latin typeface="Arial" panose="020B0604020202020204" pitchFamily="34" charset="0"/>
+                <a:cs typeface="Arial" panose="020B0604020202020204" pitchFamily="34" charset="0"/>
+              </a:rPr>
+              <a:t>memory </a:t>
+            </a:r>
+            <a:r>
+              <a:rPr lang="en-US" sz="2200" dirty="0">
+                <a:latin typeface="Arial" panose="020B0604020202020204" pitchFamily="34" charset="0"/>
+                <a:cs typeface="Arial" panose="020B0604020202020204" pitchFamily="34" charset="0"/>
+              </a:rPr>
+              <a:t>(</a:t>
+            </a:r>
+            <a:r>
+              <a:rPr lang="en-US" sz="2200" dirty="0">
+                <a:solidFill>
+                  <a:srgbClr val="00B0F0"/>
+                </a:solidFill>
+                <a:latin typeface="Arial" panose="020B0604020202020204" pitchFamily="34" charset="0"/>
+                <a:cs typeface="Arial" panose="020B0604020202020204" pitchFamily="34" charset="0"/>
+              </a:rPr>
+              <a:t>SM</a:t>
+            </a:r>
+            <a:r>
+              <a:rPr lang="en-US" sz="2200" dirty="0">
+                <a:latin typeface="Arial" panose="020B0604020202020204" pitchFamily="34" charset="0"/>
+                <a:cs typeface="Arial" panose="020B0604020202020204" pitchFamily="34" charset="0"/>
+              </a:rPr>
+              <a:t>)</a:t>
+            </a:r>
+            <a:r>
+              <a:rPr lang="en-US" sz="2200" dirty="0" smtClean="0">
+                <a:solidFill>
+                  <a:srgbClr val="00B050"/>
+                </a:solidFill>
+                <a:latin typeface="Arial" panose="020B0604020202020204" pitchFamily="34" charset="0"/>
+                <a:cs typeface="Arial" panose="020B0604020202020204" pitchFamily="34" charset="0"/>
+              </a:rPr>
+              <a:t> </a:t>
+            </a:r>
+            <a:r>
+              <a:rPr lang="en-US" sz="2200" dirty="0" smtClean="0">
+                <a:solidFill>
+                  <a:schemeClr val="tx1">
+                    <a:lumMod val="85000"/>
+                    <a:lumOff val="15000"/>
+                  </a:schemeClr>
+                </a:solidFill>
+                <a:latin typeface="Arial" panose="020B0604020202020204" pitchFamily="34" charset="0"/>
+                <a:cs typeface="Arial" panose="020B0604020202020204" pitchFamily="34" charset="0"/>
+              </a:rPr>
+              <a:t>:</a:t>
+            </a:r>
+            <a:r>
+              <a:rPr lang="en-US" sz="2200" dirty="0" smtClean="0">
+                <a:solidFill>
+                  <a:srgbClr val="00B050"/>
+                </a:solidFill>
+                <a:latin typeface="Arial" panose="020B0604020202020204" pitchFamily="34" charset="0"/>
+                <a:cs typeface="Arial" panose="020B0604020202020204" pitchFamily="34" charset="0"/>
+              </a:rPr>
+              <a:t> </a:t>
+            </a:r>
+            <a:r>
+              <a:rPr lang="en-US" sz="2200" dirty="0" smtClean="0">
+                <a:solidFill>
+                  <a:srgbClr val="FF0000"/>
+                </a:solidFill>
+                <a:latin typeface="Arial" panose="020B0604020202020204" pitchFamily="34" charset="0"/>
+                <a:cs typeface="Arial" panose="020B0604020202020204" pitchFamily="34" charset="0"/>
+              </a:rPr>
+              <a:t>writes </a:t>
+            </a:r>
+            <a:r>
+              <a:rPr lang="en-US" sz="2200" dirty="0">
+                <a:solidFill>
+                  <a:srgbClr val="FF0000"/>
+                </a:solidFill>
+                <a:latin typeface="Arial" panose="020B0604020202020204" pitchFamily="34" charset="0"/>
+                <a:cs typeface="Arial" panose="020B0604020202020204" pitchFamily="34" charset="0"/>
+              </a:rPr>
+              <a:t>&lt; 5 values </a:t>
+            </a:r>
+            <a:r>
+              <a:rPr lang="en-US" sz="2200" b="1" dirty="0">
+                <a:solidFill>
+                  <a:srgbClr val="FF0000"/>
+                </a:solidFill>
+                <a:latin typeface="Arial" panose="020B0604020202020204" pitchFamily="34" charset="0"/>
+                <a:cs typeface="Arial" panose="020B0604020202020204" pitchFamily="34" charset="0"/>
+              </a:rPr>
+              <a:t>→</a:t>
+            </a:r>
+            <a:r>
+              <a:rPr lang="en-US" sz="2200" dirty="0">
+                <a:solidFill>
+                  <a:srgbClr val="FF0000"/>
+                </a:solidFill>
+                <a:latin typeface="Arial" panose="020B0604020202020204" pitchFamily="34" charset="0"/>
+                <a:cs typeface="Arial" panose="020B0604020202020204" pitchFamily="34" charset="0"/>
+              </a:rPr>
+              <a:t> shared </a:t>
+            </a:r>
+            <a:r>
+              <a:rPr lang="en-US" sz="2200" dirty="0" smtClean="0">
+                <a:solidFill>
+                  <a:srgbClr val="FF0000"/>
+                </a:solidFill>
+                <a:latin typeface="Arial" panose="020B0604020202020204" pitchFamily="34" charset="0"/>
+                <a:cs typeface="Arial" panose="020B0604020202020204" pitchFamily="34" charset="0"/>
+              </a:rPr>
+              <a:t>memory</a:t>
+            </a:r>
+            <a:r>
+              <a:rPr lang="en-US" sz="2200" dirty="0" smtClean="0">
                 <a:latin typeface="Arial" panose="020B0604020202020204" pitchFamily="34" charset="0"/>
                 <a:cs typeface="Arial" panose="020B0604020202020204" pitchFamily="34" charset="0"/>
               </a:rPr>
               <a:t>,</a:t>
             </a:r>
-          </a:p>
-          <a:p>
-            <a:pPr algn="just">
+            <a:endParaRPr lang="en-US" sz="2200" dirty="0" smtClean="0">
+              <a:latin typeface="Arial" panose="020B0604020202020204" pitchFamily="34" charset="0"/>
+              <a:cs typeface="Arial" panose="020B0604020202020204" pitchFamily="34" charset="0"/>
+            </a:endParaRPr>
+          </a:p>
+          <a:p>
+            <a:pPr marL="796925" lvl="1" indent="-339725" algn="just">
               <a:lnSpc>
                 <a:spcPct val="135000"/>
               </a:lnSpc>
             </a:pPr>
             <a:r>
-              <a:rPr lang="en-US" sz="2400" dirty="0" smtClean="0">
-                <a:solidFill>
-                  <a:schemeClr val="tx1">
-                    <a:lumMod val="85000"/>
-                    <a:lumOff val="15000"/>
-                  </a:schemeClr>
-                </a:solidFill>
-                <a:latin typeface="Arial" panose="020B0604020202020204" pitchFamily="34" charset="0"/>
-                <a:cs typeface="Arial" panose="020B0604020202020204" pitchFamily="34" charset="0"/>
-              </a:rPr>
-              <a:t>Each thread </a:t>
-            </a:r>
-            <a:r>
-              <a:rPr lang="en-US" sz="2400" dirty="0" smtClean="0">
+              <a:rPr lang="en-US" sz="2200" dirty="0" smtClean="0">
                 <a:solidFill>
                   <a:srgbClr val="00B050"/>
                 </a:solidFill>
                 <a:latin typeface="Arial" panose="020B0604020202020204" pitchFamily="34" charset="0"/>
                 <a:cs typeface="Arial" panose="020B0604020202020204" pitchFamily="34" charset="0"/>
               </a:rPr>
-              <a:t>reads same </a:t>
-            </a:r>
-            <a:r>
-              <a:rPr lang="en-US" sz="2400" dirty="0">
+              <a:t>reads </a:t>
+            </a:r>
+            <a:r>
+              <a:rPr lang="en-US" sz="2200" dirty="0" smtClean="0">
                 <a:solidFill>
                   <a:srgbClr val="00B050"/>
                 </a:solidFill>
                 <a:latin typeface="Arial" panose="020B0604020202020204" pitchFamily="34" charset="0"/>
                 <a:cs typeface="Arial" panose="020B0604020202020204" pitchFamily="34" charset="0"/>
               </a:rPr>
+              <a:t>same </a:t>
+            </a:r>
+            <a:r>
+              <a:rPr lang="en-US" sz="2200" dirty="0">
+                <a:solidFill>
+                  <a:srgbClr val="00B050"/>
+                </a:solidFill>
+                <a:latin typeface="Arial" panose="020B0604020202020204" pitchFamily="34" charset="0"/>
+                <a:cs typeface="Arial" panose="020B0604020202020204" pitchFamily="34" charset="0"/>
+              </a:rPr>
               <a:t>centroids </a:t>
             </a:r>
             <a:r>
-              <a:rPr lang="en-US" sz="2400" dirty="0">
+              <a:rPr lang="en-US" sz="2200" dirty="0">
                 <a:solidFill>
                   <a:schemeClr val="tx1">
                     <a:lumMod val="85000"/>
@@ -26907,14 +29311,14 @@
               <a:t>in</a:t>
             </a:r>
             <a:r>
-              <a:rPr lang="en-US" sz="2400" dirty="0">
+              <a:rPr lang="en-US" sz="2200" dirty="0">
                 <a:latin typeface="Arial" panose="020B0604020202020204" pitchFamily="34" charset="0"/>
                 <a:cs typeface="Arial" panose="020B0604020202020204" pitchFamily="34" charset="0"/>
               </a:rPr>
               <a:t> </a:t>
             </a:r>
             <a:r>
-              <a:rPr lang="en-US" sz="2400" dirty="0">
+              <a:rPr lang="en-US" sz="2200" dirty="0">
                 <a:solidFill>
                   <a:srgbClr val="00B050"/>
                 </a:solidFill>
@@ -26924,7 +29328,7 @@
               <a:t>global </a:t>
             </a:r>
             <a:r>
-              <a:rPr lang="en-US" sz="2400" dirty="0" smtClean="0">
+              <a:rPr lang="en-US" sz="2200" dirty="0" smtClean="0">
                 <a:solidFill>
                   <a:srgbClr val="00B050"/>
                 </a:solidFill>
@@ -26934,14 +29338,14 @@
               <a:t>memory </a:t>
             </a:r>
             <a:r>
-              <a:rPr lang="en-US" sz="2400" dirty="0" smtClean="0">
+              <a:rPr lang="en-US" sz="2200" dirty="0" smtClean="0">
                 <a:latin typeface="Arial" panose="020B0604020202020204" pitchFamily="34" charset="0"/>
                 <a:cs typeface="Arial" panose="020B0604020202020204" pitchFamily="34" charset="0"/>
               </a:rPr>
               <a:t>(</a:t>
             </a:r>
             <a:r>
-              <a:rPr lang="en-US" sz="2400" dirty="0" smtClean="0">
+              <a:rPr lang="en-US" sz="2200" dirty="0" smtClean="0">
                 <a:solidFill>
                   <a:srgbClr val="00B0F0"/>
                 </a:solidFill>
@@ -26951,13 +29355,13 @@
               <a:t>GM</a:t>
             </a:r>
             <a:r>
-              <a:rPr lang="en-US" sz="2400" dirty="0" smtClean="0">
+              <a:rPr lang="en-US" sz="2200" dirty="0" smtClean="0">
                 <a:latin typeface="Arial" panose="020B0604020202020204" pitchFamily="34" charset="0"/>
                 <a:cs typeface="Arial" panose="020B0604020202020204" pitchFamily="34" charset="0"/>
               </a:rPr>
               <a:t>).</a:t>
             </a:r>
-            <a:endParaRPr lang="en-US" sz="2400" dirty="0">
+            <a:endParaRPr lang="en-US" sz="2200" dirty="0">
               <a:latin typeface="Arial" panose="020B0604020202020204" pitchFamily="34" charset="0"/>
               <a:cs typeface="Arial" panose="020B0604020202020204" pitchFamily="34" charset="0"/>
             </a:endParaRPr>
@@ -26995,6 +29399,35 @@
               <a:t>Updating membership on GPU</a:t>
             </a:r>
             <a:endParaRPr lang="en-US" sz="3000" b="1" dirty="0">
+              <a:latin typeface="Arial" panose="020B0604020202020204" pitchFamily="34" charset="0"/>
+              <a:cs typeface="Arial" panose="020B0604020202020204" pitchFamily="34" charset="0"/>
+            </a:endParaRPr>
+          </a:p>
+        </p:txBody>
+      </p:sp>
+      <p:sp>
+        <p:nvSpPr>
+          <p:cNvPr id="2" name="Slide Number Placeholder 1"/>
+          <p:cNvSpPr>
+            <a:spLocks noGrp="1"/>
+          </p:cNvSpPr>
+          <p:nvPr>
+            <p:ph type="sldNum" sz="quarter" idx="12"/>
+          </p:nvPr>
+        </p:nvSpPr>
+        <p:spPr/>
+        <p:txBody>
+          <a:bodyPr/>
+          <a:lstStyle/>
+          <a:p>
+            <a:fld id="{8EACBB75-E6F3-4170-A8E4-CB655E34A25B}" type="slidenum">
+              <a:rPr lang="en-GB" smtClean="0">
+                <a:latin typeface="Arial" panose="020B0604020202020204" pitchFamily="34" charset="0"/>
+                <a:cs typeface="Arial" panose="020B0604020202020204" pitchFamily="34" charset="0"/>
+              </a:rPr>
+              <a:t>8</a:t>
+            </a:fld>
+            <a:endParaRPr lang="en-GB" dirty="0">
               <a:latin typeface="Arial" panose="020B0604020202020204" pitchFamily="34" charset="0"/>
               <a:cs typeface="Arial" panose="020B0604020202020204" pitchFamily="34" charset="0"/>
             </a:endParaRPr>
@@ -27988,6 +30421,35 @@
               <a:t>blockDim</a:t>
             </a:r>
             <a:endParaRPr lang="en-US" sz="1600" b="1" dirty="0">
+              <a:latin typeface="Arial" panose="020B0604020202020204" pitchFamily="34" charset="0"/>
+              <a:cs typeface="Arial" panose="020B0604020202020204" pitchFamily="34" charset="0"/>
+            </a:endParaRPr>
+          </a:p>
+        </p:txBody>
+      </p:sp>
+      <p:sp>
+        <p:nvSpPr>
+          <p:cNvPr id="2" name="Slide Number Placeholder 1"/>
+          <p:cNvSpPr>
+            <a:spLocks noGrp="1"/>
+          </p:cNvSpPr>
+          <p:nvPr>
+            <p:ph type="sldNum" sz="quarter" idx="12"/>
+          </p:nvPr>
+        </p:nvSpPr>
+        <p:spPr/>
+        <p:txBody>
+          <a:bodyPr/>
+          <a:lstStyle/>
+          <a:p>
+            <a:fld id="{8EACBB75-E6F3-4170-A8E4-CB655E34A25B}" type="slidenum">
+              <a:rPr lang="en-GB" smtClean="0">
+                <a:latin typeface="Arial" panose="020B0604020202020204" pitchFamily="34" charset="0"/>
+                <a:cs typeface="Arial" panose="020B0604020202020204" pitchFamily="34" charset="0"/>
+              </a:rPr>
+              <a:t>9</a:t>
+            </a:fld>
+            <a:endParaRPr lang="en-GB" dirty="0">
               <a:latin typeface="Arial" panose="020B0604020202020204" pitchFamily="34" charset="0"/>
               <a:cs typeface="Arial" panose="020B0604020202020204" pitchFamily="34" charset="0"/>
             </a:endParaRPr>

--- a/trunk/ImageProcessing/Speeding up GFKM.pptx
+++ b/trunk/ImageProcessing/Speeding up GFKM.pptx
@@ -16543,7 +16543,7 @@
         </p:nvSpPr>
         <p:spPr>
           <a:xfrm>
-            <a:off x="1947332" y="1693333"/>
+            <a:off x="1947332" y="1964800"/>
             <a:ext cx="8737601" cy="4309534"/>
           </a:xfrm>
           <a:prstGeom prst="rect">
@@ -16598,7 +16598,7 @@
         </p:nvSpPr>
         <p:spPr>
           <a:xfrm>
-            <a:off x="6496041" y="1924615"/>
+            <a:off x="6496041" y="2196082"/>
             <a:ext cx="3920180" cy="759118"/>
           </a:xfrm>
           <a:prstGeom prst="roundRect">
@@ -16715,7 +16715,7 @@
         </p:nvCxnSpPr>
         <p:spPr>
           <a:xfrm>
-            <a:off x="8456131" y="4054140"/>
+            <a:off x="8456131" y="4325607"/>
             <a:ext cx="0" cy="262469"/>
           </a:xfrm>
           <a:prstGeom prst="straightConnector1">
@@ -16751,7 +16751,7 @@
         </p:nvCxnSpPr>
         <p:spPr>
           <a:xfrm>
-            <a:off x="8456131" y="2683733"/>
+            <a:off x="8456131" y="2955200"/>
             <a:ext cx="0" cy="309953"/>
           </a:xfrm>
           <a:prstGeom prst="straightConnector1">
@@ -16784,7 +16784,7 @@
         </p:nvSpPr>
         <p:spPr>
           <a:xfrm>
-            <a:off x="6496041" y="4316609"/>
+            <a:off x="6496041" y="4588076"/>
             <a:ext cx="3920180" cy="1389924"/>
           </a:xfrm>
           <a:prstGeom prst="roundRect">
@@ -17028,7 +17028,7 @@
         </p:nvSpPr>
         <p:spPr>
           <a:xfrm>
-            <a:off x="6496041" y="2993686"/>
+            <a:off x="6496041" y="3265153"/>
             <a:ext cx="3920180" cy="1060454"/>
           </a:xfrm>
           <a:prstGeom prst="roundRect">
@@ -17194,7 +17194,7 @@
         </p:nvSpPr>
         <p:spPr>
           <a:xfrm>
-            <a:off x="2260591" y="1923646"/>
+            <a:off x="2260591" y="2195113"/>
             <a:ext cx="3692524" cy="760087"/>
           </a:xfrm>
           <a:prstGeom prst="borderCallout1">
@@ -17302,7 +17302,7 @@
         </p:nvSpPr>
         <p:spPr>
           <a:xfrm>
-            <a:off x="2260591" y="3141367"/>
+            <a:off x="2260591" y="3412834"/>
             <a:ext cx="3692525" cy="727899"/>
           </a:xfrm>
           <a:prstGeom prst="borderCallout1">
@@ -17378,7 +17378,7 @@
         </p:nvSpPr>
         <p:spPr>
           <a:xfrm>
-            <a:off x="2260590" y="4428067"/>
+            <a:off x="2260590" y="4699534"/>
             <a:ext cx="3692525" cy="1109131"/>
           </a:xfrm>
           <a:prstGeom prst="borderCallout1">
@@ -17546,6 +17546,55 @@
             <a:endParaRPr lang="en-GB" dirty="0">
               <a:latin typeface="Arial" panose="020B0604020202020204" pitchFamily="34" charset="0"/>
               <a:cs typeface="Arial" panose="020B0604020202020204" pitchFamily="34" charset="0"/>
+            </a:endParaRPr>
+          </a:p>
+        </p:txBody>
+      </p:sp>
+      <p:sp>
+        <p:nvSpPr>
+          <p:cNvPr id="3" name="Rectangle 2"/>
+          <p:cNvSpPr/>
+          <p:nvPr/>
+        </p:nvSpPr>
+        <p:spPr>
+          <a:xfrm>
+            <a:off x="3656589" y="1441483"/>
+            <a:ext cx="5319085" cy="461665"/>
+          </a:xfrm>
+          <a:prstGeom prst="rect">
+            <a:avLst/>
+          </a:prstGeom>
+        </p:spPr>
+        <p:txBody>
+          <a:bodyPr wrap="none">
+            <a:spAutoFit/>
+          </a:bodyPr>
+          <a:lstStyle/>
+          <a:p>
+            <a:r>
+              <a:rPr lang="en-US" sz="2400" dirty="0">
+                <a:solidFill>
+                  <a:srgbClr val="00B050"/>
+                </a:solidFill>
+                <a:latin typeface="Arial" panose="020B0604020202020204" pitchFamily="34" charset="0"/>
+                <a:cs typeface="Arial" panose="020B0604020202020204" pitchFamily="34" charset="0"/>
+              </a:rPr>
+              <a:t>Counting sort using atomic </a:t>
+            </a:r>
+            <a:r>
+              <a:rPr lang="en-US" sz="2400" dirty="0" smtClean="0">
+                <a:solidFill>
+                  <a:srgbClr val="00B050"/>
+                </a:solidFill>
+                <a:latin typeface="Arial" panose="020B0604020202020204" pitchFamily="34" charset="0"/>
+                <a:cs typeface="Arial" panose="020B0604020202020204" pitchFamily="34" charset="0"/>
+              </a:rPr>
+              <a:t>functions </a:t>
+            </a:r>
+            <a:endParaRPr lang="en-US" sz="2400" dirty="0">
+              <a:solidFill>
+                <a:srgbClr val="00B050"/>
+              </a:solidFill>
             </a:endParaRPr>
           </a:p>
         </p:txBody>
@@ -22294,7 +22343,7 @@
           <p:nvPr>
             <p:extLst>
               <p:ext uri="{D42A27DB-BD31-4B8C-83A1-F6EECF244321}">
-                <p14:modId xmlns:p14="http://schemas.microsoft.com/office/powerpoint/2010/main" val="2867728485"/>
+                <p14:modId xmlns:p14="http://schemas.microsoft.com/office/powerpoint/2010/main" val="1684110175"/>
               </p:ext>
             </p:extLst>
           </p:nvPr>
@@ -22968,12 +23017,12 @@
                         </a:spcAft>
                       </a:pPr>
                       <a:r>
-                        <a:rPr lang="en-GB" sz="1800" dirty="0">
+                        <a:rPr lang="en-GB" sz="1800" dirty="0" smtClean="0">
                           <a:effectLst/>
                           <a:latin typeface="Arial" panose="020B0604020202020204" pitchFamily="34" charset="0"/>
                           <a:cs typeface="Arial" panose="020B0604020202020204" pitchFamily="34" charset="0"/>
                         </a:rPr>
-                        <a:t>0.00</a:t>
+                        <a:t>1.00</a:t>
                       </a:r>
                       <a:endParaRPr lang="en-US" sz="1800" dirty="0">
                         <a:effectLst/>
@@ -23002,12 +23051,12 @@
                         </a:spcAft>
                       </a:pPr>
                       <a:r>
-                        <a:rPr lang="en-GB" sz="1800" dirty="0">
+                        <a:rPr lang="en-GB" sz="1800" dirty="0" smtClean="0">
                           <a:effectLst/>
                           <a:latin typeface="Arial" panose="020B0604020202020204" pitchFamily="34" charset="0"/>
                           <a:cs typeface="Arial" panose="020B0604020202020204" pitchFamily="34" charset="0"/>
                         </a:rPr>
-                        <a:t>0.00</a:t>
+                        <a:t>1.00</a:t>
                       </a:r>
                       <a:endParaRPr lang="en-US" sz="1800" dirty="0">
                         <a:effectLst/>
@@ -23036,12 +23085,12 @@
                         </a:spcAft>
                       </a:pPr>
                       <a:r>
-                        <a:rPr lang="en-GB" sz="1800" dirty="0">
+                        <a:rPr lang="en-GB" sz="1800" dirty="0" smtClean="0">
                           <a:effectLst/>
                           <a:latin typeface="Arial" panose="020B0604020202020204" pitchFamily="34" charset="0"/>
                           <a:cs typeface="Arial" panose="020B0604020202020204" pitchFamily="34" charset="0"/>
                         </a:rPr>
-                        <a:t>0.00</a:t>
+                        <a:t>1.00</a:t>
                       </a:r>
                       <a:endParaRPr lang="en-US" sz="1800" dirty="0">
                         <a:effectLst/>
@@ -23070,12 +23119,12 @@
                         </a:spcAft>
                       </a:pPr>
                       <a:r>
-                        <a:rPr lang="en-GB" sz="1800" dirty="0">
+                        <a:rPr lang="en-GB" sz="1800" dirty="0" smtClean="0">
                           <a:effectLst/>
                           <a:latin typeface="Arial" panose="020B0604020202020204" pitchFamily="34" charset="0"/>
                           <a:cs typeface="Arial" panose="020B0604020202020204" pitchFamily="34" charset="0"/>
                         </a:rPr>
-                        <a:t>0.00</a:t>
+                        <a:t>1.00</a:t>
                       </a:r>
                       <a:endParaRPr lang="en-US" sz="1800" dirty="0">
                         <a:effectLst/>
@@ -25672,24 +25721,37 @@
               <a:t>the idea of </a:t>
             </a:r>
             <a:r>
-              <a:rPr lang="en-US" sz="2400" dirty="0">
+              <a:rPr lang="en-US" sz="2400" dirty="0" smtClean="0">
                 <a:solidFill>
                   <a:srgbClr val="00B050"/>
                 </a:solidFill>
                 <a:latin typeface="Arial" panose="020B0604020202020204" pitchFamily="34" charset="0"/>
                 <a:cs typeface="Arial" panose="020B0604020202020204" pitchFamily="34" charset="0"/>
               </a:rPr>
-              <a:t>matrix </a:t>
+              <a:t>parallel</a:t>
             </a:r>
             <a:r>
               <a:rPr lang="en-US" sz="2400" dirty="0" smtClean="0">
                 <a:solidFill>
+                  <a:schemeClr val="tx1">
+                    <a:lumMod val="85000"/>
+                    <a:lumOff val="15000"/>
+                  </a:schemeClr>
+                </a:solidFill>
+                <a:latin typeface="Arial" panose="020B0604020202020204" pitchFamily="34" charset="0"/>
+                <a:cs typeface="Arial" panose="020B0604020202020204" pitchFamily="34" charset="0"/>
+              </a:rPr>
+              <a:t> </a:t>
+            </a:r>
+            <a:r>
+              <a:rPr lang="en-US" sz="2400" dirty="0" smtClean="0">
+                <a:solidFill>
                   <a:srgbClr val="00B050"/>
                 </a:solidFill>
                 <a:latin typeface="Arial" panose="020B0604020202020204" pitchFamily="34" charset="0"/>
                 <a:cs typeface="Arial" panose="020B0604020202020204" pitchFamily="34" charset="0"/>
               </a:rPr>
-              <a:t>multiplication</a:t>
+              <a:t>matrix multiplication</a:t>
             </a:r>
             <a:r>
               <a:rPr lang="en-US" sz="2400" dirty="0" smtClean="0">

--- a/trunk/ImageProcessing/Speeding up GFKM.pptx
+++ b/trunk/ImageProcessing/Speeding up GFKM.pptx
@@ -47,7 +47,7 @@
     <p:sldId id="299" r:id="rId35"/>
   </p:sldIdLst>
   <p:sldSz cx="12192000" cy="6858000"/>
-  <p:notesSz cx="6797675" cy="9928225"/>
+  <p:notesSz cx="9928225" cy="6797675"/>
   <p:defaultTextStyle>
     <a:defPPr>
       <a:defRPr lang="en-US"/>
@@ -185,8 +185,8 @@
         </p:nvSpPr>
         <p:spPr>
           <a:xfrm>
-            <a:off x="0" y="0"/>
-            <a:ext cx="2946400" cy="498475"/>
+            <a:off x="0" y="2"/>
+            <a:ext cx="4303313" cy="341297"/>
           </a:xfrm>
           <a:prstGeom prst="rect">
             <a:avLst/>
@@ -216,8 +216,8 @@
         </p:nvSpPr>
         <p:spPr>
           <a:xfrm>
-            <a:off x="3849688" y="0"/>
-            <a:ext cx="2946400" cy="498475"/>
+            <a:off x="5622594" y="2"/>
+            <a:ext cx="4303313" cy="341297"/>
           </a:xfrm>
           <a:prstGeom prst="rect">
             <a:avLst/>
@@ -233,7 +233,7 @@
           <a:p>
             <a:fld id="{44C33159-1E0E-4388-B5FA-807656A4B6E6}" type="datetimeFigureOut">
               <a:rPr lang="en-GB" smtClean="0"/>
-              <a:t>20/06/2015</a:t>
+              <a:t>23/06/2015</a:t>
             </a:fld>
             <a:endParaRPr lang="en-GB"/>
           </a:p>
@@ -251,8 +251,8 @@
         </p:nvSpPr>
         <p:spPr>
           <a:xfrm>
-            <a:off x="0" y="9429750"/>
-            <a:ext cx="2946400" cy="498475"/>
+            <a:off x="0" y="6456380"/>
+            <a:ext cx="4303313" cy="341297"/>
           </a:xfrm>
           <a:prstGeom prst="rect">
             <a:avLst/>
@@ -282,8 +282,8 @@
         </p:nvSpPr>
         <p:spPr>
           <a:xfrm>
-            <a:off x="3849688" y="9429750"/>
-            <a:ext cx="2946400" cy="498475"/>
+            <a:off x="5622594" y="6456380"/>
+            <a:ext cx="4303313" cy="341297"/>
           </a:xfrm>
           <a:prstGeom prst="rect">
             <a:avLst/>
@@ -313,6 +313,7 @@
     </p:extLst>
   </p:cSld>
   <p:clrMap bg1="lt1" tx1="dk1" bg2="lt2" tx2="dk2" accent1="accent1" accent2="accent2" accent3="accent3" accent4="accent4" accent5="accent5" accent6="accent6" hlink="hlink" folHlink="folHlink"/>
+  <p:hf sldNum="0" hdr="0" ftr="0" dt="0"/>
 </p:handoutMaster>
 </file>
 
@@ -350,8 +351,8 @@
         </p:nvSpPr>
         <p:spPr>
           <a:xfrm>
-            <a:off x="0" y="0"/>
-            <a:ext cx="2945659" cy="498135"/>
+            <a:off x="3" y="0"/>
+            <a:ext cx="4302231" cy="341064"/>
           </a:xfrm>
           <a:prstGeom prst="rect">
             <a:avLst/>
@@ -381,8 +382,8 @@
         </p:nvSpPr>
         <p:spPr>
           <a:xfrm>
-            <a:off x="3850443" y="0"/>
-            <a:ext cx="2945659" cy="498135"/>
+            <a:off x="5623700" y="0"/>
+            <a:ext cx="4302231" cy="341064"/>
           </a:xfrm>
           <a:prstGeom prst="rect">
             <a:avLst/>
@@ -398,7 +399,7 @@
           <a:p>
             <a:fld id="{D37D42FB-FA45-4107-A941-3E82E6204A4A}" type="datetimeFigureOut">
               <a:rPr lang="en-US" smtClean="0"/>
-              <a:t>6/20/2015</a:t>
+              <a:t>6/23/2015</a:t>
             </a:fld>
             <a:endParaRPr lang="en-US"/>
           </a:p>
@@ -416,8 +417,8 @@
         </p:nvSpPr>
         <p:spPr>
           <a:xfrm>
-            <a:off x="422275" y="1241425"/>
-            <a:ext cx="5953125" cy="3349625"/>
+            <a:off x="2925763" y="849313"/>
+            <a:ext cx="4076700" cy="2293937"/>
           </a:xfrm>
           <a:prstGeom prst="rect">
             <a:avLst/>
@@ -449,8 +450,8 @@
         </p:nvSpPr>
         <p:spPr>
           <a:xfrm>
-            <a:off x="679768" y="4777958"/>
-            <a:ext cx="5438140" cy="3909239"/>
+            <a:off x="992823" y="3271383"/>
+            <a:ext cx="7942580" cy="2676585"/>
           </a:xfrm>
           <a:prstGeom prst="rect">
             <a:avLst/>
@@ -509,8 +510,8 @@
         </p:nvSpPr>
         <p:spPr>
           <a:xfrm>
-            <a:off x="0" y="9430091"/>
-            <a:ext cx="2945659" cy="498134"/>
+            <a:off x="3" y="6456613"/>
+            <a:ext cx="4302231" cy="341063"/>
           </a:xfrm>
           <a:prstGeom prst="rect">
             <a:avLst/>
@@ -540,8 +541,8 @@
         </p:nvSpPr>
         <p:spPr>
           <a:xfrm>
-            <a:off x="3850443" y="9430091"/>
-            <a:ext cx="2945659" cy="498134"/>
+            <a:off x="5623700" y="6456613"/>
+            <a:ext cx="4302231" cy="341063"/>
           </a:xfrm>
           <a:prstGeom prst="rect">
             <a:avLst/>
@@ -571,6 +572,7 @@
     </p:extLst>
   </p:cSld>
   <p:clrMap bg1="lt1" tx1="dk1" bg2="lt2" tx2="dk2" accent1="accent1" accent2="accent2" accent3="accent3" accent4="accent4" accent5="accent5" accent6="accent6" hlink="hlink" folHlink="folHlink"/>
+  <p:hf sldNum="0" hdr="0" ftr="0" dt="0"/>
   <p:notesStyle>
     <a:lvl1pPr marL="0" algn="l" defTabSz="914400" rtl="0" eaLnBrk="1" latinLnBrk="0" hangingPunct="1">
       <a:defRPr sz="1200" kern="1200">
@@ -714,29 +716,6 @@
           </a:p>
         </p:txBody>
       </p:sp>
-      <p:sp>
-        <p:nvSpPr>
-          <p:cNvPr id="4" name="Slide Number Placeholder 3"/>
-          <p:cNvSpPr>
-            <a:spLocks noGrp="1"/>
-          </p:cNvSpPr>
-          <p:nvPr>
-            <p:ph type="sldNum" sz="quarter" idx="10"/>
-          </p:nvPr>
-        </p:nvSpPr>
-        <p:spPr/>
-        <p:txBody>
-          <a:bodyPr/>
-          <a:lstStyle/>
-          <a:p>
-            <a:fld id="{BB362548-9E8D-4C32-8DD1-2032220F2A30}" type="slidenum">
-              <a:rPr lang="en-US" smtClean="0"/>
-              <a:t>1</a:t>
-            </a:fld>
-            <a:endParaRPr lang="en-US"/>
-          </a:p>
-        </p:txBody>
-      </p:sp>
     </p:spTree>
     <p:extLst>
       <p:ext uri="{BB962C8B-B14F-4D97-AF65-F5344CB8AC3E}">
@@ -798,29 +777,6 @@
           </a:p>
         </p:txBody>
       </p:sp>
-      <p:sp>
-        <p:nvSpPr>
-          <p:cNvPr id="4" name="Slide Number Placeholder 3"/>
-          <p:cNvSpPr>
-            <a:spLocks noGrp="1"/>
-          </p:cNvSpPr>
-          <p:nvPr>
-            <p:ph type="sldNum" sz="quarter" idx="10"/>
-          </p:nvPr>
-        </p:nvSpPr>
-        <p:spPr/>
-        <p:txBody>
-          <a:bodyPr/>
-          <a:lstStyle/>
-          <a:p>
-            <a:fld id="{BB362548-9E8D-4C32-8DD1-2032220F2A30}" type="slidenum">
-              <a:rPr lang="en-US" smtClean="0"/>
-              <a:t>10</a:t>
-            </a:fld>
-            <a:endParaRPr lang="en-US"/>
-          </a:p>
-        </p:txBody>
-      </p:sp>
     </p:spTree>
     <p:extLst>
       <p:ext uri="{BB962C8B-B14F-4D97-AF65-F5344CB8AC3E}">
@@ -882,29 +838,6 @@
           </a:p>
         </p:txBody>
       </p:sp>
-      <p:sp>
-        <p:nvSpPr>
-          <p:cNvPr id="4" name="Slide Number Placeholder 3"/>
-          <p:cNvSpPr>
-            <a:spLocks noGrp="1"/>
-          </p:cNvSpPr>
-          <p:nvPr>
-            <p:ph type="sldNum" sz="quarter" idx="10"/>
-          </p:nvPr>
-        </p:nvSpPr>
-        <p:spPr/>
-        <p:txBody>
-          <a:bodyPr/>
-          <a:lstStyle/>
-          <a:p>
-            <a:fld id="{BB362548-9E8D-4C32-8DD1-2032220F2A30}" type="slidenum">
-              <a:rPr lang="en-US" smtClean="0"/>
-              <a:t>11</a:t>
-            </a:fld>
-            <a:endParaRPr lang="en-US"/>
-          </a:p>
-        </p:txBody>
-      </p:sp>
     </p:spTree>
     <p:extLst>
       <p:ext uri="{BB962C8B-B14F-4D97-AF65-F5344CB8AC3E}">
@@ -966,29 +899,6 @@
           </a:p>
         </p:txBody>
       </p:sp>
-      <p:sp>
-        <p:nvSpPr>
-          <p:cNvPr id="4" name="Slide Number Placeholder 3"/>
-          <p:cNvSpPr>
-            <a:spLocks noGrp="1"/>
-          </p:cNvSpPr>
-          <p:nvPr>
-            <p:ph type="sldNum" sz="quarter" idx="10"/>
-          </p:nvPr>
-        </p:nvSpPr>
-        <p:spPr/>
-        <p:txBody>
-          <a:bodyPr/>
-          <a:lstStyle/>
-          <a:p>
-            <a:fld id="{BB362548-9E8D-4C32-8DD1-2032220F2A30}" type="slidenum">
-              <a:rPr lang="en-US" smtClean="0"/>
-              <a:t>12</a:t>
-            </a:fld>
-            <a:endParaRPr lang="en-US"/>
-          </a:p>
-        </p:txBody>
-      </p:sp>
     </p:spTree>
     <p:extLst>
       <p:ext uri="{BB962C8B-B14F-4D97-AF65-F5344CB8AC3E}">
@@ -1050,29 +960,6 @@
           </a:p>
         </p:txBody>
       </p:sp>
-      <p:sp>
-        <p:nvSpPr>
-          <p:cNvPr id="4" name="Slide Number Placeholder 3"/>
-          <p:cNvSpPr>
-            <a:spLocks noGrp="1"/>
-          </p:cNvSpPr>
-          <p:nvPr>
-            <p:ph type="sldNum" sz="quarter" idx="10"/>
-          </p:nvPr>
-        </p:nvSpPr>
-        <p:spPr/>
-        <p:txBody>
-          <a:bodyPr/>
-          <a:lstStyle/>
-          <a:p>
-            <a:fld id="{BB362548-9E8D-4C32-8DD1-2032220F2A30}" type="slidenum">
-              <a:rPr lang="en-US" smtClean="0"/>
-              <a:t>13</a:t>
-            </a:fld>
-            <a:endParaRPr lang="en-US"/>
-          </a:p>
-        </p:txBody>
-      </p:sp>
     </p:spTree>
     <p:extLst>
       <p:ext uri="{BB962C8B-B14F-4D97-AF65-F5344CB8AC3E}">
@@ -1134,29 +1021,6 @@
           </a:p>
         </p:txBody>
       </p:sp>
-      <p:sp>
-        <p:nvSpPr>
-          <p:cNvPr id="4" name="Slide Number Placeholder 3"/>
-          <p:cNvSpPr>
-            <a:spLocks noGrp="1"/>
-          </p:cNvSpPr>
-          <p:nvPr>
-            <p:ph type="sldNum" sz="quarter" idx="10"/>
-          </p:nvPr>
-        </p:nvSpPr>
-        <p:spPr/>
-        <p:txBody>
-          <a:bodyPr/>
-          <a:lstStyle/>
-          <a:p>
-            <a:fld id="{BB362548-9E8D-4C32-8DD1-2032220F2A30}" type="slidenum">
-              <a:rPr lang="en-US" smtClean="0"/>
-              <a:t>14</a:t>
-            </a:fld>
-            <a:endParaRPr lang="en-US"/>
-          </a:p>
-        </p:txBody>
-      </p:sp>
     </p:spTree>
     <p:extLst>
       <p:ext uri="{BB962C8B-B14F-4D97-AF65-F5344CB8AC3E}">
@@ -1218,29 +1082,6 @@
           </a:p>
         </p:txBody>
       </p:sp>
-      <p:sp>
-        <p:nvSpPr>
-          <p:cNvPr id="4" name="Slide Number Placeholder 3"/>
-          <p:cNvSpPr>
-            <a:spLocks noGrp="1"/>
-          </p:cNvSpPr>
-          <p:nvPr>
-            <p:ph type="sldNum" sz="quarter" idx="10"/>
-          </p:nvPr>
-        </p:nvSpPr>
-        <p:spPr/>
-        <p:txBody>
-          <a:bodyPr/>
-          <a:lstStyle/>
-          <a:p>
-            <a:fld id="{BB362548-9E8D-4C32-8DD1-2032220F2A30}" type="slidenum">
-              <a:rPr lang="en-US" smtClean="0"/>
-              <a:t>15</a:t>
-            </a:fld>
-            <a:endParaRPr lang="en-US"/>
-          </a:p>
-        </p:txBody>
-      </p:sp>
     </p:spTree>
     <p:extLst>
       <p:ext uri="{BB962C8B-B14F-4D97-AF65-F5344CB8AC3E}">
@@ -1302,29 +1143,6 @@
           </a:p>
         </p:txBody>
       </p:sp>
-      <p:sp>
-        <p:nvSpPr>
-          <p:cNvPr id="4" name="Slide Number Placeholder 3"/>
-          <p:cNvSpPr>
-            <a:spLocks noGrp="1"/>
-          </p:cNvSpPr>
-          <p:nvPr>
-            <p:ph type="sldNum" sz="quarter" idx="10"/>
-          </p:nvPr>
-        </p:nvSpPr>
-        <p:spPr/>
-        <p:txBody>
-          <a:bodyPr/>
-          <a:lstStyle/>
-          <a:p>
-            <a:fld id="{BB362548-9E8D-4C32-8DD1-2032220F2A30}" type="slidenum">
-              <a:rPr lang="en-US" smtClean="0"/>
-              <a:t>16</a:t>
-            </a:fld>
-            <a:endParaRPr lang="en-US"/>
-          </a:p>
-        </p:txBody>
-      </p:sp>
     </p:spTree>
     <p:extLst>
       <p:ext uri="{BB962C8B-B14F-4D97-AF65-F5344CB8AC3E}">
@@ -1386,29 +1204,6 @@
           </a:p>
         </p:txBody>
       </p:sp>
-      <p:sp>
-        <p:nvSpPr>
-          <p:cNvPr id="4" name="Slide Number Placeholder 3"/>
-          <p:cNvSpPr>
-            <a:spLocks noGrp="1"/>
-          </p:cNvSpPr>
-          <p:nvPr>
-            <p:ph type="sldNum" sz="quarter" idx="10"/>
-          </p:nvPr>
-        </p:nvSpPr>
-        <p:spPr/>
-        <p:txBody>
-          <a:bodyPr/>
-          <a:lstStyle/>
-          <a:p>
-            <a:fld id="{BB362548-9E8D-4C32-8DD1-2032220F2A30}" type="slidenum">
-              <a:rPr lang="en-US" smtClean="0"/>
-              <a:t>17</a:t>
-            </a:fld>
-            <a:endParaRPr lang="en-US"/>
-          </a:p>
-        </p:txBody>
-      </p:sp>
     </p:spTree>
     <p:extLst>
       <p:ext uri="{BB962C8B-B14F-4D97-AF65-F5344CB8AC3E}">
@@ -1470,29 +1265,6 @@
           </a:p>
         </p:txBody>
       </p:sp>
-      <p:sp>
-        <p:nvSpPr>
-          <p:cNvPr id="4" name="Slide Number Placeholder 3"/>
-          <p:cNvSpPr>
-            <a:spLocks noGrp="1"/>
-          </p:cNvSpPr>
-          <p:nvPr>
-            <p:ph type="sldNum" sz="quarter" idx="10"/>
-          </p:nvPr>
-        </p:nvSpPr>
-        <p:spPr/>
-        <p:txBody>
-          <a:bodyPr/>
-          <a:lstStyle/>
-          <a:p>
-            <a:fld id="{BB362548-9E8D-4C32-8DD1-2032220F2A30}" type="slidenum">
-              <a:rPr lang="en-US" smtClean="0"/>
-              <a:t>18</a:t>
-            </a:fld>
-            <a:endParaRPr lang="en-US"/>
-          </a:p>
-        </p:txBody>
-      </p:sp>
     </p:spTree>
     <p:extLst>
       <p:ext uri="{BB962C8B-B14F-4D97-AF65-F5344CB8AC3E}">
@@ -1554,29 +1326,6 @@
           </a:p>
         </p:txBody>
       </p:sp>
-      <p:sp>
-        <p:nvSpPr>
-          <p:cNvPr id="4" name="Slide Number Placeholder 3"/>
-          <p:cNvSpPr>
-            <a:spLocks noGrp="1"/>
-          </p:cNvSpPr>
-          <p:nvPr>
-            <p:ph type="sldNum" sz="quarter" idx="10"/>
-          </p:nvPr>
-        </p:nvSpPr>
-        <p:spPr/>
-        <p:txBody>
-          <a:bodyPr/>
-          <a:lstStyle/>
-          <a:p>
-            <a:fld id="{BB362548-9E8D-4C32-8DD1-2032220F2A30}" type="slidenum">
-              <a:rPr lang="en-US" smtClean="0"/>
-              <a:t>19</a:t>
-            </a:fld>
-            <a:endParaRPr lang="en-US"/>
-          </a:p>
-        </p:txBody>
-      </p:sp>
     </p:spTree>
     <p:extLst>
       <p:ext uri="{BB962C8B-B14F-4D97-AF65-F5344CB8AC3E}">
@@ -1638,29 +1387,6 @@
           </a:p>
         </p:txBody>
       </p:sp>
-      <p:sp>
-        <p:nvSpPr>
-          <p:cNvPr id="4" name="Slide Number Placeholder 3"/>
-          <p:cNvSpPr>
-            <a:spLocks noGrp="1"/>
-          </p:cNvSpPr>
-          <p:nvPr>
-            <p:ph type="sldNum" sz="quarter" idx="10"/>
-          </p:nvPr>
-        </p:nvSpPr>
-        <p:spPr/>
-        <p:txBody>
-          <a:bodyPr/>
-          <a:lstStyle/>
-          <a:p>
-            <a:fld id="{BB362548-9E8D-4C32-8DD1-2032220F2A30}" type="slidenum">
-              <a:rPr lang="en-US" smtClean="0"/>
-              <a:t>2</a:t>
-            </a:fld>
-            <a:endParaRPr lang="en-US"/>
-          </a:p>
-        </p:txBody>
-      </p:sp>
     </p:spTree>
     <p:extLst>
       <p:ext uri="{BB962C8B-B14F-4D97-AF65-F5344CB8AC3E}">
@@ -1722,29 +1448,6 @@
           </a:p>
         </p:txBody>
       </p:sp>
-      <p:sp>
-        <p:nvSpPr>
-          <p:cNvPr id="4" name="Slide Number Placeholder 3"/>
-          <p:cNvSpPr>
-            <a:spLocks noGrp="1"/>
-          </p:cNvSpPr>
-          <p:nvPr>
-            <p:ph type="sldNum" sz="quarter" idx="10"/>
-          </p:nvPr>
-        </p:nvSpPr>
-        <p:spPr/>
-        <p:txBody>
-          <a:bodyPr/>
-          <a:lstStyle/>
-          <a:p>
-            <a:fld id="{BB362548-9E8D-4C32-8DD1-2032220F2A30}" type="slidenum">
-              <a:rPr lang="en-US" smtClean="0"/>
-              <a:t>20</a:t>
-            </a:fld>
-            <a:endParaRPr lang="en-US"/>
-          </a:p>
-        </p:txBody>
-      </p:sp>
     </p:spTree>
     <p:extLst>
       <p:ext uri="{BB962C8B-B14F-4D97-AF65-F5344CB8AC3E}">
@@ -1806,29 +1509,6 @@
           </a:p>
         </p:txBody>
       </p:sp>
-      <p:sp>
-        <p:nvSpPr>
-          <p:cNvPr id="4" name="Slide Number Placeholder 3"/>
-          <p:cNvSpPr>
-            <a:spLocks noGrp="1"/>
-          </p:cNvSpPr>
-          <p:nvPr>
-            <p:ph type="sldNum" sz="quarter" idx="10"/>
-          </p:nvPr>
-        </p:nvSpPr>
-        <p:spPr/>
-        <p:txBody>
-          <a:bodyPr/>
-          <a:lstStyle/>
-          <a:p>
-            <a:fld id="{BB362548-9E8D-4C32-8DD1-2032220F2A30}" type="slidenum">
-              <a:rPr lang="en-US" smtClean="0"/>
-              <a:t>21</a:t>
-            </a:fld>
-            <a:endParaRPr lang="en-US"/>
-          </a:p>
-        </p:txBody>
-      </p:sp>
     </p:spTree>
     <p:extLst>
       <p:ext uri="{BB962C8B-B14F-4D97-AF65-F5344CB8AC3E}">
@@ -1890,29 +1570,6 @@
           </a:p>
         </p:txBody>
       </p:sp>
-      <p:sp>
-        <p:nvSpPr>
-          <p:cNvPr id="4" name="Slide Number Placeholder 3"/>
-          <p:cNvSpPr>
-            <a:spLocks noGrp="1"/>
-          </p:cNvSpPr>
-          <p:nvPr>
-            <p:ph type="sldNum" sz="quarter" idx="10"/>
-          </p:nvPr>
-        </p:nvSpPr>
-        <p:spPr/>
-        <p:txBody>
-          <a:bodyPr/>
-          <a:lstStyle/>
-          <a:p>
-            <a:fld id="{BB362548-9E8D-4C32-8DD1-2032220F2A30}" type="slidenum">
-              <a:rPr lang="en-US" smtClean="0"/>
-              <a:t>22</a:t>
-            </a:fld>
-            <a:endParaRPr lang="en-US"/>
-          </a:p>
-        </p:txBody>
-      </p:sp>
     </p:spTree>
     <p:extLst>
       <p:ext uri="{BB962C8B-B14F-4D97-AF65-F5344CB8AC3E}">
@@ -1974,29 +1631,6 @@
           </a:p>
         </p:txBody>
       </p:sp>
-      <p:sp>
-        <p:nvSpPr>
-          <p:cNvPr id="4" name="Slide Number Placeholder 3"/>
-          <p:cNvSpPr>
-            <a:spLocks noGrp="1"/>
-          </p:cNvSpPr>
-          <p:nvPr>
-            <p:ph type="sldNum" sz="quarter" idx="10"/>
-          </p:nvPr>
-        </p:nvSpPr>
-        <p:spPr/>
-        <p:txBody>
-          <a:bodyPr/>
-          <a:lstStyle/>
-          <a:p>
-            <a:fld id="{BB362548-9E8D-4C32-8DD1-2032220F2A30}" type="slidenum">
-              <a:rPr lang="en-US" smtClean="0"/>
-              <a:t>23</a:t>
-            </a:fld>
-            <a:endParaRPr lang="en-US"/>
-          </a:p>
-        </p:txBody>
-      </p:sp>
     </p:spTree>
     <p:extLst>
       <p:ext uri="{BB962C8B-B14F-4D97-AF65-F5344CB8AC3E}">
@@ -2058,29 +1692,6 @@
           </a:p>
         </p:txBody>
       </p:sp>
-      <p:sp>
-        <p:nvSpPr>
-          <p:cNvPr id="4" name="Slide Number Placeholder 3"/>
-          <p:cNvSpPr>
-            <a:spLocks noGrp="1"/>
-          </p:cNvSpPr>
-          <p:nvPr>
-            <p:ph type="sldNum" sz="quarter" idx="10"/>
-          </p:nvPr>
-        </p:nvSpPr>
-        <p:spPr/>
-        <p:txBody>
-          <a:bodyPr/>
-          <a:lstStyle/>
-          <a:p>
-            <a:fld id="{BB362548-9E8D-4C32-8DD1-2032220F2A30}" type="slidenum">
-              <a:rPr lang="en-US" smtClean="0"/>
-              <a:t>24</a:t>
-            </a:fld>
-            <a:endParaRPr lang="en-US"/>
-          </a:p>
-        </p:txBody>
-      </p:sp>
     </p:spTree>
     <p:extLst>
       <p:ext uri="{BB962C8B-B14F-4D97-AF65-F5344CB8AC3E}">
@@ -2142,29 +1753,6 @@
           </a:p>
         </p:txBody>
       </p:sp>
-      <p:sp>
-        <p:nvSpPr>
-          <p:cNvPr id="4" name="Slide Number Placeholder 3"/>
-          <p:cNvSpPr>
-            <a:spLocks noGrp="1"/>
-          </p:cNvSpPr>
-          <p:nvPr>
-            <p:ph type="sldNum" sz="quarter" idx="10"/>
-          </p:nvPr>
-        </p:nvSpPr>
-        <p:spPr/>
-        <p:txBody>
-          <a:bodyPr/>
-          <a:lstStyle/>
-          <a:p>
-            <a:fld id="{BB362548-9E8D-4C32-8DD1-2032220F2A30}" type="slidenum">
-              <a:rPr lang="en-US" smtClean="0"/>
-              <a:t>25</a:t>
-            </a:fld>
-            <a:endParaRPr lang="en-US"/>
-          </a:p>
-        </p:txBody>
-      </p:sp>
     </p:spTree>
     <p:extLst>
       <p:ext uri="{BB962C8B-B14F-4D97-AF65-F5344CB8AC3E}">
@@ -2226,29 +1814,6 @@
           </a:p>
         </p:txBody>
       </p:sp>
-      <p:sp>
-        <p:nvSpPr>
-          <p:cNvPr id="4" name="Slide Number Placeholder 3"/>
-          <p:cNvSpPr>
-            <a:spLocks noGrp="1"/>
-          </p:cNvSpPr>
-          <p:nvPr>
-            <p:ph type="sldNum" sz="quarter" idx="10"/>
-          </p:nvPr>
-        </p:nvSpPr>
-        <p:spPr/>
-        <p:txBody>
-          <a:bodyPr/>
-          <a:lstStyle/>
-          <a:p>
-            <a:fld id="{BB362548-9E8D-4C32-8DD1-2032220F2A30}" type="slidenum">
-              <a:rPr lang="en-US" smtClean="0"/>
-              <a:t>26</a:t>
-            </a:fld>
-            <a:endParaRPr lang="en-US"/>
-          </a:p>
-        </p:txBody>
-      </p:sp>
     </p:spTree>
     <p:extLst>
       <p:ext uri="{BB962C8B-B14F-4D97-AF65-F5344CB8AC3E}">
@@ -2310,29 +1875,6 @@
           </a:p>
         </p:txBody>
       </p:sp>
-      <p:sp>
-        <p:nvSpPr>
-          <p:cNvPr id="4" name="Slide Number Placeholder 3"/>
-          <p:cNvSpPr>
-            <a:spLocks noGrp="1"/>
-          </p:cNvSpPr>
-          <p:nvPr>
-            <p:ph type="sldNum" sz="quarter" idx="10"/>
-          </p:nvPr>
-        </p:nvSpPr>
-        <p:spPr/>
-        <p:txBody>
-          <a:bodyPr/>
-          <a:lstStyle/>
-          <a:p>
-            <a:fld id="{BB362548-9E8D-4C32-8DD1-2032220F2A30}" type="slidenum">
-              <a:rPr lang="en-US" smtClean="0"/>
-              <a:t>27</a:t>
-            </a:fld>
-            <a:endParaRPr lang="en-US"/>
-          </a:p>
-        </p:txBody>
-      </p:sp>
     </p:spTree>
     <p:extLst>
       <p:ext uri="{BB962C8B-B14F-4D97-AF65-F5344CB8AC3E}">
@@ -2394,29 +1936,6 @@
           </a:p>
         </p:txBody>
       </p:sp>
-      <p:sp>
-        <p:nvSpPr>
-          <p:cNvPr id="4" name="Slide Number Placeholder 3"/>
-          <p:cNvSpPr>
-            <a:spLocks noGrp="1"/>
-          </p:cNvSpPr>
-          <p:nvPr>
-            <p:ph type="sldNum" sz="quarter" idx="10"/>
-          </p:nvPr>
-        </p:nvSpPr>
-        <p:spPr/>
-        <p:txBody>
-          <a:bodyPr/>
-          <a:lstStyle/>
-          <a:p>
-            <a:fld id="{BB362548-9E8D-4C32-8DD1-2032220F2A30}" type="slidenum">
-              <a:rPr lang="en-US" smtClean="0"/>
-              <a:t>28</a:t>
-            </a:fld>
-            <a:endParaRPr lang="en-US"/>
-          </a:p>
-        </p:txBody>
-      </p:sp>
     </p:spTree>
     <p:extLst>
       <p:ext uri="{BB962C8B-B14F-4D97-AF65-F5344CB8AC3E}">
@@ -2478,29 +1997,6 @@
           </a:p>
         </p:txBody>
       </p:sp>
-      <p:sp>
-        <p:nvSpPr>
-          <p:cNvPr id="4" name="Slide Number Placeholder 3"/>
-          <p:cNvSpPr>
-            <a:spLocks noGrp="1"/>
-          </p:cNvSpPr>
-          <p:nvPr>
-            <p:ph type="sldNum" sz="quarter" idx="10"/>
-          </p:nvPr>
-        </p:nvSpPr>
-        <p:spPr/>
-        <p:txBody>
-          <a:bodyPr/>
-          <a:lstStyle/>
-          <a:p>
-            <a:fld id="{BB362548-9E8D-4C32-8DD1-2032220F2A30}" type="slidenum">
-              <a:rPr lang="en-US" smtClean="0"/>
-              <a:t>29</a:t>
-            </a:fld>
-            <a:endParaRPr lang="en-US"/>
-          </a:p>
-        </p:txBody>
-      </p:sp>
     </p:spTree>
     <p:extLst>
       <p:ext uri="{BB962C8B-B14F-4D97-AF65-F5344CB8AC3E}">
@@ -2579,29 +2075,6 @@
           </a:p>
         </p:txBody>
       </p:sp>
-      <p:sp>
-        <p:nvSpPr>
-          <p:cNvPr id="4" name="Slide Number Placeholder 3"/>
-          <p:cNvSpPr>
-            <a:spLocks noGrp="1"/>
-          </p:cNvSpPr>
-          <p:nvPr>
-            <p:ph type="sldNum" sz="quarter" idx="10"/>
-          </p:nvPr>
-        </p:nvSpPr>
-        <p:spPr/>
-        <p:txBody>
-          <a:bodyPr/>
-          <a:lstStyle/>
-          <a:p>
-            <a:fld id="{BB362548-9E8D-4C32-8DD1-2032220F2A30}" type="slidenum">
-              <a:rPr lang="en-US" smtClean="0"/>
-              <a:t>3</a:t>
-            </a:fld>
-            <a:endParaRPr lang="en-US"/>
-          </a:p>
-        </p:txBody>
-      </p:sp>
     </p:spTree>
     <p:extLst>
       <p:ext uri="{BB962C8B-B14F-4D97-AF65-F5344CB8AC3E}">
@@ -2663,29 +2136,6 @@
           </a:p>
         </p:txBody>
       </p:sp>
-      <p:sp>
-        <p:nvSpPr>
-          <p:cNvPr id="4" name="Slide Number Placeholder 3"/>
-          <p:cNvSpPr>
-            <a:spLocks noGrp="1"/>
-          </p:cNvSpPr>
-          <p:nvPr>
-            <p:ph type="sldNum" sz="quarter" idx="10"/>
-          </p:nvPr>
-        </p:nvSpPr>
-        <p:spPr/>
-        <p:txBody>
-          <a:bodyPr/>
-          <a:lstStyle/>
-          <a:p>
-            <a:fld id="{BB362548-9E8D-4C32-8DD1-2032220F2A30}" type="slidenum">
-              <a:rPr lang="en-US" smtClean="0"/>
-              <a:t>30</a:t>
-            </a:fld>
-            <a:endParaRPr lang="en-US"/>
-          </a:p>
-        </p:txBody>
-      </p:sp>
     </p:spTree>
     <p:extLst>
       <p:ext uri="{BB962C8B-B14F-4D97-AF65-F5344CB8AC3E}">
@@ -2747,29 +2197,6 @@
           </a:p>
         </p:txBody>
       </p:sp>
-      <p:sp>
-        <p:nvSpPr>
-          <p:cNvPr id="4" name="Slide Number Placeholder 3"/>
-          <p:cNvSpPr>
-            <a:spLocks noGrp="1"/>
-          </p:cNvSpPr>
-          <p:nvPr>
-            <p:ph type="sldNum" sz="quarter" idx="10"/>
-          </p:nvPr>
-        </p:nvSpPr>
-        <p:spPr/>
-        <p:txBody>
-          <a:bodyPr/>
-          <a:lstStyle/>
-          <a:p>
-            <a:fld id="{BB362548-9E8D-4C32-8DD1-2032220F2A30}" type="slidenum">
-              <a:rPr lang="en-US" smtClean="0"/>
-              <a:t>31</a:t>
-            </a:fld>
-            <a:endParaRPr lang="en-US"/>
-          </a:p>
-        </p:txBody>
-      </p:sp>
     </p:spTree>
     <p:extLst>
       <p:ext uri="{BB962C8B-B14F-4D97-AF65-F5344CB8AC3E}">
@@ -2848,29 +2275,6 @@
           </a:p>
         </p:txBody>
       </p:sp>
-      <p:sp>
-        <p:nvSpPr>
-          <p:cNvPr id="4" name="Slide Number Placeholder 3"/>
-          <p:cNvSpPr>
-            <a:spLocks noGrp="1"/>
-          </p:cNvSpPr>
-          <p:nvPr>
-            <p:ph type="sldNum" sz="quarter" idx="10"/>
-          </p:nvPr>
-        </p:nvSpPr>
-        <p:spPr/>
-        <p:txBody>
-          <a:bodyPr/>
-          <a:lstStyle/>
-          <a:p>
-            <a:fld id="{BB362548-9E8D-4C32-8DD1-2032220F2A30}" type="slidenum">
-              <a:rPr lang="en-US" smtClean="0"/>
-              <a:t>32</a:t>
-            </a:fld>
-            <a:endParaRPr lang="en-US"/>
-          </a:p>
-        </p:txBody>
-      </p:sp>
     </p:spTree>
     <p:extLst>
       <p:ext uri="{BB962C8B-B14F-4D97-AF65-F5344CB8AC3E}">
@@ -2932,29 +2336,6 @@
           </a:p>
         </p:txBody>
       </p:sp>
-      <p:sp>
-        <p:nvSpPr>
-          <p:cNvPr id="4" name="Slide Number Placeholder 3"/>
-          <p:cNvSpPr>
-            <a:spLocks noGrp="1"/>
-          </p:cNvSpPr>
-          <p:nvPr>
-            <p:ph type="sldNum" sz="quarter" idx="10"/>
-          </p:nvPr>
-        </p:nvSpPr>
-        <p:spPr/>
-        <p:txBody>
-          <a:bodyPr/>
-          <a:lstStyle/>
-          <a:p>
-            <a:fld id="{BB362548-9E8D-4C32-8DD1-2032220F2A30}" type="slidenum">
-              <a:rPr lang="en-US" smtClean="0"/>
-              <a:t>33</a:t>
-            </a:fld>
-            <a:endParaRPr lang="en-US"/>
-          </a:p>
-        </p:txBody>
-      </p:sp>
     </p:spTree>
     <p:extLst>
       <p:ext uri="{BB962C8B-B14F-4D97-AF65-F5344CB8AC3E}">
@@ -3016,29 +2397,6 @@
           </a:p>
         </p:txBody>
       </p:sp>
-      <p:sp>
-        <p:nvSpPr>
-          <p:cNvPr id="4" name="Slide Number Placeholder 3"/>
-          <p:cNvSpPr>
-            <a:spLocks noGrp="1"/>
-          </p:cNvSpPr>
-          <p:nvPr>
-            <p:ph type="sldNum" sz="quarter" idx="10"/>
-          </p:nvPr>
-        </p:nvSpPr>
-        <p:spPr/>
-        <p:txBody>
-          <a:bodyPr/>
-          <a:lstStyle/>
-          <a:p>
-            <a:fld id="{BB362548-9E8D-4C32-8DD1-2032220F2A30}" type="slidenum">
-              <a:rPr lang="en-US" smtClean="0"/>
-              <a:t>34</a:t>
-            </a:fld>
-            <a:endParaRPr lang="en-US"/>
-          </a:p>
-        </p:txBody>
-      </p:sp>
     </p:spTree>
     <p:extLst>
       <p:ext uri="{BB962C8B-B14F-4D97-AF65-F5344CB8AC3E}">
@@ -3100,29 +2458,6 @@
           </a:p>
         </p:txBody>
       </p:sp>
-      <p:sp>
-        <p:nvSpPr>
-          <p:cNvPr id="4" name="Slide Number Placeholder 3"/>
-          <p:cNvSpPr>
-            <a:spLocks noGrp="1"/>
-          </p:cNvSpPr>
-          <p:nvPr>
-            <p:ph type="sldNum" sz="quarter" idx="10"/>
-          </p:nvPr>
-        </p:nvSpPr>
-        <p:spPr/>
-        <p:txBody>
-          <a:bodyPr/>
-          <a:lstStyle/>
-          <a:p>
-            <a:fld id="{BB362548-9E8D-4C32-8DD1-2032220F2A30}" type="slidenum">
-              <a:rPr lang="en-US" smtClean="0"/>
-              <a:t>4</a:t>
-            </a:fld>
-            <a:endParaRPr lang="en-US"/>
-          </a:p>
-        </p:txBody>
-      </p:sp>
     </p:spTree>
     <p:extLst>
       <p:ext uri="{BB962C8B-B14F-4D97-AF65-F5344CB8AC3E}">
@@ -3184,29 +2519,6 @@
           </a:p>
         </p:txBody>
       </p:sp>
-      <p:sp>
-        <p:nvSpPr>
-          <p:cNvPr id="4" name="Slide Number Placeholder 3"/>
-          <p:cNvSpPr>
-            <a:spLocks noGrp="1"/>
-          </p:cNvSpPr>
-          <p:nvPr>
-            <p:ph type="sldNum" sz="quarter" idx="10"/>
-          </p:nvPr>
-        </p:nvSpPr>
-        <p:spPr/>
-        <p:txBody>
-          <a:bodyPr/>
-          <a:lstStyle/>
-          <a:p>
-            <a:fld id="{BB362548-9E8D-4C32-8DD1-2032220F2A30}" type="slidenum">
-              <a:rPr lang="en-US" smtClean="0"/>
-              <a:t>5</a:t>
-            </a:fld>
-            <a:endParaRPr lang="en-US"/>
-          </a:p>
-        </p:txBody>
-      </p:sp>
     </p:spTree>
     <p:extLst>
       <p:ext uri="{BB962C8B-B14F-4D97-AF65-F5344CB8AC3E}">
@@ -3268,29 +2580,6 @@
           </a:p>
         </p:txBody>
       </p:sp>
-      <p:sp>
-        <p:nvSpPr>
-          <p:cNvPr id="4" name="Slide Number Placeholder 3"/>
-          <p:cNvSpPr>
-            <a:spLocks noGrp="1"/>
-          </p:cNvSpPr>
-          <p:nvPr>
-            <p:ph type="sldNum" sz="quarter" idx="10"/>
-          </p:nvPr>
-        </p:nvSpPr>
-        <p:spPr/>
-        <p:txBody>
-          <a:bodyPr/>
-          <a:lstStyle/>
-          <a:p>
-            <a:fld id="{BB362548-9E8D-4C32-8DD1-2032220F2A30}" type="slidenum">
-              <a:rPr lang="en-US" smtClean="0"/>
-              <a:t>6</a:t>
-            </a:fld>
-            <a:endParaRPr lang="en-US"/>
-          </a:p>
-        </p:txBody>
-      </p:sp>
     </p:spTree>
     <p:extLst>
       <p:ext uri="{BB962C8B-B14F-4D97-AF65-F5344CB8AC3E}">
@@ -3352,29 +2641,6 @@
           </a:p>
         </p:txBody>
       </p:sp>
-      <p:sp>
-        <p:nvSpPr>
-          <p:cNvPr id="4" name="Slide Number Placeholder 3"/>
-          <p:cNvSpPr>
-            <a:spLocks noGrp="1"/>
-          </p:cNvSpPr>
-          <p:nvPr>
-            <p:ph type="sldNum" sz="quarter" idx="10"/>
-          </p:nvPr>
-        </p:nvSpPr>
-        <p:spPr/>
-        <p:txBody>
-          <a:bodyPr/>
-          <a:lstStyle/>
-          <a:p>
-            <a:fld id="{BB362548-9E8D-4C32-8DD1-2032220F2A30}" type="slidenum">
-              <a:rPr lang="en-US" smtClean="0"/>
-              <a:t>7</a:t>
-            </a:fld>
-            <a:endParaRPr lang="en-US"/>
-          </a:p>
-        </p:txBody>
-      </p:sp>
     </p:spTree>
     <p:extLst>
       <p:ext uri="{BB962C8B-B14F-4D97-AF65-F5344CB8AC3E}">
@@ -3436,29 +2702,6 @@
           </a:p>
         </p:txBody>
       </p:sp>
-      <p:sp>
-        <p:nvSpPr>
-          <p:cNvPr id="4" name="Slide Number Placeholder 3"/>
-          <p:cNvSpPr>
-            <a:spLocks noGrp="1"/>
-          </p:cNvSpPr>
-          <p:nvPr>
-            <p:ph type="sldNum" sz="quarter" idx="10"/>
-          </p:nvPr>
-        </p:nvSpPr>
-        <p:spPr/>
-        <p:txBody>
-          <a:bodyPr/>
-          <a:lstStyle/>
-          <a:p>
-            <a:fld id="{BB362548-9E8D-4C32-8DD1-2032220F2A30}" type="slidenum">
-              <a:rPr lang="en-US" smtClean="0"/>
-              <a:t>8</a:t>
-            </a:fld>
-            <a:endParaRPr lang="en-US"/>
-          </a:p>
-        </p:txBody>
-      </p:sp>
     </p:spTree>
     <p:extLst>
       <p:ext uri="{BB962C8B-B14F-4D97-AF65-F5344CB8AC3E}">
@@ -3520,29 +2763,6 @@
           </a:p>
         </p:txBody>
       </p:sp>
-      <p:sp>
-        <p:nvSpPr>
-          <p:cNvPr id="4" name="Slide Number Placeholder 3"/>
-          <p:cNvSpPr>
-            <a:spLocks noGrp="1"/>
-          </p:cNvSpPr>
-          <p:nvPr>
-            <p:ph type="sldNum" sz="quarter" idx="10"/>
-          </p:nvPr>
-        </p:nvSpPr>
-        <p:spPr/>
-        <p:txBody>
-          <a:bodyPr/>
-          <a:lstStyle/>
-          <a:p>
-            <a:fld id="{BB362548-9E8D-4C32-8DD1-2032220F2A30}" type="slidenum">
-              <a:rPr lang="en-US" smtClean="0"/>
-              <a:t>9</a:t>
-            </a:fld>
-            <a:endParaRPr lang="en-US"/>
-          </a:p>
-        </p:txBody>
-      </p:sp>
     </p:spTree>
     <p:extLst>
       <p:ext uri="{BB962C8B-B14F-4D97-AF65-F5344CB8AC3E}">
@@ -3742,9 +2962,9 @@
           <a:bodyPr/>
           <a:lstStyle/>
           <a:p>
-            <a:fld id="{1ADBA217-48A2-4457-AEA2-289958AB4AD1}" type="datetime1">
+            <a:fld id="{6E0D8535-383A-4DED-8DE1-5786D81398C9}" type="datetime1">
               <a:rPr lang="en-GB" smtClean="0"/>
-              <a:t>20/06/2015</a:t>
+              <a:t>23/06/2015</a:t>
             </a:fld>
             <a:endParaRPr lang="en-GB"/>
           </a:p>
@@ -4080,9 +3300,9 @@
           <a:bodyPr/>
           <a:lstStyle/>
           <a:p>
-            <a:fld id="{3103EA12-C617-44A2-AF1E-5E62C0C3D39A}" type="datetime1">
+            <a:fld id="{DCC32858-0524-44F6-A5E5-9DD5170999D8}" type="datetime1">
               <a:rPr lang="en-GB" smtClean="0"/>
-              <a:t>20/06/2015</a:t>
+              <a:t>23/06/2015</a:t>
             </a:fld>
             <a:endParaRPr lang="en-GB"/>
           </a:p>
@@ -4481,9 +3701,9 @@
           <a:bodyPr/>
           <a:lstStyle/>
           <a:p>
-            <a:fld id="{14988C82-5F10-4B35-85D0-4B6B6722D8EB}" type="datetime1">
+            <a:fld id="{9D386E8D-A9C3-4D37-86BB-FCF3E5CC5046}" type="datetime1">
               <a:rPr lang="en-GB" smtClean="0"/>
-              <a:t>20/06/2015</a:t>
+              <a:t>23/06/2015</a:t>
             </a:fld>
             <a:endParaRPr lang="en-GB"/>
           </a:p>
@@ -4817,9 +4037,9 @@
           <a:bodyPr/>
           <a:lstStyle/>
           <a:p>
-            <a:fld id="{5B2736EA-1DED-4777-9CD6-85B30498CC99}" type="datetime1">
+            <a:fld id="{89BB1E19-226E-4712-9645-6F74BD42C084}" type="datetime1">
               <a:rPr lang="en-GB" smtClean="0"/>
-              <a:t>20/06/2015</a:t>
+              <a:t>23/06/2015</a:t>
             </a:fld>
             <a:endParaRPr lang="en-GB"/>
           </a:p>
@@ -5137,9 +4357,9 @@
           <a:bodyPr/>
           <a:lstStyle/>
           <a:p>
-            <a:fld id="{ADDBF132-628C-4475-973C-953F79D6709A}" type="datetime1">
+            <a:fld id="{EF0C17F9-8389-42A5-8366-395163545050}" type="datetime1">
               <a:rPr lang="en-GB" smtClean="0"/>
-              <a:t>20/06/2015</a:t>
+              <a:t>23/06/2015</a:t>
             </a:fld>
             <a:endParaRPr lang="en-GB"/>
           </a:p>
@@ -5533,9 +4753,9 @@
           <a:bodyPr/>
           <a:lstStyle/>
           <a:p>
-            <a:fld id="{766F239F-ABAF-42DC-AB03-C19FC59BBCFB}" type="datetime1">
+            <a:fld id="{BF3AC09C-738A-4315-89CF-27CC0F24F9DB}" type="datetime1">
               <a:rPr lang="en-GB" smtClean="0"/>
-              <a:t>20/06/2015</a:t>
+              <a:t>23/06/2015</a:t>
             </a:fld>
             <a:endParaRPr lang="en-GB"/>
           </a:p>
@@ -5790,9 +5010,9 @@
           <a:bodyPr/>
           <a:lstStyle/>
           <a:p>
-            <a:fld id="{01DFFBEF-A7B9-44BF-9F82-F3F3FE49053B}" type="datetime1">
+            <a:fld id="{B7309D01-1E23-4FAD-AF52-F0D684B5D7F9}" type="datetime1">
               <a:rPr lang="en-GB" smtClean="0"/>
-              <a:t>20/06/2015</a:t>
+              <a:t>23/06/2015</a:t>
             </a:fld>
             <a:endParaRPr lang="en-GB"/>
           </a:p>
@@ -6052,9 +5272,9 @@
           <a:bodyPr/>
           <a:lstStyle/>
           <a:p>
-            <a:fld id="{31C790A0-1064-421B-9DAD-E99DB337BE7F}" type="datetime1">
+            <a:fld id="{580A572D-3A72-4892-AA4E-F235C39FD577}" type="datetime1">
               <a:rPr lang="en-GB" smtClean="0"/>
-              <a:t>20/06/2015</a:t>
+              <a:t>23/06/2015</a:t>
             </a:fld>
             <a:endParaRPr lang="en-GB"/>
           </a:p>
@@ -6314,9 +5534,9 @@
           <a:bodyPr/>
           <a:lstStyle/>
           <a:p>
-            <a:fld id="{EDF53D54-9AC6-4CC0-85C5-9F4D5624A244}" type="datetime1">
+            <a:fld id="{1D0FA622-AB5A-4C56-97DC-183E3F6CA644}" type="datetime1">
               <a:rPr lang="en-GB" smtClean="0"/>
-              <a:t>20/06/2015</a:t>
+              <a:t>23/06/2015</a:t>
             </a:fld>
             <a:endParaRPr lang="en-GB"/>
           </a:p>
@@ -6643,9 +5863,9 @@
           <a:bodyPr/>
           <a:lstStyle/>
           <a:p>
-            <a:fld id="{BB4C28DD-680B-4E3C-8C09-C9EEB53AAC8E}" type="datetime1">
+            <a:fld id="{AABD43C8-1BA3-4E93-816C-7FBBDD8B0CEA}" type="datetime1">
               <a:rPr lang="en-GB" smtClean="0"/>
-              <a:t>20/06/2015</a:t>
+              <a:t>23/06/2015</a:t>
             </a:fld>
             <a:endParaRPr lang="en-GB"/>
           </a:p>
@@ -6966,9 +6186,9 @@
           <a:bodyPr/>
           <a:lstStyle/>
           <a:p>
-            <a:fld id="{75437382-4B96-4B54-A82D-757190B77570}" type="datetime1">
+            <a:fld id="{A8BC942B-E4A3-4748-957E-8CE1C7BEB504}" type="datetime1">
               <a:rPr lang="en-GB" smtClean="0"/>
-              <a:t>20/06/2015</a:t>
+              <a:t>23/06/2015</a:t>
             </a:fld>
             <a:endParaRPr lang="en-GB"/>
           </a:p>
@@ -7423,9 +6643,9 @@
           <a:bodyPr/>
           <a:lstStyle/>
           <a:p>
-            <a:fld id="{F006BD73-D09B-4642-AB1D-19FAEA13E4D9}" type="datetime1">
+            <a:fld id="{E22517B2-9B28-45D4-A5DC-B33BA8EA2A9B}" type="datetime1">
               <a:rPr lang="en-GB" smtClean="0"/>
-              <a:t>20/06/2015</a:t>
+              <a:t>23/06/2015</a:t>
             </a:fld>
             <a:endParaRPr lang="en-GB"/>
           </a:p>
@@ -7628,9 +6848,9 @@
           <a:bodyPr/>
           <a:lstStyle/>
           <a:p>
-            <a:fld id="{F383F302-7D42-4C1F-9E4D-4C9CFC4083DC}" type="datetime1">
+            <a:fld id="{732E3DA1-8563-48AD-9AF7-26796BF1DB04}" type="datetime1">
               <a:rPr lang="en-GB" smtClean="0"/>
-              <a:t>20/06/2015</a:t>
+              <a:t>23/06/2015</a:t>
             </a:fld>
             <a:endParaRPr lang="en-GB"/>
           </a:p>
@@ -7805,9 +7025,9 @@
           <a:bodyPr/>
           <a:lstStyle/>
           <a:p>
-            <a:fld id="{6B0405F5-605C-43CB-83B0-5FA07EB2367F}" type="datetime1">
+            <a:fld id="{2812E99D-A549-4687-8A66-A41F4B5B30C5}" type="datetime1">
               <a:rPr lang="en-GB" smtClean="0"/>
-              <a:t>20/06/2015</a:t>
+              <a:t>23/06/2015</a:t>
             </a:fld>
             <a:endParaRPr lang="en-GB"/>
           </a:p>
@@ -8138,9 +7358,9 @@
           <a:bodyPr/>
           <a:lstStyle/>
           <a:p>
-            <a:fld id="{BD000BB2-B955-4565-B0A0-08F85A784DDA}" type="datetime1">
+            <a:fld id="{C0AFF687-34F1-462C-93A8-11BCD5E54BD2}" type="datetime1">
               <a:rPr lang="en-GB" smtClean="0"/>
-              <a:t>20/06/2015</a:t>
+              <a:t>23/06/2015</a:t>
             </a:fld>
             <a:endParaRPr lang="en-GB"/>
           </a:p>
@@ -8483,9 +7703,9 @@
           <a:bodyPr/>
           <a:lstStyle/>
           <a:p>
-            <a:fld id="{B1B1B889-4EF2-4A28-A1AC-80ADFBC29BEE}" type="datetime1">
+            <a:fld id="{27430BF2-32D0-4746-8256-36FF0843E3DF}" type="datetime1">
               <a:rPr lang="en-GB" smtClean="0"/>
-              <a:t>20/06/2015</a:t>
+              <a:t>23/06/2015</a:t>
             </a:fld>
             <a:endParaRPr lang="en-GB"/>
           </a:p>
@@ -10600,9 +9820,9 @@
             </a:lvl1pPr>
           </a:lstStyle>
           <a:p>
-            <a:fld id="{6676C93A-78DF-4047-B061-E1FEFA9C6FC6}" type="datetime1">
+            <a:fld id="{6E8B3C84-6FE3-4D24-98DF-EF32285CC67D}" type="datetime1">
               <a:rPr lang="en-GB" smtClean="0"/>
-              <a:t>20/06/2015</a:t>
+              <a:t>23/06/2015</a:t>
             </a:fld>
             <a:endParaRPr lang="en-GB"/>
           </a:p>
@@ -11328,8 +10548,8 @@
         </p:nvSpPr>
         <p:spPr>
           <a:xfrm>
-            <a:off x="4509557" y="4171183"/>
-            <a:ext cx="3435978" cy="801925"/>
+            <a:off x="4145714" y="4098755"/>
+            <a:ext cx="4163663" cy="801925"/>
           </a:xfrm>
         </p:spPr>
         <p:txBody>
@@ -11338,7 +10558,7 @@
           </a:bodyPr>
           <a:lstStyle/>
           <a:p>
-            <a:pPr algn="just">
+            <a:pPr algn="ctr">
               <a:lnSpc>
                 <a:spcPct val="125000"/>
               </a:lnSpc>
@@ -11368,7 +10588,7 @@
             </a:r>
           </a:p>
           <a:p>
-            <a:pPr algn="just">
+            <a:pPr algn="ctr">
               <a:lnSpc>
                 <a:spcPct val="125000"/>
               </a:lnSpc>
@@ -11377,14 +10597,14 @@
               </a:spcBef>
             </a:pPr>
             <a:r>
-              <a:rPr lang="en-GB" sz="2200" dirty="0" err="1" smtClean="0">
+              <a:rPr lang="en-GB" sz="2200" smtClean="0">
                 <a:solidFill>
                   <a:schemeClr val="tx1"/>
                 </a:solidFill>
                 <a:latin typeface="Arial" panose="020B0604020202020204" pitchFamily="34" charset="0"/>
                 <a:cs typeface="Arial" panose="020B0604020202020204" pitchFamily="34" charset="0"/>
               </a:rPr>
-              <a:t>Advisor：Zone-Chang</a:t>
+              <a:t>Advisor：Prof. Zone-Chang </a:t>
             </a:r>
             <a:r>
               <a:rPr lang="en-GB" sz="2200" dirty="0" smtClean="0">
@@ -11394,7 +10614,7 @@
                 <a:latin typeface="Arial" panose="020B0604020202020204" pitchFamily="34" charset="0"/>
                 <a:cs typeface="Arial" panose="020B0604020202020204" pitchFamily="34" charset="0"/>
               </a:rPr>
-              <a:t> Lai</a:t>
+              <a:t>Lai</a:t>
             </a:r>
             <a:endParaRPr lang="en-GB" sz="2200" dirty="0">
               <a:solidFill>
@@ -11403,6 +10623,29 @@
               <a:latin typeface="Arial" panose="020B0604020202020204" pitchFamily="34" charset="0"/>
               <a:cs typeface="Arial" panose="020B0604020202020204" pitchFamily="34" charset="0"/>
             </a:endParaRPr>
+          </a:p>
+        </p:txBody>
+      </p:sp>
+      <p:sp>
+        <p:nvSpPr>
+          <p:cNvPr id="4" name="Slide Number Placeholder 3"/>
+          <p:cNvSpPr>
+            <a:spLocks noGrp="1"/>
+          </p:cNvSpPr>
+          <p:nvPr>
+            <p:ph type="sldNum" sz="quarter" idx="12"/>
+          </p:nvPr>
+        </p:nvSpPr>
+        <p:spPr/>
+        <p:txBody>
+          <a:bodyPr/>
+          <a:lstStyle/>
+          <a:p>
+            <a:fld id="{8EACBB75-E6F3-4170-A8E4-CB655E34A25B}" type="slidenum">
+              <a:rPr lang="en-GB" smtClean="0"/>
+              <a:t>1</a:t>
+            </a:fld>
+            <a:endParaRPr lang="en-GB"/>
           </a:p>
         </p:txBody>
       </p:sp>
@@ -11455,8 +10698,8 @@
         </p:nvSpPr>
         <p:spPr>
           <a:xfrm>
-            <a:off x="1711970" y="1939500"/>
-            <a:ext cx="8989226" cy="4105749"/>
+            <a:off x="2881893" y="2039088"/>
+            <a:ext cx="6718474" cy="2786409"/>
           </a:xfrm>
         </p:spPr>
         <p:txBody>
@@ -11471,7 +10714,20 @@
               </a:lnSpc>
             </a:pPr>
             <a:r>
-              <a:rPr lang="en-US" sz="2400" i="1" dirty="0" smtClean="0">
+              <a:rPr lang="en-US" sz="2400" smtClean="0">
+                <a:solidFill>
+                  <a:schemeClr val="tx1">
+                    <a:lumMod val="85000"/>
+                    <a:lumOff val="15000"/>
+                  </a:schemeClr>
+                </a:solidFill>
+                <a:latin typeface="Arial" panose="020B0604020202020204" pitchFamily="34" charset="0"/>
+                <a:cs typeface="Arial" panose="020B0604020202020204" pitchFamily="34" charset="0"/>
+              </a:rPr>
+              <a:t>Number of data points </a:t>
+            </a:r>
+            <a:r>
+              <a:rPr lang="en-US" sz="2400" i="1" smtClean="0">
                 <a:solidFill>
                   <a:schemeClr val="tx1">
                     <a:lumMod val="85000"/>
@@ -11484,6 +10740,32 @@
               <a:t>N</a:t>
             </a:r>
             <a:r>
+              <a:rPr lang="en-US" sz="2400" smtClean="0">
+                <a:solidFill>
+                  <a:schemeClr val="tx1">
+                    <a:lumMod val="85000"/>
+                    <a:lumOff val="15000"/>
+                  </a:schemeClr>
+                </a:solidFill>
+                <a:latin typeface="Arial" panose="020B0604020202020204" pitchFamily="34" charset="0"/>
+                <a:cs typeface="Arial" panose="020B0604020202020204" pitchFamily="34" charset="0"/>
+              </a:rPr>
+              <a:t> </a:t>
+            </a:r>
+            <a:r>
+              <a:rPr lang="en-US" sz="2400" dirty="0">
+                <a:solidFill>
+                  <a:schemeClr val="tx1">
+                    <a:lumMod val="85000"/>
+                    <a:lumOff val="15000"/>
+                  </a:schemeClr>
+                </a:solidFill>
+                <a:latin typeface="Arial" panose="020B0604020202020204" pitchFamily="34" charset="0"/>
+                <a:cs typeface="Arial" panose="020B0604020202020204" pitchFamily="34" charset="0"/>
+              </a:rPr>
+              <a:t>is </a:t>
+            </a:r>
+            <a:r>
               <a:rPr lang="en-US" sz="2400" dirty="0" smtClean="0">
                 <a:solidFill>
                   <a:schemeClr val="tx1">
@@ -11494,92 +10776,144 @@
                 <a:latin typeface="Arial" panose="020B0604020202020204" pitchFamily="34" charset="0"/>
                 <a:cs typeface="Arial" panose="020B0604020202020204" pitchFamily="34" charset="0"/>
               </a:rPr>
+              <a:t>small </a:t>
+            </a:r>
+            <a:r>
+              <a:rPr lang="en-US" sz="2400" smtClean="0">
+                <a:solidFill>
+                  <a:schemeClr val="tx1">
+                    <a:lumMod val="85000"/>
+                    <a:lumOff val="15000"/>
+                  </a:schemeClr>
+                </a:solidFill>
+                <a:latin typeface="Arial" panose="020B0604020202020204" pitchFamily="34" charset="0"/>
+                <a:cs typeface="Arial" panose="020B0604020202020204" pitchFamily="34" charset="0"/>
+              </a:rPr>
+              <a:t>: </a:t>
+            </a:r>
+            <a:endParaRPr lang="en-US" sz="2400" smtClean="0">
+              <a:solidFill>
+                <a:schemeClr val="tx1">
+                  <a:lumMod val="85000"/>
+                  <a:lumOff val="15000"/>
+                </a:schemeClr>
+              </a:solidFill>
+              <a:latin typeface="Arial" panose="020B0604020202020204" pitchFamily="34" charset="0"/>
+              <a:cs typeface="Arial" panose="020B0604020202020204" pitchFamily="34" charset="0"/>
+            </a:endParaRPr>
+          </a:p>
+          <a:p>
+            <a:pPr marL="0" indent="0" algn="just">
+              <a:lnSpc>
+                <a:spcPct val="135000"/>
+              </a:lnSpc>
+              <a:buNone/>
+              <a:tabLst>
+                <a:tab pos="361950" algn="l"/>
+              </a:tabLst>
+            </a:pPr>
+            <a:r>
+              <a:rPr lang="en-US" sz="2400" b="1">
+                <a:solidFill>
+                  <a:schemeClr val="tx1">
+                    <a:lumMod val="85000"/>
+                    <a:lumOff val="15000"/>
+                  </a:schemeClr>
+                </a:solidFill>
+                <a:latin typeface="Arial" panose="020B0604020202020204" pitchFamily="34" charset="0"/>
+                <a:cs typeface="Arial" panose="020B0604020202020204" pitchFamily="34" charset="0"/>
+              </a:rPr>
+              <a:t>	</a:t>
+            </a:r>
+            <a:r>
+              <a:rPr lang="en-US" sz="2200" b="1" smtClean="0">
+                <a:solidFill>
+                  <a:srgbClr val="FF0000"/>
+                </a:solidFill>
+                <a:latin typeface="Arial" panose="020B0604020202020204" pitchFamily="34" charset="0"/>
+                <a:cs typeface="Arial" panose="020B0604020202020204" pitchFamily="34" charset="0"/>
+              </a:rPr>
+              <a:t>Number </a:t>
+            </a:r>
+            <a:r>
+              <a:rPr lang="en-US" sz="2200" b="1" dirty="0">
+                <a:solidFill>
+                  <a:srgbClr val="FF0000"/>
+                </a:solidFill>
+                <a:latin typeface="Arial" panose="020B0604020202020204" pitchFamily="34" charset="0"/>
+                <a:cs typeface="Arial" panose="020B0604020202020204" pitchFamily="34" charset="0"/>
+              </a:rPr>
+              <a:t>of active threads in </a:t>
+            </a:r>
+            <a:r>
+              <a:rPr lang="en-US" sz="2200" b="1">
+                <a:solidFill>
+                  <a:srgbClr val="FF0000"/>
+                </a:solidFill>
+                <a:latin typeface="Arial" panose="020B0604020202020204" pitchFamily="34" charset="0"/>
+                <a:cs typeface="Arial" panose="020B0604020202020204" pitchFamily="34" charset="0"/>
+              </a:rPr>
+              <a:t>parallel </a:t>
+            </a:r>
+            <a:r>
+              <a:rPr lang="en-US" sz="2200" b="1" smtClean="0">
+                <a:solidFill>
+                  <a:srgbClr val="FF0000"/>
+                </a:solidFill>
+                <a:latin typeface="Arial" panose="020B0604020202020204" pitchFamily="34" charset="0"/>
+                <a:cs typeface="Arial" panose="020B0604020202020204" pitchFamily="34" charset="0"/>
+              </a:rPr>
+              <a:t>is small </a:t>
+            </a:r>
+          </a:p>
+          <a:p>
+            <a:pPr marL="0" indent="0" algn="just">
+              <a:lnSpc>
+                <a:spcPct val="135000"/>
+              </a:lnSpc>
+              <a:buNone/>
+              <a:tabLst>
+                <a:tab pos="361950" algn="l"/>
+              </a:tabLst>
+            </a:pPr>
+            <a:r>
+              <a:rPr lang="en-US" sz="2200" b="1">
+                <a:solidFill>
+                  <a:srgbClr val="FF0000"/>
+                </a:solidFill>
+                <a:latin typeface="Arial" panose="020B0604020202020204" pitchFamily="34" charset="0"/>
+                <a:cs typeface="Arial" panose="020B0604020202020204" pitchFamily="34" charset="0"/>
+              </a:rPr>
+              <a:t>	</a:t>
+            </a:r>
+            <a:r>
+              <a:rPr lang="en-US" sz="2200" b="1" smtClean="0">
+                <a:solidFill>
+                  <a:schemeClr val="tx1">
+                    <a:lumMod val="85000"/>
+                    <a:lumOff val="15000"/>
+                  </a:schemeClr>
+                </a:solidFill>
+                <a:latin typeface="Arial" panose="020B0604020202020204" pitchFamily="34" charset="0"/>
+                <a:cs typeface="Arial" panose="020B0604020202020204" pitchFamily="34" charset="0"/>
+              </a:rPr>
+              <a:t>→</a:t>
+            </a:r>
+            <a:r>
+              <a:rPr lang="en-US" sz="2200" smtClean="0">
+                <a:solidFill>
+                  <a:schemeClr val="tx1">
+                    <a:lumMod val="85000"/>
+                    <a:lumOff val="15000"/>
+                  </a:schemeClr>
+                </a:solidFill>
+                <a:latin typeface="Arial" panose="020B0604020202020204" pitchFamily="34" charset="0"/>
+                <a:cs typeface="Arial" panose="020B0604020202020204" pitchFamily="34" charset="0"/>
+              </a:rPr>
               <a:t> </a:t>
             </a:r>
             <a:r>
-              <a:rPr lang="en-US" sz="2400" dirty="0">
-                <a:solidFill>
-                  <a:schemeClr val="tx1">
-                    <a:lumMod val="85000"/>
-                    <a:lumOff val="15000"/>
-                  </a:schemeClr>
-                </a:solidFill>
-                <a:latin typeface="Arial" panose="020B0604020202020204" pitchFamily="34" charset="0"/>
-                <a:cs typeface="Arial" panose="020B0604020202020204" pitchFamily="34" charset="0"/>
-              </a:rPr>
-              <a:t>is </a:t>
-            </a:r>
-            <a:r>
-              <a:rPr lang="en-US" sz="2400" dirty="0" smtClean="0">
-                <a:solidFill>
-                  <a:schemeClr val="tx1">
-                    <a:lumMod val="85000"/>
-                    <a:lumOff val="15000"/>
-                  </a:schemeClr>
-                </a:solidFill>
-                <a:latin typeface="Arial" panose="020B0604020202020204" pitchFamily="34" charset="0"/>
-                <a:cs typeface="Arial" panose="020B0604020202020204" pitchFamily="34" charset="0"/>
-              </a:rPr>
-              <a:t>small : </a:t>
-            </a:r>
-            <a:r>
-              <a:rPr lang="en-US" sz="2400" b="1" dirty="0" smtClean="0">
-                <a:solidFill>
-                  <a:srgbClr val="FF0000"/>
-                </a:solidFill>
-                <a:latin typeface="Arial" panose="020B0604020202020204" pitchFamily="34" charset="0"/>
-                <a:cs typeface="Arial" panose="020B0604020202020204" pitchFamily="34" charset="0"/>
-              </a:rPr>
-              <a:t>number </a:t>
-            </a:r>
-            <a:r>
-              <a:rPr lang="en-US" sz="2400" b="1" dirty="0">
-                <a:solidFill>
-                  <a:srgbClr val="FF0000"/>
-                </a:solidFill>
-                <a:latin typeface="Arial" panose="020B0604020202020204" pitchFamily="34" charset="0"/>
-                <a:cs typeface="Arial" panose="020B0604020202020204" pitchFamily="34" charset="0"/>
-              </a:rPr>
-              <a:t>of active threads in parallel is </a:t>
-            </a:r>
-            <a:r>
-              <a:rPr lang="en-US" sz="2400" b="1" dirty="0" smtClean="0">
-                <a:solidFill>
-                  <a:srgbClr val="FF0000"/>
-                </a:solidFill>
-                <a:latin typeface="Arial" panose="020B0604020202020204" pitchFamily="34" charset="0"/>
-                <a:cs typeface="Arial" panose="020B0604020202020204" pitchFamily="34" charset="0"/>
-              </a:rPr>
-              <a:t>small </a:t>
-            </a:r>
-            <a:r>
-              <a:rPr lang="en-US" sz="2400" b="1" dirty="0" smtClean="0">
-                <a:solidFill>
-                  <a:schemeClr val="tx1">
-                    <a:lumMod val="85000"/>
-                    <a:lumOff val="15000"/>
-                  </a:schemeClr>
-                </a:solidFill>
-                <a:latin typeface="Arial" panose="020B0604020202020204" pitchFamily="34" charset="0"/>
-                <a:cs typeface="Arial" panose="020B0604020202020204" pitchFamily="34" charset="0"/>
-              </a:rPr>
-              <a:t>→</a:t>
-            </a:r>
-            <a:r>
-              <a:rPr lang="en-US" sz="2400" dirty="0" smtClean="0">
-                <a:solidFill>
-                  <a:schemeClr val="tx1">
-                    <a:lumMod val="85000"/>
-                    <a:lumOff val="15000"/>
-                  </a:schemeClr>
-                </a:solidFill>
-                <a:latin typeface="Arial" panose="020B0604020202020204" pitchFamily="34" charset="0"/>
-                <a:cs typeface="Arial" panose="020B0604020202020204" pitchFamily="34" charset="0"/>
-              </a:rPr>
-              <a:t> </a:t>
-            </a:r>
-            <a:r>
-              <a:rPr lang="en-US" sz="2400" dirty="0">
+              <a:rPr lang="en-US" sz="2200" dirty="0">
                 <a:solidFill>
                   <a:schemeClr val="tx1">
                     <a:lumMod val="85000"/>
@@ -11592,7 +10926,7 @@
               <a:t>GPU </a:t>
             </a:r>
             <a:r>
-              <a:rPr lang="en-US" sz="2400" dirty="0" smtClean="0">
+              <a:rPr lang="en-US" sz="2200" dirty="0" smtClean="0">
                 <a:solidFill>
                   <a:schemeClr val="tx1">
                     <a:lumMod val="85000"/>
@@ -11605,7 +10939,7 @@
               <a:t>is inefficient </a:t>
             </a:r>
             <a:r>
-              <a:rPr lang="en-US" sz="2400" b="1" dirty="0" smtClean="0">
+              <a:rPr lang="en-US" sz="2200" b="1" dirty="0" smtClean="0">
                 <a:solidFill>
                   <a:schemeClr val="tx1">
                     <a:lumMod val="85000"/>
@@ -11618,7 +10952,7 @@
               <a:t>→ </a:t>
             </a:r>
             <a:r>
-              <a:rPr lang="en-US" sz="2400" b="1" dirty="0" smtClean="0">
+              <a:rPr lang="en-US" sz="2200" b="1" dirty="0" smtClean="0">
                 <a:solidFill>
                   <a:srgbClr val="00B050"/>
                 </a:solidFill>
@@ -11628,7 +10962,7 @@
               <a:t>CPU is still used</a:t>
             </a:r>
             <a:r>
-              <a:rPr lang="en-US" sz="2400" dirty="0" smtClean="0">
+              <a:rPr lang="en-US" sz="2200" dirty="0" smtClean="0">
                 <a:latin typeface="Arial" panose="020B0604020202020204" pitchFamily="34" charset="0"/>
                 <a:cs typeface="Arial" panose="020B0604020202020204" pitchFamily="34" charset="0"/>
               </a:rPr>
@@ -11678,22 +11012,15 @@
                 <a:latin typeface="Arial" panose="020B0604020202020204" pitchFamily="34" charset="0"/>
                 <a:cs typeface="Arial" panose="020B0604020202020204" pitchFamily="34" charset="0"/>
               </a:rPr>
-              <a:t>complexity : </a:t>
-            </a:r>
-            <a:r>
-              <a:rPr lang="en-US" sz="2400" b="1" dirty="0" smtClean="0">
-                <a:solidFill>
-                  <a:srgbClr val="00B050"/>
-                </a:solidFill>
-                <a:latin typeface="Arial" panose="020B0604020202020204" pitchFamily="34" charset="0"/>
-                <a:cs typeface="Arial" panose="020B0604020202020204" pitchFamily="34" charset="0"/>
-              </a:rPr>
-              <a:t>O(</a:t>
-            </a:r>
-            <a:r>
-              <a:rPr lang="en-US" sz="2400" b="1" i="1" dirty="0" err="1" smtClean="0">
-                <a:solidFill>
-                  <a:srgbClr val="00B050"/>
+              <a:t>complexity : O(</a:t>
+            </a:r>
+            <a:r>
+              <a:rPr lang="en-US" sz="2400" i="1" dirty="0" err="1" smtClean="0">
+                <a:solidFill>
+                  <a:schemeClr val="tx1">
+                    <a:lumMod val="85000"/>
+                    <a:lumOff val="15000"/>
+                  </a:schemeClr>
                 </a:solidFill>
                 <a:latin typeface="Arial" panose="020B0604020202020204" pitchFamily="34" charset="0"/>
                 <a:cs typeface="Arial" panose="020B0604020202020204" pitchFamily="34" charset="0"/>
@@ -11701,9 +11028,12 @@
               <a:t>NMd</a:t>
             </a:r>
             <a:r>
-              <a:rPr lang="en-US" sz="2400" b="1" i="1" dirty="0" smtClean="0">
-                <a:solidFill>
-                  <a:srgbClr val="00B050"/>
+              <a:rPr lang="en-US" sz="2400" i="1" dirty="0" smtClean="0">
+                <a:solidFill>
+                  <a:schemeClr val="tx1">
+                    <a:lumMod val="85000"/>
+                    <a:lumOff val="15000"/>
+                  </a:schemeClr>
                 </a:solidFill>
                 <a:latin typeface="Arial" panose="020B0604020202020204" pitchFamily="34" charset="0"/>
                 <a:cs typeface="Arial" panose="020B0604020202020204" pitchFamily="34" charset="0"/>
@@ -11711,9 +11041,12 @@
               <a:t> </a:t>
             </a:r>
             <a:r>
-              <a:rPr lang="en-US" sz="2400" b="1" dirty="0">
-                <a:solidFill>
-                  <a:srgbClr val="00B050"/>
+              <a:rPr lang="en-US" sz="2400" dirty="0">
+                <a:solidFill>
+                  <a:schemeClr val="tx1">
+                    <a:lumMod val="85000"/>
+                    <a:lumOff val="15000"/>
+                  </a:schemeClr>
                 </a:solidFill>
                 <a:latin typeface="Arial" panose="020B0604020202020204" pitchFamily="34" charset="0"/>
                 <a:cs typeface="Arial" panose="020B0604020202020204" pitchFamily="34" charset="0"/>
@@ -11721,9 +11054,12 @@
               <a:t>+ </a:t>
             </a:r>
             <a:r>
-              <a:rPr lang="en-US" sz="2400" b="1" i="1" dirty="0" err="1">
-                <a:solidFill>
-                  <a:srgbClr val="00B050"/>
+              <a:rPr lang="en-US" sz="2400" i="1" dirty="0" err="1">
+                <a:solidFill>
+                  <a:schemeClr val="tx1">
+                    <a:lumMod val="85000"/>
+                    <a:lumOff val="15000"/>
+                  </a:schemeClr>
                 </a:solidFill>
                 <a:latin typeface="Arial" panose="020B0604020202020204" pitchFamily="34" charset="0"/>
                 <a:cs typeface="Arial" panose="020B0604020202020204" pitchFamily="34" charset="0"/>
@@ -11731,9 +11067,12 @@
               <a:t>kd</a:t>
             </a:r>
             <a:r>
-              <a:rPr lang="en-US" sz="2400" b="1" dirty="0" smtClean="0">
-                <a:solidFill>
-                  <a:srgbClr val="00B050"/>
+              <a:rPr lang="en-US" sz="2400" dirty="0" smtClean="0">
+                <a:solidFill>
+                  <a:schemeClr val="tx1">
+                    <a:lumMod val="85000"/>
+                    <a:lumOff val="15000"/>
+                  </a:schemeClr>
                 </a:solidFill>
                 <a:latin typeface="Arial" panose="020B0604020202020204" pitchFamily="34" charset="0"/>
                 <a:cs typeface="Arial" panose="020B0604020202020204" pitchFamily="34" charset="0"/>
@@ -11865,8 +11204,8 @@
         </p:nvSpPr>
         <p:spPr>
           <a:xfrm>
-            <a:off x="2166689" y="1788260"/>
-            <a:ext cx="8457768" cy="4625838"/>
+            <a:off x="2347759" y="1896901"/>
+            <a:ext cx="7783069" cy="3924477"/>
           </a:xfrm>
         </p:spPr>
         <p:txBody>
@@ -11881,12 +11220,9 @@
               </a:lnSpc>
             </a:pPr>
             <a:r>
-              <a:rPr lang="en-US" sz="2400" i="1" dirty="0" smtClean="0">
-                <a:solidFill>
-                  <a:schemeClr val="tx1">
-                    <a:lumMod val="85000"/>
-                    <a:lumOff val="15000"/>
-                  </a:schemeClr>
+              <a:rPr lang="en-US" sz="2400" b="1" i="1" dirty="0" smtClean="0">
+                <a:solidFill>
+                  <a:srgbClr val="00B050"/>
                 </a:solidFill>
                 <a:latin typeface="Arial" panose="020B0604020202020204" pitchFamily="34" charset="0"/>
                 <a:cs typeface="Arial" panose="020B0604020202020204" pitchFamily="34" charset="0"/>
@@ -11894,6 +11230,46 @@
               <a:t>N</a:t>
             </a:r>
             <a:r>
+              <a:rPr lang="en-US" sz="2400" b="1" dirty="0" smtClean="0">
+                <a:solidFill>
+                  <a:srgbClr val="00B050"/>
+                </a:solidFill>
+                <a:latin typeface="Arial" panose="020B0604020202020204" pitchFamily="34" charset="0"/>
+                <a:cs typeface="Arial" panose="020B0604020202020204" pitchFamily="34" charset="0"/>
+              </a:rPr>
+              <a:t> is large, </a:t>
+            </a:r>
+            <a:r>
+              <a:rPr lang="en-US" sz="2400" b="1" i="1" dirty="0" smtClean="0">
+                <a:solidFill>
+                  <a:srgbClr val="00B050"/>
+                </a:solidFill>
+                <a:latin typeface="Arial" panose="020B0604020202020204" pitchFamily="34" charset="0"/>
+                <a:cs typeface="Arial" panose="020B0604020202020204" pitchFamily="34" charset="0"/>
+              </a:rPr>
+              <a:t>k</a:t>
+            </a:r>
+            <a:r>
+              <a:rPr lang="en-US" sz="2400" b="1" dirty="0" smtClean="0">
+                <a:solidFill>
+                  <a:srgbClr val="00B050"/>
+                </a:solidFill>
+                <a:latin typeface="Arial" panose="020B0604020202020204" pitchFamily="34" charset="0"/>
+                <a:cs typeface="Arial" panose="020B0604020202020204" pitchFamily="34" charset="0"/>
+              </a:rPr>
+              <a:t> is close to </a:t>
+            </a:r>
+            <a:r>
+              <a:rPr lang="en-US" sz="2400" b="1" i="1" dirty="0" smtClean="0">
+                <a:solidFill>
+                  <a:srgbClr val="00B050"/>
+                </a:solidFill>
+                <a:latin typeface="Arial" panose="020B0604020202020204" pitchFamily="34" charset="0"/>
+                <a:cs typeface="Arial" panose="020B0604020202020204" pitchFamily="34" charset="0"/>
+              </a:rPr>
+              <a:t>M</a:t>
+            </a:r>
+            <a:r>
               <a:rPr lang="en-US" sz="2400" dirty="0" smtClean="0">
                 <a:solidFill>
                   <a:schemeClr val="tx1">
@@ -11904,69 +11280,7 @@
                 <a:latin typeface="Arial" panose="020B0604020202020204" pitchFamily="34" charset="0"/>
                 <a:cs typeface="Arial" panose="020B0604020202020204" pitchFamily="34" charset="0"/>
               </a:rPr>
-              <a:t> is large, </a:t>
-            </a:r>
-            <a:r>
-              <a:rPr lang="en-US" sz="2400" i="1" dirty="0" smtClean="0">
-                <a:solidFill>
-                  <a:schemeClr val="tx1">
-                    <a:lumMod val="85000"/>
-                    <a:lumOff val="15000"/>
-                  </a:schemeClr>
-                </a:solidFill>
-                <a:latin typeface="Arial" panose="020B0604020202020204" pitchFamily="34" charset="0"/>
-                <a:cs typeface="Arial" panose="020B0604020202020204" pitchFamily="34" charset="0"/>
-              </a:rPr>
-              <a:t>k</a:t>
-            </a:r>
-            <a:r>
-              <a:rPr lang="en-US" sz="2400" dirty="0" smtClean="0">
-                <a:solidFill>
-                  <a:schemeClr val="tx1">
-                    <a:lumMod val="85000"/>
-                    <a:lumOff val="15000"/>
-                  </a:schemeClr>
-                </a:solidFill>
-                <a:latin typeface="Arial" panose="020B0604020202020204" pitchFamily="34" charset="0"/>
-                <a:cs typeface="Arial" panose="020B0604020202020204" pitchFamily="34" charset="0"/>
-              </a:rPr>
-              <a:t> is close to </a:t>
-            </a:r>
-            <a:r>
-              <a:rPr lang="en-US" sz="2400" i="1" dirty="0" smtClean="0">
-                <a:solidFill>
-                  <a:schemeClr val="tx1">
-                    <a:lumMod val="85000"/>
-                    <a:lumOff val="15000"/>
-                  </a:schemeClr>
-                </a:solidFill>
-                <a:latin typeface="Arial" panose="020B0604020202020204" pitchFamily="34" charset="0"/>
-                <a:cs typeface="Arial" panose="020B0604020202020204" pitchFamily="34" charset="0"/>
-              </a:rPr>
-              <a:t>M</a:t>
-            </a:r>
-            <a:r>
-              <a:rPr lang="en-US" sz="2400" dirty="0" smtClean="0">
-                <a:solidFill>
-                  <a:schemeClr val="tx1">
-                    <a:lumMod val="85000"/>
-                    <a:lumOff val="15000"/>
-                  </a:schemeClr>
-                </a:solidFill>
-                <a:latin typeface="Arial" panose="020B0604020202020204" pitchFamily="34" charset="0"/>
-                <a:cs typeface="Arial" panose="020B0604020202020204" pitchFamily="34" charset="0"/>
-              </a:rPr>
-              <a:t> : </a:t>
-            </a:r>
-            <a:r>
-              <a:rPr lang="en-US" sz="2400" b="1" dirty="0" smtClean="0">
-                <a:solidFill>
-                  <a:srgbClr val="00B050"/>
-                </a:solidFill>
-                <a:latin typeface="Arial" panose="020B0604020202020204" pitchFamily="34" charset="0"/>
-                <a:cs typeface="Arial" panose="020B0604020202020204" pitchFamily="34" charset="0"/>
-              </a:rPr>
-              <a:t>using equation of FKM</a:t>
+              <a:t> : using equation of FKM</a:t>
             </a:r>
             <a:r>
               <a:rPr lang="en-US" sz="2400" dirty="0" smtClean="0">
@@ -12000,22 +11314,15 @@
                 <a:latin typeface="Arial" panose="020B0604020202020204" pitchFamily="34" charset="0"/>
                 <a:cs typeface="Arial" panose="020B0604020202020204" pitchFamily="34" charset="0"/>
               </a:rPr>
-              <a:t>The computational complexity : </a:t>
-            </a:r>
-            <a:r>
-              <a:rPr lang="en-US" sz="2400" b="1" dirty="0">
-                <a:solidFill>
-                  <a:srgbClr val="00B050"/>
-                </a:solidFill>
-                <a:latin typeface="Arial" panose="020B0604020202020204" pitchFamily="34" charset="0"/>
-                <a:cs typeface="Arial" panose="020B0604020202020204" pitchFamily="34" charset="0"/>
-              </a:rPr>
-              <a:t>O(</a:t>
-            </a:r>
-            <a:r>
-              <a:rPr lang="en-US" sz="2400" b="1" i="1" dirty="0" err="1">
-                <a:solidFill>
-                  <a:srgbClr val="00B050"/>
+              <a:t>The computational complexity : O(</a:t>
+            </a:r>
+            <a:r>
+              <a:rPr lang="en-US" sz="2400" i="1" dirty="0" err="1">
+                <a:solidFill>
+                  <a:schemeClr val="tx1">
+                    <a:lumMod val="85000"/>
+                    <a:lumOff val="15000"/>
+                  </a:schemeClr>
                 </a:solidFill>
                 <a:latin typeface="Arial" panose="020B0604020202020204" pitchFamily="34" charset="0"/>
                 <a:cs typeface="Arial" panose="020B0604020202020204" pitchFamily="34" charset="0"/>
@@ -12023,9 +11330,12 @@
               <a:t>Nkd</a:t>
             </a:r>
             <a:r>
-              <a:rPr lang="en-US" sz="2400" b="1" i="1" dirty="0">
-                <a:solidFill>
-                  <a:srgbClr val="00B050"/>
+              <a:rPr lang="en-US" sz="2400" i="1" dirty="0">
+                <a:solidFill>
+                  <a:schemeClr val="tx1">
+                    <a:lumMod val="85000"/>
+                    <a:lumOff val="15000"/>
+                  </a:schemeClr>
                 </a:solidFill>
                 <a:latin typeface="Arial" panose="020B0604020202020204" pitchFamily="34" charset="0"/>
                 <a:cs typeface="Arial" panose="020B0604020202020204" pitchFamily="34" charset="0"/>
@@ -12033,9 +11343,12 @@
               <a:t> </a:t>
             </a:r>
             <a:r>
-              <a:rPr lang="en-US" sz="2400" b="1" dirty="0">
-                <a:solidFill>
-                  <a:srgbClr val="00B050"/>
+              <a:rPr lang="en-US" sz="2400" dirty="0">
+                <a:solidFill>
+                  <a:schemeClr val="tx1">
+                    <a:lumMod val="85000"/>
+                    <a:lumOff val="15000"/>
+                  </a:schemeClr>
                 </a:solidFill>
                 <a:latin typeface="Arial" panose="020B0604020202020204" pitchFamily="34" charset="0"/>
                 <a:cs typeface="Arial" panose="020B0604020202020204" pitchFamily="34" charset="0"/>
@@ -12043,9 +11356,12 @@
               <a:t>+ </a:t>
             </a:r>
             <a:r>
-              <a:rPr lang="en-US" sz="2400" b="1" i="1" dirty="0" err="1">
-                <a:solidFill>
-                  <a:srgbClr val="00B050"/>
+              <a:rPr lang="en-US" sz="2400" i="1" dirty="0" err="1">
+                <a:solidFill>
+                  <a:schemeClr val="tx1">
+                    <a:lumMod val="85000"/>
+                    <a:lumOff val="15000"/>
+                  </a:schemeClr>
                 </a:solidFill>
                 <a:latin typeface="Arial" panose="020B0604020202020204" pitchFamily="34" charset="0"/>
                 <a:cs typeface="Arial" panose="020B0604020202020204" pitchFamily="34" charset="0"/>
@@ -12053,29 +11369,18 @@
               <a:t>kd</a:t>
             </a:r>
             <a:r>
-              <a:rPr lang="en-US" sz="2400" b="1" dirty="0" smtClean="0">
-                <a:solidFill>
-                  <a:srgbClr val="00B050"/>
-                </a:solidFill>
-                <a:latin typeface="Arial" panose="020B0604020202020204" pitchFamily="34" charset="0"/>
-                <a:cs typeface="Arial" panose="020B0604020202020204" pitchFamily="34" charset="0"/>
-              </a:rPr>
-              <a:t>)</a:t>
-            </a:r>
-            <a:r>
               <a:rPr lang="en-US" sz="2400" dirty="0" smtClean="0">
-                <a:latin typeface="Arial" panose="020B0604020202020204" pitchFamily="34" charset="0"/>
-                <a:cs typeface="Arial" panose="020B0604020202020204" pitchFamily="34" charset="0"/>
-              </a:rPr>
-              <a:t>,</a:t>
-            </a:r>
-            <a:endParaRPr lang="en-US" sz="2400" dirty="0" smtClean="0">
-              <a:solidFill>
-                <a:srgbClr val="00B050"/>
-              </a:solidFill>
-              <a:latin typeface="Arial" panose="020B0604020202020204" pitchFamily="34" charset="0"/>
-              <a:cs typeface="Arial" panose="020B0604020202020204" pitchFamily="34" charset="0"/>
-            </a:endParaRPr>
+                <a:solidFill>
+                  <a:schemeClr val="tx1">
+                    <a:lumMod val="85000"/>
+                    <a:lumOff val="15000"/>
+                  </a:schemeClr>
+                </a:solidFill>
+                <a:latin typeface="Arial" panose="020B0604020202020204" pitchFamily="34" charset="0"/>
+                <a:cs typeface="Arial" panose="020B0604020202020204" pitchFamily="34" charset="0"/>
+              </a:rPr>
+              <a:t>),</a:t>
+            </a:r>
           </a:p>
           <a:p>
             <a:pPr algn="just">
@@ -12084,17 +11389,17 @@
               </a:lnSpc>
             </a:pPr>
             <a:r>
-              <a:rPr lang="en-US" sz="2400" dirty="0" smtClean="0">
-                <a:solidFill>
-                  <a:schemeClr val="tx1">
-                    <a:lumMod val="85000"/>
-                    <a:lumOff val="15000"/>
-                  </a:schemeClr>
-                </a:solidFill>
-                <a:latin typeface="Arial" panose="020B0604020202020204" pitchFamily="34" charset="0"/>
-                <a:cs typeface="Arial" panose="020B0604020202020204" pitchFamily="34" charset="0"/>
-              </a:rPr>
-              <a:t>Having </a:t>
+              <a:rPr lang="en-US" sz="2400" smtClean="0">
+                <a:solidFill>
+                  <a:schemeClr val="tx1">
+                    <a:lumMod val="85000"/>
+                    <a:lumOff val="15000"/>
+                  </a:schemeClr>
+                </a:solidFill>
+                <a:latin typeface="Arial" panose="020B0604020202020204" pitchFamily="34" charset="0"/>
+                <a:cs typeface="Arial" panose="020B0604020202020204" pitchFamily="34" charset="0"/>
+              </a:rPr>
+              <a:t>Have </a:t>
             </a:r>
             <a:r>
               <a:rPr lang="en-US" sz="2400" b="1" dirty="0" smtClean="0">
@@ -12187,10 +11492,36 @@
                 <a:latin typeface="Arial" panose="020B0604020202020204" pitchFamily="34" charset="0"/>
                 <a:cs typeface="Arial" panose="020B0604020202020204" pitchFamily="34" charset="0"/>
               </a:rPr>
-              <a:t>data access, using </a:t>
-            </a:r>
-            <a:r>
-              <a:rPr lang="en-US" sz="2400" b="1" dirty="0" err="1">
+              <a:t>data access</a:t>
+            </a:r>
+            <a:r>
+              <a:rPr lang="en-US" sz="2400" smtClean="0">
+                <a:solidFill>
+                  <a:schemeClr val="tx1">
+                    <a:lumMod val="85000"/>
+                    <a:lumOff val="15000"/>
+                  </a:schemeClr>
+                </a:solidFill>
+                <a:latin typeface="Arial" panose="020B0604020202020204" pitchFamily="34" charset="0"/>
+                <a:cs typeface="Arial" panose="020B0604020202020204" pitchFamily="34" charset="0"/>
+              </a:rPr>
+              <a:t>, </a:t>
+            </a:r>
+            <a:r>
+              <a:rPr lang="en-US" sz="2400" smtClean="0">
+                <a:solidFill>
+                  <a:schemeClr val="tx1">
+                    <a:lumMod val="85000"/>
+                    <a:lumOff val="15000"/>
+                  </a:schemeClr>
+                </a:solidFill>
+                <a:latin typeface="Arial" panose="020B0604020202020204" pitchFamily="34" charset="0"/>
+                <a:cs typeface="Arial" panose="020B0604020202020204" pitchFamily="34" charset="0"/>
+              </a:rPr>
+              <a:t>use </a:t>
+            </a:r>
+            <a:r>
+              <a:rPr lang="en-US" sz="2400" b="1" smtClean="0">
                 <a:solidFill>
                   <a:srgbClr val="00B0F0"/>
                 </a:solidFill>
@@ -12200,25 +11531,42 @@
               <a:t>cuBLAS</a:t>
             </a:r>
             <a:r>
-              <a:rPr lang="en-US" sz="2400" dirty="0">
+              <a:rPr lang="en-US" sz="2400">
                 <a:latin typeface="Arial" panose="020B0604020202020204" pitchFamily="34" charset="0"/>
                 <a:cs typeface="Arial" panose="020B0604020202020204" pitchFamily="34" charset="0"/>
               </a:rPr>
               <a:t> </a:t>
             </a:r>
             <a:r>
-              <a:rPr lang="en-US" sz="2400" dirty="0" smtClean="0">
-                <a:solidFill>
-                  <a:schemeClr val="tx1">
-                    <a:lumMod val="85000"/>
-                    <a:lumOff val="15000"/>
-                  </a:schemeClr>
-                </a:solidFill>
-                <a:latin typeface="Arial" panose="020B0604020202020204" pitchFamily="34" charset="0"/>
-                <a:cs typeface="Arial" panose="020B0604020202020204" pitchFamily="34" charset="0"/>
-              </a:rPr>
-              <a:t>library:</a:t>
-            </a:r>
+              <a:rPr lang="en-US" sz="2400" smtClean="0">
+                <a:latin typeface="Arial" panose="020B0604020202020204" pitchFamily="34" charset="0"/>
+                <a:cs typeface="Arial" panose="020B0604020202020204" pitchFamily="34" charset="0"/>
+              </a:rPr>
+              <a:t>to </a:t>
+            </a:r>
+            <a:r>
+              <a:rPr lang="en-US" sz="2400" smtClean="0">
+                <a:solidFill>
+                  <a:schemeClr val="tx1">
+                    <a:lumMod val="85000"/>
+                    <a:lumOff val="15000"/>
+                  </a:schemeClr>
+                </a:solidFill>
+                <a:latin typeface="Arial" panose="020B0604020202020204" pitchFamily="34" charset="0"/>
+                <a:cs typeface="Arial" panose="020B0604020202020204" pitchFamily="34" charset="0"/>
+              </a:rPr>
+              <a:t>:</a:t>
+            </a:r>
+            <a:endParaRPr lang="en-US" sz="2400" dirty="0" smtClean="0">
+              <a:solidFill>
+                <a:schemeClr val="tx1">
+                  <a:lumMod val="85000"/>
+                  <a:lumOff val="15000"/>
+                </a:schemeClr>
+              </a:solidFill>
+              <a:latin typeface="Arial" panose="020B0604020202020204" pitchFamily="34" charset="0"/>
+              <a:cs typeface="Arial" panose="020B0604020202020204" pitchFamily="34" charset="0"/>
+            </a:endParaRPr>
           </a:p>
           <a:p>
             <a:pPr marL="1085850" lvl="1" algn="just">
@@ -13123,8 +12471,8 @@
         </p:nvSpPr>
         <p:spPr>
           <a:xfrm>
-            <a:off x="2004313" y="1992312"/>
-            <a:ext cx="9046864" cy="4105749"/>
+            <a:off x="2125097" y="1965153"/>
+            <a:ext cx="8232065" cy="3086682"/>
           </a:xfrm>
         </p:spPr>
         <p:txBody>
@@ -13217,12 +12565,9 @@
               <a:t>for the </a:t>
             </a:r>
             <a:r>
-              <a:rPr lang="en-US" sz="2400" i="1" dirty="0" err="1" smtClean="0">
-                <a:solidFill>
-                  <a:schemeClr val="tx1">
-                    <a:lumMod val="85000"/>
-                    <a:lumOff val="15000"/>
-                  </a:schemeClr>
+              <a:rPr lang="en-US" sz="2400" b="1" i="1" err="1" smtClean="0">
+                <a:solidFill>
+                  <a:srgbClr val="00B050"/>
                 </a:solidFill>
                 <a:latin typeface="Arial" panose="020B0604020202020204" pitchFamily="34" charset="0"/>
                 <a:cs typeface="Arial" panose="020B0604020202020204" pitchFamily="34" charset="0"/>
@@ -13230,12 +12575,9 @@
               <a:t>j</a:t>
             </a:r>
             <a:r>
-              <a:rPr lang="en-US" sz="2400" dirty="0" err="1" smtClean="0">
-                <a:solidFill>
-                  <a:schemeClr val="tx1">
-                    <a:lumMod val="85000"/>
-                    <a:lumOff val="15000"/>
-                  </a:schemeClr>
+              <a:rPr lang="en-US" sz="2400" b="1" err="1" smtClean="0">
+                <a:solidFill>
+                  <a:srgbClr val="00B050"/>
                 </a:solidFill>
                 <a:latin typeface="Arial" panose="020B0604020202020204" pitchFamily="34" charset="0"/>
                 <a:cs typeface="Arial" panose="020B0604020202020204" pitchFamily="34" charset="0"/>
@@ -13243,18 +12585,48 @@
               <a:t>th</a:t>
             </a:r>
             <a:r>
-              <a:rPr lang="en-US" sz="2400" dirty="0" smtClean="0">
-                <a:solidFill>
-                  <a:schemeClr val="tx1">
-                    <a:lumMod val="85000"/>
-                    <a:lumOff val="15000"/>
-                  </a:schemeClr>
-                </a:solidFill>
-                <a:latin typeface="Arial" panose="020B0604020202020204" pitchFamily="34" charset="0"/>
-                <a:cs typeface="Arial" panose="020B0604020202020204" pitchFamily="34" charset="0"/>
-              </a:rPr>
-              <a:t> cluster on GPU,</a:t>
-            </a:r>
+              <a:rPr lang="en-US" sz="2400" b="1" smtClean="0">
+                <a:solidFill>
+                  <a:srgbClr val="00B050"/>
+                </a:solidFill>
+                <a:latin typeface="Arial" panose="020B0604020202020204" pitchFamily="34" charset="0"/>
+                <a:cs typeface="Arial" panose="020B0604020202020204" pitchFamily="34" charset="0"/>
+              </a:rPr>
+              <a:t> </a:t>
+            </a:r>
+            <a:r>
+              <a:rPr lang="en-US" sz="2400" b="1" smtClean="0">
+                <a:solidFill>
+                  <a:srgbClr val="00B050"/>
+                </a:solidFill>
+                <a:latin typeface="Arial" panose="020B0604020202020204" pitchFamily="34" charset="0"/>
+                <a:cs typeface="Arial" panose="020B0604020202020204" pitchFamily="34" charset="0"/>
+              </a:rPr>
+              <a:t>cluster</a:t>
+            </a:r>
+            <a:r>
+              <a:rPr lang="en-US" sz="2400" smtClean="0">
+                <a:solidFill>
+                  <a:schemeClr val="tx1">
+                    <a:lumMod val="85000"/>
+                    <a:lumOff val="15000"/>
+                  </a:schemeClr>
+                </a:solidFill>
+                <a:latin typeface="Arial" panose="020B0604020202020204" pitchFamily="34" charset="0"/>
+                <a:cs typeface="Arial" panose="020B0604020202020204" pitchFamily="34" charset="0"/>
+              </a:rPr>
+              <a:t>,</a:t>
+            </a:r>
+            <a:endParaRPr lang="en-US" sz="2400" dirty="0" smtClean="0">
+              <a:solidFill>
+                <a:schemeClr val="tx1">
+                  <a:lumMod val="85000"/>
+                  <a:lumOff val="15000"/>
+                </a:schemeClr>
+              </a:solidFill>
+              <a:latin typeface="Arial" panose="020B0604020202020204" pitchFamily="34" charset="0"/>
+              <a:cs typeface="Arial" panose="020B0604020202020204" pitchFamily="34" charset="0"/>
+            </a:endParaRPr>
           </a:p>
           <a:p>
             <a:pPr algn="just">
@@ -13393,12 +12765,9 @@
               <a:t> for the </a:t>
             </a:r>
             <a:r>
-              <a:rPr lang="en-US" sz="2400" i="1" dirty="0" err="1" smtClean="0">
-                <a:solidFill>
-                  <a:schemeClr val="tx1">
-                    <a:lumMod val="85000"/>
-                    <a:lumOff val="15000"/>
-                  </a:schemeClr>
+              <a:rPr lang="en-US" sz="2400" b="1" i="1" dirty="0" err="1" smtClean="0">
+                <a:solidFill>
+                  <a:srgbClr val="00B050"/>
                 </a:solidFill>
                 <a:latin typeface="Arial" panose="020B0604020202020204" pitchFamily="34" charset="0"/>
                 <a:cs typeface="Arial" panose="020B0604020202020204" pitchFamily="34" charset="0"/>
@@ -13406,12 +12775,9 @@
               <a:t>j</a:t>
             </a:r>
             <a:r>
-              <a:rPr lang="en-US" sz="2400" dirty="0" err="1" smtClean="0">
-                <a:solidFill>
-                  <a:schemeClr val="tx1">
-                    <a:lumMod val="85000"/>
-                    <a:lumOff val="15000"/>
-                  </a:schemeClr>
+              <a:rPr lang="en-US" sz="2400" b="1" dirty="0" err="1" smtClean="0">
+                <a:solidFill>
+                  <a:srgbClr val="00B050"/>
                 </a:solidFill>
                 <a:latin typeface="Arial" panose="020B0604020202020204" pitchFamily="34" charset="0"/>
                 <a:cs typeface="Arial" panose="020B0604020202020204" pitchFamily="34" charset="0"/>
@@ -13419,6 +12785,16 @@
               <a:t>th</a:t>
             </a:r>
             <a:r>
+              <a:rPr lang="en-US" sz="2400" b="1" dirty="0" smtClean="0">
+                <a:solidFill>
+                  <a:srgbClr val="00B050"/>
+                </a:solidFill>
+                <a:latin typeface="Arial" panose="020B0604020202020204" pitchFamily="34" charset="0"/>
+                <a:cs typeface="Arial" panose="020B0604020202020204" pitchFamily="34" charset="0"/>
+              </a:rPr>
+              <a:t> cluster </a:t>
+            </a:r>
+            <a:r>
               <a:rPr lang="en-US" sz="2400" dirty="0" smtClean="0">
                 <a:solidFill>
                   <a:schemeClr val="tx1">
@@ -13429,15 +12805,22 @@
                 <a:latin typeface="Arial" panose="020B0604020202020204" pitchFamily="34" charset="0"/>
                 <a:cs typeface="Arial" panose="020B0604020202020204" pitchFamily="34" charset="0"/>
               </a:rPr>
-              <a:t> cluster and </a:t>
-            </a:r>
-            <a:r>
-              <a:rPr lang="en-US" sz="2400" i="1" dirty="0" err="1" smtClean="0">
-                <a:solidFill>
-                  <a:schemeClr val="tx1">
-                    <a:lumMod val="85000"/>
-                    <a:lumOff val="15000"/>
-                  </a:schemeClr>
+              <a:t>and</a:t>
+            </a:r>
+            <a:r>
+              <a:rPr lang="en-US" sz="2400" b="1" dirty="0" smtClean="0">
+                <a:solidFill>
+                  <a:srgbClr val="00B050"/>
+                </a:solidFill>
+                <a:latin typeface="Arial" panose="020B0604020202020204" pitchFamily="34" charset="0"/>
+                <a:cs typeface="Arial" panose="020B0604020202020204" pitchFamily="34" charset="0"/>
+              </a:rPr>
+              <a:t> </a:t>
+            </a:r>
+            <a:r>
+              <a:rPr lang="en-US" sz="2400" b="1" i="1" err="1" smtClean="0">
+                <a:solidFill>
+                  <a:srgbClr val="00B050"/>
                 </a:solidFill>
                 <a:latin typeface="Arial" panose="020B0604020202020204" pitchFamily="34" charset="0"/>
                 <a:cs typeface="Arial" panose="020B0604020202020204" pitchFamily="34" charset="0"/>
@@ -13445,12 +12828,9 @@
               <a:t>x</a:t>
             </a:r>
             <a:r>
-              <a:rPr lang="en-US" sz="2400" dirty="0" err="1" smtClean="0">
-                <a:solidFill>
-                  <a:schemeClr val="tx1">
-                    <a:lumMod val="85000"/>
-                    <a:lumOff val="15000"/>
-                  </a:schemeClr>
+              <a:rPr lang="en-US" sz="2400" b="1" err="1" smtClean="0">
+                <a:solidFill>
+                  <a:srgbClr val="00B050"/>
                 </a:solidFill>
                 <a:latin typeface="Arial" panose="020B0604020202020204" pitchFamily="34" charset="0"/>
                 <a:cs typeface="Arial" panose="020B0604020202020204" pitchFamily="34" charset="0"/>
@@ -13458,17 +12838,37 @@
               <a:t>th</a:t>
             </a:r>
             <a:r>
-              <a:rPr lang="en-US" sz="2400" dirty="0" smtClean="0">
-                <a:solidFill>
-                  <a:schemeClr val="tx1">
-                    <a:lumMod val="85000"/>
-                    <a:lumOff val="15000"/>
-                  </a:schemeClr>
-                </a:solidFill>
-                <a:latin typeface="Arial" panose="020B0604020202020204" pitchFamily="34" charset="0"/>
-                <a:cs typeface="Arial" panose="020B0604020202020204" pitchFamily="34" charset="0"/>
-              </a:rPr>
-              <a:t> dimension on GPU,</a:t>
+              <a:rPr lang="en-US" sz="2400" b="1" smtClean="0">
+                <a:solidFill>
+                  <a:srgbClr val="00B050"/>
+                </a:solidFill>
+                <a:latin typeface="Arial" panose="020B0604020202020204" pitchFamily="34" charset="0"/>
+                <a:cs typeface="Arial" panose="020B0604020202020204" pitchFamily="34" charset="0"/>
+              </a:rPr>
+              <a:t> </a:t>
+            </a:r>
+            <a:r>
+              <a:rPr lang="en-US" sz="2400" b="1" smtClean="0">
+                <a:solidFill>
+                  <a:srgbClr val="00B050"/>
+                </a:solidFill>
+                <a:latin typeface="Arial" panose="020B0604020202020204" pitchFamily="34" charset="0"/>
+                <a:cs typeface="Arial" panose="020B0604020202020204" pitchFamily="34" charset="0"/>
+              </a:rPr>
+              <a:t>dimension</a:t>
+            </a:r>
+            <a:r>
+              <a:rPr lang="en-US" sz="2400" smtClean="0">
+                <a:solidFill>
+                  <a:schemeClr val="tx1">
+                    <a:lumMod val="85000"/>
+                    <a:lumOff val="15000"/>
+                  </a:schemeClr>
+                </a:solidFill>
+                <a:latin typeface="Arial" panose="020B0604020202020204" pitchFamily="34" charset="0"/>
+                <a:cs typeface="Arial" panose="020B0604020202020204" pitchFamily="34" charset="0"/>
+              </a:rPr>
+              <a:t>,</a:t>
             </a:r>
           </a:p>
           <a:p>
@@ -13478,104 +12878,132 @@
               </a:lnSpc>
             </a:pPr>
             <a:r>
+              <a:rPr lang="en-US" sz="2400" smtClean="0">
+                <a:solidFill>
+                  <a:schemeClr val="tx1">
+                    <a:lumMod val="85000"/>
+                    <a:lumOff val="15000"/>
+                  </a:schemeClr>
+                </a:solidFill>
+                <a:latin typeface="Arial" panose="020B0604020202020204" pitchFamily="34" charset="0"/>
+                <a:cs typeface="Arial" panose="020B0604020202020204" pitchFamily="34" charset="0"/>
+              </a:rPr>
+              <a:t>Executed </a:t>
+            </a:r>
+            <a:r>
+              <a:rPr lang="en-US" sz="2400" b="1" dirty="0" smtClean="0">
+                <a:solidFill>
+                  <a:srgbClr val="00B050"/>
+                </a:solidFill>
+                <a:latin typeface="Arial" panose="020B0604020202020204" pitchFamily="34" charset="0"/>
+                <a:cs typeface="Arial" panose="020B0604020202020204" pitchFamily="34" charset="0"/>
+              </a:rPr>
+              <a:t>concurrently</a:t>
+            </a:r>
+            <a:r>
               <a:rPr lang="en-US" sz="2400" dirty="0" smtClean="0">
-                <a:solidFill>
-                  <a:schemeClr val="tx1">
-                    <a:lumMod val="85000"/>
-                    <a:lumOff val="15000"/>
-                  </a:schemeClr>
-                </a:solidFill>
-                <a:latin typeface="Arial" panose="020B0604020202020204" pitchFamily="34" charset="0"/>
-                <a:cs typeface="Arial" panose="020B0604020202020204" pitchFamily="34" charset="0"/>
-              </a:rPr>
-              <a:t>Executed </a:t>
-            </a:r>
-            <a:r>
-              <a:rPr lang="en-US" sz="2400" b="1" dirty="0" smtClean="0">
+                <a:latin typeface="Arial" panose="020B0604020202020204" pitchFamily="34" charset="0"/>
+                <a:cs typeface="Arial" panose="020B0604020202020204" pitchFamily="34" charset="0"/>
+              </a:rPr>
+              <a:t> </a:t>
+            </a:r>
+            <a:r>
+              <a:rPr lang="en-US" sz="2400" dirty="0" smtClean="0">
+                <a:solidFill>
+                  <a:schemeClr val="tx1">
+                    <a:lumMod val="85000"/>
+                    <a:lumOff val="15000"/>
+                  </a:schemeClr>
+                </a:solidFill>
+                <a:latin typeface="Arial" panose="020B0604020202020204" pitchFamily="34" charset="0"/>
+                <a:cs typeface="Arial" panose="020B0604020202020204" pitchFamily="34" charset="0"/>
+              </a:rPr>
+              <a:t>or</a:t>
+            </a:r>
+            <a:r>
+              <a:rPr lang="en-US" sz="2400" dirty="0" smtClean="0">
+                <a:latin typeface="Arial" panose="020B0604020202020204" pitchFamily="34" charset="0"/>
+                <a:cs typeface="Arial" panose="020B0604020202020204" pitchFamily="34" charset="0"/>
+              </a:rPr>
+              <a:t> </a:t>
+            </a:r>
+            <a:r>
+              <a:rPr lang="en-US" sz="2400" b="1" smtClean="0">
                 <a:solidFill>
                   <a:srgbClr val="00B050"/>
                 </a:solidFill>
                 <a:latin typeface="Arial" panose="020B0604020202020204" pitchFamily="34" charset="0"/>
                 <a:cs typeface="Arial" panose="020B0604020202020204" pitchFamily="34" charset="0"/>
               </a:rPr>
-              <a:t>concurrently</a:t>
-            </a:r>
-            <a:r>
-              <a:rPr lang="en-US" sz="2400" dirty="0" smtClean="0">
+              <a:t>interleaved</a:t>
+            </a:r>
+            <a:r>
+              <a:rPr lang="en-US" sz="2400" smtClean="0">
                 <a:latin typeface="Arial" panose="020B0604020202020204" pitchFamily="34" charset="0"/>
                 <a:cs typeface="Arial" panose="020B0604020202020204" pitchFamily="34" charset="0"/>
               </a:rPr>
               <a:t> </a:t>
             </a:r>
-            <a:r>
-              <a:rPr lang="en-US" sz="2400" dirty="0" smtClean="0">
-                <a:solidFill>
-                  <a:schemeClr val="tx1">
-                    <a:lumMod val="85000"/>
-                    <a:lumOff val="15000"/>
-                  </a:schemeClr>
-                </a:solidFill>
-                <a:latin typeface="Arial" panose="020B0604020202020204" pitchFamily="34" charset="0"/>
-                <a:cs typeface="Arial" panose="020B0604020202020204" pitchFamily="34" charset="0"/>
-              </a:rPr>
-              <a:t>or</a:t>
-            </a:r>
-            <a:r>
-              <a:rPr lang="en-US" sz="2400" dirty="0" smtClean="0">
+            <a:endParaRPr lang="en-US" sz="2400" smtClean="0">
+              <a:latin typeface="Arial" panose="020B0604020202020204" pitchFamily="34" charset="0"/>
+              <a:cs typeface="Arial" panose="020B0604020202020204" pitchFamily="34" charset="0"/>
+            </a:endParaRPr>
+          </a:p>
+          <a:p>
+            <a:pPr marL="0" indent="0" algn="just">
+              <a:lnSpc>
+                <a:spcPct val="135000"/>
+              </a:lnSpc>
+              <a:buNone/>
+              <a:tabLst>
+                <a:tab pos="361950" algn="l"/>
+              </a:tabLst>
+            </a:pPr>
+            <a:r>
+              <a:rPr lang="en-US" sz="2400">
+                <a:solidFill>
+                  <a:schemeClr val="tx1">
+                    <a:lumMod val="85000"/>
+                    <a:lumOff val="15000"/>
+                  </a:schemeClr>
+                </a:solidFill>
+                <a:latin typeface="Arial" panose="020B0604020202020204" pitchFamily="34" charset="0"/>
+                <a:cs typeface="Arial" panose="020B0604020202020204" pitchFamily="34" charset="0"/>
+              </a:rPr>
+              <a:t>	</a:t>
+            </a:r>
+            <a:r>
+              <a:rPr lang="en-US" sz="2400" smtClean="0">
+                <a:solidFill>
+                  <a:schemeClr val="tx1">
+                    <a:lumMod val="85000"/>
+                    <a:lumOff val="15000"/>
+                  </a:schemeClr>
+                </a:solidFill>
+                <a:latin typeface="Arial" panose="020B0604020202020204" pitchFamily="34" charset="0"/>
+                <a:cs typeface="Arial" panose="020B0604020202020204" pitchFamily="34" charset="0"/>
+              </a:rPr>
+              <a:t>in</a:t>
+            </a:r>
+            <a:r>
+              <a:rPr lang="en-US" sz="2400" smtClean="0">
                 <a:latin typeface="Arial" panose="020B0604020202020204" pitchFamily="34" charset="0"/>
                 <a:cs typeface="Arial" panose="020B0604020202020204" pitchFamily="34" charset="0"/>
               </a:rPr>
               <a:t> </a:t>
             </a:r>
             <a:r>
-              <a:rPr lang="en-US" sz="2400" b="1" dirty="0" smtClean="0">
+              <a:rPr lang="en-US" sz="2400" b="1" smtClean="0">
                 <a:solidFill>
                   <a:srgbClr val="00B050"/>
                 </a:solidFill>
                 <a:latin typeface="Arial" panose="020B0604020202020204" pitchFamily="34" charset="0"/>
                 <a:cs typeface="Arial" panose="020B0604020202020204" pitchFamily="34" charset="0"/>
               </a:rPr>
-              <a:t>interleaved</a:t>
-            </a:r>
-            <a:r>
-              <a:rPr lang="en-US" sz="2400" dirty="0" smtClean="0">
-                <a:latin typeface="Arial" panose="020B0604020202020204" pitchFamily="34" charset="0"/>
-                <a:cs typeface="Arial" panose="020B0604020202020204" pitchFamily="34" charset="0"/>
-              </a:rPr>
-              <a:t> </a:t>
-            </a:r>
-            <a:r>
-              <a:rPr lang="en-US" sz="2400" dirty="0" smtClean="0">
-                <a:solidFill>
-                  <a:schemeClr val="tx1">
-                    <a:lumMod val="85000"/>
-                    <a:lumOff val="15000"/>
-                  </a:schemeClr>
-                </a:solidFill>
-                <a:latin typeface="Arial" panose="020B0604020202020204" pitchFamily="34" charset="0"/>
-                <a:cs typeface="Arial" panose="020B0604020202020204" pitchFamily="34" charset="0"/>
-              </a:rPr>
-              <a:t>in</a:t>
-            </a:r>
-            <a:r>
-              <a:rPr lang="en-US" sz="2400" dirty="0" smtClean="0">
-                <a:latin typeface="Arial" panose="020B0604020202020204" pitchFamily="34" charset="0"/>
-                <a:cs typeface="Arial" panose="020B0604020202020204" pitchFamily="34" charset="0"/>
-              </a:rPr>
-              <a:t> </a:t>
-            </a:r>
-            <a:r>
-              <a:rPr lang="en-US" sz="2400" b="1" dirty="0" smtClean="0">
-                <a:solidFill>
-                  <a:srgbClr val="00B050"/>
-                </a:solidFill>
-                <a:latin typeface="Arial" panose="020B0604020202020204" pitchFamily="34" charset="0"/>
-                <a:cs typeface="Arial" panose="020B0604020202020204" pitchFamily="34" charset="0"/>
-              </a:rPr>
               <a:t>six</a:t>
             </a:r>
             <a:r>
-              <a:rPr lang="en-US" sz="2400" dirty="0" smtClean="0">
+              <a:rPr lang="en-US" sz="2400" smtClean="0">
                 <a:latin typeface="Arial" panose="020B0604020202020204" pitchFamily="34" charset="0"/>
                 <a:cs typeface="Arial" panose="020B0604020202020204" pitchFamily="34" charset="0"/>
               </a:rPr>
@@ -13843,12 +13271,12 @@
         <p:spPr>
           <a:xfrm>
             <a:off x="2005852" y="1863678"/>
-            <a:ext cx="8470555" cy="4105749"/>
+            <a:ext cx="8505221" cy="4111609"/>
           </a:xfrm>
         </p:spPr>
         <p:txBody>
           <a:bodyPr>
-            <a:normAutofit fontScale="92500"/>
+            <a:noAutofit/>
           </a:bodyPr>
           <a:lstStyle/>
           <a:p>
@@ -13858,12 +13286,9 @@
               </a:lnSpc>
             </a:pPr>
             <a:r>
-              <a:rPr lang="en-US" sz="2400" i="1" dirty="0" smtClean="0">
-                <a:solidFill>
-                  <a:schemeClr val="tx1">
-                    <a:lumMod val="85000"/>
-                    <a:lumOff val="15000"/>
-                  </a:schemeClr>
+              <a:rPr lang="en-US" sz="2400" b="1" i="1" dirty="0" smtClean="0">
+                <a:solidFill>
+                  <a:srgbClr val="00B050"/>
                 </a:solidFill>
                 <a:latin typeface="Arial" panose="020B0604020202020204" pitchFamily="34" charset="0"/>
                 <a:cs typeface="Arial" panose="020B0604020202020204" pitchFamily="34" charset="0"/>
@@ -13871,12 +13296,9 @@
               <a:t>N</a:t>
             </a:r>
             <a:r>
-              <a:rPr lang="en-US" sz="2400" dirty="0" smtClean="0">
-                <a:solidFill>
-                  <a:schemeClr val="tx1">
-                    <a:lumMod val="85000"/>
-                    <a:lumOff val="15000"/>
-                  </a:schemeClr>
+              <a:rPr lang="en-US" sz="2400" b="1" dirty="0" smtClean="0">
+                <a:solidFill>
+                  <a:srgbClr val="00B050"/>
                 </a:solidFill>
                 <a:latin typeface="Arial" panose="020B0604020202020204" pitchFamily="34" charset="0"/>
                 <a:cs typeface="Arial" panose="020B0604020202020204" pitchFamily="34" charset="0"/>
@@ -13884,12 +13306,9 @@
               <a:t> </a:t>
             </a:r>
             <a:r>
-              <a:rPr lang="en-US" sz="2400" dirty="0">
-                <a:solidFill>
-                  <a:schemeClr val="tx1">
-                    <a:lumMod val="85000"/>
-                    <a:lumOff val="15000"/>
-                  </a:schemeClr>
+              <a:rPr lang="en-US" sz="2400" b="1" dirty="0">
+                <a:solidFill>
+                  <a:srgbClr val="00B050"/>
                 </a:solidFill>
                 <a:latin typeface="Arial" panose="020B0604020202020204" pitchFamily="34" charset="0"/>
                 <a:cs typeface="Arial" panose="020B0604020202020204" pitchFamily="34" charset="0"/>
@@ -13897,12 +13316,9 @@
               <a:t>is </a:t>
             </a:r>
             <a:r>
-              <a:rPr lang="en-US" sz="2400" dirty="0" smtClean="0">
-                <a:solidFill>
-                  <a:schemeClr val="tx1">
-                    <a:lumMod val="85000"/>
-                    <a:lumOff val="15000"/>
-                  </a:schemeClr>
+              <a:rPr lang="en-US" sz="2400" b="1" dirty="0" smtClean="0">
+                <a:solidFill>
+                  <a:srgbClr val="00B050"/>
                 </a:solidFill>
                 <a:latin typeface="Arial" panose="020B0604020202020204" pitchFamily="34" charset="0"/>
                 <a:cs typeface="Arial" panose="020B0604020202020204" pitchFamily="34" charset="0"/>
@@ -13910,12 +13326,9 @@
               <a:t>large</a:t>
             </a:r>
             <a:r>
-              <a:rPr lang="en-US" sz="2400" dirty="0">
-                <a:solidFill>
-                  <a:schemeClr val="tx1">
-                    <a:lumMod val="85000"/>
-                    <a:lumOff val="15000"/>
-                  </a:schemeClr>
+              <a:rPr lang="en-US" sz="2400" b="1" dirty="0">
+                <a:solidFill>
+                  <a:srgbClr val="00B050"/>
                 </a:solidFill>
                 <a:latin typeface="Arial" panose="020B0604020202020204" pitchFamily="34" charset="0"/>
                 <a:cs typeface="Arial" panose="020B0604020202020204" pitchFamily="34" charset="0"/>
@@ -13923,12 +13336,9 @@
               <a:t>, </a:t>
             </a:r>
             <a:r>
-              <a:rPr lang="en-US" sz="2400" dirty="0" smtClean="0">
-                <a:solidFill>
-                  <a:schemeClr val="tx1">
-                    <a:lumMod val="85000"/>
-                    <a:lumOff val="15000"/>
-                  </a:schemeClr>
+              <a:rPr lang="en-US" sz="2400" b="1" dirty="0" smtClean="0">
+                <a:solidFill>
+                  <a:srgbClr val="00B050"/>
                 </a:solidFill>
                 <a:latin typeface="Arial" panose="020B0604020202020204" pitchFamily="34" charset="0"/>
                 <a:cs typeface="Arial" panose="020B0604020202020204" pitchFamily="34" charset="0"/>
@@ -13936,12 +13346,9 @@
               <a:t>k </a:t>
             </a:r>
             <a:r>
-              <a:rPr lang="en-US" sz="2400" dirty="0">
-                <a:solidFill>
-                  <a:schemeClr val="tx1">
-                    <a:lumMod val="85000"/>
-                    <a:lumOff val="15000"/>
-                  </a:schemeClr>
+              <a:rPr lang="en-US" sz="2400" b="1" dirty="0">
+                <a:solidFill>
+                  <a:srgbClr val="00B050"/>
                 </a:solidFill>
                 <a:latin typeface="Arial" panose="020B0604020202020204" pitchFamily="34" charset="0"/>
                 <a:cs typeface="Arial" panose="020B0604020202020204" pitchFamily="34" charset="0"/>
@@ -13949,12 +13356,9 @@
               <a:t>is </a:t>
             </a:r>
             <a:r>
-              <a:rPr lang="en-US" sz="2400" dirty="0" smtClean="0">
-                <a:solidFill>
-                  <a:schemeClr val="tx1">
-                    <a:lumMod val="85000"/>
-                    <a:lumOff val="15000"/>
-                  </a:schemeClr>
+              <a:rPr lang="en-US" sz="2400" b="1" dirty="0" smtClean="0">
+                <a:solidFill>
+                  <a:srgbClr val="00B050"/>
                 </a:solidFill>
                 <a:latin typeface="Arial" panose="020B0604020202020204" pitchFamily="34" charset="0"/>
                 <a:cs typeface="Arial" panose="020B0604020202020204" pitchFamily="34" charset="0"/>
@@ -14008,9 +13412,12 @@
               <a:t>The computational complexity : </a:t>
             </a:r>
             <a:r>
-              <a:rPr lang="en-US" sz="2400" b="1" dirty="0" smtClean="0">
-                <a:solidFill>
-                  <a:srgbClr val="00B050"/>
+              <a:rPr lang="en-US" sz="2400" dirty="0" smtClean="0">
+                <a:solidFill>
+                  <a:schemeClr val="tx1">
+                    <a:lumMod val="85000"/>
+                    <a:lumOff val="15000"/>
+                  </a:schemeClr>
                 </a:solidFill>
                 <a:latin typeface="Arial" panose="020B0604020202020204" pitchFamily="34" charset="0"/>
                 <a:cs typeface="Arial" panose="020B0604020202020204" pitchFamily="34" charset="0"/>
@@ -14018,9 +13425,12 @@
               <a:t>O(</a:t>
             </a:r>
             <a:r>
-              <a:rPr lang="en-US" sz="2400" b="1" i="1" dirty="0" err="1" smtClean="0">
-                <a:solidFill>
-                  <a:srgbClr val="00B050"/>
+              <a:rPr lang="en-US" sz="2400" i="1" dirty="0" err="1" smtClean="0">
+                <a:solidFill>
+                  <a:schemeClr val="tx1">
+                    <a:lumMod val="85000"/>
+                    <a:lumOff val="15000"/>
+                  </a:schemeClr>
                 </a:solidFill>
                 <a:latin typeface="Arial" panose="020B0604020202020204" pitchFamily="34" charset="0"/>
                 <a:cs typeface="Arial" panose="020B0604020202020204" pitchFamily="34" charset="0"/>
@@ -14028,9 +13438,12 @@
               <a:t>NMd</a:t>
             </a:r>
             <a:r>
-              <a:rPr lang="en-US" sz="2400" b="1" i="1" dirty="0" smtClean="0">
-                <a:solidFill>
-                  <a:srgbClr val="00B050"/>
+              <a:rPr lang="en-US" sz="2400" i="1" dirty="0" smtClean="0">
+                <a:solidFill>
+                  <a:schemeClr val="tx1">
+                    <a:lumMod val="85000"/>
+                    <a:lumOff val="15000"/>
+                  </a:schemeClr>
                 </a:solidFill>
                 <a:latin typeface="Arial" panose="020B0604020202020204" pitchFamily="34" charset="0"/>
                 <a:cs typeface="Arial" panose="020B0604020202020204" pitchFamily="34" charset="0"/>
@@ -14038,9 +13451,12 @@
               <a:t> </a:t>
             </a:r>
             <a:r>
-              <a:rPr lang="en-US" sz="2400" b="1" dirty="0">
-                <a:solidFill>
-                  <a:srgbClr val="00B050"/>
+              <a:rPr lang="en-US" sz="2400" dirty="0">
+                <a:solidFill>
+                  <a:schemeClr val="tx1">
+                    <a:lumMod val="85000"/>
+                    <a:lumOff val="15000"/>
+                  </a:schemeClr>
                 </a:solidFill>
                 <a:latin typeface="Arial" panose="020B0604020202020204" pitchFamily="34" charset="0"/>
                 <a:cs typeface="Arial" panose="020B0604020202020204" pitchFamily="34" charset="0"/>
@@ -14048,9 +13464,12 @@
               <a:t>+ </a:t>
             </a:r>
             <a:r>
-              <a:rPr lang="en-US" sz="2400" b="1" i="1" dirty="0" err="1">
-                <a:solidFill>
-                  <a:srgbClr val="00B050"/>
+              <a:rPr lang="en-US" sz="2400" i="1" dirty="0" err="1">
+                <a:solidFill>
+                  <a:schemeClr val="tx1">
+                    <a:lumMod val="85000"/>
+                    <a:lumOff val="15000"/>
+                  </a:schemeClr>
                 </a:solidFill>
                 <a:latin typeface="Arial" panose="020B0604020202020204" pitchFamily="34" charset="0"/>
                 <a:cs typeface="Arial" panose="020B0604020202020204" pitchFamily="34" charset="0"/>
@@ -14058,21 +13477,17 @@
               <a:t>kd</a:t>
             </a:r>
             <a:r>
-              <a:rPr lang="en-US" sz="2400" b="1" dirty="0" smtClean="0">
-                <a:solidFill>
-                  <a:srgbClr val="00B050"/>
-                </a:solidFill>
-                <a:latin typeface="Arial" panose="020B0604020202020204" pitchFamily="34" charset="0"/>
-                <a:cs typeface="Arial" panose="020B0604020202020204" pitchFamily="34" charset="0"/>
-              </a:rPr>
-              <a:t>)</a:t>
-            </a:r>
-            <a:r>
               <a:rPr lang="en-US" sz="2400" dirty="0" smtClean="0">
-                <a:latin typeface="Arial" panose="020B0604020202020204" pitchFamily="34" charset="0"/>
-                <a:cs typeface="Arial" panose="020B0604020202020204" pitchFamily="34" charset="0"/>
-              </a:rPr>
-              <a:t>,</a:t>
+                <a:solidFill>
+                  <a:schemeClr val="tx1">
+                    <a:lumMod val="85000"/>
+                    <a:lumOff val="15000"/>
+                  </a:schemeClr>
+                </a:solidFill>
+                <a:latin typeface="Arial" panose="020B0604020202020204" pitchFamily="34" charset="0"/>
+                <a:cs typeface="Arial" panose="020B0604020202020204" pitchFamily="34" charset="0"/>
+              </a:rPr>
+              <a:t>),</a:t>
             </a:r>
             <a:endParaRPr lang="en-US" sz="2400" dirty="0">
               <a:solidFill>
@@ -14124,21 +13539,58 @@
               </a:rPr>
               <a:t>: </a:t>
             </a:r>
-            <a:r>
-              <a:rPr lang="en-US" sz="2400" smtClean="0">
-                <a:solidFill>
-                  <a:schemeClr val="tx1">
-                    <a:lumMod val="85000"/>
-                    <a:lumOff val="15000"/>
-                  </a:schemeClr>
-                </a:solidFill>
-                <a:latin typeface="Arial" panose="020B0604020202020204" pitchFamily="34" charset="0"/>
-                <a:cs typeface="Arial" panose="020B0604020202020204" pitchFamily="34" charset="0"/>
-              </a:rPr>
-              <a:t>transpose </a:t>
-            </a:r>
-            <a:r>
-              <a:rPr lang="en-US" sz="2400" dirty="0" smtClean="0">
+            <a:endParaRPr lang="en-US" sz="2400" smtClean="0">
+              <a:solidFill>
+                <a:schemeClr val="tx1">
+                  <a:lumMod val="85000"/>
+                  <a:lumOff val="15000"/>
+                </a:schemeClr>
+              </a:solidFill>
+              <a:latin typeface="Arial" panose="020B0604020202020204" pitchFamily="34" charset="0"/>
+              <a:cs typeface="Arial" panose="020B0604020202020204" pitchFamily="34" charset="0"/>
+            </a:endParaRPr>
+          </a:p>
+          <a:p>
+            <a:pPr marL="0" indent="0" algn="just">
+              <a:lnSpc>
+                <a:spcPct val="135000"/>
+              </a:lnSpc>
+              <a:spcBef>
+                <a:spcPts val="0"/>
+              </a:spcBef>
+              <a:buNone/>
+              <a:tabLst>
+                <a:tab pos="361950" algn="l"/>
+              </a:tabLst>
+            </a:pPr>
+            <a:r>
+              <a:rPr lang="en-US" sz="2400">
+                <a:solidFill>
+                  <a:schemeClr val="tx1">
+                    <a:lumMod val="85000"/>
+                    <a:lumOff val="15000"/>
+                  </a:schemeClr>
+                </a:solidFill>
+                <a:latin typeface="Arial" panose="020B0604020202020204" pitchFamily="34" charset="0"/>
+                <a:cs typeface="Arial" panose="020B0604020202020204" pitchFamily="34" charset="0"/>
+              </a:rPr>
+              <a:t>	</a:t>
+            </a:r>
+            <a:r>
+              <a:rPr lang="en-US" sz="2200" smtClean="0">
+                <a:solidFill>
+                  <a:schemeClr val="tx1">
+                    <a:lumMod val="85000"/>
+                    <a:lumOff val="15000"/>
+                  </a:schemeClr>
+                </a:solidFill>
+                <a:latin typeface="Arial" panose="020B0604020202020204" pitchFamily="34" charset="0"/>
+                <a:cs typeface="Arial" panose="020B0604020202020204" pitchFamily="34" charset="0"/>
+              </a:rPr>
+              <a:t>Transpose </a:t>
+            </a:r>
+            <a:r>
+              <a:rPr lang="en-US" sz="2200" dirty="0" smtClean="0">
                 <a:solidFill>
                   <a:schemeClr val="tx1">
                     <a:lumMod val="85000"/>
@@ -14151,7 +13603,7 @@
               <a:t>data points from </a:t>
             </a:r>
             <a:r>
-              <a:rPr lang="en-US" sz="2400" i="1" dirty="0" err="1" smtClean="0">
+              <a:rPr lang="en-US" sz="2200" i="1" dirty="0" err="1" smtClean="0">
                 <a:solidFill>
                   <a:schemeClr val="tx1">
                     <a:lumMod val="85000"/>
@@ -14164,7 +13616,7 @@
               <a:t>N</a:t>
             </a:r>
             <a:r>
-              <a:rPr lang="en-US" sz="2400" dirty="0" err="1" smtClean="0">
+              <a:rPr lang="en-US" sz="2200" dirty="0" err="1" smtClean="0">
                 <a:solidFill>
                   <a:schemeClr val="tx1">
                     <a:lumMod val="85000"/>
@@ -14177,7 +13629,7 @@
               <a:t>×</a:t>
             </a:r>
             <a:r>
-              <a:rPr lang="en-US" sz="2400" i="1" dirty="0" err="1" smtClean="0">
+              <a:rPr lang="en-US" sz="2200" i="1" dirty="0" err="1" smtClean="0">
                 <a:solidFill>
                   <a:schemeClr val="tx1">
                     <a:lumMod val="85000"/>
@@ -14190,7 +13642,7 @@
               <a:t>d</a:t>
             </a:r>
             <a:r>
-              <a:rPr lang="en-US" sz="2400" dirty="0" smtClean="0">
+              <a:rPr lang="en-US" sz="2200" dirty="0" smtClean="0">
                 <a:solidFill>
                   <a:schemeClr val="tx1">
                     <a:lumMod val="85000"/>
@@ -14203,7 +13655,7 @@
               <a:t> </a:t>
             </a:r>
             <a:r>
-              <a:rPr lang="en-US" sz="2400" dirty="0">
+              <a:rPr lang="en-US" sz="2200">
                 <a:solidFill>
                   <a:schemeClr val="tx1">
                     <a:lumMod val="85000"/>
@@ -14216,7 +13668,7 @@
               <a:t>to </a:t>
             </a:r>
             <a:r>
-              <a:rPr lang="en-US" sz="2400" i="1" dirty="0" err="1" smtClean="0">
+              <a:rPr lang="en-US" sz="2200" i="1" smtClean="0">
                 <a:solidFill>
                   <a:schemeClr val="tx1">
                     <a:lumMod val="85000"/>
@@ -14229,7 +13681,7 @@
               <a:t>d</a:t>
             </a:r>
             <a:r>
-              <a:rPr lang="en-US" sz="2400" dirty="0" err="1" smtClean="0">
+              <a:rPr lang="en-US" sz="2200" smtClean="0">
                 <a:solidFill>
                   <a:schemeClr val="tx1">
                     <a:lumMod val="85000"/>
@@ -14242,7 +13694,7 @@
               <a:t>×</a:t>
             </a:r>
             <a:r>
-              <a:rPr lang="en-US" sz="2400" i="1" dirty="0" err="1" smtClean="0">
+              <a:rPr lang="en-US" sz="2200" i="1" smtClean="0">
                 <a:solidFill>
                   <a:schemeClr val="tx1">
                     <a:lumMod val="85000"/>
@@ -14255,17 +13707,17 @@
               <a:t>N</a:t>
             </a:r>
             <a:r>
-              <a:rPr lang="en-US" sz="2200" i="1" dirty="0" smtClean="0">
-                <a:solidFill>
-                  <a:schemeClr val="tx1">
-                    <a:lumMod val="85000"/>
-                    <a:lumOff val="15000"/>
-                  </a:schemeClr>
-                </a:solidFill>
-                <a:latin typeface="Arial" panose="020B0604020202020204" pitchFamily="34" charset="0"/>
-                <a:cs typeface="Arial" panose="020B0604020202020204" pitchFamily="34" charset="0"/>
-              </a:rPr>
-              <a:t>,</a:t>
+              <a:rPr lang="en-US" sz="2200" i="1" dirty="0">
+                <a:solidFill>
+                  <a:schemeClr val="tx1">
+                    <a:lumMod val="85000"/>
+                    <a:lumOff val="15000"/>
+                  </a:schemeClr>
+                </a:solidFill>
+                <a:latin typeface="Arial" panose="020B0604020202020204" pitchFamily="34" charset="0"/>
+                <a:cs typeface="Arial" panose="020B0604020202020204" pitchFamily="34" charset="0"/>
+              </a:rPr>
+              <a:t>.</a:t>
             </a:r>
             <a:endParaRPr lang="en-US" sz="2200" dirty="0" smtClean="0">
               <a:solidFill>
@@ -14315,71 +13767,73 @@
               <a:t>accesses </a:t>
             </a:r>
             <a:r>
-              <a:rPr lang="en-US" sz="2400" dirty="0">
+              <a:rPr lang="en-US" sz="2400">
                 <a:latin typeface="Arial" panose="020B0604020202020204" pitchFamily="34" charset="0"/>
                 <a:cs typeface="Arial" panose="020B0604020202020204" pitchFamily="34" charset="0"/>
               </a:rPr>
               <a:t>: </a:t>
             </a:r>
             <a:r>
-              <a:rPr lang="en-US" sz="2400" dirty="0">
-                <a:solidFill>
-                  <a:schemeClr val="tx1">
-                    <a:lumMod val="85000"/>
-                    <a:lumOff val="15000"/>
-                  </a:schemeClr>
-                </a:solidFill>
-                <a:latin typeface="Arial" panose="020B0604020202020204" pitchFamily="34" charset="0"/>
-                <a:cs typeface="Arial" panose="020B0604020202020204" pitchFamily="34" charset="0"/>
-              </a:rPr>
-              <a:t>sort </a:t>
-            </a:r>
-            <a:r>
-              <a:rPr lang="en-US" sz="2400" dirty="0" smtClean="0">
-                <a:solidFill>
-                  <a:schemeClr val="tx1">
-                    <a:lumMod val="85000"/>
-                    <a:lumOff val="15000"/>
-                  </a:schemeClr>
-                </a:solidFill>
-                <a:latin typeface="Arial" panose="020B0604020202020204" pitchFamily="34" charset="0"/>
-                <a:cs typeface="Arial" panose="020B0604020202020204" pitchFamily="34" charset="0"/>
-              </a:rPr>
-              <a:t>NNT with</a:t>
-            </a:r>
-            <a:endParaRPr lang="en-US" sz="2400" dirty="0">
-              <a:latin typeface="Arial" panose="020B0604020202020204" pitchFamily="34" charset="0"/>
-              <a:cs typeface="Arial" panose="020B0604020202020204" pitchFamily="34" charset="0"/>
-            </a:endParaRPr>
-          </a:p>
-          <a:p>
-            <a:pPr marL="1031875" lvl="1" indent="-403225" algn="just">
+              <a:rPr lang="en-US" sz="2400" smtClean="0">
+                <a:solidFill>
+                  <a:schemeClr val="tx1">
+                    <a:lumMod val="85000"/>
+                    <a:lumOff val="15000"/>
+                  </a:schemeClr>
+                </a:solidFill>
+                <a:latin typeface="Arial" panose="020B0604020202020204" pitchFamily="34" charset="0"/>
+                <a:cs typeface="Arial" panose="020B0604020202020204" pitchFamily="34" charset="0"/>
+              </a:rPr>
+              <a:t>sort NNT</a:t>
+            </a:r>
+          </a:p>
+          <a:p>
+            <a:pPr marL="1077913" lvl="1" indent="-361950" algn="just">
               <a:lnSpc>
-                <a:spcPct val="135000"/>
+                <a:spcPct val="125000"/>
               </a:lnSpc>
+              <a:spcBef>
+                <a:spcPts val="300"/>
+              </a:spcBef>
             </a:pPr>
             <a:r>
-              <a:rPr lang="en-US" sz="2400" dirty="0" smtClean="0">
-                <a:solidFill>
-                  <a:schemeClr val="tx1">
-                    <a:lumMod val="85000"/>
-                    <a:lumOff val="15000"/>
-                  </a:schemeClr>
-                </a:solidFill>
-                <a:latin typeface="Arial" panose="020B0604020202020204" pitchFamily="34" charset="0"/>
-                <a:cs typeface="Arial" panose="020B0604020202020204" pitchFamily="34" charset="0"/>
-              </a:rPr>
-              <a:t>keys : cluster indices, </a:t>
-            </a:r>
-          </a:p>
-          <a:p>
-            <a:pPr marL="1031875" lvl="1" indent="-403225" algn="just">
+              <a:rPr lang="en-US" sz="2200" smtClean="0">
+                <a:solidFill>
+                  <a:schemeClr val="tx1">
+                    <a:lumMod val="85000"/>
+                    <a:lumOff val="15000"/>
+                  </a:schemeClr>
+                </a:solidFill>
+                <a:latin typeface="Arial" panose="020B0604020202020204" pitchFamily="34" charset="0"/>
+                <a:cs typeface="Arial" panose="020B0604020202020204" pitchFamily="34" charset="0"/>
+              </a:rPr>
+              <a:t>keys </a:t>
+            </a:r>
+            <a:r>
+              <a:rPr lang="en-US" sz="2200" dirty="0" smtClean="0">
+                <a:solidFill>
+                  <a:schemeClr val="tx1">
+                    <a:lumMod val="85000"/>
+                    <a:lumOff val="15000"/>
+                  </a:schemeClr>
+                </a:solidFill>
+                <a:latin typeface="Arial" panose="020B0604020202020204" pitchFamily="34" charset="0"/>
+                <a:cs typeface="Arial" panose="020B0604020202020204" pitchFamily="34" charset="0"/>
+              </a:rPr>
+              <a:t>: cluster indices, </a:t>
+            </a:r>
+          </a:p>
+          <a:p>
+            <a:pPr marL="1077913" lvl="1" indent="-361950" algn="just">
               <a:lnSpc>
-                <a:spcPct val="135000"/>
+                <a:spcPct val="125000"/>
               </a:lnSpc>
+              <a:spcBef>
+                <a:spcPts val="300"/>
+              </a:spcBef>
             </a:pPr>
             <a:r>
-              <a:rPr lang="en-US" sz="2400" dirty="0" smtClean="0">
+              <a:rPr lang="en-US" sz="2200" dirty="0">
                 <a:solidFill>
                   <a:schemeClr val="tx1">
                     <a:lumMod val="85000"/>
@@ -14509,8 +13963,8 @@
         </p:nvSpPr>
         <p:spPr>
           <a:xfrm>
-            <a:off x="2498000" y="2033807"/>
-            <a:ext cx="7647485" cy="4105749"/>
+            <a:off x="2479037" y="2060969"/>
+            <a:ext cx="7524186" cy="2891278"/>
           </a:xfrm>
         </p:spPr>
         <p:txBody>
@@ -14525,6 +13979,32 @@
               </a:lnSpc>
             </a:pPr>
             <a:r>
+              <a:rPr lang="en-US" sz="2400" smtClean="0">
+                <a:solidFill>
+                  <a:schemeClr val="tx1">
+                    <a:lumMod val="85000"/>
+                    <a:lumOff val="15000"/>
+                  </a:schemeClr>
+                </a:solidFill>
+                <a:latin typeface="Arial" panose="020B0604020202020204" pitchFamily="34" charset="0"/>
+                <a:cs typeface="Arial" panose="020B0604020202020204" pitchFamily="34" charset="0"/>
+              </a:rPr>
+              <a:t>Sorting </a:t>
+            </a:r>
+            <a:r>
+              <a:rPr lang="en-US" sz="2400" smtClean="0">
+                <a:solidFill>
+                  <a:schemeClr val="tx1">
+                    <a:lumMod val="85000"/>
+                    <a:lumOff val="15000"/>
+                  </a:schemeClr>
+                </a:solidFill>
+                <a:latin typeface="Arial" panose="020B0604020202020204" pitchFamily="34" charset="0"/>
+                <a:cs typeface="Arial" panose="020B0604020202020204" pitchFamily="34" charset="0"/>
+              </a:rPr>
+              <a:t>NNT </a:t>
+            </a:r>
+            <a:r>
               <a:rPr lang="en-US" sz="2400" dirty="0" smtClean="0">
                 <a:solidFill>
                   <a:schemeClr val="tx1">
@@ -14535,37 +14015,11 @@
                 <a:latin typeface="Arial" panose="020B0604020202020204" pitchFamily="34" charset="0"/>
                 <a:cs typeface="Arial" panose="020B0604020202020204" pitchFamily="34" charset="0"/>
               </a:rPr>
-              <a:t>Sorting </a:t>
-            </a:r>
-            <a:r>
-              <a:rPr lang="en-US" sz="2400" dirty="0">
-                <a:solidFill>
-                  <a:schemeClr val="tx1">
-                    <a:lumMod val="85000"/>
-                    <a:lumOff val="15000"/>
-                  </a:schemeClr>
-                </a:solidFill>
-                <a:latin typeface="Arial" panose="020B0604020202020204" pitchFamily="34" charset="0"/>
-                <a:cs typeface="Arial" panose="020B0604020202020204" pitchFamily="34" charset="0"/>
-              </a:rPr>
-              <a:t>array NNT </a:t>
-            </a:r>
-            <a:r>
-              <a:rPr lang="en-US" sz="2400" dirty="0" smtClean="0">
-                <a:solidFill>
-                  <a:schemeClr val="tx1">
-                    <a:lumMod val="85000"/>
-                    <a:lumOff val="15000"/>
-                  </a:schemeClr>
-                </a:solidFill>
-                <a:latin typeface="Arial" panose="020B0604020202020204" pitchFamily="34" charset="0"/>
-                <a:cs typeface="Arial" panose="020B0604020202020204" pitchFamily="34" charset="0"/>
-              </a:rPr>
               <a:t>has two scenarios :</a:t>
             </a:r>
           </a:p>
           <a:p>
-            <a:pPr marL="1031875" lvl="1" indent="-403225" algn="just">
+            <a:pPr marL="896938" lvl="1" indent="-363538" algn="just">
               <a:lnSpc>
                 <a:spcPct val="135000"/>
               </a:lnSpc>
@@ -14641,7 +14095,7 @@
             </a:r>
           </a:p>
           <a:p>
-            <a:pPr marL="1031875" lvl="1" indent="-403225" algn="just">
+            <a:pPr marL="896938" lvl="1" indent="-363538" algn="just">
               <a:lnSpc>
                 <a:spcPct val="135000"/>
               </a:lnSpc>
@@ -14839,8 +14293,8 @@
         </p:nvSpPr>
         <p:spPr>
           <a:xfrm>
-            <a:off x="2204005" y="1811339"/>
-            <a:ext cx="8074249" cy="4105749"/>
+            <a:off x="2445205" y="1856606"/>
+            <a:ext cx="7591845" cy="4105749"/>
           </a:xfrm>
         </p:spPr>
         <p:txBody>
@@ -14888,10 +14342,23 @@
                 <a:latin typeface="Arial" panose="020B0604020202020204" pitchFamily="34" charset="0"/>
                 <a:cs typeface="Arial" panose="020B0604020202020204" pitchFamily="34" charset="0"/>
               </a:rPr>
-              <a:t>lots of threads with the same cluster index increase the histogram </a:t>
-            </a:r>
-            <a:r>
-              <a:rPr lang="en-US" sz="2400" dirty="0" smtClean="0">
+              <a:t>lots of threads with the same cluster index increase the </a:t>
+            </a:r>
+            <a:r>
+              <a:rPr lang="en-US" sz="2400">
+                <a:solidFill>
+                  <a:schemeClr val="tx1">
+                    <a:lumMod val="85000"/>
+                    <a:lumOff val="15000"/>
+                  </a:schemeClr>
+                </a:solidFill>
+                <a:latin typeface="Arial" panose="020B0604020202020204" pitchFamily="34" charset="0"/>
+                <a:cs typeface="Arial" panose="020B0604020202020204" pitchFamily="34" charset="0"/>
+              </a:rPr>
+              <a:t>histogram </a:t>
+            </a:r>
+            <a:r>
+              <a:rPr lang="en-US" sz="2400" smtClean="0">
                 <a:solidFill>
                   <a:schemeClr val="tx1">
                     <a:lumMod val="85000"/>
@@ -15092,7 +14559,7 @@
         </p:nvSpPr>
         <p:spPr>
           <a:xfrm>
-            <a:off x="1947332" y="1964800"/>
+            <a:off x="1956385" y="2004562"/>
             <a:ext cx="8737601" cy="4309534"/>
           </a:xfrm>
           <a:prstGeom prst="rect">
@@ -15334,7 +14801,7 @@
         <p:spPr>
           <a:xfrm>
             <a:off x="6496041" y="4588076"/>
-            <a:ext cx="3920180" cy="1389924"/>
+            <a:ext cx="3920180" cy="1468692"/>
           </a:xfrm>
           <a:prstGeom prst="roundRect">
             <a:avLst/>
@@ -15743,7 +15210,7 @@
         </p:nvSpPr>
         <p:spPr>
           <a:xfrm>
-            <a:off x="2260591" y="2195113"/>
+            <a:off x="2260590" y="2195113"/>
             <a:ext cx="3692524" cy="760087"/>
           </a:xfrm>
           <a:prstGeom prst="borderCallout1">
@@ -15851,7 +15318,7 @@
         </p:nvSpPr>
         <p:spPr>
           <a:xfrm>
-            <a:off x="2260590" y="3431430"/>
+            <a:off x="2260589" y="3431430"/>
             <a:ext cx="3692525" cy="727899"/>
           </a:xfrm>
           <a:prstGeom prst="borderCallout1">
@@ -15927,7 +15394,7 @@
         </p:nvSpPr>
         <p:spPr>
           <a:xfrm>
-            <a:off x="2260590" y="4699534"/>
+            <a:off x="2260589" y="4767856"/>
             <a:ext cx="3692525" cy="1109131"/>
           </a:xfrm>
           <a:prstGeom prst="borderCallout1">
@@ -16197,8 +15664,8 @@
         </p:nvSpPr>
         <p:spPr>
           <a:xfrm>
-            <a:off x="1867998" y="1767336"/>
-            <a:ext cx="9487979" cy="4105749"/>
+            <a:off x="2564323" y="1839760"/>
+            <a:ext cx="7353611" cy="4105749"/>
           </a:xfrm>
         </p:spPr>
         <p:txBody>
@@ -16209,8 +15676,11 @@
           <a:p>
             <a:pPr algn="just">
               <a:lnSpc>
-                <a:spcPct val="135000"/>
+                <a:spcPct val="125000"/>
               </a:lnSpc>
+              <a:spcBef>
+                <a:spcPts val="300"/>
+              </a:spcBef>
             </a:pPr>
             <a:r>
               <a:rPr lang="en-US" sz="2400" b="1" dirty="0" smtClean="0">
@@ -16220,27 +15690,71 @@
                 <a:latin typeface="Arial" panose="020B0604020202020204" pitchFamily="34" charset="0"/>
                 <a:cs typeface="Arial" panose="020B0604020202020204" pitchFamily="34" charset="0"/>
               </a:rPr>
-              <a:t>Counting sort using atomic functions</a:t>
-            </a:r>
-            <a:r>
-              <a:rPr lang="en-US" sz="2400" dirty="0" smtClean="0">
+              <a:t>Counting sort using </a:t>
+            </a:r>
+            <a:r>
+              <a:rPr lang="en-US" sz="2400" b="1" smtClean="0">
+                <a:solidFill>
+                  <a:srgbClr val="00B050"/>
+                </a:solidFill>
+                <a:latin typeface="Arial" panose="020B0604020202020204" pitchFamily="34" charset="0"/>
+                <a:cs typeface="Arial" panose="020B0604020202020204" pitchFamily="34" charset="0"/>
+              </a:rPr>
+              <a:t>atomic </a:t>
+            </a:r>
+            <a:r>
+              <a:rPr lang="en-US" sz="2400" b="1" smtClean="0">
+                <a:solidFill>
+                  <a:srgbClr val="00B050"/>
+                </a:solidFill>
+                <a:latin typeface="Arial" panose="020B0604020202020204" pitchFamily="34" charset="0"/>
+                <a:cs typeface="Arial" panose="020B0604020202020204" pitchFamily="34" charset="0"/>
+              </a:rPr>
+              <a:t>functions </a:t>
+            </a:r>
+            <a:r>
+              <a:rPr lang="en-US" sz="2400" smtClean="0">
                 <a:latin typeface="Arial" panose="020B0604020202020204" pitchFamily="34" charset="0"/>
                 <a:cs typeface="Arial" panose="020B0604020202020204" pitchFamily="34" charset="0"/>
               </a:rPr>
               <a:t>: </a:t>
             </a:r>
-            <a:r>
-              <a:rPr lang="en-US" sz="2400" b="1" dirty="0" smtClean="0">
+          </a:p>
+          <a:p>
+            <a:pPr marL="0" indent="0" algn="just">
+              <a:lnSpc>
+                <a:spcPct val="125000"/>
+              </a:lnSpc>
+              <a:spcBef>
+                <a:spcPts val="300"/>
+              </a:spcBef>
+              <a:buNone/>
+              <a:tabLst>
+                <a:tab pos="361950" algn="l"/>
+              </a:tabLst>
+            </a:pPr>
+            <a:r>
+              <a:rPr lang="en-US" sz="2400" b="1">
                 <a:solidFill>
                   <a:srgbClr val="FF0000"/>
                 </a:solidFill>
                 <a:latin typeface="Arial" panose="020B0604020202020204" pitchFamily="34" charset="0"/>
                 <a:cs typeface="Arial" panose="020B0604020202020204" pitchFamily="34" charset="0"/>
               </a:rPr>
+              <a:t>	</a:t>
+            </a:r>
+            <a:r>
+              <a:rPr lang="en-US" sz="2200" b="1" smtClean="0">
+                <a:solidFill>
+                  <a:srgbClr val="FF0000"/>
+                </a:solidFill>
+                <a:latin typeface="Arial" panose="020B0604020202020204" pitchFamily="34" charset="0"/>
+                <a:cs typeface="Arial" panose="020B0604020202020204" pitchFamily="34" charset="0"/>
+              </a:rPr>
               <a:t>not </a:t>
             </a:r>
             <a:r>
-              <a:rPr lang="en-US" sz="2400" b="1" dirty="0">
+              <a:rPr lang="en-US" sz="2200" b="1" dirty="0">
                 <a:solidFill>
                   <a:srgbClr val="FF0000"/>
                 </a:solidFill>
@@ -16250,33 +15764,73 @@
               <a:t>ensure the stability </a:t>
             </a:r>
             <a:r>
-              <a:rPr lang="en-US" sz="2400" dirty="0">
-                <a:solidFill>
-                  <a:schemeClr val="tx1">
-                    <a:lumMod val="85000"/>
-                    <a:lumOff val="15000"/>
-                  </a:schemeClr>
-                </a:solidFill>
-                <a:latin typeface="Arial" panose="020B0604020202020204" pitchFamily="34" charset="0"/>
-                <a:cs typeface="Arial" panose="020B0604020202020204" pitchFamily="34" charset="0"/>
-              </a:rPr>
-              <a:t>of point indices in each </a:t>
-            </a:r>
-            <a:r>
-              <a:rPr lang="en-US" sz="2400" dirty="0" smtClean="0">
-                <a:solidFill>
-                  <a:schemeClr val="tx1">
-                    <a:lumMod val="85000"/>
-                    <a:lumOff val="15000"/>
-                  </a:schemeClr>
-                </a:solidFill>
-                <a:latin typeface="Arial" panose="020B0604020202020204" pitchFamily="34" charset="0"/>
-                <a:cs typeface="Arial" panose="020B0604020202020204" pitchFamily="34" charset="0"/>
-              </a:rPr>
-              <a:t>cluster </a:t>
-            </a:r>
-            <a:r>
-              <a:rPr lang="en-US" sz="2400" dirty="0">
+              <a:rPr lang="en-US" sz="2200" dirty="0">
+                <a:solidFill>
+                  <a:schemeClr val="tx1">
+                    <a:lumMod val="85000"/>
+                    <a:lumOff val="15000"/>
+                  </a:schemeClr>
+                </a:solidFill>
+                <a:latin typeface="Arial" panose="020B0604020202020204" pitchFamily="34" charset="0"/>
+                <a:cs typeface="Arial" panose="020B0604020202020204" pitchFamily="34" charset="0"/>
+              </a:rPr>
+              <a:t>of point indices </a:t>
+            </a:r>
+            <a:r>
+              <a:rPr lang="en-US" sz="2200">
+                <a:solidFill>
+                  <a:schemeClr val="tx1">
+                    <a:lumMod val="85000"/>
+                    <a:lumOff val="15000"/>
+                  </a:schemeClr>
+                </a:solidFill>
+                <a:latin typeface="Arial" panose="020B0604020202020204" pitchFamily="34" charset="0"/>
+                <a:cs typeface="Arial" panose="020B0604020202020204" pitchFamily="34" charset="0"/>
+              </a:rPr>
+              <a:t>in </a:t>
+            </a:r>
+            <a:r>
+              <a:rPr lang="en-US" sz="2200" smtClean="0">
+                <a:solidFill>
+                  <a:schemeClr val="tx1">
+                    <a:lumMod val="85000"/>
+                    <a:lumOff val="15000"/>
+                  </a:schemeClr>
+                </a:solidFill>
+                <a:latin typeface="Arial" panose="020B0604020202020204" pitchFamily="34" charset="0"/>
+                <a:cs typeface="Arial" panose="020B0604020202020204" pitchFamily="34" charset="0"/>
+              </a:rPr>
+              <a:t>one cluster </a:t>
+            </a:r>
+          </a:p>
+          <a:p>
+            <a:pPr marL="0" indent="0" algn="just">
+              <a:lnSpc>
+                <a:spcPct val="125000"/>
+              </a:lnSpc>
+              <a:spcBef>
+                <a:spcPts val="300"/>
+              </a:spcBef>
+              <a:buNone/>
+              <a:tabLst>
+                <a:tab pos="361950" algn="l"/>
+              </a:tabLst>
+            </a:pPr>
+            <a:r>
+              <a:rPr lang="en-US" sz="2200">
+                <a:solidFill>
+                  <a:schemeClr val="tx1">
+                    <a:lumMod val="85000"/>
+                    <a:lumOff val="15000"/>
+                  </a:schemeClr>
+                </a:solidFill>
+                <a:latin typeface="Arial" panose="020B0604020202020204" pitchFamily="34" charset="0"/>
+                <a:cs typeface="Arial" panose="020B0604020202020204" pitchFamily="34" charset="0"/>
+              </a:rPr>
+              <a:t>	</a:t>
+            </a:r>
+            <a:r>
+              <a:rPr lang="en-US" sz="2200" smtClean="0">
                 <a:solidFill>
                   <a:schemeClr val="tx1">
                     <a:lumMod val="85000"/>
@@ -16289,47 +15843,67 @@
               <a:t>→ </a:t>
             </a:r>
             <a:r>
-              <a:rPr lang="en-US" sz="2400" b="1" dirty="0" smtClean="0">
+              <a:rPr lang="en-US" sz="2200" b="1" smtClean="0">
                 <a:solidFill>
                   <a:srgbClr val="FF0000"/>
                 </a:solidFill>
                 <a:latin typeface="Arial" panose="020B0604020202020204" pitchFamily="34" charset="0"/>
                 <a:cs typeface="Arial" panose="020B0604020202020204" pitchFamily="34" charset="0"/>
               </a:rPr>
-              <a:t>crossover data accesses</a:t>
-            </a:r>
-            <a:r>
-              <a:rPr lang="en-US" sz="2400" dirty="0" smtClean="0">
+              <a:t>crossover </a:t>
+            </a:r>
+            <a:r>
+              <a:rPr lang="en-US" sz="2200" b="1" dirty="0" smtClean="0">
+                <a:solidFill>
+                  <a:srgbClr val="FF0000"/>
+                </a:solidFill>
+                <a:latin typeface="Arial" panose="020B0604020202020204" pitchFamily="34" charset="0"/>
+                <a:cs typeface="Arial" panose="020B0604020202020204" pitchFamily="34" charset="0"/>
+              </a:rPr>
+              <a:t>data </a:t>
+            </a:r>
+            <a:r>
+              <a:rPr lang="en-US" sz="2200" b="1" smtClean="0">
+                <a:solidFill>
+                  <a:srgbClr val="FF0000"/>
+                </a:solidFill>
+                <a:latin typeface="Arial" panose="020B0604020202020204" pitchFamily="34" charset="0"/>
+                <a:cs typeface="Arial" panose="020B0604020202020204" pitchFamily="34" charset="0"/>
+              </a:rPr>
+              <a:t>accesses</a:t>
+            </a:r>
+            <a:r>
+              <a:rPr lang="en-US" sz="2200" smtClean="0">
                 <a:latin typeface="Arial" panose="020B0604020202020204" pitchFamily="34" charset="0"/>
                 <a:cs typeface="Arial" panose="020B0604020202020204" pitchFamily="34" charset="0"/>
               </a:rPr>
               <a:t> </a:t>
             </a:r>
             <a:r>
-              <a:rPr lang="en-US" sz="2400" dirty="0">
-                <a:solidFill>
-                  <a:schemeClr val="tx1">
-                    <a:lumMod val="85000"/>
-                    <a:lumOff val="15000"/>
-                  </a:schemeClr>
-                </a:solidFill>
-                <a:latin typeface="Arial" panose="020B0604020202020204" pitchFamily="34" charset="0"/>
-                <a:cs typeface="Arial" panose="020B0604020202020204" pitchFamily="34" charset="0"/>
-              </a:rPr>
-              <a:t>of threads </a:t>
-            </a:r>
-            <a:r>
-              <a:rPr lang="en-US" sz="2400" dirty="0" smtClean="0">
-                <a:solidFill>
-                  <a:schemeClr val="tx1">
-                    <a:lumMod val="85000"/>
-                    <a:lumOff val="15000"/>
-                  </a:schemeClr>
-                </a:solidFill>
-                <a:latin typeface="Arial" panose="020B0604020202020204" pitchFamily="34" charset="0"/>
-                <a:cs typeface="Arial" panose="020B0604020202020204" pitchFamily="34" charset="0"/>
-              </a:rPr>
-              <a:t>reduce performance.</a:t>
+              <a:rPr lang="en-US" sz="2200" smtClean="0">
+                <a:solidFill>
+                  <a:schemeClr val="tx1">
+                    <a:lumMod val="85000"/>
+                    <a:lumOff val="15000"/>
+                  </a:schemeClr>
+                </a:solidFill>
+                <a:latin typeface="Arial" panose="020B0604020202020204" pitchFamily="34" charset="0"/>
+                <a:cs typeface="Arial" panose="020B0604020202020204" pitchFamily="34" charset="0"/>
+              </a:rPr>
+              <a:t>reduce </a:t>
+            </a:r>
+            <a:r>
+              <a:rPr lang="en-US" sz="2200" dirty="0" smtClean="0">
+                <a:solidFill>
+                  <a:schemeClr val="tx1">
+                    <a:lumMod val="85000"/>
+                    <a:lumOff val="15000"/>
+                  </a:schemeClr>
+                </a:solidFill>
+                <a:latin typeface="Arial" panose="020B0604020202020204" pitchFamily="34" charset="0"/>
+                <a:cs typeface="Arial" panose="020B0604020202020204" pitchFamily="34" charset="0"/>
+              </a:rPr>
+              <a:t>performance.</a:t>
             </a:r>
           </a:p>
         </p:txBody>
@@ -16357,8 +15931,8 @@
         </p:blipFill>
         <p:spPr bwMode="auto">
           <a:xfrm>
-            <a:off x="2307260" y="3537537"/>
-            <a:ext cx="8686800" cy="1823971"/>
+            <a:off x="2125642" y="3404103"/>
+            <a:ext cx="8230974" cy="1767282"/>
           </a:xfrm>
           <a:prstGeom prst="rect">
             <a:avLst/>
@@ -16577,6 +16151,19 @@
               <a:buAutoNum type="arabicPeriod"/>
             </a:pPr>
             <a:r>
+              <a:rPr lang="en-US" sz="2400" smtClean="0">
+                <a:solidFill>
+                  <a:schemeClr val="tx1">
+                    <a:lumMod val="85000"/>
+                    <a:lumOff val="15000"/>
+                  </a:schemeClr>
+                </a:solidFill>
+                <a:latin typeface="Arial" panose="020B0604020202020204" pitchFamily="34" charset="0"/>
+                <a:cs typeface="Arial" panose="020B0604020202020204" pitchFamily="34" charset="0"/>
+              </a:rPr>
+              <a:t>Parallel GFKM </a:t>
+            </a:r>
+            <a:r>
               <a:rPr lang="en-US" sz="2400" dirty="0" smtClean="0">
                 <a:solidFill>
                   <a:schemeClr val="tx1">
@@ -16587,7 +16174,7 @@
                 <a:latin typeface="Arial" panose="020B0604020202020204" pitchFamily="34" charset="0"/>
                 <a:cs typeface="Arial" panose="020B0604020202020204" pitchFamily="34" charset="0"/>
               </a:rPr>
-              <a:t>PGFKM model</a:t>
+              <a:t>model</a:t>
             </a:r>
             <a:endParaRPr lang="en-US" sz="2400" dirty="0">
               <a:solidFill>
@@ -16934,8 +16521,8 @@
         </p:nvSpPr>
         <p:spPr>
           <a:xfrm>
-            <a:off x="1661411" y="1986411"/>
-            <a:ext cx="9235637" cy="4105749"/>
+            <a:off x="3196951" y="1941143"/>
+            <a:ext cx="6088354" cy="4105749"/>
           </a:xfrm>
         </p:spPr>
         <p:txBody>
@@ -17000,10 +16587,60 @@
                 <a:latin typeface="Arial" panose="020B0604020202020204" pitchFamily="34" charset="0"/>
                 <a:cs typeface="Arial" panose="020B0604020202020204" pitchFamily="34" charset="0"/>
               </a:rPr>
-              <a:t>: use </a:t>
-            </a:r>
-            <a:r>
-              <a:rPr lang="en-US" sz="2400" b="1" dirty="0" smtClean="0">
+              <a:t>: </a:t>
+            </a:r>
+            <a:endParaRPr lang="en-US" sz="2400" smtClean="0">
+              <a:solidFill>
+                <a:schemeClr val="tx1">
+                  <a:lumMod val="85000"/>
+                  <a:lumOff val="15000"/>
+                </a:schemeClr>
+              </a:solidFill>
+              <a:latin typeface="Arial" panose="020B0604020202020204" pitchFamily="34" charset="0"/>
+              <a:cs typeface="Arial" panose="020B0604020202020204" pitchFamily="34" charset="0"/>
+            </a:endParaRPr>
+          </a:p>
+          <a:p>
+            <a:pPr marL="0" indent="0" algn="just">
+              <a:lnSpc>
+                <a:spcPct val="125000"/>
+              </a:lnSpc>
+              <a:spcBef>
+                <a:spcPts val="300"/>
+              </a:spcBef>
+              <a:buNone/>
+              <a:tabLst>
+                <a:tab pos="361950" algn="l"/>
+              </a:tabLst>
+            </a:pPr>
+            <a:r>
+              <a:rPr lang="en-US" sz="2400">
+                <a:solidFill>
+                  <a:schemeClr val="tx1">
+                    <a:lumMod val="85000"/>
+                    <a:lumOff val="15000"/>
+                  </a:schemeClr>
+                </a:solidFill>
+                <a:latin typeface="Arial" panose="020B0604020202020204" pitchFamily="34" charset="0"/>
+                <a:cs typeface="Arial" panose="020B0604020202020204" pitchFamily="34" charset="0"/>
+              </a:rPr>
+              <a:t>	</a:t>
+            </a:r>
+            <a:r>
+              <a:rPr lang="en-US" sz="2200" smtClean="0">
+                <a:solidFill>
+                  <a:schemeClr val="tx1">
+                    <a:lumMod val="85000"/>
+                    <a:lumOff val="15000"/>
+                  </a:schemeClr>
+                </a:solidFill>
+                <a:latin typeface="Arial" panose="020B0604020202020204" pitchFamily="34" charset="0"/>
+                <a:cs typeface="Arial" panose="020B0604020202020204" pitchFamily="34" charset="0"/>
+              </a:rPr>
+              <a:t>Use </a:t>
+            </a:r>
+            <a:r>
+              <a:rPr lang="en-US" sz="2200" b="1" dirty="0" smtClean="0">
                 <a:solidFill>
                   <a:srgbClr val="00B050"/>
                 </a:solidFill>
@@ -17013,17 +16650,27 @@
               <a:t>stable </a:t>
             </a:r>
             <a:r>
-              <a:rPr lang="en-US" sz="2400" b="1" dirty="0">
+              <a:rPr lang="en-US" sz="2200" b="1" dirty="0">
                 <a:solidFill>
                   <a:srgbClr val="00B050"/>
                 </a:solidFill>
                 <a:latin typeface="Arial" panose="020B0604020202020204" pitchFamily="34" charset="0"/>
                 <a:cs typeface="Arial" panose="020B0604020202020204" pitchFamily="34" charset="0"/>
               </a:rPr>
-              <a:t>sort by keys of Thrust</a:t>
-            </a:r>
-            <a:r>
-              <a:rPr lang="en-US" sz="2400" dirty="0">
+              <a:t>sort by keys of </a:t>
+            </a:r>
+            <a:r>
+              <a:rPr lang="en-US" sz="2200" b="1">
+                <a:solidFill>
+                  <a:srgbClr val="00B050"/>
+                </a:solidFill>
+                <a:latin typeface="Arial" panose="020B0604020202020204" pitchFamily="34" charset="0"/>
+                <a:cs typeface="Arial" panose="020B0604020202020204" pitchFamily="34" charset="0"/>
+              </a:rPr>
+              <a:t>Thrust</a:t>
+            </a:r>
+            <a:r>
+              <a:rPr lang="en-US" sz="2200">
                 <a:solidFill>
                   <a:srgbClr val="00B0F0"/>
                 </a:solidFill>
@@ -17033,31 +16680,28 @@
               <a:t> </a:t>
             </a:r>
             <a:r>
-              <a:rPr lang="en-US" sz="2400" dirty="0">
-                <a:solidFill>
-                  <a:schemeClr val="tx1">
-                    <a:lumMod val="85000"/>
-                    <a:lumOff val="15000"/>
-                  </a:schemeClr>
-                </a:solidFill>
-                <a:latin typeface="Arial" panose="020B0604020202020204" pitchFamily="34" charset="0"/>
-                <a:cs typeface="Arial" panose="020B0604020202020204" pitchFamily="34" charset="0"/>
-              </a:rPr>
-              <a:t>library in CUDA </a:t>
-            </a:r>
-            <a:r>
-              <a:rPr lang="en-US" sz="2400" dirty="0" smtClean="0">
-                <a:solidFill>
-                  <a:schemeClr val="tx1">
-                    <a:lumMod val="85000"/>
-                    <a:lumOff val="15000"/>
-                  </a:schemeClr>
-                </a:solidFill>
-                <a:latin typeface="Arial" panose="020B0604020202020204" pitchFamily="34" charset="0"/>
-                <a:cs typeface="Arial" panose="020B0604020202020204" pitchFamily="34" charset="0"/>
-              </a:rPr>
-              <a:t>Toolkit.</a:t>
-            </a:r>
+              <a:rPr lang="en-US" sz="2200" smtClean="0">
+                <a:solidFill>
+                  <a:schemeClr val="tx1">
+                    <a:lumMod val="85000"/>
+                    <a:lumOff val="15000"/>
+                  </a:schemeClr>
+                </a:solidFill>
+                <a:latin typeface="Arial" panose="020B0604020202020204" pitchFamily="34" charset="0"/>
+                <a:cs typeface="Arial" panose="020B0604020202020204" pitchFamily="34" charset="0"/>
+              </a:rPr>
+              <a:t>library.</a:t>
+            </a:r>
+            <a:endParaRPr lang="en-US" sz="2200" dirty="0" smtClean="0">
+              <a:solidFill>
+                <a:schemeClr val="tx1">
+                  <a:lumMod val="85000"/>
+                  <a:lumOff val="15000"/>
+                </a:schemeClr>
+              </a:solidFill>
+              <a:latin typeface="Arial" panose="020B0604020202020204" pitchFamily="34" charset="0"/>
+              <a:cs typeface="Arial" panose="020B0604020202020204" pitchFamily="34" charset="0"/>
+            </a:endParaRPr>
           </a:p>
         </p:txBody>
       </p:sp>
@@ -17121,8 +16765,8 @@
         </p:blipFill>
         <p:spPr bwMode="auto">
           <a:xfrm>
-            <a:off x="2092325" y="3151246"/>
-            <a:ext cx="8731228" cy="1774826"/>
+            <a:off x="2255315" y="3069757"/>
+            <a:ext cx="7971625" cy="1685557"/>
           </a:xfrm>
           <a:prstGeom prst="rect">
             <a:avLst/>
@@ -17230,8 +16874,8 @@
         </p:nvSpPr>
         <p:spPr>
           <a:xfrm>
-            <a:off x="2004313" y="1992312"/>
-            <a:ext cx="9046864" cy="4105749"/>
+            <a:off x="2132605" y="1965152"/>
+            <a:ext cx="8217049" cy="3213431"/>
           </a:xfrm>
         </p:spPr>
         <p:txBody>
@@ -17324,12 +16968,9 @@
               <a:t>for the </a:t>
             </a:r>
             <a:r>
-              <a:rPr lang="en-US" sz="2400" i="1" dirty="0" err="1" smtClean="0">
-                <a:solidFill>
-                  <a:schemeClr val="tx1">
-                    <a:lumMod val="85000"/>
-                    <a:lumOff val="15000"/>
-                  </a:schemeClr>
+              <a:rPr lang="en-US" sz="2400" b="1" i="1" err="1" smtClean="0">
+                <a:solidFill>
+                  <a:srgbClr val="00B050"/>
                 </a:solidFill>
                 <a:latin typeface="Arial" panose="020B0604020202020204" pitchFamily="34" charset="0"/>
                 <a:cs typeface="Arial" panose="020B0604020202020204" pitchFamily="34" charset="0"/>
@@ -17337,12 +16978,9 @@
               <a:t>j</a:t>
             </a:r>
             <a:r>
-              <a:rPr lang="en-US" sz="2400" dirty="0" err="1" smtClean="0">
-                <a:solidFill>
-                  <a:schemeClr val="tx1">
-                    <a:lumMod val="85000"/>
-                    <a:lumOff val="15000"/>
-                  </a:schemeClr>
+              <a:rPr lang="en-US" sz="2400" b="1" err="1" smtClean="0">
+                <a:solidFill>
+                  <a:srgbClr val="00B050"/>
                 </a:solidFill>
                 <a:latin typeface="Arial" panose="020B0604020202020204" pitchFamily="34" charset="0"/>
                 <a:cs typeface="Arial" panose="020B0604020202020204" pitchFamily="34" charset="0"/>
@@ -17350,18 +16988,48 @@
               <a:t>th</a:t>
             </a:r>
             <a:r>
-              <a:rPr lang="en-US" sz="2400" dirty="0" smtClean="0">
-                <a:solidFill>
-                  <a:schemeClr val="tx1">
-                    <a:lumMod val="85000"/>
-                    <a:lumOff val="15000"/>
-                  </a:schemeClr>
-                </a:solidFill>
-                <a:latin typeface="Arial" panose="020B0604020202020204" pitchFamily="34" charset="0"/>
-                <a:cs typeface="Arial" panose="020B0604020202020204" pitchFamily="34" charset="0"/>
-              </a:rPr>
-              <a:t> cluster on GPU,</a:t>
-            </a:r>
+              <a:rPr lang="en-US" sz="2400" b="1" smtClean="0">
+                <a:solidFill>
+                  <a:srgbClr val="00B050"/>
+                </a:solidFill>
+                <a:latin typeface="Arial" panose="020B0604020202020204" pitchFamily="34" charset="0"/>
+                <a:cs typeface="Arial" panose="020B0604020202020204" pitchFamily="34" charset="0"/>
+              </a:rPr>
+              <a:t> </a:t>
+            </a:r>
+            <a:r>
+              <a:rPr lang="en-US" sz="2400" b="1" smtClean="0">
+                <a:solidFill>
+                  <a:srgbClr val="00B050"/>
+                </a:solidFill>
+                <a:latin typeface="Arial" panose="020B0604020202020204" pitchFamily="34" charset="0"/>
+                <a:cs typeface="Arial" panose="020B0604020202020204" pitchFamily="34" charset="0"/>
+              </a:rPr>
+              <a:t>cluster</a:t>
+            </a:r>
+            <a:r>
+              <a:rPr lang="en-US" sz="2400" smtClean="0">
+                <a:solidFill>
+                  <a:schemeClr val="tx1">
+                    <a:lumMod val="85000"/>
+                    <a:lumOff val="15000"/>
+                  </a:schemeClr>
+                </a:solidFill>
+                <a:latin typeface="Arial" panose="020B0604020202020204" pitchFamily="34" charset="0"/>
+                <a:cs typeface="Arial" panose="020B0604020202020204" pitchFamily="34" charset="0"/>
+              </a:rPr>
+              <a:t>,</a:t>
+            </a:r>
+            <a:endParaRPr lang="en-US" sz="2400" dirty="0" smtClean="0">
+              <a:solidFill>
+                <a:schemeClr val="tx1">
+                  <a:lumMod val="85000"/>
+                  <a:lumOff val="15000"/>
+                </a:schemeClr>
+              </a:solidFill>
+              <a:latin typeface="Arial" panose="020B0604020202020204" pitchFamily="34" charset="0"/>
+              <a:cs typeface="Arial" panose="020B0604020202020204" pitchFamily="34" charset="0"/>
+            </a:endParaRPr>
           </a:p>
           <a:p>
             <a:pPr algn="just">
@@ -17393,190 +17061,215 @@
                 <a:latin typeface="Arial" panose="020B0604020202020204" pitchFamily="34" charset="0"/>
                 <a:cs typeface="Arial" panose="020B0604020202020204" pitchFamily="34" charset="0"/>
               </a:rPr>
+              <a:t> U’</a:t>
+            </a:r>
+            <a:r>
+              <a:rPr lang="en-US" sz="2400" b="1" baseline="-25000" smtClean="0">
+                <a:solidFill>
+                  <a:schemeClr val="tx1">
+                    <a:lumMod val="85000"/>
+                    <a:lumOff val="15000"/>
+                  </a:schemeClr>
+                </a:solidFill>
+                <a:latin typeface="Arial" panose="020B0604020202020204" pitchFamily="34" charset="0"/>
+                <a:cs typeface="Arial" panose="020B0604020202020204" pitchFamily="34" charset="0"/>
+              </a:rPr>
+              <a:t>i,l</a:t>
+            </a:r>
+            <a:r>
+              <a:rPr lang="en-US" sz="2400" b="1" baseline="30000" smtClean="0">
+                <a:solidFill>
+                  <a:schemeClr val="tx1">
+                    <a:lumMod val="85000"/>
+                    <a:lumOff val="15000"/>
+                  </a:schemeClr>
+                </a:solidFill>
+                <a:latin typeface="Arial" panose="020B0604020202020204" pitchFamily="34" charset="0"/>
+                <a:cs typeface="Arial" panose="020B0604020202020204" pitchFamily="34" charset="0"/>
+              </a:rPr>
+              <a:t>q</a:t>
+            </a:r>
+            <a:r>
+              <a:rPr lang="en-US" sz="2400" b="1" smtClean="0">
+                <a:solidFill>
+                  <a:schemeClr val="tx1">
+                    <a:lumMod val="85000"/>
+                    <a:lumOff val="15000"/>
+                  </a:schemeClr>
+                </a:solidFill>
+                <a:latin typeface="Arial" panose="020B0604020202020204" pitchFamily="34" charset="0"/>
+                <a:cs typeface="Arial" panose="020B0604020202020204" pitchFamily="34" charset="0"/>
+              </a:rPr>
               <a:t> </a:t>
             </a:r>
             <a:r>
+              <a:rPr lang="en-US" sz="2400" b="1" dirty="0">
+                <a:solidFill>
+                  <a:schemeClr val="tx1">
+                    <a:lumMod val="85000"/>
+                    <a:lumOff val="15000"/>
+                  </a:schemeClr>
+                </a:solidFill>
+                <a:latin typeface="Arial" panose="020B0604020202020204" pitchFamily="34" charset="0"/>
+                <a:cs typeface="Arial" panose="020B0604020202020204" pitchFamily="34" charset="0"/>
+              </a:rPr>
+              <a:t>* </a:t>
+            </a:r>
+            <a:r>
+              <a:rPr lang="en-US" sz="2400" b="1" dirty="0" smtClean="0">
+                <a:solidFill>
+                  <a:schemeClr val="tx1">
+                    <a:lumMod val="85000"/>
+                    <a:lumOff val="15000"/>
+                  </a:schemeClr>
+                </a:solidFill>
+                <a:latin typeface="Arial" panose="020B0604020202020204" pitchFamily="34" charset="0"/>
+                <a:cs typeface="Arial" panose="020B0604020202020204" pitchFamily="34" charset="0"/>
+              </a:rPr>
+              <a:t>X</a:t>
+            </a:r>
+            <a:r>
+              <a:rPr lang="en-US" sz="2400" b="1" baseline="-25000" dirty="0" smtClean="0">
+                <a:solidFill>
+                  <a:schemeClr val="tx1">
+                    <a:lumMod val="85000"/>
+                    <a:lumOff val="15000"/>
+                  </a:schemeClr>
+                </a:solidFill>
+                <a:latin typeface="Arial" panose="020B0604020202020204" pitchFamily="34" charset="0"/>
+                <a:cs typeface="Arial" panose="020B0604020202020204" pitchFamily="34" charset="0"/>
+              </a:rPr>
+              <a:t>i</a:t>
+            </a:r>
+            <a:r>
+              <a:rPr lang="en-US" sz="2400" dirty="0" smtClean="0">
+                <a:solidFill>
+                  <a:schemeClr val="tx1">
+                    <a:lumMod val="85000"/>
+                    <a:lumOff val="15000"/>
+                  </a:schemeClr>
+                </a:solidFill>
+                <a:latin typeface="Arial" panose="020B0604020202020204" pitchFamily="34" charset="0"/>
+                <a:cs typeface="Arial" panose="020B0604020202020204" pitchFamily="34" charset="0"/>
+              </a:rPr>
+              <a:t> for the </a:t>
+            </a:r>
+            <a:r>
+              <a:rPr lang="en-US" sz="2400" b="1" i="1" dirty="0" err="1" smtClean="0">
+                <a:solidFill>
+                  <a:srgbClr val="00B050"/>
+                </a:solidFill>
+                <a:latin typeface="Arial" panose="020B0604020202020204" pitchFamily="34" charset="0"/>
+                <a:cs typeface="Arial" panose="020B0604020202020204" pitchFamily="34" charset="0"/>
+              </a:rPr>
+              <a:t>j</a:t>
+            </a:r>
+            <a:r>
+              <a:rPr lang="en-US" sz="2400" b="1" dirty="0" err="1" smtClean="0">
+                <a:solidFill>
+                  <a:srgbClr val="00B050"/>
+                </a:solidFill>
+                <a:latin typeface="Arial" panose="020B0604020202020204" pitchFamily="34" charset="0"/>
+                <a:cs typeface="Arial" panose="020B0604020202020204" pitchFamily="34" charset="0"/>
+              </a:rPr>
+              <a:t>th</a:t>
+            </a:r>
+            <a:r>
+              <a:rPr lang="en-US" sz="2400" b="1" dirty="0" smtClean="0">
+                <a:solidFill>
+                  <a:srgbClr val="00B050"/>
+                </a:solidFill>
+                <a:latin typeface="Arial" panose="020B0604020202020204" pitchFamily="34" charset="0"/>
+                <a:cs typeface="Arial" panose="020B0604020202020204" pitchFamily="34" charset="0"/>
+              </a:rPr>
+              <a:t> cluster </a:t>
+            </a:r>
+            <a:r>
+              <a:rPr lang="en-US" sz="2400" dirty="0" smtClean="0">
+                <a:solidFill>
+                  <a:schemeClr val="tx1">
+                    <a:lumMod val="85000"/>
+                    <a:lumOff val="15000"/>
+                  </a:schemeClr>
+                </a:solidFill>
+                <a:latin typeface="Arial" panose="020B0604020202020204" pitchFamily="34" charset="0"/>
+                <a:cs typeface="Arial" panose="020B0604020202020204" pitchFamily="34" charset="0"/>
+              </a:rPr>
+              <a:t>and</a:t>
+            </a:r>
+            <a:r>
+              <a:rPr lang="en-US" sz="2400" b="1" dirty="0" smtClean="0">
+                <a:solidFill>
+                  <a:srgbClr val="00B050"/>
+                </a:solidFill>
+                <a:latin typeface="Arial" panose="020B0604020202020204" pitchFamily="34" charset="0"/>
+                <a:cs typeface="Arial" panose="020B0604020202020204" pitchFamily="34" charset="0"/>
+              </a:rPr>
+              <a:t> </a:t>
+            </a:r>
+            <a:r>
+              <a:rPr lang="en-US" sz="2400" b="1" i="1" err="1" smtClean="0">
+                <a:solidFill>
+                  <a:srgbClr val="00B050"/>
+                </a:solidFill>
+                <a:latin typeface="Arial" panose="020B0604020202020204" pitchFamily="34" charset="0"/>
+                <a:cs typeface="Arial" panose="020B0604020202020204" pitchFamily="34" charset="0"/>
+              </a:rPr>
+              <a:t>x</a:t>
+            </a:r>
+            <a:r>
+              <a:rPr lang="en-US" sz="2400" b="1" err="1" smtClean="0">
+                <a:solidFill>
+                  <a:srgbClr val="00B050"/>
+                </a:solidFill>
+                <a:latin typeface="Arial" panose="020B0604020202020204" pitchFamily="34" charset="0"/>
+                <a:cs typeface="Arial" panose="020B0604020202020204" pitchFamily="34" charset="0"/>
+              </a:rPr>
+              <a:t>th</a:t>
+            </a:r>
+            <a:r>
               <a:rPr lang="en-US" sz="2400" b="1" smtClean="0">
                 <a:solidFill>
-                  <a:schemeClr val="tx1">
-                    <a:lumMod val="85000"/>
-                    <a:lumOff val="15000"/>
-                  </a:schemeClr>
-                </a:solidFill>
-                <a:latin typeface="Arial" panose="020B0604020202020204" pitchFamily="34" charset="0"/>
-                <a:cs typeface="Arial" panose="020B0604020202020204" pitchFamily="34" charset="0"/>
-              </a:rPr>
-              <a:t>U’</a:t>
-            </a:r>
-            <a:r>
-              <a:rPr lang="en-US" sz="2400" b="1" baseline="-25000" smtClean="0">
-                <a:solidFill>
-                  <a:schemeClr val="tx1">
-                    <a:lumMod val="85000"/>
-                    <a:lumOff val="15000"/>
-                  </a:schemeClr>
-                </a:solidFill>
-                <a:latin typeface="Arial" panose="020B0604020202020204" pitchFamily="34" charset="0"/>
-                <a:cs typeface="Arial" panose="020B0604020202020204" pitchFamily="34" charset="0"/>
-              </a:rPr>
-              <a:t>i,l</a:t>
-            </a:r>
-            <a:r>
-              <a:rPr lang="en-US" sz="2400" b="1" baseline="30000" smtClean="0">
-                <a:solidFill>
-                  <a:schemeClr val="tx1">
-                    <a:lumMod val="85000"/>
-                    <a:lumOff val="15000"/>
-                  </a:schemeClr>
-                </a:solidFill>
-                <a:latin typeface="Arial" panose="020B0604020202020204" pitchFamily="34" charset="0"/>
-                <a:cs typeface="Arial" panose="020B0604020202020204" pitchFamily="34" charset="0"/>
-              </a:rPr>
-              <a:t>q</a:t>
+                  <a:srgbClr val="00B050"/>
+                </a:solidFill>
+                <a:latin typeface="Arial" panose="020B0604020202020204" pitchFamily="34" charset="0"/>
+                <a:cs typeface="Arial" panose="020B0604020202020204" pitchFamily="34" charset="0"/>
+              </a:rPr>
+              <a:t> </a:t>
             </a:r>
             <a:r>
               <a:rPr lang="en-US" sz="2400" b="1" smtClean="0">
                 <a:solidFill>
-                  <a:schemeClr val="tx1">
-                    <a:lumMod val="85000"/>
-                    <a:lumOff val="15000"/>
-                  </a:schemeClr>
-                </a:solidFill>
-                <a:latin typeface="Arial" panose="020B0604020202020204" pitchFamily="34" charset="0"/>
-                <a:cs typeface="Arial" panose="020B0604020202020204" pitchFamily="34" charset="0"/>
-              </a:rPr>
-              <a:t> </a:t>
-            </a:r>
-            <a:r>
-              <a:rPr lang="en-US" sz="2400" b="1" dirty="0">
-                <a:solidFill>
-                  <a:schemeClr val="tx1">
-                    <a:lumMod val="85000"/>
-                    <a:lumOff val="15000"/>
-                  </a:schemeClr>
-                </a:solidFill>
-                <a:latin typeface="Arial" panose="020B0604020202020204" pitchFamily="34" charset="0"/>
-                <a:cs typeface="Arial" panose="020B0604020202020204" pitchFamily="34" charset="0"/>
-              </a:rPr>
-              <a:t>* </a:t>
-            </a:r>
-            <a:r>
-              <a:rPr lang="en-US" sz="2400" b="1" dirty="0" smtClean="0">
-                <a:solidFill>
-                  <a:schemeClr val="tx1">
-                    <a:lumMod val="85000"/>
-                    <a:lumOff val="15000"/>
-                  </a:schemeClr>
-                </a:solidFill>
-                <a:latin typeface="Arial" panose="020B0604020202020204" pitchFamily="34" charset="0"/>
-                <a:cs typeface="Arial" panose="020B0604020202020204" pitchFamily="34" charset="0"/>
-              </a:rPr>
-              <a:t>X</a:t>
-            </a:r>
-            <a:r>
-              <a:rPr lang="en-US" sz="2400" b="1" baseline="-25000" dirty="0" smtClean="0">
-                <a:solidFill>
-                  <a:schemeClr val="tx1">
-                    <a:lumMod val="85000"/>
-                    <a:lumOff val="15000"/>
-                  </a:schemeClr>
-                </a:solidFill>
-                <a:latin typeface="Arial" panose="020B0604020202020204" pitchFamily="34" charset="0"/>
-                <a:cs typeface="Arial" panose="020B0604020202020204" pitchFamily="34" charset="0"/>
-              </a:rPr>
-              <a:t>i</a:t>
-            </a:r>
-            <a:r>
-              <a:rPr lang="en-US" sz="2400" dirty="0" smtClean="0">
-                <a:solidFill>
-                  <a:schemeClr val="tx1">
-                    <a:lumMod val="85000"/>
-                    <a:lumOff val="15000"/>
-                  </a:schemeClr>
-                </a:solidFill>
-                <a:latin typeface="Arial" panose="020B0604020202020204" pitchFamily="34" charset="0"/>
-                <a:cs typeface="Arial" panose="020B0604020202020204" pitchFamily="34" charset="0"/>
-              </a:rPr>
-              <a:t> for the </a:t>
-            </a:r>
-            <a:r>
-              <a:rPr lang="en-US" sz="2400" i="1" dirty="0" err="1" smtClean="0">
-                <a:solidFill>
-                  <a:schemeClr val="tx1">
-                    <a:lumMod val="85000"/>
-                    <a:lumOff val="15000"/>
-                  </a:schemeClr>
-                </a:solidFill>
-                <a:latin typeface="Arial" panose="020B0604020202020204" pitchFamily="34" charset="0"/>
-                <a:cs typeface="Arial" panose="020B0604020202020204" pitchFamily="34" charset="0"/>
-              </a:rPr>
-              <a:t>j</a:t>
-            </a:r>
-            <a:r>
-              <a:rPr lang="en-US" sz="2400" dirty="0" err="1" smtClean="0">
-                <a:solidFill>
-                  <a:schemeClr val="tx1">
-                    <a:lumMod val="85000"/>
-                    <a:lumOff val="15000"/>
-                  </a:schemeClr>
-                </a:solidFill>
-                <a:latin typeface="Arial" panose="020B0604020202020204" pitchFamily="34" charset="0"/>
-                <a:cs typeface="Arial" panose="020B0604020202020204" pitchFamily="34" charset="0"/>
-              </a:rPr>
-              <a:t>th</a:t>
-            </a:r>
-            <a:r>
-              <a:rPr lang="en-US" sz="2400" dirty="0" smtClean="0">
-                <a:solidFill>
-                  <a:schemeClr val="tx1">
-                    <a:lumMod val="85000"/>
-                    <a:lumOff val="15000"/>
-                  </a:schemeClr>
-                </a:solidFill>
-                <a:latin typeface="Arial" panose="020B0604020202020204" pitchFamily="34" charset="0"/>
-                <a:cs typeface="Arial" panose="020B0604020202020204" pitchFamily="34" charset="0"/>
-              </a:rPr>
-              <a:t> cluster and </a:t>
-            </a:r>
-            <a:r>
-              <a:rPr lang="en-US" sz="2400" i="1" dirty="0" err="1" smtClean="0">
-                <a:solidFill>
-                  <a:schemeClr val="tx1">
-                    <a:lumMod val="85000"/>
-                    <a:lumOff val="15000"/>
-                  </a:schemeClr>
-                </a:solidFill>
-                <a:latin typeface="Arial" panose="020B0604020202020204" pitchFamily="34" charset="0"/>
-                <a:cs typeface="Arial" panose="020B0604020202020204" pitchFamily="34" charset="0"/>
-              </a:rPr>
-              <a:t>x</a:t>
-            </a:r>
-            <a:r>
-              <a:rPr lang="en-US" sz="2400" dirty="0" err="1" smtClean="0">
-                <a:solidFill>
-                  <a:schemeClr val="tx1">
-                    <a:lumMod val="85000"/>
-                    <a:lumOff val="15000"/>
-                  </a:schemeClr>
-                </a:solidFill>
-                <a:latin typeface="Arial" panose="020B0604020202020204" pitchFamily="34" charset="0"/>
-                <a:cs typeface="Arial" panose="020B0604020202020204" pitchFamily="34" charset="0"/>
-              </a:rPr>
-              <a:t>th</a:t>
-            </a:r>
-            <a:r>
-              <a:rPr lang="en-US" sz="2400" dirty="0" smtClean="0">
-                <a:solidFill>
-                  <a:schemeClr val="tx1">
-                    <a:lumMod val="85000"/>
-                    <a:lumOff val="15000"/>
-                  </a:schemeClr>
-                </a:solidFill>
-                <a:latin typeface="Arial" panose="020B0604020202020204" pitchFamily="34" charset="0"/>
-                <a:cs typeface="Arial" panose="020B0604020202020204" pitchFamily="34" charset="0"/>
-              </a:rPr>
-              <a:t> dimension on GPU,</a:t>
-            </a:r>
+                  <a:srgbClr val="00B050"/>
+                </a:solidFill>
+                <a:latin typeface="Arial" panose="020B0604020202020204" pitchFamily="34" charset="0"/>
+                <a:cs typeface="Arial" panose="020B0604020202020204" pitchFamily="34" charset="0"/>
+              </a:rPr>
+              <a:t>dimension</a:t>
+            </a:r>
+            <a:r>
+              <a:rPr lang="en-US" sz="2400" smtClean="0">
+                <a:solidFill>
+                  <a:schemeClr val="tx1">
+                    <a:lumMod val="85000"/>
+                    <a:lumOff val="15000"/>
+                  </a:schemeClr>
+                </a:solidFill>
+                <a:latin typeface="Arial" panose="020B0604020202020204" pitchFamily="34" charset="0"/>
+                <a:cs typeface="Arial" panose="020B0604020202020204" pitchFamily="34" charset="0"/>
+              </a:rPr>
+              <a:t>,</a:t>
+            </a:r>
+            <a:endParaRPr lang="en-US" sz="2400" dirty="0" smtClean="0">
+              <a:solidFill>
+                <a:schemeClr val="tx1">
+                  <a:lumMod val="85000"/>
+                  <a:lumOff val="15000"/>
+                </a:schemeClr>
+              </a:solidFill>
+              <a:latin typeface="Arial" panose="020B0604020202020204" pitchFamily="34" charset="0"/>
+              <a:cs typeface="Arial" panose="020B0604020202020204" pitchFamily="34" charset="0"/>
+            </a:endParaRPr>
           </a:p>
           <a:p>
             <a:pPr algn="just">
@@ -17635,7 +17328,7 @@
               <a:t> </a:t>
             </a:r>
             <a:r>
-              <a:rPr lang="en-US" sz="2400" b="1" dirty="0" smtClean="0">
+              <a:rPr lang="en-US" sz="2400" b="1" smtClean="0">
                 <a:solidFill>
                   <a:srgbClr val="00B050"/>
                 </a:solidFill>
@@ -17645,27 +17338,42 @@
               <a:t>interleaved</a:t>
             </a:r>
             <a:r>
-              <a:rPr lang="en-US" sz="2400" dirty="0" smtClean="0">
+              <a:rPr lang="en-US" sz="2400" smtClean="0">
                 <a:latin typeface="Arial" panose="020B0604020202020204" pitchFamily="34" charset="0"/>
                 <a:cs typeface="Arial" panose="020B0604020202020204" pitchFamily="34" charset="0"/>
               </a:rPr>
               <a:t> </a:t>
             </a:r>
-            <a:r>
-              <a:rPr lang="en-US" sz="2400" dirty="0" smtClean="0">
-                <a:solidFill>
-                  <a:schemeClr val="tx1">
-                    <a:lumMod val="85000"/>
-                    <a:lumOff val="15000"/>
-                  </a:schemeClr>
-                </a:solidFill>
-                <a:latin typeface="Arial" panose="020B0604020202020204" pitchFamily="34" charset="0"/>
-                <a:cs typeface="Arial" panose="020B0604020202020204" pitchFamily="34" charset="0"/>
-              </a:rPr>
-              <a:t>in</a:t>
-            </a:r>
-            <a:r>
-              <a:rPr lang="en-US" sz="2400" dirty="0" smtClean="0">
+            <a:endParaRPr lang="en-US" sz="2400" smtClean="0">
+              <a:latin typeface="Arial" panose="020B0604020202020204" pitchFamily="34" charset="0"/>
+              <a:cs typeface="Arial" panose="020B0604020202020204" pitchFamily="34" charset="0"/>
+            </a:endParaRPr>
+          </a:p>
+          <a:p>
+            <a:pPr marL="0" indent="0" algn="just">
+              <a:lnSpc>
+                <a:spcPct val="135000"/>
+              </a:lnSpc>
+              <a:buNone/>
+              <a:tabLst>
+                <a:tab pos="361950" algn="l"/>
+              </a:tabLst>
+            </a:pPr>
+            <a:r>
+              <a:rPr lang="en-US" sz="2400" smtClean="0">
+                <a:solidFill>
+                  <a:schemeClr val="tx1">
+                    <a:lumMod val="85000"/>
+                    <a:lumOff val="15000"/>
+                  </a:schemeClr>
+                </a:solidFill>
+                <a:latin typeface="Arial" panose="020B0604020202020204" pitchFamily="34" charset="0"/>
+                <a:cs typeface="Arial" panose="020B0604020202020204" pitchFamily="34" charset="0"/>
+              </a:rPr>
+              <a:t>	in</a:t>
+            </a:r>
+            <a:r>
+              <a:rPr lang="en-US" sz="2400" smtClean="0">
                 <a:latin typeface="Arial" panose="020B0604020202020204" pitchFamily="34" charset="0"/>
                 <a:cs typeface="Arial" panose="020B0604020202020204" pitchFamily="34" charset="0"/>
               </a:rPr>
@@ -18359,8 +18067,8 @@
         </p:nvSpPr>
         <p:spPr>
           <a:xfrm>
-            <a:off x="2365298" y="1997122"/>
-            <a:ext cx="7751663" cy="4105749"/>
+            <a:off x="2439846" y="2069550"/>
+            <a:ext cx="7602567" cy="4105749"/>
           </a:xfrm>
         </p:spPr>
         <p:txBody>
@@ -18431,7 +18139,7 @@
                 <a:latin typeface="Arial" panose="020B0604020202020204" pitchFamily="34" charset="0"/>
                 <a:cs typeface="Arial" panose="020B0604020202020204" pitchFamily="34" charset="0"/>
               </a:rPr>
-              <a:t>→ </a:t>
+              <a:t>→ on</a:t>
             </a:r>
             <a:r>
               <a:rPr lang="en-US" sz="2400" b="1" smtClean="0">
@@ -18441,7 +18149,7 @@
                 <a:latin typeface="Arial" panose="020B0604020202020204" pitchFamily="34" charset="0"/>
                 <a:cs typeface="Arial" panose="020B0604020202020204" pitchFamily="34" charset="0"/>
               </a:rPr>
-              <a:t>on </a:t>
+              <a:t> </a:t>
             </a:r>
             <a:r>
               <a:rPr lang="en-US" sz="2400" b="1" dirty="0">
@@ -18492,7 +18200,7 @@
             </a:r>
           </a:p>
           <a:p>
-            <a:pPr marL="1033463" lvl="1" indent="-404813" algn="just">
+            <a:pPr marL="896938" lvl="1" indent="-404813" algn="just">
               <a:lnSpc>
                 <a:spcPct val="135000"/>
               </a:lnSpc>
@@ -18568,7 +18276,7 @@
             </a:r>
           </a:p>
           <a:p>
-            <a:pPr marL="1033463" lvl="1" indent="-404813" algn="just">
+            <a:pPr marL="896938" lvl="1" indent="-404813" algn="just">
               <a:lnSpc>
                 <a:spcPct val="135000"/>
               </a:lnSpc>
@@ -19356,17 +19064,7 @@
                 <a:latin typeface="Arial" panose="020B0604020202020204" pitchFamily="34" charset="0"/>
                 <a:cs typeface="Arial" panose="020B0604020202020204" pitchFamily="34" charset="0"/>
               </a:rPr>
-              <a:t>× </a:t>
-            </a:r>
-            <a:r>
-              <a:rPr lang="en-US" sz="2200" b="1" smtClean="0">
-                <a:solidFill>
-                  <a:srgbClr val="FF0000"/>
-                </a:solidFill>
-                <a:latin typeface="Arial" panose="020B0604020202020204" pitchFamily="34" charset="0"/>
-                <a:cs typeface="Arial" panose="020B0604020202020204" pitchFamily="34" charset="0"/>
-              </a:rPr>
-              <a:t>192 </a:t>
+              <a:t>× 192 </a:t>
             </a:r>
             <a:r>
               <a:rPr lang="en-US" sz="2200" smtClean="0">
@@ -19445,17 +19143,7 @@
                 <a:latin typeface="Arial" panose="020B0604020202020204" pitchFamily="34" charset="0"/>
                 <a:cs typeface="Arial" panose="020B0604020202020204" pitchFamily="34" charset="0"/>
               </a:rPr>
-              <a:t>192.2 </a:t>
-            </a:r>
-            <a:r>
-              <a:rPr lang="en-US" sz="2200" b="1" smtClean="0">
-                <a:solidFill>
-                  <a:srgbClr val="FF0000"/>
-                </a:solidFill>
-                <a:latin typeface="Arial" panose="020B0604020202020204" pitchFamily="34" charset="0"/>
-                <a:cs typeface="Arial" panose="020B0604020202020204" pitchFamily="34" charset="0"/>
-              </a:rPr>
-              <a:t>GB/s</a:t>
+              <a:t>192.2 GB/s</a:t>
             </a:r>
             <a:r>
               <a:rPr lang="en-US" sz="2200" smtClean="0">
@@ -19584,16 +19272,6 @@
               </a:rPr>
               <a:t>, </a:t>
             </a:r>
-            <a:endParaRPr lang="en-US" sz="2200" smtClean="0">
-              <a:solidFill>
-                <a:schemeClr val="tx1">
-                  <a:lumMod val="85000"/>
-                  <a:lumOff val="15000"/>
-                </a:schemeClr>
-              </a:solidFill>
-              <a:latin typeface="Arial" panose="020B0604020202020204" pitchFamily="34" charset="0"/>
-              <a:cs typeface="Arial" panose="020B0604020202020204" pitchFamily="34" charset="0"/>
-            </a:endParaRPr>
           </a:p>
           <a:p>
             <a:pPr marL="914400" lvl="2" indent="-347663" algn="just">
@@ -19661,17 +19339,7 @@
                 <a:latin typeface="Arial" panose="020B0604020202020204" pitchFamily="34" charset="0"/>
                 <a:cs typeface="Arial" panose="020B0604020202020204" pitchFamily="34" charset="0"/>
               </a:rPr>
-              <a:t>25.6 </a:t>
-            </a:r>
-            <a:r>
-              <a:rPr lang="en-US" sz="2200" b="1" smtClean="0">
-                <a:solidFill>
-                  <a:srgbClr val="FF0000"/>
-                </a:solidFill>
-                <a:latin typeface="Arial" panose="020B0604020202020204" pitchFamily="34" charset="0"/>
-                <a:cs typeface="Arial" panose="020B0604020202020204" pitchFamily="34" charset="0"/>
-              </a:rPr>
-              <a:t>GB/s</a:t>
+              <a:t>25.6 GB/s</a:t>
             </a:r>
             <a:r>
               <a:rPr lang="en-US" sz="2200">
@@ -20400,7 +20068,59 @@
                 <a:latin typeface="Arial" panose="020B0604020202020204" pitchFamily="34" charset="0"/>
                 <a:cs typeface="Arial" panose="020B0604020202020204" pitchFamily="34" charset="0"/>
               </a:rPr>
-              <a:t>“</a:t>
+              <a:t>“Peppers” with </a:t>
+            </a:r>
+            <a:r>
+              <a:rPr lang="en-US" sz="2400" i="1" smtClean="0">
+                <a:solidFill>
+                  <a:schemeClr val="tx1">
+                    <a:lumMod val="85000"/>
+                    <a:lumOff val="15000"/>
+                  </a:schemeClr>
+                </a:solidFill>
+                <a:latin typeface="Arial" panose="020B0604020202020204" pitchFamily="34" charset="0"/>
+                <a:cs typeface="Arial" panose="020B0604020202020204" pitchFamily="34" charset="0"/>
+              </a:rPr>
+              <a:t>N </a:t>
+            </a:r>
+            <a:r>
+              <a:rPr lang="en-US" sz="2400" dirty="0" smtClean="0">
+                <a:solidFill>
+                  <a:schemeClr val="tx1">
+                    <a:lumMod val="85000"/>
+                    <a:lumOff val="15000"/>
+                  </a:schemeClr>
+                </a:solidFill>
+                <a:latin typeface="Arial" panose="020B0604020202020204" pitchFamily="34" charset="0"/>
+                <a:cs typeface="Arial" panose="020B0604020202020204" pitchFamily="34" charset="0"/>
+              </a:rPr>
+              <a:t>= 49152, </a:t>
+            </a:r>
+            <a:r>
+              <a:rPr lang="en-US" sz="2400" i="1" dirty="0" smtClean="0">
+                <a:solidFill>
+                  <a:schemeClr val="tx1">
+                    <a:lumMod val="85000"/>
+                    <a:lumOff val="15000"/>
+                  </a:schemeClr>
+                </a:solidFill>
+                <a:latin typeface="Arial" panose="020B0604020202020204" pitchFamily="34" charset="0"/>
+                <a:cs typeface="Arial" panose="020B0604020202020204" pitchFamily="34" charset="0"/>
+              </a:rPr>
+              <a:t>d</a:t>
+            </a:r>
+            <a:r>
+              <a:rPr lang="en-US" sz="2400" dirty="0" smtClean="0">
+                <a:solidFill>
+                  <a:schemeClr val="tx1">
+                    <a:lumMod val="85000"/>
+                    <a:lumOff val="15000"/>
+                  </a:schemeClr>
+                </a:solidFill>
+                <a:latin typeface="Arial" panose="020B0604020202020204" pitchFamily="34" charset="0"/>
+                <a:cs typeface="Arial" panose="020B0604020202020204" pitchFamily="34" charset="0"/>
+              </a:rPr>
+              <a:t> </a:t>
             </a:r>
             <a:r>
               <a:rPr lang="en-US" sz="2400" smtClean="0">
@@ -20413,85 +20133,7 @@
                 <a:latin typeface="Arial" panose="020B0604020202020204" pitchFamily="34" charset="0"/>
                 <a:cs typeface="Arial" panose="020B0604020202020204" pitchFamily="34" charset="0"/>
               </a:rPr>
-              <a:t>Peppers” with </a:t>
-            </a:r>
-            <a:r>
-              <a:rPr lang="en-US" sz="2400" i="1" smtClean="0">
-                <a:solidFill>
-                  <a:schemeClr val="tx1">
-                    <a:lumMod val="85000"/>
-                    <a:lumOff val="15000"/>
-                  </a:schemeClr>
-                </a:solidFill>
-                <a:latin typeface="Arial" panose="020B0604020202020204" pitchFamily="34" charset="0"/>
-                <a:cs typeface="Arial" panose="020B0604020202020204" pitchFamily="34" charset="0"/>
-              </a:rPr>
-              <a:t>N </a:t>
-            </a:r>
-            <a:r>
-              <a:rPr lang="en-US" sz="2400" dirty="0" smtClean="0">
-                <a:solidFill>
-                  <a:schemeClr val="tx1">
-                    <a:lumMod val="85000"/>
-                    <a:lumOff val="15000"/>
-                  </a:schemeClr>
-                </a:solidFill>
-                <a:latin typeface="Arial" panose="020B0604020202020204" pitchFamily="34" charset="0"/>
-                <a:cs typeface="Arial" panose="020B0604020202020204" pitchFamily="34" charset="0"/>
-              </a:rPr>
-              <a:t>= 49152, </a:t>
-            </a:r>
-            <a:r>
-              <a:rPr lang="en-US" sz="2400" i="1" dirty="0" smtClean="0">
-                <a:solidFill>
-                  <a:schemeClr val="tx1">
-                    <a:lumMod val="85000"/>
-                    <a:lumOff val="15000"/>
-                  </a:schemeClr>
-                </a:solidFill>
-                <a:latin typeface="Arial" panose="020B0604020202020204" pitchFamily="34" charset="0"/>
-                <a:cs typeface="Arial" panose="020B0604020202020204" pitchFamily="34" charset="0"/>
-              </a:rPr>
-              <a:t>d</a:t>
-            </a:r>
-            <a:r>
-              <a:rPr lang="en-US" sz="2400" dirty="0" smtClean="0">
-                <a:solidFill>
-                  <a:schemeClr val="tx1">
-                    <a:lumMod val="85000"/>
-                    <a:lumOff val="15000"/>
-                  </a:schemeClr>
-                </a:solidFill>
-                <a:latin typeface="Arial" panose="020B0604020202020204" pitchFamily="34" charset="0"/>
-                <a:cs typeface="Arial" panose="020B0604020202020204" pitchFamily="34" charset="0"/>
-              </a:rPr>
-              <a:t> </a:t>
-            </a:r>
-            <a:r>
-              <a:rPr lang="en-US" sz="2400" smtClean="0">
-                <a:solidFill>
-                  <a:schemeClr val="tx1">
-                    <a:lumMod val="85000"/>
-                    <a:lumOff val="15000"/>
-                  </a:schemeClr>
-                </a:solidFill>
-                <a:latin typeface="Arial" panose="020B0604020202020204" pitchFamily="34" charset="0"/>
-                <a:cs typeface="Arial" panose="020B0604020202020204" pitchFamily="34" charset="0"/>
-              </a:rPr>
-              <a:t>= </a:t>
-            </a:r>
-            <a:r>
-              <a:rPr lang="en-US" sz="2400" smtClean="0">
-                <a:solidFill>
-                  <a:schemeClr val="tx1">
-                    <a:lumMod val="85000"/>
-                    <a:lumOff val="15000"/>
-                  </a:schemeClr>
-                </a:solidFill>
-                <a:latin typeface="Arial" panose="020B0604020202020204" pitchFamily="34" charset="0"/>
-                <a:cs typeface="Arial" panose="020B0604020202020204" pitchFamily="34" charset="0"/>
-              </a:rPr>
-              <a:t>16.</a:t>
+              <a:t>= 16.</a:t>
             </a:r>
             <a:endParaRPr lang="en-US" sz="2400" dirty="0">
               <a:solidFill>
@@ -24132,8 +23774,8 @@
         </p:nvSpPr>
         <p:spPr>
           <a:xfrm>
-            <a:off x="2255491" y="1669213"/>
-            <a:ext cx="8239512" cy="4613891"/>
+            <a:off x="2541439" y="1759748"/>
+            <a:ext cx="7422154" cy="4613891"/>
           </a:xfrm>
         </p:spPr>
         <p:txBody>
@@ -24171,20 +23813,23 @@
                 <a:latin typeface="Arial" panose="020B0604020202020204" pitchFamily="34" charset="0"/>
                 <a:cs typeface="Arial" panose="020B0604020202020204" pitchFamily="34" charset="0"/>
               </a:rPr>
-              <a:t>speedups : </a:t>
-            </a:r>
-            <a:r>
-              <a:rPr lang="en-US" sz="2400" b="1" dirty="0" smtClean="0">
-                <a:solidFill>
-                  <a:srgbClr val="00B050"/>
-                </a:solidFill>
-                <a:latin typeface="Arial" panose="020B0604020202020204" pitchFamily="34" charset="0"/>
-                <a:cs typeface="Arial" panose="020B0604020202020204" pitchFamily="34" charset="0"/>
-              </a:rPr>
-              <a:t>the </a:t>
-            </a:r>
-            <a:r>
-              <a:rPr lang="en-US" sz="2400" b="1" dirty="0">
+              <a:t>speedups </a:t>
+            </a:r>
+            <a:r>
+              <a:rPr lang="en-US" sz="2400" smtClean="0">
+                <a:solidFill>
+                  <a:schemeClr val="tx1">
+                    <a:lumMod val="85000"/>
+                    <a:lumOff val="15000"/>
+                  </a:schemeClr>
+                </a:solidFill>
+                <a:latin typeface="Arial" panose="020B0604020202020204" pitchFamily="34" charset="0"/>
+                <a:cs typeface="Arial" panose="020B0604020202020204" pitchFamily="34" charset="0"/>
+              </a:rPr>
+              <a:t>: </a:t>
+            </a:r>
+            <a:r>
+              <a:rPr lang="en-US" sz="2400" b="1" smtClean="0">
                 <a:solidFill>
                   <a:srgbClr val="00B050"/>
                 </a:solidFill>
@@ -24284,27 +23929,34 @@
               <a:t>High-dimensional : </a:t>
             </a:r>
             <a:r>
-              <a:rPr lang="en-US" sz="2400" dirty="0">
-                <a:solidFill>
-                  <a:schemeClr val="tx1">
-                    <a:lumMod val="85000"/>
-                    <a:lumOff val="15000"/>
-                  </a:schemeClr>
-                </a:solidFill>
-                <a:latin typeface="Arial" panose="020B0604020202020204" pitchFamily="34" charset="0"/>
-                <a:cs typeface="Arial" panose="020B0604020202020204" pitchFamily="34" charset="0"/>
-              </a:rPr>
-              <a:t>data point </a:t>
-            </a:r>
-            <a:r>
-              <a:rPr lang="en-US" sz="2400" b="1" dirty="0" smtClean="0">
+              <a:rPr lang="en-US" sz="2400" b="1" smtClean="0">
                 <a:solidFill>
                   <a:srgbClr val="FF0000"/>
                 </a:solidFill>
                 <a:latin typeface="Arial" panose="020B0604020202020204" pitchFamily="34" charset="0"/>
                 <a:cs typeface="Arial" panose="020B0604020202020204" pitchFamily="34" charset="0"/>
               </a:rPr>
-              <a:t>can not </a:t>
+              <a:t>data </a:t>
+            </a:r>
+            <a:r>
+              <a:rPr lang="en-US" sz="2400" b="1">
+                <a:solidFill>
+                  <a:srgbClr val="FF0000"/>
+                </a:solidFill>
+                <a:latin typeface="Arial" panose="020B0604020202020204" pitchFamily="34" charset="0"/>
+                <a:cs typeface="Arial" panose="020B0604020202020204" pitchFamily="34" charset="0"/>
+              </a:rPr>
+              <a:t>point </a:t>
+            </a:r>
+            <a:r>
+              <a:rPr lang="en-US" sz="2400" b="1" smtClean="0">
+                <a:solidFill>
+                  <a:srgbClr val="FF0000"/>
+                </a:solidFill>
+                <a:latin typeface="Arial" panose="020B0604020202020204" pitchFamily="34" charset="0"/>
+                <a:cs typeface="Arial" panose="020B0604020202020204" pitchFamily="34" charset="0"/>
+              </a:rPr>
+              <a:t>cannot </a:t>
             </a:r>
             <a:r>
               <a:rPr lang="en-US" sz="2400" b="1" dirty="0">
@@ -24383,23 +24035,23 @@
                 <a:latin typeface="Arial" panose="020B0604020202020204" pitchFamily="34" charset="0"/>
                 <a:cs typeface="Arial" panose="020B0604020202020204" pitchFamily="34" charset="0"/>
               </a:rPr>
-              <a:t>In future, calculate </a:t>
-            </a:r>
-            <a:r>
-              <a:rPr lang="en-US" sz="2400" dirty="0">
-                <a:solidFill>
-                  <a:schemeClr val="tx1">
-                    <a:lumMod val="85000"/>
-                    <a:lumOff val="15000"/>
-                  </a:schemeClr>
-                </a:solidFill>
-                <a:latin typeface="Arial" panose="020B0604020202020204" pitchFamily="34" charset="0"/>
-                <a:cs typeface="Arial" panose="020B0604020202020204" pitchFamily="34" charset="0"/>
-              </a:rPr>
-              <a:t>the </a:t>
-            </a:r>
-            <a:r>
-              <a:rPr lang="en-US" sz="2400" b="1" dirty="0">
+              <a:t>In future, </a:t>
+            </a:r>
+            <a:r>
+              <a:rPr lang="en-US" sz="2400" smtClean="0">
+                <a:solidFill>
+                  <a:schemeClr val="tx1">
+                    <a:lumMod val="85000"/>
+                    <a:lumOff val="15000"/>
+                  </a:schemeClr>
+                </a:solidFill>
+                <a:latin typeface="Arial" panose="020B0604020202020204" pitchFamily="34" charset="0"/>
+                <a:cs typeface="Arial" panose="020B0604020202020204" pitchFamily="34" charset="0"/>
+              </a:rPr>
+              <a:t>calculate </a:t>
+            </a:r>
+            <a:r>
+              <a:rPr lang="en-US" sz="2400" b="1" smtClean="0">
                 <a:solidFill>
                   <a:srgbClr val="00B050"/>
                 </a:solidFill>
@@ -24409,7 +24061,20 @@
               <a:t>temporary distance</a:t>
             </a:r>
             <a:r>
-              <a:rPr lang="en-US" sz="2400" b="1" dirty="0">
+              <a:rPr lang="en-US" sz="2400" smtClean="0">
+                <a:solidFill>
+                  <a:schemeClr val="tx1">
+                    <a:lumMod val="85000"/>
+                    <a:lumOff val="15000"/>
+                  </a:schemeClr>
+                </a:solidFill>
+                <a:latin typeface="Arial" panose="020B0604020202020204" pitchFamily="34" charset="0"/>
+                <a:cs typeface="Arial" panose="020B0604020202020204" pitchFamily="34" charset="0"/>
+              </a:rPr>
+              <a:t>,</a:t>
+            </a:r>
+            <a:r>
+              <a:rPr lang="en-US" sz="2400" b="1" smtClean="0">
                 <a:solidFill>
                   <a:schemeClr val="tx1">
                     <a:lumMod val="85000"/>
@@ -24422,20 +24087,33 @@
               <a:t> </a:t>
             </a:r>
             <a:r>
-              <a:rPr lang="en-US" sz="2400" dirty="0">
-                <a:solidFill>
-                  <a:schemeClr val="tx1">
-                    <a:lumMod val="85000"/>
-                    <a:lumOff val="15000"/>
-                  </a:schemeClr>
-                </a:solidFill>
-                <a:latin typeface="Arial" panose="020B0604020202020204" pitchFamily="34" charset="0"/>
-                <a:cs typeface="Arial" panose="020B0604020202020204" pitchFamily="34" charset="0"/>
-              </a:rPr>
-              <a:t>and store in the </a:t>
-            </a:r>
-            <a:r>
-              <a:rPr lang="en-US" sz="2400" b="1" dirty="0">
+              <a:rPr lang="en-US" sz="2400" smtClean="0">
+                <a:solidFill>
+                  <a:schemeClr val="tx1">
+                    <a:lumMod val="85000"/>
+                    <a:lumOff val="15000"/>
+                  </a:schemeClr>
+                </a:solidFill>
+                <a:latin typeface="Arial" panose="020B0604020202020204" pitchFamily="34" charset="0"/>
+                <a:cs typeface="Arial" panose="020B0604020202020204" pitchFamily="34" charset="0"/>
+              </a:rPr>
+              <a:t>store </a:t>
+            </a:r>
+            <a:r>
+              <a:rPr lang="en-US" sz="2400">
+                <a:solidFill>
+                  <a:schemeClr val="tx1">
+                    <a:lumMod val="85000"/>
+                    <a:lumOff val="15000"/>
+                  </a:schemeClr>
+                </a:solidFill>
+                <a:latin typeface="Arial" panose="020B0604020202020204" pitchFamily="34" charset="0"/>
+                <a:cs typeface="Arial" panose="020B0604020202020204" pitchFamily="34" charset="0"/>
+              </a:rPr>
+              <a:t>in </a:t>
+            </a:r>
+            <a:r>
+              <a:rPr lang="en-US" sz="2400" b="1" smtClean="0">
                 <a:solidFill>
                   <a:srgbClr val="00B050"/>
                 </a:solidFill>
@@ -24445,7 +24123,7 @@
               <a:t>on-chip </a:t>
             </a:r>
             <a:r>
-              <a:rPr lang="en-US" sz="2400" b="1" dirty="0" smtClean="0">
+              <a:rPr lang="en-US" sz="2400" b="1" smtClean="0">
                 <a:solidFill>
                   <a:srgbClr val="00B050"/>
                 </a:solidFill>
@@ -24455,18 +24133,41 @@
               <a:t>registers</a:t>
             </a:r>
             <a:r>
-              <a:rPr lang="en-US" sz="2400" dirty="0" smtClean="0">
-                <a:solidFill>
-                  <a:schemeClr val="tx1">
-                    <a:lumMod val="85000"/>
-                    <a:lumOff val="15000"/>
-                  </a:schemeClr>
-                </a:solidFill>
-                <a:latin typeface="Arial" panose="020B0604020202020204" pitchFamily="34" charset="0"/>
-                <a:cs typeface="Arial" panose="020B0604020202020204" pitchFamily="34" charset="0"/>
-              </a:rPr>
-              <a:t> by :</a:t>
-            </a:r>
+              <a:rPr lang="en-US" sz="2400" smtClean="0">
+                <a:solidFill>
+                  <a:schemeClr val="tx1">
+                    <a:lumMod val="85000"/>
+                    <a:lumOff val="15000"/>
+                  </a:schemeClr>
+                </a:solidFill>
+                <a:latin typeface="Arial" panose="020B0604020202020204" pitchFamily="34" charset="0"/>
+                <a:cs typeface="Arial" panose="020B0604020202020204" pitchFamily="34" charset="0"/>
+              </a:rPr>
+              <a:t> </a:t>
+            </a:r>
+            <a:r>
+              <a:rPr lang="en-US" sz="2400" smtClean="0">
+                <a:solidFill>
+                  <a:schemeClr val="tx1">
+                    <a:lumMod val="85000"/>
+                    <a:lumOff val="15000"/>
+                  </a:schemeClr>
+                </a:solidFill>
+                <a:latin typeface="Arial" panose="020B0604020202020204" pitchFamily="34" charset="0"/>
+                <a:cs typeface="Arial" panose="020B0604020202020204" pitchFamily="34" charset="0"/>
+              </a:rPr>
+              <a:t>:</a:t>
+            </a:r>
+            <a:endParaRPr lang="en-US" sz="2400" dirty="0" smtClean="0">
+              <a:solidFill>
+                <a:schemeClr val="tx1">
+                  <a:lumMod val="85000"/>
+                  <a:lumOff val="15000"/>
+                </a:schemeClr>
+              </a:solidFill>
+              <a:latin typeface="Arial" panose="020B0604020202020204" pitchFamily="34" charset="0"/>
+              <a:cs typeface="Arial" panose="020B0604020202020204" pitchFamily="34" charset="0"/>
+            </a:endParaRPr>
           </a:p>
           <a:p>
             <a:pPr marL="1031875" lvl="1" indent="-403225" algn="just">
@@ -24475,20 +24176,20 @@
               </a:lnSpc>
             </a:pPr>
             <a:r>
-              <a:rPr lang="en-US" sz="2400" dirty="0" smtClean="0">
-                <a:solidFill>
-                  <a:schemeClr val="tx1">
-                    <a:lumMod val="85000"/>
-                    <a:lumOff val="15000"/>
-                  </a:schemeClr>
-                </a:solidFill>
-                <a:latin typeface="Arial" panose="020B0604020202020204" pitchFamily="34" charset="0"/>
-                <a:cs typeface="Arial" panose="020B0604020202020204" pitchFamily="34" charset="0"/>
-              </a:rPr>
-              <a:t>loading </a:t>
-            </a:r>
-            <a:r>
-              <a:rPr lang="en-US" sz="2400" dirty="0">
+              <a:rPr lang="en-US" sz="2200" smtClean="0">
+                <a:solidFill>
+                  <a:schemeClr val="tx1">
+                    <a:lumMod val="85000"/>
+                    <a:lumOff val="15000"/>
+                  </a:schemeClr>
+                </a:solidFill>
+                <a:latin typeface="Arial" panose="020B0604020202020204" pitchFamily="34" charset="0"/>
+                <a:cs typeface="Arial" panose="020B0604020202020204" pitchFamily="34" charset="0"/>
+              </a:rPr>
+              <a:t>load </a:t>
+            </a:r>
+            <a:r>
+              <a:rPr lang="en-US" sz="2200" dirty="0">
                 <a:solidFill>
                   <a:schemeClr val="tx1">
                     <a:lumMod val="85000"/>
@@ -24501,7 +24202,7 @@
               <a:t>the </a:t>
             </a:r>
             <a:r>
-              <a:rPr lang="en-US" sz="2400" b="1" dirty="0">
+              <a:rPr lang="en-US" sz="2200" b="1" dirty="0">
                 <a:solidFill>
                   <a:srgbClr val="00B050"/>
                 </a:solidFill>
@@ -24511,7 +24212,7 @@
               <a:t>data</a:t>
             </a:r>
             <a:r>
-              <a:rPr lang="en-US" sz="2400" dirty="0">
+              <a:rPr lang="en-US" sz="2200" dirty="0">
                 <a:solidFill>
                   <a:schemeClr val="tx1">
                     <a:lumMod val="85000"/>
@@ -24524,7 +24225,7 @@
               <a:t> </a:t>
             </a:r>
             <a:r>
-              <a:rPr lang="en-US" sz="2400" b="1" dirty="0">
+              <a:rPr lang="en-US" sz="2200" b="1">
                 <a:solidFill>
                   <a:schemeClr val="tx1">
                     <a:lumMod val="85000"/>
@@ -24537,7 +24238,7 @@
               <a:t>→</a:t>
             </a:r>
             <a:r>
-              <a:rPr lang="en-US" sz="2400" dirty="0" smtClean="0">
+              <a:rPr lang="en-US" sz="2200" smtClean="0">
                 <a:solidFill>
                   <a:schemeClr val="tx1">
                     <a:lumMod val="85000"/>
@@ -24550,17 +24251,17 @@
               <a:t> </a:t>
             </a:r>
             <a:r>
-              <a:rPr lang="en-US" sz="2400" b="1" dirty="0" smtClean="0">
+              <a:rPr lang="en-US" sz="2200" b="1" smtClean="0">
                 <a:solidFill>
                   <a:srgbClr val="00B050"/>
                 </a:solidFill>
                 <a:latin typeface="Arial" panose="020B0604020202020204" pitchFamily="34" charset="0"/>
                 <a:cs typeface="Arial" panose="020B0604020202020204" pitchFamily="34" charset="0"/>
               </a:rPr>
-              <a:t>SM, </a:t>
-            </a:r>
-            <a:r>
-              <a:rPr lang="en-US" sz="2400" b="1" dirty="0">
+              <a:t>shared memory, </a:t>
+            </a:r>
+            <a:r>
+              <a:rPr lang="en-US" sz="2200" b="1" dirty="0">
                 <a:solidFill>
                   <a:srgbClr val="00B050"/>
                 </a:solidFill>
@@ -24570,7 +24271,7 @@
               <a:t>tile by </a:t>
             </a:r>
             <a:r>
-              <a:rPr lang="en-US" sz="2400" b="1" dirty="0" smtClean="0">
+              <a:rPr lang="en-US" sz="2200" b="1" dirty="0" smtClean="0">
                 <a:solidFill>
                   <a:srgbClr val="00B050"/>
                 </a:solidFill>
@@ -24580,7 +24281,7 @@
               <a:t>tile</a:t>
             </a:r>
             <a:r>
-              <a:rPr lang="en-US" sz="2400" dirty="0" smtClean="0">
+              <a:rPr lang="en-US" sz="2200" dirty="0" smtClean="0">
                 <a:solidFill>
                   <a:schemeClr val="tx1">
                     <a:lumMod val="85000"/>
@@ -24600,20 +24301,20 @@
               </a:lnSpc>
             </a:pPr>
             <a:r>
-              <a:rPr lang="en-US" sz="2400" dirty="0" smtClean="0">
-                <a:solidFill>
-                  <a:schemeClr val="tx1">
-                    <a:lumMod val="85000"/>
-                    <a:lumOff val="15000"/>
-                  </a:schemeClr>
-                </a:solidFill>
-                <a:latin typeface="Arial" panose="020B0604020202020204" pitchFamily="34" charset="0"/>
-                <a:cs typeface="Arial" panose="020B0604020202020204" pitchFamily="34" charset="0"/>
-              </a:rPr>
-              <a:t>adopting </a:t>
-            </a:r>
-            <a:r>
-              <a:rPr lang="en-US" sz="2400" dirty="0">
+              <a:rPr lang="en-US" sz="2200" smtClean="0">
+                <a:solidFill>
+                  <a:schemeClr val="tx1">
+                    <a:lumMod val="85000"/>
+                    <a:lumOff val="15000"/>
+                  </a:schemeClr>
+                </a:solidFill>
+                <a:latin typeface="Arial" panose="020B0604020202020204" pitchFamily="34" charset="0"/>
+                <a:cs typeface="Arial" panose="020B0604020202020204" pitchFamily="34" charset="0"/>
+              </a:rPr>
+              <a:t>adopt </a:t>
+            </a:r>
+            <a:r>
+              <a:rPr lang="en-US" sz="2200" dirty="0">
                 <a:solidFill>
                   <a:schemeClr val="tx1">
                     <a:lumMod val="85000"/>
@@ -24626,7 +24327,7 @@
               <a:t>the idea of </a:t>
             </a:r>
             <a:r>
-              <a:rPr lang="en-US" sz="2400" b="1" dirty="0" smtClean="0">
+              <a:rPr lang="en-US" sz="2200" b="1" dirty="0" smtClean="0">
                 <a:solidFill>
                   <a:srgbClr val="00B050"/>
                 </a:solidFill>
@@ -24636,7 +24337,7 @@
               <a:t>parallel matrix multiplication</a:t>
             </a:r>
             <a:r>
-              <a:rPr lang="en-US" sz="2400" dirty="0" smtClean="0">
+              <a:rPr lang="en-US" sz="2200" dirty="0" smtClean="0">
                 <a:solidFill>
                   <a:schemeClr val="tx1">
                     <a:lumMod val="85000"/>
@@ -24648,7 +24349,7 @@
               </a:rPr>
               <a:t>.</a:t>
             </a:r>
-            <a:endParaRPr lang="en-GB" sz="2400" dirty="0">
+            <a:endParaRPr lang="en-GB" sz="2200" dirty="0">
               <a:solidFill>
                 <a:schemeClr val="tx1">
                   <a:lumMod val="85000"/>
@@ -24751,6 +24452,29 @@
           </a:prstGeom>
         </p:spPr>
       </p:pic>
+      <p:sp>
+        <p:nvSpPr>
+          <p:cNvPr id="2" name="Slide Number Placeholder 1"/>
+          <p:cNvSpPr>
+            <a:spLocks noGrp="1"/>
+          </p:cNvSpPr>
+          <p:nvPr>
+            <p:ph type="sldNum" sz="quarter" idx="12"/>
+          </p:nvPr>
+        </p:nvSpPr>
+        <p:spPr/>
+        <p:txBody>
+          <a:bodyPr/>
+          <a:lstStyle/>
+          <a:p>
+            <a:fld id="{8EACBB75-E6F3-4170-A8E4-CB655E34A25B}" type="slidenum">
+              <a:rPr lang="en-GB" smtClean="0"/>
+              <a:t>33</a:t>
+            </a:fld>
+            <a:endParaRPr lang="en-GB"/>
+          </a:p>
+        </p:txBody>
+      </p:sp>
     </p:spTree>
     <p:extLst>
       <p:ext uri="{BB962C8B-B14F-4D97-AF65-F5344CB8AC3E}">
@@ -24841,6 +24565,29 @@
           </a:p>
         </p:txBody>
       </p:sp>
+      <p:sp>
+        <p:nvSpPr>
+          <p:cNvPr id="2" name="Slide Number Placeholder 1"/>
+          <p:cNvSpPr>
+            <a:spLocks noGrp="1"/>
+          </p:cNvSpPr>
+          <p:nvPr>
+            <p:ph type="sldNum" sz="quarter" idx="12"/>
+          </p:nvPr>
+        </p:nvSpPr>
+        <p:spPr/>
+        <p:txBody>
+          <a:bodyPr/>
+          <a:lstStyle/>
+          <a:p>
+            <a:fld id="{8EACBB75-E6F3-4170-A8E4-CB655E34A25B}" type="slidenum">
+              <a:rPr lang="en-GB" smtClean="0"/>
+              <a:t>34</a:t>
+            </a:fld>
+            <a:endParaRPr lang="en-GB"/>
+          </a:p>
+        </p:txBody>
+      </p:sp>
     </p:spTree>
     <p:extLst>
       <p:ext uri="{BB962C8B-B14F-4D97-AF65-F5344CB8AC3E}">
@@ -24967,6 +24714,16 @@
               <a:buAutoNum type="arabicPeriod"/>
             </a:pPr>
             <a:r>
+              <a:rPr lang="en-US" sz="2400" b="1" smtClean="0">
+                <a:solidFill>
+                  <a:srgbClr val="FF0000"/>
+                </a:solidFill>
+                <a:latin typeface="Arial" panose="020B0604020202020204" pitchFamily="34" charset="0"/>
+                <a:cs typeface="Arial" panose="020B0604020202020204" pitchFamily="34" charset="0"/>
+              </a:rPr>
+              <a:t>Parallel GFKM </a:t>
+            </a:r>
+            <a:r>
               <a:rPr lang="en-US" sz="2400" b="1" dirty="0" smtClean="0">
                 <a:solidFill>
                   <a:srgbClr val="FF0000"/>
@@ -24974,7 +24731,7 @@
                 <a:latin typeface="Arial" panose="020B0604020202020204" pitchFamily="34" charset="0"/>
                 <a:cs typeface="Arial" panose="020B0604020202020204" pitchFamily="34" charset="0"/>
               </a:rPr>
-              <a:t>PGFKM model</a:t>
+              <a:t>model</a:t>
             </a:r>
             <a:endParaRPr lang="en-US" sz="2400" b="1" dirty="0">
               <a:solidFill>
@@ -25330,11 +25087,11 @@
           <a:p>
             <a:pPr algn="ctr"/>
             <a:r>
-              <a:rPr lang="en-US" sz="3000" b="1" dirty="0" smtClean="0">
-                <a:latin typeface="Arial" panose="020B0604020202020204" pitchFamily="34" charset="0"/>
-                <a:cs typeface="Arial" panose="020B0604020202020204" pitchFamily="34" charset="0"/>
-              </a:rPr>
-              <a:t>PGFKM MODEL</a:t>
+              <a:rPr lang="en-US" sz="3000" b="1" smtClean="0">
+                <a:latin typeface="Arial" panose="020B0604020202020204" pitchFamily="34" charset="0"/>
+                <a:cs typeface="Arial" panose="020B0604020202020204" pitchFamily="34" charset="0"/>
+              </a:rPr>
+              <a:t>Parallel GFKM Model</a:t>
             </a:r>
             <a:endParaRPr lang="en-US" sz="3000" b="1" dirty="0">
               <a:latin typeface="Arial" panose="020B0604020202020204" pitchFamily="34" charset="0"/>
@@ -26560,6 +26317,19 @@
               <a:buAutoNum type="arabicPeriod"/>
             </a:pPr>
             <a:r>
+              <a:rPr lang="en-US" sz="2400" smtClean="0">
+                <a:solidFill>
+                  <a:schemeClr val="tx1">
+                    <a:lumMod val="85000"/>
+                    <a:lumOff val="15000"/>
+                  </a:schemeClr>
+                </a:solidFill>
+                <a:latin typeface="Arial" panose="020B0604020202020204" pitchFamily="34" charset="0"/>
+                <a:cs typeface="Arial" panose="020B0604020202020204" pitchFamily="34" charset="0"/>
+              </a:rPr>
+              <a:t>Parallel GFKM </a:t>
+            </a:r>
+            <a:r>
               <a:rPr lang="en-US" sz="2400" dirty="0" smtClean="0">
                 <a:solidFill>
                   <a:schemeClr val="tx1">
@@ -26570,7 +26340,7 @@
                 <a:latin typeface="Arial" panose="020B0604020202020204" pitchFamily="34" charset="0"/>
                 <a:cs typeface="Arial" panose="020B0604020202020204" pitchFamily="34" charset="0"/>
               </a:rPr>
-              <a:t>PGFKM model</a:t>
+              <a:t>model</a:t>
             </a:r>
             <a:endParaRPr lang="en-US" sz="2400" dirty="0">
               <a:solidFill>
@@ -27018,14 +26788,14 @@
         </p:nvSpPr>
         <p:spPr>
           <a:xfrm>
-            <a:off x="3826765" y="1819851"/>
-            <a:ext cx="5292380" cy="333104"/>
+            <a:off x="3573872" y="1766483"/>
+            <a:ext cx="5631560" cy="380889"/>
           </a:xfrm>
           <a:prstGeom prst="borderCallout1">
             <a:avLst>
               <a:gd name="adj1" fmla="val 54755"/>
               <a:gd name="adj2" fmla="val 91"/>
-              <a:gd name="adj3" fmla="val 52639"/>
+              <a:gd name="adj3" fmla="val 55139"/>
               <a:gd name="adj4" fmla="val 51"/>
             </a:avLst>
           </a:prstGeom>
@@ -27052,34 +26822,34 @@
           <a:p>
             <a:pPr algn="ctr"/>
             <a:r>
-              <a:rPr lang="en-GB" sz="1500" b="1" dirty="0" smtClean="0">
+              <a:rPr lang="en-GB" b="1" dirty="0" smtClean="0">
                 <a:latin typeface="Arial" panose="020B0604020202020204" pitchFamily="34" charset="0"/>
                 <a:cs typeface="Arial" panose="020B0604020202020204" pitchFamily="34" charset="0"/>
               </a:rPr>
               <a:t>DNNT : M </a:t>
             </a:r>
             <a:r>
-              <a:rPr lang="en-GB" sz="1500" b="1" dirty="0">
+              <a:rPr lang="en-GB" b="1" dirty="0">
                 <a:latin typeface="Arial" panose="020B0604020202020204" pitchFamily="34" charset="0"/>
                 <a:cs typeface="Arial" panose="020B0604020202020204" pitchFamily="34" charset="0"/>
               </a:rPr>
               <a:t>nearest distances responding to </a:t>
             </a:r>
             <a:r>
-              <a:rPr lang="en-GB" sz="1500" b="1" dirty="0" err="1">
+              <a:rPr lang="en-GB" b="1" dirty="0" err="1">
                 <a:latin typeface="Arial" panose="020B0604020202020204" pitchFamily="34" charset="0"/>
                 <a:cs typeface="Arial" panose="020B0604020202020204" pitchFamily="34" charset="0"/>
               </a:rPr>
               <a:t>NNT</a:t>
             </a:r>
             <a:r>
-              <a:rPr lang="en-GB" sz="1500" b="1" baseline="-25000" dirty="0" err="1">
+              <a:rPr lang="en-GB" b="1" baseline="-25000" dirty="0" err="1">
                 <a:latin typeface="Arial" panose="020B0604020202020204" pitchFamily="34" charset="0"/>
                 <a:cs typeface="Arial" panose="020B0604020202020204" pitchFamily="34" charset="0"/>
               </a:rPr>
               <a:t>i</a:t>
             </a:r>
-            <a:endParaRPr lang="en-US" sz="1500" b="1" baseline="-25000" dirty="0">
+            <a:endParaRPr lang="en-US" b="1" baseline="-25000" dirty="0">
               <a:latin typeface="Arial" panose="020B0604020202020204" pitchFamily="34" charset="0"/>
               <a:cs typeface="Arial" panose="020B0604020202020204" pitchFamily="34" charset="0"/>
             </a:endParaRPr>
@@ -27722,6 +27492,124 @@
           </a:p>
         </p:txBody>
       </p:sp>
+      <p:sp>
+        <p:nvSpPr>
+          <p:cNvPr id="5" name="Rounded Rectangle 4"/>
+          <p:cNvSpPr/>
+          <p:nvPr/>
+        </p:nvSpPr>
+        <p:spPr>
+          <a:xfrm>
+            <a:off x="7731659" y="2897108"/>
+            <a:ext cx="2221966" cy="461215"/>
+          </a:xfrm>
+          <a:prstGeom prst="roundRect">
+            <a:avLst/>
+          </a:prstGeom>
+        </p:spPr>
+        <p:style>
+          <a:lnRef idx="2">
+            <a:schemeClr val="accent5">
+              <a:shade val="50000"/>
+            </a:schemeClr>
+          </a:lnRef>
+          <a:fillRef idx="1">
+            <a:schemeClr val="accent5"/>
+          </a:fillRef>
+          <a:effectRef idx="0">
+            <a:schemeClr val="accent5"/>
+          </a:effectRef>
+          <a:fontRef idx="minor">
+            <a:schemeClr val="lt1"/>
+          </a:fontRef>
+        </p:style>
+        <p:txBody>
+          <a:bodyPr rtlCol="0" anchor="ctr"/>
+          <a:lstStyle/>
+          <a:p>
+            <a:pPr algn="ctr"/>
+            <a:r>
+              <a:rPr lang="en-US" b="1">
+                <a:latin typeface="Arial" panose="020B0604020202020204" pitchFamily="34" charset="0"/>
+                <a:cs typeface="Arial" panose="020B0604020202020204" pitchFamily="34" charset="0"/>
+              </a:rPr>
+              <a:t>Two levels of loop</a:t>
+            </a:r>
+            <a:endParaRPr lang="en-GB" b="1">
+              <a:latin typeface="Arial" panose="020B0604020202020204" pitchFamily="34" charset="0"/>
+              <a:cs typeface="Arial" panose="020B0604020202020204" pitchFamily="34" charset="0"/>
+            </a:endParaRPr>
+          </a:p>
+        </p:txBody>
+      </p:sp>
+      <p:cxnSp>
+        <p:nvCxnSpPr>
+          <p:cNvPr id="7" name="Straight Arrow Connector 6"/>
+          <p:cNvCxnSpPr>
+            <a:endCxn id="58" idx="3"/>
+          </p:cNvCxnSpPr>
+          <p:nvPr/>
+        </p:nvCxnSpPr>
+        <p:spPr>
+          <a:xfrm flipH="1" flipV="1">
+            <a:off x="6663557" y="2577350"/>
+            <a:ext cx="1068102" cy="552373"/>
+          </a:xfrm>
+          <a:prstGeom prst="straightConnector1">
+            <a:avLst/>
+          </a:prstGeom>
+          <a:ln w="22225">
+            <a:tailEnd type="triangle"/>
+          </a:ln>
+        </p:spPr>
+        <p:style>
+          <a:lnRef idx="1">
+            <a:schemeClr val="accent1"/>
+          </a:lnRef>
+          <a:fillRef idx="0">
+            <a:schemeClr val="accent1"/>
+          </a:fillRef>
+          <a:effectRef idx="0">
+            <a:schemeClr val="accent1"/>
+          </a:effectRef>
+          <a:fontRef idx="minor">
+            <a:schemeClr val="tx1"/>
+          </a:fontRef>
+        </p:style>
+      </p:cxnSp>
+      <p:cxnSp>
+        <p:nvCxnSpPr>
+          <p:cNvPr id="9" name="Straight Arrow Connector 8"/>
+          <p:cNvCxnSpPr/>
+          <p:nvPr/>
+        </p:nvCxnSpPr>
+        <p:spPr>
+          <a:xfrm flipH="1">
+            <a:off x="6389652" y="3129723"/>
+            <a:ext cx="1342007" cy="361155"/>
+          </a:xfrm>
+          <a:prstGeom prst="straightConnector1">
+            <a:avLst/>
+          </a:prstGeom>
+          <a:ln w="22225">
+            <a:tailEnd type="triangle"/>
+          </a:ln>
+        </p:spPr>
+        <p:style>
+          <a:lnRef idx="1">
+            <a:schemeClr val="accent1"/>
+          </a:lnRef>
+          <a:fillRef idx="0">
+            <a:schemeClr val="accent1"/>
+          </a:fillRef>
+          <a:effectRef idx="0">
+            <a:schemeClr val="accent1"/>
+          </a:effectRef>
+          <a:fontRef idx="minor">
+            <a:schemeClr val="tx1"/>
+          </a:fontRef>
+        </p:style>
+      </p:cxnSp>
     </p:spTree>
     <p:extLst>
       <p:ext uri="{BB962C8B-B14F-4D97-AF65-F5344CB8AC3E}">
@@ -27771,8 +27659,8 @@
         </p:nvSpPr>
         <p:spPr>
           <a:xfrm>
-            <a:off x="2648527" y="1860103"/>
-            <a:ext cx="7185206" cy="4105749"/>
+            <a:off x="2949132" y="1746275"/>
+            <a:ext cx="6583995" cy="4105749"/>
           </a:xfrm>
         </p:spPr>
         <p:txBody>
@@ -27787,12 +27675,61 @@
               </a:lnSpc>
             </a:pPr>
             <a:r>
-              <a:rPr lang="en-US" sz="2400" i="1" dirty="0">
-                <a:solidFill>
-                  <a:schemeClr val="tx1">
-                    <a:lumMod val="85000"/>
-                    <a:lumOff val="15000"/>
-                  </a:schemeClr>
+              <a:rPr lang="en-US" sz="2600" smtClean="0">
+                <a:solidFill>
+                  <a:schemeClr val="tx1">
+                    <a:lumMod val="85000"/>
+                    <a:lumOff val="15000"/>
+                  </a:schemeClr>
+                </a:solidFill>
+                <a:latin typeface="Arial" panose="020B0604020202020204" pitchFamily="34" charset="0"/>
+                <a:cs typeface="Arial" panose="020B0604020202020204" pitchFamily="34" charset="0"/>
+              </a:rPr>
+              <a:t>One </a:t>
+            </a:r>
+            <a:r>
+              <a:rPr lang="en-US" sz="2600">
+                <a:solidFill>
+                  <a:schemeClr val="tx1">
+                    <a:lumMod val="85000"/>
+                    <a:lumOff val="15000"/>
+                  </a:schemeClr>
+                </a:solidFill>
+                <a:latin typeface="Arial" panose="020B0604020202020204" pitchFamily="34" charset="0"/>
+                <a:cs typeface="Arial" panose="020B0604020202020204" pitchFamily="34" charset="0"/>
+              </a:rPr>
+              <a:t>level </a:t>
+            </a:r>
+            <a:r>
+              <a:rPr lang="en-US" sz="2600">
+                <a:solidFill>
+                  <a:schemeClr val="tx1">
+                    <a:lumMod val="85000"/>
+                    <a:lumOff val="15000"/>
+                  </a:schemeClr>
+                </a:solidFill>
+                <a:latin typeface="Arial" panose="020B0604020202020204" pitchFamily="34" charset="0"/>
+                <a:cs typeface="Arial" panose="020B0604020202020204" pitchFamily="34" charset="0"/>
+              </a:rPr>
+              <a:t>of </a:t>
+            </a:r>
+            <a:r>
+              <a:rPr lang="en-US" sz="2600" smtClean="0">
+                <a:solidFill>
+                  <a:schemeClr val="tx1">
+                    <a:lumMod val="85000"/>
+                    <a:lumOff val="15000"/>
+                  </a:schemeClr>
+                </a:solidFill>
+                <a:latin typeface="Arial" panose="020B0604020202020204" pitchFamily="34" charset="0"/>
+                <a:cs typeface="Arial" panose="020B0604020202020204" pitchFamily="34" charset="0"/>
+              </a:rPr>
+              <a:t>loop : </a:t>
+            </a:r>
+            <a:r>
+              <a:rPr lang="en-US" sz="2400" b="1" i="1" smtClean="0">
+                <a:solidFill>
+                  <a:srgbClr val="00B050"/>
                 </a:solidFill>
                 <a:latin typeface="Arial" panose="020B0604020202020204" pitchFamily="34" charset="0"/>
                 <a:cs typeface="Arial" panose="020B0604020202020204" pitchFamily="34" charset="0"/>
@@ -27800,38 +27737,9 @@
               <a:t>N</a:t>
             </a:r>
             <a:r>
-              <a:rPr lang="en-US" sz="2400" dirty="0">
-                <a:solidFill>
-                  <a:schemeClr val="tx1">
-                    <a:lumMod val="85000"/>
-                    <a:lumOff val="15000"/>
-                  </a:schemeClr>
-                </a:solidFill>
-                <a:latin typeface="Arial" panose="020B0604020202020204" pitchFamily="34" charset="0"/>
-                <a:cs typeface="Arial" panose="020B0604020202020204" pitchFamily="34" charset="0"/>
-              </a:rPr>
-              <a:t> data points </a:t>
-            </a:r>
-            <a:r>
-              <a:rPr lang="en-US" sz="2400" b="1" dirty="0" smtClean="0">
-                <a:solidFill>
-                  <a:schemeClr val="tx1">
-                    <a:lumMod val="85000"/>
-                    <a:lumOff val="15000"/>
-                  </a:schemeClr>
-                </a:solidFill>
-                <a:latin typeface="Arial" panose="020B0604020202020204" pitchFamily="34" charset="0"/>
-                <a:cs typeface="Arial" panose="020B0604020202020204" pitchFamily="34" charset="0"/>
-              </a:rPr>
-              <a:t>→</a:t>
-            </a:r>
-            <a:r>
-              <a:rPr lang="en-US" sz="2400" dirty="0" smtClean="0">
-                <a:solidFill>
-                  <a:schemeClr val="tx1">
-                    <a:lumMod val="85000"/>
-                    <a:lumOff val="15000"/>
-                  </a:schemeClr>
+              <a:rPr lang="en-US" sz="2400" b="1" smtClean="0">
+                <a:solidFill>
+                  <a:srgbClr val="00B050"/>
                 </a:solidFill>
                 <a:latin typeface="Arial" panose="020B0604020202020204" pitchFamily="34" charset="0"/>
                 <a:cs typeface="Arial" panose="020B0604020202020204" pitchFamily="34" charset="0"/>
@@ -27839,62 +27747,35 @@
               <a:t> </a:t>
             </a:r>
             <a:r>
-              <a:rPr lang="en-US" sz="2400" b="1" i="1" dirty="0">
+              <a:rPr lang="en-US" sz="2400" b="1" smtClean="0">
                 <a:solidFill>
                   <a:srgbClr val="00B050"/>
                 </a:solidFill>
                 <a:latin typeface="Arial" panose="020B0604020202020204" pitchFamily="34" charset="0"/>
                 <a:cs typeface="Arial" panose="020B0604020202020204" pitchFamily="34" charset="0"/>
               </a:rPr>
-              <a:t>N</a:t>
-            </a:r>
-            <a:r>
-              <a:rPr lang="en-US" sz="2400" b="1" dirty="0">
+              <a:t>threads </a:t>
+            </a:r>
+            <a:r>
+              <a:rPr lang="en-US" sz="2400" b="1" smtClean="0">
                 <a:solidFill>
                   <a:srgbClr val="00B050"/>
                 </a:solidFill>
                 <a:latin typeface="Arial" panose="020B0604020202020204" pitchFamily="34" charset="0"/>
                 <a:cs typeface="Arial" panose="020B0604020202020204" pitchFamily="34" charset="0"/>
               </a:rPr>
-              <a:t> </a:t>
-            </a:r>
-            <a:r>
-              <a:rPr lang="en-US" sz="2400" b="1" dirty="0" smtClean="0">
-                <a:solidFill>
-                  <a:srgbClr val="00B050"/>
-                </a:solidFill>
-                <a:latin typeface="Arial" panose="020B0604020202020204" pitchFamily="34" charset="0"/>
-                <a:cs typeface="Arial" panose="020B0604020202020204" pitchFamily="34" charset="0"/>
-              </a:rPr>
-              <a:t>threads working </a:t>
-            </a:r>
-            <a:r>
-              <a:rPr lang="en-US" sz="2400" b="1" dirty="0">
-                <a:solidFill>
-                  <a:srgbClr val="00B050"/>
-                </a:solidFill>
-                <a:latin typeface="Arial" panose="020B0604020202020204" pitchFamily="34" charset="0"/>
-                <a:cs typeface="Arial" panose="020B0604020202020204" pitchFamily="34" charset="0"/>
-              </a:rPr>
-              <a:t>in </a:t>
-            </a:r>
-            <a:r>
-              <a:rPr lang="en-US" sz="2400" b="1" dirty="0" smtClean="0">
-                <a:solidFill>
-                  <a:srgbClr val="00B050"/>
-                </a:solidFill>
-                <a:latin typeface="Arial" panose="020B0604020202020204" pitchFamily="34" charset="0"/>
-                <a:cs typeface="Arial" panose="020B0604020202020204" pitchFamily="34" charset="0"/>
-              </a:rPr>
-              <a:t>parallel</a:t>
-            </a:r>
-            <a:r>
-              <a:rPr lang="en-US" sz="2400" dirty="0" smtClean="0">
-                <a:latin typeface="Arial" panose="020B0604020202020204" pitchFamily="34" charset="0"/>
-                <a:cs typeface="Arial" panose="020B0604020202020204" pitchFamily="34" charset="0"/>
-              </a:rPr>
-              <a:t>,</a:t>
-            </a:r>
+              <a:t>in parallel</a:t>
+            </a:r>
+            <a:endParaRPr lang="en-US" sz="2200" dirty="0">
+              <a:solidFill>
+                <a:schemeClr val="tx1">
+                  <a:lumMod val="85000"/>
+                  <a:lumOff val="15000"/>
+                </a:schemeClr>
+              </a:solidFill>
+              <a:latin typeface="Arial" panose="020B0604020202020204" pitchFamily="34" charset="0"/>
+              <a:cs typeface="Arial" panose="020B0604020202020204" pitchFamily="34" charset="0"/>
+            </a:endParaRPr>
           </a:p>
           <a:p>
             <a:pPr algn="just">
@@ -27903,7 +27784,7 @@
               </a:lnSpc>
             </a:pPr>
             <a:r>
-              <a:rPr lang="en-US" sz="2400" dirty="0" smtClean="0">
+              <a:rPr lang="en-US" sz="2600" smtClean="0">
                 <a:solidFill>
                   <a:schemeClr val="tx1">
                     <a:lumMod val="85000"/>
@@ -27915,6 +27796,16 @@
               </a:rPr>
               <a:t>Each thread : </a:t>
             </a:r>
+            <a:endParaRPr lang="en-US" sz="2600" dirty="0" smtClean="0">
+              <a:solidFill>
+                <a:schemeClr val="tx1">
+                  <a:lumMod val="85000"/>
+                  <a:lumOff val="15000"/>
+                </a:schemeClr>
+              </a:solidFill>
+              <a:latin typeface="Arial" panose="020B0604020202020204" pitchFamily="34" charset="0"/>
+              <a:cs typeface="Arial" panose="020B0604020202020204" pitchFamily="34" charset="0"/>
+            </a:endParaRPr>
           </a:p>
           <a:p>
             <a:pPr marL="796925" lvl="1" indent="-339725" algn="just">
@@ -28024,142 +27915,129 @@
               <a:t> </a:t>
             </a:r>
             <a:r>
-              <a:rPr lang="en-US" sz="2200" b="1" dirty="0" smtClean="0">
+              <a:rPr lang="en-US" sz="2200" b="1" smtClean="0">
                 <a:solidFill>
                   <a:srgbClr val="00B050"/>
                 </a:solidFill>
                 <a:latin typeface="Arial" panose="020B0604020202020204" pitchFamily="34" charset="0"/>
                 <a:cs typeface="Arial" panose="020B0604020202020204" pitchFamily="34" charset="0"/>
               </a:rPr>
-              <a:t>shared memory</a:t>
-            </a:r>
-            <a:r>
-              <a:rPr lang="en-US" sz="2200" dirty="0" smtClean="0">
+              <a:t>shared </a:t>
+            </a:r>
+            <a:r>
+              <a:rPr lang="en-US" sz="2200" b="1" smtClean="0">
                 <a:solidFill>
                   <a:srgbClr val="00B050"/>
                 </a:solidFill>
                 <a:latin typeface="Arial" panose="020B0604020202020204" pitchFamily="34" charset="0"/>
                 <a:cs typeface="Arial" panose="020B0604020202020204" pitchFamily="34" charset="0"/>
               </a:rPr>
+              <a:t>memory </a:t>
+            </a:r>
+            <a:r>
+              <a:rPr lang="en-US" sz="2200" smtClean="0">
+                <a:solidFill>
+                  <a:schemeClr val="tx1">
+                    <a:lumMod val="85000"/>
+                    <a:lumOff val="15000"/>
+                  </a:schemeClr>
+                </a:solidFill>
+                <a:latin typeface="Arial" panose="020B0604020202020204" pitchFamily="34" charset="0"/>
+                <a:cs typeface="Arial" panose="020B0604020202020204" pitchFamily="34" charset="0"/>
+              </a:rPr>
+              <a:t>:</a:t>
+            </a:r>
+            <a:r>
+              <a:rPr lang="en-US" sz="2200" smtClean="0">
+                <a:solidFill>
+                  <a:srgbClr val="00B050"/>
+                </a:solidFill>
+                <a:latin typeface="Arial" panose="020B0604020202020204" pitchFamily="34" charset="0"/>
+                <a:cs typeface="Arial" panose="020B0604020202020204" pitchFamily="34" charset="0"/>
+              </a:rPr>
               <a:t> </a:t>
             </a:r>
+          </a:p>
+          <a:p>
+            <a:pPr marL="457200" lvl="1" indent="-9525" algn="just">
+              <a:lnSpc>
+                <a:spcPct val="135000"/>
+              </a:lnSpc>
+              <a:buNone/>
+              <a:tabLst>
+                <a:tab pos="809625" algn="l"/>
+              </a:tabLst>
+            </a:pPr>
+            <a:r>
+              <a:rPr lang="en-US" sz="2200">
+                <a:solidFill>
+                  <a:srgbClr val="00B050"/>
+                </a:solidFill>
+                <a:latin typeface="Arial" panose="020B0604020202020204" pitchFamily="34" charset="0"/>
+                <a:cs typeface="Arial" panose="020B0604020202020204" pitchFamily="34" charset="0"/>
+              </a:rPr>
+              <a:t>	</a:t>
+            </a:r>
+            <a:r>
+              <a:rPr lang="en-US" sz="2200" smtClean="0">
+                <a:solidFill>
+                  <a:srgbClr val="00B050"/>
+                </a:solidFill>
+                <a:latin typeface="Arial" panose="020B0604020202020204" pitchFamily="34" charset="0"/>
+                <a:cs typeface="Arial" panose="020B0604020202020204" pitchFamily="34" charset="0"/>
+              </a:rPr>
+              <a:t>	</a:t>
+            </a:r>
+            <a:r>
+              <a:rPr lang="en-US" sz="2200" smtClean="0">
+                <a:solidFill>
+                  <a:schemeClr val="tx1">
+                    <a:lumMod val="85000"/>
+                    <a:lumOff val="15000"/>
+                  </a:schemeClr>
+                </a:solidFill>
+                <a:latin typeface="Arial" panose="020B0604020202020204" pitchFamily="34" charset="0"/>
+                <a:cs typeface="Arial" panose="020B0604020202020204" pitchFamily="34" charset="0"/>
+              </a:rPr>
+              <a:t>writes </a:t>
+            </a:r>
             <a:r>
               <a:rPr lang="en-US" sz="2200" dirty="0">
-                <a:latin typeface="Arial" panose="020B0604020202020204" pitchFamily="34" charset="0"/>
-                <a:cs typeface="Arial" panose="020B0604020202020204" pitchFamily="34" charset="0"/>
-              </a:rPr>
-              <a:t>(</a:t>
-            </a:r>
-            <a:r>
-              <a:rPr lang="en-US" sz="2200" b="1">
-                <a:solidFill>
-                  <a:srgbClr val="00B0F0"/>
-                </a:solidFill>
-                <a:latin typeface="Arial" panose="020B0604020202020204" pitchFamily="34" charset="0"/>
-                <a:cs typeface="Arial" panose="020B0604020202020204" pitchFamily="34" charset="0"/>
-              </a:rPr>
-              <a:t>SM</a:t>
+                <a:solidFill>
+                  <a:schemeClr val="tx1">
+                    <a:lumMod val="85000"/>
+                    <a:lumOff val="15000"/>
+                  </a:schemeClr>
+                </a:solidFill>
+                <a:latin typeface="Arial" panose="020B0604020202020204" pitchFamily="34" charset="0"/>
+                <a:cs typeface="Arial" panose="020B0604020202020204" pitchFamily="34" charset="0"/>
+              </a:rPr>
+              <a:t>&lt; 5 values → shared </a:t>
             </a:r>
             <a:r>
               <a:rPr lang="en-US" sz="2200" smtClean="0">
-                <a:latin typeface="Arial" panose="020B0604020202020204" pitchFamily="34" charset="0"/>
-                <a:cs typeface="Arial" panose="020B0604020202020204" pitchFamily="34" charset="0"/>
-              </a:rPr>
-              <a:t>)</a:t>
-            </a:r>
-            <a:r>
-              <a:rPr lang="en-US" sz="2200" dirty="0">
-                <a:solidFill>
-                  <a:srgbClr val="00B050"/>
-                </a:solidFill>
-                <a:latin typeface="Arial" panose="020B0604020202020204" pitchFamily="34" charset="0"/>
-                <a:cs typeface="Arial" panose="020B0604020202020204" pitchFamily="34" charset="0"/>
-              </a:rPr>
-              <a:t> </a:t>
+                <a:solidFill>
+                  <a:schemeClr val="tx1">
+                    <a:lumMod val="85000"/>
+                    <a:lumOff val="15000"/>
+                  </a:schemeClr>
+                </a:solidFill>
+                <a:latin typeface="Arial" panose="020B0604020202020204" pitchFamily="34" charset="0"/>
+                <a:cs typeface="Arial" panose="020B0604020202020204" pitchFamily="34" charset="0"/>
+              </a:rPr>
+              <a:t>memory</a:t>
             </a:r>
             <a:r>
               <a:rPr lang="en-US" sz="2200" smtClean="0">
-                <a:solidFill>
-                  <a:schemeClr val="tx1">
-                    <a:lumMod val="85000"/>
-                    <a:lumOff val="15000"/>
-                  </a:schemeClr>
-                </a:solidFill>
-                <a:latin typeface="Arial" panose="020B0604020202020204" pitchFamily="34" charset="0"/>
-                <a:cs typeface="Arial" panose="020B0604020202020204" pitchFamily="34" charset="0"/>
-              </a:rPr>
-              <a:t>:</a:t>
-            </a:r>
-            <a:r>
-              <a:rPr lang="en-US" sz="2200" smtClean="0">
-                <a:solidFill>
-                  <a:srgbClr val="00B050"/>
-                </a:solidFill>
-                <a:latin typeface="Arial" panose="020B0604020202020204" pitchFamily="34" charset="0"/>
-                <a:cs typeface="Arial" panose="020B0604020202020204" pitchFamily="34" charset="0"/>
-              </a:rPr>
-              <a:t> </a:t>
-            </a:r>
-            <a:r>
-              <a:rPr lang="en-US" sz="2200" b="1" dirty="0" smtClean="0">
-                <a:solidFill>
-                  <a:srgbClr val="FF0000"/>
-                </a:solidFill>
-                <a:latin typeface="Arial" panose="020B0604020202020204" pitchFamily="34" charset="0"/>
-                <a:cs typeface="Arial" panose="020B0604020202020204" pitchFamily="34" charset="0"/>
-              </a:rPr>
-              <a:t>writes </a:t>
-            </a:r>
-            <a:r>
-              <a:rPr lang="en-US" sz="2200" b="1" dirty="0">
-                <a:solidFill>
-                  <a:srgbClr val="FF0000"/>
-                </a:solidFill>
-                <a:latin typeface="Arial" panose="020B0604020202020204" pitchFamily="34" charset="0"/>
-                <a:cs typeface="Arial" panose="020B0604020202020204" pitchFamily="34" charset="0"/>
-              </a:rPr>
-              <a:t>&lt; 5 values </a:t>
-            </a:r>
-            <a:r>
-              <a:rPr lang="en-US" sz="2200" dirty="0">
-                <a:solidFill>
-                  <a:schemeClr val="tx1">
-                    <a:lumMod val="85000"/>
-                    <a:lumOff val="15000"/>
-                  </a:schemeClr>
-                </a:solidFill>
-                <a:latin typeface="Arial" panose="020B0604020202020204" pitchFamily="34" charset="0"/>
-                <a:cs typeface="Arial" panose="020B0604020202020204" pitchFamily="34" charset="0"/>
-              </a:rPr>
-              <a:t>→</a:t>
-            </a:r>
-            <a:r>
-              <a:rPr lang="en-US" sz="2200" b="1" dirty="0">
-                <a:solidFill>
-                  <a:srgbClr val="FF0000"/>
-                </a:solidFill>
-                <a:latin typeface="Arial" panose="020B0604020202020204" pitchFamily="34" charset="0"/>
-                <a:cs typeface="Arial" panose="020B0604020202020204" pitchFamily="34" charset="0"/>
-              </a:rPr>
-              <a:t> shared </a:t>
-            </a:r>
-            <a:r>
-              <a:rPr lang="en-US" sz="2200" b="1" dirty="0" smtClean="0">
-                <a:solidFill>
-                  <a:srgbClr val="FF0000"/>
-                </a:solidFill>
-                <a:latin typeface="Arial" panose="020B0604020202020204" pitchFamily="34" charset="0"/>
-                <a:cs typeface="Arial" panose="020B0604020202020204" pitchFamily="34" charset="0"/>
-              </a:rPr>
-              <a:t>memory</a:t>
-            </a:r>
-            <a:r>
-              <a:rPr lang="en-US" sz="2200" dirty="0" smtClean="0">
-                <a:latin typeface="Arial" panose="020B0604020202020204" pitchFamily="34" charset="0"/>
-                <a:cs typeface="Arial" panose="020B0604020202020204" pitchFamily="34" charset="0"/>
-              </a:rPr>
-              <a:t>,</a:t>
-            </a:r>
+                <a:latin typeface="Arial" panose="020B0604020202020204" pitchFamily="34" charset="0"/>
+                <a:cs typeface="Arial" panose="020B0604020202020204" pitchFamily="34" charset="0"/>
+              </a:rPr>
+              <a:t>, else</a:t>
+            </a:r>
+            <a:endParaRPr lang="en-US" sz="2200" dirty="0" smtClean="0">
+              <a:latin typeface="Arial" panose="020B0604020202020204" pitchFamily="34" charset="0"/>
+              <a:cs typeface="Arial" panose="020B0604020202020204" pitchFamily="34" charset="0"/>
+            </a:endParaRPr>
           </a:p>
           <a:p>
             <a:pPr marL="796925" lvl="1" indent="-339725" algn="just">
@@ -28218,7 +28096,7 @@
               <a:t> </a:t>
             </a:r>
             <a:r>
-              <a:rPr lang="en-US" sz="2200" b="1" dirty="0">
+              <a:rPr lang="en-US" sz="2200" b="1">
                 <a:solidFill>
                   <a:srgbClr val="00B050"/>
                 </a:solidFill>
@@ -28228,38 +28106,21 @@
               <a:t>global </a:t>
             </a:r>
             <a:r>
-              <a:rPr lang="en-US" sz="2200" b="1" dirty="0" smtClean="0">
+              <a:rPr lang="en-US" sz="2200" b="1" smtClean="0">
                 <a:solidFill>
                   <a:srgbClr val="00B050"/>
                 </a:solidFill>
                 <a:latin typeface="Arial" panose="020B0604020202020204" pitchFamily="34" charset="0"/>
                 <a:cs typeface="Arial" panose="020B0604020202020204" pitchFamily="34" charset="0"/>
               </a:rPr>
-              <a:t>memory </a:t>
-            </a:r>
-            <a:r>
-              <a:rPr lang="en-US" sz="2200" dirty="0" smtClean="0">
-                <a:latin typeface="Arial" panose="020B0604020202020204" pitchFamily="34" charset="0"/>
-                <a:cs typeface="Arial" panose="020B0604020202020204" pitchFamily="34" charset="0"/>
-              </a:rPr>
-              <a:t>(</a:t>
-            </a:r>
-            <a:r>
-              <a:rPr lang="en-US" sz="2200" b="1" dirty="0" smtClean="0">
-                <a:solidFill>
-                  <a:srgbClr val="00B0F0"/>
-                </a:solidFill>
-                <a:latin typeface="Arial" panose="020B0604020202020204" pitchFamily="34" charset="0"/>
-                <a:cs typeface="Arial" panose="020B0604020202020204" pitchFamily="34" charset="0"/>
-              </a:rPr>
-              <a:t>GM</a:t>
-            </a:r>
-            <a:r>
-              <a:rPr lang="en-US" sz="2200" dirty="0" smtClean="0">
-                <a:latin typeface="Arial" panose="020B0604020202020204" pitchFamily="34" charset="0"/>
-                <a:cs typeface="Arial" panose="020B0604020202020204" pitchFamily="34" charset="0"/>
-              </a:rPr>
-              <a:t>).</a:t>
+              <a:t>memory</a:t>
+            </a:r>
+            <a:r>
+              <a:rPr lang="en-US" sz="2200" smtClean="0">
+                <a:latin typeface="Arial" panose="020B0604020202020204" pitchFamily="34" charset="0"/>
+                <a:cs typeface="Arial" panose="020B0604020202020204" pitchFamily="34" charset="0"/>
+              </a:rPr>
+              <a:t>.</a:t>
             </a:r>
             <a:endParaRPr lang="en-US" sz="2200" dirty="0">
               <a:latin typeface="Arial" panose="020B0604020202020204" pitchFamily="34" charset="0"/>
@@ -28460,6 +28321,19 @@
               <a:buAutoNum type="arabicPeriod"/>
             </a:pPr>
             <a:r>
+              <a:rPr lang="en-US" sz="2400" smtClean="0">
+                <a:solidFill>
+                  <a:schemeClr val="tx1">
+                    <a:lumMod val="85000"/>
+                    <a:lumOff val="15000"/>
+                  </a:schemeClr>
+                </a:solidFill>
+                <a:latin typeface="Arial" panose="020B0604020202020204" pitchFamily="34" charset="0"/>
+                <a:cs typeface="Arial" panose="020B0604020202020204" pitchFamily="34" charset="0"/>
+              </a:rPr>
+              <a:t>Parallel GFKM </a:t>
+            </a:r>
+            <a:r>
               <a:rPr lang="en-US" sz="2400" dirty="0" smtClean="0">
                 <a:solidFill>
                   <a:schemeClr val="tx1">
@@ -28470,7 +28344,7 @@
                 <a:latin typeface="Arial" panose="020B0604020202020204" pitchFamily="34" charset="0"/>
                 <a:cs typeface="Arial" panose="020B0604020202020204" pitchFamily="34" charset="0"/>
               </a:rPr>
-              <a:t>PGFKM model</a:t>
+              <a:t>model</a:t>
             </a:r>
             <a:endParaRPr lang="en-US" sz="2400" dirty="0">
               <a:solidFill>
